--- a/竹田_修論発表.pptx
+++ b/竹田_修論発表.pptx
@@ -15108,7 +15108,15 @@
           <a:p>
             <a:r>
               <a:rPr lang="en" altLang="ja-JP" sz="2400" dirty="0"/>
-              <a:t>In the proposed mathematical model, continuous numbers of units were used as variables.</a:t>
+              <a:t>In the 1</a:t>
+            </a:r>
+            <a:r>
+              <a:rPr lang="en" altLang="ja-JP" sz="2400" baseline="30000" dirty="0"/>
+              <a:t>st </a:t>
+            </a:r>
+            <a:r>
+              <a:rPr lang="en" altLang="ja-JP" sz="2400" dirty="0"/>
+              <a:t>model, continuous numbers of units were used as variables.</a:t>
             </a:r>
           </a:p>
           <a:p>
@@ -16525,7 +16533,7 @@
             <p:ph idx="1"/>
             <p:extLst>
               <p:ext uri="{D42A27DB-BD31-4B8C-83A1-F6EECF244321}">
-                <p14:modId xmlns:p14="http://schemas.microsoft.com/office/powerpoint/2010/main" val="44538167"/>
+                <p14:modId xmlns:p14="http://schemas.microsoft.com/office/powerpoint/2010/main" val="80622006"/>
               </p:ext>
             </p:extLst>
           </p:nvPr>
@@ -16627,6 +16635,7 @@
                     <a:bodyPr/>
                     <a:lstStyle/>
                     <a:p>
+                      <a:pPr algn="ctr"/>
                       <a:r>
                         <a:rPr kumimoji="1" lang="en-US" altLang="ja-JP" sz="2000" dirty="0"/>
                         <a:t>1</a:t>
@@ -16659,6 +16668,7 @@
                     <a:bodyPr/>
                     <a:lstStyle/>
                     <a:p>
+                      <a:pPr algn="ctr"/>
                       <a:r>
                         <a:rPr kumimoji="1" lang="en-US" altLang="ja-JP" sz="2000" dirty="0"/>
                         <a:t>2</a:t>
@@ -17734,34 +17744,58 @@
             <a:pPr lvl="1"/>
             <a:r>
               <a:rPr lang="en" altLang="ja-JP" sz="2200" dirty="0"/>
-              <a:t>We confirmed that we can get good solutions for small bookings.</a:t>
+              <a:t>We proposed</a:t>
+            </a:r>
+            <a:r>
+              <a:rPr lang="en-US" altLang="ja-JP" sz="2200" dirty="0"/>
+              <a:t> </a:t>
+            </a:r>
+            <a:r>
+              <a:rPr lang="en" altLang="ja-JP" sz="2200" dirty="0"/>
+              <a:t>model which is based on the heuristic.</a:t>
             </a:r>
           </a:p>
           <a:p>
             <a:pPr lvl="1"/>
             <a:r>
               <a:rPr lang="en" altLang="ja-JP" sz="2200" dirty="0"/>
-              <a:t>We proposed heuristic model to solve large bookings.</a:t>
+              <a:t>we confirmed that the computation time can be reduced.</a:t>
             </a:r>
           </a:p>
           <a:p>
             <a:pPr lvl="1"/>
             <a:r>
               <a:rPr lang="en" altLang="ja-JP" sz="2200" dirty="0"/>
-              <a:t>For simple models, we confirmed that the computation time can be reduced</a:t>
+              <a:t>In a relatively</a:t>
+            </a:r>
+            <a:r>
+              <a:rPr lang="en-US" altLang="ja-JP" sz="2200" dirty="0"/>
+              <a:t> </a:t>
+            </a:r>
+            <a:r>
+              <a:rPr lang="en" altLang="ja-JP" sz="2200" dirty="0"/>
+              <a:t>short computation time, we got feasible solutions with a certain quality.</a:t>
+            </a:r>
+          </a:p>
+          <a:p>
+            <a:pPr lvl="1"/>
+            <a:r>
+              <a:rPr lang="en" altLang="ja-JP" sz="2200" dirty="0"/>
+              <a:t>For some instances, we observed long computation times even 2</a:t>
+            </a:r>
+            <a:r>
+              <a:rPr lang="en" altLang="ja-JP" sz="2200" baseline="30000" dirty="0"/>
+              <a:t>nd</a:t>
+            </a:r>
+            <a:r>
+              <a:rPr lang="en" altLang="ja-JP" sz="2200" dirty="0"/>
+              <a:t> model is based on heuristics.</a:t>
             </a:r>
           </a:p>
           <a:p>
             <a:r>
               <a:rPr lang="en" altLang="ja-JP" sz="2400" dirty="0"/>
               <a:t>Future work</a:t>
-            </a:r>
-          </a:p>
-          <a:p>
-            <a:pPr lvl="1"/>
-            <a:r>
-              <a:rPr lang="en" altLang="ja-JP" sz="2400" dirty="0"/>
-              <a:t>Implementing the program</a:t>
             </a:r>
           </a:p>
           <a:p>

--- a/竹田_修論発表.pptx
+++ b/竹田_修論発表.pptx
@@ -41,7 +41,10 @@
     <p:sldId id="581" r:id="rId35"/>
     <p:sldId id="578" r:id="rId36"/>
     <p:sldId id="582" r:id="rId37"/>
-    <p:sldId id="561" r:id="rId38"/>
+    <p:sldId id="583" r:id="rId38"/>
+    <p:sldId id="584" r:id="rId39"/>
+    <p:sldId id="585" r:id="rId40"/>
+    <p:sldId id="561" r:id="rId41"/>
   </p:sldIdLst>
   <p:sldSz cx="12192000" cy="6858000"/>
   <p:notesSz cx="6858000" cy="9144000"/>
@@ -336,7 +339,7 @@
           <a:p>
             <a:fld id="{C8659C27-364E-C74E-8EB0-0FFA61AB3438}" type="datetimeFigureOut">
               <a:rPr kumimoji="1" lang="ja-JP" altLang="en-US" smtClean="0"/>
-              <a:t>2021/8/16</a:t>
+              <a:t>2021/8/19</a:t>
             </a:fld>
             <a:endParaRPr kumimoji="1" lang="ja-JP" altLang="en-US"/>
           </a:p>
@@ -711,7 +714,7 @@
           <a:p>
             <a:fld id="{C8659C27-364E-C74E-8EB0-0FFA61AB3438}" type="datetimeFigureOut">
               <a:rPr kumimoji="1" lang="ja-JP" altLang="en-US" smtClean="0"/>
-              <a:t>2021/8/16</a:t>
+              <a:t>2021/8/19</a:t>
             </a:fld>
             <a:endParaRPr kumimoji="1" lang="ja-JP" altLang="en-US"/>
           </a:p>
@@ -1186,7 +1189,7 @@
           <a:p>
             <a:fld id="{C8659C27-364E-C74E-8EB0-0FFA61AB3438}" type="datetimeFigureOut">
               <a:rPr kumimoji="1" lang="ja-JP" altLang="en-US" smtClean="0"/>
-              <a:t>2021/8/16</a:t>
+              <a:t>2021/8/19</a:t>
             </a:fld>
             <a:endParaRPr kumimoji="1" lang="ja-JP" altLang="en-US"/>
           </a:p>
@@ -1559,7 +1562,7 @@
           <a:p>
             <a:fld id="{C8659C27-364E-C74E-8EB0-0FFA61AB3438}" type="datetimeFigureOut">
               <a:rPr kumimoji="1" lang="ja-JP" altLang="en-US" smtClean="0"/>
-              <a:t>2021/8/16</a:t>
+              <a:t>2021/8/19</a:t>
             </a:fld>
             <a:endParaRPr kumimoji="1" lang="ja-JP" altLang="en-US"/>
           </a:p>
@@ -1953,7 +1956,7 @@
           <a:p>
             <a:fld id="{C8659C27-364E-C74E-8EB0-0FFA61AB3438}" type="datetimeFigureOut">
               <a:rPr kumimoji="1" lang="ja-JP" altLang="en-US" smtClean="0"/>
-              <a:t>2021/8/16</a:t>
+              <a:t>2021/8/19</a:t>
             </a:fld>
             <a:endParaRPr kumimoji="1" lang="ja-JP" altLang="en-US"/>
           </a:p>
@@ -2423,7 +2426,7 @@
           <a:p>
             <a:fld id="{C8659C27-364E-C74E-8EB0-0FFA61AB3438}" type="datetimeFigureOut">
               <a:rPr kumimoji="1" lang="ja-JP" altLang="en-US" smtClean="0"/>
-              <a:t>2021/8/16</a:t>
+              <a:t>2021/8/19</a:t>
             </a:fld>
             <a:endParaRPr kumimoji="1" lang="ja-JP" altLang="en-US"/>
           </a:p>
@@ -2688,7 +2691,7 @@
           <a:p>
             <a:fld id="{C8659C27-364E-C74E-8EB0-0FFA61AB3438}" type="datetimeFigureOut">
               <a:rPr kumimoji="1" lang="ja-JP" altLang="en-US" smtClean="0"/>
-              <a:t>2021/8/16</a:t>
+              <a:t>2021/8/19</a:t>
             </a:fld>
             <a:endParaRPr kumimoji="1" lang="ja-JP" altLang="en-US"/>
           </a:p>
@@ -2958,7 +2961,7 @@
           <a:p>
             <a:fld id="{C8659C27-364E-C74E-8EB0-0FFA61AB3438}" type="datetimeFigureOut">
               <a:rPr kumimoji="1" lang="ja-JP" altLang="en-US" smtClean="0"/>
-              <a:t>2021/8/16</a:t>
+              <a:t>2021/8/19</a:t>
             </a:fld>
             <a:endParaRPr kumimoji="1" lang="ja-JP" altLang="en-US"/>
           </a:p>
@@ -3228,7 +3231,7 @@
           <a:p>
             <a:fld id="{C8659C27-364E-C74E-8EB0-0FFA61AB3438}" type="datetimeFigureOut">
               <a:rPr kumimoji="1" lang="ja-JP" altLang="en-US" smtClean="0"/>
-              <a:t>2021/8/16</a:t>
+              <a:t>2021/8/19</a:t>
             </a:fld>
             <a:endParaRPr kumimoji="1" lang="ja-JP" altLang="en-US"/>
           </a:p>
@@ -3594,7 +3597,7 @@
           <a:p>
             <a:fld id="{C8659C27-364E-C74E-8EB0-0FFA61AB3438}" type="datetimeFigureOut">
               <a:rPr kumimoji="1" lang="ja-JP" altLang="en-US" smtClean="0"/>
-              <a:t>2021/8/16</a:t>
+              <a:t>2021/8/19</a:t>
             </a:fld>
             <a:endParaRPr kumimoji="1" lang="ja-JP" altLang="en-US"/>
           </a:p>
@@ -3933,7 +3936,7 @@
           <a:p>
             <a:fld id="{C8659C27-364E-C74E-8EB0-0FFA61AB3438}" type="datetimeFigureOut">
               <a:rPr kumimoji="1" lang="ja-JP" altLang="en-US" smtClean="0"/>
-              <a:t>2021/8/16</a:t>
+              <a:t>2021/8/19</a:t>
             </a:fld>
             <a:endParaRPr kumimoji="1" lang="ja-JP" altLang="en-US"/>
           </a:p>
@@ -4480,7 +4483,7 @@
           <a:p>
             <a:fld id="{C8659C27-364E-C74E-8EB0-0FFA61AB3438}" type="datetimeFigureOut">
               <a:rPr kumimoji="1" lang="ja-JP" altLang="en-US" smtClean="0"/>
-              <a:t>2021/8/16</a:t>
+              <a:t>2021/8/19</a:t>
             </a:fld>
             <a:endParaRPr kumimoji="1" lang="ja-JP" altLang="en-US"/>
           </a:p>
@@ -4685,7 +4688,7 @@
           <a:p>
             <a:fld id="{C8659C27-364E-C74E-8EB0-0FFA61AB3438}" type="datetimeFigureOut">
               <a:rPr kumimoji="1" lang="ja-JP" altLang="en-US" smtClean="0"/>
-              <a:t>2021/8/16</a:t>
+              <a:t>2021/8/19</a:t>
             </a:fld>
             <a:endParaRPr kumimoji="1" lang="ja-JP" altLang="en-US"/>
           </a:p>
@@ -4862,7 +4865,7 @@
           <a:p>
             <a:fld id="{C8659C27-364E-C74E-8EB0-0FFA61AB3438}" type="datetimeFigureOut">
               <a:rPr kumimoji="1" lang="ja-JP" altLang="en-US" smtClean="0"/>
-              <a:t>2021/8/16</a:t>
+              <a:t>2021/8/19</a:t>
             </a:fld>
             <a:endParaRPr kumimoji="1" lang="ja-JP" altLang="en-US"/>
           </a:p>
@@ -5240,7 +5243,7 @@
           <a:p>
             <a:fld id="{C8659C27-364E-C74E-8EB0-0FFA61AB3438}" type="datetimeFigureOut">
               <a:rPr kumimoji="1" lang="ja-JP" altLang="en-US" smtClean="0"/>
-              <a:t>2021/8/16</a:t>
+              <a:t>2021/8/19</a:t>
             </a:fld>
             <a:endParaRPr kumimoji="1" lang="ja-JP" altLang="en-US"/>
           </a:p>
@@ -5622,7 +5625,7 @@
           <a:p>
             <a:fld id="{C8659C27-364E-C74E-8EB0-0FFA61AB3438}" type="datetimeFigureOut">
               <a:rPr kumimoji="1" lang="ja-JP" altLang="en-US" smtClean="0"/>
-              <a:t>2021/8/16</a:t>
+              <a:t>2021/8/19</a:t>
             </a:fld>
             <a:endParaRPr kumimoji="1" lang="ja-JP" altLang="en-US"/>
           </a:p>
@@ -7747,7 +7750,7 @@
           <a:p>
             <a:fld id="{C8659C27-364E-C74E-8EB0-0FFA61AB3438}" type="datetimeFigureOut">
               <a:rPr kumimoji="1" lang="ja-JP" altLang="en-US" smtClean="0"/>
-              <a:t>2021/8/16</a:t>
+              <a:t>2021/8/19</a:t>
             </a:fld>
             <a:endParaRPr kumimoji="1" lang="ja-JP" altLang="en-US"/>
           </a:p>
@@ -16379,8 +16382,8 @@
           <a:lstStyle/>
           <a:p>
             <a:r>
-              <a:rPr kumimoji="1" lang="en-US" altLang="ja-JP" dirty="0"/>
-              <a:t>Current situation of  implementation</a:t>
+              <a:rPr lang="en-US" altLang="ja-JP" dirty="0"/>
+              <a:t>Computational experiment</a:t>
             </a:r>
             <a:endParaRPr kumimoji="1" lang="ja-JP" altLang="en-US"/>
           </a:p>
@@ -16533,7 +16536,7 @@
             <p:ph idx="1"/>
             <p:extLst>
               <p:ext uri="{D42A27DB-BD31-4B8C-83A1-F6EECF244321}">
-                <p14:modId xmlns:p14="http://schemas.microsoft.com/office/powerpoint/2010/main" val="80622006"/>
+                <p14:modId xmlns:p14="http://schemas.microsoft.com/office/powerpoint/2010/main" val="2198430998"/>
               </p:ext>
             </p:extLst>
           </p:nvPr>
@@ -17059,7 +17062,7 @@
                       <a:pPr algn="ctr"/>
                       <a:r>
                         <a:rPr kumimoji="1" lang="en-US" altLang="ja-JP" sz="2000" dirty="0"/>
-                        <a:t>-2959</a:t>
+                        <a:t>-2975</a:t>
                       </a:r>
                       <a:endParaRPr kumimoji="1" lang="ja-JP" altLang="en-US" sz="2000"/>
                     </a:p>
@@ -17074,7 +17077,7 @@
                       <a:pPr algn="ctr"/>
                       <a:r>
                         <a:rPr kumimoji="1" lang="en-US" altLang="ja-JP" sz="2000" dirty="0"/>
-                        <a:t>739</a:t>
+                        <a:t>873</a:t>
                       </a:r>
                       <a:endParaRPr kumimoji="1" lang="ja-JP" altLang="en-US" sz="2000"/>
                     </a:p>
@@ -17170,7 +17173,7 @@
                       <a:pPr algn="ctr"/>
                       <a:r>
                         <a:rPr kumimoji="1" lang="en-US" altLang="ja-JP" sz="2000" dirty="0"/>
-                        <a:t>-2057</a:t>
+                        <a:t>-1167</a:t>
                       </a:r>
                       <a:endParaRPr kumimoji="1" lang="ja-JP" altLang="en-US" sz="2000"/>
                     </a:p>
@@ -17185,7 +17188,7 @@
                       <a:pPr algn="ctr"/>
                       <a:r>
                         <a:rPr kumimoji="1" lang="en-US" altLang="ja-JP" sz="2000" dirty="0"/>
-                        <a:t>653</a:t>
+                        <a:t>938</a:t>
                       </a:r>
                       <a:endParaRPr kumimoji="1" lang="ja-JP" altLang="en-US" sz="2000"/>
                     </a:p>
@@ -17281,7 +17284,7 @@
                       <a:pPr algn="ctr"/>
                       <a:r>
                         <a:rPr kumimoji="1" lang="en-US" altLang="ja-JP" sz="2000" dirty="0"/>
-                        <a:t>-630</a:t>
+                        <a:t>-1378</a:t>
                       </a:r>
                       <a:endParaRPr kumimoji="1" lang="ja-JP" altLang="en-US" sz="2000"/>
                     </a:p>
@@ -17296,7 +17299,7 @@
                       <a:pPr algn="ctr"/>
                       <a:r>
                         <a:rPr kumimoji="1" lang="en-US" altLang="ja-JP" sz="2000" dirty="0"/>
-                        <a:t>548</a:t>
+                        <a:t>728</a:t>
                       </a:r>
                       <a:endParaRPr kumimoji="1" lang="ja-JP" altLang="en-US" sz="2000"/>
                     </a:p>
@@ -17392,7 +17395,7 @@
                       <a:pPr algn="ctr"/>
                       <a:r>
                         <a:rPr kumimoji="1" lang="en-US" altLang="ja-JP" sz="2000" dirty="0"/>
-                        <a:t>6098</a:t>
+                        <a:t>4377</a:t>
                       </a:r>
                       <a:endParaRPr kumimoji="1" lang="ja-JP" altLang="en-US" sz="2000"/>
                     </a:p>
@@ -17407,7 +17410,7 @@
                       <a:pPr algn="ctr"/>
                       <a:r>
                         <a:rPr kumimoji="1" lang="en-US" altLang="ja-JP" sz="2000" dirty="0"/>
-                        <a:t>535</a:t>
+                        <a:t>6481</a:t>
                       </a:r>
                       <a:endParaRPr kumimoji="1" lang="ja-JP" altLang="en-US" sz="2000"/>
                     </a:p>
@@ -17504,7 +17507,7 @@
                       <a:pPr algn="ctr"/>
                       <a:r>
                         <a:rPr kumimoji="1" lang="en-US" altLang="ja-JP" sz="2000" dirty="0"/>
-                        <a:t>-1867</a:t>
+                        <a:t>-2235</a:t>
                       </a:r>
                       <a:endParaRPr kumimoji="1" lang="ja-JP" altLang="en-US" sz="2000"/>
                     </a:p>
@@ -17519,7 +17522,7 @@
                       <a:pPr algn="ctr"/>
                       <a:r>
                         <a:rPr kumimoji="1" lang="en-US" altLang="ja-JP" sz="2000" dirty="0"/>
-                        <a:t>1101</a:t>
+                        <a:t>3069</a:t>
                       </a:r>
                       <a:endParaRPr kumimoji="1" lang="ja-JP" altLang="en-US" sz="2000"/>
                     </a:p>
@@ -17616,7 +17619,7 @@
                       <a:pPr algn="ctr"/>
                       <a:r>
                         <a:rPr kumimoji="1" lang="en-US" altLang="ja-JP" sz="2000" dirty="0"/>
-                        <a:t>5198</a:t>
+                        <a:t>4434</a:t>
                       </a:r>
                       <a:endParaRPr kumimoji="1" lang="ja-JP" altLang="en-US" sz="2000"/>
                     </a:p>
@@ -17631,9 +17634,8 @@
                       <a:pPr algn="ctr"/>
                       <a:r>
                         <a:rPr kumimoji="1" lang="en-US" altLang="ja-JP" sz="2000" dirty="0"/>
-                        <a:t>21863</a:t>
+                        <a:t>19219</a:t>
                       </a:r>
-                      <a:endParaRPr kumimoji="1" lang="ja-JP" altLang="en-US" sz="2000"/>
                     </a:p>
                   </a:txBody>
                   <a:tcPr/>
@@ -17683,7 +17685,7 @@
           <p:cNvPr id="2" name="タイトル 1">
             <a:extLst>
               <a:ext uri="{FF2B5EF4-FFF2-40B4-BE49-F238E27FC236}">
-                <a16:creationId xmlns:a16="http://schemas.microsoft.com/office/drawing/2014/main" id="{7A74A867-EBEB-2F4D-8265-67DD34FA45C3}"/>
+                <a16:creationId xmlns:a16="http://schemas.microsoft.com/office/drawing/2014/main" id="{10C85110-0AEB-6C49-9AE3-DAAB21DFABB3}"/>
               </a:ext>
             </a:extLst>
           </p:cNvPr>
@@ -17700,8 +17702,8 @@
           <a:lstStyle/>
           <a:p>
             <a:r>
-              <a:rPr kumimoji="1" lang="en-US" altLang="ja-JP" dirty="0"/>
-              <a:t>Summary &amp;future work</a:t>
+              <a:rPr lang="en-US" altLang="ja-JP" dirty="0"/>
+              <a:t>Computational experiment</a:t>
             </a:r>
             <a:endParaRPr kumimoji="1" lang="ja-JP" altLang="en-US"/>
           </a:p>
@@ -17712,7 +17714,7 @@
           <p:cNvPr id="3" name="コンテンツ プレースホルダー 2">
             <a:extLst>
               <a:ext uri="{FF2B5EF4-FFF2-40B4-BE49-F238E27FC236}">
-                <a16:creationId xmlns:a16="http://schemas.microsoft.com/office/drawing/2014/main" id="{248D57BC-E16B-2345-B115-CA7B5ECA4B39}"/>
+                <a16:creationId xmlns:a16="http://schemas.microsoft.com/office/drawing/2014/main" id="{48B29443-0E2E-9240-9158-A7C1DB7BC48D}"/>
               </a:ext>
             </a:extLst>
           </p:cNvPr>
@@ -17723,94 +17725,1647 @@
             <p:ph idx="1"/>
           </p:nvPr>
         </p:nvSpPr>
-        <p:spPr>
-          <a:xfrm>
-            <a:off x="2261665" y="1768521"/>
-            <a:ext cx="9434465" cy="4673221"/>
-          </a:xfrm>
-        </p:spPr>
-        <p:txBody>
-          <a:bodyPr>
-            <a:normAutofit/>
-          </a:bodyPr>
+        <p:spPr/>
+        <p:txBody>
+          <a:bodyPr/>
           <a:lstStyle/>
           <a:p>
             <a:r>
               <a:rPr lang="en" altLang="ja-JP" sz="2400" dirty="0"/>
-              <a:t>Summary </a:t>
-            </a:r>
-          </a:p>
-          <a:p>
-            <a:pPr lvl="1"/>
-            <a:r>
-              <a:rPr lang="en" altLang="ja-JP" sz="2200" dirty="0"/>
-              <a:t>We proposed</a:t>
-            </a:r>
-            <a:r>
-              <a:rPr lang="en-US" altLang="ja-JP" sz="2200" dirty="0"/>
+              <a:t>In a relatively</a:t>
+            </a:r>
+            <a:r>
+              <a:rPr lang="en-US" altLang="ja-JP" sz="2400" dirty="0"/>
               <a:t> </a:t>
             </a:r>
             <a:r>
-              <a:rPr lang="en" altLang="ja-JP" sz="2200" dirty="0"/>
-              <a:t>model which is based on the heuristic.</a:t>
-            </a:r>
-          </a:p>
-          <a:p>
-            <a:pPr lvl="1"/>
-            <a:r>
-              <a:rPr lang="en" altLang="ja-JP" sz="2200" dirty="0"/>
-              <a:t>we confirmed that the computation time can be reduced.</a:t>
-            </a:r>
-          </a:p>
-          <a:p>
-            <a:pPr lvl="1"/>
-            <a:r>
-              <a:rPr lang="en" altLang="ja-JP" sz="2200" dirty="0"/>
-              <a:t>In a relatively</a:t>
-            </a:r>
-            <a:r>
-              <a:rPr lang="en-US" altLang="ja-JP" sz="2200" dirty="0"/>
-              <a:t> </a:t>
-            </a:r>
-            <a:r>
-              <a:rPr lang="en" altLang="ja-JP" sz="2200" dirty="0"/>
+              <a:rPr lang="en" altLang="ja-JP" sz="2400" dirty="0"/>
               <a:t>short computation time, we got feasible solutions with a certain quality.</a:t>
             </a:r>
           </a:p>
           <a:p>
-            <a:pPr lvl="1"/>
-            <a:r>
-              <a:rPr lang="en" altLang="ja-JP" sz="2200" dirty="0"/>
+            <a:r>
+              <a:rPr lang="en" altLang="ja-JP" sz="2400" dirty="0"/>
               <a:t>For some instances, we observed long computation times even 2</a:t>
             </a:r>
             <a:r>
-              <a:rPr lang="en" altLang="ja-JP" sz="2200" baseline="30000" dirty="0"/>
+              <a:rPr lang="en" altLang="ja-JP" sz="2400" baseline="30000" dirty="0"/>
               <a:t>nd</a:t>
             </a:r>
             <a:r>
-              <a:rPr lang="en" altLang="ja-JP" sz="2200" dirty="0"/>
+              <a:rPr lang="en" altLang="ja-JP" sz="2400" dirty="0"/>
               <a:t> model is based on heuristics.</a:t>
             </a:r>
           </a:p>
           <a:p>
+            <a:endParaRPr kumimoji="1" lang="en" altLang="ja-JP" sz="2400" dirty="0"/>
+          </a:p>
+          <a:p>
             <a:r>
               <a:rPr lang="en" altLang="ja-JP" sz="2400" dirty="0"/>
-              <a:t>Future work</a:t>
-            </a:r>
-          </a:p>
-          <a:p>
-            <a:pPr lvl="1"/>
-            <a:r>
-              <a:rPr lang="en" altLang="ja-JP" sz="2400" dirty="0"/>
-              <a:t>Proposing an approach to find the global optimal solution.</a:t>
-            </a:r>
+              <a:t>it seems the heuristic algorithm do not find a lot of better solutions in the swap neighborhood. 	</a:t>
+            </a:r>
+            <a:endParaRPr kumimoji="1" lang="ja-JP" altLang="en-US"/>
           </a:p>
         </p:txBody>
       </p:sp>
     </p:spTree>
     <p:extLst>
       <p:ext uri="{BB962C8B-B14F-4D97-AF65-F5344CB8AC3E}">
-        <p14:creationId xmlns:p14="http://schemas.microsoft.com/office/powerpoint/2010/main" val="547483656"/>
+        <p14:creationId xmlns:p14="http://schemas.microsoft.com/office/powerpoint/2010/main" val="2216146474"/>
+      </p:ext>
+    </p:extLst>
+  </p:cSld>
+  <p:clrMapOvr>
+    <a:masterClrMapping/>
+  </p:clrMapOvr>
+</p:sld>
+</file>
+
+<file path=ppt/slides/slide38.xml><?xml version="1.0" encoding="utf-8"?>
+<p:sld xmlns:a="http://schemas.openxmlformats.org/drawingml/2006/main" xmlns:r="http://schemas.openxmlformats.org/officeDocument/2006/relationships" xmlns:p="http://schemas.openxmlformats.org/presentationml/2006/main">
+  <p:cSld>
+    <p:spTree>
+      <p:nvGrpSpPr>
+        <p:cNvPr id="1" name=""/>
+        <p:cNvGrpSpPr/>
+        <p:nvPr/>
+      </p:nvGrpSpPr>
+      <p:grpSpPr>
+        <a:xfrm>
+          <a:off x="0" y="0"/>
+          <a:ext cx="0" cy="0"/>
+          <a:chOff x="0" y="0"/>
+          <a:chExt cx="0" cy="0"/>
+        </a:xfrm>
+      </p:grpSpPr>
+      <p:sp>
+        <p:nvSpPr>
+          <p:cNvPr id="2" name="タイトル 1">
+            <a:extLst>
+              <a:ext uri="{FF2B5EF4-FFF2-40B4-BE49-F238E27FC236}">
+                <a16:creationId xmlns:a16="http://schemas.microsoft.com/office/drawing/2014/main" id="{0F3E9755-7D4C-E140-A34C-76DD3CC7C081}"/>
+              </a:ext>
+            </a:extLst>
+          </p:cNvPr>
+          <p:cNvSpPr>
+            <a:spLocks noGrp="1"/>
+          </p:cNvSpPr>
+          <p:nvPr>
+            <p:ph type="title"/>
+          </p:nvPr>
+        </p:nvSpPr>
+        <p:spPr/>
+        <p:txBody>
+          <a:bodyPr/>
+          <a:lstStyle/>
+          <a:p>
+            <a:r>
+              <a:rPr lang="en-US" altLang="ja-JP" dirty="0"/>
+              <a:t>Neighborhood comparison</a:t>
+            </a:r>
+            <a:endParaRPr kumimoji="1" lang="ja-JP" altLang="en-US"/>
+          </a:p>
+        </p:txBody>
+      </p:sp>
+      <p:graphicFrame>
+        <p:nvGraphicFramePr>
+          <p:cNvPr id="4" name="コンテンツ プレースホルダー 3">
+            <a:extLst>
+              <a:ext uri="{FF2B5EF4-FFF2-40B4-BE49-F238E27FC236}">
+                <a16:creationId xmlns:a16="http://schemas.microsoft.com/office/drawing/2014/main" id="{A43B9D2D-517B-CB46-A337-956322EC2B9A}"/>
+              </a:ext>
+            </a:extLst>
+          </p:cNvPr>
+          <p:cNvGraphicFramePr>
+            <a:graphicFrameLocks noGrp="1"/>
+          </p:cNvGraphicFramePr>
+          <p:nvPr>
+            <p:ph idx="1"/>
+            <p:extLst>
+              <p:ext uri="{D42A27DB-BD31-4B8C-83A1-F6EECF244321}">
+                <p14:modId xmlns:p14="http://schemas.microsoft.com/office/powerpoint/2010/main" val="3945483578"/>
+              </p:ext>
+            </p:extLst>
+          </p:nvPr>
+        </p:nvGraphicFramePr>
+        <p:xfrm>
+          <a:off x="833717" y="1439898"/>
+          <a:ext cx="10959353" cy="4721129"/>
+        </p:xfrm>
+        <a:graphic>
+          <a:graphicData uri="http://schemas.openxmlformats.org/drawingml/2006/table">
+            <a:tbl>
+              <a:tblPr firstRow="1" bandRow="1">
+                <a:tableStyleId>{5C22544A-7EE6-4342-B048-85BDC9FD1C3A}</a:tableStyleId>
+              </a:tblPr>
+              <a:tblGrid>
+                <a:gridCol w="1061033">
+                  <a:extLst>
+                    <a:ext uri="{9D8B030D-6E8A-4147-A177-3AD203B41FA5}">
+                      <a16:colId xmlns:a16="http://schemas.microsoft.com/office/drawing/2014/main" val="3767232075"/>
+                    </a:ext>
+                  </a:extLst>
+                </a:gridCol>
+                <a:gridCol w="848450">
+                  <a:extLst>
+                    <a:ext uri="{9D8B030D-6E8A-4147-A177-3AD203B41FA5}">
+                      <a16:colId xmlns:a16="http://schemas.microsoft.com/office/drawing/2014/main" val="3477330652"/>
+                    </a:ext>
+                  </a:extLst>
+                </a:gridCol>
+                <a:gridCol w="874059">
+                  <a:extLst>
+                    <a:ext uri="{9D8B030D-6E8A-4147-A177-3AD203B41FA5}">
+                      <a16:colId xmlns:a16="http://schemas.microsoft.com/office/drawing/2014/main" val="2984689672"/>
+                    </a:ext>
+                  </a:extLst>
+                </a:gridCol>
+                <a:gridCol w="1035423">
+                  <a:extLst>
+                    <a:ext uri="{9D8B030D-6E8A-4147-A177-3AD203B41FA5}">
+                      <a16:colId xmlns:a16="http://schemas.microsoft.com/office/drawing/2014/main" val="275792739"/>
+                    </a:ext>
+                  </a:extLst>
+                </a:gridCol>
+                <a:gridCol w="1748118">
+                  <a:extLst>
+                    <a:ext uri="{9D8B030D-6E8A-4147-A177-3AD203B41FA5}">
+                      <a16:colId xmlns:a16="http://schemas.microsoft.com/office/drawing/2014/main" val="2550383071"/>
+                    </a:ext>
+                  </a:extLst>
+                </a:gridCol>
+                <a:gridCol w="981635">
+                  <a:extLst>
+                    <a:ext uri="{9D8B030D-6E8A-4147-A177-3AD203B41FA5}">
+                      <a16:colId xmlns:a16="http://schemas.microsoft.com/office/drawing/2014/main" val="3694173054"/>
+                    </a:ext>
+                  </a:extLst>
+                </a:gridCol>
+                <a:gridCol w="1748118">
+                  <a:extLst>
+                    <a:ext uri="{9D8B030D-6E8A-4147-A177-3AD203B41FA5}">
+                      <a16:colId xmlns:a16="http://schemas.microsoft.com/office/drawing/2014/main" val="608630972"/>
+                    </a:ext>
+                  </a:extLst>
+                </a:gridCol>
+                <a:gridCol w="927847">
+                  <a:extLst>
+                    <a:ext uri="{9D8B030D-6E8A-4147-A177-3AD203B41FA5}">
+                      <a16:colId xmlns:a16="http://schemas.microsoft.com/office/drawing/2014/main" val="2649941175"/>
+                    </a:ext>
+                  </a:extLst>
+                </a:gridCol>
+                <a:gridCol w="1734670">
+                  <a:extLst>
+                    <a:ext uri="{9D8B030D-6E8A-4147-A177-3AD203B41FA5}">
+                      <a16:colId xmlns:a16="http://schemas.microsoft.com/office/drawing/2014/main" val="4158393983"/>
+                    </a:ext>
+                  </a:extLst>
+                </a:gridCol>
+              </a:tblGrid>
+              <a:tr h="636495">
+                <a:tc>
+                  <a:txBody>
+                    <a:bodyPr/>
+                    <a:lstStyle/>
+                    <a:p>
+                      <a:endParaRPr kumimoji="1" lang="ja-JP" altLang="en-US" sz="2000"/>
+                    </a:p>
+                  </a:txBody>
+                  <a:tcPr/>
+                </a:tc>
+                <a:tc>
+                  <a:txBody>
+                    <a:bodyPr/>
+                    <a:lstStyle/>
+                    <a:p>
+                      <a:endParaRPr kumimoji="1" lang="ja-JP" altLang="en-US" sz="2000"/>
+                    </a:p>
+                  </a:txBody>
+                  <a:tcPr/>
+                </a:tc>
+                <a:tc>
+                  <a:txBody>
+                    <a:bodyPr/>
+                    <a:lstStyle/>
+                    <a:p>
+                      <a:endParaRPr kumimoji="1" lang="ja-JP" altLang="en-US" sz="2000"/>
+                    </a:p>
+                  </a:txBody>
+                  <a:tcPr/>
+                </a:tc>
+                <a:tc gridSpan="2">
+                  <a:txBody>
+                    <a:bodyPr/>
+                    <a:lstStyle/>
+                    <a:p>
+                      <a:pPr algn="ctr"/>
+                      <a:r>
+                        <a:rPr kumimoji="1" lang="en-US" altLang="ja-JP" sz="2000" dirty="0"/>
+                        <a:t>Both </a:t>
+                      </a:r>
+                      <a:endParaRPr kumimoji="1" lang="ja-JP" altLang="en-US" sz="2000"/>
+                    </a:p>
+                  </a:txBody>
+                  <a:tcPr/>
+                </a:tc>
+                <a:tc hMerge="1">
+                  <a:txBody>
+                    <a:bodyPr/>
+                    <a:lstStyle/>
+                    <a:p>
+                      <a:endParaRPr kumimoji="1" lang="ja-JP" altLang="en-US" sz="2000"/>
+                    </a:p>
+                  </a:txBody>
+                  <a:tcPr/>
+                </a:tc>
+                <a:tc gridSpan="2">
+                  <a:txBody>
+                    <a:bodyPr/>
+                    <a:lstStyle/>
+                    <a:p>
+                      <a:pPr algn="ctr"/>
+                      <a:r>
+                        <a:rPr kumimoji="1" lang="en-US" altLang="ja-JP" sz="2000" dirty="0"/>
+                        <a:t>Shift </a:t>
+                      </a:r>
+                    </a:p>
+                    <a:p>
+                      <a:pPr algn="ctr"/>
+                      <a:r>
+                        <a:rPr kumimoji="1" lang="en-US" altLang="ja-JP" sz="2000" dirty="0"/>
+                        <a:t>neighborhood</a:t>
+                      </a:r>
+                      <a:endParaRPr kumimoji="1" lang="ja-JP" altLang="en-US" sz="2000"/>
+                    </a:p>
+                  </a:txBody>
+                  <a:tcPr/>
+                </a:tc>
+                <a:tc hMerge="1">
+                  <a:txBody>
+                    <a:bodyPr/>
+                    <a:lstStyle/>
+                    <a:p>
+                      <a:pPr marL="0" marR="0" lvl="0" indent="0" algn="l" defTabSz="457200" rtl="0" eaLnBrk="1" fontAlgn="auto" latinLnBrk="0" hangingPunct="1">
+                        <a:lnSpc>
+                          <a:spcPct val="100000"/>
+                        </a:lnSpc>
+                        <a:spcBef>
+                          <a:spcPts val="0"/>
+                        </a:spcBef>
+                        <a:spcAft>
+                          <a:spcPts val="0"/>
+                        </a:spcAft>
+                        <a:buClrTx/>
+                        <a:buSzTx/>
+                        <a:buFontTx/>
+                        <a:buNone/>
+                        <a:tabLst/>
+                        <a:defRPr/>
+                      </a:pPr>
+                      <a:endParaRPr kumimoji="1" lang="ja-JP" altLang="en-US" sz="1800"/>
+                    </a:p>
+                  </a:txBody>
+                  <a:tcPr/>
+                </a:tc>
+                <a:tc gridSpan="2">
+                  <a:txBody>
+                    <a:bodyPr/>
+                    <a:lstStyle/>
+                    <a:p>
+                      <a:pPr algn="ctr"/>
+                      <a:r>
+                        <a:rPr kumimoji="1" lang="en-US" altLang="ja-JP" sz="2000" dirty="0"/>
+                        <a:t>Swap neighborhood</a:t>
+                      </a:r>
+                      <a:endParaRPr kumimoji="1" lang="ja-JP" altLang="en-US" sz="2000"/>
+                    </a:p>
+                  </a:txBody>
+                  <a:tcPr/>
+                </a:tc>
+                <a:tc hMerge="1">
+                  <a:txBody>
+                    <a:bodyPr/>
+                    <a:lstStyle/>
+                    <a:p>
+                      <a:pPr algn="ctr"/>
+                      <a:endParaRPr kumimoji="1" lang="ja-JP" altLang="en-US" sz="2000"/>
+                    </a:p>
+                  </a:txBody>
+                  <a:tcPr/>
+                </a:tc>
+                <a:extLst>
+                  <a:ext uri="{0D108BD9-81ED-4DB2-BD59-A6C34878D82A}">
+                    <a16:rowId xmlns:a16="http://schemas.microsoft.com/office/drawing/2014/main" val="3982216832"/>
+                  </a:ext>
+                </a:extLst>
+              </a:tr>
+              <a:tr h="1239287">
+                <a:tc>
+                  <a:txBody>
+                    <a:bodyPr/>
+                    <a:lstStyle/>
+                    <a:p>
+                      <a:pPr algn="ctr"/>
+                      <a:r>
+                        <a:rPr kumimoji="1" lang="en-US" altLang="ja-JP" sz="2000" dirty="0"/>
+                        <a:t>orders</a:t>
+                      </a:r>
+                      <a:endParaRPr kumimoji="1" lang="ja-JP" altLang="en-US" sz="2000"/>
+                    </a:p>
+                  </a:txBody>
+                  <a:tcPr/>
+                </a:tc>
+                <a:tc>
+                  <a:txBody>
+                    <a:bodyPr/>
+                    <a:lstStyle/>
+                    <a:p>
+                      <a:pPr algn="ctr"/>
+                      <a:r>
+                        <a:rPr kumimoji="1" lang="en-US" altLang="ja-JP" sz="2000" dirty="0"/>
+                        <a:t>L </a:t>
+                      </a:r>
+                    </a:p>
+                    <a:p>
+                      <a:pPr algn="ctr"/>
+                      <a:r>
+                        <a:rPr kumimoji="1" lang="en-US" altLang="ja-JP" sz="2000" dirty="0"/>
+                        <a:t>ports</a:t>
+                      </a:r>
+                      <a:endParaRPr kumimoji="1" lang="ja-JP" altLang="en-US" sz="2000"/>
+                    </a:p>
+                  </a:txBody>
+                  <a:tcPr/>
+                </a:tc>
+                <a:tc>
+                  <a:txBody>
+                    <a:bodyPr/>
+                    <a:lstStyle/>
+                    <a:p>
+                      <a:pPr algn="ctr"/>
+                      <a:r>
+                        <a:rPr kumimoji="1" lang="en-US" altLang="ja-JP" sz="2000" dirty="0"/>
+                        <a:t>D </a:t>
+                      </a:r>
+                    </a:p>
+                    <a:p>
+                      <a:pPr algn="ctr"/>
+                      <a:r>
+                        <a:rPr kumimoji="1" lang="en-US" altLang="ja-JP" sz="2000" dirty="0"/>
+                        <a:t>ports</a:t>
+                      </a:r>
+                      <a:endParaRPr kumimoji="1" lang="ja-JP" altLang="en-US" sz="2000"/>
+                    </a:p>
+                  </a:txBody>
+                  <a:tcPr/>
+                </a:tc>
+                <a:tc>
+                  <a:txBody>
+                    <a:bodyPr/>
+                    <a:lstStyle/>
+                    <a:p>
+                      <a:pPr marL="0" marR="0" lvl="0" indent="0" algn="ctr" defTabSz="457200" rtl="0" eaLnBrk="1" fontAlgn="auto" latinLnBrk="0" hangingPunct="1">
+                        <a:lnSpc>
+                          <a:spcPct val="100000"/>
+                        </a:lnSpc>
+                        <a:spcBef>
+                          <a:spcPts val="0"/>
+                        </a:spcBef>
+                        <a:spcAft>
+                          <a:spcPts val="0"/>
+                        </a:spcAft>
+                        <a:buClrTx/>
+                        <a:buSzTx/>
+                        <a:buFontTx/>
+                        <a:buNone/>
+                        <a:tabLst/>
+                        <a:defRPr/>
+                      </a:pPr>
+                      <a:r>
+                        <a:rPr kumimoji="1" lang="en" altLang="ja-JP" sz="2000" dirty="0"/>
+                        <a:t>Value</a:t>
+                      </a:r>
+                      <a:endParaRPr kumimoji="1" lang="ja-JP" altLang="en-US" sz="2000"/>
+                    </a:p>
+                  </a:txBody>
+                  <a:tcPr/>
+                </a:tc>
+                <a:tc>
+                  <a:txBody>
+                    <a:bodyPr/>
+                    <a:lstStyle/>
+                    <a:p>
+                      <a:pPr marL="0" marR="0" lvl="0" indent="0" algn="ctr" defTabSz="457200" rtl="0" eaLnBrk="1" fontAlgn="auto" latinLnBrk="0" hangingPunct="1">
+                        <a:lnSpc>
+                          <a:spcPct val="100000"/>
+                        </a:lnSpc>
+                        <a:spcBef>
+                          <a:spcPts val="0"/>
+                        </a:spcBef>
+                        <a:spcAft>
+                          <a:spcPts val="0"/>
+                        </a:spcAft>
+                        <a:buClrTx/>
+                        <a:buSzTx/>
+                        <a:buFontTx/>
+                        <a:buNone/>
+                        <a:tabLst/>
+                        <a:defRPr/>
+                      </a:pPr>
+                      <a:r>
+                        <a:rPr kumimoji="1" lang="en" altLang="ja-JP" sz="1800" dirty="0"/>
+                        <a:t>Computation time</a:t>
+                      </a:r>
+                    </a:p>
+                  </a:txBody>
+                  <a:tcPr/>
+                </a:tc>
+                <a:tc>
+                  <a:txBody>
+                    <a:bodyPr/>
+                    <a:lstStyle/>
+                    <a:p>
+                      <a:pPr marL="0" marR="0" lvl="0" indent="0" algn="ctr" defTabSz="457200" rtl="0" eaLnBrk="1" fontAlgn="auto" latinLnBrk="0" hangingPunct="1">
+                        <a:lnSpc>
+                          <a:spcPct val="100000"/>
+                        </a:lnSpc>
+                        <a:spcBef>
+                          <a:spcPts val="0"/>
+                        </a:spcBef>
+                        <a:spcAft>
+                          <a:spcPts val="0"/>
+                        </a:spcAft>
+                        <a:buClrTx/>
+                        <a:buSzTx/>
+                        <a:buFontTx/>
+                        <a:buNone/>
+                        <a:tabLst/>
+                        <a:defRPr/>
+                      </a:pPr>
+                      <a:r>
+                        <a:rPr kumimoji="1" lang="en" altLang="ja-JP" sz="2000" dirty="0"/>
+                        <a:t>Value</a:t>
+                      </a:r>
+                      <a:endParaRPr kumimoji="1" lang="ja-JP" altLang="en-US" sz="2000"/>
+                    </a:p>
+                  </a:txBody>
+                  <a:tcPr/>
+                </a:tc>
+                <a:tc>
+                  <a:txBody>
+                    <a:bodyPr/>
+                    <a:lstStyle/>
+                    <a:p>
+                      <a:pPr marL="0" marR="0" lvl="0" indent="0" algn="ctr" defTabSz="457200" rtl="0" eaLnBrk="1" fontAlgn="auto" latinLnBrk="0" hangingPunct="1">
+                        <a:lnSpc>
+                          <a:spcPct val="100000"/>
+                        </a:lnSpc>
+                        <a:spcBef>
+                          <a:spcPts val="0"/>
+                        </a:spcBef>
+                        <a:spcAft>
+                          <a:spcPts val="0"/>
+                        </a:spcAft>
+                        <a:buClrTx/>
+                        <a:buSzTx/>
+                        <a:buFontTx/>
+                        <a:buNone/>
+                        <a:tabLst/>
+                        <a:defRPr/>
+                      </a:pPr>
+                      <a:r>
+                        <a:rPr kumimoji="1" lang="en" altLang="ja-JP" sz="1800" dirty="0"/>
+                        <a:t>Computation </a:t>
+                      </a:r>
+                    </a:p>
+                    <a:p>
+                      <a:pPr marL="0" marR="0" lvl="0" indent="0" algn="ctr" defTabSz="457200" rtl="0" eaLnBrk="1" fontAlgn="auto" latinLnBrk="0" hangingPunct="1">
+                        <a:lnSpc>
+                          <a:spcPct val="100000"/>
+                        </a:lnSpc>
+                        <a:spcBef>
+                          <a:spcPts val="0"/>
+                        </a:spcBef>
+                        <a:spcAft>
+                          <a:spcPts val="0"/>
+                        </a:spcAft>
+                        <a:buClrTx/>
+                        <a:buSzTx/>
+                        <a:buFontTx/>
+                        <a:buNone/>
+                        <a:tabLst/>
+                        <a:defRPr/>
+                      </a:pPr>
+                      <a:r>
+                        <a:rPr kumimoji="1" lang="en" altLang="ja-JP" sz="1800" dirty="0"/>
+                        <a:t>time</a:t>
+                      </a:r>
+                    </a:p>
+                  </a:txBody>
+                  <a:tcPr/>
+                </a:tc>
+                <a:tc>
+                  <a:txBody>
+                    <a:bodyPr/>
+                    <a:lstStyle/>
+                    <a:p>
+                      <a:pPr marL="0" marR="0" lvl="0" indent="0" algn="ctr" defTabSz="457200" rtl="0" eaLnBrk="1" fontAlgn="auto" latinLnBrk="0" hangingPunct="1">
+                        <a:lnSpc>
+                          <a:spcPct val="100000"/>
+                        </a:lnSpc>
+                        <a:spcBef>
+                          <a:spcPts val="0"/>
+                        </a:spcBef>
+                        <a:spcAft>
+                          <a:spcPts val="0"/>
+                        </a:spcAft>
+                        <a:buClrTx/>
+                        <a:buSzTx/>
+                        <a:buFontTx/>
+                        <a:buNone/>
+                        <a:tabLst/>
+                        <a:defRPr/>
+                      </a:pPr>
+                      <a:r>
+                        <a:rPr kumimoji="1" lang="en" altLang="ja-JP" sz="1800" dirty="0"/>
+                        <a:t>Value</a:t>
+                      </a:r>
+                      <a:endParaRPr kumimoji="1" lang="ja-JP" altLang="en-US" sz="1800"/>
+                    </a:p>
+                  </a:txBody>
+                  <a:tcPr/>
+                </a:tc>
+                <a:tc>
+                  <a:txBody>
+                    <a:bodyPr/>
+                    <a:lstStyle/>
+                    <a:p>
+                      <a:pPr marL="0" marR="0" lvl="0" indent="0" algn="ctr" defTabSz="457200" rtl="0" eaLnBrk="1" fontAlgn="auto" latinLnBrk="0" hangingPunct="1">
+                        <a:lnSpc>
+                          <a:spcPct val="100000"/>
+                        </a:lnSpc>
+                        <a:spcBef>
+                          <a:spcPts val="0"/>
+                        </a:spcBef>
+                        <a:spcAft>
+                          <a:spcPts val="0"/>
+                        </a:spcAft>
+                        <a:buClrTx/>
+                        <a:buSzTx/>
+                        <a:buFontTx/>
+                        <a:buNone/>
+                        <a:tabLst/>
+                        <a:defRPr/>
+                      </a:pPr>
+                      <a:r>
+                        <a:rPr kumimoji="1" lang="en" altLang="ja-JP" sz="1800" dirty="0"/>
+                        <a:t>Computation </a:t>
+                      </a:r>
+                    </a:p>
+                    <a:p>
+                      <a:pPr marL="0" marR="0" lvl="0" indent="0" algn="ctr" defTabSz="457200" rtl="0" eaLnBrk="1" fontAlgn="auto" latinLnBrk="0" hangingPunct="1">
+                        <a:lnSpc>
+                          <a:spcPct val="100000"/>
+                        </a:lnSpc>
+                        <a:spcBef>
+                          <a:spcPts val="0"/>
+                        </a:spcBef>
+                        <a:spcAft>
+                          <a:spcPts val="0"/>
+                        </a:spcAft>
+                        <a:buClrTx/>
+                        <a:buSzTx/>
+                        <a:buFontTx/>
+                        <a:buNone/>
+                        <a:tabLst/>
+                        <a:defRPr/>
+                      </a:pPr>
+                      <a:r>
+                        <a:rPr kumimoji="1" lang="en" altLang="ja-JP" sz="1800" dirty="0"/>
+                        <a:t>time</a:t>
+                      </a:r>
+                    </a:p>
+                    <a:p>
+                      <a:pPr marL="0" marR="0" lvl="0" indent="0" algn="ctr" defTabSz="457200" rtl="0" eaLnBrk="1" fontAlgn="auto" latinLnBrk="0" hangingPunct="1">
+                        <a:lnSpc>
+                          <a:spcPct val="100000"/>
+                        </a:lnSpc>
+                        <a:spcBef>
+                          <a:spcPts val="0"/>
+                        </a:spcBef>
+                        <a:spcAft>
+                          <a:spcPts val="0"/>
+                        </a:spcAft>
+                        <a:buClrTx/>
+                        <a:buSzTx/>
+                        <a:buFontTx/>
+                        <a:buNone/>
+                        <a:tabLst/>
+                        <a:defRPr/>
+                      </a:pPr>
+                      <a:endParaRPr kumimoji="1" lang="ja-JP" altLang="en-US" sz="1800"/>
+                    </a:p>
+                  </a:txBody>
+                  <a:tcPr/>
+                </a:tc>
+                <a:extLst>
+                  <a:ext uri="{0D108BD9-81ED-4DB2-BD59-A6C34878D82A}">
+                    <a16:rowId xmlns:a16="http://schemas.microsoft.com/office/drawing/2014/main" val="3667031896"/>
+                  </a:ext>
+                </a:extLst>
+              </a:tr>
+              <a:tr h="463467">
+                <a:tc>
+                  <a:txBody>
+                    <a:bodyPr/>
+                    <a:lstStyle/>
+                    <a:p>
+                      <a:pPr algn="ctr"/>
+                      <a:r>
+                        <a:rPr kumimoji="1" lang="en-US" altLang="ja-JP" sz="2000" dirty="0"/>
+                        <a:t>109</a:t>
+                      </a:r>
+                      <a:endParaRPr kumimoji="1" lang="ja-JP" altLang="en-US" sz="2000"/>
+                    </a:p>
+                  </a:txBody>
+                  <a:tcPr/>
+                </a:tc>
+                <a:tc>
+                  <a:txBody>
+                    <a:bodyPr/>
+                    <a:lstStyle/>
+                    <a:p>
+                      <a:pPr algn="ctr"/>
+                      <a:r>
+                        <a:rPr kumimoji="1" lang="en-US" altLang="ja-JP" sz="2000" dirty="0"/>
+                        <a:t>2</a:t>
+                      </a:r>
+                      <a:endParaRPr kumimoji="1" lang="ja-JP" altLang="en-US" sz="2000"/>
+                    </a:p>
+                  </a:txBody>
+                  <a:tcPr/>
+                </a:tc>
+                <a:tc>
+                  <a:txBody>
+                    <a:bodyPr/>
+                    <a:lstStyle/>
+                    <a:p>
+                      <a:pPr algn="ctr"/>
+                      <a:r>
+                        <a:rPr kumimoji="1" lang="en-US" altLang="ja-JP" sz="2000" dirty="0"/>
+                        <a:t>3</a:t>
+                      </a:r>
+                      <a:endParaRPr kumimoji="1" lang="ja-JP" altLang="en-US" sz="2000"/>
+                    </a:p>
+                  </a:txBody>
+                  <a:tcPr/>
+                </a:tc>
+                <a:tc>
+                  <a:txBody>
+                    <a:bodyPr/>
+                    <a:lstStyle/>
+                    <a:p>
+                      <a:pPr algn="ctr"/>
+                      <a:r>
+                        <a:rPr kumimoji="1" lang="en-US" altLang="ja-JP" sz="2000" dirty="0"/>
+                        <a:t>-2975</a:t>
+                      </a:r>
+                      <a:endParaRPr kumimoji="1" lang="ja-JP" altLang="en-US" sz="2000"/>
+                    </a:p>
+                  </a:txBody>
+                  <a:tcPr/>
+                </a:tc>
+                <a:tc>
+                  <a:txBody>
+                    <a:bodyPr/>
+                    <a:lstStyle/>
+                    <a:p>
+                      <a:pPr algn="ctr"/>
+                      <a:r>
+                        <a:rPr kumimoji="1" lang="en-US" altLang="ja-JP" sz="2000" dirty="0"/>
+                        <a:t>873</a:t>
+                      </a:r>
+                      <a:endParaRPr kumimoji="1" lang="ja-JP" altLang="en-US" sz="2000"/>
+                    </a:p>
+                  </a:txBody>
+                  <a:tcPr/>
+                </a:tc>
+                <a:tc>
+                  <a:txBody>
+                    <a:bodyPr/>
+                    <a:lstStyle/>
+                    <a:p>
+                      <a:pPr algn="ctr"/>
+                      <a:r>
+                        <a:rPr kumimoji="1" lang="en-US" altLang="ja-JP" sz="2000" dirty="0"/>
+                        <a:t>-2318</a:t>
+                      </a:r>
+                      <a:endParaRPr kumimoji="1" lang="ja-JP" altLang="en-US" sz="2000"/>
+                    </a:p>
+                  </a:txBody>
+                  <a:tcPr/>
+                </a:tc>
+                <a:tc>
+                  <a:txBody>
+                    <a:bodyPr/>
+                    <a:lstStyle/>
+                    <a:p>
+                      <a:pPr algn="ctr"/>
+                      <a:r>
+                        <a:rPr kumimoji="1" lang="en-US" altLang="ja-JP" sz="2000" dirty="0"/>
+                        <a:t>309</a:t>
+                      </a:r>
+                      <a:endParaRPr kumimoji="1" lang="ja-JP" altLang="en-US" sz="2000"/>
+                    </a:p>
+                  </a:txBody>
+                  <a:tcPr/>
+                </a:tc>
+                <a:tc>
+                  <a:txBody>
+                    <a:bodyPr/>
+                    <a:lstStyle/>
+                    <a:p>
+                      <a:pPr algn="ctr"/>
+                      <a:r>
+                        <a:rPr kumimoji="1" lang="en-US" altLang="ja-JP" sz="2000" dirty="0"/>
+                        <a:t>-1585</a:t>
+                      </a:r>
+                      <a:endParaRPr kumimoji="1" lang="ja-JP" altLang="en-US" sz="2000"/>
+                    </a:p>
+                  </a:txBody>
+                  <a:tcPr/>
+                </a:tc>
+                <a:tc>
+                  <a:txBody>
+                    <a:bodyPr/>
+                    <a:lstStyle/>
+                    <a:p>
+                      <a:pPr algn="ctr"/>
+                      <a:r>
+                        <a:rPr kumimoji="1" lang="en-US" altLang="ja-JP" sz="2000" dirty="0"/>
+                        <a:t>1143</a:t>
+                      </a:r>
+                      <a:endParaRPr kumimoji="1" lang="ja-JP" altLang="en-US" sz="2000"/>
+                    </a:p>
+                  </a:txBody>
+                  <a:tcPr/>
+                </a:tc>
+                <a:extLst>
+                  <a:ext uri="{0D108BD9-81ED-4DB2-BD59-A6C34878D82A}">
+                    <a16:rowId xmlns:a16="http://schemas.microsoft.com/office/drawing/2014/main" val="2690316513"/>
+                  </a:ext>
+                </a:extLst>
+              </a:tr>
+              <a:tr h="463467">
+                <a:tc>
+                  <a:txBody>
+                    <a:bodyPr/>
+                    <a:lstStyle/>
+                    <a:p>
+                      <a:pPr algn="ctr"/>
+                      <a:r>
+                        <a:rPr kumimoji="1" lang="en-US" altLang="ja-JP" sz="2000" dirty="0"/>
+                        <a:t>109</a:t>
+                      </a:r>
+                      <a:endParaRPr kumimoji="1" lang="ja-JP" altLang="en-US" sz="2000"/>
+                    </a:p>
+                  </a:txBody>
+                  <a:tcPr/>
+                </a:tc>
+                <a:tc>
+                  <a:txBody>
+                    <a:bodyPr/>
+                    <a:lstStyle/>
+                    <a:p>
+                      <a:pPr algn="ctr"/>
+                      <a:r>
+                        <a:rPr kumimoji="1" lang="en-US" altLang="ja-JP" sz="2000" dirty="0"/>
+                        <a:t>2</a:t>
+                      </a:r>
+                    </a:p>
+                  </a:txBody>
+                  <a:tcPr/>
+                </a:tc>
+                <a:tc>
+                  <a:txBody>
+                    <a:bodyPr/>
+                    <a:lstStyle/>
+                    <a:p>
+                      <a:pPr algn="ctr"/>
+                      <a:r>
+                        <a:rPr kumimoji="1" lang="en-US" altLang="ja-JP" sz="2000" dirty="0"/>
+                        <a:t>5</a:t>
+                      </a:r>
+                      <a:endParaRPr kumimoji="1" lang="ja-JP" altLang="en-US" sz="2000"/>
+                    </a:p>
+                  </a:txBody>
+                  <a:tcPr/>
+                </a:tc>
+                <a:tc>
+                  <a:txBody>
+                    <a:bodyPr/>
+                    <a:lstStyle/>
+                    <a:p>
+                      <a:pPr algn="ctr"/>
+                      <a:r>
+                        <a:rPr kumimoji="1" lang="en-US" altLang="ja-JP" sz="2000" dirty="0"/>
+                        <a:t>-1167</a:t>
+                      </a:r>
+                      <a:endParaRPr kumimoji="1" lang="ja-JP" altLang="en-US" sz="2000"/>
+                    </a:p>
+                  </a:txBody>
+                  <a:tcPr/>
+                </a:tc>
+                <a:tc>
+                  <a:txBody>
+                    <a:bodyPr/>
+                    <a:lstStyle/>
+                    <a:p>
+                      <a:pPr algn="ctr"/>
+                      <a:r>
+                        <a:rPr kumimoji="1" lang="en-US" altLang="ja-JP" sz="2000" dirty="0"/>
+                        <a:t>938</a:t>
+                      </a:r>
+                      <a:endParaRPr kumimoji="1" lang="ja-JP" altLang="en-US" sz="2000"/>
+                    </a:p>
+                  </a:txBody>
+                  <a:tcPr/>
+                </a:tc>
+                <a:tc>
+                  <a:txBody>
+                    <a:bodyPr/>
+                    <a:lstStyle/>
+                    <a:p>
+                      <a:pPr algn="ctr"/>
+                      <a:r>
+                        <a:rPr kumimoji="1" lang="en-US" altLang="ja-JP" sz="2000" dirty="0"/>
+                        <a:t>-831</a:t>
+                      </a:r>
+                      <a:endParaRPr kumimoji="1" lang="ja-JP" altLang="en-US" sz="2000"/>
+                    </a:p>
+                  </a:txBody>
+                  <a:tcPr/>
+                </a:tc>
+                <a:tc>
+                  <a:txBody>
+                    <a:bodyPr/>
+                    <a:lstStyle/>
+                    <a:p>
+                      <a:pPr algn="ctr"/>
+                      <a:r>
+                        <a:rPr kumimoji="1" lang="en-US" altLang="ja-JP" sz="2000" dirty="0"/>
+                        <a:t>689</a:t>
+                      </a:r>
+                      <a:endParaRPr kumimoji="1" lang="ja-JP" altLang="en-US" sz="2000"/>
+                    </a:p>
+                  </a:txBody>
+                  <a:tcPr/>
+                </a:tc>
+                <a:tc>
+                  <a:txBody>
+                    <a:bodyPr/>
+                    <a:lstStyle/>
+                    <a:p>
+                      <a:pPr algn="ctr"/>
+                      <a:r>
+                        <a:rPr kumimoji="1" lang="en-US" altLang="ja-JP" sz="2000" dirty="0"/>
+                        <a:t>-1991</a:t>
+                      </a:r>
+                      <a:endParaRPr kumimoji="1" lang="ja-JP" altLang="en-US" sz="2000"/>
+                    </a:p>
+                  </a:txBody>
+                  <a:tcPr/>
+                </a:tc>
+                <a:tc>
+                  <a:txBody>
+                    <a:bodyPr/>
+                    <a:lstStyle/>
+                    <a:p>
+                      <a:pPr algn="ctr"/>
+                      <a:r>
+                        <a:rPr kumimoji="1" lang="en-US" altLang="ja-JP" sz="2000" dirty="0"/>
+                        <a:t>1287</a:t>
+                      </a:r>
+                      <a:endParaRPr kumimoji="1" lang="ja-JP" altLang="en-US" sz="2000"/>
+                    </a:p>
+                  </a:txBody>
+                  <a:tcPr/>
+                </a:tc>
+                <a:extLst>
+                  <a:ext uri="{0D108BD9-81ED-4DB2-BD59-A6C34878D82A}">
+                    <a16:rowId xmlns:a16="http://schemas.microsoft.com/office/drawing/2014/main" val="323683789"/>
+                  </a:ext>
+                </a:extLst>
+              </a:tr>
+              <a:tr h="463467">
+                <a:tc>
+                  <a:txBody>
+                    <a:bodyPr/>
+                    <a:lstStyle/>
+                    <a:p>
+                      <a:pPr algn="ctr"/>
+                      <a:r>
+                        <a:rPr kumimoji="1" lang="en-US" altLang="ja-JP" sz="2000" dirty="0"/>
+                        <a:t>109</a:t>
+                      </a:r>
+                      <a:endParaRPr kumimoji="1" lang="ja-JP" altLang="en-US" sz="2000"/>
+                    </a:p>
+                  </a:txBody>
+                  <a:tcPr/>
+                </a:tc>
+                <a:tc>
+                  <a:txBody>
+                    <a:bodyPr/>
+                    <a:lstStyle/>
+                    <a:p>
+                      <a:pPr algn="ctr"/>
+                      <a:r>
+                        <a:rPr kumimoji="1" lang="en-US" altLang="ja-JP" sz="2000" dirty="0"/>
+                        <a:t>4</a:t>
+                      </a:r>
+                    </a:p>
+                  </a:txBody>
+                  <a:tcPr/>
+                </a:tc>
+                <a:tc>
+                  <a:txBody>
+                    <a:bodyPr/>
+                    <a:lstStyle/>
+                    <a:p>
+                      <a:pPr algn="ctr"/>
+                      <a:r>
+                        <a:rPr kumimoji="1" lang="en-US" altLang="ja-JP" sz="2000" dirty="0"/>
+                        <a:t>3</a:t>
+                      </a:r>
+                      <a:endParaRPr kumimoji="1" lang="ja-JP" altLang="en-US" sz="2000"/>
+                    </a:p>
+                  </a:txBody>
+                  <a:tcPr/>
+                </a:tc>
+                <a:tc>
+                  <a:txBody>
+                    <a:bodyPr/>
+                    <a:lstStyle/>
+                    <a:p>
+                      <a:pPr algn="ctr"/>
+                      <a:r>
+                        <a:rPr kumimoji="1" lang="en-US" altLang="ja-JP" sz="2000" dirty="0"/>
+                        <a:t>-1378</a:t>
+                      </a:r>
+                      <a:endParaRPr kumimoji="1" lang="ja-JP" altLang="en-US" sz="2000"/>
+                    </a:p>
+                  </a:txBody>
+                  <a:tcPr/>
+                </a:tc>
+                <a:tc>
+                  <a:txBody>
+                    <a:bodyPr/>
+                    <a:lstStyle/>
+                    <a:p>
+                      <a:pPr algn="ctr"/>
+                      <a:r>
+                        <a:rPr kumimoji="1" lang="en-US" altLang="ja-JP" sz="2000" dirty="0"/>
+                        <a:t>728</a:t>
+                      </a:r>
+                      <a:endParaRPr kumimoji="1" lang="ja-JP" altLang="en-US" sz="2000"/>
+                    </a:p>
+                  </a:txBody>
+                  <a:tcPr/>
+                </a:tc>
+                <a:tc>
+                  <a:txBody>
+                    <a:bodyPr/>
+                    <a:lstStyle/>
+                    <a:p>
+                      <a:pPr algn="ctr"/>
+                      <a:r>
+                        <a:rPr kumimoji="1" lang="en-US" altLang="ja-JP" sz="2000" dirty="0"/>
+                        <a:t>-1021</a:t>
+                      </a:r>
+                      <a:endParaRPr kumimoji="1" lang="ja-JP" altLang="en-US" sz="2000"/>
+                    </a:p>
+                  </a:txBody>
+                  <a:tcPr/>
+                </a:tc>
+                <a:tc>
+                  <a:txBody>
+                    <a:bodyPr/>
+                    <a:lstStyle/>
+                    <a:p>
+                      <a:pPr algn="ctr"/>
+                      <a:r>
+                        <a:rPr kumimoji="1" lang="en-US" altLang="ja-JP" sz="2000" dirty="0"/>
+                        <a:t>223</a:t>
+                      </a:r>
+                      <a:endParaRPr kumimoji="1" lang="ja-JP" altLang="en-US" sz="2000"/>
+                    </a:p>
+                  </a:txBody>
+                  <a:tcPr/>
+                </a:tc>
+                <a:tc>
+                  <a:txBody>
+                    <a:bodyPr/>
+                    <a:lstStyle/>
+                    <a:p>
+                      <a:pPr algn="ctr"/>
+                      <a:r>
+                        <a:rPr kumimoji="1" lang="en-US" altLang="ja-JP" sz="2000" dirty="0"/>
+                        <a:t>-489</a:t>
+                      </a:r>
+                      <a:endParaRPr kumimoji="1" lang="ja-JP" altLang="en-US" sz="2000"/>
+                    </a:p>
+                  </a:txBody>
+                  <a:tcPr/>
+                </a:tc>
+                <a:tc>
+                  <a:txBody>
+                    <a:bodyPr/>
+                    <a:lstStyle/>
+                    <a:p>
+                      <a:pPr algn="ctr"/>
+                      <a:r>
+                        <a:rPr kumimoji="1" lang="en-US" altLang="ja-JP" sz="2000" dirty="0"/>
+                        <a:t>1091</a:t>
+                      </a:r>
+                      <a:endParaRPr kumimoji="1" lang="ja-JP" altLang="en-US" sz="2000"/>
+                    </a:p>
+                  </a:txBody>
+                  <a:tcPr/>
+                </a:tc>
+                <a:extLst>
+                  <a:ext uri="{0D108BD9-81ED-4DB2-BD59-A6C34878D82A}">
+                    <a16:rowId xmlns:a16="http://schemas.microsoft.com/office/drawing/2014/main" val="1536353699"/>
+                  </a:ext>
+                </a:extLst>
+              </a:tr>
+              <a:tr h="463467">
+                <a:tc>
+                  <a:txBody>
+                    <a:bodyPr/>
+                    <a:lstStyle/>
+                    <a:p>
+                      <a:pPr algn="ctr"/>
+                      <a:r>
+                        <a:rPr kumimoji="1" lang="en-US" altLang="ja-JP" sz="2000" dirty="0"/>
+                        <a:t>200</a:t>
+                      </a:r>
+                      <a:endParaRPr kumimoji="1" lang="ja-JP" altLang="en-US" sz="2000"/>
+                    </a:p>
+                  </a:txBody>
+                  <a:tcPr/>
+                </a:tc>
+                <a:tc>
+                  <a:txBody>
+                    <a:bodyPr/>
+                    <a:lstStyle/>
+                    <a:p>
+                      <a:pPr algn="ctr"/>
+                      <a:r>
+                        <a:rPr kumimoji="1" lang="en-US" altLang="ja-JP" sz="2000" dirty="0"/>
+                        <a:t>2</a:t>
+                      </a:r>
+                    </a:p>
+                  </a:txBody>
+                  <a:tcPr/>
+                </a:tc>
+                <a:tc>
+                  <a:txBody>
+                    <a:bodyPr/>
+                    <a:lstStyle/>
+                    <a:p>
+                      <a:pPr algn="ctr"/>
+                      <a:r>
+                        <a:rPr kumimoji="1" lang="en-US" altLang="ja-JP" sz="2000" dirty="0"/>
+                        <a:t>3</a:t>
+                      </a:r>
+                      <a:endParaRPr kumimoji="1" lang="ja-JP" altLang="en-US" sz="2000"/>
+                    </a:p>
+                  </a:txBody>
+                  <a:tcPr/>
+                </a:tc>
+                <a:tc>
+                  <a:txBody>
+                    <a:bodyPr/>
+                    <a:lstStyle/>
+                    <a:p>
+                      <a:pPr algn="ctr"/>
+                      <a:r>
+                        <a:rPr kumimoji="1" lang="en-US" altLang="ja-JP" sz="2000" dirty="0"/>
+                        <a:t>4377</a:t>
+                      </a:r>
+                      <a:endParaRPr kumimoji="1" lang="ja-JP" altLang="en-US" sz="2000"/>
+                    </a:p>
+                  </a:txBody>
+                  <a:tcPr/>
+                </a:tc>
+                <a:tc>
+                  <a:txBody>
+                    <a:bodyPr/>
+                    <a:lstStyle/>
+                    <a:p>
+                      <a:pPr algn="ctr"/>
+                      <a:r>
+                        <a:rPr kumimoji="1" lang="en-US" altLang="ja-JP" sz="2000" dirty="0"/>
+                        <a:t>6481</a:t>
+                      </a:r>
+                      <a:endParaRPr kumimoji="1" lang="ja-JP" altLang="en-US" sz="2000"/>
+                    </a:p>
+                  </a:txBody>
+                  <a:tcPr/>
+                </a:tc>
+                <a:tc>
+                  <a:txBody>
+                    <a:bodyPr/>
+                    <a:lstStyle/>
+                    <a:p>
+                      <a:pPr algn="ctr"/>
+                      <a:r>
+                        <a:rPr kumimoji="1" lang="en-US" altLang="ja-JP" sz="2000" dirty="0"/>
+                        <a:t>12720</a:t>
+                      </a:r>
+                      <a:endParaRPr kumimoji="1" lang="ja-JP" altLang="en-US" sz="2000"/>
+                    </a:p>
+                  </a:txBody>
+                  <a:tcPr/>
+                </a:tc>
+                <a:tc>
+                  <a:txBody>
+                    <a:bodyPr/>
+                    <a:lstStyle/>
+                    <a:p>
+                      <a:pPr algn="ctr"/>
+                      <a:r>
+                        <a:rPr kumimoji="1" lang="en-US" altLang="ja-JP" sz="2000" dirty="0"/>
+                        <a:t>1859</a:t>
+                      </a:r>
+                      <a:endParaRPr kumimoji="1" lang="ja-JP" altLang="en-US" sz="2000"/>
+                    </a:p>
+                  </a:txBody>
+                  <a:tcPr/>
+                </a:tc>
+                <a:tc>
+                  <a:txBody>
+                    <a:bodyPr/>
+                    <a:lstStyle/>
+                    <a:p>
+                      <a:pPr algn="ctr"/>
+                      <a:r>
+                        <a:rPr kumimoji="1" lang="en-US" altLang="ja-JP" sz="2000" dirty="0"/>
+                        <a:t>10648</a:t>
+                      </a:r>
+                      <a:endParaRPr kumimoji="1" lang="ja-JP" altLang="en-US" sz="2000"/>
+                    </a:p>
+                  </a:txBody>
+                  <a:tcPr/>
+                </a:tc>
+                <a:tc>
+                  <a:txBody>
+                    <a:bodyPr/>
+                    <a:lstStyle/>
+                    <a:p>
+                      <a:pPr algn="ctr"/>
+                      <a:r>
+                        <a:rPr kumimoji="1" lang="en-US" altLang="ja-JP" sz="2000" dirty="0"/>
+                        <a:t>4927</a:t>
+                      </a:r>
+                      <a:endParaRPr kumimoji="1" lang="ja-JP" altLang="en-US" sz="2000"/>
+                    </a:p>
+                  </a:txBody>
+                  <a:tcPr/>
+                </a:tc>
+                <a:extLst>
+                  <a:ext uri="{0D108BD9-81ED-4DB2-BD59-A6C34878D82A}">
+                    <a16:rowId xmlns:a16="http://schemas.microsoft.com/office/drawing/2014/main" val="861762615"/>
+                  </a:ext>
+                </a:extLst>
+              </a:tr>
+              <a:tr h="463467">
+                <a:tc>
+                  <a:txBody>
+                    <a:bodyPr/>
+                    <a:lstStyle/>
+                    <a:p>
+                      <a:pPr algn="ctr"/>
+                      <a:r>
+                        <a:rPr kumimoji="1" lang="en-US" altLang="ja-JP" sz="2000" dirty="0"/>
+                        <a:t>250</a:t>
+                      </a:r>
+                      <a:endParaRPr kumimoji="1" lang="ja-JP" altLang="en-US" sz="2000"/>
+                    </a:p>
+                  </a:txBody>
+                  <a:tcPr/>
+                </a:tc>
+                <a:tc>
+                  <a:txBody>
+                    <a:bodyPr/>
+                    <a:lstStyle/>
+                    <a:p>
+                      <a:pPr algn="ctr"/>
+                      <a:r>
+                        <a:rPr kumimoji="1" lang="en-US" altLang="ja-JP" sz="2000" dirty="0"/>
+                        <a:t>2</a:t>
+                      </a:r>
+                      <a:endParaRPr kumimoji="1" lang="ja-JP" altLang="en-US" sz="2000"/>
+                    </a:p>
+                  </a:txBody>
+                  <a:tcPr/>
+                </a:tc>
+                <a:tc>
+                  <a:txBody>
+                    <a:bodyPr/>
+                    <a:lstStyle/>
+                    <a:p>
+                      <a:pPr algn="ctr"/>
+                      <a:r>
+                        <a:rPr kumimoji="1" lang="en-US" altLang="ja-JP" sz="2000" dirty="0"/>
+                        <a:t>3</a:t>
+                      </a:r>
+                      <a:endParaRPr kumimoji="1" lang="ja-JP" altLang="en-US" sz="2000"/>
+                    </a:p>
+                  </a:txBody>
+                  <a:tcPr/>
+                </a:tc>
+                <a:tc>
+                  <a:txBody>
+                    <a:bodyPr/>
+                    <a:lstStyle/>
+                    <a:p>
+                      <a:pPr algn="ctr"/>
+                      <a:r>
+                        <a:rPr kumimoji="1" lang="en-US" altLang="ja-JP" sz="2000" dirty="0"/>
+                        <a:t>-2235</a:t>
+                      </a:r>
+                      <a:endParaRPr kumimoji="1" lang="ja-JP" altLang="en-US" sz="2000"/>
+                    </a:p>
+                  </a:txBody>
+                  <a:tcPr/>
+                </a:tc>
+                <a:tc>
+                  <a:txBody>
+                    <a:bodyPr/>
+                    <a:lstStyle/>
+                    <a:p>
+                      <a:pPr algn="ctr"/>
+                      <a:r>
+                        <a:rPr kumimoji="1" lang="en-US" altLang="ja-JP" sz="2000" dirty="0"/>
+                        <a:t>3069</a:t>
+                      </a:r>
+                      <a:endParaRPr kumimoji="1" lang="ja-JP" altLang="en-US" sz="2000"/>
+                    </a:p>
+                  </a:txBody>
+                  <a:tcPr/>
+                </a:tc>
+                <a:tc>
+                  <a:txBody>
+                    <a:bodyPr/>
+                    <a:lstStyle/>
+                    <a:p>
+                      <a:pPr algn="ctr"/>
+                      <a:r>
+                        <a:rPr kumimoji="1" lang="en-US" altLang="ja-JP" sz="2000" dirty="0"/>
+                        <a:t>-1554</a:t>
+                      </a:r>
+                      <a:endParaRPr kumimoji="1" lang="ja-JP" altLang="en-US" sz="2000"/>
+                    </a:p>
+                  </a:txBody>
+                  <a:tcPr/>
+                </a:tc>
+                <a:tc>
+                  <a:txBody>
+                    <a:bodyPr/>
+                    <a:lstStyle/>
+                    <a:p>
+                      <a:pPr algn="ctr"/>
+                      <a:r>
+                        <a:rPr kumimoji="1" lang="en-US" altLang="ja-JP" sz="2000" dirty="0"/>
+                        <a:t>747</a:t>
+                      </a:r>
+                      <a:endParaRPr kumimoji="1" lang="ja-JP" altLang="en-US" sz="2000"/>
+                    </a:p>
+                  </a:txBody>
+                  <a:tcPr/>
+                </a:tc>
+                <a:tc>
+                  <a:txBody>
+                    <a:bodyPr/>
+                    <a:lstStyle/>
+                    <a:p>
+                      <a:pPr algn="ctr"/>
+                      <a:r>
+                        <a:rPr kumimoji="1" lang="en-US" altLang="ja-JP" sz="2000" dirty="0"/>
+                        <a:t>-2489</a:t>
+                      </a:r>
+                      <a:endParaRPr kumimoji="1" lang="ja-JP" altLang="en-US" sz="2000"/>
+                    </a:p>
+                  </a:txBody>
+                  <a:tcPr/>
+                </a:tc>
+                <a:tc>
+                  <a:txBody>
+                    <a:bodyPr/>
+                    <a:lstStyle/>
+                    <a:p>
+                      <a:pPr algn="ctr"/>
+                      <a:r>
+                        <a:rPr kumimoji="1" lang="en-US" altLang="ja-JP" sz="2000" dirty="0"/>
+                        <a:t>3884</a:t>
+                      </a:r>
+                      <a:endParaRPr kumimoji="1" lang="ja-JP" altLang="en-US" sz="2000"/>
+                    </a:p>
+                  </a:txBody>
+                  <a:tcPr/>
+                </a:tc>
+                <a:extLst>
+                  <a:ext uri="{0D108BD9-81ED-4DB2-BD59-A6C34878D82A}">
+                    <a16:rowId xmlns:a16="http://schemas.microsoft.com/office/drawing/2014/main" val="342577522"/>
+                  </a:ext>
+                </a:extLst>
+              </a:tr>
+              <a:tr h="463467">
+                <a:tc>
+                  <a:txBody>
+                    <a:bodyPr/>
+                    <a:lstStyle/>
+                    <a:p>
+                      <a:pPr algn="ctr"/>
+                      <a:r>
+                        <a:rPr kumimoji="1" lang="en-US" altLang="ja-JP" sz="2000" dirty="0"/>
+                        <a:t>350</a:t>
+                      </a:r>
+                      <a:endParaRPr kumimoji="1" lang="ja-JP" altLang="en-US" sz="2000"/>
+                    </a:p>
+                  </a:txBody>
+                  <a:tcPr/>
+                </a:tc>
+                <a:tc>
+                  <a:txBody>
+                    <a:bodyPr/>
+                    <a:lstStyle/>
+                    <a:p>
+                      <a:pPr algn="ctr"/>
+                      <a:r>
+                        <a:rPr kumimoji="1" lang="en-US" altLang="ja-JP" sz="2000" dirty="0"/>
+                        <a:t>2</a:t>
+                      </a:r>
+                      <a:endParaRPr kumimoji="1" lang="ja-JP" altLang="en-US" sz="2000"/>
+                    </a:p>
+                  </a:txBody>
+                  <a:tcPr/>
+                </a:tc>
+                <a:tc>
+                  <a:txBody>
+                    <a:bodyPr/>
+                    <a:lstStyle/>
+                    <a:p>
+                      <a:pPr algn="ctr"/>
+                      <a:r>
+                        <a:rPr kumimoji="1" lang="en-US" altLang="ja-JP" sz="2000" dirty="0"/>
+                        <a:t>3</a:t>
+                      </a:r>
+                      <a:endParaRPr kumimoji="1" lang="ja-JP" altLang="en-US" sz="2000"/>
+                    </a:p>
+                  </a:txBody>
+                  <a:tcPr/>
+                </a:tc>
+                <a:tc>
+                  <a:txBody>
+                    <a:bodyPr/>
+                    <a:lstStyle/>
+                    <a:p>
+                      <a:pPr algn="ctr"/>
+                      <a:r>
+                        <a:rPr kumimoji="1" lang="en-US" altLang="ja-JP" sz="2000" dirty="0"/>
+                        <a:t>4434</a:t>
+                      </a:r>
+                      <a:endParaRPr kumimoji="1" lang="ja-JP" altLang="en-US" sz="2000"/>
+                    </a:p>
+                  </a:txBody>
+                  <a:tcPr/>
+                </a:tc>
+                <a:tc>
+                  <a:txBody>
+                    <a:bodyPr/>
+                    <a:lstStyle/>
+                    <a:p>
+                      <a:pPr algn="ctr"/>
+                      <a:r>
+                        <a:rPr kumimoji="1" lang="en-US" altLang="ja-JP" sz="2000" dirty="0"/>
+                        <a:t>19219</a:t>
+                      </a:r>
+                    </a:p>
+                  </a:txBody>
+                  <a:tcPr/>
+                </a:tc>
+                <a:tc>
+                  <a:txBody>
+                    <a:bodyPr/>
+                    <a:lstStyle/>
+                    <a:p>
+                      <a:pPr algn="ctr"/>
+                      <a:r>
+                        <a:rPr kumimoji="1" lang="en-US" altLang="ja-JP" sz="2000" dirty="0"/>
+                        <a:t>5790</a:t>
+                      </a:r>
+                      <a:endParaRPr kumimoji="1" lang="ja-JP" altLang="en-US" sz="2000"/>
+                    </a:p>
+                  </a:txBody>
+                  <a:tcPr/>
+                </a:tc>
+                <a:tc>
+                  <a:txBody>
+                    <a:bodyPr/>
+                    <a:lstStyle/>
+                    <a:p>
+                      <a:pPr algn="ctr"/>
+                      <a:r>
+                        <a:rPr kumimoji="1" lang="en-US" altLang="ja-JP" sz="2000" dirty="0"/>
+                        <a:t>5087</a:t>
+                      </a:r>
+                    </a:p>
+                  </a:txBody>
+                  <a:tcPr/>
+                </a:tc>
+                <a:tc>
+                  <a:txBody>
+                    <a:bodyPr/>
+                    <a:lstStyle/>
+                    <a:p>
+                      <a:pPr algn="ctr"/>
+                      <a:r>
+                        <a:rPr kumimoji="1" lang="en-US" altLang="ja-JP" sz="2000" dirty="0"/>
+                        <a:t>3555</a:t>
+                      </a:r>
+                    </a:p>
+                  </a:txBody>
+                  <a:tcPr/>
+                </a:tc>
+                <a:tc>
+                  <a:txBody>
+                    <a:bodyPr/>
+                    <a:lstStyle/>
+                    <a:p>
+                      <a:pPr algn="ctr"/>
+                      <a:r>
+                        <a:rPr kumimoji="1" lang="en-US" altLang="ja-JP" sz="2000" dirty="0"/>
+                        <a:t>18632</a:t>
+                      </a:r>
+                    </a:p>
+                  </a:txBody>
+                  <a:tcPr/>
+                </a:tc>
+                <a:extLst>
+                  <a:ext uri="{0D108BD9-81ED-4DB2-BD59-A6C34878D82A}">
+                    <a16:rowId xmlns:a16="http://schemas.microsoft.com/office/drawing/2014/main" val="458223093"/>
+                  </a:ext>
+                </a:extLst>
+              </a:tr>
+            </a:tbl>
+          </a:graphicData>
+        </a:graphic>
+      </p:graphicFrame>
+    </p:spTree>
+    <p:extLst>
+      <p:ext uri="{BB962C8B-B14F-4D97-AF65-F5344CB8AC3E}">
+        <p14:creationId xmlns:p14="http://schemas.microsoft.com/office/powerpoint/2010/main" val="1948372685"/>
+      </p:ext>
+    </p:extLst>
+  </p:cSld>
+  <p:clrMapOvr>
+    <a:masterClrMapping/>
+  </p:clrMapOvr>
+</p:sld>
+</file>
+
+<file path=ppt/slides/slide39.xml><?xml version="1.0" encoding="utf-8"?>
+<p:sld xmlns:a="http://schemas.openxmlformats.org/drawingml/2006/main" xmlns:r="http://schemas.openxmlformats.org/officeDocument/2006/relationships" xmlns:p="http://schemas.openxmlformats.org/presentationml/2006/main">
+  <p:cSld>
+    <p:spTree>
+      <p:nvGrpSpPr>
+        <p:cNvPr id="1" name=""/>
+        <p:cNvGrpSpPr/>
+        <p:nvPr/>
+      </p:nvGrpSpPr>
+      <p:grpSpPr>
+        <a:xfrm>
+          <a:off x="0" y="0"/>
+          <a:ext cx="0" cy="0"/>
+          <a:chOff x="0" y="0"/>
+          <a:chExt cx="0" cy="0"/>
+        </a:xfrm>
+      </p:grpSpPr>
+      <p:sp>
+        <p:nvSpPr>
+          <p:cNvPr id="2" name="タイトル 1">
+            <a:extLst>
+              <a:ext uri="{FF2B5EF4-FFF2-40B4-BE49-F238E27FC236}">
+                <a16:creationId xmlns:a16="http://schemas.microsoft.com/office/drawing/2014/main" id="{6A4DC8E6-C232-9044-B457-1796E5A8E670}"/>
+              </a:ext>
+            </a:extLst>
+          </p:cNvPr>
+          <p:cNvSpPr>
+            <a:spLocks noGrp="1"/>
+          </p:cNvSpPr>
+          <p:nvPr>
+            <p:ph type="title"/>
+          </p:nvPr>
+        </p:nvSpPr>
+        <p:spPr/>
+        <p:txBody>
+          <a:bodyPr/>
+          <a:lstStyle/>
+          <a:p>
+            <a:r>
+              <a:rPr lang="en-US" altLang="ja-JP" dirty="0"/>
+              <a:t>Neighborhood comparison</a:t>
+            </a:r>
+            <a:endParaRPr kumimoji="1" lang="ja-JP" altLang="en-US"/>
+          </a:p>
+        </p:txBody>
+      </p:sp>
+      <p:sp>
+        <p:nvSpPr>
+          <p:cNvPr id="3" name="コンテンツ プレースホルダー 2">
+            <a:extLst>
+              <a:ext uri="{FF2B5EF4-FFF2-40B4-BE49-F238E27FC236}">
+                <a16:creationId xmlns:a16="http://schemas.microsoft.com/office/drawing/2014/main" id="{157B0EF1-67CA-DE4C-BC6C-1674F87CADE2}"/>
+              </a:ext>
+            </a:extLst>
+          </p:cNvPr>
+          <p:cNvSpPr>
+            <a:spLocks noGrp="1"/>
+          </p:cNvSpPr>
+          <p:nvPr>
+            <p:ph idx="1"/>
+          </p:nvPr>
+        </p:nvSpPr>
+        <p:spPr/>
+        <p:txBody>
+          <a:bodyPr>
+            <a:normAutofit lnSpcReduction="10000"/>
+          </a:bodyPr>
+          <a:lstStyle/>
+          <a:p>
+            <a:r>
+              <a:rPr lang="en" altLang="ja-JP" sz="2400" dirty="0"/>
+              <a:t>we tend to get better results using both neighborhoods.</a:t>
+            </a:r>
+          </a:p>
+          <a:p>
+            <a:r>
+              <a:rPr lang="en" altLang="ja-JP" sz="2400" dirty="0"/>
+              <a:t>It takes more time to use the swap neighborhood.</a:t>
+            </a:r>
+          </a:p>
+          <a:p>
+            <a:pPr lvl="1"/>
+            <a:r>
+              <a:rPr lang="en" altLang="ja-JP" sz="2200" dirty="0"/>
+              <a:t>due to the difference in size</a:t>
+            </a:r>
+            <a:r>
+              <a:rPr lang="en-US" altLang="ja-JP" sz="2200" dirty="0"/>
+              <a:t> of neighborhood</a:t>
+            </a:r>
+          </a:p>
+          <a:p>
+            <a:r>
+              <a:rPr lang="en" altLang="ja-JP" sz="2400" dirty="0"/>
+              <a:t>using shift neighborhood, we tend to get the assignment with a better quality </a:t>
+            </a:r>
+            <a:endParaRPr lang="en" altLang="ja-JP" sz="2200" dirty="0"/>
+          </a:p>
+          <a:p>
+            <a:pPr lvl="1"/>
+            <a:r>
+              <a:rPr lang="en" altLang="ja-JP" sz="2200" dirty="0"/>
+              <a:t>This is because the structure of the solution does not change from the initial solution</a:t>
+            </a:r>
+            <a:r>
+              <a:rPr lang="en-US" altLang="ja-JP" sz="2200" dirty="0"/>
+              <a:t> in the swap neighborhood</a:t>
+            </a:r>
+            <a:r>
+              <a:rPr lang="en" altLang="ja-JP" sz="2200" dirty="0"/>
+              <a:t>.</a:t>
+            </a:r>
+          </a:p>
+          <a:p>
+            <a:endParaRPr lang="en" altLang="ja-JP" sz="2400" dirty="0"/>
+          </a:p>
+          <a:p>
+            <a:r>
+              <a:rPr lang="en" altLang="ja-JP" sz="2400" dirty="0"/>
+              <a:t>The results were close to our expectations.</a:t>
+            </a:r>
+          </a:p>
+        </p:txBody>
+      </p:sp>
+    </p:spTree>
+    <p:extLst>
+      <p:ext uri="{BB962C8B-B14F-4D97-AF65-F5344CB8AC3E}">
+        <p14:creationId xmlns:p14="http://schemas.microsoft.com/office/powerpoint/2010/main" val="1269823973"/>
       </p:ext>
     </p:extLst>
   </p:cSld>
@@ -17921,6 +19476,165 @@
     <p:extLst>
       <p:ext uri="{BB962C8B-B14F-4D97-AF65-F5344CB8AC3E}">
         <p14:creationId xmlns:p14="http://schemas.microsoft.com/office/powerpoint/2010/main" val="3649340498"/>
+      </p:ext>
+    </p:extLst>
+  </p:cSld>
+  <p:clrMapOvr>
+    <a:masterClrMapping/>
+  </p:clrMapOvr>
+</p:sld>
+</file>
+
+<file path=ppt/slides/slide40.xml><?xml version="1.0" encoding="utf-8"?>
+<p:sld xmlns:a="http://schemas.openxmlformats.org/drawingml/2006/main" xmlns:r="http://schemas.openxmlformats.org/officeDocument/2006/relationships" xmlns:p="http://schemas.openxmlformats.org/presentationml/2006/main">
+  <p:cSld>
+    <p:spTree>
+      <p:nvGrpSpPr>
+        <p:cNvPr id="1" name=""/>
+        <p:cNvGrpSpPr/>
+        <p:nvPr/>
+      </p:nvGrpSpPr>
+      <p:grpSpPr>
+        <a:xfrm>
+          <a:off x="0" y="0"/>
+          <a:ext cx="0" cy="0"/>
+          <a:chOff x="0" y="0"/>
+          <a:chExt cx="0" cy="0"/>
+        </a:xfrm>
+      </p:grpSpPr>
+      <p:sp>
+        <p:nvSpPr>
+          <p:cNvPr id="2" name="タイトル 1">
+            <a:extLst>
+              <a:ext uri="{FF2B5EF4-FFF2-40B4-BE49-F238E27FC236}">
+                <a16:creationId xmlns:a16="http://schemas.microsoft.com/office/drawing/2014/main" id="{7A74A867-EBEB-2F4D-8265-67DD34FA45C3}"/>
+              </a:ext>
+            </a:extLst>
+          </p:cNvPr>
+          <p:cNvSpPr>
+            <a:spLocks noGrp="1"/>
+          </p:cNvSpPr>
+          <p:nvPr>
+            <p:ph type="title"/>
+          </p:nvPr>
+        </p:nvSpPr>
+        <p:spPr/>
+        <p:txBody>
+          <a:bodyPr/>
+          <a:lstStyle/>
+          <a:p>
+            <a:r>
+              <a:rPr kumimoji="1" lang="en-US" altLang="ja-JP" dirty="0"/>
+              <a:t>Summary &amp;future work</a:t>
+            </a:r>
+            <a:endParaRPr kumimoji="1" lang="ja-JP" altLang="en-US"/>
+          </a:p>
+        </p:txBody>
+      </p:sp>
+      <p:sp>
+        <p:nvSpPr>
+          <p:cNvPr id="3" name="コンテンツ プレースホルダー 2">
+            <a:extLst>
+              <a:ext uri="{FF2B5EF4-FFF2-40B4-BE49-F238E27FC236}">
+                <a16:creationId xmlns:a16="http://schemas.microsoft.com/office/drawing/2014/main" id="{248D57BC-E16B-2345-B115-CA7B5ECA4B39}"/>
+              </a:ext>
+            </a:extLst>
+          </p:cNvPr>
+          <p:cNvSpPr>
+            <a:spLocks noGrp="1"/>
+          </p:cNvSpPr>
+          <p:nvPr>
+            <p:ph idx="1"/>
+          </p:nvPr>
+        </p:nvSpPr>
+        <p:spPr>
+          <a:xfrm>
+            <a:off x="2261665" y="1768521"/>
+            <a:ext cx="9434465" cy="4673221"/>
+          </a:xfrm>
+        </p:spPr>
+        <p:txBody>
+          <a:bodyPr>
+            <a:normAutofit/>
+          </a:bodyPr>
+          <a:lstStyle/>
+          <a:p>
+            <a:r>
+              <a:rPr lang="en" altLang="ja-JP" sz="2400" dirty="0"/>
+              <a:t>Summary </a:t>
+            </a:r>
+          </a:p>
+          <a:p>
+            <a:pPr lvl="1"/>
+            <a:r>
+              <a:rPr lang="en" altLang="ja-JP" sz="2200" dirty="0"/>
+              <a:t>We proposed</a:t>
+            </a:r>
+            <a:r>
+              <a:rPr lang="en-US" altLang="ja-JP" sz="2200" dirty="0"/>
+              <a:t> </a:t>
+            </a:r>
+            <a:r>
+              <a:rPr lang="en" altLang="ja-JP" sz="2200" dirty="0"/>
+              <a:t>model which is based on the heuristic.</a:t>
+            </a:r>
+          </a:p>
+          <a:p>
+            <a:pPr lvl="1"/>
+            <a:r>
+              <a:rPr lang="en" altLang="ja-JP" sz="2200" dirty="0"/>
+              <a:t>we confirmed that the computation time can be reduced.</a:t>
+            </a:r>
+          </a:p>
+          <a:p>
+            <a:pPr lvl="1"/>
+            <a:r>
+              <a:rPr lang="en" altLang="ja-JP" sz="2200" dirty="0"/>
+              <a:t>In a relatively</a:t>
+            </a:r>
+            <a:r>
+              <a:rPr lang="en-US" altLang="ja-JP" sz="2200" dirty="0"/>
+              <a:t> </a:t>
+            </a:r>
+            <a:r>
+              <a:rPr lang="en" altLang="ja-JP" sz="2200" dirty="0"/>
+              <a:t>short computation time, we got feasible solutions with a certain quality.</a:t>
+            </a:r>
+          </a:p>
+          <a:p>
+            <a:pPr lvl="1"/>
+            <a:r>
+              <a:rPr lang="en" altLang="ja-JP" sz="2200" dirty="0"/>
+              <a:t>For some instances, we observed long computation times even 2</a:t>
+            </a:r>
+            <a:r>
+              <a:rPr lang="en" altLang="ja-JP" sz="2200" baseline="30000" dirty="0"/>
+              <a:t>nd</a:t>
+            </a:r>
+            <a:r>
+              <a:rPr lang="en" altLang="ja-JP" sz="2200" dirty="0"/>
+              <a:t> model is based on heuristics.</a:t>
+            </a:r>
+          </a:p>
+          <a:p>
+            <a:r>
+              <a:rPr lang="en" altLang="ja-JP" sz="2400" dirty="0"/>
+              <a:t>Future work</a:t>
+            </a:r>
+          </a:p>
+          <a:p>
+            <a:pPr lvl="1"/>
+            <a:r>
+              <a:rPr lang="en" altLang="ja-JP" sz="2400" dirty="0"/>
+              <a:t>Proposing an approach to find the global optimal solution.</a:t>
+            </a:r>
+          </a:p>
+        </p:txBody>
+      </p:sp>
+    </p:spTree>
+    <p:extLst>
+      <p:ext uri="{BB962C8B-B14F-4D97-AF65-F5344CB8AC3E}">
+        <p14:creationId xmlns:p14="http://schemas.microsoft.com/office/powerpoint/2010/main" val="547483656"/>
       </p:ext>
     </p:extLst>
   </p:cSld>

--- a/竹田_修論発表.pptx
+++ b/竹田_修論発表.pptx
@@ -39,12 +39,14 @@
     <p:sldId id="579" r:id="rId33"/>
     <p:sldId id="580" r:id="rId34"/>
     <p:sldId id="581" r:id="rId35"/>
-    <p:sldId id="578" r:id="rId36"/>
-    <p:sldId id="582" r:id="rId37"/>
-    <p:sldId id="583" r:id="rId38"/>
-    <p:sldId id="584" r:id="rId39"/>
-    <p:sldId id="585" r:id="rId40"/>
-    <p:sldId id="561" r:id="rId41"/>
+    <p:sldId id="587" r:id="rId36"/>
+    <p:sldId id="578" r:id="rId37"/>
+    <p:sldId id="582" r:id="rId38"/>
+    <p:sldId id="583" r:id="rId39"/>
+    <p:sldId id="586" r:id="rId40"/>
+    <p:sldId id="584" r:id="rId41"/>
+    <p:sldId id="585" r:id="rId42"/>
+    <p:sldId id="561" r:id="rId43"/>
   </p:sldIdLst>
   <p:sldSz cx="12192000" cy="6858000"/>
   <p:notesSz cx="6858000" cy="9144000"/>
@@ -339,7 +341,7 @@
           <a:p>
             <a:fld id="{C8659C27-364E-C74E-8EB0-0FFA61AB3438}" type="datetimeFigureOut">
               <a:rPr kumimoji="1" lang="ja-JP" altLang="en-US" smtClean="0"/>
-              <a:t>2021/8/19</a:t>
+              <a:t>2021/8/25</a:t>
             </a:fld>
             <a:endParaRPr kumimoji="1" lang="ja-JP" altLang="en-US"/>
           </a:p>
@@ -714,7 +716,7 @@
           <a:p>
             <a:fld id="{C8659C27-364E-C74E-8EB0-0FFA61AB3438}" type="datetimeFigureOut">
               <a:rPr kumimoji="1" lang="ja-JP" altLang="en-US" smtClean="0"/>
-              <a:t>2021/8/19</a:t>
+              <a:t>2021/8/25</a:t>
             </a:fld>
             <a:endParaRPr kumimoji="1" lang="ja-JP" altLang="en-US"/>
           </a:p>
@@ -1189,7 +1191,7 @@
           <a:p>
             <a:fld id="{C8659C27-364E-C74E-8EB0-0FFA61AB3438}" type="datetimeFigureOut">
               <a:rPr kumimoji="1" lang="ja-JP" altLang="en-US" smtClean="0"/>
-              <a:t>2021/8/19</a:t>
+              <a:t>2021/8/25</a:t>
             </a:fld>
             <a:endParaRPr kumimoji="1" lang="ja-JP" altLang="en-US"/>
           </a:p>
@@ -1562,7 +1564,7 @@
           <a:p>
             <a:fld id="{C8659C27-364E-C74E-8EB0-0FFA61AB3438}" type="datetimeFigureOut">
               <a:rPr kumimoji="1" lang="ja-JP" altLang="en-US" smtClean="0"/>
-              <a:t>2021/8/19</a:t>
+              <a:t>2021/8/25</a:t>
             </a:fld>
             <a:endParaRPr kumimoji="1" lang="ja-JP" altLang="en-US"/>
           </a:p>
@@ -1956,7 +1958,7 @@
           <a:p>
             <a:fld id="{C8659C27-364E-C74E-8EB0-0FFA61AB3438}" type="datetimeFigureOut">
               <a:rPr kumimoji="1" lang="ja-JP" altLang="en-US" smtClean="0"/>
-              <a:t>2021/8/19</a:t>
+              <a:t>2021/8/25</a:t>
             </a:fld>
             <a:endParaRPr kumimoji="1" lang="ja-JP" altLang="en-US"/>
           </a:p>
@@ -2426,7 +2428,7 @@
           <a:p>
             <a:fld id="{C8659C27-364E-C74E-8EB0-0FFA61AB3438}" type="datetimeFigureOut">
               <a:rPr kumimoji="1" lang="ja-JP" altLang="en-US" smtClean="0"/>
-              <a:t>2021/8/19</a:t>
+              <a:t>2021/8/25</a:t>
             </a:fld>
             <a:endParaRPr kumimoji="1" lang="ja-JP" altLang="en-US"/>
           </a:p>
@@ -2691,7 +2693,7 @@
           <a:p>
             <a:fld id="{C8659C27-364E-C74E-8EB0-0FFA61AB3438}" type="datetimeFigureOut">
               <a:rPr kumimoji="1" lang="ja-JP" altLang="en-US" smtClean="0"/>
-              <a:t>2021/8/19</a:t>
+              <a:t>2021/8/25</a:t>
             </a:fld>
             <a:endParaRPr kumimoji="1" lang="ja-JP" altLang="en-US"/>
           </a:p>
@@ -2961,7 +2963,7 @@
           <a:p>
             <a:fld id="{C8659C27-364E-C74E-8EB0-0FFA61AB3438}" type="datetimeFigureOut">
               <a:rPr kumimoji="1" lang="ja-JP" altLang="en-US" smtClean="0"/>
-              <a:t>2021/8/19</a:t>
+              <a:t>2021/8/25</a:t>
             </a:fld>
             <a:endParaRPr kumimoji="1" lang="ja-JP" altLang="en-US"/>
           </a:p>
@@ -3231,7 +3233,7 @@
           <a:p>
             <a:fld id="{C8659C27-364E-C74E-8EB0-0FFA61AB3438}" type="datetimeFigureOut">
               <a:rPr kumimoji="1" lang="ja-JP" altLang="en-US" smtClean="0"/>
-              <a:t>2021/8/19</a:t>
+              <a:t>2021/8/25</a:t>
             </a:fld>
             <a:endParaRPr kumimoji="1" lang="ja-JP" altLang="en-US"/>
           </a:p>
@@ -3597,7 +3599,7 @@
           <a:p>
             <a:fld id="{C8659C27-364E-C74E-8EB0-0FFA61AB3438}" type="datetimeFigureOut">
               <a:rPr kumimoji="1" lang="ja-JP" altLang="en-US" smtClean="0"/>
-              <a:t>2021/8/19</a:t>
+              <a:t>2021/8/25</a:t>
             </a:fld>
             <a:endParaRPr kumimoji="1" lang="ja-JP" altLang="en-US"/>
           </a:p>
@@ -3936,7 +3938,7 @@
           <a:p>
             <a:fld id="{C8659C27-364E-C74E-8EB0-0FFA61AB3438}" type="datetimeFigureOut">
               <a:rPr kumimoji="1" lang="ja-JP" altLang="en-US" smtClean="0"/>
-              <a:t>2021/8/19</a:t>
+              <a:t>2021/8/25</a:t>
             </a:fld>
             <a:endParaRPr kumimoji="1" lang="ja-JP" altLang="en-US"/>
           </a:p>
@@ -4483,7 +4485,7 @@
           <a:p>
             <a:fld id="{C8659C27-364E-C74E-8EB0-0FFA61AB3438}" type="datetimeFigureOut">
               <a:rPr kumimoji="1" lang="ja-JP" altLang="en-US" smtClean="0"/>
-              <a:t>2021/8/19</a:t>
+              <a:t>2021/8/25</a:t>
             </a:fld>
             <a:endParaRPr kumimoji="1" lang="ja-JP" altLang="en-US"/>
           </a:p>
@@ -4688,7 +4690,7 @@
           <a:p>
             <a:fld id="{C8659C27-364E-C74E-8EB0-0FFA61AB3438}" type="datetimeFigureOut">
               <a:rPr kumimoji="1" lang="ja-JP" altLang="en-US" smtClean="0"/>
-              <a:t>2021/8/19</a:t>
+              <a:t>2021/8/25</a:t>
             </a:fld>
             <a:endParaRPr kumimoji="1" lang="ja-JP" altLang="en-US"/>
           </a:p>
@@ -4865,7 +4867,7 @@
           <a:p>
             <a:fld id="{C8659C27-364E-C74E-8EB0-0FFA61AB3438}" type="datetimeFigureOut">
               <a:rPr kumimoji="1" lang="ja-JP" altLang="en-US" smtClean="0"/>
-              <a:t>2021/8/19</a:t>
+              <a:t>2021/8/25</a:t>
             </a:fld>
             <a:endParaRPr kumimoji="1" lang="ja-JP" altLang="en-US"/>
           </a:p>
@@ -5243,7 +5245,7 @@
           <a:p>
             <a:fld id="{C8659C27-364E-C74E-8EB0-0FFA61AB3438}" type="datetimeFigureOut">
               <a:rPr kumimoji="1" lang="ja-JP" altLang="en-US" smtClean="0"/>
-              <a:t>2021/8/19</a:t>
+              <a:t>2021/8/25</a:t>
             </a:fld>
             <a:endParaRPr kumimoji="1" lang="ja-JP" altLang="en-US"/>
           </a:p>
@@ -5625,7 +5627,7 @@
           <a:p>
             <a:fld id="{C8659C27-364E-C74E-8EB0-0FFA61AB3438}" type="datetimeFigureOut">
               <a:rPr kumimoji="1" lang="ja-JP" altLang="en-US" smtClean="0"/>
-              <a:t>2021/8/19</a:t>
+              <a:t>2021/8/25</a:t>
             </a:fld>
             <a:endParaRPr kumimoji="1" lang="ja-JP" altLang="en-US"/>
           </a:p>
@@ -7750,7 +7752,7 @@
           <a:p>
             <a:fld id="{C8659C27-364E-C74E-8EB0-0FFA61AB3438}" type="datetimeFigureOut">
               <a:rPr kumimoji="1" lang="ja-JP" altLang="en-US" smtClean="0"/>
-              <a:t>2021/8/19</a:t>
+              <a:t>2021/8/25</a:t>
             </a:fld>
             <a:endParaRPr kumimoji="1" lang="ja-JP" altLang="en-US"/>
           </a:p>
@@ -13325,9 +13327,8 @@
             </a:pPr>
             <a:r>
               <a:rPr lang="en" altLang="ja-JP" sz="2400" dirty="0"/>
-              <a:t>Height of the hold</a:t>
-            </a:r>
-            <a:endParaRPr kumimoji="1" lang="ja-JP" altLang="en-US" sz="2400"/>
+              <a:t>All vehicles must be loaded.</a:t>
+            </a:r>
           </a:p>
         </p:txBody>
       </p:sp>
@@ -13510,8 +13511,8 @@
           </a:p>
         </p:txBody>
       </p:sp>
-      <mc:AlternateContent xmlns:mc="http://schemas.openxmlformats.org/markup-compatibility/2006" xmlns:a14="http://schemas.microsoft.com/office/drawing/2010/main">
-        <mc:Choice Requires="a14">
+      <mc:AlternateContent xmlns:mc="http://schemas.openxmlformats.org/markup-compatibility/2006">
+        <mc:Choice xmlns:a14="http://schemas.microsoft.com/office/drawing/2010/main" Requires="a14">
           <p:sp>
             <p:nvSpPr>
               <p:cNvPr id="3" name="コンテンツ プレースホルダー 2">
@@ -13642,195 +13643,119 @@
                     </m:sSub>
                   </m:oMath>
                 </a14:m>
-                <a:endParaRPr lang="en" altLang="ja-JP" sz="2200" dirty="0"/>
+                <a:endParaRPr lang="en" altLang="ja-JP" sz="2400" dirty="0"/>
               </a:p>
               <a:p>
                 <a:r>
                   <a:rPr lang="en" altLang="ja-JP" sz="2400" dirty="0"/>
-                  <a:t>for every hold </a:t>
+                  <a:t>After loading all vehicles at each port except the last port,</a:t>
                 </a:r>
-                <a14:m>
-                  <m:oMath xmlns:m="http://schemas.openxmlformats.org/officeDocument/2006/math">
-                    <m:sSup>
-                      <m:sSupPr>
-                        <m:ctrlPr>
-                          <a:rPr lang="en" altLang="ja-JP" sz="2400" i="1" smtClean="0">
-                            <a:latin typeface="Cambria Math" panose="02040503050406030204" pitchFamily="18" charset="0"/>
-                          </a:rPr>
-                        </m:ctrlPr>
-                      </m:sSupPr>
-                      <m:e>
-                        <m:r>
-                          <a:rPr lang="en-US" altLang="ja-JP" sz="2400" b="0" i="1" smtClean="0">
-                            <a:latin typeface="Cambria Math" panose="02040503050406030204" pitchFamily="18" charset="0"/>
-                          </a:rPr>
-                          <m:t>𝑖</m:t>
-                        </m:r>
-                      </m:e>
-                      <m:sup>
-                        <m:r>
-                          <a:rPr lang="en-US" altLang="ja-JP" sz="2400" b="0" i="1" smtClean="0">
-                            <a:latin typeface="Cambria Math" panose="02040503050406030204" pitchFamily="18" charset="0"/>
-                          </a:rPr>
-                          <m:t>∗</m:t>
-                        </m:r>
-                      </m:sup>
-                    </m:sSup>
-                  </m:oMath>
-                </a14:m>
-                <a:r>
-                  <a:rPr lang="en" altLang="ja-JP" sz="2400" dirty="0"/>
-                  <a:t> that becomes a path through,</a:t>
-                </a:r>
-                <a:br>
-                  <a:rPr lang="en" altLang="ja-JP" sz="2400" dirty="0"/>
-                </a:br>
-                <a:r>
-                  <a:rPr lang="en" altLang="ja-JP" sz="2400" dirty="0"/>
-                  <a:t>                              </a:t>
-                </a:r>
-                <a14:m>
-                  <m:oMath xmlns:m="http://schemas.openxmlformats.org/officeDocument/2006/math">
-                    <m:sSub>
-                      <m:sSubPr>
-                        <m:ctrlPr>
-                          <a:rPr lang="en" altLang="ja-JP" sz="2400" i="1" smtClean="0">
-                            <a:latin typeface="Cambria Math" panose="02040503050406030204" pitchFamily="18" charset="0"/>
-                          </a:rPr>
-                        </m:ctrlPr>
-                      </m:sSubPr>
-                      <m:e>
-                        <m:r>
-                          <a:rPr lang="en-US" altLang="ja-JP" sz="2400" b="0" i="1" smtClean="0">
-                            <a:latin typeface="Cambria Math" panose="02040503050406030204" pitchFamily="18" charset="0"/>
-                          </a:rPr>
-                          <m:t>𝑞</m:t>
-                        </m:r>
-                      </m:e>
-                      <m:sub>
-                        <m:sSup>
-                          <m:sSupPr>
-                            <m:ctrlPr>
-                              <a:rPr lang="en" altLang="ja-JP" sz="2400" i="1" smtClean="0">
-                                <a:latin typeface="Cambria Math" panose="02040503050406030204" pitchFamily="18" charset="0"/>
-                              </a:rPr>
-                            </m:ctrlPr>
-                          </m:sSupPr>
-                          <m:e>
-                            <m:r>
-                              <a:rPr lang="en-US" altLang="ja-JP" sz="2400" b="0" i="1" smtClean="0">
-                                <a:latin typeface="Cambria Math" panose="02040503050406030204" pitchFamily="18" charset="0"/>
-                              </a:rPr>
-                              <m:t>𝑖</m:t>
-                            </m:r>
-                          </m:e>
-                          <m:sup>
-                            <m:r>
-                              <a:rPr lang="en-US" altLang="ja-JP" sz="2400" b="0" i="1" smtClean="0">
-                                <a:latin typeface="Cambria Math" panose="02040503050406030204" pitchFamily="18" charset="0"/>
-                              </a:rPr>
-                              <m:t>∗</m:t>
-                            </m:r>
-                          </m:sup>
-                        </m:sSup>
-                      </m:sub>
-                    </m:sSub>
-                    <m:r>
-                      <a:rPr lang="en-US" altLang="ja-JP" sz="2400" b="0" i="1" smtClean="0">
-                        <a:latin typeface="Cambria Math" panose="02040503050406030204" pitchFamily="18" charset="0"/>
-                      </a:rPr>
-                      <m:t> </m:t>
-                    </m:r>
-                    <m:r>
-                      <a:rPr lang="en" altLang="ja-JP" sz="2400" i="1" smtClean="0">
-                        <a:latin typeface="Cambria Math" panose="02040503050406030204" pitchFamily="18" charset="0"/>
-                        <a:ea typeface="Cambria Math" panose="02040503050406030204" pitchFamily="18" charset="0"/>
-                      </a:rPr>
-                      <m:t>≤</m:t>
-                    </m:r>
-                    <m:r>
-                      <a:rPr lang="en-US" altLang="ja-JP" sz="2400" b="0" i="1" smtClean="0">
-                        <a:latin typeface="Cambria Math" panose="02040503050406030204" pitchFamily="18" charset="0"/>
-                        <a:ea typeface="Cambria Math" panose="02040503050406030204" pitchFamily="18" charset="0"/>
-                      </a:rPr>
-                      <m:t> </m:t>
-                    </m:r>
-                    <m:acc>
-                      <m:accPr>
-                        <m:chr m:val="̅"/>
-                        <m:ctrlPr>
-                          <a:rPr lang="en-US" altLang="ja-JP" sz="2400" b="0" i="1" smtClean="0">
-                            <a:latin typeface="Cambria Math" panose="02040503050406030204" pitchFamily="18" charset="0"/>
-                            <a:ea typeface="Cambria Math" panose="02040503050406030204" pitchFamily="18" charset="0"/>
-                          </a:rPr>
-                        </m:ctrlPr>
-                      </m:accPr>
-                      <m:e>
-                        <m:sSub>
-                          <m:sSubPr>
-                            <m:ctrlPr>
-                              <a:rPr lang="en-US" altLang="ja-JP" sz="2400" b="0" i="1" smtClean="0">
-                                <a:latin typeface="Cambria Math" panose="02040503050406030204" pitchFamily="18" charset="0"/>
-                                <a:ea typeface="Cambria Math" panose="02040503050406030204" pitchFamily="18" charset="0"/>
-                              </a:rPr>
-                            </m:ctrlPr>
-                          </m:sSubPr>
-                          <m:e>
-                            <m:r>
-                              <a:rPr lang="en-US" altLang="ja-JP" sz="2400" b="0" i="1" smtClean="0">
-                                <a:latin typeface="Cambria Math" panose="02040503050406030204" pitchFamily="18" charset="0"/>
-                                <a:ea typeface="Cambria Math" panose="02040503050406030204" pitchFamily="18" charset="0"/>
-                              </a:rPr>
-                              <m:t>𝑞</m:t>
-                            </m:r>
-                          </m:e>
-                          <m:sub>
-                            <m:sSup>
-                              <m:sSupPr>
-                                <m:ctrlPr>
-                                  <a:rPr lang="en-US" altLang="ja-JP" sz="2400" b="0" i="1" smtClean="0">
-                                    <a:latin typeface="Cambria Math" panose="02040503050406030204" pitchFamily="18" charset="0"/>
-                                    <a:ea typeface="Cambria Math" panose="02040503050406030204" pitchFamily="18" charset="0"/>
-                                  </a:rPr>
-                                </m:ctrlPr>
-                              </m:sSupPr>
-                              <m:e>
-                                <m:r>
-                                  <a:rPr lang="en-US" altLang="ja-JP" sz="2400" b="0" i="1" smtClean="0">
-                                    <a:latin typeface="Cambria Math" panose="02040503050406030204" pitchFamily="18" charset="0"/>
-                                    <a:ea typeface="Cambria Math" panose="02040503050406030204" pitchFamily="18" charset="0"/>
-                                  </a:rPr>
-                                  <m:t>𝑖</m:t>
-                                </m:r>
-                              </m:e>
-                              <m:sup>
-                                <m:r>
-                                  <a:rPr lang="en-US" altLang="ja-JP" sz="2400" b="0" i="1" smtClean="0">
-                                    <a:latin typeface="Cambria Math" panose="02040503050406030204" pitchFamily="18" charset="0"/>
-                                    <a:ea typeface="Cambria Math" panose="02040503050406030204" pitchFamily="18" charset="0"/>
-                                  </a:rPr>
-                                  <m:t>∗</m:t>
-                                </m:r>
-                              </m:sup>
-                            </m:sSup>
-                          </m:sub>
-                        </m:sSub>
-                      </m:e>
-                    </m:acc>
-                  </m:oMath>
-                </a14:m>
-                <a:endParaRPr lang="en" altLang="ja-JP" sz="2400" dirty="0"/>
               </a:p>
               <a:p>
                 <a:pPr marL="0" indent="0">
                   <a:buNone/>
                 </a:pPr>
+                <a14:m>
+                  <m:oMathPara xmlns:m="http://schemas.openxmlformats.org/officeDocument/2006/math">
+                    <m:oMathParaPr>
+                      <m:jc m:val="centerGroup"/>
+                    </m:oMathParaPr>
+                    <m:oMath xmlns:m="http://schemas.openxmlformats.org/officeDocument/2006/math">
+                      <m:sSub>
+                        <m:sSubPr>
+                          <m:ctrlPr>
+                            <a:rPr lang="en" altLang="ja-JP" sz="2400" i="1">
+                              <a:latin typeface="Cambria Math" panose="02040503050406030204" pitchFamily="18" charset="0"/>
+                            </a:rPr>
+                          </m:ctrlPr>
+                        </m:sSubPr>
+                        <m:e>
+                          <m:r>
+                            <a:rPr lang="en-US" altLang="ja-JP" sz="2400" i="1">
+                              <a:latin typeface="Cambria Math" panose="02040503050406030204" pitchFamily="18" charset="0"/>
+                            </a:rPr>
+                            <m:t>𝑞</m:t>
+                          </m:r>
+                        </m:e>
+                        <m:sub>
+                          <m:r>
+                            <a:rPr lang="en-US" altLang="ja-JP" sz="2400" b="0" i="1" smtClean="0">
+                              <a:latin typeface="Cambria Math" panose="02040503050406030204" pitchFamily="18" charset="0"/>
+                            </a:rPr>
+                            <m:t>𝑖</m:t>
+                          </m:r>
+                        </m:sub>
+                      </m:sSub>
+                      <m:r>
+                        <a:rPr lang="en-US" altLang="ja-JP" sz="2400" i="1">
+                          <a:latin typeface="Cambria Math" panose="02040503050406030204" pitchFamily="18" charset="0"/>
+                        </a:rPr>
+                        <m:t> </m:t>
+                      </m:r>
+                      <m:r>
+                        <a:rPr lang="en" altLang="ja-JP" sz="2400" i="1">
+                          <a:latin typeface="Cambria Math" panose="02040503050406030204" pitchFamily="18" charset="0"/>
+                          <a:ea typeface="Cambria Math" panose="02040503050406030204" pitchFamily="18" charset="0"/>
+                        </a:rPr>
+                        <m:t>≤</m:t>
+                      </m:r>
+                      <m:r>
+                        <a:rPr lang="en-US" altLang="ja-JP" sz="2400" i="1">
+                          <a:latin typeface="Cambria Math" panose="02040503050406030204" pitchFamily="18" charset="0"/>
+                          <a:ea typeface="Cambria Math" panose="02040503050406030204" pitchFamily="18" charset="0"/>
+                        </a:rPr>
+                        <m:t> </m:t>
+                      </m:r>
+                      <m:acc>
+                        <m:accPr>
+                          <m:chr m:val="̅"/>
+                          <m:ctrlPr>
+                            <a:rPr lang="en-US" altLang="ja-JP" sz="2400" i="1">
+                              <a:latin typeface="Cambria Math" panose="02040503050406030204" pitchFamily="18" charset="0"/>
+                              <a:ea typeface="Cambria Math" panose="02040503050406030204" pitchFamily="18" charset="0"/>
+                            </a:rPr>
+                          </m:ctrlPr>
+                        </m:accPr>
+                        <m:e>
+                          <m:sSub>
+                            <m:sSubPr>
+                              <m:ctrlPr>
+                                <a:rPr lang="en-US" altLang="ja-JP" sz="2400" i="1">
+                                  <a:latin typeface="Cambria Math" panose="02040503050406030204" pitchFamily="18" charset="0"/>
+                                  <a:ea typeface="Cambria Math" panose="02040503050406030204" pitchFamily="18" charset="0"/>
+                                </a:rPr>
+                              </m:ctrlPr>
+                            </m:sSubPr>
+                            <m:e>
+                              <m:r>
+                                <a:rPr lang="en-US" altLang="ja-JP" sz="2400" i="1">
+                                  <a:latin typeface="Cambria Math" panose="02040503050406030204" pitchFamily="18" charset="0"/>
+                                  <a:ea typeface="Cambria Math" panose="02040503050406030204" pitchFamily="18" charset="0"/>
+                                </a:rPr>
+                                <m:t>𝑞</m:t>
+                              </m:r>
+                            </m:e>
+                            <m:sub>
+                              <m:r>
+                                <a:rPr lang="en-US" altLang="ja-JP" sz="2400" b="0" i="1" smtClean="0">
+                                  <a:latin typeface="Cambria Math" panose="02040503050406030204" pitchFamily="18" charset="0"/>
+                                  <a:ea typeface="Cambria Math" panose="02040503050406030204" pitchFamily="18" charset="0"/>
+                                </a:rPr>
+                                <m:t>𝑖</m:t>
+                              </m:r>
+                            </m:sub>
+                          </m:sSub>
+                        </m:e>
+                      </m:acc>
+                    </m:oMath>
+                  </m:oMathPara>
+                </a14:m>
                 <a:endParaRPr lang="en" altLang="ja-JP" sz="2400" dirty="0"/>
               </a:p>
             </p:txBody>
           </p:sp>
         </mc:Choice>
-        <mc:Fallback xmlns="">
+        <mc:Fallback>
           <p:sp>
             <p:nvSpPr>
               <p:cNvPr id="3" name="コンテンツ プレースホルダー 2">
@@ -16365,7 +16290,7 @@
           <p:cNvPr id="2" name="タイトル 1">
             <a:extLst>
               <a:ext uri="{FF2B5EF4-FFF2-40B4-BE49-F238E27FC236}">
-                <a16:creationId xmlns:a16="http://schemas.microsoft.com/office/drawing/2014/main" id="{FEEFE181-A7D0-7146-B49E-65AC407C9C2B}"/>
+                <a16:creationId xmlns:a16="http://schemas.microsoft.com/office/drawing/2014/main" id="{6D7907DD-1B47-6842-B33C-74FC6080067F}"/>
               </a:ext>
             </a:extLst>
           </p:cNvPr>
@@ -16383,7 +16308,7 @@
           <a:p>
             <a:r>
               <a:rPr lang="en-US" altLang="ja-JP" dirty="0"/>
-              <a:t>Computational experiment</a:t>
+              <a:t>Evaluate function</a:t>
             </a:r>
             <a:endParaRPr kumimoji="1" lang="ja-JP" altLang="en-US"/>
           </a:p>
@@ -16394,7 +16319,7 @@
           <p:cNvPr id="3" name="コンテンツ プレースホルダー 2">
             <a:extLst>
               <a:ext uri="{FF2B5EF4-FFF2-40B4-BE49-F238E27FC236}">
-                <a16:creationId xmlns:a16="http://schemas.microsoft.com/office/drawing/2014/main" id="{F34D1FFA-7F21-1B4A-B2CC-C1C3F36A6C10}"/>
+                <a16:creationId xmlns:a16="http://schemas.microsoft.com/office/drawing/2014/main" id="{8C6E833C-5969-904E-BD89-EFD10FE0AD6D}"/>
               </a:ext>
             </a:extLst>
           </p:cNvPr>
@@ -16405,7 +16330,12 @@
             <p:ph idx="1"/>
           </p:nvPr>
         </p:nvSpPr>
-        <p:spPr/>
+        <p:spPr>
+          <a:xfrm>
+            <a:off x="2407175" y="1636059"/>
+            <a:ext cx="8915400" cy="3777622"/>
+          </a:xfrm>
+        </p:spPr>
         <p:txBody>
           <a:bodyPr>
             <a:normAutofit/>
@@ -16413,50 +16343,626 @@
           <a:lstStyle/>
           <a:p>
             <a:r>
+              <a:rPr lang="en" altLang="ja-JP" sz="2400" dirty="0"/>
+              <a:t>As the evaluation function used to find the solution,  we use the weighted sum of the constraint and the objective function.</a:t>
+            </a:r>
+          </a:p>
+          <a:p>
+            <a:endParaRPr lang="en" altLang="ja-JP" sz="2400" dirty="0"/>
+          </a:p>
+          <a:p>
+            <a:endParaRPr lang="en" altLang="ja-JP" sz="2400" dirty="0"/>
+          </a:p>
+          <a:p>
+            <a:endParaRPr lang="en" altLang="ja-JP" sz="2400" dirty="0"/>
+          </a:p>
+          <a:p>
+            <a:endParaRPr lang="en" altLang="ja-JP" sz="2400" dirty="0"/>
+          </a:p>
+          <a:p>
+            <a:endParaRPr kumimoji="1" lang="ja-JP" altLang="en-US" sz="2400"/>
+          </a:p>
+        </p:txBody>
+      </p:sp>
+      <p:sp>
+        <p:nvSpPr>
+          <p:cNvPr id="4" name="コンテンツ プレースホルダー 2">
+            <a:extLst>
+              <a:ext uri="{FF2B5EF4-FFF2-40B4-BE49-F238E27FC236}">
+                <a16:creationId xmlns:a16="http://schemas.microsoft.com/office/drawing/2014/main" id="{9EEF31B3-588F-3D4E-AF28-634960776DA4}"/>
+              </a:ext>
+            </a:extLst>
+          </p:cNvPr>
+          <p:cNvSpPr txBox="1">
+            <a:spLocks/>
+          </p:cNvSpPr>
+          <p:nvPr/>
+        </p:nvSpPr>
+        <p:spPr>
+          <a:xfrm>
+            <a:off x="2407175" y="2916949"/>
+            <a:ext cx="4313864" cy="3777622"/>
+          </a:xfrm>
+          <a:prstGeom prst="rect">
+            <a:avLst/>
+          </a:prstGeom>
+        </p:spPr>
+        <p:txBody>
+          <a:bodyPr vert="horz" lIns="91440" tIns="45720" rIns="91440" bIns="45720" rtlCol="0">
+            <a:normAutofit/>
+          </a:bodyPr>
+          <a:lstStyle>
+            <a:lvl1pPr marL="342900" indent="-342900" algn="l" defTabSz="457200" rtl="0" eaLnBrk="1" latinLnBrk="0" hangingPunct="1">
+              <a:spcBef>
+                <a:spcPts val="1000"/>
+              </a:spcBef>
+              <a:spcAft>
+                <a:spcPts val="0"/>
+              </a:spcAft>
+              <a:buClr>
+                <a:schemeClr val="accent1"/>
+              </a:buClr>
+              <a:buFont typeface="Wingdings 3" charset="2"/>
+              <a:buChar char=""/>
+              <a:defRPr kumimoji="1" sz="1800" kern="1200">
+                <a:solidFill>
+                  <a:schemeClr val="tx1">
+                    <a:lumMod val="75000"/>
+                    <a:lumOff val="25000"/>
+                  </a:schemeClr>
+                </a:solidFill>
+                <a:latin typeface="+mn-lt"/>
+                <a:ea typeface="+mn-ea"/>
+                <a:cs typeface="+mn-cs"/>
+              </a:defRPr>
+            </a:lvl1pPr>
+            <a:lvl2pPr marL="742950" indent="-285750" algn="l" defTabSz="457200" rtl="0" eaLnBrk="1" latinLnBrk="0" hangingPunct="1">
+              <a:spcBef>
+                <a:spcPts val="1000"/>
+              </a:spcBef>
+              <a:spcAft>
+                <a:spcPts val="0"/>
+              </a:spcAft>
+              <a:buClr>
+                <a:schemeClr val="accent1"/>
+              </a:buClr>
+              <a:buFont typeface="Wingdings 3" charset="2"/>
+              <a:buChar char=""/>
+              <a:defRPr kumimoji="1" sz="1600" kern="1200">
+                <a:solidFill>
+                  <a:schemeClr val="tx1">
+                    <a:lumMod val="75000"/>
+                    <a:lumOff val="25000"/>
+                  </a:schemeClr>
+                </a:solidFill>
+                <a:latin typeface="+mn-lt"/>
+                <a:ea typeface="+mn-ea"/>
+                <a:cs typeface="+mn-cs"/>
+              </a:defRPr>
+            </a:lvl2pPr>
+            <a:lvl3pPr marL="1143000" indent="-228600" algn="l" defTabSz="457200" rtl="0" eaLnBrk="1" latinLnBrk="0" hangingPunct="1">
+              <a:spcBef>
+                <a:spcPts val="1000"/>
+              </a:spcBef>
+              <a:spcAft>
+                <a:spcPts val="0"/>
+              </a:spcAft>
+              <a:buClr>
+                <a:schemeClr val="accent1"/>
+              </a:buClr>
+              <a:buFont typeface="Wingdings 3" charset="2"/>
+              <a:buChar char=""/>
+              <a:defRPr kumimoji="1" sz="1400" kern="1200">
+                <a:solidFill>
+                  <a:schemeClr val="tx1">
+                    <a:lumMod val="75000"/>
+                    <a:lumOff val="25000"/>
+                  </a:schemeClr>
+                </a:solidFill>
+                <a:latin typeface="+mn-lt"/>
+                <a:ea typeface="+mn-ea"/>
+                <a:cs typeface="+mn-cs"/>
+              </a:defRPr>
+            </a:lvl3pPr>
+            <a:lvl4pPr marL="1600200" indent="-228600" algn="l" defTabSz="457200" rtl="0" eaLnBrk="1" latinLnBrk="0" hangingPunct="1">
+              <a:spcBef>
+                <a:spcPts val="1000"/>
+              </a:spcBef>
+              <a:spcAft>
+                <a:spcPts val="0"/>
+              </a:spcAft>
+              <a:buClr>
+                <a:schemeClr val="accent1"/>
+              </a:buClr>
+              <a:buFont typeface="Wingdings 3" charset="2"/>
+              <a:buChar char=""/>
+              <a:defRPr kumimoji="1" sz="1200" kern="1200">
+                <a:solidFill>
+                  <a:schemeClr val="tx1">
+                    <a:lumMod val="75000"/>
+                    <a:lumOff val="25000"/>
+                  </a:schemeClr>
+                </a:solidFill>
+                <a:latin typeface="+mn-lt"/>
+                <a:ea typeface="+mn-ea"/>
+                <a:cs typeface="+mn-cs"/>
+              </a:defRPr>
+            </a:lvl4pPr>
+            <a:lvl5pPr marL="2057400" indent="-228600" algn="l" defTabSz="457200" rtl="0" eaLnBrk="1" latinLnBrk="0" hangingPunct="1">
+              <a:spcBef>
+                <a:spcPts val="1000"/>
+              </a:spcBef>
+              <a:spcAft>
+                <a:spcPts val="0"/>
+              </a:spcAft>
+              <a:buClr>
+                <a:schemeClr val="accent1"/>
+              </a:buClr>
+              <a:buFont typeface="Wingdings 3" charset="2"/>
+              <a:buChar char=""/>
+              <a:defRPr kumimoji="1" sz="1200" kern="1200">
+                <a:solidFill>
+                  <a:schemeClr val="tx1">
+                    <a:lumMod val="75000"/>
+                    <a:lumOff val="25000"/>
+                  </a:schemeClr>
+                </a:solidFill>
+                <a:latin typeface="+mn-lt"/>
+                <a:ea typeface="+mn-ea"/>
+                <a:cs typeface="+mn-cs"/>
+              </a:defRPr>
+            </a:lvl5pPr>
+            <a:lvl6pPr marL="2514600" indent="-228600" algn="l" defTabSz="457200" rtl="0" eaLnBrk="1" latinLnBrk="0" hangingPunct="1">
+              <a:spcBef>
+                <a:spcPts val="1000"/>
+              </a:spcBef>
+              <a:spcAft>
+                <a:spcPts val="0"/>
+              </a:spcAft>
+              <a:buClr>
+                <a:schemeClr val="accent1"/>
+              </a:buClr>
+              <a:buFont typeface="Wingdings 3" charset="2"/>
+              <a:buChar char=""/>
+              <a:defRPr kumimoji="1" sz="1200" kern="1200">
+                <a:solidFill>
+                  <a:schemeClr val="tx1">
+                    <a:lumMod val="75000"/>
+                    <a:lumOff val="25000"/>
+                  </a:schemeClr>
+                </a:solidFill>
+                <a:latin typeface="+mn-lt"/>
+                <a:ea typeface="+mn-ea"/>
+                <a:cs typeface="+mn-cs"/>
+              </a:defRPr>
+            </a:lvl6pPr>
+            <a:lvl7pPr marL="2971800" indent="-228600" algn="l" defTabSz="457200" rtl="0" eaLnBrk="1" latinLnBrk="0" hangingPunct="1">
+              <a:spcBef>
+                <a:spcPts val="1000"/>
+              </a:spcBef>
+              <a:spcAft>
+                <a:spcPts val="0"/>
+              </a:spcAft>
+              <a:buClr>
+                <a:schemeClr val="accent1"/>
+              </a:buClr>
+              <a:buFont typeface="Wingdings 3" charset="2"/>
+              <a:buChar char=""/>
+              <a:defRPr kumimoji="1" sz="1200" kern="1200">
+                <a:solidFill>
+                  <a:schemeClr val="tx1">
+                    <a:lumMod val="75000"/>
+                    <a:lumOff val="25000"/>
+                  </a:schemeClr>
+                </a:solidFill>
+                <a:latin typeface="+mn-lt"/>
+                <a:ea typeface="+mn-ea"/>
+                <a:cs typeface="+mn-cs"/>
+              </a:defRPr>
+            </a:lvl7pPr>
+            <a:lvl8pPr marL="3429000" indent="-228600" algn="l" defTabSz="457200" rtl="0" eaLnBrk="1" latinLnBrk="0" hangingPunct="1">
+              <a:spcBef>
+                <a:spcPts val="1000"/>
+              </a:spcBef>
+              <a:spcAft>
+                <a:spcPts val="0"/>
+              </a:spcAft>
+              <a:buClr>
+                <a:schemeClr val="accent1"/>
+              </a:buClr>
+              <a:buFont typeface="Wingdings 3" charset="2"/>
+              <a:buChar char=""/>
+              <a:defRPr kumimoji="1" sz="1200" kern="1200">
+                <a:solidFill>
+                  <a:schemeClr val="tx1">
+                    <a:lumMod val="75000"/>
+                    <a:lumOff val="25000"/>
+                  </a:schemeClr>
+                </a:solidFill>
+                <a:latin typeface="+mn-lt"/>
+                <a:ea typeface="+mn-ea"/>
+                <a:cs typeface="+mn-cs"/>
+              </a:defRPr>
+            </a:lvl8pPr>
+            <a:lvl9pPr marL="3886200" indent="-228600" algn="l" defTabSz="457200" rtl="0" eaLnBrk="1" latinLnBrk="0" hangingPunct="1">
+              <a:spcBef>
+                <a:spcPts val="1000"/>
+              </a:spcBef>
+              <a:spcAft>
+                <a:spcPts val="0"/>
+              </a:spcAft>
+              <a:buClr>
+                <a:schemeClr val="accent1"/>
+              </a:buClr>
+              <a:buFont typeface="Wingdings 3" charset="2"/>
+              <a:buChar char=""/>
+              <a:defRPr kumimoji="1" sz="1200" kern="1200">
+                <a:solidFill>
+                  <a:schemeClr val="tx1">
+                    <a:lumMod val="75000"/>
+                    <a:lumOff val="25000"/>
+                  </a:schemeClr>
+                </a:solidFill>
+                <a:latin typeface="+mn-lt"/>
+                <a:ea typeface="+mn-ea"/>
+                <a:cs typeface="+mn-cs"/>
+              </a:defRPr>
+            </a:lvl9pPr>
+          </a:lstStyle>
+          <a:p>
+            <a:pPr marL="0" indent="0">
+              <a:buFont typeface="Wingdings 3" charset="2"/>
+              <a:buNone/>
+            </a:pPr>
+            <a:r>
               <a:rPr lang="en-US" altLang="ja-JP" sz="2400" dirty="0"/>
-              <a:t>I finished implementing the model that considers all the constraints and objective functions.</a:t>
-            </a:r>
-          </a:p>
-          <a:p>
+              <a:t>constraint</a:t>
+            </a:r>
+          </a:p>
+          <a:p>
+            <a:pPr>
+              <a:buFont typeface="+mj-lt"/>
+              <a:buAutoNum type="arabicPeriod"/>
+            </a:pPr>
             <a:r>
               <a:rPr lang="en-US" altLang="ja-JP" sz="2400" dirty="0"/>
-              <a:t>We compare the computation time and the quality of assignment.</a:t>
-            </a:r>
-          </a:p>
-          <a:p>
+              <a:t>Travel routes in the ship</a:t>
+            </a:r>
+          </a:p>
+          <a:p>
+            <a:pPr>
+              <a:buFont typeface="+mj-lt"/>
+              <a:buAutoNum type="arabicPeriod"/>
+            </a:pPr>
+            <a:r>
+              <a:rPr lang="en" altLang="ja-JP" sz="2400" dirty="0"/>
+              <a:t>Weight balance of cargo</a:t>
+            </a:r>
+          </a:p>
+          <a:p>
+            <a:pPr>
+              <a:buFont typeface="+mj-lt"/>
+              <a:buAutoNum type="arabicPeriod"/>
+            </a:pPr>
+            <a:r>
+              <a:rPr lang="en" altLang="ja-JP" sz="2400" dirty="0"/>
+              <a:t>All vehicles must be loaded.</a:t>
+            </a:r>
+            <a:endParaRPr lang="ja-JP" altLang="en-US" sz="2400"/>
+          </a:p>
+        </p:txBody>
+      </p:sp>
+      <p:sp>
+        <p:nvSpPr>
+          <p:cNvPr id="5" name="コンテンツ プレースホルダー 2">
+            <a:extLst>
+              <a:ext uri="{FF2B5EF4-FFF2-40B4-BE49-F238E27FC236}">
+                <a16:creationId xmlns:a16="http://schemas.microsoft.com/office/drawing/2014/main" id="{F88F3941-43B2-5043-8CF0-3FAEE12A9268}"/>
+              </a:ext>
+            </a:extLst>
+          </p:cNvPr>
+          <p:cNvSpPr txBox="1">
+            <a:spLocks/>
+          </p:cNvSpPr>
+          <p:nvPr/>
+        </p:nvSpPr>
+        <p:spPr>
+          <a:xfrm>
+            <a:off x="6955893" y="2916949"/>
+            <a:ext cx="4313864" cy="3777622"/>
+          </a:xfrm>
+          <a:prstGeom prst="rect">
+            <a:avLst/>
+          </a:prstGeom>
+        </p:spPr>
+        <p:txBody>
+          <a:bodyPr vert="horz" lIns="91440" tIns="45720" rIns="91440" bIns="45720" rtlCol="0">
+            <a:normAutofit lnSpcReduction="10000"/>
+          </a:bodyPr>
+          <a:lstStyle>
+            <a:lvl1pPr marL="342900" indent="-342900" algn="l" defTabSz="457200" rtl="0" eaLnBrk="1" latinLnBrk="0" hangingPunct="1">
+              <a:spcBef>
+                <a:spcPts val="1000"/>
+              </a:spcBef>
+              <a:spcAft>
+                <a:spcPts val="0"/>
+              </a:spcAft>
+              <a:buClr>
+                <a:schemeClr val="accent1"/>
+              </a:buClr>
+              <a:buFont typeface="Wingdings 3" charset="2"/>
+              <a:buChar char=""/>
+              <a:defRPr kumimoji="1" sz="1800" kern="1200">
+                <a:solidFill>
+                  <a:schemeClr val="tx1">
+                    <a:lumMod val="75000"/>
+                    <a:lumOff val="25000"/>
+                  </a:schemeClr>
+                </a:solidFill>
+                <a:latin typeface="+mn-lt"/>
+                <a:ea typeface="+mn-ea"/>
+                <a:cs typeface="+mn-cs"/>
+              </a:defRPr>
+            </a:lvl1pPr>
+            <a:lvl2pPr marL="742950" indent="-285750" algn="l" defTabSz="457200" rtl="0" eaLnBrk="1" latinLnBrk="0" hangingPunct="1">
+              <a:spcBef>
+                <a:spcPts val="1000"/>
+              </a:spcBef>
+              <a:spcAft>
+                <a:spcPts val="0"/>
+              </a:spcAft>
+              <a:buClr>
+                <a:schemeClr val="accent1"/>
+              </a:buClr>
+              <a:buFont typeface="Wingdings 3" charset="2"/>
+              <a:buChar char=""/>
+              <a:defRPr kumimoji="1" sz="1600" kern="1200">
+                <a:solidFill>
+                  <a:schemeClr val="tx1">
+                    <a:lumMod val="75000"/>
+                    <a:lumOff val="25000"/>
+                  </a:schemeClr>
+                </a:solidFill>
+                <a:latin typeface="+mn-lt"/>
+                <a:ea typeface="+mn-ea"/>
+                <a:cs typeface="+mn-cs"/>
+              </a:defRPr>
+            </a:lvl2pPr>
+            <a:lvl3pPr marL="1143000" indent="-228600" algn="l" defTabSz="457200" rtl="0" eaLnBrk="1" latinLnBrk="0" hangingPunct="1">
+              <a:spcBef>
+                <a:spcPts val="1000"/>
+              </a:spcBef>
+              <a:spcAft>
+                <a:spcPts val="0"/>
+              </a:spcAft>
+              <a:buClr>
+                <a:schemeClr val="accent1"/>
+              </a:buClr>
+              <a:buFont typeface="Wingdings 3" charset="2"/>
+              <a:buChar char=""/>
+              <a:defRPr kumimoji="1" sz="1400" kern="1200">
+                <a:solidFill>
+                  <a:schemeClr val="tx1">
+                    <a:lumMod val="75000"/>
+                    <a:lumOff val="25000"/>
+                  </a:schemeClr>
+                </a:solidFill>
+                <a:latin typeface="+mn-lt"/>
+                <a:ea typeface="+mn-ea"/>
+                <a:cs typeface="+mn-cs"/>
+              </a:defRPr>
+            </a:lvl3pPr>
+            <a:lvl4pPr marL="1600200" indent="-228600" algn="l" defTabSz="457200" rtl="0" eaLnBrk="1" latinLnBrk="0" hangingPunct="1">
+              <a:spcBef>
+                <a:spcPts val="1000"/>
+              </a:spcBef>
+              <a:spcAft>
+                <a:spcPts val="0"/>
+              </a:spcAft>
+              <a:buClr>
+                <a:schemeClr val="accent1"/>
+              </a:buClr>
+              <a:buFont typeface="Wingdings 3" charset="2"/>
+              <a:buChar char=""/>
+              <a:defRPr kumimoji="1" sz="1200" kern="1200">
+                <a:solidFill>
+                  <a:schemeClr val="tx1">
+                    <a:lumMod val="75000"/>
+                    <a:lumOff val="25000"/>
+                  </a:schemeClr>
+                </a:solidFill>
+                <a:latin typeface="+mn-lt"/>
+                <a:ea typeface="+mn-ea"/>
+                <a:cs typeface="+mn-cs"/>
+              </a:defRPr>
+            </a:lvl4pPr>
+            <a:lvl5pPr marL="2057400" indent="-228600" algn="l" defTabSz="457200" rtl="0" eaLnBrk="1" latinLnBrk="0" hangingPunct="1">
+              <a:spcBef>
+                <a:spcPts val="1000"/>
+              </a:spcBef>
+              <a:spcAft>
+                <a:spcPts val="0"/>
+              </a:spcAft>
+              <a:buClr>
+                <a:schemeClr val="accent1"/>
+              </a:buClr>
+              <a:buFont typeface="Wingdings 3" charset="2"/>
+              <a:buChar char=""/>
+              <a:defRPr kumimoji="1" sz="1200" kern="1200">
+                <a:solidFill>
+                  <a:schemeClr val="tx1">
+                    <a:lumMod val="75000"/>
+                    <a:lumOff val="25000"/>
+                  </a:schemeClr>
+                </a:solidFill>
+                <a:latin typeface="+mn-lt"/>
+                <a:ea typeface="+mn-ea"/>
+                <a:cs typeface="+mn-cs"/>
+              </a:defRPr>
+            </a:lvl5pPr>
+            <a:lvl6pPr marL="2514600" indent="-228600" algn="l" defTabSz="457200" rtl="0" eaLnBrk="1" latinLnBrk="0" hangingPunct="1">
+              <a:spcBef>
+                <a:spcPts val="1000"/>
+              </a:spcBef>
+              <a:spcAft>
+                <a:spcPts val="0"/>
+              </a:spcAft>
+              <a:buClr>
+                <a:schemeClr val="accent1"/>
+              </a:buClr>
+              <a:buFont typeface="Wingdings 3" charset="2"/>
+              <a:buChar char=""/>
+              <a:defRPr kumimoji="1" sz="1200" kern="1200">
+                <a:solidFill>
+                  <a:schemeClr val="tx1">
+                    <a:lumMod val="75000"/>
+                    <a:lumOff val="25000"/>
+                  </a:schemeClr>
+                </a:solidFill>
+                <a:latin typeface="+mn-lt"/>
+                <a:ea typeface="+mn-ea"/>
+                <a:cs typeface="+mn-cs"/>
+              </a:defRPr>
+            </a:lvl6pPr>
+            <a:lvl7pPr marL="2971800" indent="-228600" algn="l" defTabSz="457200" rtl="0" eaLnBrk="1" latinLnBrk="0" hangingPunct="1">
+              <a:spcBef>
+                <a:spcPts val="1000"/>
+              </a:spcBef>
+              <a:spcAft>
+                <a:spcPts val="0"/>
+              </a:spcAft>
+              <a:buClr>
+                <a:schemeClr val="accent1"/>
+              </a:buClr>
+              <a:buFont typeface="Wingdings 3" charset="2"/>
+              <a:buChar char=""/>
+              <a:defRPr kumimoji="1" sz="1200" kern="1200">
+                <a:solidFill>
+                  <a:schemeClr val="tx1">
+                    <a:lumMod val="75000"/>
+                    <a:lumOff val="25000"/>
+                  </a:schemeClr>
+                </a:solidFill>
+                <a:latin typeface="+mn-lt"/>
+                <a:ea typeface="+mn-ea"/>
+                <a:cs typeface="+mn-cs"/>
+              </a:defRPr>
+            </a:lvl7pPr>
+            <a:lvl8pPr marL="3429000" indent="-228600" algn="l" defTabSz="457200" rtl="0" eaLnBrk="1" latinLnBrk="0" hangingPunct="1">
+              <a:spcBef>
+                <a:spcPts val="1000"/>
+              </a:spcBef>
+              <a:spcAft>
+                <a:spcPts val="0"/>
+              </a:spcAft>
+              <a:buClr>
+                <a:schemeClr val="accent1"/>
+              </a:buClr>
+              <a:buFont typeface="Wingdings 3" charset="2"/>
+              <a:buChar char=""/>
+              <a:defRPr kumimoji="1" sz="1200" kern="1200">
+                <a:solidFill>
+                  <a:schemeClr val="tx1">
+                    <a:lumMod val="75000"/>
+                    <a:lumOff val="25000"/>
+                  </a:schemeClr>
+                </a:solidFill>
+                <a:latin typeface="+mn-lt"/>
+                <a:ea typeface="+mn-ea"/>
+                <a:cs typeface="+mn-cs"/>
+              </a:defRPr>
+            </a:lvl8pPr>
+            <a:lvl9pPr marL="3886200" indent="-228600" algn="l" defTabSz="457200" rtl="0" eaLnBrk="1" latinLnBrk="0" hangingPunct="1">
+              <a:spcBef>
+                <a:spcPts val="1000"/>
+              </a:spcBef>
+              <a:spcAft>
+                <a:spcPts val="0"/>
+              </a:spcAft>
+              <a:buClr>
+                <a:schemeClr val="accent1"/>
+              </a:buClr>
+              <a:buFont typeface="Wingdings 3" charset="2"/>
+              <a:buChar char=""/>
+              <a:defRPr kumimoji="1" sz="1200" kern="1200">
+                <a:solidFill>
+                  <a:schemeClr val="tx1">
+                    <a:lumMod val="75000"/>
+                    <a:lumOff val="25000"/>
+                  </a:schemeClr>
+                </a:solidFill>
+                <a:latin typeface="+mn-lt"/>
+                <a:ea typeface="+mn-ea"/>
+                <a:cs typeface="+mn-cs"/>
+              </a:defRPr>
+            </a:lvl9pPr>
+          </a:lstStyle>
+          <a:p>
+            <a:pPr marL="0" indent="0">
+              <a:buFont typeface="Wingdings 3" charset="2"/>
+              <a:buNone/>
+            </a:pPr>
             <a:r>
               <a:rPr lang="en-US" altLang="ja-JP" sz="2400" dirty="0"/>
-              <a:t>For 1</a:t>
-            </a:r>
-            <a:r>
-              <a:rPr lang="en-US" altLang="ja-JP" sz="2400" baseline="30000" dirty="0"/>
-              <a:t>st</a:t>
-            </a:r>
+              <a:t>Objective function</a:t>
+            </a:r>
+          </a:p>
+          <a:p>
+            <a:pPr>
+              <a:buFont typeface="+mj-lt"/>
+              <a:buAutoNum type="arabicPeriod"/>
+            </a:pPr>
             <a:r>
               <a:rPr lang="en-US" altLang="ja-JP" sz="2400" dirty="0"/>
-              <a:t> model,</a:t>
-            </a:r>
+              <a:t>avoiding multiple orders in one hold</a:t>
+            </a:r>
+          </a:p>
+          <a:p>
+            <a:pPr>
+              <a:buFont typeface="+mj-lt"/>
+              <a:buAutoNum type="arabicPeriod"/>
+            </a:pPr>
             <a:r>
               <a:rPr lang="en" altLang="ja-JP" sz="2400" dirty="0"/>
-              <a:t> I show the values of the solution after         1 hour and after 24 hours</a:t>
-            </a:r>
-          </a:p>
-          <a:p>
+              <a:t>placing </a:t>
+            </a:r>
+            <a:r>
+              <a:rPr lang="en-US" altLang="ja-JP" sz="2400" dirty="0"/>
+              <a:t>same</a:t>
+            </a:r>
             <a:r>
               <a:rPr lang="en" altLang="ja-JP" sz="2400" dirty="0"/>
-              <a:t>For 2</a:t>
-            </a:r>
-            <a:r>
-              <a:rPr lang="en" altLang="ja-JP" sz="2400" baseline="30000" dirty="0"/>
-              <a:t>nd</a:t>
-            </a:r>
+              <a:t> orders by port closer together</a:t>
+            </a:r>
+          </a:p>
+          <a:p>
+            <a:pPr>
+              <a:buFont typeface="+mj-lt"/>
+              <a:buAutoNum type="arabicPeriod"/>
+            </a:pPr>
             <a:r>
               <a:rPr lang="en" altLang="ja-JP" sz="2400" dirty="0"/>
-              <a:t> model, I show the value of the solution and the computation time to finish the local search</a:t>
-            </a:r>
-            <a:r>
-              <a:rPr lang="en-US" altLang="ja-JP" sz="2400" dirty="0"/>
-              <a:t>.</a:t>
+              <a:t>securing a path</a:t>
+            </a:r>
+          </a:p>
+          <a:p>
+            <a:pPr>
+              <a:buFont typeface="+mj-lt"/>
+              <a:buAutoNum type="arabicPeriod"/>
+            </a:pPr>
+            <a:r>
+              <a:rPr lang="en" altLang="ja-JP" sz="2400" dirty="0"/>
+              <a:t>No dead space</a:t>
+            </a:r>
+          </a:p>
+          <a:p>
+            <a:pPr>
+              <a:buFont typeface="+mj-lt"/>
+              <a:buAutoNum type="arabicPeriod"/>
+            </a:pPr>
+            <a:r>
+              <a:rPr lang="en" altLang="ja-JP" sz="2400" dirty="0"/>
+              <a:t>placing empty space close to the entrance</a:t>
             </a:r>
           </a:p>
         </p:txBody>
@@ -16464,7 +16970,7 @@
     </p:spTree>
     <p:extLst>
       <p:ext uri="{BB962C8B-B14F-4D97-AF65-F5344CB8AC3E}">
-        <p14:creationId xmlns:p14="http://schemas.microsoft.com/office/powerpoint/2010/main" val="4216551076"/>
+        <p14:creationId xmlns:p14="http://schemas.microsoft.com/office/powerpoint/2010/main" val="4139735148"/>
       </p:ext>
     </p:extLst>
   </p:cSld>
@@ -16496,6 +17002,137 @@
           <p:cNvPr id="2" name="タイトル 1">
             <a:extLst>
               <a:ext uri="{FF2B5EF4-FFF2-40B4-BE49-F238E27FC236}">
+                <a16:creationId xmlns:a16="http://schemas.microsoft.com/office/drawing/2014/main" id="{FEEFE181-A7D0-7146-B49E-65AC407C9C2B}"/>
+              </a:ext>
+            </a:extLst>
+          </p:cNvPr>
+          <p:cNvSpPr>
+            <a:spLocks noGrp="1"/>
+          </p:cNvSpPr>
+          <p:nvPr>
+            <p:ph type="title"/>
+          </p:nvPr>
+        </p:nvSpPr>
+        <p:spPr/>
+        <p:txBody>
+          <a:bodyPr/>
+          <a:lstStyle/>
+          <a:p>
+            <a:r>
+              <a:rPr lang="en-US" altLang="ja-JP" dirty="0"/>
+              <a:t>Computational experiment</a:t>
+            </a:r>
+            <a:endParaRPr kumimoji="1" lang="ja-JP" altLang="en-US"/>
+          </a:p>
+        </p:txBody>
+      </p:sp>
+      <p:sp>
+        <p:nvSpPr>
+          <p:cNvPr id="3" name="コンテンツ プレースホルダー 2">
+            <a:extLst>
+              <a:ext uri="{FF2B5EF4-FFF2-40B4-BE49-F238E27FC236}">
+                <a16:creationId xmlns:a16="http://schemas.microsoft.com/office/drawing/2014/main" id="{F34D1FFA-7F21-1B4A-B2CC-C1C3F36A6C10}"/>
+              </a:ext>
+            </a:extLst>
+          </p:cNvPr>
+          <p:cNvSpPr>
+            <a:spLocks noGrp="1"/>
+          </p:cNvSpPr>
+          <p:nvPr>
+            <p:ph idx="1"/>
+          </p:nvPr>
+        </p:nvSpPr>
+        <p:spPr/>
+        <p:txBody>
+          <a:bodyPr>
+            <a:normAutofit/>
+          </a:bodyPr>
+          <a:lstStyle/>
+          <a:p>
+            <a:r>
+              <a:rPr lang="en-US" altLang="ja-JP" sz="2400" dirty="0"/>
+              <a:t>We compare the computation time and the quality of assignment.</a:t>
+            </a:r>
+          </a:p>
+          <a:p>
+            <a:r>
+              <a:rPr lang="en-US" altLang="ja-JP" sz="2400" dirty="0"/>
+              <a:t>For 1</a:t>
+            </a:r>
+            <a:r>
+              <a:rPr lang="en-US" altLang="ja-JP" sz="2400" baseline="30000" dirty="0"/>
+              <a:t>st</a:t>
+            </a:r>
+            <a:r>
+              <a:rPr lang="en-US" altLang="ja-JP" sz="2400" dirty="0"/>
+              <a:t> model,</a:t>
+            </a:r>
+            <a:r>
+              <a:rPr lang="en" altLang="ja-JP" sz="2400" dirty="0"/>
+              <a:t> we show the values of the solution after         1 hour and after 24 hours</a:t>
+            </a:r>
+          </a:p>
+          <a:p>
+            <a:r>
+              <a:rPr lang="en" altLang="ja-JP" sz="2400" dirty="0"/>
+              <a:t>For 2</a:t>
+            </a:r>
+            <a:r>
+              <a:rPr lang="en" altLang="ja-JP" sz="2400" baseline="30000" dirty="0"/>
+              <a:t>nd</a:t>
+            </a:r>
+            <a:r>
+              <a:rPr lang="en" altLang="ja-JP" sz="2400" dirty="0"/>
+              <a:t> model, we show the value of the solution and the computation time to finish the local search</a:t>
+            </a:r>
+            <a:r>
+              <a:rPr lang="en-US" altLang="ja-JP" sz="2400" dirty="0"/>
+              <a:t>.</a:t>
+            </a:r>
+          </a:p>
+          <a:p>
+            <a:r>
+              <a:rPr lang="en-US" altLang="ja-JP" sz="2400" dirty="0"/>
+              <a:t>We set the coefficient of the constraint to 100.</a:t>
+            </a:r>
+          </a:p>
+        </p:txBody>
+      </p:sp>
+    </p:spTree>
+    <p:extLst>
+      <p:ext uri="{BB962C8B-B14F-4D97-AF65-F5344CB8AC3E}">
+        <p14:creationId xmlns:p14="http://schemas.microsoft.com/office/powerpoint/2010/main" val="4216551076"/>
+      </p:ext>
+    </p:extLst>
+  </p:cSld>
+  <p:clrMapOvr>
+    <a:masterClrMapping/>
+  </p:clrMapOvr>
+</p:sld>
+</file>
+
+<file path=ppt/slides/slide37.xml><?xml version="1.0" encoding="utf-8"?>
+<p:sld xmlns:a="http://schemas.openxmlformats.org/drawingml/2006/main" xmlns:r="http://schemas.openxmlformats.org/officeDocument/2006/relationships" xmlns:p="http://schemas.openxmlformats.org/presentationml/2006/main">
+  <p:cSld>
+    <p:spTree>
+      <p:nvGrpSpPr>
+        <p:cNvPr id="1" name=""/>
+        <p:cNvGrpSpPr/>
+        <p:nvPr/>
+      </p:nvGrpSpPr>
+      <p:grpSpPr>
+        <a:xfrm>
+          <a:off x="0" y="0"/>
+          <a:ext cx="0" cy="0"/>
+          <a:chOff x="0" y="0"/>
+          <a:chExt cx="0" cy="0"/>
+        </a:xfrm>
+      </p:grpSpPr>
+      <p:sp>
+        <p:nvSpPr>
+          <p:cNvPr id="2" name="タイトル 1">
+            <a:extLst>
+              <a:ext uri="{FF2B5EF4-FFF2-40B4-BE49-F238E27FC236}">
                 <a16:creationId xmlns:a16="http://schemas.microsoft.com/office/drawing/2014/main" id="{0F3E9755-7D4C-E140-A34C-76DD3CC7C081}"/>
               </a:ext>
             </a:extLst>
@@ -16536,14 +17173,14 @@
             <p:ph idx="1"/>
             <p:extLst>
               <p:ext uri="{D42A27DB-BD31-4B8C-83A1-F6EECF244321}">
-                <p14:modId xmlns:p14="http://schemas.microsoft.com/office/powerpoint/2010/main" val="2198430998"/>
+                <p14:modId xmlns:p14="http://schemas.microsoft.com/office/powerpoint/2010/main" val="2168044718"/>
               </p:ext>
             </p:extLst>
           </p:nvPr>
         </p:nvGraphicFramePr>
         <p:xfrm>
           <a:off x="1976717" y="1541929"/>
-          <a:ext cx="9265023" cy="4950303"/>
+          <a:ext cx="9527895" cy="4950303"/>
         </p:xfrm>
         <a:graphic>
           <a:graphicData uri="http://schemas.openxmlformats.org/drawingml/2006/table">
@@ -16552,49 +17189,49 @@
                 <a:tableStyleId>{5C22544A-7EE6-4342-B048-85BDC9FD1C3A}</a:tableStyleId>
               </a:tblPr>
               <a:tblGrid>
-                <a:gridCol w="968189">
+                <a:gridCol w="995659">
                   <a:extLst>
                     <a:ext uri="{9D8B030D-6E8A-4147-A177-3AD203B41FA5}">
                       <a16:colId xmlns:a16="http://schemas.microsoft.com/office/drawing/2014/main" val="3767232075"/>
                     </a:ext>
                   </a:extLst>
                 </a:gridCol>
-                <a:gridCol w="1304365">
+                <a:gridCol w="1196212">
                   <a:extLst>
                     <a:ext uri="{9D8B030D-6E8A-4147-A177-3AD203B41FA5}">
                       <a16:colId xmlns:a16="http://schemas.microsoft.com/office/drawing/2014/main" val="3477330652"/>
                     </a:ext>
                   </a:extLst>
                 </a:gridCol>
-                <a:gridCol w="1559858">
+                <a:gridCol w="1546412">
                   <a:extLst>
                     <a:ext uri="{9D8B030D-6E8A-4147-A177-3AD203B41FA5}">
                       <a16:colId xmlns:a16="http://schemas.microsoft.com/office/drawing/2014/main" val="2984689672"/>
                     </a:ext>
                   </a:extLst>
                 </a:gridCol>
-                <a:gridCol w="1143000">
+                <a:gridCol w="1156447">
                   <a:extLst>
                     <a:ext uri="{9D8B030D-6E8A-4147-A177-3AD203B41FA5}">
                       <a16:colId xmlns:a16="http://schemas.microsoft.com/office/drawing/2014/main" val="275792739"/>
                     </a:ext>
                   </a:extLst>
                 </a:gridCol>
-                <a:gridCol w="1400518">
+                <a:gridCol w="1371600">
                   <a:extLst>
                     <a:ext uri="{9D8B030D-6E8A-4147-A177-3AD203B41FA5}">
                       <a16:colId xmlns:a16="http://schemas.microsoft.com/office/drawing/2014/main" val="2550383071"/>
                     </a:ext>
                   </a:extLst>
                 </a:gridCol>
-                <a:gridCol w="1154424">
+                <a:gridCol w="1477679">
                   <a:extLst>
                     <a:ext uri="{9D8B030D-6E8A-4147-A177-3AD203B41FA5}">
                       <a16:colId xmlns:a16="http://schemas.microsoft.com/office/drawing/2014/main" val="3694173054"/>
                     </a:ext>
                   </a:extLst>
                 </a:gridCol>
-                <a:gridCol w="1734669">
+                <a:gridCol w="1783886">
                   <a:extLst>
                     <a:ext uri="{9D8B030D-6E8A-4147-A177-3AD203B41FA5}">
                       <a16:colId xmlns:a16="http://schemas.microsoft.com/office/drawing/2014/main" val="608630972"/>
@@ -17321,117 +17958,6 @@
                       <a:pPr algn="ctr"/>
                       <a:r>
                         <a:rPr kumimoji="1" lang="en-US" altLang="ja-JP" sz="2000" dirty="0"/>
-                        <a:t>200</a:t>
-                      </a:r>
-                      <a:endParaRPr kumimoji="1" lang="ja-JP" altLang="en-US" sz="2000"/>
-                    </a:p>
-                  </a:txBody>
-                  <a:tcPr/>
-                </a:tc>
-                <a:tc>
-                  <a:txBody>
-                    <a:bodyPr/>
-                    <a:lstStyle/>
-                    <a:p>
-                      <a:pPr algn="ctr"/>
-                      <a:r>
-                        <a:rPr kumimoji="1" lang="en-US" altLang="ja-JP" sz="2000" dirty="0"/>
-                        <a:t>2</a:t>
-                      </a:r>
-                    </a:p>
-                  </a:txBody>
-                  <a:tcPr/>
-                </a:tc>
-                <a:tc>
-                  <a:txBody>
-                    <a:bodyPr/>
-                    <a:lstStyle/>
-                    <a:p>
-                      <a:pPr algn="ctr"/>
-                      <a:r>
-                        <a:rPr kumimoji="1" lang="en-US" altLang="ja-JP" sz="2000" dirty="0"/>
-                        <a:t>3</a:t>
-                      </a:r>
-                      <a:endParaRPr kumimoji="1" lang="ja-JP" altLang="en-US" sz="2000"/>
-                    </a:p>
-                  </a:txBody>
-                  <a:tcPr/>
-                </a:tc>
-                <a:tc>
-                  <a:txBody>
-                    <a:bodyPr/>
-                    <a:lstStyle/>
-                    <a:p>
-                      <a:pPr algn="ctr"/>
-                      <a:r>
-                        <a:rPr kumimoji="1" lang="en-US" altLang="ja-JP" sz="2000" dirty="0"/>
-                        <a:t>none</a:t>
-                      </a:r>
-                      <a:endParaRPr kumimoji="1" lang="ja-JP" altLang="en-US" sz="2000"/>
-                    </a:p>
-                  </a:txBody>
-                  <a:tcPr/>
-                </a:tc>
-                <a:tc>
-                  <a:txBody>
-                    <a:bodyPr/>
-                    <a:lstStyle/>
-                    <a:p>
-                      <a:pPr algn="ctr"/>
-                      <a:r>
-                        <a:rPr kumimoji="1" lang="en-US" altLang="ja-JP" sz="2000" dirty="0"/>
-                        <a:t>-840</a:t>
-                      </a:r>
-                      <a:endParaRPr kumimoji="1" lang="ja-JP" altLang="en-US" sz="2000"/>
-                    </a:p>
-                  </a:txBody>
-                  <a:tcPr/>
-                </a:tc>
-                <a:tc>
-                  <a:txBody>
-                    <a:bodyPr/>
-                    <a:lstStyle/>
-                    <a:p>
-                      <a:pPr algn="ctr"/>
-                      <a:r>
-                        <a:rPr kumimoji="1" lang="en-US" altLang="ja-JP" sz="2000" dirty="0"/>
-                        <a:t>4377</a:t>
-                      </a:r>
-                      <a:endParaRPr kumimoji="1" lang="ja-JP" altLang="en-US" sz="2000"/>
-                    </a:p>
-                  </a:txBody>
-                  <a:tcPr/>
-                </a:tc>
-                <a:tc>
-                  <a:txBody>
-                    <a:bodyPr/>
-                    <a:lstStyle/>
-                    <a:p>
-                      <a:pPr algn="ctr"/>
-                      <a:r>
-                        <a:rPr kumimoji="1" lang="en-US" altLang="ja-JP" sz="2000" dirty="0"/>
-                        <a:t>6481</a:t>
-                      </a:r>
-                      <a:endParaRPr kumimoji="1" lang="ja-JP" altLang="en-US" sz="2000"/>
-                    </a:p>
-                  </a:txBody>
-                  <a:tcPr/>
-                </a:tc>
-                <a:extLst>
-                  <a:ext uri="{0D108BD9-81ED-4DB2-BD59-A6C34878D82A}">
-                    <a16:rowId xmlns:a16="http://schemas.microsoft.com/office/drawing/2014/main" val="861762615"/>
-                  </a:ext>
-                </a:extLst>
-              </a:tr>
-              <a:tr h="463467">
-                <a:tc>
-                  <a:txBody>
-                    <a:bodyPr/>
-                    <a:lstStyle/>
-                    <a:p>
-                      <a:pPr algn="ctr"/>
-                      <a:r>
-                        <a:rPr kumimoji="1" lang="en-US" altLang="ja-JP" sz="2000" dirty="0"/>
                         <a:t>250</a:t>
                       </a:r>
                       <a:endParaRPr kumimoji="1" lang="ja-JP" altLang="en-US" sz="2000"/>
@@ -17544,6 +18070,117 @@
                       <a:pPr algn="ctr"/>
                       <a:r>
                         <a:rPr kumimoji="1" lang="en-US" altLang="ja-JP" sz="2000" dirty="0"/>
+                        <a:t>200</a:t>
+                      </a:r>
+                      <a:endParaRPr kumimoji="1" lang="ja-JP" altLang="en-US" sz="2000"/>
+                    </a:p>
+                  </a:txBody>
+                  <a:tcPr/>
+                </a:tc>
+                <a:tc>
+                  <a:txBody>
+                    <a:bodyPr/>
+                    <a:lstStyle/>
+                    <a:p>
+                      <a:pPr algn="ctr"/>
+                      <a:r>
+                        <a:rPr kumimoji="1" lang="en-US" altLang="ja-JP" sz="2000" dirty="0"/>
+                        <a:t>2</a:t>
+                      </a:r>
+                    </a:p>
+                  </a:txBody>
+                  <a:tcPr/>
+                </a:tc>
+                <a:tc>
+                  <a:txBody>
+                    <a:bodyPr/>
+                    <a:lstStyle/>
+                    <a:p>
+                      <a:pPr algn="ctr"/>
+                      <a:r>
+                        <a:rPr kumimoji="1" lang="en-US" altLang="ja-JP" sz="2000" dirty="0"/>
+                        <a:t>3</a:t>
+                      </a:r>
+                      <a:endParaRPr kumimoji="1" lang="ja-JP" altLang="en-US" sz="2000"/>
+                    </a:p>
+                  </a:txBody>
+                  <a:tcPr/>
+                </a:tc>
+                <a:tc>
+                  <a:txBody>
+                    <a:bodyPr/>
+                    <a:lstStyle/>
+                    <a:p>
+                      <a:pPr algn="ctr"/>
+                      <a:r>
+                        <a:rPr kumimoji="1" lang="en-US" altLang="ja-JP" sz="2000" dirty="0"/>
+                        <a:t>none</a:t>
+                      </a:r>
+                      <a:endParaRPr kumimoji="1" lang="ja-JP" altLang="en-US" sz="2000"/>
+                    </a:p>
+                  </a:txBody>
+                  <a:tcPr/>
+                </a:tc>
+                <a:tc>
+                  <a:txBody>
+                    <a:bodyPr/>
+                    <a:lstStyle/>
+                    <a:p>
+                      <a:pPr algn="ctr"/>
+                      <a:r>
+                        <a:rPr kumimoji="1" lang="en-US" altLang="ja-JP" sz="2000" dirty="0"/>
+                        <a:t>-840</a:t>
+                      </a:r>
+                      <a:endParaRPr kumimoji="1" lang="ja-JP" altLang="en-US" sz="2000"/>
+                    </a:p>
+                  </a:txBody>
+                  <a:tcPr/>
+                </a:tc>
+                <a:tc>
+                  <a:txBody>
+                    <a:bodyPr/>
+                    <a:lstStyle/>
+                    <a:p>
+                      <a:pPr algn="ctr"/>
+                      <a:r>
+                        <a:rPr kumimoji="1" lang="en-US" altLang="ja-JP" sz="2000" dirty="0"/>
+                        <a:t>infeasible</a:t>
+                      </a:r>
+                      <a:endParaRPr kumimoji="1" lang="ja-JP" altLang="en-US" sz="2000"/>
+                    </a:p>
+                  </a:txBody>
+                  <a:tcPr/>
+                </a:tc>
+                <a:tc>
+                  <a:txBody>
+                    <a:bodyPr/>
+                    <a:lstStyle/>
+                    <a:p>
+                      <a:pPr algn="ctr"/>
+                      <a:r>
+                        <a:rPr kumimoji="1" lang="en-US" altLang="ja-JP" sz="2000" dirty="0"/>
+                        <a:t>6481</a:t>
+                      </a:r>
+                      <a:endParaRPr kumimoji="1" lang="ja-JP" altLang="en-US" sz="2000"/>
+                    </a:p>
+                  </a:txBody>
+                  <a:tcPr/>
+                </a:tc>
+                <a:extLst>
+                  <a:ext uri="{0D108BD9-81ED-4DB2-BD59-A6C34878D82A}">
+                    <a16:rowId xmlns:a16="http://schemas.microsoft.com/office/drawing/2014/main" val="44161025"/>
+                  </a:ext>
+                </a:extLst>
+              </a:tr>
+              <a:tr h="463467">
+                <a:tc>
+                  <a:txBody>
+                    <a:bodyPr/>
+                    <a:lstStyle/>
+                    <a:p>
+                      <a:pPr algn="ctr"/>
+                      <a:r>
+                        <a:rPr kumimoji="1" lang="en-US" altLang="ja-JP" sz="2000" dirty="0"/>
                         <a:t>350</a:t>
                       </a:r>
                       <a:endParaRPr kumimoji="1" lang="ja-JP" altLang="en-US" sz="2000"/>
@@ -17619,7 +18256,7 @@
                       <a:pPr algn="ctr"/>
                       <a:r>
                         <a:rPr kumimoji="1" lang="en-US" altLang="ja-JP" sz="2000" dirty="0"/>
-                        <a:t>4434</a:t>
+                        <a:t>infeasible</a:t>
                       </a:r>
                       <a:endParaRPr kumimoji="1" lang="ja-JP" altLang="en-US" sz="2000"/>
                     </a:p>
@@ -17663,125 +18300,6 @@
 </p:sld>
 </file>
 
-<file path=ppt/slides/slide37.xml><?xml version="1.0" encoding="utf-8"?>
-<p:sld xmlns:a="http://schemas.openxmlformats.org/drawingml/2006/main" xmlns:r="http://schemas.openxmlformats.org/officeDocument/2006/relationships" xmlns:p="http://schemas.openxmlformats.org/presentationml/2006/main">
-  <p:cSld>
-    <p:spTree>
-      <p:nvGrpSpPr>
-        <p:cNvPr id="1" name=""/>
-        <p:cNvGrpSpPr/>
-        <p:nvPr/>
-      </p:nvGrpSpPr>
-      <p:grpSpPr>
-        <a:xfrm>
-          <a:off x="0" y="0"/>
-          <a:ext cx="0" cy="0"/>
-          <a:chOff x="0" y="0"/>
-          <a:chExt cx="0" cy="0"/>
-        </a:xfrm>
-      </p:grpSpPr>
-      <p:sp>
-        <p:nvSpPr>
-          <p:cNvPr id="2" name="タイトル 1">
-            <a:extLst>
-              <a:ext uri="{FF2B5EF4-FFF2-40B4-BE49-F238E27FC236}">
-                <a16:creationId xmlns:a16="http://schemas.microsoft.com/office/drawing/2014/main" id="{10C85110-0AEB-6C49-9AE3-DAAB21DFABB3}"/>
-              </a:ext>
-            </a:extLst>
-          </p:cNvPr>
-          <p:cNvSpPr>
-            <a:spLocks noGrp="1"/>
-          </p:cNvSpPr>
-          <p:nvPr>
-            <p:ph type="title"/>
-          </p:nvPr>
-        </p:nvSpPr>
-        <p:spPr/>
-        <p:txBody>
-          <a:bodyPr/>
-          <a:lstStyle/>
-          <a:p>
-            <a:r>
-              <a:rPr lang="en-US" altLang="ja-JP" dirty="0"/>
-              <a:t>Computational experiment</a:t>
-            </a:r>
-            <a:endParaRPr kumimoji="1" lang="ja-JP" altLang="en-US"/>
-          </a:p>
-        </p:txBody>
-      </p:sp>
-      <p:sp>
-        <p:nvSpPr>
-          <p:cNvPr id="3" name="コンテンツ プレースホルダー 2">
-            <a:extLst>
-              <a:ext uri="{FF2B5EF4-FFF2-40B4-BE49-F238E27FC236}">
-                <a16:creationId xmlns:a16="http://schemas.microsoft.com/office/drawing/2014/main" id="{48B29443-0E2E-9240-9158-A7C1DB7BC48D}"/>
-              </a:ext>
-            </a:extLst>
-          </p:cNvPr>
-          <p:cNvSpPr>
-            <a:spLocks noGrp="1"/>
-          </p:cNvSpPr>
-          <p:nvPr>
-            <p:ph idx="1"/>
-          </p:nvPr>
-        </p:nvSpPr>
-        <p:spPr/>
-        <p:txBody>
-          <a:bodyPr/>
-          <a:lstStyle/>
-          <a:p>
-            <a:r>
-              <a:rPr lang="en" altLang="ja-JP" sz="2400" dirty="0"/>
-              <a:t>In a relatively</a:t>
-            </a:r>
-            <a:r>
-              <a:rPr lang="en-US" altLang="ja-JP" sz="2400" dirty="0"/>
-              <a:t> </a:t>
-            </a:r>
-            <a:r>
-              <a:rPr lang="en" altLang="ja-JP" sz="2400" dirty="0"/>
-              <a:t>short computation time, we got feasible solutions with a certain quality.</a:t>
-            </a:r>
-          </a:p>
-          <a:p>
-            <a:r>
-              <a:rPr lang="en" altLang="ja-JP" sz="2400" dirty="0"/>
-              <a:t>For some instances, we observed long computation times even 2</a:t>
-            </a:r>
-            <a:r>
-              <a:rPr lang="en" altLang="ja-JP" sz="2400" baseline="30000" dirty="0"/>
-              <a:t>nd</a:t>
-            </a:r>
-            <a:r>
-              <a:rPr lang="en" altLang="ja-JP" sz="2400" dirty="0"/>
-              <a:t> model is based on heuristics.</a:t>
-            </a:r>
-          </a:p>
-          <a:p>
-            <a:endParaRPr kumimoji="1" lang="en" altLang="ja-JP" sz="2400" dirty="0"/>
-          </a:p>
-          <a:p>
-            <a:r>
-              <a:rPr lang="en" altLang="ja-JP" sz="2400" dirty="0"/>
-              <a:t>it seems the heuristic algorithm do not find a lot of better solutions in the swap neighborhood. 	</a:t>
-            </a:r>
-            <a:endParaRPr kumimoji="1" lang="ja-JP" altLang="en-US"/>
-          </a:p>
-        </p:txBody>
-      </p:sp>
-    </p:spTree>
-    <p:extLst>
-      <p:ext uri="{BB962C8B-B14F-4D97-AF65-F5344CB8AC3E}">
-        <p14:creationId xmlns:p14="http://schemas.microsoft.com/office/powerpoint/2010/main" val="2216146474"/>
-      </p:ext>
-    </p:extLst>
-  </p:cSld>
-  <p:clrMapOvr>
-    <a:masterClrMapping/>
-  </p:clrMapOvr>
-</p:sld>
-</file>
-
 <file path=ppt/slides/slide38.xml><?xml version="1.0" encoding="utf-8"?>
 <p:sld xmlns:a="http://schemas.openxmlformats.org/drawingml/2006/main" xmlns:r="http://schemas.openxmlformats.org/officeDocument/2006/relationships" xmlns:p="http://schemas.openxmlformats.org/presentationml/2006/main">
   <p:cSld>
@@ -17804,6 +18322,341 @@
           <p:cNvPr id="2" name="タイトル 1">
             <a:extLst>
               <a:ext uri="{FF2B5EF4-FFF2-40B4-BE49-F238E27FC236}">
+                <a16:creationId xmlns:a16="http://schemas.microsoft.com/office/drawing/2014/main" id="{10C85110-0AEB-6C49-9AE3-DAAB21DFABB3}"/>
+              </a:ext>
+            </a:extLst>
+          </p:cNvPr>
+          <p:cNvSpPr>
+            <a:spLocks noGrp="1"/>
+          </p:cNvSpPr>
+          <p:nvPr>
+            <p:ph type="title"/>
+          </p:nvPr>
+        </p:nvSpPr>
+        <p:spPr/>
+        <p:txBody>
+          <a:bodyPr/>
+          <a:lstStyle/>
+          <a:p>
+            <a:r>
+              <a:rPr lang="en-US" altLang="ja-JP" dirty="0"/>
+              <a:t>Computational experiment</a:t>
+            </a:r>
+            <a:endParaRPr kumimoji="1" lang="ja-JP" altLang="en-US"/>
+          </a:p>
+        </p:txBody>
+      </p:sp>
+      <p:sp>
+        <p:nvSpPr>
+          <p:cNvPr id="3" name="コンテンツ プレースホルダー 2">
+            <a:extLst>
+              <a:ext uri="{FF2B5EF4-FFF2-40B4-BE49-F238E27FC236}">
+                <a16:creationId xmlns:a16="http://schemas.microsoft.com/office/drawing/2014/main" id="{48B29443-0E2E-9240-9158-A7C1DB7BC48D}"/>
+              </a:ext>
+            </a:extLst>
+          </p:cNvPr>
+          <p:cNvSpPr>
+            <a:spLocks noGrp="1"/>
+          </p:cNvSpPr>
+          <p:nvPr>
+            <p:ph idx="1"/>
+          </p:nvPr>
+        </p:nvSpPr>
+        <p:spPr/>
+        <p:txBody>
+          <a:bodyPr/>
+          <a:lstStyle/>
+          <a:p>
+            <a:r>
+              <a:rPr lang="en" altLang="ja-JP" sz="2400" dirty="0"/>
+              <a:t>For experimental instances, we got feasible solutions with a certain quality in a relatively</a:t>
+            </a:r>
+            <a:r>
+              <a:rPr lang="en-US" altLang="ja-JP" sz="2400" dirty="0"/>
+              <a:t> </a:t>
+            </a:r>
+            <a:r>
+              <a:rPr lang="en" altLang="ja-JP" sz="2400" dirty="0"/>
+              <a:t>short computation time.</a:t>
+            </a:r>
+          </a:p>
+          <a:p>
+            <a:r>
+              <a:rPr lang="en" altLang="ja-JP" sz="2400" dirty="0"/>
+              <a:t>For some instances that actually exist, we couldn’t find feasible solution.</a:t>
+            </a:r>
+          </a:p>
+          <a:p>
+            <a:endParaRPr lang="en" altLang="ja-JP" sz="2400" dirty="0"/>
+          </a:p>
+          <a:p>
+            <a:endParaRPr lang="en" altLang="ja-JP" sz="2400" dirty="0"/>
+          </a:p>
+          <a:p>
+            <a:endParaRPr lang="en" altLang="ja-JP" sz="2400" dirty="0"/>
+          </a:p>
+        </p:txBody>
+      </p:sp>
+    </p:spTree>
+    <p:extLst>
+      <p:ext uri="{BB962C8B-B14F-4D97-AF65-F5344CB8AC3E}">
+        <p14:creationId xmlns:p14="http://schemas.microsoft.com/office/powerpoint/2010/main" val="2216146474"/>
+      </p:ext>
+    </p:extLst>
+  </p:cSld>
+  <p:clrMapOvr>
+    <a:masterClrMapping/>
+  </p:clrMapOvr>
+</p:sld>
+</file>
+
+<file path=ppt/slides/slide39.xml><?xml version="1.0" encoding="utf-8"?>
+<p:sld xmlns:a="http://schemas.openxmlformats.org/drawingml/2006/main" xmlns:r="http://schemas.openxmlformats.org/officeDocument/2006/relationships" xmlns:p="http://schemas.openxmlformats.org/presentationml/2006/main">
+  <p:cSld>
+    <p:spTree>
+      <p:nvGrpSpPr>
+        <p:cNvPr id="1" name=""/>
+        <p:cNvGrpSpPr/>
+        <p:nvPr/>
+      </p:nvGrpSpPr>
+      <p:grpSpPr>
+        <a:xfrm>
+          <a:off x="0" y="0"/>
+          <a:ext cx="0" cy="0"/>
+          <a:chOff x="0" y="0"/>
+          <a:chExt cx="0" cy="0"/>
+        </a:xfrm>
+      </p:grpSpPr>
+      <p:sp>
+        <p:nvSpPr>
+          <p:cNvPr id="2" name="タイトル 1">
+            <a:extLst>
+              <a:ext uri="{FF2B5EF4-FFF2-40B4-BE49-F238E27FC236}">
+                <a16:creationId xmlns:a16="http://schemas.microsoft.com/office/drawing/2014/main" id="{A8816EE5-E670-DD4C-A705-652D968F809A}"/>
+              </a:ext>
+            </a:extLst>
+          </p:cNvPr>
+          <p:cNvSpPr>
+            <a:spLocks noGrp="1"/>
+          </p:cNvSpPr>
+          <p:nvPr>
+            <p:ph type="title"/>
+          </p:nvPr>
+        </p:nvSpPr>
+        <p:spPr/>
+        <p:txBody>
+          <a:bodyPr/>
+          <a:lstStyle/>
+          <a:p>
+            <a:r>
+              <a:rPr kumimoji="1" lang="en-US" altLang="ja-JP" dirty="0"/>
+              <a:t>Type of neighborhood</a:t>
+            </a:r>
+            <a:endParaRPr kumimoji="1" lang="ja-JP" altLang="en-US"/>
+          </a:p>
+        </p:txBody>
+      </p:sp>
+      <p:sp>
+        <p:nvSpPr>
+          <p:cNvPr id="3" name="コンテンツ プレースホルダー 2">
+            <a:extLst>
+              <a:ext uri="{FF2B5EF4-FFF2-40B4-BE49-F238E27FC236}">
+                <a16:creationId xmlns:a16="http://schemas.microsoft.com/office/drawing/2014/main" id="{776A7BCF-90DA-9849-A6DD-2BBF184BCB18}"/>
+              </a:ext>
+            </a:extLst>
+          </p:cNvPr>
+          <p:cNvSpPr>
+            <a:spLocks noGrp="1"/>
+          </p:cNvSpPr>
+          <p:nvPr>
+            <p:ph idx="1"/>
+          </p:nvPr>
+        </p:nvSpPr>
+        <p:spPr/>
+        <p:txBody>
+          <a:bodyPr>
+            <a:normAutofit/>
+          </a:bodyPr>
+          <a:lstStyle/>
+          <a:p>
+            <a:r>
+              <a:rPr lang="en" altLang="ja-JP" sz="2400" dirty="0"/>
+              <a:t>We investigated how much the solution and computation time changes with the type of neighborhood.</a:t>
+            </a:r>
+          </a:p>
+          <a:p>
+            <a:r>
+              <a:rPr lang="en" altLang="ja-JP" sz="2400" dirty="0"/>
+              <a:t>The value is the weighted sum of constraints and objective function.</a:t>
+            </a:r>
+          </a:p>
+          <a:p>
+            <a:r>
+              <a:rPr lang="en" altLang="ja-JP" sz="2400" dirty="0"/>
+              <a:t>even if the solution is infeasible, we show the value of the evaluation function.</a:t>
+            </a:r>
+          </a:p>
+          <a:p>
+            <a:r>
+              <a:rPr lang="en" altLang="ja-JP" sz="2400" dirty="0"/>
+              <a:t>We also set the </a:t>
+            </a:r>
+            <a:r>
+              <a:rPr lang="en-US" altLang="ja-JP" sz="2400" dirty="0"/>
+              <a:t>coefficient of the constraint to 100.</a:t>
+            </a:r>
+            <a:endParaRPr lang="en" altLang="ja-JP" sz="2400" dirty="0"/>
+          </a:p>
+          <a:p>
+            <a:endParaRPr kumimoji="1" lang="ja-JP" altLang="en-US" sz="2400"/>
+          </a:p>
+        </p:txBody>
+      </p:sp>
+    </p:spTree>
+    <p:extLst>
+      <p:ext uri="{BB962C8B-B14F-4D97-AF65-F5344CB8AC3E}">
+        <p14:creationId xmlns:p14="http://schemas.microsoft.com/office/powerpoint/2010/main" val="1225922878"/>
+      </p:ext>
+    </p:extLst>
+  </p:cSld>
+  <p:clrMapOvr>
+    <a:masterClrMapping/>
+  </p:clrMapOvr>
+</p:sld>
+</file>
+
+<file path=ppt/slides/slide4.xml><?xml version="1.0" encoding="utf-8"?>
+<p:sld xmlns:a="http://schemas.openxmlformats.org/drawingml/2006/main" xmlns:r="http://schemas.openxmlformats.org/officeDocument/2006/relationships" xmlns:p="http://schemas.openxmlformats.org/presentationml/2006/main">
+  <p:cSld>
+    <p:spTree>
+      <p:nvGrpSpPr>
+        <p:cNvPr id="1" name=""/>
+        <p:cNvGrpSpPr/>
+        <p:nvPr/>
+      </p:nvGrpSpPr>
+      <p:grpSpPr>
+        <a:xfrm>
+          <a:off x="0" y="0"/>
+          <a:ext cx="0" cy="0"/>
+          <a:chOff x="0" y="0"/>
+          <a:chExt cx="0" cy="0"/>
+        </a:xfrm>
+      </p:grpSpPr>
+      <p:sp>
+        <p:nvSpPr>
+          <p:cNvPr id="2" name="タイトル 1">
+            <a:extLst>
+              <a:ext uri="{FF2B5EF4-FFF2-40B4-BE49-F238E27FC236}">
+                <a16:creationId xmlns:a16="http://schemas.microsoft.com/office/drawing/2014/main" id="{03DC7BD9-E43D-E442-9A49-33395737C89D}"/>
+              </a:ext>
+            </a:extLst>
+          </p:cNvPr>
+          <p:cNvSpPr>
+            <a:spLocks noGrp="1"/>
+          </p:cNvSpPr>
+          <p:nvPr>
+            <p:ph type="title"/>
+          </p:nvPr>
+        </p:nvSpPr>
+        <p:spPr/>
+        <p:txBody>
+          <a:bodyPr/>
+          <a:lstStyle/>
+          <a:p>
+            <a:r>
+              <a:rPr kumimoji="1" lang="en-US" altLang="ja-JP" dirty="0"/>
+              <a:t>Background</a:t>
+            </a:r>
+            <a:endParaRPr kumimoji="1" lang="ja-JP" altLang="en-US"/>
+          </a:p>
+        </p:txBody>
+      </p:sp>
+      <p:sp>
+        <p:nvSpPr>
+          <p:cNvPr id="3" name="コンテンツ プレースホルダー 2">
+            <a:extLst>
+              <a:ext uri="{FF2B5EF4-FFF2-40B4-BE49-F238E27FC236}">
+                <a16:creationId xmlns:a16="http://schemas.microsoft.com/office/drawing/2014/main" id="{AD3B2DD4-96C6-BB42-93C1-3859304F6137}"/>
+              </a:ext>
+            </a:extLst>
+          </p:cNvPr>
+          <p:cNvSpPr>
+            <a:spLocks noGrp="1"/>
+          </p:cNvSpPr>
+          <p:nvPr>
+            <p:ph idx="1"/>
+          </p:nvPr>
+        </p:nvSpPr>
+        <p:spPr/>
+        <p:txBody>
+          <a:bodyPr>
+            <a:normAutofit/>
+          </a:bodyPr>
+          <a:lstStyle/>
+          <a:p>
+            <a:r>
+              <a:rPr lang="en-US" altLang="ja-JP" sz="2400" dirty="0"/>
+              <a:t>There are a lot of things that has to be considered</a:t>
+            </a:r>
+          </a:p>
+          <a:p>
+            <a:pPr lvl="1"/>
+            <a:r>
+              <a:rPr lang="en-US" altLang="ja-JP" sz="2200" dirty="0"/>
+              <a:t>Planning assignments that makes it easy to load and unload cars is important.</a:t>
+            </a:r>
+          </a:p>
+          <a:p>
+            <a:pPr lvl="1"/>
+            <a:r>
+              <a:rPr lang="en-US" altLang="ja-JP" sz="2200" dirty="0"/>
+              <a:t>Human error should not happen.</a:t>
+            </a:r>
+          </a:p>
+          <a:p>
+            <a:pPr lvl="1"/>
+            <a:r>
+              <a:rPr lang="en-US" altLang="ja-JP" sz="2400" dirty="0"/>
+              <a:t>Unbalanced assignments may result in a sinking.</a:t>
+            </a:r>
+          </a:p>
+        </p:txBody>
+      </p:sp>
+    </p:spTree>
+    <p:extLst>
+      <p:ext uri="{BB962C8B-B14F-4D97-AF65-F5344CB8AC3E}">
+        <p14:creationId xmlns:p14="http://schemas.microsoft.com/office/powerpoint/2010/main" val="3649340498"/>
+      </p:ext>
+    </p:extLst>
+  </p:cSld>
+  <p:clrMapOvr>
+    <a:masterClrMapping/>
+  </p:clrMapOvr>
+</p:sld>
+</file>
+
+<file path=ppt/slides/slide40.xml><?xml version="1.0" encoding="utf-8"?>
+<p:sld xmlns:a="http://schemas.openxmlformats.org/drawingml/2006/main" xmlns:r="http://schemas.openxmlformats.org/officeDocument/2006/relationships" xmlns:p="http://schemas.openxmlformats.org/presentationml/2006/main">
+  <p:cSld>
+    <p:spTree>
+      <p:nvGrpSpPr>
+        <p:cNvPr id="1" name=""/>
+        <p:cNvGrpSpPr/>
+        <p:nvPr/>
+      </p:nvGrpSpPr>
+      <p:grpSpPr>
+        <a:xfrm>
+          <a:off x="0" y="0"/>
+          <a:ext cx="0" cy="0"/>
+          <a:chOff x="0" y="0"/>
+          <a:chExt cx="0" cy="0"/>
+        </a:xfrm>
+      </p:grpSpPr>
+      <p:sp>
+        <p:nvSpPr>
+          <p:cNvPr id="2" name="タイトル 1">
+            <a:extLst>
+              <a:ext uri="{FF2B5EF4-FFF2-40B4-BE49-F238E27FC236}">
                 <a16:creationId xmlns:a16="http://schemas.microsoft.com/office/drawing/2014/main" id="{0F3E9755-7D4C-E140-A34C-76DD3CC7C081}"/>
               </a:ext>
             </a:extLst>
@@ -17844,7 +18697,7 @@
             <p:ph idx="1"/>
             <p:extLst>
               <p:ext uri="{D42A27DB-BD31-4B8C-83A1-F6EECF244321}">
-                <p14:modId xmlns:p14="http://schemas.microsoft.com/office/powerpoint/2010/main" val="3945483578"/>
+                <p14:modId xmlns:p14="http://schemas.microsoft.com/office/powerpoint/2010/main" val="1059006368"/>
               </p:ext>
             </p:extLst>
           </p:nvPr>
@@ -18809,147 +19662,6 @@
                       <a:pPr algn="ctr"/>
                       <a:r>
                         <a:rPr kumimoji="1" lang="en-US" altLang="ja-JP" sz="2000" dirty="0"/>
-                        <a:t>200</a:t>
-                      </a:r>
-                      <a:endParaRPr kumimoji="1" lang="ja-JP" altLang="en-US" sz="2000"/>
-                    </a:p>
-                  </a:txBody>
-                  <a:tcPr/>
-                </a:tc>
-                <a:tc>
-                  <a:txBody>
-                    <a:bodyPr/>
-                    <a:lstStyle/>
-                    <a:p>
-                      <a:pPr algn="ctr"/>
-                      <a:r>
-                        <a:rPr kumimoji="1" lang="en-US" altLang="ja-JP" sz="2000" dirty="0"/>
-                        <a:t>2</a:t>
-                      </a:r>
-                    </a:p>
-                  </a:txBody>
-                  <a:tcPr/>
-                </a:tc>
-                <a:tc>
-                  <a:txBody>
-                    <a:bodyPr/>
-                    <a:lstStyle/>
-                    <a:p>
-                      <a:pPr algn="ctr"/>
-                      <a:r>
-                        <a:rPr kumimoji="1" lang="en-US" altLang="ja-JP" sz="2000" dirty="0"/>
-                        <a:t>3</a:t>
-                      </a:r>
-                      <a:endParaRPr kumimoji="1" lang="ja-JP" altLang="en-US" sz="2000"/>
-                    </a:p>
-                  </a:txBody>
-                  <a:tcPr/>
-                </a:tc>
-                <a:tc>
-                  <a:txBody>
-                    <a:bodyPr/>
-                    <a:lstStyle/>
-                    <a:p>
-                      <a:pPr algn="ctr"/>
-                      <a:r>
-                        <a:rPr kumimoji="1" lang="en-US" altLang="ja-JP" sz="2000" dirty="0"/>
-                        <a:t>4377</a:t>
-                      </a:r>
-                      <a:endParaRPr kumimoji="1" lang="ja-JP" altLang="en-US" sz="2000"/>
-                    </a:p>
-                  </a:txBody>
-                  <a:tcPr/>
-                </a:tc>
-                <a:tc>
-                  <a:txBody>
-                    <a:bodyPr/>
-                    <a:lstStyle/>
-                    <a:p>
-                      <a:pPr algn="ctr"/>
-                      <a:r>
-                        <a:rPr kumimoji="1" lang="en-US" altLang="ja-JP" sz="2000" dirty="0"/>
-                        <a:t>6481</a:t>
-                      </a:r>
-                      <a:endParaRPr kumimoji="1" lang="ja-JP" altLang="en-US" sz="2000"/>
-                    </a:p>
-                  </a:txBody>
-                  <a:tcPr/>
-                </a:tc>
-                <a:tc>
-                  <a:txBody>
-                    <a:bodyPr/>
-                    <a:lstStyle/>
-                    <a:p>
-                      <a:pPr algn="ctr"/>
-                      <a:r>
-                        <a:rPr kumimoji="1" lang="en-US" altLang="ja-JP" sz="2000" dirty="0"/>
-                        <a:t>12720</a:t>
-                      </a:r>
-                      <a:endParaRPr kumimoji="1" lang="ja-JP" altLang="en-US" sz="2000"/>
-                    </a:p>
-                  </a:txBody>
-                  <a:tcPr/>
-                </a:tc>
-                <a:tc>
-                  <a:txBody>
-                    <a:bodyPr/>
-                    <a:lstStyle/>
-                    <a:p>
-                      <a:pPr algn="ctr"/>
-                      <a:r>
-                        <a:rPr kumimoji="1" lang="en-US" altLang="ja-JP" sz="2000" dirty="0"/>
-                        <a:t>1859</a:t>
-                      </a:r>
-                      <a:endParaRPr kumimoji="1" lang="ja-JP" altLang="en-US" sz="2000"/>
-                    </a:p>
-                  </a:txBody>
-                  <a:tcPr/>
-                </a:tc>
-                <a:tc>
-                  <a:txBody>
-                    <a:bodyPr/>
-                    <a:lstStyle/>
-                    <a:p>
-                      <a:pPr algn="ctr"/>
-                      <a:r>
-                        <a:rPr kumimoji="1" lang="en-US" altLang="ja-JP" sz="2000" dirty="0"/>
-                        <a:t>10648</a:t>
-                      </a:r>
-                      <a:endParaRPr kumimoji="1" lang="ja-JP" altLang="en-US" sz="2000"/>
-                    </a:p>
-                  </a:txBody>
-                  <a:tcPr/>
-                </a:tc>
-                <a:tc>
-                  <a:txBody>
-                    <a:bodyPr/>
-                    <a:lstStyle/>
-                    <a:p>
-                      <a:pPr algn="ctr"/>
-                      <a:r>
-                        <a:rPr kumimoji="1" lang="en-US" altLang="ja-JP" sz="2000" dirty="0"/>
-                        <a:t>4927</a:t>
-                      </a:r>
-                      <a:endParaRPr kumimoji="1" lang="ja-JP" altLang="en-US" sz="2000"/>
-                    </a:p>
-                  </a:txBody>
-                  <a:tcPr/>
-                </a:tc>
-                <a:extLst>
-                  <a:ext uri="{0D108BD9-81ED-4DB2-BD59-A6C34878D82A}">
-                    <a16:rowId xmlns:a16="http://schemas.microsoft.com/office/drawing/2014/main" val="861762615"/>
-                  </a:ext>
-                </a:extLst>
-              </a:tr>
-              <a:tr h="463467">
-                <a:tc>
-                  <a:txBody>
-                    <a:bodyPr/>
-                    <a:lstStyle/>
-                    <a:p>
-                      <a:pPr algn="ctr"/>
-                      <a:r>
-                        <a:rPr kumimoji="1" lang="en-US" altLang="ja-JP" sz="2000" dirty="0"/>
                         <a:t>250</a:t>
                       </a:r>
                       <a:endParaRPr kumimoji="1" lang="ja-JP" altLang="en-US" sz="2000"/>
@@ -19080,6 +19792,147 @@
                 <a:extLst>
                   <a:ext uri="{0D108BD9-81ED-4DB2-BD59-A6C34878D82A}">
                     <a16:rowId xmlns:a16="http://schemas.microsoft.com/office/drawing/2014/main" val="342577522"/>
+                  </a:ext>
+                </a:extLst>
+              </a:tr>
+              <a:tr h="463467">
+                <a:tc>
+                  <a:txBody>
+                    <a:bodyPr/>
+                    <a:lstStyle/>
+                    <a:p>
+                      <a:pPr algn="ctr"/>
+                      <a:r>
+                        <a:rPr kumimoji="1" lang="en-US" altLang="ja-JP" sz="2000" dirty="0"/>
+                        <a:t>200</a:t>
+                      </a:r>
+                      <a:endParaRPr kumimoji="1" lang="ja-JP" altLang="en-US" sz="2000"/>
+                    </a:p>
+                  </a:txBody>
+                  <a:tcPr/>
+                </a:tc>
+                <a:tc>
+                  <a:txBody>
+                    <a:bodyPr/>
+                    <a:lstStyle/>
+                    <a:p>
+                      <a:pPr algn="ctr"/>
+                      <a:r>
+                        <a:rPr kumimoji="1" lang="en-US" altLang="ja-JP" sz="2000" dirty="0"/>
+                        <a:t>2</a:t>
+                      </a:r>
+                    </a:p>
+                  </a:txBody>
+                  <a:tcPr/>
+                </a:tc>
+                <a:tc>
+                  <a:txBody>
+                    <a:bodyPr/>
+                    <a:lstStyle/>
+                    <a:p>
+                      <a:pPr algn="ctr"/>
+                      <a:r>
+                        <a:rPr kumimoji="1" lang="en-US" altLang="ja-JP" sz="2000" dirty="0"/>
+                        <a:t>3</a:t>
+                      </a:r>
+                      <a:endParaRPr kumimoji="1" lang="ja-JP" altLang="en-US" sz="2000"/>
+                    </a:p>
+                  </a:txBody>
+                  <a:tcPr/>
+                </a:tc>
+                <a:tc>
+                  <a:txBody>
+                    <a:bodyPr/>
+                    <a:lstStyle/>
+                    <a:p>
+                      <a:pPr algn="ctr"/>
+                      <a:r>
+                        <a:rPr kumimoji="1" lang="en-US" altLang="ja-JP" sz="2000" dirty="0"/>
+                        <a:t>4377</a:t>
+                      </a:r>
+                      <a:endParaRPr kumimoji="1" lang="ja-JP" altLang="en-US" sz="2000"/>
+                    </a:p>
+                  </a:txBody>
+                  <a:tcPr/>
+                </a:tc>
+                <a:tc>
+                  <a:txBody>
+                    <a:bodyPr/>
+                    <a:lstStyle/>
+                    <a:p>
+                      <a:pPr algn="ctr"/>
+                      <a:r>
+                        <a:rPr kumimoji="1" lang="en-US" altLang="ja-JP" sz="2000" dirty="0"/>
+                        <a:t>6481</a:t>
+                      </a:r>
+                      <a:endParaRPr kumimoji="1" lang="ja-JP" altLang="en-US" sz="2000"/>
+                    </a:p>
+                  </a:txBody>
+                  <a:tcPr/>
+                </a:tc>
+                <a:tc>
+                  <a:txBody>
+                    <a:bodyPr/>
+                    <a:lstStyle/>
+                    <a:p>
+                      <a:pPr algn="ctr"/>
+                      <a:r>
+                        <a:rPr kumimoji="1" lang="en-US" altLang="ja-JP" sz="2000" dirty="0"/>
+                        <a:t>12720</a:t>
+                      </a:r>
+                      <a:endParaRPr kumimoji="1" lang="ja-JP" altLang="en-US" sz="2000"/>
+                    </a:p>
+                  </a:txBody>
+                  <a:tcPr/>
+                </a:tc>
+                <a:tc>
+                  <a:txBody>
+                    <a:bodyPr/>
+                    <a:lstStyle/>
+                    <a:p>
+                      <a:pPr algn="ctr"/>
+                      <a:r>
+                        <a:rPr kumimoji="1" lang="en-US" altLang="ja-JP" sz="2000" dirty="0"/>
+                        <a:t>1859</a:t>
+                      </a:r>
+                      <a:endParaRPr kumimoji="1" lang="ja-JP" altLang="en-US" sz="2000"/>
+                    </a:p>
+                  </a:txBody>
+                  <a:tcPr/>
+                </a:tc>
+                <a:tc>
+                  <a:txBody>
+                    <a:bodyPr/>
+                    <a:lstStyle/>
+                    <a:p>
+                      <a:pPr algn="ctr"/>
+                      <a:r>
+                        <a:rPr kumimoji="1" lang="en-US" altLang="ja-JP" sz="2000" dirty="0"/>
+                        <a:t>10648</a:t>
+                      </a:r>
+                      <a:endParaRPr kumimoji="1" lang="ja-JP" altLang="en-US" sz="2000"/>
+                    </a:p>
+                  </a:txBody>
+                  <a:tcPr/>
+                </a:tc>
+                <a:tc>
+                  <a:txBody>
+                    <a:bodyPr/>
+                    <a:lstStyle/>
+                    <a:p>
+                      <a:pPr algn="ctr"/>
+                      <a:r>
+                        <a:rPr kumimoji="1" lang="en-US" altLang="ja-JP" sz="2000" dirty="0"/>
+                        <a:t>4927</a:t>
+                      </a:r>
+                      <a:endParaRPr kumimoji="1" lang="ja-JP" altLang="en-US" sz="2000"/>
+                    </a:p>
+                  </a:txBody>
+                  <a:tcPr/>
+                </a:tc>
+                <a:extLst>
+                  <a:ext uri="{0D108BD9-81ED-4DB2-BD59-A6C34878D82A}">
+                    <a16:rowId xmlns:a16="http://schemas.microsoft.com/office/drawing/2014/main" val="2295892714"/>
                   </a:ext>
                 </a:extLst>
               </a:tr>
@@ -19238,7 +20091,7 @@
 </p:sld>
 </file>
 
-<file path=ppt/slides/slide39.xml><?xml version="1.0" encoding="utf-8"?>
+<file path=ppt/slides/slide41.xml><?xml version="1.0" encoding="utf-8"?>
 <p:sld xmlns:a="http://schemas.openxmlformats.org/drawingml/2006/main" xmlns:r="http://schemas.openxmlformats.org/officeDocument/2006/relationships" xmlns:p="http://schemas.openxmlformats.org/presentationml/2006/main">
   <p:cSld>
     <p:spTree>
@@ -19303,7 +20156,7 @@
         <p:spPr/>
         <p:txBody>
           <a:bodyPr>
-            <a:normAutofit lnSpcReduction="10000"/>
+            <a:normAutofit/>
           </a:bodyPr>
           <a:lstStyle/>
           <a:p>
@@ -19328,28 +20181,7 @@
               <a:rPr lang="en-US" altLang="ja-JP" sz="2200" dirty="0"/>
               <a:t> of neighborhood</a:t>
             </a:r>
-          </a:p>
-          <a:p>
-            <a:r>
-              <a:rPr lang="en" altLang="ja-JP" sz="2400" dirty="0"/>
-              <a:t>using shift neighborhood, we tend to get the assignment with a better quality </a:t>
-            </a:r>
             <a:endParaRPr lang="en" altLang="ja-JP" sz="2200" dirty="0"/>
-          </a:p>
-          <a:p>
-            <a:pPr lvl="1"/>
-            <a:r>
-              <a:rPr lang="en" altLang="ja-JP" sz="2200" dirty="0"/>
-              <a:t>This is because the structure of the solution does not change from the initial solution</a:t>
-            </a:r>
-            <a:r>
-              <a:rPr lang="en-US" altLang="ja-JP" sz="2200" dirty="0"/>
-              <a:t> in the swap neighborhood</a:t>
-            </a:r>
-            <a:r>
-              <a:rPr lang="en" altLang="ja-JP" sz="2200" dirty="0"/>
-              <a:t>.</a:t>
-            </a:r>
           </a:p>
           <a:p>
             <a:endParaRPr lang="en" altLang="ja-JP" sz="2400" dirty="0"/>
@@ -19375,7 +20207,7 @@
 </p:sld>
 </file>
 
-<file path=ppt/slides/slide4.xml><?xml version="1.0" encoding="utf-8"?>
+<file path=ppt/slides/slide42.xml><?xml version="1.0" encoding="utf-8"?>
 <p:sld xmlns:a="http://schemas.openxmlformats.org/drawingml/2006/main" xmlns:r="http://schemas.openxmlformats.org/officeDocument/2006/relationships" xmlns:p="http://schemas.openxmlformats.org/presentationml/2006/main">
   <p:cSld>
     <p:spTree>
@@ -19397,116 +20229,6 @@
           <p:cNvPr id="2" name="タイトル 1">
             <a:extLst>
               <a:ext uri="{FF2B5EF4-FFF2-40B4-BE49-F238E27FC236}">
-                <a16:creationId xmlns:a16="http://schemas.microsoft.com/office/drawing/2014/main" id="{03DC7BD9-E43D-E442-9A49-33395737C89D}"/>
-              </a:ext>
-            </a:extLst>
-          </p:cNvPr>
-          <p:cNvSpPr>
-            <a:spLocks noGrp="1"/>
-          </p:cNvSpPr>
-          <p:nvPr>
-            <p:ph type="title"/>
-          </p:nvPr>
-        </p:nvSpPr>
-        <p:spPr/>
-        <p:txBody>
-          <a:bodyPr/>
-          <a:lstStyle/>
-          <a:p>
-            <a:r>
-              <a:rPr kumimoji="1" lang="en-US" altLang="ja-JP" dirty="0"/>
-              <a:t>Background</a:t>
-            </a:r>
-            <a:endParaRPr kumimoji="1" lang="ja-JP" altLang="en-US"/>
-          </a:p>
-        </p:txBody>
-      </p:sp>
-      <p:sp>
-        <p:nvSpPr>
-          <p:cNvPr id="3" name="コンテンツ プレースホルダー 2">
-            <a:extLst>
-              <a:ext uri="{FF2B5EF4-FFF2-40B4-BE49-F238E27FC236}">
-                <a16:creationId xmlns:a16="http://schemas.microsoft.com/office/drawing/2014/main" id="{AD3B2DD4-96C6-BB42-93C1-3859304F6137}"/>
-              </a:ext>
-            </a:extLst>
-          </p:cNvPr>
-          <p:cNvSpPr>
-            <a:spLocks noGrp="1"/>
-          </p:cNvSpPr>
-          <p:nvPr>
-            <p:ph idx="1"/>
-          </p:nvPr>
-        </p:nvSpPr>
-        <p:spPr/>
-        <p:txBody>
-          <a:bodyPr>
-            <a:normAutofit/>
-          </a:bodyPr>
-          <a:lstStyle/>
-          <a:p>
-            <a:r>
-              <a:rPr lang="en-US" altLang="ja-JP" sz="2400" dirty="0"/>
-              <a:t>There are a lot of things that has to be considered</a:t>
-            </a:r>
-          </a:p>
-          <a:p>
-            <a:pPr lvl="1"/>
-            <a:r>
-              <a:rPr lang="en-US" altLang="ja-JP" sz="2200" dirty="0"/>
-              <a:t>Planning assignments that makes it easy to load and unload cars is important.</a:t>
-            </a:r>
-          </a:p>
-          <a:p>
-            <a:pPr lvl="1"/>
-            <a:r>
-              <a:rPr lang="en-US" altLang="ja-JP" sz="2200" dirty="0"/>
-              <a:t>Human error should not happen.</a:t>
-            </a:r>
-          </a:p>
-          <a:p>
-            <a:pPr lvl="1"/>
-            <a:r>
-              <a:rPr lang="en-US" altLang="ja-JP" sz="2400" dirty="0"/>
-              <a:t>Unbalanced assignments may result in a sinking.</a:t>
-            </a:r>
-          </a:p>
-        </p:txBody>
-      </p:sp>
-    </p:spTree>
-    <p:extLst>
-      <p:ext uri="{BB962C8B-B14F-4D97-AF65-F5344CB8AC3E}">
-        <p14:creationId xmlns:p14="http://schemas.microsoft.com/office/powerpoint/2010/main" val="3649340498"/>
-      </p:ext>
-    </p:extLst>
-  </p:cSld>
-  <p:clrMapOvr>
-    <a:masterClrMapping/>
-  </p:clrMapOvr>
-</p:sld>
-</file>
-
-<file path=ppt/slides/slide40.xml><?xml version="1.0" encoding="utf-8"?>
-<p:sld xmlns:a="http://schemas.openxmlformats.org/drawingml/2006/main" xmlns:r="http://schemas.openxmlformats.org/officeDocument/2006/relationships" xmlns:p="http://schemas.openxmlformats.org/presentationml/2006/main">
-  <p:cSld>
-    <p:spTree>
-      <p:nvGrpSpPr>
-        <p:cNvPr id="1" name=""/>
-        <p:cNvGrpSpPr/>
-        <p:nvPr/>
-      </p:nvGrpSpPr>
-      <p:grpSpPr>
-        <a:xfrm>
-          <a:off x="0" y="0"/>
-          <a:ext cx="0" cy="0"/>
-          <a:chOff x="0" y="0"/>
-          <a:chExt cx="0" cy="0"/>
-        </a:xfrm>
-      </p:grpSpPr>
-      <p:sp>
-        <p:nvSpPr>
-          <p:cNvPr id="2" name="タイトル 1">
-            <a:extLst>
-              <a:ext uri="{FF2B5EF4-FFF2-40B4-BE49-F238E27FC236}">
                 <a16:creationId xmlns:a16="http://schemas.microsoft.com/office/drawing/2014/main" id="{7A74A867-EBEB-2F4D-8265-67DD34FA45C3}"/>
               </a:ext>
             </a:extLst>
@@ -19605,20 +20327,24 @@
             <a:pPr lvl="1"/>
             <a:r>
               <a:rPr lang="en" altLang="ja-JP" sz="2200" dirty="0"/>
-              <a:t>For some instances, we observed long computation times even 2</a:t>
-            </a:r>
-            <a:r>
-              <a:rPr lang="en" altLang="ja-JP" sz="2200" baseline="30000" dirty="0"/>
+              <a:t>For some instances, we couldn’t find feasible solution even with </a:t>
+            </a:r>
+            <a:r>
+              <a:rPr lang="en" altLang="ja-JP" sz="2200"/>
+              <a:t>2</a:t>
+            </a:r>
+            <a:r>
+              <a:rPr lang="en" altLang="ja-JP" sz="2200" baseline="30000"/>
               <a:t>nd</a:t>
             </a:r>
             <a:r>
-              <a:rPr lang="en" altLang="ja-JP" sz="2200" dirty="0"/>
-              <a:t> model is based on heuristics.</a:t>
-            </a:r>
-          </a:p>
-          <a:p>
-            <a:r>
-              <a:rPr lang="en" altLang="ja-JP" sz="2400" dirty="0"/>
+              <a:rPr lang="en" altLang="ja-JP" sz="2200"/>
+              <a:t> model.  </a:t>
+            </a:r>
+          </a:p>
+          <a:p>
+            <a:r>
+              <a:rPr lang="en" altLang="ja-JP" sz="2600" dirty="0"/>
               <a:t>Future work</a:t>
             </a:r>
           </a:p>

--- a/竹田_修論発表.pptx
+++ b/竹田_修論発表.pptx
@@ -37,16 +37,22 @@
     <p:sldId id="576" r:id="rId31"/>
     <p:sldId id="577" r:id="rId32"/>
     <p:sldId id="579" r:id="rId33"/>
-    <p:sldId id="580" r:id="rId34"/>
-    <p:sldId id="581" r:id="rId35"/>
-    <p:sldId id="587" r:id="rId36"/>
-    <p:sldId id="578" r:id="rId37"/>
-    <p:sldId id="582" r:id="rId38"/>
-    <p:sldId id="583" r:id="rId39"/>
-    <p:sldId id="586" r:id="rId40"/>
-    <p:sldId id="584" r:id="rId41"/>
-    <p:sldId id="585" r:id="rId42"/>
-    <p:sldId id="561" r:id="rId43"/>
+    <p:sldId id="587" r:id="rId34"/>
+    <p:sldId id="580" r:id="rId35"/>
+    <p:sldId id="581" r:id="rId36"/>
+    <p:sldId id="588" r:id="rId37"/>
+    <p:sldId id="589" r:id="rId38"/>
+    <p:sldId id="591" r:id="rId39"/>
+    <p:sldId id="590" r:id="rId40"/>
+    <p:sldId id="592" r:id="rId41"/>
+    <p:sldId id="594" r:id="rId42"/>
+    <p:sldId id="578" r:id="rId43"/>
+    <p:sldId id="582" r:id="rId44"/>
+    <p:sldId id="583" r:id="rId45"/>
+    <p:sldId id="586" r:id="rId46"/>
+    <p:sldId id="584" r:id="rId47"/>
+    <p:sldId id="585" r:id="rId48"/>
+    <p:sldId id="561" r:id="rId49"/>
   </p:sldIdLst>
   <p:sldSz cx="12192000" cy="6858000"/>
   <p:notesSz cx="6858000" cy="9144000"/>
@@ -341,7 +347,7 @@
           <a:p>
             <a:fld id="{C8659C27-364E-C74E-8EB0-0FFA61AB3438}" type="datetimeFigureOut">
               <a:rPr kumimoji="1" lang="ja-JP" altLang="en-US" smtClean="0"/>
-              <a:t>2021/8/25</a:t>
+              <a:t>2021/9/9</a:t>
             </a:fld>
             <a:endParaRPr kumimoji="1" lang="ja-JP" altLang="en-US"/>
           </a:p>
@@ -716,7 +722,7 @@
           <a:p>
             <a:fld id="{C8659C27-364E-C74E-8EB0-0FFA61AB3438}" type="datetimeFigureOut">
               <a:rPr kumimoji="1" lang="ja-JP" altLang="en-US" smtClean="0"/>
-              <a:t>2021/8/25</a:t>
+              <a:t>2021/9/9</a:t>
             </a:fld>
             <a:endParaRPr kumimoji="1" lang="ja-JP" altLang="en-US"/>
           </a:p>
@@ -1191,7 +1197,7 @@
           <a:p>
             <a:fld id="{C8659C27-364E-C74E-8EB0-0FFA61AB3438}" type="datetimeFigureOut">
               <a:rPr kumimoji="1" lang="ja-JP" altLang="en-US" smtClean="0"/>
-              <a:t>2021/8/25</a:t>
+              <a:t>2021/9/9</a:t>
             </a:fld>
             <a:endParaRPr kumimoji="1" lang="ja-JP" altLang="en-US"/>
           </a:p>
@@ -1564,7 +1570,7 @@
           <a:p>
             <a:fld id="{C8659C27-364E-C74E-8EB0-0FFA61AB3438}" type="datetimeFigureOut">
               <a:rPr kumimoji="1" lang="ja-JP" altLang="en-US" smtClean="0"/>
-              <a:t>2021/8/25</a:t>
+              <a:t>2021/9/9</a:t>
             </a:fld>
             <a:endParaRPr kumimoji="1" lang="ja-JP" altLang="en-US"/>
           </a:p>
@@ -1958,7 +1964,7 @@
           <a:p>
             <a:fld id="{C8659C27-364E-C74E-8EB0-0FFA61AB3438}" type="datetimeFigureOut">
               <a:rPr kumimoji="1" lang="ja-JP" altLang="en-US" smtClean="0"/>
-              <a:t>2021/8/25</a:t>
+              <a:t>2021/9/9</a:t>
             </a:fld>
             <a:endParaRPr kumimoji="1" lang="ja-JP" altLang="en-US"/>
           </a:p>
@@ -2428,7 +2434,7 @@
           <a:p>
             <a:fld id="{C8659C27-364E-C74E-8EB0-0FFA61AB3438}" type="datetimeFigureOut">
               <a:rPr kumimoji="1" lang="ja-JP" altLang="en-US" smtClean="0"/>
-              <a:t>2021/8/25</a:t>
+              <a:t>2021/9/9</a:t>
             </a:fld>
             <a:endParaRPr kumimoji="1" lang="ja-JP" altLang="en-US"/>
           </a:p>
@@ -2693,7 +2699,7 @@
           <a:p>
             <a:fld id="{C8659C27-364E-C74E-8EB0-0FFA61AB3438}" type="datetimeFigureOut">
               <a:rPr kumimoji="1" lang="ja-JP" altLang="en-US" smtClean="0"/>
-              <a:t>2021/8/25</a:t>
+              <a:t>2021/9/9</a:t>
             </a:fld>
             <a:endParaRPr kumimoji="1" lang="ja-JP" altLang="en-US"/>
           </a:p>
@@ -2963,7 +2969,7 @@
           <a:p>
             <a:fld id="{C8659C27-364E-C74E-8EB0-0FFA61AB3438}" type="datetimeFigureOut">
               <a:rPr kumimoji="1" lang="ja-JP" altLang="en-US" smtClean="0"/>
-              <a:t>2021/8/25</a:t>
+              <a:t>2021/9/9</a:t>
             </a:fld>
             <a:endParaRPr kumimoji="1" lang="ja-JP" altLang="en-US"/>
           </a:p>
@@ -3233,7 +3239,7 @@
           <a:p>
             <a:fld id="{C8659C27-364E-C74E-8EB0-0FFA61AB3438}" type="datetimeFigureOut">
               <a:rPr kumimoji="1" lang="ja-JP" altLang="en-US" smtClean="0"/>
-              <a:t>2021/8/25</a:t>
+              <a:t>2021/9/9</a:t>
             </a:fld>
             <a:endParaRPr kumimoji="1" lang="ja-JP" altLang="en-US"/>
           </a:p>
@@ -3599,7 +3605,7 @@
           <a:p>
             <a:fld id="{C8659C27-364E-C74E-8EB0-0FFA61AB3438}" type="datetimeFigureOut">
               <a:rPr kumimoji="1" lang="ja-JP" altLang="en-US" smtClean="0"/>
-              <a:t>2021/8/25</a:t>
+              <a:t>2021/9/9</a:t>
             </a:fld>
             <a:endParaRPr kumimoji="1" lang="ja-JP" altLang="en-US"/>
           </a:p>
@@ -3938,7 +3944,7 @@
           <a:p>
             <a:fld id="{C8659C27-364E-C74E-8EB0-0FFA61AB3438}" type="datetimeFigureOut">
               <a:rPr kumimoji="1" lang="ja-JP" altLang="en-US" smtClean="0"/>
-              <a:t>2021/8/25</a:t>
+              <a:t>2021/9/9</a:t>
             </a:fld>
             <a:endParaRPr kumimoji="1" lang="ja-JP" altLang="en-US"/>
           </a:p>
@@ -4485,7 +4491,7 @@
           <a:p>
             <a:fld id="{C8659C27-364E-C74E-8EB0-0FFA61AB3438}" type="datetimeFigureOut">
               <a:rPr kumimoji="1" lang="ja-JP" altLang="en-US" smtClean="0"/>
-              <a:t>2021/8/25</a:t>
+              <a:t>2021/9/9</a:t>
             </a:fld>
             <a:endParaRPr kumimoji="1" lang="ja-JP" altLang="en-US"/>
           </a:p>
@@ -4690,7 +4696,7 @@
           <a:p>
             <a:fld id="{C8659C27-364E-C74E-8EB0-0FFA61AB3438}" type="datetimeFigureOut">
               <a:rPr kumimoji="1" lang="ja-JP" altLang="en-US" smtClean="0"/>
-              <a:t>2021/8/25</a:t>
+              <a:t>2021/9/9</a:t>
             </a:fld>
             <a:endParaRPr kumimoji="1" lang="ja-JP" altLang="en-US"/>
           </a:p>
@@ -4867,7 +4873,7 @@
           <a:p>
             <a:fld id="{C8659C27-364E-C74E-8EB0-0FFA61AB3438}" type="datetimeFigureOut">
               <a:rPr kumimoji="1" lang="ja-JP" altLang="en-US" smtClean="0"/>
-              <a:t>2021/8/25</a:t>
+              <a:t>2021/9/9</a:t>
             </a:fld>
             <a:endParaRPr kumimoji="1" lang="ja-JP" altLang="en-US"/>
           </a:p>
@@ -5245,7 +5251,7 @@
           <a:p>
             <a:fld id="{C8659C27-364E-C74E-8EB0-0FFA61AB3438}" type="datetimeFigureOut">
               <a:rPr kumimoji="1" lang="ja-JP" altLang="en-US" smtClean="0"/>
-              <a:t>2021/8/25</a:t>
+              <a:t>2021/9/9</a:t>
             </a:fld>
             <a:endParaRPr kumimoji="1" lang="ja-JP" altLang="en-US"/>
           </a:p>
@@ -5627,7 +5633,7 @@
           <a:p>
             <a:fld id="{C8659C27-364E-C74E-8EB0-0FFA61AB3438}" type="datetimeFigureOut">
               <a:rPr kumimoji="1" lang="ja-JP" altLang="en-US" smtClean="0"/>
-              <a:t>2021/8/25</a:t>
+              <a:t>2021/9/9</a:t>
             </a:fld>
             <a:endParaRPr kumimoji="1" lang="ja-JP" altLang="en-US"/>
           </a:p>
@@ -7752,7 +7758,7 @@
           <a:p>
             <a:fld id="{C8659C27-364E-C74E-8EB0-0FFA61AB3438}" type="datetimeFigureOut">
               <a:rPr kumimoji="1" lang="ja-JP" altLang="en-US" smtClean="0"/>
-              <a:t>2021/8/25</a:t>
+              <a:t>2021/9/9</a:t>
             </a:fld>
             <a:endParaRPr kumimoji="1" lang="ja-JP" altLang="en-US"/>
           </a:p>
@@ -13511,8 +13517,8 @@
           </a:p>
         </p:txBody>
       </p:sp>
-      <mc:AlternateContent xmlns:mc="http://schemas.openxmlformats.org/markup-compatibility/2006">
-        <mc:Choice xmlns:a14="http://schemas.microsoft.com/office/drawing/2010/main" Requires="a14">
+      <mc:AlternateContent xmlns:mc="http://schemas.openxmlformats.org/markup-compatibility/2006" xmlns:a14="http://schemas.microsoft.com/office/drawing/2010/main">
+        <mc:Choice Requires="a14">
           <p:sp>
             <p:nvSpPr>
               <p:cNvPr id="3" name="コンテンツ プレースホルダー 2">
@@ -13755,7 +13761,7 @@
             </p:txBody>
           </p:sp>
         </mc:Choice>
-        <mc:Fallback>
+        <mc:Fallback xmlns="">
           <p:sp>
             <p:nvSpPr>
               <p:cNvPr id="3" name="コンテンツ プレースホルダー 2">
@@ -16041,255 +16047,6 @@
           <p:cNvPr id="2" name="タイトル 1">
             <a:extLst>
               <a:ext uri="{FF2B5EF4-FFF2-40B4-BE49-F238E27FC236}">
-                <a16:creationId xmlns:a16="http://schemas.microsoft.com/office/drawing/2014/main" id="{3D8A63EE-A0A1-4C4E-9821-A455B6473202}"/>
-              </a:ext>
-            </a:extLst>
-          </p:cNvPr>
-          <p:cNvSpPr>
-            <a:spLocks noGrp="1"/>
-          </p:cNvSpPr>
-          <p:nvPr>
-            <p:ph type="title"/>
-          </p:nvPr>
-        </p:nvSpPr>
-        <p:spPr/>
-        <p:txBody>
-          <a:bodyPr/>
-          <a:lstStyle/>
-          <a:p>
-            <a:r>
-              <a:rPr kumimoji="1" lang="en-US" altLang="ja-JP" dirty="0"/>
-              <a:t>Neighborhood</a:t>
-            </a:r>
-            <a:endParaRPr kumimoji="1" lang="ja-JP" altLang="en-US"/>
-          </a:p>
-        </p:txBody>
-      </p:sp>
-      <p:sp>
-        <p:nvSpPr>
-          <p:cNvPr id="3" name="コンテンツ プレースホルダー 2">
-            <a:extLst>
-              <a:ext uri="{FF2B5EF4-FFF2-40B4-BE49-F238E27FC236}">
-                <a16:creationId xmlns:a16="http://schemas.microsoft.com/office/drawing/2014/main" id="{240D5665-5F70-714B-87E9-C1AB005B3571}"/>
-              </a:ext>
-            </a:extLst>
-          </p:cNvPr>
-          <p:cNvSpPr>
-            <a:spLocks noGrp="1"/>
-          </p:cNvSpPr>
-          <p:nvPr>
-            <p:ph idx="1"/>
-          </p:nvPr>
-        </p:nvSpPr>
-        <p:spPr/>
-        <p:txBody>
-          <a:bodyPr>
-            <a:normAutofit/>
-          </a:bodyPr>
-          <a:lstStyle/>
-          <a:p>
-            <a:r>
-              <a:rPr kumimoji="1" lang="en-US" altLang="ja-JP" sz="2400" dirty="0"/>
-              <a:t>Shift neighborhood</a:t>
-            </a:r>
-          </a:p>
-          <a:p>
-            <a:pPr lvl="1"/>
-            <a:r>
-              <a:rPr kumimoji="1" lang="en-US" altLang="ja-JP" sz="2400" dirty="0"/>
-              <a:t>This is obtained by</a:t>
-            </a:r>
-            <a:r>
-              <a:rPr kumimoji="1" lang="ja-JP" altLang="en-US" sz="2400"/>
-              <a:t> </a:t>
-            </a:r>
-            <a:r>
-              <a:rPr kumimoji="1" lang="en-US" altLang="ja-JP" sz="2400" dirty="0"/>
-              <a:t>reassigning one order which was assigned to a segment to another segment</a:t>
-            </a:r>
-          </a:p>
-          <a:p>
-            <a:r>
-              <a:rPr kumimoji="1" lang="en-US" altLang="ja-JP" sz="2400" dirty="0"/>
-              <a:t>Swap </a:t>
-            </a:r>
-            <a:r>
-              <a:rPr lang="en-US" altLang="ja-JP" sz="2400" dirty="0"/>
-              <a:t>neighborhood</a:t>
-            </a:r>
-          </a:p>
-          <a:p>
-            <a:pPr lvl="1"/>
-            <a:r>
-              <a:rPr kumimoji="1" lang="en-US" altLang="ja-JP" sz="2400" dirty="0"/>
-              <a:t>This is obtained by s</a:t>
-            </a:r>
-            <a:r>
-              <a:rPr lang="en-US" altLang="ja-JP" sz="2400" dirty="0"/>
-              <a:t>wapping the allocated segments of two orders.</a:t>
-            </a:r>
-            <a:endParaRPr kumimoji="1" lang="ja-JP" altLang="en-US" sz="2400"/>
-          </a:p>
-        </p:txBody>
-      </p:sp>
-    </p:spTree>
-    <p:extLst>
-      <p:ext uri="{BB962C8B-B14F-4D97-AF65-F5344CB8AC3E}">
-        <p14:creationId xmlns:p14="http://schemas.microsoft.com/office/powerpoint/2010/main" val="719674508"/>
-      </p:ext>
-    </p:extLst>
-  </p:cSld>
-  <p:clrMapOvr>
-    <a:masterClrMapping/>
-  </p:clrMapOvr>
-</p:sld>
-</file>
-
-<file path=ppt/slides/slide34.xml><?xml version="1.0" encoding="utf-8"?>
-<p:sld xmlns:a="http://schemas.openxmlformats.org/drawingml/2006/main" xmlns:r="http://schemas.openxmlformats.org/officeDocument/2006/relationships" xmlns:p="http://schemas.openxmlformats.org/presentationml/2006/main">
-  <p:cSld>
-    <p:spTree>
-      <p:nvGrpSpPr>
-        <p:cNvPr id="1" name=""/>
-        <p:cNvGrpSpPr/>
-        <p:nvPr/>
-      </p:nvGrpSpPr>
-      <p:grpSpPr>
-        <a:xfrm>
-          <a:off x="0" y="0"/>
-          <a:ext cx="0" cy="0"/>
-          <a:chOff x="0" y="0"/>
-          <a:chExt cx="0" cy="0"/>
-        </a:xfrm>
-      </p:grpSpPr>
-      <p:sp>
-        <p:nvSpPr>
-          <p:cNvPr id="2" name="タイトル 1">
-            <a:extLst>
-              <a:ext uri="{FF2B5EF4-FFF2-40B4-BE49-F238E27FC236}">
-                <a16:creationId xmlns:a16="http://schemas.microsoft.com/office/drawing/2014/main" id="{0BE0AB04-8F34-BD4F-8DDD-608D0F3AC3BC}"/>
-              </a:ext>
-            </a:extLst>
-          </p:cNvPr>
-          <p:cNvSpPr>
-            <a:spLocks noGrp="1"/>
-          </p:cNvSpPr>
-          <p:nvPr>
-            <p:ph type="title"/>
-          </p:nvPr>
-        </p:nvSpPr>
-        <p:spPr/>
-        <p:txBody>
-          <a:bodyPr/>
-          <a:lstStyle/>
-          <a:p>
-            <a:r>
-              <a:rPr kumimoji="1" lang="en-US" altLang="ja-JP" dirty="0"/>
-              <a:t>Flow of local search</a:t>
-            </a:r>
-            <a:endParaRPr kumimoji="1" lang="ja-JP" altLang="en-US"/>
-          </a:p>
-        </p:txBody>
-      </p:sp>
-      <p:sp>
-        <p:nvSpPr>
-          <p:cNvPr id="3" name="コンテンツ プレースホルダー 2">
-            <a:extLst>
-              <a:ext uri="{FF2B5EF4-FFF2-40B4-BE49-F238E27FC236}">
-                <a16:creationId xmlns:a16="http://schemas.microsoft.com/office/drawing/2014/main" id="{EF816E5E-667D-8843-89E2-F9D0E26CD703}"/>
-              </a:ext>
-            </a:extLst>
-          </p:cNvPr>
-          <p:cNvSpPr>
-            <a:spLocks noGrp="1"/>
-          </p:cNvSpPr>
-          <p:nvPr>
-            <p:ph idx="1"/>
-          </p:nvPr>
-        </p:nvSpPr>
-        <p:spPr>
-          <a:xfrm>
-            <a:off x="2589211" y="2133600"/>
-            <a:ext cx="9271095" cy="3777622"/>
-          </a:xfrm>
-        </p:spPr>
-        <p:txBody>
-          <a:bodyPr>
-            <a:normAutofit/>
-          </a:bodyPr>
-          <a:lstStyle/>
-          <a:p>
-            <a:pPr>
-              <a:buFont typeface="+mj-lt"/>
-              <a:buAutoNum type="arabicPeriod"/>
-            </a:pPr>
-            <a:r>
-              <a:rPr lang="en" altLang="ja-JP" sz="2400" dirty="0"/>
-              <a:t>searching the shift neighborhood until no better solution is found.</a:t>
-            </a:r>
-          </a:p>
-          <a:p>
-            <a:pPr>
-              <a:buFont typeface="+mj-lt"/>
-              <a:buAutoNum type="arabicPeriod"/>
-            </a:pPr>
-            <a:r>
-              <a:rPr lang="en" altLang="ja-JP" sz="2400" dirty="0"/>
-              <a:t>searching the swap neighborhood until no better solution is found.</a:t>
-            </a:r>
-          </a:p>
-          <a:p>
-            <a:pPr>
-              <a:buFont typeface="+mj-lt"/>
-              <a:buAutoNum type="arabicPeriod"/>
-            </a:pPr>
-            <a:r>
-              <a:rPr lang="en" altLang="ja-JP" sz="2400" dirty="0"/>
-              <a:t>If better solution is found in step 1 or step 2,</a:t>
-            </a:r>
-            <a:r>
-              <a:rPr lang="en-US" altLang="ja-JP" sz="2400" dirty="0"/>
-              <a:t> return to step 1.</a:t>
-            </a:r>
-            <a:endParaRPr lang="en" altLang="ja-JP" sz="2400" dirty="0"/>
-          </a:p>
-        </p:txBody>
-      </p:sp>
-    </p:spTree>
-    <p:extLst>
-      <p:ext uri="{BB962C8B-B14F-4D97-AF65-F5344CB8AC3E}">
-        <p14:creationId xmlns:p14="http://schemas.microsoft.com/office/powerpoint/2010/main" val="1443573793"/>
-      </p:ext>
-    </p:extLst>
-  </p:cSld>
-  <p:clrMapOvr>
-    <a:masterClrMapping/>
-  </p:clrMapOvr>
-</p:sld>
-</file>
-
-<file path=ppt/slides/slide35.xml><?xml version="1.0" encoding="utf-8"?>
-<p:sld xmlns:a="http://schemas.openxmlformats.org/drawingml/2006/main" xmlns:r="http://schemas.openxmlformats.org/officeDocument/2006/relationships" xmlns:p="http://schemas.openxmlformats.org/presentationml/2006/main">
-  <p:cSld>
-    <p:spTree>
-      <p:nvGrpSpPr>
-        <p:cNvPr id="1" name=""/>
-        <p:cNvGrpSpPr/>
-        <p:nvPr/>
-      </p:nvGrpSpPr>
-      <p:grpSpPr>
-        <a:xfrm>
-          <a:off x="0" y="0"/>
-          <a:ext cx="0" cy="0"/>
-          <a:chOff x="0" y="0"/>
-          <a:chExt cx="0" cy="0"/>
-        </a:xfrm>
-      </p:grpSpPr>
-      <p:sp>
-        <p:nvSpPr>
-          <p:cNvPr id="2" name="タイトル 1">
-            <a:extLst>
-              <a:ext uri="{FF2B5EF4-FFF2-40B4-BE49-F238E27FC236}">
                 <a16:creationId xmlns:a16="http://schemas.microsoft.com/office/drawing/2014/main" id="{6D7907DD-1B47-6842-B33C-74FC6080067F}"/>
               </a:ext>
             </a:extLst>
@@ -16980,6 +16737,255 @@
 </p:sld>
 </file>
 
+<file path=ppt/slides/slide34.xml><?xml version="1.0" encoding="utf-8"?>
+<p:sld xmlns:a="http://schemas.openxmlformats.org/drawingml/2006/main" xmlns:r="http://schemas.openxmlformats.org/officeDocument/2006/relationships" xmlns:p="http://schemas.openxmlformats.org/presentationml/2006/main">
+  <p:cSld>
+    <p:spTree>
+      <p:nvGrpSpPr>
+        <p:cNvPr id="1" name=""/>
+        <p:cNvGrpSpPr/>
+        <p:nvPr/>
+      </p:nvGrpSpPr>
+      <p:grpSpPr>
+        <a:xfrm>
+          <a:off x="0" y="0"/>
+          <a:ext cx="0" cy="0"/>
+          <a:chOff x="0" y="0"/>
+          <a:chExt cx="0" cy="0"/>
+        </a:xfrm>
+      </p:grpSpPr>
+      <p:sp>
+        <p:nvSpPr>
+          <p:cNvPr id="2" name="タイトル 1">
+            <a:extLst>
+              <a:ext uri="{FF2B5EF4-FFF2-40B4-BE49-F238E27FC236}">
+                <a16:creationId xmlns:a16="http://schemas.microsoft.com/office/drawing/2014/main" id="{3D8A63EE-A0A1-4C4E-9821-A455B6473202}"/>
+              </a:ext>
+            </a:extLst>
+          </p:cNvPr>
+          <p:cNvSpPr>
+            <a:spLocks noGrp="1"/>
+          </p:cNvSpPr>
+          <p:nvPr>
+            <p:ph type="title"/>
+          </p:nvPr>
+        </p:nvSpPr>
+        <p:spPr/>
+        <p:txBody>
+          <a:bodyPr/>
+          <a:lstStyle/>
+          <a:p>
+            <a:r>
+              <a:rPr kumimoji="1" lang="en-US" altLang="ja-JP" dirty="0"/>
+              <a:t>Neighborhood</a:t>
+            </a:r>
+            <a:endParaRPr kumimoji="1" lang="ja-JP" altLang="en-US"/>
+          </a:p>
+        </p:txBody>
+      </p:sp>
+      <p:sp>
+        <p:nvSpPr>
+          <p:cNvPr id="3" name="コンテンツ プレースホルダー 2">
+            <a:extLst>
+              <a:ext uri="{FF2B5EF4-FFF2-40B4-BE49-F238E27FC236}">
+                <a16:creationId xmlns:a16="http://schemas.microsoft.com/office/drawing/2014/main" id="{240D5665-5F70-714B-87E9-C1AB005B3571}"/>
+              </a:ext>
+            </a:extLst>
+          </p:cNvPr>
+          <p:cNvSpPr>
+            <a:spLocks noGrp="1"/>
+          </p:cNvSpPr>
+          <p:nvPr>
+            <p:ph idx="1"/>
+          </p:nvPr>
+        </p:nvSpPr>
+        <p:spPr/>
+        <p:txBody>
+          <a:bodyPr>
+            <a:normAutofit/>
+          </a:bodyPr>
+          <a:lstStyle/>
+          <a:p>
+            <a:r>
+              <a:rPr kumimoji="1" lang="en-US" altLang="ja-JP" sz="2400" dirty="0"/>
+              <a:t>Shift neighborhood</a:t>
+            </a:r>
+          </a:p>
+          <a:p>
+            <a:pPr lvl="1"/>
+            <a:r>
+              <a:rPr kumimoji="1" lang="en-US" altLang="ja-JP" sz="2400" dirty="0"/>
+              <a:t>This is obtained by</a:t>
+            </a:r>
+            <a:r>
+              <a:rPr kumimoji="1" lang="ja-JP" altLang="en-US" sz="2400"/>
+              <a:t> </a:t>
+            </a:r>
+            <a:r>
+              <a:rPr kumimoji="1" lang="en-US" altLang="ja-JP" sz="2400" dirty="0"/>
+              <a:t>reassigning one order which was assigned to a segment to another segment</a:t>
+            </a:r>
+          </a:p>
+          <a:p>
+            <a:r>
+              <a:rPr kumimoji="1" lang="en-US" altLang="ja-JP" sz="2400" dirty="0"/>
+              <a:t>Swap </a:t>
+            </a:r>
+            <a:r>
+              <a:rPr lang="en-US" altLang="ja-JP" sz="2400" dirty="0"/>
+              <a:t>neighborhood</a:t>
+            </a:r>
+          </a:p>
+          <a:p>
+            <a:pPr lvl="1"/>
+            <a:r>
+              <a:rPr kumimoji="1" lang="en-US" altLang="ja-JP" sz="2400" dirty="0"/>
+              <a:t>This is obtained by s</a:t>
+            </a:r>
+            <a:r>
+              <a:rPr lang="en-US" altLang="ja-JP" sz="2400" dirty="0"/>
+              <a:t>wapping the allocated segments of two orders.</a:t>
+            </a:r>
+            <a:endParaRPr kumimoji="1" lang="ja-JP" altLang="en-US" sz="2400"/>
+          </a:p>
+        </p:txBody>
+      </p:sp>
+    </p:spTree>
+    <p:extLst>
+      <p:ext uri="{BB962C8B-B14F-4D97-AF65-F5344CB8AC3E}">
+        <p14:creationId xmlns:p14="http://schemas.microsoft.com/office/powerpoint/2010/main" val="719674508"/>
+      </p:ext>
+    </p:extLst>
+  </p:cSld>
+  <p:clrMapOvr>
+    <a:masterClrMapping/>
+  </p:clrMapOvr>
+</p:sld>
+</file>
+
+<file path=ppt/slides/slide35.xml><?xml version="1.0" encoding="utf-8"?>
+<p:sld xmlns:a="http://schemas.openxmlformats.org/drawingml/2006/main" xmlns:r="http://schemas.openxmlformats.org/officeDocument/2006/relationships" xmlns:p="http://schemas.openxmlformats.org/presentationml/2006/main">
+  <p:cSld>
+    <p:spTree>
+      <p:nvGrpSpPr>
+        <p:cNvPr id="1" name=""/>
+        <p:cNvGrpSpPr/>
+        <p:nvPr/>
+      </p:nvGrpSpPr>
+      <p:grpSpPr>
+        <a:xfrm>
+          <a:off x="0" y="0"/>
+          <a:ext cx="0" cy="0"/>
+          <a:chOff x="0" y="0"/>
+          <a:chExt cx="0" cy="0"/>
+        </a:xfrm>
+      </p:grpSpPr>
+      <p:sp>
+        <p:nvSpPr>
+          <p:cNvPr id="2" name="タイトル 1">
+            <a:extLst>
+              <a:ext uri="{FF2B5EF4-FFF2-40B4-BE49-F238E27FC236}">
+                <a16:creationId xmlns:a16="http://schemas.microsoft.com/office/drawing/2014/main" id="{0BE0AB04-8F34-BD4F-8DDD-608D0F3AC3BC}"/>
+              </a:ext>
+            </a:extLst>
+          </p:cNvPr>
+          <p:cNvSpPr>
+            <a:spLocks noGrp="1"/>
+          </p:cNvSpPr>
+          <p:nvPr>
+            <p:ph type="title"/>
+          </p:nvPr>
+        </p:nvSpPr>
+        <p:spPr/>
+        <p:txBody>
+          <a:bodyPr/>
+          <a:lstStyle/>
+          <a:p>
+            <a:r>
+              <a:rPr kumimoji="1" lang="en-US" altLang="ja-JP" dirty="0"/>
+              <a:t>Flow of local search</a:t>
+            </a:r>
+            <a:endParaRPr kumimoji="1" lang="ja-JP" altLang="en-US"/>
+          </a:p>
+        </p:txBody>
+      </p:sp>
+      <p:sp>
+        <p:nvSpPr>
+          <p:cNvPr id="3" name="コンテンツ プレースホルダー 2">
+            <a:extLst>
+              <a:ext uri="{FF2B5EF4-FFF2-40B4-BE49-F238E27FC236}">
+                <a16:creationId xmlns:a16="http://schemas.microsoft.com/office/drawing/2014/main" id="{EF816E5E-667D-8843-89E2-F9D0E26CD703}"/>
+              </a:ext>
+            </a:extLst>
+          </p:cNvPr>
+          <p:cNvSpPr>
+            <a:spLocks noGrp="1"/>
+          </p:cNvSpPr>
+          <p:nvPr>
+            <p:ph idx="1"/>
+          </p:nvPr>
+        </p:nvSpPr>
+        <p:spPr>
+          <a:xfrm>
+            <a:off x="2589211" y="2133600"/>
+            <a:ext cx="9271095" cy="3777622"/>
+          </a:xfrm>
+        </p:spPr>
+        <p:txBody>
+          <a:bodyPr>
+            <a:normAutofit/>
+          </a:bodyPr>
+          <a:lstStyle/>
+          <a:p>
+            <a:pPr>
+              <a:buFont typeface="+mj-lt"/>
+              <a:buAutoNum type="arabicPeriod"/>
+            </a:pPr>
+            <a:r>
+              <a:rPr lang="en" altLang="ja-JP" sz="2400" dirty="0"/>
+              <a:t>searching the shift neighborhood until no better solution is found.</a:t>
+            </a:r>
+          </a:p>
+          <a:p>
+            <a:pPr>
+              <a:buFont typeface="+mj-lt"/>
+              <a:buAutoNum type="arabicPeriod"/>
+            </a:pPr>
+            <a:r>
+              <a:rPr lang="en" altLang="ja-JP" sz="2400" dirty="0"/>
+              <a:t>searching the swap neighborhood until no better solution is found.</a:t>
+            </a:r>
+          </a:p>
+          <a:p>
+            <a:pPr>
+              <a:buFont typeface="+mj-lt"/>
+              <a:buAutoNum type="arabicPeriod"/>
+            </a:pPr>
+            <a:r>
+              <a:rPr lang="en" altLang="ja-JP" sz="2400" dirty="0"/>
+              <a:t>If better solution is found in step 1 or step 2,</a:t>
+            </a:r>
+            <a:r>
+              <a:rPr lang="en-US" altLang="ja-JP" sz="2400" dirty="0"/>
+              <a:t> return to step 1.</a:t>
+            </a:r>
+            <a:endParaRPr lang="en" altLang="ja-JP" sz="2400" dirty="0"/>
+          </a:p>
+        </p:txBody>
+      </p:sp>
+    </p:spTree>
+    <p:extLst>
+      <p:ext uri="{BB962C8B-B14F-4D97-AF65-F5344CB8AC3E}">
+        <p14:creationId xmlns:p14="http://schemas.microsoft.com/office/powerpoint/2010/main" val="1443573793"/>
+      </p:ext>
+    </p:extLst>
+  </p:cSld>
+  <p:clrMapOvr>
+    <a:masterClrMapping/>
+  </p:clrMapOvr>
+</p:sld>
+</file>
+
 <file path=ppt/slides/slide36.xml><?xml version="1.0" encoding="utf-8"?>
 <p:sld xmlns:a="http://schemas.openxmlformats.org/drawingml/2006/main" xmlns:r="http://schemas.openxmlformats.org/officeDocument/2006/relationships" xmlns:p="http://schemas.openxmlformats.org/presentationml/2006/main">
   <p:cSld>
@@ -17002,6 +17008,2868 @@
           <p:cNvPr id="2" name="タイトル 1">
             <a:extLst>
               <a:ext uri="{FF2B5EF4-FFF2-40B4-BE49-F238E27FC236}">
+                <a16:creationId xmlns:a16="http://schemas.microsoft.com/office/drawing/2014/main" id="{FCE7EB18-D7E1-894E-BC25-80C1A8AA5D09}"/>
+              </a:ext>
+            </a:extLst>
+          </p:cNvPr>
+          <p:cNvSpPr>
+            <a:spLocks noGrp="1"/>
+          </p:cNvSpPr>
+          <p:nvPr>
+            <p:ph type="title"/>
+          </p:nvPr>
+        </p:nvSpPr>
+        <p:spPr/>
+        <p:txBody>
+          <a:bodyPr/>
+          <a:lstStyle/>
+          <a:p>
+            <a:r>
+              <a:rPr lang="en" altLang="ja-JP" dirty="0"/>
+              <a:t>Shift neighborhood</a:t>
+            </a:r>
+            <a:endParaRPr kumimoji="1" lang="ja-JP" altLang="en-US"/>
+          </a:p>
+        </p:txBody>
+      </p:sp>
+      <p:sp>
+        <p:nvSpPr>
+          <p:cNvPr id="3" name="コンテンツ プレースホルダー 2">
+            <a:extLst>
+              <a:ext uri="{FF2B5EF4-FFF2-40B4-BE49-F238E27FC236}">
+                <a16:creationId xmlns:a16="http://schemas.microsoft.com/office/drawing/2014/main" id="{DF18F744-42F4-CA45-A447-4C7A6529DF3D}"/>
+              </a:ext>
+            </a:extLst>
+          </p:cNvPr>
+          <p:cNvSpPr>
+            <a:spLocks noGrp="1"/>
+          </p:cNvSpPr>
+          <p:nvPr>
+            <p:ph idx="1"/>
+          </p:nvPr>
+        </p:nvSpPr>
+        <p:spPr/>
+        <p:txBody>
+          <a:bodyPr>
+            <a:normAutofit/>
+          </a:bodyPr>
+          <a:lstStyle/>
+          <a:p>
+            <a:r>
+              <a:rPr kumimoji="1" lang="en-US" altLang="ja-JP" sz="2400" dirty="0"/>
+              <a:t>When searching </a:t>
+            </a:r>
+            <a:r>
+              <a:rPr lang="en-US" altLang="ja-JP" sz="2400" dirty="0"/>
+              <a:t>shift neighborhoods, we calculate the evaluate function for all possible insertion locations and insert in the best location.</a:t>
+            </a:r>
+          </a:p>
+          <a:p>
+            <a:r>
+              <a:rPr lang="en" altLang="ja-JP" sz="2400" dirty="0"/>
+              <a:t>For this problem, there may be a waste of resources.</a:t>
+            </a:r>
+          </a:p>
+          <a:p>
+            <a:endParaRPr kumimoji="1" lang="ja-JP" altLang="en-US" sz="2400"/>
+          </a:p>
+        </p:txBody>
+      </p:sp>
+    </p:spTree>
+    <p:extLst>
+      <p:ext uri="{BB962C8B-B14F-4D97-AF65-F5344CB8AC3E}">
+        <p14:creationId xmlns:p14="http://schemas.microsoft.com/office/powerpoint/2010/main" val="664206571"/>
+      </p:ext>
+    </p:extLst>
+  </p:cSld>
+  <p:clrMapOvr>
+    <a:masterClrMapping/>
+  </p:clrMapOvr>
+</p:sld>
+</file>
+
+<file path=ppt/slides/slide37.xml><?xml version="1.0" encoding="utf-8"?>
+<p:sld xmlns:a="http://schemas.openxmlformats.org/drawingml/2006/main" xmlns:r="http://schemas.openxmlformats.org/officeDocument/2006/relationships" xmlns:p="http://schemas.openxmlformats.org/presentationml/2006/main">
+  <p:cSld>
+    <p:spTree>
+      <p:nvGrpSpPr>
+        <p:cNvPr id="1" name=""/>
+        <p:cNvGrpSpPr/>
+        <p:nvPr/>
+      </p:nvGrpSpPr>
+      <p:grpSpPr>
+        <a:xfrm>
+          <a:off x="0" y="0"/>
+          <a:ext cx="0" cy="0"/>
+          <a:chOff x="0" y="0"/>
+          <a:chExt cx="0" cy="0"/>
+        </a:xfrm>
+      </p:grpSpPr>
+      <p:sp>
+        <p:nvSpPr>
+          <p:cNvPr id="2" name="タイトル 1">
+            <a:extLst>
+              <a:ext uri="{FF2B5EF4-FFF2-40B4-BE49-F238E27FC236}">
+                <a16:creationId xmlns:a16="http://schemas.microsoft.com/office/drawing/2014/main" id="{03BB7B5E-C4C4-9B4A-9494-821EF1303692}"/>
+              </a:ext>
+            </a:extLst>
+          </p:cNvPr>
+          <p:cNvSpPr>
+            <a:spLocks noGrp="1"/>
+          </p:cNvSpPr>
+          <p:nvPr>
+            <p:ph type="title"/>
+          </p:nvPr>
+        </p:nvSpPr>
+        <p:spPr>
+          <a:xfrm>
+            <a:off x="2592925" y="624110"/>
+            <a:ext cx="9307722" cy="1043325"/>
+          </a:xfrm>
+        </p:spPr>
+        <p:txBody>
+          <a:bodyPr/>
+          <a:lstStyle/>
+          <a:p>
+            <a:r>
+              <a:rPr lang="en" altLang="ja-JP" dirty="0"/>
+              <a:t>Waste of resources in the neighborhood</a:t>
+            </a:r>
+            <a:endParaRPr kumimoji="1" lang="ja-JP" altLang="en-US"/>
+          </a:p>
+        </p:txBody>
+      </p:sp>
+      <p:sp>
+        <p:nvSpPr>
+          <p:cNvPr id="3" name="コンテンツ プレースホルダー 2">
+            <a:extLst>
+              <a:ext uri="{FF2B5EF4-FFF2-40B4-BE49-F238E27FC236}">
+                <a16:creationId xmlns:a16="http://schemas.microsoft.com/office/drawing/2014/main" id="{E3BA8F43-1062-1849-820B-F7D6BDDFFED2}"/>
+              </a:ext>
+            </a:extLst>
+          </p:cNvPr>
+          <p:cNvSpPr>
+            <a:spLocks noGrp="1"/>
+          </p:cNvSpPr>
+          <p:nvPr>
+            <p:ph idx="1"/>
+          </p:nvPr>
+        </p:nvSpPr>
+        <p:spPr>
+          <a:xfrm>
+            <a:off x="2589212" y="1815353"/>
+            <a:ext cx="8915400" cy="4095869"/>
+          </a:xfrm>
+        </p:spPr>
+        <p:txBody>
+          <a:bodyPr>
+            <a:normAutofit fontScale="92500"/>
+          </a:bodyPr>
+          <a:lstStyle/>
+          <a:p>
+            <a:r>
+              <a:rPr lang="en-US" altLang="ja-JP" sz="2400" dirty="0"/>
+              <a:t>When inserting one order into another hold, we make a change in the order sequence of the orders to be inserted. </a:t>
+            </a:r>
+          </a:p>
+          <a:p>
+            <a:pPr marL="0" indent="0">
+              <a:buNone/>
+            </a:pPr>
+            <a:r>
+              <a:rPr lang="en-US" altLang="ja-JP" sz="2400" dirty="0"/>
+              <a:t>Example: inserting order A</a:t>
+            </a:r>
+          </a:p>
+          <a:p>
+            <a:pPr marL="0" indent="0">
+              <a:buNone/>
+            </a:pPr>
+            <a:r>
+              <a:rPr lang="en-US" altLang="ja-JP" sz="2400" dirty="0"/>
+              <a:t> [C,B,D] </a:t>
+            </a:r>
+            <a:r>
+              <a:rPr lang="ja-JP" altLang="en-US" sz="2400"/>
+              <a:t>→</a:t>
+            </a:r>
+            <a:r>
+              <a:rPr lang="en-US" altLang="ja-JP" sz="2400" dirty="0"/>
+              <a:t> [A, C, B, D]</a:t>
+            </a:r>
+          </a:p>
+          <a:p>
+            <a:pPr marL="0" indent="0">
+              <a:buNone/>
+            </a:pPr>
+            <a:r>
+              <a:rPr lang="en-US" altLang="ja-JP" sz="2400" dirty="0"/>
+              <a:t>		        [C, A, B, D]</a:t>
+            </a:r>
+          </a:p>
+          <a:p>
+            <a:pPr marL="0" indent="0">
+              <a:buNone/>
+            </a:pPr>
+            <a:r>
+              <a:rPr lang="en-US" altLang="ja-JP" sz="2400" dirty="0"/>
+              <a:t>			   [C, B, A, D]</a:t>
+            </a:r>
+          </a:p>
+          <a:p>
+            <a:pPr marL="0" indent="0">
+              <a:buNone/>
+            </a:pPr>
+            <a:r>
+              <a:rPr lang="en-US" altLang="ja-JP" sz="2400" dirty="0"/>
+              <a:t>			   [C, B, D, A] </a:t>
+            </a:r>
+          </a:p>
+          <a:p>
+            <a:r>
+              <a:rPr lang="en-US" altLang="ja-JP" sz="2400" dirty="0"/>
+              <a:t>In this case, we try 4 patterns and select the best inserted position. </a:t>
+            </a:r>
+            <a:endParaRPr kumimoji="1" lang="ja-JP" altLang="en-US" sz="2400"/>
+          </a:p>
+        </p:txBody>
+      </p:sp>
+    </p:spTree>
+    <p:extLst>
+      <p:ext uri="{BB962C8B-B14F-4D97-AF65-F5344CB8AC3E}">
+        <p14:creationId xmlns:p14="http://schemas.microsoft.com/office/powerpoint/2010/main" val="3100555410"/>
+      </p:ext>
+    </p:extLst>
+  </p:cSld>
+  <p:clrMapOvr>
+    <a:masterClrMapping/>
+  </p:clrMapOvr>
+</p:sld>
+</file>
+
+<file path=ppt/slides/slide38.xml><?xml version="1.0" encoding="utf-8"?>
+<p:sld xmlns:a="http://schemas.openxmlformats.org/drawingml/2006/main" xmlns:r="http://schemas.openxmlformats.org/officeDocument/2006/relationships" xmlns:p="http://schemas.openxmlformats.org/presentationml/2006/main">
+  <p:cSld>
+    <p:spTree>
+      <p:nvGrpSpPr>
+        <p:cNvPr id="1" name=""/>
+        <p:cNvGrpSpPr/>
+        <p:nvPr/>
+      </p:nvGrpSpPr>
+      <p:grpSpPr>
+        <a:xfrm>
+          <a:off x="0" y="0"/>
+          <a:ext cx="0" cy="0"/>
+          <a:chOff x="0" y="0"/>
+          <a:chExt cx="0" cy="0"/>
+        </a:xfrm>
+      </p:grpSpPr>
+      <p:sp>
+        <p:nvSpPr>
+          <p:cNvPr id="2" name="タイトル 1">
+            <a:extLst>
+              <a:ext uri="{FF2B5EF4-FFF2-40B4-BE49-F238E27FC236}">
+                <a16:creationId xmlns:a16="http://schemas.microsoft.com/office/drawing/2014/main" id="{924515AA-7AF0-FA45-BCCF-EC2E999C0FA3}"/>
+              </a:ext>
+            </a:extLst>
+          </p:cNvPr>
+          <p:cNvSpPr>
+            <a:spLocks noGrp="1"/>
+          </p:cNvSpPr>
+          <p:nvPr>
+            <p:ph type="title"/>
+          </p:nvPr>
+        </p:nvSpPr>
+        <p:spPr>
+          <a:xfrm>
+            <a:off x="2592925" y="624110"/>
+            <a:ext cx="9348063" cy="1280890"/>
+          </a:xfrm>
+        </p:spPr>
+        <p:txBody>
+          <a:bodyPr/>
+          <a:lstStyle/>
+          <a:p>
+            <a:r>
+              <a:rPr lang="en" altLang="ja-JP" dirty="0"/>
+              <a:t>Waste of resources in the neighborhood</a:t>
+            </a:r>
+            <a:endParaRPr kumimoji="1" lang="ja-JP" altLang="en-US"/>
+          </a:p>
+        </p:txBody>
+      </p:sp>
+      <mc:AlternateContent xmlns:mc="http://schemas.openxmlformats.org/markup-compatibility/2006">
+        <mc:Choice xmlns:a14="http://schemas.microsoft.com/office/drawing/2010/main" Requires="a14">
+          <p:sp>
+            <p:nvSpPr>
+              <p:cNvPr id="3" name="コンテンツ プレースホルダー 2">
+                <a:extLst>
+                  <a:ext uri="{FF2B5EF4-FFF2-40B4-BE49-F238E27FC236}">
+                    <a16:creationId xmlns:a16="http://schemas.microsoft.com/office/drawing/2014/main" id="{51BD4730-EE58-5847-AFCA-1A2DD951C3F9}"/>
+                  </a:ext>
+                </a:extLst>
+              </p:cNvPr>
+              <p:cNvSpPr>
+                <a:spLocks noGrp="1"/>
+              </p:cNvSpPr>
+              <p:nvPr>
+                <p:ph idx="1"/>
+              </p:nvPr>
+            </p:nvSpPr>
+            <p:spPr>
+              <a:xfrm>
+                <a:off x="2589212" y="2133600"/>
+                <a:ext cx="8915400" cy="4374776"/>
+              </a:xfrm>
+            </p:spPr>
+            <p:txBody>
+              <a:bodyPr>
+                <a:normAutofit/>
+              </a:bodyPr>
+              <a:lstStyle/>
+              <a:p>
+                <a:r>
+                  <a:rPr kumimoji="1" lang="en-US" altLang="ja-JP" sz="2400" dirty="0"/>
+                  <a:t>Som</a:t>
+                </a:r>
+                <a:r>
+                  <a:rPr lang="en-US" altLang="ja-JP" sz="2400" dirty="0"/>
+                  <a:t>e insertions may result in the exact same assignment.</a:t>
+                </a:r>
+              </a:p>
+              <a:p>
+                <a:r>
+                  <a:rPr lang="en-US" altLang="ja-JP" sz="2400" dirty="0"/>
+                  <a:t>When this segment has 2 holds(</a:t>
+                </a:r>
+                <a14:m>
+                  <m:oMath xmlns:m="http://schemas.openxmlformats.org/officeDocument/2006/math">
+                    <m:r>
+                      <a:rPr lang="en-US" altLang="ja-JP" sz="2400" i="1" smtClean="0">
+                        <a:latin typeface="Cambria Math" panose="02040503050406030204" pitchFamily="18" charset="0"/>
+                        <a:ea typeface="Cambria Math" panose="02040503050406030204" pitchFamily="18" charset="0"/>
+                      </a:rPr>
+                      <m:t>𝛼</m:t>
+                    </m:r>
+                    <m:r>
+                      <a:rPr lang="en-US" altLang="ja-JP" sz="2400" b="0" i="1" smtClean="0">
+                        <a:latin typeface="Cambria Math" panose="02040503050406030204" pitchFamily="18" charset="0"/>
+                        <a:ea typeface="Cambria Math" panose="02040503050406030204" pitchFamily="18" charset="0"/>
+                      </a:rPr>
+                      <m:t>,</m:t>
+                    </m:r>
+                    <m:r>
+                      <a:rPr lang="en-US" altLang="ja-JP" sz="2400" b="0" i="1" smtClean="0">
+                        <a:latin typeface="Cambria Math" panose="02040503050406030204" pitchFamily="18" charset="0"/>
+                        <a:ea typeface="Cambria Math" panose="02040503050406030204" pitchFamily="18" charset="0"/>
+                      </a:rPr>
+                      <m:t>𝛽</m:t>
+                    </m:r>
+                    <m:r>
+                      <a:rPr lang="en-US" altLang="ja-JP" sz="2400" b="0" i="1" smtClean="0">
+                        <a:latin typeface="Cambria Math" panose="02040503050406030204" pitchFamily="18" charset="0"/>
+                        <a:ea typeface="Cambria Math" panose="02040503050406030204" pitchFamily="18" charset="0"/>
+                      </a:rPr>
+                      <m:t>)</m:t>
+                    </m:r>
+                  </m:oMath>
+                </a14:m>
+                <a:r>
+                  <a:rPr lang="en-US" altLang="ja-JP" sz="2400" dirty="0"/>
+                  <a:t>:</a:t>
+                </a:r>
+              </a:p>
+              <a:p>
+                <a:endParaRPr lang="en-US" altLang="ja-JP" sz="2400" dirty="0"/>
+              </a:p>
+              <a:p>
+                <a:endParaRPr lang="en-US" altLang="ja-JP" sz="2400" dirty="0"/>
+              </a:p>
+              <a:p>
+                <a:endParaRPr lang="en-US" altLang="ja-JP" sz="2400" dirty="0"/>
+              </a:p>
+              <a:p>
+                <a:endParaRPr lang="en-US" altLang="ja-JP" sz="2400" dirty="0"/>
+              </a:p>
+              <a:p>
+                <a:endParaRPr lang="en-US" altLang="ja-JP" sz="2400" dirty="0"/>
+              </a:p>
+              <a:p>
+                <a:r>
+                  <a:rPr lang="en-US" altLang="ja-JP" sz="2400" dirty="0"/>
+                  <a:t>In this case, trying 2 patters is enough.</a:t>
+                </a:r>
+              </a:p>
+            </p:txBody>
+          </p:sp>
+        </mc:Choice>
+        <mc:Fallback>
+          <p:sp>
+            <p:nvSpPr>
+              <p:cNvPr id="3" name="コンテンツ プレースホルダー 2">
+                <a:extLst>
+                  <a:ext uri="{FF2B5EF4-FFF2-40B4-BE49-F238E27FC236}">
+                    <a16:creationId xmlns:a16="http://schemas.microsoft.com/office/drawing/2014/main" id="{51BD4730-EE58-5847-AFCA-1A2DD951C3F9}"/>
+                  </a:ext>
+                </a:extLst>
+              </p:cNvPr>
+              <p:cNvSpPr>
+                <a:spLocks noGrp="1" noRot="1" noChangeAspect="1" noMove="1" noResize="1" noEditPoints="1" noAdjustHandles="1" noChangeArrowheads="1" noChangeShapeType="1" noTextEdit="1"/>
+              </p:cNvSpPr>
+              <p:nvPr>
+                <p:ph idx="1"/>
+              </p:nvPr>
+            </p:nvSpPr>
+            <p:spPr>
+              <a:xfrm>
+                <a:off x="2589212" y="2133600"/>
+                <a:ext cx="8915400" cy="4374776"/>
+              </a:xfrm>
+              <a:blipFill>
+                <a:blip r:embed="rId2"/>
+                <a:stretch>
+                  <a:fillRect l="-997" t="-1163" r="-1140"/>
+                </a:stretch>
+              </a:blipFill>
+            </p:spPr>
+            <p:txBody>
+              <a:bodyPr/>
+              <a:lstStyle/>
+              <a:p>
+                <a:r>
+                  <a:rPr lang="ja-JP" altLang="en-US">
+                    <a:noFill/>
+                  </a:rPr>
+                  <a:t> </a:t>
+                </a:r>
+              </a:p>
+            </p:txBody>
+          </p:sp>
+        </mc:Fallback>
+      </mc:AlternateContent>
+      <mc:AlternateContent xmlns:mc="http://schemas.openxmlformats.org/markup-compatibility/2006">
+        <mc:Choice xmlns:a14="http://schemas.microsoft.com/office/drawing/2010/main" Requires="a14">
+          <p:graphicFrame>
+            <p:nvGraphicFramePr>
+              <p:cNvPr id="4" name="表 3">
+                <a:extLst>
+                  <a:ext uri="{FF2B5EF4-FFF2-40B4-BE49-F238E27FC236}">
+                    <a16:creationId xmlns:a16="http://schemas.microsoft.com/office/drawing/2014/main" id="{D54C76F3-FD75-3845-907F-031BCC7B27F1}"/>
+                  </a:ext>
+                </a:extLst>
+              </p:cNvPr>
+              <p:cNvGraphicFramePr>
+                <a:graphicFrameLocks noGrp="1"/>
+              </p:cNvGraphicFramePr>
+              <p:nvPr>
+                <p:extLst>
+                  <p:ext uri="{D42A27DB-BD31-4B8C-83A1-F6EECF244321}">
+                    <p14:modId xmlns:p14="http://schemas.microsoft.com/office/powerpoint/2010/main" val="659135014"/>
+                  </p:ext>
+                </p:extLst>
+              </p:nvPr>
+            </p:nvGraphicFramePr>
+            <p:xfrm>
+              <a:off x="2771493" y="3224103"/>
+              <a:ext cx="8550836" cy="2302638"/>
+            </p:xfrm>
+            <a:graphic>
+              <a:graphicData uri="http://schemas.openxmlformats.org/drawingml/2006/table">
+                <a:tbl>
+                  <a:tblPr firstRow="1" bandRow="1">
+                    <a:tableStyleId>{5C22544A-7EE6-4342-B048-85BDC9FD1C3A}</a:tableStyleId>
+                  </a:tblPr>
+                  <a:tblGrid>
+                    <a:gridCol w="2137709">
+                      <a:extLst>
+                        <a:ext uri="{9D8B030D-6E8A-4147-A177-3AD203B41FA5}">
+                          <a16:colId xmlns:a16="http://schemas.microsoft.com/office/drawing/2014/main" val="1939995492"/>
+                        </a:ext>
+                      </a:extLst>
+                    </a:gridCol>
+                    <a:gridCol w="2137709">
+                      <a:extLst>
+                        <a:ext uri="{9D8B030D-6E8A-4147-A177-3AD203B41FA5}">
+                          <a16:colId xmlns:a16="http://schemas.microsoft.com/office/drawing/2014/main" val="1868649167"/>
+                        </a:ext>
+                      </a:extLst>
+                    </a:gridCol>
+                    <a:gridCol w="2137709">
+                      <a:extLst>
+                        <a:ext uri="{9D8B030D-6E8A-4147-A177-3AD203B41FA5}">
+                          <a16:colId xmlns:a16="http://schemas.microsoft.com/office/drawing/2014/main" val="1425792707"/>
+                        </a:ext>
+                      </a:extLst>
+                    </a:gridCol>
+                    <a:gridCol w="2137709">
+                      <a:extLst>
+                        <a:ext uri="{9D8B030D-6E8A-4147-A177-3AD203B41FA5}">
+                          <a16:colId xmlns:a16="http://schemas.microsoft.com/office/drawing/2014/main" val="1397451028"/>
+                        </a:ext>
+                      </a:extLst>
+                    </a:gridCol>
+                  </a:tblGrid>
+                  <a:tr h="562725">
+                    <a:tc>
+                      <a:txBody>
+                        <a:bodyPr/>
+                        <a:lstStyle/>
+                        <a:p>
+                          <a:pPr algn="ctr"/>
+                          <a:r>
+                            <a:rPr kumimoji="1" lang="en-US" altLang="ja-JP" dirty="0"/>
+                            <a:t>Pattern</a:t>
+                          </a:r>
+                          <a:endParaRPr kumimoji="1" lang="ja-JP" altLang="en-US"/>
+                        </a:p>
+                      </a:txBody>
+                      <a:tcPr/>
+                    </a:tc>
+                    <a:tc>
+                      <a:txBody>
+                        <a:bodyPr/>
+                        <a:lstStyle/>
+                        <a:p>
+                          <a:pPr algn="ctr"/>
+                          <a:r>
+                            <a:rPr kumimoji="1" lang="en-US" altLang="ja-JP" dirty="0"/>
+                            <a:t>insertion</a:t>
+                          </a:r>
+                          <a:endParaRPr kumimoji="1" lang="ja-JP" altLang="en-US"/>
+                        </a:p>
+                      </a:txBody>
+                      <a:tcPr/>
+                    </a:tc>
+                    <a:tc>
+                      <a:txBody>
+                        <a:bodyPr/>
+                        <a:lstStyle/>
+                        <a:p>
+                          <a:pPr algn="ctr"/>
+                          <a:r>
+                            <a:rPr lang="en-US" altLang="ja-JP" sz="1800" dirty="0">
+                              <a:ea typeface="Cambria Math" panose="02040503050406030204" pitchFamily="18" charset="0"/>
+                            </a:rPr>
+                            <a:t> hold</a:t>
+                          </a:r>
+                          <a:r>
+                            <a:rPr lang="en-US" altLang="ja-JP" sz="1800" baseline="0" dirty="0">
+                              <a:ea typeface="Cambria Math" panose="02040503050406030204" pitchFamily="18" charset="0"/>
+                            </a:rPr>
+                            <a:t> </a:t>
+                          </a:r>
+                          <a14:m>
+                            <m:oMath xmlns:m="http://schemas.openxmlformats.org/officeDocument/2006/math">
+                              <m:r>
+                                <a:rPr lang="en-US" altLang="ja-JP" sz="1800" i="1" smtClean="0">
+                                  <a:latin typeface="Cambria Math" panose="02040503050406030204" pitchFamily="18" charset="0"/>
+                                  <a:ea typeface="Cambria Math" panose="02040503050406030204" pitchFamily="18" charset="0"/>
+                                </a:rPr>
+                                <m:t>𝛼</m:t>
+                              </m:r>
+                            </m:oMath>
+                          </a14:m>
+                          <a:endParaRPr kumimoji="1" lang="ja-JP" altLang="en-US"/>
+                        </a:p>
+                      </a:txBody>
+                      <a:tcPr/>
+                    </a:tc>
+                    <a:tc>
+                      <a:txBody>
+                        <a:bodyPr/>
+                        <a:lstStyle/>
+                        <a:p>
+                          <a:pPr algn="ctr"/>
+                          <a:r>
+                            <a:rPr kumimoji="1" lang="en-US" altLang="ja-JP" dirty="0"/>
+                            <a:t>Hold </a:t>
+                          </a:r>
+                          <a14:m>
+                            <m:oMath xmlns:m="http://schemas.openxmlformats.org/officeDocument/2006/math">
+                              <m:r>
+                                <a:rPr lang="en-US" altLang="ja-JP" sz="1800" b="0" i="1" smtClean="0">
+                                  <a:latin typeface="Cambria Math" panose="02040503050406030204" pitchFamily="18" charset="0"/>
+                                  <a:ea typeface="Cambria Math" panose="02040503050406030204" pitchFamily="18" charset="0"/>
+                                </a:rPr>
+                                <m:t>𝛽</m:t>
+                              </m:r>
+                            </m:oMath>
+                          </a14:m>
+                          <a:endParaRPr kumimoji="1" lang="ja-JP" altLang="en-US"/>
+                        </a:p>
+                      </a:txBody>
+                      <a:tcPr/>
+                    </a:tc>
+                    <a:extLst>
+                      <a:ext uri="{0D108BD9-81ED-4DB2-BD59-A6C34878D82A}">
+                        <a16:rowId xmlns:a16="http://schemas.microsoft.com/office/drawing/2014/main" val="3117535403"/>
+                      </a:ext>
+                    </a:extLst>
+                  </a:tr>
+                  <a:tr h="422101">
+                    <a:tc>
+                      <a:txBody>
+                        <a:bodyPr/>
+                        <a:lstStyle/>
+                        <a:p>
+                          <a:pPr algn="ctr"/>
+                          <a:r>
+                            <a:rPr kumimoji="1" lang="en-US" altLang="ja-JP" dirty="0"/>
+                            <a:t>1</a:t>
+                          </a:r>
+                          <a:endParaRPr kumimoji="1" lang="ja-JP" altLang="en-US"/>
+                        </a:p>
+                      </a:txBody>
+                      <a:tcPr/>
+                    </a:tc>
+                    <a:tc>
+                      <a:txBody>
+                        <a:bodyPr/>
+                        <a:lstStyle/>
+                        <a:p>
+                          <a:pPr algn="ctr"/>
+                          <a:r>
+                            <a:rPr lang="en-US" altLang="ja-JP" sz="1800" dirty="0"/>
+                            <a:t>A, C, B, D</a:t>
+                          </a:r>
+                          <a:endParaRPr kumimoji="1" lang="ja-JP" altLang="en-US"/>
+                        </a:p>
+                      </a:txBody>
+                      <a:tcPr/>
+                    </a:tc>
+                    <a:tc>
+                      <a:txBody>
+                        <a:bodyPr/>
+                        <a:lstStyle/>
+                        <a:p>
+                          <a:pPr algn="ctr"/>
+                          <a:r>
+                            <a:rPr kumimoji="1" lang="en-US" altLang="ja-JP" dirty="0"/>
+                            <a:t>A,C</a:t>
+                          </a:r>
+                          <a:endParaRPr kumimoji="1" lang="ja-JP" altLang="en-US"/>
+                        </a:p>
+                      </a:txBody>
+                      <a:tcPr/>
+                    </a:tc>
+                    <a:tc>
+                      <a:txBody>
+                        <a:bodyPr/>
+                        <a:lstStyle/>
+                        <a:p>
+                          <a:pPr algn="ctr"/>
+                          <a:r>
+                            <a:rPr kumimoji="1" lang="en-US" altLang="ja-JP" dirty="0"/>
+                            <a:t>B,D</a:t>
+                          </a:r>
+                          <a:endParaRPr kumimoji="1" lang="ja-JP" altLang="en-US"/>
+                        </a:p>
+                      </a:txBody>
+                      <a:tcPr/>
+                    </a:tc>
+                    <a:extLst>
+                      <a:ext uri="{0D108BD9-81ED-4DB2-BD59-A6C34878D82A}">
+                        <a16:rowId xmlns:a16="http://schemas.microsoft.com/office/drawing/2014/main" val="2914139011"/>
+                      </a:ext>
+                    </a:extLst>
+                  </a:tr>
+                  <a:tr h="457200">
+                    <a:tc>
+                      <a:txBody>
+                        <a:bodyPr/>
+                        <a:lstStyle/>
+                        <a:p>
+                          <a:pPr algn="ctr"/>
+                          <a:r>
+                            <a:rPr kumimoji="1" lang="en-US" altLang="ja-JP" dirty="0"/>
+                            <a:t>2</a:t>
+                          </a:r>
+                          <a:endParaRPr kumimoji="1" lang="ja-JP" altLang="en-US"/>
+                        </a:p>
+                      </a:txBody>
+                      <a:tcPr/>
+                    </a:tc>
+                    <a:tc>
+                      <a:txBody>
+                        <a:bodyPr/>
+                        <a:lstStyle/>
+                        <a:p>
+                          <a:pPr algn="ctr"/>
+                          <a:r>
+                            <a:rPr lang="en-US" altLang="ja-JP" sz="1800" dirty="0"/>
+                            <a:t>C, A, B, D</a:t>
+                          </a:r>
+                          <a:endParaRPr kumimoji="1" lang="ja-JP" altLang="en-US"/>
+                        </a:p>
+                      </a:txBody>
+                      <a:tcPr/>
+                    </a:tc>
+                    <a:tc>
+                      <a:txBody>
+                        <a:bodyPr/>
+                        <a:lstStyle/>
+                        <a:p>
+                          <a:pPr algn="ctr"/>
+                          <a:r>
+                            <a:rPr kumimoji="1" lang="en-US" altLang="ja-JP" dirty="0"/>
+                            <a:t>C,A</a:t>
+                          </a:r>
+                          <a:endParaRPr kumimoji="1" lang="ja-JP" altLang="en-US"/>
+                        </a:p>
+                      </a:txBody>
+                      <a:tcPr/>
+                    </a:tc>
+                    <a:tc>
+                      <a:txBody>
+                        <a:bodyPr/>
+                        <a:lstStyle/>
+                        <a:p>
+                          <a:pPr algn="ctr"/>
+                          <a:r>
+                            <a:rPr kumimoji="1" lang="en-US" altLang="ja-JP" dirty="0"/>
+                            <a:t>B,D</a:t>
+                          </a:r>
+                          <a:endParaRPr kumimoji="1" lang="ja-JP" altLang="en-US"/>
+                        </a:p>
+                      </a:txBody>
+                      <a:tcPr/>
+                    </a:tc>
+                    <a:extLst>
+                      <a:ext uri="{0D108BD9-81ED-4DB2-BD59-A6C34878D82A}">
+                        <a16:rowId xmlns:a16="http://schemas.microsoft.com/office/drawing/2014/main" val="3905007158"/>
+                      </a:ext>
+                    </a:extLst>
+                  </a:tr>
+                  <a:tr h="443753">
+                    <a:tc>
+                      <a:txBody>
+                        <a:bodyPr/>
+                        <a:lstStyle/>
+                        <a:p>
+                          <a:pPr algn="ctr"/>
+                          <a:r>
+                            <a:rPr kumimoji="1" lang="en-US" altLang="ja-JP" dirty="0"/>
+                            <a:t>3</a:t>
+                          </a:r>
+                          <a:endParaRPr kumimoji="1" lang="ja-JP" altLang="en-US"/>
+                        </a:p>
+                      </a:txBody>
+                      <a:tcPr/>
+                    </a:tc>
+                    <a:tc>
+                      <a:txBody>
+                        <a:bodyPr/>
+                        <a:lstStyle/>
+                        <a:p>
+                          <a:pPr algn="ctr"/>
+                          <a:r>
+                            <a:rPr lang="en-US" altLang="ja-JP" sz="1800" dirty="0"/>
+                            <a:t>C, B, A, D</a:t>
+                          </a:r>
+                          <a:endParaRPr kumimoji="1" lang="ja-JP" altLang="en-US"/>
+                        </a:p>
+                      </a:txBody>
+                      <a:tcPr/>
+                    </a:tc>
+                    <a:tc>
+                      <a:txBody>
+                        <a:bodyPr/>
+                        <a:lstStyle/>
+                        <a:p>
+                          <a:pPr algn="ctr"/>
+                          <a:r>
+                            <a:rPr kumimoji="1" lang="en-US" altLang="ja-JP" dirty="0"/>
+                            <a:t>C,B</a:t>
+                          </a:r>
+                          <a:endParaRPr kumimoji="1" lang="ja-JP" altLang="en-US"/>
+                        </a:p>
+                      </a:txBody>
+                      <a:tcPr/>
+                    </a:tc>
+                    <a:tc>
+                      <a:txBody>
+                        <a:bodyPr/>
+                        <a:lstStyle/>
+                        <a:p>
+                          <a:pPr algn="ctr"/>
+                          <a:r>
+                            <a:rPr kumimoji="1" lang="en-US" altLang="ja-JP" dirty="0"/>
+                            <a:t>A,D</a:t>
+                          </a:r>
+                          <a:endParaRPr kumimoji="1" lang="ja-JP" altLang="en-US"/>
+                        </a:p>
+                      </a:txBody>
+                      <a:tcPr/>
+                    </a:tc>
+                    <a:extLst>
+                      <a:ext uri="{0D108BD9-81ED-4DB2-BD59-A6C34878D82A}">
+                        <a16:rowId xmlns:a16="http://schemas.microsoft.com/office/drawing/2014/main" val="3345806514"/>
+                      </a:ext>
+                    </a:extLst>
+                  </a:tr>
+                  <a:tr h="416859">
+                    <a:tc>
+                      <a:txBody>
+                        <a:bodyPr/>
+                        <a:lstStyle/>
+                        <a:p>
+                          <a:pPr algn="ctr"/>
+                          <a:r>
+                            <a:rPr kumimoji="1" lang="en-US" altLang="ja-JP" dirty="0"/>
+                            <a:t>4</a:t>
+                          </a:r>
+                          <a:endParaRPr kumimoji="1" lang="ja-JP" altLang="en-US"/>
+                        </a:p>
+                      </a:txBody>
+                      <a:tcPr/>
+                    </a:tc>
+                    <a:tc>
+                      <a:txBody>
+                        <a:bodyPr/>
+                        <a:lstStyle/>
+                        <a:p>
+                          <a:pPr algn="ctr"/>
+                          <a:r>
+                            <a:rPr lang="en-US" altLang="ja-JP" sz="1800" dirty="0"/>
+                            <a:t>C, B, D, A</a:t>
+                          </a:r>
+                          <a:endParaRPr kumimoji="1" lang="ja-JP" altLang="en-US"/>
+                        </a:p>
+                      </a:txBody>
+                      <a:tcPr/>
+                    </a:tc>
+                    <a:tc>
+                      <a:txBody>
+                        <a:bodyPr/>
+                        <a:lstStyle/>
+                        <a:p>
+                          <a:pPr algn="ctr"/>
+                          <a:r>
+                            <a:rPr kumimoji="1" lang="en-US" altLang="ja-JP" dirty="0"/>
+                            <a:t>C,B</a:t>
+                          </a:r>
+                          <a:endParaRPr kumimoji="1" lang="ja-JP" altLang="en-US"/>
+                        </a:p>
+                      </a:txBody>
+                      <a:tcPr/>
+                    </a:tc>
+                    <a:tc>
+                      <a:txBody>
+                        <a:bodyPr/>
+                        <a:lstStyle/>
+                        <a:p>
+                          <a:pPr algn="ctr"/>
+                          <a:r>
+                            <a:rPr kumimoji="1" lang="en-US" altLang="ja-JP" dirty="0"/>
+                            <a:t>A,D</a:t>
+                          </a:r>
+                          <a:endParaRPr kumimoji="1" lang="ja-JP" altLang="en-US"/>
+                        </a:p>
+                      </a:txBody>
+                      <a:tcPr/>
+                    </a:tc>
+                    <a:extLst>
+                      <a:ext uri="{0D108BD9-81ED-4DB2-BD59-A6C34878D82A}">
+                        <a16:rowId xmlns:a16="http://schemas.microsoft.com/office/drawing/2014/main" val="607002897"/>
+                      </a:ext>
+                    </a:extLst>
+                  </a:tr>
+                </a:tbl>
+              </a:graphicData>
+            </a:graphic>
+          </p:graphicFrame>
+        </mc:Choice>
+        <mc:Fallback>
+          <p:graphicFrame>
+            <p:nvGraphicFramePr>
+              <p:cNvPr id="4" name="表 3">
+                <a:extLst>
+                  <a:ext uri="{FF2B5EF4-FFF2-40B4-BE49-F238E27FC236}">
+                    <a16:creationId xmlns:a16="http://schemas.microsoft.com/office/drawing/2014/main" id="{D54C76F3-FD75-3845-907F-031BCC7B27F1}"/>
+                  </a:ext>
+                </a:extLst>
+              </p:cNvPr>
+              <p:cNvGraphicFramePr>
+                <a:graphicFrameLocks noGrp="1"/>
+              </p:cNvGraphicFramePr>
+              <p:nvPr>
+                <p:extLst>
+                  <p:ext uri="{D42A27DB-BD31-4B8C-83A1-F6EECF244321}">
+                    <p14:modId xmlns:p14="http://schemas.microsoft.com/office/powerpoint/2010/main" val="659135014"/>
+                  </p:ext>
+                </p:extLst>
+              </p:nvPr>
+            </p:nvGraphicFramePr>
+            <p:xfrm>
+              <a:off x="2771493" y="3224103"/>
+              <a:ext cx="8550836" cy="2302638"/>
+            </p:xfrm>
+            <a:graphic>
+              <a:graphicData uri="http://schemas.openxmlformats.org/drawingml/2006/table">
+                <a:tbl>
+                  <a:tblPr firstRow="1" bandRow="1">
+                    <a:tableStyleId>{5C22544A-7EE6-4342-B048-85BDC9FD1C3A}</a:tableStyleId>
+                  </a:tblPr>
+                  <a:tblGrid>
+                    <a:gridCol w="2137709">
+                      <a:extLst>
+                        <a:ext uri="{9D8B030D-6E8A-4147-A177-3AD203B41FA5}">
+                          <a16:colId xmlns:a16="http://schemas.microsoft.com/office/drawing/2014/main" val="1939995492"/>
+                        </a:ext>
+                      </a:extLst>
+                    </a:gridCol>
+                    <a:gridCol w="2137709">
+                      <a:extLst>
+                        <a:ext uri="{9D8B030D-6E8A-4147-A177-3AD203B41FA5}">
+                          <a16:colId xmlns:a16="http://schemas.microsoft.com/office/drawing/2014/main" val="1868649167"/>
+                        </a:ext>
+                      </a:extLst>
+                    </a:gridCol>
+                    <a:gridCol w="2137709">
+                      <a:extLst>
+                        <a:ext uri="{9D8B030D-6E8A-4147-A177-3AD203B41FA5}">
+                          <a16:colId xmlns:a16="http://schemas.microsoft.com/office/drawing/2014/main" val="1425792707"/>
+                        </a:ext>
+                      </a:extLst>
+                    </a:gridCol>
+                    <a:gridCol w="2137709">
+                      <a:extLst>
+                        <a:ext uri="{9D8B030D-6E8A-4147-A177-3AD203B41FA5}">
+                          <a16:colId xmlns:a16="http://schemas.microsoft.com/office/drawing/2014/main" val="1397451028"/>
+                        </a:ext>
+                      </a:extLst>
+                    </a:gridCol>
+                  </a:tblGrid>
+                  <a:tr h="562725">
+                    <a:tc>
+                      <a:txBody>
+                        <a:bodyPr/>
+                        <a:lstStyle/>
+                        <a:p>
+                          <a:pPr algn="ctr"/>
+                          <a:r>
+                            <a:rPr kumimoji="1" lang="en-US" altLang="ja-JP" dirty="0"/>
+                            <a:t>Pattern</a:t>
+                          </a:r>
+                          <a:endParaRPr kumimoji="1" lang="ja-JP" altLang="en-US"/>
+                        </a:p>
+                      </a:txBody>
+                      <a:tcPr/>
+                    </a:tc>
+                    <a:tc>
+                      <a:txBody>
+                        <a:bodyPr/>
+                        <a:lstStyle/>
+                        <a:p>
+                          <a:pPr algn="ctr"/>
+                          <a:r>
+                            <a:rPr kumimoji="1" lang="en-US" altLang="ja-JP" dirty="0"/>
+                            <a:t>insertion</a:t>
+                          </a:r>
+                          <a:endParaRPr kumimoji="1" lang="ja-JP" altLang="en-US"/>
+                        </a:p>
+                      </a:txBody>
+                      <a:tcPr/>
+                    </a:tc>
+                    <a:tc>
+                      <a:txBody>
+                        <a:bodyPr/>
+                        <a:lstStyle/>
+                        <a:p>
+                          <a:endParaRPr lang="ja-JP"/>
+                        </a:p>
+                      </a:txBody>
+                      <a:tcPr>
+                        <a:blipFill>
+                          <a:blip r:embed="rId3"/>
+                          <a:stretch>
+                            <a:fillRect l="-200000" t="-4444" r="-100000" b="-313333"/>
+                          </a:stretch>
+                        </a:blipFill>
+                      </a:tcPr>
+                    </a:tc>
+                    <a:tc>
+                      <a:txBody>
+                        <a:bodyPr/>
+                        <a:lstStyle/>
+                        <a:p>
+                          <a:endParaRPr lang="ja-JP"/>
+                        </a:p>
+                      </a:txBody>
+                      <a:tcPr>
+                        <a:blipFill>
+                          <a:blip r:embed="rId3"/>
+                          <a:stretch>
+                            <a:fillRect l="-301786" t="-4444" r="-595" b="-313333"/>
+                          </a:stretch>
+                        </a:blipFill>
+                      </a:tcPr>
+                    </a:tc>
+                    <a:extLst>
+                      <a:ext uri="{0D108BD9-81ED-4DB2-BD59-A6C34878D82A}">
+                        <a16:rowId xmlns:a16="http://schemas.microsoft.com/office/drawing/2014/main" val="3117535403"/>
+                      </a:ext>
+                    </a:extLst>
+                  </a:tr>
+                  <a:tr h="422101">
+                    <a:tc>
+                      <a:txBody>
+                        <a:bodyPr/>
+                        <a:lstStyle/>
+                        <a:p>
+                          <a:pPr algn="ctr"/>
+                          <a:r>
+                            <a:rPr kumimoji="1" lang="en-US" altLang="ja-JP" dirty="0"/>
+                            <a:t>1</a:t>
+                          </a:r>
+                          <a:endParaRPr kumimoji="1" lang="ja-JP" altLang="en-US"/>
+                        </a:p>
+                      </a:txBody>
+                      <a:tcPr/>
+                    </a:tc>
+                    <a:tc>
+                      <a:txBody>
+                        <a:bodyPr/>
+                        <a:lstStyle/>
+                        <a:p>
+                          <a:pPr algn="ctr"/>
+                          <a:r>
+                            <a:rPr lang="en-US" altLang="ja-JP" sz="1800" dirty="0"/>
+                            <a:t>A, C, B, D</a:t>
+                          </a:r>
+                          <a:endParaRPr kumimoji="1" lang="ja-JP" altLang="en-US"/>
+                        </a:p>
+                      </a:txBody>
+                      <a:tcPr/>
+                    </a:tc>
+                    <a:tc>
+                      <a:txBody>
+                        <a:bodyPr/>
+                        <a:lstStyle/>
+                        <a:p>
+                          <a:pPr algn="ctr"/>
+                          <a:r>
+                            <a:rPr kumimoji="1" lang="en-US" altLang="ja-JP" dirty="0"/>
+                            <a:t>A,C</a:t>
+                          </a:r>
+                          <a:endParaRPr kumimoji="1" lang="ja-JP" altLang="en-US"/>
+                        </a:p>
+                      </a:txBody>
+                      <a:tcPr/>
+                    </a:tc>
+                    <a:tc>
+                      <a:txBody>
+                        <a:bodyPr/>
+                        <a:lstStyle/>
+                        <a:p>
+                          <a:pPr algn="ctr"/>
+                          <a:r>
+                            <a:rPr kumimoji="1" lang="en-US" altLang="ja-JP" dirty="0"/>
+                            <a:t>B,D</a:t>
+                          </a:r>
+                          <a:endParaRPr kumimoji="1" lang="ja-JP" altLang="en-US"/>
+                        </a:p>
+                      </a:txBody>
+                      <a:tcPr/>
+                    </a:tc>
+                    <a:extLst>
+                      <a:ext uri="{0D108BD9-81ED-4DB2-BD59-A6C34878D82A}">
+                        <a16:rowId xmlns:a16="http://schemas.microsoft.com/office/drawing/2014/main" val="2914139011"/>
+                      </a:ext>
+                    </a:extLst>
+                  </a:tr>
+                  <a:tr h="457200">
+                    <a:tc>
+                      <a:txBody>
+                        <a:bodyPr/>
+                        <a:lstStyle/>
+                        <a:p>
+                          <a:pPr algn="ctr"/>
+                          <a:r>
+                            <a:rPr kumimoji="1" lang="en-US" altLang="ja-JP" dirty="0"/>
+                            <a:t>2</a:t>
+                          </a:r>
+                          <a:endParaRPr kumimoji="1" lang="ja-JP" altLang="en-US"/>
+                        </a:p>
+                      </a:txBody>
+                      <a:tcPr/>
+                    </a:tc>
+                    <a:tc>
+                      <a:txBody>
+                        <a:bodyPr/>
+                        <a:lstStyle/>
+                        <a:p>
+                          <a:pPr algn="ctr"/>
+                          <a:r>
+                            <a:rPr lang="en-US" altLang="ja-JP" sz="1800" dirty="0"/>
+                            <a:t>C, A, B, D</a:t>
+                          </a:r>
+                          <a:endParaRPr kumimoji="1" lang="ja-JP" altLang="en-US"/>
+                        </a:p>
+                      </a:txBody>
+                      <a:tcPr/>
+                    </a:tc>
+                    <a:tc>
+                      <a:txBody>
+                        <a:bodyPr/>
+                        <a:lstStyle/>
+                        <a:p>
+                          <a:pPr algn="ctr"/>
+                          <a:r>
+                            <a:rPr kumimoji="1" lang="en-US" altLang="ja-JP" dirty="0"/>
+                            <a:t>C,A</a:t>
+                          </a:r>
+                          <a:endParaRPr kumimoji="1" lang="ja-JP" altLang="en-US"/>
+                        </a:p>
+                      </a:txBody>
+                      <a:tcPr/>
+                    </a:tc>
+                    <a:tc>
+                      <a:txBody>
+                        <a:bodyPr/>
+                        <a:lstStyle/>
+                        <a:p>
+                          <a:pPr algn="ctr"/>
+                          <a:r>
+                            <a:rPr kumimoji="1" lang="en-US" altLang="ja-JP" dirty="0"/>
+                            <a:t>B,D</a:t>
+                          </a:r>
+                          <a:endParaRPr kumimoji="1" lang="ja-JP" altLang="en-US"/>
+                        </a:p>
+                      </a:txBody>
+                      <a:tcPr/>
+                    </a:tc>
+                    <a:extLst>
+                      <a:ext uri="{0D108BD9-81ED-4DB2-BD59-A6C34878D82A}">
+                        <a16:rowId xmlns:a16="http://schemas.microsoft.com/office/drawing/2014/main" val="3905007158"/>
+                      </a:ext>
+                    </a:extLst>
+                  </a:tr>
+                  <a:tr h="443753">
+                    <a:tc>
+                      <a:txBody>
+                        <a:bodyPr/>
+                        <a:lstStyle/>
+                        <a:p>
+                          <a:pPr algn="ctr"/>
+                          <a:r>
+                            <a:rPr kumimoji="1" lang="en-US" altLang="ja-JP" dirty="0"/>
+                            <a:t>3</a:t>
+                          </a:r>
+                          <a:endParaRPr kumimoji="1" lang="ja-JP" altLang="en-US"/>
+                        </a:p>
+                      </a:txBody>
+                      <a:tcPr/>
+                    </a:tc>
+                    <a:tc>
+                      <a:txBody>
+                        <a:bodyPr/>
+                        <a:lstStyle/>
+                        <a:p>
+                          <a:pPr algn="ctr"/>
+                          <a:r>
+                            <a:rPr lang="en-US" altLang="ja-JP" sz="1800" dirty="0"/>
+                            <a:t>C, B, A, D</a:t>
+                          </a:r>
+                          <a:endParaRPr kumimoji="1" lang="ja-JP" altLang="en-US"/>
+                        </a:p>
+                      </a:txBody>
+                      <a:tcPr/>
+                    </a:tc>
+                    <a:tc>
+                      <a:txBody>
+                        <a:bodyPr/>
+                        <a:lstStyle/>
+                        <a:p>
+                          <a:pPr algn="ctr"/>
+                          <a:r>
+                            <a:rPr kumimoji="1" lang="en-US" altLang="ja-JP" dirty="0"/>
+                            <a:t>C,B</a:t>
+                          </a:r>
+                          <a:endParaRPr kumimoji="1" lang="ja-JP" altLang="en-US"/>
+                        </a:p>
+                      </a:txBody>
+                      <a:tcPr/>
+                    </a:tc>
+                    <a:tc>
+                      <a:txBody>
+                        <a:bodyPr/>
+                        <a:lstStyle/>
+                        <a:p>
+                          <a:pPr algn="ctr"/>
+                          <a:r>
+                            <a:rPr kumimoji="1" lang="en-US" altLang="ja-JP" dirty="0"/>
+                            <a:t>A,D</a:t>
+                          </a:r>
+                          <a:endParaRPr kumimoji="1" lang="ja-JP" altLang="en-US"/>
+                        </a:p>
+                      </a:txBody>
+                      <a:tcPr/>
+                    </a:tc>
+                    <a:extLst>
+                      <a:ext uri="{0D108BD9-81ED-4DB2-BD59-A6C34878D82A}">
+                        <a16:rowId xmlns:a16="http://schemas.microsoft.com/office/drawing/2014/main" val="3345806514"/>
+                      </a:ext>
+                    </a:extLst>
+                  </a:tr>
+                  <a:tr h="416859">
+                    <a:tc>
+                      <a:txBody>
+                        <a:bodyPr/>
+                        <a:lstStyle/>
+                        <a:p>
+                          <a:pPr algn="ctr"/>
+                          <a:r>
+                            <a:rPr kumimoji="1" lang="en-US" altLang="ja-JP" dirty="0"/>
+                            <a:t>4</a:t>
+                          </a:r>
+                          <a:endParaRPr kumimoji="1" lang="ja-JP" altLang="en-US"/>
+                        </a:p>
+                      </a:txBody>
+                      <a:tcPr/>
+                    </a:tc>
+                    <a:tc>
+                      <a:txBody>
+                        <a:bodyPr/>
+                        <a:lstStyle/>
+                        <a:p>
+                          <a:pPr algn="ctr"/>
+                          <a:r>
+                            <a:rPr lang="en-US" altLang="ja-JP" sz="1800" dirty="0"/>
+                            <a:t>C, B, D, A</a:t>
+                          </a:r>
+                          <a:endParaRPr kumimoji="1" lang="ja-JP" altLang="en-US"/>
+                        </a:p>
+                      </a:txBody>
+                      <a:tcPr/>
+                    </a:tc>
+                    <a:tc>
+                      <a:txBody>
+                        <a:bodyPr/>
+                        <a:lstStyle/>
+                        <a:p>
+                          <a:pPr algn="ctr"/>
+                          <a:r>
+                            <a:rPr kumimoji="1" lang="en-US" altLang="ja-JP" dirty="0"/>
+                            <a:t>C,B</a:t>
+                          </a:r>
+                          <a:endParaRPr kumimoji="1" lang="ja-JP" altLang="en-US"/>
+                        </a:p>
+                      </a:txBody>
+                      <a:tcPr/>
+                    </a:tc>
+                    <a:tc>
+                      <a:txBody>
+                        <a:bodyPr/>
+                        <a:lstStyle/>
+                        <a:p>
+                          <a:pPr algn="ctr"/>
+                          <a:r>
+                            <a:rPr kumimoji="1" lang="en-US" altLang="ja-JP" dirty="0"/>
+                            <a:t>A,D</a:t>
+                          </a:r>
+                          <a:endParaRPr kumimoji="1" lang="ja-JP" altLang="en-US"/>
+                        </a:p>
+                      </a:txBody>
+                      <a:tcPr/>
+                    </a:tc>
+                    <a:extLst>
+                      <a:ext uri="{0D108BD9-81ED-4DB2-BD59-A6C34878D82A}">
+                        <a16:rowId xmlns:a16="http://schemas.microsoft.com/office/drawing/2014/main" val="607002897"/>
+                      </a:ext>
+                    </a:extLst>
+                  </a:tr>
+                </a:tbl>
+              </a:graphicData>
+            </a:graphic>
+          </p:graphicFrame>
+        </mc:Fallback>
+      </mc:AlternateContent>
+    </p:spTree>
+    <p:extLst>
+      <p:ext uri="{BB962C8B-B14F-4D97-AF65-F5344CB8AC3E}">
+        <p14:creationId xmlns:p14="http://schemas.microsoft.com/office/powerpoint/2010/main" val="1945082818"/>
+      </p:ext>
+    </p:extLst>
+  </p:cSld>
+  <p:clrMapOvr>
+    <a:masterClrMapping/>
+  </p:clrMapOvr>
+</p:sld>
+</file>
+
+<file path=ppt/slides/slide39.xml><?xml version="1.0" encoding="utf-8"?>
+<p:sld xmlns:a="http://schemas.openxmlformats.org/drawingml/2006/main" xmlns:r="http://schemas.openxmlformats.org/officeDocument/2006/relationships" xmlns:p="http://schemas.openxmlformats.org/presentationml/2006/main">
+  <p:cSld>
+    <p:spTree>
+      <p:nvGrpSpPr>
+        <p:cNvPr id="1" name=""/>
+        <p:cNvGrpSpPr/>
+        <p:nvPr/>
+      </p:nvGrpSpPr>
+      <p:grpSpPr>
+        <a:xfrm>
+          <a:off x="0" y="0"/>
+          <a:ext cx="0" cy="0"/>
+          <a:chOff x="0" y="0"/>
+          <a:chExt cx="0" cy="0"/>
+        </a:xfrm>
+      </p:grpSpPr>
+      <p:sp>
+        <p:nvSpPr>
+          <p:cNvPr id="2" name="タイトル 1">
+            <a:extLst>
+              <a:ext uri="{FF2B5EF4-FFF2-40B4-BE49-F238E27FC236}">
+                <a16:creationId xmlns:a16="http://schemas.microsoft.com/office/drawing/2014/main" id="{D8DA1CC8-598D-1D4B-B251-97298E30ECA4}"/>
+              </a:ext>
+            </a:extLst>
+          </p:cNvPr>
+          <p:cNvSpPr>
+            <a:spLocks noGrp="1"/>
+          </p:cNvSpPr>
+          <p:nvPr>
+            <p:ph type="title"/>
+          </p:nvPr>
+        </p:nvSpPr>
+        <p:spPr/>
+        <p:txBody>
+          <a:bodyPr/>
+          <a:lstStyle/>
+          <a:p>
+            <a:r>
+              <a:rPr kumimoji="1" lang="en-US" altLang="ja-JP" dirty="0"/>
+              <a:t>Our approach</a:t>
+            </a:r>
+            <a:endParaRPr kumimoji="1" lang="ja-JP" altLang="en-US"/>
+          </a:p>
+        </p:txBody>
+      </p:sp>
+      <p:sp>
+        <p:nvSpPr>
+          <p:cNvPr id="3" name="コンテンツ プレースホルダー 2">
+            <a:extLst>
+              <a:ext uri="{FF2B5EF4-FFF2-40B4-BE49-F238E27FC236}">
+                <a16:creationId xmlns:a16="http://schemas.microsoft.com/office/drawing/2014/main" id="{6E2556ED-BEB0-CC4D-B241-52450431776F}"/>
+              </a:ext>
+            </a:extLst>
+          </p:cNvPr>
+          <p:cNvSpPr>
+            <a:spLocks noGrp="1"/>
+          </p:cNvSpPr>
+          <p:nvPr>
+            <p:ph idx="1"/>
+          </p:nvPr>
+        </p:nvSpPr>
+        <p:spPr/>
+        <p:txBody>
+          <a:bodyPr>
+            <a:normAutofit/>
+          </a:bodyPr>
+          <a:lstStyle/>
+          <a:p>
+            <a:pPr marL="0" indent="0">
+              <a:buNone/>
+            </a:pPr>
+            <a:r>
+              <a:rPr lang="en-US" altLang="ja-JP" sz="2400" dirty="0"/>
+              <a:t>We propose an approach to reduce the number of insertions. </a:t>
+            </a:r>
+          </a:p>
+          <a:p>
+            <a:pPr marL="457200" indent="-457200">
+              <a:buFont typeface="+mj-lt"/>
+              <a:buAutoNum type="arabicPeriod"/>
+            </a:pPr>
+            <a:r>
+              <a:rPr lang="en" altLang="ja-JP" sz="2400" dirty="0"/>
+              <a:t>We insert it at the end of the order sequence.</a:t>
+            </a:r>
+          </a:p>
+          <a:p>
+            <a:pPr marL="457200" indent="-457200">
+              <a:buFont typeface="+mj-lt"/>
+              <a:buAutoNum type="arabicPeriod"/>
+            </a:pPr>
+            <a:r>
+              <a:rPr lang="en" altLang="ja-JP" sz="2400" dirty="0"/>
+              <a:t>we memorize orders that are split in two. </a:t>
+            </a:r>
+          </a:p>
+          <a:p>
+            <a:pPr marL="457200" indent="-457200">
+              <a:buFont typeface="+mj-lt"/>
+              <a:buAutoNum type="arabicPeriod"/>
+            </a:pPr>
+            <a:r>
+              <a:rPr lang="en" altLang="ja-JP" sz="2400" dirty="0"/>
+              <a:t>We insert only in adjacent parts of a split order.</a:t>
+            </a:r>
+          </a:p>
+          <a:p>
+            <a:pPr marL="457200" indent="-457200">
+              <a:buFont typeface="+mj-lt"/>
+              <a:buAutoNum type="arabicPeriod"/>
+            </a:pPr>
+            <a:r>
+              <a:rPr lang="en" altLang="ja-JP" sz="2400" dirty="0"/>
+              <a:t>We select the best insertion position</a:t>
+            </a:r>
+          </a:p>
+        </p:txBody>
+      </p:sp>
+    </p:spTree>
+    <p:extLst>
+      <p:ext uri="{BB962C8B-B14F-4D97-AF65-F5344CB8AC3E}">
+        <p14:creationId xmlns:p14="http://schemas.microsoft.com/office/powerpoint/2010/main" val="3468385452"/>
+      </p:ext>
+    </p:extLst>
+  </p:cSld>
+  <p:clrMapOvr>
+    <a:masterClrMapping/>
+  </p:clrMapOvr>
+</p:sld>
+</file>
+
+<file path=ppt/slides/slide4.xml><?xml version="1.0" encoding="utf-8"?>
+<p:sld xmlns:a="http://schemas.openxmlformats.org/drawingml/2006/main" xmlns:r="http://schemas.openxmlformats.org/officeDocument/2006/relationships" xmlns:p="http://schemas.openxmlformats.org/presentationml/2006/main">
+  <p:cSld>
+    <p:spTree>
+      <p:nvGrpSpPr>
+        <p:cNvPr id="1" name=""/>
+        <p:cNvGrpSpPr/>
+        <p:nvPr/>
+      </p:nvGrpSpPr>
+      <p:grpSpPr>
+        <a:xfrm>
+          <a:off x="0" y="0"/>
+          <a:ext cx="0" cy="0"/>
+          <a:chOff x="0" y="0"/>
+          <a:chExt cx="0" cy="0"/>
+        </a:xfrm>
+      </p:grpSpPr>
+      <p:sp>
+        <p:nvSpPr>
+          <p:cNvPr id="2" name="タイトル 1">
+            <a:extLst>
+              <a:ext uri="{FF2B5EF4-FFF2-40B4-BE49-F238E27FC236}">
+                <a16:creationId xmlns:a16="http://schemas.microsoft.com/office/drawing/2014/main" id="{03DC7BD9-E43D-E442-9A49-33395737C89D}"/>
+              </a:ext>
+            </a:extLst>
+          </p:cNvPr>
+          <p:cNvSpPr>
+            <a:spLocks noGrp="1"/>
+          </p:cNvSpPr>
+          <p:nvPr>
+            <p:ph type="title"/>
+          </p:nvPr>
+        </p:nvSpPr>
+        <p:spPr/>
+        <p:txBody>
+          <a:bodyPr/>
+          <a:lstStyle/>
+          <a:p>
+            <a:r>
+              <a:rPr kumimoji="1" lang="en-US" altLang="ja-JP" dirty="0"/>
+              <a:t>Background</a:t>
+            </a:r>
+            <a:endParaRPr kumimoji="1" lang="ja-JP" altLang="en-US"/>
+          </a:p>
+        </p:txBody>
+      </p:sp>
+      <p:sp>
+        <p:nvSpPr>
+          <p:cNvPr id="3" name="コンテンツ プレースホルダー 2">
+            <a:extLst>
+              <a:ext uri="{FF2B5EF4-FFF2-40B4-BE49-F238E27FC236}">
+                <a16:creationId xmlns:a16="http://schemas.microsoft.com/office/drawing/2014/main" id="{AD3B2DD4-96C6-BB42-93C1-3859304F6137}"/>
+              </a:ext>
+            </a:extLst>
+          </p:cNvPr>
+          <p:cNvSpPr>
+            <a:spLocks noGrp="1"/>
+          </p:cNvSpPr>
+          <p:nvPr>
+            <p:ph idx="1"/>
+          </p:nvPr>
+        </p:nvSpPr>
+        <p:spPr/>
+        <p:txBody>
+          <a:bodyPr>
+            <a:normAutofit/>
+          </a:bodyPr>
+          <a:lstStyle/>
+          <a:p>
+            <a:r>
+              <a:rPr lang="en-US" altLang="ja-JP" sz="2400" dirty="0"/>
+              <a:t>There are a lot of things that has to be considered</a:t>
+            </a:r>
+          </a:p>
+          <a:p>
+            <a:pPr lvl="1"/>
+            <a:r>
+              <a:rPr lang="en-US" altLang="ja-JP" sz="2200" dirty="0"/>
+              <a:t>Planning assignments that makes it easy to load and unload cars is important.</a:t>
+            </a:r>
+          </a:p>
+          <a:p>
+            <a:pPr lvl="1"/>
+            <a:r>
+              <a:rPr lang="en-US" altLang="ja-JP" sz="2200" dirty="0"/>
+              <a:t>Human error should not happen.</a:t>
+            </a:r>
+          </a:p>
+          <a:p>
+            <a:pPr lvl="1"/>
+            <a:r>
+              <a:rPr lang="en-US" altLang="ja-JP" sz="2400" dirty="0"/>
+              <a:t>Unbalanced assignments may result in a sinking.</a:t>
+            </a:r>
+          </a:p>
+        </p:txBody>
+      </p:sp>
+    </p:spTree>
+    <p:extLst>
+      <p:ext uri="{BB962C8B-B14F-4D97-AF65-F5344CB8AC3E}">
+        <p14:creationId xmlns:p14="http://schemas.microsoft.com/office/powerpoint/2010/main" val="3649340498"/>
+      </p:ext>
+    </p:extLst>
+  </p:cSld>
+  <p:clrMapOvr>
+    <a:masterClrMapping/>
+  </p:clrMapOvr>
+</p:sld>
+</file>
+
+<file path=ppt/slides/slide40.xml><?xml version="1.0" encoding="utf-8"?>
+<p:sld xmlns:a="http://schemas.openxmlformats.org/drawingml/2006/main" xmlns:r="http://schemas.openxmlformats.org/officeDocument/2006/relationships" xmlns:p="http://schemas.openxmlformats.org/presentationml/2006/main">
+  <p:cSld>
+    <p:spTree>
+      <p:nvGrpSpPr>
+        <p:cNvPr id="1" name=""/>
+        <p:cNvGrpSpPr/>
+        <p:nvPr/>
+      </p:nvGrpSpPr>
+      <p:grpSpPr>
+        <a:xfrm>
+          <a:off x="0" y="0"/>
+          <a:ext cx="0" cy="0"/>
+          <a:chOff x="0" y="0"/>
+          <a:chExt cx="0" cy="0"/>
+        </a:xfrm>
+      </p:grpSpPr>
+      <p:sp>
+        <p:nvSpPr>
+          <p:cNvPr id="2" name="タイトル 1">
+            <a:extLst>
+              <a:ext uri="{FF2B5EF4-FFF2-40B4-BE49-F238E27FC236}">
+                <a16:creationId xmlns:a16="http://schemas.microsoft.com/office/drawing/2014/main" id="{DBF5AFDD-4A7E-3C46-B150-A8EC04053F2F}"/>
+              </a:ext>
+            </a:extLst>
+          </p:cNvPr>
+          <p:cNvSpPr>
+            <a:spLocks noGrp="1"/>
+          </p:cNvSpPr>
+          <p:nvPr>
+            <p:ph type="title"/>
+          </p:nvPr>
+        </p:nvSpPr>
+        <p:spPr/>
+        <p:txBody>
+          <a:bodyPr/>
+          <a:lstStyle/>
+          <a:p>
+            <a:r>
+              <a:rPr kumimoji="1" lang="en-US" altLang="ja-JP" dirty="0"/>
+              <a:t>Our approach</a:t>
+            </a:r>
+            <a:endParaRPr kumimoji="1" lang="ja-JP" altLang="en-US"/>
+          </a:p>
+        </p:txBody>
+      </p:sp>
+      <p:sp>
+        <p:nvSpPr>
+          <p:cNvPr id="3" name="コンテンツ プレースホルダー 2">
+            <a:extLst>
+              <a:ext uri="{FF2B5EF4-FFF2-40B4-BE49-F238E27FC236}">
+                <a16:creationId xmlns:a16="http://schemas.microsoft.com/office/drawing/2014/main" id="{29949F21-2E87-E340-ACB1-A81C89FB3424}"/>
+              </a:ext>
+            </a:extLst>
+          </p:cNvPr>
+          <p:cNvSpPr>
+            <a:spLocks noGrp="1"/>
+          </p:cNvSpPr>
+          <p:nvPr>
+            <p:ph idx="1"/>
+          </p:nvPr>
+        </p:nvSpPr>
+        <p:spPr>
+          <a:xfrm>
+            <a:off x="2589212" y="1649505"/>
+            <a:ext cx="8915400" cy="5114365"/>
+          </a:xfrm>
+        </p:spPr>
+        <p:txBody>
+          <a:bodyPr>
+            <a:normAutofit/>
+          </a:bodyPr>
+          <a:lstStyle/>
+          <a:p>
+            <a:r>
+              <a:rPr kumimoji="1" lang="en-US" altLang="ja-JP" sz="2000" dirty="0"/>
+              <a:t>When inserting order A to segment with the following order sequence:</a:t>
+            </a:r>
+          </a:p>
+          <a:p>
+            <a:pPr marL="0" indent="0">
+              <a:buNone/>
+            </a:pPr>
+            <a:r>
+              <a:rPr lang="en-US" altLang="ja-JP" sz="2000" dirty="0"/>
+              <a:t>		B, C, D, E, F, G, H, I, J</a:t>
+            </a:r>
+            <a:endParaRPr kumimoji="1" lang="en-US" altLang="ja-JP" sz="2000" dirty="0"/>
+          </a:p>
+          <a:p>
+            <a:pPr marL="0" indent="0">
+              <a:buNone/>
+            </a:pPr>
+            <a:r>
+              <a:rPr kumimoji="1" lang="en-US" altLang="ja-JP" sz="2000" dirty="0"/>
+              <a:t>1. </a:t>
+            </a:r>
+            <a:r>
+              <a:rPr lang="en-US" altLang="ja-JP" sz="2000" dirty="0"/>
+              <a:t>We i</a:t>
+            </a:r>
+            <a:r>
+              <a:rPr kumimoji="1" lang="en-US" altLang="ja-JP" sz="2000" dirty="0"/>
+              <a:t>nsert order A to the sequence</a:t>
+            </a:r>
+          </a:p>
+          <a:p>
+            <a:pPr marL="0" indent="0">
+              <a:buNone/>
+            </a:pPr>
+            <a:r>
+              <a:rPr lang="en-US" altLang="ja-JP" sz="2000" dirty="0"/>
+              <a:t>		B, C, D, E, F, G, H, I, J, A</a:t>
+            </a:r>
+          </a:p>
+          <a:p>
+            <a:pPr marL="0" indent="0">
+              <a:buNone/>
+            </a:pPr>
+            <a:r>
+              <a:rPr lang="en-US" altLang="ja-JP" sz="2000" dirty="0"/>
+              <a:t>2. We </a:t>
+            </a:r>
+            <a:r>
+              <a:rPr lang="en" altLang="ja-JP" sz="2000" dirty="0"/>
+              <a:t>memorize orders that are split in two.</a:t>
+            </a:r>
+          </a:p>
+          <a:p>
+            <a:pPr marL="0" indent="0">
+              <a:buNone/>
+            </a:pPr>
+            <a:endParaRPr lang="en" altLang="ja-JP" sz="2000" dirty="0"/>
+          </a:p>
+          <a:p>
+            <a:pPr marL="0" indent="0">
+              <a:buNone/>
+            </a:pPr>
+            <a:endParaRPr lang="en" altLang="ja-JP" sz="2000" dirty="0"/>
+          </a:p>
+          <a:p>
+            <a:pPr marL="0" indent="0">
+              <a:buNone/>
+            </a:pPr>
+            <a:r>
+              <a:rPr lang="en" altLang="ja-JP" sz="2000" dirty="0"/>
+              <a:t>In this case, we insert before only before or after F and select the best insertion position.</a:t>
+            </a:r>
+          </a:p>
+          <a:p>
+            <a:pPr marL="0" indent="0">
+              <a:buNone/>
+            </a:pPr>
+            <a:r>
+              <a:rPr lang="en" altLang="ja-JP" sz="2000" dirty="0"/>
+              <a:t>		</a:t>
+            </a:r>
+            <a:endParaRPr lang="en-US" altLang="ja-JP" sz="2000" dirty="0"/>
+          </a:p>
+        </p:txBody>
+      </p:sp>
+      <mc:AlternateContent xmlns:mc="http://schemas.openxmlformats.org/markup-compatibility/2006">
+        <mc:Choice xmlns:a14="http://schemas.microsoft.com/office/drawing/2010/main" Requires="a14">
+          <p:graphicFrame>
+            <p:nvGraphicFramePr>
+              <p:cNvPr id="4" name="表 3">
+                <a:extLst>
+                  <a:ext uri="{FF2B5EF4-FFF2-40B4-BE49-F238E27FC236}">
+                    <a16:creationId xmlns:a16="http://schemas.microsoft.com/office/drawing/2014/main" id="{CAA91777-4031-FD49-9546-432EE1F9463A}"/>
+                  </a:ext>
+                </a:extLst>
+              </p:cNvPr>
+              <p:cNvGraphicFramePr>
+                <a:graphicFrameLocks noGrp="1"/>
+              </p:cNvGraphicFramePr>
+              <p:nvPr>
+                <p:extLst>
+                  <p:ext uri="{D42A27DB-BD31-4B8C-83A1-F6EECF244321}">
+                    <p14:modId xmlns:p14="http://schemas.microsoft.com/office/powerpoint/2010/main" val="930911336"/>
+                  </p:ext>
+                </p:extLst>
+              </p:nvPr>
+            </p:nvGraphicFramePr>
+            <p:xfrm>
+              <a:off x="2589212" y="4135219"/>
+              <a:ext cx="8391057" cy="741680"/>
+            </p:xfrm>
+            <a:graphic>
+              <a:graphicData uri="http://schemas.openxmlformats.org/drawingml/2006/table">
+                <a:tbl>
+                  <a:tblPr firstRow="1" bandRow="1">
+                    <a:tableStyleId>{5C22544A-7EE6-4342-B048-85BDC9FD1C3A}</a:tableStyleId>
+                  </a:tblPr>
+                  <a:tblGrid>
+                    <a:gridCol w="2797019">
+                      <a:extLst>
+                        <a:ext uri="{9D8B030D-6E8A-4147-A177-3AD203B41FA5}">
+                          <a16:colId xmlns:a16="http://schemas.microsoft.com/office/drawing/2014/main" val="3024390906"/>
+                        </a:ext>
+                      </a:extLst>
+                    </a:gridCol>
+                    <a:gridCol w="2797019">
+                      <a:extLst>
+                        <a:ext uri="{9D8B030D-6E8A-4147-A177-3AD203B41FA5}">
+                          <a16:colId xmlns:a16="http://schemas.microsoft.com/office/drawing/2014/main" val="1008988432"/>
+                        </a:ext>
+                      </a:extLst>
+                    </a:gridCol>
+                    <a:gridCol w="2797019">
+                      <a:extLst>
+                        <a:ext uri="{9D8B030D-6E8A-4147-A177-3AD203B41FA5}">
+                          <a16:colId xmlns:a16="http://schemas.microsoft.com/office/drawing/2014/main" val="1590508002"/>
+                        </a:ext>
+                      </a:extLst>
+                    </a:gridCol>
+                  </a:tblGrid>
+                  <a:tr h="370840">
+                    <a:tc>
+                      <a:txBody>
+                        <a:bodyPr/>
+                        <a:lstStyle/>
+                        <a:p>
+                          <a:pPr algn="ctr"/>
+                          <a:r>
+                            <a:rPr kumimoji="1" lang="en-US" altLang="ja-JP" dirty="0"/>
+                            <a:t>insertion</a:t>
+                          </a:r>
+                          <a:endParaRPr kumimoji="1" lang="ja-JP" altLang="en-US"/>
+                        </a:p>
+                      </a:txBody>
+                      <a:tcPr/>
+                    </a:tc>
+                    <a:tc>
+                      <a:txBody>
+                        <a:bodyPr/>
+                        <a:lstStyle/>
+                        <a:p>
+                          <a:pPr algn="ctr"/>
+                          <a:r>
+                            <a:rPr lang="en-US" altLang="ja-JP" sz="1800" dirty="0">
+                              <a:ea typeface="Cambria Math" panose="02040503050406030204" pitchFamily="18" charset="0"/>
+                            </a:rPr>
+                            <a:t> hold</a:t>
+                          </a:r>
+                          <a:r>
+                            <a:rPr lang="en-US" altLang="ja-JP" sz="1800" baseline="0" dirty="0">
+                              <a:ea typeface="Cambria Math" panose="02040503050406030204" pitchFamily="18" charset="0"/>
+                            </a:rPr>
+                            <a:t> </a:t>
+                          </a:r>
+                          <a14:m>
+                            <m:oMath xmlns:m="http://schemas.openxmlformats.org/officeDocument/2006/math">
+                              <m:r>
+                                <a:rPr lang="en-US" altLang="ja-JP" sz="1800" i="1" smtClean="0">
+                                  <a:latin typeface="Cambria Math" panose="02040503050406030204" pitchFamily="18" charset="0"/>
+                                  <a:ea typeface="Cambria Math" panose="02040503050406030204" pitchFamily="18" charset="0"/>
+                                </a:rPr>
+                                <m:t>𝛼</m:t>
+                              </m:r>
+                            </m:oMath>
+                          </a14:m>
+                          <a:endParaRPr kumimoji="1" lang="ja-JP" altLang="en-US"/>
+                        </a:p>
+                      </a:txBody>
+                      <a:tcPr/>
+                    </a:tc>
+                    <a:tc>
+                      <a:txBody>
+                        <a:bodyPr/>
+                        <a:lstStyle/>
+                        <a:p>
+                          <a:pPr algn="ctr"/>
+                          <a:r>
+                            <a:rPr kumimoji="1" lang="en-US" altLang="ja-JP" dirty="0"/>
+                            <a:t>Hold </a:t>
+                          </a:r>
+                          <a14:m>
+                            <m:oMath xmlns:m="http://schemas.openxmlformats.org/officeDocument/2006/math">
+                              <m:r>
+                                <a:rPr lang="en-US" altLang="ja-JP" sz="1800" b="0" i="1" smtClean="0">
+                                  <a:latin typeface="Cambria Math" panose="02040503050406030204" pitchFamily="18" charset="0"/>
+                                  <a:ea typeface="Cambria Math" panose="02040503050406030204" pitchFamily="18" charset="0"/>
+                                </a:rPr>
+                                <m:t>𝛽</m:t>
+                              </m:r>
+                            </m:oMath>
+                          </a14:m>
+                          <a:endParaRPr kumimoji="1" lang="ja-JP" altLang="en-US"/>
+                        </a:p>
+                      </a:txBody>
+                      <a:tcPr/>
+                    </a:tc>
+                    <a:extLst>
+                      <a:ext uri="{0D108BD9-81ED-4DB2-BD59-A6C34878D82A}">
+                        <a16:rowId xmlns:a16="http://schemas.microsoft.com/office/drawing/2014/main" val="1718428707"/>
+                      </a:ext>
+                    </a:extLst>
+                  </a:tr>
+                  <a:tr h="370840">
+                    <a:tc>
+                      <a:txBody>
+                        <a:bodyPr/>
+                        <a:lstStyle/>
+                        <a:p>
+                          <a:pPr marL="0" indent="0">
+                            <a:buNone/>
+                          </a:pPr>
+                          <a:r>
+                            <a:rPr lang="en-US" altLang="ja-JP" dirty="0"/>
+                            <a:t>B, C, D, E, F, G, H, I, J, A</a:t>
+                          </a:r>
+                        </a:p>
+                      </a:txBody>
+                      <a:tcPr/>
+                    </a:tc>
+                    <a:tc>
+                      <a:txBody>
+                        <a:bodyPr/>
+                        <a:lstStyle/>
+                        <a:p>
+                          <a:pPr algn="ctr"/>
+                          <a:r>
+                            <a:rPr lang="en-US" altLang="ja-JP" dirty="0"/>
+                            <a:t>B, C, D, E, F</a:t>
+                          </a:r>
+                          <a:endParaRPr kumimoji="1" lang="ja-JP" altLang="en-US"/>
+                        </a:p>
+                      </a:txBody>
+                      <a:tcPr/>
+                    </a:tc>
+                    <a:tc>
+                      <a:txBody>
+                        <a:bodyPr/>
+                        <a:lstStyle/>
+                        <a:p>
+                          <a:pPr algn="ctr"/>
+                          <a:r>
+                            <a:rPr lang="en-US" altLang="ja-JP" dirty="0"/>
+                            <a:t>F, G, H, I, J, A</a:t>
+                          </a:r>
+                          <a:endParaRPr kumimoji="1" lang="ja-JP" altLang="en-US"/>
+                        </a:p>
+                      </a:txBody>
+                      <a:tcPr/>
+                    </a:tc>
+                    <a:extLst>
+                      <a:ext uri="{0D108BD9-81ED-4DB2-BD59-A6C34878D82A}">
+                        <a16:rowId xmlns:a16="http://schemas.microsoft.com/office/drawing/2014/main" val="4141137380"/>
+                      </a:ext>
+                    </a:extLst>
+                  </a:tr>
+                </a:tbl>
+              </a:graphicData>
+            </a:graphic>
+          </p:graphicFrame>
+        </mc:Choice>
+        <mc:Fallback>
+          <p:graphicFrame>
+            <p:nvGraphicFramePr>
+              <p:cNvPr id="4" name="表 3">
+                <a:extLst>
+                  <a:ext uri="{FF2B5EF4-FFF2-40B4-BE49-F238E27FC236}">
+                    <a16:creationId xmlns:a16="http://schemas.microsoft.com/office/drawing/2014/main" id="{CAA91777-4031-FD49-9546-432EE1F9463A}"/>
+                  </a:ext>
+                </a:extLst>
+              </p:cNvPr>
+              <p:cNvGraphicFramePr>
+                <a:graphicFrameLocks noGrp="1"/>
+              </p:cNvGraphicFramePr>
+              <p:nvPr>
+                <p:extLst>
+                  <p:ext uri="{D42A27DB-BD31-4B8C-83A1-F6EECF244321}">
+                    <p14:modId xmlns:p14="http://schemas.microsoft.com/office/powerpoint/2010/main" val="930911336"/>
+                  </p:ext>
+                </p:extLst>
+              </p:nvPr>
+            </p:nvGraphicFramePr>
+            <p:xfrm>
+              <a:off x="2589212" y="4135219"/>
+              <a:ext cx="8391057" cy="741680"/>
+            </p:xfrm>
+            <a:graphic>
+              <a:graphicData uri="http://schemas.openxmlformats.org/drawingml/2006/table">
+                <a:tbl>
+                  <a:tblPr firstRow="1" bandRow="1">
+                    <a:tableStyleId>{5C22544A-7EE6-4342-B048-85BDC9FD1C3A}</a:tableStyleId>
+                  </a:tblPr>
+                  <a:tblGrid>
+                    <a:gridCol w="2797019">
+                      <a:extLst>
+                        <a:ext uri="{9D8B030D-6E8A-4147-A177-3AD203B41FA5}">
+                          <a16:colId xmlns:a16="http://schemas.microsoft.com/office/drawing/2014/main" val="3024390906"/>
+                        </a:ext>
+                      </a:extLst>
+                    </a:gridCol>
+                    <a:gridCol w="2797019">
+                      <a:extLst>
+                        <a:ext uri="{9D8B030D-6E8A-4147-A177-3AD203B41FA5}">
+                          <a16:colId xmlns:a16="http://schemas.microsoft.com/office/drawing/2014/main" val="1008988432"/>
+                        </a:ext>
+                      </a:extLst>
+                    </a:gridCol>
+                    <a:gridCol w="2797019">
+                      <a:extLst>
+                        <a:ext uri="{9D8B030D-6E8A-4147-A177-3AD203B41FA5}">
+                          <a16:colId xmlns:a16="http://schemas.microsoft.com/office/drawing/2014/main" val="1590508002"/>
+                        </a:ext>
+                      </a:extLst>
+                    </a:gridCol>
+                  </a:tblGrid>
+                  <a:tr h="370840">
+                    <a:tc>
+                      <a:txBody>
+                        <a:bodyPr/>
+                        <a:lstStyle/>
+                        <a:p>
+                          <a:pPr algn="ctr"/>
+                          <a:r>
+                            <a:rPr kumimoji="1" lang="en-US" altLang="ja-JP" dirty="0"/>
+                            <a:t>insertion</a:t>
+                          </a:r>
+                          <a:endParaRPr kumimoji="1" lang="ja-JP" altLang="en-US"/>
+                        </a:p>
+                      </a:txBody>
+                      <a:tcPr/>
+                    </a:tc>
+                    <a:tc>
+                      <a:txBody>
+                        <a:bodyPr/>
+                        <a:lstStyle/>
+                        <a:p>
+                          <a:endParaRPr lang="ja-JP"/>
+                        </a:p>
+                      </a:txBody>
+                      <a:tcPr>
+                        <a:blipFill>
+                          <a:blip r:embed="rId2"/>
+                          <a:stretch>
+                            <a:fillRect l="-100455" t="-6667" r="-100909" b="-120000"/>
+                          </a:stretch>
+                        </a:blipFill>
+                      </a:tcPr>
+                    </a:tc>
+                    <a:tc>
+                      <a:txBody>
+                        <a:bodyPr/>
+                        <a:lstStyle/>
+                        <a:p>
+                          <a:endParaRPr lang="ja-JP"/>
+                        </a:p>
+                      </a:txBody>
+                      <a:tcPr>
+                        <a:blipFill>
+                          <a:blip r:embed="rId2"/>
+                          <a:stretch>
+                            <a:fillRect l="-199548" t="-6667" r="-452" b="-120000"/>
+                          </a:stretch>
+                        </a:blipFill>
+                      </a:tcPr>
+                    </a:tc>
+                    <a:extLst>
+                      <a:ext uri="{0D108BD9-81ED-4DB2-BD59-A6C34878D82A}">
+                        <a16:rowId xmlns:a16="http://schemas.microsoft.com/office/drawing/2014/main" val="1718428707"/>
+                      </a:ext>
+                    </a:extLst>
+                  </a:tr>
+                  <a:tr h="370840">
+                    <a:tc>
+                      <a:txBody>
+                        <a:bodyPr/>
+                        <a:lstStyle/>
+                        <a:p>
+                          <a:pPr marL="0" indent="0">
+                            <a:buNone/>
+                          </a:pPr>
+                          <a:r>
+                            <a:rPr lang="en-US" altLang="ja-JP" dirty="0"/>
+                            <a:t>B, C, D, E, F, G, H, I, J, A</a:t>
+                          </a:r>
+                        </a:p>
+                      </a:txBody>
+                      <a:tcPr/>
+                    </a:tc>
+                    <a:tc>
+                      <a:txBody>
+                        <a:bodyPr/>
+                        <a:lstStyle/>
+                        <a:p>
+                          <a:pPr algn="ctr"/>
+                          <a:r>
+                            <a:rPr lang="en-US" altLang="ja-JP" dirty="0"/>
+                            <a:t>B, C, D, E, F</a:t>
+                          </a:r>
+                          <a:endParaRPr kumimoji="1" lang="ja-JP" altLang="en-US"/>
+                        </a:p>
+                      </a:txBody>
+                      <a:tcPr/>
+                    </a:tc>
+                    <a:tc>
+                      <a:txBody>
+                        <a:bodyPr/>
+                        <a:lstStyle/>
+                        <a:p>
+                          <a:pPr algn="ctr"/>
+                          <a:r>
+                            <a:rPr lang="en-US" altLang="ja-JP" dirty="0"/>
+                            <a:t>F, G, H, I, J, A</a:t>
+                          </a:r>
+                          <a:endParaRPr kumimoji="1" lang="ja-JP" altLang="en-US"/>
+                        </a:p>
+                      </a:txBody>
+                      <a:tcPr/>
+                    </a:tc>
+                    <a:extLst>
+                      <a:ext uri="{0D108BD9-81ED-4DB2-BD59-A6C34878D82A}">
+                        <a16:rowId xmlns:a16="http://schemas.microsoft.com/office/drawing/2014/main" val="4141137380"/>
+                      </a:ext>
+                    </a:extLst>
+                  </a:tr>
+                </a:tbl>
+              </a:graphicData>
+            </a:graphic>
+          </p:graphicFrame>
+        </mc:Fallback>
+      </mc:AlternateContent>
+    </p:spTree>
+    <p:extLst>
+      <p:ext uri="{BB962C8B-B14F-4D97-AF65-F5344CB8AC3E}">
+        <p14:creationId xmlns:p14="http://schemas.microsoft.com/office/powerpoint/2010/main" val="732809756"/>
+      </p:ext>
+    </p:extLst>
+  </p:cSld>
+  <p:clrMapOvr>
+    <a:masterClrMapping/>
+  </p:clrMapOvr>
+</p:sld>
+</file>
+
+<file path=ppt/slides/slide41.xml><?xml version="1.0" encoding="utf-8"?>
+<p:sld xmlns:a="http://schemas.openxmlformats.org/drawingml/2006/main" xmlns:r="http://schemas.openxmlformats.org/officeDocument/2006/relationships" xmlns:p="http://schemas.openxmlformats.org/presentationml/2006/main">
+  <p:cSld>
+    <p:spTree>
+      <p:nvGrpSpPr>
+        <p:cNvPr id="1" name=""/>
+        <p:cNvGrpSpPr/>
+        <p:nvPr/>
+      </p:nvGrpSpPr>
+      <p:grpSpPr>
+        <a:xfrm>
+          <a:off x="0" y="0"/>
+          <a:ext cx="0" cy="0"/>
+          <a:chOff x="0" y="0"/>
+          <a:chExt cx="0" cy="0"/>
+        </a:xfrm>
+      </p:grpSpPr>
+      <p:sp>
+        <p:nvSpPr>
+          <p:cNvPr id="2" name="タイトル 1">
+            <a:extLst>
+              <a:ext uri="{FF2B5EF4-FFF2-40B4-BE49-F238E27FC236}">
+                <a16:creationId xmlns:a16="http://schemas.microsoft.com/office/drawing/2014/main" id="{0F3E9755-7D4C-E140-A34C-76DD3CC7C081}"/>
+              </a:ext>
+            </a:extLst>
+          </p:cNvPr>
+          <p:cNvSpPr>
+            <a:spLocks noGrp="1"/>
+          </p:cNvSpPr>
+          <p:nvPr>
+            <p:ph type="title"/>
+          </p:nvPr>
+        </p:nvSpPr>
+        <p:spPr/>
+        <p:txBody>
+          <a:bodyPr/>
+          <a:lstStyle/>
+          <a:p>
+            <a:r>
+              <a:rPr lang="en-US" altLang="ja-JP" dirty="0"/>
+              <a:t>Computational experiment</a:t>
+            </a:r>
+            <a:endParaRPr kumimoji="1" lang="ja-JP" altLang="en-US"/>
+          </a:p>
+        </p:txBody>
+      </p:sp>
+      <p:graphicFrame>
+        <p:nvGraphicFramePr>
+          <p:cNvPr id="4" name="コンテンツ プレースホルダー 3">
+            <a:extLst>
+              <a:ext uri="{FF2B5EF4-FFF2-40B4-BE49-F238E27FC236}">
+                <a16:creationId xmlns:a16="http://schemas.microsoft.com/office/drawing/2014/main" id="{A43B9D2D-517B-CB46-A337-956322EC2B9A}"/>
+              </a:ext>
+            </a:extLst>
+          </p:cNvPr>
+          <p:cNvGraphicFramePr>
+            <a:graphicFrameLocks noGrp="1"/>
+          </p:cNvGraphicFramePr>
+          <p:nvPr>
+            <p:ph idx="1"/>
+            <p:extLst>
+              <p:ext uri="{D42A27DB-BD31-4B8C-83A1-F6EECF244321}">
+                <p14:modId xmlns:p14="http://schemas.microsoft.com/office/powerpoint/2010/main" val="499401743"/>
+              </p:ext>
+            </p:extLst>
+          </p:nvPr>
+        </p:nvGraphicFramePr>
+        <p:xfrm>
+          <a:off x="2464868" y="2608729"/>
+          <a:ext cx="7745507" cy="3859108"/>
+        </p:xfrm>
+        <a:graphic>
+          <a:graphicData uri="http://schemas.openxmlformats.org/drawingml/2006/table">
+            <a:tbl>
+              <a:tblPr firstRow="1" bandRow="1">
+                <a:tableStyleId>{5C22544A-7EE6-4342-B048-85BDC9FD1C3A}</a:tableStyleId>
+              </a:tblPr>
+              <a:tblGrid>
+                <a:gridCol w="1095807">
+                  <a:extLst>
+                    <a:ext uri="{9D8B030D-6E8A-4147-A177-3AD203B41FA5}">
+                      <a16:colId xmlns:a16="http://schemas.microsoft.com/office/drawing/2014/main" val="3767232075"/>
+                    </a:ext>
+                  </a:extLst>
+                </a:gridCol>
+                <a:gridCol w="1316533">
+                  <a:extLst>
+                    <a:ext uri="{9D8B030D-6E8A-4147-A177-3AD203B41FA5}">
+                      <a16:colId xmlns:a16="http://schemas.microsoft.com/office/drawing/2014/main" val="3477330652"/>
+                    </a:ext>
+                  </a:extLst>
+                </a:gridCol>
+                <a:gridCol w="1462711">
+                  <a:extLst>
+                    <a:ext uri="{9D8B030D-6E8A-4147-A177-3AD203B41FA5}">
+                      <a16:colId xmlns:a16="http://schemas.microsoft.com/office/drawing/2014/main" val="2984689672"/>
+                    </a:ext>
+                  </a:extLst>
+                </a:gridCol>
+                <a:gridCol w="1920632">
+                  <a:extLst>
+                    <a:ext uri="{9D8B030D-6E8A-4147-A177-3AD203B41FA5}">
+                      <a16:colId xmlns:a16="http://schemas.microsoft.com/office/drawing/2014/main" val="608630972"/>
+                    </a:ext>
+                  </a:extLst>
+                </a:gridCol>
+                <a:gridCol w="1949824">
+                  <a:extLst>
+                    <a:ext uri="{9D8B030D-6E8A-4147-A177-3AD203B41FA5}">
+                      <a16:colId xmlns:a16="http://schemas.microsoft.com/office/drawing/2014/main" val="998590916"/>
+                    </a:ext>
+                  </a:extLst>
+                </a:gridCol>
+              </a:tblGrid>
+              <a:tr h="524435">
+                <a:tc>
+                  <a:txBody>
+                    <a:bodyPr/>
+                    <a:lstStyle/>
+                    <a:p>
+                      <a:endParaRPr kumimoji="1" lang="ja-JP" altLang="en-US" sz="2000"/>
+                    </a:p>
+                  </a:txBody>
+                  <a:tcPr/>
+                </a:tc>
+                <a:tc>
+                  <a:txBody>
+                    <a:bodyPr/>
+                    <a:lstStyle/>
+                    <a:p>
+                      <a:endParaRPr kumimoji="1" lang="ja-JP" altLang="en-US" sz="2000"/>
+                    </a:p>
+                  </a:txBody>
+                  <a:tcPr/>
+                </a:tc>
+                <a:tc>
+                  <a:txBody>
+                    <a:bodyPr/>
+                    <a:lstStyle/>
+                    <a:p>
+                      <a:endParaRPr kumimoji="1" lang="ja-JP" altLang="en-US" sz="2000"/>
+                    </a:p>
+                  </a:txBody>
+                  <a:tcPr/>
+                </a:tc>
+                <a:tc>
+                  <a:txBody>
+                    <a:bodyPr/>
+                    <a:lstStyle/>
+                    <a:p>
+                      <a:pPr marL="0" marR="0" lvl="0" indent="0" algn="ctr" defTabSz="457200" rtl="0" eaLnBrk="1" fontAlgn="auto" latinLnBrk="0" hangingPunct="1">
+                        <a:lnSpc>
+                          <a:spcPct val="100000"/>
+                        </a:lnSpc>
+                        <a:spcBef>
+                          <a:spcPts val="0"/>
+                        </a:spcBef>
+                        <a:spcAft>
+                          <a:spcPts val="0"/>
+                        </a:spcAft>
+                        <a:buClrTx/>
+                        <a:buSzTx/>
+                        <a:buFontTx/>
+                        <a:buNone/>
+                        <a:tabLst/>
+                        <a:defRPr/>
+                      </a:pPr>
+                      <a:r>
+                        <a:rPr kumimoji="1" lang="en-US" altLang="ja-JP" sz="1800" dirty="0"/>
+                        <a:t>Inserting all positions</a:t>
+                      </a:r>
+                      <a:endParaRPr kumimoji="1" lang="ja-JP" altLang="en-US" sz="1800"/>
+                    </a:p>
+                  </a:txBody>
+                  <a:tcPr/>
+                </a:tc>
+                <a:tc>
+                  <a:txBody>
+                    <a:bodyPr/>
+                    <a:lstStyle/>
+                    <a:p>
+                      <a:pPr marL="0" marR="0" lvl="0" indent="0" algn="ctr" defTabSz="457200" rtl="0" eaLnBrk="1" fontAlgn="auto" latinLnBrk="0" hangingPunct="1">
+                        <a:lnSpc>
+                          <a:spcPct val="100000"/>
+                        </a:lnSpc>
+                        <a:spcBef>
+                          <a:spcPts val="0"/>
+                        </a:spcBef>
+                        <a:spcAft>
+                          <a:spcPts val="0"/>
+                        </a:spcAft>
+                        <a:buClrTx/>
+                        <a:buSzTx/>
+                        <a:buFontTx/>
+                        <a:buNone/>
+                        <a:tabLst/>
+                        <a:defRPr/>
+                      </a:pPr>
+                      <a:r>
+                        <a:rPr kumimoji="1" lang="en-US" altLang="ja-JP" sz="1800" dirty="0"/>
+                        <a:t>Our approach</a:t>
+                      </a:r>
+                      <a:endParaRPr kumimoji="1" lang="ja-JP" altLang="en-US" sz="1800"/>
+                    </a:p>
+                    <a:p>
+                      <a:pPr marL="0" marR="0" lvl="0" indent="0" algn="ctr" defTabSz="457200" rtl="0" eaLnBrk="1" fontAlgn="auto" latinLnBrk="0" hangingPunct="1">
+                        <a:lnSpc>
+                          <a:spcPct val="100000"/>
+                        </a:lnSpc>
+                        <a:spcBef>
+                          <a:spcPts val="0"/>
+                        </a:spcBef>
+                        <a:spcAft>
+                          <a:spcPts val="0"/>
+                        </a:spcAft>
+                        <a:buClrTx/>
+                        <a:buSzTx/>
+                        <a:buFontTx/>
+                        <a:buNone/>
+                        <a:tabLst/>
+                        <a:defRPr/>
+                      </a:pPr>
+                      <a:endParaRPr kumimoji="1" lang="ja-JP" altLang="en-US" sz="1800"/>
+                    </a:p>
+                  </a:txBody>
+                  <a:tcPr/>
+                </a:tc>
+                <a:extLst>
+                  <a:ext uri="{0D108BD9-81ED-4DB2-BD59-A6C34878D82A}">
+                    <a16:rowId xmlns:a16="http://schemas.microsoft.com/office/drawing/2014/main" val="3982216832"/>
+                  </a:ext>
+                </a:extLst>
+              </a:tr>
+              <a:tr h="1060525">
+                <a:tc>
+                  <a:txBody>
+                    <a:bodyPr/>
+                    <a:lstStyle/>
+                    <a:p>
+                      <a:pPr algn="ctr"/>
+                      <a:r>
+                        <a:rPr kumimoji="1" lang="en-US" altLang="ja-JP" sz="2000" dirty="0" err="1"/>
+                        <a:t>Num</a:t>
+                      </a:r>
+                      <a:r>
+                        <a:rPr kumimoji="1" lang="en-US" altLang="ja-JP" sz="2000" dirty="0"/>
+                        <a:t> of orders</a:t>
+                      </a:r>
+                      <a:endParaRPr kumimoji="1" lang="ja-JP" altLang="en-US" sz="2000"/>
+                    </a:p>
+                  </a:txBody>
+                  <a:tcPr/>
+                </a:tc>
+                <a:tc>
+                  <a:txBody>
+                    <a:bodyPr/>
+                    <a:lstStyle/>
+                    <a:p>
+                      <a:pPr algn="ctr"/>
+                      <a:r>
+                        <a:rPr kumimoji="1" lang="en-US" altLang="ja-JP" sz="2000" dirty="0" err="1"/>
+                        <a:t>Num</a:t>
+                      </a:r>
+                      <a:r>
+                        <a:rPr kumimoji="1" lang="en-US" altLang="ja-JP" sz="2000" dirty="0"/>
+                        <a:t> </a:t>
+                      </a:r>
+                    </a:p>
+                    <a:p>
+                      <a:pPr algn="ctr"/>
+                      <a:r>
+                        <a:rPr kumimoji="1" lang="en-US" altLang="ja-JP" sz="2000" dirty="0"/>
+                        <a:t>of loading ports</a:t>
+                      </a:r>
+                      <a:endParaRPr kumimoji="1" lang="ja-JP" altLang="en-US" sz="2000"/>
+                    </a:p>
+                  </a:txBody>
+                  <a:tcPr/>
+                </a:tc>
+                <a:tc>
+                  <a:txBody>
+                    <a:bodyPr/>
+                    <a:lstStyle/>
+                    <a:p>
+                      <a:pPr algn="ctr"/>
+                      <a:r>
+                        <a:rPr kumimoji="1" lang="en-US" altLang="ja-JP" sz="2000" dirty="0" err="1"/>
+                        <a:t>Num</a:t>
+                      </a:r>
+                      <a:r>
+                        <a:rPr kumimoji="1" lang="en-US" altLang="ja-JP" sz="2000" dirty="0"/>
+                        <a:t> </a:t>
+                      </a:r>
+                    </a:p>
+                    <a:p>
+                      <a:pPr algn="ctr"/>
+                      <a:r>
+                        <a:rPr kumimoji="1" lang="en-US" altLang="ja-JP" sz="2000" dirty="0"/>
+                        <a:t>of destination ports</a:t>
+                      </a:r>
+                      <a:endParaRPr kumimoji="1" lang="ja-JP" altLang="en-US" sz="2000"/>
+                    </a:p>
+                  </a:txBody>
+                  <a:tcPr/>
+                </a:tc>
+                <a:tc>
+                  <a:txBody>
+                    <a:bodyPr/>
+                    <a:lstStyle/>
+                    <a:p>
+                      <a:pPr marL="0" marR="0" lvl="0" indent="0" algn="ctr" defTabSz="457200" rtl="0" eaLnBrk="1" fontAlgn="auto" latinLnBrk="0" hangingPunct="1">
+                        <a:lnSpc>
+                          <a:spcPct val="100000"/>
+                        </a:lnSpc>
+                        <a:spcBef>
+                          <a:spcPts val="0"/>
+                        </a:spcBef>
+                        <a:spcAft>
+                          <a:spcPts val="0"/>
+                        </a:spcAft>
+                        <a:buClrTx/>
+                        <a:buSzTx/>
+                        <a:buFontTx/>
+                        <a:buNone/>
+                        <a:tabLst/>
+                        <a:defRPr/>
+                      </a:pPr>
+                      <a:r>
+                        <a:rPr kumimoji="1" lang="en" altLang="ja-JP" sz="1800" dirty="0"/>
+                        <a:t>Computation time</a:t>
+                      </a:r>
+                    </a:p>
+                  </a:txBody>
+                  <a:tcPr/>
+                </a:tc>
+                <a:tc>
+                  <a:txBody>
+                    <a:bodyPr/>
+                    <a:lstStyle/>
+                    <a:p>
+                      <a:pPr marL="0" marR="0" lvl="0" indent="0" algn="ctr" defTabSz="457200" rtl="0" eaLnBrk="1" fontAlgn="auto" latinLnBrk="0" hangingPunct="1">
+                        <a:lnSpc>
+                          <a:spcPct val="100000"/>
+                        </a:lnSpc>
+                        <a:spcBef>
+                          <a:spcPts val="0"/>
+                        </a:spcBef>
+                        <a:spcAft>
+                          <a:spcPts val="0"/>
+                        </a:spcAft>
+                        <a:buClrTx/>
+                        <a:buSzTx/>
+                        <a:buFontTx/>
+                        <a:buNone/>
+                        <a:tabLst/>
+                        <a:defRPr/>
+                      </a:pPr>
+                      <a:r>
+                        <a:rPr kumimoji="1" lang="en-US" altLang="ja-JP" sz="1800" dirty="0"/>
+                        <a:t>Computation time</a:t>
+                      </a:r>
+                      <a:endParaRPr kumimoji="1" lang="ja-JP" altLang="en-US" sz="1800"/>
+                    </a:p>
+                    <a:p>
+                      <a:pPr marL="0" marR="0" lvl="0" indent="0" algn="ctr" defTabSz="457200" rtl="0" eaLnBrk="1" fontAlgn="auto" latinLnBrk="0" hangingPunct="1">
+                        <a:lnSpc>
+                          <a:spcPct val="100000"/>
+                        </a:lnSpc>
+                        <a:spcBef>
+                          <a:spcPts val="0"/>
+                        </a:spcBef>
+                        <a:spcAft>
+                          <a:spcPts val="0"/>
+                        </a:spcAft>
+                        <a:buClrTx/>
+                        <a:buSzTx/>
+                        <a:buFontTx/>
+                        <a:buNone/>
+                        <a:tabLst/>
+                        <a:defRPr/>
+                      </a:pPr>
+                      <a:endParaRPr kumimoji="1" lang="en" altLang="ja-JP" sz="1800" dirty="0"/>
+                    </a:p>
+                  </a:txBody>
+                  <a:tcPr/>
+                </a:tc>
+                <a:extLst>
+                  <a:ext uri="{0D108BD9-81ED-4DB2-BD59-A6C34878D82A}">
+                    <a16:rowId xmlns:a16="http://schemas.microsoft.com/office/drawing/2014/main" val="3667031896"/>
+                  </a:ext>
+                </a:extLst>
+              </a:tr>
+              <a:tr h="477097">
+                <a:tc>
+                  <a:txBody>
+                    <a:bodyPr/>
+                    <a:lstStyle/>
+                    <a:p>
+                      <a:pPr algn="ctr"/>
+                      <a:r>
+                        <a:rPr kumimoji="1" lang="en-US" altLang="ja-JP" sz="2000" dirty="0"/>
+                        <a:t>109</a:t>
+                      </a:r>
+                      <a:endParaRPr kumimoji="1" lang="ja-JP" altLang="en-US" sz="2000"/>
+                    </a:p>
+                  </a:txBody>
+                  <a:tcPr/>
+                </a:tc>
+                <a:tc>
+                  <a:txBody>
+                    <a:bodyPr/>
+                    <a:lstStyle/>
+                    <a:p>
+                      <a:pPr algn="ctr"/>
+                      <a:r>
+                        <a:rPr kumimoji="1" lang="en-US" altLang="ja-JP" sz="2000" dirty="0"/>
+                        <a:t>2</a:t>
+                      </a:r>
+                      <a:endParaRPr kumimoji="1" lang="ja-JP" altLang="en-US" sz="2000"/>
+                    </a:p>
+                  </a:txBody>
+                  <a:tcPr/>
+                </a:tc>
+                <a:tc>
+                  <a:txBody>
+                    <a:bodyPr/>
+                    <a:lstStyle/>
+                    <a:p>
+                      <a:pPr algn="ctr"/>
+                      <a:r>
+                        <a:rPr kumimoji="1" lang="en-US" altLang="ja-JP" sz="2000" dirty="0"/>
+                        <a:t>3</a:t>
+                      </a:r>
+                      <a:endParaRPr kumimoji="1" lang="ja-JP" altLang="en-US" sz="2000"/>
+                    </a:p>
+                  </a:txBody>
+                  <a:tcPr/>
+                </a:tc>
+                <a:tc>
+                  <a:txBody>
+                    <a:bodyPr/>
+                    <a:lstStyle/>
+                    <a:p>
+                      <a:pPr algn="ctr"/>
+                      <a:r>
+                        <a:rPr kumimoji="1" lang="en-US" altLang="ja-JP" sz="2000" dirty="0"/>
+                        <a:t>145</a:t>
+                      </a:r>
+                      <a:endParaRPr kumimoji="1" lang="ja-JP" altLang="en-US" sz="2000"/>
+                    </a:p>
+                  </a:txBody>
+                  <a:tcPr/>
+                </a:tc>
+                <a:tc>
+                  <a:txBody>
+                    <a:bodyPr/>
+                    <a:lstStyle/>
+                    <a:p>
+                      <a:pPr algn="ctr"/>
+                      <a:r>
+                        <a:rPr kumimoji="1" lang="en-US" altLang="ja-JP" sz="2000" dirty="0"/>
+                        <a:t>81</a:t>
+                      </a:r>
+                      <a:endParaRPr kumimoji="1" lang="ja-JP" altLang="en-US" sz="2000"/>
+                    </a:p>
+                  </a:txBody>
+                  <a:tcPr/>
+                </a:tc>
+                <a:extLst>
+                  <a:ext uri="{0D108BD9-81ED-4DB2-BD59-A6C34878D82A}">
+                    <a16:rowId xmlns:a16="http://schemas.microsoft.com/office/drawing/2014/main" val="2690316513"/>
+                  </a:ext>
+                </a:extLst>
+              </a:tr>
+              <a:tr h="477097">
+                <a:tc>
+                  <a:txBody>
+                    <a:bodyPr/>
+                    <a:lstStyle/>
+                    <a:p>
+                      <a:pPr algn="ctr"/>
+                      <a:r>
+                        <a:rPr kumimoji="1" lang="en-US" altLang="ja-JP" sz="2000" dirty="0"/>
+                        <a:t>109</a:t>
+                      </a:r>
+                      <a:endParaRPr kumimoji="1" lang="ja-JP" altLang="en-US" sz="2000"/>
+                    </a:p>
+                  </a:txBody>
+                  <a:tcPr/>
+                </a:tc>
+                <a:tc>
+                  <a:txBody>
+                    <a:bodyPr/>
+                    <a:lstStyle/>
+                    <a:p>
+                      <a:pPr algn="ctr"/>
+                      <a:r>
+                        <a:rPr kumimoji="1" lang="en-US" altLang="ja-JP" sz="2000" dirty="0"/>
+                        <a:t>2</a:t>
+                      </a:r>
+                    </a:p>
+                  </a:txBody>
+                  <a:tcPr/>
+                </a:tc>
+                <a:tc>
+                  <a:txBody>
+                    <a:bodyPr/>
+                    <a:lstStyle/>
+                    <a:p>
+                      <a:pPr algn="ctr"/>
+                      <a:r>
+                        <a:rPr kumimoji="1" lang="en-US" altLang="ja-JP" sz="2000" dirty="0"/>
+                        <a:t>5</a:t>
+                      </a:r>
+                      <a:endParaRPr kumimoji="1" lang="ja-JP" altLang="en-US" sz="2000"/>
+                    </a:p>
+                  </a:txBody>
+                  <a:tcPr/>
+                </a:tc>
+                <a:tc>
+                  <a:txBody>
+                    <a:bodyPr/>
+                    <a:lstStyle/>
+                    <a:p>
+                      <a:pPr algn="ctr"/>
+                      <a:r>
+                        <a:rPr kumimoji="1" lang="en-US" altLang="ja-JP" sz="2000" dirty="0"/>
+                        <a:t>192</a:t>
+                      </a:r>
+                      <a:endParaRPr kumimoji="1" lang="ja-JP" altLang="en-US" sz="2000"/>
+                    </a:p>
+                  </a:txBody>
+                  <a:tcPr/>
+                </a:tc>
+                <a:tc>
+                  <a:txBody>
+                    <a:bodyPr/>
+                    <a:lstStyle/>
+                    <a:p>
+                      <a:pPr algn="ctr"/>
+                      <a:r>
+                        <a:rPr kumimoji="1" lang="en-US" altLang="ja-JP" sz="2000" dirty="0"/>
+                        <a:t>89</a:t>
+                      </a:r>
+                      <a:endParaRPr kumimoji="1" lang="ja-JP" altLang="en-US" sz="2000"/>
+                    </a:p>
+                  </a:txBody>
+                  <a:tcPr/>
+                </a:tc>
+                <a:extLst>
+                  <a:ext uri="{0D108BD9-81ED-4DB2-BD59-A6C34878D82A}">
+                    <a16:rowId xmlns:a16="http://schemas.microsoft.com/office/drawing/2014/main" val="323683789"/>
+                  </a:ext>
+                </a:extLst>
+              </a:tr>
+              <a:tr h="477097">
+                <a:tc>
+                  <a:txBody>
+                    <a:bodyPr/>
+                    <a:lstStyle/>
+                    <a:p>
+                      <a:pPr algn="ctr"/>
+                      <a:r>
+                        <a:rPr kumimoji="1" lang="en-US" altLang="ja-JP" sz="2000" dirty="0"/>
+                        <a:t>109</a:t>
+                      </a:r>
+                      <a:endParaRPr kumimoji="1" lang="ja-JP" altLang="en-US" sz="2000"/>
+                    </a:p>
+                  </a:txBody>
+                  <a:tcPr/>
+                </a:tc>
+                <a:tc>
+                  <a:txBody>
+                    <a:bodyPr/>
+                    <a:lstStyle/>
+                    <a:p>
+                      <a:pPr algn="ctr"/>
+                      <a:r>
+                        <a:rPr kumimoji="1" lang="en-US" altLang="ja-JP" sz="2000" dirty="0"/>
+                        <a:t>4</a:t>
+                      </a:r>
+                    </a:p>
+                  </a:txBody>
+                  <a:tcPr/>
+                </a:tc>
+                <a:tc>
+                  <a:txBody>
+                    <a:bodyPr/>
+                    <a:lstStyle/>
+                    <a:p>
+                      <a:pPr algn="ctr"/>
+                      <a:r>
+                        <a:rPr kumimoji="1" lang="en-US" altLang="ja-JP" sz="2000" dirty="0"/>
+                        <a:t>3</a:t>
+                      </a:r>
+                      <a:endParaRPr kumimoji="1" lang="ja-JP" altLang="en-US" sz="2000"/>
+                    </a:p>
+                  </a:txBody>
+                  <a:tcPr/>
+                </a:tc>
+                <a:tc>
+                  <a:txBody>
+                    <a:bodyPr/>
+                    <a:lstStyle/>
+                    <a:p>
+                      <a:pPr algn="ctr"/>
+                      <a:r>
+                        <a:rPr kumimoji="1" lang="en-US" altLang="ja-JP" sz="2000" dirty="0"/>
+                        <a:t>122</a:t>
+                      </a:r>
+                      <a:endParaRPr kumimoji="1" lang="ja-JP" altLang="en-US" sz="2000"/>
+                    </a:p>
+                  </a:txBody>
+                  <a:tcPr/>
+                </a:tc>
+                <a:tc>
+                  <a:txBody>
+                    <a:bodyPr/>
+                    <a:lstStyle/>
+                    <a:p>
+                      <a:pPr algn="ctr"/>
+                      <a:r>
+                        <a:rPr kumimoji="1" lang="en-US" altLang="ja-JP" sz="2000" dirty="0"/>
+                        <a:t>99</a:t>
+                      </a:r>
+                      <a:endParaRPr kumimoji="1" lang="ja-JP" altLang="en-US" sz="2000"/>
+                    </a:p>
+                  </a:txBody>
+                  <a:tcPr/>
+                </a:tc>
+                <a:extLst>
+                  <a:ext uri="{0D108BD9-81ED-4DB2-BD59-A6C34878D82A}">
+                    <a16:rowId xmlns:a16="http://schemas.microsoft.com/office/drawing/2014/main" val="1536353699"/>
+                  </a:ext>
+                </a:extLst>
+              </a:tr>
+              <a:tr h="477097">
+                <a:tc>
+                  <a:txBody>
+                    <a:bodyPr/>
+                    <a:lstStyle/>
+                    <a:p>
+                      <a:pPr algn="ctr"/>
+                      <a:r>
+                        <a:rPr kumimoji="1" lang="en-US" altLang="ja-JP" sz="2000" dirty="0"/>
+                        <a:t>250</a:t>
+                      </a:r>
+                      <a:endParaRPr kumimoji="1" lang="ja-JP" altLang="en-US" sz="2000"/>
+                    </a:p>
+                  </a:txBody>
+                  <a:tcPr/>
+                </a:tc>
+                <a:tc>
+                  <a:txBody>
+                    <a:bodyPr/>
+                    <a:lstStyle/>
+                    <a:p>
+                      <a:pPr algn="ctr"/>
+                      <a:r>
+                        <a:rPr kumimoji="1" lang="en-US" altLang="ja-JP" sz="2000" dirty="0"/>
+                        <a:t>2</a:t>
+                      </a:r>
+                      <a:endParaRPr kumimoji="1" lang="ja-JP" altLang="en-US" sz="2000"/>
+                    </a:p>
+                  </a:txBody>
+                  <a:tcPr/>
+                </a:tc>
+                <a:tc>
+                  <a:txBody>
+                    <a:bodyPr/>
+                    <a:lstStyle/>
+                    <a:p>
+                      <a:pPr algn="ctr"/>
+                      <a:r>
+                        <a:rPr kumimoji="1" lang="en-US" altLang="ja-JP" sz="2000" dirty="0"/>
+                        <a:t>3</a:t>
+                      </a:r>
+                      <a:endParaRPr kumimoji="1" lang="ja-JP" altLang="en-US" sz="2000"/>
+                    </a:p>
+                  </a:txBody>
+                  <a:tcPr/>
+                </a:tc>
+                <a:tc>
+                  <a:txBody>
+                    <a:bodyPr/>
+                    <a:lstStyle/>
+                    <a:p>
+                      <a:pPr algn="ctr"/>
+                      <a:r>
+                        <a:rPr kumimoji="1" lang="en-US" altLang="ja-JP" sz="2000" dirty="0"/>
+                        <a:t>387</a:t>
+                      </a:r>
+                      <a:endParaRPr kumimoji="1" lang="ja-JP" altLang="en-US" sz="2000"/>
+                    </a:p>
+                  </a:txBody>
+                  <a:tcPr/>
+                </a:tc>
+                <a:tc>
+                  <a:txBody>
+                    <a:bodyPr/>
+                    <a:lstStyle/>
+                    <a:p>
+                      <a:pPr algn="ctr"/>
+                      <a:r>
+                        <a:rPr kumimoji="1" lang="en-US" altLang="ja-JP" sz="2000" dirty="0"/>
+                        <a:t>204</a:t>
+                      </a:r>
+                      <a:endParaRPr kumimoji="1" lang="ja-JP" altLang="en-US" sz="2000"/>
+                    </a:p>
+                  </a:txBody>
+                  <a:tcPr/>
+                </a:tc>
+                <a:extLst>
+                  <a:ext uri="{0D108BD9-81ED-4DB2-BD59-A6C34878D82A}">
+                    <a16:rowId xmlns:a16="http://schemas.microsoft.com/office/drawing/2014/main" val="342577522"/>
+                  </a:ext>
+                </a:extLst>
+              </a:tr>
+            </a:tbl>
+          </a:graphicData>
+        </a:graphic>
+      </p:graphicFrame>
+      <p:sp>
+        <p:nvSpPr>
+          <p:cNvPr id="3" name="テキスト ボックス 2">
+            <a:extLst>
+              <a:ext uri="{FF2B5EF4-FFF2-40B4-BE49-F238E27FC236}">
+                <a16:creationId xmlns:a16="http://schemas.microsoft.com/office/drawing/2014/main" id="{19583C06-5B42-F94A-BDD1-F3031EDAE27F}"/>
+              </a:ext>
+            </a:extLst>
+          </p:cNvPr>
+          <p:cNvSpPr txBox="1"/>
+          <p:nvPr/>
+        </p:nvSpPr>
+        <p:spPr>
+          <a:xfrm>
+            <a:off x="2307563" y="1674167"/>
+            <a:ext cx="8060119" cy="830997"/>
+          </a:xfrm>
+          <a:prstGeom prst="rect">
+            <a:avLst/>
+          </a:prstGeom>
+          <a:noFill/>
+        </p:spPr>
+        <p:txBody>
+          <a:bodyPr wrap="square" rtlCol="0">
+            <a:spAutoFit/>
+          </a:bodyPr>
+          <a:lstStyle/>
+          <a:p>
+            <a:r>
+              <a:rPr lang="en" altLang="ja-JP" sz="2400" dirty="0"/>
+              <a:t>We compare our approach with inserting all the possible position.</a:t>
+            </a:r>
+          </a:p>
+        </p:txBody>
+      </p:sp>
+    </p:spTree>
+    <p:extLst>
+      <p:ext uri="{BB962C8B-B14F-4D97-AF65-F5344CB8AC3E}">
+        <p14:creationId xmlns:p14="http://schemas.microsoft.com/office/powerpoint/2010/main" val="3034498478"/>
+      </p:ext>
+    </p:extLst>
+  </p:cSld>
+  <p:clrMapOvr>
+    <a:masterClrMapping/>
+  </p:clrMapOvr>
+</p:sld>
+</file>
+
+<file path=ppt/slides/slide42.xml><?xml version="1.0" encoding="utf-8"?>
+<p:sld xmlns:a="http://schemas.openxmlformats.org/drawingml/2006/main" xmlns:r="http://schemas.openxmlformats.org/officeDocument/2006/relationships" xmlns:p="http://schemas.openxmlformats.org/presentationml/2006/main">
+  <p:cSld>
+    <p:spTree>
+      <p:nvGrpSpPr>
+        <p:cNvPr id="1" name=""/>
+        <p:cNvGrpSpPr/>
+        <p:nvPr/>
+      </p:nvGrpSpPr>
+      <p:grpSpPr>
+        <a:xfrm>
+          <a:off x="0" y="0"/>
+          <a:ext cx="0" cy="0"/>
+          <a:chOff x="0" y="0"/>
+          <a:chExt cx="0" cy="0"/>
+        </a:xfrm>
+      </p:grpSpPr>
+      <p:sp>
+        <p:nvSpPr>
+          <p:cNvPr id="2" name="タイトル 1">
+            <a:extLst>
+              <a:ext uri="{FF2B5EF4-FFF2-40B4-BE49-F238E27FC236}">
                 <a16:creationId xmlns:a16="http://schemas.microsoft.com/office/drawing/2014/main" id="{FEEFE181-A7D0-7146-B49E-65AC407C9C2B}"/>
               </a:ext>
             </a:extLst>
@@ -17111,7 +19979,7 @@
 </p:sld>
 </file>
 
-<file path=ppt/slides/slide37.xml><?xml version="1.0" encoding="utf-8"?>
+<file path=ppt/slides/slide43.xml><?xml version="1.0" encoding="utf-8"?>
 <p:sld xmlns:a="http://schemas.openxmlformats.org/drawingml/2006/main" xmlns:r="http://schemas.openxmlformats.org/officeDocument/2006/relationships" xmlns:p="http://schemas.openxmlformats.org/presentationml/2006/main">
   <p:cSld>
     <p:spTree>
@@ -18300,7 +21168,7 @@
 </p:sld>
 </file>
 
-<file path=ppt/slides/slide38.xml><?xml version="1.0" encoding="utf-8"?>
+<file path=ppt/slides/slide44.xml><?xml version="1.0" encoding="utf-8"?>
 <p:sld xmlns:a="http://schemas.openxmlformats.org/drawingml/2006/main" xmlns:r="http://schemas.openxmlformats.org/officeDocument/2006/relationships" xmlns:p="http://schemas.openxmlformats.org/presentationml/2006/main">
   <p:cSld>
     <p:spTree>
@@ -18410,7 +21278,7 @@
 </p:sld>
 </file>
 
-<file path=ppt/slides/slide39.xml><?xml version="1.0" encoding="utf-8"?>
+<file path=ppt/slides/slide45.xml><?xml version="1.0" encoding="utf-8"?>
 <p:sld xmlns:a="http://schemas.openxmlformats.org/drawingml/2006/main" xmlns:r="http://schemas.openxmlformats.org/officeDocument/2006/relationships" xmlns:p="http://schemas.openxmlformats.org/presentationml/2006/main">
   <p:cSld>
     <p:spTree>
@@ -18525,117 +21393,7 @@
 </p:sld>
 </file>
 
-<file path=ppt/slides/slide4.xml><?xml version="1.0" encoding="utf-8"?>
-<p:sld xmlns:a="http://schemas.openxmlformats.org/drawingml/2006/main" xmlns:r="http://schemas.openxmlformats.org/officeDocument/2006/relationships" xmlns:p="http://schemas.openxmlformats.org/presentationml/2006/main">
-  <p:cSld>
-    <p:spTree>
-      <p:nvGrpSpPr>
-        <p:cNvPr id="1" name=""/>
-        <p:cNvGrpSpPr/>
-        <p:nvPr/>
-      </p:nvGrpSpPr>
-      <p:grpSpPr>
-        <a:xfrm>
-          <a:off x="0" y="0"/>
-          <a:ext cx="0" cy="0"/>
-          <a:chOff x="0" y="0"/>
-          <a:chExt cx="0" cy="0"/>
-        </a:xfrm>
-      </p:grpSpPr>
-      <p:sp>
-        <p:nvSpPr>
-          <p:cNvPr id="2" name="タイトル 1">
-            <a:extLst>
-              <a:ext uri="{FF2B5EF4-FFF2-40B4-BE49-F238E27FC236}">
-                <a16:creationId xmlns:a16="http://schemas.microsoft.com/office/drawing/2014/main" id="{03DC7BD9-E43D-E442-9A49-33395737C89D}"/>
-              </a:ext>
-            </a:extLst>
-          </p:cNvPr>
-          <p:cNvSpPr>
-            <a:spLocks noGrp="1"/>
-          </p:cNvSpPr>
-          <p:nvPr>
-            <p:ph type="title"/>
-          </p:nvPr>
-        </p:nvSpPr>
-        <p:spPr/>
-        <p:txBody>
-          <a:bodyPr/>
-          <a:lstStyle/>
-          <a:p>
-            <a:r>
-              <a:rPr kumimoji="1" lang="en-US" altLang="ja-JP" dirty="0"/>
-              <a:t>Background</a:t>
-            </a:r>
-            <a:endParaRPr kumimoji="1" lang="ja-JP" altLang="en-US"/>
-          </a:p>
-        </p:txBody>
-      </p:sp>
-      <p:sp>
-        <p:nvSpPr>
-          <p:cNvPr id="3" name="コンテンツ プレースホルダー 2">
-            <a:extLst>
-              <a:ext uri="{FF2B5EF4-FFF2-40B4-BE49-F238E27FC236}">
-                <a16:creationId xmlns:a16="http://schemas.microsoft.com/office/drawing/2014/main" id="{AD3B2DD4-96C6-BB42-93C1-3859304F6137}"/>
-              </a:ext>
-            </a:extLst>
-          </p:cNvPr>
-          <p:cNvSpPr>
-            <a:spLocks noGrp="1"/>
-          </p:cNvSpPr>
-          <p:nvPr>
-            <p:ph idx="1"/>
-          </p:nvPr>
-        </p:nvSpPr>
-        <p:spPr/>
-        <p:txBody>
-          <a:bodyPr>
-            <a:normAutofit/>
-          </a:bodyPr>
-          <a:lstStyle/>
-          <a:p>
-            <a:r>
-              <a:rPr lang="en-US" altLang="ja-JP" sz="2400" dirty="0"/>
-              <a:t>There are a lot of things that has to be considered</a:t>
-            </a:r>
-          </a:p>
-          <a:p>
-            <a:pPr lvl="1"/>
-            <a:r>
-              <a:rPr lang="en-US" altLang="ja-JP" sz="2200" dirty="0"/>
-              <a:t>Planning assignments that makes it easy to load and unload cars is important.</a:t>
-            </a:r>
-          </a:p>
-          <a:p>
-            <a:pPr lvl="1"/>
-            <a:r>
-              <a:rPr lang="en-US" altLang="ja-JP" sz="2200" dirty="0"/>
-              <a:t>Human error should not happen.</a:t>
-            </a:r>
-          </a:p>
-          <a:p>
-            <a:pPr lvl="1"/>
-            <a:r>
-              <a:rPr lang="en-US" altLang="ja-JP" sz="2400" dirty="0"/>
-              <a:t>Unbalanced assignments may result in a sinking.</a:t>
-            </a:r>
-          </a:p>
-        </p:txBody>
-      </p:sp>
-    </p:spTree>
-    <p:extLst>
-      <p:ext uri="{BB962C8B-B14F-4D97-AF65-F5344CB8AC3E}">
-        <p14:creationId xmlns:p14="http://schemas.microsoft.com/office/powerpoint/2010/main" val="3649340498"/>
-      </p:ext>
-    </p:extLst>
-  </p:cSld>
-  <p:clrMapOvr>
-    <a:masterClrMapping/>
-  </p:clrMapOvr>
-</p:sld>
-</file>
-
-<file path=ppt/slides/slide40.xml><?xml version="1.0" encoding="utf-8"?>
+<file path=ppt/slides/slide46.xml><?xml version="1.0" encoding="utf-8"?>
 <p:sld xmlns:a="http://schemas.openxmlformats.org/drawingml/2006/main" xmlns:r="http://schemas.openxmlformats.org/officeDocument/2006/relationships" xmlns:p="http://schemas.openxmlformats.org/presentationml/2006/main">
   <p:cSld>
     <p:spTree>
@@ -20091,7 +22849,7 @@
 </p:sld>
 </file>
 
-<file path=ppt/slides/slide41.xml><?xml version="1.0" encoding="utf-8"?>
+<file path=ppt/slides/slide47.xml><?xml version="1.0" encoding="utf-8"?>
 <p:sld xmlns:a="http://schemas.openxmlformats.org/drawingml/2006/main" xmlns:r="http://schemas.openxmlformats.org/officeDocument/2006/relationships" xmlns:p="http://schemas.openxmlformats.org/presentationml/2006/main">
   <p:cSld>
     <p:spTree>
@@ -20207,7 +22965,7 @@
 </p:sld>
 </file>
 
-<file path=ppt/slides/slide42.xml><?xml version="1.0" encoding="utf-8"?>
+<file path=ppt/slides/slide48.xml><?xml version="1.0" encoding="utf-8"?>
 <p:sld xmlns:a="http://schemas.openxmlformats.org/drawingml/2006/main" xmlns:r="http://schemas.openxmlformats.org/officeDocument/2006/relationships" xmlns:p="http://schemas.openxmlformats.org/presentationml/2006/main">
   <p:cSld>
     <p:spTree>

--- a/竹田_修論発表.pptx
+++ b/竹田_修論発表.pptx
@@ -46,13 +46,14 @@
     <p:sldId id="590" r:id="rId40"/>
     <p:sldId id="592" r:id="rId41"/>
     <p:sldId id="594" r:id="rId42"/>
-    <p:sldId id="578" r:id="rId43"/>
-    <p:sldId id="582" r:id="rId44"/>
-    <p:sldId id="583" r:id="rId45"/>
-    <p:sldId id="586" r:id="rId46"/>
-    <p:sldId id="584" r:id="rId47"/>
-    <p:sldId id="585" r:id="rId48"/>
-    <p:sldId id="561" r:id="rId49"/>
+    <p:sldId id="595" r:id="rId43"/>
+    <p:sldId id="578" r:id="rId44"/>
+    <p:sldId id="582" r:id="rId45"/>
+    <p:sldId id="583" r:id="rId46"/>
+    <p:sldId id="586" r:id="rId47"/>
+    <p:sldId id="584" r:id="rId48"/>
+    <p:sldId id="585" r:id="rId49"/>
+    <p:sldId id="561" r:id="rId50"/>
   </p:sldIdLst>
   <p:sldSz cx="12192000" cy="6858000"/>
   <p:notesSz cx="6858000" cy="9144000"/>
@@ -347,7 +348,7 @@
           <a:p>
             <a:fld id="{C8659C27-364E-C74E-8EB0-0FFA61AB3438}" type="datetimeFigureOut">
               <a:rPr kumimoji="1" lang="ja-JP" altLang="en-US" smtClean="0"/>
-              <a:t>2021/9/9</a:t>
+              <a:t>2021/9/10</a:t>
             </a:fld>
             <a:endParaRPr kumimoji="1" lang="ja-JP" altLang="en-US"/>
           </a:p>
@@ -722,7 +723,7 @@
           <a:p>
             <a:fld id="{C8659C27-364E-C74E-8EB0-0FFA61AB3438}" type="datetimeFigureOut">
               <a:rPr kumimoji="1" lang="ja-JP" altLang="en-US" smtClean="0"/>
-              <a:t>2021/9/9</a:t>
+              <a:t>2021/9/10</a:t>
             </a:fld>
             <a:endParaRPr kumimoji="1" lang="ja-JP" altLang="en-US"/>
           </a:p>
@@ -1197,7 +1198,7 @@
           <a:p>
             <a:fld id="{C8659C27-364E-C74E-8EB0-0FFA61AB3438}" type="datetimeFigureOut">
               <a:rPr kumimoji="1" lang="ja-JP" altLang="en-US" smtClean="0"/>
-              <a:t>2021/9/9</a:t>
+              <a:t>2021/9/10</a:t>
             </a:fld>
             <a:endParaRPr kumimoji="1" lang="ja-JP" altLang="en-US"/>
           </a:p>
@@ -1570,7 +1571,7 @@
           <a:p>
             <a:fld id="{C8659C27-364E-C74E-8EB0-0FFA61AB3438}" type="datetimeFigureOut">
               <a:rPr kumimoji="1" lang="ja-JP" altLang="en-US" smtClean="0"/>
-              <a:t>2021/9/9</a:t>
+              <a:t>2021/9/10</a:t>
             </a:fld>
             <a:endParaRPr kumimoji="1" lang="ja-JP" altLang="en-US"/>
           </a:p>
@@ -1964,7 +1965,7 @@
           <a:p>
             <a:fld id="{C8659C27-364E-C74E-8EB0-0FFA61AB3438}" type="datetimeFigureOut">
               <a:rPr kumimoji="1" lang="ja-JP" altLang="en-US" smtClean="0"/>
-              <a:t>2021/9/9</a:t>
+              <a:t>2021/9/10</a:t>
             </a:fld>
             <a:endParaRPr kumimoji="1" lang="ja-JP" altLang="en-US"/>
           </a:p>
@@ -2434,7 +2435,7 @@
           <a:p>
             <a:fld id="{C8659C27-364E-C74E-8EB0-0FFA61AB3438}" type="datetimeFigureOut">
               <a:rPr kumimoji="1" lang="ja-JP" altLang="en-US" smtClean="0"/>
-              <a:t>2021/9/9</a:t>
+              <a:t>2021/9/10</a:t>
             </a:fld>
             <a:endParaRPr kumimoji="1" lang="ja-JP" altLang="en-US"/>
           </a:p>
@@ -2699,7 +2700,7 @@
           <a:p>
             <a:fld id="{C8659C27-364E-C74E-8EB0-0FFA61AB3438}" type="datetimeFigureOut">
               <a:rPr kumimoji="1" lang="ja-JP" altLang="en-US" smtClean="0"/>
-              <a:t>2021/9/9</a:t>
+              <a:t>2021/9/10</a:t>
             </a:fld>
             <a:endParaRPr kumimoji="1" lang="ja-JP" altLang="en-US"/>
           </a:p>
@@ -2969,7 +2970,7 @@
           <a:p>
             <a:fld id="{C8659C27-364E-C74E-8EB0-0FFA61AB3438}" type="datetimeFigureOut">
               <a:rPr kumimoji="1" lang="ja-JP" altLang="en-US" smtClean="0"/>
-              <a:t>2021/9/9</a:t>
+              <a:t>2021/9/10</a:t>
             </a:fld>
             <a:endParaRPr kumimoji="1" lang="ja-JP" altLang="en-US"/>
           </a:p>
@@ -3239,7 +3240,7 @@
           <a:p>
             <a:fld id="{C8659C27-364E-C74E-8EB0-0FFA61AB3438}" type="datetimeFigureOut">
               <a:rPr kumimoji="1" lang="ja-JP" altLang="en-US" smtClean="0"/>
-              <a:t>2021/9/9</a:t>
+              <a:t>2021/9/10</a:t>
             </a:fld>
             <a:endParaRPr kumimoji="1" lang="ja-JP" altLang="en-US"/>
           </a:p>
@@ -3605,7 +3606,7 @@
           <a:p>
             <a:fld id="{C8659C27-364E-C74E-8EB0-0FFA61AB3438}" type="datetimeFigureOut">
               <a:rPr kumimoji="1" lang="ja-JP" altLang="en-US" smtClean="0"/>
-              <a:t>2021/9/9</a:t>
+              <a:t>2021/9/10</a:t>
             </a:fld>
             <a:endParaRPr kumimoji="1" lang="ja-JP" altLang="en-US"/>
           </a:p>
@@ -3944,7 +3945,7 @@
           <a:p>
             <a:fld id="{C8659C27-364E-C74E-8EB0-0FFA61AB3438}" type="datetimeFigureOut">
               <a:rPr kumimoji="1" lang="ja-JP" altLang="en-US" smtClean="0"/>
-              <a:t>2021/9/9</a:t>
+              <a:t>2021/9/10</a:t>
             </a:fld>
             <a:endParaRPr kumimoji="1" lang="ja-JP" altLang="en-US"/>
           </a:p>
@@ -4491,7 +4492,7 @@
           <a:p>
             <a:fld id="{C8659C27-364E-C74E-8EB0-0FFA61AB3438}" type="datetimeFigureOut">
               <a:rPr kumimoji="1" lang="ja-JP" altLang="en-US" smtClean="0"/>
-              <a:t>2021/9/9</a:t>
+              <a:t>2021/9/10</a:t>
             </a:fld>
             <a:endParaRPr kumimoji="1" lang="ja-JP" altLang="en-US"/>
           </a:p>
@@ -4696,7 +4697,7 @@
           <a:p>
             <a:fld id="{C8659C27-364E-C74E-8EB0-0FFA61AB3438}" type="datetimeFigureOut">
               <a:rPr kumimoji="1" lang="ja-JP" altLang="en-US" smtClean="0"/>
-              <a:t>2021/9/9</a:t>
+              <a:t>2021/9/10</a:t>
             </a:fld>
             <a:endParaRPr kumimoji="1" lang="ja-JP" altLang="en-US"/>
           </a:p>
@@ -4873,7 +4874,7 @@
           <a:p>
             <a:fld id="{C8659C27-364E-C74E-8EB0-0FFA61AB3438}" type="datetimeFigureOut">
               <a:rPr kumimoji="1" lang="ja-JP" altLang="en-US" smtClean="0"/>
-              <a:t>2021/9/9</a:t>
+              <a:t>2021/9/10</a:t>
             </a:fld>
             <a:endParaRPr kumimoji="1" lang="ja-JP" altLang="en-US"/>
           </a:p>
@@ -5251,7 +5252,7 @@
           <a:p>
             <a:fld id="{C8659C27-364E-C74E-8EB0-0FFA61AB3438}" type="datetimeFigureOut">
               <a:rPr kumimoji="1" lang="ja-JP" altLang="en-US" smtClean="0"/>
-              <a:t>2021/9/9</a:t>
+              <a:t>2021/9/10</a:t>
             </a:fld>
             <a:endParaRPr kumimoji="1" lang="ja-JP" altLang="en-US"/>
           </a:p>
@@ -5633,7 +5634,7 @@
           <a:p>
             <a:fld id="{C8659C27-364E-C74E-8EB0-0FFA61AB3438}" type="datetimeFigureOut">
               <a:rPr kumimoji="1" lang="ja-JP" altLang="en-US" smtClean="0"/>
-              <a:t>2021/9/9</a:t>
+              <a:t>2021/9/10</a:t>
             </a:fld>
             <a:endParaRPr kumimoji="1" lang="ja-JP" altLang="en-US"/>
           </a:p>
@@ -7758,7 +7759,7 @@
           <a:p>
             <a:fld id="{C8659C27-364E-C74E-8EB0-0FFA61AB3438}" type="datetimeFigureOut">
               <a:rPr kumimoji="1" lang="ja-JP" altLang="en-US" smtClean="0"/>
-              <a:t>2021/9/9</a:t>
+              <a:t>2021/9/10</a:t>
             </a:fld>
             <a:endParaRPr kumimoji="1" lang="ja-JP" altLang="en-US"/>
           </a:p>
@@ -17061,7 +17062,7 @@
             </a:r>
             <a:r>
               <a:rPr lang="en-US" altLang="ja-JP" sz="2400" dirty="0"/>
-              <a:t>shift neighborhoods, we calculate the evaluate function for all possible insertion locations and insert in the best location.</a:t>
+              <a:t>shift neighborhoods, we calculate the evaluate function for all possible insertion positions and insert in the best position.</a:t>
             </a:r>
           </a:p>
           <a:p>
@@ -17195,7 +17196,19 @@
             </a:r>
             <a:r>
               <a:rPr lang="en-US" altLang="ja-JP" sz="2400" dirty="0"/>
-              <a:t> [A, C, B, D]</a:t>
+              <a:t> [</a:t>
+            </a:r>
+            <a:r>
+              <a:rPr lang="en-US" altLang="ja-JP" sz="2400" dirty="0">
+                <a:solidFill>
+                  <a:srgbClr val="FF0000"/>
+                </a:solidFill>
+              </a:rPr>
+              <a:t>A</a:t>
+            </a:r>
+            <a:r>
+              <a:rPr lang="en-US" altLang="ja-JP" sz="2400" dirty="0"/>
+              <a:t>, C, B, D]</a:t>
             </a:r>
           </a:p>
           <a:p>
@@ -17204,7 +17217,19 @@
             </a:pPr>
             <a:r>
               <a:rPr lang="en-US" altLang="ja-JP" sz="2400" dirty="0"/>
-              <a:t>		        [C, A, B, D]</a:t>
+              <a:t>		       [C, </a:t>
+            </a:r>
+            <a:r>
+              <a:rPr lang="en-US" altLang="ja-JP" sz="2400" dirty="0">
+                <a:solidFill>
+                  <a:srgbClr val="FF0000"/>
+                </a:solidFill>
+              </a:rPr>
+              <a:t>A</a:t>
+            </a:r>
+            <a:r>
+              <a:rPr lang="en-US" altLang="ja-JP" sz="2400" dirty="0"/>
+              <a:t>, B, D]</a:t>
             </a:r>
           </a:p>
           <a:p>
@@ -17213,7 +17238,19 @@
             </a:pPr>
             <a:r>
               <a:rPr lang="en-US" altLang="ja-JP" sz="2400" dirty="0"/>
-              <a:t>			   [C, B, A, D]</a:t>
+              <a:t>			 [C, B, </a:t>
+            </a:r>
+            <a:r>
+              <a:rPr lang="en-US" altLang="ja-JP" sz="2400" dirty="0">
+                <a:solidFill>
+                  <a:srgbClr val="FF0000"/>
+                </a:solidFill>
+              </a:rPr>
+              <a:t>A</a:t>
+            </a:r>
+            <a:r>
+              <a:rPr lang="en-US" altLang="ja-JP" sz="2400" dirty="0"/>
+              <a:t>, D]</a:t>
             </a:r>
           </a:p>
           <a:p>
@@ -17222,7 +17259,19 @@
             </a:pPr>
             <a:r>
               <a:rPr lang="en-US" altLang="ja-JP" sz="2400" dirty="0"/>
-              <a:t>			   [C, B, D, A] </a:t>
+              <a:t>			 [C, B, D, </a:t>
+            </a:r>
+            <a:r>
+              <a:rPr lang="en-US" altLang="ja-JP" sz="2400" dirty="0">
+                <a:solidFill>
+                  <a:srgbClr val="FF0000"/>
+                </a:solidFill>
+              </a:rPr>
+              <a:t>A</a:t>
+            </a:r>
+            <a:r>
+              <a:rPr lang="en-US" altLang="ja-JP" sz="2400" dirty="0"/>
+              <a:t>] </a:t>
             </a:r>
           </a:p>
           <a:p>
@@ -17298,8 +17347,8 @@
           </a:p>
         </p:txBody>
       </p:sp>
-      <mc:AlternateContent xmlns:mc="http://schemas.openxmlformats.org/markup-compatibility/2006">
-        <mc:Choice xmlns:a14="http://schemas.microsoft.com/office/drawing/2010/main" Requires="a14">
+      <mc:AlternateContent xmlns:mc="http://schemas.openxmlformats.org/markup-compatibility/2006" xmlns:a14="http://schemas.microsoft.com/office/drawing/2010/main">
+        <mc:Choice Requires="a14">
           <p:sp>
             <p:nvSpPr>
               <p:cNvPr id="3" name="コンテンツ プレースホルダー 2">
@@ -17403,7 +17452,7 @@
             </p:txBody>
           </p:sp>
         </mc:Choice>
-        <mc:Fallback>
+        <mc:Fallback xmlns="">
           <p:sp>
             <p:nvSpPr>
               <p:cNvPr id="3" name="コンテンツ プレースホルダー 2">
@@ -17464,7 +17513,7 @@
               <p:nvPr>
                 <p:extLst>
                   <p:ext uri="{D42A27DB-BD31-4B8C-83A1-F6EECF244321}">
-                    <p14:modId xmlns:p14="http://schemas.microsoft.com/office/powerpoint/2010/main" val="659135014"/>
+                    <p14:modId xmlns:p14="http://schemas.microsoft.com/office/powerpoint/2010/main" val="508240454"/>
                   </p:ext>
                 </p:extLst>
               </p:nvPr>
@@ -17550,7 +17599,19 @@
                             <a:rPr lang="en-US" altLang="ja-JP" sz="1800" dirty="0">
                               <a:ea typeface="Cambria Math" panose="02040503050406030204" pitchFamily="18" charset="0"/>
                             </a:rPr>
-                            <a:t> hold</a:t>
+                            <a:t> orders</a:t>
+                          </a:r>
+                          <a:r>
+                            <a:rPr lang="en-US" altLang="ja-JP" sz="1800" baseline="0" dirty="0">
+                              <a:ea typeface="Cambria Math" panose="02040503050406030204" pitchFamily="18" charset="0"/>
+                            </a:rPr>
+                            <a:t> in </a:t>
+                          </a:r>
+                          <a:r>
+                            <a:rPr lang="en-US" altLang="ja-JP" sz="1800" dirty="0">
+                              <a:ea typeface="Cambria Math" panose="02040503050406030204" pitchFamily="18" charset="0"/>
+                            </a:rPr>
+                            <a:t>hold</a:t>
                           </a:r>
                           <a:r>
                             <a:rPr lang="en-US" altLang="ja-JP" sz="1800" baseline="0" dirty="0">
@@ -17582,7 +17643,15 @@
                           <a:pPr algn="ctr"/>
                           <a:r>
                             <a:rPr kumimoji="1" lang="en-US" altLang="ja-JP" dirty="0"/>
-                            <a:t>Hold </a:t>
+                            <a:t>orders</a:t>
+                          </a:r>
+                          <a:r>
+                            <a:rPr kumimoji="1" lang="en-US" altLang="ja-JP" baseline="0" dirty="0"/>
+                            <a:t> in h</a:t>
+                          </a:r>
+                          <a:r>
+                            <a:rPr kumimoji="1" lang="en-US" altLang="ja-JP" dirty="0"/>
+                            <a:t>old </a:t>
                           </a:r>
                           <a14:m>
                             <m:oMath xmlns:m="http://schemas.openxmlformats.org/officeDocument/2006/math">
@@ -17895,7 +17964,7 @@
               <p:nvPr>
                 <p:extLst>
                   <p:ext uri="{D42A27DB-BD31-4B8C-83A1-F6EECF244321}">
-                    <p14:modId xmlns:p14="http://schemas.microsoft.com/office/powerpoint/2010/main" val="659135014"/>
+                    <p14:modId xmlns:p14="http://schemas.microsoft.com/office/powerpoint/2010/main" val="508240454"/>
                   </p:ext>
                 </p:extLst>
               </p:nvPr>
@@ -18331,16 +18400,27 @@
             <p:ph type="title"/>
           </p:nvPr>
         </p:nvSpPr>
-        <p:spPr/>
-        <p:txBody>
-          <a:bodyPr/>
+        <p:spPr>
+          <a:xfrm>
+            <a:off x="1869141" y="624110"/>
+            <a:ext cx="9977718" cy="881961"/>
+          </a:xfrm>
+        </p:spPr>
+        <p:txBody>
+          <a:bodyPr>
+            <a:noAutofit/>
+          </a:bodyPr>
           <a:lstStyle/>
           <a:p>
             <a:r>
-              <a:rPr kumimoji="1" lang="en-US" altLang="ja-JP" dirty="0"/>
-              <a:t>Our approach</a:t>
-            </a:r>
-            <a:endParaRPr kumimoji="1" lang="ja-JP" altLang="en-US"/>
+              <a:rPr kumimoji="1" lang="en-US" altLang="ja-JP" sz="3200" dirty="0"/>
+              <a:t>Our </a:t>
+            </a:r>
+            <a:r>
+              <a:rPr lang="en-US" altLang="ja-JP" sz="3200" dirty="0"/>
+              <a:t>approach to reduce the number of insertions</a:t>
+            </a:r>
+            <a:endParaRPr kumimoji="1" lang="ja-JP" altLang="en-US" sz="3200"/>
           </a:p>
         </p:txBody>
       </p:sp>
@@ -18573,16 +18653,23 @@
             <p:ph type="title"/>
           </p:nvPr>
         </p:nvSpPr>
-        <p:spPr/>
-        <p:txBody>
-          <a:bodyPr/>
+        <p:spPr>
+          <a:xfrm>
+            <a:off x="1936376" y="624110"/>
+            <a:ext cx="9950825" cy="1280890"/>
+          </a:xfrm>
+        </p:spPr>
+        <p:txBody>
+          <a:bodyPr>
+            <a:normAutofit/>
+          </a:bodyPr>
           <a:lstStyle/>
           <a:p>
             <a:r>
-              <a:rPr kumimoji="1" lang="en-US" altLang="ja-JP" dirty="0"/>
-              <a:t>Our approach</a:t>
-            </a:r>
-            <a:endParaRPr kumimoji="1" lang="ja-JP" altLang="en-US"/>
+              <a:rPr lang="en-US" altLang="ja-JP" sz="3200" dirty="0"/>
+              <a:t>Our approach to reduce the number of insertions</a:t>
+            </a:r>
+            <a:endParaRPr kumimoji="1" lang="ja-JP" altLang="en-US" sz="3200"/>
           </a:p>
         </p:txBody>
       </p:sp>
@@ -18701,8 +18788,8 @@
           </a:p>
         </p:txBody>
       </p:sp>
-      <mc:AlternateContent xmlns:mc="http://schemas.openxmlformats.org/markup-compatibility/2006">
-        <mc:Choice xmlns:a14="http://schemas.microsoft.com/office/drawing/2010/main" Requires="a14">
+      <mc:AlternateContent xmlns:mc="http://schemas.openxmlformats.org/markup-compatibility/2006" xmlns:a14="http://schemas.microsoft.com/office/drawing/2010/main">
+        <mc:Choice Requires="a14">
           <p:graphicFrame>
             <p:nvGraphicFramePr>
               <p:cNvPr id="4" name="表 3">
@@ -18896,7 +18983,7 @@
             </a:graphic>
           </p:graphicFrame>
         </mc:Choice>
-        <mc:Fallback>
+        <mc:Fallback xmlns="">
           <p:graphicFrame>
             <p:nvGraphicFramePr>
               <p:cNvPr id="4" name="表 3">
@@ -19111,16 +19198,23 @@
             <p:ph type="title"/>
           </p:nvPr>
         </p:nvSpPr>
-        <p:spPr/>
-        <p:txBody>
-          <a:bodyPr/>
+        <p:spPr>
+          <a:xfrm>
+            <a:off x="2030507" y="624110"/>
+            <a:ext cx="10018058" cy="946492"/>
+          </a:xfrm>
+        </p:spPr>
+        <p:txBody>
+          <a:bodyPr>
+            <a:normAutofit/>
+          </a:bodyPr>
           <a:lstStyle/>
           <a:p>
             <a:r>
-              <a:rPr lang="en-US" altLang="ja-JP" dirty="0"/>
-              <a:t>Computational experiment</a:t>
-            </a:r>
-            <a:endParaRPr kumimoji="1" lang="ja-JP" altLang="en-US"/>
+              <a:rPr lang="en-US" altLang="ja-JP" sz="3200" dirty="0"/>
+              <a:t>Our approach to reduce the number of insertions</a:t>
+            </a:r>
+            <a:endParaRPr kumimoji="1" lang="ja-JP" altLang="en-US" sz="3200"/>
           </a:p>
         </p:txBody>
       </p:sp>
@@ -19140,14 +19234,14 @@
             <p:ph idx="1"/>
             <p:extLst>
               <p:ext uri="{D42A27DB-BD31-4B8C-83A1-F6EECF244321}">
-                <p14:modId xmlns:p14="http://schemas.microsoft.com/office/powerpoint/2010/main" val="499401743"/>
+                <p14:modId xmlns:p14="http://schemas.microsoft.com/office/powerpoint/2010/main" val="2781455938"/>
               </p:ext>
             </p:extLst>
           </p:nvPr>
         </p:nvGraphicFramePr>
         <p:xfrm>
           <a:off x="2464868" y="2608729"/>
-          <a:ext cx="7745507" cy="3859108"/>
+          <a:ext cx="7745507" cy="3169147"/>
         </p:xfrm>
         <a:graphic>
           <a:graphicData uri="http://schemas.openxmlformats.org/drawingml/2006/table">
@@ -19192,7 +19286,7 @@
                   </a:extLst>
                 </a:gridCol>
               </a:tblGrid>
-              <a:tr h="524435">
+              <a:tr h="669787">
                 <a:tc>
                   <a:txBody>
                     <a:bodyPr/>
@@ -19311,7 +19405,7 @@
                   </a:ext>
                 </a:extLst>
               </a:tr>
-              <a:tr h="1060525">
+              <a:tr h="624119">
                 <a:tc>
                   <a:txBody>
                     <a:bodyPr/>
@@ -19350,7 +19444,7 @@
                       <a:pPr algn="ctr"/>
                       <a:r>
                         <a:rPr kumimoji="1" lang="en-US" altLang="ja-JP" sz="2000" dirty="0"/>
-                        <a:t>of loading ports</a:t>
+                        <a:t>of L ports</a:t>
                       </a:r>
                       <a:endParaRPr kumimoji="1" lang="ja-JP" altLang="en-US" sz="2000"/>
                     </a:p>
@@ -19376,7 +19470,7 @@
                       <a:pPr algn="ctr"/>
                       <a:r>
                         <a:rPr kumimoji="1" lang="en-US" altLang="ja-JP" sz="2000" dirty="0"/>
-                        <a:t>of destination ports</a:t>
+                        <a:t>of D ports</a:t>
                       </a:r>
                       <a:endParaRPr kumimoji="1" lang="ja-JP" altLang="en-US" sz="2000"/>
                     </a:p>
@@ -19470,7 +19564,7 @@
                   </a:ext>
                 </a:extLst>
               </a:tr>
-              <a:tr h="477097">
+              <a:tr h="378460">
                 <a:tc>
                   <a:txBody>
                     <a:bodyPr/>
@@ -19552,7 +19646,7 @@
                   </a:ext>
                 </a:extLst>
               </a:tr>
-              <a:tr h="477097">
+              <a:tr h="378460">
                 <a:tc>
                   <a:txBody>
                     <a:bodyPr/>
@@ -19633,7 +19727,7 @@
                   </a:ext>
                 </a:extLst>
               </a:tr>
-              <a:tr h="477097">
+              <a:tr h="378460">
                 <a:tc>
                   <a:txBody>
                     <a:bodyPr/>
@@ -19714,7 +19808,7 @@
                   </a:ext>
                 </a:extLst>
               </a:tr>
-              <a:tr h="477097">
+              <a:tr h="378460">
                 <a:tc>
                   <a:txBody>
                     <a:bodyPr/>
@@ -19814,8 +19908,8 @@
         </p:nvSpPr>
         <p:spPr>
           <a:xfrm>
-            <a:off x="2307563" y="1674167"/>
-            <a:ext cx="8060119" cy="830997"/>
+            <a:off x="2307563" y="1741402"/>
+            <a:ext cx="8907284" cy="4893647"/>
           </a:xfrm>
           <a:prstGeom prst="rect">
             <a:avLst/>
@@ -19831,6 +19925,39 @@
             <a:r>
               <a:rPr lang="en" altLang="ja-JP" sz="2400" dirty="0"/>
               <a:t>We compare our approach with inserting all the possible position.</a:t>
+            </a:r>
+          </a:p>
+          <a:p>
+            <a:endParaRPr lang="en" altLang="ja-JP" sz="2400" dirty="0"/>
+          </a:p>
+          <a:p>
+            <a:endParaRPr lang="en" altLang="ja-JP" sz="2400" dirty="0"/>
+          </a:p>
+          <a:p>
+            <a:endParaRPr lang="en" altLang="ja-JP" sz="2400" dirty="0"/>
+          </a:p>
+          <a:p>
+            <a:endParaRPr lang="en" altLang="ja-JP" sz="2400" dirty="0"/>
+          </a:p>
+          <a:p>
+            <a:endParaRPr lang="en" altLang="ja-JP" sz="2400" dirty="0"/>
+          </a:p>
+          <a:p>
+            <a:endParaRPr lang="en" altLang="ja-JP" sz="2400" dirty="0"/>
+          </a:p>
+          <a:p>
+            <a:endParaRPr lang="en" altLang="ja-JP" sz="2400" dirty="0"/>
+          </a:p>
+          <a:p>
+            <a:endParaRPr lang="en" altLang="ja-JP" sz="2400" dirty="0"/>
+          </a:p>
+          <a:p>
+            <a:endParaRPr lang="en" altLang="ja-JP" sz="2400" dirty="0"/>
+          </a:p>
+          <a:p>
+            <a:r>
+              <a:rPr lang="en" altLang="ja-JP" sz="2400" dirty="0"/>
+              <a:t>we confirmed that we can reduce the computation time while keeping the quality of solutions</a:t>
             </a:r>
           </a:p>
         </p:txBody>
@@ -19870,7 +19997,7 @@
           <p:cNvPr id="2" name="タイトル 1">
             <a:extLst>
               <a:ext uri="{FF2B5EF4-FFF2-40B4-BE49-F238E27FC236}">
-                <a16:creationId xmlns:a16="http://schemas.microsoft.com/office/drawing/2014/main" id="{FEEFE181-A7D0-7146-B49E-65AC407C9C2B}"/>
+                <a16:creationId xmlns:a16="http://schemas.microsoft.com/office/drawing/2014/main" id="{67E01A06-7475-E541-961D-071D4242BA42}"/>
               </a:ext>
             </a:extLst>
           </p:cNvPr>
@@ -19887,8 +20014,8 @@
           <a:lstStyle/>
           <a:p>
             <a:r>
-              <a:rPr lang="en-US" altLang="ja-JP" dirty="0"/>
-              <a:t>Computational experiment</a:t>
+              <a:rPr lang="en" altLang="ja-JP" dirty="0"/>
+              <a:t>Comparison by insertion method</a:t>
             </a:r>
             <a:endParaRPr kumimoji="1" lang="ja-JP" altLang="en-US"/>
           </a:p>
@@ -19899,7 +20026,7 @@
           <p:cNvPr id="3" name="コンテンツ プレースホルダー 2">
             <a:extLst>
               <a:ext uri="{FF2B5EF4-FFF2-40B4-BE49-F238E27FC236}">
-                <a16:creationId xmlns:a16="http://schemas.microsoft.com/office/drawing/2014/main" id="{F34D1FFA-7F21-1B4A-B2CC-C1C3F36A6C10}"/>
+                <a16:creationId xmlns:a16="http://schemas.microsoft.com/office/drawing/2014/main" id="{8FC75E83-6FCB-684F-BB17-BF63CBD11644}"/>
               </a:ext>
             </a:extLst>
           </p:cNvPr>
@@ -19912,56 +20039,40 @@
         </p:nvSpPr>
         <p:spPr/>
         <p:txBody>
-          <a:bodyPr>
-            <a:normAutofit/>
-          </a:bodyPr>
+          <a:bodyPr/>
           <a:lstStyle/>
           <a:p>
             <a:r>
-              <a:rPr lang="en-US" altLang="ja-JP" sz="2400" dirty="0"/>
-              <a:t>We compare the computation time and the quality of assignment.</a:t>
-            </a:r>
-          </a:p>
-          <a:p>
-            <a:r>
-              <a:rPr lang="en-US" altLang="ja-JP" sz="2400" dirty="0"/>
-              <a:t>For 1</a:t>
-            </a:r>
-            <a:r>
-              <a:rPr lang="en-US" altLang="ja-JP" sz="2400" baseline="30000" dirty="0"/>
-              <a:t>st</a:t>
-            </a:r>
-            <a:r>
-              <a:rPr lang="en-US" altLang="ja-JP" sz="2400" dirty="0"/>
-              <a:t> model,</a:t>
-            </a:r>
-            <a:r>
-              <a:rPr lang="en" altLang="ja-JP" sz="2400" dirty="0"/>
-              <a:t> we show the values of the solution after         1 hour and after 24 hours</a:t>
-            </a:r>
-          </a:p>
-          <a:p>
-            <a:r>
-              <a:rPr lang="en" altLang="ja-JP" sz="2400" dirty="0"/>
-              <a:t>For 2</a:t>
-            </a:r>
-            <a:r>
-              <a:rPr lang="en" altLang="ja-JP" sz="2400" baseline="30000" dirty="0"/>
-              <a:t>nd</a:t>
-            </a:r>
-            <a:r>
-              <a:rPr lang="en" altLang="ja-JP" sz="2400" dirty="0"/>
-              <a:t> model, we show the value of the solution and the computation time to finish the local search</a:t>
-            </a:r>
-            <a:r>
-              <a:rPr lang="en-US" altLang="ja-JP" sz="2400" dirty="0"/>
-              <a:t>.</a:t>
-            </a:r>
-          </a:p>
-          <a:p>
-            <a:r>
-              <a:rPr lang="en-US" altLang="ja-JP" sz="2400" dirty="0"/>
-              <a:t>We set the coefficient of the constraint to 100.</a:t>
+              <a:rPr kumimoji="1" lang="ja-JP" altLang="en-US"/>
+              <a:t>計算時間を短縮したと言っても、少し時間はかかる</a:t>
+            </a:r>
+            <a:endParaRPr kumimoji="1" lang="en-US" altLang="ja-JP" dirty="0"/>
+          </a:p>
+          <a:p>
+            <a:r>
+              <a:rPr kumimoji="1" lang="ja-JP" altLang="en-US"/>
+              <a:t>最適な挿入場所と、ランダムに挿入した場合の比較</a:t>
+            </a:r>
+            <a:endParaRPr lang="en-US" altLang="ja-JP" dirty="0"/>
+          </a:p>
+          <a:p>
+            <a:r>
+              <a:rPr kumimoji="1" lang="ja-JP" altLang="en-US"/>
+              <a:t>表</a:t>
+            </a:r>
+            <a:endParaRPr kumimoji="1" lang="en-US" altLang="ja-JP" dirty="0"/>
+          </a:p>
+          <a:p>
+            <a:r>
+              <a:rPr lang="ja-JP" altLang="en-US"/>
+              <a:t>解は良いが、計算時間は割と長くなる</a:t>
+            </a:r>
+            <a:endParaRPr lang="en-US" altLang="ja-JP" dirty="0"/>
+          </a:p>
+          <a:p>
+            <a:r>
+              <a:rPr kumimoji="1" lang="ja-JP" altLang="en-US"/>
+              <a:t>実際のアプリケーションでは、最終的に人がチェックをするので、短めの時間でまあまあのランダムでも十分な可能性もある</a:t>
             </a:r>
           </a:p>
         </p:txBody>
@@ -19969,7 +20080,7 @@
     </p:spTree>
     <p:extLst>
       <p:ext uri="{BB962C8B-B14F-4D97-AF65-F5344CB8AC3E}">
-        <p14:creationId xmlns:p14="http://schemas.microsoft.com/office/powerpoint/2010/main" val="4216551076"/>
+        <p14:creationId xmlns:p14="http://schemas.microsoft.com/office/powerpoint/2010/main" val="1868479569"/>
       </p:ext>
     </p:extLst>
   </p:cSld>
@@ -20001,6 +20112,137 @@
           <p:cNvPr id="2" name="タイトル 1">
             <a:extLst>
               <a:ext uri="{FF2B5EF4-FFF2-40B4-BE49-F238E27FC236}">
+                <a16:creationId xmlns:a16="http://schemas.microsoft.com/office/drawing/2014/main" id="{FEEFE181-A7D0-7146-B49E-65AC407C9C2B}"/>
+              </a:ext>
+            </a:extLst>
+          </p:cNvPr>
+          <p:cNvSpPr>
+            <a:spLocks noGrp="1"/>
+          </p:cNvSpPr>
+          <p:nvPr>
+            <p:ph type="title"/>
+          </p:nvPr>
+        </p:nvSpPr>
+        <p:spPr/>
+        <p:txBody>
+          <a:bodyPr/>
+          <a:lstStyle/>
+          <a:p>
+            <a:r>
+              <a:rPr lang="en-US" altLang="ja-JP" dirty="0"/>
+              <a:t>Computational experiment</a:t>
+            </a:r>
+            <a:endParaRPr kumimoji="1" lang="ja-JP" altLang="en-US"/>
+          </a:p>
+        </p:txBody>
+      </p:sp>
+      <p:sp>
+        <p:nvSpPr>
+          <p:cNvPr id="3" name="コンテンツ プレースホルダー 2">
+            <a:extLst>
+              <a:ext uri="{FF2B5EF4-FFF2-40B4-BE49-F238E27FC236}">
+                <a16:creationId xmlns:a16="http://schemas.microsoft.com/office/drawing/2014/main" id="{F34D1FFA-7F21-1B4A-B2CC-C1C3F36A6C10}"/>
+              </a:ext>
+            </a:extLst>
+          </p:cNvPr>
+          <p:cNvSpPr>
+            <a:spLocks noGrp="1"/>
+          </p:cNvSpPr>
+          <p:nvPr>
+            <p:ph idx="1"/>
+          </p:nvPr>
+        </p:nvSpPr>
+        <p:spPr/>
+        <p:txBody>
+          <a:bodyPr>
+            <a:normAutofit/>
+          </a:bodyPr>
+          <a:lstStyle/>
+          <a:p>
+            <a:r>
+              <a:rPr lang="en-US" altLang="ja-JP" sz="2400" dirty="0"/>
+              <a:t>We compare the computation time and the quality of assignment.</a:t>
+            </a:r>
+          </a:p>
+          <a:p>
+            <a:r>
+              <a:rPr lang="en-US" altLang="ja-JP" sz="2400" dirty="0"/>
+              <a:t>For 1</a:t>
+            </a:r>
+            <a:r>
+              <a:rPr lang="en-US" altLang="ja-JP" sz="2400" baseline="30000" dirty="0"/>
+              <a:t>st</a:t>
+            </a:r>
+            <a:r>
+              <a:rPr lang="en-US" altLang="ja-JP" sz="2400" dirty="0"/>
+              <a:t> model,</a:t>
+            </a:r>
+            <a:r>
+              <a:rPr lang="en" altLang="ja-JP" sz="2400" dirty="0"/>
+              <a:t> we show the values of the solution after         1 hour and after 24 hours</a:t>
+            </a:r>
+          </a:p>
+          <a:p>
+            <a:r>
+              <a:rPr lang="en" altLang="ja-JP" sz="2400" dirty="0"/>
+              <a:t>For 2</a:t>
+            </a:r>
+            <a:r>
+              <a:rPr lang="en" altLang="ja-JP" sz="2400" baseline="30000" dirty="0"/>
+              <a:t>nd</a:t>
+            </a:r>
+            <a:r>
+              <a:rPr lang="en" altLang="ja-JP" sz="2400" dirty="0"/>
+              <a:t> model, we show the value of the solution and the computation time to finish the local search</a:t>
+            </a:r>
+            <a:r>
+              <a:rPr lang="en-US" altLang="ja-JP" sz="2400" dirty="0"/>
+              <a:t>.</a:t>
+            </a:r>
+          </a:p>
+          <a:p>
+            <a:r>
+              <a:rPr lang="en-US" altLang="ja-JP" sz="2400" dirty="0"/>
+              <a:t>We set the coefficient of the constraint to 100.</a:t>
+            </a:r>
+          </a:p>
+        </p:txBody>
+      </p:sp>
+    </p:spTree>
+    <p:extLst>
+      <p:ext uri="{BB962C8B-B14F-4D97-AF65-F5344CB8AC3E}">
+        <p14:creationId xmlns:p14="http://schemas.microsoft.com/office/powerpoint/2010/main" val="4216551076"/>
+      </p:ext>
+    </p:extLst>
+  </p:cSld>
+  <p:clrMapOvr>
+    <a:masterClrMapping/>
+  </p:clrMapOvr>
+</p:sld>
+</file>
+
+<file path=ppt/slides/slide44.xml><?xml version="1.0" encoding="utf-8"?>
+<p:sld xmlns:a="http://schemas.openxmlformats.org/drawingml/2006/main" xmlns:r="http://schemas.openxmlformats.org/officeDocument/2006/relationships" xmlns:p="http://schemas.openxmlformats.org/presentationml/2006/main">
+  <p:cSld>
+    <p:spTree>
+      <p:nvGrpSpPr>
+        <p:cNvPr id="1" name=""/>
+        <p:cNvGrpSpPr/>
+        <p:nvPr/>
+      </p:nvGrpSpPr>
+      <p:grpSpPr>
+        <a:xfrm>
+          <a:off x="0" y="0"/>
+          <a:ext cx="0" cy="0"/>
+          <a:chOff x="0" y="0"/>
+          <a:chExt cx="0" cy="0"/>
+        </a:xfrm>
+      </p:grpSpPr>
+      <p:sp>
+        <p:nvSpPr>
+          <p:cNvPr id="2" name="タイトル 1">
+            <a:extLst>
+              <a:ext uri="{FF2B5EF4-FFF2-40B4-BE49-F238E27FC236}">
                 <a16:creationId xmlns:a16="http://schemas.microsoft.com/office/drawing/2014/main" id="{0F3E9755-7D4C-E140-A34C-76DD3CC7C081}"/>
               </a:ext>
             </a:extLst>
@@ -20041,7 +20283,7 @@
             <p:ph idx="1"/>
             <p:extLst>
               <p:ext uri="{D42A27DB-BD31-4B8C-83A1-F6EECF244321}">
-                <p14:modId xmlns:p14="http://schemas.microsoft.com/office/powerpoint/2010/main" val="2168044718"/>
+                <p14:modId xmlns:p14="http://schemas.microsoft.com/office/powerpoint/2010/main" val="60757586"/>
               </p:ext>
             </p:extLst>
           </p:nvPr>
@@ -20064,21 +20306,21 @@
                     </a:ext>
                   </a:extLst>
                 </a:gridCol>
-                <a:gridCol w="1196212">
+                <a:gridCol w="913824">
                   <a:extLst>
                     <a:ext uri="{9D8B030D-6E8A-4147-A177-3AD203B41FA5}">
                       <a16:colId xmlns:a16="http://schemas.microsoft.com/office/drawing/2014/main" val="3477330652"/>
                     </a:ext>
                   </a:extLst>
                 </a:gridCol>
-                <a:gridCol w="1546412">
+                <a:gridCol w="1156447">
                   <a:extLst>
                     <a:ext uri="{9D8B030D-6E8A-4147-A177-3AD203B41FA5}">
                       <a16:colId xmlns:a16="http://schemas.microsoft.com/office/drawing/2014/main" val="2984689672"/>
                     </a:ext>
                   </a:extLst>
                 </a:gridCol>
-                <a:gridCol w="1156447">
+                <a:gridCol w="1828800">
                   <a:extLst>
                     <a:ext uri="{9D8B030D-6E8A-4147-A177-3AD203B41FA5}">
                       <a16:colId xmlns:a16="http://schemas.microsoft.com/office/drawing/2014/main" val="275792739"/>
@@ -20266,7 +20508,7 @@
                       <a:pPr algn="ctr"/>
                       <a:r>
                         <a:rPr kumimoji="1" lang="en-US" altLang="ja-JP" sz="2000" dirty="0"/>
-                        <a:t>of loading ports</a:t>
+                        <a:t>of L ports</a:t>
                       </a:r>
                       <a:endParaRPr kumimoji="1" lang="ja-JP" altLang="en-US" sz="2000"/>
                     </a:p>
@@ -20292,7 +20534,14 @@
                       <a:pPr algn="ctr"/>
                       <a:r>
                         <a:rPr kumimoji="1" lang="en-US" altLang="ja-JP" sz="2000" dirty="0"/>
-                        <a:t>of destination ports</a:t>
+                        <a:t>of D</a:t>
+                      </a:r>
+                    </a:p>
+                    <a:p>
+                      <a:pPr algn="ctr"/>
+                      <a:r>
+                        <a:rPr kumimoji="1" lang="en-US" altLang="ja-JP" sz="2000" dirty="0"/>
+                        <a:t> ports</a:t>
                       </a:r>
                       <a:endParaRPr kumimoji="1" lang="ja-JP" altLang="en-US" sz="2000"/>
                     </a:p>
@@ -21168,116 +21417,6 @@
 </p:sld>
 </file>
 
-<file path=ppt/slides/slide44.xml><?xml version="1.0" encoding="utf-8"?>
-<p:sld xmlns:a="http://schemas.openxmlformats.org/drawingml/2006/main" xmlns:r="http://schemas.openxmlformats.org/officeDocument/2006/relationships" xmlns:p="http://schemas.openxmlformats.org/presentationml/2006/main">
-  <p:cSld>
-    <p:spTree>
-      <p:nvGrpSpPr>
-        <p:cNvPr id="1" name=""/>
-        <p:cNvGrpSpPr/>
-        <p:nvPr/>
-      </p:nvGrpSpPr>
-      <p:grpSpPr>
-        <a:xfrm>
-          <a:off x="0" y="0"/>
-          <a:ext cx="0" cy="0"/>
-          <a:chOff x="0" y="0"/>
-          <a:chExt cx="0" cy="0"/>
-        </a:xfrm>
-      </p:grpSpPr>
-      <p:sp>
-        <p:nvSpPr>
-          <p:cNvPr id="2" name="タイトル 1">
-            <a:extLst>
-              <a:ext uri="{FF2B5EF4-FFF2-40B4-BE49-F238E27FC236}">
-                <a16:creationId xmlns:a16="http://schemas.microsoft.com/office/drawing/2014/main" id="{10C85110-0AEB-6C49-9AE3-DAAB21DFABB3}"/>
-              </a:ext>
-            </a:extLst>
-          </p:cNvPr>
-          <p:cNvSpPr>
-            <a:spLocks noGrp="1"/>
-          </p:cNvSpPr>
-          <p:nvPr>
-            <p:ph type="title"/>
-          </p:nvPr>
-        </p:nvSpPr>
-        <p:spPr/>
-        <p:txBody>
-          <a:bodyPr/>
-          <a:lstStyle/>
-          <a:p>
-            <a:r>
-              <a:rPr lang="en-US" altLang="ja-JP" dirty="0"/>
-              <a:t>Computational experiment</a:t>
-            </a:r>
-            <a:endParaRPr kumimoji="1" lang="ja-JP" altLang="en-US"/>
-          </a:p>
-        </p:txBody>
-      </p:sp>
-      <p:sp>
-        <p:nvSpPr>
-          <p:cNvPr id="3" name="コンテンツ プレースホルダー 2">
-            <a:extLst>
-              <a:ext uri="{FF2B5EF4-FFF2-40B4-BE49-F238E27FC236}">
-                <a16:creationId xmlns:a16="http://schemas.microsoft.com/office/drawing/2014/main" id="{48B29443-0E2E-9240-9158-A7C1DB7BC48D}"/>
-              </a:ext>
-            </a:extLst>
-          </p:cNvPr>
-          <p:cNvSpPr>
-            <a:spLocks noGrp="1"/>
-          </p:cNvSpPr>
-          <p:nvPr>
-            <p:ph idx="1"/>
-          </p:nvPr>
-        </p:nvSpPr>
-        <p:spPr/>
-        <p:txBody>
-          <a:bodyPr/>
-          <a:lstStyle/>
-          <a:p>
-            <a:r>
-              <a:rPr lang="en" altLang="ja-JP" sz="2400" dirty="0"/>
-              <a:t>For experimental instances, we got feasible solutions with a certain quality in a relatively</a:t>
-            </a:r>
-            <a:r>
-              <a:rPr lang="en-US" altLang="ja-JP" sz="2400" dirty="0"/>
-              <a:t> </a:t>
-            </a:r>
-            <a:r>
-              <a:rPr lang="en" altLang="ja-JP" sz="2400" dirty="0"/>
-              <a:t>short computation time.</a:t>
-            </a:r>
-          </a:p>
-          <a:p>
-            <a:r>
-              <a:rPr lang="en" altLang="ja-JP" sz="2400" dirty="0"/>
-              <a:t>For some instances that actually exist, we couldn’t find feasible solution.</a:t>
-            </a:r>
-          </a:p>
-          <a:p>
-            <a:endParaRPr lang="en" altLang="ja-JP" sz="2400" dirty="0"/>
-          </a:p>
-          <a:p>
-            <a:endParaRPr lang="en" altLang="ja-JP" sz="2400" dirty="0"/>
-          </a:p>
-          <a:p>
-            <a:endParaRPr lang="en" altLang="ja-JP" sz="2400" dirty="0"/>
-          </a:p>
-        </p:txBody>
-      </p:sp>
-    </p:spTree>
-    <p:extLst>
-      <p:ext uri="{BB962C8B-B14F-4D97-AF65-F5344CB8AC3E}">
-        <p14:creationId xmlns:p14="http://schemas.microsoft.com/office/powerpoint/2010/main" val="2216146474"/>
-      </p:ext>
-    </p:extLst>
-  </p:cSld>
-  <p:clrMapOvr>
-    <a:masterClrMapping/>
-  </p:clrMapOvr>
-</p:sld>
-</file>
-
 <file path=ppt/slides/slide45.xml><?xml version="1.0" encoding="utf-8"?>
 <p:sld xmlns:a="http://schemas.openxmlformats.org/drawingml/2006/main" xmlns:r="http://schemas.openxmlformats.org/officeDocument/2006/relationships" xmlns:p="http://schemas.openxmlformats.org/presentationml/2006/main">
   <p:cSld>
@@ -21300,6 +21439,116 @@
           <p:cNvPr id="2" name="タイトル 1">
             <a:extLst>
               <a:ext uri="{FF2B5EF4-FFF2-40B4-BE49-F238E27FC236}">
+                <a16:creationId xmlns:a16="http://schemas.microsoft.com/office/drawing/2014/main" id="{10C85110-0AEB-6C49-9AE3-DAAB21DFABB3}"/>
+              </a:ext>
+            </a:extLst>
+          </p:cNvPr>
+          <p:cNvSpPr>
+            <a:spLocks noGrp="1"/>
+          </p:cNvSpPr>
+          <p:nvPr>
+            <p:ph type="title"/>
+          </p:nvPr>
+        </p:nvSpPr>
+        <p:spPr/>
+        <p:txBody>
+          <a:bodyPr/>
+          <a:lstStyle/>
+          <a:p>
+            <a:r>
+              <a:rPr lang="en-US" altLang="ja-JP" dirty="0"/>
+              <a:t>Computational experiment</a:t>
+            </a:r>
+            <a:endParaRPr kumimoji="1" lang="ja-JP" altLang="en-US"/>
+          </a:p>
+        </p:txBody>
+      </p:sp>
+      <p:sp>
+        <p:nvSpPr>
+          <p:cNvPr id="3" name="コンテンツ プレースホルダー 2">
+            <a:extLst>
+              <a:ext uri="{FF2B5EF4-FFF2-40B4-BE49-F238E27FC236}">
+                <a16:creationId xmlns:a16="http://schemas.microsoft.com/office/drawing/2014/main" id="{48B29443-0E2E-9240-9158-A7C1DB7BC48D}"/>
+              </a:ext>
+            </a:extLst>
+          </p:cNvPr>
+          <p:cNvSpPr>
+            <a:spLocks noGrp="1"/>
+          </p:cNvSpPr>
+          <p:nvPr>
+            <p:ph idx="1"/>
+          </p:nvPr>
+        </p:nvSpPr>
+        <p:spPr/>
+        <p:txBody>
+          <a:bodyPr/>
+          <a:lstStyle/>
+          <a:p>
+            <a:r>
+              <a:rPr lang="en" altLang="ja-JP" sz="2400" dirty="0"/>
+              <a:t>For experimental instances, we got feasible solutions with a certain quality in a relatively</a:t>
+            </a:r>
+            <a:r>
+              <a:rPr lang="en-US" altLang="ja-JP" sz="2400" dirty="0"/>
+              <a:t> </a:t>
+            </a:r>
+            <a:r>
+              <a:rPr lang="en" altLang="ja-JP" sz="2400" dirty="0"/>
+              <a:t>short computation time.</a:t>
+            </a:r>
+          </a:p>
+          <a:p>
+            <a:r>
+              <a:rPr lang="en" altLang="ja-JP" sz="2400" dirty="0"/>
+              <a:t>For some instances that actually exist, we couldn’t find feasible solution.</a:t>
+            </a:r>
+          </a:p>
+          <a:p>
+            <a:endParaRPr lang="en" altLang="ja-JP" sz="2400" dirty="0"/>
+          </a:p>
+          <a:p>
+            <a:endParaRPr lang="en" altLang="ja-JP" sz="2400" dirty="0"/>
+          </a:p>
+          <a:p>
+            <a:endParaRPr lang="en" altLang="ja-JP" sz="2400" dirty="0"/>
+          </a:p>
+        </p:txBody>
+      </p:sp>
+    </p:spTree>
+    <p:extLst>
+      <p:ext uri="{BB962C8B-B14F-4D97-AF65-F5344CB8AC3E}">
+        <p14:creationId xmlns:p14="http://schemas.microsoft.com/office/powerpoint/2010/main" val="2216146474"/>
+      </p:ext>
+    </p:extLst>
+  </p:cSld>
+  <p:clrMapOvr>
+    <a:masterClrMapping/>
+  </p:clrMapOvr>
+</p:sld>
+</file>
+
+<file path=ppt/slides/slide46.xml><?xml version="1.0" encoding="utf-8"?>
+<p:sld xmlns:a="http://schemas.openxmlformats.org/drawingml/2006/main" xmlns:r="http://schemas.openxmlformats.org/officeDocument/2006/relationships" xmlns:p="http://schemas.openxmlformats.org/presentationml/2006/main">
+  <p:cSld>
+    <p:spTree>
+      <p:nvGrpSpPr>
+        <p:cNvPr id="1" name=""/>
+        <p:cNvGrpSpPr/>
+        <p:nvPr/>
+      </p:nvGrpSpPr>
+      <p:grpSpPr>
+        <a:xfrm>
+          <a:off x="0" y="0"/>
+          <a:ext cx="0" cy="0"/>
+          <a:chOff x="0" y="0"/>
+          <a:chExt cx="0" cy="0"/>
+        </a:xfrm>
+      </p:grpSpPr>
+      <p:sp>
+        <p:nvSpPr>
+          <p:cNvPr id="2" name="タイトル 1">
+            <a:extLst>
+              <a:ext uri="{FF2B5EF4-FFF2-40B4-BE49-F238E27FC236}">
                 <a16:creationId xmlns:a16="http://schemas.microsoft.com/office/drawing/2014/main" id="{A8816EE5-E670-DD4C-A705-652D968F809A}"/>
               </a:ext>
             </a:extLst>
@@ -21393,7 +21642,7 @@
 </p:sld>
 </file>
 
-<file path=ppt/slides/slide46.xml><?xml version="1.0" encoding="utf-8"?>
+<file path=ppt/slides/slide47.xml><?xml version="1.0" encoding="utf-8"?>
 <p:sld xmlns:a="http://schemas.openxmlformats.org/drawingml/2006/main" xmlns:r="http://schemas.openxmlformats.org/officeDocument/2006/relationships" xmlns:p="http://schemas.openxmlformats.org/presentationml/2006/main">
   <p:cSld>
     <p:spTree>
@@ -22849,7 +23098,7 @@
 </p:sld>
 </file>
 
-<file path=ppt/slides/slide47.xml><?xml version="1.0" encoding="utf-8"?>
+<file path=ppt/slides/slide48.xml><?xml version="1.0" encoding="utf-8"?>
 <p:sld xmlns:a="http://schemas.openxmlformats.org/drawingml/2006/main" xmlns:r="http://schemas.openxmlformats.org/officeDocument/2006/relationships" xmlns:p="http://schemas.openxmlformats.org/presentationml/2006/main">
   <p:cSld>
     <p:spTree>
@@ -22965,7 +23214,7 @@
 </p:sld>
 </file>
 
-<file path=ppt/slides/slide48.xml><?xml version="1.0" encoding="utf-8"?>
+<file path=ppt/slides/slide49.xml><?xml version="1.0" encoding="utf-8"?>
 <p:sld xmlns:a="http://schemas.openxmlformats.org/drawingml/2006/main" xmlns:r="http://schemas.openxmlformats.org/officeDocument/2006/relationships" xmlns:p="http://schemas.openxmlformats.org/presentationml/2006/main">
   <p:cSld>
     <p:spTree>

--- a/竹田_修論発表.pptx
+++ b/竹田_修論発表.pptx
@@ -47,13 +47,16 @@
     <p:sldId id="592" r:id="rId41"/>
     <p:sldId id="594" r:id="rId42"/>
     <p:sldId id="595" r:id="rId43"/>
-    <p:sldId id="578" r:id="rId44"/>
-    <p:sldId id="582" r:id="rId45"/>
-    <p:sldId id="583" r:id="rId46"/>
-    <p:sldId id="586" r:id="rId47"/>
-    <p:sldId id="584" r:id="rId48"/>
-    <p:sldId id="585" r:id="rId49"/>
-    <p:sldId id="561" r:id="rId50"/>
+    <p:sldId id="596" r:id="rId44"/>
+    <p:sldId id="597" r:id="rId45"/>
+    <p:sldId id="598" r:id="rId46"/>
+    <p:sldId id="578" r:id="rId47"/>
+    <p:sldId id="582" r:id="rId48"/>
+    <p:sldId id="583" r:id="rId49"/>
+    <p:sldId id="586" r:id="rId50"/>
+    <p:sldId id="584" r:id="rId51"/>
+    <p:sldId id="585" r:id="rId52"/>
+    <p:sldId id="561" r:id="rId53"/>
   </p:sldIdLst>
   <p:sldSz cx="12192000" cy="6858000"/>
   <p:notesSz cx="6858000" cy="9144000"/>
@@ -348,7 +351,7 @@
           <a:p>
             <a:fld id="{C8659C27-364E-C74E-8EB0-0FFA61AB3438}" type="datetimeFigureOut">
               <a:rPr kumimoji="1" lang="ja-JP" altLang="en-US" smtClean="0"/>
-              <a:t>2021/9/10</a:t>
+              <a:t>2021/9/17</a:t>
             </a:fld>
             <a:endParaRPr kumimoji="1" lang="ja-JP" altLang="en-US"/>
           </a:p>
@@ -723,7 +726,7 @@
           <a:p>
             <a:fld id="{C8659C27-364E-C74E-8EB0-0FFA61AB3438}" type="datetimeFigureOut">
               <a:rPr kumimoji="1" lang="ja-JP" altLang="en-US" smtClean="0"/>
-              <a:t>2021/9/10</a:t>
+              <a:t>2021/9/17</a:t>
             </a:fld>
             <a:endParaRPr kumimoji="1" lang="ja-JP" altLang="en-US"/>
           </a:p>
@@ -1198,7 +1201,7 @@
           <a:p>
             <a:fld id="{C8659C27-364E-C74E-8EB0-0FFA61AB3438}" type="datetimeFigureOut">
               <a:rPr kumimoji="1" lang="ja-JP" altLang="en-US" smtClean="0"/>
-              <a:t>2021/9/10</a:t>
+              <a:t>2021/9/17</a:t>
             </a:fld>
             <a:endParaRPr kumimoji="1" lang="ja-JP" altLang="en-US"/>
           </a:p>
@@ -1571,7 +1574,7 @@
           <a:p>
             <a:fld id="{C8659C27-364E-C74E-8EB0-0FFA61AB3438}" type="datetimeFigureOut">
               <a:rPr kumimoji="1" lang="ja-JP" altLang="en-US" smtClean="0"/>
-              <a:t>2021/9/10</a:t>
+              <a:t>2021/9/17</a:t>
             </a:fld>
             <a:endParaRPr kumimoji="1" lang="ja-JP" altLang="en-US"/>
           </a:p>
@@ -1965,7 +1968,7 @@
           <a:p>
             <a:fld id="{C8659C27-364E-C74E-8EB0-0FFA61AB3438}" type="datetimeFigureOut">
               <a:rPr kumimoji="1" lang="ja-JP" altLang="en-US" smtClean="0"/>
-              <a:t>2021/9/10</a:t>
+              <a:t>2021/9/17</a:t>
             </a:fld>
             <a:endParaRPr kumimoji="1" lang="ja-JP" altLang="en-US"/>
           </a:p>
@@ -2435,7 +2438,7 @@
           <a:p>
             <a:fld id="{C8659C27-364E-C74E-8EB0-0FFA61AB3438}" type="datetimeFigureOut">
               <a:rPr kumimoji="1" lang="ja-JP" altLang="en-US" smtClean="0"/>
-              <a:t>2021/9/10</a:t>
+              <a:t>2021/9/17</a:t>
             </a:fld>
             <a:endParaRPr kumimoji="1" lang="ja-JP" altLang="en-US"/>
           </a:p>
@@ -2700,7 +2703,7 @@
           <a:p>
             <a:fld id="{C8659C27-364E-C74E-8EB0-0FFA61AB3438}" type="datetimeFigureOut">
               <a:rPr kumimoji="1" lang="ja-JP" altLang="en-US" smtClean="0"/>
-              <a:t>2021/9/10</a:t>
+              <a:t>2021/9/17</a:t>
             </a:fld>
             <a:endParaRPr kumimoji="1" lang="ja-JP" altLang="en-US"/>
           </a:p>
@@ -2970,7 +2973,7 @@
           <a:p>
             <a:fld id="{C8659C27-364E-C74E-8EB0-0FFA61AB3438}" type="datetimeFigureOut">
               <a:rPr kumimoji="1" lang="ja-JP" altLang="en-US" smtClean="0"/>
-              <a:t>2021/9/10</a:t>
+              <a:t>2021/9/17</a:t>
             </a:fld>
             <a:endParaRPr kumimoji="1" lang="ja-JP" altLang="en-US"/>
           </a:p>
@@ -3240,7 +3243,7 @@
           <a:p>
             <a:fld id="{C8659C27-364E-C74E-8EB0-0FFA61AB3438}" type="datetimeFigureOut">
               <a:rPr kumimoji="1" lang="ja-JP" altLang="en-US" smtClean="0"/>
-              <a:t>2021/9/10</a:t>
+              <a:t>2021/9/17</a:t>
             </a:fld>
             <a:endParaRPr kumimoji="1" lang="ja-JP" altLang="en-US"/>
           </a:p>
@@ -3606,7 +3609,7 @@
           <a:p>
             <a:fld id="{C8659C27-364E-C74E-8EB0-0FFA61AB3438}" type="datetimeFigureOut">
               <a:rPr kumimoji="1" lang="ja-JP" altLang="en-US" smtClean="0"/>
-              <a:t>2021/9/10</a:t>
+              <a:t>2021/9/17</a:t>
             </a:fld>
             <a:endParaRPr kumimoji="1" lang="ja-JP" altLang="en-US"/>
           </a:p>
@@ -3945,7 +3948,7 @@
           <a:p>
             <a:fld id="{C8659C27-364E-C74E-8EB0-0FFA61AB3438}" type="datetimeFigureOut">
               <a:rPr kumimoji="1" lang="ja-JP" altLang="en-US" smtClean="0"/>
-              <a:t>2021/9/10</a:t>
+              <a:t>2021/9/17</a:t>
             </a:fld>
             <a:endParaRPr kumimoji="1" lang="ja-JP" altLang="en-US"/>
           </a:p>
@@ -4492,7 +4495,7 @@
           <a:p>
             <a:fld id="{C8659C27-364E-C74E-8EB0-0FFA61AB3438}" type="datetimeFigureOut">
               <a:rPr kumimoji="1" lang="ja-JP" altLang="en-US" smtClean="0"/>
-              <a:t>2021/9/10</a:t>
+              <a:t>2021/9/17</a:t>
             </a:fld>
             <a:endParaRPr kumimoji="1" lang="ja-JP" altLang="en-US"/>
           </a:p>
@@ -4697,7 +4700,7 @@
           <a:p>
             <a:fld id="{C8659C27-364E-C74E-8EB0-0FFA61AB3438}" type="datetimeFigureOut">
               <a:rPr kumimoji="1" lang="ja-JP" altLang="en-US" smtClean="0"/>
-              <a:t>2021/9/10</a:t>
+              <a:t>2021/9/17</a:t>
             </a:fld>
             <a:endParaRPr kumimoji="1" lang="ja-JP" altLang="en-US"/>
           </a:p>
@@ -4874,7 +4877,7 @@
           <a:p>
             <a:fld id="{C8659C27-364E-C74E-8EB0-0FFA61AB3438}" type="datetimeFigureOut">
               <a:rPr kumimoji="1" lang="ja-JP" altLang="en-US" smtClean="0"/>
-              <a:t>2021/9/10</a:t>
+              <a:t>2021/9/17</a:t>
             </a:fld>
             <a:endParaRPr kumimoji="1" lang="ja-JP" altLang="en-US"/>
           </a:p>
@@ -5252,7 +5255,7 @@
           <a:p>
             <a:fld id="{C8659C27-364E-C74E-8EB0-0FFA61AB3438}" type="datetimeFigureOut">
               <a:rPr kumimoji="1" lang="ja-JP" altLang="en-US" smtClean="0"/>
-              <a:t>2021/9/10</a:t>
+              <a:t>2021/9/17</a:t>
             </a:fld>
             <a:endParaRPr kumimoji="1" lang="ja-JP" altLang="en-US"/>
           </a:p>
@@ -5634,7 +5637,7 @@
           <a:p>
             <a:fld id="{C8659C27-364E-C74E-8EB0-0FFA61AB3438}" type="datetimeFigureOut">
               <a:rPr kumimoji="1" lang="ja-JP" altLang="en-US" smtClean="0"/>
-              <a:t>2021/9/10</a:t>
+              <a:t>2021/9/17</a:t>
             </a:fld>
             <a:endParaRPr kumimoji="1" lang="ja-JP" altLang="en-US"/>
           </a:p>
@@ -7759,7 +7762,7 @@
           <a:p>
             <a:fld id="{C8659C27-364E-C74E-8EB0-0FFA61AB3438}" type="datetimeFigureOut">
               <a:rPr kumimoji="1" lang="ja-JP" altLang="en-US" smtClean="0"/>
-              <a:t>2021/9/10</a:t>
+              <a:t>2021/9/17</a:t>
             </a:fld>
             <a:endParaRPr kumimoji="1" lang="ja-JP" altLang="en-US"/>
           </a:p>
@@ -17496,8 +17499,8 @@
           </p:sp>
         </mc:Fallback>
       </mc:AlternateContent>
-      <mc:AlternateContent xmlns:mc="http://schemas.openxmlformats.org/markup-compatibility/2006">
-        <mc:Choice xmlns:a14="http://schemas.microsoft.com/office/drawing/2010/main" Requires="a14">
+      <mc:AlternateContent xmlns:mc="http://schemas.openxmlformats.org/markup-compatibility/2006" xmlns:a14="http://schemas.microsoft.com/office/drawing/2010/main">
+        <mc:Choice Requires="a14">
           <p:graphicFrame>
             <p:nvGraphicFramePr>
               <p:cNvPr id="4" name="表 3">
@@ -17948,7 +17951,7 @@
             </a:graphic>
           </p:graphicFrame>
         </mc:Choice>
-        <mc:Fallback>
+        <mc:Fallback xmlns="">
           <p:graphicFrame>
             <p:nvGraphicFramePr>
               <p:cNvPr id="4" name="表 3">
@@ -20112,6 +20115,1228 @@
           <p:cNvPr id="2" name="タイトル 1">
             <a:extLst>
               <a:ext uri="{FF2B5EF4-FFF2-40B4-BE49-F238E27FC236}">
+                <a16:creationId xmlns:a16="http://schemas.microsoft.com/office/drawing/2014/main" id="{67E01A06-7475-E541-961D-071D4242BA42}"/>
+              </a:ext>
+            </a:extLst>
+          </p:cNvPr>
+          <p:cNvSpPr>
+            <a:spLocks noGrp="1"/>
+          </p:cNvSpPr>
+          <p:nvPr>
+            <p:ph type="title"/>
+          </p:nvPr>
+        </p:nvSpPr>
+        <p:spPr/>
+        <p:txBody>
+          <a:bodyPr/>
+          <a:lstStyle/>
+          <a:p>
+            <a:r>
+              <a:rPr lang="en" altLang="ja-JP" dirty="0"/>
+              <a:t>Comparison by insertion method</a:t>
+            </a:r>
+            <a:endParaRPr kumimoji="1" lang="ja-JP" altLang="en-US"/>
+          </a:p>
+        </p:txBody>
+      </p:sp>
+      <p:sp>
+        <p:nvSpPr>
+          <p:cNvPr id="3" name="コンテンツ プレースホルダー 2">
+            <a:extLst>
+              <a:ext uri="{FF2B5EF4-FFF2-40B4-BE49-F238E27FC236}">
+                <a16:creationId xmlns:a16="http://schemas.microsoft.com/office/drawing/2014/main" id="{8FC75E83-6FCB-684F-BB17-BF63CBD11644}"/>
+              </a:ext>
+            </a:extLst>
+          </p:cNvPr>
+          <p:cNvSpPr>
+            <a:spLocks noGrp="1"/>
+          </p:cNvSpPr>
+          <p:nvPr>
+            <p:ph idx="1"/>
+          </p:nvPr>
+        </p:nvSpPr>
+        <p:spPr/>
+        <p:txBody>
+          <a:bodyPr>
+            <a:normAutofit fontScale="92500"/>
+          </a:bodyPr>
+          <a:lstStyle/>
+          <a:p>
+            <a:r>
+              <a:rPr lang="en" altLang="ja-JP" sz="2400" dirty="0"/>
+              <a:t>The calculation time could be reduced, but it would take some time.</a:t>
+            </a:r>
+          </a:p>
+          <a:p>
+            <a:r>
+              <a:rPr lang="en" altLang="ja-JP" sz="2400" dirty="0"/>
+              <a:t>We compared the following two patterns.</a:t>
+            </a:r>
+          </a:p>
+          <a:p>
+            <a:pPr marL="457200" indent="-457200">
+              <a:buFont typeface="+mj-lt"/>
+              <a:buAutoNum type="arabicPeriod"/>
+            </a:pPr>
+            <a:r>
+              <a:rPr lang="en" altLang="ja-JP" sz="2400" dirty="0"/>
+              <a:t>Case that all positions are searched and inserted into the optimal position</a:t>
+            </a:r>
+          </a:p>
+          <a:p>
+            <a:pPr marL="457200" indent="-457200">
+              <a:buFont typeface="+mj-lt"/>
+              <a:buAutoNum type="arabicPeriod"/>
+            </a:pPr>
+            <a:r>
+              <a:rPr lang="en" altLang="ja-JP" sz="2400" dirty="0"/>
+              <a:t>Case that order is inserted randomly</a:t>
+            </a:r>
+          </a:p>
+          <a:p>
+            <a:r>
+              <a:rPr lang="ja-JP" altLang="en-US" sz="2400"/>
+              <a:t>解は良いが、計算時間は割と長くなる</a:t>
+            </a:r>
+            <a:endParaRPr lang="en-US" altLang="ja-JP" sz="2400" dirty="0"/>
+          </a:p>
+          <a:p>
+            <a:r>
+              <a:rPr kumimoji="1" lang="ja-JP" altLang="en-US" sz="2400"/>
+              <a:t>実際のアプリケーションでは、最終的に人がチェックをするので、短めの時間でまあまあのランダムでも十分な可能性もある</a:t>
+            </a:r>
+          </a:p>
+        </p:txBody>
+      </p:sp>
+    </p:spTree>
+    <p:extLst>
+      <p:ext uri="{BB962C8B-B14F-4D97-AF65-F5344CB8AC3E}">
+        <p14:creationId xmlns:p14="http://schemas.microsoft.com/office/powerpoint/2010/main" val="4256518586"/>
+      </p:ext>
+    </p:extLst>
+  </p:cSld>
+  <p:clrMapOvr>
+    <a:masterClrMapping/>
+  </p:clrMapOvr>
+</p:sld>
+</file>
+
+<file path=ppt/slides/slide44.xml><?xml version="1.0" encoding="utf-8"?>
+<p:sld xmlns:a="http://schemas.openxmlformats.org/drawingml/2006/main" xmlns:r="http://schemas.openxmlformats.org/officeDocument/2006/relationships" xmlns:p="http://schemas.openxmlformats.org/presentationml/2006/main">
+  <p:cSld>
+    <p:spTree>
+      <p:nvGrpSpPr>
+        <p:cNvPr id="1" name=""/>
+        <p:cNvGrpSpPr/>
+        <p:nvPr/>
+      </p:nvGrpSpPr>
+      <p:grpSpPr>
+        <a:xfrm>
+          <a:off x="0" y="0"/>
+          <a:ext cx="0" cy="0"/>
+          <a:chOff x="0" y="0"/>
+          <a:chExt cx="0" cy="0"/>
+        </a:xfrm>
+      </p:grpSpPr>
+      <p:sp>
+        <p:nvSpPr>
+          <p:cNvPr id="2" name="タイトル 1">
+            <a:extLst>
+              <a:ext uri="{FF2B5EF4-FFF2-40B4-BE49-F238E27FC236}">
+                <a16:creationId xmlns:a16="http://schemas.microsoft.com/office/drawing/2014/main" id="{0F3E9755-7D4C-E140-A34C-76DD3CC7C081}"/>
+              </a:ext>
+            </a:extLst>
+          </p:cNvPr>
+          <p:cNvSpPr>
+            <a:spLocks noGrp="1"/>
+          </p:cNvSpPr>
+          <p:nvPr>
+            <p:ph type="title"/>
+          </p:nvPr>
+        </p:nvSpPr>
+        <p:spPr>
+          <a:xfrm>
+            <a:off x="2030507" y="624110"/>
+            <a:ext cx="10018058" cy="946492"/>
+          </a:xfrm>
+        </p:spPr>
+        <p:txBody>
+          <a:bodyPr>
+            <a:normAutofit/>
+          </a:bodyPr>
+          <a:lstStyle/>
+          <a:p>
+            <a:r>
+              <a:rPr lang="en-US" altLang="ja-JP" sz="3200" dirty="0"/>
+              <a:t>Our approach to reduce the number of insertions</a:t>
+            </a:r>
+            <a:endParaRPr kumimoji="1" lang="ja-JP" altLang="en-US" sz="3200"/>
+          </a:p>
+        </p:txBody>
+      </p:sp>
+      <p:graphicFrame>
+        <p:nvGraphicFramePr>
+          <p:cNvPr id="4" name="コンテンツ プレースホルダー 3">
+            <a:extLst>
+              <a:ext uri="{FF2B5EF4-FFF2-40B4-BE49-F238E27FC236}">
+                <a16:creationId xmlns:a16="http://schemas.microsoft.com/office/drawing/2014/main" id="{A43B9D2D-517B-CB46-A337-956322EC2B9A}"/>
+              </a:ext>
+            </a:extLst>
+          </p:cNvPr>
+          <p:cNvGraphicFramePr>
+            <a:graphicFrameLocks noGrp="1"/>
+          </p:cNvGraphicFramePr>
+          <p:nvPr>
+            <p:ph idx="1"/>
+            <p:extLst>
+              <p:ext uri="{D42A27DB-BD31-4B8C-83A1-F6EECF244321}">
+                <p14:modId xmlns:p14="http://schemas.microsoft.com/office/powerpoint/2010/main" val="3801254581"/>
+              </p:ext>
+            </p:extLst>
+          </p:nvPr>
+        </p:nvGraphicFramePr>
+        <p:xfrm>
+          <a:off x="2030507" y="1842246"/>
+          <a:ext cx="8982634" cy="4020670"/>
+        </p:xfrm>
+        <a:graphic>
+          <a:graphicData uri="http://schemas.openxmlformats.org/drawingml/2006/table">
+            <a:tbl>
+              <a:tblPr firstRow="1" bandRow="1">
+                <a:tableStyleId>{5C22544A-7EE6-4342-B048-85BDC9FD1C3A}</a:tableStyleId>
+              </a:tblPr>
+              <a:tblGrid>
+                <a:gridCol w="981635">
+                  <a:extLst>
+                    <a:ext uri="{9D8B030D-6E8A-4147-A177-3AD203B41FA5}">
+                      <a16:colId xmlns:a16="http://schemas.microsoft.com/office/drawing/2014/main" val="3767232075"/>
+                    </a:ext>
+                  </a:extLst>
+                </a:gridCol>
+                <a:gridCol w="914399">
+                  <a:extLst>
+                    <a:ext uri="{9D8B030D-6E8A-4147-A177-3AD203B41FA5}">
+                      <a16:colId xmlns:a16="http://schemas.microsoft.com/office/drawing/2014/main" val="3477330652"/>
+                    </a:ext>
+                  </a:extLst>
+                </a:gridCol>
+                <a:gridCol w="1156447">
+                  <a:extLst>
+                    <a:ext uri="{9D8B030D-6E8A-4147-A177-3AD203B41FA5}">
+                      <a16:colId xmlns:a16="http://schemas.microsoft.com/office/drawing/2014/main" val="2984689672"/>
+                    </a:ext>
+                  </a:extLst>
+                </a:gridCol>
+                <a:gridCol w="1196788">
+                  <a:extLst>
+                    <a:ext uri="{9D8B030D-6E8A-4147-A177-3AD203B41FA5}">
+                      <a16:colId xmlns:a16="http://schemas.microsoft.com/office/drawing/2014/main" val="608630972"/>
+                    </a:ext>
+                  </a:extLst>
+                </a:gridCol>
+                <a:gridCol w="1653989">
+                  <a:extLst>
+                    <a:ext uri="{9D8B030D-6E8A-4147-A177-3AD203B41FA5}">
+                      <a16:colId xmlns:a16="http://schemas.microsoft.com/office/drawing/2014/main" val="998590916"/>
+                    </a:ext>
+                  </a:extLst>
+                </a:gridCol>
+                <a:gridCol w="1237130">
+                  <a:extLst>
+                    <a:ext uri="{9D8B030D-6E8A-4147-A177-3AD203B41FA5}">
+                      <a16:colId xmlns:a16="http://schemas.microsoft.com/office/drawing/2014/main" val="4087616215"/>
+                    </a:ext>
+                  </a:extLst>
+                </a:gridCol>
+                <a:gridCol w="1842246">
+                  <a:extLst>
+                    <a:ext uri="{9D8B030D-6E8A-4147-A177-3AD203B41FA5}">
+                      <a16:colId xmlns:a16="http://schemas.microsoft.com/office/drawing/2014/main" val="1391133373"/>
+                    </a:ext>
+                  </a:extLst>
+                </a:gridCol>
+              </a:tblGrid>
+              <a:tr h="1000312">
+                <a:tc>
+                  <a:txBody>
+                    <a:bodyPr/>
+                    <a:lstStyle/>
+                    <a:p>
+                      <a:endParaRPr kumimoji="1" lang="ja-JP" altLang="en-US" sz="2000"/>
+                    </a:p>
+                  </a:txBody>
+                  <a:tcPr/>
+                </a:tc>
+                <a:tc>
+                  <a:txBody>
+                    <a:bodyPr/>
+                    <a:lstStyle/>
+                    <a:p>
+                      <a:endParaRPr kumimoji="1" lang="ja-JP" altLang="en-US" sz="2000"/>
+                    </a:p>
+                  </a:txBody>
+                  <a:tcPr/>
+                </a:tc>
+                <a:tc>
+                  <a:txBody>
+                    <a:bodyPr/>
+                    <a:lstStyle/>
+                    <a:p>
+                      <a:endParaRPr kumimoji="1" lang="ja-JP" altLang="en-US" sz="2000"/>
+                    </a:p>
+                  </a:txBody>
+                  <a:tcPr/>
+                </a:tc>
+                <a:tc gridSpan="2">
+                  <a:txBody>
+                    <a:bodyPr/>
+                    <a:lstStyle/>
+                    <a:p>
+                      <a:pPr marL="0" marR="0" lvl="0" indent="0" algn="ctr" defTabSz="457200" rtl="0" eaLnBrk="1" fontAlgn="auto" latinLnBrk="0" hangingPunct="1">
+                        <a:lnSpc>
+                          <a:spcPct val="100000"/>
+                        </a:lnSpc>
+                        <a:spcBef>
+                          <a:spcPts val="0"/>
+                        </a:spcBef>
+                        <a:spcAft>
+                          <a:spcPts val="0"/>
+                        </a:spcAft>
+                        <a:buClrTx/>
+                        <a:buSzTx/>
+                        <a:buFontTx/>
+                        <a:buNone/>
+                        <a:tabLst/>
+                        <a:defRPr/>
+                      </a:pPr>
+                      <a:r>
+                        <a:rPr kumimoji="1" lang="en" altLang="ja-JP" sz="1800" dirty="0"/>
+                        <a:t>inserting to the best position</a:t>
+                      </a:r>
+                      <a:endParaRPr kumimoji="1" lang="ja-JP" altLang="en-US" sz="1800"/>
+                    </a:p>
+                  </a:txBody>
+                  <a:tcPr/>
+                </a:tc>
+                <a:tc hMerge="1">
+                  <a:txBody>
+                    <a:bodyPr/>
+                    <a:lstStyle/>
+                    <a:p>
+                      <a:pPr marL="0" marR="0" lvl="0" indent="0" algn="ctr" defTabSz="457200" rtl="0" eaLnBrk="1" fontAlgn="auto" latinLnBrk="0" hangingPunct="1">
+                        <a:lnSpc>
+                          <a:spcPct val="100000"/>
+                        </a:lnSpc>
+                        <a:spcBef>
+                          <a:spcPts val="0"/>
+                        </a:spcBef>
+                        <a:spcAft>
+                          <a:spcPts val="0"/>
+                        </a:spcAft>
+                        <a:buClrTx/>
+                        <a:buSzTx/>
+                        <a:buFontTx/>
+                        <a:buNone/>
+                        <a:tabLst/>
+                        <a:defRPr/>
+                      </a:pPr>
+                      <a:endParaRPr kumimoji="1" lang="ja-JP" altLang="en-US" sz="1800"/>
+                    </a:p>
+                  </a:txBody>
+                  <a:tcPr/>
+                </a:tc>
+                <a:tc gridSpan="2">
+                  <a:txBody>
+                    <a:bodyPr/>
+                    <a:lstStyle/>
+                    <a:p>
+                      <a:pPr marL="0" marR="0" lvl="0" indent="0" algn="ctr" defTabSz="457200" rtl="0" eaLnBrk="1" fontAlgn="auto" latinLnBrk="0" hangingPunct="1">
+                        <a:lnSpc>
+                          <a:spcPct val="100000"/>
+                        </a:lnSpc>
+                        <a:spcBef>
+                          <a:spcPts val="0"/>
+                        </a:spcBef>
+                        <a:spcAft>
+                          <a:spcPts val="0"/>
+                        </a:spcAft>
+                        <a:buClrTx/>
+                        <a:buSzTx/>
+                        <a:buFontTx/>
+                        <a:buNone/>
+                        <a:tabLst/>
+                        <a:defRPr/>
+                      </a:pPr>
+                      <a:r>
+                        <a:rPr kumimoji="1" lang="en-US" altLang="ja-JP" sz="1800" dirty="0"/>
+                        <a:t>inserting randomly</a:t>
+                      </a:r>
+                      <a:endParaRPr kumimoji="1" lang="ja-JP" altLang="en-US" sz="1800"/>
+                    </a:p>
+                  </a:txBody>
+                  <a:tcPr/>
+                </a:tc>
+                <a:tc hMerge="1">
+                  <a:txBody>
+                    <a:bodyPr/>
+                    <a:lstStyle/>
+                    <a:p>
+                      <a:pPr marL="0" marR="0" lvl="0" indent="0" algn="ctr" defTabSz="457200" rtl="0" eaLnBrk="1" fontAlgn="auto" latinLnBrk="0" hangingPunct="1">
+                        <a:lnSpc>
+                          <a:spcPct val="100000"/>
+                        </a:lnSpc>
+                        <a:spcBef>
+                          <a:spcPts val="0"/>
+                        </a:spcBef>
+                        <a:spcAft>
+                          <a:spcPts val="0"/>
+                        </a:spcAft>
+                        <a:buClrTx/>
+                        <a:buSzTx/>
+                        <a:buFontTx/>
+                        <a:buNone/>
+                        <a:tabLst/>
+                        <a:defRPr/>
+                      </a:pPr>
+                      <a:endParaRPr kumimoji="1" lang="ja-JP" altLang="en-US" sz="1800"/>
+                    </a:p>
+                  </a:txBody>
+                  <a:tcPr/>
+                </a:tc>
+                <a:extLst>
+                  <a:ext uri="{0D108BD9-81ED-4DB2-BD59-A6C34878D82A}">
+                    <a16:rowId xmlns:a16="http://schemas.microsoft.com/office/drawing/2014/main" val="3982216832"/>
+                  </a:ext>
+                </a:extLst>
+              </a:tr>
+              <a:tr h="1172610">
+                <a:tc>
+                  <a:txBody>
+                    <a:bodyPr/>
+                    <a:lstStyle/>
+                    <a:p>
+                      <a:pPr algn="ctr"/>
+                      <a:r>
+                        <a:rPr kumimoji="1" lang="en-US" altLang="ja-JP" sz="2000" dirty="0" err="1"/>
+                        <a:t>Num</a:t>
+                      </a:r>
+                      <a:r>
+                        <a:rPr kumimoji="1" lang="en-US" altLang="ja-JP" sz="2000" dirty="0"/>
+                        <a:t> of orders</a:t>
+                      </a:r>
+                      <a:endParaRPr kumimoji="1" lang="ja-JP" altLang="en-US" sz="2000"/>
+                    </a:p>
+                  </a:txBody>
+                  <a:tcPr/>
+                </a:tc>
+                <a:tc>
+                  <a:txBody>
+                    <a:bodyPr/>
+                    <a:lstStyle/>
+                    <a:p>
+                      <a:pPr algn="ctr"/>
+                      <a:r>
+                        <a:rPr kumimoji="1" lang="en-US" altLang="ja-JP" sz="2000"/>
+                        <a:t>Num </a:t>
+                      </a:r>
+                    </a:p>
+                    <a:p>
+                      <a:pPr algn="ctr"/>
+                      <a:r>
+                        <a:rPr kumimoji="1" lang="en-US" altLang="ja-JP" sz="2000"/>
+                        <a:t>of L ports</a:t>
+                      </a:r>
+                      <a:endParaRPr kumimoji="1" lang="ja-JP" altLang="en-US" sz="2000"/>
+                    </a:p>
+                  </a:txBody>
+                  <a:tcPr/>
+                </a:tc>
+                <a:tc>
+                  <a:txBody>
+                    <a:bodyPr/>
+                    <a:lstStyle/>
+                    <a:p>
+                      <a:pPr algn="ctr"/>
+                      <a:r>
+                        <a:rPr kumimoji="1" lang="en-US" altLang="ja-JP" sz="2000"/>
+                        <a:t>Num </a:t>
+                      </a:r>
+                    </a:p>
+                    <a:p>
+                      <a:pPr algn="ctr"/>
+                      <a:r>
+                        <a:rPr kumimoji="1" lang="en-US" altLang="ja-JP" sz="2000"/>
+                        <a:t>of D ports</a:t>
+                      </a:r>
+                      <a:endParaRPr kumimoji="1" lang="ja-JP" altLang="en-US" sz="2000"/>
+                    </a:p>
+                  </a:txBody>
+                  <a:tcPr/>
+                </a:tc>
+                <a:tc>
+                  <a:txBody>
+                    <a:bodyPr/>
+                    <a:lstStyle/>
+                    <a:p>
+                      <a:pPr marL="0" marR="0" lvl="0" indent="0" algn="ctr" defTabSz="457200" rtl="0" eaLnBrk="1" fontAlgn="auto" latinLnBrk="0" hangingPunct="1">
+                        <a:lnSpc>
+                          <a:spcPct val="100000"/>
+                        </a:lnSpc>
+                        <a:spcBef>
+                          <a:spcPts val="0"/>
+                        </a:spcBef>
+                        <a:spcAft>
+                          <a:spcPts val="0"/>
+                        </a:spcAft>
+                        <a:buClrTx/>
+                        <a:buSzTx/>
+                        <a:buFontTx/>
+                        <a:buNone/>
+                        <a:tabLst/>
+                        <a:defRPr/>
+                      </a:pPr>
+                      <a:r>
+                        <a:rPr kumimoji="1" lang="en-US" altLang="ja-JP" sz="1800" dirty="0"/>
+                        <a:t>value</a:t>
+                      </a:r>
+                      <a:endParaRPr kumimoji="1" lang="en" altLang="ja-JP" sz="1800" dirty="0"/>
+                    </a:p>
+                  </a:txBody>
+                  <a:tcPr/>
+                </a:tc>
+                <a:tc>
+                  <a:txBody>
+                    <a:bodyPr/>
+                    <a:lstStyle/>
+                    <a:p>
+                      <a:pPr marL="0" marR="0" lvl="0" indent="0" algn="ctr" defTabSz="457200" rtl="0" eaLnBrk="1" fontAlgn="auto" latinLnBrk="0" hangingPunct="1">
+                        <a:lnSpc>
+                          <a:spcPct val="100000"/>
+                        </a:lnSpc>
+                        <a:spcBef>
+                          <a:spcPts val="0"/>
+                        </a:spcBef>
+                        <a:spcAft>
+                          <a:spcPts val="0"/>
+                        </a:spcAft>
+                        <a:buClrTx/>
+                        <a:buSzTx/>
+                        <a:buFontTx/>
+                        <a:buNone/>
+                        <a:tabLst/>
+                        <a:defRPr/>
+                      </a:pPr>
+                      <a:r>
+                        <a:rPr kumimoji="1" lang="en-US" altLang="ja-JP" sz="1800" dirty="0"/>
+                        <a:t>Computation time</a:t>
+                      </a:r>
+                      <a:endParaRPr kumimoji="1" lang="ja-JP" altLang="en-US" sz="1800"/>
+                    </a:p>
+                    <a:p>
+                      <a:pPr marL="0" marR="0" lvl="0" indent="0" algn="ctr" defTabSz="457200" rtl="0" eaLnBrk="1" fontAlgn="auto" latinLnBrk="0" hangingPunct="1">
+                        <a:lnSpc>
+                          <a:spcPct val="100000"/>
+                        </a:lnSpc>
+                        <a:spcBef>
+                          <a:spcPts val="0"/>
+                        </a:spcBef>
+                        <a:spcAft>
+                          <a:spcPts val="0"/>
+                        </a:spcAft>
+                        <a:buClrTx/>
+                        <a:buSzTx/>
+                        <a:buFontTx/>
+                        <a:buNone/>
+                        <a:tabLst/>
+                        <a:defRPr/>
+                      </a:pPr>
+                      <a:endParaRPr kumimoji="1" lang="en" altLang="ja-JP" sz="1800" dirty="0"/>
+                    </a:p>
+                  </a:txBody>
+                  <a:tcPr/>
+                </a:tc>
+                <a:tc>
+                  <a:txBody>
+                    <a:bodyPr/>
+                    <a:lstStyle/>
+                    <a:p>
+                      <a:pPr marL="0" marR="0" lvl="0" indent="0" algn="ctr" defTabSz="457200" rtl="0" eaLnBrk="1" fontAlgn="auto" latinLnBrk="0" hangingPunct="1">
+                        <a:lnSpc>
+                          <a:spcPct val="100000"/>
+                        </a:lnSpc>
+                        <a:spcBef>
+                          <a:spcPts val="0"/>
+                        </a:spcBef>
+                        <a:spcAft>
+                          <a:spcPts val="0"/>
+                        </a:spcAft>
+                        <a:buClrTx/>
+                        <a:buSzTx/>
+                        <a:buFontTx/>
+                        <a:buNone/>
+                        <a:tabLst/>
+                        <a:defRPr/>
+                      </a:pPr>
+                      <a:r>
+                        <a:rPr kumimoji="1" lang="en-US" altLang="ja-JP" sz="1800" dirty="0"/>
+                        <a:t>value</a:t>
+                      </a:r>
+                      <a:endParaRPr kumimoji="1" lang="en" altLang="ja-JP" sz="1800" dirty="0"/>
+                    </a:p>
+                  </a:txBody>
+                  <a:tcPr/>
+                </a:tc>
+                <a:tc>
+                  <a:txBody>
+                    <a:bodyPr/>
+                    <a:lstStyle/>
+                    <a:p>
+                      <a:pPr marL="0" marR="0" lvl="0" indent="0" algn="ctr" defTabSz="457200" rtl="0" eaLnBrk="1" fontAlgn="auto" latinLnBrk="0" hangingPunct="1">
+                        <a:lnSpc>
+                          <a:spcPct val="100000"/>
+                        </a:lnSpc>
+                        <a:spcBef>
+                          <a:spcPts val="0"/>
+                        </a:spcBef>
+                        <a:spcAft>
+                          <a:spcPts val="0"/>
+                        </a:spcAft>
+                        <a:buClrTx/>
+                        <a:buSzTx/>
+                        <a:buFontTx/>
+                        <a:buNone/>
+                        <a:tabLst/>
+                        <a:defRPr/>
+                      </a:pPr>
+                      <a:r>
+                        <a:rPr kumimoji="1" lang="en-US" altLang="ja-JP" sz="1800" dirty="0"/>
+                        <a:t>Computation time</a:t>
+                      </a:r>
+                      <a:endParaRPr kumimoji="1" lang="ja-JP" altLang="en-US" sz="1800"/>
+                    </a:p>
+                    <a:p>
+                      <a:pPr marL="0" marR="0" lvl="0" indent="0" algn="ctr" defTabSz="457200" rtl="0" eaLnBrk="1" fontAlgn="auto" latinLnBrk="0" hangingPunct="1">
+                        <a:lnSpc>
+                          <a:spcPct val="100000"/>
+                        </a:lnSpc>
+                        <a:spcBef>
+                          <a:spcPts val="0"/>
+                        </a:spcBef>
+                        <a:spcAft>
+                          <a:spcPts val="0"/>
+                        </a:spcAft>
+                        <a:buClrTx/>
+                        <a:buSzTx/>
+                        <a:buFontTx/>
+                        <a:buNone/>
+                        <a:tabLst/>
+                        <a:defRPr/>
+                      </a:pPr>
+                      <a:endParaRPr kumimoji="1" lang="en" altLang="ja-JP" sz="1800" dirty="0"/>
+                    </a:p>
+                  </a:txBody>
+                  <a:tcPr/>
+                </a:tc>
+                <a:extLst>
+                  <a:ext uri="{0D108BD9-81ED-4DB2-BD59-A6C34878D82A}">
+                    <a16:rowId xmlns:a16="http://schemas.microsoft.com/office/drawing/2014/main" val="3667031896"/>
+                  </a:ext>
+                </a:extLst>
+              </a:tr>
+              <a:tr h="461937">
+                <a:tc>
+                  <a:txBody>
+                    <a:bodyPr/>
+                    <a:lstStyle/>
+                    <a:p>
+                      <a:pPr algn="ctr"/>
+                      <a:r>
+                        <a:rPr kumimoji="1" lang="en-US" altLang="ja-JP" sz="2000"/>
+                        <a:t>109</a:t>
+                      </a:r>
+                      <a:endParaRPr kumimoji="1" lang="ja-JP" altLang="en-US" sz="2000"/>
+                    </a:p>
+                  </a:txBody>
+                  <a:tcPr/>
+                </a:tc>
+                <a:tc>
+                  <a:txBody>
+                    <a:bodyPr/>
+                    <a:lstStyle/>
+                    <a:p>
+                      <a:pPr algn="ctr"/>
+                      <a:r>
+                        <a:rPr kumimoji="1" lang="en-US" altLang="ja-JP" sz="2000"/>
+                        <a:t>2</a:t>
+                      </a:r>
+                      <a:endParaRPr kumimoji="1" lang="ja-JP" altLang="en-US" sz="2000"/>
+                    </a:p>
+                  </a:txBody>
+                  <a:tcPr/>
+                </a:tc>
+                <a:tc>
+                  <a:txBody>
+                    <a:bodyPr/>
+                    <a:lstStyle/>
+                    <a:p>
+                      <a:pPr algn="ctr"/>
+                      <a:r>
+                        <a:rPr kumimoji="1" lang="en-US" altLang="ja-JP" sz="2000"/>
+                        <a:t>3</a:t>
+                      </a:r>
+                      <a:endParaRPr kumimoji="1" lang="ja-JP" altLang="en-US" sz="2000"/>
+                    </a:p>
+                  </a:txBody>
+                  <a:tcPr/>
+                </a:tc>
+                <a:tc>
+                  <a:txBody>
+                    <a:bodyPr/>
+                    <a:lstStyle/>
+                    <a:p>
+                      <a:pPr algn="ctr"/>
+                      <a:r>
+                        <a:rPr kumimoji="1" lang="en-US" altLang="ja-JP" sz="2000" dirty="0"/>
+                        <a:t>-2533</a:t>
+                      </a:r>
+                      <a:endParaRPr kumimoji="1" lang="ja-JP" altLang="en-US" sz="2000"/>
+                    </a:p>
+                  </a:txBody>
+                  <a:tcPr/>
+                </a:tc>
+                <a:tc>
+                  <a:txBody>
+                    <a:bodyPr/>
+                    <a:lstStyle/>
+                    <a:p>
+                      <a:pPr algn="ctr"/>
+                      <a:r>
+                        <a:rPr kumimoji="1" lang="en-US" altLang="ja-JP" sz="2000" dirty="0"/>
+                        <a:t>2244</a:t>
+                      </a:r>
+                      <a:endParaRPr kumimoji="1" lang="ja-JP" altLang="en-US" sz="2000"/>
+                    </a:p>
+                  </a:txBody>
+                  <a:tcPr/>
+                </a:tc>
+                <a:tc>
+                  <a:txBody>
+                    <a:bodyPr/>
+                    <a:lstStyle/>
+                    <a:p>
+                      <a:pPr algn="ctr"/>
+                      <a:r>
+                        <a:rPr kumimoji="1" lang="en-US" altLang="ja-JP" sz="2000" dirty="0"/>
+                        <a:t>-2975</a:t>
+                      </a:r>
+                      <a:endParaRPr kumimoji="1" lang="ja-JP" altLang="en-US" sz="2000"/>
+                    </a:p>
+                  </a:txBody>
+                  <a:tcPr/>
+                </a:tc>
+                <a:tc>
+                  <a:txBody>
+                    <a:bodyPr/>
+                    <a:lstStyle/>
+                    <a:p>
+                      <a:pPr algn="ctr"/>
+                      <a:r>
+                        <a:rPr kumimoji="1" lang="en-US" altLang="ja-JP" sz="2000" dirty="0"/>
+                        <a:t>873</a:t>
+                      </a:r>
+                      <a:endParaRPr kumimoji="1" lang="ja-JP" altLang="en-US" sz="2000"/>
+                    </a:p>
+                  </a:txBody>
+                  <a:tcPr/>
+                </a:tc>
+                <a:extLst>
+                  <a:ext uri="{0D108BD9-81ED-4DB2-BD59-A6C34878D82A}">
+                    <a16:rowId xmlns:a16="http://schemas.microsoft.com/office/drawing/2014/main" val="2690316513"/>
+                  </a:ext>
+                </a:extLst>
+              </a:tr>
+              <a:tr h="461937">
+                <a:tc>
+                  <a:txBody>
+                    <a:bodyPr/>
+                    <a:lstStyle/>
+                    <a:p>
+                      <a:pPr algn="ctr"/>
+                      <a:r>
+                        <a:rPr kumimoji="1" lang="en-US" altLang="ja-JP" sz="2000"/>
+                        <a:t>109</a:t>
+                      </a:r>
+                      <a:endParaRPr kumimoji="1" lang="ja-JP" altLang="en-US" sz="2000"/>
+                    </a:p>
+                  </a:txBody>
+                  <a:tcPr/>
+                </a:tc>
+                <a:tc>
+                  <a:txBody>
+                    <a:bodyPr/>
+                    <a:lstStyle/>
+                    <a:p>
+                      <a:pPr algn="ctr"/>
+                      <a:r>
+                        <a:rPr kumimoji="1" lang="en-US" altLang="ja-JP" sz="2000"/>
+                        <a:t>2</a:t>
+                      </a:r>
+                      <a:endParaRPr kumimoji="1" lang="en-US" altLang="ja-JP" sz="2000" dirty="0"/>
+                    </a:p>
+                  </a:txBody>
+                  <a:tcPr/>
+                </a:tc>
+                <a:tc>
+                  <a:txBody>
+                    <a:bodyPr/>
+                    <a:lstStyle/>
+                    <a:p>
+                      <a:pPr algn="ctr"/>
+                      <a:r>
+                        <a:rPr kumimoji="1" lang="en-US" altLang="ja-JP" sz="2000"/>
+                        <a:t>5</a:t>
+                      </a:r>
+                      <a:endParaRPr kumimoji="1" lang="ja-JP" altLang="en-US" sz="2000"/>
+                    </a:p>
+                  </a:txBody>
+                  <a:tcPr/>
+                </a:tc>
+                <a:tc>
+                  <a:txBody>
+                    <a:bodyPr/>
+                    <a:lstStyle/>
+                    <a:p>
+                      <a:pPr algn="ctr"/>
+                      <a:r>
+                        <a:rPr kumimoji="1" lang="en-US" altLang="ja-JP" sz="2000" dirty="0"/>
+                        <a:t>-1492</a:t>
+                      </a:r>
+                      <a:endParaRPr kumimoji="1" lang="ja-JP" altLang="en-US" sz="2000"/>
+                    </a:p>
+                  </a:txBody>
+                  <a:tcPr/>
+                </a:tc>
+                <a:tc>
+                  <a:txBody>
+                    <a:bodyPr/>
+                    <a:lstStyle/>
+                    <a:p>
+                      <a:pPr algn="ctr"/>
+                      <a:r>
+                        <a:rPr kumimoji="1" lang="en-US" altLang="ja-JP" sz="2000" dirty="0"/>
+                        <a:t>5051</a:t>
+                      </a:r>
+                      <a:endParaRPr kumimoji="1" lang="ja-JP" altLang="en-US" sz="2000"/>
+                    </a:p>
+                  </a:txBody>
+                  <a:tcPr/>
+                </a:tc>
+                <a:tc>
+                  <a:txBody>
+                    <a:bodyPr/>
+                    <a:lstStyle/>
+                    <a:p>
+                      <a:pPr algn="ctr"/>
+                      <a:r>
+                        <a:rPr kumimoji="1" lang="en-US" altLang="ja-JP" sz="2000" dirty="0"/>
+                        <a:t>-1167</a:t>
+                      </a:r>
+                      <a:endParaRPr kumimoji="1" lang="ja-JP" altLang="en-US" sz="2000"/>
+                    </a:p>
+                  </a:txBody>
+                  <a:tcPr/>
+                </a:tc>
+                <a:tc>
+                  <a:txBody>
+                    <a:bodyPr/>
+                    <a:lstStyle/>
+                    <a:p>
+                      <a:pPr algn="ctr"/>
+                      <a:r>
+                        <a:rPr kumimoji="1" lang="en-US" altLang="ja-JP" sz="2000" dirty="0"/>
+                        <a:t>938</a:t>
+                      </a:r>
+                      <a:endParaRPr kumimoji="1" lang="ja-JP" altLang="en-US" sz="2000"/>
+                    </a:p>
+                  </a:txBody>
+                  <a:tcPr/>
+                </a:tc>
+                <a:extLst>
+                  <a:ext uri="{0D108BD9-81ED-4DB2-BD59-A6C34878D82A}">
+                    <a16:rowId xmlns:a16="http://schemas.microsoft.com/office/drawing/2014/main" val="323683789"/>
+                  </a:ext>
+                </a:extLst>
+              </a:tr>
+              <a:tr h="461937">
+                <a:tc>
+                  <a:txBody>
+                    <a:bodyPr/>
+                    <a:lstStyle/>
+                    <a:p>
+                      <a:pPr algn="ctr"/>
+                      <a:r>
+                        <a:rPr kumimoji="1" lang="en-US" altLang="ja-JP" sz="2000"/>
+                        <a:t>109</a:t>
+                      </a:r>
+                      <a:endParaRPr kumimoji="1" lang="ja-JP" altLang="en-US" sz="2000"/>
+                    </a:p>
+                  </a:txBody>
+                  <a:tcPr/>
+                </a:tc>
+                <a:tc>
+                  <a:txBody>
+                    <a:bodyPr/>
+                    <a:lstStyle/>
+                    <a:p>
+                      <a:pPr algn="ctr"/>
+                      <a:r>
+                        <a:rPr kumimoji="1" lang="en-US" altLang="ja-JP" sz="2000"/>
+                        <a:t>4</a:t>
+                      </a:r>
+                      <a:endParaRPr kumimoji="1" lang="en-US" altLang="ja-JP" sz="2000" dirty="0"/>
+                    </a:p>
+                  </a:txBody>
+                  <a:tcPr/>
+                </a:tc>
+                <a:tc>
+                  <a:txBody>
+                    <a:bodyPr/>
+                    <a:lstStyle/>
+                    <a:p>
+                      <a:pPr algn="ctr"/>
+                      <a:r>
+                        <a:rPr kumimoji="1" lang="en-US" altLang="ja-JP" sz="2000"/>
+                        <a:t>3</a:t>
+                      </a:r>
+                      <a:endParaRPr kumimoji="1" lang="ja-JP" altLang="en-US" sz="2000"/>
+                    </a:p>
+                  </a:txBody>
+                  <a:tcPr/>
+                </a:tc>
+                <a:tc>
+                  <a:txBody>
+                    <a:bodyPr/>
+                    <a:lstStyle/>
+                    <a:p>
+                      <a:pPr algn="ctr"/>
+                      <a:r>
+                        <a:rPr kumimoji="1" lang="en-US" altLang="ja-JP" sz="2000" dirty="0"/>
+                        <a:t>-144</a:t>
+                      </a:r>
+                      <a:endParaRPr kumimoji="1" lang="ja-JP" altLang="en-US" sz="2000"/>
+                    </a:p>
+                  </a:txBody>
+                  <a:tcPr/>
+                </a:tc>
+                <a:tc>
+                  <a:txBody>
+                    <a:bodyPr/>
+                    <a:lstStyle/>
+                    <a:p>
+                      <a:pPr algn="ctr"/>
+                      <a:r>
+                        <a:rPr kumimoji="1" lang="en-US" altLang="ja-JP" sz="2000" dirty="0"/>
+                        <a:t>4965</a:t>
+                      </a:r>
+                      <a:endParaRPr kumimoji="1" lang="ja-JP" altLang="en-US" sz="2000"/>
+                    </a:p>
+                  </a:txBody>
+                  <a:tcPr/>
+                </a:tc>
+                <a:tc>
+                  <a:txBody>
+                    <a:bodyPr/>
+                    <a:lstStyle/>
+                    <a:p>
+                      <a:pPr algn="ctr"/>
+                      <a:r>
+                        <a:rPr kumimoji="1" lang="en-US" altLang="ja-JP" sz="2000" dirty="0"/>
+                        <a:t>-1378</a:t>
+                      </a:r>
+                      <a:endParaRPr kumimoji="1" lang="ja-JP" altLang="en-US" sz="2000"/>
+                    </a:p>
+                  </a:txBody>
+                  <a:tcPr/>
+                </a:tc>
+                <a:tc>
+                  <a:txBody>
+                    <a:bodyPr/>
+                    <a:lstStyle/>
+                    <a:p>
+                      <a:pPr algn="ctr"/>
+                      <a:r>
+                        <a:rPr kumimoji="1" lang="en-US" altLang="ja-JP" sz="2000" dirty="0"/>
+                        <a:t>728</a:t>
+                      </a:r>
+                      <a:endParaRPr kumimoji="1" lang="ja-JP" altLang="en-US" sz="2000"/>
+                    </a:p>
+                  </a:txBody>
+                  <a:tcPr/>
+                </a:tc>
+                <a:extLst>
+                  <a:ext uri="{0D108BD9-81ED-4DB2-BD59-A6C34878D82A}">
+                    <a16:rowId xmlns:a16="http://schemas.microsoft.com/office/drawing/2014/main" val="1536353699"/>
+                  </a:ext>
+                </a:extLst>
+              </a:tr>
+              <a:tr h="461937">
+                <a:tc>
+                  <a:txBody>
+                    <a:bodyPr/>
+                    <a:lstStyle/>
+                    <a:p>
+                      <a:pPr algn="ctr"/>
+                      <a:r>
+                        <a:rPr kumimoji="1" lang="en-US" altLang="ja-JP" sz="2000"/>
+                        <a:t>250</a:t>
+                      </a:r>
+                      <a:endParaRPr kumimoji="1" lang="ja-JP" altLang="en-US" sz="2000"/>
+                    </a:p>
+                  </a:txBody>
+                  <a:tcPr/>
+                </a:tc>
+                <a:tc>
+                  <a:txBody>
+                    <a:bodyPr/>
+                    <a:lstStyle/>
+                    <a:p>
+                      <a:pPr algn="ctr"/>
+                      <a:r>
+                        <a:rPr kumimoji="1" lang="en-US" altLang="ja-JP" sz="2000"/>
+                        <a:t>2</a:t>
+                      </a:r>
+                      <a:endParaRPr kumimoji="1" lang="ja-JP" altLang="en-US" sz="2000"/>
+                    </a:p>
+                  </a:txBody>
+                  <a:tcPr/>
+                </a:tc>
+                <a:tc>
+                  <a:txBody>
+                    <a:bodyPr/>
+                    <a:lstStyle/>
+                    <a:p>
+                      <a:pPr algn="ctr"/>
+                      <a:r>
+                        <a:rPr kumimoji="1" lang="en-US" altLang="ja-JP" sz="2000"/>
+                        <a:t>3</a:t>
+                      </a:r>
+                      <a:endParaRPr kumimoji="1" lang="ja-JP" altLang="en-US" sz="2000"/>
+                    </a:p>
+                  </a:txBody>
+                  <a:tcPr/>
+                </a:tc>
+                <a:tc>
+                  <a:txBody>
+                    <a:bodyPr/>
+                    <a:lstStyle/>
+                    <a:p>
+                      <a:pPr algn="ctr"/>
+                      <a:r>
+                        <a:rPr kumimoji="1" lang="en-US" altLang="ja-JP" sz="2000" dirty="0"/>
+                        <a:t>-2925</a:t>
+                      </a:r>
+                      <a:endParaRPr kumimoji="1" lang="ja-JP" altLang="en-US" sz="2000"/>
+                    </a:p>
+                  </a:txBody>
+                  <a:tcPr/>
+                </a:tc>
+                <a:tc>
+                  <a:txBody>
+                    <a:bodyPr/>
+                    <a:lstStyle/>
+                    <a:p>
+                      <a:pPr algn="ctr"/>
+                      <a:r>
+                        <a:rPr kumimoji="1" lang="en-US" altLang="ja-JP" sz="2000" dirty="0"/>
+                        <a:t>7275</a:t>
+                      </a:r>
+                      <a:endParaRPr kumimoji="1" lang="ja-JP" altLang="en-US" sz="2000"/>
+                    </a:p>
+                  </a:txBody>
+                  <a:tcPr/>
+                </a:tc>
+                <a:tc>
+                  <a:txBody>
+                    <a:bodyPr/>
+                    <a:lstStyle/>
+                    <a:p>
+                      <a:pPr algn="ctr"/>
+                      <a:r>
+                        <a:rPr kumimoji="1" lang="en-US" altLang="ja-JP" sz="2000" dirty="0"/>
+                        <a:t>-2235</a:t>
+                      </a:r>
+                      <a:endParaRPr kumimoji="1" lang="ja-JP" altLang="en-US" sz="2000"/>
+                    </a:p>
+                  </a:txBody>
+                  <a:tcPr/>
+                </a:tc>
+                <a:tc>
+                  <a:txBody>
+                    <a:bodyPr/>
+                    <a:lstStyle/>
+                    <a:p>
+                      <a:pPr algn="ctr"/>
+                      <a:r>
+                        <a:rPr kumimoji="1" lang="en-US" altLang="ja-JP" sz="2000" dirty="0"/>
+                        <a:t>3069</a:t>
+                      </a:r>
+                      <a:endParaRPr kumimoji="1" lang="ja-JP" altLang="en-US" sz="2000"/>
+                    </a:p>
+                  </a:txBody>
+                  <a:tcPr/>
+                </a:tc>
+                <a:extLst>
+                  <a:ext uri="{0D108BD9-81ED-4DB2-BD59-A6C34878D82A}">
+                    <a16:rowId xmlns:a16="http://schemas.microsoft.com/office/drawing/2014/main" val="342577522"/>
+                  </a:ext>
+                </a:extLst>
+              </a:tr>
+            </a:tbl>
+          </a:graphicData>
+        </a:graphic>
+      </p:graphicFrame>
+    </p:spTree>
+    <p:extLst>
+      <p:ext uri="{BB962C8B-B14F-4D97-AF65-F5344CB8AC3E}">
+        <p14:creationId xmlns:p14="http://schemas.microsoft.com/office/powerpoint/2010/main" val="3778888500"/>
+      </p:ext>
+    </p:extLst>
+  </p:cSld>
+  <p:clrMapOvr>
+    <a:masterClrMapping/>
+  </p:clrMapOvr>
+</p:sld>
+</file>
+
+<file path=ppt/slides/slide45.xml><?xml version="1.0" encoding="utf-8"?>
+<p:sld xmlns:a="http://schemas.openxmlformats.org/drawingml/2006/main" xmlns:r="http://schemas.openxmlformats.org/officeDocument/2006/relationships" xmlns:p="http://schemas.openxmlformats.org/presentationml/2006/main">
+  <p:cSld>
+    <p:spTree>
+      <p:nvGrpSpPr>
+        <p:cNvPr id="1" name=""/>
+        <p:cNvGrpSpPr/>
+        <p:nvPr/>
+      </p:nvGrpSpPr>
+      <p:grpSpPr>
+        <a:xfrm>
+          <a:off x="0" y="0"/>
+          <a:ext cx="0" cy="0"/>
+          <a:chOff x="0" y="0"/>
+          <a:chExt cx="0" cy="0"/>
+        </a:xfrm>
+      </p:grpSpPr>
+      <p:sp>
+        <p:nvSpPr>
+          <p:cNvPr id="2" name="タイトル 1">
+            <a:extLst>
+              <a:ext uri="{FF2B5EF4-FFF2-40B4-BE49-F238E27FC236}">
+                <a16:creationId xmlns:a16="http://schemas.microsoft.com/office/drawing/2014/main" id="{67E01A06-7475-E541-961D-071D4242BA42}"/>
+              </a:ext>
+            </a:extLst>
+          </p:cNvPr>
+          <p:cNvSpPr>
+            <a:spLocks noGrp="1"/>
+          </p:cNvSpPr>
+          <p:nvPr>
+            <p:ph type="title"/>
+          </p:nvPr>
+        </p:nvSpPr>
+        <p:spPr/>
+        <p:txBody>
+          <a:bodyPr/>
+          <a:lstStyle/>
+          <a:p>
+            <a:r>
+              <a:rPr lang="en" altLang="ja-JP" dirty="0"/>
+              <a:t>Comparison by insertion method</a:t>
+            </a:r>
+            <a:endParaRPr kumimoji="1" lang="ja-JP" altLang="en-US"/>
+          </a:p>
+        </p:txBody>
+      </p:sp>
+      <p:sp>
+        <p:nvSpPr>
+          <p:cNvPr id="3" name="コンテンツ プレースホルダー 2">
+            <a:extLst>
+              <a:ext uri="{FF2B5EF4-FFF2-40B4-BE49-F238E27FC236}">
+                <a16:creationId xmlns:a16="http://schemas.microsoft.com/office/drawing/2014/main" id="{8FC75E83-6FCB-684F-BB17-BF63CBD11644}"/>
+              </a:ext>
+            </a:extLst>
+          </p:cNvPr>
+          <p:cNvSpPr>
+            <a:spLocks noGrp="1"/>
+          </p:cNvSpPr>
+          <p:nvPr>
+            <p:ph idx="1"/>
+          </p:nvPr>
+        </p:nvSpPr>
+        <p:spPr/>
+        <p:txBody>
+          <a:bodyPr>
+            <a:normAutofit/>
+          </a:bodyPr>
+          <a:lstStyle/>
+          <a:p>
+            <a:r>
+              <a:rPr lang="en" altLang="ja-JP" sz="2400" dirty="0"/>
+              <a:t>Computation time varies greatly.</a:t>
+            </a:r>
+          </a:p>
+          <a:p>
+            <a:r>
+              <a:rPr lang="en" altLang="ja-JP" sz="2400" dirty="0"/>
+              <a:t>The quality of the local optimal solution is not very different between the two approaches.</a:t>
+            </a:r>
+          </a:p>
+          <a:p>
+            <a:r>
+              <a:rPr lang="en" altLang="ja-JP" sz="2400" dirty="0"/>
+              <a:t>When this algorithm is actually used, it will be checked by a person in the end.</a:t>
+            </a:r>
+          </a:p>
+          <a:p>
+            <a:r>
+              <a:rPr lang="en" altLang="ja-JP" sz="2400" dirty="0"/>
+              <a:t>there may be possibilities that obtaining a solution with a certain degree of quality in a short time may be sufficient.</a:t>
+            </a:r>
+          </a:p>
+        </p:txBody>
+      </p:sp>
+    </p:spTree>
+    <p:extLst>
+      <p:ext uri="{BB962C8B-B14F-4D97-AF65-F5344CB8AC3E}">
+        <p14:creationId xmlns:p14="http://schemas.microsoft.com/office/powerpoint/2010/main" val="3116219373"/>
+      </p:ext>
+    </p:extLst>
+  </p:cSld>
+  <p:clrMapOvr>
+    <a:masterClrMapping/>
+  </p:clrMapOvr>
+</p:sld>
+</file>
+
+<file path=ppt/slides/slide46.xml><?xml version="1.0" encoding="utf-8"?>
+<p:sld xmlns:a="http://schemas.openxmlformats.org/drawingml/2006/main" xmlns:r="http://schemas.openxmlformats.org/officeDocument/2006/relationships" xmlns:p="http://schemas.openxmlformats.org/presentationml/2006/main">
+  <p:cSld>
+    <p:spTree>
+      <p:nvGrpSpPr>
+        <p:cNvPr id="1" name=""/>
+        <p:cNvGrpSpPr/>
+        <p:nvPr/>
+      </p:nvGrpSpPr>
+      <p:grpSpPr>
+        <a:xfrm>
+          <a:off x="0" y="0"/>
+          <a:ext cx="0" cy="0"/>
+          <a:chOff x="0" y="0"/>
+          <a:chExt cx="0" cy="0"/>
+        </a:xfrm>
+      </p:grpSpPr>
+      <p:sp>
+        <p:nvSpPr>
+          <p:cNvPr id="2" name="タイトル 1">
+            <a:extLst>
+              <a:ext uri="{FF2B5EF4-FFF2-40B4-BE49-F238E27FC236}">
                 <a16:creationId xmlns:a16="http://schemas.microsoft.com/office/drawing/2014/main" id="{FEEFE181-A7D0-7146-B49E-65AC407C9C2B}"/>
               </a:ext>
             </a:extLst>
@@ -20221,7 +21446,7 @@
 </p:sld>
 </file>
 
-<file path=ppt/slides/slide44.xml><?xml version="1.0" encoding="utf-8"?>
+<file path=ppt/slides/slide47.xml><?xml version="1.0" encoding="utf-8"?>
 <p:sld xmlns:a="http://schemas.openxmlformats.org/drawingml/2006/main" xmlns:r="http://schemas.openxmlformats.org/officeDocument/2006/relationships" xmlns:p="http://schemas.openxmlformats.org/presentationml/2006/main">
   <p:cSld>
     <p:spTree>
@@ -21417,7 +22642,7 @@
 </p:sld>
 </file>
 
-<file path=ppt/slides/slide45.xml><?xml version="1.0" encoding="utf-8"?>
+<file path=ppt/slides/slide48.xml><?xml version="1.0" encoding="utf-8"?>
 <p:sld xmlns:a="http://schemas.openxmlformats.org/drawingml/2006/main" xmlns:r="http://schemas.openxmlformats.org/officeDocument/2006/relationships" xmlns:p="http://schemas.openxmlformats.org/presentationml/2006/main">
   <p:cSld>
     <p:spTree>
@@ -21527,7 +22752,7 @@
 </p:sld>
 </file>
 
-<file path=ppt/slides/slide46.xml><?xml version="1.0" encoding="utf-8"?>
+<file path=ppt/slides/slide49.xml><?xml version="1.0" encoding="utf-8"?>
 <p:sld xmlns:a="http://schemas.openxmlformats.org/drawingml/2006/main" xmlns:r="http://schemas.openxmlformats.org/officeDocument/2006/relationships" xmlns:p="http://schemas.openxmlformats.org/presentationml/2006/main">
   <p:cSld>
     <p:spTree>
@@ -21642,7 +22867,446 @@
 </p:sld>
 </file>
 
-<file path=ppt/slides/slide47.xml><?xml version="1.0" encoding="utf-8"?>
+<file path=ppt/slides/slide5.xml><?xml version="1.0" encoding="utf-8"?>
+<p:sld xmlns:a="http://schemas.openxmlformats.org/drawingml/2006/main" xmlns:r="http://schemas.openxmlformats.org/officeDocument/2006/relationships" xmlns:p="http://schemas.openxmlformats.org/presentationml/2006/main">
+  <p:cSld>
+    <p:spTree>
+      <p:nvGrpSpPr>
+        <p:cNvPr id="1" name=""/>
+        <p:cNvGrpSpPr/>
+        <p:nvPr/>
+      </p:nvGrpSpPr>
+      <p:grpSpPr>
+        <a:xfrm>
+          <a:off x="0" y="0"/>
+          <a:ext cx="0" cy="0"/>
+          <a:chOff x="0" y="0"/>
+          <a:chExt cx="0" cy="0"/>
+        </a:xfrm>
+      </p:grpSpPr>
+      <p:sp>
+        <p:nvSpPr>
+          <p:cNvPr id="3" name="コンテンツ プレースホルダー 2">
+            <a:extLst>
+              <a:ext uri="{FF2B5EF4-FFF2-40B4-BE49-F238E27FC236}">
+                <a16:creationId xmlns:a16="http://schemas.microsoft.com/office/drawing/2014/main" id="{E1E4F098-294C-D141-AD53-3960C7CBF23B}"/>
+              </a:ext>
+            </a:extLst>
+          </p:cNvPr>
+          <p:cNvSpPr>
+            <a:spLocks noGrp="1"/>
+          </p:cNvSpPr>
+          <p:nvPr>
+            <p:ph idx="1"/>
+          </p:nvPr>
+        </p:nvSpPr>
+        <p:spPr>
+          <a:xfrm>
+            <a:off x="2591068" y="1736073"/>
+            <a:ext cx="8915400" cy="3777622"/>
+          </a:xfrm>
+        </p:spPr>
+        <p:txBody>
+          <a:bodyPr>
+            <a:normAutofit/>
+          </a:bodyPr>
+          <a:lstStyle/>
+          <a:p>
+            <a:r>
+              <a:rPr lang="en-US" altLang="ja-JP" sz="2400" dirty="0"/>
+              <a:t>We consider the ships which has 12 decks(floors).</a:t>
+            </a:r>
+          </a:p>
+          <a:p>
+            <a:r>
+              <a:rPr lang="en-US" altLang="ja-JP" sz="2400" dirty="0"/>
+              <a:t>Each deck has up to 4 holds</a:t>
+            </a:r>
+          </a:p>
+        </p:txBody>
+      </p:sp>
+      <p:pic>
+        <p:nvPicPr>
+          <p:cNvPr id="5" name="図 4">
+            <a:extLst>
+              <a:ext uri="{FF2B5EF4-FFF2-40B4-BE49-F238E27FC236}">
+                <a16:creationId xmlns:a16="http://schemas.microsoft.com/office/drawing/2014/main" id="{2842823E-0742-3241-980F-487CA451AA47}"/>
+              </a:ext>
+            </a:extLst>
+          </p:cNvPr>
+          <p:cNvPicPr>
+            <a:picLocks noChangeAspect="1"/>
+          </p:cNvPicPr>
+          <p:nvPr/>
+        </p:nvPicPr>
+        <p:blipFill>
+          <a:blip r:embed="rId2"/>
+          <a:stretch>
+            <a:fillRect/>
+          </a:stretch>
+        </p:blipFill>
+        <p:spPr>
+          <a:xfrm>
+            <a:off x="2589212" y="3384645"/>
+            <a:ext cx="4726017" cy="3093966"/>
+          </a:xfrm>
+          <a:prstGeom prst="rect">
+            <a:avLst/>
+          </a:prstGeom>
+        </p:spPr>
+      </p:pic>
+      <p:cxnSp>
+        <p:nvCxnSpPr>
+          <p:cNvPr id="15" name="直線コネクタ 14">
+            <a:extLst>
+              <a:ext uri="{FF2B5EF4-FFF2-40B4-BE49-F238E27FC236}">
+                <a16:creationId xmlns:a16="http://schemas.microsoft.com/office/drawing/2014/main" id="{E8F2F112-ACAD-BE49-A2A3-3FFF01998D93}"/>
+              </a:ext>
+            </a:extLst>
+          </p:cNvPr>
+          <p:cNvCxnSpPr/>
+          <p:nvPr/>
+        </p:nvCxnSpPr>
+        <p:spPr>
+          <a:xfrm flipV="1">
+            <a:off x="6794612" y="5336275"/>
+            <a:ext cx="998260" cy="354841"/>
+          </a:xfrm>
+          <a:prstGeom prst="line">
+            <a:avLst/>
+          </a:prstGeom>
+        </p:spPr>
+        <p:style>
+          <a:lnRef idx="1">
+            <a:schemeClr val="dk1"/>
+          </a:lnRef>
+          <a:fillRef idx="0">
+            <a:schemeClr val="dk1"/>
+          </a:fillRef>
+          <a:effectRef idx="0">
+            <a:schemeClr val="dk1"/>
+          </a:effectRef>
+          <a:fontRef idx="minor">
+            <a:schemeClr val="tx1"/>
+          </a:fontRef>
+        </p:style>
+      </p:cxnSp>
+      <p:cxnSp>
+        <p:nvCxnSpPr>
+          <p:cNvPr id="11" name="直線コネクタ 10">
+            <a:extLst>
+              <a:ext uri="{FF2B5EF4-FFF2-40B4-BE49-F238E27FC236}">
+                <a16:creationId xmlns:a16="http://schemas.microsoft.com/office/drawing/2014/main" id="{833C8682-9FCC-E645-B37A-6BBCF98D2582}"/>
+              </a:ext>
+            </a:extLst>
+          </p:cNvPr>
+          <p:cNvCxnSpPr/>
+          <p:nvPr/>
+        </p:nvCxnSpPr>
+        <p:spPr>
+          <a:xfrm flipV="1">
+            <a:off x="6946710" y="4776716"/>
+            <a:ext cx="846162" cy="559559"/>
+          </a:xfrm>
+          <a:prstGeom prst="line">
+            <a:avLst/>
+          </a:prstGeom>
+        </p:spPr>
+        <p:style>
+          <a:lnRef idx="1">
+            <a:schemeClr val="dk1"/>
+          </a:lnRef>
+          <a:fillRef idx="0">
+            <a:schemeClr val="dk1"/>
+          </a:fillRef>
+          <a:effectRef idx="0">
+            <a:schemeClr val="dk1"/>
+          </a:effectRef>
+          <a:fontRef idx="minor">
+            <a:schemeClr val="tx1"/>
+          </a:fontRef>
+        </p:style>
+      </p:cxnSp>
+      <p:sp>
+        <p:nvSpPr>
+          <p:cNvPr id="17" name="円/楕円 16">
+            <a:extLst>
+              <a:ext uri="{FF2B5EF4-FFF2-40B4-BE49-F238E27FC236}">
+                <a16:creationId xmlns:a16="http://schemas.microsoft.com/office/drawing/2014/main" id="{E45806FA-8321-B241-B338-5BD47E48E10D}"/>
+              </a:ext>
+            </a:extLst>
+          </p:cNvPr>
+          <p:cNvSpPr/>
+          <p:nvPr/>
+        </p:nvSpPr>
+        <p:spPr>
+          <a:xfrm>
+            <a:off x="7615989" y="4177084"/>
+            <a:ext cx="4228493" cy="1824589"/>
+          </a:xfrm>
+          <a:prstGeom prst="ellipse">
+            <a:avLst/>
+          </a:prstGeom>
+        </p:spPr>
+        <p:style>
+          <a:lnRef idx="2">
+            <a:schemeClr val="accent6"/>
+          </a:lnRef>
+          <a:fillRef idx="1">
+            <a:schemeClr val="lt1"/>
+          </a:fillRef>
+          <a:effectRef idx="0">
+            <a:schemeClr val="accent6"/>
+          </a:effectRef>
+          <a:fontRef idx="minor">
+            <a:schemeClr val="dk1"/>
+          </a:fontRef>
+        </p:style>
+        <p:txBody>
+          <a:bodyPr rtlCol="0" anchor="ctr"/>
+          <a:lstStyle/>
+          <a:p>
+            <a:pPr algn="ctr"/>
+            <a:endParaRPr kumimoji="1" lang="ja-JP" altLang="en-US"/>
+          </a:p>
+        </p:txBody>
+      </p:sp>
+      <p:sp>
+        <p:nvSpPr>
+          <p:cNvPr id="6" name="正方形/長方形 5">
+            <a:extLst>
+              <a:ext uri="{FF2B5EF4-FFF2-40B4-BE49-F238E27FC236}">
+                <a16:creationId xmlns:a16="http://schemas.microsoft.com/office/drawing/2014/main" id="{B04F6E53-1041-C946-A46D-BEB0D0FCB64C}"/>
+              </a:ext>
+            </a:extLst>
+          </p:cNvPr>
+          <p:cNvSpPr/>
+          <p:nvPr/>
+        </p:nvSpPr>
+        <p:spPr>
+          <a:xfrm>
+            <a:off x="8093632" y="4708477"/>
+            <a:ext cx="818866" cy="805218"/>
+          </a:xfrm>
+          <a:prstGeom prst="rect">
+            <a:avLst/>
+          </a:prstGeom>
+        </p:spPr>
+        <p:style>
+          <a:lnRef idx="2">
+            <a:schemeClr val="accent6"/>
+          </a:lnRef>
+          <a:fillRef idx="1">
+            <a:schemeClr val="lt1"/>
+          </a:fillRef>
+          <a:effectRef idx="0">
+            <a:schemeClr val="accent6"/>
+          </a:effectRef>
+          <a:fontRef idx="minor">
+            <a:schemeClr val="dk1"/>
+          </a:fontRef>
+        </p:style>
+        <p:txBody>
+          <a:bodyPr rtlCol="0" anchor="ctr"/>
+          <a:lstStyle/>
+          <a:p>
+            <a:pPr algn="ctr"/>
+            <a:r>
+              <a:rPr kumimoji="1" lang="ja-JP" altLang="en-US"/>
+              <a:t>４</a:t>
+            </a:r>
+          </a:p>
+        </p:txBody>
+      </p:sp>
+      <p:sp>
+        <p:nvSpPr>
+          <p:cNvPr id="7" name="正方形/長方形 6">
+            <a:extLst>
+              <a:ext uri="{FF2B5EF4-FFF2-40B4-BE49-F238E27FC236}">
+                <a16:creationId xmlns:a16="http://schemas.microsoft.com/office/drawing/2014/main" id="{4870ED44-030D-0B47-B560-56379A93FB9E}"/>
+              </a:ext>
+            </a:extLst>
+          </p:cNvPr>
+          <p:cNvSpPr/>
+          <p:nvPr/>
+        </p:nvSpPr>
+        <p:spPr>
+          <a:xfrm>
+            <a:off x="8897634" y="4708477"/>
+            <a:ext cx="818866" cy="805218"/>
+          </a:xfrm>
+          <a:prstGeom prst="rect">
+            <a:avLst/>
+          </a:prstGeom>
+        </p:spPr>
+        <p:style>
+          <a:lnRef idx="2">
+            <a:schemeClr val="accent6"/>
+          </a:lnRef>
+          <a:fillRef idx="1">
+            <a:schemeClr val="lt1"/>
+          </a:fillRef>
+          <a:effectRef idx="0">
+            <a:schemeClr val="accent6"/>
+          </a:effectRef>
+          <a:fontRef idx="minor">
+            <a:schemeClr val="dk1"/>
+          </a:fontRef>
+        </p:style>
+        <p:txBody>
+          <a:bodyPr rtlCol="0" anchor="ctr"/>
+          <a:lstStyle/>
+          <a:p>
+            <a:pPr algn="ctr"/>
+            <a:r>
+              <a:rPr kumimoji="1" lang="ja-JP" altLang="en-US"/>
+              <a:t>３</a:t>
+            </a:r>
+          </a:p>
+        </p:txBody>
+      </p:sp>
+      <p:sp>
+        <p:nvSpPr>
+          <p:cNvPr id="8" name="正方形/長方形 7">
+            <a:extLst>
+              <a:ext uri="{FF2B5EF4-FFF2-40B4-BE49-F238E27FC236}">
+                <a16:creationId xmlns:a16="http://schemas.microsoft.com/office/drawing/2014/main" id="{F7261E6C-68B7-504E-8024-5A3EDDA5CC91}"/>
+              </a:ext>
+            </a:extLst>
+          </p:cNvPr>
+          <p:cNvSpPr/>
+          <p:nvPr/>
+        </p:nvSpPr>
+        <p:spPr>
+          <a:xfrm>
+            <a:off x="9701636" y="4708477"/>
+            <a:ext cx="818866" cy="805218"/>
+          </a:xfrm>
+          <a:prstGeom prst="rect">
+            <a:avLst/>
+          </a:prstGeom>
+        </p:spPr>
+        <p:style>
+          <a:lnRef idx="2">
+            <a:schemeClr val="accent6"/>
+          </a:lnRef>
+          <a:fillRef idx="1">
+            <a:schemeClr val="lt1"/>
+          </a:fillRef>
+          <a:effectRef idx="0">
+            <a:schemeClr val="accent6"/>
+          </a:effectRef>
+          <a:fontRef idx="minor">
+            <a:schemeClr val="dk1"/>
+          </a:fontRef>
+        </p:style>
+        <p:txBody>
+          <a:bodyPr rtlCol="0" anchor="ctr"/>
+          <a:lstStyle/>
+          <a:p>
+            <a:pPr algn="ctr"/>
+            <a:r>
+              <a:rPr kumimoji="1" lang="ja-JP" altLang="en-US"/>
+              <a:t>２</a:t>
+            </a:r>
+          </a:p>
+        </p:txBody>
+      </p:sp>
+      <p:sp>
+        <p:nvSpPr>
+          <p:cNvPr id="9" name="正方形/長方形 8">
+            <a:extLst>
+              <a:ext uri="{FF2B5EF4-FFF2-40B4-BE49-F238E27FC236}">
+                <a16:creationId xmlns:a16="http://schemas.microsoft.com/office/drawing/2014/main" id="{D73A65D0-0289-6544-BFCE-4E05EC166522}"/>
+              </a:ext>
+            </a:extLst>
+          </p:cNvPr>
+          <p:cNvSpPr/>
+          <p:nvPr/>
+        </p:nvSpPr>
+        <p:spPr>
+          <a:xfrm>
+            <a:off x="10534434" y="4708477"/>
+            <a:ext cx="818866" cy="805218"/>
+          </a:xfrm>
+          <a:prstGeom prst="rect">
+            <a:avLst/>
+          </a:prstGeom>
+        </p:spPr>
+        <p:style>
+          <a:lnRef idx="2">
+            <a:schemeClr val="accent6"/>
+          </a:lnRef>
+          <a:fillRef idx="1">
+            <a:schemeClr val="lt1"/>
+          </a:fillRef>
+          <a:effectRef idx="0">
+            <a:schemeClr val="accent6"/>
+          </a:effectRef>
+          <a:fontRef idx="minor">
+            <a:schemeClr val="dk1"/>
+          </a:fontRef>
+        </p:style>
+        <p:txBody>
+          <a:bodyPr rtlCol="0" anchor="ctr"/>
+          <a:lstStyle/>
+          <a:p>
+            <a:pPr algn="ctr"/>
+            <a:r>
+              <a:rPr kumimoji="1" lang="ja-JP" altLang="en-US"/>
+              <a:t>１</a:t>
+            </a:r>
+          </a:p>
+        </p:txBody>
+      </p:sp>
+      <p:sp>
+        <p:nvSpPr>
+          <p:cNvPr id="2" name="タイトル 1">
+            <a:extLst>
+              <a:ext uri="{FF2B5EF4-FFF2-40B4-BE49-F238E27FC236}">
+                <a16:creationId xmlns:a16="http://schemas.microsoft.com/office/drawing/2014/main" id="{7A7A5F4A-71EE-C844-A93C-36C19AEF0EE9}"/>
+              </a:ext>
+            </a:extLst>
+          </p:cNvPr>
+          <p:cNvSpPr>
+            <a:spLocks noGrp="1"/>
+          </p:cNvSpPr>
+          <p:nvPr>
+            <p:ph type="title"/>
+          </p:nvPr>
+        </p:nvSpPr>
+        <p:spPr>
+          <a:xfrm>
+            <a:off x="2592925" y="624110"/>
+            <a:ext cx="8911687" cy="1280890"/>
+          </a:xfrm>
+        </p:spPr>
+        <p:txBody>
+          <a:bodyPr/>
+          <a:lstStyle/>
+          <a:p>
+            <a:r>
+              <a:rPr kumimoji="1" lang="en-US" altLang="ja-JP" dirty="0"/>
+              <a:t>Problem Definition</a:t>
+            </a:r>
+            <a:endParaRPr kumimoji="1" lang="ja-JP" altLang="en-US"/>
+          </a:p>
+        </p:txBody>
+      </p:sp>
+    </p:spTree>
+    <p:extLst>
+      <p:ext uri="{BB962C8B-B14F-4D97-AF65-F5344CB8AC3E}">
+        <p14:creationId xmlns:p14="http://schemas.microsoft.com/office/powerpoint/2010/main" val="3873094983"/>
+      </p:ext>
+    </p:extLst>
+  </p:cSld>
+  <p:clrMapOvr>
+    <a:masterClrMapping/>
+  </p:clrMapOvr>
+</p:sld>
+</file>
+
+<file path=ppt/slides/slide50.xml><?xml version="1.0" encoding="utf-8"?>
 <p:sld xmlns:a="http://schemas.openxmlformats.org/drawingml/2006/main" xmlns:r="http://schemas.openxmlformats.org/officeDocument/2006/relationships" xmlns:p="http://schemas.openxmlformats.org/presentationml/2006/main">
   <p:cSld>
     <p:spTree>
@@ -23098,7 +24762,7 @@
 </p:sld>
 </file>
 
-<file path=ppt/slides/slide48.xml><?xml version="1.0" encoding="utf-8"?>
+<file path=ppt/slides/slide51.xml><?xml version="1.0" encoding="utf-8"?>
 <p:sld xmlns:a="http://schemas.openxmlformats.org/drawingml/2006/main" xmlns:r="http://schemas.openxmlformats.org/officeDocument/2006/relationships" xmlns:p="http://schemas.openxmlformats.org/presentationml/2006/main">
   <p:cSld>
     <p:spTree>
@@ -23214,7 +24878,7 @@
 </p:sld>
 </file>
 
-<file path=ppt/slides/slide49.xml><?xml version="1.0" encoding="utf-8"?>
+<file path=ppt/slides/slide52.xml><?xml version="1.0" encoding="utf-8"?>
 <p:sld xmlns:a="http://schemas.openxmlformats.org/drawingml/2006/main" xmlns:r="http://schemas.openxmlformats.org/officeDocument/2006/relationships" xmlns:p="http://schemas.openxmlformats.org/presentationml/2006/main">
   <p:cSld>
     <p:spTree>
@@ -23368,445 +25032,6 @@
     <p:extLst>
       <p:ext uri="{BB962C8B-B14F-4D97-AF65-F5344CB8AC3E}">
         <p14:creationId xmlns:p14="http://schemas.microsoft.com/office/powerpoint/2010/main" val="547483656"/>
-      </p:ext>
-    </p:extLst>
-  </p:cSld>
-  <p:clrMapOvr>
-    <a:masterClrMapping/>
-  </p:clrMapOvr>
-</p:sld>
-</file>
-
-<file path=ppt/slides/slide5.xml><?xml version="1.0" encoding="utf-8"?>
-<p:sld xmlns:a="http://schemas.openxmlformats.org/drawingml/2006/main" xmlns:r="http://schemas.openxmlformats.org/officeDocument/2006/relationships" xmlns:p="http://schemas.openxmlformats.org/presentationml/2006/main">
-  <p:cSld>
-    <p:spTree>
-      <p:nvGrpSpPr>
-        <p:cNvPr id="1" name=""/>
-        <p:cNvGrpSpPr/>
-        <p:nvPr/>
-      </p:nvGrpSpPr>
-      <p:grpSpPr>
-        <a:xfrm>
-          <a:off x="0" y="0"/>
-          <a:ext cx="0" cy="0"/>
-          <a:chOff x="0" y="0"/>
-          <a:chExt cx="0" cy="0"/>
-        </a:xfrm>
-      </p:grpSpPr>
-      <p:sp>
-        <p:nvSpPr>
-          <p:cNvPr id="3" name="コンテンツ プレースホルダー 2">
-            <a:extLst>
-              <a:ext uri="{FF2B5EF4-FFF2-40B4-BE49-F238E27FC236}">
-                <a16:creationId xmlns:a16="http://schemas.microsoft.com/office/drawing/2014/main" id="{E1E4F098-294C-D141-AD53-3960C7CBF23B}"/>
-              </a:ext>
-            </a:extLst>
-          </p:cNvPr>
-          <p:cNvSpPr>
-            <a:spLocks noGrp="1"/>
-          </p:cNvSpPr>
-          <p:nvPr>
-            <p:ph idx="1"/>
-          </p:nvPr>
-        </p:nvSpPr>
-        <p:spPr>
-          <a:xfrm>
-            <a:off x="2591068" y="1736073"/>
-            <a:ext cx="8915400" cy="3777622"/>
-          </a:xfrm>
-        </p:spPr>
-        <p:txBody>
-          <a:bodyPr>
-            <a:normAutofit/>
-          </a:bodyPr>
-          <a:lstStyle/>
-          <a:p>
-            <a:r>
-              <a:rPr lang="en-US" altLang="ja-JP" sz="2400" dirty="0"/>
-              <a:t>We consider the ships which has 12 decks(floors).</a:t>
-            </a:r>
-          </a:p>
-          <a:p>
-            <a:r>
-              <a:rPr lang="en-US" altLang="ja-JP" sz="2400" dirty="0"/>
-              <a:t>Each deck has up to 4 holds</a:t>
-            </a:r>
-          </a:p>
-        </p:txBody>
-      </p:sp>
-      <p:pic>
-        <p:nvPicPr>
-          <p:cNvPr id="5" name="図 4">
-            <a:extLst>
-              <a:ext uri="{FF2B5EF4-FFF2-40B4-BE49-F238E27FC236}">
-                <a16:creationId xmlns:a16="http://schemas.microsoft.com/office/drawing/2014/main" id="{2842823E-0742-3241-980F-487CA451AA47}"/>
-              </a:ext>
-            </a:extLst>
-          </p:cNvPr>
-          <p:cNvPicPr>
-            <a:picLocks noChangeAspect="1"/>
-          </p:cNvPicPr>
-          <p:nvPr/>
-        </p:nvPicPr>
-        <p:blipFill>
-          <a:blip r:embed="rId2"/>
-          <a:stretch>
-            <a:fillRect/>
-          </a:stretch>
-        </p:blipFill>
-        <p:spPr>
-          <a:xfrm>
-            <a:off x="2589212" y="3384645"/>
-            <a:ext cx="4726017" cy="3093966"/>
-          </a:xfrm>
-          <a:prstGeom prst="rect">
-            <a:avLst/>
-          </a:prstGeom>
-        </p:spPr>
-      </p:pic>
-      <p:cxnSp>
-        <p:nvCxnSpPr>
-          <p:cNvPr id="15" name="直線コネクタ 14">
-            <a:extLst>
-              <a:ext uri="{FF2B5EF4-FFF2-40B4-BE49-F238E27FC236}">
-                <a16:creationId xmlns:a16="http://schemas.microsoft.com/office/drawing/2014/main" id="{E8F2F112-ACAD-BE49-A2A3-3FFF01998D93}"/>
-              </a:ext>
-            </a:extLst>
-          </p:cNvPr>
-          <p:cNvCxnSpPr/>
-          <p:nvPr/>
-        </p:nvCxnSpPr>
-        <p:spPr>
-          <a:xfrm flipV="1">
-            <a:off x="6794612" y="5336275"/>
-            <a:ext cx="998260" cy="354841"/>
-          </a:xfrm>
-          <a:prstGeom prst="line">
-            <a:avLst/>
-          </a:prstGeom>
-        </p:spPr>
-        <p:style>
-          <a:lnRef idx="1">
-            <a:schemeClr val="dk1"/>
-          </a:lnRef>
-          <a:fillRef idx="0">
-            <a:schemeClr val="dk1"/>
-          </a:fillRef>
-          <a:effectRef idx="0">
-            <a:schemeClr val="dk1"/>
-          </a:effectRef>
-          <a:fontRef idx="minor">
-            <a:schemeClr val="tx1"/>
-          </a:fontRef>
-        </p:style>
-      </p:cxnSp>
-      <p:cxnSp>
-        <p:nvCxnSpPr>
-          <p:cNvPr id="11" name="直線コネクタ 10">
-            <a:extLst>
-              <a:ext uri="{FF2B5EF4-FFF2-40B4-BE49-F238E27FC236}">
-                <a16:creationId xmlns:a16="http://schemas.microsoft.com/office/drawing/2014/main" id="{833C8682-9FCC-E645-B37A-6BBCF98D2582}"/>
-              </a:ext>
-            </a:extLst>
-          </p:cNvPr>
-          <p:cNvCxnSpPr/>
-          <p:nvPr/>
-        </p:nvCxnSpPr>
-        <p:spPr>
-          <a:xfrm flipV="1">
-            <a:off x="6946710" y="4776716"/>
-            <a:ext cx="846162" cy="559559"/>
-          </a:xfrm>
-          <a:prstGeom prst="line">
-            <a:avLst/>
-          </a:prstGeom>
-        </p:spPr>
-        <p:style>
-          <a:lnRef idx="1">
-            <a:schemeClr val="dk1"/>
-          </a:lnRef>
-          <a:fillRef idx="0">
-            <a:schemeClr val="dk1"/>
-          </a:fillRef>
-          <a:effectRef idx="0">
-            <a:schemeClr val="dk1"/>
-          </a:effectRef>
-          <a:fontRef idx="minor">
-            <a:schemeClr val="tx1"/>
-          </a:fontRef>
-        </p:style>
-      </p:cxnSp>
-      <p:sp>
-        <p:nvSpPr>
-          <p:cNvPr id="17" name="円/楕円 16">
-            <a:extLst>
-              <a:ext uri="{FF2B5EF4-FFF2-40B4-BE49-F238E27FC236}">
-                <a16:creationId xmlns:a16="http://schemas.microsoft.com/office/drawing/2014/main" id="{E45806FA-8321-B241-B338-5BD47E48E10D}"/>
-              </a:ext>
-            </a:extLst>
-          </p:cNvPr>
-          <p:cNvSpPr/>
-          <p:nvPr/>
-        </p:nvSpPr>
-        <p:spPr>
-          <a:xfrm>
-            <a:off x="7615989" y="4177084"/>
-            <a:ext cx="4228493" cy="1824589"/>
-          </a:xfrm>
-          <a:prstGeom prst="ellipse">
-            <a:avLst/>
-          </a:prstGeom>
-        </p:spPr>
-        <p:style>
-          <a:lnRef idx="2">
-            <a:schemeClr val="accent6"/>
-          </a:lnRef>
-          <a:fillRef idx="1">
-            <a:schemeClr val="lt1"/>
-          </a:fillRef>
-          <a:effectRef idx="0">
-            <a:schemeClr val="accent6"/>
-          </a:effectRef>
-          <a:fontRef idx="minor">
-            <a:schemeClr val="dk1"/>
-          </a:fontRef>
-        </p:style>
-        <p:txBody>
-          <a:bodyPr rtlCol="0" anchor="ctr"/>
-          <a:lstStyle/>
-          <a:p>
-            <a:pPr algn="ctr"/>
-            <a:endParaRPr kumimoji="1" lang="ja-JP" altLang="en-US"/>
-          </a:p>
-        </p:txBody>
-      </p:sp>
-      <p:sp>
-        <p:nvSpPr>
-          <p:cNvPr id="6" name="正方形/長方形 5">
-            <a:extLst>
-              <a:ext uri="{FF2B5EF4-FFF2-40B4-BE49-F238E27FC236}">
-                <a16:creationId xmlns:a16="http://schemas.microsoft.com/office/drawing/2014/main" id="{B04F6E53-1041-C946-A46D-BEB0D0FCB64C}"/>
-              </a:ext>
-            </a:extLst>
-          </p:cNvPr>
-          <p:cNvSpPr/>
-          <p:nvPr/>
-        </p:nvSpPr>
-        <p:spPr>
-          <a:xfrm>
-            <a:off x="8093632" y="4708477"/>
-            <a:ext cx="818866" cy="805218"/>
-          </a:xfrm>
-          <a:prstGeom prst="rect">
-            <a:avLst/>
-          </a:prstGeom>
-        </p:spPr>
-        <p:style>
-          <a:lnRef idx="2">
-            <a:schemeClr val="accent6"/>
-          </a:lnRef>
-          <a:fillRef idx="1">
-            <a:schemeClr val="lt1"/>
-          </a:fillRef>
-          <a:effectRef idx="0">
-            <a:schemeClr val="accent6"/>
-          </a:effectRef>
-          <a:fontRef idx="minor">
-            <a:schemeClr val="dk1"/>
-          </a:fontRef>
-        </p:style>
-        <p:txBody>
-          <a:bodyPr rtlCol="0" anchor="ctr"/>
-          <a:lstStyle/>
-          <a:p>
-            <a:pPr algn="ctr"/>
-            <a:r>
-              <a:rPr kumimoji="1" lang="ja-JP" altLang="en-US"/>
-              <a:t>４</a:t>
-            </a:r>
-          </a:p>
-        </p:txBody>
-      </p:sp>
-      <p:sp>
-        <p:nvSpPr>
-          <p:cNvPr id="7" name="正方形/長方形 6">
-            <a:extLst>
-              <a:ext uri="{FF2B5EF4-FFF2-40B4-BE49-F238E27FC236}">
-                <a16:creationId xmlns:a16="http://schemas.microsoft.com/office/drawing/2014/main" id="{4870ED44-030D-0B47-B560-56379A93FB9E}"/>
-              </a:ext>
-            </a:extLst>
-          </p:cNvPr>
-          <p:cNvSpPr/>
-          <p:nvPr/>
-        </p:nvSpPr>
-        <p:spPr>
-          <a:xfrm>
-            <a:off x="8897634" y="4708477"/>
-            <a:ext cx="818866" cy="805218"/>
-          </a:xfrm>
-          <a:prstGeom prst="rect">
-            <a:avLst/>
-          </a:prstGeom>
-        </p:spPr>
-        <p:style>
-          <a:lnRef idx="2">
-            <a:schemeClr val="accent6"/>
-          </a:lnRef>
-          <a:fillRef idx="1">
-            <a:schemeClr val="lt1"/>
-          </a:fillRef>
-          <a:effectRef idx="0">
-            <a:schemeClr val="accent6"/>
-          </a:effectRef>
-          <a:fontRef idx="minor">
-            <a:schemeClr val="dk1"/>
-          </a:fontRef>
-        </p:style>
-        <p:txBody>
-          <a:bodyPr rtlCol="0" anchor="ctr"/>
-          <a:lstStyle/>
-          <a:p>
-            <a:pPr algn="ctr"/>
-            <a:r>
-              <a:rPr kumimoji="1" lang="ja-JP" altLang="en-US"/>
-              <a:t>３</a:t>
-            </a:r>
-          </a:p>
-        </p:txBody>
-      </p:sp>
-      <p:sp>
-        <p:nvSpPr>
-          <p:cNvPr id="8" name="正方形/長方形 7">
-            <a:extLst>
-              <a:ext uri="{FF2B5EF4-FFF2-40B4-BE49-F238E27FC236}">
-                <a16:creationId xmlns:a16="http://schemas.microsoft.com/office/drawing/2014/main" id="{F7261E6C-68B7-504E-8024-5A3EDDA5CC91}"/>
-              </a:ext>
-            </a:extLst>
-          </p:cNvPr>
-          <p:cNvSpPr/>
-          <p:nvPr/>
-        </p:nvSpPr>
-        <p:spPr>
-          <a:xfrm>
-            <a:off x="9701636" y="4708477"/>
-            <a:ext cx="818866" cy="805218"/>
-          </a:xfrm>
-          <a:prstGeom prst="rect">
-            <a:avLst/>
-          </a:prstGeom>
-        </p:spPr>
-        <p:style>
-          <a:lnRef idx="2">
-            <a:schemeClr val="accent6"/>
-          </a:lnRef>
-          <a:fillRef idx="1">
-            <a:schemeClr val="lt1"/>
-          </a:fillRef>
-          <a:effectRef idx="0">
-            <a:schemeClr val="accent6"/>
-          </a:effectRef>
-          <a:fontRef idx="minor">
-            <a:schemeClr val="dk1"/>
-          </a:fontRef>
-        </p:style>
-        <p:txBody>
-          <a:bodyPr rtlCol="0" anchor="ctr"/>
-          <a:lstStyle/>
-          <a:p>
-            <a:pPr algn="ctr"/>
-            <a:r>
-              <a:rPr kumimoji="1" lang="ja-JP" altLang="en-US"/>
-              <a:t>２</a:t>
-            </a:r>
-          </a:p>
-        </p:txBody>
-      </p:sp>
-      <p:sp>
-        <p:nvSpPr>
-          <p:cNvPr id="9" name="正方形/長方形 8">
-            <a:extLst>
-              <a:ext uri="{FF2B5EF4-FFF2-40B4-BE49-F238E27FC236}">
-                <a16:creationId xmlns:a16="http://schemas.microsoft.com/office/drawing/2014/main" id="{D73A65D0-0289-6544-BFCE-4E05EC166522}"/>
-              </a:ext>
-            </a:extLst>
-          </p:cNvPr>
-          <p:cNvSpPr/>
-          <p:nvPr/>
-        </p:nvSpPr>
-        <p:spPr>
-          <a:xfrm>
-            <a:off x="10534434" y="4708477"/>
-            <a:ext cx="818866" cy="805218"/>
-          </a:xfrm>
-          <a:prstGeom prst="rect">
-            <a:avLst/>
-          </a:prstGeom>
-        </p:spPr>
-        <p:style>
-          <a:lnRef idx="2">
-            <a:schemeClr val="accent6"/>
-          </a:lnRef>
-          <a:fillRef idx="1">
-            <a:schemeClr val="lt1"/>
-          </a:fillRef>
-          <a:effectRef idx="0">
-            <a:schemeClr val="accent6"/>
-          </a:effectRef>
-          <a:fontRef idx="minor">
-            <a:schemeClr val="dk1"/>
-          </a:fontRef>
-        </p:style>
-        <p:txBody>
-          <a:bodyPr rtlCol="0" anchor="ctr"/>
-          <a:lstStyle/>
-          <a:p>
-            <a:pPr algn="ctr"/>
-            <a:r>
-              <a:rPr kumimoji="1" lang="ja-JP" altLang="en-US"/>
-              <a:t>１</a:t>
-            </a:r>
-          </a:p>
-        </p:txBody>
-      </p:sp>
-      <p:sp>
-        <p:nvSpPr>
-          <p:cNvPr id="2" name="タイトル 1">
-            <a:extLst>
-              <a:ext uri="{FF2B5EF4-FFF2-40B4-BE49-F238E27FC236}">
-                <a16:creationId xmlns:a16="http://schemas.microsoft.com/office/drawing/2014/main" id="{7A7A5F4A-71EE-C844-A93C-36C19AEF0EE9}"/>
-              </a:ext>
-            </a:extLst>
-          </p:cNvPr>
-          <p:cNvSpPr>
-            <a:spLocks noGrp="1"/>
-          </p:cNvSpPr>
-          <p:nvPr>
-            <p:ph type="title"/>
-          </p:nvPr>
-        </p:nvSpPr>
-        <p:spPr>
-          <a:xfrm>
-            <a:off x="2592925" y="624110"/>
-            <a:ext cx="8911687" cy="1280890"/>
-          </a:xfrm>
-        </p:spPr>
-        <p:txBody>
-          <a:bodyPr/>
-          <a:lstStyle/>
-          <a:p>
-            <a:r>
-              <a:rPr kumimoji="1" lang="en-US" altLang="ja-JP" dirty="0"/>
-              <a:t>Problem Definition</a:t>
-            </a:r>
-            <a:endParaRPr kumimoji="1" lang="ja-JP" altLang="en-US"/>
-          </a:p>
-        </p:txBody>
-      </p:sp>
-    </p:spTree>
-    <p:extLst>
-      <p:ext uri="{BB962C8B-B14F-4D97-AF65-F5344CB8AC3E}">
-        <p14:creationId xmlns:p14="http://schemas.microsoft.com/office/powerpoint/2010/main" val="3873094983"/>
       </p:ext>
     </p:extLst>
   </p:cSld>

--- a/竹田_修論発表.pptx
+++ b/竹田_修論発表.pptx
@@ -46,17 +46,22 @@
     <p:sldId id="590" r:id="rId40"/>
     <p:sldId id="592" r:id="rId41"/>
     <p:sldId id="594" r:id="rId42"/>
-    <p:sldId id="595" r:id="rId43"/>
-    <p:sldId id="596" r:id="rId44"/>
-    <p:sldId id="597" r:id="rId45"/>
-    <p:sldId id="598" r:id="rId46"/>
-    <p:sldId id="578" r:id="rId47"/>
-    <p:sldId id="582" r:id="rId48"/>
-    <p:sldId id="583" r:id="rId49"/>
-    <p:sldId id="586" r:id="rId50"/>
-    <p:sldId id="584" r:id="rId51"/>
-    <p:sldId id="585" r:id="rId52"/>
-    <p:sldId id="561" r:id="rId53"/>
+    <p:sldId id="596" r:id="rId43"/>
+    <p:sldId id="597" r:id="rId44"/>
+    <p:sldId id="598" r:id="rId45"/>
+    <p:sldId id="578" r:id="rId46"/>
+    <p:sldId id="582" r:id="rId47"/>
+    <p:sldId id="583" r:id="rId48"/>
+    <p:sldId id="599" r:id="rId49"/>
+    <p:sldId id="600" r:id="rId50"/>
+    <p:sldId id="601" r:id="rId51"/>
+    <p:sldId id="602" r:id="rId52"/>
+    <p:sldId id="603" r:id="rId53"/>
+    <p:sldId id="604" r:id="rId54"/>
+    <p:sldId id="586" r:id="rId55"/>
+    <p:sldId id="584" r:id="rId56"/>
+    <p:sldId id="585" r:id="rId57"/>
+    <p:sldId id="561" r:id="rId58"/>
   </p:sldIdLst>
   <p:sldSz cx="12192000" cy="6858000"/>
   <p:notesSz cx="6858000" cy="9144000"/>
@@ -20042,123 +20047,8 @@
         </p:nvSpPr>
         <p:spPr/>
         <p:txBody>
-          <a:bodyPr/>
-          <a:lstStyle/>
-          <a:p>
-            <a:r>
-              <a:rPr kumimoji="1" lang="ja-JP" altLang="en-US"/>
-              <a:t>計算時間を短縮したと言っても、少し時間はかかる</a:t>
-            </a:r>
-            <a:endParaRPr kumimoji="1" lang="en-US" altLang="ja-JP" dirty="0"/>
-          </a:p>
-          <a:p>
-            <a:r>
-              <a:rPr kumimoji="1" lang="ja-JP" altLang="en-US"/>
-              <a:t>最適な挿入場所と、ランダムに挿入した場合の比較</a:t>
-            </a:r>
-            <a:endParaRPr lang="en-US" altLang="ja-JP" dirty="0"/>
-          </a:p>
-          <a:p>
-            <a:r>
-              <a:rPr kumimoji="1" lang="ja-JP" altLang="en-US"/>
-              <a:t>表</a:t>
-            </a:r>
-            <a:endParaRPr kumimoji="1" lang="en-US" altLang="ja-JP" dirty="0"/>
-          </a:p>
-          <a:p>
-            <a:r>
-              <a:rPr lang="ja-JP" altLang="en-US"/>
-              <a:t>解は良いが、計算時間は割と長くなる</a:t>
-            </a:r>
-            <a:endParaRPr lang="en-US" altLang="ja-JP" dirty="0"/>
-          </a:p>
-          <a:p>
-            <a:r>
-              <a:rPr kumimoji="1" lang="ja-JP" altLang="en-US"/>
-              <a:t>実際のアプリケーションでは、最終的に人がチェックをするので、短めの時間でまあまあのランダムでも十分な可能性もある</a:t>
-            </a:r>
-          </a:p>
-        </p:txBody>
-      </p:sp>
-    </p:spTree>
-    <p:extLst>
-      <p:ext uri="{BB962C8B-B14F-4D97-AF65-F5344CB8AC3E}">
-        <p14:creationId xmlns:p14="http://schemas.microsoft.com/office/powerpoint/2010/main" val="1868479569"/>
-      </p:ext>
-    </p:extLst>
-  </p:cSld>
-  <p:clrMapOvr>
-    <a:masterClrMapping/>
-  </p:clrMapOvr>
-</p:sld>
-</file>
-
-<file path=ppt/slides/slide43.xml><?xml version="1.0" encoding="utf-8"?>
-<p:sld xmlns:a="http://schemas.openxmlformats.org/drawingml/2006/main" xmlns:r="http://schemas.openxmlformats.org/officeDocument/2006/relationships" xmlns:p="http://schemas.openxmlformats.org/presentationml/2006/main">
-  <p:cSld>
-    <p:spTree>
-      <p:nvGrpSpPr>
-        <p:cNvPr id="1" name=""/>
-        <p:cNvGrpSpPr/>
-        <p:nvPr/>
-      </p:nvGrpSpPr>
-      <p:grpSpPr>
-        <a:xfrm>
-          <a:off x="0" y="0"/>
-          <a:ext cx="0" cy="0"/>
-          <a:chOff x="0" y="0"/>
-          <a:chExt cx="0" cy="0"/>
-        </a:xfrm>
-      </p:grpSpPr>
-      <p:sp>
-        <p:nvSpPr>
-          <p:cNvPr id="2" name="タイトル 1">
-            <a:extLst>
-              <a:ext uri="{FF2B5EF4-FFF2-40B4-BE49-F238E27FC236}">
-                <a16:creationId xmlns:a16="http://schemas.microsoft.com/office/drawing/2014/main" id="{67E01A06-7475-E541-961D-071D4242BA42}"/>
-              </a:ext>
-            </a:extLst>
-          </p:cNvPr>
-          <p:cNvSpPr>
-            <a:spLocks noGrp="1"/>
-          </p:cNvSpPr>
-          <p:nvPr>
-            <p:ph type="title"/>
-          </p:nvPr>
-        </p:nvSpPr>
-        <p:spPr/>
-        <p:txBody>
-          <a:bodyPr/>
-          <a:lstStyle/>
-          <a:p>
-            <a:r>
-              <a:rPr lang="en" altLang="ja-JP" dirty="0"/>
-              <a:t>Comparison by insertion method</a:t>
-            </a:r>
-            <a:endParaRPr kumimoji="1" lang="ja-JP" altLang="en-US"/>
-          </a:p>
-        </p:txBody>
-      </p:sp>
-      <p:sp>
-        <p:nvSpPr>
-          <p:cNvPr id="3" name="コンテンツ プレースホルダー 2">
-            <a:extLst>
-              <a:ext uri="{FF2B5EF4-FFF2-40B4-BE49-F238E27FC236}">
-                <a16:creationId xmlns:a16="http://schemas.microsoft.com/office/drawing/2014/main" id="{8FC75E83-6FCB-684F-BB17-BF63CBD11644}"/>
-              </a:ext>
-            </a:extLst>
-          </p:cNvPr>
-          <p:cNvSpPr>
-            <a:spLocks noGrp="1"/>
-          </p:cNvSpPr>
-          <p:nvPr>
-            <p:ph idx="1"/>
-          </p:nvPr>
-        </p:nvSpPr>
-        <p:spPr/>
-        <p:txBody>
           <a:bodyPr>
-            <a:normAutofit fontScale="92500"/>
+            <a:normAutofit/>
           </a:bodyPr>
           <a:lstStyle/>
           <a:p>
@@ -20191,19 +20081,6 @@
             <a:r>
               <a:rPr lang="en" altLang="ja-JP" sz="2400" dirty="0"/>
               <a:t>Case that order is inserted randomly</a:t>
-            </a:r>
-          </a:p>
-          <a:p>
-            <a:r>
-              <a:rPr lang="ja-JP" altLang="en-US" sz="2400"/>
-              <a:t>解は良いが、計算時間は割と長くなる</a:t>
-            </a:r>
-            <a:endParaRPr lang="en-US" altLang="ja-JP" sz="2400" dirty="0"/>
-          </a:p>
-          <a:p>
-            <a:r>
-              <a:rPr kumimoji="1" lang="ja-JP" altLang="en-US" sz="2400"/>
-              <a:t>実際のアプリケーションでは、最終的に人がチェックをするので、短めの時間でまあまあのランダムでも十分な可能性もある</a:t>
             </a:r>
           </a:p>
         </p:txBody>
@@ -20221,7 +20098,7 @@
 </p:sld>
 </file>
 
-<file path=ppt/slides/slide44.xml><?xml version="1.0" encoding="utf-8"?>
+<file path=ppt/slides/slide43.xml><?xml version="1.0" encoding="utf-8"?>
 <p:sld xmlns:a="http://schemas.openxmlformats.org/drawingml/2006/main" xmlns:r="http://schemas.openxmlformats.org/officeDocument/2006/relationships" xmlns:p="http://schemas.openxmlformats.org/presentationml/2006/main">
   <p:cSld>
     <p:spTree>
@@ -21208,6 +21085,113 @@
 </p:sld>
 </file>
 
+<file path=ppt/slides/slide44.xml><?xml version="1.0" encoding="utf-8"?>
+<p:sld xmlns:a="http://schemas.openxmlformats.org/drawingml/2006/main" xmlns:r="http://schemas.openxmlformats.org/officeDocument/2006/relationships" xmlns:p="http://schemas.openxmlformats.org/presentationml/2006/main">
+  <p:cSld>
+    <p:spTree>
+      <p:nvGrpSpPr>
+        <p:cNvPr id="1" name=""/>
+        <p:cNvGrpSpPr/>
+        <p:nvPr/>
+      </p:nvGrpSpPr>
+      <p:grpSpPr>
+        <a:xfrm>
+          <a:off x="0" y="0"/>
+          <a:ext cx="0" cy="0"/>
+          <a:chOff x="0" y="0"/>
+          <a:chExt cx="0" cy="0"/>
+        </a:xfrm>
+      </p:grpSpPr>
+      <p:sp>
+        <p:nvSpPr>
+          <p:cNvPr id="2" name="タイトル 1">
+            <a:extLst>
+              <a:ext uri="{FF2B5EF4-FFF2-40B4-BE49-F238E27FC236}">
+                <a16:creationId xmlns:a16="http://schemas.microsoft.com/office/drawing/2014/main" id="{67E01A06-7475-E541-961D-071D4242BA42}"/>
+              </a:ext>
+            </a:extLst>
+          </p:cNvPr>
+          <p:cNvSpPr>
+            <a:spLocks noGrp="1"/>
+          </p:cNvSpPr>
+          <p:nvPr>
+            <p:ph type="title"/>
+          </p:nvPr>
+        </p:nvSpPr>
+        <p:spPr/>
+        <p:txBody>
+          <a:bodyPr/>
+          <a:lstStyle/>
+          <a:p>
+            <a:r>
+              <a:rPr lang="en" altLang="ja-JP" dirty="0"/>
+              <a:t>Comparison by insertion method</a:t>
+            </a:r>
+            <a:endParaRPr kumimoji="1" lang="ja-JP" altLang="en-US"/>
+          </a:p>
+        </p:txBody>
+      </p:sp>
+      <p:sp>
+        <p:nvSpPr>
+          <p:cNvPr id="3" name="コンテンツ プレースホルダー 2">
+            <a:extLst>
+              <a:ext uri="{FF2B5EF4-FFF2-40B4-BE49-F238E27FC236}">
+                <a16:creationId xmlns:a16="http://schemas.microsoft.com/office/drawing/2014/main" id="{8FC75E83-6FCB-684F-BB17-BF63CBD11644}"/>
+              </a:ext>
+            </a:extLst>
+          </p:cNvPr>
+          <p:cNvSpPr>
+            <a:spLocks noGrp="1"/>
+          </p:cNvSpPr>
+          <p:nvPr>
+            <p:ph idx="1"/>
+          </p:nvPr>
+        </p:nvSpPr>
+        <p:spPr/>
+        <p:txBody>
+          <a:bodyPr>
+            <a:normAutofit/>
+          </a:bodyPr>
+          <a:lstStyle/>
+          <a:p>
+            <a:r>
+              <a:rPr lang="en" altLang="ja-JP" sz="2400" dirty="0"/>
+              <a:t>Computation time varies greatly.</a:t>
+            </a:r>
+          </a:p>
+          <a:p>
+            <a:r>
+              <a:rPr lang="en" altLang="ja-JP" sz="2400" dirty="0"/>
+              <a:t>The quality of the local optimal solution is not very different between the two approaches.</a:t>
+            </a:r>
+          </a:p>
+          <a:p>
+            <a:r>
+              <a:rPr lang="en" altLang="ja-JP" sz="2400" dirty="0"/>
+              <a:t>When this algorithm is actually used, it will be checked by a person in the end.</a:t>
+            </a:r>
+          </a:p>
+          <a:p>
+            <a:r>
+              <a:rPr lang="en" altLang="ja-JP" sz="2400" dirty="0"/>
+              <a:t>there may be possibilities that obtaining a solution with a certain degree of quality in a short time may be sufficient.</a:t>
+            </a:r>
+          </a:p>
+        </p:txBody>
+      </p:sp>
+    </p:spTree>
+    <p:extLst>
+      <p:ext uri="{BB962C8B-B14F-4D97-AF65-F5344CB8AC3E}">
+        <p14:creationId xmlns:p14="http://schemas.microsoft.com/office/powerpoint/2010/main" val="3116219373"/>
+      </p:ext>
+    </p:extLst>
+  </p:cSld>
+  <p:clrMapOvr>
+    <a:masterClrMapping/>
+  </p:clrMapOvr>
+</p:sld>
+</file>
+
 <file path=ppt/slides/slide45.xml><?xml version="1.0" encoding="utf-8"?>
 <p:sld xmlns:a="http://schemas.openxmlformats.org/drawingml/2006/main" xmlns:r="http://schemas.openxmlformats.org/officeDocument/2006/relationships" xmlns:p="http://schemas.openxmlformats.org/presentationml/2006/main">
   <p:cSld>
@@ -21230,113 +21214,6 @@
           <p:cNvPr id="2" name="タイトル 1">
             <a:extLst>
               <a:ext uri="{FF2B5EF4-FFF2-40B4-BE49-F238E27FC236}">
-                <a16:creationId xmlns:a16="http://schemas.microsoft.com/office/drawing/2014/main" id="{67E01A06-7475-E541-961D-071D4242BA42}"/>
-              </a:ext>
-            </a:extLst>
-          </p:cNvPr>
-          <p:cNvSpPr>
-            <a:spLocks noGrp="1"/>
-          </p:cNvSpPr>
-          <p:nvPr>
-            <p:ph type="title"/>
-          </p:nvPr>
-        </p:nvSpPr>
-        <p:spPr/>
-        <p:txBody>
-          <a:bodyPr/>
-          <a:lstStyle/>
-          <a:p>
-            <a:r>
-              <a:rPr lang="en" altLang="ja-JP" dirty="0"/>
-              <a:t>Comparison by insertion method</a:t>
-            </a:r>
-            <a:endParaRPr kumimoji="1" lang="ja-JP" altLang="en-US"/>
-          </a:p>
-        </p:txBody>
-      </p:sp>
-      <p:sp>
-        <p:nvSpPr>
-          <p:cNvPr id="3" name="コンテンツ プレースホルダー 2">
-            <a:extLst>
-              <a:ext uri="{FF2B5EF4-FFF2-40B4-BE49-F238E27FC236}">
-                <a16:creationId xmlns:a16="http://schemas.microsoft.com/office/drawing/2014/main" id="{8FC75E83-6FCB-684F-BB17-BF63CBD11644}"/>
-              </a:ext>
-            </a:extLst>
-          </p:cNvPr>
-          <p:cNvSpPr>
-            <a:spLocks noGrp="1"/>
-          </p:cNvSpPr>
-          <p:nvPr>
-            <p:ph idx="1"/>
-          </p:nvPr>
-        </p:nvSpPr>
-        <p:spPr/>
-        <p:txBody>
-          <a:bodyPr>
-            <a:normAutofit/>
-          </a:bodyPr>
-          <a:lstStyle/>
-          <a:p>
-            <a:r>
-              <a:rPr lang="en" altLang="ja-JP" sz="2400" dirty="0"/>
-              <a:t>Computation time varies greatly.</a:t>
-            </a:r>
-          </a:p>
-          <a:p>
-            <a:r>
-              <a:rPr lang="en" altLang="ja-JP" sz="2400" dirty="0"/>
-              <a:t>The quality of the local optimal solution is not very different between the two approaches.</a:t>
-            </a:r>
-          </a:p>
-          <a:p>
-            <a:r>
-              <a:rPr lang="en" altLang="ja-JP" sz="2400" dirty="0"/>
-              <a:t>When this algorithm is actually used, it will be checked by a person in the end.</a:t>
-            </a:r>
-          </a:p>
-          <a:p>
-            <a:r>
-              <a:rPr lang="en" altLang="ja-JP" sz="2400" dirty="0"/>
-              <a:t>there may be possibilities that obtaining a solution with a certain degree of quality in a short time may be sufficient.</a:t>
-            </a:r>
-          </a:p>
-        </p:txBody>
-      </p:sp>
-    </p:spTree>
-    <p:extLst>
-      <p:ext uri="{BB962C8B-B14F-4D97-AF65-F5344CB8AC3E}">
-        <p14:creationId xmlns:p14="http://schemas.microsoft.com/office/powerpoint/2010/main" val="3116219373"/>
-      </p:ext>
-    </p:extLst>
-  </p:cSld>
-  <p:clrMapOvr>
-    <a:masterClrMapping/>
-  </p:clrMapOvr>
-</p:sld>
-</file>
-
-<file path=ppt/slides/slide46.xml><?xml version="1.0" encoding="utf-8"?>
-<p:sld xmlns:a="http://schemas.openxmlformats.org/drawingml/2006/main" xmlns:r="http://schemas.openxmlformats.org/officeDocument/2006/relationships" xmlns:p="http://schemas.openxmlformats.org/presentationml/2006/main">
-  <p:cSld>
-    <p:spTree>
-      <p:nvGrpSpPr>
-        <p:cNvPr id="1" name=""/>
-        <p:cNvGrpSpPr/>
-        <p:nvPr/>
-      </p:nvGrpSpPr>
-      <p:grpSpPr>
-        <a:xfrm>
-          <a:off x="0" y="0"/>
-          <a:ext cx="0" cy="0"/>
-          <a:chOff x="0" y="0"/>
-          <a:chExt cx="0" cy="0"/>
-        </a:xfrm>
-      </p:grpSpPr>
-      <p:sp>
-        <p:nvSpPr>
-          <p:cNvPr id="2" name="タイトル 1">
-            <a:extLst>
-              <a:ext uri="{FF2B5EF4-FFF2-40B4-BE49-F238E27FC236}">
                 <a16:creationId xmlns:a16="http://schemas.microsoft.com/office/drawing/2014/main" id="{FEEFE181-A7D0-7146-B49E-65AC407C9C2B}"/>
               </a:ext>
             </a:extLst>
@@ -21446,7 +21323,7 @@
 </p:sld>
 </file>
 
-<file path=ppt/slides/slide47.xml><?xml version="1.0" encoding="utf-8"?>
+<file path=ppt/slides/slide46.xml><?xml version="1.0" encoding="utf-8"?>
 <p:sld xmlns:a="http://schemas.openxmlformats.org/drawingml/2006/main" xmlns:r="http://schemas.openxmlformats.org/officeDocument/2006/relationships" xmlns:p="http://schemas.openxmlformats.org/presentationml/2006/main">
   <p:cSld>
     <p:spTree>
@@ -22642,6 +22519,116 @@
 </p:sld>
 </file>
 
+<file path=ppt/slides/slide47.xml><?xml version="1.0" encoding="utf-8"?>
+<p:sld xmlns:a="http://schemas.openxmlformats.org/drawingml/2006/main" xmlns:r="http://schemas.openxmlformats.org/officeDocument/2006/relationships" xmlns:p="http://schemas.openxmlformats.org/presentationml/2006/main">
+  <p:cSld>
+    <p:spTree>
+      <p:nvGrpSpPr>
+        <p:cNvPr id="1" name=""/>
+        <p:cNvGrpSpPr/>
+        <p:nvPr/>
+      </p:nvGrpSpPr>
+      <p:grpSpPr>
+        <a:xfrm>
+          <a:off x="0" y="0"/>
+          <a:ext cx="0" cy="0"/>
+          <a:chOff x="0" y="0"/>
+          <a:chExt cx="0" cy="0"/>
+        </a:xfrm>
+      </p:grpSpPr>
+      <p:sp>
+        <p:nvSpPr>
+          <p:cNvPr id="2" name="タイトル 1">
+            <a:extLst>
+              <a:ext uri="{FF2B5EF4-FFF2-40B4-BE49-F238E27FC236}">
+                <a16:creationId xmlns:a16="http://schemas.microsoft.com/office/drawing/2014/main" id="{10C85110-0AEB-6C49-9AE3-DAAB21DFABB3}"/>
+              </a:ext>
+            </a:extLst>
+          </p:cNvPr>
+          <p:cNvSpPr>
+            <a:spLocks noGrp="1"/>
+          </p:cNvSpPr>
+          <p:nvPr>
+            <p:ph type="title"/>
+          </p:nvPr>
+        </p:nvSpPr>
+        <p:spPr/>
+        <p:txBody>
+          <a:bodyPr/>
+          <a:lstStyle/>
+          <a:p>
+            <a:r>
+              <a:rPr lang="en-US" altLang="ja-JP" dirty="0"/>
+              <a:t>Computational experiment</a:t>
+            </a:r>
+            <a:endParaRPr kumimoji="1" lang="ja-JP" altLang="en-US"/>
+          </a:p>
+        </p:txBody>
+      </p:sp>
+      <p:sp>
+        <p:nvSpPr>
+          <p:cNvPr id="3" name="コンテンツ プレースホルダー 2">
+            <a:extLst>
+              <a:ext uri="{FF2B5EF4-FFF2-40B4-BE49-F238E27FC236}">
+                <a16:creationId xmlns:a16="http://schemas.microsoft.com/office/drawing/2014/main" id="{48B29443-0E2E-9240-9158-A7C1DB7BC48D}"/>
+              </a:ext>
+            </a:extLst>
+          </p:cNvPr>
+          <p:cNvSpPr>
+            <a:spLocks noGrp="1"/>
+          </p:cNvSpPr>
+          <p:nvPr>
+            <p:ph idx="1"/>
+          </p:nvPr>
+        </p:nvSpPr>
+        <p:spPr/>
+        <p:txBody>
+          <a:bodyPr/>
+          <a:lstStyle/>
+          <a:p>
+            <a:r>
+              <a:rPr lang="en" altLang="ja-JP" sz="2400" dirty="0"/>
+              <a:t>For experimental instances, we got feasible solutions with a certain quality in a relatively</a:t>
+            </a:r>
+            <a:r>
+              <a:rPr lang="en-US" altLang="ja-JP" sz="2400" dirty="0"/>
+              <a:t> </a:t>
+            </a:r>
+            <a:r>
+              <a:rPr lang="en" altLang="ja-JP" sz="2400" dirty="0"/>
+              <a:t>short computation time.</a:t>
+            </a:r>
+          </a:p>
+          <a:p>
+            <a:r>
+              <a:rPr lang="en" altLang="ja-JP" sz="2400" dirty="0"/>
+              <a:t>For some instances that actually exist, we couldn’t find feasible solution.</a:t>
+            </a:r>
+          </a:p>
+          <a:p>
+            <a:endParaRPr lang="en" altLang="ja-JP" sz="2400" dirty="0"/>
+          </a:p>
+          <a:p>
+            <a:endParaRPr lang="en" altLang="ja-JP" sz="2400" dirty="0"/>
+          </a:p>
+          <a:p>
+            <a:endParaRPr lang="en" altLang="ja-JP" sz="2400" dirty="0"/>
+          </a:p>
+        </p:txBody>
+      </p:sp>
+    </p:spTree>
+    <p:extLst>
+      <p:ext uri="{BB962C8B-B14F-4D97-AF65-F5344CB8AC3E}">
+        <p14:creationId xmlns:p14="http://schemas.microsoft.com/office/powerpoint/2010/main" val="2216146474"/>
+      </p:ext>
+    </p:extLst>
+  </p:cSld>
+  <p:clrMapOvr>
+    <a:masterClrMapping/>
+  </p:clrMapOvr>
+</p:sld>
+</file>
+
 <file path=ppt/slides/slide48.xml><?xml version="1.0" encoding="utf-8"?>
 <p:sld xmlns:a="http://schemas.openxmlformats.org/drawingml/2006/main" xmlns:r="http://schemas.openxmlformats.org/officeDocument/2006/relationships" xmlns:p="http://schemas.openxmlformats.org/presentationml/2006/main">
   <p:cSld>
@@ -22664,7 +22651,7 @@
           <p:cNvPr id="2" name="タイトル 1">
             <a:extLst>
               <a:ext uri="{FF2B5EF4-FFF2-40B4-BE49-F238E27FC236}">
-                <a16:creationId xmlns:a16="http://schemas.microsoft.com/office/drawing/2014/main" id="{10C85110-0AEB-6C49-9AE3-DAAB21DFABB3}"/>
+                <a16:creationId xmlns:a16="http://schemas.microsoft.com/office/drawing/2014/main" id="{370FBD2F-E2D0-2B45-A3D8-7BC3C939ED5E}"/>
               </a:ext>
             </a:extLst>
           </p:cNvPr>
@@ -22681,8 +22668,8 @@
           <a:lstStyle/>
           <a:p>
             <a:r>
-              <a:rPr lang="en-US" altLang="ja-JP" dirty="0"/>
-              <a:t>Computational experiment</a:t>
+              <a:rPr kumimoji="1" lang="en-US" altLang="ja-JP" dirty="0"/>
+              <a:t>Approach to create initial solution</a:t>
             </a:r>
             <a:endParaRPr kumimoji="1" lang="ja-JP" altLang="en-US"/>
           </a:p>
@@ -22693,7 +22680,7 @@
           <p:cNvPr id="3" name="コンテンツ プレースホルダー 2">
             <a:extLst>
               <a:ext uri="{FF2B5EF4-FFF2-40B4-BE49-F238E27FC236}">
-                <a16:creationId xmlns:a16="http://schemas.microsoft.com/office/drawing/2014/main" id="{48B29443-0E2E-9240-9158-A7C1DB7BC48D}"/>
+                <a16:creationId xmlns:a16="http://schemas.microsoft.com/office/drawing/2014/main" id="{567B62A5-3CCB-054C-A1D2-7F4106A92FB8}"/>
               </a:ext>
             </a:extLst>
           </p:cNvPr>
@@ -22706,43 +22693,37 @@
         </p:nvSpPr>
         <p:spPr/>
         <p:txBody>
-          <a:bodyPr/>
+          <a:bodyPr>
+            <a:normAutofit/>
+          </a:bodyPr>
           <a:lstStyle/>
           <a:p>
             <a:r>
-              <a:rPr lang="en" altLang="ja-JP" sz="2400" dirty="0"/>
-              <a:t>For experimental instances, we got feasible solutions with a certain quality in a relatively</a:t>
-            </a:r>
-            <a:r>
               <a:rPr lang="en-US" altLang="ja-JP" sz="2400" dirty="0"/>
-              <a:t> </a:t>
-            </a:r>
-            <a:r>
-              <a:rPr lang="en" altLang="ja-JP" sz="2400" dirty="0"/>
-              <a:t>short computation time.</a:t>
-            </a:r>
-          </a:p>
-          <a:p>
-            <a:r>
-              <a:rPr lang="en" altLang="ja-JP" sz="2400" dirty="0"/>
-              <a:t>For some instances that actually exist, we couldn’t find feasible solution.</a:t>
-            </a:r>
-          </a:p>
-          <a:p>
-            <a:endParaRPr lang="en" altLang="ja-JP" sz="2400" dirty="0"/>
-          </a:p>
-          <a:p>
-            <a:endParaRPr lang="en" altLang="ja-JP" sz="2400" dirty="0"/>
-          </a:p>
-          <a:p>
-            <a:endParaRPr lang="en" altLang="ja-JP" sz="2400" dirty="0"/>
+              <a:t>We generate initial solution by randomly assigning orders to segments</a:t>
+            </a:r>
+          </a:p>
+          <a:p>
+            <a:r>
+              <a:rPr lang="en-US" altLang="ja-JP" sz="2400" dirty="0"/>
+              <a:t>To get better initial solution, we propose a method to create initial solution from that of linear programming relaxation.</a:t>
+            </a:r>
+          </a:p>
+          <a:p>
+            <a:r>
+              <a:rPr lang="en-US" altLang="ja-JP" sz="2400" dirty="0"/>
+              <a:t>This method is expected to work when the properties of the solution of the LP relaxation and that of the MIP are similar. </a:t>
+            </a:r>
+          </a:p>
+          <a:p>
+            <a:endParaRPr lang="en-US" altLang="ja-JP" sz="2400" dirty="0"/>
           </a:p>
         </p:txBody>
       </p:sp>
     </p:spTree>
     <p:extLst>
       <p:ext uri="{BB962C8B-B14F-4D97-AF65-F5344CB8AC3E}">
-        <p14:creationId xmlns:p14="http://schemas.microsoft.com/office/powerpoint/2010/main" val="2216146474"/>
+        <p14:creationId xmlns:p14="http://schemas.microsoft.com/office/powerpoint/2010/main" val="6037743"/>
       </p:ext>
     </p:extLst>
   </p:cSld>
@@ -22774,7 +22755,7 @@
           <p:cNvPr id="2" name="タイトル 1">
             <a:extLst>
               <a:ext uri="{FF2B5EF4-FFF2-40B4-BE49-F238E27FC236}">
-                <a16:creationId xmlns:a16="http://schemas.microsoft.com/office/drawing/2014/main" id="{A8816EE5-E670-DD4C-A705-652D968F809A}"/>
+                <a16:creationId xmlns:a16="http://schemas.microsoft.com/office/drawing/2014/main" id="{370FBD2F-E2D0-2B45-A3D8-7BC3C939ED5E}"/>
               </a:ext>
             </a:extLst>
           </p:cNvPr>
@@ -22792,7 +22773,7 @@
           <a:p>
             <a:r>
               <a:rPr kumimoji="1" lang="en-US" altLang="ja-JP" dirty="0"/>
-              <a:t>Type of neighborhood</a:t>
+              <a:t>Approach to create initial solution</a:t>
             </a:r>
             <a:endParaRPr kumimoji="1" lang="ja-JP" altLang="en-US"/>
           </a:p>
@@ -22803,7 +22784,7 @@
           <p:cNvPr id="3" name="コンテンツ プレースホルダー 2">
             <a:extLst>
               <a:ext uri="{FF2B5EF4-FFF2-40B4-BE49-F238E27FC236}">
-                <a16:creationId xmlns:a16="http://schemas.microsoft.com/office/drawing/2014/main" id="{776A7BCF-90DA-9849-A6DD-2BBF184BCB18}"/>
+                <a16:creationId xmlns:a16="http://schemas.microsoft.com/office/drawing/2014/main" id="{567B62A5-3CCB-054C-A1D2-7F4106A92FB8}"/>
               </a:ext>
             </a:extLst>
           </p:cNvPr>
@@ -22822,42 +22803,25 @@
           <a:lstStyle/>
           <a:p>
             <a:r>
-              <a:rPr lang="en" altLang="ja-JP" sz="2400" dirty="0"/>
-              <a:t>We investigated how much the solution and computation time changes with the type of neighborhood.</a:t>
-            </a:r>
-          </a:p>
-          <a:p>
-            <a:r>
-              <a:rPr lang="en" altLang="ja-JP" sz="2400" dirty="0"/>
-              <a:t>The value is the weighted sum of constraints and objective function.</a:t>
-            </a:r>
-          </a:p>
-          <a:p>
-            <a:r>
-              <a:rPr lang="en" altLang="ja-JP" sz="2400" dirty="0"/>
-              <a:t>even if the solution is infeasible, we show the value of the evaluation function.</a:t>
-            </a:r>
-          </a:p>
-          <a:p>
-            <a:r>
-              <a:rPr lang="en" altLang="ja-JP" sz="2400" dirty="0"/>
-              <a:t>We also set the </a:t>
-            </a:r>
-            <a:r>
               <a:rPr lang="en-US" altLang="ja-JP" sz="2400" dirty="0"/>
-              <a:t>coefficient of the constraint to 100.</a:t>
-            </a:r>
-            <a:endParaRPr lang="en" altLang="ja-JP" sz="2400" dirty="0"/>
-          </a:p>
-          <a:p>
-            <a:endParaRPr kumimoji="1" lang="ja-JP" altLang="en-US" sz="2400"/>
+              <a:t>This method is expected to work when the properties of the solution of the LP relaxation and that of the MIP are similar. </a:t>
+            </a:r>
+          </a:p>
+          <a:p>
+            <a:r>
+              <a:rPr lang="en-US" altLang="ja-JP" sz="2400" dirty="0"/>
+              <a:t>As a preliminary experiment, we compare the solutions of the two models.</a:t>
+            </a:r>
+          </a:p>
+          <a:p>
+            <a:endParaRPr lang="en-US" altLang="ja-JP" sz="2400" dirty="0"/>
           </a:p>
         </p:txBody>
       </p:sp>
     </p:spTree>
     <p:extLst>
       <p:ext uri="{BB962C8B-B14F-4D97-AF65-F5344CB8AC3E}">
-        <p14:creationId xmlns:p14="http://schemas.microsoft.com/office/powerpoint/2010/main" val="1225922878"/>
+        <p14:creationId xmlns:p14="http://schemas.microsoft.com/office/powerpoint/2010/main" val="176156947"/>
       </p:ext>
     </p:extLst>
   </p:cSld>
@@ -23328,6 +23292,3329 @@
           <p:cNvPr id="2" name="タイトル 1">
             <a:extLst>
               <a:ext uri="{FF2B5EF4-FFF2-40B4-BE49-F238E27FC236}">
+                <a16:creationId xmlns:a16="http://schemas.microsoft.com/office/drawing/2014/main" id="{A210D3EE-828C-0448-AED8-512904B08C9B}"/>
+              </a:ext>
+            </a:extLst>
+          </p:cNvPr>
+          <p:cNvSpPr>
+            <a:spLocks noGrp="1"/>
+          </p:cNvSpPr>
+          <p:nvPr>
+            <p:ph type="title"/>
+          </p:nvPr>
+        </p:nvSpPr>
+        <p:spPr/>
+        <p:txBody>
+          <a:bodyPr/>
+          <a:lstStyle/>
+          <a:p>
+            <a:r>
+              <a:rPr lang="en" altLang="ja-JP" dirty="0"/>
+              <a:t>Comparison of solution properties</a:t>
+            </a:r>
+            <a:endParaRPr kumimoji="1" lang="ja-JP" altLang="en-US"/>
+          </a:p>
+        </p:txBody>
+      </p:sp>
+      <mc:AlternateContent xmlns:mc="http://schemas.openxmlformats.org/markup-compatibility/2006">
+        <mc:Choice xmlns:a14="http://schemas.microsoft.com/office/drawing/2010/main" Requires="a14">
+          <p:sp>
+            <p:nvSpPr>
+              <p:cNvPr id="3" name="コンテンツ プレースホルダー 2">
+                <a:extLst>
+                  <a:ext uri="{FF2B5EF4-FFF2-40B4-BE49-F238E27FC236}">
+                    <a16:creationId xmlns:a16="http://schemas.microsoft.com/office/drawing/2014/main" id="{9661AA73-C708-ED45-A480-9189E4FCBD8F}"/>
+                  </a:ext>
+                </a:extLst>
+              </p:cNvPr>
+              <p:cNvSpPr>
+                <a:spLocks noGrp="1"/>
+              </p:cNvSpPr>
+              <p:nvPr>
+                <p:ph idx="1"/>
+              </p:nvPr>
+            </p:nvSpPr>
+            <p:spPr/>
+            <p:txBody>
+              <a:bodyPr>
+                <a:normAutofit/>
+              </a:bodyPr>
+              <a:lstStyle/>
+              <a:p>
+                <a:r>
+                  <a:rPr lang="en" altLang="ja-JP" sz="2400" dirty="0"/>
+                  <a:t>To compare the properties of the solutions, we use the Hamming distance</a:t>
+                </a:r>
+                <a:r>
+                  <a:rPr lang="en-US" altLang="ja-JP" sz="2400" dirty="0"/>
+                  <a:t>. </a:t>
+                </a:r>
+              </a:p>
+              <a:p>
+                <a:r>
+                  <a:rPr lang="en-US" altLang="ja-JP" sz="2400" dirty="0"/>
+                  <a:t>For vectors x and y, we define the Hamming distance as follows.</a:t>
+                </a:r>
+              </a:p>
+              <a:p>
+                <a:pPr marL="0" indent="0">
+                  <a:buNone/>
+                </a:pPr>
+                <a14:m>
+                  <m:oMathPara xmlns:m="http://schemas.openxmlformats.org/officeDocument/2006/math">
+                    <m:oMathParaPr>
+                      <m:jc m:val="centerGroup"/>
+                    </m:oMathParaPr>
+                    <m:oMath xmlns:m="http://schemas.openxmlformats.org/officeDocument/2006/math">
+                      <m:sSub>
+                        <m:sSubPr>
+                          <m:ctrlPr>
+                            <a:rPr kumimoji="1" lang="en-US" altLang="ja-JP" sz="2400" i="1" smtClean="0">
+                              <a:latin typeface="Cambria Math" panose="02040503050406030204" pitchFamily="18" charset="0"/>
+                            </a:rPr>
+                          </m:ctrlPr>
+                        </m:sSubPr>
+                        <m:e>
+                          <m:r>
+                            <a:rPr kumimoji="1" lang="en-US" altLang="ja-JP" sz="2400" b="0" i="1" smtClean="0">
+                              <a:latin typeface="Cambria Math" panose="02040503050406030204" pitchFamily="18" charset="0"/>
+                            </a:rPr>
+                            <m:t>𝑑</m:t>
+                          </m:r>
+                        </m:e>
+                        <m:sub>
+                          <m:r>
+                            <a:rPr kumimoji="1" lang="en-US" altLang="ja-JP" sz="2400" b="0" i="1" smtClean="0">
+                              <a:latin typeface="Cambria Math" panose="02040503050406030204" pitchFamily="18" charset="0"/>
+                            </a:rPr>
+                            <m:t>𝐻</m:t>
+                          </m:r>
+                        </m:sub>
+                      </m:sSub>
+                      <m:d>
+                        <m:dPr>
+                          <m:ctrlPr>
+                            <a:rPr kumimoji="1" lang="en-US" altLang="ja-JP" sz="2400" b="0" i="1" smtClean="0">
+                              <a:latin typeface="Cambria Math" panose="02040503050406030204" pitchFamily="18" charset="0"/>
+                            </a:rPr>
+                          </m:ctrlPr>
+                        </m:dPr>
+                        <m:e>
+                          <m:r>
+                            <a:rPr kumimoji="1" lang="en-US" altLang="ja-JP" sz="2400" b="0" i="1" smtClean="0">
+                              <a:latin typeface="Cambria Math" panose="02040503050406030204" pitchFamily="18" charset="0"/>
+                            </a:rPr>
+                            <m:t>𝑥</m:t>
+                          </m:r>
+                          <m:r>
+                            <a:rPr kumimoji="1" lang="en-US" altLang="ja-JP" sz="2400" b="0" i="1" smtClean="0">
+                              <a:latin typeface="Cambria Math" panose="02040503050406030204" pitchFamily="18" charset="0"/>
+                            </a:rPr>
+                            <m:t>,</m:t>
+                          </m:r>
+                          <m:r>
+                            <a:rPr kumimoji="1" lang="en-US" altLang="ja-JP" sz="2400" b="0" i="1" smtClean="0">
+                              <a:latin typeface="Cambria Math" panose="02040503050406030204" pitchFamily="18" charset="0"/>
+                            </a:rPr>
+                            <m:t>𝑦</m:t>
+                          </m:r>
+                        </m:e>
+                      </m:d>
+                      <m:r>
+                        <a:rPr kumimoji="1" lang="en-US" altLang="ja-JP" sz="2400" b="0" i="1" smtClean="0">
+                          <a:latin typeface="Cambria Math" panose="02040503050406030204" pitchFamily="18" charset="0"/>
+                        </a:rPr>
+                        <m:t>=</m:t>
+                      </m:r>
+                      <m:nary>
+                        <m:naryPr>
+                          <m:chr m:val="∑"/>
+                          <m:supHide m:val="on"/>
+                          <m:ctrlPr>
+                            <a:rPr kumimoji="1" lang="en-US" altLang="ja-JP" sz="2400" b="0" i="1" smtClean="0">
+                              <a:latin typeface="Cambria Math" panose="02040503050406030204" pitchFamily="18" charset="0"/>
+                            </a:rPr>
+                          </m:ctrlPr>
+                        </m:naryPr>
+                        <m:sub>
+                          <m:r>
+                            <m:rPr>
+                              <m:brk m:alnAt="7"/>
+                            </m:rPr>
+                            <a:rPr kumimoji="1" lang="en-US" altLang="ja-JP" sz="2400" b="0" i="1" smtClean="0">
+                              <a:latin typeface="Cambria Math" panose="02040503050406030204" pitchFamily="18" charset="0"/>
+                            </a:rPr>
+                            <m:t>𝑖</m:t>
+                          </m:r>
+                        </m:sub>
+                        <m:sup/>
+                        <m:e>
+                          <m:nary>
+                            <m:naryPr>
+                              <m:chr m:val="∑"/>
+                              <m:supHide m:val="on"/>
+                              <m:ctrlPr>
+                                <a:rPr kumimoji="1" lang="en-US" altLang="ja-JP" sz="2400" b="0" i="1" smtClean="0">
+                                  <a:latin typeface="Cambria Math" panose="02040503050406030204" pitchFamily="18" charset="0"/>
+                                </a:rPr>
+                              </m:ctrlPr>
+                            </m:naryPr>
+                            <m:sub>
+                              <m:r>
+                                <m:rPr>
+                                  <m:brk m:alnAt="7"/>
+                                </m:rPr>
+                                <a:rPr kumimoji="1" lang="en-US" altLang="ja-JP" sz="2400" b="0" i="1" smtClean="0">
+                                  <a:latin typeface="Cambria Math" panose="02040503050406030204" pitchFamily="18" charset="0"/>
+                                </a:rPr>
+                                <m:t>𝑗</m:t>
+                              </m:r>
+                            </m:sub>
+                            <m:sup/>
+                            <m:e>
+                              <m:d>
+                                <m:dPr>
+                                  <m:begChr m:val="|"/>
+                                  <m:endChr m:val="|"/>
+                                  <m:ctrlPr>
+                                    <a:rPr kumimoji="1" lang="en-US" altLang="ja-JP" sz="2400" b="0" i="1" smtClean="0">
+                                      <a:latin typeface="Cambria Math" panose="02040503050406030204" pitchFamily="18" charset="0"/>
+                                    </a:rPr>
+                                  </m:ctrlPr>
+                                </m:dPr>
+                                <m:e>
+                                  <m:sSub>
+                                    <m:sSubPr>
+                                      <m:ctrlPr>
+                                        <a:rPr kumimoji="1" lang="en-US" altLang="ja-JP" sz="2400" b="0" i="1" smtClean="0">
+                                          <a:latin typeface="Cambria Math" panose="02040503050406030204" pitchFamily="18" charset="0"/>
+                                        </a:rPr>
+                                      </m:ctrlPr>
+                                    </m:sSubPr>
+                                    <m:e>
+                                      <m:r>
+                                        <a:rPr kumimoji="1" lang="en-US" altLang="ja-JP" sz="2400" b="0" i="1" smtClean="0">
+                                          <a:latin typeface="Cambria Math" panose="02040503050406030204" pitchFamily="18" charset="0"/>
+                                        </a:rPr>
+                                        <m:t>𝑥</m:t>
+                                      </m:r>
+                                    </m:e>
+                                    <m:sub>
+                                      <m:r>
+                                        <a:rPr kumimoji="1" lang="en-US" altLang="ja-JP" sz="2400" b="0" i="1" smtClean="0">
+                                          <a:latin typeface="Cambria Math" panose="02040503050406030204" pitchFamily="18" charset="0"/>
+                                        </a:rPr>
+                                        <m:t>𝑖𝑗</m:t>
+                                      </m:r>
+                                    </m:sub>
+                                  </m:sSub>
+                                  <m:r>
+                                    <a:rPr kumimoji="1" lang="en-US" altLang="ja-JP" sz="2400" b="0" i="1" smtClean="0">
+                                      <a:latin typeface="Cambria Math" panose="02040503050406030204" pitchFamily="18" charset="0"/>
+                                    </a:rPr>
+                                    <m:t>−</m:t>
+                                  </m:r>
+                                  <m:sSub>
+                                    <m:sSubPr>
+                                      <m:ctrlPr>
+                                        <a:rPr kumimoji="1" lang="en-US" altLang="ja-JP" sz="2400" b="0" i="1" smtClean="0">
+                                          <a:latin typeface="Cambria Math" panose="02040503050406030204" pitchFamily="18" charset="0"/>
+                                        </a:rPr>
+                                      </m:ctrlPr>
+                                    </m:sSubPr>
+                                    <m:e>
+                                      <m:r>
+                                        <a:rPr kumimoji="1" lang="en-US" altLang="ja-JP" sz="2400" b="0" i="1" smtClean="0">
+                                          <a:latin typeface="Cambria Math" panose="02040503050406030204" pitchFamily="18" charset="0"/>
+                                        </a:rPr>
+                                        <m:t>𝑦</m:t>
+                                      </m:r>
+                                    </m:e>
+                                    <m:sub>
+                                      <m:r>
+                                        <a:rPr kumimoji="1" lang="en-US" altLang="ja-JP" sz="2400" b="0" i="1" smtClean="0">
+                                          <a:latin typeface="Cambria Math" panose="02040503050406030204" pitchFamily="18" charset="0"/>
+                                        </a:rPr>
+                                        <m:t>𝑖𝑗</m:t>
+                                      </m:r>
+                                    </m:sub>
+                                  </m:sSub>
+                                </m:e>
+                              </m:d>
+                            </m:e>
+                          </m:nary>
+                        </m:e>
+                      </m:nary>
+                    </m:oMath>
+                  </m:oMathPara>
+                </a14:m>
+                <a:endParaRPr kumimoji="1" lang="en-US" altLang="ja-JP" sz="2400" dirty="0"/>
+              </a:p>
+              <a:p>
+                <a:pPr marL="0" indent="0">
+                  <a:buNone/>
+                </a:pPr>
+                <a14:m>
+                  <m:oMathPara xmlns:m="http://schemas.openxmlformats.org/officeDocument/2006/math">
+                    <m:oMathParaPr>
+                      <m:jc m:val="centerGroup"/>
+                    </m:oMathParaPr>
+                    <m:oMath xmlns:m="http://schemas.openxmlformats.org/officeDocument/2006/math">
+                      <m:r>
+                        <a:rPr lang="en-US" altLang="ja-JP" sz="2400" i="1">
+                          <a:latin typeface="Cambria Math" panose="02040503050406030204" pitchFamily="18" charset="0"/>
+                        </a:rPr>
+                        <m:t>(</m:t>
+                      </m:r>
+                      <m:r>
+                        <a:rPr lang="en-US" altLang="ja-JP" sz="2400" i="1">
+                          <a:latin typeface="Cambria Math" panose="02040503050406030204" pitchFamily="18" charset="0"/>
+                        </a:rPr>
+                        <m:t>𝑓𝑜𝑟</m:t>
+                      </m:r>
+                      <m:r>
+                        <a:rPr lang="en-US" altLang="ja-JP" sz="2400" i="1">
+                          <a:latin typeface="Cambria Math" panose="02040503050406030204" pitchFamily="18" charset="0"/>
+                        </a:rPr>
+                        <m:t> </m:t>
+                      </m:r>
+                      <m:r>
+                        <a:rPr lang="en-US" altLang="ja-JP" sz="2400" b="0" i="1" smtClean="0">
+                          <a:latin typeface="Cambria Math" panose="02040503050406030204" pitchFamily="18" charset="0"/>
+                        </a:rPr>
+                        <m:t>𝑒𝑣𝑒𝑟𝑦</m:t>
+                      </m:r>
+                      <m:r>
+                        <a:rPr lang="en-US" altLang="ja-JP" sz="2400" b="0" i="1" smtClean="0">
+                          <a:latin typeface="Cambria Math" panose="02040503050406030204" pitchFamily="18" charset="0"/>
+                        </a:rPr>
+                        <m:t> </m:t>
+                      </m:r>
+                      <m:r>
+                        <a:rPr lang="en-US" altLang="ja-JP" sz="2400" i="1">
+                          <a:latin typeface="Cambria Math" panose="02040503050406030204" pitchFamily="18" charset="0"/>
+                        </a:rPr>
+                        <m:t>𝑜𝑟𝑑𝑒𝑟</m:t>
+                      </m:r>
+                      <m:r>
+                        <a:rPr lang="en-US" altLang="ja-JP" sz="2400" i="1">
+                          <a:latin typeface="Cambria Math" panose="02040503050406030204" pitchFamily="18" charset="0"/>
+                        </a:rPr>
+                        <m:t> </m:t>
+                      </m:r>
+                      <m:r>
+                        <a:rPr lang="en-US" altLang="ja-JP" sz="2400" b="0" i="1" smtClean="0">
+                          <a:latin typeface="Cambria Math" panose="02040503050406030204" pitchFamily="18" charset="0"/>
+                        </a:rPr>
+                        <m:t>𝑖</m:t>
+                      </m:r>
+                      <m:r>
+                        <a:rPr lang="en-US" altLang="ja-JP" sz="2400" i="1">
+                          <a:latin typeface="Cambria Math" panose="02040503050406030204" pitchFamily="18" charset="0"/>
+                        </a:rPr>
+                        <m:t> </m:t>
+                      </m:r>
+                      <m:r>
+                        <a:rPr lang="en-US" altLang="ja-JP" sz="2400" i="1">
+                          <a:latin typeface="Cambria Math" panose="02040503050406030204" pitchFamily="18" charset="0"/>
+                        </a:rPr>
+                        <m:t>𝑎𝑛𝑑</m:t>
+                      </m:r>
+                      <m:r>
+                        <a:rPr lang="en-US" altLang="ja-JP" sz="2400" i="1">
+                          <a:latin typeface="Cambria Math" panose="02040503050406030204" pitchFamily="18" charset="0"/>
+                        </a:rPr>
+                        <m:t> </m:t>
+                      </m:r>
+                      <m:r>
+                        <a:rPr lang="en-US" altLang="ja-JP" sz="2400" i="1">
+                          <a:latin typeface="Cambria Math" panose="02040503050406030204" pitchFamily="18" charset="0"/>
+                        </a:rPr>
+                        <m:t>𝑠𝑒𝑔𝑚𝑒𝑛𝑡</m:t>
+                      </m:r>
+                      <m:r>
+                        <a:rPr lang="en-US" altLang="ja-JP" sz="2400" b="0" i="1" smtClean="0">
+                          <a:latin typeface="Cambria Math" panose="02040503050406030204" pitchFamily="18" charset="0"/>
+                        </a:rPr>
+                        <m:t> </m:t>
+                      </m:r>
+                      <m:r>
+                        <a:rPr lang="en-US" altLang="ja-JP" sz="2400" b="0" i="1" smtClean="0">
+                          <a:latin typeface="Cambria Math" panose="02040503050406030204" pitchFamily="18" charset="0"/>
+                        </a:rPr>
+                        <m:t>𝑗</m:t>
+                      </m:r>
+                      <m:r>
+                        <a:rPr lang="en-US" altLang="ja-JP" sz="2400" b="0" i="1" smtClean="0">
+                          <a:latin typeface="Cambria Math" panose="02040503050406030204" pitchFamily="18" charset="0"/>
+                        </a:rPr>
+                        <m:t>)</m:t>
+                      </m:r>
+                    </m:oMath>
+                  </m:oMathPara>
+                </a14:m>
+                <a:endParaRPr kumimoji="1" lang="ja-JP" altLang="en-US" sz="2400"/>
+              </a:p>
+            </p:txBody>
+          </p:sp>
+        </mc:Choice>
+        <mc:Fallback>
+          <p:sp>
+            <p:nvSpPr>
+              <p:cNvPr id="3" name="コンテンツ プレースホルダー 2">
+                <a:extLst>
+                  <a:ext uri="{FF2B5EF4-FFF2-40B4-BE49-F238E27FC236}">
+                    <a16:creationId xmlns:a16="http://schemas.microsoft.com/office/drawing/2014/main" id="{9661AA73-C708-ED45-A480-9189E4FCBD8F}"/>
+                  </a:ext>
+                </a:extLst>
+              </p:cNvPr>
+              <p:cNvSpPr>
+                <a:spLocks noGrp="1" noRot="1" noChangeAspect="1" noMove="1" noResize="1" noEditPoints="1" noAdjustHandles="1" noChangeArrowheads="1" noChangeShapeType="1" noTextEdit="1"/>
+              </p:cNvSpPr>
+              <p:nvPr>
+                <p:ph idx="1"/>
+              </p:nvPr>
+            </p:nvSpPr>
+            <p:spPr>
+              <a:blipFill>
+                <a:blip r:embed="rId2"/>
+                <a:stretch>
+                  <a:fillRect l="-997" t="-1347" r="-855" b="-15825"/>
+                </a:stretch>
+              </a:blipFill>
+            </p:spPr>
+            <p:txBody>
+              <a:bodyPr/>
+              <a:lstStyle/>
+              <a:p>
+                <a:r>
+                  <a:rPr lang="ja-JP" altLang="en-US">
+                    <a:noFill/>
+                  </a:rPr>
+                  <a:t> </a:t>
+                </a:r>
+              </a:p>
+            </p:txBody>
+          </p:sp>
+        </mc:Fallback>
+      </mc:AlternateContent>
+    </p:spTree>
+    <p:extLst>
+      <p:ext uri="{BB962C8B-B14F-4D97-AF65-F5344CB8AC3E}">
+        <p14:creationId xmlns:p14="http://schemas.microsoft.com/office/powerpoint/2010/main" val="520189758"/>
+      </p:ext>
+    </p:extLst>
+  </p:cSld>
+  <p:clrMapOvr>
+    <a:masterClrMapping/>
+  </p:clrMapOvr>
+</p:sld>
+</file>
+
+<file path=ppt/slides/slide51.xml><?xml version="1.0" encoding="utf-8"?>
+<p:sld xmlns:a="http://schemas.openxmlformats.org/drawingml/2006/main" xmlns:r="http://schemas.openxmlformats.org/officeDocument/2006/relationships" xmlns:p="http://schemas.openxmlformats.org/presentationml/2006/main">
+  <p:cSld>
+    <p:spTree>
+      <p:nvGrpSpPr>
+        <p:cNvPr id="1" name=""/>
+        <p:cNvGrpSpPr/>
+        <p:nvPr/>
+      </p:nvGrpSpPr>
+      <p:grpSpPr>
+        <a:xfrm>
+          <a:off x="0" y="0"/>
+          <a:ext cx="0" cy="0"/>
+          <a:chOff x="0" y="0"/>
+          <a:chExt cx="0" cy="0"/>
+        </a:xfrm>
+      </p:grpSpPr>
+      <p:sp>
+        <p:nvSpPr>
+          <p:cNvPr id="2" name="タイトル 1">
+            <a:extLst>
+              <a:ext uri="{FF2B5EF4-FFF2-40B4-BE49-F238E27FC236}">
+                <a16:creationId xmlns:a16="http://schemas.microsoft.com/office/drawing/2014/main" id="{428DC558-CACC-AA43-9E2E-72DEF172B147}"/>
+              </a:ext>
+            </a:extLst>
+          </p:cNvPr>
+          <p:cNvSpPr>
+            <a:spLocks noGrp="1"/>
+          </p:cNvSpPr>
+          <p:nvPr>
+            <p:ph type="title"/>
+          </p:nvPr>
+        </p:nvSpPr>
+        <p:spPr/>
+        <p:txBody>
+          <a:bodyPr/>
+          <a:lstStyle/>
+          <a:p>
+            <a:r>
+              <a:rPr lang="en" altLang="ja-JP" dirty="0"/>
+              <a:t>Example of Hamming distance</a:t>
+            </a:r>
+            <a:endParaRPr kumimoji="1" lang="ja-JP" altLang="en-US"/>
+          </a:p>
+        </p:txBody>
+      </p:sp>
+      <p:sp>
+        <p:nvSpPr>
+          <p:cNvPr id="3" name="コンテンツ プレースホルダー 2">
+            <a:extLst>
+              <a:ext uri="{FF2B5EF4-FFF2-40B4-BE49-F238E27FC236}">
+                <a16:creationId xmlns:a16="http://schemas.microsoft.com/office/drawing/2014/main" id="{4C597B6B-79E1-834B-8591-13C3C9CDF85F}"/>
+              </a:ext>
+            </a:extLst>
+          </p:cNvPr>
+          <p:cNvSpPr>
+            <a:spLocks noGrp="1"/>
+          </p:cNvSpPr>
+          <p:nvPr>
+            <p:ph idx="1"/>
+          </p:nvPr>
+        </p:nvSpPr>
+        <p:spPr/>
+        <p:txBody>
+          <a:bodyPr>
+            <a:normAutofit/>
+          </a:bodyPr>
+          <a:lstStyle/>
+          <a:p>
+            <a:r>
+              <a:rPr lang="en" altLang="ja-JP" sz="2400" dirty="0"/>
+              <a:t>We consider the following conditions</a:t>
+            </a:r>
+          </a:p>
+          <a:p>
+            <a:pPr lvl="1"/>
+            <a:r>
+              <a:rPr lang="en-US" altLang="ja-JP" sz="2200" dirty="0"/>
+              <a:t>The number of orders is 100 and the number of segments is 4. </a:t>
+            </a:r>
+          </a:p>
+          <a:p>
+            <a:pPr lvl="1"/>
+            <a:r>
+              <a:rPr lang="en" altLang="ja-JP" sz="2200" dirty="0"/>
+              <a:t>Each order contains 100 vehicles.</a:t>
+            </a:r>
+          </a:p>
+          <a:p>
+            <a:r>
+              <a:rPr lang="en" altLang="ja-JP" sz="2400" dirty="0"/>
+              <a:t>The values of the vectors take a small number between 0 and 1.</a:t>
+            </a:r>
+          </a:p>
+          <a:p>
+            <a:pPr lvl="1"/>
+            <a:r>
+              <a:rPr lang="en" altLang="ja-JP" sz="2000" dirty="0"/>
+              <a:t>the value is 1 when allocating 100% of the order</a:t>
+            </a:r>
+          </a:p>
+          <a:p>
+            <a:pPr lvl="1"/>
+            <a:r>
+              <a:rPr lang="en" altLang="ja-JP" sz="2000" dirty="0"/>
+              <a:t>the value is 0.5 when allocating 50% of the order</a:t>
+            </a:r>
+          </a:p>
+          <a:p>
+            <a:pPr marL="0" indent="0">
+              <a:buNone/>
+            </a:pPr>
+            <a:endParaRPr kumimoji="1" lang="ja-JP" altLang="en-US" sz="2400"/>
+          </a:p>
+        </p:txBody>
+      </p:sp>
+    </p:spTree>
+    <p:extLst>
+      <p:ext uri="{BB962C8B-B14F-4D97-AF65-F5344CB8AC3E}">
+        <p14:creationId xmlns:p14="http://schemas.microsoft.com/office/powerpoint/2010/main" val="185214083"/>
+      </p:ext>
+    </p:extLst>
+  </p:cSld>
+  <p:clrMapOvr>
+    <a:masterClrMapping/>
+  </p:clrMapOvr>
+</p:sld>
+</file>
+
+<file path=ppt/slides/slide52.xml><?xml version="1.0" encoding="utf-8"?>
+<p:sld xmlns:a="http://schemas.openxmlformats.org/drawingml/2006/main" xmlns:r="http://schemas.openxmlformats.org/officeDocument/2006/relationships" xmlns:p="http://schemas.openxmlformats.org/presentationml/2006/main">
+  <p:cSld>
+    <p:spTree>
+      <p:nvGrpSpPr>
+        <p:cNvPr id="1" name=""/>
+        <p:cNvGrpSpPr/>
+        <p:nvPr/>
+      </p:nvGrpSpPr>
+      <p:grpSpPr>
+        <a:xfrm>
+          <a:off x="0" y="0"/>
+          <a:ext cx="0" cy="0"/>
+          <a:chOff x="0" y="0"/>
+          <a:chExt cx="0" cy="0"/>
+        </a:xfrm>
+      </p:grpSpPr>
+      <p:sp>
+        <p:nvSpPr>
+          <p:cNvPr id="2" name="タイトル 1">
+            <a:extLst>
+              <a:ext uri="{FF2B5EF4-FFF2-40B4-BE49-F238E27FC236}">
+                <a16:creationId xmlns:a16="http://schemas.microsoft.com/office/drawing/2014/main" id="{79C819DB-CA5F-1C4C-8245-029E819E804E}"/>
+              </a:ext>
+            </a:extLst>
+          </p:cNvPr>
+          <p:cNvSpPr>
+            <a:spLocks noGrp="1"/>
+          </p:cNvSpPr>
+          <p:nvPr>
+            <p:ph type="title"/>
+          </p:nvPr>
+        </p:nvSpPr>
+        <p:spPr/>
+        <p:txBody>
+          <a:bodyPr/>
+          <a:lstStyle/>
+          <a:p>
+            <a:r>
+              <a:rPr lang="en" altLang="ja-JP" dirty="0"/>
+              <a:t>Example of Hamming distance</a:t>
+            </a:r>
+            <a:endParaRPr kumimoji="1" lang="ja-JP" altLang="en-US"/>
+          </a:p>
+        </p:txBody>
+      </p:sp>
+      <p:sp>
+        <p:nvSpPr>
+          <p:cNvPr id="10" name="テキスト ボックス 9">
+            <a:extLst>
+              <a:ext uri="{FF2B5EF4-FFF2-40B4-BE49-F238E27FC236}">
+                <a16:creationId xmlns:a16="http://schemas.microsoft.com/office/drawing/2014/main" id="{743391E0-BE57-C049-938D-B0625D1799E0}"/>
+              </a:ext>
+            </a:extLst>
+          </p:cNvPr>
+          <p:cNvSpPr txBox="1"/>
+          <p:nvPr/>
+        </p:nvSpPr>
+        <p:spPr>
+          <a:xfrm>
+            <a:off x="2547613" y="5846767"/>
+            <a:ext cx="8133958" cy="400110"/>
+          </a:xfrm>
+          <a:prstGeom prst="rect">
+            <a:avLst/>
+          </a:prstGeom>
+          <a:noFill/>
+        </p:spPr>
+        <p:txBody>
+          <a:bodyPr wrap="none" rtlCol="0">
+            <a:spAutoFit/>
+          </a:bodyPr>
+          <a:lstStyle/>
+          <a:p>
+            <a:r>
+              <a:rPr lang="en-US" altLang="ja-JP" sz="2000" dirty="0"/>
+              <a:t>We consider the situation that </a:t>
+            </a:r>
+            <a:r>
+              <a:rPr lang="en" altLang="ja-JP" sz="2000" dirty="0"/>
+              <a:t>each order contains 100 vehicles.</a:t>
+            </a:r>
+          </a:p>
+        </p:txBody>
+      </p:sp>
+      <p:sp>
+        <p:nvSpPr>
+          <p:cNvPr id="11" name="テキスト ボックス 10">
+            <a:extLst>
+              <a:ext uri="{FF2B5EF4-FFF2-40B4-BE49-F238E27FC236}">
+                <a16:creationId xmlns:a16="http://schemas.microsoft.com/office/drawing/2014/main" id="{C185AF17-63A4-E34E-B47F-4DEE1B5AD7E7}"/>
+              </a:ext>
+            </a:extLst>
+          </p:cNvPr>
+          <p:cNvSpPr txBox="1"/>
+          <p:nvPr/>
+        </p:nvSpPr>
+        <p:spPr>
+          <a:xfrm>
+            <a:off x="6199094" y="3469341"/>
+            <a:ext cx="415498" cy="369332"/>
+          </a:xfrm>
+          <a:prstGeom prst="rect">
+            <a:avLst/>
+          </a:prstGeom>
+          <a:noFill/>
+        </p:spPr>
+        <p:txBody>
+          <a:bodyPr wrap="none" rtlCol="0">
+            <a:spAutoFit/>
+          </a:bodyPr>
+          <a:lstStyle/>
+          <a:p>
+            <a:r>
+              <a:rPr kumimoji="1" lang="ja-JP" altLang="en-US"/>
+              <a:t>→</a:t>
+            </a:r>
+          </a:p>
+        </p:txBody>
+      </p:sp>
+      <p:sp>
+        <p:nvSpPr>
+          <p:cNvPr id="12" name="テキスト ボックス 11">
+            <a:extLst>
+              <a:ext uri="{FF2B5EF4-FFF2-40B4-BE49-F238E27FC236}">
+                <a16:creationId xmlns:a16="http://schemas.microsoft.com/office/drawing/2014/main" id="{58818B18-D07D-7647-9ED1-7DEE6F0EB59C}"/>
+              </a:ext>
+            </a:extLst>
+          </p:cNvPr>
+          <p:cNvSpPr txBox="1"/>
+          <p:nvPr/>
+        </p:nvSpPr>
+        <p:spPr>
+          <a:xfrm>
+            <a:off x="2547613" y="1769789"/>
+            <a:ext cx="5086649" cy="369332"/>
+          </a:xfrm>
+          <a:prstGeom prst="rect">
+            <a:avLst/>
+          </a:prstGeom>
+          <a:noFill/>
+        </p:spPr>
+        <p:txBody>
+          <a:bodyPr wrap="none" rtlCol="0">
+            <a:spAutoFit/>
+          </a:bodyPr>
+          <a:lstStyle/>
+          <a:p>
+            <a:r>
+              <a:rPr lang="en-US" altLang="ja-JP" dirty="0"/>
+              <a:t>we convert the values as shown in this table</a:t>
+            </a:r>
+            <a:endParaRPr kumimoji="1" lang="ja-JP" altLang="en-US"/>
+          </a:p>
+        </p:txBody>
+      </p:sp>
+      <p:sp>
+        <p:nvSpPr>
+          <p:cNvPr id="13" name="テキスト ボックス 12">
+            <a:extLst>
+              <a:ext uri="{FF2B5EF4-FFF2-40B4-BE49-F238E27FC236}">
+                <a16:creationId xmlns:a16="http://schemas.microsoft.com/office/drawing/2014/main" id="{BC6B1BD5-E990-2247-8F1A-78347BDCD511}"/>
+              </a:ext>
+            </a:extLst>
+          </p:cNvPr>
+          <p:cNvSpPr txBox="1"/>
+          <p:nvPr/>
+        </p:nvSpPr>
+        <p:spPr>
+          <a:xfrm>
+            <a:off x="1860413" y="4147215"/>
+            <a:ext cx="782587" cy="369332"/>
+          </a:xfrm>
+          <a:prstGeom prst="rect">
+            <a:avLst/>
+          </a:prstGeom>
+          <a:noFill/>
+        </p:spPr>
+        <p:txBody>
+          <a:bodyPr wrap="none" rtlCol="0">
+            <a:spAutoFit/>
+          </a:bodyPr>
+          <a:lstStyle/>
+          <a:p>
+            <a:r>
+              <a:rPr kumimoji="1" lang="en-US" altLang="ja-JP" dirty="0"/>
+              <a:t>order</a:t>
+            </a:r>
+            <a:endParaRPr kumimoji="1" lang="ja-JP" altLang="en-US"/>
+          </a:p>
+        </p:txBody>
+      </p:sp>
+      <p:sp>
+        <p:nvSpPr>
+          <p:cNvPr id="15" name="テキスト ボックス 14">
+            <a:extLst>
+              <a:ext uri="{FF2B5EF4-FFF2-40B4-BE49-F238E27FC236}">
+                <a16:creationId xmlns:a16="http://schemas.microsoft.com/office/drawing/2014/main" id="{B83063BE-4C59-B046-A1AE-DB1720BA0E9C}"/>
+              </a:ext>
+            </a:extLst>
+          </p:cNvPr>
+          <p:cNvSpPr txBox="1"/>
+          <p:nvPr/>
+        </p:nvSpPr>
+        <p:spPr>
+          <a:xfrm>
+            <a:off x="3810499" y="2385444"/>
+            <a:ext cx="1167307" cy="369332"/>
+          </a:xfrm>
+          <a:prstGeom prst="rect">
+            <a:avLst/>
+          </a:prstGeom>
+          <a:noFill/>
+        </p:spPr>
+        <p:txBody>
+          <a:bodyPr wrap="none" rtlCol="0">
+            <a:spAutoFit/>
+          </a:bodyPr>
+          <a:lstStyle/>
+          <a:p>
+            <a:r>
+              <a:rPr kumimoji="1" lang="en-US" altLang="ja-JP" dirty="0"/>
+              <a:t>segment</a:t>
+            </a:r>
+            <a:endParaRPr kumimoji="1" lang="ja-JP" altLang="en-US"/>
+          </a:p>
+        </p:txBody>
+      </p:sp>
+      <p:graphicFrame>
+        <p:nvGraphicFramePr>
+          <p:cNvPr id="18" name="コンテンツ プレースホルダー 17">
+            <a:extLst>
+              <a:ext uri="{FF2B5EF4-FFF2-40B4-BE49-F238E27FC236}">
+                <a16:creationId xmlns:a16="http://schemas.microsoft.com/office/drawing/2014/main" id="{0F64DDE8-9602-9844-A5EA-FC32E28076F3}"/>
+              </a:ext>
+            </a:extLst>
+          </p:cNvPr>
+          <p:cNvGraphicFramePr>
+            <a:graphicFrameLocks noGrp="1"/>
+          </p:cNvGraphicFramePr>
+          <p:nvPr>
+            <p:ph idx="1"/>
+            <p:extLst>
+              <p:ext uri="{D42A27DB-BD31-4B8C-83A1-F6EECF244321}">
+                <p14:modId xmlns:p14="http://schemas.microsoft.com/office/powerpoint/2010/main" val="1925749826"/>
+              </p:ext>
+            </p:extLst>
+          </p:nvPr>
+        </p:nvGraphicFramePr>
+        <p:xfrm>
+          <a:off x="2860088" y="2906286"/>
+          <a:ext cx="3068130" cy="2406340"/>
+        </p:xfrm>
+        <a:graphic>
+          <a:graphicData uri="http://schemas.openxmlformats.org/drawingml/2006/table">
+            <a:tbl>
+              <a:tblPr firstRow="1" bandRow="1">
+                <a:tableStyleId>{5C22544A-7EE6-4342-B048-85BDC9FD1C3A}</a:tableStyleId>
+              </a:tblPr>
+              <a:tblGrid>
+                <a:gridCol w="613626">
+                  <a:extLst>
+                    <a:ext uri="{9D8B030D-6E8A-4147-A177-3AD203B41FA5}">
+                      <a16:colId xmlns:a16="http://schemas.microsoft.com/office/drawing/2014/main" val="2861360921"/>
+                    </a:ext>
+                  </a:extLst>
+                </a:gridCol>
+                <a:gridCol w="613626">
+                  <a:extLst>
+                    <a:ext uri="{9D8B030D-6E8A-4147-A177-3AD203B41FA5}">
+                      <a16:colId xmlns:a16="http://schemas.microsoft.com/office/drawing/2014/main" val="2138114902"/>
+                    </a:ext>
+                  </a:extLst>
+                </a:gridCol>
+                <a:gridCol w="613626">
+                  <a:extLst>
+                    <a:ext uri="{9D8B030D-6E8A-4147-A177-3AD203B41FA5}">
+                      <a16:colId xmlns:a16="http://schemas.microsoft.com/office/drawing/2014/main" val="3066803536"/>
+                    </a:ext>
+                  </a:extLst>
+                </a:gridCol>
+                <a:gridCol w="613626">
+                  <a:extLst>
+                    <a:ext uri="{9D8B030D-6E8A-4147-A177-3AD203B41FA5}">
+                      <a16:colId xmlns:a16="http://schemas.microsoft.com/office/drawing/2014/main" val="2197929545"/>
+                    </a:ext>
+                  </a:extLst>
+                </a:gridCol>
+                <a:gridCol w="613626">
+                  <a:extLst>
+                    <a:ext uri="{9D8B030D-6E8A-4147-A177-3AD203B41FA5}">
+                      <a16:colId xmlns:a16="http://schemas.microsoft.com/office/drawing/2014/main" val="2607632151"/>
+                    </a:ext>
+                  </a:extLst>
+                </a:gridCol>
+              </a:tblGrid>
+              <a:tr h="601585">
+                <a:tc>
+                  <a:txBody>
+                    <a:bodyPr/>
+                    <a:lstStyle/>
+                    <a:p>
+                      <a:pPr algn="ctr"/>
+                      <a:endParaRPr kumimoji="1" lang="ja-JP" altLang="en-US"/>
+                    </a:p>
+                  </a:txBody>
+                  <a:tcPr/>
+                </a:tc>
+                <a:tc>
+                  <a:txBody>
+                    <a:bodyPr/>
+                    <a:lstStyle/>
+                    <a:p>
+                      <a:pPr algn="ctr"/>
+                      <a:r>
+                        <a:rPr kumimoji="1" lang="en-US" altLang="ja-JP" dirty="0"/>
+                        <a:t>1</a:t>
+                      </a:r>
+                      <a:endParaRPr kumimoji="1" lang="ja-JP" altLang="en-US"/>
+                    </a:p>
+                  </a:txBody>
+                  <a:tcPr/>
+                </a:tc>
+                <a:tc>
+                  <a:txBody>
+                    <a:bodyPr/>
+                    <a:lstStyle/>
+                    <a:p>
+                      <a:pPr algn="ctr"/>
+                      <a:r>
+                        <a:rPr kumimoji="1" lang="en-US" altLang="ja-JP" dirty="0"/>
+                        <a:t>2</a:t>
+                      </a:r>
+                      <a:endParaRPr kumimoji="1" lang="ja-JP" altLang="en-US"/>
+                    </a:p>
+                  </a:txBody>
+                  <a:tcPr/>
+                </a:tc>
+                <a:tc>
+                  <a:txBody>
+                    <a:bodyPr/>
+                    <a:lstStyle/>
+                    <a:p>
+                      <a:pPr algn="ctr"/>
+                      <a:r>
+                        <a:rPr kumimoji="1" lang="en-US" altLang="ja-JP" dirty="0"/>
+                        <a:t>3</a:t>
+                      </a:r>
+                      <a:endParaRPr kumimoji="1" lang="ja-JP" altLang="en-US"/>
+                    </a:p>
+                  </a:txBody>
+                  <a:tcPr/>
+                </a:tc>
+                <a:tc>
+                  <a:txBody>
+                    <a:bodyPr/>
+                    <a:lstStyle/>
+                    <a:p>
+                      <a:pPr algn="ctr"/>
+                      <a:r>
+                        <a:rPr kumimoji="1" lang="en-US" altLang="ja-JP" dirty="0"/>
+                        <a:t>4</a:t>
+                      </a:r>
+                      <a:endParaRPr kumimoji="1" lang="ja-JP" altLang="en-US"/>
+                    </a:p>
+                  </a:txBody>
+                  <a:tcPr/>
+                </a:tc>
+                <a:extLst>
+                  <a:ext uri="{0D108BD9-81ED-4DB2-BD59-A6C34878D82A}">
+                    <a16:rowId xmlns:a16="http://schemas.microsoft.com/office/drawing/2014/main" val="2796551800"/>
+                  </a:ext>
+                </a:extLst>
+              </a:tr>
+              <a:tr h="601585">
+                <a:tc>
+                  <a:txBody>
+                    <a:bodyPr/>
+                    <a:lstStyle/>
+                    <a:p>
+                      <a:pPr algn="ctr"/>
+                      <a:r>
+                        <a:rPr kumimoji="1" lang="en-US" altLang="ja-JP" dirty="0"/>
+                        <a:t>A</a:t>
+                      </a:r>
+                      <a:endParaRPr kumimoji="1" lang="ja-JP" altLang="en-US"/>
+                    </a:p>
+                  </a:txBody>
+                  <a:tcPr/>
+                </a:tc>
+                <a:tc>
+                  <a:txBody>
+                    <a:bodyPr/>
+                    <a:lstStyle/>
+                    <a:p>
+                      <a:pPr algn="ctr"/>
+                      <a:r>
+                        <a:rPr kumimoji="1" lang="en-US" altLang="ja-JP" dirty="0"/>
+                        <a:t>30</a:t>
+                      </a:r>
+                      <a:endParaRPr kumimoji="1" lang="ja-JP" altLang="en-US"/>
+                    </a:p>
+                  </a:txBody>
+                  <a:tcPr/>
+                </a:tc>
+                <a:tc>
+                  <a:txBody>
+                    <a:bodyPr/>
+                    <a:lstStyle/>
+                    <a:p>
+                      <a:pPr algn="ctr"/>
+                      <a:r>
+                        <a:rPr kumimoji="1" lang="en-US" altLang="ja-JP" dirty="0"/>
+                        <a:t>70</a:t>
+                      </a:r>
+                      <a:endParaRPr kumimoji="1" lang="ja-JP" altLang="en-US"/>
+                    </a:p>
+                  </a:txBody>
+                  <a:tcPr/>
+                </a:tc>
+                <a:tc>
+                  <a:txBody>
+                    <a:bodyPr/>
+                    <a:lstStyle/>
+                    <a:p>
+                      <a:pPr algn="ctr"/>
+                      <a:r>
+                        <a:rPr kumimoji="1" lang="en-US" altLang="ja-JP" dirty="0"/>
+                        <a:t>0</a:t>
+                      </a:r>
+                      <a:endParaRPr kumimoji="1" lang="ja-JP" altLang="en-US"/>
+                    </a:p>
+                  </a:txBody>
+                  <a:tcPr/>
+                </a:tc>
+                <a:tc>
+                  <a:txBody>
+                    <a:bodyPr/>
+                    <a:lstStyle/>
+                    <a:p>
+                      <a:pPr algn="ctr"/>
+                      <a:r>
+                        <a:rPr kumimoji="1" lang="en-US" altLang="ja-JP" dirty="0"/>
+                        <a:t>0</a:t>
+                      </a:r>
+                      <a:endParaRPr kumimoji="1" lang="ja-JP" altLang="en-US"/>
+                    </a:p>
+                  </a:txBody>
+                  <a:tcPr/>
+                </a:tc>
+                <a:extLst>
+                  <a:ext uri="{0D108BD9-81ED-4DB2-BD59-A6C34878D82A}">
+                    <a16:rowId xmlns:a16="http://schemas.microsoft.com/office/drawing/2014/main" val="1231181055"/>
+                  </a:ext>
+                </a:extLst>
+              </a:tr>
+              <a:tr h="601585">
+                <a:tc>
+                  <a:txBody>
+                    <a:bodyPr/>
+                    <a:lstStyle/>
+                    <a:p>
+                      <a:pPr algn="ctr"/>
+                      <a:r>
+                        <a:rPr kumimoji="1" lang="en-US" altLang="ja-JP" dirty="0"/>
+                        <a:t>B</a:t>
+                      </a:r>
+                      <a:endParaRPr kumimoji="1" lang="ja-JP" altLang="en-US"/>
+                    </a:p>
+                  </a:txBody>
+                  <a:tcPr/>
+                </a:tc>
+                <a:tc>
+                  <a:txBody>
+                    <a:bodyPr/>
+                    <a:lstStyle/>
+                    <a:p>
+                      <a:pPr algn="ctr"/>
+                      <a:r>
+                        <a:rPr kumimoji="1" lang="en-US" altLang="ja-JP" dirty="0"/>
+                        <a:t>0</a:t>
+                      </a:r>
+                      <a:endParaRPr kumimoji="1" lang="ja-JP" altLang="en-US"/>
+                    </a:p>
+                  </a:txBody>
+                  <a:tcPr/>
+                </a:tc>
+                <a:tc>
+                  <a:txBody>
+                    <a:bodyPr/>
+                    <a:lstStyle/>
+                    <a:p>
+                      <a:pPr algn="ctr"/>
+                      <a:r>
+                        <a:rPr kumimoji="1" lang="en-US" altLang="ja-JP" dirty="0"/>
+                        <a:t>0</a:t>
+                      </a:r>
+                      <a:endParaRPr kumimoji="1" lang="ja-JP" altLang="en-US"/>
+                    </a:p>
+                  </a:txBody>
+                  <a:tcPr/>
+                </a:tc>
+                <a:tc>
+                  <a:txBody>
+                    <a:bodyPr/>
+                    <a:lstStyle/>
+                    <a:p>
+                      <a:pPr algn="ctr"/>
+                      <a:r>
+                        <a:rPr kumimoji="1" lang="en-US" altLang="ja-JP" dirty="0"/>
+                        <a:t>100</a:t>
+                      </a:r>
+                      <a:endParaRPr kumimoji="1" lang="ja-JP" altLang="en-US"/>
+                    </a:p>
+                  </a:txBody>
+                  <a:tcPr/>
+                </a:tc>
+                <a:tc>
+                  <a:txBody>
+                    <a:bodyPr/>
+                    <a:lstStyle/>
+                    <a:p>
+                      <a:pPr algn="ctr"/>
+                      <a:r>
+                        <a:rPr kumimoji="1" lang="en-US" altLang="ja-JP" dirty="0"/>
+                        <a:t>0</a:t>
+                      </a:r>
+                      <a:endParaRPr kumimoji="1" lang="ja-JP" altLang="en-US"/>
+                    </a:p>
+                  </a:txBody>
+                  <a:tcPr/>
+                </a:tc>
+                <a:extLst>
+                  <a:ext uri="{0D108BD9-81ED-4DB2-BD59-A6C34878D82A}">
+                    <a16:rowId xmlns:a16="http://schemas.microsoft.com/office/drawing/2014/main" val="3696458332"/>
+                  </a:ext>
+                </a:extLst>
+              </a:tr>
+              <a:tr h="601585">
+                <a:tc>
+                  <a:txBody>
+                    <a:bodyPr/>
+                    <a:lstStyle/>
+                    <a:p>
+                      <a:pPr algn="ctr"/>
+                      <a:r>
+                        <a:rPr kumimoji="1" lang="en-US" altLang="ja-JP" dirty="0"/>
+                        <a:t>C</a:t>
+                      </a:r>
+                      <a:endParaRPr kumimoji="1" lang="ja-JP" altLang="en-US"/>
+                    </a:p>
+                  </a:txBody>
+                  <a:tcPr/>
+                </a:tc>
+                <a:tc>
+                  <a:txBody>
+                    <a:bodyPr/>
+                    <a:lstStyle/>
+                    <a:p>
+                      <a:pPr algn="ctr"/>
+                      <a:r>
+                        <a:rPr kumimoji="1" lang="en-US" altLang="ja-JP" dirty="0"/>
+                        <a:t>10</a:t>
+                      </a:r>
+                      <a:endParaRPr kumimoji="1" lang="ja-JP" altLang="en-US"/>
+                    </a:p>
+                  </a:txBody>
+                  <a:tcPr/>
+                </a:tc>
+                <a:tc>
+                  <a:txBody>
+                    <a:bodyPr/>
+                    <a:lstStyle/>
+                    <a:p>
+                      <a:pPr algn="ctr"/>
+                      <a:r>
+                        <a:rPr kumimoji="1" lang="en-US" altLang="ja-JP" dirty="0"/>
+                        <a:t>10</a:t>
+                      </a:r>
+                      <a:endParaRPr kumimoji="1" lang="ja-JP" altLang="en-US"/>
+                    </a:p>
+                  </a:txBody>
+                  <a:tcPr/>
+                </a:tc>
+                <a:tc>
+                  <a:txBody>
+                    <a:bodyPr/>
+                    <a:lstStyle/>
+                    <a:p>
+                      <a:pPr algn="ctr"/>
+                      <a:r>
+                        <a:rPr kumimoji="1" lang="en-US" altLang="ja-JP" dirty="0"/>
+                        <a:t>0</a:t>
+                      </a:r>
+                      <a:endParaRPr kumimoji="1" lang="ja-JP" altLang="en-US"/>
+                    </a:p>
+                  </a:txBody>
+                  <a:tcPr/>
+                </a:tc>
+                <a:tc>
+                  <a:txBody>
+                    <a:bodyPr/>
+                    <a:lstStyle/>
+                    <a:p>
+                      <a:pPr algn="ctr"/>
+                      <a:r>
+                        <a:rPr kumimoji="1" lang="en-US" altLang="ja-JP" dirty="0"/>
+                        <a:t>80</a:t>
+                      </a:r>
+                      <a:endParaRPr kumimoji="1" lang="ja-JP" altLang="en-US"/>
+                    </a:p>
+                  </a:txBody>
+                  <a:tcPr/>
+                </a:tc>
+                <a:extLst>
+                  <a:ext uri="{0D108BD9-81ED-4DB2-BD59-A6C34878D82A}">
+                    <a16:rowId xmlns:a16="http://schemas.microsoft.com/office/drawing/2014/main" val="3231955252"/>
+                  </a:ext>
+                </a:extLst>
+              </a:tr>
+            </a:tbl>
+          </a:graphicData>
+        </a:graphic>
+      </p:graphicFrame>
+      <p:graphicFrame>
+        <p:nvGraphicFramePr>
+          <p:cNvPr id="20" name="コンテンツ プレースホルダー 17">
+            <a:extLst>
+              <a:ext uri="{FF2B5EF4-FFF2-40B4-BE49-F238E27FC236}">
+                <a16:creationId xmlns:a16="http://schemas.microsoft.com/office/drawing/2014/main" id="{930410A0-0F83-9741-BD33-6B3617EA3924}"/>
+              </a:ext>
+            </a:extLst>
+          </p:cNvPr>
+          <p:cNvGraphicFramePr>
+            <a:graphicFrameLocks/>
+          </p:cNvGraphicFramePr>
+          <p:nvPr>
+            <p:extLst>
+              <p:ext uri="{D42A27DB-BD31-4B8C-83A1-F6EECF244321}">
+                <p14:modId xmlns:p14="http://schemas.microsoft.com/office/powerpoint/2010/main" val="1486193663"/>
+              </p:ext>
+            </p:extLst>
+          </p:nvPr>
+        </p:nvGraphicFramePr>
+        <p:xfrm>
+          <a:off x="7048768" y="2906286"/>
+          <a:ext cx="3068130" cy="2406340"/>
+        </p:xfrm>
+        <a:graphic>
+          <a:graphicData uri="http://schemas.openxmlformats.org/drawingml/2006/table">
+            <a:tbl>
+              <a:tblPr firstRow="1" bandRow="1">
+                <a:tableStyleId>{5C22544A-7EE6-4342-B048-85BDC9FD1C3A}</a:tableStyleId>
+              </a:tblPr>
+              <a:tblGrid>
+                <a:gridCol w="613626">
+                  <a:extLst>
+                    <a:ext uri="{9D8B030D-6E8A-4147-A177-3AD203B41FA5}">
+                      <a16:colId xmlns:a16="http://schemas.microsoft.com/office/drawing/2014/main" val="2861360921"/>
+                    </a:ext>
+                  </a:extLst>
+                </a:gridCol>
+                <a:gridCol w="613626">
+                  <a:extLst>
+                    <a:ext uri="{9D8B030D-6E8A-4147-A177-3AD203B41FA5}">
+                      <a16:colId xmlns:a16="http://schemas.microsoft.com/office/drawing/2014/main" val="2138114902"/>
+                    </a:ext>
+                  </a:extLst>
+                </a:gridCol>
+                <a:gridCol w="613626">
+                  <a:extLst>
+                    <a:ext uri="{9D8B030D-6E8A-4147-A177-3AD203B41FA5}">
+                      <a16:colId xmlns:a16="http://schemas.microsoft.com/office/drawing/2014/main" val="3066803536"/>
+                    </a:ext>
+                  </a:extLst>
+                </a:gridCol>
+                <a:gridCol w="613626">
+                  <a:extLst>
+                    <a:ext uri="{9D8B030D-6E8A-4147-A177-3AD203B41FA5}">
+                      <a16:colId xmlns:a16="http://schemas.microsoft.com/office/drawing/2014/main" val="2197929545"/>
+                    </a:ext>
+                  </a:extLst>
+                </a:gridCol>
+                <a:gridCol w="613626">
+                  <a:extLst>
+                    <a:ext uri="{9D8B030D-6E8A-4147-A177-3AD203B41FA5}">
+                      <a16:colId xmlns:a16="http://schemas.microsoft.com/office/drawing/2014/main" val="2607632151"/>
+                    </a:ext>
+                  </a:extLst>
+                </a:gridCol>
+              </a:tblGrid>
+              <a:tr h="601585">
+                <a:tc>
+                  <a:txBody>
+                    <a:bodyPr/>
+                    <a:lstStyle/>
+                    <a:p>
+                      <a:pPr algn="ctr"/>
+                      <a:endParaRPr kumimoji="1" lang="ja-JP" altLang="en-US"/>
+                    </a:p>
+                  </a:txBody>
+                  <a:tcPr/>
+                </a:tc>
+                <a:tc>
+                  <a:txBody>
+                    <a:bodyPr/>
+                    <a:lstStyle/>
+                    <a:p>
+                      <a:pPr algn="ctr"/>
+                      <a:r>
+                        <a:rPr kumimoji="1" lang="en-US" altLang="ja-JP" dirty="0"/>
+                        <a:t>1</a:t>
+                      </a:r>
+                      <a:endParaRPr kumimoji="1" lang="ja-JP" altLang="en-US"/>
+                    </a:p>
+                  </a:txBody>
+                  <a:tcPr/>
+                </a:tc>
+                <a:tc>
+                  <a:txBody>
+                    <a:bodyPr/>
+                    <a:lstStyle/>
+                    <a:p>
+                      <a:pPr algn="ctr"/>
+                      <a:r>
+                        <a:rPr kumimoji="1" lang="en-US" altLang="ja-JP" dirty="0"/>
+                        <a:t>2</a:t>
+                      </a:r>
+                      <a:endParaRPr kumimoji="1" lang="ja-JP" altLang="en-US"/>
+                    </a:p>
+                  </a:txBody>
+                  <a:tcPr/>
+                </a:tc>
+                <a:tc>
+                  <a:txBody>
+                    <a:bodyPr/>
+                    <a:lstStyle/>
+                    <a:p>
+                      <a:pPr algn="ctr"/>
+                      <a:r>
+                        <a:rPr kumimoji="1" lang="en-US" altLang="ja-JP" dirty="0"/>
+                        <a:t>3</a:t>
+                      </a:r>
+                      <a:endParaRPr kumimoji="1" lang="ja-JP" altLang="en-US"/>
+                    </a:p>
+                  </a:txBody>
+                  <a:tcPr/>
+                </a:tc>
+                <a:tc>
+                  <a:txBody>
+                    <a:bodyPr/>
+                    <a:lstStyle/>
+                    <a:p>
+                      <a:pPr algn="ctr"/>
+                      <a:r>
+                        <a:rPr kumimoji="1" lang="en-US" altLang="ja-JP" dirty="0"/>
+                        <a:t>4</a:t>
+                      </a:r>
+                      <a:endParaRPr kumimoji="1" lang="ja-JP" altLang="en-US"/>
+                    </a:p>
+                  </a:txBody>
+                  <a:tcPr/>
+                </a:tc>
+                <a:extLst>
+                  <a:ext uri="{0D108BD9-81ED-4DB2-BD59-A6C34878D82A}">
+                    <a16:rowId xmlns:a16="http://schemas.microsoft.com/office/drawing/2014/main" val="2796551800"/>
+                  </a:ext>
+                </a:extLst>
+              </a:tr>
+              <a:tr h="601585">
+                <a:tc>
+                  <a:txBody>
+                    <a:bodyPr/>
+                    <a:lstStyle/>
+                    <a:p>
+                      <a:pPr algn="ctr"/>
+                      <a:r>
+                        <a:rPr kumimoji="1" lang="en-US" altLang="ja-JP" dirty="0"/>
+                        <a:t>A</a:t>
+                      </a:r>
+                      <a:endParaRPr kumimoji="1" lang="ja-JP" altLang="en-US"/>
+                    </a:p>
+                  </a:txBody>
+                  <a:tcPr/>
+                </a:tc>
+                <a:tc>
+                  <a:txBody>
+                    <a:bodyPr/>
+                    <a:lstStyle/>
+                    <a:p>
+                      <a:pPr algn="ctr"/>
+                      <a:r>
+                        <a:rPr kumimoji="1" lang="en-US" altLang="ja-JP" dirty="0"/>
+                        <a:t>0.3</a:t>
+                      </a:r>
+                      <a:endParaRPr kumimoji="1" lang="ja-JP" altLang="en-US"/>
+                    </a:p>
+                  </a:txBody>
+                  <a:tcPr/>
+                </a:tc>
+                <a:tc>
+                  <a:txBody>
+                    <a:bodyPr/>
+                    <a:lstStyle/>
+                    <a:p>
+                      <a:pPr algn="ctr"/>
+                      <a:r>
+                        <a:rPr kumimoji="1" lang="en-US" altLang="ja-JP" dirty="0"/>
+                        <a:t>0.7</a:t>
+                      </a:r>
+                      <a:endParaRPr kumimoji="1" lang="ja-JP" altLang="en-US"/>
+                    </a:p>
+                  </a:txBody>
+                  <a:tcPr/>
+                </a:tc>
+                <a:tc>
+                  <a:txBody>
+                    <a:bodyPr/>
+                    <a:lstStyle/>
+                    <a:p>
+                      <a:pPr algn="ctr"/>
+                      <a:r>
+                        <a:rPr kumimoji="1" lang="en-US" altLang="ja-JP" dirty="0"/>
+                        <a:t>0</a:t>
+                      </a:r>
+                      <a:endParaRPr kumimoji="1" lang="ja-JP" altLang="en-US"/>
+                    </a:p>
+                  </a:txBody>
+                  <a:tcPr/>
+                </a:tc>
+                <a:tc>
+                  <a:txBody>
+                    <a:bodyPr/>
+                    <a:lstStyle/>
+                    <a:p>
+                      <a:pPr algn="ctr"/>
+                      <a:r>
+                        <a:rPr kumimoji="1" lang="en-US" altLang="ja-JP" dirty="0"/>
+                        <a:t>0</a:t>
+                      </a:r>
+                      <a:endParaRPr kumimoji="1" lang="ja-JP" altLang="en-US"/>
+                    </a:p>
+                  </a:txBody>
+                  <a:tcPr/>
+                </a:tc>
+                <a:extLst>
+                  <a:ext uri="{0D108BD9-81ED-4DB2-BD59-A6C34878D82A}">
+                    <a16:rowId xmlns:a16="http://schemas.microsoft.com/office/drawing/2014/main" val="1231181055"/>
+                  </a:ext>
+                </a:extLst>
+              </a:tr>
+              <a:tr h="601585">
+                <a:tc>
+                  <a:txBody>
+                    <a:bodyPr/>
+                    <a:lstStyle/>
+                    <a:p>
+                      <a:pPr algn="ctr"/>
+                      <a:r>
+                        <a:rPr kumimoji="1" lang="en-US" altLang="ja-JP" dirty="0"/>
+                        <a:t>B</a:t>
+                      </a:r>
+                      <a:endParaRPr kumimoji="1" lang="ja-JP" altLang="en-US"/>
+                    </a:p>
+                  </a:txBody>
+                  <a:tcPr/>
+                </a:tc>
+                <a:tc>
+                  <a:txBody>
+                    <a:bodyPr/>
+                    <a:lstStyle/>
+                    <a:p>
+                      <a:pPr algn="ctr"/>
+                      <a:r>
+                        <a:rPr kumimoji="1" lang="en-US" altLang="ja-JP" dirty="0"/>
+                        <a:t>0</a:t>
+                      </a:r>
+                      <a:endParaRPr kumimoji="1" lang="ja-JP" altLang="en-US"/>
+                    </a:p>
+                  </a:txBody>
+                  <a:tcPr/>
+                </a:tc>
+                <a:tc>
+                  <a:txBody>
+                    <a:bodyPr/>
+                    <a:lstStyle/>
+                    <a:p>
+                      <a:pPr algn="ctr"/>
+                      <a:r>
+                        <a:rPr kumimoji="1" lang="en-US" altLang="ja-JP" dirty="0"/>
+                        <a:t>0</a:t>
+                      </a:r>
+                      <a:endParaRPr kumimoji="1" lang="ja-JP" altLang="en-US"/>
+                    </a:p>
+                  </a:txBody>
+                  <a:tcPr/>
+                </a:tc>
+                <a:tc>
+                  <a:txBody>
+                    <a:bodyPr/>
+                    <a:lstStyle/>
+                    <a:p>
+                      <a:pPr algn="ctr"/>
+                      <a:r>
+                        <a:rPr kumimoji="1" lang="en-US" altLang="ja-JP" dirty="0"/>
+                        <a:t>1.0</a:t>
+                      </a:r>
+                      <a:endParaRPr kumimoji="1" lang="ja-JP" altLang="en-US"/>
+                    </a:p>
+                  </a:txBody>
+                  <a:tcPr/>
+                </a:tc>
+                <a:tc>
+                  <a:txBody>
+                    <a:bodyPr/>
+                    <a:lstStyle/>
+                    <a:p>
+                      <a:pPr algn="ctr"/>
+                      <a:r>
+                        <a:rPr kumimoji="1" lang="en-US" altLang="ja-JP" dirty="0"/>
+                        <a:t>0</a:t>
+                      </a:r>
+                      <a:endParaRPr kumimoji="1" lang="ja-JP" altLang="en-US"/>
+                    </a:p>
+                  </a:txBody>
+                  <a:tcPr/>
+                </a:tc>
+                <a:extLst>
+                  <a:ext uri="{0D108BD9-81ED-4DB2-BD59-A6C34878D82A}">
+                    <a16:rowId xmlns:a16="http://schemas.microsoft.com/office/drawing/2014/main" val="3696458332"/>
+                  </a:ext>
+                </a:extLst>
+              </a:tr>
+              <a:tr h="601585">
+                <a:tc>
+                  <a:txBody>
+                    <a:bodyPr/>
+                    <a:lstStyle/>
+                    <a:p>
+                      <a:pPr algn="ctr"/>
+                      <a:r>
+                        <a:rPr kumimoji="1" lang="en-US" altLang="ja-JP" dirty="0"/>
+                        <a:t>C</a:t>
+                      </a:r>
+                      <a:endParaRPr kumimoji="1" lang="ja-JP" altLang="en-US"/>
+                    </a:p>
+                  </a:txBody>
+                  <a:tcPr/>
+                </a:tc>
+                <a:tc>
+                  <a:txBody>
+                    <a:bodyPr/>
+                    <a:lstStyle/>
+                    <a:p>
+                      <a:pPr algn="ctr"/>
+                      <a:r>
+                        <a:rPr kumimoji="1" lang="en-US" altLang="ja-JP" dirty="0"/>
+                        <a:t>0.1</a:t>
+                      </a:r>
+                      <a:endParaRPr kumimoji="1" lang="ja-JP" altLang="en-US"/>
+                    </a:p>
+                  </a:txBody>
+                  <a:tcPr/>
+                </a:tc>
+                <a:tc>
+                  <a:txBody>
+                    <a:bodyPr/>
+                    <a:lstStyle/>
+                    <a:p>
+                      <a:pPr algn="ctr"/>
+                      <a:r>
+                        <a:rPr kumimoji="1" lang="en-US" altLang="ja-JP" dirty="0"/>
+                        <a:t>0.1</a:t>
+                      </a:r>
+                      <a:endParaRPr kumimoji="1" lang="ja-JP" altLang="en-US"/>
+                    </a:p>
+                  </a:txBody>
+                  <a:tcPr/>
+                </a:tc>
+                <a:tc>
+                  <a:txBody>
+                    <a:bodyPr/>
+                    <a:lstStyle/>
+                    <a:p>
+                      <a:pPr algn="ctr"/>
+                      <a:r>
+                        <a:rPr kumimoji="1" lang="en-US" altLang="ja-JP" dirty="0"/>
+                        <a:t>0</a:t>
+                      </a:r>
+                      <a:endParaRPr kumimoji="1" lang="ja-JP" altLang="en-US"/>
+                    </a:p>
+                  </a:txBody>
+                  <a:tcPr/>
+                </a:tc>
+                <a:tc>
+                  <a:txBody>
+                    <a:bodyPr/>
+                    <a:lstStyle/>
+                    <a:p>
+                      <a:pPr algn="ctr"/>
+                      <a:r>
+                        <a:rPr kumimoji="1" lang="en-US" altLang="ja-JP" dirty="0"/>
+                        <a:t>0.8</a:t>
+                      </a:r>
+                    </a:p>
+                  </a:txBody>
+                  <a:tcPr/>
+                </a:tc>
+                <a:extLst>
+                  <a:ext uri="{0D108BD9-81ED-4DB2-BD59-A6C34878D82A}">
+                    <a16:rowId xmlns:a16="http://schemas.microsoft.com/office/drawing/2014/main" val="3231955252"/>
+                  </a:ext>
+                </a:extLst>
+              </a:tr>
+            </a:tbl>
+          </a:graphicData>
+        </a:graphic>
+      </p:graphicFrame>
+    </p:spTree>
+    <p:extLst>
+      <p:ext uri="{BB962C8B-B14F-4D97-AF65-F5344CB8AC3E}">
+        <p14:creationId xmlns:p14="http://schemas.microsoft.com/office/powerpoint/2010/main" val="2980045663"/>
+      </p:ext>
+    </p:extLst>
+  </p:cSld>
+  <p:clrMapOvr>
+    <a:masterClrMapping/>
+  </p:clrMapOvr>
+</p:sld>
+</file>
+
+<file path=ppt/slides/slide53.xml><?xml version="1.0" encoding="utf-8"?>
+<p:sld xmlns:a="http://schemas.openxmlformats.org/drawingml/2006/main" xmlns:r="http://schemas.openxmlformats.org/officeDocument/2006/relationships" xmlns:p="http://schemas.openxmlformats.org/presentationml/2006/main">
+  <p:cSld>
+    <p:spTree>
+      <p:nvGrpSpPr>
+        <p:cNvPr id="1" name=""/>
+        <p:cNvGrpSpPr/>
+        <p:nvPr/>
+      </p:nvGrpSpPr>
+      <p:grpSpPr>
+        <a:xfrm>
+          <a:off x="0" y="0"/>
+          <a:ext cx="0" cy="0"/>
+          <a:chOff x="0" y="0"/>
+          <a:chExt cx="0" cy="0"/>
+        </a:xfrm>
+      </p:grpSpPr>
+      <p:sp>
+        <p:nvSpPr>
+          <p:cNvPr id="2" name="タイトル 1">
+            <a:extLst>
+              <a:ext uri="{FF2B5EF4-FFF2-40B4-BE49-F238E27FC236}">
+                <a16:creationId xmlns:a16="http://schemas.microsoft.com/office/drawing/2014/main" id="{A1D4FB34-9353-3D47-A3C3-5BAAAD8E679B}"/>
+              </a:ext>
+            </a:extLst>
+          </p:cNvPr>
+          <p:cNvSpPr>
+            <a:spLocks noGrp="1"/>
+          </p:cNvSpPr>
+          <p:nvPr>
+            <p:ph type="title"/>
+          </p:nvPr>
+        </p:nvSpPr>
+        <p:spPr>
+          <a:xfrm>
+            <a:off x="2592925" y="624110"/>
+            <a:ext cx="8911687" cy="774384"/>
+          </a:xfrm>
+        </p:spPr>
+        <p:txBody>
+          <a:bodyPr/>
+          <a:lstStyle/>
+          <a:p>
+            <a:r>
+              <a:rPr lang="en" altLang="ja-JP" dirty="0"/>
+              <a:t>Example of Hamming distance</a:t>
+            </a:r>
+            <a:endParaRPr kumimoji="1" lang="ja-JP" altLang="en-US"/>
+          </a:p>
+        </p:txBody>
+      </p:sp>
+      <p:sp>
+        <p:nvSpPr>
+          <p:cNvPr id="6" name="テキスト ボックス 5">
+            <a:extLst>
+              <a:ext uri="{FF2B5EF4-FFF2-40B4-BE49-F238E27FC236}">
+                <a16:creationId xmlns:a16="http://schemas.microsoft.com/office/drawing/2014/main" id="{96FA9E58-8A31-6945-9A86-6771FAF1115A}"/>
+              </a:ext>
+            </a:extLst>
+          </p:cNvPr>
+          <p:cNvSpPr txBox="1"/>
+          <p:nvPr/>
+        </p:nvSpPr>
+        <p:spPr>
+          <a:xfrm>
+            <a:off x="3532917" y="2070579"/>
+            <a:ext cx="1188146" cy="369332"/>
+          </a:xfrm>
+          <a:prstGeom prst="rect">
+            <a:avLst/>
+          </a:prstGeom>
+          <a:noFill/>
+        </p:spPr>
+        <p:txBody>
+          <a:bodyPr wrap="none" rtlCol="0">
+            <a:spAutoFit/>
+          </a:bodyPr>
+          <a:lstStyle/>
+          <a:p>
+            <a:r>
+              <a:rPr lang="en-US" altLang="ja-JP" dirty="0"/>
+              <a:t>Pattern 1</a:t>
+            </a:r>
+            <a:endParaRPr kumimoji="1" lang="ja-JP" altLang="en-US"/>
+          </a:p>
+        </p:txBody>
+      </p:sp>
+      <p:sp>
+        <p:nvSpPr>
+          <p:cNvPr id="7" name="テキスト ボックス 6">
+            <a:extLst>
+              <a:ext uri="{FF2B5EF4-FFF2-40B4-BE49-F238E27FC236}">
+                <a16:creationId xmlns:a16="http://schemas.microsoft.com/office/drawing/2014/main" id="{B16F9624-3F60-CC44-B46C-CCE747839F4E}"/>
+              </a:ext>
+            </a:extLst>
+          </p:cNvPr>
+          <p:cNvSpPr txBox="1"/>
+          <p:nvPr/>
+        </p:nvSpPr>
+        <p:spPr>
+          <a:xfrm>
+            <a:off x="8970395" y="2059906"/>
+            <a:ext cx="1188146" cy="369332"/>
+          </a:xfrm>
+          <a:prstGeom prst="rect">
+            <a:avLst/>
+          </a:prstGeom>
+          <a:noFill/>
+        </p:spPr>
+        <p:txBody>
+          <a:bodyPr wrap="none" rtlCol="0">
+            <a:spAutoFit/>
+          </a:bodyPr>
+          <a:lstStyle/>
+          <a:p>
+            <a:r>
+              <a:rPr lang="en-US" altLang="ja-JP" dirty="0"/>
+              <a:t>Pattern 2</a:t>
+            </a:r>
+            <a:endParaRPr kumimoji="1" lang="ja-JP" altLang="en-US"/>
+          </a:p>
+        </p:txBody>
+      </p:sp>
+      <p:sp>
+        <p:nvSpPr>
+          <p:cNvPr id="21" name="正方形/長方形 20">
+            <a:extLst>
+              <a:ext uri="{FF2B5EF4-FFF2-40B4-BE49-F238E27FC236}">
+                <a16:creationId xmlns:a16="http://schemas.microsoft.com/office/drawing/2014/main" id="{2AF99C55-C669-614C-949B-56FEE5BFBAE3}"/>
+              </a:ext>
+            </a:extLst>
+          </p:cNvPr>
+          <p:cNvSpPr/>
+          <p:nvPr/>
+        </p:nvSpPr>
+        <p:spPr>
+          <a:xfrm>
+            <a:off x="5848996" y="1609208"/>
+            <a:ext cx="3121399" cy="497038"/>
+          </a:xfrm>
+          <a:prstGeom prst="rect">
+            <a:avLst/>
+          </a:prstGeom>
+        </p:spPr>
+        <p:style>
+          <a:lnRef idx="2">
+            <a:schemeClr val="accent6"/>
+          </a:lnRef>
+          <a:fillRef idx="1">
+            <a:schemeClr val="lt1"/>
+          </a:fillRef>
+          <a:effectRef idx="0">
+            <a:schemeClr val="accent6"/>
+          </a:effectRef>
+          <a:fontRef idx="minor">
+            <a:schemeClr val="dk1"/>
+          </a:fontRef>
+        </p:style>
+        <p:txBody>
+          <a:bodyPr rtlCol="0" anchor="ctr"/>
+          <a:lstStyle/>
+          <a:p>
+            <a:pPr algn="ctr"/>
+            <a:endParaRPr kumimoji="1" lang="ja-JP" altLang="en-US"/>
+          </a:p>
+        </p:txBody>
+      </p:sp>
+      <mc:AlternateContent xmlns:mc="http://schemas.openxmlformats.org/markup-compatibility/2006">
+        <mc:Choice xmlns:a14="http://schemas.microsoft.com/office/drawing/2010/main" Requires="a14">
+          <p:graphicFrame>
+            <p:nvGraphicFramePr>
+              <p:cNvPr id="10" name="表 9">
+                <a:extLst>
+                  <a:ext uri="{FF2B5EF4-FFF2-40B4-BE49-F238E27FC236}">
+                    <a16:creationId xmlns:a16="http://schemas.microsoft.com/office/drawing/2014/main" id="{0831298D-84D4-0D4A-84DC-4830BAAA8344}"/>
+                  </a:ext>
+                </a:extLst>
+              </p:cNvPr>
+              <p:cNvGraphicFramePr>
+                <a:graphicFrameLocks noGrp="1"/>
+              </p:cNvGraphicFramePr>
+              <p:nvPr>
+                <p:extLst>
+                  <p:ext uri="{D42A27DB-BD31-4B8C-83A1-F6EECF244321}">
+                    <p14:modId xmlns:p14="http://schemas.microsoft.com/office/powerpoint/2010/main" val="1151959008"/>
+                  </p:ext>
+                </p:extLst>
+              </p:nvPr>
+            </p:nvGraphicFramePr>
+            <p:xfrm>
+              <a:off x="6261715" y="2522573"/>
+              <a:ext cx="1074910" cy="1941854"/>
+            </p:xfrm>
+            <a:graphic>
+              <a:graphicData uri="http://schemas.openxmlformats.org/drawingml/2006/table">
+                <a:tbl>
+                  <a:tblPr firstRow="1" bandRow="1">
+                    <a:tableStyleId>{5C22544A-7EE6-4342-B048-85BDC9FD1C3A}</a:tableStyleId>
+                  </a:tblPr>
+                  <a:tblGrid>
+                    <a:gridCol w="1074910">
+                      <a:extLst>
+                        <a:ext uri="{9D8B030D-6E8A-4147-A177-3AD203B41FA5}">
+                          <a16:colId xmlns:a16="http://schemas.microsoft.com/office/drawing/2014/main" val="3385810268"/>
+                        </a:ext>
+                      </a:extLst>
+                    </a:gridCol>
+                  </a:tblGrid>
+                  <a:tr h="497624">
+                    <a:tc>
+                      <a:txBody>
+                        <a:bodyPr/>
+                        <a:lstStyle/>
+                        <a:p>
+                          <a:pPr marL="0" marR="0" lvl="0" indent="0" algn="ctr" defTabSz="457200" rtl="0" eaLnBrk="1" fontAlgn="auto" latinLnBrk="0" hangingPunct="1">
+                            <a:lnSpc>
+                              <a:spcPct val="100000"/>
+                            </a:lnSpc>
+                            <a:spcBef>
+                              <a:spcPts val="0"/>
+                            </a:spcBef>
+                            <a:spcAft>
+                              <a:spcPts val="0"/>
+                            </a:spcAft>
+                            <a:buClrTx/>
+                            <a:buSzTx/>
+                            <a:buFontTx/>
+                            <a:buNone/>
+                            <a:tabLst/>
+                            <a:defRPr/>
+                          </a:pPr>
+                          <a14:m>
+                            <m:oMathPara xmlns:m="http://schemas.openxmlformats.org/officeDocument/2006/math">
+                              <m:oMathParaPr>
+                                <m:jc m:val="centerGroup"/>
+                              </m:oMathParaPr>
+                              <m:oMath xmlns:m="http://schemas.openxmlformats.org/officeDocument/2006/math">
+                                <m:sSub>
+                                  <m:sSubPr>
+                                    <m:ctrlPr>
+                                      <a:rPr lang="en-US" altLang="ja-JP" i="1" smtClean="0">
+                                        <a:latin typeface="Cambria Math" panose="02040503050406030204" pitchFamily="18" charset="0"/>
+                                      </a:rPr>
+                                    </m:ctrlPr>
+                                  </m:sSubPr>
+                                  <m:e>
+                                    <m:r>
+                                      <a:rPr lang="en-US" altLang="ja-JP" i="1">
+                                        <a:latin typeface="Cambria Math" panose="02040503050406030204" pitchFamily="18" charset="0"/>
+                                      </a:rPr>
+                                      <m:t>𝑥</m:t>
+                                    </m:r>
+                                  </m:e>
+                                  <m:sub>
+                                    <m:r>
+                                      <a:rPr lang="en-US" altLang="ja-JP" i="1">
+                                        <a:latin typeface="Cambria Math" panose="02040503050406030204" pitchFamily="18" charset="0"/>
+                                      </a:rPr>
+                                      <m:t>𝑖𝑗</m:t>
+                                    </m:r>
+                                  </m:sub>
+                                </m:sSub>
+                                <m:r>
+                                  <a:rPr lang="en-US" altLang="ja-JP" i="1">
+                                    <a:latin typeface="Cambria Math" panose="02040503050406030204" pitchFamily="18" charset="0"/>
+                                  </a:rPr>
+                                  <m:t>−</m:t>
+                                </m:r>
+                                <m:sSub>
+                                  <m:sSubPr>
+                                    <m:ctrlPr>
+                                      <a:rPr lang="en-US" altLang="ja-JP" i="1">
+                                        <a:latin typeface="Cambria Math" panose="02040503050406030204" pitchFamily="18" charset="0"/>
+                                      </a:rPr>
+                                    </m:ctrlPr>
+                                  </m:sSubPr>
+                                  <m:e>
+                                    <m:r>
+                                      <a:rPr lang="en-US" altLang="ja-JP" i="1">
+                                        <a:latin typeface="Cambria Math" panose="02040503050406030204" pitchFamily="18" charset="0"/>
+                                      </a:rPr>
+                                      <m:t>𝑦</m:t>
+                                    </m:r>
+                                  </m:e>
+                                  <m:sub>
+                                    <m:r>
+                                      <a:rPr lang="en-US" altLang="ja-JP" i="1">
+                                        <a:latin typeface="Cambria Math" panose="02040503050406030204" pitchFamily="18" charset="0"/>
+                                      </a:rPr>
+                                      <m:t>𝑖𝑗</m:t>
+                                    </m:r>
+                                  </m:sub>
+                                </m:sSub>
+                              </m:oMath>
+                            </m:oMathPara>
+                          </a14:m>
+                          <a:endParaRPr kumimoji="1" lang="ja-JP" altLang="en-US"/>
+                        </a:p>
+                      </a:txBody>
+                      <a:tcPr/>
+                    </a:tc>
+                    <a:extLst>
+                      <a:ext uri="{0D108BD9-81ED-4DB2-BD59-A6C34878D82A}">
+                        <a16:rowId xmlns:a16="http://schemas.microsoft.com/office/drawing/2014/main" val="3965556401"/>
+                      </a:ext>
+                    </a:extLst>
+                  </a:tr>
+                  <a:tr h="481410">
+                    <a:tc>
+                      <a:txBody>
+                        <a:bodyPr/>
+                        <a:lstStyle/>
+                        <a:p>
+                          <a:pPr algn="ctr"/>
+                          <a:r>
+                            <a:rPr kumimoji="1" lang="en-US" altLang="ja-JP" dirty="0"/>
+                            <a:t>1.6</a:t>
+                          </a:r>
+                          <a:endParaRPr kumimoji="1" lang="ja-JP" altLang="en-US"/>
+                        </a:p>
+                      </a:txBody>
+                      <a:tcPr/>
+                    </a:tc>
+                    <a:extLst>
+                      <a:ext uri="{0D108BD9-81ED-4DB2-BD59-A6C34878D82A}">
+                        <a16:rowId xmlns:a16="http://schemas.microsoft.com/office/drawing/2014/main" val="2497406869"/>
+                      </a:ext>
+                    </a:extLst>
+                  </a:tr>
+                  <a:tr h="481410">
+                    <a:tc>
+                      <a:txBody>
+                        <a:bodyPr/>
+                        <a:lstStyle/>
+                        <a:p>
+                          <a:pPr algn="ctr"/>
+                          <a:r>
+                            <a:rPr kumimoji="1" lang="en-US" altLang="ja-JP" dirty="0"/>
+                            <a:t>0</a:t>
+                          </a:r>
+                          <a:endParaRPr kumimoji="1" lang="ja-JP" altLang="en-US"/>
+                        </a:p>
+                      </a:txBody>
+                      <a:tcPr/>
+                    </a:tc>
+                    <a:extLst>
+                      <a:ext uri="{0D108BD9-81ED-4DB2-BD59-A6C34878D82A}">
+                        <a16:rowId xmlns:a16="http://schemas.microsoft.com/office/drawing/2014/main" val="728874131"/>
+                      </a:ext>
+                    </a:extLst>
+                  </a:tr>
+                  <a:tr h="481410">
+                    <a:tc>
+                      <a:txBody>
+                        <a:bodyPr/>
+                        <a:lstStyle/>
+                        <a:p>
+                          <a:pPr algn="ctr"/>
+                          <a:r>
+                            <a:rPr kumimoji="1" lang="en-US" altLang="ja-JP" dirty="0"/>
+                            <a:t>0.4</a:t>
+                          </a:r>
+                          <a:endParaRPr kumimoji="1" lang="ja-JP" altLang="en-US"/>
+                        </a:p>
+                      </a:txBody>
+                      <a:tcPr/>
+                    </a:tc>
+                    <a:extLst>
+                      <a:ext uri="{0D108BD9-81ED-4DB2-BD59-A6C34878D82A}">
+                        <a16:rowId xmlns:a16="http://schemas.microsoft.com/office/drawing/2014/main" val="4031394708"/>
+                      </a:ext>
+                    </a:extLst>
+                  </a:tr>
+                </a:tbl>
+              </a:graphicData>
+            </a:graphic>
+          </p:graphicFrame>
+        </mc:Choice>
+        <mc:Fallback>
+          <p:graphicFrame>
+            <p:nvGraphicFramePr>
+              <p:cNvPr id="10" name="表 9">
+                <a:extLst>
+                  <a:ext uri="{FF2B5EF4-FFF2-40B4-BE49-F238E27FC236}">
+                    <a16:creationId xmlns:a16="http://schemas.microsoft.com/office/drawing/2014/main" id="{0831298D-84D4-0D4A-84DC-4830BAAA8344}"/>
+                  </a:ext>
+                </a:extLst>
+              </p:cNvPr>
+              <p:cNvGraphicFramePr>
+                <a:graphicFrameLocks noGrp="1"/>
+              </p:cNvGraphicFramePr>
+              <p:nvPr>
+                <p:extLst>
+                  <p:ext uri="{D42A27DB-BD31-4B8C-83A1-F6EECF244321}">
+                    <p14:modId xmlns:p14="http://schemas.microsoft.com/office/powerpoint/2010/main" val="1151959008"/>
+                  </p:ext>
+                </p:extLst>
+              </p:nvPr>
+            </p:nvGraphicFramePr>
+            <p:xfrm>
+              <a:off x="6261715" y="2522573"/>
+              <a:ext cx="1074910" cy="1941854"/>
+            </p:xfrm>
+            <a:graphic>
+              <a:graphicData uri="http://schemas.openxmlformats.org/drawingml/2006/table">
+                <a:tbl>
+                  <a:tblPr firstRow="1" bandRow="1">
+                    <a:tableStyleId>{5C22544A-7EE6-4342-B048-85BDC9FD1C3A}</a:tableStyleId>
+                  </a:tblPr>
+                  <a:tblGrid>
+                    <a:gridCol w="1074910">
+                      <a:extLst>
+                        <a:ext uri="{9D8B030D-6E8A-4147-A177-3AD203B41FA5}">
+                          <a16:colId xmlns:a16="http://schemas.microsoft.com/office/drawing/2014/main" val="3385810268"/>
+                        </a:ext>
+                      </a:extLst>
+                    </a:gridCol>
+                  </a:tblGrid>
+                  <a:tr h="497624">
+                    <a:tc>
+                      <a:txBody>
+                        <a:bodyPr/>
+                        <a:lstStyle/>
+                        <a:p>
+                          <a:endParaRPr lang="ja-JP"/>
+                        </a:p>
+                      </a:txBody>
+                      <a:tcPr>
+                        <a:blipFill>
+                          <a:blip r:embed="rId2"/>
+                          <a:stretch>
+                            <a:fillRect l="-1176" t="-2564" r="-1176" b="-294872"/>
+                          </a:stretch>
+                        </a:blipFill>
+                      </a:tcPr>
+                    </a:tc>
+                    <a:extLst>
+                      <a:ext uri="{0D108BD9-81ED-4DB2-BD59-A6C34878D82A}">
+                        <a16:rowId xmlns:a16="http://schemas.microsoft.com/office/drawing/2014/main" val="3965556401"/>
+                      </a:ext>
+                    </a:extLst>
+                  </a:tr>
+                  <a:tr h="481410">
+                    <a:tc>
+                      <a:txBody>
+                        <a:bodyPr/>
+                        <a:lstStyle/>
+                        <a:p>
+                          <a:pPr algn="ctr"/>
+                          <a:r>
+                            <a:rPr kumimoji="1" lang="en-US" altLang="ja-JP" dirty="0"/>
+                            <a:t>1.6</a:t>
+                          </a:r>
+                          <a:endParaRPr kumimoji="1" lang="ja-JP" altLang="en-US"/>
+                        </a:p>
+                      </a:txBody>
+                      <a:tcPr/>
+                    </a:tc>
+                    <a:extLst>
+                      <a:ext uri="{0D108BD9-81ED-4DB2-BD59-A6C34878D82A}">
+                        <a16:rowId xmlns:a16="http://schemas.microsoft.com/office/drawing/2014/main" val="2497406869"/>
+                      </a:ext>
+                    </a:extLst>
+                  </a:tr>
+                  <a:tr h="481410">
+                    <a:tc>
+                      <a:txBody>
+                        <a:bodyPr/>
+                        <a:lstStyle/>
+                        <a:p>
+                          <a:pPr algn="ctr"/>
+                          <a:r>
+                            <a:rPr kumimoji="1" lang="en-US" altLang="ja-JP" dirty="0"/>
+                            <a:t>0</a:t>
+                          </a:r>
+                          <a:endParaRPr kumimoji="1" lang="ja-JP" altLang="en-US"/>
+                        </a:p>
+                      </a:txBody>
+                      <a:tcPr/>
+                    </a:tc>
+                    <a:extLst>
+                      <a:ext uri="{0D108BD9-81ED-4DB2-BD59-A6C34878D82A}">
+                        <a16:rowId xmlns:a16="http://schemas.microsoft.com/office/drawing/2014/main" val="728874131"/>
+                      </a:ext>
+                    </a:extLst>
+                  </a:tr>
+                  <a:tr h="481410">
+                    <a:tc>
+                      <a:txBody>
+                        <a:bodyPr/>
+                        <a:lstStyle/>
+                        <a:p>
+                          <a:pPr algn="ctr"/>
+                          <a:r>
+                            <a:rPr kumimoji="1" lang="en-US" altLang="ja-JP" dirty="0"/>
+                            <a:t>0.4</a:t>
+                          </a:r>
+                          <a:endParaRPr kumimoji="1" lang="ja-JP" altLang="en-US"/>
+                        </a:p>
+                      </a:txBody>
+                      <a:tcPr/>
+                    </a:tc>
+                    <a:extLst>
+                      <a:ext uri="{0D108BD9-81ED-4DB2-BD59-A6C34878D82A}">
+                        <a16:rowId xmlns:a16="http://schemas.microsoft.com/office/drawing/2014/main" val="4031394708"/>
+                      </a:ext>
+                    </a:extLst>
+                  </a:tr>
+                </a:tbl>
+              </a:graphicData>
+            </a:graphic>
+          </p:graphicFrame>
+        </mc:Fallback>
+      </mc:AlternateContent>
+      <p:graphicFrame>
+        <p:nvGraphicFramePr>
+          <p:cNvPr id="14" name="コンテンツ プレースホルダー 17">
+            <a:extLst>
+              <a:ext uri="{FF2B5EF4-FFF2-40B4-BE49-F238E27FC236}">
+                <a16:creationId xmlns:a16="http://schemas.microsoft.com/office/drawing/2014/main" id="{1828899B-FEB2-B347-8455-66EBCEE0E5B7}"/>
+              </a:ext>
+            </a:extLst>
+          </p:cNvPr>
+          <p:cNvGraphicFramePr>
+            <a:graphicFrameLocks/>
+          </p:cNvGraphicFramePr>
+          <p:nvPr>
+            <p:extLst>
+              <p:ext uri="{D42A27DB-BD31-4B8C-83A1-F6EECF244321}">
+                <p14:modId xmlns:p14="http://schemas.microsoft.com/office/powerpoint/2010/main" val="1833862025"/>
+              </p:ext>
+            </p:extLst>
+          </p:nvPr>
+        </p:nvGraphicFramePr>
+        <p:xfrm>
+          <a:off x="2592925" y="2522978"/>
+          <a:ext cx="3068130" cy="1941448"/>
+        </p:xfrm>
+        <a:graphic>
+          <a:graphicData uri="http://schemas.openxmlformats.org/drawingml/2006/table">
+            <a:tbl>
+              <a:tblPr firstRow="1" bandRow="1">
+                <a:tableStyleId>{5C22544A-7EE6-4342-B048-85BDC9FD1C3A}</a:tableStyleId>
+              </a:tblPr>
+              <a:tblGrid>
+                <a:gridCol w="613626">
+                  <a:extLst>
+                    <a:ext uri="{9D8B030D-6E8A-4147-A177-3AD203B41FA5}">
+                      <a16:colId xmlns:a16="http://schemas.microsoft.com/office/drawing/2014/main" val="2861360921"/>
+                    </a:ext>
+                  </a:extLst>
+                </a:gridCol>
+                <a:gridCol w="613626">
+                  <a:extLst>
+                    <a:ext uri="{9D8B030D-6E8A-4147-A177-3AD203B41FA5}">
+                      <a16:colId xmlns:a16="http://schemas.microsoft.com/office/drawing/2014/main" val="2138114902"/>
+                    </a:ext>
+                  </a:extLst>
+                </a:gridCol>
+                <a:gridCol w="613626">
+                  <a:extLst>
+                    <a:ext uri="{9D8B030D-6E8A-4147-A177-3AD203B41FA5}">
+                      <a16:colId xmlns:a16="http://schemas.microsoft.com/office/drawing/2014/main" val="3066803536"/>
+                    </a:ext>
+                  </a:extLst>
+                </a:gridCol>
+                <a:gridCol w="613626">
+                  <a:extLst>
+                    <a:ext uri="{9D8B030D-6E8A-4147-A177-3AD203B41FA5}">
+                      <a16:colId xmlns:a16="http://schemas.microsoft.com/office/drawing/2014/main" val="2197929545"/>
+                    </a:ext>
+                  </a:extLst>
+                </a:gridCol>
+                <a:gridCol w="613626">
+                  <a:extLst>
+                    <a:ext uri="{9D8B030D-6E8A-4147-A177-3AD203B41FA5}">
+                      <a16:colId xmlns:a16="http://schemas.microsoft.com/office/drawing/2014/main" val="2607632151"/>
+                    </a:ext>
+                  </a:extLst>
+                </a:gridCol>
+              </a:tblGrid>
+              <a:tr h="485362">
+                <a:tc>
+                  <a:txBody>
+                    <a:bodyPr/>
+                    <a:lstStyle/>
+                    <a:p>
+                      <a:pPr algn="ctr"/>
+                      <a:endParaRPr kumimoji="1" lang="ja-JP" altLang="en-US"/>
+                    </a:p>
+                  </a:txBody>
+                  <a:tcPr/>
+                </a:tc>
+                <a:tc>
+                  <a:txBody>
+                    <a:bodyPr/>
+                    <a:lstStyle/>
+                    <a:p>
+                      <a:pPr algn="ctr"/>
+                      <a:r>
+                        <a:rPr kumimoji="1" lang="en-US" altLang="ja-JP" dirty="0"/>
+                        <a:t>1</a:t>
+                      </a:r>
+                      <a:endParaRPr kumimoji="1" lang="ja-JP" altLang="en-US"/>
+                    </a:p>
+                  </a:txBody>
+                  <a:tcPr/>
+                </a:tc>
+                <a:tc>
+                  <a:txBody>
+                    <a:bodyPr/>
+                    <a:lstStyle/>
+                    <a:p>
+                      <a:pPr algn="ctr"/>
+                      <a:r>
+                        <a:rPr kumimoji="1" lang="en-US" altLang="ja-JP" dirty="0"/>
+                        <a:t>2</a:t>
+                      </a:r>
+                      <a:endParaRPr kumimoji="1" lang="ja-JP" altLang="en-US"/>
+                    </a:p>
+                  </a:txBody>
+                  <a:tcPr/>
+                </a:tc>
+                <a:tc>
+                  <a:txBody>
+                    <a:bodyPr/>
+                    <a:lstStyle/>
+                    <a:p>
+                      <a:pPr algn="ctr"/>
+                      <a:r>
+                        <a:rPr kumimoji="1" lang="en-US" altLang="ja-JP" dirty="0"/>
+                        <a:t>3</a:t>
+                      </a:r>
+                      <a:endParaRPr kumimoji="1" lang="ja-JP" altLang="en-US"/>
+                    </a:p>
+                  </a:txBody>
+                  <a:tcPr/>
+                </a:tc>
+                <a:tc>
+                  <a:txBody>
+                    <a:bodyPr/>
+                    <a:lstStyle/>
+                    <a:p>
+                      <a:pPr algn="ctr"/>
+                      <a:r>
+                        <a:rPr kumimoji="1" lang="en-US" altLang="ja-JP" dirty="0"/>
+                        <a:t>4</a:t>
+                      </a:r>
+                      <a:endParaRPr kumimoji="1" lang="ja-JP" altLang="en-US"/>
+                    </a:p>
+                  </a:txBody>
+                  <a:tcPr/>
+                </a:tc>
+                <a:extLst>
+                  <a:ext uri="{0D108BD9-81ED-4DB2-BD59-A6C34878D82A}">
+                    <a16:rowId xmlns:a16="http://schemas.microsoft.com/office/drawing/2014/main" val="2796551800"/>
+                  </a:ext>
+                </a:extLst>
+              </a:tr>
+              <a:tr h="485362">
+                <a:tc>
+                  <a:txBody>
+                    <a:bodyPr/>
+                    <a:lstStyle/>
+                    <a:p>
+                      <a:pPr algn="ctr"/>
+                      <a:r>
+                        <a:rPr kumimoji="1" lang="en-US" altLang="ja-JP" dirty="0"/>
+                        <a:t>A</a:t>
+                      </a:r>
+                      <a:endParaRPr kumimoji="1" lang="ja-JP" altLang="en-US"/>
+                    </a:p>
+                  </a:txBody>
+                  <a:tcPr/>
+                </a:tc>
+                <a:tc>
+                  <a:txBody>
+                    <a:bodyPr/>
+                    <a:lstStyle/>
+                    <a:p>
+                      <a:pPr algn="ctr"/>
+                      <a:r>
+                        <a:rPr kumimoji="1" lang="en-US" altLang="ja-JP" dirty="0"/>
+                        <a:t>0.3</a:t>
+                      </a:r>
+                      <a:endParaRPr kumimoji="1" lang="ja-JP" altLang="en-US"/>
+                    </a:p>
+                  </a:txBody>
+                  <a:tcPr/>
+                </a:tc>
+                <a:tc>
+                  <a:txBody>
+                    <a:bodyPr/>
+                    <a:lstStyle/>
+                    <a:p>
+                      <a:pPr algn="ctr"/>
+                      <a:r>
+                        <a:rPr kumimoji="1" lang="en-US" altLang="ja-JP" dirty="0"/>
+                        <a:t>0.7</a:t>
+                      </a:r>
+                      <a:endParaRPr kumimoji="1" lang="ja-JP" altLang="en-US"/>
+                    </a:p>
+                  </a:txBody>
+                  <a:tcPr/>
+                </a:tc>
+                <a:tc>
+                  <a:txBody>
+                    <a:bodyPr/>
+                    <a:lstStyle/>
+                    <a:p>
+                      <a:pPr algn="ctr"/>
+                      <a:r>
+                        <a:rPr kumimoji="1" lang="en-US" altLang="ja-JP" dirty="0"/>
+                        <a:t>0</a:t>
+                      </a:r>
+                      <a:endParaRPr kumimoji="1" lang="ja-JP" altLang="en-US"/>
+                    </a:p>
+                  </a:txBody>
+                  <a:tcPr/>
+                </a:tc>
+                <a:tc>
+                  <a:txBody>
+                    <a:bodyPr/>
+                    <a:lstStyle/>
+                    <a:p>
+                      <a:pPr algn="ctr"/>
+                      <a:r>
+                        <a:rPr kumimoji="1" lang="en-US" altLang="ja-JP" dirty="0"/>
+                        <a:t>0</a:t>
+                      </a:r>
+                      <a:endParaRPr kumimoji="1" lang="ja-JP" altLang="en-US"/>
+                    </a:p>
+                  </a:txBody>
+                  <a:tcPr/>
+                </a:tc>
+                <a:extLst>
+                  <a:ext uri="{0D108BD9-81ED-4DB2-BD59-A6C34878D82A}">
+                    <a16:rowId xmlns:a16="http://schemas.microsoft.com/office/drawing/2014/main" val="1231181055"/>
+                  </a:ext>
+                </a:extLst>
+              </a:tr>
+              <a:tr h="485362">
+                <a:tc>
+                  <a:txBody>
+                    <a:bodyPr/>
+                    <a:lstStyle/>
+                    <a:p>
+                      <a:pPr algn="ctr"/>
+                      <a:r>
+                        <a:rPr kumimoji="1" lang="en-US" altLang="ja-JP" dirty="0"/>
+                        <a:t>B</a:t>
+                      </a:r>
+                      <a:endParaRPr kumimoji="1" lang="ja-JP" altLang="en-US"/>
+                    </a:p>
+                  </a:txBody>
+                  <a:tcPr/>
+                </a:tc>
+                <a:tc>
+                  <a:txBody>
+                    <a:bodyPr/>
+                    <a:lstStyle/>
+                    <a:p>
+                      <a:pPr algn="ctr"/>
+                      <a:r>
+                        <a:rPr kumimoji="1" lang="en-US" altLang="ja-JP" dirty="0"/>
+                        <a:t>0</a:t>
+                      </a:r>
+                      <a:endParaRPr kumimoji="1" lang="ja-JP" altLang="en-US"/>
+                    </a:p>
+                  </a:txBody>
+                  <a:tcPr/>
+                </a:tc>
+                <a:tc>
+                  <a:txBody>
+                    <a:bodyPr/>
+                    <a:lstStyle/>
+                    <a:p>
+                      <a:pPr algn="ctr"/>
+                      <a:r>
+                        <a:rPr kumimoji="1" lang="en-US" altLang="ja-JP" dirty="0"/>
+                        <a:t>0</a:t>
+                      </a:r>
+                      <a:endParaRPr kumimoji="1" lang="ja-JP" altLang="en-US"/>
+                    </a:p>
+                  </a:txBody>
+                  <a:tcPr/>
+                </a:tc>
+                <a:tc>
+                  <a:txBody>
+                    <a:bodyPr/>
+                    <a:lstStyle/>
+                    <a:p>
+                      <a:pPr algn="ctr"/>
+                      <a:r>
+                        <a:rPr kumimoji="1" lang="en-US" altLang="ja-JP" dirty="0"/>
+                        <a:t>1.0</a:t>
+                      </a:r>
+                      <a:endParaRPr kumimoji="1" lang="ja-JP" altLang="en-US"/>
+                    </a:p>
+                  </a:txBody>
+                  <a:tcPr/>
+                </a:tc>
+                <a:tc>
+                  <a:txBody>
+                    <a:bodyPr/>
+                    <a:lstStyle/>
+                    <a:p>
+                      <a:pPr algn="ctr"/>
+                      <a:r>
+                        <a:rPr kumimoji="1" lang="en-US" altLang="ja-JP" dirty="0"/>
+                        <a:t>0</a:t>
+                      </a:r>
+                      <a:endParaRPr kumimoji="1" lang="ja-JP" altLang="en-US"/>
+                    </a:p>
+                  </a:txBody>
+                  <a:tcPr/>
+                </a:tc>
+                <a:extLst>
+                  <a:ext uri="{0D108BD9-81ED-4DB2-BD59-A6C34878D82A}">
+                    <a16:rowId xmlns:a16="http://schemas.microsoft.com/office/drawing/2014/main" val="3696458332"/>
+                  </a:ext>
+                </a:extLst>
+              </a:tr>
+              <a:tr h="485362">
+                <a:tc>
+                  <a:txBody>
+                    <a:bodyPr/>
+                    <a:lstStyle/>
+                    <a:p>
+                      <a:pPr algn="ctr"/>
+                      <a:r>
+                        <a:rPr kumimoji="1" lang="en-US" altLang="ja-JP" dirty="0"/>
+                        <a:t>C</a:t>
+                      </a:r>
+                      <a:endParaRPr kumimoji="1" lang="ja-JP" altLang="en-US"/>
+                    </a:p>
+                  </a:txBody>
+                  <a:tcPr/>
+                </a:tc>
+                <a:tc>
+                  <a:txBody>
+                    <a:bodyPr/>
+                    <a:lstStyle/>
+                    <a:p>
+                      <a:pPr algn="ctr"/>
+                      <a:r>
+                        <a:rPr kumimoji="1" lang="en-US" altLang="ja-JP" dirty="0"/>
+                        <a:t>0.1</a:t>
+                      </a:r>
+                      <a:endParaRPr kumimoji="1" lang="ja-JP" altLang="en-US"/>
+                    </a:p>
+                  </a:txBody>
+                  <a:tcPr/>
+                </a:tc>
+                <a:tc>
+                  <a:txBody>
+                    <a:bodyPr/>
+                    <a:lstStyle/>
+                    <a:p>
+                      <a:pPr algn="ctr"/>
+                      <a:r>
+                        <a:rPr kumimoji="1" lang="en-US" altLang="ja-JP" dirty="0"/>
+                        <a:t>0.1</a:t>
+                      </a:r>
+                      <a:endParaRPr kumimoji="1" lang="ja-JP" altLang="en-US"/>
+                    </a:p>
+                  </a:txBody>
+                  <a:tcPr/>
+                </a:tc>
+                <a:tc>
+                  <a:txBody>
+                    <a:bodyPr/>
+                    <a:lstStyle/>
+                    <a:p>
+                      <a:pPr algn="ctr"/>
+                      <a:r>
+                        <a:rPr kumimoji="1" lang="en-US" altLang="ja-JP" dirty="0"/>
+                        <a:t>0</a:t>
+                      </a:r>
+                      <a:endParaRPr kumimoji="1" lang="ja-JP" altLang="en-US"/>
+                    </a:p>
+                  </a:txBody>
+                  <a:tcPr/>
+                </a:tc>
+                <a:tc>
+                  <a:txBody>
+                    <a:bodyPr/>
+                    <a:lstStyle/>
+                    <a:p>
+                      <a:pPr algn="ctr"/>
+                      <a:r>
+                        <a:rPr kumimoji="1" lang="en-US" altLang="ja-JP" dirty="0"/>
+                        <a:t>0.8</a:t>
+                      </a:r>
+                    </a:p>
+                  </a:txBody>
+                  <a:tcPr/>
+                </a:tc>
+                <a:extLst>
+                  <a:ext uri="{0D108BD9-81ED-4DB2-BD59-A6C34878D82A}">
+                    <a16:rowId xmlns:a16="http://schemas.microsoft.com/office/drawing/2014/main" val="3231955252"/>
+                  </a:ext>
+                </a:extLst>
+              </a:tr>
+            </a:tbl>
+          </a:graphicData>
+        </a:graphic>
+      </p:graphicFrame>
+      <p:graphicFrame>
+        <p:nvGraphicFramePr>
+          <p:cNvPr id="17" name="コンテンツ プレースホルダー 17">
+            <a:extLst>
+              <a:ext uri="{FF2B5EF4-FFF2-40B4-BE49-F238E27FC236}">
+                <a16:creationId xmlns:a16="http://schemas.microsoft.com/office/drawing/2014/main" id="{C2B485E8-B539-F242-9463-98EE124FD259}"/>
+              </a:ext>
+            </a:extLst>
+          </p:cNvPr>
+          <p:cNvGraphicFramePr>
+            <a:graphicFrameLocks/>
+          </p:cNvGraphicFramePr>
+          <p:nvPr>
+            <p:extLst>
+              <p:ext uri="{D42A27DB-BD31-4B8C-83A1-F6EECF244321}">
+                <p14:modId xmlns:p14="http://schemas.microsoft.com/office/powerpoint/2010/main" val="2989654063"/>
+              </p:ext>
+            </p:extLst>
+          </p:nvPr>
+        </p:nvGraphicFramePr>
+        <p:xfrm>
+          <a:off x="8030403" y="2519859"/>
+          <a:ext cx="3068130" cy="1944568"/>
+        </p:xfrm>
+        <a:graphic>
+          <a:graphicData uri="http://schemas.openxmlformats.org/drawingml/2006/table">
+            <a:tbl>
+              <a:tblPr firstRow="1" bandRow="1">
+                <a:tableStyleId>{5C22544A-7EE6-4342-B048-85BDC9FD1C3A}</a:tableStyleId>
+              </a:tblPr>
+              <a:tblGrid>
+                <a:gridCol w="613626">
+                  <a:extLst>
+                    <a:ext uri="{9D8B030D-6E8A-4147-A177-3AD203B41FA5}">
+                      <a16:colId xmlns:a16="http://schemas.microsoft.com/office/drawing/2014/main" val="2861360921"/>
+                    </a:ext>
+                  </a:extLst>
+                </a:gridCol>
+                <a:gridCol w="613626">
+                  <a:extLst>
+                    <a:ext uri="{9D8B030D-6E8A-4147-A177-3AD203B41FA5}">
+                      <a16:colId xmlns:a16="http://schemas.microsoft.com/office/drawing/2014/main" val="2138114902"/>
+                    </a:ext>
+                  </a:extLst>
+                </a:gridCol>
+                <a:gridCol w="613626">
+                  <a:extLst>
+                    <a:ext uri="{9D8B030D-6E8A-4147-A177-3AD203B41FA5}">
+                      <a16:colId xmlns:a16="http://schemas.microsoft.com/office/drawing/2014/main" val="3066803536"/>
+                    </a:ext>
+                  </a:extLst>
+                </a:gridCol>
+                <a:gridCol w="613626">
+                  <a:extLst>
+                    <a:ext uri="{9D8B030D-6E8A-4147-A177-3AD203B41FA5}">
+                      <a16:colId xmlns:a16="http://schemas.microsoft.com/office/drawing/2014/main" val="2197929545"/>
+                    </a:ext>
+                  </a:extLst>
+                </a:gridCol>
+                <a:gridCol w="613626">
+                  <a:extLst>
+                    <a:ext uri="{9D8B030D-6E8A-4147-A177-3AD203B41FA5}">
+                      <a16:colId xmlns:a16="http://schemas.microsoft.com/office/drawing/2014/main" val="2607632151"/>
+                    </a:ext>
+                  </a:extLst>
+                </a:gridCol>
+              </a:tblGrid>
+              <a:tr h="486142">
+                <a:tc>
+                  <a:txBody>
+                    <a:bodyPr/>
+                    <a:lstStyle/>
+                    <a:p>
+                      <a:pPr algn="ctr"/>
+                      <a:endParaRPr kumimoji="1" lang="ja-JP" altLang="en-US"/>
+                    </a:p>
+                  </a:txBody>
+                  <a:tcPr/>
+                </a:tc>
+                <a:tc>
+                  <a:txBody>
+                    <a:bodyPr/>
+                    <a:lstStyle/>
+                    <a:p>
+                      <a:pPr algn="ctr"/>
+                      <a:r>
+                        <a:rPr kumimoji="1" lang="en-US" altLang="ja-JP" dirty="0"/>
+                        <a:t>1</a:t>
+                      </a:r>
+                      <a:endParaRPr kumimoji="1" lang="ja-JP" altLang="en-US"/>
+                    </a:p>
+                  </a:txBody>
+                  <a:tcPr/>
+                </a:tc>
+                <a:tc>
+                  <a:txBody>
+                    <a:bodyPr/>
+                    <a:lstStyle/>
+                    <a:p>
+                      <a:pPr algn="ctr"/>
+                      <a:r>
+                        <a:rPr kumimoji="1" lang="en-US" altLang="ja-JP" dirty="0"/>
+                        <a:t>2</a:t>
+                      </a:r>
+                      <a:endParaRPr kumimoji="1" lang="ja-JP" altLang="en-US"/>
+                    </a:p>
+                  </a:txBody>
+                  <a:tcPr/>
+                </a:tc>
+                <a:tc>
+                  <a:txBody>
+                    <a:bodyPr/>
+                    <a:lstStyle/>
+                    <a:p>
+                      <a:pPr algn="ctr"/>
+                      <a:r>
+                        <a:rPr kumimoji="1" lang="en-US" altLang="ja-JP" dirty="0"/>
+                        <a:t>3</a:t>
+                      </a:r>
+                      <a:endParaRPr kumimoji="1" lang="ja-JP" altLang="en-US"/>
+                    </a:p>
+                  </a:txBody>
+                  <a:tcPr/>
+                </a:tc>
+                <a:tc>
+                  <a:txBody>
+                    <a:bodyPr/>
+                    <a:lstStyle/>
+                    <a:p>
+                      <a:pPr algn="ctr"/>
+                      <a:r>
+                        <a:rPr kumimoji="1" lang="en-US" altLang="ja-JP" dirty="0"/>
+                        <a:t>4</a:t>
+                      </a:r>
+                      <a:endParaRPr kumimoji="1" lang="ja-JP" altLang="en-US"/>
+                    </a:p>
+                  </a:txBody>
+                  <a:tcPr/>
+                </a:tc>
+                <a:extLst>
+                  <a:ext uri="{0D108BD9-81ED-4DB2-BD59-A6C34878D82A}">
+                    <a16:rowId xmlns:a16="http://schemas.microsoft.com/office/drawing/2014/main" val="2796551800"/>
+                  </a:ext>
+                </a:extLst>
+              </a:tr>
+              <a:tr h="486142">
+                <a:tc>
+                  <a:txBody>
+                    <a:bodyPr/>
+                    <a:lstStyle/>
+                    <a:p>
+                      <a:pPr algn="ctr"/>
+                      <a:r>
+                        <a:rPr kumimoji="1" lang="en-US" altLang="ja-JP" dirty="0"/>
+                        <a:t>A</a:t>
+                      </a:r>
+                      <a:endParaRPr kumimoji="1" lang="ja-JP" altLang="en-US"/>
+                    </a:p>
+                  </a:txBody>
+                  <a:tcPr/>
+                </a:tc>
+                <a:tc>
+                  <a:txBody>
+                    <a:bodyPr/>
+                    <a:lstStyle/>
+                    <a:p>
+                      <a:pPr algn="ctr"/>
+                      <a:r>
+                        <a:rPr kumimoji="1" lang="en-US" altLang="ja-JP" dirty="0"/>
+                        <a:t>0.2</a:t>
+                      </a:r>
+                      <a:endParaRPr kumimoji="1" lang="ja-JP" altLang="en-US"/>
+                    </a:p>
+                  </a:txBody>
+                  <a:tcPr/>
+                </a:tc>
+                <a:tc>
+                  <a:txBody>
+                    <a:bodyPr/>
+                    <a:lstStyle/>
+                    <a:p>
+                      <a:pPr algn="ctr"/>
+                      <a:r>
+                        <a:rPr kumimoji="1" lang="en-US" altLang="ja-JP" dirty="0"/>
+                        <a:t>0</a:t>
+                      </a:r>
+                      <a:endParaRPr kumimoji="1" lang="ja-JP" altLang="en-US"/>
+                    </a:p>
+                  </a:txBody>
+                  <a:tcPr/>
+                </a:tc>
+                <a:tc>
+                  <a:txBody>
+                    <a:bodyPr/>
+                    <a:lstStyle/>
+                    <a:p>
+                      <a:pPr algn="ctr"/>
+                      <a:r>
+                        <a:rPr kumimoji="1" lang="en-US" altLang="ja-JP" dirty="0"/>
+                        <a:t>0.8</a:t>
+                      </a:r>
+                      <a:endParaRPr kumimoji="1" lang="ja-JP" altLang="en-US"/>
+                    </a:p>
+                  </a:txBody>
+                  <a:tcPr/>
+                </a:tc>
+                <a:tc>
+                  <a:txBody>
+                    <a:bodyPr/>
+                    <a:lstStyle/>
+                    <a:p>
+                      <a:pPr algn="ctr"/>
+                      <a:r>
+                        <a:rPr kumimoji="1" lang="en-US" altLang="ja-JP" dirty="0"/>
+                        <a:t>0</a:t>
+                      </a:r>
+                      <a:endParaRPr kumimoji="1" lang="ja-JP" altLang="en-US"/>
+                    </a:p>
+                  </a:txBody>
+                  <a:tcPr/>
+                </a:tc>
+                <a:extLst>
+                  <a:ext uri="{0D108BD9-81ED-4DB2-BD59-A6C34878D82A}">
+                    <a16:rowId xmlns:a16="http://schemas.microsoft.com/office/drawing/2014/main" val="1231181055"/>
+                  </a:ext>
+                </a:extLst>
+              </a:tr>
+              <a:tr h="486142">
+                <a:tc>
+                  <a:txBody>
+                    <a:bodyPr/>
+                    <a:lstStyle/>
+                    <a:p>
+                      <a:pPr algn="ctr"/>
+                      <a:r>
+                        <a:rPr kumimoji="1" lang="en-US" altLang="ja-JP" dirty="0"/>
+                        <a:t>B</a:t>
+                      </a:r>
+                      <a:endParaRPr kumimoji="1" lang="ja-JP" altLang="en-US"/>
+                    </a:p>
+                  </a:txBody>
+                  <a:tcPr/>
+                </a:tc>
+                <a:tc>
+                  <a:txBody>
+                    <a:bodyPr/>
+                    <a:lstStyle/>
+                    <a:p>
+                      <a:pPr algn="ctr"/>
+                      <a:r>
+                        <a:rPr kumimoji="1" lang="en-US" altLang="ja-JP" dirty="0"/>
+                        <a:t>0</a:t>
+                      </a:r>
+                      <a:endParaRPr kumimoji="1" lang="ja-JP" altLang="en-US"/>
+                    </a:p>
+                  </a:txBody>
+                  <a:tcPr/>
+                </a:tc>
+                <a:tc>
+                  <a:txBody>
+                    <a:bodyPr/>
+                    <a:lstStyle/>
+                    <a:p>
+                      <a:pPr algn="ctr"/>
+                      <a:r>
+                        <a:rPr kumimoji="1" lang="en-US" altLang="ja-JP" dirty="0"/>
+                        <a:t>0</a:t>
+                      </a:r>
+                      <a:endParaRPr kumimoji="1" lang="ja-JP" altLang="en-US"/>
+                    </a:p>
+                  </a:txBody>
+                  <a:tcPr/>
+                </a:tc>
+                <a:tc>
+                  <a:txBody>
+                    <a:bodyPr/>
+                    <a:lstStyle/>
+                    <a:p>
+                      <a:pPr algn="ctr"/>
+                      <a:r>
+                        <a:rPr kumimoji="1" lang="en-US" altLang="ja-JP" dirty="0"/>
+                        <a:t>1.0</a:t>
+                      </a:r>
+                      <a:endParaRPr kumimoji="1" lang="ja-JP" altLang="en-US"/>
+                    </a:p>
+                  </a:txBody>
+                  <a:tcPr/>
+                </a:tc>
+                <a:tc>
+                  <a:txBody>
+                    <a:bodyPr/>
+                    <a:lstStyle/>
+                    <a:p>
+                      <a:pPr algn="ctr"/>
+                      <a:r>
+                        <a:rPr kumimoji="1" lang="en-US" altLang="ja-JP" dirty="0"/>
+                        <a:t>0</a:t>
+                      </a:r>
+                      <a:endParaRPr kumimoji="1" lang="ja-JP" altLang="en-US"/>
+                    </a:p>
+                  </a:txBody>
+                  <a:tcPr/>
+                </a:tc>
+                <a:extLst>
+                  <a:ext uri="{0D108BD9-81ED-4DB2-BD59-A6C34878D82A}">
+                    <a16:rowId xmlns:a16="http://schemas.microsoft.com/office/drawing/2014/main" val="3696458332"/>
+                  </a:ext>
+                </a:extLst>
+              </a:tr>
+              <a:tr h="486142">
+                <a:tc>
+                  <a:txBody>
+                    <a:bodyPr/>
+                    <a:lstStyle/>
+                    <a:p>
+                      <a:pPr algn="ctr"/>
+                      <a:r>
+                        <a:rPr kumimoji="1" lang="en-US" altLang="ja-JP" dirty="0"/>
+                        <a:t>C</a:t>
+                      </a:r>
+                      <a:endParaRPr kumimoji="1" lang="ja-JP" altLang="en-US"/>
+                    </a:p>
+                  </a:txBody>
+                  <a:tcPr/>
+                </a:tc>
+                <a:tc>
+                  <a:txBody>
+                    <a:bodyPr/>
+                    <a:lstStyle/>
+                    <a:p>
+                      <a:pPr algn="ctr"/>
+                      <a:r>
+                        <a:rPr kumimoji="1" lang="en-US" altLang="ja-JP" dirty="0"/>
+                        <a:t>0.2</a:t>
+                      </a:r>
+                      <a:endParaRPr kumimoji="1" lang="ja-JP" altLang="en-US"/>
+                    </a:p>
+                  </a:txBody>
+                  <a:tcPr/>
+                </a:tc>
+                <a:tc>
+                  <a:txBody>
+                    <a:bodyPr/>
+                    <a:lstStyle/>
+                    <a:p>
+                      <a:pPr algn="ctr"/>
+                      <a:r>
+                        <a:rPr kumimoji="1" lang="en-US" altLang="ja-JP" dirty="0"/>
+                        <a:t>0.2</a:t>
+                      </a:r>
+                      <a:endParaRPr kumimoji="1" lang="ja-JP" altLang="en-US"/>
+                    </a:p>
+                  </a:txBody>
+                  <a:tcPr/>
+                </a:tc>
+                <a:tc>
+                  <a:txBody>
+                    <a:bodyPr/>
+                    <a:lstStyle/>
+                    <a:p>
+                      <a:pPr algn="ctr"/>
+                      <a:r>
+                        <a:rPr kumimoji="1" lang="en-US" altLang="ja-JP" dirty="0"/>
+                        <a:t>0</a:t>
+                      </a:r>
+                      <a:endParaRPr kumimoji="1" lang="ja-JP" altLang="en-US"/>
+                    </a:p>
+                  </a:txBody>
+                  <a:tcPr/>
+                </a:tc>
+                <a:tc>
+                  <a:txBody>
+                    <a:bodyPr/>
+                    <a:lstStyle/>
+                    <a:p>
+                      <a:pPr algn="ctr"/>
+                      <a:r>
+                        <a:rPr kumimoji="1" lang="en-US" altLang="ja-JP" dirty="0"/>
+                        <a:t>0.6</a:t>
+                      </a:r>
+                    </a:p>
+                  </a:txBody>
+                  <a:tcPr/>
+                </a:tc>
+                <a:extLst>
+                  <a:ext uri="{0D108BD9-81ED-4DB2-BD59-A6C34878D82A}">
+                    <a16:rowId xmlns:a16="http://schemas.microsoft.com/office/drawing/2014/main" val="3231955252"/>
+                  </a:ext>
+                </a:extLst>
+              </a:tr>
+            </a:tbl>
+          </a:graphicData>
+        </a:graphic>
+      </p:graphicFrame>
+      <p:sp>
+        <p:nvSpPr>
+          <p:cNvPr id="18" name="テキスト ボックス 17">
+            <a:extLst>
+              <a:ext uri="{FF2B5EF4-FFF2-40B4-BE49-F238E27FC236}">
+                <a16:creationId xmlns:a16="http://schemas.microsoft.com/office/drawing/2014/main" id="{F5B84D0B-B263-FD49-98A5-13EF2CBF6EA3}"/>
+              </a:ext>
+            </a:extLst>
+          </p:cNvPr>
+          <p:cNvSpPr txBox="1"/>
+          <p:nvPr/>
+        </p:nvSpPr>
+        <p:spPr>
+          <a:xfrm>
+            <a:off x="5848996" y="1685767"/>
+            <a:ext cx="3153427" cy="369332"/>
+          </a:xfrm>
+          <a:prstGeom prst="rect">
+            <a:avLst/>
+          </a:prstGeom>
+          <a:noFill/>
+        </p:spPr>
+        <p:txBody>
+          <a:bodyPr wrap="none" rtlCol="0">
+            <a:spAutoFit/>
+          </a:bodyPr>
+          <a:lstStyle/>
+          <a:p>
+            <a:r>
+              <a:rPr lang="en-US" altLang="ja-JP" dirty="0"/>
+              <a:t>|0.3-0.2|+|0.7-0|+|0-0.8|</a:t>
+            </a:r>
+            <a:endParaRPr kumimoji="1" lang="ja-JP" altLang="en-US"/>
+          </a:p>
+        </p:txBody>
+      </p:sp>
+      <p:cxnSp>
+        <p:nvCxnSpPr>
+          <p:cNvPr id="27" name="直線コネクタ 26">
+            <a:extLst>
+              <a:ext uri="{FF2B5EF4-FFF2-40B4-BE49-F238E27FC236}">
+                <a16:creationId xmlns:a16="http://schemas.microsoft.com/office/drawing/2014/main" id="{9C53EE11-F5E4-F443-83A8-868A194A2EDF}"/>
+              </a:ext>
+            </a:extLst>
+          </p:cNvPr>
+          <p:cNvCxnSpPr/>
+          <p:nvPr/>
+        </p:nvCxnSpPr>
+        <p:spPr>
+          <a:xfrm>
+            <a:off x="7048767" y="3240741"/>
+            <a:ext cx="575714" cy="0"/>
+          </a:xfrm>
+          <a:prstGeom prst="line">
+            <a:avLst/>
+          </a:prstGeom>
+        </p:spPr>
+        <p:style>
+          <a:lnRef idx="1">
+            <a:schemeClr val="accent1"/>
+          </a:lnRef>
+          <a:fillRef idx="0">
+            <a:schemeClr val="accent1"/>
+          </a:fillRef>
+          <a:effectRef idx="0">
+            <a:schemeClr val="accent1"/>
+          </a:effectRef>
+          <a:fontRef idx="minor">
+            <a:schemeClr val="tx1"/>
+          </a:fontRef>
+        </p:style>
+      </p:cxnSp>
+      <p:cxnSp>
+        <p:nvCxnSpPr>
+          <p:cNvPr id="29" name="直線矢印コネクタ 28">
+            <a:extLst>
+              <a:ext uri="{FF2B5EF4-FFF2-40B4-BE49-F238E27FC236}">
+                <a16:creationId xmlns:a16="http://schemas.microsoft.com/office/drawing/2014/main" id="{13319179-2C5D-9047-AE87-F6F617D5F245}"/>
+              </a:ext>
+            </a:extLst>
+          </p:cNvPr>
+          <p:cNvCxnSpPr>
+            <a:cxnSpLocks/>
+          </p:cNvCxnSpPr>
+          <p:nvPr/>
+        </p:nvCxnSpPr>
+        <p:spPr>
+          <a:xfrm flipV="1">
+            <a:off x="7637929" y="2132045"/>
+            <a:ext cx="0" cy="1108696"/>
+          </a:xfrm>
+          <a:prstGeom prst="straightConnector1">
+            <a:avLst/>
+          </a:prstGeom>
+          <a:ln>
+            <a:tailEnd type="triangle"/>
+          </a:ln>
+        </p:spPr>
+        <p:style>
+          <a:lnRef idx="1">
+            <a:schemeClr val="accent1"/>
+          </a:lnRef>
+          <a:fillRef idx="0">
+            <a:schemeClr val="accent1"/>
+          </a:fillRef>
+          <a:effectRef idx="0">
+            <a:schemeClr val="accent1"/>
+          </a:effectRef>
+          <a:fontRef idx="minor">
+            <a:schemeClr val="tx1"/>
+          </a:fontRef>
+        </p:style>
+      </p:cxnSp>
+      <p:sp>
+        <p:nvSpPr>
+          <p:cNvPr id="30" name="テキスト ボックス 29">
+            <a:extLst>
+              <a:ext uri="{FF2B5EF4-FFF2-40B4-BE49-F238E27FC236}">
+                <a16:creationId xmlns:a16="http://schemas.microsoft.com/office/drawing/2014/main" id="{6D250106-02A4-5C4E-A11D-77C8A044E85E}"/>
+              </a:ext>
+            </a:extLst>
+          </p:cNvPr>
+          <p:cNvSpPr txBox="1"/>
+          <p:nvPr/>
+        </p:nvSpPr>
+        <p:spPr>
+          <a:xfrm>
+            <a:off x="5699349" y="4455522"/>
+            <a:ext cx="2199641" cy="369332"/>
+          </a:xfrm>
+          <a:prstGeom prst="rect">
+            <a:avLst/>
+          </a:prstGeom>
+          <a:noFill/>
+        </p:spPr>
+        <p:txBody>
+          <a:bodyPr wrap="none" rtlCol="0">
+            <a:spAutoFit/>
+          </a:bodyPr>
+          <a:lstStyle/>
+          <a:p>
+            <a:r>
+              <a:rPr kumimoji="1" lang="en-US" altLang="ja-JP" dirty="0"/>
+              <a:t>Total distance: 2.0</a:t>
+            </a:r>
+            <a:endParaRPr kumimoji="1" lang="ja-JP" altLang="en-US"/>
+          </a:p>
+        </p:txBody>
+      </p:sp>
+      <mc:AlternateContent xmlns:mc="http://schemas.openxmlformats.org/markup-compatibility/2006">
+        <mc:Choice xmlns:a14="http://schemas.microsoft.com/office/drawing/2010/main" Requires="a14">
+          <p:sp>
+            <p:nvSpPr>
+              <p:cNvPr id="31" name="テキスト ボックス 30">
+                <a:extLst>
+                  <a:ext uri="{FF2B5EF4-FFF2-40B4-BE49-F238E27FC236}">
+                    <a16:creationId xmlns:a16="http://schemas.microsoft.com/office/drawing/2014/main" id="{87DBBABE-99FF-4740-9B6C-7DAA8D2E7AA1}"/>
+                  </a:ext>
+                </a:extLst>
+              </p:cNvPr>
+              <p:cNvSpPr txBox="1"/>
+              <p:nvPr/>
+            </p:nvSpPr>
+            <p:spPr>
+              <a:xfrm>
+                <a:off x="2745708" y="4859331"/>
+                <a:ext cx="8606119" cy="1499641"/>
+              </a:xfrm>
+              <a:prstGeom prst="rect">
+                <a:avLst/>
+              </a:prstGeom>
+              <a:noFill/>
+            </p:spPr>
+            <p:txBody>
+              <a:bodyPr wrap="square" rtlCol="0">
+                <a:spAutoFit/>
+              </a:bodyPr>
+              <a:lstStyle/>
+              <a:p>
+                <a:r>
+                  <a:rPr lang="en" altLang="ja-JP" dirty="0"/>
+                  <a:t>For each order </a:t>
+                </a:r>
+                <a:r>
+                  <a:rPr lang="en" altLang="ja-JP" dirty="0" err="1"/>
+                  <a:t>i</a:t>
+                </a:r>
+                <a:r>
+                  <a:rPr lang="en" altLang="ja-JP" dirty="0"/>
+                  <a:t>, The sum of </a:t>
+                </a:r>
+                <a14:m>
+                  <m:oMath xmlns:m="http://schemas.openxmlformats.org/officeDocument/2006/math">
+                    <m:sSub>
+                      <m:sSubPr>
+                        <m:ctrlPr>
+                          <a:rPr lang="en" altLang="ja-JP" i="1" smtClean="0">
+                            <a:latin typeface="Cambria Math" panose="02040503050406030204" pitchFamily="18" charset="0"/>
+                          </a:rPr>
+                        </m:ctrlPr>
+                      </m:sSubPr>
+                      <m:e>
+                        <m:r>
+                          <a:rPr lang="en-US" altLang="ja-JP" b="0" i="1" smtClean="0">
+                            <a:latin typeface="Cambria Math" panose="02040503050406030204" pitchFamily="18" charset="0"/>
+                          </a:rPr>
+                          <m:t>𝑥</m:t>
+                        </m:r>
+                      </m:e>
+                      <m:sub>
+                        <m:r>
+                          <a:rPr lang="en-US" altLang="ja-JP" b="0" i="1" smtClean="0">
+                            <a:latin typeface="Cambria Math" panose="02040503050406030204" pitchFamily="18" charset="0"/>
+                          </a:rPr>
+                          <m:t>𝑖𝑗</m:t>
+                        </m:r>
+                      </m:sub>
+                    </m:sSub>
+                    <m:r>
+                      <a:rPr lang="en-US" altLang="ja-JP" b="0" i="0" smtClean="0">
+                        <a:latin typeface="Cambria Math" panose="02040503050406030204" pitchFamily="18" charset="0"/>
+                      </a:rPr>
+                      <m:t> </m:t>
+                    </m:r>
+                  </m:oMath>
+                </a14:m>
+                <a:r>
+                  <a:rPr lang="en" altLang="ja-JP" dirty="0"/>
+                  <a:t>would be 1.0 and The maximum total distance will be twice the number of orders.</a:t>
+                </a:r>
+              </a:p>
+              <a:p>
+                <a:r>
+                  <a:rPr lang="en" altLang="ja-JP" dirty="0"/>
+                  <a:t>By dividing by twice the number of orders, we can see how different the solutions are.</a:t>
+                </a:r>
+              </a:p>
+              <a:p>
+                <a:r>
+                  <a:rPr kumimoji="1" lang="en" altLang="ja-JP" dirty="0"/>
+                  <a:t>(In this case, 33%) </a:t>
+                </a:r>
+                <a:endParaRPr kumimoji="1" lang="ja-JP" altLang="en-US"/>
+              </a:p>
+            </p:txBody>
+          </p:sp>
+        </mc:Choice>
+        <mc:Fallback>
+          <p:sp>
+            <p:nvSpPr>
+              <p:cNvPr id="31" name="テキスト ボックス 30">
+                <a:extLst>
+                  <a:ext uri="{FF2B5EF4-FFF2-40B4-BE49-F238E27FC236}">
+                    <a16:creationId xmlns:a16="http://schemas.microsoft.com/office/drawing/2014/main" id="{87DBBABE-99FF-4740-9B6C-7DAA8D2E7AA1}"/>
+                  </a:ext>
+                </a:extLst>
+              </p:cNvPr>
+              <p:cNvSpPr txBox="1">
+                <a:spLocks noRot="1" noChangeAspect="1" noMove="1" noResize="1" noEditPoints="1" noAdjustHandles="1" noChangeArrowheads="1" noChangeShapeType="1" noTextEdit="1"/>
+              </p:cNvSpPr>
+              <p:nvPr/>
+            </p:nvSpPr>
+            <p:spPr>
+              <a:xfrm>
+                <a:off x="2745708" y="4859331"/>
+                <a:ext cx="8606119" cy="1499641"/>
+              </a:xfrm>
+              <a:prstGeom prst="rect">
+                <a:avLst/>
+              </a:prstGeom>
+              <a:blipFill>
+                <a:blip r:embed="rId3"/>
+                <a:stretch>
+                  <a:fillRect l="-590" t="-2521" b="-5042"/>
+                </a:stretch>
+              </a:blipFill>
+            </p:spPr>
+            <p:txBody>
+              <a:bodyPr/>
+              <a:lstStyle/>
+              <a:p>
+                <a:r>
+                  <a:rPr lang="ja-JP" altLang="en-US">
+                    <a:noFill/>
+                  </a:rPr>
+                  <a:t> </a:t>
+                </a:r>
+              </a:p>
+            </p:txBody>
+          </p:sp>
+        </mc:Fallback>
+      </mc:AlternateContent>
+    </p:spTree>
+    <p:extLst>
+      <p:ext uri="{BB962C8B-B14F-4D97-AF65-F5344CB8AC3E}">
+        <p14:creationId xmlns:p14="http://schemas.microsoft.com/office/powerpoint/2010/main" val="652698388"/>
+      </p:ext>
+    </p:extLst>
+  </p:cSld>
+  <p:clrMapOvr>
+    <a:masterClrMapping/>
+  </p:clrMapOvr>
+</p:sld>
+</file>
+
+<file path=ppt/slides/slide54.xml><?xml version="1.0" encoding="utf-8"?>
+<p:sld xmlns:a="http://schemas.openxmlformats.org/drawingml/2006/main" xmlns:r="http://schemas.openxmlformats.org/officeDocument/2006/relationships" xmlns:p="http://schemas.openxmlformats.org/presentationml/2006/main">
+  <p:cSld>
+    <p:spTree>
+      <p:nvGrpSpPr>
+        <p:cNvPr id="1" name=""/>
+        <p:cNvGrpSpPr/>
+        <p:nvPr/>
+      </p:nvGrpSpPr>
+      <p:grpSpPr>
+        <a:xfrm>
+          <a:off x="0" y="0"/>
+          <a:ext cx="0" cy="0"/>
+          <a:chOff x="0" y="0"/>
+          <a:chExt cx="0" cy="0"/>
+        </a:xfrm>
+      </p:grpSpPr>
+      <p:sp>
+        <p:nvSpPr>
+          <p:cNvPr id="2" name="タイトル 1">
+            <a:extLst>
+              <a:ext uri="{FF2B5EF4-FFF2-40B4-BE49-F238E27FC236}">
+                <a16:creationId xmlns:a16="http://schemas.microsoft.com/office/drawing/2014/main" id="{A8816EE5-E670-DD4C-A705-652D968F809A}"/>
+              </a:ext>
+            </a:extLst>
+          </p:cNvPr>
+          <p:cNvSpPr>
+            <a:spLocks noGrp="1"/>
+          </p:cNvSpPr>
+          <p:nvPr>
+            <p:ph type="title"/>
+          </p:nvPr>
+        </p:nvSpPr>
+        <p:spPr/>
+        <p:txBody>
+          <a:bodyPr/>
+          <a:lstStyle/>
+          <a:p>
+            <a:r>
+              <a:rPr kumimoji="1" lang="en-US" altLang="ja-JP" dirty="0"/>
+              <a:t>Type of neighborhood</a:t>
+            </a:r>
+            <a:endParaRPr kumimoji="1" lang="ja-JP" altLang="en-US"/>
+          </a:p>
+        </p:txBody>
+      </p:sp>
+      <p:sp>
+        <p:nvSpPr>
+          <p:cNvPr id="3" name="コンテンツ プレースホルダー 2">
+            <a:extLst>
+              <a:ext uri="{FF2B5EF4-FFF2-40B4-BE49-F238E27FC236}">
+                <a16:creationId xmlns:a16="http://schemas.microsoft.com/office/drawing/2014/main" id="{776A7BCF-90DA-9849-A6DD-2BBF184BCB18}"/>
+              </a:ext>
+            </a:extLst>
+          </p:cNvPr>
+          <p:cNvSpPr>
+            <a:spLocks noGrp="1"/>
+          </p:cNvSpPr>
+          <p:nvPr>
+            <p:ph idx="1"/>
+          </p:nvPr>
+        </p:nvSpPr>
+        <p:spPr/>
+        <p:txBody>
+          <a:bodyPr>
+            <a:normAutofit/>
+          </a:bodyPr>
+          <a:lstStyle/>
+          <a:p>
+            <a:r>
+              <a:rPr lang="en" altLang="ja-JP" sz="2400" dirty="0"/>
+              <a:t>We investigated how much the solution and computation time changes with the type of neighborhood.</a:t>
+            </a:r>
+          </a:p>
+          <a:p>
+            <a:r>
+              <a:rPr lang="en" altLang="ja-JP" sz="2400" dirty="0"/>
+              <a:t>The value is the weighted sum of constraints and objective function.</a:t>
+            </a:r>
+          </a:p>
+          <a:p>
+            <a:r>
+              <a:rPr lang="en" altLang="ja-JP" sz="2400" dirty="0"/>
+              <a:t>even if the solution is infeasible, we show the value of the evaluation function.</a:t>
+            </a:r>
+          </a:p>
+          <a:p>
+            <a:r>
+              <a:rPr lang="en" altLang="ja-JP" sz="2400" dirty="0"/>
+              <a:t>We also set the </a:t>
+            </a:r>
+            <a:r>
+              <a:rPr lang="en-US" altLang="ja-JP" sz="2400" dirty="0"/>
+              <a:t>coefficient of the constraint to 100.</a:t>
+            </a:r>
+            <a:endParaRPr lang="en" altLang="ja-JP" sz="2400" dirty="0"/>
+          </a:p>
+          <a:p>
+            <a:endParaRPr kumimoji="1" lang="ja-JP" altLang="en-US" sz="2400"/>
+          </a:p>
+        </p:txBody>
+      </p:sp>
+    </p:spTree>
+    <p:extLst>
+      <p:ext uri="{BB962C8B-B14F-4D97-AF65-F5344CB8AC3E}">
+        <p14:creationId xmlns:p14="http://schemas.microsoft.com/office/powerpoint/2010/main" val="1225922878"/>
+      </p:ext>
+    </p:extLst>
+  </p:cSld>
+  <p:clrMapOvr>
+    <a:masterClrMapping/>
+  </p:clrMapOvr>
+</p:sld>
+</file>
+
+<file path=ppt/slides/slide55.xml><?xml version="1.0" encoding="utf-8"?>
+<p:sld xmlns:a="http://schemas.openxmlformats.org/drawingml/2006/main" xmlns:r="http://schemas.openxmlformats.org/officeDocument/2006/relationships" xmlns:p="http://schemas.openxmlformats.org/presentationml/2006/main">
+  <p:cSld>
+    <p:spTree>
+      <p:nvGrpSpPr>
+        <p:cNvPr id="1" name=""/>
+        <p:cNvGrpSpPr/>
+        <p:nvPr/>
+      </p:nvGrpSpPr>
+      <p:grpSpPr>
+        <a:xfrm>
+          <a:off x="0" y="0"/>
+          <a:ext cx="0" cy="0"/>
+          <a:chOff x="0" y="0"/>
+          <a:chExt cx="0" cy="0"/>
+        </a:xfrm>
+      </p:grpSpPr>
+      <p:sp>
+        <p:nvSpPr>
+          <p:cNvPr id="2" name="タイトル 1">
+            <a:extLst>
+              <a:ext uri="{FF2B5EF4-FFF2-40B4-BE49-F238E27FC236}">
                 <a16:creationId xmlns:a16="http://schemas.microsoft.com/office/drawing/2014/main" id="{0F3E9755-7D4C-E140-A34C-76DD3CC7C081}"/>
               </a:ext>
             </a:extLst>
@@ -24762,7 +28049,7 @@
 </p:sld>
 </file>
 
-<file path=ppt/slides/slide51.xml><?xml version="1.0" encoding="utf-8"?>
+<file path=ppt/slides/slide56.xml><?xml version="1.0" encoding="utf-8"?>
 <p:sld xmlns:a="http://schemas.openxmlformats.org/drawingml/2006/main" xmlns:r="http://schemas.openxmlformats.org/officeDocument/2006/relationships" xmlns:p="http://schemas.openxmlformats.org/presentationml/2006/main">
   <p:cSld>
     <p:spTree>
@@ -24878,7 +28165,7 @@
 </p:sld>
 </file>
 
-<file path=ppt/slides/slide52.xml><?xml version="1.0" encoding="utf-8"?>
+<file path=ppt/slides/slide57.xml><?xml version="1.0" encoding="utf-8"?>
 <p:sld xmlns:a="http://schemas.openxmlformats.org/drawingml/2006/main" xmlns:r="http://schemas.openxmlformats.org/officeDocument/2006/relationships" xmlns:p="http://schemas.openxmlformats.org/presentationml/2006/main">
   <p:cSld>
     <p:spTree>

--- a/竹田_修論発表.pptx
+++ b/竹田_修論発表.pptx
@@ -58,10 +58,12 @@
     <p:sldId id="602" r:id="rId52"/>
     <p:sldId id="603" r:id="rId53"/>
     <p:sldId id="604" r:id="rId54"/>
-    <p:sldId id="586" r:id="rId55"/>
-    <p:sldId id="584" r:id="rId56"/>
-    <p:sldId id="585" r:id="rId57"/>
-    <p:sldId id="561" r:id="rId58"/>
+    <p:sldId id="605" r:id="rId55"/>
+    <p:sldId id="606" r:id="rId56"/>
+    <p:sldId id="586" r:id="rId57"/>
+    <p:sldId id="584" r:id="rId58"/>
+    <p:sldId id="585" r:id="rId59"/>
+    <p:sldId id="561" r:id="rId60"/>
   </p:sldIdLst>
   <p:sldSz cx="12192000" cy="6858000"/>
   <p:notesSz cx="6858000" cy="9144000"/>
@@ -356,7 +358,7 @@
           <a:p>
             <a:fld id="{C8659C27-364E-C74E-8EB0-0FFA61AB3438}" type="datetimeFigureOut">
               <a:rPr kumimoji="1" lang="ja-JP" altLang="en-US" smtClean="0"/>
-              <a:t>2021/9/17</a:t>
+              <a:t>2021/9/23</a:t>
             </a:fld>
             <a:endParaRPr kumimoji="1" lang="ja-JP" altLang="en-US"/>
           </a:p>
@@ -731,7 +733,7 @@
           <a:p>
             <a:fld id="{C8659C27-364E-C74E-8EB0-0FFA61AB3438}" type="datetimeFigureOut">
               <a:rPr kumimoji="1" lang="ja-JP" altLang="en-US" smtClean="0"/>
-              <a:t>2021/9/17</a:t>
+              <a:t>2021/9/23</a:t>
             </a:fld>
             <a:endParaRPr kumimoji="1" lang="ja-JP" altLang="en-US"/>
           </a:p>
@@ -1206,7 +1208,7 @@
           <a:p>
             <a:fld id="{C8659C27-364E-C74E-8EB0-0FFA61AB3438}" type="datetimeFigureOut">
               <a:rPr kumimoji="1" lang="ja-JP" altLang="en-US" smtClean="0"/>
-              <a:t>2021/9/17</a:t>
+              <a:t>2021/9/23</a:t>
             </a:fld>
             <a:endParaRPr kumimoji="1" lang="ja-JP" altLang="en-US"/>
           </a:p>
@@ -1579,7 +1581,7 @@
           <a:p>
             <a:fld id="{C8659C27-364E-C74E-8EB0-0FFA61AB3438}" type="datetimeFigureOut">
               <a:rPr kumimoji="1" lang="ja-JP" altLang="en-US" smtClean="0"/>
-              <a:t>2021/9/17</a:t>
+              <a:t>2021/9/23</a:t>
             </a:fld>
             <a:endParaRPr kumimoji="1" lang="ja-JP" altLang="en-US"/>
           </a:p>
@@ -1973,7 +1975,7 @@
           <a:p>
             <a:fld id="{C8659C27-364E-C74E-8EB0-0FFA61AB3438}" type="datetimeFigureOut">
               <a:rPr kumimoji="1" lang="ja-JP" altLang="en-US" smtClean="0"/>
-              <a:t>2021/9/17</a:t>
+              <a:t>2021/9/23</a:t>
             </a:fld>
             <a:endParaRPr kumimoji="1" lang="ja-JP" altLang="en-US"/>
           </a:p>
@@ -2443,7 +2445,7 @@
           <a:p>
             <a:fld id="{C8659C27-364E-C74E-8EB0-0FFA61AB3438}" type="datetimeFigureOut">
               <a:rPr kumimoji="1" lang="ja-JP" altLang="en-US" smtClean="0"/>
-              <a:t>2021/9/17</a:t>
+              <a:t>2021/9/23</a:t>
             </a:fld>
             <a:endParaRPr kumimoji="1" lang="ja-JP" altLang="en-US"/>
           </a:p>
@@ -2708,7 +2710,7 @@
           <a:p>
             <a:fld id="{C8659C27-364E-C74E-8EB0-0FFA61AB3438}" type="datetimeFigureOut">
               <a:rPr kumimoji="1" lang="ja-JP" altLang="en-US" smtClean="0"/>
-              <a:t>2021/9/17</a:t>
+              <a:t>2021/9/23</a:t>
             </a:fld>
             <a:endParaRPr kumimoji="1" lang="ja-JP" altLang="en-US"/>
           </a:p>
@@ -2978,7 +2980,7 @@
           <a:p>
             <a:fld id="{C8659C27-364E-C74E-8EB0-0FFA61AB3438}" type="datetimeFigureOut">
               <a:rPr kumimoji="1" lang="ja-JP" altLang="en-US" smtClean="0"/>
-              <a:t>2021/9/17</a:t>
+              <a:t>2021/9/23</a:t>
             </a:fld>
             <a:endParaRPr kumimoji="1" lang="ja-JP" altLang="en-US"/>
           </a:p>
@@ -3248,7 +3250,7 @@
           <a:p>
             <a:fld id="{C8659C27-364E-C74E-8EB0-0FFA61AB3438}" type="datetimeFigureOut">
               <a:rPr kumimoji="1" lang="ja-JP" altLang="en-US" smtClean="0"/>
-              <a:t>2021/9/17</a:t>
+              <a:t>2021/9/23</a:t>
             </a:fld>
             <a:endParaRPr kumimoji="1" lang="ja-JP" altLang="en-US"/>
           </a:p>
@@ -3614,7 +3616,7 @@
           <a:p>
             <a:fld id="{C8659C27-364E-C74E-8EB0-0FFA61AB3438}" type="datetimeFigureOut">
               <a:rPr kumimoji="1" lang="ja-JP" altLang="en-US" smtClean="0"/>
-              <a:t>2021/9/17</a:t>
+              <a:t>2021/9/23</a:t>
             </a:fld>
             <a:endParaRPr kumimoji="1" lang="ja-JP" altLang="en-US"/>
           </a:p>
@@ -3953,7 +3955,7 @@
           <a:p>
             <a:fld id="{C8659C27-364E-C74E-8EB0-0FFA61AB3438}" type="datetimeFigureOut">
               <a:rPr kumimoji="1" lang="ja-JP" altLang="en-US" smtClean="0"/>
-              <a:t>2021/9/17</a:t>
+              <a:t>2021/9/23</a:t>
             </a:fld>
             <a:endParaRPr kumimoji="1" lang="ja-JP" altLang="en-US"/>
           </a:p>
@@ -4500,7 +4502,7 @@
           <a:p>
             <a:fld id="{C8659C27-364E-C74E-8EB0-0FFA61AB3438}" type="datetimeFigureOut">
               <a:rPr kumimoji="1" lang="ja-JP" altLang="en-US" smtClean="0"/>
-              <a:t>2021/9/17</a:t>
+              <a:t>2021/9/23</a:t>
             </a:fld>
             <a:endParaRPr kumimoji="1" lang="ja-JP" altLang="en-US"/>
           </a:p>
@@ -4705,7 +4707,7 @@
           <a:p>
             <a:fld id="{C8659C27-364E-C74E-8EB0-0FFA61AB3438}" type="datetimeFigureOut">
               <a:rPr kumimoji="1" lang="ja-JP" altLang="en-US" smtClean="0"/>
-              <a:t>2021/9/17</a:t>
+              <a:t>2021/9/23</a:t>
             </a:fld>
             <a:endParaRPr kumimoji="1" lang="ja-JP" altLang="en-US"/>
           </a:p>
@@ -4882,7 +4884,7 @@
           <a:p>
             <a:fld id="{C8659C27-364E-C74E-8EB0-0FFA61AB3438}" type="datetimeFigureOut">
               <a:rPr kumimoji="1" lang="ja-JP" altLang="en-US" smtClean="0"/>
-              <a:t>2021/9/17</a:t>
+              <a:t>2021/9/23</a:t>
             </a:fld>
             <a:endParaRPr kumimoji="1" lang="ja-JP" altLang="en-US"/>
           </a:p>
@@ -5260,7 +5262,7 @@
           <a:p>
             <a:fld id="{C8659C27-364E-C74E-8EB0-0FFA61AB3438}" type="datetimeFigureOut">
               <a:rPr kumimoji="1" lang="ja-JP" altLang="en-US" smtClean="0"/>
-              <a:t>2021/9/17</a:t>
+              <a:t>2021/9/23</a:t>
             </a:fld>
             <a:endParaRPr kumimoji="1" lang="ja-JP" altLang="en-US"/>
           </a:p>
@@ -5642,7 +5644,7 @@
           <a:p>
             <a:fld id="{C8659C27-364E-C74E-8EB0-0FFA61AB3438}" type="datetimeFigureOut">
               <a:rPr kumimoji="1" lang="ja-JP" altLang="en-US" smtClean="0"/>
-              <a:t>2021/9/17</a:t>
+              <a:t>2021/9/23</a:t>
             </a:fld>
             <a:endParaRPr kumimoji="1" lang="ja-JP" altLang="en-US"/>
           </a:p>
@@ -7767,7 +7769,7 @@
           <a:p>
             <a:fld id="{C8659C27-364E-C74E-8EB0-0FFA61AB3438}" type="datetimeFigureOut">
               <a:rPr kumimoji="1" lang="ja-JP" altLang="en-US" smtClean="0"/>
-              <a:t>2021/9/17</a:t>
+              <a:t>2021/9/23</a:t>
             </a:fld>
             <a:endParaRPr kumimoji="1" lang="ja-JP" altLang="en-US"/>
           </a:p>
@@ -23316,8 +23318,8 @@
           </a:p>
         </p:txBody>
       </p:sp>
-      <mc:AlternateContent xmlns:mc="http://schemas.openxmlformats.org/markup-compatibility/2006">
-        <mc:Choice xmlns:a14="http://schemas.microsoft.com/office/drawing/2010/main" Requires="a14">
+      <mc:AlternateContent xmlns:mc="http://schemas.openxmlformats.org/markup-compatibility/2006" xmlns:a14="http://schemas.microsoft.com/office/drawing/2010/main">
+        <mc:Choice Requires="a14">
           <p:sp>
             <p:nvSpPr>
               <p:cNvPr id="3" name="コンテンツ プレースホルダー 2">
@@ -23658,7 +23660,7 @@
             </p:txBody>
           </p:sp>
         </mc:Choice>
-        <mc:Fallback>
+        <mc:Fallback xmlns="">
           <p:sp>
             <p:nvSpPr>
               <p:cNvPr id="3" name="コンテンツ プレースホルダー 2">
@@ -25038,8 +25040,8 @@
           </a:p>
         </p:txBody>
       </p:sp>
-      <mc:AlternateContent xmlns:mc="http://schemas.openxmlformats.org/markup-compatibility/2006">
-        <mc:Choice xmlns:a14="http://schemas.microsoft.com/office/drawing/2010/main" Requires="a14">
+      <mc:AlternateContent xmlns:mc="http://schemas.openxmlformats.org/markup-compatibility/2006" xmlns:a14="http://schemas.microsoft.com/office/drawing/2010/main">
+        <mc:Choice Requires="a14">
           <p:graphicFrame>
             <p:nvGraphicFramePr>
               <p:cNvPr id="10" name="表 9">
@@ -25249,7 +25251,7 @@
             </a:graphic>
           </p:graphicFrame>
         </mc:Choice>
-        <mc:Fallback>
+        <mc:Fallback xmlns="">
           <p:graphicFrame>
             <p:nvGraphicFramePr>
               <p:cNvPr id="10" name="表 9">
@@ -26322,8 +26324,8 @@
           </a:p>
         </p:txBody>
       </p:sp>
-      <mc:AlternateContent xmlns:mc="http://schemas.openxmlformats.org/markup-compatibility/2006">
-        <mc:Choice xmlns:a14="http://schemas.microsoft.com/office/drawing/2010/main" Requires="a14">
+      <mc:AlternateContent xmlns:mc="http://schemas.openxmlformats.org/markup-compatibility/2006" xmlns:a14="http://schemas.microsoft.com/office/drawing/2010/main">
+        <mc:Choice Requires="a14">
           <p:sp>
             <p:nvSpPr>
               <p:cNvPr id="31" name="テキスト ボックス 30">
@@ -26420,7 +26422,7 @@
             </p:txBody>
           </p:sp>
         </mc:Choice>
-        <mc:Fallback>
+        <mc:Fallback xmlns="">
           <p:sp>
             <p:nvSpPr>
               <p:cNvPr id="31" name="テキスト ボックス 30">
@@ -26500,6 +26502,626 @@
           <p:cNvPr id="2" name="タイトル 1">
             <a:extLst>
               <a:ext uri="{FF2B5EF4-FFF2-40B4-BE49-F238E27FC236}">
+                <a16:creationId xmlns:a16="http://schemas.microsoft.com/office/drawing/2014/main" id="{AA0ACEC6-C697-6746-850A-9FB3A79F71E0}"/>
+              </a:ext>
+            </a:extLst>
+          </p:cNvPr>
+          <p:cNvSpPr>
+            <a:spLocks noGrp="1"/>
+          </p:cNvSpPr>
+          <p:nvPr>
+            <p:ph type="title"/>
+          </p:nvPr>
+        </p:nvSpPr>
+        <p:spPr/>
+        <p:txBody>
+          <a:bodyPr/>
+          <a:lstStyle/>
+          <a:p>
+            <a:r>
+              <a:rPr lang="en-US" altLang="ja-JP" dirty="0"/>
+              <a:t>Result </a:t>
+            </a:r>
+            <a:r>
+              <a:rPr lang="en" altLang="ja-JP" dirty="0"/>
+              <a:t>of Hamming distance</a:t>
+            </a:r>
+            <a:endParaRPr kumimoji="1" lang="ja-JP" altLang="en-US"/>
+          </a:p>
+        </p:txBody>
+      </p:sp>
+      <p:sp>
+        <p:nvSpPr>
+          <p:cNvPr id="3" name="コンテンツ プレースホルダー 2">
+            <a:extLst>
+              <a:ext uri="{FF2B5EF4-FFF2-40B4-BE49-F238E27FC236}">
+                <a16:creationId xmlns:a16="http://schemas.microsoft.com/office/drawing/2014/main" id="{7B853E94-A9EB-434E-A27D-780EDE75D221}"/>
+              </a:ext>
+            </a:extLst>
+          </p:cNvPr>
+          <p:cNvSpPr>
+            <a:spLocks noGrp="1"/>
+          </p:cNvSpPr>
+          <p:nvPr>
+            <p:ph idx="1"/>
+          </p:nvPr>
+        </p:nvSpPr>
+        <p:spPr/>
+        <p:txBody>
+          <a:bodyPr/>
+          <a:lstStyle/>
+          <a:p>
+            <a:endParaRPr kumimoji="1" lang="ja-JP" altLang="en-US"/>
+          </a:p>
+        </p:txBody>
+      </p:sp>
+    </p:spTree>
+    <p:extLst>
+      <p:ext uri="{BB962C8B-B14F-4D97-AF65-F5344CB8AC3E}">
+        <p14:creationId xmlns:p14="http://schemas.microsoft.com/office/powerpoint/2010/main" val="3879764458"/>
+      </p:ext>
+    </p:extLst>
+  </p:cSld>
+  <p:clrMapOvr>
+    <a:masterClrMapping/>
+  </p:clrMapOvr>
+</p:sld>
+</file>
+
+<file path=ppt/slides/slide55.xml><?xml version="1.0" encoding="utf-8"?>
+<p:sld xmlns:a="http://schemas.openxmlformats.org/drawingml/2006/main" xmlns:r="http://schemas.openxmlformats.org/officeDocument/2006/relationships" xmlns:p="http://schemas.openxmlformats.org/presentationml/2006/main">
+  <p:cSld>
+    <p:spTree>
+      <p:nvGrpSpPr>
+        <p:cNvPr id="1" name=""/>
+        <p:cNvGrpSpPr/>
+        <p:nvPr/>
+      </p:nvGrpSpPr>
+      <p:grpSpPr>
+        <a:xfrm>
+          <a:off x="0" y="0"/>
+          <a:ext cx="0" cy="0"/>
+          <a:chOff x="0" y="0"/>
+          <a:chExt cx="0" cy="0"/>
+        </a:xfrm>
+      </p:grpSpPr>
+      <p:sp>
+        <p:nvSpPr>
+          <p:cNvPr id="2" name="タイトル 1">
+            <a:extLst>
+              <a:ext uri="{FF2B5EF4-FFF2-40B4-BE49-F238E27FC236}">
+                <a16:creationId xmlns:a16="http://schemas.microsoft.com/office/drawing/2014/main" id="{0F3E9755-7D4C-E140-A34C-76DD3CC7C081}"/>
+              </a:ext>
+            </a:extLst>
+          </p:cNvPr>
+          <p:cNvSpPr>
+            <a:spLocks noGrp="1"/>
+          </p:cNvSpPr>
+          <p:nvPr>
+            <p:ph type="title"/>
+          </p:nvPr>
+        </p:nvSpPr>
+        <p:spPr>
+          <a:xfrm>
+            <a:off x="2592925" y="624110"/>
+            <a:ext cx="8911687" cy="815788"/>
+          </a:xfrm>
+        </p:spPr>
+        <p:txBody>
+          <a:bodyPr/>
+          <a:lstStyle/>
+          <a:p>
+            <a:r>
+              <a:rPr lang="en-US" altLang="ja-JP" dirty="0"/>
+              <a:t>Result </a:t>
+            </a:r>
+            <a:r>
+              <a:rPr lang="en" altLang="ja-JP" dirty="0"/>
+              <a:t>of Hamming distance</a:t>
+            </a:r>
+            <a:endParaRPr kumimoji="1" lang="ja-JP" altLang="en-US"/>
+          </a:p>
+        </p:txBody>
+      </p:sp>
+      <p:graphicFrame>
+        <p:nvGraphicFramePr>
+          <p:cNvPr id="4" name="コンテンツ プレースホルダー 3">
+            <a:extLst>
+              <a:ext uri="{FF2B5EF4-FFF2-40B4-BE49-F238E27FC236}">
+                <a16:creationId xmlns:a16="http://schemas.microsoft.com/office/drawing/2014/main" id="{A43B9D2D-517B-CB46-A337-956322EC2B9A}"/>
+              </a:ext>
+            </a:extLst>
+          </p:cNvPr>
+          <p:cNvGraphicFramePr>
+            <a:graphicFrameLocks noGrp="1"/>
+          </p:cNvGraphicFramePr>
+          <p:nvPr>
+            <p:ph idx="1"/>
+            <p:extLst>
+              <p:ext uri="{D42A27DB-BD31-4B8C-83A1-F6EECF244321}">
+                <p14:modId xmlns:p14="http://schemas.microsoft.com/office/powerpoint/2010/main" val="1733011125"/>
+              </p:ext>
+            </p:extLst>
+          </p:nvPr>
+        </p:nvGraphicFramePr>
+        <p:xfrm>
+          <a:off x="3294529" y="2596345"/>
+          <a:ext cx="6306670" cy="2567327"/>
+        </p:xfrm>
+        <a:graphic>
+          <a:graphicData uri="http://schemas.openxmlformats.org/drawingml/2006/table">
+            <a:tbl>
+              <a:tblPr firstRow="1" bandRow="1">
+                <a:tableStyleId>{5C22544A-7EE6-4342-B048-85BDC9FD1C3A}</a:tableStyleId>
+              </a:tblPr>
+              <a:tblGrid>
+                <a:gridCol w="1304365">
+                  <a:extLst>
+                    <a:ext uri="{9D8B030D-6E8A-4147-A177-3AD203B41FA5}">
+                      <a16:colId xmlns:a16="http://schemas.microsoft.com/office/drawing/2014/main" val="3767232075"/>
+                    </a:ext>
+                  </a:extLst>
+                </a:gridCol>
+                <a:gridCol w="1143000">
+                  <a:extLst>
+                    <a:ext uri="{9D8B030D-6E8A-4147-A177-3AD203B41FA5}">
+                      <a16:colId xmlns:a16="http://schemas.microsoft.com/office/drawing/2014/main" val="3477330652"/>
+                    </a:ext>
+                  </a:extLst>
+                </a:gridCol>
+                <a:gridCol w="1264024">
+                  <a:extLst>
+                    <a:ext uri="{9D8B030D-6E8A-4147-A177-3AD203B41FA5}">
+                      <a16:colId xmlns:a16="http://schemas.microsoft.com/office/drawing/2014/main" val="2984689672"/>
+                    </a:ext>
+                  </a:extLst>
+                </a:gridCol>
+                <a:gridCol w="2595281">
+                  <a:extLst>
+                    <a:ext uri="{9D8B030D-6E8A-4147-A177-3AD203B41FA5}">
+                      <a16:colId xmlns:a16="http://schemas.microsoft.com/office/drawing/2014/main" val="275792739"/>
+                    </a:ext>
+                  </a:extLst>
+                </a:gridCol>
+              </a:tblGrid>
+              <a:tr h="855683">
+                <a:tc>
+                  <a:txBody>
+                    <a:bodyPr/>
+                    <a:lstStyle/>
+                    <a:p>
+                      <a:pPr algn="ctr"/>
+                      <a:r>
+                        <a:rPr kumimoji="1" lang="en-US" altLang="ja-JP" sz="2000" dirty="0"/>
+                        <a:t>orders</a:t>
+                      </a:r>
+                      <a:endParaRPr kumimoji="1" lang="ja-JP" altLang="en-US" sz="2000"/>
+                    </a:p>
+                  </a:txBody>
+                  <a:tcPr/>
+                </a:tc>
+                <a:tc>
+                  <a:txBody>
+                    <a:bodyPr/>
+                    <a:lstStyle/>
+                    <a:p>
+                      <a:pPr algn="ctr"/>
+                      <a:r>
+                        <a:rPr kumimoji="1" lang="en-US" altLang="ja-JP" sz="2000" dirty="0"/>
+                        <a:t>L </a:t>
+                      </a:r>
+                    </a:p>
+                    <a:p>
+                      <a:pPr algn="ctr"/>
+                      <a:r>
+                        <a:rPr kumimoji="1" lang="en-US" altLang="ja-JP" sz="2000" dirty="0"/>
+                        <a:t>ports</a:t>
+                      </a:r>
+                      <a:endParaRPr kumimoji="1" lang="ja-JP" altLang="en-US" sz="2000"/>
+                    </a:p>
+                  </a:txBody>
+                  <a:tcPr/>
+                </a:tc>
+                <a:tc>
+                  <a:txBody>
+                    <a:bodyPr/>
+                    <a:lstStyle/>
+                    <a:p>
+                      <a:pPr algn="ctr"/>
+                      <a:r>
+                        <a:rPr kumimoji="1" lang="en-US" altLang="ja-JP" sz="2000" dirty="0"/>
+                        <a:t>D </a:t>
+                      </a:r>
+                    </a:p>
+                    <a:p>
+                      <a:pPr algn="ctr"/>
+                      <a:r>
+                        <a:rPr kumimoji="1" lang="en-US" altLang="ja-JP" sz="2000" dirty="0"/>
+                        <a:t>ports</a:t>
+                      </a:r>
+                      <a:endParaRPr kumimoji="1" lang="ja-JP" altLang="en-US" sz="2000"/>
+                    </a:p>
+                  </a:txBody>
+                  <a:tcPr/>
+                </a:tc>
+                <a:tc>
+                  <a:txBody>
+                    <a:bodyPr/>
+                    <a:lstStyle/>
+                    <a:p>
+                      <a:pPr marL="0" marR="0" lvl="0" indent="0" algn="ctr" defTabSz="457200" rtl="0" eaLnBrk="1" fontAlgn="auto" latinLnBrk="0" hangingPunct="1">
+                        <a:lnSpc>
+                          <a:spcPct val="100000"/>
+                        </a:lnSpc>
+                        <a:spcBef>
+                          <a:spcPts val="0"/>
+                        </a:spcBef>
+                        <a:spcAft>
+                          <a:spcPts val="0"/>
+                        </a:spcAft>
+                        <a:buClrTx/>
+                        <a:buSzTx/>
+                        <a:buFontTx/>
+                        <a:buNone/>
+                        <a:tabLst/>
+                        <a:defRPr/>
+                      </a:pPr>
+                      <a:r>
+                        <a:rPr kumimoji="1" lang="en" altLang="ja-JP" sz="2000" dirty="0"/>
+                        <a:t>Difference(%)</a:t>
+                      </a:r>
+                      <a:endParaRPr kumimoji="1" lang="ja-JP" altLang="en-US" sz="2000"/>
+                    </a:p>
+                  </a:txBody>
+                  <a:tcPr/>
+                </a:tc>
+                <a:extLst>
+                  <a:ext uri="{0D108BD9-81ED-4DB2-BD59-A6C34878D82A}">
+                    <a16:rowId xmlns:a16="http://schemas.microsoft.com/office/drawing/2014/main" val="3667031896"/>
+                  </a:ext>
+                </a:extLst>
+              </a:tr>
+              <a:tr h="427911">
+                <a:tc>
+                  <a:txBody>
+                    <a:bodyPr/>
+                    <a:lstStyle/>
+                    <a:p>
+                      <a:pPr algn="ctr"/>
+                      <a:r>
+                        <a:rPr kumimoji="1" lang="en-US" altLang="ja-JP" sz="2000" dirty="0"/>
+                        <a:t>38</a:t>
+                      </a:r>
+                      <a:endParaRPr kumimoji="1" lang="ja-JP" altLang="en-US" sz="2000"/>
+                    </a:p>
+                  </a:txBody>
+                  <a:tcPr/>
+                </a:tc>
+                <a:tc>
+                  <a:txBody>
+                    <a:bodyPr/>
+                    <a:lstStyle/>
+                    <a:p>
+                      <a:pPr algn="ctr"/>
+                      <a:r>
+                        <a:rPr kumimoji="1" lang="en-US" altLang="ja-JP" sz="2000" dirty="0"/>
+                        <a:t>2</a:t>
+                      </a:r>
+                      <a:endParaRPr kumimoji="1" lang="ja-JP" altLang="en-US" sz="2000"/>
+                    </a:p>
+                  </a:txBody>
+                  <a:tcPr/>
+                </a:tc>
+                <a:tc>
+                  <a:txBody>
+                    <a:bodyPr/>
+                    <a:lstStyle/>
+                    <a:p>
+                      <a:pPr algn="ctr"/>
+                      <a:r>
+                        <a:rPr kumimoji="1" lang="en-US" altLang="ja-JP" sz="2000" dirty="0"/>
+                        <a:t>3</a:t>
+                      </a:r>
+                      <a:endParaRPr kumimoji="1" lang="ja-JP" altLang="en-US" sz="2000"/>
+                    </a:p>
+                  </a:txBody>
+                  <a:tcPr/>
+                </a:tc>
+                <a:tc>
+                  <a:txBody>
+                    <a:bodyPr/>
+                    <a:lstStyle/>
+                    <a:p>
+                      <a:pPr algn="ctr"/>
+                      <a:r>
+                        <a:rPr kumimoji="1" lang="en-US" altLang="ja-JP" sz="2000" dirty="0"/>
+                        <a:t>100.00</a:t>
+                      </a:r>
+                      <a:endParaRPr kumimoji="1" lang="ja-JP" altLang="en-US" sz="2000"/>
+                    </a:p>
+                  </a:txBody>
+                  <a:tcPr/>
+                </a:tc>
+                <a:extLst>
+                  <a:ext uri="{0D108BD9-81ED-4DB2-BD59-A6C34878D82A}">
+                    <a16:rowId xmlns:a16="http://schemas.microsoft.com/office/drawing/2014/main" val="2690316513"/>
+                  </a:ext>
+                </a:extLst>
+              </a:tr>
+              <a:tr h="427911">
+                <a:tc>
+                  <a:txBody>
+                    <a:bodyPr/>
+                    <a:lstStyle/>
+                    <a:p>
+                      <a:pPr algn="ctr"/>
+                      <a:r>
+                        <a:rPr kumimoji="1" lang="en-US" altLang="ja-JP" sz="2000" dirty="0"/>
+                        <a:t>38</a:t>
+                      </a:r>
+                      <a:endParaRPr kumimoji="1" lang="ja-JP" altLang="en-US" sz="2000"/>
+                    </a:p>
+                  </a:txBody>
+                  <a:tcPr/>
+                </a:tc>
+                <a:tc>
+                  <a:txBody>
+                    <a:bodyPr/>
+                    <a:lstStyle/>
+                    <a:p>
+                      <a:pPr algn="ctr"/>
+                      <a:r>
+                        <a:rPr kumimoji="1" lang="en-US" altLang="ja-JP" sz="2000" dirty="0"/>
+                        <a:t>2</a:t>
+                      </a:r>
+                    </a:p>
+                  </a:txBody>
+                  <a:tcPr/>
+                </a:tc>
+                <a:tc>
+                  <a:txBody>
+                    <a:bodyPr/>
+                    <a:lstStyle/>
+                    <a:p>
+                      <a:pPr algn="ctr"/>
+                      <a:r>
+                        <a:rPr kumimoji="1" lang="en-US" altLang="ja-JP" sz="2000" dirty="0"/>
+                        <a:t>3</a:t>
+                      </a:r>
+                      <a:endParaRPr kumimoji="1" lang="ja-JP" altLang="en-US" sz="2000"/>
+                    </a:p>
+                  </a:txBody>
+                  <a:tcPr/>
+                </a:tc>
+                <a:tc>
+                  <a:txBody>
+                    <a:bodyPr/>
+                    <a:lstStyle/>
+                    <a:p>
+                      <a:pPr algn="ctr"/>
+                      <a:r>
+                        <a:rPr kumimoji="1" lang="en-US" altLang="ja-JP" sz="2000" dirty="0"/>
+                        <a:t>95.28</a:t>
+                      </a:r>
+                      <a:endParaRPr kumimoji="1" lang="ja-JP" altLang="en-US" sz="2000"/>
+                    </a:p>
+                  </a:txBody>
+                  <a:tcPr/>
+                </a:tc>
+                <a:extLst>
+                  <a:ext uri="{0D108BD9-81ED-4DB2-BD59-A6C34878D82A}">
+                    <a16:rowId xmlns:a16="http://schemas.microsoft.com/office/drawing/2014/main" val="1536353699"/>
+                  </a:ext>
+                </a:extLst>
+              </a:tr>
+              <a:tr h="427911">
+                <a:tc>
+                  <a:txBody>
+                    <a:bodyPr/>
+                    <a:lstStyle/>
+                    <a:p>
+                      <a:pPr algn="ctr"/>
+                      <a:r>
+                        <a:rPr kumimoji="1" lang="en-US" altLang="ja-JP" sz="2000" dirty="0"/>
+                        <a:t>57</a:t>
+                      </a:r>
+                      <a:endParaRPr kumimoji="1" lang="ja-JP" altLang="en-US" sz="2000"/>
+                    </a:p>
+                  </a:txBody>
+                  <a:tcPr/>
+                </a:tc>
+                <a:tc>
+                  <a:txBody>
+                    <a:bodyPr/>
+                    <a:lstStyle/>
+                    <a:p>
+                      <a:pPr algn="ctr"/>
+                      <a:r>
+                        <a:rPr kumimoji="1" lang="en-US" altLang="ja-JP" sz="2000" dirty="0"/>
+                        <a:t>2</a:t>
+                      </a:r>
+                      <a:endParaRPr kumimoji="1" lang="ja-JP" altLang="en-US" sz="2000"/>
+                    </a:p>
+                  </a:txBody>
+                  <a:tcPr/>
+                </a:tc>
+                <a:tc>
+                  <a:txBody>
+                    <a:bodyPr/>
+                    <a:lstStyle/>
+                    <a:p>
+                      <a:pPr algn="ctr"/>
+                      <a:r>
+                        <a:rPr kumimoji="1" lang="en-US" altLang="ja-JP" sz="2000" dirty="0"/>
+                        <a:t>5</a:t>
+                      </a:r>
+                      <a:endParaRPr kumimoji="1" lang="ja-JP" altLang="en-US" sz="2000"/>
+                    </a:p>
+                  </a:txBody>
+                  <a:tcPr/>
+                </a:tc>
+                <a:tc>
+                  <a:txBody>
+                    <a:bodyPr/>
+                    <a:lstStyle/>
+                    <a:p>
+                      <a:pPr algn="ctr"/>
+                      <a:r>
+                        <a:rPr kumimoji="1" lang="en-US" altLang="ja-JP" sz="2000" dirty="0"/>
+                        <a:t>94.23</a:t>
+                      </a:r>
+                      <a:endParaRPr kumimoji="1" lang="ja-JP" altLang="en-US" sz="2000"/>
+                    </a:p>
+                  </a:txBody>
+                  <a:tcPr/>
+                </a:tc>
+                <a:extLst>
+                  <a:ext uri="{0D108BD9-81ED-4DB2-BD59-A6C34878D82A}">
+                    <a16:rowId xmlns:a16="http://schemas.microsoft.com/office/drawing/2014/main" val="342577522"/>
+                  </a:ext>
+                </a:extLst>
+              </a:tr>
+              <a:tr h="427911">
+                <a:tc>
+                  <a:txBody>
+                    <a:bodyPr/>
+                    <a:lstStyle/>
+                    <a:p>
+                      <a:pPr algn="ctr"/>
+                      <a:r>
+                        <a:rPr kumimoji="1" lang="en-US" altLang="ja-JP" sz="2000" dirty="0"/>
+                        <a:t>66</a:t>
+                      </a:r>
+                      <a:endParaRPr kumimoji="1" lang="ja-JP" altLang="en-US" sz="2000"/>
+                    </a:p>
+                  </a:txBody>
+                  <a:tcPr/>
+                </a:tc>
+                <a:tc>
+                  <a:txBody>
+                    <a:bodyPr/>
+                    <a:lstStyle/>
+                    <a:p>
+                      <a:pPr algn="ctr"/>
+                      <a:r>
+                        <a:rPr kumimoji="1" lang="en-US" altLang="ja-JP" sz="2000" dirty="0"/>
+                        <a:t>4</a:t>
+                      </a:r>
+                    </a:p>
+                  </a:txBody>
+                  <a:tcPr/>
+                </a:tc>
+                <a:tc>
+                  <a:txBody>
+                    <a:bodyPr/>
+                    <a:lstStyle/>
+                    <a:p>
+                      <a:pPr algn="ctr"/>
+                      <a:r>
+                        <a:rPr kumimoji="1" lang="en-US" altLang="ja-JP" sz="2000" dirty="0"/>
+                        <a:t>3</a:t>
+                      </a:r>
+                      <a:endParaRPr kumimoji="1" lang="ja-JP" altLang="en-US" sz="2000"/>
+                    </a:p>
+                  </a:txBody>
+                  <a:tcPr/>
+                </a:tc>
+                <a:tc>
+                  <a:txBody>
+                    <a:bodyPr/>
+                    <a:lstStyle/>
+                    <a:p>
+                      <a:pPr algn="ctr"/>
+                      <a:r>
+                        <a:rPr kumimoji="1" lang="en-US" altLang="ja-JP" sz="2000" dirty="0"/>
+                        <a:t>96.96</a:t>
+                      </a:r>
+                      <a:endParaRPr kumimoji="1" lang="ja-JP" altLang="en-US" sz="2000"/>
+                    </a:p>
+                  </a:txBody>
+                  <a:tcPr/>
+                </a:tc>
+                <a:extLst>
+                  <a:ext uri="{0D108BD9-81ED-4DB2-BD59-A6C34878D82A}">
+                    <a16:rowId xmlns:a16="http://schemas.microsoft.com/office/drawing/2014/main" val="2295892714"/>
+                  </a:ext>
+                </a:extLst>
+              </a:tr>
+            </a:tbl>
+          </a:graphicData>
+        </a:graphic>
+      </p:graphicFrame>
+      <p:sp>
+        <p:nvSpPr>
+          <p:cNvPr id="3" name="テキスト ボックス 2">
+            <a:extLst>
+              <a:ext uri="{FF2B5EF4-FFF2-40B4-BE49-F238E27FC236}">
+                <a16:creationId xmlns:a16="http://schemas.microsoft.com/office/drawing/2014/main" id="{37243A71-4939-8146-8D1C-50B1371ED22B}"/>
+              </a:ext>
+            </a:extLst>
+          </p:cNvPr>
+          <p:cNvSpPr txBox="1"/>
+          <p:nvPr/>
+        </p:nvSpPr>
+        <p:spPr>
+          <a:xfrm>
+            <a:off x="2592925" y="1694956"/>
+            <a:ext cx="8035271" cy="707886"/>
+          </a:xfrm>
+          <a:prstGeom prst="rect">
+            <a:avLst/>
+          </a:prstGeom>
+          <a:noFill/>
+        </p:spPr>
+        <p:txBody>
+          <a:bodyPr wrap="square" rtlCol="0">
+            <a:spAutoFit/>
+          </a:bodyPr>
+          <a:lstStyle/>
+          <a:p>
+            <a:r>
+              <a:rPr lang="en" altLang="ja-JP" sz="2000" dirty="0"/>
+              <a:t>We performed the comparison only on instances for which we had the exact best solution.</a:t>
+            </a:r>
+            <a:endParaRPr kumimoji="1" lang="ja-JP" altLang="en-US" sz="2000"/>
+          </a:p>
+        </p:txBody>
+      </p:sp>
+    </p:spTree>
+    <p:extLst>
+      <p:ext uri="{BB962C8B-B14F-4D97-AF65-F5344CB8AC3E}">
+        <p14:creationId xmlns:p14="http://schemas.microsoft.com/office/powerpoint/2010/main" val="4195426565"/>
+      </p:ext>
+    </p:extLst>
+  </p:cSld>
+  <p:clrMapOvr>
+    <a:masterClrMapping/>
+  </p:clrMapOvr>
+</p:sld>
+</file>
+
+<file path=ppt/slides/slide56.xml><?xml version="1.0" encoding="utf-8"?>
+<p:sld xmlns:a="http://schemas.openxmlformats.org/drawingml/2006/main" xmlns:r="http://schemas.openxmlformats.org/officeDocument/2006/relationships" xmlns:p="http://schemas.openxmlformats.org/presentationml/2006/main">
+  <p:cSld>
+    <p:spTree>
+      <p:nvGrpSpPr>
+        <p:cNvPr id="1" name=""/>
+        <p:cNvGrpSpPr/>
+        <p:nvPr/>
+      </p:nvGrpSpPr>
+      <p:grpSpPr>
+        <a:xfrm>
+          <a:off x="0" y="0"/>
+          <a:ext cx="0" cy="0"/>
+          <a:chOff x="0" y="0"/>
+          <a:chExt cx="0" cy="0"/>
+        </a:xfrm>
+      </p:grpSpPr>
+      <p:sp>
+        <p:nvSpPr>
+          <p:cNvPr id="2" name="タイトル 1">
+            <a:extLst>
+              <a:ext uri="{FF2B5EF4-FFF2-40B4-BE49-F238E27FC236}">
                 <a16:creationId xmlns:a16="http://schemas.microsoft.com/office/drawing/2014/main" id="{A8816EE5-E670-DD4C-A705-652D968F809A}"/>
               </a:ext>
             </a:extLst>
@@ -26593,7 +27215,7 @@
 </p:sld>
 </file>
 
-<file path=ppt/slides/slide55.xml><?xml version="1.0" encoding="utf-8"?>
+<file path=ppt/slides/slide57.xml><?xml version="1.0" encoding="utf-8"?>
 <p:sld xmlns:a="http://schemas.openxmlformats.org/drawingml/2006/main" xmlns:r="http://schemas.openxmlformats.org/officeDocument/2006/relationships" xmlns:p="http://schemas.openxmlformats.org/presentationml/2006/main">
   <p:cSld>
     <p:spTree>
@@ -28049,7 +28671,7 @@
 </p:sld>
 </file>
 
-<file path=ppt/slides/slide56.xml><?xml version="1.0" encoding="utf-8"?>
+<file path=ppt/slides/slide58.xml><?xml version="1.0" encoding="utf-8"?>
 <p:sld xmlns:a="http://schemas.openxmlformats.org/drawingml/2006/main" xmlns:r="http://schemas.openxmlformats.org/officeDocument/2006/relationships" xmlns:p="http://schemas.openxmlformats.org/presentationml/2006/main">
   <p:cSld>
     <p:spTree>
@@ -28165,7 +28787,7 @@
 </p:sld>
 </file>
 
-<file path=ppt/slides/slide57.xml><?xml version="1.0" encoding="utf-8"?>
+<file path=ppt/slides/slide59.xml><?xml version="1.0" encoding="utf-8"?>
 <p:sld xmlns:a="http://schemas.openxmlformats.org/drawingml/2006/main" xmlns:r="http://schemas.openxmlformats.org/officeDocument/2006/relationships" xmlns:p="http://schemas.openxmlformats.org/presentationml/2006/main">
   <p:cSld>
     <p:spTree>

--- a/竹田_修論発表.pptx
+++ b/竹田_修論発表.pptx
@@ -53,17 +53,12 @@
     <p:sldId id="582" r:id="rId47"/>
     <p:sldId id="583" r:id="rId48"/>
     <p:sldId id="599" r:id="rId49"/>
-    <p:sldId id="600" r:id="rId50"/>
-    <p:sldId id="601" r:id="rId51"/>
-    <p:sldId id="602" r:id="rId52"/>
-    <p:sldId id="603" r:id="rId53"/>
-    <p:sldId id="604" r:id="rId54"/>
-    <p:sldId id="605" r:id="rId55"/>
-    <p:sldId id="606" r:id="rId56"/>
-    <p:sldId id="586" r:id="rId57"/>
-    <p:sldId id="584" r:id="rId58"/>
-    <p:sldId id="585" r:id="rId59"/>
-    <p:sldId id="561" r:id="rId60"/>
+    <p:sldId id="601" r:id="rId50"/>
+    <p:sldId id="602" r:id="rId51"/>
+    <p:sldId id="603" r:id="rId52"/>
+    <p:sldId id="604" r:id="rId53"/>
+    <p:sldId id="606" r:id="rId54"/>
+    <p:sldId id="561" r:id="rId55"/>
   </p:sldIdLst>
   <p:sldSz cx="12192000" cy="6858000"/>
   <p:notesSz cx="6858000" cy="9144000"/>
@@ -16939,7 +16934,7 @@
         <p:spPr>
           <a:xfrm>
             <a:off x="2589211" y="2133600"/>
-            <a:ext cx="9271095" cy="3777622"/>
+            <a:ext cx="7522977" cy="3777622"/>
           </a:xfrm>
         </p:spPr>
         <p:txBody>
@@ -17059,7 +17054,12 @@
             <p:ph idx="1"/>
           </p:nvPr>
         </p:nvSpPr>
-        <p:spPr/>
+        <p:spPr>
+          <a:xfrm>
+            <a:off x="2589212" y="2133600"/>
+            <a:ext cx="8356694" cy="3777622"/>
+          </a:xfrm>
+        </p:spPr>
         <p:txBody>
           <a:bodyPr>
             <a:normAutofit/>
@@ -18740,7 +18740,7 @@
             </a:r>
             <a:r>
               <a:rPr kumimoji="1" lang="en-US" altLang="ja-JP" sz="2000" dirty="0"/>
-              <a:t>nsert order A to the sequence</a:t>
+              <a:t>nsert order A to the sequence in the end</a:t>
             </a:r>
           </a:p>
           <a:p>
@@ -18749,7 +18749,15 @@
             </a:pPr>
             <a:r>
               <a:rPr lang="en-US" altLang="ja-JP" sz="2000" dirty="0"/>
-              <a:t>		B, C, D, E, F, G, H, I, J, A</a:t>
+              <a:t>		B, C, D, E, F, G, H, I, J, </a:t>
+            </a:r>
+            <a:r>
+              <a:rPr lang="en-US" altLang="ja-JP" sz="2000" dirty="0">
+                <a:solidFill>
+                  <a:srgbClr val="FF0000"/>
+                </a:solidFill>
+              </a:rPr>
+              <a:t>A</a:t>
             </a:r>
           </a:p>
           <a:p>
@@ -18783,7 +18791,7 @@
             </a:pPr>
             <a:r>
               <a:rPr lang="en" altLang="ja-JP" sz="2000" dirty="0"/>
-              <a:t>In this case, we insert before only before or after F and select the best insertion position.</a:t>
+              <a:t>In this case, we insert only before or after order F and select the best insertion position.</a:t>
             </a:r>
           </a:p>
           <a:p>
@@ -20056,7 +20064,7 @@
           <a:p>
             <a:r>
               <a:rPr lang="en" altLang="ja-JP" sz="2400" dirty="0"/>
-              <a:t>The calculation time could be reduced, but it would take some time.</a:t>
+              <a:t>The computation time could be reduced, but it would take some time.</a:t>
             </a:r>
           </a:p>
           <a:p>
@@ -20072,7 +20080,7 @@
             </a:pPr>
             <a:r>
               <a:rPr lang="en" altLang="ja-JP" sz="2400" dirty="0"/>
-              <a:t>Case that all positions are searched and inserted into the optimal position</a:t>
+              <a:t>Case that orders are inserted into the optimal position based on our approach</a:t>
             </a:r>
           </a:p>
           <a:p>
@@ -20082,7 +20090,7 @@
             </a:pPr>
             <a:r>
               <a:rPr lang="en" altLang="ja-JP" sz="2400" dirty="0"/>
-              <a:t>Case that order is inserted randomly</a:t>
+              <a:t>Case that orders are inserted randomly</a:t>
             </a:r>
           </a:p>
         </p:txBody>
@@ -20169,7 +20177,7 @@
             <p:ph idx="1"/>
             <p:extLst>
               <p:ext uri="{D42A27DB-BD31-4B8C-83A1-F6EECF244321}">
-                <p14:modId xmlns:p14="http://schemas.microsoft.com/office/powerpoint/2010/main" val="3801254581"/>
+                <p14:modId xmlns:p14="http://schemas.microsoft.com/office/powerpoint/2010/main" val="1209846902"/>
               </p:ext>
             </p:extLst>
           </p:nvPr>
@@ -20213,14 +20221,14 @@
                     </a:ext>
                   </a:extLst>
                 </a:gridCol>
-                <a:gridCol w="1653989">
+                <a:gridCol w="1775012">
                   <a:extLst>
                     <a:ext uri="{9D8B030D-6E8A-4147-A177-3AD203B41FA5}">
                       <a16:colId xmlns:a16="http://schemas.microsoft.com/office/drawing/2014/main" val="998590916"/>
                     </a:ext>
                   </a:extLst>
                 </a:gridCol>
-                <a:gridCol w="1237130">
+                <a:gridCol w="1116107">
                   <a:extLst>
                     <a:ext uri="{9D8B030D-6E8A-4147-A177-3AD203B41FA5}">
                       <a16:colId xmlns:a16="http://schemas.microsoft.com/office/drawing/2014/main" val="4087616215"/>
@@ -22708,13 +22716,13 @@
           <a:p>
             <a:r>
               <a:rPr lang="en-US" altLang="ja-JP" sz="2400" dirty="0"/>
-              <a:t>To get better initial solution, we propose a method to create initial solution from that of linear programming relaxation.</a:t>
+              <a:t>To get better initial solution, we try a method to create initial solution from that of linear programming relaxation.</a:t>
             </a:r>
           </a:p>
           <a:p>
             <a:r>
               <a:rPr lang="en-US" altLang="ja-JP" sz="2400" dirty="0"/>
-              <a:t>This method is expected to work when the properties of the solution of the LP relaxation and that of the MIP are similar. </a:t>
+              <a:t>As a preliminary experiment, we compare the solutions of the two models.</a:t>
             </a:r>
           </a:p>
           <a:p>
@@ -22736,543 +22744,6 @@
 </file>
 
 <file path=ppt/slides/slide49.xml><?xml version="1.0" encoding="utf-8"?>
-<p:sld xmlns:a="http://schemas.openxmlformats.org/drawingml/2006/main" xmlns:r="http://schemas.openxmlformats.org/officeDocument/2006/relationships" xmlns:p="http://schemas.openxmlformats.org/presentationml/2006/main">
-  <p:cSld>
-    <p:spTree>
-      <p:nvGrpSpPr>
-        <p:cNvPr id="1" name=""/>
-        <p:cNvGrpSpPr/>
-        <p:nvPr/>
-      </p:nvGrpSpPr>
-      <p:grpSpPr>
-        <a:xfrm>
-          <a:off x="0" y="0"/>
-          <a:ext cx="0" cy="0"/>
-          <a:chOff x="0" y="0"/>
-          <a:chExt cx="0" cy="0"/>
-        </a:xfrm>
-      </p:grpSpPr>
-      <p:sp>
-        <p:nvSpPr>
-          <p:cNvPr id="2" name="タイトル 1">
-            <a:extLst>
-              <a:ext uri="{FF2B5EF4-FFF2-40B4-BE49-F238E27FC236}">
-                <a16:creationId xmlns:a16="http://schemas.microsoft.com/office/drawing/2014/main" id="{370FBD2F-E2D0-2B45-A3D8-7BC3C939ED5E}"/>
-              </a:ext>
-            </a:extLst>
-          </p:cNvPr>
-          <p:cNvSpPr>
-            <a:spLocks noGrp="1"/>
-          </p:cNvSpPr>
-          <p:nvPr>
-            <p:ph type="title"/>
-          </p:nvPr>
-        </p:nvSpPr>
-        <p:spPr/>
-        <p:txBody>
-          <a:bodyPr/>
-          <a:lstStyle/>
-          <a:p>
-            <a:r>
-              <a:rPr kumimoji="1" lang="en-US" altLang="ja-JP" dirty="0"/>
-              <a:t>Approach to create initial solution</a:t>
-            </a:r>
-            <a:endParaRPr kumimoji="1" lang="ja-JP" altLang="en-US"/>
-          </a:p>
-        </p:txBody>
-      </p:sp>
-      <p:sp>
-        <p:nvSpPr>
-          <p:cNvPr id="3" name="コンテンツ プレースホルダー 2">
-            <a:extLst>
-              <a:ext uri="{FF2B5EF4-FFF2-40B4-BE49-F238E27FC236}">
-                <a16:creationId xmlns:a16="http://schemas.microsoft.com/office/drawing/2014/main" id="{567B62A5-3CCB-054C-A1D2-7F4106A92FB8}"/>
-              </a:ext>
-            </a:extLst>
-          </p:cNvPr>
-          <p:cNvSpPr>
-            <a:spLocks noGrp="1"/>
-          </p:cNvSpPr>
-          <p:nvPr>
-            <p:ph idx="1"/>
-          </p:nvPr>
-        </p:nvSpPr>
-        <p:spPr/>
-        <p:txBody>
-          <a:bodyPr>
-            <a:normAutofit/>
-          </a:bodyPr>
-          <a:lstStyle/>
-          <a:p>
-            <a:r>
-              <a:rPr lang="en-US" altLang="ja-JP" sz="2400" dirty="0"/>
-              <a:t>This method is expected to work when the properties of the solution of the LP relaxation and that of the MIP are similar. </a:t>
-            </a:r>
-          </a:p>
-          <a:p>
-            <a:r>
-              <a:rPr lang="en-US" altLang="ja-JP" sz="2400" dirty="0"/>
-              <a:t>As a preliminary experiment, we compare the solutions of the two models.</a:t>
-            </a:r>
-          </a:p>
-          <a:p>
-            <a:endParaRPr lang="en-US" altLang="ja-JP" sz="2400" dirty="0"/>
-          </a:p>
-        </p:txBody>
-      </p:sp>
-    </p:spTree>
-    <p:extLst>
-      <p:ext uri="{BB962C8B-B14F-4D97-AF65-F5344CB8AC3E}">
-        <p14:creationId xmlns:p14="http://schemas.microsoft.com/office/powerpoint/2010/main" val="176156947"/>
-      </p:ext>
-    </p:extLst>
-  </p:cSld>
-  <p:clrMapOvr>
-    <a:masterClrMapping/>
-  </p:clrMapOvr>
-</p:sld>
-</file>
-
-<file path=ppt/slides/slide5.xml><?xml version="1.0" encoding="utf-8"?>
-<p:sld xmlns:a="http://schemas.openxmlformats.org/drawingml/2006/main" xmlns:r="http://schemas.openxmlformats.org/officeDocument/2006/relationships" xmlns:p="http://schemas.openxmlformats.org/presentationml/2006/main">
-  <p:cSld>
-    <p:spTree>
-      <p:nvGrpSpPr>
-        <p:cNvPr id="1" name=""/>
-        <p:cNvGrpSpPr/>
-        <p:nvPr/>
-      </p:nvGrpSpPr>
-      <p:grpSpPr>
-        <a:xfrm>
-          <a:off x="0" y="0"/>
-          <a:ext cx="0" cy="0"/>
-          <a:chOff x="0" y="0"/>
-          <a:chExt cx="0" cy="0"/>
-        </a:xfrm>
-      </p:grpSpPr>
-      <p:sp>
-        <p:nvSpPr>
-          <p:cNvPr id="3" name="コンテンツ プレースホルダー 2">
-            <a:extLst>
-              <a:ext uri="{FF2B5EF4-FFF2-40B4-BE49-F238E27FC236}">
-                <a16:creationId xmlns:a16="http://schemas.microsoft.com/office/drawing/2014/main" id="{E1E4F098-294C-D141-AD53-3960C7CBF23B}"/>
-              </a:ext>
-            </a:extLst>
-          </p:cNvPr>
-          <p:cNvSpPr>
-            <a:spLocks noGrp="1"/>
-          </p:cNvSpPr>
-          <p:nvPr>
-            <p:ph idx="1"/>
-          </p:nvPr>
-        </p:nvSpPr>
-        <p:spPr>
-          <a:xfrm>
-            <a:off x="2591068" y="1736073"/>
-            <a:ext cx="8915400" cy="3777622"/>
-          </a:xfrm>
-        </p:spPr>
-        <p:txBody>
-          <a:bodyPr>
-            <a:normAutofit/>
-          </a:bodyPr>
-          <a:lstStyle/>
-          <a:p>
-            <a:r>
-              <a:rPr lang="en-US" altLang="ja-JP" sz="2400" dirty="0"/>
-              <a:t>We consider the ships which has 12 decks(floors).</a:t>
-            </a:r>
-          </a:p>
-          <a:p>
-            <a:r>
-              <a:rPr lang="en-US" altLang="ja-JP" sz="2400" dirty="0"/>
-              <a:t>Each deck has up to 4 holds</a:t>
-            </a:r>
-          </a:p>
-        </p:txBody>
-      </p:sp>
-      <p:pic>
-        <p:nvPicPr>
-          <p:cNvPr id="5" name="図 4">
-            <a:extLst>
-              <a:ext uri="{FF2B5EF4-FFF2-40B4-BE49-F238E27FC236}">
-                <a16:creationId xmlns:a16="http://schemas.microsoft.com/office/drawing/2014/main" id="{2842823E-0742-3241-980F-487CA451AA47}"/>
-              </a:ext>
-            </a:extLst>
-          </p:cNvPr>
-          <p:cNvPicPr>
-            <a:picLocks noChangeAspect="1"/>
-          </p:cNvPicPr>
-          <p:nvPr/>
-        </p:nvPicPr>
-        <p:blipFill>
-          <a:blip r:embed="rId2"/>
-          <a:stretch>
-            <a:fillRect/>
-          </a:stretch>
-        </p:blipFill>
-        <p:spPr>
-          <a:xfrm>
-            <a:off x="2589212" y="3384645"/>
-            <a:ext cx="4726017" cy="3093966"/>
-          </a:xfrm>
-          <a:prstGeom prst="rect">
-            <a:avLst/>
-          </a:prstGeom>
-        </p:spPr>
-      </p:pic>
-      <p:cxnSp>
-        <p:nvCxnSpPr>
-          <p:cNvPr id="15" name="直線コネクタ 14">
-            <a:extLst>
-              <a:ext uri="{FF2B5EF4-FFF2-40B4-BE49-F238E27FC236}">
-                <a16:creationId xmlns:a16="http://schemas.microsoft.com/office/drawing/2014/main" id="{E8F2F112-ACAD-BE49-A2A3-3FFF01998D93}"/>
-              </a:ext>
-            </a:extLst>
-          </p:cNvPr>
-          <p:cNvCxnSpPr/>
-          <p:nvPr/>
-        </p:nvCxnSpPr>
-        <p:spPr>
-          <a:xfrm flipV="1">
-            <a:off x="6794612" y="5336275"/>
-            <a:ext cx="998260" cy="354841"/>
-          </a:xfrm>
-          <a:prstGeom prst="line">
-            <a:avLst/>
-          </a:prstGeom>
-        </p:spPr>
-        <p:style>
-          <a:lnRef idx="1">
-            <a:schemeClr val="dk1"/>
-          </a:lnRef>
-          <a:fillRef idx="0">
-            <a:schemeClr val="dk1"/>
-          </a:fillRef>
-          <a:effectRef idx="0">
-            <a:schemeClr val="dk1"/>
-          </a:effectRef>
-          <a:fontRef idx="minor">
-            <a:schemeClr val="tx1"/>
-          </a:fontRef>
-        </p:style>
-      </p:cxnSp>
-      <p:cxnSp>
-        <p:nvCxnSpPr>
-          <p:cNvPr id="11" name="直線コネクタ 10">
-            <a:extLst>
-              <a:ext uri="{FF2B5EF4-FFF2-40B4-BE49-F238E27FC236}">
-                <a16:creationId xmlns:a16="http://schemas.microsoft.com/office/drawing/2014/main" id="{833C8682-9FCC-E645-B37A-6BBCF98D2582}"/>
-              </a:ext>
-            </a:extLst>
-          </p:cNvPr>
-          <p:cNvCxnSpPr/>
-          <p:nvPr/>
-        </p:nvCxnSpPr>
-        <p:spPr>
-          <a:xfrm flipV="1">
-            <a:off x="6946710" y="4776716"/>
-            <a:ext cx="846162" cy="559559"/>
-          </a:xfrm>
-          <a:prstGeom prst="line">
-            <a:avLst/>
-          </a:prstGeom>
-        </p:spPr>
-        <p:style>
-          <a:lnRef idx="1">
-            <a:schemeClr val="dk1"/>
-          </a:lnRef>
-          <a:fillRef idx="0">
-            <a:schemeClr val="dk1"/>
-          </a:fillRef>
-          <a:effectRef idx="0">
-            <a:schemeClr val="dk1"/>
-          </a:effectRef>
-          <a:fontRef idx="minor">
-            <a:schemeClr val="tx1"/>
-          </a:fontRef>
-        </p:style>
-      </p:cxnSp>
-      <p:sp>
-        <p:nvSpPr>
-          <p:cNvPr id="17" name="円/楕円 16">
-            <a:extLst>
-              <a:ext uri="{FF2B5EF4-FFF2-40B4-BE49-F238E27FC236}">
-                <a16:creationId xmlns:a16="http://schemas.microsoft.com/office/drawing/2014/main" id="{E45806FA-8321-B241-B338-5BD47E48E10D}"/>
-              </a:ext>
-            </a:extLst>
-          </p:cNvPr>
-          <p:cNvSpPr/>
-          <p:nvPr/>
-        </p:nvSpPr>
-        <p:spPr>
-          <a:xfrm>
-            <a:off x="7615989" y="4177084"/>
-            <a:ext cx="4228493" cy="1824589"/>
-          </a:xfrm>
-          <a:prstGeom prst="ellipse">
-            <a:avLst/>
-          </a:prstGeom>
-        </p:spPr>
-        <p:style>
-          <a:lnRef idx="2">
-            <a:schemeClr val="accent6"/>
-          </a:lnRef>
-          <a:fillRef idx="1">
-            <a:schemeClr val="lt1"/>
-          </a:fillRef>
-          <a:effectRef idx="0">
-            <a:schemeClr val="accent6"/>
-          </a:effectRef>
-          <a:fontRef idx="minor">
-            <a:schemeClr val="dk1"/>
-          </a:fontRef>
-        </p:style>
-        <p:txBody>
-          <a:bodyPr rtlCol="0" anchor="ctr"/>
-          <a:lstStyle/>
-          <a:p>
-            <a:pPr algn="ctr"/>
-            <a:endParaRPr kumimoji="1" lang="ja-JP" altLang="en-US"/>
-          </a:p>
-        </p:txBody>
-      </p:sp>
-      <p:sp>
-        <p:nvSpPr>
-          <p:cNvPr id="6" name="正方形/長方形 5">
-            <a:extLst>
-              <a:ext uri="{FF2B5EF4-FFF2-40B4-BE49-F238E27FC236}">
-                <a16:creationId xmlns:a16="http://schemas.microsoft.com/office/drawing/2014/main" id="{B04F6E53-1041-C946-A46D-BEB0D0FCB64C}"/>
-              </a:ext>
-            </a:extLst>
-          </p:cNvPr>
-          <p:cNvSpPr/>
-          <p:nvPr/>
-        </p:nvSpPr>
-        <p:spPr>
-          <a:xfrm>
-            <a:off x="8093632" y="4708477"/>
-            <a:ext cx="818866" cy="805218"/>
-          </a:xfrm>
-          <a:prstGeom prst="rect">
-            <a:avLst/>
-          </a:prstGeom>
-        </p:spPr>
-        <p:style>
-          <a:lnRef idx="2">
-            <a:schemeClr val="accent6"/>
-          </a:lnRef>
-          <a:fillRef idx="1">
-            <a:schemeClr val="lt1"/>
-          </a:fillRef>
-          <a:effectRef idx="0">
-            <a:schemeClr val="accent6"/>
-          </a:effectRef>
-          <a:fontRef idx="minor">
-            <a:schemeClr val="dk1"/>
-          </a:fontRef>
-        </p:style>
-        <p:txBody>
-          <a:bodyPr rtlCol="0" anchor="ctr"/>
-          <a:lstStyle/>
-          <a:p>
-            <a:pPr algn="ctr"/>
-            <a:r>
-              <a:rPr kumimoji="1" lang="ja-JP" altLang="en-US"/>
-              <a:t>４</a:t>
-            </a:r>
-          </a:p>
-        </p:txBody>
-      </p:sp>
-      <p:sp>
-        <p:nvSpPr>
-          <p:cNvPr id="7" name="正方形/長方形 6">
-            <a:extLst>
-              <a:ext uri="{FF2B5EF4-FFF2-40B4-BE49-F238E27FC236}">
-                <a16:creationId xmlns:a16="http://schemas.microsoft.com/office/drawing/2014/main" id="{4870ED44-030D-0B47-B560-56379A93FB9E}"/>
-              </a:ext>
-            </a:extLst>
-          </p:cNvPr>
-          <p:cNvSpPr/>
-          <p:nvPr/>
-        </p:nvSpPr>
-        <p:spPr>
-          <a:xfrm>
-            <a:off x="8897634" y="4708477"/>
-            <a:ext cx="818866" cy="805218"/>
-          </a:xfrm>
-          <a:prstGeom prst="rect">
-            <a:avLst/>
-          </a:prstGeom>
-        </p:spPr>
-        <p:style>
-          <a:lnRef idx="2">
-            <a:schemeClr val="accent6"/>
-          </a:lnRef>
-          <a:fillRef idx="1">
-            <a:schemeClr val="lt1"/>
-          </a:fillRef>
-          <a:effectRef idx="0">
-            <a:schemeClr val="accent6"/>
-          </a:effectRef>
-          <a:fontRef idx="minor">
-            <a:schemeClr val="dk1"/>
-          </a:fontRef>
-        </p:style>
-        <p:txBody>
-          <a:bodyPr rtlCol="0" anchor="ctr"/>
-          <a:lstStyle/>
-          <a:p>
-            <a:pPr algn="ctr"/>
-            <a:r>
-              <a:rPr kumimoji="1" lang="ja-JP" altLang="en-US"/>
-              <a:t>３</a:t>
-            </a:r>
-          </a:p>
-        </p:txBody>
-      </p:sp>
-      <p:sp>
-        <p:nvSpPr>
-          <p:cNvPr id="8" name="正方形/長方形 7">
-            <a:extLst>
-              <a:ext uri="{FF2B5EF4-FFF2-40B4-BE49-F238E27FC236}">
-                <a16:creationId xmlns:a16="http://schemas.microsoft.com/office/drawing/2014/main" id="{F7261E6C-68B7-504E-8024-5A3EDDA5CC91}"/>
-              </a:ext>
-            </a:extLst>
-          </p:cNvPr>
-          <p:cNvSpPr/>
-          <p:nvPr/>
-        </p:nvSpPr>
-        <p:spPr>
-          <a:xfrm>
-            <a:off x="9701636" y="4708477"/>
-            <a:ext cx="818866" cy="805218"/>
-          </a:xfrm>
-          <a:prstGeom prst="rect">
-            <a:avLst/>
-          </a:prstGeom>
-        </p:spPr>
-        <p:style>
-          <a:lnRef idx="2">
-            <a:schemeClr val="accent6"/>
-          </a:lnRef>
-          <a:fillRef idx="1">
-            <a:schemeClr val="lt1"/>
-          </a:fillRef>
-          <a:effectRef idx="0">
-            <a:schemeClr val="accent6"/>
-          </a:effectRef>
-          <a:fontRef idx="minor">
-            <a:schemeClr val="dk1"/>
-          </a:fontRef>
-        </p:style>
-        <p:txBody>
-          <a:bodyPr rtlCol="0" anchor="ctr"/>
-          <a:lstStyle/>
-          <a:p>
-            <a:pPr algn="ctr"/>
-            <a:r>
-              <a:rPr kumimoji="1" lang="ja-JP" altLang="en-US"/>
-              <a:t>２</a:t>
-            </a:r>
-          </a:p>
-        </p:txBody>
-      </p:sp>
-      <p:sp>
-        <p:nvSpPr>
-          <p:cNvPr id="9" name="正方形/長方形 8">
-            <a:extLst>
-              <a:ext uri="{FF2B5EF4-FFF2-40B4-BE49-F238E27FC236}">
-                <a16:creationId xmlns:a16="http://schemas.microsoft.com/office/drawing/2014/main" id="{D73A65D0-0289-6544-BFCE-4E05EC166522}"/>
-              </a:ext>
-            </a:extLst>
-          </p:cNvPr>
-          <p:cNvSpPr/>
-          <p:nvPr/>
-        </p:nvSpPr>
-        <p:spPr>
-          <a:xfrm>
-            <a:off x="10534434" y="4708477"/>
-            <a:ext cx="818866" cy="805218"/>
-          </a:xfrm>
-          <a:prstGeom prst="rect">
-            <a:avLst/>
-          </a:prstGeom>
-        </p:spPr>
-        <p:style>
-          <a:lnRef idx="2">
-            <a:schemeClr val="accent6"/>
-          </a:lnRef>
-          <a:fillRef idx="1">
-            <a:schemeClr val="lt1"/>
-          </a:fillRef>
-          <a:effectRef idx="0">
-            <a:schemeClr val="accent6"/>
-          </a:effectRef>
-          <a:fontRef idx="minor">
-            <a:schemeClr val="dk1"/>
-          </a:fontRef>
-        </p:style>
-        <p:txBody>
-          <a:bodyPr rtlCol="0" anchor="ctr"/>
-          <a:lstStyle/>
-          <a:p>
-            <a:pPr algn="ctr"/>
-            <a:r>
-              <a:rPr kumimoji="1" lang="ja-JP" altLang="en-US"/>
-              <a:t>１</a:t>
-            </a:r>
-          </a:p>
-        </p:txBody>
-      </p:sp>
-      <p:sp>
-        <p:nvSpPr>
-          <p:cNvPr id="2" name="タイトル 1">
-            <a:extLst>
-              <a:ext uri="{FF2B5EF4-FFF2-40B4-BE49-F238E27FC236}">
-                <a16:creationId xmlns:a16="http://schemas.microsoft.com/office/drawing/2014/main" id="{7A7A5F4A-71EE-C844-A93C-36C19AEF0EE9}"/>
-              </a:ext>
-            </a:extLst>
-          </p:cNvPr>
-          <p:cNvSpPr>
-            <a:spLocks noGrp="1"/>
-          </p:cNvSpPr>
-          <p:nvPr>
-            <p:ph type="title"/>
-          </p:nvPr>
-        </p:nvSpPr>
-        <p:spPr>
-          <a:xfrm>
-            <a:off x="2592925" y="624110"/>
-            <a:ext cx="8911687" cy="1280890"/>
-          </a:xfrm>
-        </p:spPr>
-        <p:txBody>
-          <a:bodyPr/>
-          <a:lstStyle/>
-          <a:p>
-            <a:r>
-              <a:rPr kumimoji="1" lang="en-US" altLang="ja-JP" dirty="0"/>
-              <a:t>Problem Definition</a:t>
-            </a:r>
-            <a:endParaRPr kumimoji="1" lang="ja-JP" altLang="en-US"/>
-          </a:p>
-        </p:txBody>
-      </p:sp>
-    </p:spTree>
-    <p:extLst>
-      <p:ext uri="{BB962C8B-B14F-4D97-AF65-F5344CB8AC3E}">
-        <p14:creationId xmlns:p14="http://schemas.microsoft.com/office/powerpoint/2010/main" val="3873094983"/>
-      </p:ext>
-    </p:extLst>
-  </p:cSld>
-  <p:clrMapOvr>
-    <a:masterClrMapping/>
-  </p:clrMapOvr>
-</p:sld>
-</file>
-
-<file path=ppt/slides/slide50.xml><?xml version="1.0" encoding="utf-8"?>
 <p:sld xmlns:a="http://schemas.openxmlformats.org/drawingml/2006/main" xmlns:r="http://schemas.openxmlformats.org/officeDocument/2006/relationships" xmlns:p="http://schemas.openxmlformats.org/presentationml/2006/main">
   <p:cSld>
     <p:spTree>
@@ -23713,7 +23184,7 @@
 </p:sld>
 </file>
 
-<file path=ppt/slides/slide51.xml><?xml version="1.0" encoding="utf-8"?>
+<file path=ppt/slides/slide5.xml><?xml version="1.0" encoding="utf-8"?>
 <p:sld xmlns:a="http://schemas.openxmlformats.org/drawingml/2006/main" xmlns:r="http://schemas.openxmlformats.org/officeDocument/2006/relationships" xmlns:p="http://schemas.openxmlformats.org/presentationml/2006/main">
   <p:cSld>
     <p:spTree>
@@ -23732,6 +23203,445 @@
       </p:grpSpPr>
       <p:sp>
         <p:nvSpPr>
+          <p:cNvPr id="3" name="コンテンツ プレースホルダー 2">
+            <a:extLst>
+              <a:ext uri="{FF2B5EF4-FFF2-40B4-BE49-F238E27FC236}">
+                <a16:creationId xmlns:a16="http://schemas.microsoft.com/office/drawing/2014/main" id="{E1E4F098-294C-D141-AD53-3960C7CBF23B}"/>
+              </a:ext>
+            </a:extLst>
+          </p:cNvPr>
+          <p:cNvSpPr>
+            <a:spLocks noGrp="1"/>
+          </p:cNvSpPr>
+          <p:nvPr>
+            <p:ph idx="1"/>
+          </p:nvPr>
+        </p:nvSpPr>
+        <p:spPr>
+          <a:xfrm>
+            <a:off x="2591068" y="1736073"/>
+            <a:ext cx="8915400" cy="3777622"/>
+          </a:xfrm>
+        </p:spPr>
+        <p:txBody>
+          <a:bodyPr>
+            <a:normAutofit/>
+          </a:bodyPr>
+          <a:lstStyle/>
+          <a:p>
+            <a:r>
+              <a:rPr lang="en-US" altLang="ja-JP" sz="2400" dirty="0"/>
+              <a:t>We consider the ships which has 12 decks(floors).</a:t>
+            </a:r>
+          </a:p>
+          <a:p>
+            <a:r>
+              <a:rPr lang="en-US" altLang="ja-JP" sz="2400" dirty="0"/>
+              <a:t>Each deck has up to 4 holds</a:t>
+            </a:r>
+          </a:p>
+        </p:txBody>
+      </p:sp>
+      <p:pic>
+        <p:nvPicPr>
+          <p:cNvPr id="5" name="図 4">
+            <a:extLst>
+              <a:ext uri="{FF2B5EF4-FFF2-40B4-BE49-F238E27FC236}">
+                <a16:creationId xmlns:a16="http://schemas.microsoft.com/office/drawing/2014/main" id="{2842823E-0742-3241-980F-487CA451AA47}"/>
+              </a:ext>
+            </a:extLst>
+          </p:cNvPr>
+          <p:cNvPicPr>
+            <a:picLocks noChangeAspect="1"/>
+          </p:cNvPicPr>
+          <p:nvPr/>
+        </p:nvPicPr>
+        <p:blipFill>
+          <a:blip r:embed="rId2"/>
+          <a:stretch>
+            <a:fillRect/>
+          </a:stretch>
+        </p:blipFill>
+        <p:spPr>
+          <a:xfrm>
+            <a:off x="2589212" y="3384645"/>
+            <a:ext cx="4726017" cy="3093966"/>
+          </a:xfrm>
+          <a:prstGeom prst="rect">
+            <a:avLst/>
+          </a:prstGeom>
+        </p:spPr>
+      </p:pic>
+      <p:cxnSp>
+        <p:nvCxnSpPr>
+          <p:cNvPr id="15" name="直線コネクタ 14">
+            <a:extLst>
+              <a:ext uri="{FF2B5EF4-FFF2-40B4-BE49-F238E27FC236}">
+                <a16:creationId xmlns:a16="http://schemas.microsoft.com/office/drawing/2014/main" id="{E8F2F112-ACAD-BE49-A2A3-3FFF01998D93}"/>
+              </a:ext>
+            </a:extLst>
+          </p:cNvPr>
+          <p:cNvCxnSpPr/>
+          <p:nvPr/>
+        </p:nvCxnSpPr>
+        <p:spPr>
+          <a:xfrm flipV="1">
+            <a:off x="6794612" y="5336275"/>
+            <a:ext cx="998260" cy="354841"/>
+          </a:xfrm>
+          <a:prstGeom prst="line">
+            <a:avLst/>
+          </a:prstGeom>
+        </p:spPr>
+        <p:style>
+          <a:lnRef idx="1">
+            <a:schemeClr val="dk1"/>
+          </a:lnRef>
+          <a:fillRef idx="0">
+            <a:schemeClr val="dk1"/>
+          </a:fillRef>
+          <a:effectRef idx="0">
+            <a:schemeClr val="dk1"/>
+          </a:effectRef>
+          <a:fontRef idx="minor">
+            <a:schemeClr val="tx1"/>
+          </a:fontRef>
+        </p:style>
+      </p:cxnSp>
+      <p:cxnSp>
+        <p:nvCxnSpPr>
+          <p:cNvPr id="11" name="直線コネクタ 10">
+            <a:extLst>
+              <a:ext uri="{FF2B5EF4-FFF2-40B4-BE49-F238E27FC236}">
+                <a16:creationId xmlns:a16="http://schemas.microsoft.com/office/drawing/2014/main" id="{833C8682-9FCC-E645-B37A-6BBCF98D2582}"/>
+              </a:ext>
+            </a:extLst>
+          </p:cNvPr>
+          <p:cNvCxnSpPr/>
+          <p:nvPr/>
+        </p:nvCxnSpPr>
+        <p:spPr>
+          <a:xfrm flipV="1">
+            <a:off x="6946710" y="4776716"/>
+            <a:ext cx="846162" cy="559559"/>
+          </a:xfrm>
+          <a:prstGeom prst="line">
+            <a:avLst/>
+          </a:prstGeom>
+        </p:spPr>
+        <p:style>
+          <a:lnRef idx="1">
+            <a:schemeClr val="dk1"/>
+          </a:lnRef>
+          <a:fillRef idx="0">
+            <a:schemeClr val="dk1"/>
+          </a:fillRef>
+          <a:effectRef idx="0">
+            <a:schemeClr val="dk1"/>
+          </a:effectRef>
+          <a:fontRef idx="minor">
+            <a:schemeClr val="tx1"/>
+          </a:fontRef>
+        </p:style>
+      </p:cxnSp>
+      <p:sp>
+        <p:nvSpPr>
+          <p:cNvPr id="17" name="円/楕円 16">
+            <a:extLst>
+              <a:ext uri="{FF2B5EF4-FFF2-40B4-BE49-F238E27FC236}">
+                <a16:creationId xmlns:a16="http://schemas.microsoft.com/office/drawing/2014/main" id="{E45806FA-8321-B241-B338-5BD47E48E10D}"/>
+              </a:ext>
+            </a:extLst>
+          </p:cNvPr>
+          <p:cNvSpPr/>
+          <p:nvPr/>
+        </p:nvSpPr>
+        <p:spPr>
+          <a:xfrm>
+            <a:off x="7615989" y="4177084"/>
+            <a:ext cx="4228493" cy="1824589"/>
+          </a:xfrm>
+          <a:prstGeom prst="ellipse">
+            <a:avLst/>
+          </a:prstGeom>
+        </p:spPr>
+        <p:style>
+          <a:lnRef idx="2">
+            <a:schemeClr val="accent6"/>
+          </a:lnRef>
+          <a:fillRef idx="1">
+            <a:schemeClr val="lt1"/>
+          </a:fillRef>
+          <a:effectRef idx="0">
+            <a:schemeClr val="accent6"/>
+          </a:effectRef>
+          <a:fontRef idx="minor">
+            <a:schemeClr val="dk1"/>
+          </a:fontRef>
+        </p:style>
+        <p:txBody>
+          <a:bodyPr rtlCol="0" anchor="ctr"/>
+          <a:lstStyle/>
+          <a:p>
+            <a:pPr algn="ctr"/>
+            <a:endParaRPr kumimoji="1" lang="ja-JP" altLang="en-US"/>
+          </a:p>
+        </p:txBody>
+      </p:sp>
+      <p:sp>
+        <p:nvSpPr>
+          <p:cNvPr id="6" name="正方形/長方形 5">
+            <a:extLst>
+              <a:ext uri="{FF2B5EF4-FFF2-40B4-BE49-F238E27FC236}">
+                <a16:creationId xmlns:a16="http://schemas.microsoft.com/office/drawing/2014/main" id="{B04F6E53-1041-C946-A46D-BEB0D0FCB64C}"/>
+              </a:ext>
+            </a:extLst>
+          </p:cNvPr>
+          <p:cNvSpPr/>
+          <p:nvPr/>
+        </p:nvSpPr>
+        <p:spPr>
+          <a:xfrm>
+            <a:off x="8093632" y="4708477"/>
+            <a:ext cx="818866" cy="805218"/>
+          </a:xfrm>
+          <a:prstGeom prst="rect">
+            <a:avLst/>
+          </a:prstGeom>
+        </p:spPr>
+        <p:style>
+          <a:lnRef idx="2">
+            <a:schemeClr val="accent6"/>
+          </a:lnRef>
+          <a:fillRef idx="1">
+            <a:schemeClr val="lt1"/>
+          </a:fillRef>
+          <a:effectRef idx="0">
+            <a:schemeClr val="accent6"/>
+          </a:effectRef>
+          <a:fontRef idx="minor">
+            <a:schemeClr val="dk1"/>
+          </a:fontRef>
+        </p:style>
+        <p:txBody>
+          <a:bodyPr rtlCol="0" anchor="ctr"/>
+          <a:lstStyle/>
+          <a:p>
+            <a:pPr algn="ctr"/>
+            <a:r>
+              <a:rPr kumimoji="1" lang="ja-JP" altLang="en-US"/>
+              <a:t>４</a:t>
+            </a:r>
+          </a:p>
+        </p:txBody>
+      </p:sp>
+      <p:sp>
+        <p:nvSpPr>
+          <p:cNvPr id="7" name="正方形/長方形 6">
+            <a:extLst>
+              <a:ext uri="{FF2B5EF4-FFF2-40B4-BE49-F238E27FC236}">
+                <a16:creationId xmlns:a16="http://schemas.microsoft.com/office/drawing/2014/main" id="{4870ED44-030D-0B47-B560-56379A93FB9E}"/>
+              </a:ext>
+            </a:extLst>
+          </p:cNvPr>
+          <p:cNvSpPr/>
+          <p:nvPr/>
+        </p:nvSpPr>
+        <p:spPr>
+          <a:xfrm>
+            <a:off x="8897634" y="4708477"/>
+            <a:ext cx="818866" cy="805218"/>
+          </a:xfrm>
+          <a:prstGeom prst="rect">
+            <a:avLst/>
+          </a:prstGeom>
+        </p:spPr>
+        <p:style>
+          <a:lnRef idx="2">
+            <a:schemeClr val="accent6"/>
+          </a:lnRef>
+          <a:fillRef idx="1">
+            <a:schemeClr val="lt1"/>
+          </a:fillRef>
+          <a:effectRef idx="0">
+            <a:schemeClr val="accent6"/>
+          </a:effectRef>
+          <a:fontRef idx="minor">
+            <a:schemeClr val="dk1"/>
+          </a:fontRef>
+        </p:style>
+        <p:txBody>
+          <a:bodyPr rtlCol="0" anchor="ctr"/>
+          <a:lstStyle/>
+          <a:p>
+            <a:pPr algn="ctr"/>
+            <a:r>
+              <a:rPr kumimoji="1" lang="ja-JP" altLang="en-US"/>
+              <a:t>３</a:t>
+            </a:r>
+          </a:p>
+        </p:txBody>
+      </p:sp>
+      <p:sp>
+        <p:nvSpPr>
+          <p:cNvPr id="8" name="正方形/長方形 7">
+            <a:extLst>
+              <a:ext uri="{FF2B5EF4-FFF2-40B4-BE49-F238E27FC236}">
+                <a16:creationId xmlns:a16="http://schemas.microsoft.com/office/drawing/2014/main" id="{F7261E6C-68B7-504E-8024-5A3EDDA5CC91}"/>
+              </a:ext>
+            </a:extLst>
+          </p:cNvPr>
+          <p:cNvSpPr/>
+          <p:nvPr/>
+        </p:nvSpPr>
+        <p:spPr>
+          <a:xfrm>
+            <a:off x="9701636" y="4708477"/>
+            <a:ext cx="818866" cy="805218"/>
+          </a:xfrm>
+          <a:prstGeom prst="rect">
+            <a:avLst/>
+          </a:prstGeom>
+        </p:spPr>
+        <p:style>
+          <a:lnRef idx="2">
+            <a:schemeClr val="accent6"/>
+          </a:lnRef>
+          <a:fillRef idx="1">
+            <a:schemeClr val="lt1"/>
+          </a:fillRef>
+          <a:effectRef idx="0">
+            <a:schemeClr val="accent6"/>
+          </a:effectRef>
+          <a:fontRef idx="minor">
+            <a:schemeClr val="dk1"/>
+          </a:fontRef>
+        </p:style>
+        <p:txBody>
+          <a:bodyPr rtlCol="0" anchor="ctr"/>
+          <a:lstStyle/>
+          <a:p>
+            <a:pPr algn="ctr"/>
+            <a:r>
+              <a:rPr kumimoji="1" lang="ja-JP" altLang="en-US"/>
+              <a:t>２</a:t>
+            </a:r>
+          </a:p>
+        </p:txBody>
+      </p:sp>
+      <p:sp>
+        <p:nvSpPr>
+          <p:cNvPr id="9" name="正方形/長方形 8">
+            <a:extLst>
+              <a:ext uri="{FF2B5EF4-FFF2-40B4-BE49-F238E27FC236}">
+                <a16:creationId xmlns:a16="http://schemas.microsoft.com/office/drawing/2014/main" id="{D73A65D0-0289-6544-BFCE-4E05EC166522}"/>
+              </a:ext>
+            </a:extLst>
+          </p:cNvPr>
+          <p:cNvSpPr/>
+          <p:nvPr/>
+        </p:nvSpPr>
+        <p:spPr>
+          <a:xfrm>
+            <a:off x="10534434" y="4708477"/>
+            <a:ext cx="818866" cy="805218"/>
+          </a:xfrm>
+          <a:prstGeom prst="rect">
+            <a:avLst/>
+          </a:prstGeom>
+        </p:spPr>
+        <p:style>
+          <a:lnRef idx="2">
+            <a:schemeClr val="accent6"/>
+          </a:lnRef>
+          <a:fillRef idx="1">
+            <a:schemeClr val="lt1"/>
+          </a:fillRef>
+          <a:effectRef idx="0">
+            <a:schemeClr val="accent6"/>
+          </a:effectRef>
+          <a:fontRef idx="minor">
+            <a:schemeClr val="dk1"/>
+          </a:fontRef>
+        </p:style>
+        <p:txBody>
+          <a:bodyPr rtlCol="0" anchor="ctr"/>
+          <a:lstStyle/>
+          <a:p>
+            <a:pPr algn="ctr"/>
+            <a:r>
+              <a:rPr kumimoji="1" lang="ja-JP" altLang="en-US"/>
+              <a:t>１</a:t>
+            </a:r>
+          </a:p>
+        </p:txBody>
+      </p:sp>
+      <p:sp>
+        <p:nvSpPr>
+          <p:cNvPr id="2" name="タイトル 1">
+            <a:extLst>
+              <a:ext uri="{FF2B5EF4-FFF2-40B4-BE49-F238E27FC236}">
+                <a16:creationId xmlns:a16="http://schemas.microsoft.com/office/drawing/2014/main" id="{7A7A5F4A-71EE-C844-A93C-36C19AEF0EE9}"/>
+              </a:ext>
+            </a:extLst>
+          </p:cNvPr>
+          <p:cNvSpPr>
+            <a:spLocks noGrp="1"/>
+          </p:cNvSpPr>
+          <p:nvPr>
+            <p:ph type="title"/>
+          </p:nvPr>
+        </p:nvSpPr>
+        <p:spPr>
+          <a:xfrm>
+            <a:off x="2592925" y="624110"/>
+            <a:ext cx="8911687" cy="1280890"/>
+          </a:xfrm>
+        </p:spPr>
+        <p:txBody>
+          <a:bodyPr/>
+          <a:lstStyle/>
+          <a:p>
+            <a:r>
+              <a:rPr kumimoji="1" lang="en-US" altLang="ja-JP" dirty="0"/>
+              <a:t>Problem Definition</a:t>
+            </a:r>
+            <a:endParaRPr kumimoji="1" lang="ja-JP" altLang="en-US"/>
+          </a:p>
+        </p:txBody>
+      </p:sp>
+    </p:spTree>
+    <p:extLst>
+      <p:ext uri="{BB962C8B-B14F-4D97-AF65-F5344CB8AC3E}">
+        <p14:creationId xmlns:p14="http://schemas.microsoft.com/office/powerpoint/2010/main" val="3873094983"/>
+      </p:ext>
+    </p:extLst>
+  </p:cSld>
+  <p:clrMapOvr>
+    <a:masterClrMapping/>
+  </p:clrMapOvr>
+</p:sld>
+</file>
+
+<file path=ppt/slides/slide50.xml><?xml version="1.0" encoding="utf-8"?>
+<p:sld xmlns:a="http://schemas.openxmlformats.org/drawingml/2006/main" xmlns:r="http://schemas.openxmlformats.org/officeDocument/2006/relationships" xmlns:p="http://schemas.openxmlformats.org/presentationml/2006/main">
+  <p:cSld>
+    <p:spTree>
+      <p:nvGrpSpPr>
+        <p:cNvPr id="1" name=""/>
+        <p:cNvGrpSpPr/>
+        <p:nvPr/>
+      </p:nvGrpSpPr>
+      <p:grpSpPr>
+        <a:xfrm>
+          <a:off x="0" y="0"/>
+          <a:ext cx="0" cy="0"/>
+          <a:chOff x="0" y="0"/>
+          <a:chExt cx="0" cy="0"/>
+        </a:xfrm>
+      </p:grpSpPr>
+      <p:sp>
+        <p:nvSpPr>
           <p:cNvPr id="2" name="タイトル 1">
             <a:extLst>
               <a:ext uri="{FF2B5EF4-FFF2-40B4-BE49-F238E27FC236}">
@@ -23842,7 +23752,7 @@
 </p:sld>
 </file>
 
-<file path=ppt/slides/slide52.xml><?xml version="1.0" encoding="utf-8"?>
+<file path=ppt/slides/slide51.xml><?xml version="1.0" encoding="utf-8"?>
 <p:sld xmlns:a="http://schemas.openxmlformats.org/drawingml/2006/main" xmlns:r="http://schemas.openxmlformats.org/officeDocument/2006/relationships" xmlns:p="http://schemas.openxmlformats.org/presentationml/2006/main">
   <p:cSld>
     <p:spTree>
@@ -24873,7 +24783,7 @@
 </p:sld>
 </file>
 
-<file path=ppt/slides/slide53.xml><?xml version="1.0" encoding="utf-8"?>
+<file path=ppt/slides/slide52.xml><?xml version="1.0" encoding="utf-8"?>
 <p:sld xmlns:a="http://schemas.openxmlformats.org/drawingml/2006/main" xmlns:r="http://schemas.openxmlformats.org/officeDocument/2006/relationships" xmlns:p="http://schemas.openxmlformats.org/presentationml/2006/main">
   <p:cSld>
     <p:spTree>
@@ -26480,7 +26390,7 @@
 </p:sld>
 </file>
 
-<file path=ppt/slides/slide54.xml><?xml version="1.0" encoding="utf-8"?>
+<file path=ppt/slides/slide53.xml><?xml version="1.0" encoding="utf-8"?>
 <p:sld xmlns:a="http://schemas.openxmlformats.org/drawingml/2006/main" xmlns:r="http://schemas.openxmlformats.org/officeDocument/2006/relationships" xmlns:p="http://schemas.openxmlformats.org/presentationml/2006/main">
   <p:cSld>
     <p:spTree>
@@ -26502,94 +26412,6 @@
           <p:cNvPr id="2" name="タイトル 1">
             <a:extLst>
               <a:ext uri="{FF2B5EF4-FFF2-40B4-BE49-F238E27FC236}">
-                <a16:creationId xmlns:a16="http://schemas.microsoft.com/office/drawing/2014/main" id="{AA0ACEC6-C697-6746-850A-9FB3A79F71E0}"/>
-              </a:ext>
-            </a:extLst>
-          </p:cNvPr>
-          <p:cNvSpPr>
-            <a:spLocks noGrp="1"/>
-          </p:cNvSpPr>
-          <p:nvPr>
-            <p:ph type="title"/>
-          </p:nvPr>
-        </p:nvSpPr>
-        <p:spPr/>
-        <p:txBody>
-          <a:bodyPr/>
-          <a:lstStyle/>
-          <a:p>
-            <a:r>
-              <a:rPr lang="en-US" altLang="ja-JP" dirty="0"/>
-              <a:t>Result </a:t>
-            </a:r>
-            <a:r>
-              <a:rPr lang="en" altLang="ja-JP" dirty="0"/>
-              <a:t>of Hamming distance</a:t>
-            </a:r>
-            <a:endParaRPr kumimoji="1" lang="ja-JP" altLang="en-US"/>
-          </a:p>
-        </p:txBody>
-      </p:sp>
-      <p:sp>
-        <p:nvSpPr>
-          <p:cNvPr id="3" name="コンテンツ プレースホルダー 2">
-            <a:extLst>
-              <a:ext uri="{FF2B5EF4-FFF2-40B4-BE49-F238E27FC236}">
-                <a16:creationId xmlns:a16="http://schemas.microsoft.com/office/drawing/2014/main" id="{7B853E94-A9EB-434E-A27D-780EDE75D221}"/>
-              </a:ext>
-            </a:extLst>
-          </p:cNvPr>
-          <p:cNvSpPr>
-            <a:spLocks noGrp="1"/>
-          </p:cNvSpPr>
-          <p:nvPr>
-            <p:ph idx="1"/>
-          </p:nvPr>
-        </p:nvSpPr>
-        <p:spPr/>
-        <p:txBody>
-          <a:bodyPr/>
-          <a:lstStyle/>
-          <a:p>
-            <a:endParaRPr kumimoji="1" lang="ja-JP" altLang="en-US"/>
-          </a:p>
-        </p:txBody>
-      </p:sp>
-    </p:spTree>
-    <p:extLst>
-      <p:ext uri="{BB962C8B-B14F-4D97-AF65-F5344CB8AC3E}">
-        <p14:creationId xmlns:p14="http://schemas.microsoft.com/office/powerpoint/2010/main" val="3879764458"/>
-      </p:ext>
-    </p:extLst>
-  </p:cSld>
-  <p:clrMapOvr>
-    <a:masterClrMapping/>
-  </p:clrMapOvr>
-</p:sld>
-</file>
-
-<file path=ppt/slides/slide55.xml><?xml version="1.0" encoding="utf-8"?>
-<p:sld xmlns:a="http://schemas.openxmlformats.org/drawingml/2006/main" xmlns:r="http://schemas.openxmlformats.org/officeDocument/2006/relationships" xmlns:p="http://schemas.openxmlformats.org/presentationml/2006/main">
-  <p:cSld>
-    <p:spTree>
-      <p:nvGrpSpPr>
-        <p:cNvPr id="1" name=""/>
-        <p:cNvGrpSpPr/>
-        <p:nvPr/>
-      </p:nvGrpSpPr>
-      <p:grpSpPr>
-        <a:xfrm>
-          <a:off x="0" y="0"/>
-          <a:ext cx="0" cy="0"/>
-          <a:chOff x="0" y="0"/>
-          <a:chExt cx="0" cy="0"/>
-        </a:xfrm>
-      </p:grpSpPr>
-      <p:sp>
-        <p:nvSpPr>
-          <p:cNvPr id="2" name="タイトル 1">
-            <a:extLst>
-              <a:ext uri="{FF2B5EF4-FFF2-40B4-BE49-F238E27FC236}">
                 <a16:creationId xmlns:a16="http://schemas.microsoft.com/office/drawing/2014/main" id="{0F3E9755-7D4C-E140-A34C-76DD3CC7C081}"/>
               </a:ext>
             </a:extLst>
@@ -26639,13 +26461,13 @@
             <p:ph idx="1"/>
             <p:extLst>
               <p:ext uri="{D42A27DB-BD31-4B8C-83A1-F6EECF244321}">
-                <p14:modId xmlns:p14="http://schemas.microsoft.com/office/powerpoint/2010/main" val="1733011125"/>
+                <p14:modId xmlns:p14="http://schemas.microsoft.com/office/powerpoint/2010/main" val="218383673"/>
               </p:ext>
             </p:extLst>
           </p:nvPr>
         </p:nvGraphicFramePr>
         <p:xfrm>
-          <a:off x="3294529" y="2596345"/>
+          <a:off x="3200400" y="2878734"/>
           <a:ext cx="6306670" cy="2567327"/>
         </p:xfrm>
         <a:graphic>
@@ -27066,7 +26888,7 @@
         <p:spPr>
           <a:xfrm>
             <a:off x="2592925" y="1694956"/>
-            <a:ext cx="8035271" cy="707886"/>
+            <a:ext cx="8035271" cy="830997"/>
           </a:xfrm>
           <a:prstGeom prst="rect">
             <a:avLst/>
@@ -27080,10 +26902,10 @@
           <a:lstStyle/>
           <a:p>
             <a:r>
-              <a:rPr lang="en" altLang="ja-JP" sz="2000" dirty="0"/>
+              <a:rPr lang="en" altLang="ja-JP" sz="2400" dirty="0"/>
               <a:t>We performed the comparison only on instances for which we had the exact best solution.</a:t>
             </a:r>
-            <a:endParaRPr kumimoji="1" lang="ja-JP" altLang="en-US" sz="2000"/>
+            <a:endParaRPr kumimoji="1" lang="ja-JP" altLang="en-US" sz="2400"/>
           </a:p>
         </p:txBody>
       </p:sp>
@@ -27100,7 +26922,7 @@
 </p:sld>
 </file>
 
-<file path=ppt/slides/slide56.xml><?xml version="1.0" encoding="utf-8"?>
+<file path=ppt/slides/slide54.xml><?xml version="1.0" encoding="utf-8"?>
 <p:sld xmlns:a="http://schemas.openxmlformats.org/drawingml/2006/main" xmlns:r="http://schemas.openxmlformats.org/officeDocument/2006/relationships" xmlns:p="http://schemas.openxmlformats.org/presentationml/2006/main">
   <p:cSld>
     <p:spTree>
@@ -27122,1693 +26944,6 @@
           <p:cNvPr id="2" name="タイトル 1">
             <a:extLst>
               <a:ext uri="{FF2B5EF4-FFF2-40B4-BE49-F238E27FC236}">
-                <a16:creationId xmlns:a16="http://schemas.microsoft.com/office/drawing/2014/main" id="{A8816EE5-E670-DD4C-A705-652D968F809A}"/>
-              </a:ext>
-            </a:extLst>
-          </p:cNvPr>
-          <p:cNvSpPr>
-            <a:spLocks noGrp="1"/>
-          </p:cNvSpPr>
-          <p:nvPr>
-            <p:ph type="title"/>
-          </p:nvPr>
-        </p:nvSpPr>
-        <p:spPr/>
-        <p:txBody>
-          <a:bodyPr/>
-          <a:lstStyle/>
-          <a:p>
-            <a:r>
-              <a:rPr kumimoji="1" lang="en-US" altLang="ja-JP" dirty="0"/>
-              <a:t>Type of neighborhood</a:t>
-            </a:r>
-            <a:endParaRPr kumimoji="1" lang="ja-JP" altLang="en-US"/>
-          </a:p>
-        </p:txBody>
-      </p:sp>
-      <p:sp>
-        <p:nvSpPr>
-          <p:cNvPr id="3" name="コンテンツ プレースホルダー 2">
-            <a:extLst>
-              <a:ext uri="{FF2B5EF4-FFF2-40B4-BE49-F238E27FC236}">
-                <a16:creationId xmlns:a16="http://schemas.microsoft.com/office/drawing/2014/main" id="{776A7BCF-90DA-9849-A6DD-2BBF184BCB18}"/>
-              </a:ext>
-            </a:extLst>
-          </p:cNvPr>
-          <p:cNvSpPr>
-            <a:spLocks noGrp="1"/>
-          </p:cNvSpPr>
-          <p:nvPr>
-            <p:ph idx="1"/>
-          </p:nvPr>
-        </p:nvSpPr>
-        <p:spPr/>
-        <p:txBody>
-          <a:bodyPr>
-            <a:normAutofit/>
-          </a:bodyPr>
-          <a:lstStyle/>
-          <a:p>
-            <a:r>
-              <a:rPr lang="en" altLang="ja-JP" sz="2400" dirty="0"/>
-              <a:t>We investigated how much the solution and computation time changes with the type of neighborhood.</a:t>
-            </a:r>
-          </a:p>
-          <a:p>
-            <a:r>
-              <a:rPr lang="en" altLang="ja-JP" sz="2400" dirty="0"/>
-              <a:t>The value is the weighted sum of constraints and objective function.</a:t>
-            </a:r>
-          </a:p>
-          <a:p>
-            <a:r>
-              <a:rPr lang="en" altLang="ja-JP" sz="2400" dirty="0"/>
-              <a:t>even if the solution is infeasible, we show the value of the evaluation function.</a:t>
-            </a:r>
-          </a:p>
-          <a:p>
-            <a:r>
-              <a:rPr lang="en" altLang="ja-JP" sz="2400" dirty="0"/>
-              <a:t>We also set the </a:t>
-            </a:r>
-            <a:r>
-              <a:rPr lang="en-US" altLang="ja-JP" sz="2400" dirty="0"/>
-              <a:t>coefficient of the constraint to 100.</a:t>
-            </a:r>
-            <a:endParaRPr lang="en" altLang="ja-JP" sz="2400" dirty="0"/>
-          </a:p>
-          <a:p>
-            <a:endParaRPr kumimoji="1" lang="ja-JP" altLang="en-US" sz="2400"/>
-          </a:p>
-        </p:txBody>
-      </p:sp>
-    </p:spTree>
-    <p:extLst>
-      <p:ext uri="{BB962C8B-B14F-4D97-AF65-F5344CB8AC3E}">
-        <p14:creationId xmlns:p14="http://schemas.microsoft.com/office/powerpoint/2010/main" val="1225922878"/>
-      </p:ext>
-    </p:extLst>
-  </p:cSld>
-  <p:clrMapOvr>
-    <a:masterClrMapping/>
-  </p:clrMapOvr>
-</p:sld>
-</file>
-
-<file path=ppt/slides/slide57.xml><?xml version="1.0" encoding="utf-8"?>
-<p:sld xmlns:a="http://schemas.openxmlformats.org/drawingml/2006/main" xmlns:r="http://schemas.openxmlformats.org/officeDocument/2006/relationships" xmlns:p="http://schemas.openxmlformats.org/presentationml/2006/main">
-  <p:cSld>
-    <p:spTree>
-      <p:nvGrpSpPr>
-        <p:cNvPr id="1" name=""/>
-        <p:cNvGrpSpPr/>
-        <p:nvPr/>
-      </p:nvGrpSpPr>
-      <p:grpSpPr>
-        <a:xfrm>
-          <a:off x="0" y="0"/>
-          <a:ext cx="0" cy="0"/>
-          <a:chOff x="0" y="0"/>
-          <a:chExt cx="0" cy="0"/>
-        </a:xfrm>
-      </p:grpSpPr>
-      <p:sp>
-        <p:nvSpPr>
-          <p:cNvPr id="2" name="タイトル 1">
-            <a:extLst>
-              <a:ext uri="{FF2B5EF4-FFF2-40B4-BE49-F238E27FC236}">
-                <a16:creationId xmlns:a16="http://schemas.microsoft.com/office/drawing/2014/main" id="{0F3E9755-7D4C-E140-A34C-76DD3CC7C081}"/>
-              </a:ext>
-            </a:extLst>
-          </p:cNvPr>
-          <p:cNvSpPr>
-            <a:spLocks noGrp="1"/>
-          </p:cNvSpPr>
-          <p:nvPr>
-            <p:ph type="title"/>
-          </p:nvPr>
-        </p:nvSpPr>
-        <p:spPr/>
-        <p:txBody>
-          <a:bodyPr/>
-          <a:lstStyle/>
-          <a:p>
-            <a:r>
-              <a:rPr lang="en-US" altLang="ja-JP" dirty="0"/>
-              <a:t>Neighborhood comparison</a:t>
-            </a:r>
-            <a:endParaRPr kumimoji="1" lang="ja-JP" altLang="en-US"/>
-          </a:p>
-        </p:txBody>
-      </p:sp>
-      <p:graphicFrame>
-        <p:nvGraphicFramePr>
-          <p:cNvPr id="4" name="コンテンツ プレースホルダー 3">
-            <a:extLst>
-              <a:ext uri="{FF2B5EF4-FFF2-40B4-BE49-F238E27FC236}">
-                <a16:creationId xmlns:a16="http://schemas.microsoft.com/office/drawing/2014/main" id="{A43B9D2D-517B-CB46-A337-956322EC2B9A}"/>
-              </a:ext>
-            </a:extLst>
-          </p:cNvPr>
-          <p:cNvGraphicFramePr>
-            <a:graphicFrameLocks noGrp="1"/>
-          </p:cNvGraphicFramePr>
-          <p:nvPr>
-            <p:ph idx="1"/>
-            <p:extLst>
-              <p:ext uri="{D42A27DB-BD31-4B8C-83A1-F6EECF244321}">
-                <p14:modId xmlns:p14="http://schemas.microsoft.com/office/powerpoint/2010/main" val="1059006368"/>
-              </p:ext>
-            </p:extLst>
-          </p:nvPr>
-        </p:nvGraphicFramePr>
-        <p:xfrm>
-          <a:off x="833717" y="1439898"/>
-          <a:ext cx="10959353" cy="4721129"/>
-        </p:xfrm>
-        <a:graphic>
-          <a:graphicData uri="http://schemas.openxmlformats.org/drawingml/2006/table">
-            <a:tbl>
-              <a:tblPr firstRow="1" bandRow="1">
-                <a:tableStyleId>{5C22544A-7EE6-4342-B048-85BDC9FD1C3A}</a:tableStyleId>
-              </a:tblPr>
-              <a:tblGrid>
-                <a:gridCol w="1061033">
-                  <a:extLst>
-                    <a:ext uri="{9D8B030D-6E8A-4147-A177-3AD203B41FA5}">
-                      <a16:colId xmlns:a16="http://schemas.microsoft.com/office/drawing/2014/main" val="3767232075"/>
-                    </a:ext>
-                  </a:extLst>
-                </a:gridCol>
-                <a:gridCol w="848450">
-                  <a:extLst>
-                    <a:ext uri="{9D8B030D-6E8A-4147-A177-3AD203B41FA5}">
-                      <a16:colId xmlns:a16="http://schemas.microsoft.com/office/drawing/2014/main" val="3477330652"/>
-                    </a:ext>
-                  </a:extLst>
-                </a:gridCol>
-                <a:gridCol w="874059">
-                  <a:extLst>
-                    <a:ext uri="{9D8B030D-6E8A-4147-A177-3AD203B41FA5}">
-                      <a16:colId xmlns:a16="http://schemas.microsoft.com/office/drawing/2014/main" val="2984689672"/>
-                    </a:ext>
-                  </a:extLst>
-                </a:gridCol>
-                <a:gridCol w="1035423">
-                  <a:extLst>
-                    <a:ext uri="{9D8B030D-6E8A-4147-A177-3AD203B41FA5}">
-                      <a16:colId xmlns:a16="http://schemas.microsoft.com/office/drawing/2014/main" val="275792739"/>
-                    </a:ext>
-                  </a:extLst>
-                </a:gridCol>
-                <a:gridCol w="1748118">
-                  <a:extLst>
-                    <a:ext uri="{9D8B030D-6E8A-4147-A177-3AD203B41FA5}">
-                      <a16:colId xmlns:a16="http://schemas.microsoft.com/office/drawing/2014/main" val="2550383071"/>
-                    </a:ext>
-                  </a:extLst>
-                </a:gridCol>
-                <a:gridCol w="981635">
-                  <a:extLst>
-                    <a:ext uri="{9D8B030D-6E8A-4147-A177-3AD203B41FA5}">
-                      <a16:colId xmlns:a16="http://schemas.microsoft.com/office/drawing/2014/main" val="3694173054"/>
-                    </a:ext>
-                  </a:extLst>
-                </a:gridCol>
-                <a:gridCol w="1748118">
-                  <a:extLst>
-                    <a:ext uri="{9D8B030D-6E8A-4147-A177-3AD203B41FA5}">
-                      <a16:colId xmlns:a16="http://schemas.microsoft.com/office/drawing/2014/main" val="608630972"/>
-                    </a:ext>
-                  </a:extLst>
-                </a:gridCol>
-                <a:gridCol w="927847">
-                  <a:extLst>
-                    <a:ext uri="{9D8B030D-6E8A-4147-A177-3AD203B41FA5}">
-                      <a16:colId xmlns:a16="http://schemas.microsoft.com/office/drawing/2014/main" val="2649941175"/>
-                    </a:ext>
-                  </a:extLst>
-                </a:gridCol>
-                <a:gridCol w="1734670">
-                  <a:extLst>
-                    <a:ext uri="{9D8B030D-6E8A-4147-A177-3AD203B41FA5}">
-                      <a16:colId xmlns:a16="http://schemas.microsoft.com/office/drawing/2014/main" val="4158393983"/>
-                    </a:ext>
-                  </a:extLst>
-                </a:gridCol>
-              </a:tblGrid>
-              <a:tr h="636495">
-                <a:tc>
-                  <a:txBody>
-                    <a:bodyPr/>
-                    <a:lstStyle/>
-                    <a:p>
-                      <a:endParaRPr kumimoji="1" lang="ja-JP" altLang="en-US" sz="2000"/>
-                    </a:p>
-                  </a:txBody>
-                  <a:tcPr/>
-                </a:tc>
-                <a:tc>
-                  <a:txBody>
-                    <a:bodyPr/>
-                    <a:lstStyle/>
-                    <a:p>
-                      <a:endParaRPr kumimoji="1" lang="ja-JP" altLang="en-US" sz="2000"/>
-                    </a:p>
-                  </a:txBody>
-                  <a:tcPr/>
-                </a:tc>
-                <a:tc>
-                  <a:txBody>
-                    <a:bodyPr/>
-                    <a:lstStyle/>
-                    <a:p>
-                      <a:endParaRPr kumimoji="1" lang="ja-JP" altLang="en-US" sz="2000"/>
-                    </a:p>
-                  </a:txBody>
-                  <a:tcPr/>
-                </a:tc>
-                <a:tc gridSpan="2">
-                  <a:txBody>
-                    <a:bodyPr/>
-                    <a:lstStyle/>
-                    <a:p>
-                      <a:pPr algn="ctr"/>
-                      <a:r>
-                        <a:rPr kumimoji="1" lang="en-US" altLang="ja-JP" sz="2000" dirty="0"/>
-                        <a:t>Both </a:t>
-                      </a:r>
-                      <a:endParaRPr kumimoji="1" lang="ja-JP" altLang="en-US" sz="2000"/>
-                    </a:p>
-                  </a:txBody>
-                  <a:tcPr/>
-                </a:tc>
-                <a:tc hMerge="1">
-                  <a:txBody>
-                    <a:bodyPr/>
-                    <a:lstStyle/>
-                    <a:p>
-                      <a:endParaRPr kumimoji="1" lang="ja-JP" altLang="en-US" sz="2000"/>
-                    </a:p>
-                  </a:txBody>
-                  <a:tcPr/>
-                </a:tc>
-                <a:tc gridSpan="2">
-                  <a:txBody>
-                    <a:bodyPr/>
-                    <a:lstStyle/>
-                    <a:p>
-                      <a:pPr algn="ctr"/>
-                      <a:r>
-                        <a:rPr kumimoji="1" lang="en-US" altLang="ja-JP" sz="2000" dirty="0"/>
-                        <a:t>Shift </a:t>
-                      </a:r>
-                    </a:p>
-                    <a:p>
-                      <a:pPr algn="ctr"/>
-                      <a:r>
-                        <a:rPr kumimoji="1" lang="en-US" altLang="ja-JP" sz="2000" dirty="0"/>
-                        <a:t>neighborhood</a:t>
-                      </a:r>
-                      <a:endParaRPr kumimoji="1" lang="ja-JP" altLang="en-US" sz="2000"/>
-                    </a:p>
-                  </a:txBody>
-                  <a:tcPr/>
-                </a:tc>
-                <a:tc hMerge="1">
-                  <a:txBody>
-                    <a:bodyPr/>
-                    <a:lstStyle/>
-                    <a:p>
-                      <a:pPr marL="0" marR="0" lvl="0" indent="0" algn="l" defTabSz="457200" rtl="0" eaLnBrk="1" fontAlgn="auto" latinLnBrk="0" hangingPunct="1">
-                        <a:lnSpc>
-                          <a:spcPct val="100000"/>
-                        </a:lnSpc>
-                        <a:spcBef>
-                          <a:spcPts val="0"/>
-                        </a:spcBef>
-                        <a:spcAft>
-                          <a:spcPts val="0"/>
-                        </a:spcAft>
-                        <a:buClrTx/>
-                        <a:buSzTx/>
-                        <a:buFontTx/>
-                        <a:buNone/>
-                        <a:tabLst/>
-                        <a:defRPr/>
-                      </a:pPr>
-                      <a:endParaRPr kumimoji="1" lang="ja-JP" altLang="en-US" sz="1800"/>
-                    </a:p>
-                  </a:txBody>
-                  <a:tcPr/>
-                </a:tc>
-                <a:tc gridSpan="2">
-                  <a:txBody>
-                    <a:bodyPr/>
-                    <a:lstStyle/>
-                    <a:p>
-                      <a:pPr algn="ctr"/>
-                      <a:r>
-                        <a:rPr kumimoji="1" lang="en-US" altLang="ja-JP" sz="2000" dirty="0"/>
-                        <a:t>Swap neighborhood</a:t>
-                      </a:r>
-                      <a:endParaRPr kumimoji="1" lang="ja-JP" altLang="en-US" sz="2000"/>
-                    </a:p>
-                  </a:txBody>
-                  <a:tcPr/>
-                </a:tc>
-                <a:tc hMerge="1">
-                  <a:txBody>
-                    <a:bodyPr/>
-                    <a:lstStyle/>
-                    <a:p>
-                      <a:pPr algn="ctr"/>
-                      <a:endParaRPr kumimoji="1" lang="ja-JP" altLang="en-US" sz="2000"/>
-                    </a:p>
-                  </a:txBody>
-                  <a:tcPr/>
-                </a:tc>
-                <a:extLst>
-                  <a:ext uri="{0D108BD9-81ED-4DB2-BD59-A6C34878D82A}">
-                    <a16:rowId xmlns:a16="http://schemas.microsoft.com/office/drawing/2014/main" val="3982216832"/>
-                  </a:ext>
-                </a:extLst>
-              </a:tr>
-              <a:tr h="1239287">
-                <a:tc>
-                  <a:txBody>
-                    <a:bodyPr/>
-                    <a:lstStyle/>
-                    <a:p>
-                      <a:pPr algn="ctr"/>
-                      <a:r>
-                        <a:rPr kumimoji="1" lang="en-US" altLang="ja-JP" sz="2000" dirty="0"/>
-                        <a:t>orders</a:t>
-                      </a:r>
-                      <a:endParaRPr kumimoji="1" lang="ja-JP" altLang="en-US" sz="2000"/>
-                    </a:p>
-                  </a:txBody>
-                  <a:tcPr/>
-                </a:tc>
-                <a:tc>
-                  <a:txBody>
-                    <a:bodyPr/>
-                    <a:lstStyle/>
-                    <a:p>
-                      <a:pPr algn="ctr"/>
-                      <a:r>
-                        <a:rPr kumimoji="1" lang="en-US" altLang="ja-JP" sz="2000" dirty="0"/>
-                        <a:t>L </a:t>
-                      </a:r>
-                    </a:p>
-                    <a:p>
-                      <a:pPr algn="ctr"/>
-                      <a:r>
-                        <a:rPr kumimoji="1" lang="en-US" altLang="ja-JP" sz="2000" dirty="0"/>
-                        <a:t>ports</a:t>
-                      </a:r>
-                      <a:endParaRPr kumimoji="1" lang="ja-JP" altLang="en-US" sz="2000"/>
-                    </a:p>
-                  </a:txBody>
-                  <a:tcPr/>
-                </a:tc>
-                <a:tc>
-                  <a:txBody>
-                    <a:bodyPr/>
-                    <a:lstStyle/>
-                    <a:p>
-                      <a:pPr algn="ctr"/>
-                      <a:r>
-                        <a:rPr kumimoji="1" lang="en-US" altLang="ja-JP" sz="2000" dirty="0"/>
-                        <a:t>D </a:t>
-                      </a:r>
-                    </a:p>
-                    <a:p>
-                      <a:pPr algn="ctr"/>
-                      <a:r>
-                        <a:rPr kumimoji="1" lang="en-US" altLang="ja-JP" sz="2000" dirty="0"/>
-                        <a:t>ports</a:t>
-                      </a:r>
-                      <a:endParaRPr kumimoji="1" lang="ja-JP" altLang="en-US" sz="2000"/>
-                    </a:p>
-                  </a:txBody>
-                  <a:tcPr/>
-                </a:tc>
-                <a:tc>
-                  <a:txBody>
-                    <a:bodyPr/>
-                    <a:lstStyle/>
-                    <a:p>
-                      <a:pPr marL="0" marR="0" lvl="0" indent="0" algn="ctr" defTabSz="457200" rtl="0" eaLnBrk="1" fontAlgn="auto" latinLnBrk="0" hangingPunct="1">
-                        <a:lnSpc>
-                          <a:spcPct val="100000"/>
-                        </a:lnSpc>
-                        <a:spcBef>
-                          <a:spcPts val="0"/>
-                        </a:spcBef>
-                        <a:spcAft>
-                          <a:spcPts val="0"/>
-                        </a:spcAft>
-                        <a:buClrTx/>
-                        <a:buSzTx/>
-                        <a:buFontTx/>
-                        <a:buNone/>
-                        <a:tabLst/>
-                        <a:defRPr/>
-                      </a:pPr>
-                      <a:r>
-                        <a:rPr kumimoji="1" lang="en" altLang="ja-JP" sz="2000" dirty="0"/>
-                        <a:t>Value</a:t>
-                      </a:r>
-                      <a:endParaRPr kumimoji="1" lang="ja-JP" altLang="en-US" sz="2000"/>
-                    </a:p>
-                  </a:txBody>
-                  <a:tcPr/>
-                </a:tc>
-                <a:tc>
-                  <a:txBody>
-                    <a:bodyPr/>
-                    <a:lstStyle/>
-                    <a:p>
-                      <a:pPr marL="0" marR="0" lvl="0" indent="0" algn="ctr" defTabSz="457200" rtl="0" eaLnBrk="1" fontAlgn="auto" latinLnBrk="0" hangingPunct="1">
-                        <a:lnSpc>
-                          <a:spcPct val="100000"/>
-                        </a:lnSpc>
-                        <a:spcBef>
-                          <a:spcPts val="0"/>
-                        </a:spcBef>
-                        <a:spcAft>
-                          <a:spcPts val="0"/>
-                        </a:spcAft>
-                        <a:buClrTx/>
-                        <a:buSzTx/>
-                        <a:buFontTx/>
-                        <a:buNone/>
-                        <a:tabLst/>
-                        <a:defRPr/>
-                      </a:pPr>
-                      <a:r>
-                        <a:rPr kumimoji="1" lang="en" altLang="ja-JP" sz="1800" dirty="0"/>
-                        <a:t>Computation time</a:t>
-                      </a:r>
-                    </a:p>
-                  </a:txBody>
-                  <a:tcPr/>
-                </a:tc>
-                <a:tc>
-                  <a:txBody>
-                    <a:bodyPr/>
-                    <a:lstStyle/>
-                    <a:p>
-                      <a:pPr marL="0" marR="0" lvl="0" indent="0" algn="ctr" defTabSz="457200" rtl="0" eaLnBrk="1" fontAlgn="auto" latinLnBrk="0" hangingPunct="1">
-                        <a:lnSpc>
-                          <a:spcPct val="100000"/>
-                        </a:lnSpc>
-                        <a:spcBef>
-                          <a:spcPts val="0"/>
-                        </a:spcBef>
-                        <a:spcAft>
-                          <a:spcPts val="0"/>
-                        </a:spcAft>
-                        <a:buClrTx/>
-                        <a:buSzTx/>
-                        <a:buFontTx/>
-                        <a:buNone/>
-                        <a:tabLst/>
-                        <a:defRPr/>
-                      </a:pPr>
-                      <a:r>
-                        <a:rPr kumimoji="1" lang="en" altLang="ja-JP" sz="2000" dirty="0"/>
-                        <a:t>Value</a:t>
-                      </a:r>
-                      <a:endParaRPr kumimoji="1" lang="ja-JP" altLang="en-US" sz="2000"/>
-                    </a:p>
-                  </a:txBody>
-                  <a:tcPr/>
-                </a:tc>
-                <a:tc>
-                  <a:txBody>
-                    <a:bodyPr/>
-                    <a:lstStyle/>
-                    <a:p>
-                      <a:pPr marL="0" marR="0" lvl="0" indent="0" algn="ctr" defTabSz="457200" rtl="0" eaLnBrk="1" fontAlgn="auto" latinLnBrk="0" hangingPunct="1">
-                        <a:lnSpc>
-                          <a:spcPct val="100000"/>
-                        </a:lnSpc>
-                        <a:spcBef>
-                          <a:spcPts val="0"/>
-                        </a:spcBef>
-                        <a:spcAft>
-                          <a:spcPts val="0"/>
-                        </a:spcAft>
-                        <a:buClrTx/>
-                        <a:buSzTx/>
-                        <a:buFontTx/>
-                        <a:buNone/>
-                        <a:tabLst/>
-                        <a:defRPr/>
-                      </a:pPr>
-                      <a:r>
-                        <a:rPr kumimoji="1" lang="en" altLang="ja-JP" sz="1800" dirty="0"/>
-                        <a:t>Computation </a:t>
-                      </a:r>
-                    </a:p>
-                    <a:p>
-                      <a:pPr marL="0" marR="0" lvl="0" indent="0" algn="ctr" defTabSz="457200" rtl="0" eaLnBrk="1" fontAlgn="auto" latinLnBrk="0" hangingPunct="1">
-                        <a:lnSpc>
-                          <a:spcPct val="100000"/>
-                        </a:lnSpc>
-                        <a:spcBef>
-                          <a:spcPts val="0"/>
-                        </a:spcBef>
-                        <a:spcAft>
-                          <a:spcPts val="0"/>
-                        </a:spcAft>
-                        <a:buClrTx/>
-                        <a:buSzTx/>
-                        <a:buFontTx/>
-                        <a:buNone/>
-                        <a:tabLst/>
-                        <a:defRPr/>
-                      </a:pPr>
-                      <a:r>
-                        <a:rPr kumimoji="1" lang="en" altLang="ja-JP" sz="1800" dirty="0"/>
-                        <a:t>time</a:t>
-                      </a:r>
-                    </a:p>
-                  </a:txBody>
-                  <a:tcPr/>
-                </a:tc>
-                <a:tc>
-                  <a:txBody>
-                    <a:bodyPr/>
-                    <a:lstStyle/>
-                    <a:p>
-                      <a:pPr marL="0" marR="0" lvl="0" indent="0" algn="ctr" defTabSz="457200" rtl="0" eaLnBrk="1" fontAlgn="auto" latinLnBrk="0" hangingPunct="1">
-                        <a:lnSpc>
-                          <a:spcPct val="100000"/>
-                        </a:lnSpc>
-                        <a:spcBef>
-                          <a:spcPts val="0"/>
-                        </a:spcBef>
-                        <a:spcAft>
-                          <a:spcPts val="0"/>
-                        </a:spcAft>
-                        <a:buClrTx/>
-                        <a:buSzTx/>
-                        <a:buFontTx/>
-                        <a:buNone/>
-                        <a:tabLst/>
-                        <a:defRPr/>
-                      </a:pPr>
-                      <a:r>
-                        <a:rPr kumimoji="1" lang="en" altLang="ja-JP" sz="1800" dirty="0"/>
-                        <a:t>Value</a:t>
-                      </a:r>
-                      <a:endParaRPr kumimoji="1" lang="ja-JP" altLang="en-US" sz="1800"/>
-                    </a:p>
-                  </a:txBody>
-                  <a:tcPr/>
-                </a:tc>
-                <a:tc>
-                  <a:txBody>
-                    <a:bodyPr/>
-                    <a:lstStyle/>
-                    <a:p>
-                      <a:pPr marL="0" marR="0" lvl="0" indent="0" algn="ctr" defTabSz="457200" rtl="0" eaLnBrk="1" fontAlgn="auto" latinLnBrk="0" hangingPunct="1">
-                        <a:lnSpc>
-                          <a:spcPct val="100000"/>
-                        </a:lnSpc>
-                        <a:spcBef>
-                          <a:spcPts val="0"/>
-                        </a:spcBef>
-                        <a:spcAft>
-                          <a:spcPts val="0"/>
-                        </a:spcAft>
-                        <a:buClrTx/>
-                        <a:buSzTx/>
-                        <a:buFontTx/>
-                        <a:buNone/>
-                        <a:tabLst/>
-                        <a:defRPr/>
-                      </a:pPr>
-                      <a:r>
-                        <a:rPr kumimoji="1" lang="en" altLang="ja-JP" sz="1800" dirty="0"/>
-                        <a:t>Computation </a:t>
-                      </a:r>
-                    </a:p>
-                    <a:p>
-                      <a:pPr marL="0" marR="0" lvl="0" indent="0" algn="ctr" defTabSz="457200" rtl="0" eaLnBrk="1" fontAlgn="auto" latinLnBrk="0" hangingPunct="1">
-                        <a:lnSpc>
-                          <a:spcPct val="100000"/>
-                        </a:lnSpc>
-                        <a:spcBef>
-                          <a:spcPts val="0"/>
-                        </a:spcBef>
-                        <a:spcAft>
-                          <a:spcPts val="0"/>
-                        </a:spcAft>
-                        <a:buClrTx/>
-                        <a:buSzTx/>
-                        <a:buFontTx/>
-                        <a:buNone/>
-                        <a:tabLst/>
-                        <a:defRPr/>
-                      </a:pPr>
-                      <a:r>
-                        <a:rPr kumimoji="1" lang="en" altLang="ja-JP" sz="1800" dirty="0"/>
-                        <a:t>time</a:t>
-                      </a:r>
-                    </a:p>
-                    <a:p>
-                      <a:pPr marL="0" marR="0" lvl="0" indent="0" algn="ctr" defTabSz="457200" rtl="0" eaLnBrk="1" fontAlgn="auto" latinLnBrk="0" hangingPunct="1">
-                        <a:lnSpc>
-                          <a:spcPct val="100000"/>
-                        </a:lnSpc>
-                        <a:spcBef>
-                          <a:spcPts val="0"/>
-                        </a:spcBef>
-                        <a:spcAft>
-                          <a:spcPts val="0"/>
-                        </a:spcAft>
-                        <a:buClrTx/>
-                        <a:buSzTx/>
-                        <a:buFontTx/>
-                        <a:buNone/>
-                        <a:tabLst/>
-                        <a:defRPr/>
-                      </a:pPr>
-                      <a:endParaRPr kumimoji="1" lang="ja-JP" altLang="en-US" sz="1800"/>
-                    </a:p>
-                  </a:txBody>
-                  <a:tcPr/>
-                </a:tc>
-                <a:extLst>
-                  <a:ext uri="{0D108BD9-81ED-4DB2-BD59-A6C34878D82A}">
-                    <a16:rowId xmlns:a16="http://schemas.microsoft.com/office/drawing/2014/main" val="3667031896"/>
-                  </a:ext>
-                </a:extLst>
-              </a:tr>
-              <a:tr h="463467">
-                <a:tc>
-                  <a:txBody>
-                    <a:bodyPr/>
-                    <a:lstStyle/>
-                    <a:p>
-                      <a:pPr algn="ctr"/>
-                      <a:r>
-                        <a:rPr kumimoji="1" lang="en-US" altLang="ja-JP" sz="2000" dirty="0"/>
-                        <a:t>109</a:t>
-                      </a:r>
-                      <a:endParaRPr kumimoji="1" lang="ja-JP" altLang="en-US" sz="2000"/>
-                    </a:p>
-                  </a:txBody>
-                  <a:tcPr/>
-                </a:tc>
-                <a:tc>
-                  <a:txBody>
-                    <a:bodyPr/>
-                    <a:lstStyle/>
-                    <a:p>
-                      <a:pPr algn="ctr"/>
-                      <a:r>
-                        <a:rPr kumimoji="1" lang="en-US" altLang="ja-JP" sz="2000" dirty="0"/>
-                        <a:t>2</a:t>
-                      </a:r>
-                      <a:endParaRPr kumimoji="1" lang="ja-JP" altLang="en-US" sz="2000"/>
-                    </a:p>
-                  </a:txBody>
-                  <a:tcPr/>
-                </a:tc>
-                <a:tc>
-                  <a:txBody>
-                    <a:bodyPr/>
-                    <a:lstStyle/>
-                    <a:p>
-                      <a:pPr algn="ctr"/>
-                      <a:r>
-                        <a:rPr kumimoji="1" lang="en-US" altLang="ja-JP" sz="2000" dirty="0"/>
-                        <a:t>3</a:t>
-                      </a:r>
-                      <a:endParaRPr kumimoji="1" lang="ja-JP" altLang="en-US" sz="2000"/>
-                    </a:p>
-                  </a:txBody>
-                  <a:tcPr/>
-                </a:tc>
-                <a:tc>
-                  <a:txBody>
-                    <a:bodyPr/>
-                    <a:lstStyle/>
-                    <a:p>
-                      <a:pPr algn="ctr"/>
-                      <a:r>
-                        <a:rPr kumimoji="1" lang="en-US" altLang="ja-JP" sz="2000" dirty="0"/>
-                        <a:t>-2975</a:t>
-                      </a:r>
-                      <a:endParaRPr kumimoji="1" lang="ja-JP" altLang="en-US" sz="2000"/>
-                    </a:p>
-                  </a:txBody>
-                  <a:tcPr/>
-                </a:tc>
-                <a:tc>
-                  <a:txBody>
-                    <a:bodyPr/>
-                    <a:lstStyle/>
-                    <a:p>
-                      <a:pPr algn="ctr"/>
-                      <a:r>
-                        <a:rPr kumimoji="1" lang="en-US" altLang="ja-JP" sz="2000" dirty="0"/>
-                        <a:t>873</a:t>
-                      </a:r>
-                      <a:endParaRPr kumimoji="1" lang="ja-JP" altLang="en-US" sz="2000"/>
-                    </a:p>
-                  </a:txBody>
-                  <a:tcPr/>
-                </a:tc>
-                <a:tc>
-                  <a:txBody>
-                    <a:bodyPr/>
-                    <a:lstStyle/>
-                    <a:p>
-                      <a:pPr algn="ctr"/>
-                      <a:r>
-                        <a:rPr kumimoji="1" lang="en-US" altLang="ja-JP" sz="2000" dirty="0"/>
-                        <a:t>-2318</a:t>
-                      </a:r>
-                      <a:endParaRPr kumimoji="1" lang="ja-JP" altLang="en-US" sz="2000"/>
-                    </a:p>
-                  </a:txBody>
-                  <a:tcPr/>
-                </a:tc>
-                <a:tc>
-                  <a:txBody>
-                    <a:bodyPr/>
-                    <a:lstStyle/>
-                    <a:p>
-                      <a:pPr algn="ctr"/>
-                      <a:r>
-                        <a:rPr kumimoji="1" lang="en-US" altLang="ja-JP" sz="2000" dirty="0"/>
-                        <a:t>309</a:t>
-                      </a:r>
-                      <a:endParaRPr kumimoji="1" lang="ja-JP" altLang="en-US" sz="2000"/>
-                    </a:p>
-                  </a:txBody>
-                  <a:tcPr/>
-                </a:tc>
-                <a:tc>
-                  <a:txBody>
-                    <a:bodyPr/>
-                    <a:lstStyle/>
-                    <a:p>
-                      <a:pPr algn="ctr"/>
-                      <a:r>
-                        <a:rPr kumimoji="1" lang="en-US" altLang="ja-JP" sz="2000" dirty="0"/>
-                        <a:t>-1585</a:t>
-                      </a:r>
-                      <a:endParaRPr kumimoji="1" lang="ja-JP" altLang="en-US" sz="2000"/>
-                    </a:p>
-                  </a:txBody>
-                  <a:tcPr/>
-                </a:tc>
-                <a:tc>
-                  <a:txBody>
-                    <a:bodyPr/>
-                    <a:lstStyle/>
-                    <a:p>
-                      <a:pPr algn="ctr"/>
-                      <a:r>
-                        <a:rPr kumimoji="1" lang="en-US" altLang="ja-JP" sz="2000" dirty="0"/>
-                        <a:t>1143</a:t>
-                      </a:r>
-                      <a:endParaRPr kumimoji="1" lang="ja-JP" altLang="en-US" sz="2000"/>
-                    </a:p>
-                  </a:txBody>
-                  <a:tcPr/>
-                </a:tc>
-                <a:extLst>
-                  <a:ext uri="{0D108BD9-81ED-4DB2-BD59-A6C34878D82A}">
-                    <a16:rowId xmlns:a16="http://schemas.microsoft.com/office/drawing/2014/main" val="2690316513"/>
-                  </a:ext>
-                </a:extLst>
-              </a:tr>
-              <a:tr h="463467">
-                <a:tc>
-                  <a:txBody>
-                    <a:bodyPr/>
-                    <a:lstStyle/>
-                    <a:p>
-                      <a:pPr algn="ctr"/>
-                      <a:r>
-                        <a:rPr kumimoji="1" lang="en-US" altLang="ja-JP" sz="2000" dirty="0"/>
-                        <a:t>109</a:t>
-                      </a:r>
-                      <a:endParaRPr kumimoji="1" lang="ja-JP" altLang="en-US" sz="2000"/>
-                    </a:p>
-                  </a:txBody>
-                  <a:tcPr/>
-                </a:tc>
-                <a:tc>
-                  <a:txBody>
-                    <a:bodyPr/>
-                    <a:lstStyle/>
-                    <a:p>
-                      <a:pPr algn="ctr"/>
-                      <a:r>
-                        <a:rPr kumimoji="1" lang="en-US" altLang="ja-JP" sz="2000" dirty="0"/>
-                        <a:t>2</a:t>
-                      </a:r>
-                    </a:p>
-                  </a:txBody>
-                  <a:tcPr/>
-                </a:tc>
-                <a:tc>
-                  <a:txBody>
-                    <a:bodyPr/>
-                    <a:lstStyle/>
-                    <a:p>
-                      <a:pPr algn="ctr"/>
-                      <a:r>
-                        <a:rPr kumimoji="1" lang="en-US" altLang="ja-JP" sz="2000" dirty="0"/>
-                        <a:t>5</a:t>
-                      </a:r>
-                      <a:endParaRPr kumimoji="1" lang="ja-JP" altLang="en-US" sz="2000"/>
-                    </a:p>
-                  </a:txBody>
-                  <a:tcPr/>
-                </a:tc>
-                <a:tc>
-                  <a:txBody>
-                    <a:bodyPr/>
-                    <a:lstStyle/>
-                    <a:p>
-                      <a:pPr algn="ctr"/>
-                      <a:r>
-                        <a:rPr kumimoji="1" lang="en-US" altLang="ja-JP" sz="2000" dirty="0"/>
-                        <a:t>-1167</a:t>
-                      </a:r>
-                      <a:endParaRPr kumimoji="1" lang="ja-JP" altLang="en-US" sz="2000"/>
-                    </a:p>
-                  </a:txBody>
-                  <a:tcPr/>
-                </a:tc>
-                <a:tc>
-                  <a:txBody>
-                    <a:bodyPr/>
-                    <a:lstStyle/>
-                    <a:p>
-                      <a:pPr algn="ctr"/>
-                      <a:r>
-                        <a:rPr kumimoji="1" lang="en-US" altLang="ja-JP" sz="2000" dirty="0"/>
-                        <a:t>938</a:t>
-                      </a:r>
-                      <a:endParaRPr kumimoji="1" lang="ja-JP" altLang="en-US" sz="2000"/>
-                    </a:p>
-                  </a:txBody>
-                  <a:tcPr/>
-                </a:tc>
-                <a:tc>
-                  <a:txBody>
-                    <a:bodyPr/>
-                    <a:lstStyle/>
-                    <a:p>
-                      <a:pPr algn="ctr"/>
-                      <a:r>
-                        <a:rPr kumimoji="1" lang="en-US" altLang="ja-JP" sz="2000" dirty="0"/>
-                        <a:t>-831</a:t>
-                      </a:r>
-                      <a:endParaRPr kumimoji="1" lang="ja-JP" altLang="en-US" sz="2000"/>
-                    </a:p>
-                  </a:txBody>
-                  <a:tcPr/>
-                </a:tc>
-                <a:tc>
-                  <a:txBody>
-                    <a:bodyPr/>
-                    <a:lstStyle/>
-                    <a:p>
-                      <a:pPr algn="ctr"/>
-                      <a:r>
-                        <a:rPr kumimoji="1" lang="en-US" altLang="ja-JP" sz="2000" dirty="0"/>
-                        <a:t>689</a:t>
-                      </a:r>
-                      <a:endParaRPr kumimoji="1" lang="ja-JP" altLang="en-US" sz="2000"/>
-                    </a:p>
-                  </a:txBody>
-                  <a:tcPr/>
-                </a:tc>
-                <a:tc>
-                  <a:txBody>
-                    <a:bodyPr/>
-                    <a:lstStyle/>
-                    <a:p>
-                      <a:pPr algn="ctr"/>
-                      <a:r>
-                        <a:rPr kumimoji="1" lang="en-US" altLang="ja-JP" sz="2000" dirty="0"/>
-                        <a:t>-1991</a:t>
-                      </a:r>
-                      <a:endParaRPr kumimoji="1" lang="ja-JP" altLang="en-US" sz="2000"/>
-                    </a:p>
-                  </a:txBody>
-                  <a:tcPr/>
-                </a:tc>
-                <a:tc>
-                  <a:txBody>
-                    <a:bodyPr/>
-                    <a:lstStyle/>
-                    <a:p>
-                      <a:pPr algn="ctr"/>
-                      <a:r>
-                        <a:rPr kumimoji="1" lang="en-US" altLang="ja-JP" sz="2000" dirty="0"/>
-                        <a:t>1287</a:t>
-                      </a:r>
-                      <a:endParaRPr kumimoji="1" lang="ja-JP" altLang="en-US" sz="2000"/>
-                    </a:p>
-                  </a:txBody>
-                  <a:tcPr/>
-                </a:tc>
-                <a:extLst>
-                  <a:ext uri="{0D108BD9-81ED-4DB2-BD59-A6C34878D82A}">
-                    <a16:rowId xmlns:a16="http://schemas.microsoft.com/office/drawing/2014/main" val="323683789"/>
-                  </a:ext>
-                </a:extLst>
-              </a:tr>
-              <a:tr h="463467">
-                <a:tc>
-                  <a:txBody>
-                    <a:bodyPr/>
-                    <a:lstStyle/>
-                    <a:p>
-                      <a:pPr algn="ctr"/>
-                      <a:r>
-                        <a:rPr kumimoji="1" lang="en-US" altLang="ja-JP" sz="2000" dirty="0"/>
-                        <a:t>109</a:t>
-                      </a:r>
-                      <a:endParaRPr kumimoji="1" lang="ja-JP" altLang="en-US" sz="2000"/>
-                    </a:p>
-                  </a:txBody>
-                  <a:tcPr/>
-                </a:tc>
-                <a:tc>
-                  <a:txBody>
-                    <a:bodyPr/>
-                    <a:lstStyle/>
-                    <a:p>
-                      <a:pPr algn="ctr"/>
-                      <a:r>
-                        <a:rPr kumimoji="1" lang="en-US" altLang="ja-JP" sz="2000" dirty="0"/>
-                        <a:t>4</a:t>
-                      </a:r>
-                    </a:p>
-                  </a:txBody>
-                  <a:tcPr/>
-                </a:tc>
-                <a:tc>
-                  <a:txBody>
-                    <a:bodyPr/>
-                    <a:lstStyle/>
-                    <a:p>
-                      <a:pPr algn="ctr"/>
-                      <a:r>
-                        <a:rPr kumimoji="1" lang="en-US" altLang="ja-JP" sz="2000" dirty="0"/>
-                        <a:t>3</a:t>
-                      </a:r>
-                      <a:endParaRPr kumimoji="1" lang="ja-JP" altLang="en-US" sz="2000"/>
-                    </a:p>
-                  </a:txBody>
-                  <a:tcPr/>
-                </a:tc>
-                <a:tc>
-                  <a:txBody>
-                    <a:bodyPr/>
-                    <a:lstStyle/>
-                    <a:p>
-                      <a:pPr algn="ctr"/>
-                      <a:r>
-                        <a:rPr kumimoji="1" lang="en-US" altLang="ja-JP" sz="2000" dirty="0"/>
-                        <a:t>-1378</a:t>
-                      </a:r>
-                      <a:endParaRPr kumimoji="1" lang="ja-JP" altLang="en-US" sz="2000"/>
-                    </a:p>
-                  </a:txBody>
-                  <a:tcPr/>
-                </a:tc>
-                <a:tc>
-                  <a:txBody>
-                    <a:bodyPr/>
-                    <a:lstStyle/>
-                    <a:p>
-                      <a:pPr algn="ctr"/>
-                      <a:r>
-                        <a:rPr kumimoji="1" lang="en-US" altLang="ja-JP" sz="2000" dirty="0"/>
-                        <a:t>728</a:t>
-                      </a:r>
-                      <a:endParaRPr kumimoji="1" lang="ja-JP" altLang="en-US" sz="2000"/>
-                    </a:p>
-                  </a:txBody>
-                  <a:tcPr/>
-                </a:tc>
-                <a:tc>
-                  <a:txBody>
-                    <a:bodyPr/>
-                    <a:lstStyle/>
-                    <a:p>
-                      <a:pPr algn="ctr"/>
-                      <a:r>
-                        <a:rPr kumimoji="1" lang="en-US" altLang="ja-JP" sz="2000" dirty="0"/>
-                        <a:t>-1021</a:t>
-                      </a:r>
-                      <a:endParaRPr kumimoji="1" lang="ja-JP" altLang="en-US" sz="2000"/>
-                    </a:p>
-                  </a:txBody>
-                  <a:tcPr/>
-                </a:tc>
-                <a:tc>
-                  <a:txBody>
-                    <a:bodyPr/>
-                    <a:lstStyle/>
-                    <a:p>
-                      <a:pPr algn="ctr"/>
-                      <a:r>
-                        <a:rPr kumimoji="1" lang="en-US" altLang="ja-JP" sz="2000" dirty="0"/>
-                        <a:t>223</a:t>
-                      </a:r>
-                      <a:endParaRPr kumimoji="1" lang="ja-JP" altLang="en-US" sz="2000"/>
-                    </a:p>
-                  </a:txBody>
-                  <a:tcPr/>
-                </a:tc>
-                <a:tc>
-                  <a:txBody>
-                    <a:bodyPr/>
-                    <a:lstStyle/>
-                    <a:p>
-                      <a:pPr algn="ctr"/>
-                      <a:r>
-                        <a:rPr kumimoji="1" lang="en-US" altLang="ja-JP" sz="2000" dirty="0"/>
-                        <a:t>-489</a:t>
-                      </a:r>
-                      <a:endParaRPr kumimoji="1" lang="ja-JP" altLang="en-US" sz="2000"/>
-                    </a:p>
-                  </a:txBody>
-                  <a:tcPr/>
-                </a:tc>
-                <a:tc>
-                  <a:txBody>
-                    <a:bodyPr/>
-                    <a:lstStyle/>
-                    <a:p>
-                      <a:pPr algn="ctr"/>
-                      <a:r>
-                        <a:rPr kumimoji="1" lang="en-US" altLang="ja-JP" sz="2000" dirty="0"/>
-                        <a:t>1091</a:t>
-                      </a:r>
-                      <a:endParaRPr kumimoji="1" lang="ja-JP" altLang="en-US" sz="2000"/>
-                    </a:p>
-                  </a:txBody>
-                  <a:tcPr/>
-                </a:tc>
-                <a:extLst>
-                  <a:ext uri="{0D108BD9-81ED-4DB2-BD59-A6C34878D82A}">
-                    <a16:rowId xmlns:a16="http://schemas.microsoft.com/office/drawing/2014/main" val="1536353699"/>
-                  </a:ext>
-                </a:extLst>
-              </a:tr>
-              <a:tr h="463467">
-                <a:tc>
-                  <a:txBody>
-                    <a:bodyPr/>
-                    <a:lstStyle/>
-                    <a:p>
-                      <a:pPr algn="ctr"/>
-                      <a:r>
-                        <a:rPr kumimoji="1" lang="en-US" altLang="ja-JP" sz="2000" dirty="0"/>
-                        <a:t>250</a:t>
-                      </a:r>
-                      <a:endParaRPr kumimoji="1" lang="ja-JP" altLang="en-US" sz="2000"/>
-                    </a:p>
-                  </a:txBody>
-                  <a:tcPr/>
-                </a:tc>
-                <a:tc>
-                  <a:txBody>
-                    <a:bodyPr/>
-                    <a:lstStyle/>
-                    <a:p>
-                      <a:pPr algn="ctr"/>
-                      <a:r>
-                        <a:rPr kumimoji="1" lang="en-US" altLang="ja-JP" sz="2000" dirty="0"/>
-                        <a:t>2</a:t>
-                      </a:r>
-                      <a:endParaRPr kumimoji="1" lang="ja-JP" altLang="en-US" sz="2000"/>
-                    </a:p>
-                  </a:txBody>
-                  <a:tcPr/>
-                </a:tc>
-                <a:tc>
-                  <a:txBody>
-                    <a:bodyPr/>
-                    <a:lstStyle/>
-                    <a:p>
-                      <a:pPr algn="ctr"/>
-                      <a:r>
-                        <a:rPr kumimoji="1" lang="en-US" altLang="ja-JP" sz="2000" dirty="0"/>
-                        <a:t>3</a:t>
-                      </a:r>
-                      <a:endParaRPr kumimoji="1" lang="ja-JP" altLang="en-US" sz="2000"/>
-                    </a:p>
-                  </a:txBody>
-                  <a:tcPr/>
-                </a:tc>
-                <a:tc>
-                  <a:txBody>
-                    <a:bodyPr/>
-                    <a:lstStyle/>
-                    <a:p>
-                      <a:pPr algn="ctr"/>
-                      <a:r>
-                        <a:rPr kumimoji="1" lang="en-US" altLang="ja-JP" sz="2000" dirty="0"/>
-                        <a:t>-2235</a:t>
-                      </a:r>
-                      <a:endParaRPr kumimoji="1" lang="ja-JP" altLang="en-US" sz="2000"/>
-                    </a:p>
-                  </a:txBody>
-                  <a:tcPr/>
-                </a:tc>
-                <a:tc>
-                  <a:txBody>
-                    <a:bodyPr/>
-                    <a:lstStyle/>
-                    <a:p>
-                      <a:pPr algn="ctr"/>
-                      <a:r>
-                        <a:rPr kumimoji="1" lang="en-US" altLang="ja-JP" sz="2000" dirty="0"/>
-                        <a:t>3069</a:t>
-                      </a:r>
-                      <a:endParaRPr kumimoji="1" lang="ja-JP" altLang="en-US" sz="2000"/>
-                    </a:p>
-                  </a:txBody>
-                  <a:tcPr/>
-                </a:tc>
-                <a:tc>
-                  <a:txBody>
-                    <a:bodyPr/>
-                    <a:lstStyle/>
-                    <a:p>
-                      <a:pPr algn="ctr"/>
-                      <a:r>
-                        <a:rPr kumimoji="1" lang="en-US" altLang="ja-JP" sz="2000" dirty="0"/>
-                        <a:t>-1554</a:t>
-                      </a:r>
-                      <a:endParaRPr kumimoji="1" lang="ja-JP" altLang="en-US" sz="2000"/>
-                    </a:p>
-                  </a:txBody>
-                  <a:tcPr/>
-                </a:tc>
-                <a:tc>
-                  <a:txBody>
-                    <a:bodyPr/>
-                    <a:lstStyle/>
-                    <a:p>
-                      <a:pPr algn="ctr"/>
-                      <a:r>
-                        <a:rPr kumimoji="1" lang="en-US" altLang="ja-JP" sz="2000" dirty="0"/>
-                        <a:t>747</a:t>
-                      </a:r>
-                      <a:endParaRPr kumimoji="1" lang="ja-JP" altLang="en-US" sz="2000"/>
-                    </a:p>
-                  </a:txBody>
-                  <a:tcPr/>
-                </a:tc>
-                <a:tc>
-                  <a:txBody>
-                    <a:bodyPr/>
-                    <a:lstStyle/>
-                    <a:p>
-                      <a:pPr algn="ctr"/>
-                      <a:r>
-                        <a:rPr kumimoji="1" lang="en-US" altLang="ja-JP" sz="2000" dirty="0"/>
-                        <a:t>-2489</a:t>
-                      </a:r>
-                      <a:endParaRPr kumimoji="1" lang="ja-JP" altLang="en-US" sz="2000"/>
-                    </a:p>
-                  </a:txBody>
-                  <a:tcPr/>
-                </a:tc>
-                <a:tc>
-                  <a:txBody>
-                    <a:bodyPr/>
-                    <a:lstStyle/>
-                    <a:p>
-                      <a:pPr algn="ctr"/>
-                      <a:r>
-                        <a:rPr kumimoji="1" lang="en-US" altLang="ja-JP" sz="2000" dirty="0"/>
-                        <a:t>3884</a:t>
-                      </a:r>
-                      <a:endParaRPr kumimoji="1" lang="ja-JP" altLang="en-US" sz="2000"/>
-                    </a:p>
-                  </a:txBody>
-                  <a:tcPr/>
-                </a:tc>
-                <a:extLst>
-                  <a:ext uri="{0D108BD9-81ED-4DB2-BD59-A6C34878D82A}">
-                    <a16:rowId xmlns:a16="http://schemas.microsoft.com/office/drawing/2014/main" val="342577522"/>
-                  </a:ext>
-                </a:extLst>
-              </a:tr>
-              <a:tr h="463467">
-                <a:tc>
-                  <a:txBody>
-                    <a:bodyPr/>
-                    <a:lstStyle/>
-                    <a:p>
-                      <a:pPr algn="ctr"/>
-                      <a:r>
-                        <a:rPr kumimoji="1" lang="en-US" altLang="ja-JP" sz="2000" dirty="0"/>
-                        <a:t>200</a:t>
-                      </a:r>
-                      <a:endParaRPr kumimoji="1" lang="ja-JP" altLang="en-US" sz="2000"/>
-                    </a:p>
-                  </a:txBody>
-                  <a:tcPr/>
-                </a:tc>
-                <a:tc>
-                  <a:txBody>
-                    <a:bodyPr/>
-                    <a:lstStyle/>
-                    <a:p>
-                      <a:pPr algn="ctr"/>
-                      <a:r>
-                        <a:rPr kumimoji="1" lang="en-US" altLang="ja-JP" sz="2000" dirty="0"/>
-                        <a:t>2</a:t>
-                      </a:r>
-                    </a:p>
-                  </a:txBody>
-                  <a:tcPr/>
-                </a:tc>
-                <a:tc>
-                  <a:txBody>
-                    <a:bodyPr/>
-                    <a:lstStyle/>
-                    <a:p>
-                      <a:pPr algn="ctr"/>
-                      <a:r>
-                        <a:rPr kumimoji="1" lang="en-US" altLang="ja-JP" sz="2000" dirty="0"/>
-                        <a:t>3</a:t>
-                      </a:r>
-                      <a:endParaRPr kumimoji="1" lang="ja-JP" altLang="en-US" sz="2000"/>
-                    </a:p>
-                  </a:txBody>
-                  <a:tcPr/>
-                </a:tc>
-                <a:tc>
-                  <a:txBody>
-                    <a:bodyPr/>
-                    <a:lstStyle/>
-                    <a:p>
-                      <a:pPr algn="ctr"/>
-                      <a:r>
-                        <a:rPr kumimoji="1" lang="en-US" altLang="ja-JP" sz="2000" dirty="0"/>
-                        <a:t>4377</a:t>
-                      </a:r>
-                      <a:endParaRPr kumimoji="1" lang="ja-JP" altLang="en-US" sz="2000"/>
-                    </a:p>
-                  </a:txBody>
-                  <a:tcPr/>
-                </a:tc>
-                <a:tc>
-                  <a:txBody>
-                    <a:bodyPr/>
-                    <a:lstStyle/>
-                    <a:p>
-                      <a:pPr algn="ctr"/>
-                      <a:r>
-                        <a:rPr kumimoji="1" lang="en-US" altLang="ja-JP" sz="2000" dirty="0"/>
-                        <a:t>6481</a:t>
-                      </a:r>
-                      <a:endParaRPr kumimoji="1" lang="ja-JP" altLang="en-US" sz="2000"/>
-                    </a:p>
-                  </a:txBody>
-                  <a:tcPr/>
-                </a:tc>
-                <a:tc>
-                  <a:txBody>
-                    <a:bodyPr/>
-                    <a:lstStyle/>
-                    <a:p>
-                      <a:pPr algn="ctr"/>
-                      <a:r>
-                        <a:rPr kumimoji="1" lang="en-US" altLang="ja-JP" sz="2000" dirty="0"/>
-                        <a:t>12720</a:t>
-                      </a:r>
-                      <a:endParaRPr kumimoji="1" lang="ja-JP" altLang="en-US" sz="2000"/>
-                    </a:p>
-                  </a:txBody>
-                  <a:tcPr/>
-                </a:tc>
-                <a:tc>
-                  <a:txBody>
-                    <a:bodyPr/>
-                    <a:lstStyle/>
-                    <a:p>
-                      <a:pPr algn="ctr"/>
-                      <a:r>
-                        <a:rPr kumimoji="1" lang="en-US" altLang="ja-JP" sz="2000" dirty="0"/>
-                        <a:t>1859</a:t>
-                      </a:r>
-                      <a:endParaRPr kumimoji="1" lang="ja-JP" altLang="en-US" sz="2000"/>
-                    </a:p>
-                  </a:txBody>
-                  <a:tcPr/>
-                </a:tc>
-                <a:tc>
-                  <a:txBody>
-                    <a:bodyPr/>
-                    <a:lstStyle/>
-                    <a:p>
-                      <a:pPr algn="ctr"/>
-                      <a:r>
-                        <a:rPr kumimoji="1" lang="en-US" altLang="ja-JP" sz="2000" dirty="0"/>
-                        <a:t>10648</a:t>
-                      </a:r>
-                      <a:endParaRPr kumimoji="1" lang="ja-JP" altLang="en-US" sz="2000"/>
-                    </a:p>
-                  </a:txBody>
-                  <a:tcPr/>
-                </a:tc>
-                <a:tc>
-                  <a:txBody>
-                    <a:bodyPr/>
-                    <a:lstStyle/>
-                    <a:p>
-                      <a:pPr algn="ctr"/>
-                      <a:r>
-                        <a:rPr kumimoji="1" lang="en-US" altLang="ja-JP" sz="2000" dirty="0"/>
-                        <a:t>4927</a:t>
-                      </a:r>
-                      <a:endParaRPr kumimoji="1" lang="ja-JP" altLang="en-US" sz="2000"/>
-                    </a:p>
-                  </a:txBody>
-                  <a:tcPr/>
-                </a:tc>
-                <a:extLst>
-                  <a:ext uri="{0D108BD9-81ED-4DB2-BD59-A6C34878D82A}">
-                    <a16:rowId xmlns:a16="http://schemas.microsoft.com/office/drawing/2014/main" val="2295892714"/>
-                  </a:ext>
-                </a:extLst>
-              </a:tr>
-              <a:tr h="463467">
-                <a:tc>
-                  <a:txBody>
-                    <a:bodyPr/>
-                    <a:lstStyle/>
-                    <a:p>
-                      <a:pPr algn="ctr"/>
-                      <a:r>
-                        <a:rPr kumimoji="1" lang="en-US" altLang="ja-JP" sz="2000" dirty="0"/>
-                        <a:t>350</a:t>
-                      </a:r>
-                      <a:endParaRPr kumimoji="1" lang="ja-JP" altLang="en-US" sz="2000"/>
-                    </a:p>
-                  </a:txBody>
-                  <a:tcPr/>
-                </a:tc>
-                <a:tc>
-                  <a:txBody>
-                    <a:bodyPr/>
-                    <a:lstStyle/>
-                    <a:p>
-                      <a:pPr algn="ctr"/>
-                      <a:r>
-                        <a:rPr kumimoji="1" lang="en-US" altLang="ja-JP" sz="2000" dirty="0"/>
-                        <a:t>2</a:t>
-                      </a:r>
-                      <a:endParaRPr kumimoji="1" lang="ja-JP" altLang="en-US" sz="2000"/>
-                    </a:p>
-                  </a:txBody>
-                  <a:tcPr/>
-                </a:tc>
-                <a:tc>
-                  <a:txBody>
-                    <a:bodyPr/>
-                    <a:lstStyle/>
-                    <a:p>
-                      <a:pPr algn="ctr"/>
-                      <a:r>
-                        <a:rPr kumimoji="1" lang="en-US" altLang="ja-JP" sz="2000" dirty="0"/>
-                        <a:t>3</a:t>
-                      </a:r>
-                      <a:endParaRPr kumimoji="1" lang="ja-JP" altLang="en-US" sz="2000"/>
-                    </a:p>
-                  </a:txBody>
-                  <a:tcPr/>
-                </a:tc>
-                <a:tc>
-                  <a:txBody>
-                    <a:bodyPr/>
-                    <a:lstStyle/>
-                    <a:p>
-                      <a:pPr algn="ctr"/>
-                      <a:r>
-                        <a:rPr kumimoji="1" lang="en-US" altLang="ja-JP" sz="2000" dirty="0"/>
-                        <a:t>4434</a:t>
-                      </a:r>
-                      <a:endParaRPr kumimoji="1" lang="ja-JP" altLang="en-US" sz="2000"/>
-                    </a:p>
-                  </a:txBody>
-                  <a:tcPr/>
-                </a:tc>
-                <a:tc>
-                  <a:txBody>
-                    <a:bodyPr/>
-                    <a:lstStyle/>
-                    <a:p>
-                      <a:pPr algn="ctr"/>
-                      <a:r>
-                        <a:rPr kumimoji="1" lang="en-US" altLang="ja-JP" sz="2000" dirty="0"/>
-                        <a:t>19219</a:t>
-                      </a:r>
-                    </a:p>
-                  </a:txBody>
-                  <a:tcPr/>
-                </a:tc>
-                <a:tc>
-                  <a:txBody>
-                    <a:bodyPr/>
-                    <a:lstStyle/>
-                    <a:p>
-                      <a:pPr algn="ctr"/>
-                      <a:r>
-                        <a:rPr kumimoji="1" lang="en-US" altLang="ja-JP" sz="2000" dirty="0"/>
-                        <a:t>5790</a:t>
-                      </a:r>
-                      <a:endParaRPr kumimoji="1" lang="ja-JP" altLang="en-US" sz="2000"/>
-                    </a:p>
-                  </a:txBody>
-                  <a:tcPr/>
-                </a:tc>
-                <a:tc>
-                  <a:txBody>
-                    <a:bodyPr/>
-                    <a:lstStyle/>
-                    <a:p>
-                      <a:pPr algn="ctr"/>
-                      <a:r>
-                        <a:rPr kumimoji="1" lang="en-US" altLang="ja-JP" sz="2000" dirty="0"/>
-                        <a:t>5087</a:t>
-                      </a:r>
-                    </a:p>
-                  </a:txBody>
-                  <a:tcPr/>
-                </a:tc>
-                <a:tc>
-                  <a:txBody>
-                    <a:bodyPr/>
-                    <a:lstStyle/>
-                    <a:p>
-                      <a:pPr algn="ctr"/>
-                      <a:r>
-                        <a:rPr kumimoji="1" lang="en-US" altLang="ja-JP" sz="2000" dirty="0"/>
-                        <a:t>3555</a:t>
-                      </a:r>
-                    </a:p>
-                  </a:txBody>
-                  <a:tcPr/>
-                </a:tc>
-                <a:tc>
-                  <a:txBody>
-                    <a:bodyPr/>
-                    <a:lstStyle/>
-                    <a:p>
-                      <a:pPr algn="ctr"/>
-                      <a:r>
-                        <a:rPr kumimoji="1" lang="en-US" altLang="ja-JP" sz="2000" dirty="0"/>
-                        <a:t>18632</a:t>
-                      </a:r>
-                    </a:p>
-                  </a:txBody>
-                  <a:tcPr/>
-                </a:tc>
-                <a:extLst>
-                  <a:ext uri="{0D108BD9-81ED-4DB2-BD59-A6C34878D82A}">
-                    <a16:rowId xmlns:a16="http://schemas.microsoft.com/office/drawing/2014/main" val="458223093"/>
-                  </a:ext>
-                </a:extLst>
-              </a:tr>
-            </a:tbl>
-          </a:graphicData>
-        </a:graphic>
-      </p:graphicFrame>
-    </p:spTree>
-    <p:extLst>
-      <p:ext uri="{BB962C8B-B14F-4D97-AF65-F5344CB8AC3E}">
-        <p14:creationId xmlns:p14="http://schemas.microsoft.com/office/powerpoint/2010/main" val="1948372685"/>
-      </p:ext>
-    </p:extLst>
-  </p:cSld>
-  <p:clrMapOvr>
-    <a:masterClrMapping/>
-  </p:clrMapOvr>
-</p:sld>
-</file>
-
-<file path=ppt/slides/slide58.xml><?xml version="1.0" encoding="utf-8"?>
-<p:sld xmlns:a="http://schemas.openxmlformats.org/drawingml/2006/main" xmlns:r="http://schemas.openxmlformats.org/officeDocument/2006/relationships" xmlns:p="http://schemas.openxmlformats.org/presentationml/2006/main">
-  <p:cSld>
-    <p:spTree>
-      <p:nvGrpSpPr>
-        <p:cNvPr id="1" name=""/>
-        <p:cNvGrpSpPr/>
-        <p:nvPr/>
-      </p:nvGrpSpPr>
-      <p:grpSpPr>
-        <a:xfrm>
-          <a:off x="0" y="0"/>
-          <a:ext cx="0" cy="0"/>
-          <a:chOff x="0" y="0"/>
-          <a:chExt cx="0" cy="0"/>
-        </a:xfrm>
-      </p:grpSpPr>
-      <p:sp>
-        <p:nvSpPr>
-          <p:cNvPr id="2" name="タイトル 1">
-            <a:extLst>
-              <a:ext uri="{FF2B5EF4-FFF2-40B4-BE49-F238E27FC236}">
-                <a16:creationId xmlns:a16="http://schemas.microsoft.com/office/drawing/2014/main" id="{6A4DC8E6-C232-9044-B457-1796E5A8E670}"/>
-              </a:ext>
-            </a:extLst>
-          </p:cNvPr>
-          <p:cNvSpPr>
-            <a:spLocks noGrp="1"/>
-          </p:cNvSpPr>
-          <p:nvPr>
-            <p:ph type="title"/>
-          </p:nvPr>
-        </p:nvSpPr>
-        <p:spPr/>
-        <p:txBody>
-          <a:bodyPr/>
-          <a:lstStyle/>
-          <a:p>
-            <a:r>
-              <a:rPr lang="en-US" altLang="ja-JP" dirty="0"/>
-              <a:t>Neighborhood comparison</a:t>
-            </a:r>
-            <a:endParaRPr kumimoji="1" lang="ja-JP" altLang="en-US"/>
-          </a:p>
-        </p:txBody>
-      </p:sp>
-      <p:sp>
-        <p:nvSpPr>
-          <p:cNvPr id="3" name="コンテンツ プレースホルダー 2">
-            <a:extLst>
-              <a:ext uri="{FF2B5EF4-FFF2-40B4-BE49-F238E27FC236}">
-                <a16:creationId xmlns:a16="http://schemas.microsoft.com/office/drawing/2014/main" id="{157B0EF1-67CA-DE4C-BC6C-1674F87CADE2}"/>
-              </a:ext>
-            </a:extLst>
-          </p:cNvPr>
-          <p:cNvSpPr>
-            <a:spLocks noGrp="1"/>
-          </p:cNvSpPr>
-          <p:nvPr>
-            <p:ph idx="1"/>
-          </p:nvPr>
-        </p:nvSpPr>
-        <p:spPr/>
-        <p:txBody>
-          <a:bodyPr>
-            <a:normAutofit/>
-          </a:bodyPr>
-          <a:lstStyle/>
-          <a:p>
-            <a:r>
-              <a:rPr lang="en" altLang="ja-JP" sz="2400" dirty="0"/>
-              <a:t>we tend to get better results using both neighborhoods.</a:t>
-            </a:r>
-          </a:p>
-          <a:p>
-            <a:r>
-              <a:rPr lang="en" altLang="ja-JP" sz="2400" dirty="0"/>
-              <a:t>It takes more time to use the swap neighborhood.</a:t>
-            </a:r>
-          </a:p>
-          <a:p>
-            <a:pPr lvl="1"/>
-            <a:r>
-              <a:rPr lang="en" altLang="ja-JP" sz="2200" dirty="0"/>
-              <a:t>due to the difference in size</a:t>
-            </a:r>
-            <a:r>
-              <a:rPr lang="en-US" altLang="ja-JP" sz="2200" dirty="0"/>
-              <a:t> of neighborhood</a:t>
-            </a:r>
-            <a:endParaRPr lang="en" altLang="ja-JP" sz="2200" dirty="0"/>
-          </a:p>
-          <a:p>
-            <a:endParaRPr lang="en" altLang="ja-JP" sz="2400" dirty="0"/>
-          </a:p>
-          <a:p>
-            <a:r>
-              <a:rPr lang="en" altLang="ja-JP" sz="2400" dirty="0"/>
-              <a:t>The results were close to our expectations.</a:t>
-            </a:r>
-          </a:p>
-        </p:txBody>
-      </p:sp>
-    </p:spTree>
-    <p:extLst>
-      <p:ext uri="{BB962C8B-B14F-4D97-AF65-F5344CB8AC3E}">
-        <p14:creationId xmlns:p14="http://schemas.microsoft.com/office/powerpoint/2010/main" val="1269823973"/>
-      </p:ext>
-    </p:extLst>
-  </p:cSld>
-  <p:clrMapOvr>
-    <a:masterClrMapping/>
-  </p:clrMapOvr>
-</p:sld>
-</file>
-
-<file path=ppt/slides/slide59.xml><?xml version="1.0" encoding="utf-8"?>
-<p:sld xmlns:a="http://schemas.openxmlformats.org/drawingml/2006/main" xmlns:r="http://schemas.openxmlformats.org/officeDocument/2006/relationships" xmlns:p="http://schemas.openxmlformats.org/presentationml/2006/main">
-  <p:cSld>
-    <p:spTree>
-      <p:nvGrpSpPr>
-        <p:cNvPr id="1" name=""/>
-        <p:cNvGrpSpPr/>
-        <p:nvPr/>
-      </p:nvGrpSpPr>
-      <p:grpSpPr>
-        <a:xfrm>
-          <a:off x="0" y="0"/>
-          <a:ext cx="0" cy="0"/>
-          <a:chOff x="0" y="0"/>
-          <a:chExt cx="0" cy="0"/>
-        </a:xfrm>
-      </p:grpSpPr>
-      <p:sp>
-        <p:nvSpPr>
-          <p:cNvPr id="2" name="タイトル 1">
-            <a:extLst>
-              <a:ext uri="{FF2B5EF4-FFF2-40B4-BE49-F238E27FC236}">
                 <a16:creationId xmlns:a16="http://schemas.microsoft.com/office/drawing/2014/main" id="{7A74A867-EBEB-2F4D-8265-67DD34FA45C3}"/>
               </a:ext>
             </a:extLst>
@@ -28885,13 +27020,6 @@
             <a:pPr lvl="1"/>
             <a:r>
               <a:rPr lang="en" altLang="ja-JP" sz="2200" dirty="0"/>
-              <a:t>we confirmed that the computation time can be reduced.</a:t>
-            </a:r>
-          </a:p>
-          <a:p>
-            <a:pPr lvl="1"/>
-            <a:r>
-              <a:rPr lang="en" altLang="ja-JP" sz="2200" dirty="0"/>
               <a:t>In a relatively</a:t>
             </a:r>
             <a:r>
@@ -28907,18 +27035,14 @@
             <a:pPr lvl="1"/>
             <a:r>
               <a:rPr lang="en" altLang="ja-JP" sz="2200" dirty="0"/>
-              <a:t>For some instances, we couldn’t find feasible solution even with </a:t>
-            </a:r>
-            <a:r>
-              <a:rPr lang="en" altLang="ja-JP" sz="2200"/>
-              <a:t>2</a:t>
-            </a:r>
-            <a:r>
-              <a:rPr lang="en" altLang="ja-JP" sz="2200" baseline="30000"/>
+              <a:t>For some instances, we couldn’t find feasible solution even with 2</a:t>
+            </a:r>
+            <a:r>
+              <a:rPr lang="en" altLang="ja-JP" sz="2200" baseline="30000" dirty="0"/>
               <a:t>nd</a:t>
             </a:r>
             <a:r>
-              <a:rPr lang="en" altLang="ja-JP" sz="2200"/>
+              <a:rPr lang="en" altLang="ja-JP" sz="2200" dirty="0"/>
               <a:t> model.  </a:t>
             </a:r>
           </a:p>
@@ -28932,8 +27056,13 @@
             <a:pPr lvl="1"/>
             <a:r>
               <a:rPr lang="en" altLang="ja-JP" sz="2400" dirty="0"/>
-              <a:t>Proposing an approach to find the global optimal solution.</a:t>
-            </a:r>
+              <a:t>Proposing a different approach t</a:t>
+            </a:r>
+            <a:r>
+              <a:rPr lang="en-US" altLang="ja-JP" sz="2400" dirty="0"/>
+              <a:t>o create better initial solution</a:t>
+            </a:r>
+            <a:endParaRPr lang="en" altLang="ja-JP" sz="2400" dirty="0"/>
           </a:p>
         </p:txBody>
       </p:sp>

--- a/竹田_修論発表.pptx
+++ b/竹田_修論発表.pptx
@@ -353,7 +353,7 @@
           <a:p>
             <a:fld id="{C8659C27-364E-C74E-8EB0-0FFA61AB3438}" type="datetimeFigureOut">
               <a:rPr kumimoji="1" lang="ja-JP" altLang="en-US" smtClean="0"/>
-              <a:t>2021/9/23</a:t>
+              <a:t>2021/9/24</a:t>
             </a:fld>
             <a:endParaRPr kumimoji="1" lang="ja-JP" altLang="en-US"/>
           </a:p>
@@ -728,7 +728,7 @@
           <a:p>
             <a:fld id="{C8659C27-364E-C74E-8EB0-0FFA61AB3438}" type="datetimeFigureOut">
               <a:rPr kumimoji="1" lang="ja-JP" altLang="en-US" smtClean="0"/>
-              <a:t>2021/9/23</a:t>
+              <a:t>2021/9/24</a:t>
             </a:fld>
             <a:endParaRPr kumimoji="1" lang="ja-JP" altLang="en-US"/>
           </a:p>
@@ -1203,7 +1203,7 @@
           <a:p>
             <a:fld id="{C8659C27-364E-C74E-8EB0-0FFA61AB3438}" type="datetimeFigureOut">
               <a:rPr kumimoji="1" lang="ja-JP" altLang="en-US" smtClean="0"/>
-              <a:t>2021/9/23</a:t>
+              <a:t>2021/9/24</a:t>
             </a:fld>
             <a:endParaRPr kumimoji="1" lang="ja-JP" altLang="en-US"/>
           </a:p>
@@ -1576,7 +1576,7 @@
           <a:p>
             <a:fld id="{C8659C27-364E-C74E-8EB0-0FFA61AB3438}" type="datetimeFigureOut">
               <a:rPr kumimoji="1" lang="ja-JP" altLang="en-US" smtClean="0"/>
-              <a:t>2021/9/23</a:t>
+              <a:t>2021/9/24</a:t>
             </a:fld>
             <a:endParaRPr kumimoji="1" lang="ja-JP" altLang="en-US"/>
           </a:p>
@@ -1970,7 +1970,7 @@
           <a:p>
             <a:fld id="{C8659C27-364E-C74E-8EB0-0FFA61AB3438}" type="datetimeFigureOut">
               <a:rPr kumimoji="1" lang="ja-JP" altLang="en-US" smtClean="0"/>
-              <a:t>2021/9/23</a:t>
+              <a:t>2021/9/24</a:t>
             </a:fld>
             <a:endParaRPr kumimoji="1" lang="ja-JP" altLang="en-US"/>
           </a:p>
@@ -2440,7 +2440,7 @@
           <a:p>
             <a:fld id="{C8659C27-364E-C74E-8EB0-0FFA61AB3438}" type="datetimeFigureOut">
               <a:rPr kumimoji="1" lang="ja-JP" altLang="en-US" smtClean="0"/>
-              <a:t>2021/9/23</a:t>
+              <a:t>2021/9/24</a:t>
             </a:fld>
             <a:endParaRPr kumimoji="1" lang="ja-JP" altLang="en-US"/>
           </a:p>
@@ -2705,7 +2705,7 @@
           <a:p>
             <a:fld id="{C8659C27-364E-C74E-8EB0-0FFA61AB3438}" type="datetimeFigureOut">
               <a:rPr kumimoji="1" lang="ja-JP" altLang="en-US" smtClean="0"/>
-              <a:t>2021/9/23</a:t>
+              <a:t>2021/9/24</a:t>
             </a:fld>
             <a:endParaRPr kumimoji="1" lang="ja-JP" altLang="en-US"/>
           </a:p>
@@ -2975,7 +2975,7 @@
           <a:p>
             <a:fld id="{C8659C27-364E-C74E-8EB0-0FFA61AB3438}" type="datetimeFigureOut">
               <a:rPr kumimoji="1" lang="ja-JP" altLang="en-US" smtClean="0"/>
-              <a:t>2021/9/23</a:t>
+              <a:t>2021/9/24</a:t>
             </a:fld>
             <a:endParaRPr kumimoji="1" lang="ja-JP" altLang="en-US"/>
           </a:p>
@@ -3245,7 +3245,7 @@
           <a:p>
             <a:fld id="{C8659C27-364E-C74E-8EB0-0FFA61AB3438}" type="datetimeFigureOut">
               <a:rPr kumimoji="1" lang="ja-JP" altLang="en-US" smtClean="0"/>
-              <a:t>2021/9/23</a:t>
+              <a:t>2021/9/24</a:t>
             </a:fld>
             <a:endParaRPr kumimoji="1" lang="ja-JP" altLang="en-US"/>
           </a:p>
@@ -3611,7 +3611,7 @@
           <a:p>
             <a:fld id="{C8659C27-364E-C74E-8EB0-0FFA61AB3438}" type="datetimeFigureOut">
               <a:rPr kumimoji="1" lang="ja-JP" altLang="en-US" smtClean="0"/>
-              <a:t>2021/9/23</a:t>
+              <a:t>2021/9/24</a:t>
             </a:fld>
             <a:endParaRPr kumimoji="1" lang="ja-JP" altLang="en-US"/>
           </a:p>
@@ -3950,7 +3950,7 @@
           <a:p>
             <a:fld id="{C8659C27-364E-C74E-8EB0-0FFA61AB3438}" type="datetimeFigureOut">
               <a:rPr kumimoji="1" lang="ja-JP" altLang="en-US" smtClean="0"/>
-              <a:t>2021/9/23</a:t>
+              <a:t>2021/9/24</a:t>
             </a:fld>
             <a:endParaRPr kumimoji="1" lang="ja-JP" altLang="en-US"/>
           </a:p>
@@ -4497,7 +4497,7 @@
           <a:p>
             <a:fld id="{C8659C27-364E-C74E-8EB0-0FFA61AB3438}" type="datetimeFigureOut">
               <a:rPr kumimoji="1" lang="ja-JP" altLang="en-US" smtClean="0"/>
-              <a:t>2021/9/23</a:t>
+              <a:t>2021/9/24</a:t>
             </a:fld>
             <a:endParaRPr kumimoji="1" lang="ja-JP" altLang="en-US"/>
           </a:p>
@@ -4702,7 +4702,7 @@
           <a:p>
             <a:fld id="{C8659C27-364E-C74E-8EB0-0FFA61AB3438}" type="datetimeFigureOut">
               <a:rPr kumimoji="1" lang="ja-JP" altLang="en-US" smtClean="0"/>
-              <a:t>2021/9/23</a:t>
+              <a:t>2021/9/24</a:t>
             </a:fld>
             <a:endParaRPr kumimoji="1" lang="ja-JP" altLang="en-US"/>
           </a:p>
@@ -4879,7 +4879,7 @@
           <a:p>
             <a:fld id="{C8659C27-364E-C74E-8EB0-0FFA61AB3438}" type="datetimeFigureOut">
               <a:rPr kumimoji="1" lang="ja-JP" altLang="en-US" smtClean="0"/>
-              <a:t>2021/9/23</a:t>
+              <a:t>2021/9/24</a:t>
             </a:fld>
             <a:endParaRPr kumimoji="1" lang="ja-JP" altLang="en-US"/>
           </a:p>
@@ -5257,7 +5257,7 @@
           <a:p>
             <a:fld id="{C8659C27-364E-C74E-8EB0-0FFA61AB3438}" type="datetimeFigureOut">
               <a:rPr kumimoji="1" lang="ja-JP" altLang="en-US" smtClean="0"/>
-              <a:t>2021/9/23</a:t>
+              <a:t>2021/9/24</a:t>
             </a:fld>
             <a:endParaRPr kumimoji="1" lang="ja-JP" altLang="en-US"/>
           </a:p>
@@ -5639,7 +5639,7 @@
           <a:p>
             <a:fld id="{C8659C27-364E-C74E-8EB0-0FFA61AB3438}" type="datetimeFigureOut">
               <a:rPr kumimoji="1" lang="ja-JP" altLang="en-US" smtClean="0"/>
-              <a:t>2021/9/23</a:t>
+              <a:t>2021/9/24</a:t>
             </a:fld>
             <a:endParaRPr kumimoji="1" lang="ja-JP" altLang="en-US"/>
           </a:p>
@@ -7764,7 +7764,7 @@
           <a:p>
             <a:fld id="{C8659C27-364E-C74E-8EB0-0FFA61AB3438}" type="datetimeFigureOut">
               <a:rPr kumimoji="1" lang="ja-JP" altLang="en-US" smtClean="0"/>
-              <a:t>2021/9/23</a:t>
+              <a:t>2021/9/24</a:t>
             </a:fld>
             <a:endParaRPr kumimoji="1" lang="ja-JP" altLang="en-US"/>
           </a:p>
@@ -22789,8 +22789,8 @@
           </a:p>
         </p:txBody>
       </p:sp>
-      <mc:AlternateContent xmlns:mc="http://schemas.openxmlformats.org/markup-compatibility/2006" xmlns:a14="http://schemas.microsoft.com/office/drawing/2010/main">
-        <mc:Choice Requires="a14">
+      <mc:AlternateContent xmlns:mc="http://schemas.openxmlformats.org/markup-compatibility/2006">
+        <mc:Choice xmlns:a14="http://schemas.microsoft.com/office/drawing/2010/main" Requires="a14">
           <p:sp>
             <p:nvSpPr>
               <p:cNvPr id="3" name="コンテンツ プレースホルダー 2">
@@ -23094,16 +23094,16 @@
                         <m:t>𝑎𝑛𝑑</m:t>
                       </m:r>
                       <m:r>
-                        <a:rPr lang="en-US" altLang="ja-JP" sz="2400" i="1">
+                        <a:rPr lang="en-US" altLang="ja-JP" sz="2400" b="0" i="1" smtClean="0">
                           <a:latin typeface="Cambria Math" panose="02040503050406030204" pitchFamily="18" charset="0"/>
                         </a:rPr>
                         <m:t> </m:t>
                       </m:r>
                       <m:r>
-                        <a:rPr lang="en-US" altLang="ja-JP" sz="2400" i="1">
+                        <a:rPr lang="en-US" altLang="ja-JP" sz="2400" b="0" i="1" smtClean="0">
                           <a:latin typeface="Cambria Math" panose="02040503050406030204" pitchFamily="18" charset="0"/>
                         </a:rPr>
-                        <m:t>𝑠𝑒𝑔𝑚𝑒𝑛𝑡</m:t>
+                        <m:t>h𝑜𝑙𝑑</m:t>
                       </m:r>
                       <m:r>
                         <a:rPr lang="en-US" altLang="ja-JP" sz="2400" b="0" i="1" smtClean="0">
@@ -23131,7 +23131,7 @@
             </p:txBody>
           </p:sp>
         </mc:Choice>
-        <mc:Fallback xmlns="">
+        <mc:Fallback>
           <p:sp>
             <p:nvSpPr>
               <p:cNvPr id="3" name="コンテンツ プレースホルダー 2">

--- a/竹田_修論発表.pptx
+++ b/竹田_修論発表.pptx
@@ -353,7 +353,7 @@
           <a:p>
             <a:fld id="{C8659C27-364E-C74E-8EB0-0FFA61AB3438}" type="datetimeFigureOut">
               <a:rPr kumimoji="1" lang="ja-JP" altLang="en-US" smtClean="0"/>
-              <a:t>2021/9/24</a:t>
+              <a:t>2021/10/6</a:t>
             </a:fld>
             <a:endParaRPr kumimoji="1" lang="ja-JP" altLang="en-US"/>
           </a:p>
@@ -728,7 +728,7 @@
           <a:p>
             <a:fld id="{C8659C27-364E-C74E-8EB0-0FFA61AB3438}" type="datetimeFigureOut">
               <a:rPr kumimoji="1" lang="ja-JP" altLang="en-US" smtClean="0"/>
-              <a:t>2021/9/24</a:t>
+              <a:t>2021/10/6</a:t>
             </a:fld>
             <a:endParaRPr kumimoji="1" lang="ja-JP" altLang="en-US"/>
           </a:p>
@@ -1203,7 +1203,7 @@
           <a:p>
             <a:fld id="{C8659C27-364E-C74E-8EB0-0FFA61AB3438}" type="datetimeFigureOut">
               <a:rPr kumimoji="1" lang="ja-JP" altLang="en-US" smtClean="0"/>
-              <a:t>2021/9/24</a:t>
+              <a:t>2021/10/6</a:t>
             </a:fld>
             <a:endParaRPr kumimoji="1" lang="ja-JP" altLang="en-US"/>
           </a:p>
@@ -1576,7 +1576,7 @@
           <a:p>
             <a:fld id="{C8659C27-364E-C74E-8EB0-0FFA61AB3438}" type="datetimeFigureOut">
               <a:rPr kumimoji="1" lang="ja-JP" altLang="en-US" smtClean="0"/>
-              <a:t>2021/9/24</a:t>
+              <a:t>2021/10/6</a:t>
             </a:fld>
             <a:endParaRPr kumimoji="1" lang="ja-JP" altLang="en-US"/>
           </a:p>
@@ -1970,7 +1970,7 @@
           <a:p>
             <a:fld id="{C8659C27-364E-C74E-8EB0-0FFA61AB3438}" type="datetimeFigureOut">
               <a:rPr kumimoji="1" lang="ja-JP" altLang="en-US" smtClean="0"/>
-              <a:t>2021/9/24</a:t>
+              <a:t>2021/10/6</a:t>
             </a:fld>
             <a:endParaRPr kumimoji="1" lang="ja-JP" altLang="en-US"/>
           </a:p>
@@ -2440,7 +2440,7 @@
           <a:p>
             <a:fld id="{C8659C27-364E-C74E-8EB0-0FFA61AB3438}" type="datetimeFigureOut">
               <a:rPr kumimoji="1" lang="ja-JP" altLang="en-US" smtClean="0"/>
-              <a:t>2021/9/24</a:t>
+              <a:t>2021/10/6</a:t>
             </a:fld>
             <a:endParaRPr kumimoji="1" lang="ja-JP" altLang="en-US"/>
           </a:p>
@@ -2705,7 +2705,7 @@
           <a:p>
             <a:fld id="{C8659C27-364E-C74E-8EB0-0FFA61AB3438}" type="datetimeFigureOut">
               <a:rPr kumimoji="1" lang="ja-JP" altLang="en-US" smtClean="0"/>
-              <a:t>2021/9/24</a:t>
+              <a:t>2021/10/6</a:t>
             </a:fld>
             <a:endParaRPr kumimoji="1" lang="ja-JP" altLang="en-US"/>
           </a:p>
@@ -2975,7 +2975,7 @@
           <a:p>
             <a:fld id="{C8659C27-364E-C74E-8EB0-0FFA61AB3438}" type="datetimeFigureOut">
               <a:rPr kumimoji="1" lang="ja-JP" altLang="en-US" smtClean="0"/>
-              <a:t>2021/9/24</a:t>
+              <a:t>2021/10/6</a:t>
             </a:fld>
             <a:endParaRPr kumimoji="1" lang="ja-JP" altLang="en-US"/>
           </a:p>
@@ -3245,7 +3245,7 @@
           <a:p>
             <a:fld id="{C8659C27-364E-C74E-8EB0-0FFA61AB3438}" type="datetimeFigureOut">
               <a:rPr kumimoji="1" lang="ja-JP" altLang="en-US" smtClean="0"/>
-              <a:t>2021/9/24</a:t>
+              <a:t>2021/10/6</a:t>
             </a:fld>
             <a:endParaRPr kumimoji="1" lang="ja-JP" altLang="en-US"/>
           </a:p>
@@ -3611,7 +3611,7 @@
           <a:p>
             <a:fld id="{C8659C27-364E-C74E-8EB0-0FFA61AB3438}" type="datetimeFigureOut">
               <a:rPr kumimoji="1" lang="ja-JP" altLang="en-US" smtClean="0"/>
-              <a:t>2021/9/24</a:t>
+              <a:t>2021/10/6</a:t>
             </a:fld>
             <a:endParaRPr kumimoji="1" lang="ja-JP" altLang="en-US"/>
           </a:p>
@@ -3950,7 +3950,7 @@
           <a:p>
             <a:fld id="{C8659C27-364E-C74E-8EB0-0FFA61AB3438}" type="datetimeFigureOut">
               <a:rPr kumimoji="1" lang="ja-JP" altLang="en-US" smtClean="0"/>
-              <a:t>2021/9/24</a:t>
+              <a:t>2021/10/6</a:t>
             </a:fld>
             <a:endParaRPr kumimoji="1" lang="ja-JP" altLang="en-US"/>
           </a:p>
@@ -4497,7 +4497,7 @@
           <a:p>
             <a:fld id="{C8659C27-364E-C74E-8EB0-0FFA61AB3438}" type="datetimeFigureOut">
               <a:rPr kumimoji="1" lang="ja-JP" altLang="en-US" smtClean="0"/>
-              <a:t>2021/9/24</a:t>
+              <a:t>2021/10/6</a:t>
             </a:fld>
             <a:endParaRPr kumimoji="1" lang="ja-JP" altLang="en-US"/>
           </a:p>
@@ -4702,7 +4702,7 @@
           <a:p>
             <a:fld id="{C8659C27-364E-C74E-8EB0-0FFA61AB3438}" type="datetimeFigureOut">
               <a:rPr kumimoji="1" lang="ja-JP" altLang="en-US" smtClean="0"/>
-              <a:t>2021/9/24</a:t>
+              <a:t>2021/10/6</a:t>
             </a:fld>
             <a:endParaRPr kumimoji="1" lang="ja-JP" altLang="en-US"/>
           </a:p>
@@ -4879,7 +4879,7 @@
           <a:p>
             <a:fld id="{C8659C27-364E-C74E-8EB0-0FFA61AB3438}" type="datetimeFigureOut">
               <a:rPr kumimoji="1" lang="ja-JP" altLang="en-US" smtClean="0"/>
-              <a:t>2021/9/24</a:t>
+              <a:t>2021/10/6</a:t>
             </a:fld>
             <a:endParaRPr kumimoji="1" lang="ja-JP" altLang="en-US"/>
           </a:p>
@@ -5257,7 +5257,7 @@
           <a:p>
             <a:fld id="{C8659C27-364E-C74E-8EB0-0FFA61AB3438}" type="datetimeFigureOut">
               <a:rPr kumimoji="1" lang="ja-JP" altLang="en-US" smtClean="0"/>
-              <a:t>2021/9/24</a:t>
+              <a:t>2021/10/6</a:t>
             </a:fld>
             <a:endParaRPr kumimoji="1" lang="ja-JP" altLang="en-US"/>
           </a:p>
@@ -5639,7 +5639,7 @@
           <a:p>
             <a:fld id="{C8659C27-364E-C74E-8EB0-0FFA61AB3438}" type="datetimeFigureOut">
               <a:rPr kumimoji="1" lang="ja-JP" altLang="en-US" smtClean="0"/>
-              <a:t>2021/9/24</a:t>
+              <a:t>2021/10/6</a:t>
             </a:fld>
             <a:endParaRPr kumimoji="1" lang="ja-JP" altLang="en-US"/>
           </a:p>
@@ -7764,7 +7764,7 @@
           <a:p>
             <a:fld id="{C8659C27-364E-C74E-8EB0-0FFA61AB3438}" type="datetimeFigureOut">
               <a:rPr kumimoji="1" lang="ja-JP" altLang="en-US" smtClean="0"/>
-              <a:t>2021/9/24</a:t>
+              <a:t>2021/10/6</a:t>
             </a:fld>
             <a:endParaRPr kumimoji="1" lang="ja-JP" altLang="en-US"/>
           </a:p>
@@ -15446,7 +15446,15 @@
             </a:pPr>
             <a:r>
               <a:rPr kumimoji="1" lang="en-US" altLang="ja-JP" sz="2400" dirty="0"/>
-              <a:t>Example of previous model</a:t>
+              <a:t>1</a:t>
+            </a:r>
+            <a:r>
+              <a:rPr kumimoji="1" lang="en-US" altLang="ja-JP" sz="2400" baseline="30000" dirty="0"/>
+              <a:t>st</a:t>
+            </a:r>
+            <a:r>
+              <a:rPr kumimoji="1" lang="en-US" altLang="ja-JP" sz="2400" dirty="0"/>
+              <a:t> model</a:t>
             </a:r>
             <a:endParaRPr lang="en-US" altLang="ja-JP" sz="2400" dirty="0"/>
           </a:p>
@@ -15520,7 +15528,15 @@
             </a:pPr>
             <a:r>
               <a:rPr kumimoji="1" lang="en-US" altLang="ja-JP" sz="2400" dirty="0"/>
-              <a:t>Example of Heuristic model</a:t>
+              <a:t>2</a:t>
+            </a:r>
+            <a:r>
+              <a:rPr kumimoji="1" lang="en-US" altLang="ja-JP" sz="2400" baseline="30000" dirty="0"/>
+              <a:t>nd</a:t>
+            </a:r>
+            <a:r>
+              <a:rPr kumimoji="1" lang="en-US" altLang="ja-JP" sz="2400" dirty="0"/>
+              <a:t> model</a:t>
             </a:r>
             <a:endParaRPr lang="en-US" altLang="ja-JP" sz="2400" dirty="0"/>
           </a:p>
@@ -15563,6 +15579,42 @@
           </a:p>
         </p:txBody>
       </p:sp>
+      <p:cxnSp>
+        <p:nvCxnSpPr>
+          <p:cNvPr id="6" name="直線コネクタ 5">
+            <a:extLst>
+              <a:ext uri="{FF2B5EF4-FFF2-40B4-BE49-F238E27FC236}">
+                <a16:creationId xmlns:a16="http://schemas.microsoft.com/office/drawing/2014/main" id="{11A31D31-CFC5-1C4D-8435-60D3B8346259}"/>
+              </a:ext>
+            </a:extLst>
+          </p:cNvPr>
+          <p:cNvCxnSpPr/>
+          <p:nvPr/>
+        </p:nvCxnSpPr>
+        <p:spPr>
+          <a:xfrm>
+            <a:off x="6411757" y="2126222"/>
+            <a:ext cx="0" cy="3898060"/>
+          </a:xfrm>
+          <a:prstGeom prst="line">
+            <a:avLst/>
+          </a:prstGeom>
+        </p:spPr>
+        <p:style>
+          <a:lnRef idx="1">
+            <a:schemeClr val="accent1"/>
+          </a:lnRef>
+          <a:fillRef idx="0">
+            <a:schemeClr val="accent1"/>
+          </a:fillRef>
+          <a:effectRef idx="0">
+            <a:schemeClr val="accent1"/>
+          </a:effectRef>
+          <a:fontRef idx="minor">
+            <a:schemeClr val="tx1"/>
+          </a:fontRef>
+        </p:style>
+      </p:cxnSp>
     </p:spTree>
     <p:extLst>
       <p:ext uri="{BB962C8B-B14F-4D97-AF65-F5344CB8AC3E}">
@@ -15867,14 +15919,7 @@
             </a:pPr>
             <a:r>
               <a:rPr lang="en-US" altLang="ja-JP" sz="2400" dirty="0"/>
-              <a:t>We load vehicles while satisfying the following the travel routes constraints.</a:t>
-            </a:r>
-          </a:p>
-          <a:p>
-            <a:pPr lvl="1"/>
-            <a:r>
-              <a:rPr lang="en-US" altLang="ja-JP" sz="2000" dirty="0"/>
-              <a:t>We ensure that the filling rate is not exceeded after all vehicles have been loaded at a particular port.</a:t>
+              <a:t>We load vehicles while satisfying the following travel routes constraints.</a:t>
             </a:r>
           </a:p>
           <a:p>
@@ -15882,16 +15927,17 @@
               <a:buNone/>
             </a:pPr>
             <a:r>
+              <a:rPr lang="en-US" altLang="ja-JP" sz="2400" dirty="0"/>
+              <a:t>We ensure that the filling rate is not exceeded after all vehicles have been loaded at a particular port.</a:t>
+            </a:r>
+          </a:p>
+          <a:p>
+            <a:pPr marL="0" indent="0">
+              <a:buNone/>
+            </a:pPr>
+            <a:r>
               <a:rPr lang="en" altLang="ja-JP" sz="2400" dirty="0"/>
-              <a:t>Any constraints or objectives other than the above two </a:t>
-            </a:r>
-            <a:r>
-              <a:rPr lang="ja-JP" altLang="en-US" sz="2400"/>
-              <a:t>　　　　　　　　</a:t>
-            </a:r>
-            <a:r>
-              <a:rPr lang="en" altLang="ja-JP" sz="2400" dirty="0"/>
-              <a:t>are considered in</a:t>
+              <a:t>Other constraints or objectives other are calculated in</a:t>
             </a:r>
             <a:r>
               <a:rPr lang="en-US" altLang="ja-JP" sz="2400" dirty="0"/>
@@ -16001,13 +16047,21 @@
           <a:p>
             <a:r>
               <a:rPr lang="en" altLang="ja-JP" sz="2400" dirty="0"/>
-              <a:t>We repeat until the termination condition is satisfied</a:t>
+              <a:t>We repeat this operation until the termination condition is satisfied</a:t>
             </a:r>
           </a:p>
           <a:p>
             <a:r>
               <a:rPr lang="en-US" altLang="ja-JP" sz="2400" dirty="0"/>
-              <a:t>In this research, we use shift and swap neighborhood</a:t>
+              <a:t>In this research, we use shift </a:t>
+            </a:r>
+            <a:r>
+              <a:rPr lang="en-US" altLang="ja-JP" sz="2400" dirty="0" err="1"/>
+              <a:t>neigborhood</a:t>
+            </a:r>
+            <a:r>
+              <a:rPr lang="en-US" altLang="ja-JP" sz="2400" dirty="0"/>
+              <a:t> and swap neighborhood</a:t>
             </a:r>
           </a:p>
           <a:p>
@@ -17506,8 +17560,8 @@
           </p:sp>
         </mc:Fallback>
       </mc:AlternateContent>
-      <mc:AlternateContent xmlns:mc="http://schemas.openxmlformats.org/markup-compatibility/2006" xmlns:a14="http://schemas.microsoft.com/office/drawing/2010/main">
-        <mc:Choice Requires="a14">
+      <mc:AlternateContent xmlns:mc="http://schemas.openxmlformats.org/markup-compatibility/2006">
+        <mc:Choice xmlns:a14="http://schemas.microsoft.com/office/drawing/2010/main" Requires="a14">
           <p:graphicFrame>
             <p:nvGraphicFramePr>
               <p:cNvPr id="4" name="表 3">
@@ -17523,7 +17577,7 @@
               <p:nvPr>
                 <p:extLst>
                   <p:ext uri="{D42A27DB-BD31-4B8C-83A1-F6EECF244321}">
-                    <p14:modId xmlns:p14="http://schemas.microsoft.com/office/powerpoint/2010/main" val="508240454"/>
+                    <p14:modId xmlns:p14="http://schemas.microsoft.com/office/powerpoint/2010/main" val="1148168198"/>
                   </p:ext>
                 </p:extLst>
               </p:nvPr>
@@ -17940,7 +17994,7 @@
                           <a:pPr algn="ctr"/>
                           <a:r>
                             <a:rPr kumimoji="1" lang="en-US" altLang="ja-JP" dirty="0"/>
-                            <a:t>A,D</a:t>
+                            <a:t>D,A</a:t>
                           </a:r>
                           <a:endParaRPr kumimoji="1" lang="ja-JP" altLang="en-US"/>
                         </a:p>
@@ -17958,7 +18012,7 @@
             </a:graphic>
           </p:graphicFrame>
         </mc:Choice>
-        <mc:Fallback xmlns="">
+        <mc:Fallback>
           <p:graphicFrame>
             <p:nvGraphicFramePr>
               <p:cNvPr id="4" name="表 3">
@@ -17974,7 +18028,7 @@
               <p:nvPr>
                 <p:extLst>
                   <p:ext uri="{D42A27DB-BD31-4B8C-83A1-F6EECF244321}">
-                    <p14:modId xmlns:p14="http://schemas.microsoft.com/office/powerpoint/2010/main" val="508240454"/>
+                    <p14:modId xmlns:p14="http://schemas.microsoft.com/office/powerpoint/2010/main" val="1148168198"/>
                   </p:ext>
                 </p:extLst>
               </p:nvPr>
@@ -18345,7 +18399,7 @@
                           <a:pPr algn="ctr"/>
                           <a:r>
                             <a:rPr kumimoji="1" lang="en-US" altLang="ja-JP" dirty="0"/>
-                            <a:t>A,D</a:t>
+                            <a:t>D,A</a:t>
                           </a:r>
                           <a:endParaRPr kumimoji="1" lang="ja-JP" altLang="en-US"/>
                         </a:p>
@@ -18492,7 +18546,7 @@
             </a:pPr>
             <a:r>
               <a:rPr lang="en" altLang="ja-JP" sz="2400" dirty="0"/>
-              <a:t>We insert only in adjacent parts of a split order.</a:t>
+              <a:t>We insert only in adjacent parts of split orders.</a:t>
             </a:r>
           </a:p>
           <a:p>
@@ -22789,8 +22843,8 @@
           </a:p>
         </p:txBody>
       </p:sp>
-      <mc:AlternateContent xmlns:mc="http://schemas.openxmlformats.org/markup-compatibility/2006">
-        <mc:Choice xmlns:a14="http://schemas.microsoft.com/office/drawing/2010/main" Requires="a14">
+      <mc:AlternateContent xmlns:mc="http://schemas.openxmlformats.org/markup-compatibility/2006" xmlns:a14="http://schemas.microsoft.com/office/drawing/2010/main">
+        <mc:Choice Requires="a14">
           <p:sp>
             <p:nvSpPr>
               <p:cNvPr id="3" name="コンテンツ プレースホルダー 2">
@@ -23131,7 +23185,7 @@
             </p:txBody>
           </p:sp>
         </mc:Choice>
-        <mc:Fallback>
+        <mc:Fallback xmlns="">
           <p:sp>
             <p:nvSpPr>
               <p:cNvPr id="3" name="コンテンツ プレースホルダー 2">
@@ -23701,7 +23755,7 @@
             <a:pPr lvl="1"/>
             <a:r>
               <a:rPr lang="en-US" altLang="ja-JP" sz="2200" dirty="0"/>
-              <a:t>The number of orders is 100 and the number of segments is 4. </a:t>
+              <a:t>The number of orders is 100 and the number of holds is 4. </a:t>
             </a:r>
           </a:p>
           <a:p>
@@ -23959,7 +24013,7 @@
         <p:spPr>
           <a:xfrm>
             <a:off x="3810499" y="2385444"/>
-            <a:ext cx="1167307" cy="369332"/>
+            <a:ext cx="681597" cy="369332"/>
           </a:xfrm>
           <a:prstGeom prst="rect">
             <a:avLst/>
@@ -23974,7 +24028,7 @@
           <a:p>
             <a:r>
               <a:rPr kumimoji="1" lang="en-US" altLang="ja-JP" dirty="0"/>
-              <a:t>segment</a:t>
+              <a:t>hold</a:t>
             </a:r>
             <a:endParaRPr kumimoji="1" lang="ja-JP" altLang="en-US"/>
           </a:p>
@@ -27013,7 +27067,7 @@
             </a:r>
             <a:r>
               <a:rPr lang="en" altLang="ja-JP" sz="2200" dirty="0"/>
-              <a:t>model which is based on the heuristic.</a:t>
+              <a:t>model which is based on heuristic.</a:t>
             </a:r>
           </a:p>
           <a:p>

--- a/竹田_修論発表.pptx
+++ b/竹田_修論発表.pptx
@@ -17560,8 +17560,8 @@
           </p:sp>
         </mc:Fallback>
       </mc:AlternateContent>
-      <mc:AlternateContent xmlns:mc="http://schemas.openxmlformats.org/markup-compatibility/2006">
-        <mc:Choice xmlns:a14="http://schemas.microsoft.com/office/drawing/2010/main" Requires="a14">
+      <mc:AlternateContent xmlns:mc="http://schemas.openxmlformats.org/markup-compatibility/2006" xmlns:a14="http://schemas.microsoft.com/office/drawing/2010/main">
+        <mc:Choice Requires="a14">
           <p:graphicFrame>
             <p:nvGraphicFramePr>
               <p:cNvPr id="4" name="表 3">
@@ -18012,7 +18012,7 @@
             </a:graphic>
           </p:graphicFrame>
         </mc:Choice>
-        <mc:Fallback>
+        <mc:Fallback xmlns="">
           <p:graphicFrame>
             <p:nvGraphicFramePr>
               <p:cNvPr id="4" name="表 3">
@@ -21449,7 +21449,7 @@
             <p:ph idx="1"/>
             <p:extLst>
               <p:ext uri="{D42A27DB-BD31-4B8C-83A1-F6EECF244321}">
-                <p14:modId xmlns:p14="http://schemas.microsoft.com/office/powerpoint/2010/main" val="60757586"/>
+                <p14:modId xmlns:p14="http://schemas.microsoft.com/office/powerpoint/2010/main" val="2350003856"/>
               </p:ext>
             </p:extLst>
           </p:nvPr>
@@ -22286,7 +22286,7 @@
                       <a:pPr algn="ctr"/>
                       <a:r>
                         <a:rPr kumimoji="1" lang="en-US" altLang="ja-JP" sz="2000" dirty="0"/>
-                        <a:t>none</a:t>
+                        <a:t>infeasible</a:t>
                       </a:r>
                       <a:endParaRPr kumimoji="1" lang="ja-JP" altLang="en-US" sz="2000"/>
                     </a:p>
@@ -22397,7 +22397,7 @@
                       <a:pPr algn="ctr"/>
                       <a:r>
                         <a:rPr kumimoji="1" lang="en-US" altLang="ja-JP" sz="2000" dirty="0"/>
-                        <a:t>none</a:t>
+                        <a:t>infeasible</a:t>
                       </a:r>
                       <a:endParaRPr kumimoji="1" lang="ja-JP" altLang="en-US" sz="2000"/>
                     </a:p>
@@ -22508,8 +22508,8 @@
                     <a:p>
                       <a:pPr algn="ctr"/>
                       <a:r>
-                        <a:rPr kumimoji="1" lang="en-US" altLang="ja-JP" sz="2000" dirty="0"/>
-                        <a:t>none</a:t>
+                        <a:rPr kumimoji="1" lang="en-US" altLang="ja-JP" sz="2000"/>
+                        <a:t>infeasible</a:t>
                       </a:r>
                       <a:endParaRPr kumimoji="1" lang="ja-JP" altLang="en-US" sz="2000"/>
                     </a:p>

--- a/竹田_修論発表.pptx
+++ b/竹田_修論発表.pptx
@@ -353,7 +353,7 @@
           <a:p>
             <a:fld id="{C8659C27-364E-C74E-8EB0-0FFA61AB3438}" type="datetimeFigureOut">
               <a:rPr kumimoji="1" lang="ja-JP" altLang="en-US" smtClean="0"/>
-              <a:t>2021/10/6</a:t>
+              <a:t>2021/10/11</a:t>
             </a:fld>
             <a:endParaRPr kumimoji="1" lang="ja-JP" altLang="en-US"/>
           </a:p>
@@ -728,7 +728,7 @@
           <a:p>
             <a:fld id="{C8659C27-364E-C74E-8EB0-0FFA61AB3438}" type="datetimeFigureOut">
               <a:rPr kumimoji="1" lang="ja-JP" altLang="en-US" smtClean="0"/>
-              <a:t>2021/10/6</a:t>
+              <a:t>2021/10/11</a:t>
             </a:fld>
             <a:endParaRPr kumimoji="1" lang="ja-JP" altLang="en-US"/>
           </a:p>
@@ -1203,7 +1203,7 @@
           <a:p>
             <a:fld id="{C8659C27-364E-C74E-8EB0-0FFA61AB3438}" type="datetimeFigureOut">
               <a:rPr kumimoji="1" lang="ja-JP" altLang="en-US" smtClean="0"/>
-              <a:t>2021/10/6</a:t>
+              <a:t>2021/10/11</a:t>
             </a:fld>
             <a:endParaRPr kumimoji="1" lang="ja-JP" altLang="en-US"/>
           </a:p>
@@ -1576,7 +1576,7 @@
           <a:p>
             <a:fld id="{C8659C27-364E-C74E-8EB0-0FFA61AB3438}" type="datetimeFigureOut">
               <a:rPr kumimoji="1" lang="ja-JP" altLang="en-US" smtClean="0"/>
-              <a:t>2021/10/6</a:t>
+              <a:t>2021/10/11</a:t>
             </a:fld>
             <a:endParaRPr kumimoji="1" lang="ja-JP" altLang="en-US"/>
           </a:p>
@@ -1970,7 +1970,7 @@
           <a:p>
             <a:fld id="{C8659C27-364E-C74E-8EB0-0FFA61AB3438}" type="datetimeFigureOut">
               <a:rPr kumimoji="1" lang="ja-JP" altLang="en-US" smtClean="0"/>
-              <a:t>2021/10/6</a:t>
+              <a:t>2021/10/11</a:t>
             </a:fld>
             <a:endParaRPr kumimoji="1" lang="ja-JP" altLang="en-US"/>
           </a:p>
@@ -2440,7 +2440,7 @@
           <a:p>
             <a:fld id="{C8659C27-364E-C74E-8EB0-0FFA61AB3438}" type="datetimeFigureOut">
               <a:rPr kumimoji="1" lang="ja-JP" altLang="en-US" smtClean="0"/>
-              <a:t>2021/10/6</a:t>
+              <a:t>2021/10/11</a:t>
             </a:fld>
             <a:endParaRPr kumimoji="1" lang="ja-JP" altLang="en-US"/>
           </a:p>
@@ -2705,7 +2705,7 @@
           <a:p>
             <a:fld id="{C8659C27-364E-C74E-8EB0-0FFA61AB3438}" type="datetimeFigureOut">
               <a:rPr kumimoji="1" lang="ja-JP" altLang="en-US" smtClean="0"/>
-              <a:t>2021/10/6</a:t>
+              <a:t>2021/10/11</a:t>
             </a:fld>
             <a:endParaRPr kumimoji="1" lang="ja-JP" altLang="en-US"/>
           </a:p>
@@ -2975,7 +2975,7 @@
           <a:p>
             <a:fld id="{C8659C27-364E-C74E-8EB0-0FFA61AB3438}" type="datetimeFigureOut">
               <a:rPr kumimoji="1" lang="ja-JP" altLang="en-US" smtClean="0"/>
-              <a:t>2021/10/6</a:t>
+              <a:t>2021/10/11</a:t>
             </a:fld>
             <a:endParaRPr kumimoji="1" lang="ja-JP" altLang="en-US"/>
           </a:p>
@@ -3245,7 +3245,7 @@
           <a:p>
             <a:fld id="{C8659C27-364E-C74E-8EB0-0FFA61AB3438}" type="datetimeFigureOut">
               <a:rPr kumimoji="1" lang="ja-JP" altLang="en-US" smtClean="0"/>
-              <a:t>2021/10/6</a:t>
+              <a:t>2021/10/11</a:t>
             </a:fld>
             <a:endParaRPr kumimoji="1" lang="ja-JP" altLang="en-US"/>
           </a:p>
@@ -3611,7 +3611,7 @@
           <a:p>
             <a:fld id="{C8659C27-364E-C74E-8EB0-0FFA61AB3438}" type="datetimeFigureOut">
               <a:rPr kumimoji="1" lang="ja-JP" altLang="en-US" smtClean="0"/>
-              <a:t>2021/10/6</a:t>
+              <a:t>2021/10/11</a:t>
             </a:fld>
             <a:endParaRPr kumimoji="1" lang="ja-JP" altLang="en-US"/>
           </a:p>
@@ -3950,7 +3950,7 @@
           <a:p>
             <a:fld id="{C8659C27-364E-C74E-8EB0-0FFA61AB3438}" type="datetimeFigureOut">
               <a:rPr kumimoji="1" lang="ja-JP" altLang="en-US" smtClean="0"/>
-              <a:t>2021/10/6</a:t>
+              <a:t>2021/10/11</a:t>
             </a:fld>
             <a:endParaRPr kumimoji="1" lang="ja-JP" altLang="en-US"/>
           </a:p>
@@ -4497,7 +4497,7 @@
           <a:p>
             <a:fld id="{C8659C27-364E-C74E-8EB0-0FFA61AB3438}" type="datetimeFigureOut">
               <a:rPr kumimoji="1" lang="ja-JP" altLang="en-US" smtClean="0"/>
-              <a:t>2021/10/6</a:t>
+              <a:t>2021/10/11</a:t>
             </a:fld>
             <a:endParaRPr kumimoji="1" lang="ja-JP" altLang="en-US"/>
           </a:p>
@@ -4702,7 +4702,7 @@
           <a:p>
             <a:fld id="{C8659C27-364E-C74E-8EB0-0FFA61AB3438}" type="datetimeFigureOut">
               <a:rPr kumimoji="1" lang="ja-JP" altLang="en-US" smtClean="0"/>
-              <a:t>2021/10/6</a:t>
+              <a:t>2021/10/11</a:t>
             </a:fld>
             <a:endParaRPr kumimoji="1" lang="ja-JP" altLang="en-US"/>
           </a:p>
@@ -4879,7 +4879,7 @@
           <a:p>
             <a:fld id="{C8659C27-364E-C74E-8EB0-0FFA61AB3438}" type="datetimeFigureOut">
               <a:rPr kumimoji="1" lang="ja-JP" altLang="en-US" smtClean="0"/>
-              <a:t>2021/10/6</a:t>
+              <a:t>2021/10/11</a:t>
             </a:fld>
             <a:endParaRPr kumimoji="1" lang="ja-JP" altLang="en-US"/>
           </a:p>
@@ -5257,7 +5257,7 @@
           <a:p>
             <a:fld id="{C8659C27-364E-C74E-8EB0-0FFA61AB3438}" type="datetimeFigureOut">
               <a:rPr kumimoji="1" lang="ja-JP" altLang="en-US" smtClean="0"/>
-              <a:t>2021/10/6</a:t>
+              <a:t>2021/10/11</a:t>
             </a:fld>
             <a:endParaRPr kumimoji="1" lang="ja-JP" altLang="en-US"/>
           </a:p>
@@ -5639,7 +5639,7 @@
           <a:p>
             <a:fld id="{C8659C27-364E-C74E-8EB0-0FFA61AB3438}" type="datetimeFigureOut">
               <a:rPr kumimoji="1" lang="ja-JP" altLang="en-US" smtClean="0"/>
-              <a:t>2021/10/6</a:t>
+              <a:t>2021/10/11</a:t>
             </a:fld>
             <a:endParaRPr kumimoji="1" lang="ja-JP" altLang="en-US"/>
           </a:p>
@@ -7764,7 +7764,7 @@
           <a:p>
             <a:fld id="{C8659C27-364E-C74E-8EB0-0FFA61AB3438}" type="datetimeFigureOut">
               <a:rPr kumimoji="1" lang="ja-JP" altLang="en-US" smtClean="0"/>
-              <a:t>2021/10/6</a:t>
+              <a:t>2021/10/11</a:t>
             </a:fld>
             <a:endParaRPr kumimoji="1" lang="ja-JP" altLang="en-US"/>
           </a:p>
@@ -8292,7 +8292,7 @@
           <p:cNvPr id="2" name="タイトル 1">
             <a:extLst>
               <a:ext uri="{FF2B5EF4-FFF2-40B4-BE49-F238E27FC236}">
-                <a16:creationId xmlns:a16="http://schemas.microsoft.com/office/drawing/2014/main" id="{BB3A160B-8C31-E849-8D08-7C11DA8214B1}"/>
+                <a16:creationId xmlns:a16="http://schemas.microsoft.com/office/drawing/2014/main" xmlns="" id="{BB3A160B-8C31-E849-8D08-7C11DA8214B1}"/>
               </a:ext>
             </a:extLst>
           </p:cNvPr>
@@ -8328,7 +8328,7 @@
           <p:cNvPr id="3" name="字幕 2">
             <a:extLst>
               <a:ext uri="{FF2B5EF4-FFF2-40B4-BE49-F238E27FC236}">
-                <a16:creationId xmlns:a16="http://schemas.microsoft.com/office/drawing/2014/main" id="{9891AEF0-39AE-5E46-A4E1-F4A6D9CC3F55}"/>
+                <a16:creationId xmlns:a16="http://schemas.microsoft.com/office/drawing/2014/main" xmlns="" id="{9891AEF0-39AE-5E46-A4E1-F4A6D9CC3F55}"/>
               </a:ext>
             </a:extLst>
           </p:cNvPr>
@@ -8404,7 +8404,7 @@
           <p:cNvPr id="2" name="タイトル 1">
             <a:extLst>
               <a:ext uri="{FF2B5EF4-FFF2-40B4-BE49-F238E27FC236}">
-                <a16:creationId xmlns:a16="http://schemas.microsoft.com/office/drawing/2014/main" id="{FD7804DA-5131-1342-B346-35CAC3C09CE7}"/>
+                <a16:creationId xmlns:a16="http://schemas.microsoft.com/office/drawing/2014/main" xmlns="" id="{FD7804DA-5131-1342-B346-35CAC3C09CE7}"/>
               </a:ext>
             </a:extLst>
           </p:cNvPr>
@@ -8433,7 +8433,7 @@
           <p:cNvPr id="3" name="コンテンツ プレースホルダー 2">
             <a:extLst>
               <a:ext uri="{FF2B5EF4-FFF2-40B4-BE49-F238E27FC236}">
-                <a16:creationId xmlns:a16="http://schemas.microsoft.com/office/drawing/2014/main" id="{07F230A6-6F05-474A-B796-7E09CD034B90}"/>
+                <a16:creationId xmlns:a16="http://schemas.microsoft.com/office/drawing/2014/main" xmlns="" id="{07F230A6-6F05-474A-B796-7E09CD034B90}"/>
               </a:ext>
             </a:extLst>
           </p:cNvPr>
@@ -8554,7 +8554,7 @@
           <p:cNvPr id="2" name="タイトル 1">
             <a:extLst>
               <a:ext uri="{FF2B5EF4-FFF2-40B4-BE49-F238E27FC236}">
-                <a16:creationId xmlns:a16="http://schemas.microsoft.com/office/drawing/2014/main" id="{8FFD2DF9-F802-CB4A-8FDC-1DBC0B21EA23}"/>
+                <a16:creationId xmlns:a16="http://schemas.microsoft.com/office/drawing/2014/main" xmlns="" id="{8FFD2DF9-F802-CB4A-8FDC-1DBC0B21EA23}"/>
               </a:ext>
             </a:extLst>
           </p:cNvPr>
@@ -8586,7 +8586,7 @@
           <p:cNvPr id="3" name="コンテンツ プレースホルダー 2">
             <a:extLst>
               <a:ext uri="{FF2B5EF4-FFF2-40B4-BE49-F238E27FC236}">
-                <a16:creationId xmlns:a16="http://schemas.microsoft.com/office/drawing/2014/main" id="{3F298097-154C-9341-91D5-37BAB2F21D3D}"/>
+                <a16:creationId xmlns:a16="http://schemas.microsoft.com/office/drawing/2014/main" xmlns="" id="{3F298097-154C-9341-91D5-37BAB2F21D3D}"/>
               </a:ext>
             </a:extLst>
           </p:cNvPr>
@@ -8634,7 +8634,7 @@
           <p:cNvPr id="4" name="正方形/長方形 3">
             <a:extLst>
               <a:ext uri="{FF2B5EF4-FFF2-40B4-BE49-F238E27FC236}">
-                <a16:creationId xmlns:a16="http://schemas.microsoft.com/office/drawing/2014/main" id="{4125FC03-1821-1B49-B8D7-7061C39DDC9A}"/>
+                <a16:creationId xmlns:a16="http://schemas.microsoft.com/office/drawing/2014/main" xmlns="" id="{4125FC03-1821-1B49-B8D7-7061C39DDC9A}"/>
               </a:ext>
             </a:extLst>
           </p:cNvPr>
@@ -8695,7 +8695,7 @@
           <p:cNvPr id="5" name="正方形/長方形 4">
             <a:extLst>
               <a:ext uri="{FF2B5EF4-FFF2-40B4-BE49-F238E27FC236}">
-                <a16:creationId xmlns:a16="http://schemas.microsoft.com/office/drawing/2014/main" id="{8A1E8740-20DB-134D-8573-DB8BD029D323}"/>
+                <a16:creationId xmlns:a16="http://schemas.microsoft.com/office/drawing/2014/main" xmlns="" id="{8A1E8740-20DB-134D-8573-DB8BD029D323}"/>
               </a:ext>
             </a:extLst>
           </p:cNvPr>
@@ -8756,7 +8756,7 @@
           <p:cNvPr id="6" name="正方形/長方形 5">
             <a:extLst>
               <a:ext uri="{FF2B5EF4-FFF2-40B4-BE49-F238E27FC236}">
-                <a16:creationId xmlns:a16="http://schemas.microsoft.com/office/drawing/2014/main" id="{A12812F2-2A27-8244-AF1E-7BAE2D408214}"/>
+                <a16:creationId xmlns:a16="http://schemas.microsoft.com/office/drawing/2014/main" xmlns="" id="{A12812F2-2A27-8244-AF1E-7BAE2D408214}"/>
               </a:ext>
             </a:extLst>
           </p:cNvPr>
@@ -8817,7 +8817,7 @@
           <p:cNvPr id="9" name="右矢印 8">
             <a:extLst>
               <a:ext uri="{FF2B5EF4-FFF2-40B4-BE49-F238E27FC236}">
-                <a16:creationId xmlns:a16="http://schemas.microsoft.com/office/drawing/2014/main" id="{DAFDF226-D662-6240-8E16-4C880D981060}"/>
+                <a16:creationId xmlns:a16="http://schemas.microsoft.com/office/drawing/2014/main" xmlns="" id="{DAFDF226-D662-6240-8E16-4C880D981060}"/>
               </a:ext>
             </a:extLst>
           </p:cNvPr>
@@ -8871,7 +8871,7 @@
           <p:cNvPr id="10" name="テキスト ボックス 9">
             <a:extLst>
               <a:ext uri="{FF2B5EF4-FFF2-40B4-BE49-F238E27FC236}">
-                <a16:creationId xmlns:a16="http://schemas.microsoft.com/office/drawing/2014/main" id="{4894A48D-AB41-A647-84D2-7A3F67EEB78D}"/>
+                <a16:creationId xmlns:a16="http://schemas.microsoft.com/office/drawing/2014/main" xmlns="" id="{4894A48D-AB41-A647-84D2-7A3F67EEB78D}"/>
               </a:ext>
             </a:extLst>
           </p:cNvPr>
@@ -8941,7 +8941,7 @@
           <p:cNvPr id="2" name="タイトル 1">
             <a:extLst>
               <a:ext uri="{FF2B5EF4-FFF2-40B4-BE49-F238E27FC236}">
-                <a16:creationId xmlns:a16="http://schemas.microsoft.com/office/drawing/2014/main" id="{2ACE2C3C-4BC0-9A48-8819-B8962728EB30}"/>
+                <a16:creationId xmlns:a16="http://schemas.microsoft.com/office/drawing/2014/main" xmlns="" id="{2ACE2C3C-4BC0-9A48-8819-B8962728EB30}"/>
               </a:ext>
             </a:extLst>
           </p:cNvPr>
@@ -8983,7 +8983,7 @@
           <p:cNvPr id="3" name="コンテンツ プレースホルダー 2">
             <a:extLst>
               <a:ext uri="{FF2B5EF4-FFF2-40B4-BE49-F238E27FC236}">
-                <a16:creationId xmlns:a16="http://schemas.microsoft.com/office/drawing/2014/main" id="{D6FD89FE-6EBE-9B45-9FEE-179DCD542FAD}"/>
+                <a16:creationId xmlns:a16="http://schemas.microsoft.com/office/drawing/2014/main" xmlns="" id="{D6FD89FE-6EBE-9B45-9FEE-179DCD542FAD}"/>
               </a:ext>
             </a:extLst>
           </p:cNvPr>
@@ -9064,7 +9064,7 @@
           <p:cNvPr id="4" name="正方形/長方形 3">
             <a:extLst>
               <a:ext uri="{FF2B5EF4-FFF2-40B4-BE49-F238E27FC236}">
-                <a16:creationId xmlns:a16="http://schemas.microsoft.com/office/drawing/2014/main" id="{067A9BD7-4B51-6D49-81E0-C1B4397DB9C7}"/>
+                <a16:creationId xmlns:a16="http://schemas.microsoft.com/office/drawing/2014/main" xmlns="" id="{067A9BD7-4B51-6D49-81E0-C1B4397DB9C7}"/>
               </a:ext>
             </a:extLst>
           </p:cNvPr>
@@ -9113,7 +9113,7 @@
           <p:cNvPr id="5" name="正方形/長方形 4">
             <a:extLst>
               <a:ext uri="{FF2B5EF4-FFF2-40B4-BE49-F238E27FC236}">
-                <a16:creationId xmlns:a16="http://schemas.microsoft.com/office/drawing/2014/main" id="{BCD9801A-E6B6-364D-BDB2-D8F14B6B9C9C}"/>
+                <a16:creationId xmlns:a16="http://schemas.microsoft.com/office/drawing/2014/main" xmlns="" id="{BCD9801A-E6B6-364D-BDB2-D8F14B6B9C9C}"/>
               </a:ext>
             </a:extLst>
           </p:cNvPr>
@@ -9162,7 +9162,7 @@
           <p:cNvPr id="6" name="正方形/長方形 5">
             <a:extLst>
               <a:ext uri="{FF2B5EF4-FFF2-40B4-BE49-F238E27FC236}">
-                <a16:creationId xmlns:a16="http://schemas.microsoft.com/office/drawing/2014/main" id="{7B132D4E-A696-B644-A4CD-B3B900A4D173}"/>
+                <a16:creationId xmlns:a16="http://schemas.microsoft.com/office/drawing/2014/main" xmlns="" id="{7B132D4E-A696-B644-A4CD-B3B900A4D173}"/>
               </a:ext>
             </a:extLst>
           </p:cNvPr>
@@ -9211,7 +9211,7 @@
           <p:cNvPr id="7" name="正方形/長方形 6">
             <a:extLst>
               <a:ext uri="{FF2B5EF4-FFF2-40B4-BE49-F238E27FC236}">
-                <a16:creationId xmlns:a16="http://schemas.microsoft.com/office/drawing/2014/main" id="{CC9B5BF5-74FC-B442-B2BD-9B549170319F}"/>
+                <a16:creationId xmlns:a16="http://schemas.microsoft.com/office/drawing/2014/main" xmlns="" id="{CC9B5BF5-74FC-B442-B2BD-9B549170319F}"/>
               </a:ext>
             </a:extLst>
           </p:cNvPr>
@@ -9260,7 +9260,7 @@
           <p:cNvPr id="8" name="正方形/長方形 7">
             <a:extLst>
               <a:ext uri="{FF2B5EF4-FFF2-40B4-BE49-F238E27FC236}">
-                <a16:creationId xmlns:a16="http://schemas.microsoft.com/office/drawing/2014/main" id="{D0702233-B52A-444B-8BEA-0A9934C0E778}"/>
+                <a16:creationId xmlns:a16="http://schemas.microsoft.com/office/drawing/2014/main" xmlns="" id="{D0702233-B52A-444B-8BEA-0A9934C0E778}"/>
               </a:ext>
             </a:extLst>
           </p:cNvPr>
@@ -9309,7 +9309,7 @@
           <p:cNvPr id="9" name="正方形/長方形 8">
             <a:extLst>
               <a:ext uri="{FF2B5EF4-FFF2-40B4-BE49-F238E27FC236}">
-                <a16:creationId xmlns:a16="http://schemas.microsoft.com/office/drawing/2014/main" id="{5DBA1192-030E-6041-9CFA-4C6A4A2318AB}"/>
+                <a16:creationId xmlns:a16="http://schemas.microsoft.com/office/drawing/2014/main" xmlns="" id="{5DBA1192-030E-6041-9CFA-4C6A4A2318AB}"/>
               </a:ext>
             </a:extLst>
           </p:cNvPr>
@@ -9358,7 +9358,7 @@
           <p:cNvPr id="10" name="正方形/長方形 9">
             <a:extLst>
               <a:ext uri="{FF2B5EF4-FFF2-40B4-BE49-F238E27FC236}">
-                <a16:creationId xmlns:a16="http://schemas.microsoft.com/office/drawing/2014/main" id="{C278E65F-59A7-B14B-B9BA-BA19CDFF962E}"/>
+                <a16:creationId xmlns:a16="http://schemas.microsoft.com/office/drawing/2014/main" xmlns="" id="{C278E65F-59A7-B14B-B9BA-BA19CDFF962E}"/>
               </a:ext>
             </a:extLst>
           </p:cNvPr>
@@ -9407,7 +9407,7 @@
           <p:cNvPr id="11" name="正方形/長方形 10">
             <a:extLst>
               <a:ext uri="{FF2B5EF4-FFF2-40B4-BE49-F238E27FC236}">
-                <a16:creationId xmlns:a16="http://schemas.microsoft.com/office/drawing/2014/main" id="{A8032D0F-7E0A-A34A-8684-4B8C77F9576F}"/>
+                <a16:creationId xmlns:a16="http://schemas.microsoft.com/office/drawing/2014/main" xmlns="" id="{A8032D0F-7E0A-A34A-8684-4B8C77F9576F}"/>
               </a:ext>
             </a:extLst>
           </p:cNvPr>
@@ -9456,7 +9456,7 @@
           <p:cNvPr id="12" name="正方形/長方形 11">
             <a:extLst>
               <a:ext uri="{FF2B5EF4-FFF2-40B4-BE49-F238E27FC236}">
-                <a16:creationId xmlns:a16="http://schemas.microsoft.com/office/drawing/2014/main" id="{9DD44B77-9C6E-1D47-B7FE-C3C33C39256F}"/>
+                <a16:creationId xmlns:a16="http://schemas.microsoft.com/office/drawing/2014/main" xmlns="" id="{9DD44B77-9C6E-1D47-B7FE-C3C33C39256F}"/>
               </a:ext>
             </a:extLst>
           </p:cNvPr>
@@ -9505,7 +9505,7 @@
           <p:cNvPr id="13" name="正方形/長方形 12">
             <a:extLst>
               <a:ext uri="{FF2B5EF4-FFF2-40B4-BE49-F238E27FC236}">
-                <a16:creationId xmlns:a16="http://schemas.microsoft.com/office/drawing/2014/main" id="{50CC7B0D-C49F-4845-AB34-6920D7F2CDD4}"/>
+                <a16:creationId xmlns:a16="http://schemas.microsoft.com/office/drawing/2014/main" xmlns="" id="{50CC7B0D-C49F-4845-AB34-6920D7F2CDD4}"/>
               </a:ext>
             </a:extLst>
           </p:cNvPr>
@@ -9554,7 +9554,7 @@
           <p:cNvPr id="14" name="正方形/長方形 13">
             <a:extLst>
               <a:ext uri="{FF2B5EF4-FFF2-40B4-BE49-F238E27FC236}">
-                <a16:creationId xmlns:a16="http://schemas.microsoft.com/office/drawing/2014/main" id="{B6DB7078-4225-C74C-95D8-6FA063090B0D}"/>
+                <a16:creationId xmlns:a16="http://schemas.microsoft.com/office/drawing/2014/main" xmlns="" id="{B6DB7078-4225-C74C-95D8-6FA063090B0D}"/>
               </a:ext>
             </a:extLst>
           </p:cNvPr>
@@ -9603,7 +9603,7 @@
           <p:cNvPr id="15" name="正方形/長方形 14">
             <a:extLst>
               <a:ext uri="{FF2B5EF4-FFF2-40B4-BE49-F238E27FC236}">
-                <a16:creationId xmlns:a16="http://schemas.microsoft.com/office/drawing/2014/main" id="{C137D3F7-BFDC-FD4B-9D6C-DDB075D374BE}"/>
+                <a16:creationId xmlns:a16="http://schemas.microsoft.com/office/drawing/2014/main" xmlns="" id="{C137D3F7-BFDC-FD4B-9D6C-DDB075D374BE}"/>
               </a:ext>
             </a:extLst>
           </p:cNvPr>
@@ -9652,7 +9652,7 @@
           <p:cNvPr id="16" name="正方形/長方形 15">
             <a:extLst>
               <a:ext uri="{FF2B5EF4-FFF2-40B4-BE49-F238E27FC236}">
-                <a16:creationId xmlns:a16="http://schemas.microsoft.com/office/drawing/2014/main" id="{55677416-99E6-E348-B5AA-ED1777CE10B6}"/>
+                <a16:creationId xmlns:a16="http://schemas.microsoft.com/office/drawing/2014/main" xmlns="" id="{55677416-99E6-E348-B5AA-ED1777CE10B6}"/>
               </a:ext>
             </a:extLst>
           </p:cNvPr>
@@ -9701,7 +9701,7 @@
           <p:cNvPr id="17" name="正方形/長方形 16">
             <a:extLst>
               <a:ext uri="{FF2B5EF4-FFF2-40B4-BE49-F238E27FC236}">
-                <a16:creationId xmlns:a16="http://schemas.microsoft.com/office/drawing/2014/main" id="{15FCB09D-0443-EC4E-9395-9B8B32ABCF85}"/>
+                <a16:creationId xmlns:a16="http://schemas.microsoft.com/office/drawing/2014/main" xmlns="" id="{15FCB09D-0443-EC4E-9395-9B8B32ABCF85}"/>
               </a:ext>
             </a:extLst>
           </p:cNvPr>
@@ -9750,7 +9750,7 @@
           <p:cNvPr id="18" name="正方形/長方形 17">
             <a:extLst>
               <a:ext uri="{FF2B5EF4-FFF2-40B4-BE49-F238E27FC236}">
-                <a16:creationId xmlns:a16="http://schemas.microsoft.com/office/drawing/2014/main" id="{441E9B8E-DEF7-FA48-8162-9FA170FD789F}"/>
+                <a16:creationId xmlns:a16="http://schemas.microsoft.com/office/drawing/2014/main" xmlns="" id="{441E9B8E-DEF7-FA48-8162-9FA170FD789F}"/>
               </a:ext>
             </a:extLst>
           </p:cNvPr>
@@ -9799,7 +9799,7 @@
           <p:cNvPr id="19" name="正方形/長方形 18">
             <a:extLst>
               <a:ext uri="{FF2B5EF4-FFF2-40B4-BE49-F238E27FC236}">
-                <a16:creationId xmlns:a16="http://schemas.microsoft.com/office/drawing/2014/main" id="{27AD64C6-E207-2541-B143-EF3357E88206}"/>
+                <a16:creationId xmlns:a16="http://schemas.microsoft.com/office/drawing/2014/main" xmlns="" id="{27AD64C6-E207-2541-B143-EF3357E88206}"/>
               </a:ext>
             </a:extLst>
           </p:cNvPr>
@@ -9848,7 +9848,7 @@
           <p:cNvPr id="20" name="正方形/長方形 19">
             <a:extLst>
               <a:ext uri="{FF2B5EF4-FFF2-40B4-BE49-F238E27FC236}">
-                <a16:creationId xmlns:a16="http://schemas.microsoft.com/office/drawing/2014/main" id="{41B55C55-21F5-A648-AC5D-19858576D85C}"/>
+                <a16:creationId xmlns:a16="http://schemas.microsoft.com/office/drawing/2014/main" xmlns="" id="{41B55C55-21F5-A648-AC5D-19858576D85C}"/>
               </a:ext>
             </a:extLst>
           </p:cNvPr>
@@ -9897,7 +9897,7 @@
           <p:cNvPr id="21" name="正方形/長方形 20">
             <a:extLst>
               <a:ext uri="{FF2B5EF4-FFF2-40B4-BE49-F238E27FC236}">
-                <a16:creationId xmlns:a16="http://schemas.microsoft.com/office/drawing/2014/main" id="{63672841-7121-D749-BEFB-B917B0B8B014}"/>
+                <a16:creationId xmlns:a16="http://schemas.microsoft.com/office/drawing/2014/main" xmlns="" id="{63672841-7121-D749-BEFB-B917B0B8B014}"/>
               </a:ext>
             </a:extLst>
           </p:cNvPr>
@@ -9946,7 +9946,7 @@
           <p:cNvPr id="22" name="正方形/長方形 21">
             <a:extLst>
               <a:ext uri="{FF2B5EF4-FFF2-40B4-BE49-F238E27FC236}">
-                <a16:creationId xmlns:a16="http://schemas.microsoft.com/office/drawing/2014/main" id="{7D8525D6-AAB4-8542-8282-403599A3EBD5}"/>
+                <a16:creationId xmlns:a16="http://schemas.microsoft.com/office/drawing/2014/main" xmlns="" id="{7D8525D6-AAB4-8542-8282-403599A3EBD5}"/>
               </a:ext>
             </a:extLst>
           </p:cNvPr>
@@ -9995,7 +9995,7 @@
           <p:cNvPr id="23" name="正方形/長方形 22">
             <a:extLst>
               <a:ext uri="{FF2B5EF4-FFF2-40B4-BE49-F238E27FC236}">
-                <a16:creationId xmlns:a16="http://schemas.microsoft.com/office/drawing/2014/main" id="{BDE40002-7532-B94D-9CB0-51A84B9770D2}"/>
+                <a16:creationId xmlns:a16="http://schemas.microsoft.com/office/drawing/2014/main" xmlns="" id="{BDE40002-7532-B94D-9CB0-51A84B9770D2}"/>
               </a:ext>
             </a:extLst>
           </p:cNvPr>
@@ -10044,7 +10044,7 @@
           <p:cNvPr id="24" name="正方形/長方形 23">
             <a:extLst>
               <a:ext uri="{FF2B5EF4-FFF2-40B4-BE49-F238E27FC236}">
-                <a16:creationId xmlns:a16="http://schemas.microsoft.com/office/drawing/2014/main" id="{E0CE906E-6301-F145-B809-EB1FABB25FE1}"/>
+                <a16:creationId xmlns:a16="http://schemas.microsoft.com/office/drawing/2014/main" xmlns="" id="{E0CE906E-6301-F145-B809-EB1FABB25FE1}"/>
               </a:ext>
             </a:extLst>
           </p:cNvPr>
@@ -10093,7 +10093,7 @@
           <p:cNvPr id="26" name="テキスト ボックス 25">
             <a:extLst>
               <a:ext uri="{FF2B5EF4-FFF2-40B4-BE49-F238E27FC236}">
-                <a16:creationId xmlns:a16="http://schemas.microsoft.com/office/drawing/2014/main" id="{B722AE1D-A352-004B-ABDE-711CA479A371}"/>
+                <a16:creationId xmlns:a16="http://schemas.microsoft.com/office/drawing/2014/main" xmlns="" id="{B722AE1D-A352-004B-ABDE-711CA479A371}"/>
               </a:ext>
             </a:extLst>
           </p:cNvPr>
@@ -10129,7 +10129,7 @@
           <p:cNvPr id="28" name="テキスト ボックス 27">
             <a:extLst>
               <a:ext uri="{FF2B5EF4-FFF2-40B4-BE49-F238E27FC236}">
-                <a16:creationId xmlns:a16="http://schemas.microsoft.com/office/drawing/2014/main" id="{8D4D313C-5C91-F74C-AC89-4C49C4553CEA}"/>
+                <a16:creationId xmlns:a16="http://schemas.microsoft.com/office/drawing/2014/main" xmlns="" id="{8D4D313C-5C91-F74C-AC89-4C49C4553CEA}"/>
               </a:ext>
             </a:extLst>
           </p:cNvPr>
@@ -10165,7 +10165,7 @@
           <p:cNvPr id="29" name="テキスト ボックス 28">
             <a:extLst>
               <a:ext uri="{FF2B5EF4-FFF2-40B4-BE49-F238E27FC236}">
-                <a16:creationId xmlns:a16="http://schemas.microsoft.com/office/drawing/2014/main" id="{E555D4AA-4C5E-E142-904E-A766476D394F}"/>
+                <a16:creationId xmlns:a16="http://schemas.microsoft.com/office/drawing/2014/main" xmlns="" id="{E555D4AA-4C5E-E142-904E-A766476D394F}"/>
               </a:ext>
             </a:extLst>
           </p:cNvPr>
@@ -10235,7 +10235,7 @@
           <p:cNvPr id="2" name="タイトル 1">
             <a:extLst>
               <a:ext uri="{FF2B5EF4-FFF2-40B4-BE49-F238E27FC236}">
-                <a16:creationId xmlns:a16="http://schemas.microsoft.com/office/drawing/2014/main" id="{8F4A7623-2617-7E47-93EA-15A7188AB806}"/>
+                <a16:creationId xmlns:a16="http://schemas.microsoft.com/office/drawing/2014/main" xmlns="" id="{8F4A7623-2617-7E47-93EA-15A7188AB806}"/>
               </a:ext>
             </a:extLst>
           </p:cNvPr>
@@ -10274,7 +10274,7 @@
           <p:cNvPr id="3" name="コンテンツ プレースホルダー 2">
             <a:extLst>
               <a:ext uri="{FF2B5EF4-FFF2-40B4-BE49-F238E27FC236}">
-                <a16:creationId xmlns:a16="http://schemas.microsoft.com/office/drawing/2014/main" id="{2BE70447-34B2-A141-9D69-FF1462A54041}"/>
+                <a16:creationId xmlns:a16="http://schemas.microsoft.com/office/drawing/2014/main" xmlns="" id="{2BE70447-34B2-A141-9D69-FF1462A54041}"/>
               </a:ext>
             </a:extLst>
           </p:cNvPr>
@@ -10334,7 +10334,7 @@
           <p:cNvPr id="4" name="正方形/長方形 3">
             <a:extLst>
               <a:ext uri="{FF2B5EF4-FFF2-40B4-BE49-F238E27FC236}">
-                <a16:creationId xmlns:a16="http://schemas.microsoft.com/office/drawing/2014/main" id="{4BE5591A-E27D-BD47-962A-63C89E7F0AC1}"/>
+                <a16:creationId xmlns:a16="http://schemas.microsoft.com/office/drawing/2014/main" xmlns="" id="{4BE5591A-E27D-BD47-962A-63C89E7F0AC1}"/>
               </a:ext>
             </a:extLst>
           </p:cNvPr>
@@ -10383,7 +10383,7 @@
           <p:cNvPr id="5" name="正方形/長方形 4">
             <a:extLst>
               <a:ext uri="{FF2B5EF4-FFF2-40B4-BE49-F238E27FC236}">
-                <a16:creationId xmlns:a16="http://schemas.microsoft.com/office/drawing/2014/main" id="{BDC2B0AC-0E7A-074F-9CD7-977AE238DDB4}"/>
+                <a16:creationId xmlns:a16="http://schemas.microsoft.com/office/drawing/2014/main" xmlns="" id="{BDC2B0AC-0E7A-074F-9CD7-977AE238DDB4}"/>
               </a:ext>
             </a:extLst>
           </p:cNvPr>
@@ -10432,7 +10432,7 @@
           <p:cNvPr id="6" name="正方形/長方形 5">
             <a:extLst>
               <a:ext uri="{FF2B5EF4-FFF2-40B4-BE49-F238E27FC236}">
-                <a16:creationId xmlns:a16="http://schemas.microsoft.com/office/drawing/2014/main" id="{3EB3BB6E-2B41-5D4E-8311-D40F98DED2AC}"/>
+                <a16:creationId xmlns:a16="http://schemas.microsoft.com/office/drawing/2014/main" xmlns="" id="{3EB3BB6E-2B41-5D4E-8311-D40F98DED2AC}"/>
               </a:ext>
             </a:extLst>
           </p:cNvPr>
@@ -10481,7 +10481,7 @@
           <p:cNvPr id="7" name="正方形/長方形 6">
             <a:extLst>
               <a:ext uri="{FF2B5EF4-FFF2-40B4-BE49-F238E27FC236}">
-                <a16:creationId xmlns:a16="http://schemas.microsoft.com/office/drawing/2014/main" id="{10E67929-C7BF-1443-B3A8-3C21F3AC1AF9}"/>
+                <a16:creationId xmlns:a16="http://schemas.microsoft.com/office/drawing/2014/main" xmlns="" id="{10E67929-C7BF-1443-B3A8-3C21F3AC1AF9}"/>
               </a:ext>
             </a:extLst>
           </p:cNvPr>
@@ -10530,7 +10530,7 @@
           <p:cNvPr id="8" name="正方形/長方形 7">
             <a:extLst>
               <a:ext uri="{FF2B5EF4-FFF2-40B4-BE49-F238E27FC236}">
-                <a16:creationId xmlns:a16="http://schemas.microsoft.com/office/drawing/2014/main" id="{7962B9A6-CB27-4249-A9CB-D86CF1655FE7}"/>
+                <a16:creationId xmlns:a16="http://schemas.microsoft.com/office/drawing/2014/main" xmlns="" id="{7962B9A6-CB27-4249-A9CB-D86CF1655FE7}"/>
               </a:ext>
             </a:extLst>
           </p:cNvPr>
@@ -10579,7 +10579,7 @@
           <p:cNvPr id="9" name="正方形/長方形 8">
             <a:extLst>
               <a:ext uri="{FF2B5EF4-FFF2-40B4-BE49-F238E27FC236}">
-                <a16:creationId xmlns:a16="http://schemas.microsoft.com/office/drawing/2014/main" id="{A54AEF62-6412-0A41-8C4E-609FB88AF903}"/>
+                <a16:creationId xmlns:a16="http://schemas.microsoft.com/office/drawing/2014/main" xmlns="" id="{A54AEF62-6412-0A41-8C4E-609FB88AF903}"/>
               </a:ext>
             </a:extLst>
           </p:cNvPr>
@@ -10628,7 +10628,7 @@
           <p:cNvPr id="10" name="正方形/長方形 9">
             <a:extLst>
               <a:ext uri="{FF2B5EF4-FFF2-40B4-BE49-F238E27FC236}">
-                <a16:creationId xmlns:a16="http://schemas.microsoft.com/office/drawing/2014/main" id="{9B02E6CA-7313-D949-9779-E452182B9F4C}"/>
+                <a16:creationId xmlns:a16="http://schemas.microsoft.com/office/drawing/2014/main" xmlns="" id="{9B02E6CA-7313-D949-9779-E452182B9F4C}"/>
               </a:ext>
             </a:extLst>
           </p:cNvPr>
@@ -10677,7 +10677,7 @@
           <p:cNvPr id="11" name="正方形/長方形 10">
             <a:extLst>
               <a:ext uri="{FF2B5EF4-FFF2-40B4-BE49-F238E27FC236}">
-                <a16:creationId xmlns:a16="http://schemas.microsoft.com/office/drawing/2014/main" id="{1AB95A08-370B-3744-8162-321FBBC758A1}"/>
+                <a16:creationId xmlns:a16="http://schemas.microsoft.com/office/drawing/2014/main" xmlns="" id="{1AB95A08-370B-3744-8162-321FBBC758A1}"/>
               </a:ext>
             </a:extLst>
           </p:cNvPr>
@@ -10726,7 +10726,7 @@
           <p:cNvPr id="12" name="正方形/長方形 11">
             <a:extLst>
               <a:ext uri="{FF2B5EF4-FFF2-40B4-BE49-F238E27FC236}">
-                <a16:creationId xmlns:a16="http://schemas.microsoft.com/office/drawing/2014/main" id="{EC5CB7D3-DF38-7749-84F0-629F9C5839DB}"/>
+                <a16:creationId xmlns:a16="http://schemas.microsoft.com/office/drawing/2014/main" xmlns="" id="{EC5CB7D3-DF38-7749-84F0-629F9C5839DB}"/>
               </a:ext>
             </a:extLst>
           </p:cNvPr>
@@ -10775,7 +10775,7 @@
           <p:cNvPr id="13" name="正方形/長方形 12">
             <a:extLst>
               <a:ext uri="{FF2B5EF4-FFF2-40B4-BE49-F238E27FC236}">
-                <a16:creationId xmlns:a16="http://schemas.microsoft.com/office/drawing/2014/main" id="{5C065FAB-01E3-9743-A9D6-CF403A3707BE}"/>
+                <a16:creationId xmlns:a16="http://schemas.microsoft.com/office/drawing/2014/main" xmlns="" id="{5C065FAB-01E3-9743-A9D6-CF403A3707BE}"/>
               </a:ext>
             </a:extLst>
           </p:cNvPr>
@@ -10824,7 +10824,7 @@
           <p:cNvPr id="14" name="正方形/長方形 13">
             <a:extLst>
               <a:ext uri="{FF2B5EF4-FFF2-40B4-BE49-F238E27FC236}">
-                <a16:creationId xmlns:a16="http://schemas.microsoft.com/office/drawing/2014/main" id="{0DAB8177-1BF4-594F-8721-9A86FA4D21DD}"/>
+                <a16:creationId xmlns:a16="http://schemas.microsoft.com/office/drawing/2014/main" xmlns="" id="{0DAB8177-1BF4-594F-8721-9A86FA4D21DD}"/>
               </a:ext>
             </a:extLst>
           </p:cNvPr>
@@ -10873,7 +10873,7 @@
           <p:cNvPr id="15" name="正方形/長方形 14">
             <a:extLst>
               <a:ext uri="{FF2B5EF4-FFF2-40B4-BE49-F238E27FC236}">
-                <a16:creationId xmlns:a16="http://schemas.microsoft.com/office/drawing/2014/main" id="{64AF218B-33AD-BE4D-A6EF-13B232AF5BDC}"/>
+                <a16:creationId xmlns:a16="http://schemas.microsoft.com/office/drawing/2014/main" xmlns="" id="{64AF218B-33AD-BE4D-A6EF-13B232AF5BDC}"/>
               </a:ext>
             </a:extLst>
           </p:cNvPr>
@@ -10922,7 +10922,7 @@
           <p:cNvPr id="16" name="正方形/長方形 15">
             <a:extLst>
               <a:ext uri="{FF2B5EF4-FFF2-40B4-BE49-F238E27FC236}">
-                <a16:creationId xmlns:a16="http://schemas.microsoft.com/office/drawing/2014/main" id="{9B12E895-5784-FE4B-9359-B2961C2E67FB}"/>
+                <a16:creationId xmlns:a16="http://schemas.microsoft.com/office/drawing/2014/main" xmlns="" id="{9B12E895-5784-FE4B-9359-B2961C2E67FB}"/>
               </a:ext>
             </a:extLst>
           </p:cNvPr>
@@ -10971,7 +10971,7 @@
           <p:cNvPr id="17" name="正方形/長方形 16">
             <a:extLst>
               <a:ext uri="{FF2B5EF4-FFF2-40B4-BE49-F238E27FC236}">
-                <a16:creationId xmlns:a16="http://schemas.microsoft.com/office/drawing/2014/main" id="{B2EEC8E6-7BBE-ED43-A65E-AF3DFFEF3EB9}"/>
+                <a16:creationId xmlns:a16="http://schemas.microsoft.com/office/drawing/2014/main" xmlns="" id="{B2EEC8E6-7BBE-ED43-A65E-AF3DFFEF3EB9}"/>
               </a:ext>
             </a:extLst>
           </p:cNvPr>
@@ -11020,7 +11020,7 @@
           <p:cNvPr id="18" name="正方形/長方形 17">
             <a:extLst>
               <a:ext uri="{FF2B5EF4-FFF2-40B4-BE49-F238E27FC236}">
-                <a16:creationId xmlns:a16="http://schemas.microsoft.com/office/drawing/2014/main" id="{C0824BA0-2624-7B48-99F9-D1A231970538}"/>
+                <a16:creationId xmlns:a16="http://schemas.microsoft.com/office/drawing/2014/main" xmlns="" id="{C0824BA0-2624-7B48-99F9-D1A231970538}"/>
               </a:ext>
             </a:extLst>
           </p:cNvPr>
@@ -11069,7 +11069,7 @@
           <p:cNvPr id="19" name="正方形/長方形 18">
             <a:extLst>
               <a:ext uri="{FF2B5EF4-FFF2-40B4-BE49-F238E27FC236}">
-                <a16:creationId xmlns:a16="http://schemas.microsoft.com/office/drawing/2014/main" id="{D881592E-2AB0-7A40-82D2-980CC727A520}"/>
+                <a16:creationId xmlns:a16="http://schemas.microsoft.com/office/drawing/2014/main" xmlns="" id="{D881592E-2AB0-7A40-82D2-980CC727A520}"/>
               </a:ext>
             </a:extLst>
           </p:cNvPr>
@@ -11118,7 +11118,7 @@
           <p:cNvPr id="20" name="正方形/長方形 19">
             <a:extLst>
               <a:ext uri="{FF2B5EF4-FFF2-40B4-BE49-F238E27FC236}">
-                <a16:creationId xmlns:a16="http://schemas.microsoft.com/office/drawing/2014/main" id="{B0385AD5-ED2F-8345-AFDA-00F722891E98}"/>
+                <a16:creationId xmlns:a16="http://schemas.microsoft.com/office/drawing/2014/main" xmlns="" id="{B0385AD5-ED2F-8345-AFDA-00F722891E98}"/>
               </a:ext>
             </a:extLst>
           </p:cNvPr>
@@ -11167,7 +11167,7 @@
           <p:cNvPr id="21" name="正方形/長方形 20">
             <a:extLst>
               <a:ext uri="{FF2B5EF4-FFF2-40B4-BE49-F238E27FC236}">
-                <a16:creationId xmlns:a16="http://schemas.microsoft.com/office/drawing/2014/main" id="{24F0BAB0-8226-4047-A858-2389976041B3}"/>
+                <a16:creationId xmlns:a16="http://schemas.microsoft.com/office/drawing/2014/main" xmlns="" id="{24F0BAB0-8226-4047-A858-2389976041B3}"/>
               </a:ext>
             </a:extLst>
           </p:cNvPr>
@@ -11216,7 +11216,7 @@
           <p:cNvPr id="75" name="直線矢印コネクタ 74">
             <a:extLst>
               <a:ext uri="{FF2B5EF4-FFF2-40B4-BE49-F238E27FC236}">
-                <a16:creationId xmlns:a16="http://schemas.microsoft.com/office/drawing/2014/main" id="{9F20EA3A-D9B0-894F-8802-4C9E330DDDBE}"/>
+                <a16:creationId xmlns:a16="http://schemas.microsoft.com/office/drawing/2014/main" xmlns="" id="{9F20EA3A-D9B0-894F-8802-4C9E330DDDBE}"/>
               </a:ext>
             </a:extLst>
           </p:cNvPr>
@@ -11256,7 +11256,7 @@
           <p:cNvPr id="76" name="直線矢印コネクタ 75">
             <a:extLst>
               <a:ext uri="{FF2B5EF4-FFF2-40B4-BE49-F238E27FC236}">
-                <a16:creationId xmlns:a16="http://schemas.microsoft.com/office/drawing/2014/main" id="{B38BBFED-B25C-194B-A5D4-9579E34ABF0B}"/>
+                <a16:creationId xmlns:a16="http://schemas.microsoft.com/office/drawing/2014/main" xmlns="" id="{B38BBFED-B25C-194B-A5D4-9579E34ABF0B}"/>
               </a:ext>
             </a:extLst>
           </p:cNvPr>
@@ -11296,7 +11296,7 @@
           <p:cNvPr id="77" name="直線矢印コネクタ 76">
             <a:extLst>
               <a:ext uri="{FF2B5EF4-FFF2-40B4-BE49-F238E27FC236}">
-                <a16:creationId xmlns:a16="http://schemas.microsoft.com/office/drawing/2014/main" id="{77920787-5877-8345-A6AA-A50FA6C413F0}"/>
+                <a16:creationId xmlns:a16="http://schemas.microsoft.com/office/drawing/2014/main" xmlns="" id="{77920787-5877-8345-A6AA-A50FA6C413F0}"/>
               </a:ext>
             </a:extLst>
           </p:cNvPr>
@@ -11336,7 +11336,7 @@
           <p:cNvPr id="78" name="直線矢印コネクタ 77">
             <a:extLst>
               <a:ext uri="{FF2B5EF4-FFF2-40B4-BE49-F238E27FC236}">
-                <a16:creationId xmlns:a16="http://schemas.microsoft.com/office/drawing/2014/main" id="{CB00F6D0-E6CB-B640-BB2F-05E18D1DCFAE}"/>
+                <a16:creationId xmlns:a16="http://schemas.microsoft.com/office/drawing/2014/main" xmlns="" id="{CB00F6D0-E6CB-B640-BB2F-05E18D1DCFAE}"/>
               </a:ext>
             </a:extLst>
           </p:cNvPr>
@@ -11376,7 +11376,7 @@
           <p:cNvPr id="79" name="テキスト ボックス 78">
             <a:extLst>
               <a:ext uri="{FF2B5EF4-FFF2-40B4-BE49-F238E27FC236}">
-                <a16:creationId xmlns:a16="http://schemas.microsoft.com/office/drawing/2014/main" id="{AC7EF878-AFAC-9445-82C4-E9D06965DE70}"/>
+                <a16:creationId xmlns:a16="http://schemas.microsoft.com/office/drawing/2014/main" xmlns="" id="{AC7EF878-AFAC-9445-82C4-E9D06965DE70}"/>
               </a:ext>
             </a:extLst>
           </p:cNvPr>
@@ -11412,7 +11412,7 @@
           <p:cNvPr id="80" name="テキスト ボックス 79">
             <a:extLst>
               <a:ext uri="{FF2B5EF4-FFF2-40B4-BE49-F238E27FC236}">
-                <a16:creationId xmlns:a16="http://schemas.microsoft.com/office/drawing/2014/main" id="{29AF6932-79D7-AA4E-966D-2F5E998AB692}"/>
+                <a16:creationId xmlns:a16="http://schemas.microsoft.com/office/drawing/2014/main" xmlns="" id="{29AF6932-79D7-AA4E-966D-2F5E998AB692}"/>
               </a:ext>
             </a:extLst>
           </p:cNvPr>
@@ -11478,7 +11478,7 @@
           <p:cNvPr id="2" name="タイトル 1">
             <a:extLst>
               <a:ext uri="{FF2B5EF4-FFF2-40B4-BE49-F238E27FC236}">
-                <a16:creationId xmlns:a16="http://schemas.microsoft.com/office/drawing/2014/main" id="{AD513AB0-DE80-1249-81CC-02FEBF1A9A4F}"/>
+                <a16:creationId xmlns:a16="http://schemas.microsoft.com/office/drawing/2014/main" xmlns="" id="{AD513AB0-DE80-1249-81CC-02FEBF1A9A4F}"/>
               </a:ext>
             </a:extLst>
           </p:cNvPr>
@@ -11507,7 +11507,7 @@
           <p:cNvPr id="3" name="コンテンツ プレースホルダー 2">
             <a:extLst>
               <a:ext uri="{FF2B5EF4-FFF2-40B4-BE49-F238E27FC236}">
-                <a16:creationId xmlns:a16="http://schemas.microsoft.com/office/drawing/2014/main" id="{98A8D984-F4FD-154B-9B02-E5367600FF28}"/>
+                <a16:creationId xmlns:a16="http://schemas.microsoft.com/office/drawing/2014/main" xmlns="" id="{98A8D984-F4FD-154B-9B02-E5367600FF28}"/>
               </a:ext>
             </a:extLst>
           </p:cNvPr>
@@ -11588,7 +11588,7 @@
           <p:cNvPr id="2" name="タイトル 1">
             <a:extLst>
               <a:ext uri="{FF2B5EF4-FFF2-40B4-BE49-F238E27FC236}">
-                <a16:creationId xmlns:a16="http://schemas.microsoft.com/office/drawing/2014/main" id="{48ADACD0-9C1F-8A4B-8763-6580C2028ED1}"/>
+                <a16:creationId xmlns:a16="http://schemas.microsoft.com/office/drawing/2014/main" xmlns="" id="{48ADACD0-9C1F-8A4B-8763-6580C2028ED1}"/>
               </a:ext>
             </a:extLst>
           </p:cNvPr>
@@ -11617,7 +11617,7 @@
           <p:cNvPr id="3" name="コンテンツ プレースホルダー 2">
             <a:extLst>
               <a:ext uri="{FF2B5EF4-FFF2-40B4-BE49-F238E27FC236}">
-                <a16:creationId xmlns:a16="http://schemas.microsoft.com/office/drawing/2014/main" id="{44586398-A6F3-F44C-BFBE-A99197E1D5A2}"/>
+                <a16:creationId xmlns:a16="http://schemas.microsoft.com/office/drawing/2014/main" xmlns="" id="{44586398-A6F3-F44C-BFBE-A99197E1D5A2}"/>
               </a:ext>
             </a:extLst>
           </p:cNvPr>
@@ -11682,7 +11682,7 @@
           <p:cNvPr id="4" name="正方形/長方形 3">
             <a:extLst>
               <a:ext uri="{FF2B5EF4-FFF2-40B4-BE49-F238E27FC236}">
-                <a16:creationId xmlns:a16="http://schemas.microsoft.com/office/drawing/2014/main" id="{CC795830-74E8-B14A-A5F5-9BFDBA64665F}"/>
+                <a16:creationId xmlns:a16="http://schemas.microsoft.com/office/drawing/2014/main" xmlns="" id="{CC795830-74E8-B14A-A5F5-9BFDBA64665F}"/>
               </a:ext>
             </a:extLst>
           </p:cNvPr>
@@ -11743,7 +11743,7 @@
           <p:cNvPr id="5" name="正方形/長方形 4">
             <a:extLst>
               <a:ext uri="{FF2B5EF4-FFF2-40B4-BE49-F238E27FC236}">
-                <a16:creationId xmlns:a16="http://schemas.microsoft.com/office/drawing/2014/main" id="{3B40CD6F-7C77-F24E-99A2-3EA1AA220EFD}"/>
+                <a16:creationId xmlns:a16="http://schemas.microsoft.com/office/drawing/2014/main" xmlns="" id="{3B40CD6F-7C77-F24E-99A2-3EA1AA220EFD}"/>
               </a:ext>
             </a:extLst>
           </p:cNvPr>
@@ -11804,7 +11804,7 @@
           <p:cNvPr id="6" name="正方形/長方形 5">
             <a:extLst>
               <a:ext uri="{FF2B5EF4-FFF2-40B4-BE49-F238E27FC236}">
-                <a16:creationId xmlns:a16="http://schemas.microsoft.com/office/drawing/2014/main" id="{D5B37A48-4516-244C-A7E1-4A9ACDC81937}"/>
+                <a16:creationId xmlns:a16="http://schemas.microsoft.com/office/drawing/2014/main" xmlns="" id="{D5B37A48-4516-244C-A7E1-4A9ACDC81937}"/>
               </a:ext>
             </a:extLst>
           </p:cNvPr>
@@ -11851,7 +11851,7 @@
           <p:cNvPr id="7" name="正方形/長方形 6">
             <a:extLst>
               <a:ext uri="{FF2B5EF4-FFF2-40B4-BE49-F238E27FC236}">
-                <a16:creationId xmlns:a16="http://schemas.microsoft.com/office/drawing/2014/main" id="{5F4A86A1-9A49-4345-A1B1-71FCCFC0475C}"/>
+                <a16:creationId xmlns:a16="http://schemas.microsoft.com/office/drawing/2014/main" xmlns="" id="{5F4A86A1-9A49-4345-A1B1-71FCCFC0475C}"/>
               </a:ext>
             </a:extLst>
           </p:cNvPr>
@@ -11912,7 +11912,7 @@
           <p:cNvPr id="9" name="テキスト ボックス 8">
             <a:extLst>
               <a:ext uri="{FF2B5EF4-FFF2-40B4-BE49-F238E27FC236}">
-                <a16:creationId xmlns:a16="http://schemas.microsoft.com/office/drawing/2014/main" id="{C1CBD7A0-DB67-7549-8141-6FEDEE916E90}"/>
+                <a16:creationId xmlns:a16="http://schemas.microsoft.com/office/drawing/2014/main" xmlns="" id="{C1CBD7A0-DB67-7549-8141-6FEDEE916E90}"/>
               </a:ext>
             </a:extLst>
           </p:cNvPr>
@@ -11978,7 +11978,7 @@
           <p:cNvPr id="18" name="角丸四角形 17">
             <a:extLst>
               <a:ext uri="{FF2B5EF4-FFF2-40B4-BE49-F238E27FC236}">
-                <a16:creationId xmlns:a16="http://schemas.microsoft.com/office/drawing/2014/main" id="{E31EBBAC-560E-8B4A-AEEA-F5A56557F3EC}"/>
+                <a16:creationId xmlns:a16="http://schemas.microsoft.com/office/drawing/2014/main" xmlns="" id="{E31EBBAC-560E-8B4A-AEEA-F5A56557F3EC}"/>
               </a:ext>
             </a:extLst>
           </p:cNvPr>
@@ -12030,7 +12030,7 @@
           <p:cNvPr id="2" name="タイトル 1">
             <a:extLst>
               <a:ext uri="{FF2B5EF4-FFF2-40B4-BE49-F238E27FC236}">
-                <a16:creationId xmlns:a16="http://schemas.microsoft.com/office/drawing/2014/main" id="{46A1F328-BC50-0149-82B0-EA6BDA694A20}"/>
+                <a16:creationId xmlns:a16="http://schemas.microsoft.com/office/drawing/2014/main" xmlns="" id="{46A1F328-BC50-0149-82B0-EA6BDA694A20}"/>
               </a:ext>
             </a:extLst>
           </p:cNvPr>
@@ -12062,7 +12062,7 @@
           <p:cNvPr id="3" name="コンテンツ プレースホルダー 2">
             <a:extLst>
               <a:ext uri="{FF2B5EF4-FFF2-40B4-BE49-F238E27FC236}">
-                <a16:creationId xmlns:a16="http://schemas.microsoft.com/office/drawing/2014/main" id="{291AC8A2-8076-C04C-BE1C-74608B0208F4}"/>
+                <a16:creationId xmlns:a16="http://schemas.microsoft.com/office/drawing/2014/main" xmlns="" id="{291AC8A2-8076-C04C-BE1C-74608B0208F4}"/>
               </a:ext>
             </a:extLst>
           </p:cNvPr>
@@ -12119,7 +12119,7 @@
           <p:cNvPr id="5" name="正方形/長方形 4">
             <a:extLst>
               <a:ext uri="{FF2B5EF4-FFF2-40B4-BE49-F238E27FC236}">
-                <a16:creationId xmlns:a16="http://schemas.microsoft.com/office/drawing/2014/main" id="{64BA7E5D-CA0E-A348-945D-1AC3EB4A10F7}"/>
+                <a16:creationId xmlns:a16="http://schemas.microsoft.com/office/drawing/2014/main" xmlns="" id="{64BA7E5D-CA0E-A348-945D-1AC3EB4A10F7}"/>
               </a:ext>
             </a:extLst>
           </p:cNvPr>
@@ -12171,7 +12171,7 @@
           <p:cNvPr id="6" name="正方形/長方形 5">
             <a:extLst>
               <a:ext uri="{FF2B5EF4-FFF2-40B4-BE49-F238E27FC236}">
-                <a16:creationId xmlns:a16="http://schemas.microsoft.com/office/drawing/2014/main" id="{FCADF422-2C36-4042-A2A7-16BE3F51A670}"/>
+                <a16:creationId xmlns:a16="http://schemas.microsoft.com/office/drawing/2014/main" xmlns="" id="{FCADF422-2C36-4042-A2A7-16BE3F51A670}"/>
               </a:ext>
             </a:extLst>
           </p:cNvPr>
@@ -12222,7 +12222,7 @@
           <p:cNvPr id="7" name="正方形/長方形 6">
             <a:extLst>
               <a:ext uri="{FF2B5EF4-FFF2-40B4-BE49-F238E27FC236}">
-                <a16:creationId xmlns:a16="http://schemas.microsoft.com/office/drawing/2014/main" id="{37D42EA1-A4C4-9B40-A717-FFB9D18CED53}"/>
+                <a16:creationId xmlns:a16="http://schemas.microsoft.com/office/drawing/2014/main" xmlns="" id="{37D42EA1-A4C4-9B40-A717-FFB9D18CED53}"/>
               </a:ext>
             </a:extLst>
           </p:cNvPr>
@@ -12274,7 +12274,7 @@
           <p:cNvPr id="8" name="正方形/長方形 7">
             <a:extLst>
               <a:ext uri="{FF2B5EF4-FFF2-40B4-BE49-F238E27FC236}">
-                <a16:creationId xmlns:a16="http://schemas.microsoft.com/office/drawing/2014/main" id="{F86F1E0B-48AC-8A4D-9F14-9A1DF7D0474C}"/>
+                <a16:creationId xmlns:a16="http://schemas.microsoft.com/office/drawing/2014/main" xmlns="" id="{F86F1E0B-48AC-8A4D-9F14-9A1DF7D0474C}"/>
               </a:ext>
             </a:extLst>
           </p:cNvPr>
@@ -12330,7 +12330,7 @@
           <p:cNvPr id="9" name="正方形/長方形 8">
             <a:extLst>
               <a:ext uri="{FF2B5EF4-FFF2-40B4-BE49-F238E27FC236}">
-                <a16:creationId xmlns:a16="http://schemas.microsoft.com/office/drawing/2014/main" id="{CDBE8632-6E71-B445-A7F7-275688A93873}"/>
+                <a16:creationId xmlns:a16="http://schemas.microsoft.com/office/drawing/2014/main" xmlns="" id="{CDBE8632-6E71-B445-A7F7-275688A93873}"/>
               </a:ext>
             </a:extLst>
           </p:cNvPr>
@@ -12381,7 +12381,7 @@
           <p:cNvPr id="11" name="正方形/長方形 10">
             <a:extLst>
               <a:ext uri="{FF2B5EF4-FFF2-40B4-BE49-F238E27FC236}">
-                <a16:creationId xmlns:a16="http://schemas.microsoft.com/office/drawing/2014/main" id="{F30E823E-D107-9841-919E-365A3003EF58}"/>
+                <a16:creationId xmlns:a16="http://schemas.microsoft.com/office/drawing/2014/main" xmlns="" id="{F30E823E-D107-9841-919E-365A3003EF58}"/>
               </a:ext>
             </a:extLst>
           </p:cNvPr>
@@ -12432,7 +12432,7 @@
           <p:cNvPr id="13" name="直線矢印コネクタ 12">
             <a:extLst>
               <a:ext uri="{FF2B5EF4-FFF2-40B4-BE49-F238E27FC236}">
-                <a16:creationId xmlns:a16="http://schemas.microsoft.com/office/drawing/2014/main" id="{96BFE210-1150-0D4E-941D-B75E40DDDF57}"/>
+                <a16:creationId xmlns:a16="http://schemas.microsoft.com/office/drawing/2014/main" xmlns="" id="{96BFE210-1150-0D4E-941D-B75E40DDDF57}"/>
               </a:ext>
             </a:extLst>
           </p:cNvPr>
@@ -12475,7 +12475,7 @@
           <p:cNvPr id="15" name="曲折矢印 14">
             <a:extLst>
               <a:ext uri="{FF2B5EF4-FFF2-40B4-BE49-F238E27FC236}">
-                <a16:creationId xmlns:a16="http://schemas.microsoft.com/office/drawing/2014/main" id="{4ACD5A6A-682C-944D-AC59-9C5AEE27F1AD}"/>
+                <a16:creationId xmlns:a16="http://schemas.microsoft.com/office/drawing/2014/main" xmlns="" id="{4ACD5A6A-682C-944D-AC59-9C5AEE27F1AD}"/>
               </a:ext>
             </a:extLst>
           </p:cNvPr>
@@ -12528,7 +12528,7 @@
           <p:cNvPr id="16" name="右矢印 15">
             <a:extLst>
               <a:ext uri="{FF2B5EF4-FFF2-40B4-BE49-F238E27FC236}">
-                <a16:creationId xmlns:a16="http://schemas.microsoft.com/office/drawing/2014/main" id="{F08DC5E1-307E-7341-AA10-EE2376810ADB}"/>
+                <a16:creationId xmlns:a16="http://schemas.microsoft.com/office/drawing/2014/main" xmlns="" id="{F08DC5E1-307E-7341-AA10-EE2376810ADB}"/>
               </a:ext>
             </a:extLst>
           </p:cNvPr>
@@ -12577,7 +12577,7 @@
           <p:cNvPr id="17" name="テキスト ボックス 16">
             <a:extLst>
               <a:ext uri="{FF2B5EF4-FFF2-40B4-BE49-F238E27FC236}">
-                <a16:creationId xmlns:a16="http://schemas.microsoft.com/office/drawing/2014/main" id="{9EA4981F-8BA7-1248-BF38-BEF33D05ED2E}"/>
+                <a16:creationId xmlns:a16="http://schemas.microsoft.com/office/drawing/2014/main" xmlns="" id="{9EA4981F-8BA7-1248-BF38-BEF33D05ED2E}"/>
               </a:ext>
             </a:extLst>
           </p:cNvPr>
@@ -12643,7 +12643,7 @@
           <p:cNvPr id="2" name="タイトル 1">
             <a:extLst>
               <a:ext uri="{FF2B5EF4-FFF2-40B4-BE49-F238E27FC236}">
-                <a16:creationId xmlns:a16="http://schemas.microsoft.com/office/drawing/2014/main" id="{AE202A22-859D-CA45-86B3-4A7309856882}"/>
+                <a16:creationId xmlns:a16="http://schemas.microsoft.com/office/drawing/2014/main" xmlns="" id="{AE202A22-859D-CA45-86B3-4A7309856882}"/>
               </a:ext>
             </a:extLst>
           </p:cNvPr>
@@ -12674,7 +12674,7 @@
           <p:cNvPr id="3" name="コンテンツ プレースホルダー 2">
             <a:extLst>
               <a:ext uri="{FF2B5EF4-FFF2-40B4-BE49-F238E27FC236}">
-                <a16:creationId xmlns:a16="http://schemas.microsoft.com/office/drawing/2014/main" id="{35EE2957-4701-A244-9530-58631CB194DB}"/>
+                <a16:creationId xmlns:a16="http://schemas.microsoft.com/office/drawing/2014/main" xmlns="" id="{35EE2957-4701-A244-9530-58631CB194DB}"/>
               </a:ext>
             </a:extLst>
           </p:cNvPr>
@@ -12736,7 +12736,7 @@
           <p:cNvPr id="4" name="正方形/長方形 3">
             <a:extLst>
               <a:ext uri="{FF2B5EF4-FFF2-40B4-BE49-F238E27FC236}">
-                <a16:creationId xmlns:a16="http://schemas.microsoft.com/office/drawing/2014/main" id="{F9FCECD4-69A6-024A-B872-4D676AE15E11}"/>
+                <a16:creationId xmlns:a16="http://schemas.microsoft.com/office/drawing/2014/main" xmlns="" id="{F9FCECD4-69A6-024A-B872-4D676AE15E11}"/>
               </a:ext>
             </a:extLst>
           </p:cNvPr>
@@ -12788,7 +12788,7 @@
           <p:cNvPr id="5" name="正方形/長方形 4">
             <a:extLst>
               <a:ext uri="{FF2B5EF4-FFF2-40B4-BE49-F238E27FC236}">
-                <a16:creationId xmlns:a16="http://schemas.microsoft.com/office/drawing/2014/main" id="{0F0286D3-20A0-3947-A2B5-DEFF7F710651}"/>
+                <a16:creationId xmlns:a16="http://schemas.microsoft.com/office/drawing/2014/main" xmlns="" id="{0F0286D3-20A0-3947-A2B5-DEFF7F710651}"/>
               </a:ext>
             </a:extLst>
           </p:cNvPr>
@@ -12835,7 +12835,7 @@
           <p:cNvPr id="6" name="正方形/長方形 5">
             <a:extLst>
               <a:ext uri="{FF2B5EF4-FFF2-40B4-BE49-F238E27FC236}">
-                <a16:creationId xmlns:a16="http://schemas.microsoft.com/office/drawing/2014/main" id="{83E76893-1302-B744-ACB3-781F4E89A774}"/>
+                <a16:creationId xmlns:a16="http://schemas.microsoft.com/office/drawing/2014/main" xmlns="" id="{83E76893-1302-B744-ACB3-781F4E89A774}"/>
               </a:ext>
             </a:extLst>
           </p:cNvPr>
@@ -12887,7 +12887,7 @@
           <p:cNvPr id="7" name="正方形/長方形 6">
             <a:extLst>
               <a:ext uri="{FF2B5EF4-FFF2-40B4-BE49-F238E27FC236}">
-                <a16:creationId xmlns:a16="http://schemas.microsoft.com/office/drawing/2014/main" id="{75DF4B00-A954-6B4E-A52B-764408A3C261}"/>
+                <a16:creationId xmlns:a16="http://schemas.microsoft.com/office/drawing/2014/main" xmlns="" id="{75DF4B00-A954-6B4E-A52B-764408A3C261}"/>
               </a:ext>
             </a:extLst>
           </p:cNvPr>
@@ -12939,7 +12939,7 @@
           <p:cNvPr id="8" name="正方形/長方形 7">
             <a:extLst>
               <a:ext uri="{FF2B5EF4-FFF2-40B4-BE49-F238E27FC236}">
-                <a16:creationId xmlns:a16="http://schemas.microsoft.com/office/drawing/2014/main" id="{C6FD4A90-8BD6-4841-B0BC-C81324DDE6DB}"/>
+                <a16:creationId xmlns:a16="http://schemas.microsoft.com/office/drawing/2014/main" xmlns="" id="{C6FD4A90-8BD6-4841-B0BC-C81324DDE6DB}"/>
               </a:ext>
             </a:extLst>
           </p:cNvPr>
@@ -12986,7 +12986,7 @@
           <p:cNvPr id="9" name="正方形/長方形 8">
             <a:extLst>
               <a:ext uri="{FF2B5EF4-FFF2-40B4-BE49-F238E27FC236}">
-                <a16:creationId xmlns:a16="http://schemas.microsoft.com/office/drawing/2014/main" id="{1B98646B-717C-1D47-BA61-CA6FB135C465}"/>
+                <a16:creationId xmlns:a16="http://schemas.microsoft.com/office/drawing/2014/main" xmlns="" id="{1B98646B-717C-1D47-BA61-CA6FB135C465}"/>
               </a:ext>
             </a:extLst>
           </p:cNvPr>
@@ -13033,7 +13033,7 @@
           <p:cNvPr id="12" name="右矢印 11">
             <a:extLst>
               <a:ext uri="{FF2B5EF4-FFF2-40B4-BE49-F238E27FC236}">
-                <a16:creationId xmlns:a16="http://schemas.microsoft.com/office/drawing/2014/main" id="{E8336B91-7838-7148-AE0B-8E79303900D1}"/>
+                <a16:creationId xmlns:a16="http://schemas.microsoft.com/office/drawing/2014/main" xmlns="" id="{E8336B91-7838-7148-AE0B-8E79303900D1}"/>
               </a:ext>
             </a:extLst>
           </p:cNvPr>
@@ -13079,7 +13079,7 @@
           <p:cNvPr id="13" name="テキスト ボックス 12">
             <a:extLst>
               <a:ext uri="{FF2B5EF4-FFF2-40B4-BE49-F238E27FC236}">
-                <a16:creationId xmlns:a16="http://schemas.microsoft.com/office/drawing/2014/main" id="{63B3B040-9146-7341-98B8-EA409090CA23}"/>
+                <a16:creationId xmlns:a16="http://schemas.microsoft.com/office/drawing/2014/main" xmlns="" id="{63B3B040-9146-7341-98B8-EA409090CA23}"/>
               </a:ext>
             </a:extLst>
           </p:cNvPr>
@@ -13145,7 +13145,7 @@
           <p:cNvPr id="2" name="タイトル 1">
             <a:extLst>
               <a:ext uri="{FF2B5EF4-FFF2-40B4-BE49-F238E27FC236}">
-                <a16:creationId xmlns:a16="http://schemas.microsoft.com/office/drawing/2014/main" id="{546CADF5-44DE-ED46-8CE2-50B894135079}"/>
+                <a16:creationId xmlns:a16="http://schemas.microsoft.com/office/drawing/2014/main" xmlns="" id="{546CADF5-44DE-ED46-8CE2-50B894135079}"/>
               </a:ext>
             </a:extLst>
           </p:cNvPr>
@@ -13174,7 +13174,7 @@
           <p:cNvPr id="3" name="コンテンツ プレースホルダー 2">
             <a:extLst>
               <a:ext uri="{FF2B5EF4-FFF2-40B4-BE49-F238E27FC236}">
-                <a16:creationId xmlns:a16="http://schemas.microsoft.com/office/drawing/2014/main" id="{C80A7A15-85D4-4D44-A234-7AC105792BD1}"/>
+                <a16:creationId xmlns:a16="http://schemas.microsoft.com/office/drawing/2014/main" xmlns="" id="{C80A7A15-85D4-4D44-A234-7AC105792BD1}"/>
               </a:ext>
             </a:extLst>
           </p:cNvPr>
@@ -13266,7 +13266,7 @@
           <p:cNvPr id="2" name="タイトル 1">
             <a:extLst>
               <a:ext uri="{FF2B5EF4-FFF2-40B4-BE49-F238E27FC236}">
-                <a16:creationId xmlns:a16="http://schemas.microsoft.com/office/drawing/2014/main" id="{D6E9A7F1-EC3C-894A-8E9E-0981C4CA834A}"/>
+                <a16:creationId xmlns:a16="http://schemas.microsoft.com/office/drawing/2014/main" xmlns="" id="{D6E9A7F1-EC3C-894A-8E9E-0981C4CA834A}"/>
               </a:ext>
             </a:extLst>
           </p:cNvPr>
@@ -13295,7 +13295,7 @@
           <p:cNvPr id="3" name="コンテンツ プレースホルダー 2">
             <a:extLst>
               <a:ext uri="{FF2B5EF4-FFF2-40B4-BE49-F238E27FC236}">
-                <a16:creationId xmlns:a16="http://schemas.microsoft.com/office/drawing/2014/main" id="{9D01FC0B-1A3C-FE4D-82C1-224B072D7881}"/>
+                <a16:creationId xmlns:a16="http://schemas.microsoft.com/office/drawing/2014/main" xmlns="" id="{9D01FC0B-1A3C-FE4D-82C1-224B072D7881}"/>
               </a:ext>
             </a:extLst>
           </p:cNvPr>
@@ -13379,7 +13379,7 @@
           <p:cNvPr id="2" name="タイトル 1">
             <a:extLst>
               <a:ext uri="{FF2B5EF4-FFF2-40B4-BE49-F238E27FC236}">
-                <a16:creationId xmlns:a16="http://schemas.microsoft.com/office/drawing/2014/main" id="{93010AF0-9B7D-1145-8148-06A633089EBF}"/>
+                <a16:creationId xmlns:a16="http://schemas.microsoft.com/office/drawing/2014/main" xmlns="" id="{93010AF0-9B7D-1145-8148-06A633089EBF}"/>
               </a:ext>
             </a:extLst>
           </p:cNvPr>
@@ -13408,7 +13408,7 @@
           <p:cNvPr id="3" name="コンテンツ プレースホルダー 2">
             <a:extLst>
               <a:ext uri="{FF2B5EF4-FFF2-40B4-BE49-F238E27FC236}">
-                <a16:creationId xmlns:a16="http://schemas.microsoft.com/office/drawing/2014/main" id="{97A5DCCE-A463-7E40-A93C-1FAC6C539F8C}"/>
+                <a16:creationId xmlns:a16="http://schemas.microsoft.com/office/drawing/2014/main" xmlns="" id="{97A5DCCE-A463-7E40-A93C-1FAC6C539F8C}"/>
               </a:ext>
             </a:extLst>
           </p:cNvPr>
@@ -13499,7 +13499,7 @@
           <p:cNvPr id="2" name="タイトル 1">
             <a:extLst>
               <a:ext uri="{FF2B5EF4-FFF2-40B4-BE49-F238E27FC236}">
-                <a16:creationId xmlns:a16="http://schemas.microsoft.com/office/drawing/2014/main" id="{C31306A2-0982-6849-939B-C8AF835661CA}"/>
+                <a16:creationId xmlns:a16="http://schemas.microsoft.com/office/drawing/2014/main" xmlns="" id="{C31306A2-0982-6849-939B-C8AF835661CA}"/>
               </a:ext>
             </a:extLst>
           </p:cNvPr>
@@ -13530,7 +13530,7 @@
               <p:cNvPr id="3" name="コンテンツ プレースホルダー 2">
                 <a:extLst>
                   <a:ext uri="{FF2B5EF4-FFF2-40B4-BE49-F238E27FC236}">
-                    <a16:creationId xmlns:a16="http://schemas.microsoft.com/office/drawing/2014/main" id="{B168A923-369D-B948-B317-BB629C56578E}"/>
+                    <a16:creationId xmlns:a16="http://schemas.microsoft.com/office/drawing/2014/main" xmlns="" id="{B168A923-369D-B948-B317-BB629C56578E}"/>
                   </a:ext>
                 </a:extLst>
               </p:cNvPr>
@@ -13583,7 +13583,7 @@
                       <m:sSubPr>
                         <m:ctrlPr>
                           <a:rPr lang="en" altLang="ja-JP" sz="2200" i="1" smtClean="0">
-                            <a:latin typeface="Cambria Math" panose="02040503050406030204" pitchFamily="18" charset="0"/>
+                            <a:latin typeface="Cambria Math" charset="0"/>
                           </a:rPr>
                         </m:ctrlPr>
                       </m:sSubPr>
@@ -13620,7 +13620,7 @@
                       <m:sSubPr>
                         <m:ctrlPr>
                           <a:rPr lang="en" altLang="ja-JP" sz="2200" i="1" smtClean="0">
-                            <a:latin typeface="Cambria Math" panose="02040503050406030204" pitchFamily="18" charset="0"/>
+                            <a:latin typeface="Cambria Math" charset="0"/>
                           </a:rPr>
                         </m:ctrlPr>
                       </m:sSubPr>
@@ -13630,7 +13630,7 @@
                             <m:chr m:val="̅"/>
                             <m:ctrlPr>
                               <a:rPr lang="en" altLang="ja-JP" sz="2200" i="1" smtClean="0">
-                                <a:latin typeface="Cambria Math" panose="02040503050406030204" pitchFamily="18" charset="0"/>
+                                <a:latin typeface="Cambria Math" charset="0"/>
                               </a:rPr>
                             </m:ctrlPr>
                           </m:accPr>
@@ -13677,7 +13677,7 @@
                         <m:sSubPr>
                           <m:ctrlPr>
                             <a:rPr lang="en" altLang="ja-JP" sz="2400" i="1">
-                              <a:latin typeface="Cambria Math" panose="02040503050406030204" pitchFamily="18" charset="0"/>
+                              <a:latin typeface="Cambria Math" charset="0"/>
                             </a:rPr>
                           </m:ctrlPr>
                         </m:sSubPr>
@@ -13723,7 +13723,7 @@
                           <m:chr m:val="̅"/>
                           <m:ctrlPr>
                             <a:rPr lang="en-US" altLang="ja-JP" sz="2400" i="1">
-                              <a:latin typeface="Cambria Math" panose="02040503050406030204" pitchFamily="18" charset="0"/>
+                              <a:latin typeface="Cambria Math" charset="0"/>
                               <a:ea typeface="Cambria Math" panose="02040503050406030204" pitchFamily="18" charset="0"/>
                             </a:rPr>
                           </m:ctrlPr>
@@ -13733,7 +13733,7 @@
                             <m:sSubPr>
                               <m:ctrlPr>
                                 <a:rPr lang="en-US" altLang="ja-JP" sz="2400" i="1">
-                                  <a:latin typeface="Cambria Math" panose="02040503050406030204" pitchFamily="18" charset="0"/>
+                                  <a:latin typeface="Cambria Math" charset="0"/>
                                   <a:ea typeface="Cambria Math" panose="02040503050406030204" pitchFamily="18" charset="0"/>
                                 </a:rPr>
                               </m:ctrlPr>
@@ -13842,7 +13842,7 @@
           <p:cNvPr id="2" name="タイトル 1">
             <a:extLst>
               <a:ext uri="{FF2B5EF4-FFF2-40B4-BE49-F238E27FC236}">
-                <a16:creationId xmlns:a16="http://schemas.microsoft.com/office/drawing/2014/main" id="{2C9AF7B9-F858-7546-9DA7-F0B972955209}"/>
+                <a16:creationId xmlns:a16="http://schemas.microsoft.com/office/drawing/2014/main" xmlns="" id="{2C9AF7B9-F858-7546-9DA7-F0B972955209}"/>
               </a:ext>
             </a:extLst>
           </p:cNvPr>
@@ -13876,7 +13876,7 @@
           <p:cNvPr id="3" name="コンテンツ プレースホルダー 2">
             <a:extLst>
               <a:ext uri="{FF2B5EF4-FFF2-40B4-BE49-F238E27FC236}">
-                <a16:creationId xmlns:a16="http://schemas.microsoft.com/office/drawing/2014/main" id="{DFE79931-7D32-4849-B512-925A9BAF8802}"/>
+                <a16:creationId xmlns:a16="http://schemas.microsoft.com/office/drawing/2014/main" xmlns="" id="{DFE79931-7D32-4849-B512-925A9BAF8802}"/>
               </a:ext>
             </a:extLst>
           </p:cNvPr>
@@ -13928,7 +13928,7 @@
           <p:cNvPr id="5" name="図 4">
             <a:extLst>
               <a:ext uri="{FF2B5EF4-FFF2-40B4-BE49-F238E27FC236}">
-                <a16:creationId xmlns:a16="http://schemas.microsoft.com/office/drawing/2014/main" id="{F81A7929-0CC8-494B-B1D4-0CD029B548B2}"/>
+                <a16:creationId xmlns:a16="http://schemas.microsoft.com/office/drawing/2014/main" xmlns="" id="{F81A7929-0CC8-494B-B1D4-0CD029B548B2}"/>
               </a:ext>
             </a:extLst>
           </p:cNvPr>
@@ -13988,7 +13988,7 @@
           <p:cNvPr id="2" name="タイトル 1">
             <a:extLst>
               <a:ext uri="{FF2B5EF4-FFF2-40B4-BE49-F238E27FC236}">
-                <a16:creationId xmlns:a16="http://schemas.microsoft.com/office/drawing/2014/main" id="{D3BE51AA-6929-3442-966A-7D9EB4731FE2}"/>
+                <a16:creationId xmlns:a16="http://schemas.microsoft.com/office/drawing/2014/main" xmlns="" id="{D3BE51AA-6929-3442-966A-7D9EB4731FE2}"/>
               </a:ext>
             </a:extLst>
           </p:cNvPr>
@@ -14022,7 +14022,7 @@
               <p:cNvPr id="3" name="コンテンツ プレースホルダー 2">
                 <a:extLst>
                   <a:ext uri="{FF2B5EF4-FFF2-40B4-BE49-F238E27FC236}">
-                    <a16:creationId xmlns:a16="http://schemas.microsoft.com/office/drawing/2014/main" id="{7A66D6AA-85AC-DC4D-AC2F-0EE32EC50F84}"/>
+                    <a16:creationId xmlns:a16="http://schemas.microsoft.com/office/drawing/2014/main" xmlns="" id="{7A66D6AA-85AC-DC4D-AC2F-0EE32EC50F84}"/>
                   </a:ext>
                 </a:extLst>
               </p:cNvPr>
@@ -14050,7 +14050,7 @@
                       <m:sSubSupPr>
                         <m:ctrlPr>
                           <a:rPr lang="en" altLang="ja-JP" sz="2400" i="1" smtClean="0">
-                            <a:latin typeface="Cambria Math" panose="02040503050406030204" pitchFamily="18" charset="0"/>
+                            <a:latin typeface="Cambria Math" charset="0"/>
                           </a:rPr>
                         </m:ctrlPr>
                       </m:sSubSupPr>
@@ -14115,7 +14115,7 @@
                       <m:sSubPr>
                         <m:ctrlPr>
                           <a:rPr lang="en" altLang="ja-JP" sz="2400" i="1" smtClean="0">
-                            <a:latin typeface="Cambria Math" panose="02040503050406030204" pitchFamily="18" charset="0"/>
+                            <a:latin typeface="Cambria Math" charset="0"/>
                           </a:rPr>
                         </m:ctrlPr>
                       </m:sSubPr>
@@ -14153,7 +14153,7 @@
                         <m:supHide m:val="on"/>
                         <m:ctrlPr>
                           <a:rPr lang="en" altLang="ja-JP" sz="2400" i="1" smtClean="0">
-                            <a:latin typeface="Cambria Math" panose="02040503050406030204" pitchFamily="18" charset="0"/>
+                            <a:latin typeface="Cambria Math" charset="0"/>
                           </a:rPr>
                         </m:ctrlPr>
                       </m:naryPr>
@@ -14186,7 +14186,7 @@
                           <m:sSubPr>
                             <m:ctrlPr>
                               <a:rPr lang="en" altLang="ja-JP" sz="2400" i="1" smtClean="0">
-                                <a:latin typeface="Cambria Math" panose="02040503050406030204" pitchFamily="18" charset="0"/>
+                                <a:latin typeface="Cambria Math" charset="0"/>
                               </a:rPr>
                             </m:ctrlPr>
                           </m:sSubPr>
@@ -14211,7 +14211,7 @@
                           <m:sSubSupPr>
                             <m:ctrlPr>
                               <a:rPr lang="en" altLang="ja-JP" sz="2400" i="1" smtClean="0">
-                                <a:latin typeface="Cambria Math" panose="02040503050406030204" pitchFamily="18" charset="0"/>
+                                <a:latin typeface="Cambria Math" charset="0"/>
                               </a:rPr>
                             </m:ctrlPr>
                           </m:sSubSupPr>
@@ -14245,7 +14245,7 @@
                           <m:sSubPr>
                             <m:ctrlPr>
                               <a:rPr lang="en" altLang="ja-JP" sz="2400" i="1" smtClean="0">
-                                <a:latin typeface="Cambria Math" panose="02040503050406030204" pitchFamily="18" charset="0"/>
+                                <a:latin typeface="Cambria Math" charset="0"/>
                               </a:rPr>
                             </m:ctrlPr>
                           </m:sSubPr>
@@ -14356,7 +14356,7 @@
           <p:cNvPr id="2" name="タイトル 1">
             <a:extLst>
               <a:ext uri="{FF2B5EF4-FFF2-40B4-BE49-F238E27FC236}">
-                <a16:creationId xmlns:a16="http://schemas.microsoft.com/office/drawing/2014/main" id="{D3BE51AA-6929-3442-966A-7D9EB4731FE2}"/>
+                <a16:creationId xmlns:a16="http://schemas.microsoft.com/office/drawing/2014/main" xmlns="" id="{D3BE51AA-6929-3442-966A-7D9EB4731FE2}"/>
               </a:ext>
             </a:extLst>
           </p:cNvPr>
@@ -14390,7 +14390,7 @@
               <p:cNvPr id="3" name="コンテンツ プレースホルダー 2">
                 <a:extLst>
                   <a:ext uri="{FF2B5EF4-FFF2-40B4-BE49-F238E27FC236}">
-                    <a16:creationId xmlns:a16="http://schemas.microsoft.com/office/drawing/2014/main" id="{7A66D6AA-85AC-DC4D-AC2F-0EE32EC50F84}"/>
+                    <a16:creationId xmlns:a16="http://schemas.microsoft.com/office/drawing/2014/main" xmlns="" id="{7A66D6AA-85AC-DC4D-AC2F-0EE32EC50F84}"/>
                   </a:ext>
                 </a:extLst>
               </p:cNvPr>
@@ -14418,7 +14418,7 @@
                       <m:sSubSupPr>
                         <m:ctrlPr>
                           <a:rPr lang="en" altLang="ja-JP" sz="2400" i="1" smtClean="0">
-                            <a:latin typeface="Cambria Math" panose="02040503050406030204" pitchFamily="18" charset="0"/>
+                            <a:latin typeface="Cambria Math" charset="0"/>
                           </a:rPr>
                         </m:ctrlPr>
                       </m:sSubSupPr>
@@ -14483,7 +14483,7 @@
                       <m:sSubPr>
                         <m:ctrlPr>
                           <a:rPr lang="en" altLang="ja-JP" sz="2400" i="1" smtClean="0">
-                            <a:latin typeface="Cambria Math" panose="02040503050406030204" pitchFamily="18" charset="0"/>
+                            <a:latin typeface="Cambria Math" charset="0"/>
                           </a:rPr>
                         </m:ctrlPr>
                       </m:sSubPr>
@@ -14521,7 +14521,7 @@
                         <m:supHide m:val="on"/>
                         <m:ctrlPr>
                           <a:rPr lang="en" altLang="ja-JP" sz="2400" i="1" smtClean="0">
-                            <a:latin typeface="Cambria Math" panose="02040503050406030204" pitchFamily="18" charset="0"/>
+                            <a:latin typeface="Cambria Math" charset="0"/>
                           </a:rPr>
                         </m:ctrlPr>
                       </m:naryPr>
@@ -14554,7 +14554,7 @@
                           <m:sSubPr>
                             <m:ctrlPr>
                               <a:rPr lang="en" altLang="ja-JP" sz="2400" i="1" smtClean="0">
-                                <a:latin typeface="Cambria Math" panose="02040503050406030204" pitchFamily="18" charset="0"/>
+                                <a:latin typeface="Cambria Math" charset="0"/>
                               </a:rPr>
                             </m:ctrlPr>
                           </m:sSubPr>
@@ -14579,7 +14579,7 @@
                           <m:sSubSupPr>
                             <m:ctrlPr>
                               <a:rPr lang="en" altLang="ja-JP" sz="2400" i="1" smtClean="0">
-                                <a:latin typeface="Cambria Math" panose="02040503050406030204" pitchFamily="18" charset="0"/>
+                                <a:latin typeface="Cambria Math" charset="0"/>
                               </a:rPr>
                             </m:ctrlPr>
                           </m:sSubSupPr>
@@ -14613,7 +14613,7 @@
                           <m:sSubPr>
                             <m:ctrlPr>
                               <a:rPr lang="en" altLang="ja-JP" sz="2400" i="1" smtClean="0">
-                                <a:latin typeface="Cambria Math" panose="02040503050406030204" pitchFamily="18" charset="0"/>
+                                <a:latin typeface="Cambria Math" charset="0"/>
                               </a:rPr>
                             </m:ctrlPr>
                           </m:sSubPr>
@@ -14724,7 +14724,7 @@
           <p:cNvPr id="2" name="タイトル 1">
             <a:extLst>
               <a:ext uri="{FF2B5EF4-FFF2-40B4-BE49-F238E27FC236}">
-                <a16:creationId xmlns:a16="http://schemas.microsoft.com/office/drawing/2014/main" id="{27F343C2-0C5B-4C4B-80AC-FA94488BB945}"/>
+                <a16:creationId xmlns:a16="http://schemas.microsoft.com/office/drawing/2014/main" xmlns="" id="{27F343C2-0C5B-4C4B-80AC-FA94488BB945}"/>
               </a:ext>
             </a:extLst>
           </p:cNvPr>
@@ -14753,7 +14753,7 @@
           <p:cNvPr id="3" name="コンテンツ プレースホルダー 2">
             <a:extLst>
               <a:ext uri="{FF2B5EF4-FFF2-40B4-BE49-F238E27FC236}">
-                <a16:creationId xmlns:a16="http://schemas.microsoft.com/office/drawing/2014/main" id="{11F9DD95-8CF5-9348-886C-FD2EAE61BF0C}"/>
+                <a16:creationId xmlns:a16="http://schemas.microsoft.com/office/drawing/2014/main" xmlns="" id="{11F9DD95-8CF5-9348-886C-FD2EAE61BF0C}"/>
               </a:ext>
             </a:extLst>
           </p:cNvPr>
@@ -14790,7 +14790,7 @@
           <p:cNvPr id="4" name="正方形/長方形 3">
             <a:extLst>
               <a:ext uri="{FF2B5EF4-FFF2-40B4-BE49-F238E27FC236}">
-                <a16:creationId xmlns:a16="http://schemas.microsoft.com/office/drawing/2014/main" id="{9D9AB659-4052-624D-8F74-5899265AF76C}"/>
+                <a16:creationId xmlns:a16="http://schemas.microsoft.com/office/drawing/2014/main" xmlns="" id="{9D9AB659-4052-624D-8F74-5899265AF76C}"/>
               </a:ext>
             </a:extLst>
           </p:cNvPr>
@@ -14879,7 +14879,7 @@
           <p:cNvPr id="2" name="タイトル 1">
             <a:extLst>
               <a:ext uri="{FF2B5EF4-FFF2-40B4-BE49-F238E27FC236}">
-                <a16:creationId xmlns:a16="http://schemas.microsoft.com/office/drawing/2014/main" id="{AA682DFF-D324-2B44-B659-FF46E3AA1D70}"/>
+                <a16:creationId xmlns:a16="http://schemas.microsoft.com/office/drawing/2014/main" xmlns="" id="{AA682DFF-D324-2B44-B659-FF46E3AA1D70}"/>
               </a:ext>
             </a:extLst>
           </p:cNvPr>
@@ -14912,7 +14912,7 @@
           <p:cNvPr id="3" name="コンテンツ プレースホルダー 2">
             <a:extLst>
               <a:ext uri="{FF2B5EF4-FFF2-40B4-BE49-F238E27FC236}">
-                <a16:creationId xmlns:a16="http://schemas.microsoft.com/office/drawing/2014/main" id="{A1B81CE6-3BEF-7F46-9003-6161F54DD432}"/>
+                <a16:creationId xmlns:a16="http://schemas.microsoft.com/office/drawing/2014/main" xmlns="" id="{A1B81CE6-3BEF-7F46-9003-6161F54DD432}"/>
               </a:ext>
             </a:extLst>
           </p:cNvPr>
@@ -14999,7 +14999,7 @@
           <p:cNvPr id="2" name="タイトル 1">
             <a:extLst>
               <a:ext uri="{FF2B5EF4-FFF2-40B4-BE49-F238E27FC236}">
-                <a16:creationId xmlns:a16="http://schemas.microsoft.com/office/drawing/2014/main" id="{D4EA45E0-6EC3-4546-962B-3ADDD8781C9D}"/>
+                <a16:creationId xmlns:a16="http://schemas.microsoft.com/office/drawing/2014/main" xmlns="" id="{D4EA45E0-6EC3-4546-962B-3ADDD8781C9D}"/>
               </a:ext>
             </a:extLst>
           </p:cNvPr>
@@ -15028,7 +15028,7 @@
           <p:cNvPr id="3" name="コンテンツ プレースホルダー 2">
             <a:extLst>
               <a:ext uri="{FF2B5EF4-FFF2-40B4-BE49-F238E27FC236}">
-                <a16:creationId xmlns:a16="http://schemas.microsoft.com/office/drawing/2014/main" id="{C6E27343-2C9B-334E-90CD-315B46EA63CE}"/>
+                <a16:creationId xmlns:a16="http://schemas.microsoft.com/office/drawing/2014/main" xmlns="" id="{C6E27343-2C9B-334E-90CD-315B46EA63CE}"/>
               </a:ext>
             </a:extLst>
           </p:cNvPr>
@@ -15122,7 +15122,7 @@
           <p:cNvPr id="2" name="タイトル 1">
             <a:extLst>
               <a:ext uri="{FF2B5EF4-FFF2-40B4-BE49-F238E27FC236}">
-                <a16:creationId xmlns:a16="http://schemas.microsoft.com/office/drawing/2014/main" id="{A0F04F6F-5F7C-4C4A-A9DD-C0722B40C486}"/>
+                <a16:creationId xmlns:a16="http://schemas.microsoft.com/office/drawing/2014/main" xmlns="" id="{A0F04F6F-5F7C-4C4A-A9DD-C0722B40C486}"/>
               </a:ext>
             </a:extLst>
           </p:cNvPr>
@@ -15151,7 +15151,7 @@
           <p:cNvPr id="3" name="コンテンツ プレースホルダー 2">
             <a:extLst>
               <a:ext uri="{FF2B5EF4-FFF2-40B4-BE49-F238E27FC236}">
-                <a16:creationId xmlns:a16="http://schemas.microsoft.com/office/drawing/2014/main" id="{AE0BE67F-9583-8743-8B5D-219840071ED9}"/>
+                <a16:creationId xmlns:a16="http://schemas.microsoft.com/office/drawing/2014/main" xmlns="" id="{AE0BE67F-9583-8743-8B5D-219840071ED9}"/>
               </a:ext>
             </a:extLst>
           </p:cNvPr>
@@ -15236,7 +15236,7 @@
           <p:cNvPr id="2" name="タイトル 1">
             <a:extLst>
               <a:ext uri="{FF2B5EF4-FFF2-40B4-BE49-F238E27FC236}">
-                <a16:creationId xmlns:a16="http://schemas.microsoft.com/office/drawing/2014/main" id="{531AE33E-1F70-7949-9F8B-070B10EEC187}"/>
+                <a16:creationId xmlns:a16="http://schemas.microsoft.com/office/drawing/2014/main" xmlns="" id="{531AE33E-1F70-7949-9F8B-070B10EEC187}"/>
               </a:ext>
             </a:extLst>
           </p:cNvPr>
@@ -15265,7 +15265,7 @@
           <p:cNvPr id="5" name="コンテンツ プレースホルダー 4">
             <a:extLst>
               <a:ext uri="{FF2B5EF4-FFF2-40B4-BE49-F238E27FC236}">
-                <a16:creationId xmlns:a16="http://schemas.microsoft.com/office/drawing/2014/main" id="{B9457E1D-F013-A342-A3D1-47C286D004BC}"/>
+                <a16:creationId xmlns:a16="http://schemas.microsoft.com/office/drawing/2014/main" xmlns="" id="{B9457E1D-F013-A342-A3D1-47C286D004BC}"/>
               </a:ext>
             </a:extLst>
           </p:cNvPr>
@@ -15294,7 +15294,7 @@
           <p:cNvPr id="6" name="テキスト ボックス 5">
             <a:extLst>
               <a:ext uri="{FF2B5EF4-FFF2-40B4-BE49-F238E27FC236}">
-                <a16:creationId xmlns:a16="http://schemas.microsoft.com/office/drawing/2014/main" id="{AC098C05-FF14-6044-BFC6-396A4D238EFA}"/>
+                <a16:creationId xmlns:a16="http://schemas.microsoft.com/office/drawing/2014/main" xmlns="" id="{AC098C05-FF14-6044-BFC6-396A4D238EFA}"/>
               </a:ext>
             </a:extLst>
           </p:cNvPr>
@@ -15329,7 +15329,7 @@
           <p:cNvPr id="8" name="図 7">
             <a:extLst>
               <a:ext uri="{FF2B5EF4-FFF2-40B4-BE49-F238E27FC236}">
-                <a16:creationId xmlns:a16="http://schemas.microsoft.com/office/drawing/2014/main" id="{101DCCF4-FB0F-BC4D-AE09-263BEE099105}"/>
+                <a16:creationId xmlns:a16="http://schemas.microsoft.com/office/drawing/2014/main" xmlns="" id="{101DCCF4-FB0F-BC4D-AE09-263BEE099105}"/>
               </a:ext>
             </a:extLst>
           </p:cNvPr>
@@ -15389,7 +15389,7 @@
           <p:cNvPr id="2" name="タイトル 1">
             <a:extLst>
               <a:ext uri="{FF2B5EF4-FFF2-40B4-BE49-F238E27FC236}">
-                <a16:creationId xmlns:a16="http://schemas.microsoft.com/office/drawing/2014/main" id="{6F100CDD-E71F-0C48-A12F-BDDF8054F874}"/>
+                <a16:creationId xmlns:a16="http://schemas.microsoft.com/office/drawing/2014/main" xmlns="" id="{6F100CDD-E71F-0C48-A12F-BDDF8054F874}"/>
               </a:ext>
             </a:extLst>
           </p:cNvPr>
@@ -15418,7 +15418,7 @@
           <p:cNvPr id="3" name="コンテンツ プレースホルダー 2">
             <a:extLst>
               <a:ext uri="{FF2B5EF4-FFF2-40B4-BE49-F238E27FC236}">
-                <a16:creationId xmlns:a16="http://schemas.microsoft.com/office/drawing/2014/main" id="{C33B7006-9EE3-5A49-BBFD-F7D51D258C04}"/>
+                <a16:creationId xmlns:a16="http://schemas.microsoft.com/office/drawing/2014/main" xmlns="" id="{C33B7006-9EE3-5A49-BBFD-F7D51D258C04}"/>
               </a:ext>
             </a:extLst>
           </p:cNvPr>
@@ -15500,7 +15500,7 @@
           <p:cNvPr id="4" name="コンテンツ プレースホルダー 3">
             <a:extLst>
               <a:ext uri="{FF2B5EF4-FFF2-40B4-BE49-F238E27FC236}">
-                <a16:creationId xmlns:a16="http://schemas.microsoft.com/office/drawing/2014/main" id="{1FD8347B-5610-1046-B9B8-AE5FBFADCCC6}"/>
+                <a16:creationId xmlns:a16="http://schemas.microsoft.com/office/drawing/2014/main" xmlns="" id="{1FD8347B-5610-1046-B9B8-AE5FBFADCCC6}"/>
               </a:ext>
             </a:extLst>
           </p:cNvPr>
@@ -15584,7 +15584,7 @@
           <p:cNvPr id="6" name="直線コネクタ 5">
             <a:extLst>
               <a:ext uri="{FF2B5EF4-FFF2-40B4-BE49-F238E27FC236}">
-                <a16:creationId xmlns:a16="http://schemas.microsoft.com/office/drawing/2014/main" id="{11A31D31-CFC5-1C4D-8435-60D3B8346259}"/>
+                <a16:creationId xmlns:a16="http://schemas.microsoft.com/office/drawing/2014/main" xmlns="" id="{11A31D31-CFC5-1C4D-8435-60D3B8346259}"/>
               </a:ext>
             </a:extLst>
           </p:cNvPr>
@@ -15650,7 +15650,7 @@
           <p:cNvPr id="2" name="タイトル 1">
             <a:extLst>
               <a:ext uri="{FF2B5EF4-FFF2-40B4-BE49-F238E27FC236}">
-                <a16:creationId xmlns:a16="http://schemas.microsoft.com/office/drawing/2014/main" id="{FB112B76-A30D-9B43-9C86-E5ED0130BC75}"/>
+                <a16:creationId xmlns:a16="http://schemas.microsoft.com/office/drawing/2014/main" xmlns="" id="{FB112B76-A30D-9B43-9C86-E5ED0130BC75}"/>
               </a:ext>
             </a:extLst>
           </p:cNvPr>
@@ -15679,7 +15679,7 @@
           <p:cNvPr id="3" name="コンテンツ プレースホルダー 2">
             <a:extLst>
               <a:ext uri="{FF2B5EF4-FFF2-40B4-BE49-F238E27FC236}">
-                <a16:creationId xmlns:a16="http://schemas.microsoft.com/office/drawing/2014/main" id="{0B78C004-7132-2548-9598-2963228325EF}"/>
+                <a16:creationId xmlns:a16="http://schemas.microsoft.com/office/drawing/2014/main" xmlns="" id="{0B78C004-7132-2548-9598-2963228325EF}"/>
               </a:ext>
             </a:extLst>
           </p:cNvPr>
@@ -15760,7 +15760,7 @@
           <p:cNvPr id="2" name="タイトル 1">
             <a:extLst>
               <a:ext uri="{FF2B5EF4-FFF2-40B4-BE49-F238E27FC236}">
-                <a16:creationId xmlns:a16="http://schemas.microsoft.com/office/drawing/2014/main" id="{FDC6E643-84C1-D84A-A5EC-DEBAA379F4FF}"/>
+                <a16:creationId xmlns:a16="http://schemas.microsoft.com/office/drawing/2014/main" xmlns="" id="{FDC6E643-84C1-D84A-A5EC-DEBAA379F4FF}"/>
               </a:ext>
             </a:extLst>
           </p:cNvPr>
@@ -15793,7 +15793,7 @@
           <p:cNvPr id="3" name="コンテンツ プレースホルダー 2">
             <a:extLst>
               <a:ext uri="{FF2B5EF4-FFF2-40B4-BE49-F238E27FC236}">
-                <a16:creationId xmlns:a16="http://schemas.microsoft.com/office/drawing/2014/main" id="{87DA18FE-55DE-054F-B0FC-BCAE58372308}"/>
+                <a16:creationId xmlns:a16="http://schemas.microsoft.com/office/drawing/2014/main" xmlns="" id="{87DA18FE-55DE-054F-B0FC-BCAE58372308}"/>
               </a:ext>
             </a:extLst>
           </p:cNvPr>
@@ -15862,7 +15862,7 @@
           <p:cNvPr id="2" name="タイトル 1">
             <a:extLst>
               <a:ext uri="{FF2B5EF4-FFF2-40B4-BE49-F238E27FC236}">
-                <a16:creationId xmlns:a16="http://schemas.microsoft.com/office/drawing/2014/main" id="{3E79F2C1-44AD-BE44-B7D7-3B192EEA9B06}"/>
+                <a16:creationId xmlns:a16="http://schemas.microsoft.com/office/drawing/2014/main" xmlns="" id="{3E79F2C1-44AD-BE44-B7D7-3B192EEA9B06}"/>
               </a:ext>
             </a:extLst>
           </p:cNvPr>
@@ -15891,7 +15891,7 @@
           <p:cNvPr id="3" name="コンテンツ プレースホルダー 2">
             <a:extLst>
               <a:ext uri="{FF2B5EF4-FFF2-40B4-BE49-F238E27FC236}">
-                <a16:creationId xmlns:a16="http://schemas.microsoft.com/office/drawing/2014/main" id="{C1BD3BF1-F3B9-434F-9868-7519AF4F1EE7}"/>
+                <a16:creationId xmlns:a16="http://schemas.microsoft.com/office/drawing/2014/main" xmlns="" id="{C1BD3BF1-F3B9-434F-9868-7519AF4F1EE7}"/>
               </a:ext>
             </a:extLst>
           </p:cNvPr>
@@ -15991,7 +15991,7 @@
           <p:cNvPr id="2" name="タイトル 1">
             <a:extLst>
               <a:ext uri="{FF2B5EF4-FFF2-40B4-BE49-F238E27FC236}">
-                <a16:creationId xmlns:a16="http://schemas.microsoft.com/office/drawing/2014/main" id="{2B278DCE-0685-4441-B128-DC9D8C8EB809}"/>
+                <a16:creationId xmlns:a16="http://schemas.microsoft.com/office/drawing/2014/main" xmlns="" id="{2B278DCE-0685-4441-B128-DC9D8C8EB809}"/>
               </a:ext>
             </a:extLst>
           </p:cNvPr>
@@ -16023,7 +16023,7 @@
           <p:cNvPr id="3" name="コンテンツ プレースホルダー 2">
             <a:extLst>
               <a:ext uri="{FF2B5EF4-FFF2-40B4-BE49-F238E27FC236}">
-                <a16:creationId xmlns:a16="http://schemas.microsoft.com/office/drawing/2014/main" id="{613B841F-8DD0-1147-9E25-B1A91183D7E1}"/>
+                <a16:creationId xmlns:a16="http://schemas.microsoft.com/office/drawing/2014/main" xmlns="" id="{613B841F-8DD0-1147-9E25-B1A91183D7E1}"/>
               </a:ext>
             </a:extLst>
           </p:cNvPr>
@@ -16107,7 +16107,7 @@
           <p:cNvPr id="2" name="タイトル 1">
             <a:extLst>
               <a:ext uri="{FF2B5EF4-FFF2-40B4-BE49-F238E27FC236}">
-                <a16:creationId xmlns:a16="http://schemas.microsoft.com/office/drawing/2014/main" id="{6D7907DD-1B47-6842-B33C-74FC6080067F}"/>
+                <a16:creationId xmlns:a16="http://schemas.microsoft.com/office/drawing/2014/main" xmlns="" id="{6D7907DD-1B47-6842-B33C-74FC6080067F}"/>
               </a:ext>
             </a:extLst>
           </p:cNvPr>
@@ -16136,7 +16136,7 @@
           <p:cNvPr id="3" name="コンテンツ プレースホルダー 2">
             <a:extLst>
               <a:ext uri="{FF2B5EF4-FFF2-40B4-BE49-F238E27FC236}">
-                <a16:creationId xmlns:a16="http://schemas.microsoft.com/office/drawing/2014/main" id="{8C6E833C-5969-904E-BD89-EFD10FE0AD6D}"/>
+                <a16:creationId xmlns:a16="http://schemas.microsoft.com/office/drawing/2014/main" xmlns="" id="{8C6E833C-5969-904E-BD89-EFD10FE0AD6D}"/>
               </a:ext>
             </a:extLst>
           </p:cNvPr>
@@ -16186,7 +16186,7 @@
           <p:cNvPr id="4" name="コンテンツ プレースホルダー 2">
             <a:extLst>
               <a:ext uri="{FF2B5EF4-FFF2-40B4-BE49-F238E27FC236}">
-                <a16:creationId xmlns:a16="http://schemas.microsoft.com/office/drawing/2014/main" id="{9EEF31B3-588F-3D4E-AF28-634960776DA4}"/>
+                <a16:creationId xmlns:a16="http://schemas.microsoft.com/office/drawing/2014/main" xmlns="" id="{9EEF31B3-588F-3D4E-AF28-634960776DA4}"/>
               </a:ext>
             </a:extLst>
           </p:cNvPr>
@@ -16474,7 +16474,7 @@
           <p:cNvPr id="5" name="コンテンツ プレースホルダー 2">
             <a:extLst>
               <a:ext uri="{FF2B5EF4-FFF2-40B4-BE49-F238E27FC236}">
-                <a16:creationId xmlns:a16="http://schemas.microsoft.com/office/drawing/2014/main" id="{F88F3941-43B2-5043-8CF0-3FAEE12A9268}"/>
+                <a16:creationId xmlns:a16="http://schemas.microsoft.com/office/drawing/2014/main" xmlns="" id="{F88F3941-43B2-5043-8CF0-3FAEE12A9268}"/>
               </a:ext>
             </a:extLst>
           </p:cNvPr>
@@ -16819,7 +16819,7 @@
           <p:cNvPr id="2" name="タイトル 1">
             <a:extLst>
               <a:ext uri="{FF2B5EF4-FFF2-40B4-BE49-F238E27FC236}">
-                <a16:creationId xmlns:a16="http://schemas.microsoft.com/office/drawing/2014/main" id="{3D8A63EE-A0A1-4C4E-9821-A455B6473202}"/>
+                <a16:creationId xmlns:a16="http://schemas.microsoft.com/office/drawing/2014/main" xmlns="" id="{3D8A63EE-A0A1-4C4E-9821-A455B6473202}"/>
               </a:ext>
             </a:extLst>
           </p:cNvPr>
@@ -16848,7 +16848,7 @@
           <p:cNvPr id="3" name="コンテンツ プレースホルダー 2">
             <a:extLst>
               <a:ext uri="{FF2B5EF4-FFF2-40B4-BE49-F238E27FC236}">
-                <a16:creationId xmlns:a16="http://schemas.microsoft.com/office/drawing/2014/main" id="{240D5665-5F70-714B-87E9-C1AB005B3571}"/>
+                <a16:creationId xmlns:a16="http://schemas.microsoft.com/office/drawing/2014/main" xmlns="" id="{240D5665-5F70-714B-87E9-C1AB005B3571}"/>
               </a:ext>
             </a:extLst>
           </p:cNvPr>
@@ -16945,7 +16945,7 @@
           <p:cNvPr id="2" name="タイトル 1">
             <a:extLst>
               <a:ext uri="{FF2B5EF4-FFF2-40B4-BE49-F238E27FC236}">
-                <a16:creationId xmlns:a16="http://schemas.microsoft.com/office/drawing/2014/main" id="{0BE0AB04-8F34-BD4F-8DDD-608D0F3AC3BC}"/>
+                <a16:creationId xmlns:a16="http://schemas.microsoft.com/office/drawing/2014/main" xmlns="" id="{0BE0AB04-8F34-BD4F-8DDD-608D0F3AC3BC}"/>
               </a:ext>
             </a:extLst>
           </p:cNvPr>
@@ -16974,7 +16974,7 @@
           <p:cNvPr id="3" name="コンテンツ プレースホルダー 2">
             <a:extLst>
               <a:ext uri="{FF2B5EF4-FFF2-40B4-BE49-F238E27FC236}">
-                <a16:creationId xmlns:a16="http://schemas.microsoft.com/office/drawing/2014/main" id="{EF816E5E-667D-8843-89E2-F9D0E26CD703}"/>
+                <a16:creationId xmlns:a16="http://schemas.microsoft.com/office/drawing/2014/main" xmlns="" id="{EF816E5E-667D-8843-89E2-F9D0E26CD703}"/>
               </a:ext>
             </a:extLst>
           </p:cNvPr>
@@ -17068,7 +17068,7 @@
           <p:cNvPr id="2" name="タイトル 1">
             <a:extLst>
               <a:ext uri="{FF2B5EF4-FFF2-40B4-BE49-F238E27FC236}">
-                <a16:creationId xmlns:a16="http://schemas.microsoft.com/office/drawing/2014/main" id="{FCE7EB18-D7E1-894E-BC25-80C1A8AA5D09}"/>
+                <a16:creationId xmlns:a16="http://schemas.microsoft.com/office/drawing/2014/main" xmlns="" id="{FCE7EB18-D7E1-894E-BC25-80C1A8AA5D09}"/>
               </a:ext>
             </a:extLst>
           </p:cNvPr>
@@ -17097,7 +17097,7 @@
           <p:cNvPr id="3" name="コンテンツ プレースホルダー 2">
             <a:extLst>
               <a:ext uri="{FF2B5EF4-FFF2-40B4-BE49-F238E27FC236}">
-                <a16:creationId xmlns:a16="http://schemas.microsoft.com/office/drawing/2014/main" id="{DF18F744-42F4-CA45-A447-4C7A6529DF3D}"/>
+                <a16:creationId xmlns:a16="http://schemas.microsoft.com/office/drawing/2014/main" xmlns="" id="{DF18F744-42F4-CA45-A447-4C7A6529DF3D}"/>
               </a:ext>
             </a:extLst>
           </p:cNvPr>
@@ -17175,7 +17175,7 @@
           <p:cNvPr id="2" name="タイトル 1">
             <a:extLst>
               <a:ext uri="{FF2B5EF4-FFF2-40B4-BE49-F238E27FC236}">
-                <a16:creationId xmlns:a16="http://schemas.microsoft.com/office/drawing/2014/main" id="{03BB7B5E-C4C4-9B4A-9494-821EF1303692}"/>
+                <a16:creationId xmlns:a16="http://schemas.microsoft.com/office/drawing/2014/main" xmlns="" id="{03BB7B5E-C4C4-9B4A-9494-821EF1303692}"/>
               </a:ext>
             </a:extLst>
           </p:cNvPr>
@@ -17209,7 +17209,7 @@
           <p:cNvPr id="3" name="コンテンツ プレースホルダー 2">
             <a:extLst>
               <a:ext uri="{FF2B5EF4-FFF2-40B4-BE49-F238E27FC236}">
-                <a16:creationId xmlns:a16="http://schemas.microsoft.com/office/drawing/2014/main" id="{E3BA8F43-1062-1849-820B-F7D6BDDFFED2}"/>
+                <a16:creationId xmlns:a16="http://schemas.microsoft.com/office/drawing/2014/main" xmlns="" id="{E3BA8F43-1062-1849-820B-F7D6BDDFFED2}"/>
               </a:ext>
             </a:extLst>
           </p:cNvPr>
@@ -17382,7 +17382,7 @@
           <p:cNvPr id="2" name="タイトル 1">
             <a:extLst>
               <a:ext uri="{FF2B5EF4-FFF2-40B4-BE49-F238E27FC236}">
-                <a16:creationId xmlns:a16="http://schemas.microsoft.com/office/drawing/2014/main" id="{924515AA-7AF0-FA45-BCCF-EC2E999C0FA3}"/>
+                <a16:creationId xmlns:a16="http://schemas.microsoft.com/office/drawing/2014/main" xmlns="" id="{924515AA-7AF0-FA45-BCCF-EC2E999C0FA3}"/>
               </a:ext>
             </a:extLst>
           </p:cNvPr>
@@ -17418,7 +17418,7 @@
               <p:cNvPr id="3" name="コンテンツ プレースホルダー 2">
                 <a:extLst>
                   <a:ext uri="{FF2B5EF4-FFF2-40B4-BE49-F238E27FC236}">
-                    <a16:creationId xmlns:a16="http://schemas.microsoft.com/office/drawing/2014/main" id="{51BD4730-EE58-5847-AFCA-1A2DD951C3F9}"/>
+                    <a16:creationId xmlns:a16="http://schemas.microsoft.com/office/drawing/2014/main" xmlns="" id="{51BD4730-EE58-5847-AFCA-1A2DD951C3F9}"/>
                   </a:ext>
                 </a:extLst>
               </p:cNvPr>
@@ -17567,7 +17567,7 @@
               <p:cNvPr id="4" name="表 3">
                 <a:extLst>
                   <a:ext uri="{FF2B5EF4-FFF2-40B4-BE49-F238E27FC236}">
-                    <a16:creationId xmlns:a16="http://schemas.microsoft.com/office/drawing/2014/main" id="{D54C76F3-FD75-3845-907F-031BCC7B27F1}"/>
+                    <a16:creationId xmlns:a16="http://schemas.microsoft.com/office/drawing/2014/main" xmlns="" id="{D54C76F3-FD75-3845-907F-031BCC7B27F1}"/>
                   </a:ext>
                 </a:extLst>
               </p:cNvPr>
@@ -17596,28 +17596,28 @@
                     <a:gridCol w="2137709">
                       <a:extLst>
                         <a:ext uri="{9D8B030D-6E8A-4147-A177-3AD203B41FA5}">
-                          <a16:colId xmlns:a16="http://schemas.microsoft.com/office/drawing/2014/main" val="1939995492"/>
+                          <a16:colId xmlns:a16="http://schemas.microsoft.com/office/drawing/2014/main" xmlns="" val="1939995492"/>
                         </a:ext>
                       </a:extLst>
                     </a:gridCol>
                     <a:gridCol w="2137709">
                       <a:extLst>
                         <a:ext uri="{9D8B030D-6E8A-4147-A177-3AD203B41FA5}">
-                          <a16:colId xmlns:a16="http://schemas.microsoft.com/office/drawing/2014/main" val="1868649167"/>
+                          <a16:colId xmlns:a16="http://schemas.microsoft.com/office/drawing/2014/main" xmlns="" val="1868649167"/>
                         </a:ext>
                       </a:extLst>
                     </a:gridCol>
                     <a:gridCol w="2137709">
                       <a:extLst>
                         <a:ext uri="{9D8B030D-6E8A-4147-A177-3AD203B41FA5}">
-                          <a16:colId xmlns:a16="http://schemas.microsoft.com/office/drawing/2014/main" val="1425792707"/>
+                          <a16:colId xmlns:a16="http://schemas.microsoft.com/office/drawing/2014/main" xmlns="" val="1425792707"/>
                         </a:ext>
                       </a:extLst>
                     </a:gridCol>
                     <a:gridCol w="2137709">
                       <a:extLst>
                         <a:ext uri="{9D8B030D-6E8A-4147-A177-3AD203B41FA5}">
-                          <a16:colId xmlns:a16="http://schemas.microsoft.com/office/drawing/2014/main" val="1397451028"/>
+                          <a16:colId xmlns:a16="http://schemas.microsoft.com/office/drawing/2014/main" xmlns="" val="1397451028"/>
                         </a:ext>
                       </a:extLst>
                     </a:gridCol>
@@ -17735,7 +17735,7 @@
                     </a:tc>
                     <a:extLst>
                       <a:ext uri="{0D108BD9-81ED-4DB2-BD59-A6C34878D82A}">
-                        <a16:rowId xmlns:a16="http://schemas.microsoft.com/office/drawing/2014/main" val="3117535403"/>
+                        <a16:rowId xmlns:a16="http://schemas.microsoft.com/office/drawing/2014/main" xmlns="" val="3117535403"/>
                       </a:ext>
                     </a:extLst>
                   </a:tr>
@@ -17802,7 +17802,7 @@
                     </a:tc>
                     <a:extLst>
                       <a:ext uri="{0D108BD9-81ED-4DB2-BD59-A6C34878D82A}">
-                        <a16:rowId xmlns:a16="http://schemas.microsoft.com/office/drawing/2014/main" val="2914139011"/>
+                        <a16:rowId xmlns:a16="http://schemas.microsoft.com/office/drawing/2014/main" xmlns="" val="2914139011"/>
                       </a:ext>
                     </a:extLst>
                   </a:tr>
@@ -17869,7 +17869,7 @@
                     </a:tc>
                     <a:extLst>
                       <a:ext uri="{0D108BD9-81ED-4DB2-BD59-A6C34878D82A}">
-                        <a16:rowId xmlns:a16="http://schemas.microsoft.com/office/drawing/2014/main" val="3905007158"/>
+                        <a16:rowId xmlns:a16="http://schemas.microsoft.com/office/drawing/2014/main" xmlns="" val="3905007158"/>
                       </a:ext>
                     </a:extLst>
                   </a:tr>
@@ -17936,7 +17936,7 @@
                     </a:tc>
                     <a:extLst>
                       <a:ext uri="{0D108BD9-81ED-4DB2-BD59-A6C34878D82A}">
-                        <a16:rowId xmlns:a16="http://schemas.microsoft.com/office/drawing/2014/main" val="3345806514"/>
+                        <a16:rowId xmlns:a16="http://schemas.microsoft.com/office/drawing/2014/main" xmlns="" val="3345806514"/>
                       </a:ext>
                     </a:extLst>
                   </a:tr>
@@ -18003,7 +18003,7 @@
                     </a:tc>
                     <a:extLst>
                       <a:ext uri="{0D108BD9-81ED-4DB2-BD59-A6C34878D82A}">
-                        <a16:rowId xmlns:a16="http://schemas.microsoft.com/office/drawing/2014/main" val="607002897"/>
+                        <a16:rowId xmlns:a16="http://schemas.microsoft.com/office/drawing/2014/main" xmlns="" val="607002897"/>
                       </a:ext>
                     </a:extLst>
                   </a:tr>
@@ -18453,7 +18453,7 @@
           <p:cNvPr id="2" name="タイトル 1">
             <a:extLst>
               <a:ext uri="{FF2B5EF4-FFF2-40B4-BE49-F238E27FC236}">
-                <a16:creationId xmlns:a16="http://schemas.microsoft.com/office/drawing/2014/main" id="{D8DA1CC8-598D-1D4B-B251-97298E30ECA4}"/>
+                <a16:creationId xmlns:a16="http://schemas.microsoft.com/office/drawing/2014/main" xmlns="" id="{D8DA1CC8-598D-1D4B-B251-97298E30ECA4}"/>
               </a:ext>
             </a:extLst>
           </p:cNvPr>
@@ -18493,7 +18493,7 @@
           <p:cNvPr id="3" name="コンテンツ プレースホルダー 2">
             <a:extLst>
               <a:ext uri="{FF2B5EF4-FFF2-40B4-BE49-F238E27FC236}">
-                <a16:creationId xmlns:a16="http://schemas.microsoft.com/office/drawing/2014/main" id="{6E2556ED-BEB0-CC4D-B241-52450431776F}"/>
+                <a16:creationId xmlns:a16="http://schemas.microsoft.com/office/drawing/2014/main" xmlns="" id="{6E2556ED-BEB0-CC4D-B241-52450431776F}"/>
               </a:ext>
             </a:extLst>
           </p:cNvPr>
@@ -18596,7 +18596,7 @@
           <p:cNvPr id="2" name="タイトル 1">
             <a:extLst>
               <a:ext uri="{FF2B5EF4-FFF2-40B4-BE49-F238E27FC236}">
-                <a16:creationId xmlns:a16="http://schemas.microsoft.com/office/drawing/2014/main" id="{03DC7BD9-E43D-E442-9A49-33395737C89D}"/>
+                <a16:creationId xmlns:a16="http://schemas.microsoft.com/office/drawing/2014/main" xmlns="" id="{03DC7BD9-E43D-E442-9A49-33395737C89D}"/>
               </a:ext>
             </a:extLst>
           </p:cNvPr>
@@ -18625,7 +18625,7 @@
           <p:cNvPr id="3" name="コンテンツ プレースホルダー 2">
             <a:extLst>
               <a:ext uri="{FF2B5EF4-FFF2-40B4-BE49-F238E27FC236}">
-                <a16:creationId xmlns:a16="http://schemas.microsoft.com/office/drawing/2014/main" id="{AD3B2DD4-96C6-BB42-93C1-3859304F6137}"/>
+                <a16:creationId xmlns:a16="http://schemas.microsoft.com/office/drawing/2014/main" xmlns="" id="{AD3B2DD4-96C6-BB42-93C1-3859304F6137}"/>
               </a:ext>
             </a:extLst>
           </p:cNvPr>
@@ -18706,7 +18706,7 @@
           <p:cNvPr id="2" name="タイトル 1">
             <a:extLst>
               <a:ext uri="{FF2B5EF4-FFF2-40B4-BE49-F238E27FC236}">
-                <a16:creationId xmlns:a16="http://schemas.microsoft.com/office/drawing/2014/main" id="{DBF5AFDD-4A7E-3C46-B150-A8EC04053F2F}"/>
+                <a16:creationId xmlns:a16="http://schemas.microsoft.com/office/drawing/2014/main" xmlns="" id="{DBF5AFDD-4A7E-3C46-B150-A8EC04053F2F}"/>
               </a:ext>
             </a:extLst>
           </p:cNvPr>
@@ -18742,7 +18742,7 @@
           <p:cNvPr id="3" name="コンテンツ プレースホルダー 2">
             <a:extLst>
               <a:ext uri="{FF2B5EF4-FFF2-40B4-BE49-F238E27FC236}">
-                <a16:creationId xmlns:a16="http://schemas.microsoft.com/office/drawing/2014/main" id="{29949F21-2E87-E340-ACB1-A81C89FB3424}"/>
+                <a16:creationId xmlns:a16="http://schemas.microsoft.com/office/drawing/2014/main" xmlns="" id="{29949F21-2E87-E340-ACB1-A81C89FB3424}"/>
               </a:ext>
             </a:extLst>
           </p:cNvPr>
@@ -18867,7 +18867,7 @@
               <p:cNvPr id="4" name="表 3">
                 <a:extLst>
                   <a:ext uri="{FF2B5EF4-FFF2-40B4-BE49-F238E27FC236}">
-                    <a16:creationId xmlns:a16="http://schemas.microsoft.com/office/drawing/2014/main" id="{CAA91777-4031-FD49-9546-432EE1F9463A}"/>
+                    <a16:creationId xmlns:a16="http://schemas.microsoft.com/office/drawing/2014/main" xmlns="" id="{CAA91777-4031-FD49-9546-432EE1F9463A}"/>
                   </a:ext>
                 </a:extLst>
               </p:cNvPr>
@@ -18896,21 +18896,21 @@
                     <a:gridCol w="2797019">
                       <a:extLst>
                         <a:ext uri="{9D8B030D-6E8A-4147-A177-3AD203B41FA5}">
-                          <a16:colId xmlns:a16="http://schemas.microsoft.com/office/drawing/2014/main" val="3024390906"/>
+                          <a16:colId xmlns:a16="http://schemas.microsoft.com/office/drawing/2014/main" xmlns="" val="3024390906"/>
                         </a:ext>
                       </a:extLst>
                     </a:gridCol>
                     <a:gridCol w="2797019">
                       <a:extLst>
                         <a:ext uri="{9D8B030D-6E8A-4147-A177-3AD203B41FA5}">
-                          <a16:colId xmlns:a16="http://schemas.microsoft.com/office/drawing/2014/main" val="1008988432"/>
+                          <a16:colId xmlns:a16="http://schemas.microsoft.com/office/drawing/2014/main" xmlns="" val="1008988432"/>
                         </a:ext>
                       </a:extLst>
                     </a:gridCol>
                     <a:gridCol w="2797019">
                       <a:extLst>
                         <a:ext uri="{9D8B030D-6E8A-4147-A177-3AD203B41FA5}">
-                          <a16:colId xmlns:a16="http://schemas.microsoft.com/office/drawing/2014/main" val="1590508002"/>
+                          <a16:colId xmlns:a16="http://schemas.microsoft.com/office/drawing/2014/main" xmlns="" val="1590508002"/>
                         </a:ext>
                       </a:extLst>
                     </a:gridCol>
@@ -18993,7 +18993,7 @@
                     </a:tc>
                     <a:extLst>
                       <a:ext uri="{0D108BD9-81ED-4DB2-BD59-A6C34878D82A}">
-                        <a16:rowId xmlns:a16="http://schemas.microsoft.com/office/drawing/2014/main" val="1718428707"/>
+                        <a16:rowId xmlns:a16="http://schemas.microsoft.com/office/drawing/2014/main" xmlns="" val="1718428707"/>
                       </a:ext>
                     </a:extLst>
                   </a:tr>
@@ -19046,7 +19046,7 @@
                     </a:tc>
                     <a:extLst>
                       <a:ext uri="{0D108BD9-81ED-4DB2-BD59-A6C34878D82A}">
-                        <a16:rowId xmlns:a16="http://schemas.microsoft.com/office/drawing/2014/main" val="4141137380"/>
+                        <a16:rowId xmlns:a16="http://schemas.microsoft.com/office/drawing/2014/main" xmlns="" val="4141137380"/>
                       </a:ext>
                     </a:extLst>
                   </a:tr>
@@ -19259,7 +19259,7 @@
           <p:cNvPr id="2" name="タイトル 1">
             <a:extLst>
               <a:ext uri="{FF2B5EF4-FFF2-40B4-BE49-F238E27FC236}">
-                <a16:creationId xmlns:a16="http://schemas.microsoft.com/office/drawing/2014/main" id="{0F3E9755-7D4C-E140-A34C-76DD3CC7C081}"/>
+                <a16:creationId xmlns:a16="http://schemas.microsoft.com/office/drawing/2014/main" xmlns="" id="{0F3E9755-7D4C-E140-A34C-76DD3CC7C081}"/>
               </a:ext>
             </a:extLst>
           </p:cNvPr>
@@ -19295,7 +19295,7 @@
           <p:cNvPr id="4" name="コンテンツ プレースホルダー 3">
             <a:extLst>
               <a:ext uri="{FF2B5EF4-FFF2-40B4-BE49-F238E27FC236}">
-                <a16:creationId xmlns:a16="http://schemas.microsoft.com/office/drawing/2014/main" id="{A43B9D2D-517B-CB46-A337-956322EC2B9A}"/>
+                <a16:creationId xmlns:a16="http://schemas.microsoft.com/office/drawing/2014/main" xmlns="" id="{A43B9D2D-517B-CB46-A337-956322EC2B9A}"/>
               </a:ext>
             </a:extLst>
           </p:cNvPr>
@@ -19325,35 +19325,35 @@
                 <a:gridCol w="1095807">
                   <a:extLst>
                     <a:ext uri="{9D8B030D-6E8A-4147-A177-3AD203B41FA5}">
-                      <a16:colId xmlns:a16="http://schemas.microsoft.com/office/drawing/2014/main" val="3767232075"/>
+                      <a16:colId xmlns:a16="http://schemas.microsoft.com/office/drawing/2014/main" xmlns="" val="3767232075"/>
                     </a:ext>
                   </a:extLst>
                 </a:gridCol>
                 <a:gridCol w="1316533">
                   <a:extLst>
                     <a:ext uri="{9D8B030D-6E8A-4147-A177-3AD203B41FA5}">
-                      <a16:colId xmlns:a16="http://schemas.microsoft.com/office/drawing/2014/main" val="3477330652"/>
+                      <a16:colId xmlns:a16="http://schemas.microsoft.com/office/drawing/2014/main" xmlns="" val="3477330652"/>
                     </a:ext>
                   </a:extLst>
                 </a:gridCol>
                 <a:gridCol w="1462711">
                   <a:extLst>
                     <a:ext uri="{9D8B030D-6E8A-4147-A177-3AD203B41FA5}">
-                      <a16:colId xmlns:a16="http://schemas.microsoft.com/office/drawing/2014/main" val="2984689672"/>
+                      <a16:colId xmlns:a16="http://schemas.microsoft.com/office/drawing/2014/main" xmlns="" val="2984689672"/>
                     </a:ext>
                   </a:extLst>
                 </a:gridCol>
                 <a:gridCol w="1920632">
                   <a:extLst>
                     <a:ext uri="{9D8B030D-6E8A-4147-A177-3AD203B41FA5}">
-                      <a16:colId xmlns:a16="http://schemas.microsoft.com/office/drawing/2014/main" val="608630972"/>
+                      <a16:colId xmlns:a16="http://schemas.microsoft.com/office/drawing/2014/main" xmlns="" val="608630972"/>
                     </a:ext>
                   </a:extLst>
                 </a:gridCol>
                 <a:gridCol w="1949824">
                   <a:extLst>
                     <a:ext uri="{9D8B030D-6E8A-4147-A177-3AD203B41FA5}">
-                      <a16:colId xmlns:a16="http://schemas.microsoft.com/office/drawing/2014/main" val="998590916"/>
+                      <a16:colId xmlns:a16="http://schemas.microsoft.com/office/drawing/2014/main" xmlns="" val="998590916"/>
                     </a:ext>
                   </a:extLst>
                 </a:gridCol>
@@ -19473,7 +19473,7 @@
                 </a:tc>
                 <a:extLst>
                   <a:ext uri="{0D108BD9-81ED-4DB2-BD59-A6C34878D82A}">
-                    <a16:rowId xmlns:a16="http://schemas.microsoft.com/office/drawing/2014/main" val="3982216832"/>
+                    <a16:rowId xmlns:a16="http://schemas.microsoft.com/office/drawing/2014/main" xmlns="" val="3982216832"/>
                   </a:ext>
                 </a:extLst>
               </a:tr>
@@ -19632,7 +19632,7 @@
                 </a:tc>
                 <a:extLst>
                   <a:ext uri="{0D108BD9-81ED-4DB2-BD59-A6C34878D82A}">
-                    <a16:rowId xmlns:a16="http://schemas.microsoft.com/office/drawing/2014/main" val="3667031896"/>
+                    <a16:rowId xmlns:a16="http://schemas.microsoft.com/office/drawing/2014/main" xmlns="" val="3667031896"/>
                   </a:ext>
                 </a:extLst>
               </a:tr>
@@ -19714,7 +19714,7 @@
                 </a:tc>
                 <a:extLst>
                   <a:ext uri="{0D108BD9-81ED-4DB2-BD59-A6C34878D82A}">
-                    <a16:rowId xmlns:a16="http://schemas.microsoft.com/office/drawing/2014/main" val="2690316513"/>
+                    <a16:rowId xmlns:a16="http://schemas.microsoft.com/office/drawing/2014/main" xmlns="" val="2690316513"/>
                   </a:ext>
                 </a:extLst>
               </a:tr>
@@ -19795,7 +19795,7 @@
                 </a:tc>
                 <a:extLst>
                   <a:ext uri="{0D108BD9-81ED-4DB2-BD59-A6C34878D82A}">
-                    <a16:rowId xmlns:a16="http://schemas.microsoft.com/office/drawing/2014/main" val="323683789"/>
+                    <a16:rowId xmlns:a16="http://schemas.microsoft.com/office/drawing/2014/main" xmlns="" val="323683789"/>
                   </a:ext>
                 </a:extLst>
               </a:tr>
@@ -19876,7 +19876,7 @@
                 </a:tc>
                 <a:extLst>
                   <a:ext uri="{0D108BD9-81ED-4DB2-BD59-A6C34878D82A}">
-                    <a16:rowId xmlns:a16="http://schemas.microsoft.com/office/drawing/2014/main" val="1536353699"/>
+                    <a16:rowId xmlns:a16="http://schemas.microsoft.com/office/drawing/2014/main" xmlns="" val="1536353699"/>
                   </a:ext>
                 </a:extLst>
               </a:tr>
@@ -19958,7 +19958,7 @@
                 </a:tc>
                 <a:extLst>
                   <a:ext uri="{0D108BD9-81ED-4DB2-BD59-A6C34878D82A}">
-                    <a16:rowId xmlns:a16="http://schemas.microsoft.com/office/drawing/2014/main" val="342577522"/>
+                    <a16:rowId xmlns:a16="http://schemas.microsoft.com/office/drawing/2014/main" xmlns="" val="342577522"/>
                   </a:ext>
                 </a:extLst>
               </a:tr>
@@ -19971,7 +19971,7 @@
           <p:cNvPr id="3" name="テキスト ボックス 2">
             <a:extLst>
               <a:ext uri="{FF2B5EF4-FFF2-40B4-BE49-F238E27FC236}">
-                <a16:creationId xmlns:a16="http://schemas.microsoft.com/office/drawing/2014/main" id="{19583C06-5B42-F94A-BDD1-F3031EDAE27F}"/>
+                <a16:creationId xmlns:a16="http://schemas.microsoft.com/office/drawing/2014/main" xmlns="" id="{19583C06-5B42-F94A-BDD1-F3031EDAE27F}"/>
               </a:ext>
             </a:extLst>
           </p:cNvPr>
@@ -20069,7 +20069,7 @@
           <p:cNvPr id="2" name="タイトル 1">
             <a:extLst>
               <a:ext uri="{FF2B5EF4-FFF2-40B4-BE49-F238E27FC236}">
-                <a16:creationId xmlns:a16="http://schemas.microsoft.com/office/drawing/2014/main" id="{67E01A06-7475-E541-961D-071D4242BA42}"/>
+                <a16:creationId xmlns:a16="http://schemas.microsoft.com/office/drawing/2014/main" xmlns="" id="{67E01A06-7475-E541-961D-071D4242BA42}"/>
               </a:ext>
             </a:extLst>
           </p:cNvPr>
@@ -20098,7 +20098,7 @@
           <p:cNvPr id="3" name="コンテンツ プレースホルダー 2">
             <a:extLst>
               <a:ext uri="{FF2B5EF4-FFF2-40B4-BE49-F238E27FC236}">
-                <a16:creationId xmlns:a16="http://schemas.microsoft.com/office/drawing/2014/main" id="{8FC75E83-6FCB-684F-BB17-BF63CBD11644}"/>
+                <a16:creationId xmlns:a16="http://schemas.microsoft.com/office/drawing/2014/main" xmlns="" id="{8FC75E83-6FCB-684F-BB17-BF63CBD11644}"/>
               </a:ext>
             </a:extLst>
           </p:cNvPr>
@@ -20184,7 +20184,7 @@
           <p:cNvPr id="2" name="タイトル 1">
             <a:extLst>
               <a:ext uri="{FF2B5EF4-FFF2-40B4-BE49-F238E27FC236}">
-                <a16:creationId xmlns:a16="http://schemas.microsoft.com/office/drawing/2014/main" id="{0F3E9755-7D4C-E140-A34C-76DD3CC7C081}"/>
+                <a16:creationId xmlns:a16="http://schemas.microsoft.com/office/drawing/2014/main" xmlns="" id="{0F3E9755-7D4C-E140-A34C-76DD3CC7C081}"/>
               </a:ext>
             </a:extLst>
           </p:cNvPr>
@@ -20220,7 +20220,7 @@
           <p:cNvPr id="4" name="コンテンツ プレースホルダー 3">
             <a:extLst>
               <a:ext uri="{FF2B5EF4-FFF2-40B4-BE49-F238E27FC236}">
-                <a16:creationId xmlns:a16="http://schemas.microsoft.com/office/drawing/2014/main" id="{A43B9D2D-517B-CB46-A337-956322EC2B9A}"/>
+                <a16:creationId xmlns:a16="http://schemas.microsoft.com/office/drawing/2014/main" xmlns="" id="{A43B9D2D-517B-CB46-A337-956322EC2B9A}"/>
               </a:ext>
             </a:extLst>
           </p:cNvPr>
@@ -20250,49 +20250,49 @@
                 <a:gridCol w="981635">
                   <a:extLst>
                     <a:ext uri="{9D8B030D-6E8A-4147-A177-3AD203B41FA5}">
-                      <a16:colId xmlns:a16="http://schemas.microsoft.com/office/drawing/2014/main" val="3767232075"/>
+                      <a16:colId xmlns:a16="http://schemas.microsoft.com/office/drawing/2014/main" xmlns="" val="3767232075"/>
                     </a:ext>
                   </a:extLst>
                 </a:gridCol>
                 <a:gridCol w="914399">
                   <a:extLst>
                     <a:ext uri="{9D8B030D-6E8A-4147-A177-3AD203B41FA5}">
-                      <a16:colId xmlns:a16="http://schemas.microsoft.com/office/drawing/2014/main" val="3477330652"/>
+                      <a16:colId xmlns:a16="http://schemas.microsoft.com/office/drawing/2014/main" xmlns="" val="3477330652"/>
                     </a:ext>
                   </a:extLst>
                 </a:gridCol>
                 <a:gridCol w="1156447">
                   <a:extLst>
                     <a:ext uri="{9D8B030D-6E8A-4147-A177-3AD203B41FA5}">
-                      <a16:colId xmlns:a16="http://schemas.microsoft.com/office/drawing/2014/main" val="2984689672"/>
+                      <a16:colId xmlns:a16="http://schemas.microsoft.com/office/drawing/2014/main" xmlns="" val="2984689672"/>
                     </a:ext>
                   </a:extLst>
                 </a:gridCol>
                 <a:gridCol w="1196788">
                   <a:extLst>
                     <a:ext uri="{9D8B030D-6E8A-4147-A177-3AD203B41FA5}">
-                      <a16:colId xmlns:a16="http://schemas.microsoft.com/office/drawing/2014/main" val="608630972"/>
+                      <a16:colId xmlns:a16="http://schemas.microsoft.com/office/drawing/2014/main" xmlns="" val="608630972"/>
                     </a:ext>
                   </a:extLst>
                 </a:gridCol>
                 <a:gridCol w="1775012">
                   <a:extLst>
                     <a:ext uri="{9D8B030D-6E8A-4147-A177-3AD203B41FA5}">
-                      <a16:colId xmlns:a16="http://schemas.microsoft.com/office/drawing/2014/main" val="998590916"/>
+                      <a16:colId xmlns:a16="http://schemas.microsoft.com/office/drawing/2014/main" xmlns="" val="998590916"/>
                     </a:ext>
                   </a:extLst>
                 </a:gridCol>
                 <a:gridCol w="1116107">
                   <a:extLst>
                     <a:ext uri="{9D8B030D-6E8A-4147-A177-3AD203B41FA5}">
-                      <a16:colId xmlns:a16="http://schemas.microsoft.com/office/drawing/2014/main" val="4087616215"/>
+                      <a16:colId xmlns:a16="http://schemas.microsoft.com/office/drawing/2014/main" xmlns="" val="4087616215"/>
                     </a:ext>
                   </a:extLst>
                 </a:gridCol>
                 <a:gridCol w="1842246">
                   <a:extLst>
                     <a:ext uri="{9D8B030D-6E8A-4147-A177-3AD203B41FA5}">
-                      <a16:colId xmlns:a16="http://schemas.microsoft.com/office/drawing/2014/main" val="1391133373"/>
+                      <a16:colId xmlns:a16="http://schemas.microsoft.com/office/drawing/2014/main" xmlns="" val="1391133373"/>
                     </a:ext>
                   </a:extLst>
                 </a:gridCol>
@@ -20446,7 +20446,7 @@
                 </a:tc>
                 <a:extLst>
                   <a:ext uri="{0D108BD9-81ED-4DB2-BD59-A6C34878D82A}">
-                    <a16:rowId xmlns:a16="http://schemas.microsoft.com/office/drawing/2014/main" val="3982216832"/>
+                    <a16:rowId xmlns:a16="http://schemas.microsoft.com/office/drawing/2014/main" xmlns="" val="3982216832"/>
                   </a:ext>
                 </a:extLst>
               </a:tr>
@@ -20680,7 +20680,7 @@
                 </a:tc>
                 <a:extLst>
                   <a:ext uri="{0D108BD9-81ED-4DB2-BD59-A6C34878D82A}">
-                    <a16:rowId xmlns:a16="http://schemas.microsoft.com/office/drawing/2014/main" val="3667031896"/>
+                    <a16:rowId xmlns:a16="http://schemas.microsoft.com/office/drawing/2014/main" xmlns="" val="3667031896"/>
                   </a:ext>
                 </a:extLst>
               </a:tr>
@@ -20792,7 +20792,7 @@
                 </a:tc>
                 <a:extLst>
                   <a:ext uri="{0D108BD9-81ED-4DB2-BD59-A6C34878D82A}">
-                    <a16:rowId xmlns:a16="http://schemas.microsoft.com/office/drawing/2014/main" val="2690316513"/>
+                    <a16:rowId xmlns:a16="http://schemas.microsoft.com/office/drawing/2014/main" xmlns="" val="2690316513"/>
                   </a:ext>
                 </a:extLst>
               </a:tr>
@@ -20904,7 +20904,7 @@
                 </a:tc>
                 <a:extLst>
                   <a:ext uri="{0D108BD9-81ED-4DB2-BD59-A6C34878D82A}">
-                    <a16:rowId xmlns:a16="http://schemas.microsoft.com/office/drawing/2014/main" val="323683789"/>
+                    <a16:rowId xmlns:a16="http://schemas.microsoft.com/office/drawing/2014/main" xmlns="" val="323683789"/>
                   </a:ext>
                 </a:extLst>
               </a:tr>
@@ -21016,7 +21016,7 @@
                 </a:tc>
                 <a:extLst>
                   <a:ext uri="{0D108BD9-81ED-4DB2-BD59-A6C34878D82A}">
-                    <a16:rowId xmlns:a16="http://schemas.microsoft.com/office/drawing/2014/main" val="1536353699"/>
+                    <a16:rowId xmlns:a16="http://schemas.microsoft.com/office/drawing/2014/main" xmlns="" val="1536353699"/>
                   </a:ext>
                 </a:extLst>
               </a:tr>
@@ -21128,7 +21128,7 @@
                 </a:tc>
                 <a:extLst>
                   <a:ext uri="{0D108BD9-81ED-4DB2-BD59-A6C34878D82A}">
-                    <a16:rowId xmlns:a16="http://schemas.microsoft.com/office/drawing/2014/main" val="342577522"/>
+                    <a16:rowId xmlns:a16="http://schemas.microsoft.com/office/drawing/2014/main" xmlns="" val="342577522"/>
                   </a:ext>
                 </a:extLst>
               </a:tr>
@@ -21171,7 +21171,7 @@
           <p:cNvPr id="2" name="タイトル 1">
             <a:extLst>
               <a:ext uri="{FF2B5EF4-FFF2-40B4-BE49-F238E27FC236}">
-                <a16:creationId xmlns:a16="http://schemas.microsoft.com/office/drawing/2014/main" id="{67E01A06-7475-E541-961D-071D4242BA42}"/>
+                <a16:creationId xmlns:a16="http://schemas.microsoft.com/office/drawing/2014/main" xmlns="" id="{67E01A06-7475-E541-961D-071D4242BA42}"/>
               </a:ext>
             </a:extLst>
           </p:cNvPr>
@@ -21200,7 +21200,7 @@
           <p:cNvPr id="3" name="コンテンツ プレースホルダー 2">
             <a:extLst>
               <a:ext uri="{FF2B5EF4-FFF2-40B4-BE49-F238E27FC236}">
-                <a16:creationId xmlns:a16="http://schemas.microsoft.com/office/drawing/2014/main" id="{8FC75E83-6FCB-684F-BB17-BF63CBD11644}"/>
+                <a16:creationId xmlns:a16="http://schemas.microsoft.com/office/drawing/2014/main" xmlns="" id="{8FC75E83-6FCB-684F-BB17-BF63CBD11644}"/>
               </a:ext>
             </a:extLst>
           </p:cNvPr>
@@ -21278,7 +21278,7 @@
           <p:cNvPr id="2" name="タイトル 1">
             <a:extLst>
               <a:ext uri="{FF2B5EF4-FFF2-40B4-BE49-F238E27FC236}">
-                <a16:creationId xmlns:a16="http://schemas.microsoft.com/office/drawing/2014/main" id="{FEEFE181-A7D0-7146-B49E-65AC407C9C2B}"/>
+                <a16:creationId xmlns:a16="http://schemas.microsoft.com/office/drawing/2014/main" xmlns="" id="{FEEFE181-A7D0-7146-B49E-65AC407C9C2B}"/>
               </a:ext>
             </a:extLst>
           </p:cNvPr>
@@ -21307,7 +21307,7 @@
           <p:cNvPr id="3" name="コンテンツ プレースホルダー 2">
             <a:extLst>
               <a:ext uri="{FF2B5EF4-FFF2-40B4-BE49-F238E27FC236}">
-                <a16:creationId xmlns:a16="http://schemas.microsoft.com/office/drawing/2014/main" id="{F34D1FFA-7F21-1B4A-B2CC-C1C3F36A6C10}"/>
+                <a16:creationId xmlns:a16="http://schemas.microsoft.com/office/drawing/2014/main" xmlns="" id="{F34D1FFA-7F21-1B4A-B2CC-C1C3F36A6C10}"/>
               </a:ext>
             </a:extLst>
           </p:cNvPr>
@@ -21409,7 +21409,7 @@
           <p:cNvPr id="2" name="タイトル 1">
             <a:extLst>
               <a:ext uri="{FF2B5EF4-FFF2-40B4-BE49-F238E27FC236}">
-                <a16:creationId xmlns:a16="http://schemas.microsoft.com/office/drawing/2014/main" id="{0F3E9755-7D4C-E140-A34C-76DD3CC7C081}"/>
+                <a16:creationId xmlns:a16="http://schemas.microsoft.com/office/drawing/2014/main" xmlns="" id="{0F3E9755-7D4C-E140-A34C-76DD3CC7C081}"/>
               </a:ext>
             </a:extLst>
           </p:cNvPr>
@@ -21438,7 +21438,7 @@
           <p:cNvPr id="4" name="コンテンツ プレースホルダー 3">
             <a:extLst>
               <a:ext uri="{FF2B5EF4-FFF2-40B4-BE49-F238E27FC236}">
-                <a16:creationId xmlns:a16="http://schemas.microsoft.com/office/drawing/2014/main" id="{A43B9D2D-517B-CB46-A337-956322EC2B9A}"/>
+                <a16:creationId xmlns:a16="http://schemas.microsoft.com/office/drawing/2014/main" xmlns="" id="{A43B9D2D-517B-CB46-A337-956322EC2B9A}"/>
               </a:ext>
             </a:extLst>
           </p:cNvPr>
@@ -21468,49 +21468,49 @@
                 <a:gridCol w="995659">
                   <a:extLst>
                     <a:ext uri="{9D8B030D-6E8A-4147-A177-3AD203B41FA5}">
-                      <a16:colId xmlns:a16="http://schemas.microsoft.com/office/drawing/2014/main" val="3767232075"/>
+                      <a16:colId xmlns:a16="http://schemas.microsoft.com/office/drawing/2014/main" xmlns="" val="3767232075"/>
                     </a:ext>
                   </a:extLst>
                 </a:gridCol>
                 <a:gridCol w="913824">
                   <a:extLst>
                     <a:ext uri="{9D8B030D-6E8A-4147-A177-3AD203B41FA5}">
-                      <a16:colId xmlns:a16="http://schemas.microsoft.com/office/drawing/2014/main" val="3477330652"/>
+                      <a16:colId xmlns:a16="http://schemas.microsoft.com/office/drawing/2014/main" xmlns="" val="3477330652"/>
                     </a:ext>
                   </a:extLst>
                 </a:gridCol>
                 <a:gridCol w="1156447">
                   <a:extLst>
                     <a:ext uri="{9D8B030D-6E8A-4147-A177-3AD203B41FA5}">
-                      <a16:colId xmlns:a16="http://schemas.microsoft.com/office/drawing/2014/main" val="2984689672"/>
+                      <a16:colId xmlns:a16="http://schemas.microsoft.com/office/drawing/2014/main" xmlns="" val="2984689672"/>
                     </a:ext>
                   </a:extLst>
                 </a:gridCol>
                 <a:gridCol w="1828800">
                   <a:extLst>
                     <a:ext uri="{9D8B030D-6E8A-4147-A177-3AD203B41FA5}">
-                      <a16:colId xmlns:a16="http://schemas.microsoft.com/office/drawing/2014/main" val="275792739"/>
+                      <a16:colId xmlns:a16="http://schemas.microsoft.com/office/drawing/2014/main" xmlns="" val="275792739"/>
                     </a:ext>
                   </a:extLst>
                 </a:gridCol>
                 <a:gridCol w="1371600">
                   <a:extLst>
                     <a:ext uri="{9D8B030D-6E8A-4147-A177-3AD203B41FA5}">
-                      <a16:colId xmlns:a16="http://schemas.microsoft.com/office/drawing/2014/main" val="2550383071"/>
+                      <a16:colId xmlns:a16="http://schemas.microsoft.com/office/drawing/2014/main" xmlns="" val="2550383071"/>
                     </a:ext>
                   </a:extLst>
                 </a:gridCol>
                 <a:gridCol w="1477679">
                   <a:extLst>
                     <a:ext uri="{9D8B030D-6E8A-4147-A177-3AD203B41FA5}">
-                      <a16:colId xmlns:a16="http://schemas.microsoft.com/office/drawing/2014/main" val="3694173054"/>
+                      <a16:colId xmlns:a16="http://schemas.microsoft.com/office/drawing/2014/main" xmlns="" val="3694173054"/>
                     </a:ext>
                   </a:extLst>
                 </a:gridCol>
                 <a:gridCol w="1783886">
                   <a:extLst>
                     <a:ext uri="{9D8B030D-6E8A-4147-A177-3AD203B41FA5}">
-                      <a16:colId xmlns:a16="http://schemas.microsoft.com/office/drawing/2014/main" val="608630972"/>
+                      <a16:colId xmlns:a16="http://schemas.microsoft.com/office/drawing/2014/main" xmlns="" val="608630972"/>
                     </a:ext>
                   </a:extLst>
                 </a:gridCol>
@@ -21631,7 +21631,7 @@
                 </a:tc>
                 <a:extLst>
                   <a:ext uri="{0D108BD9-81ED-4DB2-BD59-A6C34878D82A}">
-                    <a16:rowId xmlns:a16="http://schemas.microsoft.com/office/drawing/2014/main" val="3982216832"/>
+                    <a16:rowId xmlns:a16="http://schemas.microsoft.com/office/drawing/2014/main" xmlns="" val="3982216832"/>
                   </a:ext>
                 </a:extLst>
               </a:tr>
@@ -21859,7 +21859,7 @@
                 </a:tc>
                 <a:extLst>
                   <a:ext uri="{0D108BD9-81ED-4DB2-BD59-A6C34878D82A}">
-                    <a16:rowId xmlns:a16="http://schemas.microsoft.com/office/drawing/2014/main" val="3667031896"/>
+                    <a16:rowId xmlns:a16="http://schemas.microsoft.com/office/drawing/2014/main" xmlns="" val="3667031896"/>
                   </a:ext>
                 </a:extLst>
               </a:tr>
@@ -22006,7 +22006,7 @@
                 </a:tc>
                 <a:extLst>
                   <a:ext uri="{0D108BD9-81ED-4DB2-BD59-A6C34878D82A}">
-                    <a16:rowId xmlns:a16="http://schemas.microsoft.com/office/drawing/2014/main" val="2690316513"/>
+                    <a16:rowId xmlns:a16="http://schemas.microsoft.com/office/drawing/2014/main" xmlns="" val="2690316513"/>
                   </a:ext>
                 </a:extLst>
               </a:tr>
@@ -22117,7 +22117,7 @@
                 </a:tc>
                 <a:extLst>
                   <a:ext uri="{0D108BD9-81ED-4DB2-BD59-A6C34878D82A}">
-                    <a16:rowId xmlns:a16="http://schemas.microsoft.com/office/drawing/2014/main" val="323683789"/>
+                    <a16:rowId xmlns:a16="http://schemas.microsoft.com/office/drawing/2014/main" xmlns="" val="323683789"/>
                   </a:ext>
                 </a:extLst>
               </a:tr>
@@ -22228,7 +22228,7 @@
                 </a:tc>
                 <a:extLst>
                   <a:ext uri="{0D108BD9-81ED-4DB2-BD59-A6C34878D82A}">
-                    <a16:rowId xmlns:a16="http://schemas.microsoft.com/office/drawing/2014/main" val="1536353699"/>
+                    <a16:rowId xmlns:a16="http://schemas.microsoft.com/office/drawing/2014/main" xmlns="" val="1536353699"/>
                   </a:ext>
                 </a:extLst>
               </a:tr>
@@ -22340,7 +22340,7 @@
                 </a:tc>
                 <a:extLst>
                   <a:ext uri="{0D108BD9-81ED-4DB2-BD59-A6C34878D82A}">
-                    <a16:rowId xmlns:a16="http://schemas.microsoft.com/office/drawing/2014/main" val="342577522"/>
+                    <a16:rowId xmlns:a16="http://schemas.microsoft.com/office/drawing/2014/main" xmlns="" val="342577522"/>
                   </a:ext>
                 </a:extLst>
               </a:tr>
@@ -22451,7 +22451,7 @@
                 </a:tc>
                 <a:extLst>
                   <a:ext uri="{0D108BD9-81ED-4DB2-BD59-A6C34878D82A}">
-                    <a16:rowId xmlns:a16="http://schemas.microsoft.com/office/drawing/2014/main" val="44161025"/>
+                    <a16:rowId xmlns:a16="http://schemas.microsoft.com/office/drawing/2014/main" xmlns="" val="44161025"/>
                   </a:ext>
                 </a:extLst>
               </a:tr>
@@ -22562,7 +22562,7 @@
                 </a:tc>
                 <a:extLst>
                   <a:ext uri="{0D108BD9-81ED-4DB2-BD59-A6C34878D82A}">
-                    <a16:rowId xmlns:a16="http://schemas.microsoft.com/office/drawing/2014/main" val="458223093"/>
+                    <a16:rowId xmlns:a16="http://schemas.microsoft.com/office/drawing/2014/main" xmlns="" val="458223093"/>
                   </a:ext>
                 </a:extLst>
               </a:tr>
@@ -22605,7 +22605,7 @@
           <p:cNvPr id="2" name="タイトル 1">
             <a:extLst>
               <a:ext uri="{FF2B5EF4-FFF2-40B4-BE49-F238E27FC236}">
-                <a16:creationId xmlns:a16="http://schemas.microsoft.com/office/drawing/2014/main" id="{10C85110-0AEB-6C49-9AE3-DAAB21DFABB3}"/>
+                <a16:creationId xmlns:a16="http://schemas.microsoft.com/office/drawing/2014/main" xmlns="" id="{10C85110-0AEB-6C49-9AE3-DAAB21DFABB3}"/>
               </a:ext>
             </a:extLst>
           </p:cNvPr>
@@ -22634,7 +22634,7 @@
           <p:cNvPr id="3" name="コンテンツ プレースホルダー 2">
             <a:extLst>
               <a:ext uri="{FF2B5EF4-FFF2-40B4-BE49-F238E27FC236}">
-                <a16:creationId xmlns:a16="http://schemas.microsoft.com/office/drawing/2014/main" id="{48B29443-0E2E-9240-9158-A7C1DB7BC48D}"/>
+                <a16:creationId xmlns:a16="http://schemas.microsoft.com/office/drawing/2014/main" xmlns="" id="{48B29443-0E2E-9240-9158-A7C1DB7BC48D}"/>
               </a:ext>
             </a:extLst>
           </p:cNvPr>
@@ -22715,7 +22715,7 @@
           <p:cNvPr id="2" name="タイトル 1">
             <a:extLst>
               <a:ext uri="{FF2B5EF4-FFF2-40B4-BE49-F238E27FC236}">
-                <a16:creationId xmlns:a16="http://schemas.microsoft.com/office/drawing/2014/main" id="{370FBD2F-E2D0-2B45-A3D8-7BC3C939ED5E}"/>
+                <a16:creationId xmlns:a16="http://schemas.microsoft.com/office/drawing/2014/main" xmlns="" id="{370FBD2F-E2D0-2B45-A3D8-7BC3C939ED5E}"/>
               </a:ext>
             </a:extLst>
           </p:cNvPr>
@@ -22744,7 +22744,7 @@
           <p:cNvPr id="3" name="コンテンツ プレースホルダー 2">
             <a:extLst>
               <a:ext uri="{FF2B5EF4-FFF2-40B4-BE49-F238E27FC236}">
-                <a16:creationId xmlns:a16="http://schemas.microsoft.com/office/drawing/2014/main" id="{567B62A5-3CCB-054C-A1D2-7F4106A92FB8}"/>
+                <a16:creationId xmlns:a16="http://schemas.microsoft.com/office/drawing/2014/main" xmlns="" id="{567B62A5-3CCB-054C-A1D2-7F4106A92FB8}"/>
               </a:ext>
             </a:extLst>
           </p:cNvPr>
@@ -22819,7 +22819,7 @@
           <p:cNvPr id="2" name="タイトル 1">
             <a:extLst>
               <a:ext uri="{FF2B5EF4-FFF2-40B4-BE49-F238E27FC236}">
-                <a16:creationId xmlns:a16="http://schemas.microsoft.com/office/drawing/2014/main" id="{A210D3EE-828C-0448-AED8-512904B08C9B}"/>
+                <a16:creationId xmlns:a16="http://schemas.microsoft.com/office/drawing/2014/main" xmlns="" id="{A210D3EE-828C-0448-AED8-512904B08C9B}"/>
               </a:ext>
             </a:extLst>
           </p:cNvPr>
@@ -22850,7 +22850,7 @@
               <p:cNvPr id="3" name="コンテンツ プレースホルダー 2">
                 <a:extLst>
                   <a:ext uri="{FF2B5EF4-FFF2-40B4-BE49-F238E27FC236}">
-                    <a16:creationId xmlns:a16="http://schemas.microsoft.com/office/drawing/2014/main" id="{9661AA73-C708-ED45-A480-9189E4FCBD8F}"/>
+                    <a16:creationId xmlns:a16="http://schemas.microsoft.com/office/drawing/2014/main" xmlns="" id="{9661AA73-C708-ED45-A480-9189E4FCBD8F}"/>
                   </a:ext>
                 </a:extLst>
               </p:cNvPr>
@@ -22897,7 +22897,7 @@
                         <m:sSubPr>
                           <m:ctrlPr>
                             <a:rPr kumimoji="1" lang="en-US" altLang="ja-JP" sz="2400" i="1" smtClean="0">
-                              <a:latin typeface="Cambria Math" panose="02040503050406030204" pitchFamily="18" charset="0"/>
+                              <a:latin typeface="Cambria Math" charset="0"/>
                             </a:rPr>
                           </m:ctrlPr>
                         </m:sSubPr>
@@ -22922,7 +22922,7 @@
                         <m:dPr>
                           <m:ctrlPr>
                             <a:rPr kumimoji="1" lang="en-US" altLang="ja-JP" sz="2400" b="0" i="1" smtClean="0">
-                              <a:latin typeface="Cambria Math" panose="02040503050406030204" pitchFamily="18" charset="0"/>
+                              <a:latin typeface="Cambria Math" charset="0"/>
                             </a:rPr>
                           </m:ctrlPr>
                         </m:dPr>
@@ -22959,7 +22959,7 @@
                           <m:supHide m:val="on"/>
                           <m:ctrlPr>
                             <a:rPr kumimoji="1" lang="en-US" altLang="ja-JP" sz="2400" b="0" i="1" smtClean="0">
-                              <a:latin typeface="Cambria Math" panose="02040503050406030204" pitchFamily="18" charset="0"/>
+                              <a:latin typeface="Cambria Math" charset="0"/>
                             </a:rPr>
                           </m:ctrlPr>
                         </m:naryPr>
@@ -22982,7 +22982,7 @@
                               <m:supHide m:val="on"/>
                               <m:ctrlPr>
                                 <a:rPr kumimoji="1" lang="en-US" altLang="ja-JP" sz="2400" b="0" i="1" smtClean="0">
-                                  <a:latin typeface="Cambria Math" panose="02040503050406030204" pitchFamily="18" charset="0"/>
+                                  <a:latin typeface="Cambria Math" charset="0"/>
                                 </a:rPr>
                               </m:ctrlPr>
                             </m:naryPr>
@@ -23005,7 +23005,7 @@
                                   <m:endChr m:val="|"/>
                                   <m:ctrlPr>
                                     <a:rPr kumimoji="1" lang="en-US" altLang="ja-JP" sz="2400" b="0" i="1" smtClean="0">
-                                      <a:latin typeface="Cambria Math" panose="02040503050406030204" pitchFamily="18" charset="0"/>
+                                      <a:latin typeface="Cambria Math" charset="0"/>
                                     </a:rPr>
                                   </m:ctrlPr>
                                 </m:dPr>
@@ -23014,7 +23014,7 @@
                                     <m:sSubPr>
                                       <m:ctrlPr>
                                         <a:rPr kumimoji="1" lang="en-US" altLang="ja-JP" sz="2400" b="0" i="1" smtClean="0">
-                                          <a:latin typeface="Cambria Math" panose="02040503050406030204" pitchFamily="18" charset="0"/>
+                                          <a:latin typeface="Cambria Math" charset="0"/>
                                         </a:rPr>
                                       </m:ctrlPr>
                                     </m:sSubPr>
@@ -23045,7 +23045,7 @@
                                     <m:sSubPr>
                                       <m:ctrlPr>
                                         <a:rPr kumimoji="1" lang="en-US" altLang="ja-JP" sz="2400" b="0" i="1" smtClean="0">
-                                          <a:latin typeface="Cambria Math" panose="02040503050406030204" pitchFamily="18" charset="0"/>
+                                          <a:latin typeface="Cambria Math" charset="0"/>
                                         </a:rPr>
                                       </m:ctrlPr>
                                     </m:sSubPr>
@@ -23260,7 +23260,7 @@
           <p:cNvPr id="3" name="コンテンツ プレースホルダー 2">
             <a:extLst>
               <a:ext uri="{FF2B5EF4-FFF2-40B4-BE49-F238E27FC236}">
-                <a16:creationId xmlns:a16="http://schemas.microsoft.com/office/drawing/2014/main" id="{E1E4F098-294C-D141-AD53-3960C7CBF23B}"/>
+                <a16:creationId xmlns:a16="http://schemas.microsoft.com/office/drawing/2014/main" xmlns="" id="{E1E4F098-294C-D141-AD53-3960C7CBF23B}"/>
               </a:ext>
             </a:extLst>
           </p:cNvPr>
@@ -23301,7 +23301,7 @@
           <p:cNvPr id="5" name="図 4">
             <a:extLst>
               <a:ext uri="{FF2B5EF4-FFF2-40B4-BE49-F238E27FC236}">
-                <a16:creationId xmlns:a16="http://schemas.microsoft.com/office/drawing/2014/main" id="{2842823E-0742-3241-980F-487CA451AA47}"/>
+                <a16:creationId xmlns:a16="http://schemas.microsoft.com/office/drawing/2014/main" xmlns="" id="{2842823E-0742-3241-980F-487CA451AA47}"/>
               </a:ext>
             </a:extLst>
           </p:cNvPr>
@@ -23331,7 +23331,7 @@
           <p:cNvPr id="15" name="直線コネクタ 14">
             <a:extLst>
               <a:ext uri="{FF2B5EF4-FFF2-40B4-BE49-F238E27FC236}">
-                <a16:creationId xmlns:a16="http://schemas.microsoft.com/office/drawing/2014/main" id="{E8F2F112-ACAD-BE49-A2A3-3FFF01998D93}"/>
+                <a16:creationId xmlns:a16="http://schemas.microsoft.com/office/drawing/2014/main" xmlns="" id="{E8F2F112-ACAD-BE49-A2A3-3FFF01998D93}"/>
               </a:ext>
             </a:extLst>
           </p:cNvPr>
@@ -23367,7 +23367,7 @@
           <p:cNvPr id="11" name="直線コネクタ 10">
             <a:extLst>
               <a:ext uri="{FF2B5EF4-FFF2-40B4-BE49-F238E27FC236}">
-                <a16:creationId xmlns:a16="http://schemas.microsoft.com/office/drawing/2014/main" id="{833C8682-9FCC-E645-B37A-6BBCF98D2582}"/>
+                <a16:creationId xmlns:a16="http://schemas.microsoft.com/office/drawing/2014/main" xmlns="" id="{833C8682-9FCC-E645-B37A-6BBCF98D2582}"/>
               </a:ext>
             </a:extLst>
           </p:cNvPr>
@@ -23403,7 +23403,7 @@
           <p:cNvPr id="17" name="円/楕円 16">
             <a:extLst>
               <a:ext uri="{FF2B5EF4-FFF2-40B4-BE49-F238E27FC236}">
-                <a16:creationId xmlns:a16="http://schemas.microsoft.com/office/drawing/2014/main" id="{E45806FA-8321-B241-B338-5BD47E48E10D}"/>
+                <a16:creationId xmlns:a16="http://schemas.microsoft.com/office/drawing/2014/main" xmlns="" id="{E45806FA-8321-B241-B338-5BD47E48E10D}"/>
               </a:ext>
             </a:extLst>
           </p:cNvPr>
@@ -23447,7 +23447,7 @@
           <p:cNvPr id="6" name="正方形/長方形 5">
             <a:extLst>
               <a:ext uri="{FF2B5EF4-FFF2-40B4-BE49-F238E27FC236}">
-                <a16:creationId xmlns:a16="http://schemas.microsoft.com/office/drawing/2014/main" id="{B04F6E53-1041-C946-A46D-BEB0D0FCB64C}"/>
+                <a16:creationId xmlns:a16="http://schemas.microsoft.com/office/drawing/2014/main" xmlns="" id="{B04F6E53-1041-C946-A46D-BEB0D0FCB64C}"/>
               </a:ext>
             </a:extLst>
           </p:cNvPr>
@@ -23494,7 +23494,7 @@
           <p:cNvPr id="7" name="正方形/長方形 6">
             <a:extLst>
               <a:ext uri="{FF2B5EF4-FFF2-40B4-BE49-F238E27FC236}">
-                <a16:creationId xmlns:a16="http://schemas.microsoft.com/office/drawing/2014/main" id="{4870ED44-030D-0B47-B560-56379A93FB9E}"/>
+                <a16:creationId xmlns:a16="http://schemas.microsoft.com/office/drawing/2014/main" xmlns="" id="{4870ED44-030D-0B47-B560-56379A93FB9E}"/>
               </a:ext>
             </a:extLst>
           </p:cNvPr>
@@ -23541,7 +23541,7 @@
           <p:cNvPr id="8" name="正方形/長方形 7">
             <a:extLst>
               <a:ext uri="{FF2B5EF4-FFF2-40B4-BE49-F238E27FC236}">
-                <a16:creationId xmlns:a16="http://schemas.microsoft.com/office/drawing/2014/main" id="{F7261E6C-68B7-504E-8024-5A3EDDA5CC91}"/>
+                <a16:creationId xmlns:a16="http://schemas.microsoft.com/office/drawing/2014/main" xmlns="" id="{F7261E6C-68B7-504E-8024-5A3EDDA5CC91}"/>
               </a:ext>
             </a:extLst>
           </p:cNvPr>
@@ -23588,7 +23588,7 @@
           <p:cNvPr id="9" name="正方形/長方形 8">
             <a:extLst>
               <a:ext uri="{FF2B5EF4-FFF2-40B4-BE49-F238E27FC236}">
-                <a16:creationId xmlns:a16="http://schemas.microsoft.com/office/drawing/2014/main" id="{D73A65D0-0289-6544-BFCE-4E05EC166522}"/>
+                <a16:creationId xmlns:a16="http://schemas.microsoft.com/office/drawing/2014/main" xmlns="" id="{D73A65D0-0289-6544-BFCE-4E05EC166522}"/>
               </a:ext>
             </a:extLst>
           </p:cNvPr>
@@ -23635,7 +23635,7 @@
           <p:cNvPr id="2" name="タイトル 1">
             <a:extLst>
               <a:ext uri="{FF2B5EF4-FFF2-40B4-BE49-F238E27FC236}">
-                <a16:creationId xmlns:a16="http://schemas.microsoft.com/office/drawing/2014/main" id="{7A7A5F4A-71EE-C844-A93C-36C19AEF0EE9}"/>
+                <a16:creationId xmlns:a16="http://schemas.microsoft.com/office/drawing/2014/main" xmlns="" id="{7A7A5F4A-71EE-C844-A93C-36C19AEF0EE9}"/>
               </a:ext>
             </a:extLst>
           </p:cNvPr>
@@ -23699,7 +23699,7 @@
           <p:cNvPr id="2" name="タイトル 1">
             <a:extLst>
               <a:ext uri="{FF2B5EF4-FFF2-40B4-BE49-F238E27FC236}">
-                <a16:creationId xmlns:a16="http://schemas.microsoft.com/office/drawing/2014/main" id="{428DC558-CACC-AA43-9E2E-72DEF172B147}"/>
+                <a16:creationId xmlns:a16="http://schemas.microsoft.com/office/drawing/2014/main" xmlns="" id="{428DC558-CACC-AA43-9E2E-72DEF172B147}"/>
               </a:ext>
             </a:extLst>
           </p:cNvPr>
@@ -23728,7 +23728,7 @@
           <p:cNvPr id="3" name="コンテンツ プレースホルダー 2">
             <a:extLst>
               <a:ext uri="{FF2B5EF4-FFF2-40B4-BE49-F238E27FC236}">
-                <a16:creationId xmlns:a16="http://schemas.microsoft.com/office/drawing/2014/main" id="{4C597B6B-79E1-834B-8591-13C3C9CDF85F}"/>
+                <a16:creationId xmlns:a16="http://schemas.microsoft.com/office/drawing/2014/main" xmlns="" id="{4C597B6B-79E1-834B-8591-13C3C9CDF85F}"/>
               </a:ext>
             </a:extLst>
           </p:cNvPr>
@@ -23828,7 +23828,7 @@
           <p:cNvPr id="2" name="タイトル 1">
             <a:extLst>
               <a:ext uri="{FF2B5EF4-FFF2-40B4-BE49-F238E27FC236}">
-                <a16:creationId xmlns:a16="http://schemas.microsoft.com/office/drawing/2014/main" id="{79C819DB-CA5F-1C4C-8245-029E819E804E}"/>
+                <a16:creationId xmlns:a16="http://schemas.microsoft.com/office/drawing/2014/main" xmlns="" id="{79C819DB-CA5F-1C4C-8245-029E819E804E}"/>
               </a:ext>
             </a:extLst>
           </p:cNvPr>
@@ -23857,7 +23857,7 @@
           <p:cNvPr id="10" name="テキスト ボックス 9">
             <a:extLst>
               <a:ext uri="{FF2B5EF4-FFF2-40B4-BE49-F238E27FC236}">
-                <a16:creationId xmlns:a16="http://schemas.microsoft.com/office/drawing/2014/main" id="{743391E0-BE57-C049-938D-B0625D1799E0}"/>
+                <a16:creationId xmlns:a16="http://schemas.microsoft.com/office/drawing/2014/main" xmlns="" id="{743391E0-BE57-C049-938D-B0625D1799E0}"/>
               </a:ext>
             </a:extLst>
           </p:cNvPr>
@@ -23896,7 +23896,7 @@
           <p:cNvPr id="11" name="テキスト ボックス 10">
             <a:extLst>
               <a:ext uri="{FF2B5EF4-FFF2-40B4-BE49-F238E27FC236}">
-                <a16:creationId xmlns:a16="http://schemas.microsoft.com/office/drawing/2014/main" id="{C185AF17-63A4-E34E-B47F-4DEE1B5AD7E7}"/>
+                <a16:creationId xmlns:a16="http://schemas.microsoft.com/office/drawing/2014/main" xmlns="" id="{C185AF17-63A4-E34E-B47F-4DEE1B5AD7E7}"/>
               </a:ext>
             </a:extLst>
           </p:cNvPr>
@@ -23931,7 +23931,7 @@
           <p:cNvPr id="12" name="テキスト ボックス 11">
             <a:extLst>
               <a:ext uri="{FF2B5EF4-FFF2-40B4-BE49-F238E27FC236}">
-                <a16:creationId xmlns:a16="http://schemas.microsoft.com/office/drawing/2014/main" id="{58818B18-D07D-7647-9ED1-7DEE6F0EB59C}"/>
+                <a16:creationId xmlns:a16="http://schemas.microsoft.com/office/drawing/2014/main" xmlns="" id="{58818B18-D07D-7647-9ED1-7DEE6F0EB59C}"/>
               </a:ext>
             </a:extLst>
           </p:cNvPr>
@@ -23967,7 +23967,7 @@
           <p:cNvPr id="13" name="テキスト ボックス 12">
             <a:extLst>
               <a:ext uri="{FF2B5EF4-FFF2-40B4-BE49-F238E27FC236}">
-                <a16:creationId xmlns:a16="http://schemas.microsoft.com/office/drawing/2014/main" id="{BC6B1BD5-E990-2247-8F1A-78347BDCD511}"/>
+                <a16:creationId xmlns:a16="http://schemas.microsoft.com/office/drawing/2014/main" xmlns="" id="{BC6B1BD5-E990-2247-8F1A-78347BDCD511}"/>
               </a:ext>
             </a:extLst>
           </p:cNvPr>
@@ -24003,7 +24003,7 @@
           <p:cNvPr id="15" name="テキスト ボックス 14">
             <a:extLst>
               <a:ext uri="{FF2B5EF4-FFF2-40B4-BE49-F238E27FC236}">
-                <a16:creationId xmlns:a16="http://schemas.microsoft.com/office/drawing/2014/main" id="{B83063BE-4C59-B046-A1AE-DB1720BA0E9C}"/>
+                <a16:creationId xmlns:a16="http://schemas.microsoft.com/office/drawing/2014/main" xmlns="" id="{B83063BE-4C59-B046-A1AE-DB1720BA0E9C}"/>
               </a:ext>
             </a:extLst>
           </p:cNvPr>
@@ -24039,7 +24039,7 @@
           <p:cNvPr id="18" name="コンテンツ プレースホルダー 17">
             <a:extLst>
               <a:ext uri="{FF2B5EF4-FFF2-40B4-BE49-F238E27FC236}">
-                <a16:creationId xmlns:a16="http://schemas.microsoft.com/office/drawing/2014/main" id="{0F64DDE8-9602-9844-A5EA-FC32E28076F3}"/>
+                <a16:creationId xmlns:a16="http://schemas.microsoft.com/office/drawing/2014/main" xmlns="" id="{0F64DDE8-9602-9844-A5EA-FC32E28076F3}"/>
               </a:ext>
             </a:extLst>
           </p:cNvPr>
@@ -24069,35 +24069,35 @@
                 <a:gridCol w="613626">
                   <a:extLst>
                     <a:ext uri="{9D8B030D-6E8A-4147-A177-3AD203B41FA5}">
-                      <a16:colId xmlns:a16="http://schemas.microsoft.com/office/drawing/2014/main" val="2861360921"/>
+                      <a16:colId xmlns:a16="http://schemas.microsoft.com/office/drawing/2014/main" xmlns="" val="2861360921"/>
                     </a:ext>
                   </a:extLst>
                 </a:gridCol>
                 <a:gridCol w="613626">
                   <a:extLst>
                     <a:ext uri="{9D8B030D-6E8A-4147-A177-3AD203B41FA5}">
-                      <a16:colId xmlns:a16="http://schemas.microsoft.com/office/drawing/2014/main" val="2138114902"/>
+                      <a16:colId xmlns:a16="http://schemas.microsoft.com/office/drawing/2014/main" xmlns="" val="2138114902"/>
                     </a:ext>
                   </a:extLst>
                 </a:gridCol>
                 <a:gridCol w="613626">
                   <a:extLst>
                     <a:ext uri="{9D8B030D-6E8A-4147-A177-3AD203B41FA5}">
-                      <a16:colId xmlns:a16="http://schemas.microsoft.com/office/drawing/2014/main" val="3066803536"/>
+                      <a16:colId xmlns:a16="http://schemas.microsoft.com/office/drawing/2014/main" xmlns="" val="3066803536"/>
                     </a:ext>
                   </a:extLst>
                 </a:gridCol>
                 <a:gridCol w="613626">
                   <a:extLst>
                     <a:ext uri="{9D8B030D-6E8A-4147-A177-3AD203B41FA5}">
-                      <a16:colId xmlns:a16="http://schemas.microsoft.com/office/drawing/2014/main" val="2197929545"/>
+                      <a16:colId xmlns:a16="http://schemas.microsoft.com/office/drawing/2014/main" xmlns="" val="2197929545"/>
                     </a:ext>
                   </a:extLst>
                 </a:gridCol>
                 <a:gridCol w="613626">
                   <a:extLst>
                     <a:ext uri="{9D8B030D-6E8A-4147-A177-3AD203B41FA5}">
-                      <a16:colId xmlns:a16="http://schemas.microsoft.com/office/drawing/2014/main" val="2607632151"/>
+                      <a16:colId xmlns:a16="http://schemas.microsoft.com/office/drawing/2014/main" xmlns="" val="2607632151"/>
                     </a:ext>
                   </a:extLst>
                 </a:gridCol>
@@ -24176,7 +24176,7 @@
                 </a:tc>
                 <a:extLst>
                   <a:ext uri="{0D108BD9-81ED-4DB2-BD59-A6C34878D82A}">
-                    <a16:rowId xmlns:a16="http://schemas.microsoft.com/office/drawing/2014/main" val="2796551800"/>
+                    <a16:rowId xmlns:a16="http://schemas.microsoft.com/office/drawing/2014/main" xmlns="" val="2796551800"/>
                   </a:ext>
                 </a:extLst>
               </a:tr>
@@ -24258,7 +24258,7 @@
                 </a:tc>
                 <a:extLst>
                   <a:ext uri="{0D108BD9-81ED-4DB2-BD59-A6C34878D82A}">
-                    <a16:rowId xmlns:a16="http://schemas.microsoft.com/office/drawing/2014/main" val="1231181055"/>
+                    <a16:rowId xmlns:a16="http://schemas.microsoft.com/office/drawing/2014/main" xmlns="" val="1231181055"/>
                   </a:ext>
                 </a:extLst>
               </a:tr>
@@ -24340,7 +24340,7 @@
                 </a:tc>
                 <a:extLst>
                   <a:ext uri="{0D108BD9-81ED-4DB2-BD59-A6C34878D82A}">
-                    <a16:rowId xmlns:a16="http://schemas.microsoft.com/office/drawing/2014/main" val="3696458332"/>
+                    <a16:rowId xmlns:a16="http://schemas.microsoft.com/office/drawing/2014/main" xmlns="" val="3696458332"/>
                   </a:ext>
                 </a:extLst>
               </a:tr>
@@ -24422,7 +24422,7 @@
                 </a:tc>
                 <a:extLst>
                   <a:ext uri="{0D108BD9-81ED-4DB2-BD59-A6C34878D82A}">
-                    <a16:rowId xmlns:a16="http://schemas.microsoft.com/office/drawing/2014/main" val="3231955252"/>
+                    <a16:rowId xmlns:a16="http://schemas.microsoft.com/office/drawing/2014/main" xmlns="" val="3231955252"/>
                   </a:ext>
                 </a:extLst>
               </a:tr>
@@ -24435,7 +24435,7 @@
           <p:cNvPr id="20" name="コンテンツ プレースホルダー 17">
             <a:extLst>
               <a:ext uri="{FF2B5EF4-FFF2-40B4-BE49-F238E27FC236}">
-                <a16:creationId xmlns:a16="http://schemas.microsoft.com/office/drawing/2014/main" id="{930410A0-0F83-9741-BD33-6B3617EA3924}"/>
+                <a16:creationId xmlns:a16="http://schemas.microsoft.com/office/drawing/2014/main" xmlns="" id="{930410A0-0F83-9741-BD33-6B3617EA3924}"/>
               </a:ext>
             </a:extLst>
           </p:cNvPr>
@@ -24464,35 +24464,35 @@
                 <a:gridCol w="613626">
                   <a:extLst>
                     <a:ext uri="{9D8B030D-6E8A-4147-A177-3AD203B41FA5}">
-                      <a16:colId xmlns:a16="http://schemas.microsoft.com/office/drawing/2014/main" val="2861360921"/>
+                      <a16:colId xmlns:a16="http://schemas.microsoft.com/office/drawing/2014/main" xmlns="" val="2861360921"/>
                     </a:ext>
                   </a:extLst>
                 </a:gridCol>
                 <a:gridCol w="613626">
                   <a:extLst>
                     <a:ext uri="{9D8B030D-6E8A-4147-A177-3AD203B41FA5}">
-                      <a16:colId xmlns:a16="http://schemas.microsoft.com/office/drawing/2014/main" val="2138114902"/>
+                      <a16:colId xmlns:a16="http://schemas.microsoft.com/office/drawing/2014/main" xmlns="" val="2138114902"/>
                     </a:ext>
                   </a:extLst>
                 </a:gridCol>
                 <a:gridCol w="613626">
                   <a:extLst>
                     <a:ext uri="{9D8B030D-6E8A-4147-A177-3AD203B41FA5}">
-                      <a16:colId xmlns:a16="http://schemas.microsoft.com/office/drawing/2014/main" val="3066803536"/>
+                      <a16:colId xmlns:a16="http://schemas.microsoft.com/office/drawing/2014/main" xmlns="" val="3066803536"/>
                     </a:ext>
                   </a:extLst>
                 </a:gridCol>
                 <a:gridCol w="613626">
                   <a:extLst>
                     <a:ext uri="{9D8B030D-6E8A-4147-A177-3AD203B41FA5}">
-                      <a16:colId xmlns:a16="http://schemas.microsoft.com/office/drawing/2014/main" val="2197929545"/>
+                      <a16:colId xmlns:a16="http://schemas.microsoft.com/office/drawing/2014/main" xmlns="" val="2197929545"/>
                     </a:ext>
                   </a:extLst>
                 </a:gridCol>
                 <a:gridCol w="613626">
                   <a:extLst>
                     <a:ext uri="{9D8B030D-6E8A-4147-A177-3AD203B41FA5}">
-                      <a16:colId xmlns:a16="http://schemas.microsoft.com/office/drawing/2014/main" val="2607632151"/>
+                      <a16:colId xmlns:a16="http://schemas.microsoft.com/office/drawing/2014/main" xmlns="" val="2607632151"/>
                     </a:ext>
                   </a:extLst>
                 </a:gridCol>
@@ -24571,7 +24571,7 @@
                 </a:tc>
                 <a:extLst>
                   <a:ext uri="{0D108BD9-81ED-4DB2-BD59-A6C34878D82A}">
-                    <a16:rowId xmlns:a16="http://schemas.microsoft.com/office/drawing/2014/main" val="2796551800"/>
+                    <a16:rowId xmlns:a16="http://schemas.microsoft.com/office/drawing/2014/main" xmlns="" val="2796551800"/>
                   </a:ext>
                 </a:extLst>
               </a:tr>
@@ -24653,7 +24653,7 @@
                 </a:tc>
                 <a:extLst>
                   <a:ext uri="{0D108BD9-81ED-4DB2-BD59-A6C34878D82A}">
-                    <a16:rowId xmlns:a16="http://schemas.microsoft.com/office/drawing/2014/main" val="1231181055"/>
+                    <a16:rowId xmlns:a16="http://schemas.microsoft.com/office/drawing/2014/main" xmlns="" val="1231181055"/>
                   </a:ext>
                 </a:extLst>
               </a:tr>
@@ -24735,7 +24735,7 @@
                 </a:tc>
                 <a:extLst>
                   <a:ext uri="{0D108BD9-81ED-4DB2-BD59-A6C34878D82A}">
-                    <a16:rowId xmlns:a16="http://schemas.microsoft.com/office/drawing/2014/main" val="3696458332"/>
+                    <a16:rowId xmlns:a16="http://schemas.microsoft.com/office/drawing/2014/main" xmlns="" val="3696458332"/>
                   </a:ext>
                 </a:extLst>
               </a:tr>
@@ -24816,7 +24816,7 @@
                 </a:tc>
                 <a:extLst>
                   <a:ext uri="{0D108BD9-81ED-4DB2-BD59-A6C34878D82A}">
-                    <a16:rowId xmlns:a16="http://schemas.microsoft.com/office/drawing/2014/main" val="3231955252"/>
+                    <a16:rowId xmlns:a16="http://schemas.microsoft.com/office/drawing/2014/main" xmlns="" val="3231955252"/>
                   </a:ext>
                 </a:extLst>
               </a:tr>
@@ -24859,7 +24859,7 @@
           <p:cNvPr id="2" name="タイトル 1">
             <a:extLst>
               <a:ext uri="{FF2B5EF4-FFF2-40B4-BE49-F238E27FC236}">
-                <a16:creationId xmlns:a16="http://schemas.microsoft.com/office/drawing/2014/main" id="{A1D4FB34-9353-3D47-A3C3-5BAAAD8E679B}"/>
+                <a16:creationId xmlns:a16="http://schemas.microsoft.com/office/drawing/2014/main" xmlns="" id="{A1D4FB34-9353-3D47-A3C3-5BAAAD8E679B}"/>
               </a:ext>
             </a:extLst>
           </p:cNvPr>
@@ -24893,7 +24893,7 @@
           <p:cNvPr id="6" name="テキスト ボックス 5">
             <a:extLst>
               <a:ext uri="{FF2B5EF4-FFF2-40B4-BE49-F238E27FC236}">
-                <a16:creationId xmlns:a16="http://schemas.microsoft.com/office/drawing/2014/main" id="{96FA9E58-8A31-6945-9A86-6771FAF1115A}"/>
+                <a16:creationId xmlns:a16="http://schemas.microsoft.com/office/drawing/2014/main" xmlns="" id="{96FA9E58-8A31-6945-9A86-6771FAF1115A}"/>
               </a:ext>
             </a:extLst>
           </p:cNvPr>
@@ -24929,7 +24929,7 @@
           <p:cNvPr id="7" name="テキスト ボックス 6">
             <a:extLst>
               <a:ext uri="{FF2B5EF4-FFF2-40B4-BE49-F238E27FC236}">
-                <a16:creationId xmlns:a16="http://schemas.microsoft.com/office/drawing/2014/main" id="{B16F9624-3F60-CC44-B46C-CCE747839F4E}"/>
+                <a16:creationId xmlns:a16="http://schemas.microsoft.com/office/drawing/2014/main" xmlns="" id="{B16F9624-3F60-CC44-B46C-CCE747839F4E}"/>
               </a:ext>
             </a:extLst>
           </p:cNvPr>
@@ -24965,7 +24965,7 @@
           <p:cNvPr id="21" name="正方形/長方形 20">
             <a:extLst>
               <a:ext uri="{FF2B5EF4-FFF2-40B4-BE49-F238E27FC236}">
-                <a16:creationId xmlns:a16="http://schemas.microsoft.com/office/drawing/2014/main" id="{2AF99C55-C669-614C-949B-56FEE5BFBAE3}"/>
+                <a16:creationId xmlns:a16="http://schemas.microsoft.com/office/drawing/2014/main" xmlns="" id="{2AF99C55-C669-614C-949B-56FEE5BFBAE3}"/>
               </a:ext>
             </a:extLst>
           </p:cNvPr>
@@ -25011,7 +25011,7 @@
               <p:cNvPr id="10" name="表 9">
                 <a:extLst>
                   <a:ext uri="{FF2B5EF4-FFF2-40B4-BE49-F238E27FC236}">
-                    <a16:creationId xmlns:a16="http://schemas.microsoft.com/office/drawing/2014/main" id="{0831298D-84D4-0D4A-84DC-4830BAAA8344}"/>
+                    <a16:creationId xmlns:a16="http://schemas.microsoft.com/office/drawing/2014/main" xmlns="" id="{0831298D-84D4-0D4A-84DC-4830BAAA8344}"/>
                   </a:ext>
                 </a:extLst>
               </p:cNvPr>
@@ -25040,7 +25040,7 @@
                     <a:gridCol w="1074910">
                       <a:extLst>
                         <a:ext uri="{9D8B030D-6E8A-4147-A177-3AD203B41FA5}">
-                          <a16:colId xmlns:a16="http://schemas.microsoft.com/office/drawing/2014/main" val="3385810268"/>
+                          <a16:colId xmlns:a16="http://schemas.microsoft.com/office/drawing/2014/main" xmlns="" val="3385810268"/>
                         </a:ext>
                       </a:extLst>
                     </a:gridCol>
@@ -25078,7 +25078,7 @@
                                   <m:sSubPr>
                                     <m:ctrlPr>
                                       <a:rPr lang="en-US" altLang="ja-JP" i="1" smtClean="0">
-                                        <a:latin typeface="Cambria Math" panose="02040503050406030204" pitchFamily="18" charset="0"/>
+                                        <a:latin typeface="Cambria Math" charset="0"/>
                                       </a:rPr>
                                     </m:ctrlPr>
                                   </m:sSubPr>
@@ -25109,7 +25109,7 @@
                                   <m:sSubPr>
                                     <m:ctrlPr>
                                       <a:rPr lang="en-US" altLang="ja-JP" i="1">
-                                        <a:latin typeface="Cambria Math" panose="02040503050406030204" pitchFamily="18" charset="0"/>
+                                        <a:latin typeface="Cambria Math" charset="0"/>
                                       </a:rPr>
                                     </m:ctrlPr>
                                   </m:sSubPr>
@@ -25140,7 +25140,7 @@
                     </a:tc>
                     <a:extLst>
                       <a:ext uri="{0D108BD9-81ED-4DB2-BD59-A6C34878D82A}">
-                        <a16:rowId xmlns:a16="http://schemas.microsoft.com/office/drawing/2014/main" val="3965556401"/>
+                        <a16:rowId xmlns:a16="http://schemas.microsoft.com/office/drawing/2014/main" xmlns="" val="3965556401"/>
                       </a:ext>
                     </a:extLst>
                   </a:tr>
@@ -25162,7 +25162,7 @@
                     </a:tc>
                     <a:extLst>
                       <a:ext uri="{0D108BD9-81ED-4DB2-BD59-A6C34878D82A}">
-                        <a16:rowId xmlns:a16="http://schemas.microsoft.com/office/drawing/2014/main" val="2497406869"/>
+                        <a16:rowId xmlns:a16="http://schemas.microsoft.com/office/drawing/2014/main" xmlns="" val="2497406869"/>
                       </a:ext>
                     </a:extLst>
                   </a:tr>
@@ -25184,7 +25184,7 @@
                     </a:tc>
                     <a:extLst>
                       <a:ext uri="{0D108BD9-81ED-4DB2-BD59-A6C34878D82A}">
-                        <a16:rowId xmlns:a16="http://schemas.microsoft.com/office/drawing/2014/main" val="728874131"/>
+                        <a16:rowId xmlns:a16="http://schemas.microsoft.com/office/drawing/2014/main" xmlns="" val="728874131"/>
                       </a:ext>
                     </a:extLst>
                   </a:tr>
@@ -25206,7 +25206,7 @@
                     </a:tc>
                     <a:extLst>
                       <a:ext uri="{0D108BD9-81ED-4DB2-BD59-A6C34878D82A}">
-                        <a16:rowId xmlns:a16="http://schemas.microsoft.com/office/drawing/2014/main" val="4031394708"/>
+                        <a16:rowId xmlns:a16="http://schemas.microsoft.com/office/drawing/2014/main" xmlns="" val="4031394708"/>
                       </a:ext>
                     </a:extLst>
                   </a:tr>
@@ -25356,7 +25356,7 @@
           <p:cNvPr id="14" name="コンテンツ プレースホルダー 17">
             <a:extLst>
               <a:ext uri="{FF2B5EF4-FFF2-40B4-BE49-F238E27FC236}">
-                <a16:creationId xmlns:a16="http://schemas.microsoft.com/office/drawing/2014/main" id="{1828899B-FEB2-B347-8455-66EBCEE0E5B7}"/>
+                <a16:creationId xmlns:a16="http://schemas.microsoft.com/office/drawing/2014/main" xmlns="" id="{1828899B-FEB2-B347-8455-66EBCEE0E5B7}"/>
               </a:ext>
             </a:extLst>
           </p:cNvPr>
@@ -25385,35 +25385,35 @@
                 <a:gridCol w="613626">
                   <a:extLst>
                     <a:ext uri="{9D8B030D-6E8A-4147-A177-3AD203B41FA5}">
-                      <a16:colId xmlns:a16="http://schemas.microsoft.com/office/drawing/2014/main" val="2861360921"/>
+                      <a16:colId xmlns:a16="http://schemas.microsoft.com/office/drawing/2014/main" xmlns="" val="2861360921"/>
                     </a:ext>
                   </a:extLst>
                 </a:gridCol>
                 <a:gridCol w="613626">
                   <a:extLst>
                     <a:ext uri="{9D8B030D-6E8A-4147-A177-3AD203B41FA5}">
-                      <a16:colId xmlns:a16="http://schemas.microsoft.com/office/drawing/2014/main" val="2138114902"/>
+                      <a16:colId xmlns:a16="http://schemas.microsoft.com/office/drawing/2014/main" xmlns="" val="2138114902"/>
                     </a:ext>
                   </a:extLst>
                 </a:gridCol>
                 <a:gridCol w="613626">
                   <a:extLst>
                     <a:ext uri="{9D8B030D-6E8A-4147-A177-3AD203B41FA5}">
-                      <a16:colId xmlns:a16="http://schemas.microsoft.com/office/drawing/2014/main" val="3066803536"/>
+                      <a16:colId xmlns:a16="http://schemas.microsoft.com/office/drawing/2014/main" xmlns="" val="3066803536"/>
                     </a:ext>
                   </a:extLst>
                 </a:gridCol>
                 <a:gridCol w="613626">
                   <a:extLst>
                     <a:ext uri="{9D8B030D-6E8A-4147-A177-3AD203B41FA5}">
-                      <a16:colId xmlns:a16="http://schemas.microsoft.com/office/drawing/2014/main" val="2197929545"/>
+                      <a16:colId xmlns:a16="http://schemas.microsoft.com/office/drawing/2014/main" xmlns="" val="2197929545"/>
                     </a:ext>
                   </a:extLst>
                 </a:gridCol>
                 <a:gridCol w="613626">
                   <a:extLst>
                     <a:ext uri="{9D8B030D-6E8A-4147-A177-3AD203B41FA5}">
-                      <a16:colId xmlns:a16="http://schemas.microsoft.com/office/drawing/2014/main" val="2607632151"/>
+                      <a16:colId xmlns:a16="http://schemas.microsoft.com/office/drawing/2014/main" xmlns="" val="2607632151"/>
                     </a:ext>
                   </a:extLst>
                 </a:gridCol>
@@ -25492,7 +25492,7 @@
                 </a:tc>
                 <a:extLst>
                   <a:ext uri="{0D108BD9-81ED-4DB2-BD59-A6C34878D82A}">
-                    <a16:rowId xmlns:a16="http://schemas.microsoft.com/office/drawing/2014/main" val="2796551800"/>
+                    <a16:rowId xmlns:a16="http://schemas.microsoft.com/office/drawing/2014/main" xmlns="" val="2796551800"/>
                   </a:ext>
                 </a:extLst>
               </a:tr>
@@ -25574,7 +25574,7 @@
                 </a:tc>
                 <a:extLst>
                   <a:ext uri="{0D108BD9-81ED-4DB2-BD59-A6C34878D82A}">
-                    <a16:rowId xmlns:a16="http://schemas.microsoft.com/office/drawing/2014/main" val="1231181055"/>
+                    <a16:rowId xmlns:a16="http://schemas.microsoft.com/office/drawing/2014/main" xmlns="" val="1231181055"/>
                   </a:ext>
                 </a:extLst>
               </a:tr>
@@ -25656,7 +25656,7 @@
                 </a:tc>
                 <a:extLst>
                   <a:ext uri="{0D108BD9-81ED-4DB2-BD59-A6C34878D82A}">
-                    <a16:rowId xmlns:a16="http://schemas.microsoft.com/office/drawing/2014/main" val="3696458332"/>
+                    <a16:rowId xmlns:a16="http://schemas.microsoft.com/office/drawing/2014/main" xmlns="" val="3696458332"/>
                   </a:ext>
                 </a:extLst>
               </a:tr>
@@ -25737,7 +25737,7 @@
                 </a:tc>
                 <a:extLst>
                   <a:ext uri="{0D108BD9-81ED-4DB2-BD59-A6C34878D82A}">
-                    <a16:rowId xmlns:a16="http://schemas.microsoft.com/office/drawing/2014/main" val="3231955252"/>
+                    <a16:rowId xmlns:a16="http://schemas.microsoft.com/office/drawing/2014/main" xmlns="" val="3231955252"/>
                   </a:ext>
                 </a:extLst>
               </a:tr>
@@ -25750,7 +25750,7 @@
           <p:cNvPr id="17" name="コンテンツ プレースホルダー 17">
             <a:extLst>
               <a:ext uri="{FF2B5EF4-FFF2-40B4-BE49-F238E27FC236}">
-                <a16:creationId xmlns:a16="http://schemas.microsoft.com/office/drawing/2014/main" id="{C2B485E8-B539-F242-9463-98EE124FD259}"/>
+                <a16:creationId xmlns:a16="http://schemas.microsoft.com/office/drawing/2014/main" xmlns="" id="{C2B485E8-B539-F242-9463-98EE124FD259}"/>
               </a:ext>
             </a:extLst>
           </p:cNvPr>
@@ -25779,35 +25779,35 @@
                 <a:gridCol w="613626">
                   <a:extLst>
                     <a:ext uri="{9D8B030D-6E8A-4147-A177-3AD203B41FA5}">
-                      <a16:colId xmlns:a16="http://schemas.microsoft.com/office/drawing/2014/main" val="2861360921"/>
+                      <a16:colId xmlns:a16="http://schemas.microsoft.com/office/drawing/2014/main" xmlns="" val="2861360921"/>
                     </a:ext>
                   </a:extLst>
                 </a:gridCol>
                 <a:gridCol w="613626">
                   <a:extLst>
                     <a:ext uri="{9D8B030D-6E8A-4147-A177-3AD203B41FA5}">
-                      <a16:colId xmlns:a16="http://schemas.microsoft.com/office/drawing/2014/main" val="2138114902"/>
+                      <a16:colId xmlns:a16="http://schemas.microsoft.com/office/drawing/2014/main" xmlns="" val="2138114902"/>
                     </a:ext>
                   </a:extLst>
                 </a:gridCol>
                 <a:gridCol w="613626">
                   <a:extLst>
                     <a:ext uri="{9D8B030D-6E8A-4147-A177-3AD203B41FA5}">
-                      <a16:colId xmlns:a16="http://schemas.microsoft.com/office/drawing/2014/main" val="3066803536"/>
+                      <a16:colId xmlns:a16="http://schemas.microsoft.com/office/drawing/2014/main" xmlns="" val="3066803536"/>
                     </a:ext>
                   </a:extLst>
                 </a:gridCol>
                 <a:gridCol w="613626">
                   <a:extLst>
                     <a:ext uri="{9D8B030D-6E8A-4147-A177-3AD203B41FA5}">
-                      <a16:colId xmlns:a16="http://schemas.microsoft.com/office/drawing/2014/main" val="2197929545"/>
+                      <a16:colId xmlns:a16="http://schemas.microsoft.com/office/drawing/2014/main" xmlns="" val="2197929545"/>
                     </a:ext>
                   </a:extLst>
                 </a:gridCol>
                 <a:gridCol w="613626">
                   <a:extLst>
                     <a:ext uri="{9D8B030D-6E8A-4147-A177-3AD203B41FA5}">
-                      <a16:colId xmlns:a16="http://schemas.microsoft.com/office/drawing/2014/main" val="2607632151"/>
+                      <a16:colId xmlns:a16="http://schemas.microsoft.com/office/drawing/2014/main" xmlns="" val="2607632151"/>
                     </a:ext>
                   </a:extLst>
                 </a:gridCol>
@@ -25886,7 +25886,7 @@
                 </a:tc>
                 <a:extLst>
                   <a:ext uri="{0D108BD9-81ED-4DB2-BD59-A6C34878D82A}">
-                    <a16:rowId xmlns:a16="http://schemas.microsoft.com/office/drawing/2014/main" val="2796551800"/>
+                    <a16:rowId xmlns:a16="http://schemas.microsoft.com/office/drawing/2014/main" xmlns="" val="2796551800"/>
                   </a:ext>
                 </a:extLst>
               </a:tr>
@@ -25968,7 +25968,7 @@
                 </a:tc>
                 <a:extLst>
                   <a:ext uri="{0D108BD9-81ED-4DB2-BD59-A6C34878D82A}">
-                    <a16:rowId xmlns:a16="http://schemas.microsoft.com/office/drawing/2014/main" val="1231181055"/>
+                    <a16:rowId xmlns:a16="http://schemas.microsoft.com/office/drawing/2014/main" xmlns="" val="1231181055"/>
                   </a:ext>
                 </a:extLst>
               </a:tr>
@@ -26050,7 +26050,7 @@
                 </a:tc>
                 <a:extLst>
                   <a:ext uri="{0D108BD9-81ED-4DB2-BD59-A6C34878D82A}">
-                    <a16:rowId xmlns:a16="http://schemas.microsoft.com/office/drawing/2014/main" val="3696458332"/>
+                    <a16:rowId xmlns:a16="http://schemas.microsoft.com/office/drawing/2014/main" xmlns="" val="3696458332"/>
                   </a:ext>
                 </a:extLst>
               </a:tr>
@@ -26131,7 +26131,7 @@
                 </a:tc>
                 <a:extLst>
                   <a:ext uri="{0D108BD9-81ED-4DB2-BD59-A6C34878D82A}">
-                    <a16:rowId xmlns:a16="http://schemas.microsoft.com/office/drawing/2014/main" val="3231955252"/>
+                    <a16:rowId xmlns:a16="http://schemas.microsoft.com/office/drawing/2014/main" xmlns="" val="3231955252"/>
                   </a:ext>
                 </a:extLst>
               </a:tr>
@@ -26144,7 +26144,7 @@
           <p:cNvPr id="18" name="テキスト ボックス 17">
             <a:extLst>
               <a:ext uri="{FF2B5EF4-FFF2-40B4-BE49-F238E27FC236}">
-                <a16:creationId xmlns:a16="http://schemas.microsoft.com/office/drawing/2014/main" id="{F5B84D0B-B263-FD49-98A5-13EF2CBF6EA3}"/>
+                <a16:creationId xmlns:a16="http://schemas.microsoft.com/office/drawing/2014/main" xmlns="" id="{F5B84D0B-B263-FD49-98A5-13EF2CBF6EA3}"/>
               </a:ext>
             </a:extLst>
           </p:cNvPr>
@@ -26180,7 +26180,7 @@
           <p:cNvPr id="27" name="直線コネクタ 26">
             <a:extLst>
               <a:ext uri="{FF2B5EF4-FFF2-40B4-BE49-F238E27FC236}">
-                <a16:creationId xmlns:a16="http://schemas.microsoft.com/office/drawing/2014/main" id="{9C53EE11-F5E4-F443-83A8-868A194A2EDF}"/>
+                <a16:creationId xmlns:a16="http://schemas.microsoft.com/office/drawing/2014/main" xmlns="" id="{9C53EE11-F5E4-F443-83A8-868A194A2EDF}"/>
               </a:ext>
             </a:extLst>
           </p:cNvPr>
@@ -26216,7 +26216,7 @@
           <p:cNvPr id="29" name="直線矢印コネクタ 28">
             <a:extLst>
               <a:ext uri="{FF2B5EF4-FFF2-40B4-BE49-F238E27FC236}">
-                <a16:creationId xmlns:a16="http://schemas.microsoft.com/office/drawing/2014/main" id="{13319179-2C5D-9047-AE87-F6F617D5F245}"/>
+                <a16:creationId xmlns:a16="http://schemas.microsoft.com/office/drawing/2014/main" xmlns="" id="{13319179-2C5D-9047-AE87-F6F617D5F245}"/>
               </a:ext>
             </a:extLst>
           </p:cNvPr>
@@ -26257,7 +26257,7 @@
           <p:cNvPr id="30" name="テキスト ボックス 29">
             <a:extLst>
               <a:ext uri="{FF2B5EF4-FFF2-40B4-BE49-F238E27FC236}">
-                <a16:creationId xmlns:a16="http://schemas.microsoft.com/office/drawing/2014/main" id="{6D250106-02A4-5C4E-A11D-77C8A044E85E}"/>
+                <a16:creationId xmlns:a16="http://schemas.microsoft.com/office/drawing/2014/main" xmlns="" id="{6D250106-02A4-5C4E-A11D-77C8A044E85E}"/>
               </a:ext>
             </a:extLst>
           </p:cNvPr>
@@ -26295,7 +26295,7 @@
               <p:cNvPr id="31" name="テキスト ボックス 30">
                 <a:extLst>
                   <a:ext uri="{FF2B5EF4-FFF2-40B4-BE49-F238E27FC236}">
-                    <a16:creationId xmlns:a16="http://schemas.microsoft.com/office/drawing/2014/main" id="{87DBBABE-99FF-4740-9B6C-7DAA8D2E7AA1}"/>
+                    <a16:creationId xmlns:a16="http://schemas.microsoft.com/office/drawing/2014/main" xmlns="" id="{87DBBABE-99FF-4740-9B6C-7DAA8D2E7AA1}"/>
                   </a:ext>
                 </a:extLst>
               </p:cNvPr>
@@ -26336,7 +26336,7 @@
                       <m:sSubPr>
                         <m:ctrlPr>
                           <a:rPr lang="en" altLang="ja-JP" i="1" smtClean="0">
-                            <a:latin typeface="Cambria Math" panose="02040503050406030204" pitchFamily="18" charset="0"/>
+                            <a:latin typeface="Cambria Math" charset="0"/>
                           </a:rPr>
                         </m:ctrlPr>
                       </m:sSubPr>
@@ -26466,7 +26466,7 @@
           <p:cNvPr id="2" name="タイトル 1">
             <a:extLst>
               <a:ext uri="{FF2B5EF4-FFF2-40B4-BE49-F238E27FC236}">
-                <a16:creationId xmlns:a16="http://schemas.microsoft.com/office/drawing/2014/main" id="{0F3E9755-7D4C-E140-A34C-76DD3CC7C081}"/>
+                <a16:creationId xmlns:a16="http://schemas.microsoft.com/office/drawing/2014/main" xmlns="" id="{0F3E9755-7D4C-E140-A34C-76DD3CC7C081}"/>
               </a:ext>
             </a:extLst>
           </p:cNvPr>
@@ -26504,7 +26504,7 @@
           <p:cNvPr id="4" name="コンテンツ プレースホルダー 3">
             <a:extLst>
               <a:ext uri="{FF2B5EF4-FFF2-40B4-BE49-F238E27FC236}">
-                <a16:creationId xmlns:a16="http://schemas.microsoft.com/office/drawing/2014/main" id="{A43B9D2D-517B-CB46-A337-956322EC2B9A}"/>
+                <a16:creationId xmlns:a16="http://schemas.microsoft.com/office/drawing/2014/main" xmlns="" id="{A43B9D2D-517B-CB46-A337-956322EC2B9A}"/>
               </a:ext>
             </a:extLst>
           </p:cNvPr>
@@ -26515,7 +26515,7 @@
             <p:ph idx="1"/>
             <p:extLst>
               <p:ext uri="{D42A27DB-BD31-4B8C-83A1-F6EECF244321}">
-                <p14:modId xmlns:p14="http://schemas.microsoft.com/office/powerpoint/2010/main" val="218383673"/>
+                <p14:modId xmlns:p14="http://schemas.microsoft.com/office/powerpoint/2010/main" val="1448839975"/>
               </p:ext>
             </p:extLst>
           </p:nvPr>
@@ -26534,28 +26534,28 @@
                 <a:gridCol w="1304365">
                   <a:extLst>
                     <a:ext uri="{9D8B030D-6E8A-4147-A177-3AD203B41FA5}">
-                      <a16:colId xmlns:a16="http://schemas.microsoft.com/office/drawing/2014/main" val="3767232075"/>
+                      <a16:colId xmlns:a16="http://schemas.microsoft.com/office/drawing/2014/main" xmlns="" val="3767232075"/>
                     </a:ext>
                   </a:extLst>
                 </a:gridCol>
                 <a:gridCol w="1143000">
                   <a:extLst>
                     <a:ext uri="{9D8B030D-6E8A-4147-A177-3AD203B41FA5}">
-                      <a16:colId xmlns:a16="http://schemas.microsoft.com/office/drawing/2014/main" val="3477330652"/>
+                      <a16:colId xmlns:a16="http://schemas.microsoft.com/office/drawing/2014/main" xmlns="" val="3477330652"/>
                     </a:ext>
                   </a:extLst>
                 </a:gridCol>
                 <a:gridCol w="1264024">
                   <a:extLst>
                     <a:ext uri="{9D8B030D-6E8A-4147-A177-3AD203B41FA5}">
-                      <a16:colId xmlns:a16="http://schemas.microsoft.com/office/drawing/2014/main" val="2984689672"/>
+                      <a16:colId xmlns:a16="http://schemas.microsoft.com/office/drawing/2014/main" xmlns="" val="2984689672"/>
                     </a:ext>
                   </a:extLst>
                 </a:gridCol>
                 <a:gridCol w="2595281">
                   <a:extLst>
                     <a:ext uri="{9D8B030D-6E8A-4147-A177-3AD203B41FA5}">
-                      <a16:colId xmlns:a16="http://schemas.microsoft.com/office/drawing/2014/main" val="275792739"/>
+                      <a16:colId xmlns:a16="http://schemas.microsoft.com/office/drawing/2014/main" xmlns="" val="275792739"/>
                     </a:ext>
                   </a:extLst>
                 </a:gridCol>
@@ -26653,7 +26653,7 @@
                 </a:tc>
                 <a:extLst>
                   <a:ext uri="{0D108BD9-81ED-4DB2-BD59-A6C34878D82A}">
-                    <a16:rowId xmlns:a16="http://schemas.microsoft.com/office/drawing/2014/main" val="3667031896"/>
+                    <a16:rowId xmlns:a16="http://schemas.microsoft.com/office/drawing/2014/main" xmlns="" val="3667031896"/>
                   </a:ext>
                 </a:extLst>
               </a:tr>
@@ -26710,17 +26710,17 @@
                     <a:p>
                       <a:pPr algn="ctr"/>
                       <a:r>
-                        <a:rPr kumimoji="1" lang="en-US" altLang="ja-JP" sz="2000" dirty="0"/>
-                        <a:t>100.00</a:t>
+                        <a:rPr kumimoji="1" lang="en-US" altLang="ja-JP" sz="2000" dirty="0" smtClean="0"/>
+                        <a:t>0.00</a:t>
                       </a:r>
-                      <a:endParaRPr kumimoji="1" lang="ja-JP" altLang="en-US" sz="2000"/>
+                      <a:endParaRPr kumimoji="1" lang="ja-JP" altLang="en-US" sz="2000" dirty="0"/>
                     </a:p>
                   </a:txBody>
                   <a:tcPr/>
                 </a:tc>
                 <a:extLst>
                   <a:ext uri="{0D108BD9-81ED-4DB2-BD59-A6C34878D82A}">
-                    <a16:rowId xmlns:a16="http://schemas.microsoft.com/office/drawing/2014/main" val="2690316513"/>
+                    <a16:rowId xmlns:a16="http://schemas.microsoft.com/office/drawing/2014/main" xmlns="" val="2690316513"/>
                   </a:ext>
                 </a:extLst>
               </a:tr>
@@ -26732,10 +26732,10 @@
                     <a:p>
                       <a:pPr algn="ctr"/>
                       <a:r>
-                        <a:rPr kumimoji="1" lang="en-US" altLang="ja-JP" sz="2000" dirty="0"/>
-                        <a:t>38</a:t>
+                        <a:rPr kumimoji="1" lang="en-US" altLang="ja-JP" sz="2000" dirty="0" smtClean="0"/>
+                        <a:t>63</a:t>
                       </a:r>
-                      <a:endParaRPr kumimoji="1" lang="ja-JP" altLang="en-US" sz="2000"/>
+                      <a:endParaRPr kumimoji="1" lang="ja-JP" altLang="en-US" sz="2000" dirty="0"/>
                     </a:p>
                   </a:txBody>
                   <a:tcPr/>
@@ -26776,17 +26776,17 @@
                     <a:p>
                       <a:pPr algn="ctr"/>
                       <a:r>
-                        <a:rPr kumimoji="1" lang="en-US" altLang="ja-JP" sz="2000" dirty="0"/>
-                        <a:t>95.28</a:t>
+                        <a:rPr kumimoji="1" lang="en-US" altLang="ja-JP" sz="2000" dirty="0" smtClean="0"/>
+                        <a:t>3.16</a:t>
                       </a:r>
-                      <a:endParaRPr kumimoji="1" lang="ja-JP" altLang="en-US" sz="2000"/>
+                      <a:endParaRPr kumimoji="1" lang="ja-JP" altLang="en-US" sz="2000" dirty="0"/>
                     </a:p>
                   </a:txBody>
                   <a:tcPr/>
                 </a:tc>
                 <a:extLst>
                   <a:ext uri="{0D108BD9-81ED-4DB2-BD59-A6C34878D82A}">
-                    <a16:rowId xmlns:a16="http://schemas.microsoft.com/office/drawing/2014/main" val="1536353699"/>
+                    <a16:rowId xmlns:a16="http://schemas.microsoft.com/office/drawing/2014/main" xmlns="" val="1536353699"/>
                   </a:ext>
                 </a:extLst>
               </a:tr>
@@ -26843,17 +26843,17 @@
                     <a:p>
                       <a:pPr algn="ctr"/>
                       <a:r>
-                        <a:rPr kumimoji="1" lang="en-US" altLang="ja-JP" sz="2000" dirty="0"/>
-                        <a:t>94.23</a:t>
+                        <a:rPr kumimoji="1" lang="en-US" altLang="ja-JP" sz="2000" dirty="0" smtClean="0"/>
+                        <a:t>1.25</a:t>
                       </a:r>
-                      <a:endParaRPr kumimoji="1" lang="ja-JP" altLang="en-US" sz="2000"/>
+                      <a:endParaRPr kumimoji="1" lang="ja-JP" altLang="en-US" sz="2000" dirty="0"/>
                     </a:p>
                   </a:txBody>
                   <a:tcPr/>
                 </a:tc>
                 <a:extLst>
                   <a:ext uri="{0D108BD9-81ED-4DB2-BD59-A6C34878D82A}">
-                    <a16:rowId xmlns:a16="http://schemas.microsoft.com/office/drawing/2014/main" val="342577522"/>
+                    <a16:rowId xmlns:a16="http://schemas.microsoft.com/office/drawing/2014/main" xmlns="" val="342577522"/>
                   </a:ext>
                 </a:extLst>
               </a:tr>
@@ -26909,17 +26909,17 @@
                     <a:p>
                       <a:pPr algn="ctr"/>
                       <a:r>
-                        <a:rPr kumimoji="1" lang="en-US" altLang="ja-JP" sz="2000" dirty="0"/>
-                        <a:t>96.96</a:t>
+                        <a:rPr kumimoji="1" lang="en-US" altLang="ja-JP" sz="2000" smtClean="0"/>
+                        <a:t>0.01</a:t>
                       </a:r>
-                      <a:endParaRPr kumimoji="1" lang="ja-JP" altLang="en-US" sz="2000"/>
+                      <a:endParaRPr kumimoji="1" lang="ja-JP" altLang="en-US" sz="2000" dirty="0"/>
                     </a:p>
                   </a:txBody>
                   <a:tcPr/>
                 </a:tc>
                 <a:extLst>
                   <a:ext uri="{0D108BD9-81ED-4DB2-BD59-A6C34878D82A}">
-                    <a16:rowId xmlns:a16="http://schemas.microsoft.com/office/drawing/2014/main" val="2295892714"/>
+                    <a16:rowId xmlns:a16="http://schemas.microsoft.com/office/drawing/2014/main" xmlns="" val="2295892714"/>
                   </a:ext>
                 </a:extLst>
               </a:tr>
@@ -26932,7 +26932,7 @@
           <p:cNvPr id="3" name="テキスト ボックス 2">
             <a:extLst>
               <a:ext uri="{FF2B5EF4-FFF2-40B4-BE49-F238E27FC236}">
-                <a16:creationId xmlns:a16="http://schemas.microsoft.com/office/drawing/2014/main" id="{37243A71-4939-8146-8D1C-50B1371ED22B}"/>
+                <a16:creationId xmlns:a16="http://schemas.microsoft.com/office/drawing/2014/main" xmlns="" id="{37243A71-4939-8146-8D1C-50B1371ED22B}"/>
               </a:ext>
             </a:extLst>
           </p:cNvPr>
@@ -26998,7 +26998,7 @@
           <p:cNvPr id="2" name="タイトル 1">
             <a:extLst>
               <a:ext uri="{FF2B5EF4-FFF2-40B4-BE49-F238E27FC236}">
-                <a16:creationId xmlns:a16="http://schemas.microsoft.com/office/drawing/2014/main" id="{7A74A867-EBEB-2F4D-8265-67DD34FA45C3}"/>
+                <a16:creationId xmlns:a16="http://schemas.microsoft.com/office/drawing/2014/main" xmlns="" id="{7A74A867-EBEB-2F4D-8265-67DD34FA45C3}"/>
               </a:ext>
             </a:extLst>
           </p:cNvPr>
@@ -27027,7 +27027,7 @@
           <p:cNvPr id="3" name="コンテンツ プレースホルダー 2">
             <a:extLst>
               <a:ext uri="{FF2B5EF4-FFF2-40B4-BE49-F238E27FC236}">
-                <a16:creationId xmlns:a16="http://schemas.microsoft.com/office/drawing/2014/main" id="{248D57BC-E16B-2345-B115-CA7B5ECA4B39}"/>
+                <a16:creationId xmlns:a16="http://schemas.microsoft.com/office/drawing/2014/main" xmlns="" id="{248D57BC-E16B-2345-B115-CA7B5ECA4B39}"/>
               </a:ext>
             </a:extLst>
           </p:cNvPr>
@@ -27155,7 +27155,7 @@
           <p:cNvPr id="2" name="タイトル 1">
             <a:extLst>
               <a:ext uri="{FF2B5EF4-FFF2-40B4-BE49-F238E27FC236}">
-                <a16:creationId xmlns:a16="http://schemas.microsoft.com/office/drawing/2014/main" id="{A1A8B07D-6CCE-FB44-B6F2-0060DFEC85FE}"/>
+                <a16:creationId xmlns:a16="http://schemas.microsoft.com/office/drawing/2014/main" xmlns="" id="{A1A8B07D-6CCE-FB44-B6F2-0060DFEC85FE}"/>
               </a:ext>
             </a:extLst>
           </p:cNvPr>
@@ -27191,7 +27191,7 @@
           <p:cNvPr id="3" name="コンテンツ プレースホルダー 2">
             <a:extLst>
               <a:ext uri="{FF2B5EF4-FFF2-40B4-BE49-F238E27FC236}">
-                <a16:creationId xmlns:a16="http://schemas.microsoft.com/office/drawing/2014/main" id="{4B9E269F-05A6-2844-83AE-AB30ED0C9367}"/>
+                <a16:creationId xmlns:a16="http://schemas.microsoft.com/office/drawing/2014/main" xmlns="" id="{4B9E269F-05A6-2844-83AE-AB30ED0C9367}"/>
               </a:ext>
             </a:extLst>
           </p:cNvPr>
@@ -27227,7 +27227,7 @@
           <p:cNvPr id="5" name="図 4">
             <a:extLst>
               <a:ext uri="{FF2B5EF4-FFF2-40B4-BE49-F238E27FC236}">
-                <a16:creationId xmlns:a16="http://schemas.microsoft.com/office/drawing/2014/main" id="{C119040F-67D3-9B4C-85ED-B26CE8BEBBCF}"/>
+                <a16:creationId xmlns:a16="http://schemas.microsoft.com/office/drawing/2014/main" xmlns="" id="{C119040F-67D3-9B4C-85ED-B26CE8BEBBCF}"/>
               </a:ext>
             </a:extLst>
           </p:cNvPr>
@@ -27287,7 +27287,7 @@
           <p:cNvPr id="2" name="タイトル 1">
             <a:extLst>
               <a:ext uri="{FF2B5EF4-FFF2-40B4-BE49-F238E27FC236}">
-                <a16:creationId xmlns:a16="http://schemas.microsoft.com/office/drawing/2014/main" id="{92047B87-2603-A144-964A-4BE3C1BE3111}"/>
+                <a16:creationId xmlns:a16="http://schemas.microsoft.com/office/drawing/2014/main" xmlns="" id="{92047B87-2603-A144-964A-4BE3C1BE3111}"/>
               </a:ext>
             </a:extLst>
           </p:cNvPr>
@@ -27316,7 +27316,7 @@
           <p:cNvPr id="3" name="コンテンツ プレースホルダー 2">
             <a:extLst>
               <a:ext uri="{FF2B5EF4-FFF2-40B4-BE49-F238E27FC236}">
-                <a16:creationId xmlns:a16="http://schemas.microsoft.com/office/drawing/2014/main" id="{49A4257B-C21A-9E4A-AAAF-C87FAC0753DF}"/>
+                <a16:creationId xmlns:a16="http://schemas.microsoft.com/office/drawing/2014/main" xmlns="" id="{49A4257B-C21A-9E4A-AAAF-C87FAC0753DF}"/>
               </a:ext>
             </a:extLst>
           </p:cNvPr>
@@ -27420,7 +27420,7 @@
           <p:cNvPr id="2" name="タイトル 1">
             <a:extLst>
               <a:ext uri="{FF2B5EF4-FFF2-40B4-BE49-F238E27FC236}">
-                <a16:creationId xmlns:a16="http://schemas.microsoft.com/office/drawing/2014/main" id="{6F71ED5D-E72C-DB40-A958-3D404E7C2BDB}"/>
+                <a16:creationId xmlns:a16="http://schemas.microsoft.com/office/drawing/2014/main" xmlns="" id="{6F71ED5D-E72C-DB40-A958-3D404E7C2BDB}"/>
               </a:ext>
             </a:extLst>
           </p:cNvPr>
@@ -27451,7 +27451,7 @@
               <p:cNvPr id="3" name="コンテンツ プレースホルダー 2">
                 <a:extLst>
                   <a:ext uri="{FF2B5EF4-FFF2-40B4-BE49-F238E27FC236}">
-                    <a16:creationId xmlns:a16="http://schemas.microsoft.com/office/drawing/2014/main" id="{C91B532C-DD0A-5649-814C-749997C24508}"/>
+                    <a16:creationId xmlns:a16="http://schemas.microsoft.com/office/drawing/2014/main" xmlns="" id="{C91B532C-DD0A-5649-814C-749997C24508}"/>
                   </a:ext>
                 </a:extLst>
               </p:cNvPr>
@@ -27597,7 +27597,7 @@
           <p:cNvPr id="2" name="タイトル 1">
             <a:extLst>
               <a:ext uri="{FF2B5EF4-FFF2-40B4-BE49-F238E27FC236}">
-                <a16:creationId xmlns:a16="http://schemas.microsoft.com/office/drawing/2014/main" id="{89663C5D-CBA2-0E4F-B496-EAA0921F02CB}"/>
+                <a16:creationId xmlns:a16="http://schemas.microsoft.com/office/drawing/2014/main" xmlns="" id="{89663C5D-CBA2-0E4F-B496-EAA0921F02CB}"/>
               </a:ext>
             </a:extLst>
           </p:cNvPr>
@@ -27626,7 +27626,7 @@
           <p:cNvPr id="3" name="コンテンツ プレースホルダー 2">
             <a:extLst>
               <a:ext uri="{FF2B5EF4-FFF2-40B4-BE49-F238E27FC236}">
-                <a16:creationId xmlns:a16="http://schemas.microsoft.com/office/drawing/2014/main" id="{DDCCA87D-98EC-5F4C-B7CC-2189578463C2}"/>
+                <a16:creationId xmlns:a16="http://schemas.microsoft.com/office/drawing/2014/main" xmlns="" id="{DDCCA87D-98EC-5F4C-B7CC-2189578463C2}"/>
               </a:ext>
             </a:extLst>
           </p:cNvPr>

--- a/竹田_修論発表.pptx
+++ b/竹田_修論発表.pptx
@@ -353,7 +353,7 @@
           <a:p>
             <a:fld id="{C8659C27-364E-C74E-8EB0-0FFA61AB3438}" type="datetimeFigureOut">
               <a:rPr kumimoji="1" lang="ja-JP" altLang="en-US" smtClean="0"/>
-              <a:t>2021/10/11</a:t>
+              <a:t>2021/10/14</a:t>
             </a:fld>
             <a:endParaRPr kumimoji="1" lang="ja-JP" altLang="en-US"/>
           </a:p>
@@ -728,7 +728,7 @@
           <a:p>
             <a:fld id="{C8659C27-364E-C74E-8EB0-0FFA61AB3438}" type="datetimeFigureOut">
               <a:rPr kumimoji="1" lang="ja-JP" altLang="en-US" smtClean="0"/>
-              <a:t>2021/10/11</a:t>
+              <a:t>2021/10/14</a:t>
             </a:fld>
             <a:endParaRPr kumimoji="1" lang="ja-JP" altLang="en-US"/>
           </a:p>
@@ -1203,7 +1203,7 @@
           <a:p>
             <a:fld id="{C8659C27-364E-C74E-8EB0-0FFA61AB3438}" type="datetimeFigureOut">
               <a:rPr kumimoji="1" lang="ja-JP" altLang="en-US" smtClean="0"/>
-              <a:t>2021/10/11</a:t>
+              <a:t>2021/10/14</a:t>
             </a:fld>
             <a:endParaRPr kumimoji="1" lang="ja-JP" altLang="en-US"/>
           </a:p>
@@ -1576,7 +1576,7 @@
           <a:p>
             <a:fld id="{C8659C27-364E-C74E-8EB0-0FFA61AB3438}" type="datetimeFigureOut">
               <a:rPr kumimoji="1" lang="ja-JP" altLang="en-US" smtClean="0"/>
-              <a:t>2021/10/11</a:t>
+              <a:t>2021/10/14</a:t>
             </a:fld>
             <a:endParaRPr kumimoji="1" lang="ja-JP" altLang="en-US"/>
           </a:p>
@@ -1970,7 +1970,7 @@
           <a:p>
             <a:fld id="{C8659C27-364E-C74E-8EB0-0FFA61AB3438}" type="datetimeFigureOut">
               <a:rPr kumimoji="1" lang="ja-JP" altLang="en-US" smtClean="0"/>
-              <a:t>2021/10/11</a:t>
+              <a:t>2021/10/14</a:t>
             </a:fld>
             <a:endParaRPr kumimoji="1" lang="ja-JP" altLang="en-US"/>
           </a:p>
@@ -2440,7 +2440,7 @@
           <a:p>
             <a:fld id="{C8659C27-364E-C74E-8EB0-0FFA61AB3438}" type="datetimeFigureOut">
               <a:rPr kumimoji="1" lang="ja-JP" altLang="en-US" smtClean="0"/>
-              <a:t>2021/10/11</a:t>
+              <a:t>2021/10/14</a:t>
             </a:fld>
             <a:endParaRPr kumimoji="1" lang="ja-JP" altLang="en-US"/>
           </a:p>
@@ -2705,7 +2705,7 @@
           <a:p>
             <a:fld id="{C8659C27-364E-C74E-8EB0-0FFA61AB3438}" type="datetimeFigureOut">
               <a:rPr kumimoji="1" lang="ja-JP" altLang="en-US" smtClean="0"/>
-              <a:t>2021/10/11</a:t>
+              <a:t>2021/10/14</a:t>
             </a:fld>
             <a:endParaRPr kumimoji="1" lang="ja-JP" altLang="en-US"/>
           </a:p>
@@ -2975,7 +2975,7 @@
           <a:p>
             <a:fld id="{C8659C27-364E-C74E-8EB0-0FFA61AB3438}" type="datetimeFigureOut">
               <a:rPr kumimoji="1" lang="ja-JP" altLang="en-US" smtClean="0"/>
-              <a:t>2021/10/11</a:t>
+              <a:t>2021/10/14</a:t>
             </a:fld>
             <a:endParaRPr kumimoji="1" lang="ja-JP" altLang="en-US"/>
           </a:p>
@@ -3245,7 +3245,7 @@
           <a:p>
             <a:fld id="{C8659C27-364E-C74E-8EB0-0FFA61AB3438}" type="datetimeFigureOut">
               <a:rPr kumimoji="1" lang="ja-JP" altLang="en-US" smtClean="0"/>
-              <a:t>2021/10/11</a:t>
+              <a:t>2021/10/14</a:t>
             </a:fld>
             <a:endParaRPr kumimoji="1" lang="ja-JP" altLang="en-US"/>
           </a:p>
@@ -3611,7 +3611,7 @@
           <a:p>
             <a:fld id="{C8659C27-364E-C74E-8EB0-0FFA61AB3438}" type="datetimeFigureOut">
               <a:rPr kumimoji="1" lang="ja-JP" altLang="en-US" smtClean="0"/>
-              <a:t>2021/10/11</a:t>
+              <a:t>2021/10/14</a:t>
             </a:fld>
             <a:endParaRPr kumimoji="1" lang="ja-JP" altLang="en-US"/>
           </a:p>
@@ -3950,7 +3950,7 @@
           <a:p>
             <a:fld id="{C8659C27-364E-C74E-8EB0-0FFA61AB3438}" type="datetimeFigureOut">
               <a:rPr kumimoji="1" lang="ja-JP" altLang="en-US" smtClean="0"/>
-              <a:t>2021/10/11</a:t>
+              <a:t>2021/10/14</a:t>
             </a:fld>
             <a:endParaRPr kumimoji="1" lang="ja-JP" altLang="en-US"/>
           </a:p>
@@ -4497,7 +4497,7 @@
           <a:p>
             <a:fld id="{C8659C27-364E-C74E-8EB0-0FFA61AB3438}" type="datetimeFigureOut">
               <a:rPr kumimoji="1" lang="ja-JP" altLang="en-US" smtClean="0"/>
-              <a:t>2021/10/11</a:t>
+              <a:t>2021/10/14</a:t>
             </a:fld>
             <a:endParaRPr kumimoji="1" lang="ja-JP" altLang="en-US"/>
           </a:p>
@@ -4702,7 +4702,7 @@
           <a:p>
             <a:fld id="{C8659C27-364E-C74E-8EB0-0FFA61AB3438}" type="datetimeFigureOut">
               <a:rPr kumimoji="1" lang="ja-JP" altLang="en-US" smtClean="0"/>
-              <a:t>2021/10/11</a:t>
+              <a:t>2021/10/14</a:t>
             </a:fld>
             <a:endParaRPr kumimoji="1" lang="ja-JP" altLang="en-US"/>
           </a:p>
@@ -4879,7 +4879,7 @@
           <a:p>
             <a:fld id="{C8659C27-364E-C74E-8EB0-0FFA61AB3438}" type="datetimeFigureOut">
               <a:rPr kumimoji="1" lang="ja-JP" altLang="en-US" smtClean="0"/>
-              <a:t>2021/10/11</a:t>
+              <a:t>2021/10/14</a:t>
             </a:fld>
             <a:endParaRPr kumimoji="1" lang="ja-JP" altLang="en-US"/>
           </a:p>
@@ -5257,7 +5257,7 @@
           <a:p>
             <a:fld id="{C8659C27-364E-C74E-8EB0-0FFA61AB3438}" type="datetimeFigureOut">
               <a:rPr kumimoji="1" lang="ja-JP" altLang="en-US" smtClean="0"/>
-              <a:t>2021/10/11</a:t>
+              <a:t>2021/10/14</a:t>
             </a:fld>
             <a:endParaRPr kumimoji="1" lang="ja-JP" altLang="en-US"/>
           </a:p>
@@ -5639,7 +5639,7 @@
           <a:p>
             <a:fld id="{C8659C27-364E-C74E-8EB0-0FFA61AB3438}" type="datetimeFigureOut">
               <a:rPr kumimoji="1" lang="ja-JP" altLang="en-US" smtClean="0"/>
-              <a:t>2021/10/11</a:t>
+              <a:t>2021/10/14</a:t>
             </a:fld>
             <a:endParaRPr kumimoji="1" lang="ja-JP" altLang="en-US"/>
           </a:p>
@@ -7764,7 +7764,7 @@
           <a:p>
             <a:fld id="{C8659C27-364E-C74E-8EB0-0FFA61AB3438}" type="datetimeFigureOut">
               <a:rPr kumimoji="1" lang="ja-JP" altLang="en-US" smtClean="0"/>
-              <a:t>2021/10/11</a:t>
+              <a:t>2021/10/14</a:t>
             </a:fld>
             <a:endParaRPr kumimoji="1" lang="ja-JP" altLang="en-US"/>
           </a:p>
@@ -8292,7 +8292,7 @@
           <p:cNvPr id="2" name="タイトル 1">
             <a:extLst>
               <a:ext uri="{FF2B5EF4-FFF2-40B4-BE49-F238E27FC236}">
-                <a16:creationId xmlns:a16="http://schemas.microsoft.com/office/drawing/2014/main" xmlns="" id="{BB3A160B-8C31-E849-8D08-7C11DA8214B1}"/>
+                <a16:creationId xmlns="" xmlns:a16="http://schemas.microsoft.com/office/drawing/2014/main" id="{BB3A160B-8C31-E849-8D08-7C11DA8214B1}"/>
               </a:ext>
             </a:extLst>
           </p:cNvPr>
@@ -8328,7 +8328,7 @@
           <p:cNvPr id="3" name="字幕 2">
             <a:extLst>
               <a:ext uri="{FF2B5EF4-FFF2-40B4-BE49-F238E27FC236}">
-                <a16:creationId xmlns:a16="http://schemas.microsoft.com/office/drawing/2014/main" xmlns="" id="{9891AEF0-39AE-5E46-A4E1-F4A6D9CC3F55}"/>
+                <a16:creationId xmlns="" xmlns:a16="http://schemas.microsoft.com/office/drawing/2014/main" id="{9891AEF0-39AE-5E46-A4E1-F4A6D9CC3F55}"/>
               </a:ext>
             </a:extLst>
           </p:cNvPr>
@@ -8404,7 +8404,7 @@
           <p:cNvPr id="2" name="タイトル 1">
             <a:extLst>
               <a:ext uri="{FF2B5EF4-FFF2-40B4-BE49-F238E27FC236}">
-                <a16:creationId xmlns:a16="http://schemas.microsoft.com/office/drawing/2014/main" xmlns="" id="{FD7804DA-5131-1342-B346-35CAC3C09CE7}"/>
+                <a16:creationId xmlns="" xmlns:a16="http://schemas.microsoft.com/office/drawing/2014/main" id="{FD7804DA-5131-1342-B346-35CAC3C09CE7}"/>
               </a:ext>
             </a:extLst>
           </p:cNvPr>
@@ -8433,7 +8433,7 @@
           <p:cNvPr id="3" name="コンテンツ プレースホルダー 2">
             <a:extLst>
               <a:ext uri="{FF2B5EF4-FFF2-40B4-BE49-F238E27FC236}">
-                <a16:creationId xmlns:a16="http://schemas.microsoft.com/office/drawing/2014/main" xmlns="" id="{07F230A6-6F05-474A-B796-7E09CD034B90}"/>
+                <a16:creationId xmlns="" xmlns:a16="http://schemas.microsoft.com/office/drawing/2014/main" id="{07F230A6-6F05-474A-B796-7E09CD034B90}"/>
               </a:ext>
             </a:extLst>
           </p:cNvPr>
@@ -8554,7 +8554,7 @@
           <p:cNvPr id="2" name="タイトル 1">
             <a:extLst>
               <a:ext uri="{FF2B5EF4-FFF2-40B4-BE49-F238E27FC236}">
-                <a16:creationId xmlns:a16="http://schemas.microsoft.com/office/drawing/2014/main" xmlns="" id="{8FFD2DF9-F802-CB4A-8FDC-1DBC0B21EA23}"/>
+                <a16:creationId xmlns="" xmlns:a16="http://schemas.microsoft.com/office/drawing/2014/main" id="{8FFD2DF9-F802-CB4A-8FDC-1DBC0B21EA23}"/>
               </a:ext>
             </a:extLst>
           </p:cNvPr>
@@ -8586,7 +8586,7 @@
           <p:cNvPr id="3" name="コンテンツ プレースホルダー 2">
             <a:extLst>
               <a:ext uri="{FF2B5EF4-FFF2-40B4-BE49-F238E27FC236}">
-                <a16:creationId xmlns:a16="http://schemas.microsoft.com/office/drawing/2014/main" xmlns="" id="{3F298097-154C-9341-91D5-37BAB2F21D3D}"/>
+                <a16:creationId xmlns="" xmlns:a16="http://schemas.microsoft.com/office/drawing/2014/main" id="{3F298097-154C-9341-91D5-37BAB2F21D3D}"/>
               </a:ext>
             </a:extLst>
           </p:cNvPr>
@@ -8634,7 +8634,7 @@
           <p:cNvPr id="4" name="正方形/長方形 3">
             <a:extLst>
               <a:ext uri="{FF2B5EF4-FFF2-40B4-BE49-F238E27FC236}">
-                <a16:creationId xmlns:a16="http://schemas.microsoft.com/office/drawing/2014/main" xmlns="" id="{4125FC03-1821-1B49-B8D7-7061C39DDC9A}"/>
+                <a16:creationId xmlns="" xmlns:a16="http://schemas.microsoft.com/office/drawing/2014/main" id="{4125FC03-1821-1B49-B8D7-7061C39DDC9A}"/>
               </a:ext>
             </a:extLst>
           </p:cNvPr>
@@ -8695,7 +8695,7 @@
           <p:cNvPr id="5" name="正方形/長方形 4">
             <a:extLst>
               <a:ext uri="{FF2B5EF4-FFF2-40B4-BE49-F238E27FC236}">
-                <a16:creationId xmlns:a16="http://schemas.microsoft.com/office/drawing/2014/main" xmlns="" id="{8A1E8740-20DB-134D-8573-DB8BD029D323}"/>
+                <a16:creationId xmlns="" xmlns:a16="http://schemas.microsoft.com/office/drawing/2014/main" id="{8A1E8740-20DB-134D-8573-DB8BD029D323}"/>
               </a:ext>
             </a:extLst>
           </p:cNvPr>
@@ -8756,7 +8756,7 @@
           <p:cNvPr id="6" name="正方形/長方形 5">
             <a:extLst>
               <a:ext uri="{FF2B5EF4-FFF2-40B4-BE49-F238E27FC236}">
-                <a16:creationId xmlns:a16="http://schemas.microsoft.com/office/drawing/2014/main" xmlns="" id="{A12812F2-2A27-8244-AF1E-7BAE2D408214}"/>
+                <a16:creationId xmlns="" xmlns:a16="http://schemas.microsoft.com/office/drawing/2014/main" id="{A12812F2-2A27-8244-AF1E-7BAE2D408214}"/>
               </a:ext>
             </a:extLst>
           </p:cNvPr>
@@ -8817,7 +8817,7 @@
           <p:cNvPr id="9" name="右矢印 8">
             <a:extLst>
               <a:ext uri="{FF2B5EF4-FFF2-40B4-BE49-F238E27FC236}">
-                <a16:creationId xmlns:a16="http://schemas.microsoft.com/office/drawing/2014/main" xmlns="" id="{DAFDF226-D662-6240-8E16-4C880D981060}"/>
+                <a16:creationId xmlns="" xmlns:a16="http://schemas.microsoft.com/office/drawing/2014/main" id="{DAFDF226-D662-6240-8E16-4C880D981060}"/>
               </a:ext>
             </a:extLst>
           </p:cNvPr>
@@ -8871,7 +8871,7 @@
           <p:cNvPr id="10" name="テキスト ボックス 9">
             <a:extLst>
               <a:ext uri="{FF2B5EF4-FFF2-40B4-BE49-F238E27FC236}">
-                <a16:creationId xmlns:a16="http://schemas.microsoft.com/office/drawing/2014/main" xmlns="" id="{4894A48D-AB41-A647-84D2-7A3F67EEB78D}"/>
+                <a16:creationId xmlns="" xmlns:a16="http://schemas.microsoft.com/office/drawing/2014/main" id="{4894A48D-AB41-A647-84D2-7A3F67EEB78D}"/>
               </a:ext>
             </a:extLst>
           </p:cNvPr>
@@ -8941,7 +8941,7 @@
           <p:cNvPr id="2" name="タイトル 1">
             <a:extLst>
               <a:ext uri="{FF2B5EF4-FFF2-40B4-BE49-F238E27FC236}">
-                <a16:creationId xmlns:a16="http://schemas.microsoft.com/office/drawing/2014/main" xmlns="" id="{2ACE2C3C-4BC0-9A48-8819-B8962728EB30}"/>
+                <a16:creationId xmlns="" xmlns:a16="http://schemas.microsoft.com/office/drawing/2014/main" id="{2ACE2C3C-4BC0-9A48-8819-B8962728EB30}"/>
               </a:ext>
             </a:extLst>
           </p:cNvPr>
@@ -8983,7 +8983,7 @@
           <p:cNvPr id="3" name="コンテンツ プレースホルダー 2">
             <a:extLst>
               <a:ext uri="{FF2B5EF4-FFF2-40B4-BE49-F238E27FC236}">
-                <a16:creationId xmlns:a16="http://schemas.microsoft.com/office/drawing/2014/main" xmlns="" id="{D6FD89FE-6EBE-9B45-9FEE-179DCD542FAD}"/>
+                <a16:creationId xmlns="" xmlns:a16="http://schemas.microsoft.com/office/drawing/2014/main" id="{D6FD89FE-6EBE-9B45-9FEE-179DCD542FAD}"/>
               </a:ext>
             </a:extLst>
           </p:cNvPr>
@@ -9064,7 +9064,7 @@
           <p:cNvPr id="4" name="正方形/長方形 3">
             <a:extLst>
               <a:ext uri="{FF2B5EF4-FFF2-40B4-BE49-F238E27FC236}">
-                <a16:creationId xmlns:a16="http://schemas.microsoft.com/office/drawing/2014/main" xmlns="" id="{067A9BD7-4B51-6D49-81E0-C1B4397DB9C7}"/>
+                <a16:creationId xmlns="" xmlns:a16="http://schemas.microsoft.com/office/drawing/2014/main" id="{067A9BD7-4B51-6D49-81E0-C1B4397DB9C7}"/>
               </a:ext>
             </a:extLst>
           </p:cNvPr>
@@ -9113,7 +9113,7 @@
           <p:cNvPr id="5" name="正方形/長方形 4">
             <a:extLst>
               <a:ext uri="{FF2B5EF4-FFF2-40B4-BE49-F238E27FC236}">
-                <a16:creationId xmlns:a16="http://schemas.microsoft.com/office/drawing/2014/main" xmlns="" id="{BCD9801A-E6B6-364D-BDB2-D8F14B6B9C9C}"/>
+                <a16:creationId xmlns="" xmlns:a16="http://schemas.microsoft.com/office/drawing/2014/main" id="{BCD9801A-E6B6-364D-BDB2-D8F14B6B9C9C}"/>
               </a:ext>
             </a:extLst>
           </p:cNvPr>
@@ -9162,7 +9162,7 @@
           <p:cNvPr id="6" name="正方形/長方形 5">
             <a:extLst>
               <a:ext uri="{FF2B5EF4-FFF2-40B4-BE49-F238E27FC236}">
-                <a16:creationId xmlns:a16="http://schemas.microsoft.com/office/drawing/2014/main" xmlns="" id="{7B132D4E-A696-B644-A4CD-B3B900A4D173}"/>
+                <a16:creationId xmlns="" xmlns:a16="http://schemas.microsoft.com/office/drawing/2014/main" id="{7B132D4E-A696-B644-A4CD-B3B900A4D173}"/>
               </a:ext>
             </a:extLst>
           </p:cNvPr>
@@ -9211,7 +9211,7 @@
           <p:cNvPr id="7" name="正方形/長方形 6">
             <a:extLst>
               <a:ext uri="{FF2B5EF4-FFF2-40B4-BE49-F238E27FC236}">
-                <a16:creationId xmlns:a16="http://schemas.microsoft.com/office/drawing/2014/main" xmlns="" id="{CC9B5BF5-74FC-B442-B2BD-9B549170319F}"/>
+                <a16:creationId xmlns="" xmlns:a16="http://schemas.microsoft.com/office/drawing/2014/main" id="{CC9B5BF5-74FC-B442-B2BD-9B549170319F}"/>
               </a:ext>
             </a:extLst>
           </p:cNvPr>
@@ -9260,7 +9260,7 @@
           <p:cNvPr id="8" name="正方形/長方形 7">
             <a:extLst>
               <a:ext uri="{FF2B5EF4-FFF2-40B4-BE49-F238E27FC236}">
-                <a16:creationId xmlns:a16="http://schemas.microsoft.com/office/drawing/2014/main" xmlns="" id="{D0702233-B52A-444B-8BEA-0A9934C0E778}"/>
+                <a16:creationId xmlns="" xmlns:a16="http://schemas.microsoft.com/office/drawing/2014/main" id="{D0702233-B52A-444B-8BEA-0A9934C0E778}"/>
               </a:ext>
             </a:extLst>
           </p:cNvPr>
@@ -9309,7 +9309,7 @@
           <p:cNvPr id="9" name="正方形/長方形 8">
             <a:extLst>
               <a:ext uri="{FF2B5EF4-FFF2-40B4-BE49-F238E27FC236}">
-                <a16:creationId xmlns:a16="http://schemas.microsoft.com/office/drawing/2014/main" xmlns="" id="{5DBA1192-030E-6041-9CFA-4C6A4A2318AB}"/>
+                <a16:creationId xmlns="" xmlns:a16="http://schemas.microsoft.com/office/drawing/2014/main" id="{5DBA1192-030E-6041-9CFA-4C6A4A2318AB}"/>
               </a:ext>
             </a:extLst>
           </p:cNvPr>
@@ -9358,7 +9358,7 @@
           <p:cNvPr id="10" name="正方形/長方形 9">
             <a:extLst>
               <a:ext uri="{FF2B5EF4-FFF2-40B4-BE49-F238E27FC236}">
-                <a16:creationId xmlns:a16="http://schemas.microsoft.com/office/drawing/2014/main" xmlns="" id="{C278E65F-59A7-B14B-B9BA-BA19CDFF962E}"/>
+                <a16:creationId xmlns="" xmlns:a16="http://schemas.microsoft.com/office/drawing/2014/main" id="{C278E65F-59A7-B14B-B9BA-BA19CDFF962E}"/>
               </a:ext>
             </a:extLst>
           </p:cNvPr>
@@ -9407,7 +9407,7 @@
           <p:cNvPr id="11" name="正方形/長方形 10">
             <a:extLst>
               <a:ext uri="{FF2B5EF4-FFF2-40B4-BE49-F238E27FC236}">
-                <a16:creationId xmlns:a16="http://schemas.microsoft.com/office/drawing/2014/main" xmlns="" id="{A8032D0F-7E0A-A34A-8684-4B8C77F9576F}"/>
+                <a16:creationId xmlns="" xmlns:a16="http://schemas.microsoft.com/office/drawing/2014/main" id="{A8032D0F-7E0A-A34A-8684-4B8C77F9576F}"/>
               </a:ext>
             </a:extLst>
           </p:cNvPr>
@@ -9456,7 +9456,7 @@
           <p:cNvPr id="12" name="正方形/長方形 11">
             <a:extLst>
               <a:ext uri="{FF2B5EF4-FFF2-40B4-BE49-F238E27FC236}">
-                <a16:creationId xmlns:a16="http://schemas.microsoft.com/office/drawing/2014/main" xmlns="" id="{9DD44B77-9C6E-1D47-B7FE-C3C33C39256F}"/>
+                <a16:creationId xmlns="" xmlns:a16="http://schemas.microsoft.com/office/drawing/2014/main" id="{9DD44B77-9C6E-1D47-B7FE-C3C33C39256F}"/>
               </a:ext>
             </a:extLst>
           </p:cNvPr>
@@ -9505,7 +9505,7 @@
           <p:cNvPr id="13" name="正方形/長方形 12">
             <a:extLst>
               <a:ext uri="{FF2B5EF4-FFF2-40B4-BE49-F238E27FC236}">
-                <a16:creationId xmlns:a16="http://schemas.microsoft.com/office/drawing/2014/main" xmlns="" id="{50CC7B0D-C49F-4845-AB34-6920D7F2CDD4}"/>
+                <a16:creationId xmlns="" xmlns:a16="http://schemas.microsoft.com/office/drawing/2014/main" id="{50CC7B0D-C49F-4845-AB34-6920D7F2CDD4}"/>
               </a:ext>
             </a:extLst>
           </p:cNvPr>
@@ -9554,7 +9554,7 @@
           <p:cNvPr id="14" name="正方形/長方形 13">
             <a:extLst>
               <a:ext uri="{FF2B5EF4-FFF2-40B4-BE49-F238E27FC236}">
-                <a16:creationId xmlns:a16="http://schemas.microsoft.com/office/drawing/2014/main" xmlns="" id="{B6DB7078-4225-C74C-95D8-6FA063090B0D}"/>
+                <a16:creationId xmlns="" xmlns:a16="http://schemas.microsoft.com/office/drawing/2014/main" id="{B6DB7078-4225-C74C-95D8-6FA063090B0D}"/>
               </a:ext>
             </a:extLst>
           </p:cNvPr>
@@ -9603,7 +9603,7 @@
           <p:cNvPr id="15" name="正方形/長方形 14">
             <a:extLst>
               <a:ext uri="{FF2B5EF4-FFF2-40B4-BE49-F238E27FC236}">
-                <a16:creationId xmlns:a16="http://schemas.microsoft.com/office/drawing/2014/main" xmlns="" id="{C137D3F7-BFDC-FD4B-9D6C-DDB075D374BE}"/>
+                <a16:creationId xmlns="" xmlns:a16="http://schemas.microsoft.com/office/drawing/2014/main" id="{C137D3F7-BFDC-FD4B-9D6C-DDB075D374BE}"/>
               </a:ext>
             </a:extLst>
           </p:cNvPr>
@@ -9652,7 +9652,7 @@
           <p:cNvPr id="16" name="正方形/長方形 15">
             <a:extLst>
               <a:ext uri="{FF2B5EF4-FFF2-40B4-BE49-F238E27FC236}">
-                <a16:creationId xmlns:a16="http://schemas.microsoft.com/office/drawing/2014/main" xmlns="" id="{55677416-99E6-E348-B5AA-ED1777CE10B6}"/>
+                <a16:creationId xmlns="" xmlns:a16="http://schemas.microsoft.com/office/drawing/2014/main" id="{55677416-99E6-E348-B5AA-ED1777CE10B6}"/>
               </a:ext>
             </a:extLst>
           </p:cNvPr>
@@ -9701,7 +9701,7 @@
           <p:cNvPr id="17" name="正方形/長方形 16">
             <a:extLst>
               <a:ext uri="{FF2B5EF4-FFF2-40B4-BE49-F238E27FC236}">
-                <a16:creationId xmlns:a16="http://schemas.microsoft.com/office/drawing/2014/main" xmlns="" id="{15FCB09D-0443-EC4E-9395-9B8B32ABCF85}"/>
+                <a16:creationId xmlns="" xmlns:a16="http://schemas.microsoft.com/office/drawing/2014/main" id="{15FCB09D-0443-EC4E-9395-9B8B32ABCF85}"/>
               </a:ext>
             </a:extLst>
           </p:cNvPr>
@@ -9750,7 +9750,7 @@
           <p:cNvPr id="18" name="正方形/長方形 17">
             <a:extLst>
               <a:ext uri="{FF2B5EF4-FFF2-40B4-BE49-F238E27FC236}">
-                <a16:creationId xmlns:a16="http://schemas.microsoft.com/office/drawing/2014/main" xmlns="" id="{441E9B8E-DEF7-FA48-8162-9FA170FD789F}"/>
+                <a16:creationId xmlns="" xmlns:a16="http://schemas.microsoft.com/office/drawing/2014/main" id="{441E9B8E-DEF7-FA48-8162-9FA170FD789F}"/>
               </a:ext>
             </a:extLst>
           </p:cNvPr>
@@ -9799,7 +9799,7 @@
           <p:cNvPr id="19" name="正方形/長方形 18">
             <a:extLst>
               <a:ext uri="{FF2B5EF4-FFF2-40B4-BE49-F238E27FC236}">
-                <a16:creationId xmlns:a16="http://schemas.microsoft.com/office/drawing/2014/main" xmlns="" id="{27AD64C6-E207-2541-B143-EF3357E88206}"/>
+                <a16:creationId xmlns="" xmlns:a16="http://schemas.microsoft.com/office/drawing/2014/main" id="{27AD64C6-E207-2541-B143-EF3357E88206}"/>
               </a:ext>
             </a:extLst>
           </p:cNvPr>
@@ -9848,7 +9848,7 @@
           <p:cNvPr id="20" name="正方形/長方形 19">
             <a:extLst>
               <a:ext uri="{FF2B5EF4-FFF2-40B4-BE49-F238E27FC236}">
-                <a16:creationId xmlns:a16="http://schemas.microsoft.com/office/drawing/2014/main" xmlns="" id="{41B55C55-21F5-A648-AC5D-19858576D85C}"/>
+                <a16:creationId xmlns="" xmlns:a16="http://schemas.microsoft.com/office/drawing/2014/main" id="{41B55C55-21F5-A648-AC5D-19858576D85C}"/>
               </a:ext>
             </a:extLst>
           </p:cNvPr>
@@ -9897,7 +9897,7 @@
           <p:cNvPr id="21" name="正方形/長方形 20">
             <a:extLst>
               <a:ext uri="{FF2B5EF4-FFF2-40B4-BE49-F238E27FC236}">
-                <a16:creationId xmlns:a16="http://schemas.microsoft.com/office/drawing/2014/main" xmlns="" id="{63672841-7121-D749-BEFB-B917B0B8B014}"/>
+                <a16:creationId xmlns="" xmlns:a16="http://schemas.microsoft.com/office/drawing/2014/main" id="{63672841-7121-D749-BEFB-B917B0B8B014}"/>
               </a:ext>
             </a:extLst>
           </p:cNvPr>
@@ -9946,7 +9946,7 @@
           <p:cNvPr id="22" name="正方形/長方形 21">
             <a:extLst>
               <a:ext uri="{FF2B5EF4-FFF2-40B4-BE49-F238E27FC236}">
-                <a16:creationId xmlns:a16="http://schemas.microsoft.com/office/drawing/2014/main" xmlns="" id="{7D8525D6-AAB4-8542-8282-403599A3EBD5}"/>
+                <a16:creationId xmlns="" xmlns:a16="http://schemas.microsoft.com/office/drawing/2014/main" id="{7D8525D6-AAB4-8542-8282-403599A3EBD5}"/>
               </a:ext>
             </a:extLst>
           </p:cNvPr>
@@ -9995,7 +9995,7 @@
           <p:cNvPr id="23" name="正方形/長方形 22">
             <a:extLst>
               <a:ext uri="{FF2B5EF4-FFF2-40B4-BE49-F238E27FC236}">
-                <a16:creationId xmlns:a16="http://schemas.microsoft.com/office/drawing/2014/main" xmlns="" id="{BDE40002-7532-B94D-9CB0-51A84B9770D2}"/>
+                <a16:creationId xmlns="" xmlns:a16="http://schemas.microsoft.com/office/drawing/2014/main" id="{BDE40002-7532-B94D-9CB0-51A84B9770D2}"/>
               </a:ext>
             </a:extLst>
           </p:cNvPr>
@@ -10044,7 +10044,7 @@
           <p:cNvPr id="24" name="正方形/長方形 23">
             <a:extLst>
               <a:ext uri="{FF2B5EF4-FFF2-40B4-BE49-F238E27FC236}">
-                <a16:creationId xmlns:a16="http://schemas.microsoft.com/office/drawing/2014/main" xmlns="" id="{E0CE906E-6301-F145-B809-EB1FABB25FE1}"/>
+                <a16:creationId xmlns="" xmlns:a16="http://schemas.microsoft.com/office/drawing/2014/main" id="{E0CE906E-6301-F145-B809-EB1FABB25FE1}"/>
               </a:ext>
             </a:extLst>
           </p:cNvPr>
@@ -10093,7 +10093,7 @@
           <p:cNvPr id="26" name="テキスト ボックス 25">
             <a:extLst>
               <a:ext uri="{FF2B5EF4-FFF2-40B4-BE49-F238E27FC236}">
-                <a16:creationId xmlns:a16="http://schemas.microsoft.com/office/drawing/2014/main" xmlns="" id="{B722AE1D-A352-004B-ABDE-711CA479A371}"/>
+                <a16:creationId xmlns="" xmlns:a16="http://schemas.microsoft.com/office/drawing/2014/main" id="{B722AE1D-A352-004B-ABDE-711CA479A371}"/>
               </a:ext>
             </a:extLst>
           </p:cNvPr>
@@ -10129,7 +10129,7 @@
           <p:cNvPr id="28" name="テキスト ボックス 27">
             <a:extLst>
               <a:ext uri="{FF2B5EF4-FFF2-40B4-BE49-F238E27FC236}">
-                <a16:creationId xmlns:a16="http://schemas.microsoft.com/office/drawing/2014/main" xmlns="" id="{8D4D313C-5C91-F74C-AC89-4C49C4553CEA}"/>
+                <a16:creationId xmlns="" xmlns:a16="http://schemas.microsoft.com/office/drawing/2014/main" id="{8D4D313C-5C91-F74C-AC89-4C49C4553CEA}"/>
               </a:ext>
             </a:extLst>
           </p:cNvPr>
@@ -10165,7 +10165,7 @@
           <p:cNvPr id="29" name="テキスト ボックス 28">
             <a:extLst>
               <a:ext uri="{FF2B5EF4-FFF2-40B4-BE49-F238E27FC236}">
-                <a16:creationId xmlns:a16="http://schemas.microsoft.com/office/drawing/2014/main" xmlns="" id="{E555D4AA-4C5E-E142-904E-A766476D394F}"/>
+                <a16:creationId xmlns="" xmlns:a16="http://schemas.microsoft.com/office/drawing/2014/main" id="{E555D4AA-4C5E-E142-904E-A766476D394F}"/>
               </a:ext>
             </a:extLst>
           </p:cNvPr>
@@ -10235,7 +10235,7 @@
           <p:cNvPr id="2" name="タイトル 1">
             <a:extLst>
               <a:ext uri="{FF2B5EF4-FFF2-40B4-BE49-F238E27FC236}">
-                <a16:creationId xmlns:a16="http://schemas.microsoft.com/office/drawing/2014/main" xmlns="" id="{8F4A7623-2617-7E47-93EA-15A7188AB806}"/>
+                <a16:creationId xmlns="" xmlns:a16="http://schemas.microsoft.com/office/drawing/2014/main" id="{8F4A7623-2617-7E47-93EA-15A7188AB806}"/>
               </a:ext>
             </a:extLst>
           </p:cNvPr>
@@ -10274,7 +10274,7 @@
           <p:cNvPr id="3" name="コンテンツ プレースホルダー 2">
             <a:extLst>
               <a:ext uri="{FF2B5EF4-FFF2-40B4-BE49-F238E27FC236}">
-                <a16:creationId xmlns:a16="http://schemas.microsoft.com/office/drawing/2014/main" xmlns="" id="{2BE70447-34B2-A141-9D69-FF1462A54041}"/>
+                <a16:creationId xmlns="" xmlns:a16="http://schemas.microsoft.com/office/drawing/2014/main" id="{2BE70447-34B2-A141-9D69-FF1462A54041}"/>
               </a:ext>
             </a:extLst>
           </p:cNvPr>
@@ -10334,7 +10334,7 @@
           <p:cNvPr id="4" name="正方形/長方形 3">
             <a:extLst>
               <a:ext uri="{FF2B5EF4-FFF2-40B4-BE49-F238E27FC236}">
-                <a16:creationId xmlns:a16="http://schemas.microsoft.com/office/drawing/2014/main" xmlns="" id="{4BE5591A-E27D-BD47-962A-63C89E7F0AC1}"/>
+                <a16:creationId xmlns="" xmlns:a16="http://schemas.microsoft.com/office/drawing/2014/main" id="{4BE5591A-E27D-BD47-962A-63C89E7F0AC1}"/>
               </a:ext>
             </a:extLst>
           </p:cNvPr>
@@ -10383,7 +10383,7 @@
           <p:cNvPr id="5" name="正方形/長方形 4">
             <a:extLst>
               <a:ext uri="{FF2B5EF4-FFF2-40B4-BE49-F238E27FC236}">
-                <a16:creationId xmlns:a16="http://schemas.microsoft.com/office/drawing/2014/main" xmlns="" id="{BDC2B0AC-0E7A-074F-9CD7-977AE238DDB4}"/>
+                <a16:creationId xmlns="" xmlns:a16="http://schemas.microsoft.com/office/drawing/2014/main" id="{BDC2B0AC-0E7A-074F-9CD7-977AE238DDB4}"/>
               </a:ext>
             </a:extLst>
           </p:cNvPr>
@@ -10432,7 +10432,7 @@
           <p:cNvPr id="6" name="正方形/長方形 5">
             <a:extLst>
               <a:ext uri="{FF2B5EF4-FFF2-40B4-BE49-F238E27FC236}">
-                <a16:creationId xmlns:a16="http://schemas.microsoft.com/office/drawing/2014/main" xmlns="" id="{3EB3BB6E-2B41-5D4E-8311-D40F98DED2AC}"/>
+                <a16:creationId xmlns="" xmlns:a16="http://schemas.microsoft.com/office/drawing/2014/main" id="{3EB3BB6E-2B41-5D4E-8311-D40F98DED2AC}"/>
               </a:ext>
             </a:extLst>
           </p:cNvPr>
@@ -10481,7 +10481,7 @@
           <p:cNvPr id="7" name="正方形/長方形 6">
             <a:extLst>
               <a:ext uri="{FF2B5EF4-FFF2-40B4-BE49-F238E27FC236}">
-                <a16:creationId xmlns:a16="http://schemas.microsoft.com/office/drawing/2014/main" xmlns="" id="{10E67929-C7BF-1443-B3A8-3C21F3AC1AF9}"/>
+                <a16:creationId xmlns="" xmlns:a16="http://schemas.microsoft.com/office/drawing/2014/main" id="{10E67929-C7BF-1443-B3A8-3C21F3AC1AF9}"/>
               </a:ext>
             </a:extLst>
           </p:cNvPr>
@@ -10530,7 +10530,7 @@
           <p:cNvPr id="8" name="正方形/長方形 7">
             <a:extLst>
               <a:ext uri="{FF2B5EF4-FFF2-40B4-BE49-F238E27FC236}">
-                <a16:creationId xmlns:a16="http://schemas.microsoft.com/office/drawing/2014/main" xmlns="" id="{7962B9A6-CB27-4249-A9CB-D86CF1655FE7}"/>
+                <a16:creationId xmlns="" xmlns:a16="http://schemas.microsoft.com/office/drawing/2014/main" id="{7962B9A6-CB27-4249-A9CB-D86CF1655FE7}"/>
               </a:ext>
             </a:extLst>
           </p:cNvPr>
@@ -10579,7 +10579,7 @@
           <p:cNvPr id="9" name="正方形/長方形 8">
             <a:extLst>
               <a:ext uri="{FF2B5EF4-FFF2-40B4-BE49-F238E27FC236}">
-                <a16:creationId xmlns:a16="http://schemas.microsoft.com/office/drawing/2014/main" xmlns="" id="{A54AEF62-6412-0A41-8C4E-609FB88AF903}"/>
+                <a16:creationId xmlns="" xmlns:a16="http://schemas.microsoft.com/office/drawing/2014/main" id="{A54AEF62-6412-0A41-8C4E-609FB88AF903}"/>
               </a:ext>
             </a:extLst>
           </p:cNvPr>
@@ -10628,7 +10628,7 @@
           <p:cNvPr id="10" name="正方形/長方形 9">
             <a:extLst>
               <a:ext uri="{FF2B5EF4-FFF2-40B4-BE49-F238E27FC236}">
-                <a16:creationId xmlns:a16="http://schemas.microsoft.com/office/drawing/2014/main" xmlns="" id="{9B02E6CA-7313-D949-9779-E452182B9F4C}"/>
+                <a16:creationId xmlns="" xmlns:a16="http://schemas.microsoft.com/office/drawing/2014/main" id="{9B02E6CA-7313-D949-9779-E452182B9F4C}"/>
               </a:ext>
             </a:extLst>
           </p:cNvPr>
@@ -10677,7 +10677,7 @@
           <p:cNvPr id="11" name="正方形/長方形 10">
             <a:extLst>
               <a:ext uri="{FF2B5EF4-FFF2-40B4-BE49-F238E27FC236}">
-                <a16:creationId xmlns:a16="http://schemas.microsoft.com/office/drawing/2014/main" xmlns="" id="{1AB95A08-370B-3744-8162-321FBBC758A1}"/>
+                <a16:creationId xmlns="" xmlns:a16="http://schemas.microsoft.com/office/drawing/2014/main" id="{1AB95A08-370B-3744-8162-321FBBC758A1}"/>
               </a:ext>
             </a:extLst>
           </p:cNvPr>
@@ -10726,7 +10726,7 @@
           <p:cNvPr id="12" name="正方形/長方形 11">
             <a:extLst>
               <a:ext uri="{FF2B5EF4-FFF2-40B4-BE49-F238E27FC236}">
-                <a16:creationId xmlns:a16="http://schemas.microsoft.com/office/drawing/2014/main" xmlns="" id="{EC5CB7D3-DF38-7749-84F0-629F9C5839DB}"/>
+                <a16:creationId xmlns="" xmlns:a16="http://schemas.microsoft.com/office/drawing/2014/main" id="{EC5CB7D3-DF38-7749-84F0-629F9C5839DB}"/>
               </a:ext>
             </a:extLst>
           </p:cNvPr>
@@ -10775,7 +10775,7 @@
           <p:cNvPr id="13" name="正方形/長方形 12">
             <a:extLst>
               <a:ext uri="{FF2B5EF4-FFF2-40B4-BE49-F238E27FC236}">
-                <a16:creationId xmlns:a16="http://schemas.microsoft.com/office/drawing/2014/main" xmlns="" id="{5C065FAB-01E3-9743-A9D6-CF403A3707BE}"/>
+                <a16:creationId xmlns="" xmlns:a16="http://schemas.microsoft.com/office/drawing/2014/main" id="{5C065FAB-01E3-9743-A9D6-CF403A3707BE}"/>
               </a:ext>
             </a:extLst>
           </p:cNvPr>
@@ -10824,7 +10824,7 @@
           <p:cNvPr id="14" name="正方形/長方形 13">
             <a:extLst>
               <a:ext uri="{FF2B5EF4-FFF2-40B4-BE49-F238E27FC236}">
-                <a16:creationId xmlns:a16="http://schemas.microsoft.com/office/drawing/2014/main" xmlns="" id="{0DAB8177-1BF4-594F-8721-9A86FA4D21DD}"/>
+                <a16:creationId xmlns="" xmlns:a16="http://schemas.microsoft.com/office/drawing/2014/main" id="{0DAB8177-1BF4-594F-8721-9A86FA4D21DD}"/>
               </a:ext>
             </a:extLst>
           </p:cNvPr>
@@ -10873,7 +10873,7 @@
           <p:cNvPr id="15" name="正方形/長方形 14">
             <a:extLst>
               <a:ext uri="{FF2B5EF4-FFF2-40B4-BE49-F238E27FC236}">
-                <a16:creationId xmlns:a16="http://schemas.microsoft.com/office/drawing/2014/main" xmlns="" id="{64AF218B-33AD-BE4D-A6EF-13B232AF5BDC}"/>
+                <a16:creationId xmlns="" xmlns:a16="http://schemas.microsoft.com/office/drawing/2014/main" id="{64AF218B-33AD-BE4D-A6EF-13B232AF5BDC}"/>
               </a:ext>
             </a:extLst>
           </p:cNvPr>
@@ -10922,7 +10922,7 @@
           <p:cNvPr id="16" name="正方形/長方形 15">
             <a:extLst>
               <a:ext uri="{FF2B5EF4-FFF2-40B4-BE49-F238E27FC236}">
-                <a16:creationId xmlns:a16="http://schemas.microsoft.com/office/drawing/2014/main" xmlns="" id="{9B12E895-5784-FE4B-9359-B2961C2E67FB}"/>
+                <a16:creationId xmlns="" xmlns:a16="http://schemas.microsoft.com/office/drawing/2014/main" id="{9B12E895-5784-FE4B-9359-B2961C2E67FB}"/>
               </a:ext>
             </a:extLst>
           </p:cNvPr>
@@ -10971,7 +10971,7 @@
           <p:cNvPr id="17" name="正方形/長方形 16">
             <a:extLst>
               <a:ext uri="{FF2B5EF4-FFF2-40B4-BE49-F238E27FC236}">
-                <a16:creationId xmlns:a16="http://schemas.microsoft.com/office/drawing/2014/main" xmlns="" id="{B2EEC8E6-7BBE-ED43-A65E-AF3DFFEF3EB9}"/>
+                <a16:creationId xmlns="" xmlns:a16="http://schemas.microsoft.com/office/drawing/2014/main" id="{B2EEC8E6-7BBE-ED43-A65E-AF3DFFEF3EB9}"/>
               </a:ext>
             </a:extLst>
           </p:cNvPr>
@@ -11020,7 +11020,7 @@
           <p:cNvPr id="18" name="正方形/長方形 17">
             <a:extLst>
               <a:ext uri="{FF2B5EF4-FFF2-40B4-BE49-F238E27FC236}">
-                <a16:creationId xmlns:a16="http://schemas.microsoft.com/office/drawing/2014/main" xmlns="" id="{C0824BA0-2624-7B48-99F9-D1A231970538}"/>
+                <a16:creationId xmlns="" xmlns:a16="http://schemas.microsoft.com/office/drawing/2014/main" id="{C0824BA0-2624-7B48-99F9-D1A231970538}"/>
               </a:ext>
             </a:extLst>
           </p:cNvPr>
@@ -11069,7 +11069,7 @@
           <p:cNvPr id="19" name="正方形/長方形 18">
             <a:extLst>
               <a:ext uri="{FF2B5EF4-FFF2-40B4-BE49-F238E27FC236}">
-                <a16:creationId xmlns:a16="http://schemas.microsoft.com/office/drawing/2014/main" xmlns="" id="{D881592E-2AB0-7A40-82D2-980CC727A520}"/>
+                <a16:creationId xmlns="" xmlns:a16="http://schemas.microsoft.com/office/drawing/2014/main" id="{D881592E-2AB0-7A40-82D2-980CC727A520}"/>
               </a:ext>
             </a:extLst>
           </p:cNvPr>
@@ -11118,7 +11118,7 @@
           <p:cNvPr id="20" name="正方形/長方形 19">
             <a:extLst>
               <a:ext uri="{FF2B5EF4-FFF2-40B4-BE49-F238E27FC236}">
-                <a16:creationId xmlns:a16="http://schemas.microsoft.com/office/drawing/2014/main" xmlns="" id="{B0385AD5-ED2F-8345-AFDA-00F722891E98}"/>
+                <a16:creationId xmlns="" xmlns:a16="http://schemas.microsoft.com/office/drawing/2014/main" id="{B0385AD5-ED2F-8345-AFDA-00F722891E98}"/>
               </a:ext>
             </a:extLst>
           </p:cNvPr>
@@ -11167,7 +11167,7 @@
           <p:cNvPr id="21" name="正方形/長方形 20">
             <a:extLst>
               <a:ext uri="{FF2B5EF4-FFF2-40B4-BE49-F238E27FC236}">
-                <a16:creationId xmlns:a16="http://schemas.microsoft.com/office/drawing/2014/main" xmlns="" id="{24F0BAB0-8226-4047-A858-2389976041B3}"/>
+                <a16:creationId xmlns="" xmlns:a16="http://schemas.microsoft.com/office/drawing/2014/main" id="{24F0BAB0-8226-4047-A858-2389976041B3}"/>
               </a:ext>
             </a:extLst>
           </p:cNvPr>
@@ -11216,7 +11216,7 @@
           <p:cNvPr id="75" name="直線矢印コネクタ 74">
             <a:extLst>
               <a:ext uri="{FF2B5EF4-FFF2-40B4-BE49-F238E27FC236}">
-                <a16:creationId xmlns:a16="http://schemas.microsoft.com/office/drawing/2014/main" xmlns="" id="{9F20EA3A-D9B0-894F-8802-4C9E330DDDBE}"/>
+                <a16:creationId xmlns="" xmlns:a16="http://schemas.microsoft.com/office/drawing/2014/main" id="{9F20EA3A-D9B0-894F-8802-4C9E330DDDBE}"/>
               </a:ext>
             </a:extLst>
           </p:cNvPr>
@@ -11256,7 +11256,7 @@
           <p:cNvPr id="76" name="直線矢印コネクタ 75">
             <a:extLst>
               <a:ext uri="{FF2B5EF4-FFF2-40B4-BE49-F238E27FC236}">
-                <a16:creationId xmlns:a16="http://schemas.microsoft.com/office/drawing/2014/main" xmlns="" id="{B38BBFED-B25C-194B-A5D4-9579E34ABF0B}"/>
+                <a16:creationId xmlns="" xmlns:a16="http://schemas.microsoft.com/office/drawing/2014/main" id="{B38BBFED-B25C-194B-A5D4-9579E34ABF0B}"/>
               </a:ext>
             </a:extLst>
           </p:cNvPr>
@@ -11296,7 +11296,7 @@
           <p:cNvPr id="77" name="直線矢印コネクタ 76">
             <a:extLst>
               <a:ext uri="{FF2B5EF4-FFF2-40B4-BE49-F238E27FC236}">
-                <a16:creationId xmlns:a16="http://schemas.microsoft.com/office/drawing/2014/main" xmlns="" id="{77920787-5877-8345-A6AA-A50FA6C413F0}"/>
+                <a16:creationId xmlns="" xmlns:a16="http://schemas.microsoft.com/office/drawing/2014/main" id="{77920787-5877-8345-A6AA-A50FA6C413F0}"/>
               </a:ext>
             </a:extLst>
           </p:cNvPr>
@@ -11336,7 +11336,7 @@
           <p:cNvPr id="78" name="直線矢印コネクタ 77">
             <a:extLst>
               <a:ext uri="{FF2B5EF4-FFF2-40B4-BE49-F238E27FC236}">
-                <a16:creationId xmlns:a16="http://schemas.microsoft.com/office/drawing/2014/main" xmlns="" id="{CB00F6D0-E6CB-B640-BB2F-05E18D1DCFAE}"/>
+                <a16:creationId xmlns="" xmlns:a16="http://schemas.microsoft.com/office/drawing/2014/main" id="{CB00F6D0-E6CB-B640-BB2F-05E18D1DCFAE}"/>
               </a:ext>
             </a:extLst>
           </p:cNvPr>
@@ -11376,7 +11376,7 @@
           <p:cNvPr id="79" name="テキスト ボックス 78">
             <a:extLst>
               <a:ext uri="{FF2B5EF4-FFF2-40B4-BE49-F238E27FC236}">
-                <a16:creationId xmlns:a16="http://schemas.microsoft.com/office/drawing/2014/main" xmlns="" id="{AC7EF878-AFAC-9445-82C4-E9D06965DE70}"/>
+                <a16:creationId xmlns="" xmlns:a16="http://schemas.microsoft.com/office/drawing/2014/main" id="{AC7EF878-AFAC-9445-82C4-E9D06965DE70}"/>
               </a:ext>
             </a:extLst>
           </p:cNvPr>
@@ -11412,7 +11412,7 @@
           <p:cNvPr id="80" name="テキスト ボックス 79">
             <a:extLst>
               <a:ext uri="{FF2B5EF4-FFF2-40B4-BE49-F238E27FC236}">
-                <a16:creationId xmlns:a16="http://schemas.microsoft.com/office/drawing/2014/main" xmlns="" id="{29AF6932-79D7-AA4E-966D-2F5E998AB692}"/>
+                <a16:creationId xmlns="" xmlns:a16="http://schemas.microsoft.com/office/drawing/2014/main" id="{29AF6932-79D7-AA4E-966D-2F5E998AB692}"/>
               </a:ext>
             </a:extLst>
           </p:cNvPr>
@@ -11478,7 +11478,7 @@
           <p:cNvPr id="2" name="タイトル 1">
             <a:extLst>
               <a:ext uri="{FF2B5EF4-FFF2-40B4-BE49-F238E27FC236}">
-                <a16:creationId xmlns:a16="http://schemas.microsoft.com/office/drawing/2014/main" xmlns="" id="{AD513AB0-DE80-1249-81CC-02FEBF1A9A4F}"/>
+                <a16:creationId xmlns="" xmlns:a16="http://schemas.microsoft.com/office/drawing/2014/main" id="{AD513AB0-DE80-1249-81CC-02FEBF1A9A4F}"/>
               </a:ext>
             </a:extLst>
           </p:cNvPr>
@@ -11507,7 +11507,7 @@
           <p:cNvPr id="3" name="コンテンツ プレースホルダー 2">
             <a:extLst>
               <a:ext uri="{FF2B5EF4-FFF2-40B4-BE49-F238E27FC236}">
-                <a16:creationId xmlns:a16="http://schemas.microsoft.com/office/drawing/2014/main" xmlns="" id="{98A8D984-F4FD-154B-9B02-E5367600FF28}"/>
+                <a16:creationId xmlns="" xmlns:a16="http://schemas.microsoft.com/office/drawing/2014/main" id="{98A8D984-F4FD-154B-9B02-E5367600FF28}"/>
               </a:ext>
             </a:extLst>
           </p:cNvPr>
@@ -11588,7 +11588,7 @@
           <p:cNvPr id="2" name="タイトル 1">
             <a:extLst>
               <a:ext uri="{FF2B5EF4-FFF2-40B4-BE49-F238E27FC236}">
-                <a16:creationId xmlns:a16="http://schemas.microsoft.com/office/drawing/2014/main" xmlns="" id="{48ADACD0-9C1F-8A4B-8763-6580C2028ED1}"/>
+                <a16:creationId xmlns="" xmlns:a16="http://schemas.microsoft.com/office/drawing/2014/main" id="{48ADACD0-9C1F-8A4B-8763-6580C2028ED1}"/>
               </a:ext>
             </a:extLst>
           </p:cNvPr>
@@ -11617,7 +11617,7 @@
           <p:cNvPr id="3" name="コンテンツ プレースホルダー 2">
             <a:extLst>
               <a:ext uri="{FF2B5EF4-FFF2-40B4-BE49-F238E27FC236}">
-                <a16:creationId xmlns:a16="http://schemas.microsoft.com/office/drawing/2014/main" xmlns="" id="{44586398-A6F3-F44C-BFBE-A99197E1D5A2}"/>
+                <a16:creationId xmlns="" xmlns:a16="http://schemas.microsoft.com/office/drawing/2014/main" id="{44586398-A6F3-F44C-BFBE-A99197E1D5A2}"/>
               </a:ext>
             </a:extLst>
           </p:cNvPr>
@@ -11682,7 +11682,7 @@
           <p:cNvPr id="4" name="正方形/長方形 3">
             <a:extLst>
               <a:ext uri="{FF2B5EF4-FFF2-40B4-BE49-F238E27FC236}">
-                <a16:creationId xmlns:a16="http://schemas.microsoft.com/office/drawing/2014/main" xmlns="" id="{CC795830-74E8-B14A-A5F5-9BFDBA64665F}"/>
+                <a16:creationId xmlns="" xmlns:a16="http://schemas.microsoft.com/office/drawing/2014/main" id="{CC795830-74E8-B14A-A5F5-9BFDBA64665F}"/>
               </a:ext>
             </a:extLst>
           </p:cNvPr>
@@ -11743,7 +11743,7 @@
           <p:cNvPr id="5" name="正方形/長方形 4">
             <a:extLst>
               <a:ext uri="{FF2B5EF4-FFF2-40B4-BE49-F238E27FC236}">
-                <a16:creationId xmlns:a16="http://schemas.microsoft.com/office/drawing/2014/main" xmlns="" id="{3B40CD6F-7C77-F24E-99A2-3EA1AA220EFD}"/>
+                <a16:creationId xmlns="" xmlns:a16="http://schemas.microsoft.com/office/drawing/2014/main" id="{3B40CD6F-7C77-F24E-99A2-3EA1AA220EFD}"/>
               </a:ext>
             </a:extLst>
           </p:cNvPr>
@@ -11804,7 +11804,7 @@
           <p:cNvPr id="6" name="正方形/長方形 5">
             <a:extLst>
               <a:ext uri="{FF2B5EF4-FFF2-40B4-BE49-F238E27FC236}">
-                <a16:creationId xmlns:a16="http://schemas.microsoft.com/office/drawing/2014/main" xmlns="" id="{D5B37A48-4516-244C-A7E1-4A9ACDC81937}"/>
+                <a16:creationId xmlns="" xmlns:a16="http://schemas.microsoft.com/office/drawing/2014/main" id="{D5B37A48-4516-244C-A7E1-4A9ACDC81937}"/>
               </a:ext>
             </a:extLst>
           </p:cNvPr>
@@ -11851,7 +11851,7 @@
           <p:cNvPr id="7" name="正方形/長方形 6">
             <a:extLst>
               <a:ext uri="{FF2B5EF4-FFF2-40B4-BE49-F238E27FC236}">
-                <a16:creationId xmlns:a16="http://schemas.microsoft.com/office/drawing/2014/main" xmlns="" id="{5F4A86A1-9A49-4345-A1B1-71FCCFC0475C}"/>
+                <a16:creationId xmlns="" xmlns:a16="http://schemas.microsoft.com/office/drawing/2014/main" id="{5F4A86A1-9A49-4345-A1B1-71FCCFC0475C}"/>
               </a:ext>
             </a:extLst>
           </p:cNvPr>
@@ -11912,7 +11912,7 @@
           <p:cNvPr id="9" name="テキスト ボックス 8">
             <a:extLst>
               <a:ext uri="{FF2B5EF4-FFF2-40B4-BE49-F238E27FC236}">
-                <a16:creationId xmlns:a16="http://schemas.microsoft.com/office/drawing/2014/main" xmlns="" id="{C1CBD7A0-DB67-7549-8141-6FEDEE916E90}"/>
+                <a16:creationId xmlns="" xmlns:a16="http://schemas.microsoft.com/office/drawing/2014/main" id="{C1CBD7A0-DB67-7549-8141-6FEDEE916E90}"/>
               </a:ext>
             </a:extLst>
           </p:cNvPr>
@@ -11978,7 +11978,7 @@
           <p:cNvPr id="18" name="角丸四角形 17">
             <a:extLst>
               <a:ext uri="{FF2B5EF4-FFF2-40B4-BE49-F238E27FC236}">
-                <a16:creationId xmlns:a16="http://schemas.microsoft.com/office/drawing/2014/main" xmlns="" id="{E31EBBAC-560E-8B4A-AEEA-F5A56557F3EC}"/>
+                <a16:creationId xmlns="" xmlns:a16="http://schemas.microsoft.com/office/drawing/2014/main" id="{E31EBBAC-560E-8B4A-AEEA-F5A56557F3EC}"/>
               </a:ext>
             </a:extLst>
           </p:cNvPr>
@@ -12030,7 +12030,7 @@
           <p:cNvPr id="2" name="タイトル 1">
             <a:extLst>
               <a:ext uri="{FF2B5EF4-FFF2-40B4-BE49-F238E27FC236}">
-                <a16:creationId xmlns:a16="http://schemas.microsoft.com/office/drawing/2014/main" xmlns="" id="{46A1F328-BC50-0149-82B0-EA6BDA694A20}"/>
+                <a16:creationId xmlns="" xmlns:a16="http://schemas.microsoft.com/office/drawing/2014/main" id="{46A1F328-BC50-0149-82B0-EA6BDA694A20}"/>
               </a:ext>
             </a:extLst>
           </p:cNvPr>
@@ -12062,7 +12062,7 @@
           <p:cNvPr id="3" name="コンテンツ プレースホルダー 2">
             <a:extLst>
               <a:ext uri="{FF2B5EF4-FFF2-40B4-BE49-F238E27FC236}">
-                <a16:creationId xmlns:a16="http://schemas.microsoft.com/office/drawing/2014/main" xmlns="" id="{291AC8A2-8076-C04C-BE1C-74608B0208F4}"/>
+                <a16:creationId xmlns="" xmlns:a16="http://schemas.microsoft.com/office/drawing/2014/main" id="{291AC8A2-8076-C04C-BE1C-74608B0208F4}"/>
               </a:ext>
             </a:extLst>
           </p:cNvPr>
@@ -12119,7 +12119,7 @@
           <p:cNvPr id="5" name="正方形/長方形 4">
             <a:extLst>
               <a:ext uri="{FF2B5EF4-FFF2-40B4-BE49-F238E27FC236}">
-                <a16:creationId xmlns:a16="http://schemas.microsoft.com/office/drawing/2014/main" xmlns="" id="{64BA7E5D-CA0E-A348-945D-1AC3EB4A10F7}"/>
+                <a16:creationId xmlns="" xmlns:a16="http://schemas.microsoft.com/office/drawing/2014/main" id="{64BA7E5D-CA0E-A348-945D-1AC3EB4A10F7}"/>
               </a:ext>
             </a:extLst>
           </p:cNvPr>
@@ -12171,7 +12171,7 @@
           <p:cNvPr id="6" name="正方形/長方形 5">
             <a:extLst>
               <a:ext uri="{FF2B5EF4-FFF2-40B4-BE49-F238E27FC236}">
-                <a16:creationId xmlns:a16="http://schemas.microsoft.com/office/drawing/2014/main" xmlns="" id="{FCADF422-2C36-4042-A2A7-16BE3F51A670}"/>
+                <a16:creationId xmlns="" xmlns:a16="http://schemas.microsoft.com/office/drawing/2014/main" id="{FCADF422-2C36-4042-A2A7-16BE3F51A670}"/>
               </a:ext>
             </a:extLst>
           </p:cNvPr>
@@ -12222,7 +12222,7 @@
           <p:cNvPr id="7" name="正方形/長方形 6">
             <a:extLst>
               <a:ext uri="{FF2B5EF4-FFF2-40B4-BE49-F238E27FC236}">
-                <a16:creationId xmlns:a16="http://schemas.microsoft.com/office/drawing/2014/main" xmlns="" id="{37D42EA1-A4C4-9B40-A717-FFB9D18CED53}"/>
+                <a16:creationId xmlns="" xmlns:a16="http://schemas.microsoft.com/office/drawing/2014/main" id="{37D42EA1-A4C4-9B40-A717-FFB9D18CED53}"/>
               </a:ext>
             </a:extLst>
           </p:cNvPr>
@@ -12274,7 +12274,7 @@
           <p:cNvPr id="8" name="正方形/長方形 7">
             <a:extLst>
               <a:ext uri="{FF2B5EF4-FFF2-40B4-BE49-F238E27FC236}">
-                <a16:creationId xmlns:a16="http://schemas.microsoft.com/office/drawing/2014/main" xmlns="" id="{F86F1E0B-48AC-8A4D-9F14-9A1DF7D0474C}"/>
+                <a16:creationId xmlns="" xmlns:a16="http://schemas.microsoft.com/office/drawing/2014/main" id="{F86F1E0B-48AC-8A4D-9F14-9A1DF7D0474C}"/>
               </a:ext>
             </a:extLst>
           </p:cNvPr>
@@ -12330,7 +12330,7 @@
           <p:cNvPr id="9" name="正方形/長方形 8">
             <a:extLst>
               <a:ext uri="{FF2B5EF4-FFF2-40B4-BE49-F238E27FC236}">
-                <a16:creationId xmlns:a16="http://schemas.microsoft.com/office/drawing/2014/main" xmlns="" id="{CDBE8632-6E71-B445-A7F7-275688A93873}"/>
+                <a16:creationId xmlns="" xmlns:a16="http://schemas.microsoft.com/office/drawing/2014/main" id="{CDBE8632-6E71-B445-A7F7-275688A93873}"/>
               </a:ext>
             </a:extLst>
           </p:cNvPr>
@@ -12381,7 +12381,7 @@
           <p:cNvPr id="11" name="正方形/長方形 10">
             <a:extLst>
               <a:ext uri="{FF2B5EF4-FFF2-40B4-BE49-F238E27FC236}">
-                <a16:creationId xmlns:a16="http://schemas.microsoft.com/office/drawing/2014/main" xmlns="" id="{F30E823E-D107-9841-919E-365A3003EF58}"/>
+                <a16:creationId xmlns="" xmlns:a16="http://schemas.microsoft.com/office/drawing/2014/main" id="{F30E823E-D107-9841-919E-365A3003EF58}"/>
               </a:ext>
             </a:extLst>
           </p:cNvPr>
@@ -12432,7 +12432,7 @@
           <p:cNvPr id="13" name="直線矢印コネクタ 12">
             <a:extLst>
               <a:ext uri="{FF2B5EF4-FFF2-40B4-BE49-F238E27FC236}">
-                <a16:creationId xmlns:a16="http://schemas.microsoft.com/office/drawing/2014/main" xmlns="" id="{96BFE210-1150-0D4E-941D-B75E40DDDF57}"/>
+                <a16:creationId xmlns="" xmlns:a16="http://schemas.microsoft.com/office/drawing/2014/main" id="{96BFE210-1150-0D4E-941D-B75E40DDDF57}"/>
               </a:ext>
             </a:extLst>
           </p:cNvPr>
@@ -12475,7 +12475,7 @@
           <p:cNvPr id="15" name="曲折矢印 14">
             <a:extLst>
               <a:ext uri="{FF2B5EF4-FFF2-40B4-BE49-F238E27FC236}">
-                <a16:creationId xmlns:a16="http://schemas.microsoft.com/office/drawing/2014/main" xmlns="" id="{4ACD5A6A-682C-944D-AC59-9C5AEE27F1AD}"/>
+                <a16:creationId xmlns="" xmlns:a16="http://schemas.microsoft.com/office/drawing/2014/main" id="{4ACD5A6A-682C-944D-AC59-9C5AEE27F1AD}"/>
               </a:ext>
             </a:extLst>
           </p:cNvPr>
@@ -12528,7 +12528,7 @@
           <p:cNvPr id="16" name="右矢印 15">
             <a:extLst>
               <a:ext uri="{FF2B5EF4-FFF2-40B4-BE49-F238E27FC236}">
-                <a16:creationId xmlns:a16="http://schemas.microsoft.com/office/drawing/2014/main" xmlns="" id="{F08DC5E1-307E-7341-AA10-EE2376810ADB}"/>
+                <a16:creationId xmlns="" xmlns:a16="http://schemas.microsoft.com/office/drawing/2014/main" id="{F08DC5E1-307E-7341-AA10-EE2376810ADB}"/>
               </a:ext>
             </a:extLst>
           </p:cNvPr>
@@ -12577,7 +12577,7 @@
           <p:cNvPr id="17" name="テキスト ボックス 16">
             <a:extLst>
               <a:ext uri="{FF2B5EF4-FFF2-40B4-BE49-F238E27FC236}">
-                <a16:creationId xmlns:a16="http://schemas.microsoft.com/office/drawing/2014/main" xmlns="" id="{9EA4981F-8BA7-1248-BF38-BEF33D05ED2E}"/>
+                <a16:creationId xmlns="" xmlns:a16="http://schemas.microsoft.com/office/drawing/2014/main" id="{9EA4981F-8BA7-1248-BF38-BEF33D05ED2E}"/>
               </a:ext>
             </a:extLst>
           </p:cNvPr>
@@ -12643,7 +12643,7 @@
           <p:cNvPr id="2" name="タイトル 1">
             <a:extLst>
               <a:ext uri="{FF2B5EF4-FFF2-40B4-BE49-F238E27FC236}">
-                <a16:creationId xmlns:a16="http://schemas.microsoft.com/office/drawing/2014/main" xmlns="" id="{AE202A22-859D-CA45-86B3-4A7309856882}"/>
+                <a16:creationId xmlns="" xmlns:a16="http://schemas.microsoft.com/office/drawing/2014/main" id="{AE202A22-859D-CA45-86B3-4A7309856882}"/>
               </a:ext>
             </a:extLst>
           </p:cNvPr>
@@ -12674,7 +12674,7 @@
           <p:cNvPr id="3" name="コンテンツ プレースホルダー 2">
             <a:extLst>
               <a:ext uri="{FF2B5EF4-FFF2-40B4-BE49-F238E27FC236}">
-                <a16:creationId xmlns:a16="http://schemas.microsoft.com/office/drawing/2014/main" xmlns="" id="{35EE2957-4701-A244-9530-58631CB194DB}"/>
+                <a16:creationId xmlns="" xmlns:a16="http://schemas.microsoft.com/office/drawing/2014/main" id="{35EE2957-4701-A244-9530-58631CB194DB}"/>
               </a:ext>
             </a:extLst>
           </p:cNvPr>
@@ -12736,7 +12736,7 @@
           <p:cNvPr id="4" name="正方形/長方形 3">
             <a:extLst>
               <a:ext uri="{FF2B5EF4-FFF2-40B4-BE49-F238E27FC236}">
-                <a16:creationId xmlns:a16="http://schemas.microsoft.com/office/drawing/2014/main" xmlns="" id="{F9FCECD4-69A6-024A-B872-4D676AE15E11}"/>
+                <a16:creationId xmlns="" xmlns:a16="http://schemas.microsoft.com/office/drawing/2014/main" id="{F9FCECD4-69A6-024A-B872-4D676AE15E11}"/>
               </a:ext>
             </a:extLst>
           </p:cNvPr>
@@ -12788,7 +12788,7 @@
           <p:cNvPr id="5" name="正方形/長方形 4">
             <a:extLst>
               <a:ext uri="{FF2B5EF4-FFF2-40B4-BE49-F238E27FC236}">
-                <a16:creationId xmlns:a16="http://schemas.microsoft.com/office/drawing/2014/main" xmlns="" id="{0F0286D3-20A0-3947-A2B5-DEFF7F710651}"/>
+                <a16:creationId xmlns="" xmlns:a16="http://schemas.microsoft.com/office/drawing/2014/main" id="{0F0286D3-20A0-3947-A2B5-DEFF7F710651}"/>
               </a:ext>
             </a:extLst>
           </p:cNvPr>
@@ -12835,7 +12835,7 @@
           <p:cNvPr id="6" name="正方形/長方形 5">
             <a:extLst>
               <a:ext uri="{FF2B5EF4-FFF2-40B4-BE49-F238E27FC236}">
-                <a16:creationId xmlns:a16="http://schemas.microsoft.com/office/drawing/2014/main" xmlns="" id="{83E76893-1302-B744-ACB3-781F4E89A774}"/>
+                <a16:creationId xmlns="" xmlns:a16="http://schemas.microsoft.com/office/drawing/2014/main" id="{83E76893-1302-B744-ACB3-781F4E89A774}"/>
               </a:ext>
             </a:extLst>
           </p:cNvPr>
@@ -12887,7 +12887,7 @@
           <p:cNvPr id="7" name="正方形/長方形 6">
             <a:extLst>
               <a:ext uri="{FF2B5EF4-FFF2-40B4-BE49-F238E27FC236}">
-                <a16:creationId xmlns:a16="http://schemas.microsoft.com/office/drawing/2014/main" xmlns="" id="{75DF4B00-A954-6B4E-A52B-764408A3C261}"/>
+                <a16:creationId xmlns="" xmlns:a16="http://schemas.microsoft.com/office/drawing/2014/main" id="{75DF4B00-A954-6B4E-A52B-764408A3C261}"/>
               </a:ext>
             </a:extLst>
           </p:cNvPr>
@@ -12939,7 +12939,7 @@
           <p:cNvPr id="8" name="正方形/長方形 7">
             <a:extLst>
               <a:ext uri="{FF2B5EF4-FFF2-40B4-BE49-F238E27FC236}">
-                <a16:creationId xmlns:a16="http://schemas.microsoft.com/office/drawing/2014/main" xmlns="" id="{C6FD4A90-8BD6-4841-B0BC-C81324DDE6DB}"/>
+                <a16:creationId xmlns="" xmlns:a16="http://schemas.microsoft.com/office/drawing/2014/main" id="{C6FD4A90-8BD6-4841-B0BC-C81324DDE6DB}"/>
               </a:ext>
             </a:extLst>
           </p:cNvPr>
@@ -12986,7 +12986,7 @@
           <p:cNvPr id="9" name="正方形/長方形 8">
             <a:extLst>
               <a:ext uri="{FF2B5EF4-FFF2-40B4-BE49-F238E27FC236}">
-                <a16:creationId xmlns:a16="http://schemas.microsoft.com/office/drawing/2014/main" xmlns="" id="{1B98646B-717C-1D47-BA61-CA6FB135C465}"/>
+                <a16:creationId xmlns="" xmlns:a16="http://schemas.microsoft.com/office/drawing/2014/main" id="{1B98646B-717C-1D47-BA61-CA6FB135C465}"/>
               </a:ext>
             </a:extLst>
           </p:cNvPr>
@@ -13033,7 +13033,7 @@
           <p:cNvPr id="12" name="右矢印 11">
             <a:extLst>
               <a:ext uri="{FF2B5EF4-FFF2-40B4-BE49-F238E27FC236}">
-                <a16:creationId xmlns:a16="http://schemas.microsoft.com/office/drawing/2014/main" xmlns="" id="{E8336B91-7838-7148-AE0B-8E79303900D1}"/>
+                <a16:creationId xmlns="" xmlns:a16="http://schemas.microsoft.com/office/drawing/2014/main" id="{E8336B91-7838-7148-AE0B-8E79303900D1}"/>
               </a:ext>
             </a:extLst>
           </p:cNvPr>
@@ -13079,7 +13079,7 @@
           <p:cNvPr id="13" name="テキスト ボックス 12">
             <a:extLst>
               <a:ext uri="{FF2B5EF4-FFF2-40B4-BE49-F238E27FC236}">
-                <a16:creationId xmlns:a16="http://schemas.microsoft.com/office/drawing/2014/main" xmlns="" id="{63B3B040-9146-7341-98B8-EA409090CA23}"/>
+                <a16:creationId xmlns="" xmlns:a16="http://schemas.microsoft.com/office/drawing/2014/main" id="{63B3B040-9146-7341-98B8-EA409090CA23}"/>
               </a:ext>
             </a:extLst>
           </p:cNvPr>
@@ -13145,7 +13145,7 @@
           <p:cNvPr id="2" name="タイトル 1">
             <a:extLst>
               <a:ext uri="{FF2B5EF4-FFF2-40B4-BE49-F238E27FC236}">
-                <a16:creationId xmlns:a16="http://schemas.microsoft.com/office/drawing/2014/main" xmlns="" id="{546CADF5-44DE-ED46-8CE2-50B894135079}"/>
+                <a16:creationId xmlns="" xmlns:a16="http://schemas.microsoft.com/office/drawing/2014/main" id="{546CADF5-44DE-ED46-8CE2-50B894135079}"/>
               </a:ext>
             </a:extLst>
           </p:cNvPr>
@@ -13174,7 +13174,7 @@
           <p:cNvPr id="3" name="コンテンツ プレースホルダー 2">
             <a:extLst>
               <a:ext uri="{FF2B5EF4-FFF2-40B4-BE49-F238E27FC236}">
-                <a16:creationId xmlns:a16="http://schemas.microsoft.com/office/drawing/2014/main" xmlns="" id="{C80A7A15-85D4-4D44-A234-7AC105792BD1}"/>
+                <a16:creationId xmlns="" xmlns:a16="http://schemas.microsoft.com/office/drawing/2014/main" id="{C80A7A15-85D4-4D44-A234-7AC105792BD1}"/>
               </a:ext>
             </a:extLst>
           </p:cNvPr>
@@ -13266,7 +13266,7 @@
           <p:cNvPr id="2" name="タイトル 1">
             <a:extLst>
               <a:ext uri="{FF2B5EF4-FFF2-40B4-BE49-F238E27FC236}">
-                <a16:creationId xmlns:a16="http://schemas.microsoft.com/office/drawing/2014/main" xmlns="" id="{D6E9A7F1-EC3C-894A-8E9E-0981C4CA834A}"/>
+                <a16:creationId xmlns="" xmlns:a16="http://schemas.microsoft.com/office/drawing/2014/main" id="{D6E9A7F1-EC3C-894A-8E9E-0981C4CA834A}"/>
               </a:ext>
             </a:extLst>
           </p:cNvPr>
@@ -13295,7 +13295,7 @@
           <p:cNvPr id="3" name="コンテンツ プレースホルダー 2">
             <a:extLst>
               <a:ext uri="{FF2B5EF4-FFF2-40B4-BE49-F238E27FC236}">
-                <a16:creationId xmlns:a16="http://schemas.microsoft.com/office/drawing/2014/main" xmlns="" id="{9D01FC0B-1A3C-FE4D-82C1-224B072D7881}"/>
+                <a16:creationId xmlns="" xmlns:a16="http://schemas.microsoft.com/office/drawing/2014/main" id="{9D01FC0B-1A3C-FE4D-82C1-224B072D7881}"/>
               </a:ext>
             </a:extLst>
           </p:cNvPr>
@@ -13379,7 +13379,7 @@
           <p:cNvPr id="2" name="タイトル 1">
             <a:extLst>
               <a:ext uri="{FF2B5EF4-FFF2-40B4-BE49-F238E27FC236}">
-                <a16:creationId xmlns:a16="http://schemas.microsoft.com/office/drawing/2014/main" xmlns="" id="{93010AF0-9B7D-1145-8148-06A633089EBF}"/>
+                <a16:creationId xmlns="" xmlns:a16="http://schemas.microsoft.com/office/drawing/2014/main" id="{93010AF0-9B7D-1145-8148-06A633089EBF}"/>
               </a:ext>
             </a:extLst>
           </p:cNvPr>
@@ -13408,7 +13408,7 @@
           <p:cNvPr id="3" name="コンテンツ プレースホルダー 2">
             <a:extLst>
               <a:ext uri="{FF2B5EF4-FFF2-40B4-BE49-F238E27FC236}">
-                <a16:creationId xmlns:a16="http://schemas.microsoft.com/office/drawing/2014/main" xmlns="" id="{97A5DCCE-A463-7E40-A93C-1FAC6C539F8C}"/>
+                <a16:creationId xmlns="" xmlns:a16="http://schemas.microsoft.com/office/drawing/2014/main" id="{97A5DCCE-A463-7E40-A93C-1FAC6C539F8C}"/>
               </a:ext>
             </a:extLst>
           </p:cNvPr>
@@ -13499,7 +13499,7 @@
           <p:cNvPr id="2" name="タイトル 1">
             <a:extLst>
               <a:ext uri="{FF2B5EF4-FFF2-40B4-BE49-F238E27FC236}">
-                <a16:creationId xmlns:a16="http://schemas.microsoft.com/office/drawing/2014/main" xmlns="" id="{C31306A2-0982-6849-939B-C8AF835661CA}"/>
+                <a16:creationId xmlns="" xmlns:a16="http://schemas.microsoft.com/office/drawing/2014/main" id="{C31306A2-0982-6849-939B-C8AF835661CA}"/>
               </a:ext>
             </a:extLst>
           </p:cNvPr>
@@ -13530,7 +13530,7 @@
               <p:cNvPr id="3" name="コンテンツ プレースホルダー 2">
                 <a:extLst>
                   <a:ext uri="{FF2B5EF4-FFF2-40B4-BE49-F238E27FC236}">
-                    <a16:creationId xmlns:a16="http://schemas.microsoft.com/office/drawing/2014/main" xmlns="" id="{B168A923-369D-B948-B317-BB629C56578E}"/>
+                    <a16:creationId xmlns="" xmlns:a16="http://schemas.microsoft.com/office/drawing/2014/main" id="{B168A923-369D-B948-B317-BB629C56578E}"/>
                   </a:ext>
                 </a:extLst>
               </p:cNvPr>
@@ -13842,7 +13842,7 @@
           <p:cNvPr id="2" name="タイトル 1">
             <a:extLst>
               <a:ext uri="{FF2B5EF4-FFF2-40B4-BE49-F238E27FC236}">
-                <a16:creationId xmlns:a16="http://schemas.microsoft.com/office/drawing/2014/main" xmlns="" id="{2C9AF7B9-F858-7546-9DA7-F0B972955209}"/>
+                <a16:creationId xmlns="" xmlns:a16="http://schemas.microsoft.com/office/drawing/2014/main" id="{2C9AF7B9-F858-7546-9DA7-F0B972955209}"/>
               </a:ext>
             </a:extLst>
           </p:cNvPr>
@@ -13876,7 +13876,7 @@
           <p:cNvPr id="3" name="コンテンツ プレースホルダー 2">
             <a:extLst>
               <a:ext uri="{FF2B5EF4-FFF2-40B4-BE49-F238E27FC236}">
-                <a16:creationId xmlns:a16="http://schemas.microsoft.com/office/drawing/2014/main" xmlns="" id="{DFE79931-7D32-4849-B512-925A9BAF8802}"/>
+                <a16:creationId xmlns="" xmlns:a16="http://schemas.microsoft.com/office/drawing/2014/main" id="{DFE79931-7D32-4849-B512-925A9BAF8802}"/>
               </a:ext>
             </a:extLst>
           </p:cNvPr>
@@ -13928,7 +13928,7 @@
           <p:cNvPr id="5" name="図 4">
             <a:extLst>
               <a:ext uri="{FF2B5EF4-FFF2-40B4-BE49-F238E27FC236}">
-                <a16:creationId xmlns:a16="http://schemas.microsoft.com/office/drawing/2014/main" xmlns="" id="{F81A7929-0CC8-494B-B1D4-0CD029B548B2}"/>
+                <a16:creationId xmlns="" xmlns:a16="http://schemas.microsoft.com/office/drawing/2014/main" id="{F81A7929-0CC8-494B-B1D4-0CD029B548B2}"/>
               </a:ext>
             </a:extLst>
           </p:cNvPr>
@@ -13988,7 +13988,7 @@
           <p:cNvPr id="2" name="タイトル 1">
             <a:extLst>
               <a:ext uri="{FF2B5EF4-FFF2-40B4-BE49-F238E27FC236}">
-                <a16:creationId xmlns:a16="http://schemas.microsoft.com/office/drawing/2014/main" xmlns="" id="{D3BE51AA-6929-3442-966A-7D9EB4731FE2}"/>
+                <a16:creationId xmlns="" xmlns:a16="http://schemas.microsoft.com/office/drawing/2014/main" id="{D3BE51AA-6929-3442-966A-7D9EB4731FE2}"/>
               </a:ext>
             </a:extLst>
           </p:cNvPr>
@@ -14022,7 +14022,7 @@
               <p:cNvPr id="3" name="コンテンツ プレースホルダー 2">
                 <a:extLst>
                   <a:ext uri="{FF2B5EF4-FFF2-40B4-BE49-F238E27FC236}">
-                    <a16:creationId xmlns:a16="http://schemas.microsoft.com/office/drawing/2014/main" xmlns="" id="{7A66D6AA-85AC-DC4D-AC2F-0EE32EC50F84}"/>
+                    <a16:creationId xmlns="" xmlns:a16="http://schemas.microsoft.com/office/drawing/2014/main" id="{7A66D6AA-85AC-DC4D-AC2F-0EE32EC50F84}"/>
                   </a:ext>
                 </a:extLst>
               </p:cNvPr>
@@ -14356,7 +14356,7 @@
           <p:cNvPr id="2" name="タイトル 1">
             <a:extLst>
               <a:ext uri="{FF2B5EF4-FFF2-40B4-BE49-F238E27FC236}">
-                <a16:creationId xmlns:a16="http://schemas.microsoft.com/office/drawing/2014/main" xmlns="" id="{D3BE51AA-6929-3442-966A-7D9EB4731FE2}"/>
+                <a16:creationId xmlns="" xmlns:a16="http://schemas.microsoft.com/office/drawing/2014/main" id="{D3BE51AA-6929-3442-966A-7D9EB4731FE2}"/>
               </a:ext>
             </a:extLst>
           </p:cNvPr>
@@ -14390,7 +14390,7 @@
               <p:cNvPr id="3" name="コンテンツ プレースホルダー 2">
                 <a:extLst>
                   <a:ext uri="{FF2B5EF4-FFF2-40B4-BE49-F238E27FC236}">
-                    <a16:creationId xmlns:a16="http://schemas.microsoft.com/office/drawing/2014/main" xmlns="" id="{7A66D6AA-85AC-DC4D-AC2F-0EE32EC50F84}"/>
+                    <a16:creationId xmlns="" xmlns:a16="http://schemas.microsoft.com/office/drawing/2014/main" id="{7A66D6AA-85AC-DC4D-AC2F-0EE32EC50F84}"/>
                   </a:ext>
                 </a:extLst>
               </p:cNvPr>
@@ -14724,7 +14724,7 @@
           <p:cNvPr id="2" name="タイトル 1">
             <a:extLst>
               <a:ext uri="{FF2B5EF4-FFF2-40B4-BE49-F238E27FC236}">
-                <a16:creationId xmlns:a16="http://schemas.microsoft.com/office/drawing/2014/main" xmlns="" id="{27F343C2-0C5B-4C4B-80AC-FA94488BB945}"/>
+                <a16:creationId xmlns="" xmlns:a16="http://schemas.microsoft.com/office/drawing/2014/main" id="{27F343C2-0C5B-4C4B-80AC-FA94488BB945}"/>
               </a:ext>
             </a:extLst>
           </p:cNvPr>
@@ -14753,7 +14753,7 @@
           <p:cNvPr id="3" name="コンテンツ プレースホルダー 2">
             <a:extLst>
               <a:ext uri="{FF2B5EF4-FFF2-40B4-BE49-F238E27FC236}">
-                <a16:creationId xmlns:a16="http://schemas.microsoft.com/office/drawing/2014/main" xmlns="" id="{11F9DD95-8CF5-9348-886C-FD2EAE61BF0C}"/>
+                <a16:creationId xmlns="" xmlns:a16="http://schemas.microsoft.com/office/drawing/2014/main" id="{11F9DD95-8CF5-9348-886C-FD2EAE61BF0C}"/>
               </a:ext>
             </a:extLst>
           </p:cNvPr>
@@ -14790,7 +14790,7 @@
           <p:cNvPr id="4" name="正方形/長方形 3">
             <a:extLst>
               <a:ext uri="{FF2B5EF4-FFF2-40B4-BE49-F238E27FC236}">
-                <a16:creationId xmlns:a16="http://schemas.microsoft.com/office/drawing/2014/main" xmlns="" id="{9D9AB659-4052-624D-8F74-5899265AF76C}"/>
+                <a16:creationId xmlns="" xmlns:a16="http://schemas.microsoft.com/office/drawing/2014/main" id="{9D9AB659-4052-624D-8F74-5899265AF76C}"/>
               </a:ext>
             </a:extLst>
           </p:cNvPr>
@@ -14879,7 +14879,7 @@
           <p:cNvPr id="2" name="タイトル 1">
             <a:extLst>
               <a:ext uri="{FF2B5EF4-FFF2-40B4-BE49-F238E27FC236}">
-                <a16:creationId xmlns:a16="http://schemas.microsoft.com/office/drawing/2014/main" xmlns="" id="{AA682DFF-D324-2B44-B659-FF46E3AA1D70}"/>
+                <a16:creationId xmlns="" xmlns:a16="http://schemas.microsoft.com/office/drawing/2014/main" id="{AA682DFF-D324-2B44-B659-FF46E3AA1D70}"/>
               </a:ext>
             </a:extLst>
           </p:cNvPr>
@@ -14912,7 +14912,7 @@
           <p:cNvPr id="3" name="コンテンツ プレースホルダー 2">
             <a:extLst>
               <a:ext uri="{FF2B5EF4-FFF2-40B4-BE49-F238E27FC236}">
-                <a16:creationId xmlns:a16="http://schemas.microsoft.com/office/drawing/2014/main" xmlns="" id="{A1B81CE6-3BEF-7F46-9003-6161F54DD432}"/>
+                <a16:creationId xmlns="" xmlns:a16="http://schemas.microsoft.com/office/drawing/2014/main" id="{A1B81CE6-3BEF-7F46-9003-6161F54DD432}"/>
               </a:ext>
             </a:extLst>
           </p:cNvPr>
@@ -14999,7 +14999,7 @@
           <p:cNvPr id="2" name="タイトル 1">
             <a:extLst>
               <a:ext uri="{FF2B5EF4-FFF2-40B4-BE49-F238E27FC236}">
-                <a16:creationId xmlns:a16="http://schemas.microsoft.com/office/drawing/2014/main" xmlns="" id="{D4EA45E0-6EC3-4546-962B-3ADDD8781C9D}"/>
+                <a16:creationId xmlns="" xmlns:a16="http://schemas.microsoft.com/office/drawing/2014/main" id="{D4EA45E0-6EC3-4546-962B-3ADDD8781C9D}"/>
               </a:ext>
             </a:extLst>
           </p:cNvPr>
@@ -15028,7 +15028,7 @@
           <p:cNvPr id="3" name="コンテンツ プレースホルダー 2">
             <a:extLst>
               <a:ext uri="{FF2B5EF4-FFF2-40B4-BE49-F238E27FC236}">
-                <a16:creationId xmlns:a16="http://schemas.microsoft.com/office/drawing/2014/main" xmlns="" id="{C6E27343-2C9B-334E-90CD-315B46EA63CE}"/>
+                <a16:creationId xmlns="" xmlns:a16="http://schemas.microsoft.com/office/drawing/2014/main" id="{C6E27343-2C9B-334E-90CD-315B46EA63CE}"/>
               </a:ext>
             </a:extLst>
           </p:cNvPr>
@@ -15122,7 +15122,7 @@
           <p:cNvPr id="2" name="タイトル 1">
             <a:extLst>
               <a:ext uri="{FF2B5EF4-FFF2-40B4-BE49-F238E27FC236}">
-                <a16:creationId xmlns:a16="http://schemas.microsoft.com/office/drawing/2014/main" xmlns="" id="{A0F04F6F-5F7C-4C4A-A9DD-C0722B40C486}"/>
+                <a16:creationId xmlns="" xmlns:a16="http://schemas.microsoft.com/office/drawing/2014/main" id="{A0F04F6F-5F7C-4C4A-A9DD-C0722B40C486}"/>
               </a:ext>
             </a:extLst>
           </p:cNvPr>
@@ -15151,7 +15151,7 @@
           <p:cNvPr id="3" name="コンテンツ プレースホルダー 2">
             <a:extLst>
               <a:ext uri="{FF2B5EF4-FFF2-40B4-BE49-F238E27FC236}">
-                <a16:creationId xmlns:a16="http://schemas.microsoft.com/office/drawing/2014/main" xmlns="" id="{AE0BE67F-9583-8743-8B5D-219840071ED9}"/>
+                <a16:creationId xmlns="" xmlns:a16="http://schemas.microsoft.com/office/drawing/2014/main" id="{AE0BE67F-9583-8743-8B5D-219840071ED9}"/>
               </a:ext>
             </a:extLst>
           </p:cNvPr>
@@ -15236,7 +15236,7 @@
           <p:cNvPr id="2" name="タイトル 1">
             <a:extLst>
               <a:ext uri="{FF2B5EF4-FFF2-40B4-BE49-F238E27FC236}">
-                <a16:creationId xmlns:a16="http://schemas.microsoft.com/office/drawing/2014/main" xmlns="" id="{531AE33E-1F70-7949-9F8B-070B10EEC187}"/>
+                <a16:creationId xmlns="" xmlns:a16="http://schemas.microsoft.com/office/drawing/2014/main" id="{531AE33E-1F70-7949-9F8B-070B10EEC187}"/>
               </a:ext>
             </a:extLst>
           </p:cNvPr>
@@ -15265,7 +15265,7 @@
           <p:cNvPr id="5" name="コンテンツ プレースホルダー 4">
             <a:extLst>
               <a:ext uri="{FF2B5EF4-FFF2-40B4-BE49-F238E27FC236}">
-                <a16:creationId xmlns:a16="http://schemas.microsoft.com/office/drawing/2014/main" xmlns="" id="{B9457E1D-F013-A342-A3D1-47C286D004BC}"/>
+                <a16:creationId xmlns="" xmlns:a16="http://schemas.microsoft.com/office/drawing/2014/main" id="{B9457E1D-F013-A342-A3D1-47C286D004BC}"/>
               </a:ext>
             </a:extLst>
           </p:cNvPr>
@@ -15294,7 +15294,7 @@
           <p:cNvPr id="6" name="テキスト ボックス 5">
             <a:extLst>
               <a:ext uri="{FF2B5EF4-FFF2-40B4-BE49-F238E27FC236}">
-                <a16:creationId xmlns:a16="http://schemas.microsoft.com/office/drawing/2014/main" xmlns="" id="{AC098C05-FF14-6044-BFC6-396A4D238EFA}"/>
+                <a16:creationId xmlns="" xmlns:a16="http://schemas.microsoft.com/office/drawing/2014/main" id="{AC098C05-FF14-6044-BFC6-396A4D238EFA}"/>
               </a:ext>
             </a:extLst>
           </p:cNvPr>
@@ -15329,7 +15329,7 @@
           <p:cNvPr id="8" name="図 7">
             <a:extLst>
               <a:ext uri="{FF2B5EF4-FFF2-40B4-BE49-F238E27FC236}">
-                <a16:creationId xmlns:a16="http://schemas.microsoft.com/office/drawing/2014/main" xmlns="" id="{101DCCF4-FB0F-BC4D-AE09-263BEE099105}"/>
+                <a16:creationId xmlns="" xmlns:a16="http://schemas.microsoft.com/office/drawing/2014/main" id="{101DCCF4-FB0F-BC4D-AE09-263BEE099105}"/>
               </a:ext>
             </a:extLst>
           </p:cNvPr>
@@ -15389,7 +15389,7 @@
           <p:cNvPr id="2" name="タイトル 1">
             <a:extLst>
               <a:ext uri="{FF2B5EF4-FFF2-40B4-BE49-F238E27FC236}">
-                <a16:creationId xmlns:a16="http://schemas.microsoft.com/office/drawing/2014/main" xmlns="" id="{6F100CDD-E71F-0C48-A12F-BDDF8054F874}"/>
+                <a16:creationId xmlns="" xmlns:a16="http://schemas.microsoft.com/office/drawing/2014/main" id="{6F100CDD-E71F-0C48-A12F-BDDF8054F874}"/>
               </a:ext>
             </a:extLst>
           </p:cNvPr>
@@ -15418,7 +15418,7 @@
           <p:cNvPr id="3" name="コンテンツ プレースホルダー 2">
             <a:extLst>
               <a:ext uri="{FF2B5EF4-FFF2-40B4-BE49-F238E27FC236}">
-                <a16:creationId xmlns:a16="http://schemas.microsoft.com/office/drawing/2014/main" xmlns="" id="{C33B7006-9EE3-5A49-BBFD-F7D51D258C04}"/>
+                <a16:creationId xmlns="" xmlns:a16="http://schemas.microsoft.com/office/drawing/2014/main" id="{C33B7006-9EE3-5A49-BBFD-F7D51D258C04}"/>
               </a:ext>
             </a:extLst>
           </p:cNvPr>
@@ -15500,7 +15500,7 @@
           <p:cNvPr id="4" name="コンテンツ プレースホルダー 3">
             <a:extLst>
               <a:ext uri="{FF2B5EF4-FFF2-40B4-BE49-F238E27FC236}">
-                <a16:creationId xmlns:a16="http://schemas.microsoft.com/office/drawing/2014/main" xmlns="" id="{1FD8347B-5610-1046-B9B8-AE5FBFADCCC6}"/>
+                <a16:creationId xmlns="" xmlns:a16="http://schemas.microsoft.com/office/drawing/2014/main" id="{1FD8347B-5610-1046-B9B8-AE5FBFADCCC6}"/>
               </a:ext>
             </a:extLst>
           </p:cNvPr>
@@ -15584,7 +15584,7 @@
           <p:cNvPr id="6" name="直線コネクタ 5">
             <a:extLst>
               <a:ext uri="{FF2B5EF4-FFF2-40B4-BE49-F238E27FC236}">
-                <a16:creationId xmlns:a16="http://schemas.microsoft.com/office/drawing/2014/main" xmlns="" id="{11A31D31-CFC5-1C4D-8435-60D3B8346259}"/>
+                <a16:creationId xmlns="" xmlns:a16="http://schemas.microsoft.com/office/drawing/2014/main" id="{11A31D31-CFC5-1C4D-8435-60D3B8346259}"/>
               </a:ext>
             </a:extLst>
           </p:cNvPr>
@@ -15650,7 +15650,7 @@
           <p:cNvPr id="2" name="タイトル 1">
             <a:extLst>
               <a:ext uri="{FF2B5EF4-FFF2-40B4-BE49-F238E27FC236}">
-                <a16:creationId xmlns:a16="http://schemas.microsoft.com/office/drawing/2014/main" xmlns="" id="{FB112B76-A30D-9B43-9C86-E5ED0130BC75}"/>
+                <a16:creationId xmlns="" xmlns:a16="http://schemas.microsoft.com/office/drawing/2014/main" id="{FB112B76-A30D-9B43-9C86-E5ED0130BC75}"/>
               </a:ext>
             </a:extLst>
           </p:cNvPr>
@@ -15679,7 +15679,7 @@
           <p:cNvPr id="3" name="コンテンツ プレースホルダー 2">
             <a:extLst>
               <a:ext uri="{FF2B5EF4-FFF2-40B4-BE49-F238E27FC236}">
-                <a16:creationId xmlns:a16="http://schemas.microsoft.com/office/drawing/2014/main" xmlns="" id="{0B78C004-7132-2548-9598-2963228325EF}"/>
+                <a16:creationId xmlns="" xmlns:a16="http://schemas.microsoft.com/office/drawing/2014/main" id="{0B78C004-7132-2548-9598-2963228325EF}"/>
               </a:ext>
             </a:extLst>
           </p:cNvPr>
@@ -15760,7 +15760,7 @@
           <p:cNvPr id="2" name="タイトル 1">
             <a:extLst>
               <a:ext uri="{FF2B5EF4-FFF2-40B4-BE49-F238E27FC236}">
-                <a16:creationId xmlns:a16="http://schemas.microsoft.com/office/drawing/2014/main" xmlns="" id="{FDC6E643-84C1-D84A-A5EC-DEBAA379F4FF}"/>
+                <a16:creationId xmlns="" xmlns:a16="http://schemas.microsoft.com/office/drawing/2014/main" id="{FDC6E643-84C1-D84A-A5EC-DEBAA379F4FF}"/>
               </a:ext>
             </a:extLst>
           </p:cNvPr>
@@ -15793,7 +15793,7 @@
           <p:cNvPr id="3" name="コンテンツ プレースホルダー 2">
             <a:extLst>
               <a:ext uri="{FF2B5EF4-FFF2-40B4-BE49-F238E27FC236}">
-                <a16:creationId xmlns:a16="http://schemas.microsoft.com/office/drawing/2014/main" xmlns="" id="{87DA18FE-55DE-054F-B0FC-BCAE58372308}"/>
+                <a16:creationId xmlns="" xmlns:a16="http://schemas.microsoft.com/office/drawing/2014/main" id="{87DA18FE-55DE-054F-B0FC-BCAE58372308}"/>
               </a:ext>
             </a:extLst>
           </p:cNvPr>
@@ -15862,7 +15862,7 @@
           <p:cNvPr id="2" name="タイトル 1">
             <a:extLst>
               <a:ext uri="{FF2B5EF4-FFF2-40B4-BE49-F238E27FC236}">
-                <a16:creationId xmlns:a16="http://schemas.microsoft.com/office/drawing/2014/main" xmlns="" id="{3E79F2C1-44AD-BE44-B7D7-3B192EEA9B06}"/>
+                <a16:creationId xmlns="" xmlns:a16="http://schemas.microsoft.com/office/drawing/2014/main" id="{3E79F2C1-44AD-BE44-B7D7-3B192EEA9B06}"/>
               </a:ext>
             </a:extLst>
           </p:cNvPr>
@@ -15891,7 +15891,7 @@
           <p:cNvPr id="3" name="コンテンツ プレースホルダー 2">
             <a:extLst>
               <a:ext uri="{FF2B5EF4-FFF2-40B4-BE49-F238E27FC236}">
-                <a16:creationId xmlns:a16="http://schemas.microsoft.com/office/drawing/2014/main" xmlns="" id="{C1BD3BF1-F3B9-434F-9868-7519AF4F1EE7}"/>
+                <a16:creationId xmlns="" xmlns:a16="http://schemas.microsoft.com/office/drawing/2014/main" id="{C1BD3BF1-F3B9-434F-9868-7519AF4F1EE7}"/>
               </a:ext>
             </a:extLst>
           </p:cNvPr>
@@ -15991,7 +15991,7 @@
           <p:cNvPr id="2" name="タイトル 1">
             <a:extLst>
               <a:ext uri="{FF2B5EF4-FFF2-40B4-BE49-F238E27FC236}">
-                <a16:creationId xmlns:a16="http://schemas.microsoft.com/office/drawing/2014/main" xmlns="" id="{2B278DCE-0685-4441-B128-DC9D8C8EB809}"/>
+                <a16:creationId xmlns="" xmlns:a16="http://schemas.microsoft.com/office/drawing/2014/main" id="{2B278DCE-0685-4441-B128-DC9D8C8EB809}"/>
               </a:ext>
             </a:extLst>
           </p:cNvPr>
@@ -16023,7 +16023,7 @@
           <p:cNvPr id="3" name="コンテンツ プレースホルダー 2">
             <a:extLst>
               <a:ext uri="{FF2B5EF4-FFF2-40B4-BE49-F238E27FC236}">
-                <a16:creationId xmlns:a16="http://schemas.microsoft.com/office/drawing/2014/main" xmlns="" id="{613B841F-8DD0-1147-9E25-B1A91183D7E1}"/>
+                <a16:creationId xmlns="" xmlns:a16="http://schemas.microsoft.com/office/drawing/2014/main" id="{613B841F-8DD0-1147-9E25-B1A91183D7E1}"/>
               </a:ext>
             </a:extLst>
           </p:cNvPr>
@@ -16107,7 +16107,7 @@
           <p:cNvPr id="2" name="タイトル 1">
             <a:extLst>
               <a:ext uri="{FF2B5EF4-FFF2-40B4-BE49-F238E27FC236}">
-                <a16:creationId xmlns:a16="http://schemas.microsoft.com/office/drawing/2014/main" xmlns="" id="{6D7907DD-1B47-6842-B33C-74FC6080067F}"/>
+                <a16:creationId xmlns="" xmlns:a16="http://schemas.microsoft.com/office/drawing/2014/main" id="{6D7907DD-1B47-6842-B33C-74FC6080067F}"/>
               </a:ext>
             </a:extLst>
           </p:cNvPr>
@@ -16136,7 +16136,7 @@
           <p:cNvPr id="3" name="コンテンツ プレースホルダー 2">
             <a:extLst>
               <a:ext uri="{FF2B5EF4-FFF2-40B4-BE49-F238E27FC236}">
-                <a16:creationId xmlns:a16="http://schemas.microsoft.com/office/drawing/2014/main" xmlns="" id="{8C6E833C-5969-904E-BD89-EFD10FE0AD6D}"/>
+                <a16:creationId xmlns="" xmlns:a16="http://schemas.microsoft.com/office/drawing/2014/main" id="{8C6E833C-5969-904E-BD89-EFD10FE0AD6D}"/>
               </a:ext>
             </a:extLst>
           </p:cNvPr>
@@ -16186,7 +16186,7 @@
           <p:cNvPr id="4" name="コンテンツ プレースホルダー 2">
             <a:extLst>
               <a:ext uri="{FF2B5EF4-FFF2-40B4-BE49-F238E27FC236}">
-                <a16:creationId xmlns:a16="http://schemas.microsoft.com/office/drawing/2014/main" xmlns="" id="{9EEF31B3-588F-3D4E-AF28-634960776DA4}"/>
+                <a16:creationId xmlns="" xmlns:a16="http://schemas.microsoft.com/office/drawing/2014/main" id="{9EEF31B3-588F-3D4E-AF28-634960776DA4}"/>
               </a:ext>
             </a:extLst>
           </p:cNvPr>
@@ -16474,7 +16474,7 @@
           <p:cNvPr id="5" name="コンテンツ プレースホルダー 2">
             <a:extLst>
               <a:ext uri="{FF2B5EF4-FFF2-40B4-BE49-F238E27FC236}">
-                <a16:creationId xmlns:a16="http://schemas.microsoft.com/office/drawing/2014/main" xmlns="" id="{F88F3941-43B2-5043-8CF0-3FAEE12A9268}"/>
+                <a16:creationId xmlns="" xmlns:a16="http://schemas.microsoft.com/office/drawing/2014/main" id="{F88F3941-43B2-5043-8CF0-3FAEE12A9268}"/>
               </a:ext>
             </a:extLst>
           </p:cNvPr>
@@ -16819,7 +16819,7 @@
           <p:cNvPr id="2" name="タイトル 1">
             <a:extLst>
               <a:ext uri="{FF2B5EF4-FFF2-40B4-BE49-F238E27FC236}">
-                <a16:creationId xmlns:a16="http://schemas.microsoft.com/office/drawing/2014/main" xmlns="" id="{3D8A63EE-A0A1-4C4E-9821-A455B6473202}"/>
+                <a16:creationId xmlns="" xmlns:a16="http://schemas.microsoft.com/office/drawing/2014/main" id="{3D8A63EE-A0A1-4C4E-9821-A455B6473202}"/>
               </a:ext>
             </a:extLst>
           </p:cNvPr>
@@ -16848,7 +16848,7 @@
           <p:cNvPr id="3" name="コンテンツ プレースホルダー 2">
             <a:extLst>
               <a:ext uri="{FF2B5EF4-FFF2-40B4-BE49-F238E27FC236}">
-                <a16:creationId xmlns:a16="http://schemas.microsoft.com/office/drawing/2014/main" xmlns="" id="{240D5665-5F70-714B-87E9-C1AB005B3571}"/>
+                <a16:creationId xmlns="" xmlns:a16="http://schemas.microsoft.com/office/drawing/2014/main" id="{240D5665-5F70-714B-87E9-C1AB005B3571}"/>
               </a:ext>
             </a:extLst>
           </p:cNvPr>
@@ -16945,7 +16945,7 @@
           <p:cNvPr id="2" name="タイトル 1">
             <a:extLst>
               <a:ext uri="{FF2B5EF4-FFF2-40B4-BE49-F238E27FC236}">
-                <a16:creationId xmlns:a16="http://schemas.microsoft.com/office/drawing/2014/main" xmlns="" id="{0BE0AB04-8F34-BD4F-8DDD-608D0F3AC3BC}"/>
+                <a16:creationId xmlns="" xmlns:a16="http://schemas.microsoft.com/office/drawing/2014/main" id="{0BE0AB04-8F34-BD4F-8DDD-608D0F3AC3BC}"/>
               </a:ext>
             </a:extLst>
           </p:cNvPr>
@@ -16974,7 +16974,7 @@
           <p:cNvPr id="3" name="コンテンツ プレースホルダー 2">
             <a:extLst>
               <a:ext uri="{FF2B5EF4-FFF2-40B4-BE49-F238E27FC236}">
-                <a16:creationId xmlns:a16="http://schemas.microsoft.com/office/drawing/2014/main" xmlns="" id="{EF816E5E-667D-8843-89E2-F9D0E26CD703}"/>
+                <a16:creationId xmlns="" xmlns:a16="http://schemas.microsoft.com/office/drawing/2014/main" id="{EF816E5E-667D-8843-89E2-F9D0E26CD703}"/>
               </a:ext>
             </a:extLst>
           </p:cNvPr>
@@ -17068,7 +17068,7 @@
           <p:cNvPr id="2" name="タイトル 1">
             <a:extLst>
               <a:ext uri="{FF2B5EF4-FFF2-40B4-BE49-F238E27FC236}">
-                <a16:creationId xmlns:a16="http://schemas.microsoft.com/office/drawing/2014/main" xmlns="" id="{FCE7EB18-D7E1-894E-BC25-80C1A8AA5D09}"/>
+                <a16:creationId xmlns="" xmlns:a16="http://schemas.microsoft.com/office/drawing/2014/main" id="{FCE7EB18-D7E1-894E-BC25-80C1A8AA5D09}"/>
               </a:ext>
             </a:extLst>
           </p:cNvPr>
@@ -17097,7 +17097,7 @@
           <p:cNvPr id="3" name="コンテンツ プレースホルダー 2">
             <a:extLst>
               <a:ext uri="{FF2B5EF4-FFF2-40B4-BE49-F238E27FC236}">
-                <a16:creationId xmlns:a16="http://schemas.microsoft.com/office/drawing/2014/main" xmlns="" id="{DF18F744-42F4-CA45-A447-4C7A6529DF3D}"/>
+                <a16:creationId xmlns="" xmlns:a16="http://schemas.microsoft.com/office/drawing/2014/main" id="{DF18F744-42F4-CA45-A447-4C7A6529DF3D}"/>
               </a:ext>
             </a:extLst>
           </p:cNvPr>
@@ -17175,7 +17175,7 @@
           <p:cNvPr id="2" name="タイトル 1">
             <a:extLst>
               <a:ext uri="{FF2B5EF4-FFF2-40B4-BE49-F238E27FC236}">
-                <a16:creationId xmlns:a16="http://schemas.microsoft.com/office/drawing/2014/main" xmlns="" id="{03BB7B5E-C4C4-9B4A-9494-821EF1303692}"/>
+                <a16:creationId xmlns="" xmlns:a16="http://schemas.microsoft.com/office/drawing/2014/main" id="{03BB7B5E-C4C4-9B4A-9494-821EF1303692}"/>
               </a:ext>
             </a:extLst>
           </p:cNvPr>
@@ -17209,7 +17209,7 @@
           <p:cNvPr id="3" name="コンテンツ プレースホルダー 2">
             <a:extLst>
               <a:ext uri="{FF2B5EF4-FFF2-40B4-BE49-F238E27FC236}">
-                <a16:creationId xmlns:a16="http://schemas.microsoft.com/office/drawing/2014/main" xmlns="" id="{E3BA8F43-1062-1849-820B-F7D6BDDFFED2}"/>
+                <a16:creationId xmlns="" xmlns:a16="http://schemas.microsoft.com/office/drawing/2014/main" id="{E3BA8F43-1062-1849-820B-F7D6BDDFFED2}"/>
               </a:ext>
             </a:extLst>
           </p:cNvPr>
@@ -17382,7 +17382,7 @@
           <p:cNvPr id="2" name="タイトル 1">
             <a:extLst>
               <a:ext uri="{FF2B5EF4-FFF2-40B4-BE49-F238E27FC236}">
-                <a16:creationId xmlns:a16="http://schemas.microsoft.com/office/drawing/2014/main" xmlns="" id="{924515AA-7AF0-FA45-BCCF-EC2E999C0FA3}"/>
+                <a16:creationId xmlns="" xmlns:a16="http://schemas.microsoft.com/office/drawing/2014/main" id="{924515AA-7AF0-FA45-BCCF-EC2E999C0FA3}"/>
               </a:ext>
             </a:extLst>
           </p:cNvPr>
@@ -17418,7 +17418,7 @@
               <p:cNvPr id="3" name="コンテンツ プレースホルダー 2">
                 <a:extLst>
                   <a:ext uri="{FF2B5EF4-FFF2-40B4-BE49-F238E27FC236}">
-                    <a16:creationId xmlns:a16="http://schemas.microsoft.com/office/drawing/2014/main" xmlns="" id="{51BD4730-EE58-5847-AFCA-1A2DD951C3F9}"/>
+                    <a16:creationId xmlns="" xmlns:a16="http://schemas.microsoft.com/office/drawing/2014/main" id="{51BD4730-EE58-5847-AFCA-1A2DD951C3F9}"/>
                   </a:ext>
                 </a:extLst>
               </p:cNvPr>
@@ -17567,7 +17567,7 @@
               <p:cNvPr id="4" name="表 3">
                 <a:extLst>
                   <a:ext uri="{FF2B5EF4-FFF2-40B4-BE49-F238E27FC236}">
-                    <a16:creationId xmlns:a16="http://schemas.microsoft.com/office/drawing/2014/main" xmlns="" id="{D54C76F3-FD75-3845-907F-031BCC7B27F1}"/>
+                    <a16:creationId xmlns="" xmlns:a16="http://schemas.microsoft.com/office/drawing/2014/main" id="{D54C76F3-FD75-3845-907F-031BCC7B27F1}"/>
                   </a:ext>
                 </a:extLst>
               </p:cNvPr>
@@ -17596,28 +17596,28 @@
                     <a:gridCol w="2137709">
                       <a:extLst>
                         <a:ext uri="{9D8B030D-6E8A-4147-A177-3AD203B41FA5}">
-                          <a16:colId xmlns:a16="http://schemas.microsoft.com/office/drawing/2014/main" xmlns="" val="1939995492"/>
+                          <a16:colId xmlns="" xmlns:a16="http://schemas.microsoft.com/office/drawing/2014/main" val="1939995492"/>
                         </a:ext>
                       </a:extLst>
                     </a:gridCol>
                     <a:gridCol w="2137709">
                       <a:extLst>
                         <a:ext uri="{9D8B030D-6E8A-4147-A177-3AD203B41FA5}">
-                          <a16:colId xmlns:a16="http://schemas.microsoft.com/office/drawing/2014/main" xmlns="" val="1868649167"/>
+                          <a16:colId xmlns="" xmlns:a16="http://schemas.microsoft.com/office/drawing/2014/main" val="1868649167"/>
                         </a:ext>
                       </a:extLst>
                     </a:gridCol>
                     <a:gridCol w="2137709">
                       <a:extLst>
                         <a:ext uri="{9D8B030D-6E8A-4147-A177-3AD203B41FA5}">
-                          <a16:colId xmlns:a16="http://schemas.microsoft.com/office/drawing/2014/main" xmlns="" val="1425792707"/>
+                          <a16:colId xmlns="" xmlns:a16="http://schemas.microsoft.com/office/drawing/2014/main" val="1425792707"/>
                         </a:ext>
                       </a:extLst>
                     </a:gridCol>
                     <a:gridCol w="2137709">
                       <a:extLst>
                         <a:ext uri="{9D8B030D-6E8A-4147-A177-3AD203B41FA5}">
-                          <a16:colId xmlns:a16="http://schemas.microsoft.com/office/drawing/2014/main" xmlns="" val="1397451028"/>
+                          <a16:colId xmlns="" xmlns:a16="http://schemas.microsoft.com/office/drawing/2014/main" val="1397451028"/>
                         </a:ext>
                       </a:extLst>
                     </a:gridCol>
@@ -17735,7 +17735,7 @@
                     </a:tc>
                     <a:extLst>
                       <a:ext uri="{0D108BD9-81ED-4DB2-BD59-A6C34878D82A}">
-                        <a16:rowId xmlns:a16="http://schemas.microsoft.com/office/drawing/2014/main" xmlns="" val="3117535403"/>
+                        <a16:rowId xmlns="" xmlns:a16="http://schemas.microsoft.com/office/drawing/2014/main" val="3117535403"/>
                       </a:ext>
                     </a:extLst>
                   </a:tr>
@@ -17802,7 +17802,7 @@
                     </a:tc>
                     <a:extLst>
                       <a:ext uri="{0D108BD9-81ED-4DB2-BD59-A6C34878D82A}">
-                        <a16:rowId xmlns:a16="http://schemas.microsoft.com/office/drawing/2014/main" xmlns="" val="2914139011"/>
+                        <a16:rowId xmlns="" xmlns:a16="http://schemas.microsoft.com/office/drawing/2014/main" val="2914139011"/>
                       </a:ext>
                     </a:extLst>
                   </a:tr>
@@ -17869,7 +17869,7 @@
                     </a:tc>
                     <a:extLst>
                       <a:ext uri="{0D108BD9-81ED-4DB2-BD59-A6C34878D82A}">
-                        <a16:rowId xmlns:a16="http://schemas.microsoft.com/office/drawing/2014/main" xmlns="" val="3905007158"/>
+                        <a16:rowId xmlns="" xmlns:a16="http://schemas.microsoft.com/office/drawing/2014/main" val="3905007158"/>
                       </a:ext>
                     </a:extLst>
                   </a:tr>
@@ -17936,7 +17936,7 @@
                     </a:tc>
                     <a:extLst>
                       <a:ext uri="{0D108BD9-81ED-4DB2-BD59-A6C34878D82A}">
-                        <a16:rowId xmlns:a16="http://schemas.microsoft.com/office/drawing/2014/main" xmlns="" val="3345806514"/>
+                        <a16:rowId xmlns="" xmlns:a16="http://schemas.microsoft.com/office/drawing/2014/main" val="3345806514"/>
                       </a:ext>
                     </a:extLst>
                   </a:tr>
@@ -18003,7 +18003,7 @@
                     </a:tc>
                     <a:extLst>
                       <a:ext uri="{0D108BD9-81ED-4DB2-BD59-A6C34878D82A}">
-                        <a16:rowId xmlns:a16="http://schemas.microsoft.com/office/drawing/2014/main" xmlns="" val="607002897"/>
+                        <a16:rowId xmlns="" xmlns:a16="http://schemas.microsoft.com/office/drawing/2014/main" val="607002897"/>
                       </a:ext>
                     </a:extLst>
                   </a:tr>
@@ -18453,7 +18453,7 @@
           <p:cNvPr id="2" name="タイトル 1">
             <a:extLst>
               <a:ext uri="{FF2B5EF4-FFF2-40B4-BE49-F238E27FC236}">
-                <a16:creationId xmlns:a16="http://schemas.microsoft.com/office/drawing/2014/main" xmlns="" id="{D8DA1CC8-598D-1D4B-B251-97298E30ECA4}"/>
+                <a16:creationId xmlns="" xmlns:a16="http://schemas.microsoft.com/office/drawing/2014/main" id="{D8DA1CC8-598D-1D4B-B251-97298E30ECA4}"/>
               </a:ext>
             </a:extLst>
           </p:cNvPr>
@@ -18493,7 +18493,7 @@
           <p:cNvPr id="3" name="コンテンツ プレースホルダー 2">
             <a:extLst>
               <a:ext uri="{FF2B5EF4-FFF2-40B4-BE49-F238E27FC236}">
-                <a16:creationId xmlns:a16="http://schemas.microsoft.com/office/drawing/2014/main" xmlns="" id="{6E2556ED-BEB0-CC4D-B241-52450431776F}"/>
+                <a16:creationId xmlns="" xmlns:a16="http://schemas.microsoft.com/office/drawing/2014/main" id="{6E2556ED-BEB0-CC4D-B241-52450431776F}"/>
               </a:ext>
             </a:extLst>
           </p:cNvPr>
@@ -18596,7 +18596,7 @@
           <p:cNvPr id="2" name="タイトル 1">
             <a:extLst>
               <a:ext uri="{FF2B5EF4-FFF2-40B4-BE49-F238E27FC236}">
-                <a16:creationId xmlns:a16="http://schemas.microsoft.com/office/drawing/2014/main" xmlns="" id="{03DC7BD9-E43D-E442-9A49-33395737C89D}"/>
+                <a16:creationId xmlns="" xmlns:a16="http://schemas.microsoft.com/office/drawing/2014/main" id="{03DC7BD9-E43D-E442-9A49-33395737C89D}"/>
               </a:ext>
             </a:extLst>
           </p:cNvPr>
@@ -18625,7 +18625,7 @@
           <p:cNvPr id="3" name="コンテンツ プレースホルダー 2">
             <a:extLst>
               <a:ext uri="{FF2B5EF4-FFF2-40B4-BE49-F238E27FC236}">
-                <a16:creationId xmlns:a16="http://schemas.microsoft.com/office/drawing/2014/main" xmlns="" id="{AD3B2DD4-96C6-BB42-93C1-3859304F6137}"/>
+                <a16:creationId xmlns="" xmlns:a16="http://schemas.microsoft.com/office/drawing/2014/main" id="{AD3B2DD4-96C6-BB42-93C1-3859304F6137}"/>
               </a:ext>
             </a:extLst>
           </p:cNvPr>
@@ -18706,7 +18706,7 @@
           <p:cNvPr id="2" name="タイトル 1">
             <a:extLst>
               <a:ext uri="{FF2B5EF4-FFF2-40B4-BE49-F238E27FC236}">
-                <a16:creationId xmlns:a16="http://schemas.microsoft.com/office/drawing/2014/main" xmlns="" id="{DBF5AFDD-4A7E-3C46-B150-A8EC04053F2F}"/>
+                <a16:creationId xmlns="" xmlns:a16="http://schemas.microsoft.com/office/drawing/2014/main" id="{DBF5AFDD-4A7E-3C46-B150-A8EC04053F2F}"/>
               </a:ext>
             </a:extLst>
           </p:cNvPr>
@@ -18742,7 +18742,7 @@
           <p:cNvPr id="3" name="コンテンツ プレースホルダー 2">
             <a:extLst>
               <a:ext uri="{FF2B5EF4-FFF2-40B4-BE49-F238E27FC236}">
-                <a16:creationId xmlns:a16="http://schemas.microsoft.com/office/drawing/2014/main" xmlns="" id="{29949F21-2E87-E340-ACB1-A81C89FB3424}"/>
+                <a16:creationId xmlns="" xmlns:a16="http://schemas.microsoft.com/office/drawing/2014/main" id="{29949F21-2E87-E340-ACB1-A81C89FB3424}"/>
               </a:ext>
             </a:extLst>
           </p:cNvPr>
@@ -18867,7 +18867,7 @@
               <p:cNvPr id="4" name="表 3">
                 <a:extLst>
                   <a:ext uri="{FF2B5EF4-FFF2-40B4-BE49-F238E27FC236}">
-                    <a16:creationId xmlns:a16="http://schemas.microsoft.com/office/drawing/2014/main" xmlns="" id="{CAA91777-4031-FD49-9546-432EE1F9463A}"/>
+                    <a16:creationId xmlns="" xmlns:a16="http://schemas.microsoft.com/office/drawing/2014/main" id="{CAA91777-4031-FD49-9546-432EE1F9463A}"/>
                   </a:ext>
                 </a:extLst>
               </p:cNvPr>
@@ -18896,21 +18896,21 @@
                     <a:gridCol w="2797019">
                       <a:extLst>
                         <a:ext uri="{9D8B030D-6E8A-4147-A177-3AD203B41FA5}">
-                          <a16:colId xmlns:a16="http://schemas.microsoft.com/office/drawing/2014/main" xmlns="" val="3024390906"/>
+                          <a16:colId xmlns="" xmlns:a16="http://schemas.microsoft.com/office/drawing/2014/main" val="3024390906"/>
                         </a:ext>
                       </a:extLst>
                     </a:gridCol>
                     <a:gridCol w="2797019">
                       <a:extLst>
                         <a:ext uri="{9D8B030D-6E8A-4147-A177-3AD203B41FA5}">
-                          <a16:colId xmlns:a16="http://schemas.microsoft.com/office/drawing/2014/main" xmlns="" val="1008988432"/>
+                          <a16:colId xmlns="" xmlns:a16="http://schemas.microsoft.com/office/drawing/2014/main" val="1008988432"/>
                         </a:ext>
                       </a:extLst>
                     </a:gridCol>
                     <a:gridCol w="2797019">
                       <a:extLst>
                         <a:ext uri="{9D8B030D-6E8A-4147-A177-3AD203B41FA5}">
-                          <a16:colId xmlns:a16="http://schemas.microsoft.com/office/drawing/2014/main" xmlns="" val="1590508002"/>
+                          <a16:colId xmlns="" xmlns:a16="http://schemas.microsoft.com/office/drawing/2014/main" val="1590508002"/>
                         </a:ext>
                       </a:extLst>
                     </a:gridCol>
@@ -18993,7 +18993,7 @@
                     </a:tc>
                     <a:extLst>
                       <a:ext uri="{0D108BD9-81ED-4DB2-BD59-A6C34878D82A}">
-                        <a16:rowId xmlns:a16="http://schemas.microsoft.com/office/drawing/2014/main" xmlns="" val="1718428707"/>
+                        <a16:rowId xmlns="" xmlns:a16="http://schemas.microsoft.com/office/drawing/2014/main" val="1718428707"/>
                       </a:ext>
                     </a:extLst>
                   </a:tr>
@@ -19046,7 +19046,7 @@
                     </a:tc>
                     <a:extLst>
                       <a:ext uri="{0D108BD9-81ED-4DB2-BD59-A6C34878D82A}">
-                        <a16:rowId xmlns:a16="http://schemas.microsoft.com/office/drawing/2014/main" xmlns="" val="4141137380"/>
+                        <a16:rowId xmlns="" xmlns:a16="http://schemas.microsoft.com/office/drawing/2014/main" val="4141137380"/>
                       </a:ext>
                     </a:extLst>
                   </a:tr>
@@ -19259,7 +19259,7 @@
           <p:cNvPr id="2" name="タイトル 1">
             <a:extLst>
               <a:ext uri="{FF2B5EF4-FFF2-40B4-BE49-F238E27FC236}">
-                <a16:creationId xmlns:a16="http://schemas.microsoft.com/office/drawing/2014/main" xmlns="" id="{0F3E9755-7D4C-E140-A34C-76DD3CC7C081}"/>
+                <a16:creationId xmlns="" xmlns:a16="http://schemas.microsoft.com/office/drawing/2014/main" id="{0F3E9755-7D4C-E140-A34C-76DD3CC7C081}"/>
               </a:ext>
             </a:extLst>
           </p:cNvPr>
@@ -19295,7 +19295,7 @@
           <p:cNvPr id="4" name="コンテンツ プレースホルダー 3">
             <a:extLst>
               <a:ext uri="{FF2B5EF4-FFF2-40B4-BE49-F238E27FC236}">
-                <a16:creationId xmlns:a16="http://schemas.microsoft.com/office/drawing/2014/main" xmlns="" id="{A43B9D2D-517B-CB46-A337-956322EC2B9A}"/>
+                <a16:creationId xmlns="" xmlns:a16="http://schemas.microsoft.com/office/drawing/2014/main" id="{A43B9D2D-517B-CB46-A337-956322EC2B9A}"/>
               </a:ext>
             </a:extLst>
           </p:cNvPr>
@@ -19325,35 +19325,35 @@
                 <a:gridCol w="1095807">
                   <a:extLst>
                     <a:ext uri="{9D8B030D-6E8A-4147-A177-3AD203B41FA5}">
-                      <a16:colId xmlns:a16="http://schemas.microsoft.com/office/drawing/2014/main" xmlns="" val="3767232075"/>
+                      <a16:colId xmlns="" xmlns:a16="http://schemas.microsoft.com/office/drawing/2014/main" val="3767232075"/>
                     </a:ext>
                   </a:extLst>
                 </a:gridCol>
                 <a:gridCol w="1316533">
                   <a:extLst>
                     <a:ext uri="{9D8B030D-6E8A-4147-A177-3AD203B41FA5}">
-                      <a16:colId xmlns:a16="http://schemas.microsoft.com/office/drawing/2014/main" xmlns="" val="3477330652"/>
+                      <a16:colId xmlns="" xmlns:a16="http://schemas.microsoft.com/office/drawing/2014/main" val="3477330652"/>
                     </a:ext>
                   </a:extLst>
                 </a:gridCol>
                 <a:gridCol w="1462711">
                   <a:extLst>
                     <a:ext uri="{9D8B030D-6E8A-4147-A177-3AD203B41FA5}">
-                      <a16:colId xmlns:a16="http://schemas.microsoft.com/office/drawing/2014/main" xmlns="" val="2984689672"/>
+                      <a16:colId xmlns="" xmlns:a16="http://schemas.microsoft.com/office/drawing/2014/main" val="2984689672"/>
                     </a:ext>
                   </a:extLst>
                 </a:gridCol>
                 <a:gridCol w="1920632">
                   <a:extLst>
                     <a:ext uri="{9D8B030D-6E8A-4147-A177-3AD203B41FA5}">
-                      <a16:colId xmlns:a16="http://schemas.microsoft.com/office/drawing/2014/main" xmlns="" val="608630972"/>
+                      <a16:colId xmlns="" xmlns:a16="http://schemas.microsoft.com/office/drawing/2014/main" val="608630972"/>
                     </a:ext>
                   </a:extLst>
                 </a:gridCol>
                 <a:gridCol w="1949824">
                   <a:extLst>
                     <a:ext uri="{9D8B030D-6E8A-4147-A177-3AD203B41FA5}">
-                      <a16:colId xmlns:a16="http://schemas.microsoft.com/office/drawing/2014/main" xmlns="" val="998590916"/>
+                      <a16:colId xmlns="" xmlns:a16="http://schemas.microsoft.com/office/drawing/2014/main" val="998590916"/>
                     </a:ext>
                   </a:extLst>
                 </a:gridCol>
@@ -19473,7 +19473,7 @@
                 </a:tc>
                 <a:extLst>
                   <a:ext uri="{0D108BD9-81ED-4DB2-BD59-A6C34878D82A}">
-                    <a16:rowId xmlns:a16="http://schemas.microsoft.com/office/drawing/2014/main" xmlns="" val="3982216832"/>
+                    <a16:rowId xmlns="" xmlns:a16="http://schemas.microsoft.com/office/drawing/2014/main" val="3982216832"/>
                   </a:ext>
                 </a:extLst>
               </a:tr>
@@ -19632,7 +19632,7 @@
                 </a:tc>
                 <a:extLst>
                   <a:ext uri="{0D108BD9-81ED-4DB2-BD59-A6C34878D82A}">
-                    <a16:rowId xmlns:a16="http://schemas.microsoft.com/office/drawing/2014/main" xmlns="" val="3667031896"/>
+                    <a16:rowId xmlns="" xmlns:a16="http://schemas.microsoft.com/office/drawing/2014/main" val="3667031896"/>
                   </a:ext>
                 </a:extLst>
               </a:tr>
@@ -19714,7 +19714,7 @@
                 </a:tc>
                 <a:extLst>
                   <a:ext uri="{0D108BD9-81ED-4DB2-BD59-A6C34878D82A}">
-                    <a16:rowId xmlns:a16="http://schemas.microsoft.com/office/drawing/2014/main" xmlns="" val="2690316513"/>
+                    <a16:rowId xmlns="" xmlns:a16="http://schemas.microsoft.com/office/drawing/2014/main" val="2690316513"/>
                   </a:ext>
                 </a:extLst>
               </a:tr>
@@ -19795,7 +19795,7 @@
                 </a:tc>
                 <a:extLst>
                   <a:ext uri="{0D108BD9-81ED-4DB2-BD59-A6C34878D82A}">
-                    <a16:rowId xmlns:a16="http://schemas.microsoft.com/office/drawing/2014/main" xmlns="" val="323683789"/>
+                    <a16:rowId xmlns="" xmlns:a16="http://schemas.microsoft.com/office/drawing/2014/main" val="323683789"/>
                   </a:ext>
                 </a:extLst>
               </a:tr>
@@ -19876,7 +19876,7 @@
                 </a:tc>
                 <a:extLst>
                   <a:ext uri="{0D108BD9-81ED-4DB2-BD59-A6C34878D82A}">
-                    <a16:rowId xmlns:a16="http://schemas.microsoft.com/office/drawing/2014/main" xmlns="" val="1536353699"/>
+                    <a16:rowId xmlns="" xmlns:a16="http://schemas.microsoft.com/office/drawing/2014/main" val="1536353699"/>
                   </a:ext>
                 </a:extLst>
               </a:tr>
@@ -19958,7 +19958,7 @@
                 </a:tc>
                 <a:extLst>
                   <a:ext uri="{0D108BD9-81ED-4DB2-BD59-A6C34878D82A}">
-                    <a16:rowId xmlns:a16="http://schemas.microsoft.com/office/drawing/2014/main" xmlns="" val="342577522"/>
+                    <a16:rowId xmlns="" xmlns:a16="http://schemas.microsoft.com/office/drawing/2014/main" val="342577522"/>
                   </a:ext>
                 </a:extLst>
               </a:tr>
@@ -19971,7 +19971,7 @@
           <p:cNvPr id="3" name="テキスト ボックス 2">
             <a:extLst>
               <a:ext uri="{FF2B5EF4-FFF2-40B4-BE49-F238E27FC236}">
-                <a16:creationId xmlns:a16="http://schemas.microsoft.com/office/drawing/2014/main" xmlns="" id="{19583C06-5B42-F94A-BDD1-F3031EDAE27F}"/>
+                <a16:creationId xmlns="" xmlns:a16="http://schemas.microsoft.com/office/drawing/2014/main" id="{19583C06-5B42-F94A-BDD1-F3031EDAE27F}"/>
               </a:ext>
             </a:extLst>
           </p:cNvPr>
@@ -20069,7 +20069,7 @@
           <p:cNvPr id="2" name="タイトル 1">
             <a:extLst>
               <a:ext uri="{FF2B5EF4-FFF2-40B4-BE49-F238E27FC236}">
-                <a16:creationId xmlns:a16="http://schemas.microsoft.com/office/drawing/2014/main" xmlns="" id="{67E01A06-7475-E541-961D-071D4242BA42}"/>
+                <a16:creationId xmlns="" xmlns:a16="http://schemas.microsoft.com/office/drawing/2014/main" id="{67E01A06-7475-E541-961D-071D4242BA42}"/>
               </a:ext>
             </a:extLst>
           </p:cNvPr>
@@ -20098,7 +20098,7 @@
           <p:cNvPr id="3" name="コンテンツ プレースホルダー 2">
             <a:extLst>
               <a:ext uri="{FF2B5EF4-FFF2-40B4-BE49-F238E27FC236}">
-                <a16:creationId xmlns:a16="http://schemas.microsoft.com/office/drawing/2014/main" xmlns="" id="{8FC75E83-6FCB-684F-BB17-BF63CBD11644}"/>
+                <a16:creationId xmlns="" xmlns:a16="http://schemas.microsoft.com/office/drawing/2014/main" id="{8FC75E83-6FCB-684F-BB17-BF63CBD11644}"/>
               </a:ext>
             </a:extLst>
           </p:cNvPr>
@@ -20184,7 +20184,7 @@
           <p:cNvPr id="2" name="タイトル 1">
             <a:extLst>
               <a:ext uri="{FF2B5EF4-FFF2-40B4-BE49-F238E27FC236}">
-                <a16:creationId xmlns:a16="http://schemas.microsoft.com/office/drawing/2014/main" xmlns="" id="{0F3E9755-7D4C-E140-A34C-76DD3CC7C081}"/>
+                <a16:creationId xmlns="" xmlns:a16="http://schemas.microsoft.com/office/drawing/2014/main" id="{0F3E9755-7D4C-E140-A34C-76DD3CC7C081}"/>
               </a:ext>
             </a:extLst>
           </p:cNvPr>
@@ -20220,7 +20220,7 @@
           <p:cNvPr id="4" name="コンテンツ プレースホルダー 3">
             <a:extLst>
               <a:ext uri="{FF2B5EF4-FFF2-40B4-BE49-F238E27FC236}">
-                <a16:creationId xmlns:a16="http://schemas.microsoft.com/office/drawing/2014/main" xmlns="" id="{A43B9D2D-517B-CB46-A337-956322EC2B9A}"/>
+                <a16:creationId xmlns="" xmlns:a16="http://schemas.microsoft.com/office/drawing/2014/main" id="{A43B9D2D-517B-CB46-A337-956322EC2B9A}"/>
               </a:ext>
             </a:extLst>
           </p:cNvPr>
@@ -20250,49 +20250,49 @@
                 <a:gridCol w="981635">
                   <a:extLst>
                     <a:ext uri="{9D8B030D-6E8A-4147-A177-3AD203B41FA5}">
-                      <a16:colId xmlns:a16="http://schemas.microsoft.com/office/drawing/2014/main" xmlns="" val="3767232075"/>
+                      <a16:colId xmlns="" xmlns:a16="http://schemas.microsoft.com/office/drawing/2014/main" val="3767232075"/>
                     </a:ext>
                   </a:extLst>
                 </a:gridCol>
                 <a:gridCol w="914399">
                   <a:extLst>
                     <a:ext uri="{9D8B030D-6E8A-4147-A177-3AD203B41FA5}">
-                      <a16:colId xmlns:a16="http://schemas.microsoft.com/office/drawing/2014/main" xmlns="" val="3477330652"/>
+                      <a16:colId xmlns="" xmlns:a16="http://schemas.microsoft.com/office/drawing/2014/main" val="3477330652"/>
                     </a:ext>
                   </a:extLst>
                 </a:gridCol>
                 <a:gridCol w="1156447">
                   <a:extLst>
                     <a:ext uri="{9D8B030D-6E8A-4147-A177-3AD203B41FA5}">
-                      <a16:colId xmlns:a16="http://schemas.microsoft.com/office/drawing/2014/main" xmlns="" val="2984689672"/>
+                      <a16:colId xmlns="" xmlns:a16="http://schemas.microsoft.com/office/drawing/2014/main" val="2984689672"/>
                     </a:ext>
                   </a:extLst>
                 </a:gridCol>
                 <a:gridCol w="1196788">
                   <a:extLst>
                     <a:ext uri="{9D8B030D-6E8A-4147-A177-3AD203B41FA5}">
-                      <a16:colId xmlns:a16="http://schemas.microsoft.com/office/drawing/2014/main" xmlns="" val="608630972"/>
+                      <a16:colId xmlns="" xmlns:a16="http://schemas.microsoft.com/office/drawing/2014/main" val="608630972"/>
                     </a:ext>
                   </a:extLst>
                 </a:gridCol>
                 <a:gridCol w="1775012">
                   <a:extLst>
                     <a:ext uri="{9D8B030D-6E8A-4147-A177-3AD203B41FA5}">
-                      <a16:colId xmlns:a16="http://schemas.microsoft.com/office/drawing/2014/main" xmlns="" val="998590916"/>
+                      <a16:colId xmlns="" xmlns:a16="http://schemas.microsoft.com/office/drawing/2014/main" val="998590916"/>
                     </a:ext>
                   </a:extLst>
                 </a:gridCol>
                 <a:gridCol w="1116107">
                   <a:extLst>
                     <a:ext uri="{9D8B030D-6E8A-4147-A177-3AD203B41FA5}">
-                      <a16:colId xmlns:a16="http://schemas.microsoft.com/office/drawing/2014/main" xmlns="" val="4087616215"/>
+                      <a16:colId xmlns="" xmlns:a16="http://schemas.microsoft.com/office/drawing/2014/main" val="4087616215"/>
                     </a:ext>
                   </a:extLst>
                 </a:gridCol>
                 <a:gridCol w="1842246">
                   <a:extLst>
                     <a:ext uri="{9D8B030D-6E8A-4147-A177-3AD203B41FA5}">
-                      <a16:colId xmlns:a16="http://schemas.microsoft.com/office/drawing/2014/main" xmlns="" val="1391133373"/>
+                      <a16:colId xmlns="" xmlns:a16="http://schemas.microsoft.com/office/drawing/2014/main" val="1391133373"/>
                     </a:ext>
                   </a:extLst>
                 </a:gridCol>
@@ -20446,7 +20446,7 @@
                 </a:tc>
                 <a:extLst>
                   <a:ext uri="{0D108BD9-81ED-4DB2-BD59-A6C34878D82A}">
-                    <a16:rowId xmlns:a16="http://schemas.microsoft.com/office/drawing/2014/main" xmlns="" val="3982216832"/>
+                    <a16:rowId xmlns="" xmlns:a16="http://schemas.microsoft.com/office/drawing/2014/main" val="3982216832"/>
                   </a:ext>
                 </a:extLst>
               </a:tr>
@@ -20680,7 +20680,7 @@
                 </a:tc>
                 <a:extLst>
                   <a:ext uri="{0D108BD9-81ED-4DB2-BD59-A6C34878D82A}">
-                    <a16:rowId xmlns:a16="http://schemas.microsoft.com/office/drawing/2014/main" xmlns="" val="3667031896"/>
+                    <a16:rowId xmlns="" xmlns:a16="http://schemas.microsoft.com/office/drawing/2014/main" val="3667031896"/>
                   </a:ext>
                 </a:extLst>
               </a:tr>
@@ -20792,7 +20792,7 @@
                 </a:tc>
                 <a:extLst>
                   <a:ext uri="{0D108BD9-81ED-4DB2-BD59-A6C34878D82A}">
-                    <a16:rowId xmlns:a16="http://schemas.microsoft.com/office/drawing/2014/main" xmlns="" val="2690316513"/>
+                    <a16:rowId xmlns="" xmlns:a16="http://schemas.microsoft.com/office/drawing/2014/main" val="2690316513"/>
                   </a:ext>
                 </a:extLst>
               </a:tr>
@@ -20904,7 +20904,7 @@
                 </a:tc>
                 <a:extLst>
                   <a:ext uri="{0D108BD9-81ED-4DB2-BD59-A6C34878D82A}">
-                    <a16:rowId xmlns:a16="http://schemas.microsoft.com/office/drawing/2014/main" xmlns="" val="323683789"/>
+                    <a16:rowId xmlns="" xmlns:a16="http://schemas.microsoft.com/office/drawing/2014/main" val="323683789"/>
                   </a:ext>
                 </a:extLst>
               </a:tr>
@@ -21016,7 +21016,7 @@
                 </a:tc>
                 <a:extLst>
                   <a:ext uri="{0D108BD9-81ED-4DB2-BD59-A6C34878D82A}">
-                    <a16:rowId xmlns:a16="http://schemas.microsoft.com/office/drawing/2014/main" xmlns="" val="1536353699"/>
+                    <a16:rowId xmlns="" xmlns:a16="http://schemas.microsoft.com/office/drawing/2014/main" val="1536353699"/>
                   </a:ext>
                 </a:extLst>
               </a:tr>
@@ -21128,7 +21128,7 @@
                 </a:tc>
                 <a:extLst>
                   <a:ext uri="{0D108BD9-81ED-4DB2-BD59-A6C34878D82A}">
-                    <a16:rowId xmlns:a16="http://schemas.microsoft.com/office/drawing/2014/main" xmlns="" val="342577522"/>
+                    <a16:rowId xmlns="" xmlns:a16="http://schemas.microsoft.com/office/drawing/2014/main" val="342577522"/>
                   </a:ext>
                 </a:extLst>
               </a:tr>
@@ -21171,7 +21171,7 @@
           <p:cNvPr id="2" name="タイトル 1">
             <a:extLst>
               <a:ext uri="{FF2B5EF4-FFF2-40B4-BE49-F238E27FC236}">
-                <a16:creationId xmlns:a16="http://schemas.microsoft.com/office/drawing/2014/main" xmlns="" id="{67E01A06-7475-E541-961D-071D4242BA42}"/>
+                <a16:creationId xmlns="" xmlns:a16="http://schemas.microsoft.com/office/drawing/2014/main" id="{67E01A06-7475-E541-961D-071D4242BA42}"/>
               </a:ext>
             </a:extLst>
           </p:cNvPr>
@@ -21200,7 +21200,7 @@
           <p:cNvPr id="3" name="コンテンツ プレースホルダー 2">
             <a:extLst>
               <a:ext uri="{FF2B5EF4-FFF2-40B4-BE49-F238E27FC236}">
-                <a16:creationId xmlns:a16="http://schemas.microsoft.com/office/drawing/2014/main" xmlns="" id="{8FC75E83-6FCB-684F-BB17-BF63CBD11644}"/>
+                <a16:creationId xmlns="" xmlns:a16="http://schemas.microsoft.com/office/drawing/2014/main" id="{8FC75E83-6FCB-684F-BB17-BF63CBD11644}"/>
               </a:ext>
             </a:extLst>
           </p:cNvPr>
@@ -21278,7 +21278,7 @@
           <p:cNvPr id="2" name="タイトル 1">
             <a:extLst>
               <a:ext uri="{FF2B5EF4-FFF2-40B4-BE49-F238E27FC236}">
-                <a16:creationId xmlns:a16="http://schemas.microsoft.com/office/drawing/2014/main" xmlns="" id="{FEEFE181-A7D0-7146-B49E-65AC407C9C2B}"/>
+                <a16:creationId xmlns="" xmlns:a16="http://schemas.microsoft.com/office/drawing/2014/main" id="{FEEFE181-A7D0-7146-B49E-65AC407C9C2B}"/>
               </a:ext>
             </a:extLst>
           </p:cNvPr>
@@ -21307,7 +21307,7 @@
           <p:cNvPr id="3" name="コンテンツ プレースホルダー 2">
             <a:extLst>
               <a:ext uri="{FF2B5EF4-FFF2-40B4-BE49-F238E27FC236}">
-                <a16:creationId xmlns:a16="http://schemas.microsoft.com/office/drawing/2014/main" xmlns="" id="{F34D1FFA-7F21-1B4A-B2CC-C1C3F36A6C10}"/>
+                <a16:creationId xmlns="" xmlns:a16="http://schemas.microsoft.com/office/drawing/2014/main" id="{F34D1FFA-7F21-1B4A-B2CC-C1C3F36A6C10}"/>
               </a:ext>
             </a:extLst>
           </p:cNvPr>
@@ -21409,7 +21409,7 @@
           <p:cNvPr id="2" name="タイトル 1">
             <a:extLst>
               <a:ext uri="{FF2B5EF4-FFF2-40B4-BE49-F238E27FC236}">
-                <a16:creationId xmlns:a16="http://schemas.microsoft.com/office/drawing/2014/main" xmlns="" id="{0F3E9755-7D4C-E140-A34C-76DD3CC7C081}"/>
+                <a16:creationId xmlns="" xmlns:a16="http://schemas.microsoft.com/office/drawing/2014/main" id="{0F3E9755-7D4C-E140-A34C-76DD3CC7C081}"/>
               </a:ext>
             </a:extLst>
           </p:cNvPr>
@@ -21438,7 +21438,7 @@
           <p:cNvPr id="4" name="コンテンツ プレースホルダー 3">
             <a:extLst>
               <a:ext uri="{FF2B5EF4-FFF2-40B4-BE49-F238E27FC236}">
-                <a16:creationId xmlns:a16="http://schemas.microsoft.com/office/drawing/2014/main" xmlns="" id="{A43B9D2D-517B-CB46-A337-956322EC2B9A}"/>
+                <a16:creationId xmlns="" xmlns:a16="http://schemas.microsoft.com/office/drawing/2014/main" id="{A43B9D2D-517B-CB46-A337-956322EC2B9A}"/>
               </a:ext>
             </a:extLst>
           </p:cNvPr>
@@ -21468,49 +21468,49 @@
                 <a:gridCol w="995659">
                   <a:extLst>
                     <a:ext uri="{9D8B030D-6E8A-4147-A177-3AD203B41FA5}">
-                      <a16:colId xmlns:a16="http://schemas.microsoft.com/office/drawing/2014/main" xmlns="" val="3767232075"/>
+                      <a16:colId xmlns="" xmlns:a16="http://schemas.microsoft.com/office/drawing/2014/main" val="3767232075"/>
                     </a:ext>
                   </a:extLst>
                 </a:gridCol>
                 <a:gridCol w="913824">
                   <a:extLst>
                     <a:ext uri="{9D8B030D-6E8A-4147-A177-3AD203B41FA5}">
-                      <a16:colId xmlns:a16="http://schemas.microsoft.com/office/drawing/2014/main" xmlns="" val="3477330652"/>
+                      <a16:colId xmlns="" xmlns:a16="http://schemas.microsoft.com/office/drawing/2014/main" val="3477330652"/>
                     </a:ext>
                   </a:extLst>
                 </a:gridCol>
                 <a:gridCol w="1156447">
                   <a:extLst>
                     <a:ext uri="{9D8B030D-6E8A-4147-A177-3AD203B41FA5}">
-                      <a16:colId xmlns:a16="http://schemas.microsoft.com/office/drawing/2014/main" xmlns="" val="2984689672"/>
+                      <a16:colId xmlns="" xmlns:a16="http://schemas.microsoft.com/office/drawing/2014/main" val="2984689672"/>
                     </a:ext>
                   </a:extLst>
                 </a:gridCol>
                 <a:gridCol w="1828800">
                   <a:extLst>
                     <a:ext uri="{9D8B030D-6E8A-4147-A177-3AD203B41FA5}">
-                      <a16:colId xmlns:a16="http://schemas.microsoft.com/office/drawing/2014/main" xmlns="" val="275792739"/>
+                      <a16:colId xmlns="" xmlns:a16="http://schemas.microsoft.com/office/drawing/2014/main" val="275792739"/>
                     </a:ext>
                   </a:extLst>
                 </a:gridCol>
                 <a:gridCol w="1371600">
                   <a:extLst>
                     <a:ext uri="{9D8B030D-6E8A-4147-A177-3AD203B41FA5}">
-                      <a16:colId xmlns:a16="http://schemas.microsoft.com/office/drawing/2014/main" xmlns="" val="2550383071"/>
+                      <a16:colId xmlns="" xmlns:a16="http://schemas.microsoft.com/office/drawing/2014/main" val="2550383071"/>
                     </a:ext>
                   </a:extLst>
                 </a:gridCol>
                 <a:gridCol w="1477679">
                   <a:extLst>
                     <a:ext uri="{9D8B030D-6E8A-4147-A177-3AD203B41FA5}">
-                      <a16:colId xmlns:a16="http://schemas.microsoft.com/office/drawing/2014/main" xmlns="" val="3694173054"/>
+                      <a16:colId xmlns="" xmlns:a16="http://schemas.microsoft.com/office/drawing/2014/main" val="3694173054"/>
                     </a:ext>
                   </a:extLst>
                 </a:gridCol>
                 <a:gridCol w="1783886">
                   <a:extLst>
                     <a:ext uri="{9D8B030D-6E8A-4147-A177-3AD203B41FA5}">
-                      <a16:colId xmlns:a16="http://schemas.microsoft.com/office/drawing/2014/main" xmlns="" val="608630972"/>
+                      <a16:colId xmlns="" xmlns:a16="http://schemas.microsoft.com/office/drawing/2014/main" val="608630972"/>
                     </a:ext>
                   </a:extLst>
                 </a:gridCol>
@@ -21631,7 +21631,7 @@
                 </a:tc>
                 <a:extLst>
                   <a:ext uri="{0D108BD9-81ED-4DB2-BD59-A6C34878D82A}">
-                    <a16:rowId xmlns:a16="http://schemas.microsoft.com/office/drawing/2014/main" xmlns="" val="3982216832"/>
+                    <a16:rowId xmlns="" xmlns:a16="http://schemas.microsoft.com/office/drawing/2014/main" val="3982216832"/>
                   </a:ext>
                 </a:extLst>
               </a:tr>
@@ -21859,7 +21859,7 @@
                 </a:tc>
                 <a:extLst>
                   <a:ext uri="{0D108BD9-81ED-4DB2-BD59-A6C34878D82A}">
-                    <a16:rowId xmlns:a16="http://schemas.microsoft.com/office/drawing/2014/main" xmlns="" val="3667031896"/>
+                    <a16:rowId xmlns="" xmlns:a16="http://schemas.microsoft.com/office/drawing/2014/main" val="3667031896"/>
                   </a:ext>
                 </a:extLst>
               </a:tr>
@@ -22006,7 +22006,7 @@
                 </a:tc>
                 <a:extLst>
                   <a:ext uri="{0D108BD9-81ED-4DB2-BD59-A6C34878D82A}">
-                    <a16:rowId xmlns:a16="http://schemas.microsoft.com/office/drawing/2014/main" xmlns="" val="2690316513"/>
+                    <a16:rowId xmlns="" xmlns:a16="http://schemas.microsoft.com/office/drawing/2014/main" val="2690316513"/>
                   </a:ext>
                 </a:extLst>
               </a:tr>
@@ -22117,7 +22117,7 @@
                 </a:tc>
                 <a:extLst>
                   <a:ext uri="{0D108BD9-81ED-4DB2-BD59-A6C34878D82A}">
-                    <a16:rowId xmlns:a16="http://schemas.microsoft.com/office/drawing/2014/main" xmlns="" val="323683789"/>
+                    <a16:rowId xmlns="" xmlns:a16="http://schemas.microsoft.com/office/drawing/2014/main" val="323683789"/>
                   </a:ext>
                 </a:extLst>
               </a:tr>
@@ -22228,7 +22228,7 @@
                 </a:tc>
                 <a:extLst>
                   <a:ext uri="{0D108BD9-81ED-4DB2-BD59-A6C34878D82A}">
-                    <a16:rowId xmlns:a16="http://schemas.microsoft.com/office/drawing/2014/main" xmlns="" val="1536353699"/>
+                    <a16:rowId xmlns="" xmlns:a16="http://schemas.microsoft.com/office/drawing/2014/main" val="1536353699"/>
                   </a:ext>
                 </a:extLst>
               </a:tr>
@@ -22340,7 +22340,7 @@
                 </a:tc>
                 <a:extLst>
                   <a:ext uri="{0D108BD9-81ED-4DB2-BD59-A6C34878D82A}">
-                    <a16:rowId xmlns:a16="http://schemas.microsoft.com/office/drawing/2014/main" xmlns="" val="342577522"/>
+                    <a16:rowId xmlns="" xmlns:a16="http://schemas.microsoft.com/office/drawing/2014/main" val="342577522"/>
                   </a:ext>
                 </a:extLst>
               </a:tr>
@@ -22451,7 +22451,7 @@
                 </a:tc>
                 <a:extLst>
                   <a:ext uri="{0D108BD9-81ED-4DB2-BD59-A6C34878D82A}">
-                    <a16:rowId xmlns:a16="http://schemas.microsoft.com/office/drawing/2014/main" xmlns="" val="44161025"/>
+                    <a16:rowId xmlns="" xmlns:a16="http://schemas.microsoft.com/office/drawing/2014/main" val="44161025"/>
                   </a:ext>
                 </a:extLst>
               </a:tr>
@@ -22562,7 +22562,7 @@
                 </a:tc>
                 <a:extLst>
                   <a:ext uri="{0D108BD9-81ED-4DB2-BD59-A6C34878D82A}">
-                    <a16:rowId xmlns:a16="http://schemas.microsoft.com/office/drawing/2014/main" xmlns="" val="458223093"/>
+                    <a16:rowId xmlns="" xmlns:a16="http://schemas.microsoft.com/office/drawing/2014/main" val="458223093"/>
                   </a:ext>
                 </a:extLst>
               </a:tr>
@@ -22605,7 +22605,7 @@
           <p:cNvPr id="2" name="タイトル 1">
             <a:extLst>
               <a:ext uri="{FF2B5EF4-FFF2-40B4-BE49-F238E27FC236}">
-                <a16:creationId xmlns:a16="http://schemas.microsoft.com/office/drawing/2014/main" xmlns="" id="{10C85110-0AEB-6C49-9AE3-DAAB21DFABB3}"/>
+                <a16:creationId xmlns="" xmlns:a16="http://schemas.microsoft.com/office/drawing/2014/main" id="{10C85110-0AEB-6C49-9AE3-DAAB21DFABB3}"/>
               </a:ext>
             </a:extLst>
           </p:cNvPr>
@@ -22634,7 +22634,7 @@
           <p:cNvPr id="3" name="コンテンツ プレースホルダー 2">
             <a:extLst>
               <a:ext uri="{FF2B5EF4-FFF2-40B4-BE49-F238E27FC236}">
-                <a16:creationId xmlns:a16="http://schemas.microsoft.com/office/drawing/2014/main" xmlns="" id="{48B29443-0E2E-9240-9158-A7C1DB7BC48D}"/>
+                <a16:creationId xmlns="" xmlns:a16="http://schemas.microsoft.com/office/drawing/2014/main" id="{48B29443-0E2E-9240-9158-A7C1DB7BC48D}"/>
               </a:ext>
             </a:extLst>
           </p:cNvPr>
@@ -22715,7 +22715,7 @@
           <p:cNvPr id="2" name="タイトル 1">
             <a:extLst>
               <a:ext uri="{FF2B5EF4-FFF2-40B4-BE49-F238E27FC236}">
-                <a16:creationId xmlns:a16="http://schemas.microsoft.com/office/drawing/2014/main" xmlns="" id="{370FBD2F-E2D0-2B45-A3D8-7BC3C939ED5E}"/>
+                <a16:creationId xmlns="" xmlns:a16="http://schemas.microsoft.com/office/drawing/2014/main" id="{370FBD2F-E2D0-2B45-A3D8-7BC3C939ED5E}"/>
               </a:ext>
             </a:extLst>
           </p:cNvPr>
@@ -22744,7 +22744,7 @@
           <p:cNvPr id="3" name="コンテンツ プレースホルダー 2">
             <a:extLst>
               <a:ext uri="{FF2B5EF4-FFF2-40B4-BE49-F238E27FC236}">
-                <a16:creationId xmlns:a16="http://schemas.microsoft.com/office/drawing/2014/main" xmlns="" id="{567B62A5-3CCB-054C-A1D2-7F4106A92FB8}"/>
+                <a16:creationId xmlns="" xmlns:a16="http://schemas.microsoft.com/office/drawing/2014/main" id="{567B62A5-3CCB-054C-A1D2-7F4106A92FB8}"/>
               </a:ext>
             </a:extLst>
           </p:cNvPr>
@@ -22819,7 +22819,7 @@
           <p:cNvPr id="2" name="タイトル 1">
             <a:extLst>
               <a:ext uri="{FF2B5EF4-FFF2-40B4-BE49-F238E27FC236}">
-                <a16:creationId xmlns:a16="http://schemas.microsoft.com/office/drawing/2014/main" xmlns="" id="{A210D3EE-828C-0448-AED8-512904B08C9B}"/>
+                <a16:creationId xmlns="" xmlns:a16="http://schemas.microsoft.com/office/drawing/2014/main" id="{A210D3EE-828C-0448-AED8-512904B08C9B}"/>
               </a:ext>
             </a:extLst>
           </p:cNvPr>
@@ -22850,7 +22850,7 @@
               <p:cNvPr id="3" name="コンテンツ プレースホルダー 2">
                 <a:extLst>
                   <a:ext uri="{FF2B5EF4-FFF2-40B4-BE49-F238E27FC236}">
-                    <a16:creationId xmlns:a16="http://schemas.microsoft.com/office/drawing/2014/main" xmlns="" id="{9661AA73-C708-ED45-A480-9189E4FCBD8F}"/>
+                    <a16:creationId xmlns="" xmlns:a16="http://schemas.microsoft.com/office/drawing/2014/main" id="{9661AA73-C708-ED45-A480-9189E4FCBD8F}"/>
                   </a:ext>
                 </a:extLst>
               </p:cNvPr>
@@ -23260,7 +23260,7 @@
           <p:cNvPr id="3" name="コンテンツ プレースホルダー 2">
             <a:extLst>
               <a:ext uri="{FF2B5EF4-FFF2-40B4-BE49-F238E27FC236}">
-                <a16:creationId xmlns:a16="http://schemas.microsoft.com/office/drawing/2014/main" xmlns="" id="{E1E4F098-294C-D141-AD53-3960C7CBF23B}"/>
+                <a16:creationId xmlns="" xmlns:a16="http://schemas.microsoft.com/office/drawing/2014/main" id="{E1E4F098-294C-D141-AD53-3960C7CBF23B}"/>
               </a:ext>
             </a:extLst>
           </p:cNvPr>
@@ -23301,7 +23301,7 @@
           <p:cNvPr id="5" name="図 4">
             <a:extLst>
               <a:ext uri="{FF2B5EF4-FFF2-40B4-BE49-F238E27FC236}">
-                <a16:creationId xmlns:a16="http://schemas.microsoft.com/office/drawing/2014/main" xmlns="" id="{2842823E-0742-3241-980F-487CA451AA47}"/>
+                <a16:creationId xmlns="" xmlns:a16="http://schemas.microsoft.com/office/drawing/2014/main" id="{2842823E-0742-3241-980F-487CA451AA47}"/>
               </a:ext>
             </a:extLst>
           </p:cNvPr>
@@ -23331,7 +23331,7 @@
           <p:cNvPr id="15" name="直線コネクタ 14">
             <a:extLst>
               <a:ext uri="{FF2B5EF4-FFF2-40B4-BE49-F238E27FC236}">
-                <a16:creationId xmlns:a16="http://schemas.microsoft.com/office/drawing/2014/main" xmlns="" id="{E8F2F112-ACAD-BE49-A2A3-3FFF01998D93}"/>
+                <a16:creationId xmlns="" xmlns:a16="http://schemas.microsoft.com/office/drawing/2014/main" id="{E8F2F112-ACAD-BE49-A2A3-3FFF01998D93}"/>
               </a:ext>
             </a:extLst>
           </p:cNvPr>
@@ -23367,7 +23367,7 @@
           <p:cNvPr id="11" name="直線コネクタ 10">
             <a:extLst>
               <a:ext uri="{FF2B5EF4-FFF2-40B4-BE49-F238E27FC236}">
-                <a16:creationId xmlns:a16="http://schemas.microsoft.com/office/drawing/2014/main" xmlns="" id="{833C8682-9FCC-E645-B37A-6BBCF98D2582}"/>
+                <a16:creationId xmlns="" xmlns:a16="http://schemas.microsoft.com/office/drawing/2014/main" id="{833C8682-9FCC-E645-B37A-6BBCF98D2582}"/>
               </a:ext>
             </a:extLst>
           </p:cNvPr>
@@ -23403,7 +23403,7 @@
           <p:cNvPr id="17" name="円/楕円 16">
             <a:extLst>
               <a:ext uri="{FF2B5EF4-FFF2-40B4-BE49-F238E27FC236}">
-                <a16:creationId xmlns:a16="http://schemas.microsoft.com/office/drawing/2014/main" xmlns="" id="{E45806FA-8321-B241-B338-5BD47E48E10D}"/>
+                <a16:creationId xmlns="" xmlns:a16="http://schemas.microsoft.com/office/drawing/2014/main" id="{E45806FA-8321-B241-B338-5BD47E48E10D}"/>
               </a:ext>
             </a:extLst>
           </p:cNvPr>
@@ -23447,7 +23447,7 @@
           <p:cNvPr id="6" name="正方形/長方形 5">
             <a:extLst>
               <a:ext uri="{FF2B5EF4-FFF2-40B4-BE49-F238E27FC236}">
-                <a16:creationId xmlns:a16="http://schemas.microsoft.com/office/drawing/2014/main" xmlns="" id="{B04F6E53-1041-C946-A46D-BEB0D0FCB64C}"/>
+                <a16:creationId xmlns="" xmlns:a16="http://schemas.microsoft.com/office/drawing/2014/main" id="{B04F6E53-1041-C946-A46D-BEB0D0FCB64C}"/>
               </a:ext>
             </a:extLst>
           </p:cNvPr>
@@ -23494,7 +23494,7 @@
           <p:cNvPr id="7" name="正方形/長方形 6">
             <a:extLst>
               <a:ext uri="{FF2B5EF4-FFF2-40B4-BE49-F238E27FC236}">
-                <a16:creationId xmlns:a16="http://schemas.microsoft.com/office/drawing/2014/main" xmlns="" id="{4870ED44-030D-0B47-B560-56379A93FB9E}"/>
+                <a16:creationId xmlns="" xmlns:a16="http://schemas.microsoft.com/office/drawing/2014/main" id="{4870ED44-030D-0B47-B560-56379A93FB9E}"/>
               </a:ext>
             </a:extLst>
           </p:cNvPr>
@@ -23541,7 +23541,7 @@
           <p:cNvPr id="8" name="正方形/長方形 7">
             <a:extLst>
               <a:ext uri="{FF2B5EF4-FFF2-40B4-BE49-F238E27FC236}">
-                <a16:creationId xmlns:a16="http://schemas.microsoft.com/office/drawing/2014/main" xmlns="" id="{F7261E6C-68B7-504E-8024-5A3EDDA5CC91}"/>
+                <a16:creationId xmlns="" xmlns:a16="http://schemas.microsoft.com/office/drawing/2014/main" id="{F7261E6C-68B7-504E-8024-5A3EDDA5CC91}"/>
               </a:ext>
             </a:extLst>
           </p:cNvPr>
@@ -23588,7 +23588,7 @@
           <p:cNvPr id="9" name="正方形/長方形 8">
             <a:extLst>
               <a:ext uri="{FF2B5EF4-FFF2-40B4-BE49-F238E27FC236}">
-                <a16:creationId xmlns:a16="http://schemas.microsoft.com/office/drawing/2014/main" xmlns="" id="{D73A65D0-0289-6544-BFCE-4E05EC166522}"/>
+                <a16:creationId xmlns="" xmlns:a16="http://schemas.microsoft.com/office/drawing/2014/main" id="{D73A65D0-0289-6544-BFCE-4E05EC166522}"/>
               </a:ext>
             </a:extLst>
           </p:cNvPr>
@@ -23635,7 +23635,7 @@
           <p:cNvPr id="2" name="タイトル 1">
             <a:extLst>
               <a:ext uri="{FF2B5EF4-FFF2-40B4-BE49-F238E27FC236}">
-                <a16:creationId xmlns:a16="http://schemas.microsoft.com/office/drawing/2014/main" xmlns="" id="{7A7A5F4A-71EE-C844-A93C-36C19AEF0EE9}"/>
+                <a16:creationId xmlns="" xmlns:a16="http://schemas.microsoft.com/office/drawing/2014/main" id="{7A7A5F4A-71EE-C844-A93C-36C19AEF0EE9}"/>
               </a:ext>
             </a:extLst>
           </p:cNvPr>
@@ -23699,7 +23699,7 @@
           <p:cNvPr id="2" name="タイトル 1">
             <a:extLst>
               <a:ext uri="{FF2B5EF4-FFF2-40B4-BE49-F238E27FC236}">
-                <a16:creationId xmlns:a16="http://schemas.microsoft.com/office/drawing/2014/main" xmlns="" id="{428DC558-CACC-AA43-9E2E-72DEF172B147}"/>
+                <a16:creationId xmlns="" xmlns:a16="http://schemas.microsoft.com/office/drawing/2014/main" id="{428DC558-CACC-AA43-9E2E-72DEF172B147}"/>
               </a:ext>
             </a:extLst>
           </p:cNvPr>
@@ -23728,7 +23728,7 @@
           <p:cNvPr id="3" name="コンテンツ プレースホルダー 2">
             <a:extLst>
               <a:ext uri="{FF2B5EF4-FFF2-40B4-BE49-F238E27FC236}">
-                <a16:creationId xmlns:a16="http://schemas.microsoft.com/office/drawing/2014/main" xmlns="" id="{4C597B6B-79E1-834B-8591-13C3C9CDF85F}"/>
+                <a16:creationId xmlns="" xmlns:a16="http://schemas.microsoft.com/office/drawing/2014/main" id="{4C597B6B-79E1-834B-8591-13C3C9CDF85F}"/>
               </a:ext>
             </a:extLst>
           </p:cNvPr>
@@ -23828,7 +23828,7 @@
           <p:cNvPr id="2" name="タイトル 1">
             <a:extLst>
               <a:ext uri="{FF2B5EF4-FFF2-40B4-BE49-F238E27FC236}">
-                <a16:creationId xmlns:a16="http://schemas.microsoft.com/office/drawing/2014/main" xmlns="" id="{79C819DB-CA5F-1C4C-8245-029E819E804E}"/>
+                <a16:creationId xmlns="" xmlns:a16="http://schemas.microsoft.com/office/drawing/2014/main" id="{79C819DB-CA5F-1C4C-8245-029E819E804E}"/>
               </a:ext>
             </a:extLst>
           </p:cNvPr>
@@ -23857,7 +23857,7 @@
           <p:cNvPr id="10" name="テキスト ボックス 9">
             <a:extLst>
               <a:ext uri="{FF2B5EF4-FFF2-40B4-BE49-F238E27FC236}">
-                <a16:creationId xmlns:a16="http://schemas.microsoft.com/office/drawing/2014/main" xmlns="" id="{743391E0-BE57-C049-938D-B0625D1799E0}"/>
+                <a16:creationId xmlns="" xmlns:a16="http://schemas.microsoft.com/office/drawing/2014/main" id="{743391E0-BE57-C049-938D-B0625D1799E0}"/>
               </a:ext>
             </a:extLst>
           </p:cNvPr>
@@ -23896,7 +23896,7 @@
           <p:cNvPr id="11" name="テキスト ボックス 10">
             <a:extLst>
               <a:ext uri="{FF2B5EF4-FFF2-40B4-BE49-F238E27FC236}">
-                <a16:creationId xmlns:a16="http://schemas.microsoft.com/office/drawing/2014/main" xmlns="" id="{C185AF17-63A4-E34E-B47F-4DEE1B5AD7E7}"/>
+                <a16:creationId xmlns="" xmlns:a16="http://schemas.microsoft.com/office/drawing/2014/main" id="{C185AF17-63A4-E34E-B47F-4DEE1B5AD7E7}"/>
               </a:ext>
             </a:extLst>
           </p:cNvPr>
@@ -23931,7 +23931,7 @@
           <p:cNvPr id="12" name="テキスト ボックス 11">
             <a:extLst>
               <a:ext uri="{FF2B5EF4-FFF2-40B4-BE49-F238E27FC236}">
-                <a16:creationId xmlns:a16="http://schemas.microsoft.com/office/drawing/2014/main" xmlns="" id="{58818B18-D07D-7647-9ED1-7DEE6F0EB59C}"/>
+                <a16:creationId xmlns="" xmlns:a16="http://schemas.microsoft.com/office/drawing/2014/main" id="{58818B18-D07D-7647-9ED1-7DEE6F0EB59C}"/>
               </a:ext>
             </a:extLst>
           </p:cNvPr>
@@ -23967,7 +23967,7 @@
           <p:cNvPr id="13" name="テキスト ボックス 12">
             <a:extLst>
               <a:ext uri="{FF2B5EF4-FFF2-40B4-BE49-F238E27FC236}">
-                <a16:creationId xmlns:a16="http://schemas.microsoft.com/office/drawing/2014/main" xmlns="" id="{BC6B1BD5-E990-2247-8F1A-78347BDCD511}"/>
+                <a16:creationId xmlns="" xmlns:a16="http://schemas.microsoft.com/office/drawing/2014/main" id="{BC6B1BD5-E990-2247-8F1A-78347BDCD511}"/>
               </a:ext>
             </a:extLst>
           </p:cNvPr>
@@ -24003,7 +24003,7 @@
           <p:cNvPr id="15" name="テキスト ボックス 14">
             <a:extLst>
               <a:ext uri="{FF2B5EF4-FFF2-40B4-BE49-F238E27FC236}">
-                <a16:creationId xmlns:a16="http://schemas.microsoft.com/office/drawing/2014/main" xmlns="" id="{B83063BE-4C59-B046-A1AE-DB1720BA0E9C}"/>
+                <a16:creationId xmlns="" xmlns:a16="http://schemas.microsoft.com/office/drawing/2014/main" id="{B83063BE-4C59-B046-A1AE-DB1720BA0E9C}"/>
               </a:ext>
             </a:extLst>
           </p:cNvPr>
@@ -24039,7 +24039,7 @@
           <p:cNvPr id="18" name="コンテンツ プレースホルダー 17">
             <a:extLst>
               <a:ext uri="{FF2B5EF4-FFF2-40B4-BE49-F238E27FC236}">
-                <a16:creationId xmlns:a16="http://schemas.microsoft.com/office/drawing/2014/main" xmlns="" id="{0F64DDE8-9602-9844-A5EA-FC32E28076F3}"/>
+                <a16:creationId xmlns="" xmlns:a16="http://schemas.microsoft.com/office/drawing/2014/main" id="{0F64DDE8-9602-9844-A5EA-FC32E28076F3}"/>
               </a:ext>
             </a:extLst>
           </p:cNvPr>
@@ -24069,35 +24069,35 @@
                 <a:gridCol w="613626">
                   <a:extLst>
                     <a:ext uri="{9D8B030D-6E8A-4147-A177-3AD203B41FA5}">
-                      <a16:colId xmlns:a16="http://schemas.microsoft.com/office/drawing/2014/main" xmlns="" val="2861360921"/>
+                      <a16:colId xmlns="" xmlns:a16="http://schemas.microsoft.com/office/drawing/2014/main" val="2861360921"/>
                     </a:ext>
                   </a:extLst>
                 </a:gridCol>
                 <a:gridCol w="613626">
                   <a:extLst>
                     <a:ext uri="{9D8B030D-6E8A-4147-A177-3AD203B41FA5}">
-                      <a16:colId xmlns:a16="http://schemas.microsoft.com/office/drawing/2014/main" xmlns="" val="2138114902"/>
+                      <a16:colId xmlns="" xmlns:a16="http://schemas.microsoft.com/office/drawing/2014/main" val="2138114902"/>
                     </a:ext>
                   </a:extLst>
                 </a:gridCol>
                 <a:gridCol w="613626">
                   <a:extLst>
                     <a:ext uri="{9D8B030D-6E8A-4147-A177-3AD203B41FA5}">
-                      <a16:colId xmlns:a16="http://schemas.microsoft.com/office/drawing/2014/main" xmlns="" val="3066803536"/>
+                      <a16:colId xmlns="" xmlns:a16="http://schemas.microsoft.com/office/drawing/2014/main" val="3066803536"/>
                     </a:ext>
                   </a:extLst>
                 </a:gridCol>
                 <a:gridCol w="613626">
                   <a:extLst>
                     <a:ext uri="{9D8B030D-6E8A-4147-A177-3AD203B41FA5}">
-                      <a16:colId xmlns:a16="http://schemas.microsoft.com/office/drawing/2014/main" xmlns="" val="2197929545"/>
+                      <a16:colId xmlns="" xmlns:a16="http://schemas.microsoft.com/office/drawing/2014/main" val="2197929545"/>
                     </a:ext>
                   </a:extLst>
                 </a:gridCol>
                 <a:gridCol w="613626">
                   <a:extLst>
                     <a:ext uri="{9D8B030D-6E8A-4147-A177-3AD203B41FA5}">
-                      <a16:colId xmlns:a16="http://schemas.microsoft.com/office/drawing/2014/main" xmlns="" val="2607632151"/>
+                      <a16:colId xmlns="" xmlns:a16="http://schemas.microsoft.com/office/drawing/2014/main" val="2607632151"/>
                     </a:ext>
                   </a:extLst>
                 </a:gridCol>
@@ -24176,7 +24176,7 @@
                 </a:tc>
                 <a:extLst>
                   <a:ext uri="{0D108BD9-81ED-4DB2-BD59-A6C34878D82A}">
-                    <a16:rowId xmlns:a16="http://schemas.microsoft.com/office/drawing/2014/main" xmlns="" val="2796551800"/>
+                    <a16:rowId xmlns="" xmlns:a16="http://schemas.microsoft.com/office/drawing/2014/main" val="2796551800"/>
                   </a:ext>
                 </a:extLst>
               </a:tr>
@@ -24258,7 +24258,7 @@
                 </a:tc>
                 <a:extLst>
                   <a:ext uri="{0D108BD9-81ED-4DB2-BD59-A6C34878D82A}">
-                    <a16:rowId xmlns:a16="http://schemas.microsoft.com/office/drawing/2014/main" xmlns="" val="1231181055"/>
+                    <a16:rowId xmlns="" xmlns:a16="http://schemas.microsoft.com/office/drawing/2014/main" val="1231181055"/>
                   </a:ext>
                 </a:extLst>
               </a:tr>
@@ -24340,7 +24340,7 @@
                 </a:tc>
                 <a:extLst>
                   <a:ext uri="{0D108BD9-81ED-4DB2-BD59-A6C34878D82A}">
-                    <a16:rowId xmlns:a16="http://schemas.microsoft.com/office/drawing/2014/main" xmlns="" val="3696458332"/>
+                    <a16:rowId xmlns="" xmlns:a16="http://schemas.microsoft.com/office/drawing/2014/main" val="3696458332"/>
                   </a:ext>
                 </a:extLst>
               </a:tr>
@@ -24422,7 +24422,7 @@
                 </a:tc>
                 <a:extLst>
                   <a:ext uri="{0D108BD9-81ED-4DB2-BD59-A6C34878D82A}">
-                    <a16:rowId xmlns:a16="http://schemas.microsoft.com/office/drawing/2014/main" xmlns="" val="3231955252"/>
+                    <a16:rowId xmlns="" xmlns:a16="http://schemas.microsoft.com/office/drawing/2014/main" val="3231955252"/>
                   </a:ext>
                 </a:extLst>
               </a:tr>
@@ -24435,7 +24435,7 @@
           <p:cNvPr id="20" name="コンテンツ プレースホルダー 17">
             <a:extLst>
               <a:ext uri="{FF2B5EF4-FFF2-40B4-BE49-F238E27FC236}">
-                <a16:creationId xmlns:a16="http://schemas.microsoft.com/office/drawing/2014/main" xmlns="" id="{930410A0-0F83-9741-BD33-6B3617EA3924}"/>
+                <a16:creationId xmlns="" xmlns:a16="http://schemas.microsoft.com/office/drawing/2014/main" id="{930410A0-0F83-9741-BD33-6B3617EA3924}"/>
               </a:ext>
             </a:extLst>
           </p:cNvPr>
@@ -24464,35 +24464,35 @@
                 <a:gridCol w="613626">
                   <a:extLst>
                     <a:ext uri="{9D8B030D-6E8A-4147-A177-3AD203B41FA5}">
-                      <a16:colId xmlns:a16="http://schemas.microsoft.com/office/drawing/2014/main" xmlns="" val="2861360921"/>
+                      <a16:colId xmlns="" xmlns:a16="http://schemas.microsoft.com/office/drawing/2014/main" val="2861360921"/>
                     </a:ext>
                   </a:extLst>
                 </a:gridCol>
                 <a:gridCol w="613626">
                   <a:extLst>
                     <a:ext uri="{9D8B030D-6E8A-4147-A177-3AD203B41FA5}">
-                      <a16:colId xmlns:a16="http://schemas.microsoft.com/office/drawing/2014/main" xmlns="" val="2138114902"/>
+                      <a16:colId xmlns="" xmlns:a16="http://schemas.microsoft.com/office/drawing/2014/main" val="2138114902"/>
                     </a:ext>
                   </a:extLst>
                 </a:gridCol>
                 <a:gridCol w="613626">
                   <a:extLst>
                     <a:ext uri="{9D8B030D-6E8A-4147-A177-3AD203B41FA5}">
-                      <a16:colId xmlns:a16="http://schemas.microsoft.com/office/drawing/2014/main" xmlns="" val="3066803536"/>
+                      <a16:colId xmlns="" xmlns:a16="http://schemas.microsoft.com/office/drawing/2014/main" val="3066803536"/>
                     </a:ext>
                   </a:extLst>
                 </a:gridCol>
                 <a:gridCol w="613626">
                   <a:extLst>
                     <a:ext uri="{9D8B030D-6E8A-4147-A177-3AD203B41FA5}">
-                      <a16:colId xmlns:a16="http://schemas.microsoft.com/office/drawing/2014/main" xmlns="" val="2197929545"/>
+                      <a16:colId xmlns="" xmlns:a16="http://schemas.microsoft.com/office/drawing/2014/main" val="2197929545"/>
                     </a:ext>
                   </a:extLst>
                 </a:gridCol>
                 <a:gridCol w="613626">
                   <a:extLst>
                     <a:ext uri="{9D8B030D-6E8A-4147-A177-3AD203B41FA5}">
-                      <a16:colId xmlns:a16="http://schemas.microsoft.com/office/drawing/2014/main" xmlns="" val="2607632151"/>
+                      <a16:colId xmlns="" xmlns:a16="http://schemas.microsoft.com/office/drawing/2014/main" val="2607632151"/>
                     </a:ext>
                   </a:extLst>
                 </a:gridCol>
@@ -24571,7 +24571,7 @@
                 </a:tc>
                 <a:extLst>
                   <a:ext uri="{0D108BD9-81ED-4DB2-BD59-A6C34878D82A}">
-                    <a16:rowId xmlns:a16="http://schemas.microsoft.com/office/drawing/2014/main" xmlns="" val="2796551800"/>
+                    <a16:rowId xmlns="" xmlns:a16="http://schemas.microsoft.com/office/drawing/2014/main" val="2796551800"/>
                   </a:ext>
                 </a:extLst>
               </a:tr>
@@ -24653,7 +24653,7 @@
                 </a:tc>
                 <a:extLst>
                   <a:ext uri="{0D108BD9-81ED-4DB2-BD59-A6C34878D82A}">
-                    <a16:rowId xmlns:a16="http://schemas.microsoft.com/office/drawing/2014/main" xmlns="" val="1231181055"/>
+                    <a16:rowId xmlns="" xmlns:a16="http://schemas.microsoft.com/office/drawing/2014/main" val="1231181055"/>
                   </a:ext>
                 </a:extLst>
               </a:tr>
@@ -24735,7 +24735,7 @@
                 </a:tc>
                 <a:extLst>
                   <a:ext uri="{0D108BD9-81ED-4DB2-BD59-A6C34878D82A}">
-                    <a16:rowId xmlns:a16="http://schemas.microsoft.com/office/drawing/2014/main" xmlns="" val="3696458332"/>
+                    <a16:rowId xmlns="" xmlns:a16="http://schemas.microsoft.com/office/drawing/2014/main" val="3696458332"/>
                   </a:ext>
                 </a:extLst>
               </a:tr>
@@ -24816,7 +24816,7 @@
                 </a:tc>
                 <a:extLst>
                   <a:ext uri="{0D108BD9-81ED-4DB2-BD59-A6C34878D82A}">
-                    <a16:rowId xmlns:a16="http://schemas.microsoft.com/office/drawing/2014/main" xmlns="" val="3231955252"/>
+                    <a16:rowId xmlns="" xmlns:a16="http://schemas.microsoft.com/office/drawing/2014/main" val="3231955252"/>
                   </a:ext>
                 </a:extLst>
               </a:tr>
@@ -24859,7 +24859,7 @@
           <p:cNvPr id="2" name="タイトル 1">
             <a:extLst>
               <a:ext uri="{FF2B5EF4-FFF2-40B4-BE49-F238E27FC236}">
-                <a16:creationId xmlns:a16="http://schemas.microsoft.com/office/drawing/2014/main" xmlns="" id="{A1D4FB34-9353-3D47-A3C3-5BAAAD8E679B}"/>
+                <a16:creationId xmlns="" xmlns:a16="http://schemas.microsoft.com/office/drawing/2014/main" id="{A1D4FB34-9353-3D47-A3C3-5BAAAD8E679B}"/>
               </a:ext>
             </a:extLst>
           </p:cNvPr>
@@ -24893,7 +24893,7 @@
           <p:cNvPr id="6" name="テキスト ボックス 5">
             <a:extLst>
               <a:ext uri="{FF2B5EF4-FFF2-40B4-BE49-F238E27FC236}">
-                <a16:creationId xmlns:a16="http://schemas.microsoft.com/office/drawing/2014/main" xmlns="" id="{96FA9E58-8A31-6945-9A86-6771FAF1115A}"/>
+                <a16:creationId xmlns="" xmlns:a16="http://schemas.microsoft.com/office/drawing/2014/main" id="{96FA9E58-8A31-6945-9A86-6771FAF1115A}"/>
               </a:ext>
             </a:extLst>
           </p:cNvPr>
@@ -24929,7 +24929,7 @@
           <p:cNvPr id="7" name="テキスト ボックス 6">
             <a:extLst>
               <a:ext uri="{FF2B5EF4-FFF2-40B4-BE49-F238E27FC236}">
-                <a16:creationId xmlns:a16="http://schemas.microsoft.com/office/drawing/2014/main" xmlns="" id="{B16F9624-3F60-CC44-B46C-CCE747839F4E}"/>
+                <a16:creationId xmlns="" xmlns:a16="http://schemas.microsoft.com/office/drawing/2014/main" id="{B16F9624-3F60-CC44-B46C-CCE747839F4E}"/>
               </a:ext>
             </a:extLst>
           </p:cNvPr>
@@ -24965,7 +24965,7 @@
           <p:cNvPr id="21" name="正方形/長方形 20">
             <a:extLst>
               <a:ext uri="{FF2B5EF4-FFF2-40B4-BE49-F238E27FC236}">
-                <a16:creationId xmlns:a16="http://schemas.microsoft.com/office/drawing/2014/main" xmlns="" id="{2AF99C55-C669-614C-949B-56FEE5BFBAE3}"/>
+                <a16:creationId xmlns="" xmlns:a16="http://schemas.microsoft.com/office/drawing/2014/main" id="{2AF99C55-C669-614C-949B-56FEE5BFBAE3}"/>
               </a:ext>
             </a:extLst>
           </p:cNvPr>
@@ -25011,7 +25011,7 @@
               <p:cNvPr id="10" name="表 9">
                 <a:extLst>
                   <a:ext uri="{FF2B5EF4-FFF2-40B4-BE49-F238E27FC236}">
-                    <a16:creationId xmlns:a16="http://schemas.microsoft.com/office/drawing/2014/main" xmlns="" id="{0831298D-84D4-0D4A-84DC-4830BAAA8344}"/>
+                    <a16:creationId xmlns="" xmlns:a16="http://schemas.microsoft.com/office/drawing/2014/main" id="{0831298D-84D4-0D4A-84DC-4830BAAA8344}"/>
                   </a:ext>
                 </a:extLst>
               </p:cNvPr>
@@ -25040,7 +25040,7 @@
                     <a:gridCol w="1074910">
                       <a:extLst>
                         <a:ext uri="{9D8B030D-6E8A-4147-A177-3AD203B41FA5}">
-                          <a16:colId xmlns:a16="http://schemas.microsoft.com/office/drawing/2014/main" xmlns="" val="3385810268"/>
+                          <a16:colId xmlns="" xmlns:a16="http://schemas.microsoft.com/office/drawing/2014/main" val="3385810268"/>
                         </a:ext>
                       </a:extLst>
                     </a:gridCol>
@@ -25140,7 +25140,7 @@
                     </a:tc>
                     <a:extLst>
                       <a:ext uri="{0D108BD9-81ED-4DB2-BD59-A6C34878D82A}">
-                        <a16:rowId xmlns:a16="http://schemas.microsoft.com/office/drawing/2014/main" xmlns="" val="3965556401"/>
+                        <a16:rowId xmlns="" xmlns:a16="http://schemas.microsoft.com/office/drawing/2014/main" val="3965556401"/>
                       </a:ext>
                     </a:extLst>
                   </a:tr>
@@ -25162,7 +25162,7 @@
                     </a:tc>
                     <a:extLst>
                       <a:ext uri="{0D108BD9-81ED-4DB2-BD59-A6C34878D82A}">
-                        <a16:rowId xmlns:a16="http://schemas.microsoft.com/office/drawing/2014/main" xmlns="" val="2497406869"/>
+                        <a16:rowId xmlns="" xmlns:a16="http://schemas.microsoft.com/office/drawing/2014/main" val="2497406869"/>
                       </a:ext>
                     </a:extLst>
                   </a:tr>
@@ -25184,7 +25184,7 @@
                     </a:tc>
                     <a:extLst>
                       <a:ext uri="{0D108BD9-81ED-4DB2-BD59-A6C34878D82A}">
-                        <a16:rowId xmlns:a16="http://schemas.microsoft.com/office/drawing/2014/main" xmlns="" val="728874131"/>
+                        <a16:rowId xmlns="" xmlns:a16="http://schemas.microsoft.com/office/drawing/2014/main" val="728874131"/>
                       </a:ext>
                     </a:extLst>
                   </a:tr>
@@ -25206,7 +25206,7 @@
                     </a:tc>
                     <a:extLst>
                       <a:ext uri="{0D108BD9-81ED-4DB2-BD59-A6C34878D82A}">
-                        <a16:rowId xmlns:a16="http://schemas.microsoft.com/office/drawing/2014/main" xmlns="" val="4031394708"/>
+                        <a16:rowId xmlns="" xmlns:a16="http://schemas.microsoft.com/office/drawing/2014/main" val="4031394708"/>
                       </a:ext>
                     </a:extLst>
                   </a:tr>
@@ -25356,7 +25356,7 @@
           <p:cNvPr id="14" name="コンテンツ プレースホルダー 17">
             <a:extLst>
               <a:ext uri="{FF2B5EF4-FFF2-40B4-BE49-F238E27FC236}">
-                <a16:creationId xmlns:a16="http://schemas.microsoft.com/office/drawing/2014/main" xmlns="" id="{1828899B-FEB2-B347-8455-66EBCEE0E5B7}"/>
+                <a16:creationId xmlns="" xmlns:a16="http://schemas.microsoft.com/office/drawing/2014/main" id="{1828899B-FEB2-B347-8455-66EBCEE0E5B7}"/>
               </a:ext>
             </a:extLst>
           </p:cNvPr>
@@ -25385,35 +25385,35 @@
                 <a:gridCol w="613626">
                   <a:extLst>
                     <a:ext uri="{9D8B030D-6E8A-4147-A177-3AD203B41FA5}">
-                      <a16:colId xmlns:a16="http://schemas.microsoft.com/office/drawing/2014/main" xmlns="" val="2861360921"/>
+                      <a16:colId xmlns="" xmlns:a16="http://schemas.microsoft.com/office/drawing/2014/main" val="2861360921"/>
                     </a:ext>
                   </a:extLst>
                 </a:gridCol>
                 <a:gridCol w="613626">
                   <a:extLst>
                     <a:ext uri="{9D8B030D-6E8A-4147-A177-3AD203B41FA5}">
-                      <a16:colId xmlns:a16="http://schemas.microsoft.com/office/drawing/2014/main" xmlns="" val="2138114902"/>
+                      <a16:colId xmlns="" xmlns:a16="http://schemas.microsoft.com/office/drawing/2014/main" val="2138114902"/>
                     </a:ext>
                   </a:extLst>
                 </a:gridCol>
                 <a:gridCol w="613626">
                   <a:extLst>
                     <a:ext uri="{9D8B030D-6E8A-4147-A177-3AD203B41FA5}">
-                      <a16:colId xmlns:a16="http://schemas.microsoft.com/office/drawing/2014/main" xmlns="" val="3066803536"/>
+                      <a16:colId xmlns="" xmlns:a16="http://schemas.microsoft.com/office/drawing/2014/main" val="3066803536"/>
                     </a:ext>
                   </a:extLst>
                 </a:gridCol>
                 <a:gridCol w="613626">
                   <a:extLst>
                     <a:ext uri="{9D8B030D-6E8A-4147-A177-3AD203B41FA5}">
-                      <a16:colId xmlns:a16="http://schemas.microsoft.com/office/drawing/2014/main" xmlns="" val="2197929545"/>
+                      <a16:colId xmlns="" xmlns:a16="http://schemas.microsoft.com/office/drawing/2014/main" val="2197929545"/>
                     </a:ext>
                   </a:extLst>
                 </a:gridCol>
                 <a:gridCol w="613626">
                   <a:extLst>
                     <a:ext uri="{9D8B030D-6E8A-4147-A177-3AD203B41FA5}">
-                      <a16:colId xmlns:a16="http://schemas.microsoft.com/office/drawing/2014/main" xmlns="" val="2607632151"/>
+                      <a16:colId xmlns="" xmlns:a16="http://schemas.microsoft.com/office/drawing/2014/main" val="2607632151"/>
                     </a:ext>
                   </a:extLst>
                 </a:gridCol>
@@ -25492,7 +25492,7 @@
                 </a:tc>
                 <a:extLst>
                   <a:ext uri="{0D108BD9-81ED-4DB2-BD59-A6C34878D82A}">
-                    <a16:rowId xmlns:a16="http://schemas.microsoft.com/office/drawing/2014/main" xmlns="" val="2796551800"/>
+                    <a16:rowId xmlns="" xmlns:a16="http://schemas.microsoft.com/office/drawing/2014/main" val="2796551800"/>
                   </a:ext>
                 </a:extLst>
               </a:tr>
@@ -25574,7 +25574,7 @@
                 </a:tc>
                 <a:extLst>
                   <a:ext uri="{0D108BD9-81ED-4DB2-BD59-A6C34878D82A}">
-                    <a16:rowId xmlns:a16="http://schemas.microsoft.com/office/drawing/2014/main" xmlns="" val="1231181055"/>
+                    <a16:rowId xmlns="" xmlns:a16="http://schemas.microsoft.com/office/drawing/2014/main" val="1231181055"/>
                   </a:ext>
                 </a:extLst>
               </a:tr>
@@ -25656,7 +25656,7 @@
                 </a:tc>
                 <a:extLst>
                   <a:ext uri="{0D108BD9-81ED-4DB2-BD59-A6C34878D82A}">
-                    <a16:rowId xmlns:a16="http://schemas.microsoft.com/office/drawing/2014/main" xmlns="" val="3696458332"/>
+                    <a16:rowId xmlns="" xmlns:a16="http://schemas.microsoft.com/office/drawing/2014/main" val="3696458332"/>
                   </a:ext>
                 </a:extLst>
               </a:tr>
@@ -25737,7 +25737,7 @@
                 </a:tc>
                 <a:extLst>
                   <a:ext uri="{0D108BD9-81ED-4DB2-BD59-A6C34878D82A}">
-                    <a16:rowId xmlns:a16="http://schemas.microsoft.com/office/drawing/2014/main" xmlns="" val="3231955252"/>
+                    <a16:rowId xmlns="" xmlns:a16="http://schemas.microsoft.com/office/drawing/2014/main" val="3231955252"/>
                   </a:ext>
                 </a:extLst>
               </a:tr>
@@ -25750,7 +25750,7 @@
           <p:cNvPr id="17" name="コンテンツ プレースホルダー 17">
             <a:extLst>
               <a:ext uri="{FF2B5EF4-FFF2-40B4-BE49-F238E27FC236}">
-                <a16:creationId xmlns:a16="http://schemas.microsoft.com/office/drawing/2014/main" xmlns="" id="{C2B485E8-B539-F242-9463-98EE124FD259}"/>
+                <a16:creationId xmlns="" xmlns:a16="http://schemas.microsoft.com/office/drawing/2014/main" id="{C2B485E8-B539-F242-9463-98EE124FD259}"/>
               </a:ext>
             </a:extLst>
           </p:cNvPr>
@@ -25779,35 +25779,35 @@
                 <a:gridCol w="613626">
                   <a:extLst>
                     <a:ext uri="{9D8B030D-6E8A-4147-A177-3AD203B41FA5}">
-                      <a16:colId xmlns:a16="http://schemas.microsoft.com/office/drawing/2014/main" xmlns="" val="2861360921"/>
+                      <a16:colId xmlns="" xmlns:a16="http://schemas.microsoft.com/office/drawing/2014/main" val="2861360921"/>
                     </a:ext>
                   </a:extLst>
                 </a:gridCol>
                 <a:gridCol w="613626">
                   <a:extLst>
                     <a:ext uri="{9D8B030D-6E8A-4147-A177-3AD203B41FA5}">
-                      <a16:colId xmlns:a16="http://schemas.microsoft.com/office/drawing/2014/main" xmlns="" val="2138114902"/>
+                      <a16:colId xmlns="" xmlns:a16="http://schemas.microsoft.com/office/drawing/2014/main" val="2138114902"/>
                     </a:ext>
                   </a:extLst>
                 </a:gridCol>
                 <a:gridCol w="613626">
                   <a:extLst>
                     <a:ext uri="{9D8B030D-6E8A-4147-A177-3AD203B41FA5}">
-                      <a16:colId xmlns:a16="http://schemas.microsoft.com/office/drawing/2014/main" xmlns="" val="3066803536"/>
+                      <a16:colId xmlns="" xmlns:a16="http://schemas.microsoft.com/office/drawing/2014/main" val="3066803536"/>
                     </a:ext>
                   </a:extLst>
                 </a:gridCol>
                 <a:gridCol w="613626">
                   <a:extLst>
                     <a:ext uri="{9D8B030D-6E8A-4147-A177-3AD203B41FA5}">
-                      <a16:colId xmlns:a16="http://schemas.microsoft.com/office/drawing/2014/main" xmlns="" val="2197929545"/>
+                      <a16:colId xmlns="" xmlns:a16="http://schemas.microsoft.com/office/drawing/2014/main" val="2197929545"/>
                     </a:ext>
                   </a:extLst>
                 </a:gridCol>
                 <a:gridCol w="613626">
                   <a:extLst>
                     <a:ext uri="{9D8B030D-6E8A-4147-A177-3AD203B41FA5}">
-                      <a16:colId xmlns:a16="http://schemas.microsoft.com/office/drawing/2014/main" xmlns="" val="2607632151"/>
+                      <a16:colId xmlns="" xmlns:a16="http://schemas.microsoft.com/office/drawing/2014/main" val="2607632151"/>
                     </a:ext>
                   </a:extLst>
                 </a:gridCol>
@@ -25886,7 +25886,7 @@
                 </a:tc>
                 <a:extLst>
                   <a:ext uri="{0D108BD9-81ED-4DB2-BD59-A6C34878D82A}">
-                    <a16:rowId xmlns:a16="http://schemas.microsoft.com/office/drawing/2014/main" xmlns="" val="2796551800"/>
+                    <a16:rowId xmlns="" xmlns:a16="http://schemas.microsoft.com/office/drawing/2014/main" val="2796551800"/>
                   </a:ext>
                 </a:extLst>
               </a:tr>
@@ -25968,7 +25968,7 @@
                 </a:tc>
                 <a:extLst>
                   <a:ext uri="{0D108BD9-81ED-4DB2-BD59-A6C34878D82A}">
-                    <a16:rowId xmlns:a16="http://schemas.microsoft.com/office/drawing/2014/main" xmlns="" val="1231181055"/>
+                    <a16:rowId xmlns="" xmlns:a16="http://schemas.microsoft.com/office/drawing/2014/main" val="1231181055"/>
                   </a:ext>
                 </a:extLst>
               </a:tr>
@@ -26050,7 +26050,7 @@
                 </a:tc>
                 <a:extLst>
                   <a:ext uri="{0D108BD9-81ED-4DB2-BD59-A6C34878D82A}">
-                    <a16:rowId xmlns:a16="http://schemas.microsoft.com/office/drawing/2014/main" xmlns="" val="3696458332"/>
+                    <a16:rowId xmlns="" xmlns:a16="http://schemas.microsoft.com/office/drawing/2014/main" val="3696458332"/>
                   </a:ext>
                 </a:extLst>
               </a:tr>
@@ -26131,7 +26131,7 @@
                 </a:tc>
                 <a:extLst>
                   <a:ext uri="{0D108BD9-81ED-4DB2-BD59-A6C34878D82A}">
-                    <a16:rowId xmlns:a16="http://schemas.microsoft.com/office/drawing/2014/main" xmlns="" val="3231955252"/>
+                    <a16:rowId xmlns="" xmlns:a16="http://schemas.microsoft.com/office/drawing/2014/main" val="3231955252"/>
                   </a:ext>
                 </a:extLst>
               </a:tr>
@@ -26144,7 +26144,7 @@
           <p:cNvPr id="18" name="テキスト ボックス 17">
             <a:extLst>
               <a:ext uri="{FF2B5EF4-FFF2-40B4-BE49-F238E27FC236}">
-                <a16:creationId xmlns:a16="http://schemas.microsoft.com/office/drawing/2014/main" xmlns="" id="{F5B84D0B-B263-FD49-98A5-13EF2CBF6EA3}"/>
+                <a16:creationId xmlns="" xmlns:a16="http://schemas.microsoft.com/office/drawing/2014/main" id="{F5B84D0B-B263-FD49-98A5-13EF2CBF6EA3}"/>
               </a:ext>
             </a:extLst>
           </p:cNvPr>
@@ -26180,7 +26180,7 @@
           <p:cNvPr id="27" name="直線コネクタ 26">
             <a:extLst>
               <a:ext uri="{FF2B5EF4-FFF2-40B4-BE49-F238E27FC236}">
-                <a16:creationId xmlns:a16="http://schemas.microsoft.com/office/drawing/2014/main" xmlns="" id="{9C53EE11-F5E4-F443-83A8-868A194A2EDF}"/>
+                <a16:creationId xmlns="" xmlns:a16="http://schemas.microsoft.com/office/drawing/2014/main" id="{9C53EE11-F5E4-F443-83A8-868A194A2EDF}"/>
               </a:ext>
             </a:extLst>
           </p:cNvPr>
@@ -26216,7 +26216,7 @@
           <p:cNvPr id="29" name="直線矢印コネクタ 28">
             <a:extLst>
               <a:ext uri="{FF2B5EF4-FFF2-40B4-BE49-F238E27FC236}">
-                <a16:creationId xmlns:a16="http://schemas.microsoft.com/office/drawing/2014/main" xmlns="" id="{13319179-2C5D-9047-AE87-F6F617D5F245}"/>
+                <a16:creationId xmlns="" xmlns:a16="http://schemas.microsoft.com/office/drawing/2014/main" id="{13319179-2C5D-9047-AE87-F6F617D5F245}"/>
               </a:ext>
             </a:extLst>
           </p:cNvPr>
@@ -26257,7 +26257,7 @@
           <p:cNvPr id="30" name="テキスト ボックス 29">
             <a:extLst>
               <a:ext uri="{FF2B5EF4-FFF2-40B4-BE49-F238E27FC236}">
-                <a16:creationId xmlns:a16="http://schemas.microsoft.com/office/drawing/2014/main" xmlns="" id="{6D250106-02A4-5C4E-A11D-77C8A044E85E}"/>
+                <a16:creationId xmlns="" xmlns:a16="http://schemas.microsoft.com/office/drawing/2014/main" id="{6D250106-02A4-5C4E-A11D-77C8A044E85E}"/>
               </a:ext>
             </a:extLst>
           </p:cNvPr>
@@ -26295,7 +26295,7 @@
               <p:cNvPr id="31" name="テキスト ボックス 30">
                 <a:extLst>
                   <a:ext uri="{FF2B5EF4-FFF2-40B4-BE49-F238E27FC236}">
-                    <a16:creationId xmlns:a16="http://schemas.microsoft.com/office/drawing/2014/main" xmlns="" id="{87DBBABE-99FF-4740-9B6C-7DAA8D2E7AA1}"/>
+                    <a16:creationId xmlns="" xmlns:a16="http://schemas.microsoft.com/office/drawing/2014/main" id="{87DBBABE-99FF-4740-9B6C-7DAA8D2E7AA1}"/>
                   </a:ext>
                 </a:extLst>
               </p:cNvPr>
@@ -26466,7 +26466,7 @@
           <p:cNvPr id="2" name="タイトル 1">
             <a:extLst>
               <a:ext uri="{FF2B5EF4-FFF2-40B4-BE49-F238E27FC236}">
-                <a16:creationId xmlns:a16="http://schemas.microsoft.com/office/drawing/2014/main" xmlns="" id="{0F3E9755-7D4C-E140-A34C-76DD3CC7C081}"/>
+                <a16:creationId xmlns="" xmlns:a16="http://schemas.microsoft.com/office/drawing/2014/main" id="{0F3E9755-7D4C-E140-A34C-76DD3CC7C081}"/>
               </a:ext>
             </a:extLst>
           </p:cNvPr>
@@ -26504,7 +26504,7 @@
           <p:cNvPr id="4" name="コンテンツ プレースホルダー 3">
             <a:extLst>
               <a:ext uri="{FF2B5EF4-FFF2-40B4-BE49-F238E27FC236}">
-                <a16:creationId xmlns:a16="http://schemas.microsoft.com/office/drawing/2014/main" xmlns="" id="{A43B9D2D-517B-CB46-A337-956322EC2B9A}"/>
+                <a16:creationId xmlns="" xmlns:a16="http://schemas.microsoft.com/office/drawing/2014/main" id="{A43B9D2D-517B-CB46-A337-956322EC2B9A}"/>
               </a:ext>
             </a:extLst>
           </p:cNvPr>
@@ -26515,7 +26515,7 @@
             <p:ph idx="1"/>
             <p:extLst>
               <p:ext uri="{D42A27DB-BD31-4B8C-83A1-F6EECF244321}">
-                <p14:modId xmlns:p14="http://schemas.microsoft.com/office/powerpoint/2010/main" val="1448839975"/>
+                <p14:modId xmlns:p14="http://schemas.microsoft.com/office/powerpoint/2010/main" val="1296050021"/>
               </p:ext>
             </p:extLst>
           </p:nvPr>
@@ -26534,28 +26534,28 @@
                 <a:gridCol w="1304365">
                   <a:extLst>
                     <a:ext uri="{9D8B030D-6E8A-4147-A177-3AD203B41FA5}">
-                      <a16:colId xmlns:a16="http://schemas.microsoft.com/office/drawing/2014/main" xmlns="" val="3767232075"/>
+                      <a16:colId xmlns="" xmlns:a16="http://schemas.microsoft.com/office/drawing/2014/main" val="3767232075"/>
                     </a:ext>
                   </a:extLst>
                 </a:gridCol>
                 <a:gridCol w="1143000">
                   <a:extLst>
                     <a:ext uri="{9D8B030D-6E8A-4147-A177-3AD203B41FA5}">
-                      <a16:colId xmlns:a16="http://schemas.microsoft.com/office/drawing/2014/main" xmlns="" val="3477330652"/>
+                      <a16:colId xmlns="" xmlns:a16="http://schemas.microsoft.com/office/drawing/2014/main" val="3477330652"/>
                     </a:ext>
                   </a:extLst>
                 </a:gridCol>
                 <a:gridCol w="1264024">
                   <a:extLst>
                     <a:ext uri="{9D8B030D-6E8A-4147-A177-3AD203B41FA5}">
-                      <a16:colId xmlns:a16="http://schemas.microsoft.com/office/drawing/2014/main" xmlns="" val="2984689672"/>
+                      <a16:colId xmlns="" xmlns:a16="http://schemas.microsoft.com/office/drawing/2014/main" val="2984689672"/>
                     </a:ext>
                   </a:extLst>
                 </a:gridCol>
                 <a:gridCol w="2595281">
                   <a:extLst>
                     <a:ext uri="{9D8B030D-6E8A-4147-A177-3AD203B41FA5}">
-                      <a16:colId xmlns:a16="http://schemas.microsoft.com/office/drawing/2014/main" xmlns="" val="275792739"/>
+                      <a16:colId xmlns="" xmlns:a16="http://schemas.microsoft.com/office/drawing/2014/main" val="275792739"/>
                     </a:ext>
                   </a:extLst>
                 </a:gridCol>
@@ -26653,7 +26653,7 @@
                 </a:tc>
                 <a:extLst>
                   <a:ext uri="{0D108BD9-81ED-4DB2-BD59-A6C34878D82A}">
-                    <a16:rowId xmlns:a16="http://schemas.microsoft.com/office/drawing/2014/main" xmlns="" val="3667031896"/>
+                    <a16:rowId xmlns="" xmlns:a16="http://schemas.microsoft.com/office/drawing/2014/main" val="3667031896"/>
                   </a:ext>
                 </a:extLst>
               </a:tr>
@@ -26711,7 +26711,7 @@
                       <a:pPr algn="ctr"/>
                       <a:r>
                         <a:rPr kumimoji="1" lang="en-US" altLang="ja-JP" sz="2000" dirty="0" smtClean="0"/>
-                        <a:t>0.00</a:t>
+                        <a:t>0.19</a:t>
                       </a:r>
                       <a:endParaRPr kumimoji="1" lang="ja-JP" altLang="en-US" sz="2000" dirty="0"/>
                     </a:p>
@@ -26720,7 +26720,7 @@
                 </a:tc>
                 <a:extLst>
                   <a:ext uri="{0D108BD9-81ED-4DB2-BD59-A6C34878D82A}">
-                    <a16:rowId xmlns:a16="http://schemas.microsoft.com/office/drawing/2014/main" xmlns="" val="2690316513"/>
+                    <a16:rowId xmlns="" xmlns:a16="http://schemas.microsoft.com/office/drawing/2014/main" val="2690316513"/>
                   </a:ext>
                 </a:extLst>
               </a:tr>
@@ -26777,7 +26777,7 @@
                       <a:pPr algn="ctr"/>
                       <a:r>
                         <a:rPr kumimoji="1" lang="en-US" altLang="ja-JP" sz="2000" dirty="0" smtClean="0"/>
-                        <a:t>3.16</a:t>
+                        <a:t>3.57</a:t>
                       </a:r>
                       <a:endParaRPr kumimoji="1" lang="ja-JP" altLang="en-US" sz="2000" dirty="0"/>
                     </a:p>
@@ -26786,7 +26786,7 @@
                 </a:tc>
                 <a:extLst>
                   <a:ext uri="{0D108BD9-81ED-4DB2-BD59-A6C34878D82A}">
-                    <a16:rowId xmlns:a16="http://schemas.microsoft.com/office/drawing/2014/main" xmlns="" val="1536353699"/>
+                    <a16:rowId xmlns="" xmlns:a16="http://schemas.microsoft.com/office/drawing/2014/main" val="1536353699"/>
                   </a:ext>
                 </a:extLst>
               </a:tr>
@@ -26844,7 +26844,7 @@
                       <a:pPr algn="ctr"/>
                       <a:r>
                         <a:rPr kumimoji="1" lang="en-US" altLang="ja-JP" sz="2000" dirty="0" smtClean="0"/>
-                        <a:t>1.25</a:t>
+                        <a:t>1.07</a:t>
                       </a:r>
                       <a:endParaRPr kumimoji="1" lang="ja-JP" altLang="en-US" sz="2000" dirty="0"/>
                     </a:p>
@@ -26853,7 +26853,7 @@
                 </a:tc>
                 <a:extLst>
                   <a:ext uri="{0D108BD9-81ED-4DB2-BD59-A6C34878D82A}">
-                    <a16:rowId xmlns:a16="http://schemas.microsoft.com/office/drawing/2014/main" xmlns="" val="342577522"/>
+                    <a16:rowId xmlns="" xmlns:a16="http://schemas.microsoft.com/office/drawing/2014/main" val="342577522"/>
                   </a:ext>
                 </a:extLst>
               </a:tr>
@@ -26865,10 +26865,10 @@
                     <a:p>
                       <a:pPr algn="ctr"/>
                       <a:r>
-                        <a:rPr kumimoji="1" lang="en-US" altLang="ja-JP" sz="2000" dirty="0"/>
-                        <a:t>66</a:t>
+                        <a:rPr kumimoji="1" lang="en-US" altLang="ja-JP" sz="2000" dirty="0" smtClean="0"/>
+                        <a:t>64</a:t>
                       </a:r>
-                      <a:endParaRPr kumimoji="1" lang="ja-JP" altLang="en-US" sz="2000"/>
+                      <a:endParaRPr kumimoji="1" lang="ja-JP" altLang="en-US" sz="2000" dirty="0"/>
                     </a:p>
                   </a:txBody>
                   <a:tcPr/>
@@ -26909,8 +26909,8 @@
                     <a:p>
                       <a:pPr algn="ctr"/>
                       <a:r>
-                        <a:rPr kumimoji="1" lang="en-US" altLang="ja-JP" sz="2000" smtClean="0"/>
-                        <a:t>0.01</a:t>
+                        <a:rPr kumimoji="1" lang="en-US" altLang="ja-JP" sz="2000" dirty="0" smtClean="0"/>
+                        <a:t>0.71</a:t>
                       </a:r>
                       <a:endParaRPr kumimoji="1" lang="ja-JP" altLang="en-US" sz="2000" dirty="0"/>
                     </a:p>
@@ -26919,7 +26919,7 @@
                 </a:tc>
                 <a:extLst>
                   <a:ext uri="{0D108BD9-81ED-4DB2-BD59-A6C34878D82A}">
-                    <a16:rowId xmlns:a16="http://schemas.microsoft.com/office/drawing/2014/main" xmlns="" val="2295892714"/>
+                    <a16:rowId xmlns="" xmlns:a16="http://schemas.microsoft.com/office/drawing/2014/main" val="2295892714"/>
                   </a:ext>
                 </a:extLst>
               </a:tr>
@@ -26932,7 +26932,7 @@
           <p:cNvPr id="3" name="テキスト ボックス 2">
             <a:extLst>
               <a:ext uri="{FF2B5EF4-FFF2-40B4-BE49-F238E27FC236}">
-                <a16:creationId xmlns:a16="http://schemas.microsoft.com/office/drawing/2014/main" xmlns="" id="{37243A71-4939-8146-8D1C-50B1371ED22B}"/>
+                <a16:creationId xmlns="" xmlns:a16="http://schemas.microsoft.com/office/drawing/2014/main" id="{37243A71-4939-8146-8D1C-50B1371ED22B}"/>
               </a:ext>
             </a:extLst>
           </p:cNvPr>
@@ -26998,7 +26998,7 @@
           <p:cNvPr id="2" name="タイトル 1">
             <a:extLst>
               <a:ext uri="{FF2B5EF4-FFF2-40B4-BE49-F238E27FC236}">
-                <a16:creationId xmlns:a16="http://schemas.microsoft.com/office/drawing/2014/main" xmlns="" id="{7A74A867-EBEB-2F4D-8265-67DD34FA45C3}"/>
+                <a16:creationId xmlns="" xmlns:a16="http://schemas.microsoft.com/office/drawing/2014/main" id="{7A74A867-EBEB-2F4D-8265-67DD34FA45C3}"/>
               </a:ext>
             </a:extLst>
           </p:cNvPr>
@@ -27027,7 +27027,7 @@
           <p:cNvPr id="3" name="コンテンツ プレースホルダー 2">
             <a:extLst>
               <a:ext uri="{FF2B5EF4-FFF2-40B4-BE49-F238E27FC236}">
-                <a16:creationId xmlns:a16="http://schemas.microsoft.com/office/drawing/2014/main" xmlns="" id="{248D57BC-E16B-2345-B115-CA7B5ECA4B39}"/>
+                <a16:creationId xmlns="" xmlns:a16="http://schemas.microsoft.com/office/drawing/2014/main" id="{248D57BC-E16B-2345-B115-CA7B5ECA4B39}"/>
               </a:ext>
             </a:extLst>
           </p:cNvPr>
@@ -27155,7 +27155,7 @@
           <p:cNvPr id="2" name="タイトル 1">
             <a:extLst>
               <a:ext uri="{FF2B5EF4-FFF2-40B4-BE49-F238E27FC236}">
-                <a16:creationId xmlns:a16="http://schemas.microsoft.com/office/drawing/2014/main" xmlns="" id="{A1A8B07D-6CCE-FB44-B6F2-0060DFEC85FE}"/>
+                <a16:creationId xmlns="" xmlns:a16="http://schemas.microsoft.com/office/drawing/2014/main" id="{A1A8B07D-6CCE-FB44-B6F2-0060DFEC85FE}"/>
               </a:ext>
             </a:extLst>
           </p:cNvPr>
@@ -27191,7 +27191,7 @@
           <p:cNvPr id="3" name="コンテンツ プレースホルダー 2">
             <a:extLst>
               <a:ext uri="{FF2B5EF4-FFF2-40B4-BE49-F238E27FC236}">
-                <a16:creationId xmlns:a16="http://schemas.microsoft.com/office/drawing/2014/main" xmlns="" id="{4B9E269F-05A6-2844-83AE-AB30ED0C9367}"/>
+                <a16:creationId xmlns="" xmlns:a16="http://schemas.microsoft.com/office/drawing/2014/main" id="{4B9E269F-05A6-2844-83AE-AB30ED0C9367}"/>
               </a:ext>
             </a:extLst>
           </p:cNvPr>
@@ -27227,7 +27227,7 @@
           <p:cNvPr id="5" name="図 4">
             <a:extLst>
               <a:ext uri="{FF2B5EF4-FFF2-40B4-BE49-F238E27FC236}">
-                <a16:creationId xmlns:a16="http://schemas.microsoft.com/office/drawing/2014/main" xmlns="" id="{C119040F-67D3-9B4C-85ED-B26CE8BEBBCF}"/>
+                <a16:creationId xmlns="" xmlns:a16="http://schemas.microsoft.com/office/drawing/2014/main" id="{C119040F-67D3-9B4C-85ED-B26CE8BEBBCF}"/>
               </a:ext>
             </a:extLst>
           </p:cNvPr>
@@ -27287,7 +27287,7 @@
           <p:cNvPr id="2" name="タイトル 1">
             <a:extLst>
               <a:ext uri="{FF2B5EF4-FFF2-40B4-BE49-F238E27FC236}">
-                <a16:creationId xmlns:a16="http://schemas.microsoft.com/office/drawing/2014/main" xmlns="" id="{92047B87-2603-A144-964A-4BE3C1BE3111}"/>
+                <a16:creationId xmlns="" xmlns:a16="http://schemas.microsoft.com/office/drawing/2014/main" id="{92047B87-2603-A144-964A-4BE3C1BE3111}"/>
               </a:ext>
             </a:extLst>
           </p:cNvPr>
@@ -27316,7 +27316,7 @@
           <p:cNvPr id="3" name="コンテンツ プレースホルダー 2">
             <a:extLst>
               <a:ext uri="{FF2B5EF4-FFF2-40B4-BE49-F238E27FC236}">
-                <a16:creationId xmlns:a16="http://schemas.microsoft.com/office/drawing/2014/main" xmlns="" id="{49A4257B-C21A-9E4A-AAAF-C87FAC0753DF}"/>
+                <a16:creationId xmlns="" xmlns:a16="http://schemas.microsoft.com/office/drawing/2014/main" id="{49A4257B-C21A-9E4A-AAAF-C87FAC0753DF}"/>
               </a:ext>
             </a:extLst>
           </p:cNvPr>
@@ -27420,7 +27420,7 @@
           <p:cNvPr id="2" name="タイトル 1">
             <a:extLst>
               <a:ext uri="{FF2B5EF4-FFF2-40B4-BE49-F238E27FC236}">
-                <a16:creationId xmlns:a16="http://schemas.microsoft.com/office/drawing/2014/main" xmlns="" id="{6F71ED5D-E72C-DB40-A958-3D404E7C2BDB}"/>
+                <a16:creationId xmlns="" xmlns:a16="http://schemas.microsoft.com/office/drawing/2014/main" id="{6F71ED5D-E72C-DB40-A958-3D404E7C2BDB}"/>
               </a:ext>
             </a:extLst>
           </p:cNvPr>
@@ -27451,7 +27451,7 @@
               <p:cNvPr id="3" name="コンテンツ プレースホルダー 2">
                 <a:extLst>
                   <a:ext uri="{FF2B5EF4-FFF2-40B4-BE49-F238E27FC236}">
-                    <a16:creationId xmlns:a16="http://schemas.microsoft.com/office/drawing/2014/main" xmlns="" id="{C91B532C-DD0A-5649-814C-749997C24508}"/>
+                    <a16:creationId xmlns="" xmlns:a16="http://schemas.microsoft.com/office/drawing/2014/main" id="{C91B532C-DD0A-5649-814C-749997C24508}"/>
                   </a:ext>
                 </a:extLst>
               </p:cNvPr>
@@ -27597,7 +27597,7 @@
           <p:cNvPr id="2" name="タイトル 1">
             <a:extLst>
               <a:ext uri="{FF2B5EF4-FFF2-40B4-BE49-F238E27FC236}">
-                <a16:creationId xmlns:a16="http://schemas.microsoft.com/office/drawing/2014/main" xmlns="" id="{89663C5D-CBA2-0E4F-B496-EAA0921F02CB}"/>
+                <a16:creationId xmlns="" xmlns:a16="http://schemas.microsoft.com/office/drawing/2014/main" id="{89663C5D-CBA2-0E4F-B496-EAA0921F02CB}"/>
               </a:ext>
             </a:extLst>
           </p:cNvPr>
@@ -27626,7 +27626,7 @@
           <p:cNvPr id="3" name="コンテンツ プレースホルダー 2">
             <a:extLst>
               <a:ext uri="{FF2B5EF4-FFF2-40B4-BE49-F238E27FC236}">
-                <a16:creationId xmlns:a16="http://schemas.microsoft.com/office/drawing/2014/main" xmlns="" id="{DDCCA87D-98EC-5F4C-B7CC-2189578463C2}"/>
+                <a16:creationId xmlns="" xmlns:a16="http://schemas.microsoft.com/office/drawing/2014/main" id="{DDCCA87D-98EC-5F4C-B7CC-2189578463C2}"/>
               </a:ext>
             </a:extLst>
           </p:cNvPr>

--- a/竹田_修論発表.pptx
+++ b/竹田_修論発表.pptx
@@ -62,11 +62,12 @@
     <p:sldId id="606" r:id="rId56"/>
     <p:sldId id="608" r:id="rId57"/>
     <p:sldId id="611" r:id="rId58"/>
-    <p:sldId id="578" r:id="rId59"/>
-    <p:sldId id="609" r:id="rId60"/>
-    <p:sldId id="582" r:id="rId61"/>
-    <p:sldId id="583" r:id="rId62"/>
-    <p:sldId id="561" r:id="rId63"/>
+    <p:sldId id="616" r:id="rId59"/>
+    <p:sldId id="578" r:id="rId60"/>
+    <p:sldId id="609" r:id="rId61"/>
+    <p:sldId id="582" r:id="rId62"/>
+    <p:sldId id="583" r:id="rId63"/>
+    <p:sldId id="561" r:id="rId64"/>
   </p:sldIdLst>
   <p:sldSz cx="12192000" cy="6858000"/>
   <p:notesSz cx="6858000" cy="9144000"/>
@@ -8313,8 +8314,8 @@
         </p:nvSpPr>
         <p:spPr>
           <a:xfrm>
-            <a:off x="2589212" y="1517072"/>
-            <a:ext cx="8915399" cy="2262781"/>
+            <a:off x="1801906" y="979189"/>
+            <a:ext cx="9702705" cy="2262781"/>
           </a:xfrm>
         </p:spPr>
         <p:txBody>
@@ -8349,8 +8350,8 @@
         </p:nvSpPr>
         <p:spPr>
           <a:xfrm>
-            <a:off x="2589212" y="4320179"/>
-            <a:ext cx="8915399" cy="1126283"/>
+            <a:off x="5684966" y="3532651"/>
+            <a:ext cx="4994929" cy="1892765"/>
           </a:xfrm>
         </p:spPr>
         <p:txBody>
@@ -8360,23 +8361,55 @@
           <a:lstStyle/>
           <a:p>
             <a:r>
-              <a:rPr kumimoji="1" lang="en-US" altLang="ja-JP" sz="2400" dirty="0"/>
+              <a:rPr kumimoji="1" lang="en-US" altLang="ja-JP" sz="3200" dirty="0"/>
               <a:t>Kiyoshi, TAKEDA</a:t>
             </a:r>
           </a:p>
           <a:p>
             <a:r>
-              <a:rPr lang="en-US" altLang="ja-JP" sz="2400" dirty="0" err="1"/>
+              <a:rPr lang="en-US" altLang="ja-JP" sz="3200" dirty="0" err="1"/>
               <a:t>Yagiura</a:t>
             </a:r>
             <a:r>
-              <a:rPr lang="en-US" altLang="ja-JP" sz="2400" dirty="0"/>
+              <a:rPr lang="en-US" altLang="ja-JP" sz="3200" dirty="0"/>
               <a:t> lab</a:t>
             </a:r>
-            <a:endParaRPr kumimoji="1" lang="ja-JP" altLang="en-US" sz="2400"/>
+          </a:p>
+          <a:p>
+            <a:endParaRPr kumimoji="1" lang="ja-JP" altLang="en-US" sz="2800"/>
           </a:p>
         </p:txBody>
       </p:sp>
+      <p:pic>
+        <p:nvPicPr>
+          <p:cNvPr id="5" name="図 4">
+            <a:extLst>
+              <a:ext uri="{FF2B5EF4-FFF2-40B4-BE49-F238E27FC236}">
+                <a16:creationId xmlns:a16="http://schemas.microsoft.com/office/drawing/2014/main" id="{22E74A87-51B3-8344-ABA5-8D410BDBF5EA}"/>
+              </a:ext>
+            </a:extLst>
+          </p:cNvPr>
+          <p:cNvPicPr>
+            <a:picLocks noChangeAspect="1"/>
+          </p:cNvPicPr>
+          <p:nvPr/>
+        </p:nvPicPr>
+        <p:blipFill>
+          <a:blip r:embed="rId2"/>
+          <a:stretch>
+            <a:fillRect/>
+          </a:stretch>
+        </p:blipFill>
+        <p:spPr>
+          <a:xfrm>
+            <a:off x="5684966" y="4822878"/>
+            <a:ext cx="1885518" cy="723562"/>
+          </a:xfrm>
+          <a:prstGeom prst="rect">
+            <a:avLst/>
+          </a:prstGeom>
+        </p:spPr>
+      </p:pic>
     </p:spTree>
     <p:extLst>
       <p:ext uri="{BB962C8B-B14F-4D97-AF65-F5344CB8AC3E}">
@@ -26749,6 +26782,185 @@
           <p:cNvPr id="2" name="タイトル 1">
             <a:extLst>
               <a:ext uri="{FF2B5EF4-FFF2-40B4-BE49-F238E27FC236}">
+                <a16:creationId xmlns:a16="http://schemas.microsoft.com/office/drawing/2014/main" id="{26B9DA74-0919-8C4D-A488-16B05DD6B4A6}"/>
+              </a:ext>
+            </a:extLst>
+          </p:cNvPr>
+          <p:cNvSpPr>
+            <a:spLocks noGrp="1"/>
+          </p:cNvSpPr>
+          <p:nvPr>
+            <p:ph type="title"/>
+          </p:nvPr>
+        </p:nvSpPr>
+        <p:spPr/>
+        <p:txBody>
+          <a:bodyPr/>
+          <a:lstStyle/>
+          <a:p>
+            <a:r>
+              <a:rPr lang="en-US" altLang="ja-JP" dirty="0">
+                <a:solidFill>
+                  <a:schemeClr val="tx1"/>
+                </a:solidFill>
+              </a:rPr>
+              <a:t>MIP with orders grouped by port</a:t>
+            </a:r>
+            <a:endParaRPr kumimoji="1" lang="ja-JP" altLang="en-US"/>
+          </a:p>
+        </p:txBody>
+      </p:sp>
+      <p:sp>
+        <p:nvSpPr>
+          <p:cNvPr id="3" name="コンテンツ プレースホルダー 2">
+            <a:extLst>
+              <a:ext uri="{FF2B5EF4-FFF2-40B4-BE49-F238E27FC236}">
+                <a16:creationId xmlns:a16="http://schemas.microsoft.com/office/drawing/2014/main" id="{2E5F56EB-07E0-544C-91AB-5B90AF11D266}"/>
+              </a:ext>
+            </a:extLst>
+          </p:cNvPr>
+          <p:cNvSpPr>
+            <a:spLocks noGrp="1"/>
+          </p:cNvSpPr>
+          <p:nvPr>
+            <p:ph idx="1"/>
+          </p:nvPr>
+        </p:nvSpPr>
+        <p:spPr/>
+        <p:txBody>
+          <a:bodyPr>
+            <a:normAutofit/>
+          </a:bodyPr>
+          <a:lstStyle/>
+          <a:p>
+            <a:r>
+              <a:rPr kumimoji="1" lang="en-US" altLang="ja-JP" sz="2400" dirty="0"/>
+              <a:t>I and </a:t>
+            </a:r>
+            <a:r>
+              <a:rPr kumimoji="1" lang="en-US" altLang="ja-JP" sz="2400" dirty="0" err="1"/>
+              <a:t>Mr.Ukawa</a:t>
+            </a:r>
+            <a:r>
+              <a:rPr kumimoji="1" lang="en-US" altLang="ja-JP" sz="2400" dirty="0"/>
+              <a:t> proposed a model </a:t>
+            </a:r>
+            <a:r>
+              <a:rPr lang="en-US" altLang="ja-JP" sz="2400" dirty="0"/>
+              <a:t>that combines orders with the same loading and unloading ports into a single order to create an assignment.</a:t>
+            </a:r>
+          </a:p>
+          <a:p>
+            <a:r>
+              <a:rPr lang="en-US" altLang="ja-JP" sz="2400" dirty="0"/>
+              <a:t>With this model, we can get assignments in a short computation time.</a:t>
+            </a:r>
+          </a:p>
+          <a:p>
+            <a:r>
+              <a:rPr lang="en-US" altLang="ja-JP" sz="2400" dirty="0"/>
+              <a:t>We received a comment that the assignment could not actually be used and needed to be modified.</a:t>
+            </a:r>
+          </a:p>
+          <a:p>
+            <a:endParaRPr kumimoji="1" lang="ja-JP" altLang="en-US" sz="2400"/>
+          </a:p>
+        </p:txBody>
+      </p:sp>
+      <p:sp>
+        <p:nvSpPr>
+          <p:cNvPr id="5" name="正方形/長方形 4">
+            <a:extLst>
+              <a:ext uri="{FF2B5EF4-FFF2-40B4-BE49-F238E27FC236}">
+                <a16:creationId xmlns:a16="http://schemas.microsoft.com/office/drawing/2014/main" id="{8D49A87A-144D-8947-A74D-2A7083448FA4}"/>
+              </a:ext>
+            </a:extLst>
+          </p:cNvPr>
+          <p:cNvSpPr/>
+          <p:nvPr/>
+        </p:nvSpPr>
+        <p:spPr>
+          <a:xfrm>
+            <a:off x="2147248" y="5588056"/>
+            <a:ext cx="9357364" cy="646331"/>
+          </a:xfrm>
+          <a:prstGeom prst="rect">
+            <a:avLst/>
+          </a:prstGeom>
+        </p:spPr>
+        <p:txBody>
+          <a:bodyPr wrap="square">
+            <a:spAutoFit/>
+          </a:bodyPr>
+          <a:lstStyle/>
+          <a:p>
+            <a:r>
+              <a:rPr lang="en-US" altLang="ja-JP" dirty="0"/>
+              <a:t>[1]</a:t>
+            </a:r>
+            <a:r>
+              <a:rPr lang="ja-JP" altLang="en-US"/>
+              <a:t>鵜川知哉</a:t>
+            </a:r>
+            <a:r>
+              <a:rPr lang="en-US" altLang="ja-JP" dirty="0"/>
+              <a:t>, </a:t>
+            </a:r>
+            <a:r>
+              <a:rPr lang="ja-JP" altLang="en-US"/>
+              <a:t>自動車運搬船における貨物積載プラン ニングの席割問題に対する数理モデリング</a:t>
+            </a:r>
+            <a:r>
+              <a:rPr lang="en-US" altLang="ja-JP" dirty="0"/>
+              <a:t>, </a:t>
+            </a:r>
+            <a:r>
+              <a:rPr lang="ja-JP" altLang="en-US"/>
+              <a:t>修士 論文，名古屋大学情報学研究科</a:t>
+            </a:r>
+            <a:r>
+              <a:rPr lang="en-US" altLang="ja-JP" dirty="0"/>
+              <a:t>, 2020 </a:t>
+            </a:r>
+            <a:endParaRPr lang="ja-JP" altLang="en-US"/>
+          </a:p>
+        </p:txBody>
+      </p:sp>
+    </p:spTree>
+    <p:extLst>
+      <p:ext uri="{BB962C8B-B14F-4D97-AF65-F5344CB8AC3E}">
+        <p14:creationId xmlns:p14="http://schemas.microsoft.com/office/powerpoint/2010/main" val="4107990273"/>
+      </p:ext>
+    </p:extLst>
+  </p:cSld>
+  <p:clrMapOvr>
+    <a:masterClrMapping/>
+  </p:clrMapOvr>
+</p:sld>
+</file>
+
+<file path=ppt/slides/slide59.xml><?xml version="1.0" encoding="utf-8"?>
+<p:sld xmlns:a="http://schemas.openxmlformats.org/drawingml/2006/main" xmlns:r="http://schemas.openxmlformats.org/officeDocument/2006/relationships" xmlns:p="http://schemas.openxmlformats.org/presentationml/2006/main">
+  <p:cSld>
+    <p:spTree>
+      <p:nvGrpSpPr>
+        <p:cNvPr id="1" name=""/>
+        <p:cNvGrpSpPr/>
+        <p:nvPr/>
+      </p:nvGrpSpPr>
+      <p:grpSpPr>
+        <a:xfrm>
+          <a:off x="0" y="0"/>
+          <a:ext cx="0" cy="0"/>
+          <a:chOff x="0" y="0"/>
+          <a:chExt cx="0" cy="0"/>
+        </a:xfrm>
+      </p:grpSpPr>
+      <p:sp>
+        <p:nvSpPr>
+          <p:cNvPr id="2" name="タイトル 1">
+            <a:extLst>
+              <a:ext uri="{FF2B5EF4-FFF2-40B4-BE49-F238E27FC236}">
                 <a16:creationId xmlns:a16="http://schemas.microsoft.com/office/drawing/2014/main" id="{FEEFE181-A7D0-7146-B49E-65AC407C9C2B}"/>
               </a:ext>
             </a:extLst>
@@ -26858,7 +27070,151 @@
 </p:sld>
 </file>
 
-<file path=ppt/slides/slide59.xml><?xml version="1.0" encoding="utf-8"?>
+<file path=ppt/slides/slide6.xml><?xml version="1.0" encoding="utf-8"?>
+<p:sld xmlns:a="http://schemas.openxmlformats.org/drawingml/2006/main" xmlns:r="http://schemas.openxmlformats.org/officeDocument/2006/relationships" xmlns:p="http://schemas.openxmlformats.org/presentationml/2006/main">
+  <p:cSld>
+    <p:spTree>
+      <p:nvGrpSpPr>
+        <p:cNvPr id="1" name=""/>
+        <p:cNvGrpSpPr/>
+        <p:nvPr/>
+      </p:nvGrpSpPr>
+      <p:grpSpPr>
+        <a:xfrm>
+          <a:off x="0" y="0"/>
+          <a:ext cx="0" cy="0"/>
+          <a:chOff x="0" y="0"/>
+          <a:chExt cx="0" cy="0"/>
+        </a:xfrm>
+      </p:grpSpPr>
+      <p:sp>
+        <p:nvSpPr>
+          <p:cNvPr id="2" name="タイトル 1">
+            <a:extLst>
+              <a:ext uri="{FF2B5EF4-FFF2-40B4-BE49-F238E27FC236}">
+                <a16:creationId xmlns:a16="http://schemas.microsoft.com/office/drawing/2014/main" id="{93010AF0-9B7D-1145-8148-06A633089EBF}"/>
+              </a:ext>
+            </a:extLst>
+          </p:cNvPr>
+          <p:cNvSpPr>
+            <a:spLocks noGrp="1"/>
+          </p:cNvSpPr>
+          <p:nvPr>
+            <p:ph type="title"/>
+          </p:nvPr>
+        </p:nvSpPr>
+        <p:spPr/>
+        <p:txBody>
+          <a:bodyPr/>
+          <a:lstStyle/>
+          <a:p>
+            <a:r>
+              <a:rPr kumimoji="1" lang="en-US" altLang="ja-JP" dirty="0"/>
+              <a:t>Outline</a:t>
+            </a:r>
+            <a:endParaRPr kumimoji="1" lang="ja-JP" altLang="en-US"/>
+          </a:p>
+        </p:txBody>
+      </p:sp>
+      <p:sp>
+        <p:nvSpPr>
+          <p:cNvPr id="3" name="コンテンツ プレースホルダー 2">
+            <a:extLst>
+              <a:ext uri="{FF2B5EF4-FFF2-40B4-BE49-F238E27FC236}">
+                <a16:creationId xmlns:a16="http://schemas.microsoft.com/office/drawing/2014/main" id="{97A5DCCE-A463-7E40-A93C-1FAC6C539F8C}"/>
+              </a:ext>
+            </a:extLst>
+          </p:cNvPr>
+          <p:cNvSpPr>
+            <a:spLocks noGrp="1"/>
+          </p:cNvSpPr>
+          <p:nvPr>
+            <p:ph idx="1"/>
+          </p:nvPr>
+        </p:nvSpPr>
+        <p:spPr/>
+        <p:txBody>
+          <a:bodyPr>
+            <a:normAutofit/>
+          </a:bodyPr>
+          <a:lstStyle/>
+          <a:p>
+            <a:r>
+              <a:rPr kumimoji="1" lang="en-US" altLang="ja-JP" sz="2400" dirty="0">
+                <a:solidFill>
+                  <a:schemeClr val="bg1">
+                    <a:lumMod val="75000"/>
+                  </a:schemeClr>
+                </a:solidFill>
+              </a:rPr>
+              <a:t>Background</a:t>
+            </a:r>
+          </a:p>
+          <a:p>
+            <a:r>
+              <a:rPr lang="en-US" altLang="ja-JP" sz="2400" dirty="0"/>
+              <a:t>Problem definition</a:t>
+            </a:r>
+            <a:endParaRPr kumimoji="1" lang="en-US" altLang="ja-JP" sz="2400" dirty="0"/>
+          </a:p>
+          <a:p>
+            <a:r>
+              <a:rPr lang="en-US" altLang="ja-JP" sz="2400" dirty="0">
+                <a:solidFill>
+                  <a:schemeClr val="bg1">
+                    <a:lumMod val="75000"/>
+                  </a:schemeClr>
+                </a:solidFill>
+              </a:rPr>
+              <a:t>Modeling </a:t>
+            </a:r>
+          </a:p>
+          <a:p>
+            <a:r>
+              <a:rPr lang="en-US" altLang="ja-JP" sz="2400" dirty="0">
+                <a:solidFill>
+                  <a:schemeClr val="bg1">
+                    <a:lumMod val="75000"/>
+                  </a:schemeClr>
+                </a:solidFill>
+              </a:rPr>
+              <a:t>Different modeling</a:t>
+            </a:r>
+          </a:p>
+          <a:p>
+            <a:r>
+              <a:rPr kumimoji="1" lang="en-US" altLang="ja-JP" sz="2400" dirty="0">
+                <a:solidFill>
+                  <a:schemeClr val="bg1">
+                    <a:lumMod val="75000"/>
+                  </a:schemeClr>
+                </a:solidFill>
+              </a:rPr>
+              <a:t>future work</a:t>
+            </a:r>
+          </a:p>
+          <a:p>
+            <a:endParaRPr kumimoji="1" lang="en-US" altLang="ja-JP" sz="2400" dirty="0"/>
+          </a:p>
+          <a:p>
+            <a:endParaRPr kumimoji="1" lang="ja-JP" altLang="en-US" sz="2400"/>
+          </a:p>
+        </p:txBody>
+      </p:sp>
+    </p:spTree>
+    <p:extLst>
+      <p:ext uri="{BB962C8B-B14F-4D97-AF65-F5344CB8AC3E}">
+        <p14:creationId xmlns:p14="http://schemas.microsoft.com/office/powerpoint/2010/main" val="1964612531"/>
+      </p:ext>
+    </p:extLst>
+  </p:cSld>
+  <p:clrMapOvr>
+    <a:masterClrMapping/>
+  </p:clrMapOvr>
+</p:sld>
+</file>
+
+<file path=ppt/slides/slide60.xml><?xml version="1.0" encoding="utf-8"?>
 <p:sld xmlns:a="http://schemas.openxmlformats.org/drawingml/2006/main" xmlns:r="http://schemas.openxmlformats.org/officeDocument/2006/relationships" xmlns:p="http://schemas.openxmlformats.org/presentationml/2006/main">
   <p:cSld>
     <p:spTree>
@@ -28050,151 +28406,7 @@
 </p:sld>
 </file>
 
-<file path=ppt/slides/slide6.xml><?xml version="1.0" encoding="utf-8"?>
-<p:sld xmlns:a="http://schemas.openxmlformats.org/drawingml/2006/main" xmlns:r="http://schemas.openxmlformats.org/officeDocument/2006/relationships" xmlns:p="http://schemas.openxmlformats.org/presentationml/2006/main">
-  <p:cSld>
-    <p:spTree>
-      <p:nvGrpSpPr>
-        <p:cNvPr id="1" name=""/>
-        <p:cNvGrpSpPr/>
-        <p:nvPr/>
-      </p:nvGrpSpPr>
-      <p:grpSpPr>
-        <a:xfrm>
-          <a:off x="0" y="0"/>
-          <a:ext cx="0" cy="0"/>
-          <a:chOff x="0" y="0"/>
-          <a:chExt cx="0" cy="0"/>
-        </a:xfrm>
-      </p:grpSpPr>
-      <p:sp>
-        <p:nvSpPr>
-          <p:cNvPr id="2" name="タイトル 1">
-            <a:extLst>
-              <a:ext uri="{FF2B5EF4-FFF2-40B4-BE49-F238E27FC236}">
-                <a16:creationId xmlns:a16="http://schemas.microsoft.com/office/drawing/2014/main" id="{93010AF0-9B7D-1145-8148-06A633089EBF}"/>
-              </a:ext>
-            </a:extLst>
-          </p:cNvPr>
-          <p:cNvSpPr>
-            <a:spLocks noGrp="1"/>
-          </p:cNvSpPr>
-          <p:nvPr>
-            <p:ph type="title"/>
-          </p:nvPr>
-        </p:nvSpPr>
-        <p:spPr/>
-        <p:txBody>
-          <a:bodyPr/>
-          <a:lstStyle/>
-          <a:p>
-            <a:r>
-              <a:rPr kumimoji="1" lang="en-US" altLang="ja-JP" dirty="0"/>
-              <a:t>Outline</a:t>
-            </a:r>
-            <a:endParaRPr kumimoji="1" lang="ja-JP" altLang="en-US"/>
-          </a:p>
-        </p:txBody>
-      </p:sp>
-      <p:sp>
-        <p:nvSpPr>
-          <p:cNvPr id="3" name="コンテンツ プレースホルダー 2">
-            <a:extLst>
-              <a:ext uri="{FF2B5EF4-FFF2-40B4-BE49-F238E27FC236}">
-                <a16:creationId xmlns:a16="http://schemas.microsoft.com/office/drawing/2014/main" id="{97A5DCCE-A463-7E40-A93C-1FAC6C539F8C}"/>
-              </a:ext>
-            </a:extLst>
-          </p:cNvPr>
-          <p:cNvSpPr>
-            <a:spLocks noGrp="1"/>
-          </p:cNvSpPr>
-          <p:nvPr>
-            <p:ph idx="1"/>
-          </p:nvPr>
-        </p:nvSpPr>
-        <p:spPr/>
-        <p:txBody>
-          <a:bodyPr>
-            <a:normAutofit/>
-          </a:bodyPr>
-          <a:lstStyle/>
-          <a:p>
-            <a:r>
-              <a:rPr kumimoji="1" lang="en-US" altLang="ja-JP" sz="2400" dirty="0">
-                <a:solidFill>
-                  <a:schemeClr val="bg1">
-                    <a:lumMod val="75000"/>
-                  </a:schemeClr>
-                </a:solidFill>
-              </a:rPr>
-              <a:t>Background</a:t>
-            </a:r>
-          </a:p>
-          <a:p>
-            <a:r>
-              <a:rPr lang="en-US" altLang="ja-JP" sz="2400" dirty="0"/>
-              <a:t>Problem definition</a:t>
-            </a:r>
-            <a:endParaRPr kumimoji="1" lang="en-US" altLang="ja-JP" sz="2400" dirty="0"/>
-          </a:p>
-          <a:p>
-            <a:r>
-              <a:rPr lang="en-US" altLang="ja-JP" sz="2400" dirty="0">
-                <a:solidFill>
-                  <a:schemeClr val="bg1">
-                    <a:lumMod val="75000"/>
-                  </a:schemeClr>
-                </a:solidFill>
-              </a:rPr>
-              <a:t>Modeling </a:t>
-            </a:r>
-          </a:p>
-          <a:p>
-            <a:r>
-              <a:rPr lang="en-US" altLang="ja-JP" sz="2400" dirty="0">
-                <a:solidFill>
-                  <a:schemeClr val="bg1">
-                    <a:lumMod val="75000"/>
-                  </a:schemeClr>
-                </a:solidFill>
-              </a:rPr>
-              <a:t>Different modeling</a:t>
-            </a:r>
-          </a:p>
-          <a:p>
-            <a:r>
-              <a:rPr kumimoji="1" lang="en-US" altLang="ja-JP" sz="2400" dirty="0">
-                <a:solidFill>
-                  <a:schemeClr val="bg1">
-                    <a:lumMod val="75000"/>
-                  </a:schemeClr>
-                </a:solidFill>
-              </a:rPr>
-              <a:t>future work</a:t>
-            </a:r>
-          </a:p>
-          <a:p>
-            <a:endParaRPr kumimoji="1" lang="en-US" altLang="ja-JP" sz="2400" dirty="0"/>
-          </a:p>
-          <a:p>
-            <a:endParaRPr kumimoji="1" lang="ja-JP" altLang="en-US" sz="2400"/>
-          </a:p>
-        </p:txBody>
-      </p:sp>
-    </p:spTree>
-    <p:extLst>
-      <p:ext uri="{BB962C8B-B14F-4D97-AF65-F5344CB8AC3E}">
-        <p14:creationId xmlns:p14="http://schemas.microsoft.com/office/powerpoint/2010/main" val="1964612531"/>
-      </p:ext>
-    </p:extLst>
-  </p:cSld>
-  <p:clrMapOvr>
-    <a:masterClrMapping/>
-  </p:clrMapOvr>
-</p:sld>
-</file>
-
-<file path=ppt/slides/slide60.xml><?xml version="1.0" encoding="utf-8"?>
+<file path=ppt/slides/slide61.xml><?xml version="1.0" encoding="utf-8"?>
 <p:sld xmlns:a="http://schemas.openxmlformats.org/drawingml/2006/main" xmlns:r="http://schemas.openxmlformats.org/officeDocument/2006/relationships" xmlns:p="http://schemas.openxmlformats.org/presentationml/2006/main" show="0">
   <p:cSld>
     <p:spTree>
@@ -29390,7 +29602,7 @@
 </p:sld>
 </file>
 
-<file path=ppt/slides/slide61.xml><?xml version="1.0" encoding="utf-8"?>
+<file path=ppt/slides/slide62.xml><?xml version="1.0" encoding="utf-8"?>
 <p:sld xmlns:a="http://schemas.openxmlformats.org/drawingml/2006/main" xmlns:r="http://schemas.openxmlformats.org/officeDocument/2006/relationships" xmlns:p="http://schemas.openxmlformats.org/presentationml/2006/main">
   <p:cSld>
     <p:spTree>
@@ -29500,7 +29712,7 @@
 </p:sld>
 </file>
 
-<file path=ppt/slides/slide62.xml><?xml version="1.0" encoding="utf-8"?>
+<file path=ppt/slides/slide63.xml><?xml version="1.0" encoding="utf-8"?>
 <p:sld xmlns:a="http://schemas.openxmlformats.org/drawingml/2006/main" xmlns:r="http://schemas.openxmlformats.org/officeDocument/2006/relationships" xmlns:p="http://schemas.openxmlformats.org/presentationml/2006/main">
   <p:cSld>
     <p:spTree>

--- a/竹田_修論発表.pptx
+++ b/竹田_修論発表.pptx
@@ -8350,7 +8350,7 @@
         </p:nvSpPr>
         <p:spPr>
           <a:xfrm>
-            <a:off x="5684966" y="3532651"/>
+            <a:off x="6397660" y="3546098"/>
             <a:ext cx="4994929" cy="1892765"/>
           </a:xfrm>
         </p:spPr>
@@ -8402,7 +8402,7 @@
         </p:blipFill>
         <p:spPr>
           <a:xfrm>
-            <a:off x="5684966" y="4822878"/>
+            <a:off x="6397660" y="4890113"/>
             <a:ext cx="1885518" cy="723562"/>
           </a:xfrm>
           <a:prstGeom prst="rect">

--- a/竹田_修論発表.pptx
+++ b/竹田_修論発表.pptx
@@ -63,11 +63,12 @@
     <p:sldId id="608" r:id="rId57"/>
     <p:sldId id="611" r:id="rId58"/>
     <p:sldId id="616" r:id="rId59"/>
-    <p:sldId id="578" r:id="rId60"/>
-    <p:sldId id="609" r:id="rId61"/>
-    <p:sldId id="582" r:id="rId62"/>
-    <p:sldId id="583" r:id="rId63"/>
-    <p:sldId id="561" r:id="rId64"/>
+    <p:sldId id="617" r:id="rId60"/>
+    <p:sldId id="578" r:id="rId61"/>
+    <p:sldId id="609" r:id="rId62"/>
+    <p:sldId id="582" r:id="rId63"/>
+    <p:sldId id="583" r:id="rId64"/>
+    <p:sldId id="561" r:id="rId65"/>
   </p:sldIdLst>
   <p:sldSz cx="12192000" cy="6858000"/>
   <p:notesSz cx="6858000" cy="9144000"/>
@@ -26856,15 +26857,6 @@
               <a:t>With this model, we can get assignments in a short computation time.</a:t>
             </a:r>
           </a:p>
-          <a:p>
-            <a:r>
-              <a:rPr lang="en-US" altLang="ja-JP" sz="2400" dirty="0"/>
-              <a:t>We received a comment that the assignment could not actually be used and needed to be modified.</a:t>
-            </a:r>
-          </a:p>
-          <a:p>
-            <a:endParaRPr kumimoji="1" lang="ja-JP" altLang="en-US" sz="2400"/>
-          </a:p>
         </p:txBody>
       </p:sp>
       <p:sp>
@@ -26961,7 +26953,7 @@
           <p:cNvPr id="2" name="タイトル 1">
             <a:extLst>
               <a:ext uri="{FF2B5EF4-FFF2-40B4-BE49-F238E27FC236}">
-                <a16:creationId xmlns:a16="http://schemas.microsoft.com/office/drawing/2014/main" id="{FEEFE181-A7D0-7146-B49E-65AC407C9C2B}"/>
+                <a16:creationId xmlns:a16="http://schemas.microsoft.com/office/drawing/2014/main" id="{953FAEE8-1FED-DF4C-BE59-B1D74657A78B}"/>
               </a:ext>
             </a:extLst>
           </p:cNvPr>
@@ -26978,8 +26970,12 @@
           <a:lstStyle/>
           <a:p>
             <a:r>
-              <a:rPr lang="en-US" altLang="ja-JP" dirty="0"/>
-              <a:t>Computational experiment</a:t>
+              <a:rPr lang="en-US" altLang="ja-JP" dirty="0">
+                <a:solidFill>
+                  <a:schemeClr val="tx1"/>
+                </a:solidFill>
+              </a:rPr>
+              <a:t>MIP with orders grouped by port</a:t>
             </a:r>
             <a:endParaRPr kumimoji="1" lang="ja-JP" altLang="en-US"/>
           </a:p>
@@ -26990,7 +26986,7 @@
           <p:cNvPr id="3" name="コンテンツ プレースホルダー 2">
             <a:extLst>
               <a:ext uri="{FF2B5EF4-FFF2-40B4-BE49-F238E27FC236}">
-                <a16:creationId xmlns:a16="http://schemas.microsoft.com/office/drawing/2014/main" id="{F34D1FFA-7F21-1B4A-B2CC-C1C3F36A6C10}"/>
+                <a16:creationId xmlns:a16="http://schemas.microsoft.com/office/drawing/2014/main" id="{65CE6BA2-4138-AE46-A062-C06F8266C316}"/>
               </a:ext>
             </a:extLst>
           </p:cNvPr>
@@ -27010,57 +27006,28 @@
           <a:p>
             <a:r>
               <a:rPr lang="en-US" altLang="ja-JP" sz="2400" dirty="0"/>
-              <a:t>We compare the computation time and the quality of assignment.</a:t>
+              <a:t>We received a comment that the assignment could not actually be used and needed to be modified.</a:t>
             </a:r>
           </a:p>
           <a:p>
             <a:r>
               <a:rPr lang="en-US" altLang="ja-JP" sz="2400" dirty="0"/>
-              <a:t>For 1</a:t>
-            </a:r>
-            <a:r>
-              <a:rPr lang="en-US" altLang="ja-JP" sz="2400" baseline="30000" dirty="0"/>
-              <a:t>st</a:t>
-            </a:r>
+              <a:t>We use the assignment as an initial solution and then perform local search to modify it.</a:t>
+            </a:r>
+          </a:p>
+          <a:p>
             <a:r>
               <a:rPr lang="en-US" altLang="ja-JP" sz="2400" dirty="0"/>
-              <a:t> model,</a:t>
-            </a:r>
-            <a:r>
-              <a:rPr lang="en" altLang="ja-JP" sz="2400" dirty="0"/>
-              <a:t> we show the values of the solution after         1 hour and after 24 hours</a:t>
-            </a:r>
-          </a:p>
-          <a:p>
-            <a:r>
-              <a:rPr lang="en" altLang="ja-JP" sz="2400" dirty="0"/>
-              <a:t>For 2</a:t>
-            </a:r>
-            <a:r>
-              <a:rPr lang="en" altLang="ja-JP" sz="2400" baseline="30000" dirty="0"/>
-              <a:t>nd</a:t>
-            </a:r>
-            <a:r>
-              <a:rPr lang="en" altLang="ja-JP" sz="2400" dirty="0"/>
-              <a:t> model, we show the value of the solution and the computation time to finish the local search</a:t>
-            </a:r>
-            <a:r>
-              <a:rPr lang="en-US" altLang="ja-JP" sz="2400" dirty="0"/>
-              <a:t>.</a:t>
-            </a:r>
-          </a:p>
-          <a:p>
-            <a:r>
-              <a:rPr lang="en-US" altLang="ja-JP" sz="2400" dirty="0"/>
-              <a:t>We set the coefficient of the constraint to 100.</a:t>
-            </a:r>
+              <a:t>This could be a good approach.</a:t>
+            </a:r>
+            <a:endParaRPr kumimoji="1" lang="ja-JP" altLang="en-US" sz="2400"/>
           </a:p>
         </p:txBody>
       </p:sp>
     </p:spTree>
     <p:extLst>
       <p:ext uri="{BB962C8B-B14F-4D97-AF65-F5344CB8AC3E}">
-        <p14:creationId xmlns:p14="http://schemas.microsoft.com/office/powerpoint/2010/main" val="4216551076"/>
+        <p14:creationId xmlns:p14="http://schemas.microsoft.com/office/powerpoint/2010/main" val="811388927"/>
       </p:ext>
     </p:extLst>
   </p:cSld>
@@ -27215,6 +27182,137 @@
 </file>
 
 <file path=ppt/slides/slide60.xml><?xml version="1.0" encoding="utf-8"?>
+<p:sld xmlns:a="http://schemas.openxmlformats.org/drawingml/2006/main" xmlns:r="http://schemas.openxmlformats.org/officeDocument/2006/relationships" xmlns:p="http://schemas.openxmlformats.org/presentationml/2006/main">
+  <p:cSld>
+    <p:spTree>
+      <p:nvGrpSpPr>
+        <p:cNvPr id="1" name=""/>
+        <p:cNvGrpSpPr/>
+        <p:nvPr/>
+      </p:nvGrpSpPr>
+      <p:grpSpPr>
+        <a:xfrm>
+          <a:off x="0" y="0"/>
+          <a:ext cx="0" cy="0"/>
+          <a:chOff x="0" y="0"/>
+          <a:chExt cx="0" cy="0"/>
+        </a:xfrm>
+      </p:grpSpPr>
+      <p:sp>
+        <p:nvSpPr>
+          <p:cNvPr id="2" name="タイトル 1">
+            <a:extLst>
+              <a:ext uri="{FF2B5EF4-FFF2-40B4-BE49-F238E27FC236}">
+                <a16:creationId xmlns:a16="http://schemas.microsoft.com/office/drawing/2014/main" id="{FEEFE181-A7D0-7146-B49E-65AC407C9C2B}"/>
+              </a:ext>
+            </a:extLst>
+          </p:cNvPr>
+          <p:cNvSpPr>
+            <a:spLocks noGrp="1"/>
+          </p:cNvSpPr>
+          <p:nvPr>
+            <p:ph type="title"/>
+          </p:nvPr>
+        </p:nvSpPr>
+        <p:spPr/>
+        <p:txBody>
+          <a:bodyPr/>
+          <a:lstStyle/>
+          <a:p>
+            <a:r>
+              <a:rPr lang="en-US" altLang="ja-JP" dirty="0"/>
+              <a:t>Computational experiment</a:t>
+            </a:r>
+            <a:endParaRPr kumimoji="1" lang="ja-JP" altLang="en-US"/>
+          </a:p>
+        </p:txBody>
+      </p:sp>
+      <p:sp>
+        <p:nvSpPr>
+          <p:cNvPr id="3" name="コンテンツ プレースホルダー 2">
+            <a:extLst>
+              <a:ext uri="{FF2B5EF4-FFF2-40B4-BE49-F238E27FC236}">
+                <a16:creationId xmlns:a16="http://schemas.microsoft.com/office/drawing/2014/main" id="{F34D1FFA-7F21-1B4A-B2CC-C1C3F36A6C10}"/>
+              </a:ext>
+            </a:extLst>
+          </p:cNvPr>
+          <p:cNvSpPr>
+            <a:spLocks noGrp="1"/>
+          </p:cNvSpPr>
+          <p:nvPr>
+            <p:ph idx="1"/>
+          </p:nvPr>
+        </p:nvSpPr>
+        <p:spPr/>
+        <p:txBody>
+          <a:bodyPr>
+            <a:normAutofit/>
+          </a:bodyPr>
+          <a:lstStyle/>
+          <a:p>
+            <a:r>
+              <a:rPr lang="en-US" altLang="ja-JP" sz="2400" dirty="0"/>
+              <a:t>We compare the computation time and the quality of assignment.</a:t>
+            </a:r>
+          </a:p>
+          <a:p>
+            <a:r>
+              <a:rPr lang="en-US" altLang="ja-JP" sz="2400" dirty="0"/>
+              <a:t>For 1</a:t>
+            </a:r>
+            <a:r>
+              <a:rPr lang="en-US" altLang="ja-JP" sz="2400" baseline="30000" dirty="0"/>
+              <a:t>st</a:t>
+            </a:r>
+            <a:r>
+              <a:rPr lang="en-US" altLang="ja-JP" sz="2400" dirty="0"/>
+              <a:t> model,</a:t>
+            </a:r>
+            <a:r>
+              <a:rPr lang="en" altLang="ja-JP" sz="2400" dirty="0"/>
+              <a:t> we show the values of the solution after         1 hour and after 24 hours</a:t>
+            </a:r>
+          </a:p>
+          <a:p>
+            <a:r>
+              <a:rPr lang="en" altLang="ja-JP" sz="2400" dirty="0"/>
+              <a:t>For 2</a:t>
+            </a:r>
+            <a:r>
+              <a:rPr lang="en" altLang="ja-JP" sz="2400" baseline="30000" dirty="0"/>
+              <a:t>nd</a:t>
+            </a:r>
+            <a:r>
+              <a:rPr lang="en" altLang="ja-JP" sz="2400" dirty="0"/>
+              <a:t> model, we show the value of the solution and the computation time to finish the local search</a:t>
+            </a:r>
+            <a:r>
+              <a:rPr lang="en-US" altLang="ja-JP" sz="2400" dirty="0"/>
+              <a:t>.</a:t>
+            </a:r>
+          </a:p>
+          <a:p>
+            <a:r>
+              <a:rPr lang="en-US" altLang="ja-JP" sz="2400" dirty="0"/>
+              <a:t>We set the coefficient of the constraint to 100.</a:t>
+            </a:r>
+          </a:p>
+        </p:txBody>
+      </p:sp>
+    </p:spTree>
+    <p:extLst>
+      <p:ext uri="{BB962C8B-B14F-4D97-AF65-F5344CB8AC3E}">
+        <p14:creationId xmlns:p14="http://schemas.microsoft.com/office/powerpoint/2010/main" val="4216551076"/>
+      </p:ext>
+    </p:extLst>
+  </p:cSld>
+  <p:clrMapOvr>
+    <a:masterClrMapping/>
+  </p:clrMapOvr>
+</p:sld>
+</file>
+
+<file path=ppt/slides/slide61.xml><?xml version="1.0" encoding="utf-8"?>
 <p:sld xmlns:a="http://schemas.openxmlformats.org/drawingml/2006/main" xmlns:r="http://schemas.openxmlformats.org/officeDocument/2006/relationships" xmlns:p="http://schemas.openxmlformats.org/presentationml/2006/main">
   <p:cSld>
     <p:spTree>
@@ -28406,7 +28504,7 @@
 </p:sld>
 </file>
 
-<file path=ppt/slides/slide61.xml><?xml version="1.0" encoding="utf-8"?>
+<file path=ppt/slides/slide62.xml><?xml version="1.0" encoding="utf-8"?>
 <p:sld xmlns:a="http://schemas.openxmlformats.org/drawingml/2006/main" xmlns:r="http://schemas.openxmlformats.org/officeDocument/2006/relationships" xmlns:p="http://schemas.openxmlformats.org/presentationml/2006/main" show="0">
   <p:cSld>
     <p:spTree>
@@ -29602,7 +29700,7 @@
 </p:sld>
 </file>
 
-<file path=ppt/slides/slide62.xml><?xml version="1.0" encoding="utf-8"?>
+<file path=ppt/slides/slide63.xml><?xml version="1.0" encoding="utf-8"?>
 <p:sld xmlns:a="http://schemas.openxmlformats.org/drawingml/2006/main" xmlns:r="http://schemas.openxmlformats.org/officeDocument/2006/relationships" xmlns:p="http://schemas.openxmlformats.org/presentationml/2006/main">
   <p:cSld>
     <p:spTree>
@@ -29712,7 +29810,7 @@
 </p:sld>
 </file>
 
-<file path=ppt/slides/slide63.xml><?xml version="1.0" encoding="utf-8"?>
+<file path=ppt/slides/slide64.xml><?xml version="1.0" encoding="utf-8"?>
 <p:sld xmlns:a="http://schemas.openxmlformats.org/drawingml/2006/main" xmlns:r="http://schemas.openxmlformats.org/officeDocument/2006/relationships" xmlns:p="http://schemas.openxmlformats.org/presentationml/2006/main">
   <p:cSld>
     <p:spTree>

--- a/竹田_修論発表.pptx
+++ b/竹田_修論発表.pptx
@@ -363,7 +363,7 @@
           <a:p>
             <a:fld id="{C8659C27-364E-C74E-8EB0-0FFA61AB3438}" type="datetimeFigureOut">
               <a:rPr kumimoji="1" lang="ja-JP" altLang="en-US" smtClean="0"/>
-              <a:t>2021/11/19</a:t>
+              <a:t>2021/11/21</a:t>
             </a:fld>
             <a:endParaRPr kumimoji="1" lang="ja-JP" altLang="en-US"/>
           </a:p>
@@ -738,7 +738,7 @@
           <a:p>
             <a:fld id="{C8659C27-364E-C74E-8EB0-0FFA61AB3438}" type="datetimeFigureOut">
               <a:rPr kumimoji="1" lang="ja-JP" altLang="en-US" smtClean="0"/>
-              <a:t>2021/11/19</a:t>
+              <a:t>2021/11/21</a:t>
             </a:fld>
             <a:endParaRPr kumimoji="1" lang="ja-JP" altLang="en-US"/>
           </a:p>
@@ -1213,7 +1213,7 @@
           <a:p>
             <a:fld id="{C8659C27-364E-C74E-8EB0-0FFA61AB3438}" type="datetimeFigureOut">
               <a:rPr kumimoji="1" lang="ja-JP" altLang="en-US" smtClean="0"/>
-              <a:t>2021/11/19</a:t>
+              <a:t>2021/11/21</a:t>
             </a:fld>
             <a:endParaRPr kumimoji="1" lang="ja-JP" altLang="en-US"/>
           </a:p>
@@ -1586,7 +1586,7 @@
           <a:p>
             <a:fld id="{C8659C27-364E-C74E-8EB0-0FFA61AB3438}" type="datetimeFigureOut">
               <a:rPr kumimoji="1" lang="ja-JP" altLang="en-US" smtClean="0"/>
-              <a:t>2021/11/19</a:t>
+              <a:t>2021/11/21</a:t>
             </a:fld>
             <a:endParaRPr kumimoji="1" lang="ja-JP" altLang="en-US"/>
           </a:p>
@@ -1980,7 +1980,7 @@
           <a:p>
             <a:fld id="{C8659C27-364E-C74E-8EB0-0FFA61AB3438}" type="datetimeFigureOut">
               <a:rPr kumimoji="1" lang="ja-JP" altLang="en-US" smtClean="0"/>
-              <a:t>2021/11/19</a:t>
+              <a:t>2021/11/21</a:t>
             </a:fld>
             <a:endParaRPr kumimoji="1" lang="ja-JP" altLang="en-US"/>
           </a:p>
@@ -2450,7 +2450,7 @@
           <a:p>
             <a:fld id="{C8659C27-364E-C74E-8EB0-0FFA61AB3438}" type="datetimeFigureOut">
               <a:rPr kumimoji="1" lang="ja-JP" altLang="en-US" smtClean="0"/>
-              <a:t>2021/11/19</a:t>
+              <a:t>2021/11/21</a:t>
             </a:fld>
             <a:endParaRPr kumimoji="1" lang="ja-JP" altLang="en-US"/>
           </a:p>
@@ -2715,7 +2715,7 @@
           <a:p>
             <a:fld id="{C8659C27-364E-C74E-8EB0-0FFA61AB3438}" type="datetimeFigureOut">
               <a:rPr kumimoji="1" lang="ja-JP" altLang="en-US" smtClean="0"/>
-              <a:t>2021/11/19</a:t>
+              <a:t>2021/11/21</a:t>
             </a:fld>
             <a:endParaRPr kumimoji="1" lang="ja-JP" altLang="en-US"/>
           </a:p>
@@ -2985,7 +2985,7 @@
           <a:p>
             <a:fld id="{C8659C27-364E-C74E-8EB0-0FFA61AB3438}" type="datetimeFigureOut">
               <a:rPr kumimoji="1" lang="ja-JP" altLang="en-US" smtClean="0"/>
-              <a:t>2021/11/19</a:t>
+              <a:t>2021/11/21</a:t>
             </a:fld>
             <a:endParaRPr kumimoji="1" lang="ja-JP" altLang="en-US"/>
           </a:p>
@@ -3255,7 +3255,7 @@
           <a:p>
             <a:fld id="{C8659C27-364E-C74E-8EB0-0FFA61AB3438}" type="datetimeFigureOut">
               <a:rPr kumimoji="1" lang="ja-JP" altLang="en-US" smtClean="0"/>
-              <a:t>2021/11/19</a:t>
+              <a:t>2021/11/21</a:t>
             </a:fld>
             <a:endParaRPr kumimoji="1" lang="ja-JP" altLang="en-US"/>
           </a:p>
@@ -3621,7 +3621,7 @@
           <a:p>
             <a:fld id="{C8659C27-364E-C74E-8EB0-0FFA61AB3438}" type="datetimeFigureOut">
               <a:rPr kumimoji="1" lang="ja-JP" altLang="en-US" smtClean="0"/>
-              <a:t>2021/11/19</a:t>
+              <a:t>2021/11/21</a:t>
             </a:fld>
             <a:endParaRPr kumimoji="1" lang="ja-JP" altLang="en-US"/>
           </a:p>
@@ -3960,7 +3960,7 @@
           <a:p>
             <a:fld id="{C8659C27-364E-C74E-8EB0-0FFA61AB3438}" type="datetimeFigureOut">
               <a:rPr kumimoji="1" lang="ja-JP" altLang="en-US" smtClean="0"/>
-              <a:t>2021/11/19</a:t>
+              <a:t>2021/11/21</a:t>
             </a:fld>
             <a:endParaRPr kumimoji="1" lang="ja-JP" altLang="en-US"/>
           </a:p>
@@ -4507,7 +4507,7 @@
           <a:p>
             <a:fld id="{C8659C27-364E-C74E-8EB0-0FFA61AB3438}" type="datetimeFigureOut">
               <a:rPr kumimoji="1" lang="ja-JP" altLang="en-US" smtClean="0"/>
-              <a:t>2021/11/19</a:t>
+              <a:t>2021/11/21</a:t>
             </a:fld>
             <a:endParaRPr kumimoji="1" lang="ja-JP" altLang="en-US"/>
           </a:p>
@@ -4712,7 +4712,7 @@
           <a:p>
             <a:fld id="{C8659C27-364E-C74E-8EB0-0FFA61AB3438}" type="datetimeFigureOut">
               <a:rPr kumimoji="1" lang="ja-JP" altLang="en-US" smtClean="0"/>
-              <a:t>2021/11/19</a:t>
+              <a:t>2021/11/21</a:t>
             </a:fld>
             <a:endParaRPr kumimoji="1" lang="ja-JP" altLang="en-US"/>
           </a:p>
@@ -4889,7 +4889,7 @@
           <a:p>
             <a:fld id="{C8659C27-364E-C74E-8EB0-0FFA61AB3438}" type="datetimeFigureOut">
               <a:rPr kumimoji="1" lang="ja-JP" altLang="en-US" smtClean="0"/>
-              <a:t>2021/11/19</a:t>
+              <a:t>2021/11/21</a:t>
             </a:fld>
             <a:endParaRPr kumimoji="1" lang="ja-JP" altLang="en-US"/>
           </a:p>
@@ -5267,7 +5267,7 @@
           <a:p>
             <a:fld id="{C8659C27-364E-C74E-8EB0-0FFA61AB3438}" type="datetimeFigureOut">
               <a:rPr kumimoji="1" lang="ja-JP" altLang="en-US" smtClean="0"/>
-              <a:t>2021/11/19</a:t>
+              <a:t>2021/11/21</a:t>
             </a:fld>
             <a:endParaRPr kumimoji="1" lang="ja-JP" altLang="en-US"/>
           </a:p>
@@ -5649,7 +5649,7 @@
           <a:p>
             <a:fld id="{C8659C27-364E-C74E-8EB0-0FFA61AB3438}" type="datetimeFigureOut">
               <a:rPr kumimoji="1" lang="ja-JP" altLang="en-US" smtClean="0"/>
-              <a:t>2021/11/19</a:t>
+              <a:t>2021/11/21</a:t>
             </a:fld>
             <a:endParaRPr kumimoji="1" lang="ja-JP" altLang="en-US"/>
           </a:p>
@@ -7774,7 +7774,7 @@
           <a:p>
             <a:fld id="{C8659C27-364E-C74E-8EB0-0FFA61AB3438}" type="datetimeFigureOut">
               <a:rPr kumimoji="1" lang="ja-JP" altLang="en-US" smtClean="0"/>
-              <a:t>2021/11/19</a:t>
+              <a:t>2021/11/21</a:t>
             </a:fld>
             <a:endParaRPr kumimoji="1" lang="ja-JP" altLang="en-US"/>
           </a:p>
@@ -14874,8 +14874,8 @@
           </a:p>
         </p:txBody>
       </p:sp>
-      <mc:AlternateContent xmlns:mc="http://schemas.openxmlformats.org/markup-compatibility/2006" xmlns:a14="http://schemas.microsoft.com/office/drawing/2010/main">
-        <mc:Choice Requires="a14">
+      <mc:AlternateContent xmlns:mc="http://schemas.openxmlformats.org/markup-compatibility/2006">
+        <mc:Choice xmlns:a14="http://schemas.microsoft.com/office/drawing/2010/main" Requires="a14">
           <p:sp>
             <p:nvSpPr>
               <p:cNvPr id="3" name="コンテンツ プレースホルダー 2">
@@ -14953,8 +14953,12 @@
               <a:p>
                 <a:pPr lvl="1"/>
                 <a:r>
+                  <a:rPr lang="en" altLang="ja-JP" sz="2200"/>
+                  <a:t>negative </a:t>
+                </a:r>
+                <a:r>
                   <a:rPr lang="en" altLang="ja-JP" sz="2200" dirty="0"/>
-                  <a:t>Positive coefficient for the hold below sea level </a:t>
+                  <a:t>coefficient for the hold below sea level </a:t>
                 </a:r>
               </a:p>
               <a:p>
@@ -15140,7 +15144,7 @@
             </p:txBody>
           </p:sp>
         </mc:Choice>
-        <mc:Fallback xmlns="">
+        <mc:Fallback>
           <p:sp>
             <p:nvSpPr>
               <p:cNvPr id="3" name="コンテンツ プレースホルダー 2">
@@ -22339,8 +22343,8 @@
           </a:p>
         </p:txBody>
       </p:sp>
-      <mc:AlternateContent xmlns:mc="http://schemas.openxmlformats.org/markup-compatibility/2006">
-        <mc:Choice xmlns:a14="http://schemas.microsoft.com/office/drawing/2010/main" Requires="a14">
+      <mc:AlternateContent xmlns:mc="http://schemas.openxmlformats.org/markup-compatibility/2006" xmlns:a14="http://schemas.microsoft.com/office/drawing/2010/main">
+        <mc:Choice Requires="a14">
           <p:sp>
             <p:nvSpPr>
               <p:cNvPr id="3" name="コンテンツ プレースホルダー 2">
@@ -22692,7 +22696,7 @@
             </p:txBody>
           </p:sp>
         </mc:Choice>
-        <mc:Fallback>
+        <mc:Fallback xmlns="">
           <p:sp>
             <p:nvSpPr>
               <p:cNvPr id="3" name="コンテンツ プレースホルダー 2">

--- a/竹田_修論発表.pptx
+++ b/竹田_修論発表.pptx
@@ -15,60 +15,63 @@
     <p:sldId id="260" r:id="rId9"/>
     <p:sldId id="565" r:id="rId10"/>
     <p:sldId id="262" r:id="rId11"/>
-    <p:sldId id="614" r:id="rId12"/>
-    <p:sldId id="263" r:id="rId13"/>
-    <p:sldId id="269" r:id="rId14"/>
-    <p:sldId id="270" r:id="rId15"/>
-    <p:sldId id="271" r:id="rId16"/>
-    <p:sldId id="562" r:id="rId17"/>
-    <p:sldId id="272" r:id="rId18"/>
-    <p:sldId id="563" r:id="rId19"/>
-    <p:sldId id="273" r:id="rId20"/>
-    <p:sldId id="274" r:id="rId21"/>
-    <p:sldId id="564" r:id="rId22"/>
-    <p:sldId id="264" r:id="rId23"/>
-    <p:sldId id="265" r:id="rId24"/>
-    <p:sldId id="266" r:id="rId25"/>
-    <p:sldId id="566" r:id="rId26"/>
-    <p:sldId id="568" r:id="rId27"/>
-    <p:sldId id="559" r:id="rId28"/>
-    <p:sldId id="615" r:id="rId29"/>
-    <p:sldId id="569" r:id="rId30"/>
-    <p:sldId id="571" r:id="rId31"/>
-    <p:sldId id="573" r:id="rId32"/>
-    <p:sldId id="574" r:id="rId33"/>
-    <p:sldId id="572" r:id="rId34"/>
-    <p:sldId id="576" r:id="rId35"/>
-    <p:sldId id="577" r:id="rId36"/>
-    <p:sldId id="579" r:id="rId37"/>
-    <p:sldId id="587" r:id="rId38"/>
-    <p:sldId id="580" r:id="rId39"/>
-    <p:sldId id="588" r:id="rId40"/>
+    <p:sldId id="618" r:id="rId12"/>
+    <p:sldId id="614" r:id="rId13"/>
+    <p:sldId id="263" r:id="rId14"/>
+    <p:sldId id="269" r:id="rId15"/>
+    <p:sldId id="270" r:id="rId16"/>
+    <p:sldId id="271" r:id="rId17"/>
+    <p:sldId id="562" r:id="rId18"/>
+    <p:sldId id="272" r:id="rId19"/>
+    <p:sldId id="563" r:id="rId20"/>
+    <p:sldId id="273" r:id="rId21"/>
+    <p:sldId id="274" r:id="rId22"/>
+    <p:sldId id="564" r:id="rId23"/>
+    <p:sldId id="264" r:id="rId24"/>
+    <p:sldId id="265" r:id="rId25"/>
+    <p:sldId id="266" r:id="rId26"/>
+    <p:sldId id="566" r:id="rId27"/>
+    <p:sldId id="568" r:id="rId28"/>
+    <p:sldId id="559" r:id="rId29"/>
+    <p:sldId id="615" r:id="rId30"/>
+    <p:sldId id="569" r:id="rId31"/>
+    <p:sldId id="571" r:id="rId32"/>
+    <p:sldId id="573" r:id="rId33"/>
+    <p:sldId id="574" r:id="rId34"/>
+    <p:sldId id="572" r:id="rId35"/>
+    <p:sldId id="576" r:id="rId36"/>
+    <p:sldId id="577" r:id="rId37"/>
+    <p:sldId id="579" r:id="rId38"/>
+    <p:sldId id="587" r:id="rId39"/>
+    <p:sldId id="580" r:id="rId40"/>
     <p:sldId id="581" r:id="rId41"/>
-    <p:sldId id="589" r:id="rId42"/>
-    <p:sldId id="591" r:id="rId43"/>
-    <p:sldId id="590" r:id="rId44"/>
-    <p:sldId id="592" r:id="rId45"/>
-    <p:sldId id="594" r:id="rId46"/>
-    <p:sldId id="596" r:id="rId47"/>
-    <p:sldId id="597" r:id="rId48"/>
-    <p:sldId id="598" r:id="rId49"/>
-    <p:sldId id="607" r:id="rId50"/>
-    <p:sldId id="610" r:id="rId51"/>
-    <p:sldId id="601" r:id="rId52"/>
-    <p:sldId id="602" r:id="rId53"/>
-    <p:sldId id="603" r:id="rId54"/>
-    <p:sldId id="604" r:id="rId55"/>
-    <p:sldId id="606" r:id="rId56"/>
-    <p:sldId id="608" r:id="rId57"/>
-    <p:sldId id="611" r:id="rId58"/>
-    <p:sldId id="616" r:id="rId59"/>
-    <p:sldId id="617" r:id="rId60"/>
-    <p:sldId id="578" r:id="rId61"/>
-    <p:sldId id="609" r:id="rId62"/>
-    <p:sldId id="582" r:id="rId63"/>
-    <p:sldId id="583" r:id="rId64"/>
-    <p:sldId id="561" r:id="rId65"/>
+    <p:sldId id="619" r:id="rId42"/>
+    <p:sldId id="620" r:id="rId43"/>
+    <p:sldId id="588" r:id="rId44"/>
+    <p:sldId id="589" r:id="rId45"/>
+    <p:sldId id="591" r:id="rId46"/>
+    <p:sldId id="590" r:id="rId47"/>
+    <p:sldId id="592" r:id="rId48"/>
+    <p:sldId id="594" r:id="rId49"/>
+    <p:sldId id="596" r:id="rId50"/>
+    <p:sldId id="597" r:id="rId51"/>
+    <p:sldId id="598" r:id="rId52"/>
+    <p:sldId id="607" r:id="rId53"/>
+    <p:sldId id="610" r:id="rId54"/>
+    <p:sldId id="601" r:id="rId55"/>
+    <p:sldId id="602" r:id="rId56"/>
+    <p:sldId id="603" r:id="rId57"/>
+    <p:sldId id="604" r:id="rId58"/>
+    <p:sldId id="606" r:id="rId59"/>
+    <p:sldId id="608" r:id="rId60"/>
+    <p:sldId id="611" r:id="rId61"/>
+    <p:sldId id="616" r:id="rId62"/>
+    <p:sldId id="617" r:id="rId63"/>
+    <p:sldId id="609" r:id="rId64"/>
+    <p:sldId id="578" r:id="rId65"/>
+    <p:sldId id="582" r:id="rId66"/>
+    <p:sldId id="583" r:id="rId67"/>
+    <p:sldId id="561" r:id="rId68"/>
   </p:sldIdLst>
   <p:sldSz cx="12192000" cy="6858000"/>
   <p:notesSz cx="6858000" cy="9144000"/>
@@ -8623,7 +8626,7 @@
           <p:cNvPr id="2" name="タイトル 1">
             <a:extLst>
               <a:ext uri="{FF2B5EF4-FFF2-40B4-BE49-F238E27FC236}">
-                <a16:creationId xmlns:a16="http://schemas.microsoft.com/office/drawing/2014/main" id="{93010AF0-9B7D-1145-8148-06A633089EBF}"/>
+                <a16:creationId xmlns:a16="http://schemas.microsoft.com/office/drawing/2014/main" id="{73AA40AB-F8CD-C044-9728-4598503D65C7}"/>
               </a:ext>
             </a:extLst>
           </p:cNvPr>
@@ -8641,107 +8644,49 @@
           <a:p>
             <a:r>
               <a:rPr kumimoji="1" lang="en-US" altLang="ja-JP" dirty="0"/>
-              <a:t>Outline</a:t>
+              <a:t>Exa</a:t>
+            </a:r>
+            <a:r>
+              <a:rPr lang="en-US" altLang="ja-JP" dirty="0"/>
+              <a:t>mple of stowage plan</a:t>
             </a:r>
             <a:endParaRPr kumimoji="1" lang="ja-JP" altLang="en-US"/>
           </a:p>
         </p:txBody>
       </p:sp>
-      <p:sp>
-        <p:nvSpPr>
-          <p:cNvPr id="3" name="コンテンツ プレースホルダー 2">
+      <p:pic>
+        <p:nvPicPr>
+          <p:cNvPr id="5" name="コンテンツ プレースホルダー 4">
             <a:extLst>
               <a:ext uri="{FF2B5EF4-FFF2-40B4-BE49-F238E27FC236}">
-                <a16:creationId xmlns:a16="http://schemas.microsoft.com/office/drawing/2014/main" id="{97A5DCCE-A463-7E40-A93C-1FAC6C539F8C}"/>
+                <a16:creationId xmlns:a16="http://schemas.microsoft.com/office/drawing/2014/main" id="{450C6197-11E8-3540-A8F1-47CE6B0BD26A}"/>
               </a:ext>
             </a:extLst>
           </p:cNvPr>
-          <p:cNvSpPr>
-            <a:spLocks noGrp="1"/>
-          </p:cNvSpPr>
+          <p:cNvPicPr>
+            <a:picLocks noGrp="1" noChangeAspect="1"/>
+          </p:cNvPicPr>
           <p:nvPr>
             <p:ph idx="1"/>
           </p:nvPr>
-        </p:nvSpPr>
-        <p:spPr/>
-        <p:txBody>
-          <a:bodyPr>
-            <a:normAutofit/>
-          </a:bodyPr>
-          <a:lstStyle/>
-          <a:p>
-            <a:r>
-              <a:rPr kumimoji="1" lang="en-US" altLang="ja-JP" sz="2400" dirty="0">
-                <a:solidFill>
-                  <a:schemeClr val="bg1">
-                    <a:lumMod val="75000"/>
-                  </a:schemeClr>
-                </a:solidFill>
-              </a:rPr>
-              <a:t>Background</a:t>
-            </a:r>
-          </a:p>
-          <a:p>
-            <a:r>
-              <a:rPr lang="en-US" altLang="ja-JP" sz="2400" dirty="0">
-                <a:solidFill>
-                  <a:schemeClr val="bg1">
-                    <a:lumMod val="75000"/>
-                  </a:schemeClr>
-                </a:solidFill>
-              </a:rPr>
-              <a:t>Problem definition</a:t>
-            </a:r>
-            <a:endParaRPr kumimoji="1" lang="en-US" altLang="ja-JP" sz="2400" dirty="0">
-              <a:solidFill>
-                <a:schemeClr val="bg1">
-                  <a:lumMod val="75000"/>
-                </a:schemeClr>
-              </a:solidFill>
-            </a:endParaRPr>
-          </a:p>
-          <a:p>
-            <a:r>
-              <a:rPr lang="en-US" altLang="ja-JP" sz="2400" dirty="0"/>
-              <a:t>Modeling </a:t>
-            </a:r>
-          </a:p>
-          <a:p>
-            <a:r>
-              <a:rPr lang="en-US" altLang="ja-JP" sz="2400" dirty="0">
-                <a:solidFill>
-                  <a:schemeClr val="bg1">
-                    <a:lumMod val="75000"/>
-                  </a:schemeClr>
-                </a:solidFill>
-              </a:rPr>
-              <a:t>Different modeling</a:t>
-            </a:r>
-          </a:p>
-          <a:p>
-            <a:r>
-              <a:rPr kumimoji="1" lang="en-US" altLang="ja-JP" sz="2400" dirty="0">
-                <a:solidFill>
-                  <a:schemeClr val="bg1">
-                    <a:lumMod val="75000"/>
-                  </a:schemeClr>
-                </a:solidFill>
-              </a:rPr>
-              <a:t>future work</a:t>
-            </a:r>
-          </a:p>
-          <a:p>
-            <a:endParaRPr kumimoji="1" lang="en-US" altLang="ja-JP" sz="2400" dirty="0"/>
-          </a:p>
-          <a:p>
-            <a:endParaRPr kumimoji="1" lang="ja-JP" altLang="en-US" sz="2400"/>
-          </a:p>
-        </p:txBody>
-      </p:sp>
+        </p:nvPicPr>
+        <p:blipFill>
+          <a:blip r:embed="rId2"/>
+          <a:stretch>
+            <a:fillRect/>
+          </a:stretch>
+        </p:blipFill>
+        <p:spPr>
+          <a:xfrm>
+            <a:off x="2592925" y="1730188"/>
+            <a:ext cx="7535966" cy="3778250"/>
+          </a:xfrm>
+        </p:spPr>
+      </p:pic>
     </p:spTree>
     <p:extLst>
       <p:ext uri="{BB962C8B-B14F-4D97-AF65-F5344CB8AC3E}">
-        <p14:creationId xmlns:p14="http://schemas.microsoft.com/office/powerpoint/2010/main" val="844269254"/>
+        <p14:creationId xmlns:p14="http://schemas.microsoft.com/office/powerpoint/2010/main" val="1718871092"/>
       </p:ext>
     </p:extLst>
   </p:cSld>
@@ -8773,7 +8718,7 @@
           <p:cNvPr id="2" name="タイトル 1">
             <a:extLst>
               <a:ext uri="{FF2B5EF4-FFF2-40B4-BE49-F238E27FC236}">
-                <a16:creationId xmlns:a16="http://schemas.microsoft.com/office/drawing/2014/main" id="{89663C5D-CBA2-0E4F-B496-EAA0921F02CB}"/>
+                <a16:creationId xmlns:a16="http://schemas.microsoft.com/office/drawing/2014/main" id="{93010AF0-9B7D-1145-8148-06A633089EBF}"/>
               </a:ext>
             </a:extLst>
           </p:cNvPr>
@@ -8790,8 +8735,8 @@
           <a:lstStyle/>
           <a:p>
             <a:r>
-              <a:rPr lang="en-US" altLang="ja-JP" dirty="0"/>
-              <a:t>Mathematical Modeling</a:t>
+              <a:rPr kumimoji="1" lang="en-US" altLang="ja-JP" dirty="0"/>
+              <a:t>Outline</a:t>
             </a:r>
             <a:endParaRPr kumimoji="1" lang="ja-JP" altLang="en-US"/>
           </a:p>
@@ -8802,7 +8747,7 @@
           <p:cNvPr id="3" name="コンテンツ プレースホルダー 2">
             <a:extLst>
               <a:ext uri="{FF2B5EF4-FFF2-40B4-BE49-F238E27FC236}">
-                <a16:creationId xmlns:a16="http://schemas.microsoft.com/office/drawing/2014/main" id="{DDCCA87D-98EC-5F4C-B7CC-2189578463C2}"/>
+                <a16:creationId xmlns:a16="http://schemas.microsoft.com/office/drawing/2014/main" id="{97A5DCCE-A463-7E40-A93C-1FAC6C539F8C}"/>
               </a:ext>
             </a:extLst>
           </p:cNvPr>
@@ -8821,41 +8766,69 @@
           <a:lstStyle/>
           <a:p>
             <a:r>
-              <a:rPr kumimoji="1" lang="en-US" altLang="ja-JP" sz="2400" dirty="0"/>
-              <a:t>We model this </a:t>
-            </a:r>
+              <a:rPr kumimoji="1" lang="en-US" altLang="ja-JP" sz="2400" dirty="0">
+                <a:solidFill>
+                  <a:schemeClr val="bg1">
+                    <a:lumMod val="75000"/>
+                  </a:schemeClr>
+                </a:solidFill>
+              </a:rPr>
+              <a:t>Background</a:t>
+            </a:r>
+          </a:p>
+          <a:p>
+            <a:r>
+              <a:rPr lang="en-US" altLang="ja-JP" sz="2400" dirty="0">
+                <a:solidFill>
+                  <a:schemeClr val="bg1">
+                    <a:lumMod val="75000"/>
+                  </a:schemeClr>
+                </a:solidFill>
+              </a:rPr>
+              <a:t>Problem definition</a:t>
+            </a:r>
+            <a:endParaRPr kumimoji="1" lang="en-US" altLang="ja-JP" sz="2400" dirty="0">
+              <a:solidFill>
+                <a:schemeClr val="bg1">
+                  <a:lumMod val="75000"/>
+                </a:schemeClr>
+              </a:solidFill>
+            </a:endParaRPr>
+          </a:p>
+          <a:p>
             <a:r>
               <a:rPr lang="en-US" altLang="ja-JP" sz="2400" dirty="0"/>
-              <a:t>assignment based on interviews with planners.</a:t>
-            </a:r>
-          </a:p>
-          <a:p>
-            <a:r>
-              <a:rPr lang="en-US" altLang="ja-JP" sz="2400" dirty="0"/>
-              <a:t>I and </a:t>
-            </a:r>
-            <a:r>
-              <a:rPr lang="en-US" altLang="ja-JP" sz="2400" dirty="0" err="1"/>
-              <a:t>Mr.Ukawa</a:t>
-            </a:r>
-            <a:r>
-              <a:rPr lang="en-US" altLang="ja-JP" sz="2400" dirty="0"/>
-              <a:t> made model for this assignment last year.</a:t>
-            </a:r>
-          </a:p>
-          <a:p>
-            <a:r>
-              <a:rPr kumimoji="1" lang="en-US" altLang="ja-JP" sz="2400" dirty="0"/>
-              <a:t>I will explain </a:t>
-            </a:r>
-            <a:r>
-              <a:rPr lang="en-US" altLang="ja-JP" sz="2400" dirty="0"/>
-              <a:t>objective function and constraints one </a:t>
-            </a:r>
-            <a:r>
-              <a:rPr kumimoji="1" lang="en-US" altLang="ja-JP" sz="2400" dirty="0"/>
-              <a:t>by one.</a:t>
-            </a:r>
+              <a:t>Modeling </a:t>
+            </a:r>
+          </a:p>
+          <a:p>
+            <a:r>
+              <a:rPr lang="en-US" altLang="ja-JP" sz="2400" dirty="0">
+                <a:solidFill>
+                  <a:schemeClr val="bg1">
+                    <a:lumMod val="75000"/>
+                  </a:schemeClr>
+                </a:solidFill>
+              </a:rPr>
+              <a:t>Different modeling</a:t>
+            </a:r>
+          </a:p>
+          <a:p>
+            <a:r>
+              <a:rPr kumimoji="1" lang="en-US" altLang="ja-JP" sz="2400" dirty="0">
+                <a:solidFill>
+                  <a:schemeClr val="bg1">
+                    <a:lumMod val="75000"/>
+                  </a:schemeClr>
+                </a:solidFill>
+              </a:rPr>
+              <a:t>future work</a:t>
+            </a:r>
+          </a:p>
+          <a:p>
+            <a:endParaRPr kumimoji="1" lang="en-US" altLang="ja-JP" sz="2400" dirty="0"/>
+          </a:p>
+          <a:p>
             <a:endParaRPr kumimoji="1" lang="ja-JP" altLang="en-US" sz="2400"/>
           </a:p>
         </p:txBody>
@@ -8863,7 +8836,7 @@
     </p:spTree>
     <p:extLst>
       <p:ext uri="{BB962C8B-B14F-4D97-AF65-F5344CB8AC3E}">
-        <p14:creationId xmlns:p14="http://schemas.microsoft.com/office/powerpoint/2010/main" val="1750544108"/>
+        <p14:creationId xmlns:p14="http://schemas.microsoft.com/office/powerpoint/2010/main" val="844269254"/>
       </p:ext>
     </p:extLst>
   </p:cSld>
@@ -8895,6 +8868,128 @@
           <p:cNvPr id="2" name="タイトル 1">
             <a:extLst>
               <a:ext uri="{FF2B5EF4-FFF2-40B4-BE49-F238E27FC236}">
+                <a16:creationId xmlns:a16="http://schemas.microsoft.com/office/drawing/2014/main" id="{89663C5D-CBA2-0E4F-B496-EAA0921F02CB}"/>
+              </a:ext>
+            </a:extLst>
+          </p:cNvPr>
+          <p:cNvSpPr>
+            <a:spLocks noGrp="1"/>
+          </p:cNvSpPr>
+          <p:nvPr>
+            <p:ph type="title"/>
+          </p:nvPr>
+        </p:nvSpPr>
+        <p:spPr/>
+        <p:txBody>
+          <a:bodyPr/>
+          <a:lstStyle/>
+          <a:p>
+            <a:r>
+              <a:rPr lang="en-US" altLang="ja-JP" dirty="0"/>
+              <a:t>Mathematical Modeling</a:t>
+            </a:r>
+            <a:endParaRPr kumimoji="1" lang="ja-JP" altLang="en-US"/>
+          </a:p>
+        </p:txBody>
+      </p:sp>
+      <p:sp>
+        <p:nvSpPr>
+          <p:cNvPr id="3" name="コンテンツ プレースホルダー 2">
+            <a:extLst>
+              <a:ext uri="{FF2B5EF4-FFF2-40B4-BE49-F238E27FC236}">
+                <a16:creationId xmlns:a16="http://schemas.microsoft.com/office/drawing/2014/main" id="{DDCCA87D-98EC-5F4C-B7CC-2189578463C2}"/>
+              </a:ext>
+            </a:extLst>
+          </p:cNvPr>
+          <p:cNvSpPr>
+            <a:spLocks noGrp="1"/>
+          </p:cNvSpPr>
+          <p:nvPr>
+            <p:ph idx="1"/>
+          </p:nvPr>
+        </p:nvSpPr>
+        <p:spPr/>
+        <p:txBody>
+          <a:bodyPr>
+            <a:normAutofit/>
+          </a:bodyPr>
+          <a:lstStyle/>
+          <a:p>
+            <a:r>
+              <a:rPr kumimoji="1" lang="en-US" altLang="ja-JP" sz="2400" dirty="0"/>
+              <a:t>We model this </a:t>
+            </a:r>
+            <a:r>
+              <a:rPr lang="en-US" altLang="ja-JP" sz="2400" dirty="0"/>
+              <a:t>assignment based on interviews with planners.</a:t>
+            </a:r>
+          </a:p>
+          <a:p>
+            <a:r>
+              <a:rPr lang="en-US" altLang="ja-JP" sz="2400" dirty="0"/>
+              <a:t>I and </a:t>
+            </a:r>
+            <a:r>
+              <a:rPr lang="en-US" altLang="ja-JP" sz="2400" dirty="0" err="1"/>
+              <a:t>Mr.Ukawa</a:t>
+            </a:r>
+            <a:r>
+              <a:rPr lang="en-US" altLang="ja-JP" sz="2400" dirty="0"/>
+              <a:t> made model for this assignment last year.</a:t>
+            </a:r>
+          </a:p>
+          <a:p>
+            <a:r>
+              <a:rPr kumimoji="1" lang="en-US" altLang="ja-JP" sz="2400" dirty="0"/>
+              <a:t>I will explain </a:t>
+            </a:r>
+            <a:r>
+              <a:rPr lang="en-US" altLang="ja-JP" sz="2400" dirty="0"/>
+              <a:t>objective function and constraints one </a:t>
+            </a:r>
+            <a:r>
+              <a:rPr kumimoji="1" lang="en-US" altLang="ja-JP" sz="2400" dirty="0"/>
+              <a:t>by one.</a:t>
+            </a:r>
+            <a:endParaRPr kumimoji="1" lang="ja-JP" altLang="en-US" sz="2400"/>
+          </a:p>
+        </p:txBody>
+      </p:sp>
+    </p:spTree>
+    <p:extLst>
+      <p:ext uri="{BB962C8B-B14F-4D97-AF65-F5344CB8AC3E}">
+        <p14:creationId xmlns:p14="http://schemas.microsoft.com/office/powerpoint/2010/main" val="1750544108"/>
+      </p:ext>
+    </p:extLst>
+  </p:cSld>
+  <p:clrMapOvr>
+    <a:masterClrMapping/>
+  </p:clrMapOvr>
+</p:sld>
+</file>
+
+<file path=ppt/slides/slide14.xml><?xml version="1.0" encoding="utf-8"?>
+<p:sld xmlns:a="http://schemas.openxmlformats.org/drawingml/2006/main" xmlns:r="http://schemas.openxmlformats.org/officeDocument/2006/relationships" xmlns:p="http://schemas.openxmlformats.org/presentationml/2006/main">
+  <p:cSld>
+    <p:spTree>
+      <p:nvGrpSpPr>
+        <p:cNvPr id="1" name=""/>
+        <p:cNvGrpSpPr/>
+        <p:nvPr/>
+      </p:nvGrpSpPr>
+      <p:grpSpPr>
+        <a:xfrm>
+          <a:off x="0" y="0"/>
+          <a:ext cx="0" cy="0"/>
+          <a:chOff x="0" y="0"/>
+          <a:chExt cx="0" cy="0"/>
+        </a:xfrm>
+      </p:grpSpPr>
+      <p:sp>
+        <p:nvSpPr>
+          <p:cNvPr id="2" name="タイトル 1">
+            <a:extLst>
+              <a:ext uri="{FF2B5EF4-FFF2-40B4-BE49-F238E27FC236}">
                 <a16:creationId xmlns:a16="http://schemas.microsoft.com/office/drawing/2014/main" id="{FD7804DA-5131-1342-B346-35CAC3C09CE7}"/>
               </a:ext>
             </a:extLst>
@@ -9023,7 +9118,7 @@
 </p:sld>
 </file>
 
-<file path=ppt/slides/slide14.xml><?xml version="1.0" encoding="utf-8"?>
+<file path=ppt/slides/slide15.xml><?xml version="1.0" encoding="utf-8"?>
 <p:sld xmlns:a="http://schemas.openxmlformats.org/drawingml/2006/main" xmlns:r="http://schemas.openxmlformats.org/officeDocument/2006/relationships" xmlns:p="http://schemas.openxmlformats.org/presentationml/2006/main">
   <p:cSld>
     <p:spTree>
@@ -9410,7 +9505,7 @@
 </p:sld>
 </file>
 
-<file path=ppt/slides/slide15.xml><?xml version="1.0" encoding="utf-8"?>
+<file path=ppt/slides/slide16.xml><?xml version="1.0" encoding="utf-8"?>
 <p:sld xmlns:a="http://schemas.openxmlformats.org/drawingml/2006/main" xmlns:r="http://schemas.openxmlformats.org/officeDocument/2006/relationships" xmlns:p="http://schemas.openxmlformats.org/presentationml/2006/main">
   <p:cSld>
     <p:spTree>
@@ -10691,6 +10786,142 @@
           </a:p>
         </p:txBody>
       </p:sp>
+      <p:sp>
+        <p:nvSpPr>
+          <p:cNvPr id="30" name="テキスト ボックス 29">
+            <a:extLst>
+              <a:ext uri="{FF2B5EF4-FFF2-40B4-BE49-F238E27FC236}">
+                <a16:creationId xmlns:a16="http://schemas.microsoft.com/office/drawing/2014/main" id="{F0F96D9C-E7E3-024A-AC36-6264ACE0D3A9}"/>
+              </a:ext>
+            </a:extLst>
+          </p:cNvPr>
+          <p:cNvSpPr txBox="1"/>
+          <p:nvPr/>
+        </p:nvSpPr>
+        <p:spPr>
+          <a:xfrm>
+            <a:off x="2476282" y="4605697"/>
+            <a:ext cx="1079656" cy="369332"/>
+          </a:xfrm>
+          <a:prstGeom prst="rect">
+            <a:avLst/>
+          </a:prstGeom>
+          <a:noFill/>
+        </p:spPr>
+        <p:txBody>
+          <a:bodyPr wrap="square" rtlCol="0">
+            <a:spAutoFit/>
+          </a:bodyPr>
+          <a:lstStyle/>
+          <a:p>
+            <a:r>
+              <a:rPr kumimoji="1" lang="en-US" altLang="ja-JP" dirty="0"/>
+              <a:t>3</a:t>
+            </a:r>
+            <a:r>
+              <a:rPr kumimoji="1" lang="en-US" altLang="ja-JP" baseline="30000" dirty="0"/>
+              <a:t>rd</a:t>
+            </a:r>
+            <a:r>
+              <a:rPr kumimoji="1" lang="en-US" altLang="ja-JP" dirty="0"/>
+              <a:t> floor</a:t>
+            </a:r>
+            <a:endParaRPr kumimoji="1" lang="ja-JP" altLang="en-US"/>
+          </a:p>
+        </p:txBody>
+      </p:sp>
+      <p:sp>
+        <p:nvSpPr>
+          <p:cNvPr id="31" name="テキスト ボックス 30">
+            <a:extLst>
+              <a:ext uri="{FF2B5EF4-FFF2-40B4-BE49-F238E27FC236}">
+                <a16:creationId xmlns:a16="http://schemas.microsoft.com/office/drawing/2014/main" id="{A683509C-82A2-4C40-BA98-C0DF725011BD}"/>
+              </a:ext>
+            </a:extLst>
+          </p:cNvPr>
+          <p:cNvSpPr txBox="1"/>
+          <p:nvPr/>
+        </p:nvSpPr>
+        <p:spPr>
+          <a:xfrm>
+            <a:off x="2476282" y="5234520"/>
+            <a:ext cx="1079656" cy="369332"/>
+          </a:xfrm>
+          <a:prstGeom prst="rect">
+            <a:avLst/>
+          </a:prstGeom>
+          <a:noFill/>
+        </p:spPr>
+        <p:txBody>
+          <a:bodyPr wrap="square" rtlCol="0">
+            <a:spAutoFit/>
+          </a:bodyPr>
+          <a:lstStyle/>
+          <a:p>
+            <a:r>
+              <a:rPr lang="en-US" altLang="ja-JP" dirty="0"/>
+              <a:t>2</a:t>
+            </a:r>
+            <a:r>
+              <a:rPr lang="en-US" altLang="ja-JP" baseline="30000" dirty="0"/>
+              <a:t>nd</a:t>
+            </a:r>
+            <a:r>
+              <a:rPr lang="en-US" altLang="ja-JP" dirty="0"/>
+              <a:t> </a:t>
+            </a:r>
+            <a:r>
+              <a:rPr kumimoji="1" lang="en-US" altLang="ja-JP" dirty="0"/>
+              <a:t>floor</a:t>
+            </a:r>
+            <a:endParaRPr kumimoji="1" lang="ja-JP" altLang="en-US"/>
+          </a:p>
+        </p:txBody>
+      </p:sp>
+      <p:sp>
+        <p:nvSpPr>
+          <p:cNvPr id="32" name="テキスト ボックス 31">
+            <a:extLst>
+              <a:ext uri="{FF2B5EF4-FFF2-40B4-BE49-F238E27FC236}">
+                <a16:creationId xmlns:a16="http://schemas.microsoft.com/office/drawing/2014/main" id="{F255F23A-F0CD-E448-A021-1789908D3737}"/>
+              </a:ext>
+            </a:extLst>
+          </p:cNvPr>
+          <p:cNvSpPr txBox="1"/>
+          <p:nvPr/>
+        </p:nvSpPr>
+        <p:spPr>
+          <a:xfrm>
+            <a:off x="2478783" y="5965009"/>
+            <a:ext cx="1079656" cy="369332"/>
+          </a:xfrm>
+          <a:prstGeom prst="rect">
+            <a:avLst/>
+          </a:prstGeom>
+          <a:noFill/>
+        </p:spPr>
+        <p:txBody>
+          <a:bodyPr wrap="square" rtlCol="0">
+            <a:spAutoFit/>
+          </a:bodyPr>
+          <a:lstStyle/>
+          <a:p>
+            <a:r>
+              <a:rPr kumimoji="1" lang="en-US" altLang="ja-JP" dirty="0"/>
+              <a:t>1</a:t>
+            </a:r>
+            <a:r>
+              <a:rPr kumimoji="1" lang="en-US" altLang="ja-JP" baseline="30000" dirty="0"/>
+              <a:t>st</a:t>
+            </a:r>
+            <a:r>
+              <a:rPr kumimoji="1" lang="en-US" altLang="ja-JP" dirty="0"/>
+              <a:t>  floor</a:t>
+            </a:r>
+            <a:endParaRPr kumimoji="1" lang="ja-JP" altLang="en-US"/>
+          </a:p>
+        </p:txBody>
+      </p:sp>
     </p:spTree>
     <p:extLst>
       <p:ext uri="{BB962C8B-B14F-4D97-AF65-F5344CB8AC3E}">
@@ -10704,7 +10935,7 @@
 </p:sld>
 </file>
 
-<file path=ppt/slides/slide16.xml><?xml version="1.0" encoding="utf-8"?>
+<file path=ppt/slides/slide17.xml><?xml version="1.0" encoding="utf-8"?>
 <p:sld xmlns:a="http://schemas.openxmlformats.org/drawingml/2006/main" xmlns:r="http://schemas.openxmlformats.org/officeDocument/2006/relationships" xmlns:p="http://schemas.openxmlformats.org/presentationml/2006/main">
   <p:cSld>
     <p:spTree>
@@ -10834,7 +11065,7 @@
         </p:nvSpPr>
         <p:spPr>
           <a:xfrm>
-            <a:off x="4179933" y="4517103"/>
+            <a:off x="4911366" y="4488875"/>
             <a:ext cx="668741" cy="627797"/>
           </a:xfrm>
           <a:prstGeom prst="rect">
@@ -10883,7 +11114,7 @@
         </p:nvSpPr>
         <p:spPr>
           <a:xfrm>
-            <a:off x="3516082" y="4517103"/>
+            <a:off x="4247515" y="4488875"/>
             <a:ext cx="668741" cy="627797"/>
           </a:xfrm>
           <a:prstGeom prst="rect">
@@ -10932,7 +11163,7 @@
         </p:nvSpPr>
         <p:spPr>
           <a:xfrm>
-            <a:off x="2870313" y="4512553"/>
+            <a:off x="3601746" y="4484325"/>
             <a:ext cx="668741" cy="627797"/>
           </a:xfrm>
           <a:prstGeom prst="rect">
@@ -10981,7 +11212,7 @@
         </p:nvSpPr>
         <p:spPr>
           <a:xfrm>
-            <a:off x="2870312" y="5152747"/>
+            <a:off x="3601745" y="5124519"/>
             <a:ext cx="668741" cy="627797"/>
           </a:xfrm>
           <a:prstGeom prst="rect">
@@ -11030,7 +11261,7 @@
         </p:nvSpPr>
         <p:spPr>
           <a:xfrm>
-            <a:off x="3528552" y="5144900"/>
+            <a:off x="4259985" y="5116672"/>
             <a:ext cx="668741" cy="627797"/>
           </a:xfrm>
           <a:prstGeom prst="rect">
@@ -11079,7 +11310,7 @@
         </p:nvSpPr>
         <p:spPr>
           <a:xfrm>
-            <a:off x="4184823" y="5153999"/>
+            <a:off x="4916256" y="5125771"/>
             <a:ext cx="668741" cy="627797"/>
           </a:xfrm>
           <a:prstGeom prst="rect">
@@ -11128,7 +11359,7 @@
         </p:nvSpPr>
         <p:spPr>
           <a:xfrm>
-            <a:off x="4179933" y="5788392"/>
+            <a:off x="4911366" y="5760164"/>
             <a:ext cx="668741" cy="627797"/>
           </a:xfrm>
           <a:prstGeom prst="rect">
@@ -11177,7 +11408,7 @@
         </p:nvSpPr>
         <p:spPr>
           <a:xfrm>
-            <a:off x="2870311" y="5772697"/>
+            <a:off x="3601744" y="5744469"/>
             <a:ext cx="668741" cy="627797"/>
           </a:xfrm>
           <a:prstGeom prst="rect">
@@ -11226,7 +11457,7 @@
         </p:nvSpPr>
         <p:spPr>
           <a:xfrm>
-            <a:off x="3525744" y="5779293"/>
+            <a:off x="4257177" y="5751065"/>
             <a:ext cx="668741" cy="627797"/>
           </a:xfrm>
           <a:prstGeom prst="rect">
@@ -11275,7 +11506,7 @@
         </p:nvSpPr>
         <p:spPr>
           <a:xfrm>
-            <a:off x="8382181" y="4511219"/>
+            <a:off x="8825933" y="4484325"/>
             <a:ext cx="668741" cy="627797"/>
           </a:xfrm>
           <a:prstGeom prst="rect">
@@ -11324,7 +11555,7 @@
         </p:nvSpPr>
         <p:spPr>
           <a:xfrm>
-            <a:off x="7716218" y="4511219"/>
+            <a:off x="8159970" y="4484325"/>
             <a:ext cx="668741" cy="627797"/>
           </a:xfrm>
           <a:prstGeom prst="rect">
@@ -11373,7 +11604,7 @@
         </p:nvSpPr>
         <p:spPr>
           <a:xfrm>
-            <a:off x="7046912" y="4512552"/>
+            <a:off x="7490664" y="4485658"/>
             <a:ext cx="668741" cy="627797"/>
           </a:xfrm>
           <a:prstGeom prst="rect">
@@ -11422,7 +11653,7 @@
         </p:nvSpPr>
         <p:spPr>
           <a:xfrm>
-            <a:off x="7041907" y="5131250"/>
+            <a:off x="7485659" y="5104356"/>
             <a:ext cx="668741" cy="627797"/>
           </a:xfrm>
           <a:prstGeom prst="rect">
@@ -11471,7 +11702,7 @@
         </p:nvSpPr>
         <p:spPr>
           <a:xfrm>
-            <a:off x="7711328" y="5140349"/>
+            <a:off x="8155080" y="5113455"/>
             <a:ext cx="668741" cy="627797"/>
           </a:xfrm>
           <a:prstGeom prst="rect">
@@ -11520,7 +11751,7 @@
         </p:nvSpPr>
         <p:spPr>
           <a:xfrm>
-            <a:off x="8386211" y="5122151"/>
+            <a:off x="8829963" y="5095257"/>
             <a:ext cx="668741" cy="627797"/>
           </a:xfrm>
           <a:prstGeom prst="rect">
@@ -11569,7 +11800,7 @@
         </p:nvSpPr>
         <p:spPr>
           <a:xfrm>
-            <a:off x="8382180" y="5759047"/>
+            <a:off x="8825932" y="5732153"/>
             <a:ext cx="668741" cy="627797"/>
           </a:xfrm>
           <a:prstGeom prst="rect">
@@ -11618,7 +11849,7 @@
         </p:nvSpPr>
         <p:spPr>
           <a:xfrm>
-            <a:off x="7044903" y="5759047"/>
+            <a:off x="7488655" y="5732153"/>
             <a:ext cx="668741" cy="627797"/>
           </a:xfrm>
           <a:prstGeom prst="rect">
@@ -11667,7 +11898,7 @@
         </p:nvSpPr>
         <p:spPr>
           <a:xfrm>
-            <a:off x="7711328" y="5766813"/>
+            <a:off x="8155080" y="5739919"/>
             <a:ext cx="668741" cy="627797"/>
           </a:xfrm>
           <a:prstGeom prst="rect">
@@ -11716,7 +11947,7 @@
         </p:nvCxnSpPr>
         <p:spPr>
           <a:xfrm>
-            <a:off x="3184536" y="4954137"/>
+            <a:off x="3915969" y="4925909"/>
             <a:ext cx="0" cy="354842"/>
           </a:xfrm>
           <a:prstGeom prst="straightConnector1">
@@ -11756,7 +11987,7 @@
         </p:nvCxnSpPr>
         <p:spPr>
           <a:xfrm>
-            <a:off x="4565235" y="5610971"/>
+            <a:off x="5296668" y="5582743"/>
             <a:ext cx="0" cy="354842"/>
           </a:xfrm>
           <a:prstGeom prst="straightConnector1">
@@ -11796,7 +12027,7 @@
         </p:nvCxnSpPr>
         <p:spPr>
           <a:xfrm>
-            <a:off x="7335730" y="4944730"/>
+            <a:off x="7779482" y="4917836"/>
             <a:ext cx="0" cy="354842"/>
           </a:xfrm>
           <a:prstGeom prst="straightConnector1">
@@ -11836,7 +12067,7 @@
         </p:nvCxnSpPr>
         <p:spPr>
           <a:xfrm>
-            <a:off x="8768745" y="5581626"/>
+            <a:off x="9212497" y="5554732"/>
             <a:ext cx="0" cy="354842"/>
           </a:xfrm>
           <a:prstGeom prst="straightConnector1">
@@ -11876,8 +12107,8 @@
         </p:nvSpPr>
         <p:spPr>
           <a:xfrm>
-            <a:off x="4986969" y="4944730"/>
-            <a:ext cx="1589912" cy="646331"/>
+            <a:off x="5591139" y="4927495"/>
+            <a:ext cx="1505844" cy="646331"/>
           </a:xfrm>
           <a:prstGeom prst="rect">
             <a:avLst/>
@@ -11912,7 +12143,7 @@
         </p:nvSpPr>
         <p:spPr>
           <a:xfrm>
-            <a:off x="9260118" y="5124723"/>
+            <a:off x="9703870" y="5097829"/>
             <a:ext cx="1589912" cy="646331"/>
           </a:xfrm>
           <a:prstGeom prst="rect">
@@ -11934,120 +12165,146 @@
           </a:p>
         </p:txBody>
       </p:sp>
+      <p:sp>
+        <p:nvSpPr>
+          <p:cNvPr id="22" name="テキスト ボックス 21">
+            <a:extLst>
+              <a:ext uri="{FF2B5EF4-FFF2-40B4-BE49-F238E27FC236}">
+                <a16:creationId xmlns:a16="http://schemas.microsoft.com/office/drawing/2014/main" id="{5974DF50-14F2-1F41-BB51-5B16E16E3DBD}"/>
+              </a:ext>
+            </a:extLst>
+          </p:cNvPr>
+          <p:cNvSpPr txBox="1"/>
+          <p:nvPr/>
+        </p:nvSpPr>
+        <p:spPr>
+          <a:xfrm>
+            <a:off x="2325250" y="4556577"/>
+            <a:ext cx="1079656" cy="369332"/>
+          </a:xfrm>
+          <a:prstGeom prst="rect">
+            <a:avLst/>
+          </a:prstGeom>
+          <a:noFill/>
+        </p:spPr>
+        <p:txBody>
+          <a:bodyPr wrap="square" rtlCol="0">
+            <a:spAutoFit/>
+          </a:bodyPr>
+          <a:lstStyle/>
+          <a:p>
+            <a:r>
+              <a:rPr kumimoji="1" lang="en-US" altLang="ja-JP" dirty="0"/>
+              <a:t>3</a:t>
+            </a:r>
+            <a:r>
+              <a:rPr kumimoji="1" lang="en-US" altLang="ja-JP" baseline="30000" dirty="0"/>
+              <a:t>rd</a:t>
+            </a:r>
+            <a:r>
+              <a:rPr kumimoji="1" lang="en-US" altLang="ja-JP" dirty="0"/>
+              <a:t> floor</a:t>
+            </a:r>
+            <a:endParaRPr kumimoji="1" lang="ja-JP" altLang="en-US"/>
+          </a:p>
+        </p:txBody>
+      </p:sp>
+      <p:sp>
+        <p:nvSpPr>
+          <p:cNvPr id="29" name="テキスト ボックス 28">
+            <a:extLst>
+              <a:ext uri="{FF2B5EF4-FFF2-40B4-BE49-F238E27FC236}">
+                <a16:creationId xmlns:a16="http://schemas.microsoft.com/office/drawing/2014/main" id="{4494B2D4-DD27-B74A-B4B8-06648AA0D969}"/>
+              </a:ext>
+            </a:extLst>
+          </p:cNvPr>
+          <p:cNvSpPr txBox="1"/>
+          <p:nvPr/>
+        </p:nvSpPr>
+        <p:spPr>
+          <a:xfrm>
+            <a:off x="2325250" y="5185400"/>
+            <a:ext cx="1079656" cy="369332"/>
+          </a:xfrm>
+          <a:prstGeom prst="rect">
+            <a:avLst/>
+          </a:prstGeom>
+          <a:noFill/>
+        </p:spPr>
+        <p:txBody>
+          <a:bodyPr wrap="square" rtlCol="0">
+            <a:spAutoFit/>
+          </a:bodyPr>
+          <a:lstStyle/>
+          <a:p>
+            <a:r>
+              <a:rPr lang="en-US" altLang="ja-JP" dirty="0"/>
+              <a:t>2</a:t>
+            </a:r>
+            <a:r>
+              <a:rPr lang="en-US" altLang="ja-JP" baseline="30000" dirty="0"/>
+              <a:t>nd</a:t>
+            </a:r>
+            <a:r>
+              <a:rPr lang="en-US" altLang="ja-JP" dirty="0"/>
+              <a:t> </a:t>
+            </a:r>
+            <a:r>
+              <a:rPr kumimoji="1" lang="en-US" altLang="ja-JP" dirty="0"/>
+              <a:t>floor</a:t>
+            </a:r>
+            <a:endParaRPr kumimoji="1" lang="ja-JP" altLang="en-US"/>
+          </a:p>
+        </p:txBody>
+      </p:sp>
+      <p:sp>
+        <p:nvSpPr>
+          <p:cNvPr id="30" name="テキスト ボックス 29">
+            <a:extLst>
+              <a:ext uri="{FF2B5EF4-FFF2-40B4-BE49-F238E27FC236}">
+                <a16:creationId xmlns:a16="http://schemas.microsoft.com/office/drawing/2014/main" id="{21B5A057-5790-EE4F-8581-CF31F3F129EE}"/>
+              </a:ext>
+            </a:extLst>
+          </p:cNvPr>
+          <p:cNvSpPr txBox="1"/>
+          <p:nvPr/>
+        </p:nvSpPr>
+        <p:spPr>
+          <a:xfrm>
+            <a:off x="2327751" y="5915889"/>
+            <a:ext cx="1079656" cy="369332"/>
+          </a:xfrm>
+          <a:prstGeom prst="rect">
+            <a:avLst/>
+          </a:prstGeom>
+          <a:noFill/>
+        </p:spPr>
+        <p:txBody>
+          <a:bodyPr wrap="square" rtlCol="0">
+            <a:spAutoFit/>
+          </a:bodyPr>
+          <a:lstStyle/>
+          <a:p>
+            <a:r>
+              <a:rPr kumimoji="1" lang="en-US" altLang="ja-JP" dirty="0"/>
+              <a:t>1</a:t>
+            </a:r>
+            <a:r>
+              <a:rPr kumimoji="1" lang="en-US" altLang="ja-JP" baseline="30000" dirty="0"/>
+              <a:t>st</a:t>
+            </a:r>
+            <a:r>
+              <a:rPr kumimoji="1" lang="en-US" altLang="ja-JP" dirty="0"/>
+              <a:t>  floor</a:t>
+            </a:r>
+            <a:endParaRPr kumimoji="1" lang="ja-JP" altLang="en-US"/>
+          </a:p>
+        </p:txBody>
+      </p:sp>
     </p:spTree>
     <p:extLst>
       <p:ext uri="{BB962C8B-B14F-4D97-AF65-F5344CB8AC3E}">
         <p14:creationId xmlns:p14="http://schemas.microsoft.com/office/powerpoint/2010/main" val="3135819228"/>
-      </p:ext>
-    </p:extLst>
-  </p:cSld>
-  <p:clrMapOvr>
-    <a:masterClrMapping/>
-  </p:clrMapOvr>
-</p:sld>
-</file>
-
-<file path=ppt/slides/slide17.xml><?xml version="1.0" encoding="utf-8"?>
-<p:sld xmlns:a="http://schemas.openxmlformats.org/drawingml/2006/main" xmlns:r="http://schemas.openxmlformats.org/officeDocument/2006/relationships" xmlns:p="http://schemas.openxmlformats.org/presentationml/2006/main">
-  <p:cSld>
-    <p:spTree>
-      <p:nvGrpSpPr>
-        <p:cNvPr id="1" name=""/>
-        <p:cNvGrpSpPr/>
-        <p:nvPr/>
-      </p:nvGrpSpPr>
-      <p:grpSpPr>
-        <a:xfrm>
-          <a:off x="0" y="0"/>
-          <a:ext cx="0" cy="0"/>
-          <a:chOff x="0" y="0"/>
-          <a:chExt cx="0" cy="0"/>
-        </a:xfrm>
-      </p:grpSpPr>
-      <p:sp>
-        <p:nvSpPr>
-          <p:cNvPr id="2" name="タイトル 1">
-            <a:extLst>
-              <a:ext uri="{FF2B5EF4-FFF2-40B4-BE49-F238E27FC236}">
-                <a16:creationId xmlns:a16="http://schemas.microsoft.com/office/drawing/2014/main" id="{AD513AB0-DE80-1249-81CC-02FEBF1A9A4F}"/>
-              </a:ext>
-            </a:extLst>
-          </p:cNvPr>
-          <p:cNvSpPr>
-            <a:spLocks noGrp="1"/>
-          </p:cNvSpPr>
-          <p:nvPr>
-            <p:ph type="title"/>
-          </p:nvPr>
-        </p:nvSpPr>
-        <p:spPr/>
-        <p:txBody>
-          <a:bodyPr/>
-          <a:lstStyle/>
-          <a:p>
-            <a:r>
-              <a:rPr lang="en" altLang="ja-JP" dirty="0"/>
-              <a:t>Securing a path to prevent loss of work efficiency</a:t>
-            </a:r>
-            <a:endParaRPr kumimoji="1" lang="ja-JP" altLang="en-US"/>
-          </a:p>
-        </p:txBody>
-      </p:sp>
-      <p:sp>
-        <p:nvSpPr>
-          <p:cNvPr id="3" name="コンテンツ プレースホルダー 2">
-            <a:extLst>
-              <a:ext uri="{FF2B5EF4-FFF2-40B4-BE49-F238E27FC236}">
-                <a16:creationId xmlns:a16="http://schemas.microsoft.com/office/drawing/2014/main" id="{98A8D984-F4FD-154B-9B02-E5367600FF28}"/>
-              </a:ext>
-            </a:extLst>
-          </p:cNvPr>
-          <p:cNvSpPr>
-            <a:spLocks noGrp="1"/>
-          </p:cNvSpPr>
-          <p:nvPr>
-            <p:ph idx="1"/>
-          </p:nvPr>
-        </p:nvSpPr>
-        <p:spPr/>
-        <p:txBody>
-          <a:bodyPr>
-            <a:normAutofit/>
-          </a:bodyPr>
-          <a:lstStyle/>
-          <a:p>
-            <a:r>
-              <a:rPr lang="en-US" altLang="ja-JP" sz="2400" dirty="0"/>
-              <a:t>When a hold is full,</a:t>
-            </a:r>
-            <a:r>
-              <a:rPr lang="ja-JP" altLang="en-US" sz="2400"/>
-              <a:t> </a:t>
-            </a:r>
-            <a:r>
-              <a:rPr lang="en" altLang="ja-JP" sz="2400" dirty="0"/>
-              <a:t>it would be harder to pass through that hold.</a:t>
-            </a:r>
-            <a:endParaRPr lang="en-US" altLang="ja-JP" sz="2400" dirty="0"/>
-          </a:p>
-          <a:p>
-            <a:r>
-              <a:rPr lang="en-US" altLang="ja-JP" sz="2400" dirty="0"/>
-              <a:t>The crew need to move cars in that hold once and bring them back again.</a:t>
-            </a:r>
-          </a:p>
-          <a:p>
-            <a:r>
-              <a:rPr lang="en" altLang="ja-JP" sz="2400" dirty="0"/>
-              <a:t>This leads to a loss of work efficiency.</a:t>
-            </a:r>
-          </a:p>
-        </p:txBody>
-      </p:sp>
-    </p:spTree>
-    <p:extLst>
-      <p:ext uri="{BB962C8B-B14F-4D97-AF65-F5344CB8AC3E}">
-        <p14:creationId xmlns:p14="http://schemas.microsoft.com/office/powerpoint/2010/main" val="3091578998"/>
       </p:ext>
     </p:extLst>
   </p:cSld>
@@ -12079,6 +12336,123 @@
           <p:cNvPr id="2" name="タイトル 1">
             <a:extLst>
               <a:ext uri="{FF2B5EF4-FFF2-40B4-BE49-F238E27FC236}">
+                <a16:creationId xmlns:a16="http://schemas.microsoft.com/office/drawing/2014/main" id="{AD513AB0-DE80-1249-81CC-02FEBF1A9A4F}"/>
+              </a:ext>
+            </a:extLst>
+          </p:cNvPr>
+          <p:cNvSpPr>
+            <a:spLocks noGrp="1"/>
+          </p:cNvSpPr>
+          <p:nvPr>
+            <p:ph type="title"/>
+          </p:nvPr>
+        </p:nvSpPr>
+        <p:spPr/>
+        <p:txBody>
+          <a:bodyPr/>
+          <a:lstStyle/>
+          <a:p>
+            <a:r>
+              <a:rPr lang="en" altLang="ja-JP" dirty="0"/>
+              <a:t>Securing a path to prevent </a:t>
+            </a:r>
+            <a:br>
+              <a:rPr lang="en" altLang="ja-JP" dirty="0"/>
+            </a:br>
+            <a:r>
+              <a:rPr lang="en" altLang="ja-JP" dirty="0"/>
+              <a:t>loss of work efficiency</a:t>
+            </a:r>
+            <a:endParaRPr kumimoji="1" lang="ja-JP" altLang="en-US"/>
+          </a:p>
+        </p:txBody>
+      </p:sp>
+      <p:sp>
+        <p:nvSpPr>
+          <p:cNvPr id="3" name="コンテンツ プレースホルダー 2">
+            <a:extLst>
+              <a:ext uri="{FF2B5EF4-FFF2-40B4-BE49-F238E27FC236}">
+                <a16:creationId xmlns:a16="http://schemas.microsoft.com/office/drawing/2014/main" id="{98A8D984-F4FD-154B-9B02-E5367600FF28}"/>
+              </a:ext>
+            </a:extLst>
+          </p:cNvPr>
+          <p:cNvSpPr>
+            <a:spLocks noGrp="1"/>
+          </p:cNvSpPr>
+          <p:nvPr>
+            <p:ph idx="1"/>
+          </p:nvPr>
+        </p:nvSpPr>
+        <p:spPr/>
+        <p:txBody>
+          <a:bodyPr>
+            <a:normAutofit/>
+          </a:bodyPr>
+          <a:lstStyle/>
+          <a:p>
+            <a:r>
+              <a:rPr lang="en-US" altLang="ja-JP" sz="2400" dirty="0"/>
+              <a:t>When a hold is full,</a:t>
+            </a:r>
+            <a:r>
+              <a:rPr lang="ja-JP" altLang="en-US" sz="2400"/>
+              <a:t> </a:t>
+            </a:r>
+            <a:r>
+              <a:rPr lang="en" altLang="ja-JP" sz="2400" dirty="0"/>
+              <a:t>it would be harder to pass through that hold.</a:t>
+            </a:r>
+            <a:endParaRPr lang="en-US" altLang="ja-JP" sz="2400" dirty="0"/>
+          </a:p>
+          <a:p>
+            <a:r>
+              <a:rPr lang="en-US" altLang="ja-JP" sz="2400" dirty="0"/>
+              <a:t>The crew need to move cars in that hold once and bring them back again.</a:t>
+            </a:r>
+          </a:p>
+          <a:p>
+            <a:r>
+              <a:rPr lang="en" altLang="ja-JP" sz="2400" dirty="0"/>
+              <a:t>This leads to a loss of work efficiency.</a:t>
+            </a:r>
+          </a:p>
+        </p:txBody>
+      </p:sp>
+    </p:spTree>
+    <p:extLst>
+      <p:ext uri="{BB962C8B-B14F-4D97-AF65-F5344CB8AC3E}">
+        <p14:creationId xmlns:p14="http://schemas.microsoft.com/office/powerpoint/2010/main" val="3091578998"/>
+      </p:ext>
+    </p:extLst>
+  </p:cSld>
+  <p:clrMapOvr>
+    <a:masterClrMapping/>
+  </p:clrMapOvr>
+</p:sld>
+</file>
+
+<file path=ppt/slides/slide19.xml><?xml version="1.0" encoding="utf-8"?>
+<p:sld xmlns:a="http://schemas.openxmlformats.org/drawingml/2006/main" xmlns:r="http://schemas.openxmlformats.org/officeDocument/2006/relationships" xmlns:p="http://schemas.openxmlformats.org/presentationml/2006/main">
+  <p:cSld>
+    <p:spTree>
+      <p:nvGrpSpPr>
+        <p:cNvPr id="1" name=""/>
+        <p:cNvGrpSpPr/>
+        <p:nvPr/>
+      </p:nvGrpSpPr>
+      <p:grpSpPr>
+        <a:xfrm>
+          <a:off x="0" y="0"/>
+          <a:ext cx="0" cy="0"/>
+          <a:chOff x="0" y="0"/>
+          <a:chExt cx="0" cy="0"/>
+        </a:xfrm>
+      </p:grpSpPr>
+      <p:sp>
+        <p:nvSpPr>
+          <p:cNvPr id="2" name="タイトル 1">
+            <a:extLst>
+              <a:ext uri="{FF2B5EF4-FFF2-40B4-BE49-F238E27FC236}">
                 <a16:creationId xmlns:a16="http://schemas.microsoft.com/office/drawing/2014/main" id="{48ADACD0-9C1F-8A4B-8763-6580C2028ED1}"/>
               </a:ext>
             </a:extLst>
@@ -12182,7 +12556,7 @@
         </p:nvSpPr>
         <p:spPr>
           <a:xfrm>
-            <a:off x="3025644" y="4382491"/>
+            <a:off x="3657657" y="4422832"/>
             <a:ext cx="818865" cy="873457"/>
           </a:xfrm>
           <a:prstGeom prst="rect">
@@ -12243,7 +12617,7 @@
         </p:nvSpPr>
         <p:spPr>
           <a:xfrm>
-            <a:off x="3844509" y="4382491"/>
+            <a:off x="4476522" y="4422832"/>
             <a:ext cx="818865" cy="873457"/>
           </a:xfrm>
           <a:prstGeom prst="rect">
@@ -12304,7 +12678,7 @@
         </p:nvSpPr>
         <p:spPr>
           <a:xfrm>
-            <a:off x="5473036" y="4382489"/>
+            <a:off x="6105049" y="4422830"/>
             <a:ext cx="818865" cy="873457"/>
           </a:xfrm>
           <a:prstGeom prst="rect">
@@ -12351,7 +12725,7 @@
         </p:nvSpPr>
         <p:spPr>
           <a:xfrm>
-            <a:off x="4663374" y="4382490"/>
+            <a:off x="5295387" y="4422831"/>
             <a:ext cx="818865" cy="873457"/>
           </a:xfrm>
           <a:prstGeom prst="rect">
@@ -12412,7 +12786,7 @@
         </p:nvSpPr>
         <p:spPr>
           <a:xfrm>
-            <a:off x="5736703" y="4634551"/>
+            <a:off x="6368716" y="4674892"/>
             <a:ext cx="312906" cy="369332"/>
           </a:xfrm>
           <a:prstGeom prst="rect">
@@ -12430,6 +12804,57 @@
               <a:rPr kumimoji="1" lang="en-US" altLang="ja-JP" dirty="0"/>
               <a:t>4</a:t>
             </a:r>
+            <a:endParaRPr kumimoji="1" lang="ja-JP" altLang="en-US"/>
+          </a:p>
+        </p:txBody>
+      </p:sp>
+      <p:sp>
+        <p:nvSpPr>
+          <p:cNvPr id="11" name="右矢印 10">
+            <a:extLst>
+              <a:ext uri="{FF2B5EF4-FFF2-40B4-BE49-F238E27FC236}">
+                <a16:creationId xmlns:a16="http://schemas.microsoft.com/office/drawing/2014/main" id="{A0EAA31D-CC7E-814D-B820-6A17F847398E}"/>
+              </a:ext>
+            </a:extLst>
+          </p:cNvPr>
+          <p:cNvSpPr/>
+          <p:nvPr/>
+        </p:nvSpPr>
+        <p:spPr>
+          <a:xfrm>
+            <a:off x="2763942" y="4674892"/>
+            <a:ext cx="766483" cy="369332"/>
+          </a:xfrm>
+          <a:prstGeom prst="rightArrow">
+            <a:avLst/>
+          </a:prstGeom>
+          <a:solidFill>
+            <a:schemeClr val="bg1">
+              <a:lumMod val="75000"/>
+            </a:schemeClr>
+          </a:solidFill>
+        </p:spPr>
+        <p:style>
+          <a:lnRef idx="2">
+            <a:schemeClr val="accent1">
+              <a:shade val="50000"/>
+            </a:schemeClr>
+          </a:lnRef>
+          <a:fillRef idx="1">
+            <a:schemeClr val="accent1"/>
+          </a:fillRef>
+          <a:effectRef idx="0">
+            <a:schemeClr val="accent1"/>
+          </a:effectRef>
+          <a:fontRef idx="minor">
+            <a:schemeClr val="lt1"/>
+          </a:fontRef>
+        </p:style>
+        <p:txBody>
+          <a:bodyPr rtlCol="0" anchor="ctr"/>
+          <a:lstStyle/>
+          <a:p>
+            <a:pPr algn="ctr"/>
             <a:endParaRPr kumimoji="1" lang="ja-JP" altLang="en-US"/>
           </a:p>
         </p:txBody>
@@ -12447,7 +12872,127 @@
 </p:sld>
 </file>
 
-<file path=ppt/slides/slide19.xml><?xml version="1.0" encoding="utf-8"?>
+<file path=ppt/slides/slide2.xml><?xml version="1.0" encoding="utf-8"?>
+<p:sld xmlns:a="http://schemas.openxmlformats.org/drawingml/2006/main" xmlns:r="http://schemas.openxmlformats.org/officeDocument/2006/relationships" xmlns:p="http://schemas.openxmlformats.org/presentationml/2006/main">
+  <p:cSld>
+    <p:spTree>
+      <p:nvGrpSpPr>
+        <p:cNvPr id="1" name=""/>
+        <p:cNvGrpSpPr/>
+        <p:nvPr/>
+      </p:nvGrpSpPr>
+      <p:grpSpPr>
+        <a:xfrm>
+          <a:off x="0" y="0"/>
+          <a:ext cx="0" cy="0"/>
+          <a:chOff x="0" y="0"/>
+          <a:chExt cx="0" cy="0"/>
+        </a:xfrm>
+      </p:grpSpPr>
+      <p:sp>
+        <p:nvSpPr>
+          <p:cNvPr id="2" name="タイトル 1">
+            <a:extLst>
+              <a:ext uri="{FF2B5EF4-FFF2-40B4-BE49-F238E27FC236}">
+                <a16:creationId xmlns:a16="http://schemas.microsoft.com/office/drawing/2014/main" id="{93010AF0-9B7D-1145-8148-06A633089EBF}"/>
+              </a:ext>
+            </a:extLst>
+          </p:cNvPr>
+          <p:cNvSpPr>
+            <a:spLocks noGrp="1"/>
+          </p:cNvSpPr>
+          <p:nvPr>
+            <p:ph type="title"/>
+          </p:nvPr>
+        </p:nvSpPr>
+        <p:spPr/>
+        <p:txBody>
+          <a:bodyPr/>
+          <a:lstStyle/>
+          <a:p>
+            <a:r>
+              <a:rPr kumimoji="1" lang="en-US" altLang="ja-JP" dirty="0"/>
+              <a:t>Outline</a:t>
+            </a:r>
+            <a:endParaRPr kumimoji="1" lang="ja-JP" altLang="en-US"/>
+          </a:p>
+        </p:txBody>
+      </p:sp>
+      <p:sp>
+        <p:nvSpPr>
+          <p:cNvPr id="3" name="コンテンツ プレースホルダー 2">
+            <a:extLst>
+              <a:ext uri="{FF2B5EF4-FFF2-40B4-BE49-F238E27FC236}">
+                <a16:creationId xmlns:a16="http://schemas.microsoft.com/office/drawing/2014/main" id="{97A5DCCE-A463-7E40-A93C-1FAC6C539F8C}"/>
+              </a:ext>
+            </a:extLst>
+          </p:cNvPr>
+          <p:cNvSpPr>
+            <a:spLocks noGrp="1"/>
+          </p:cNvSpPr>
+          <p:nvPr>
+            <p:ph idx="1"/>
+          </p:nvPr>
+        </p:nvSpPr>
+        <p:spPr/>
+        <p:txBody>
+          <a:bodyPr>
+            <a:normAutofit/>
+          </a:bodyPr>
+          <a:lstStyle/>
+          <a:p>
+            <a:r>
+              <a:rPr kumimoji="1" lang="en-US" altLang="ja-JP" sz="2400" dirty="0"/>
+              <a:t>Background</a:t>
+            </a:r>
+          </a:p>
+          <a:p>
+            <a:r>
+              <a:rPr lang="en-US" altLang="ja-JP" sz="2400" dirty="0"/>
+              <a:t>Problem definition</a:t>
+            </a:r>
+            <a:endParaRPr kumimoji="1" lang="en-US" altLang="ja-JP" sz="2400" dirty="0"/>
+          </a:p>
+          <a:p>
+            <a:r>
+              <a:rPr lang="en-US" altLang="ja-JP" sz="2400" dirty="0"/>
+              <a:t>Modeling </a:t>
+            </a:r>
+          </a:p>
+          <a:p>
+            <a:r>
+              <a:rPr lang="en-US" altLang="ja-JP" sz="2400" dirty="0"/>
+              <a:t>Different modeling</a:t>
+            </a:r>
+          </a:p>
+          <a:p>
+            <a:r>
+              <a:rPr kumimoji="1" lang="en-US" altLang="ja-JP" sz="2400" dirty="0"/>
+              <a:t>future work</a:t>
+            </a:r>
+          </a:p>
+          <a:p>
+            <a:endParaRPr kumimoji="1" lang="en-US" altLang="ja-JP" sz="2400" dirty="0"/>
+          </a:p>
+          <a:p>
+            <a:endParaRPr kumimoji="1" lang="ja-JP" altLang="en-US" sz="2400"/>
+          </a:p>
+        </p:txBody>
+      </p:sp>
+    </p:spTree>
+    <p:extLst>
+      <p:ext uri="{BB962C8B-B14F-4D97-AF65-F5344CB8AC3E}">
+        <p14:creationId xmlns:p14="http://schemas.microsoft.com/office/powerpoint/2010/main" val="3695423022"/>
+      </p:ext>
+    </p:extLst>
+  </p:cSld>
+  <p:clrMapOvr>
+    <a:masterClrMapping/>
+  </p:clrMapOvr>
+</p:sld>
+</file>
+
+<file path=ppt/slides/slide20.xml><?xml version="1.0" encoding="utf-8"?>
 <p:sld xmlns:a="http://schemas.openxmlformats.org/drawingml/2006/main" xmlns:r="http://schemas.openxmlformats.org/officeDocument/2006/relationships" xmlns:p="http://schemas.openxmlformats.org/presentationml/2006/main">
   <p:cSld>
     <p:spTree>
@@ -13112,127 +13657,7 @@
 </p:sld>
 </file>
 
-<file path=ppt/slides/slide2.xml><?xml version="1.0" encoding="utf-8"?>
-<p:sld xmlns:a="http://schemas.openxmlformats.org/drawingml/2006/main" xmlns:r="http://schemas.openxmlformats.org/officeDocument/2006/relationships" xmlns:p="http://schemas.openxmlformats.org/presentationml/2006/main">
-  <p:cSld>
-    <p:spTree>
-      <p:nvGrpSpPr>
-        <p:cNvPr id="1" name=""/>
-        <p:cNvGrpSpPr/>
-        <p:nvPr/>
-      </p:nvGrpSpPr>
-      <p:grpSpPr>
-        <a:xfrm>
-          <a:off x="0" y="0"/>
-          <a:ext cx="0" cy="0"/>
-          <a:chOff x="0" y="0"/>
-          <a:chExt cx="0" cy="0"/>
-        </a:xfrm>
-      </p:grpSpPr>
-      <p:sp>
-        <p:nvSpPr>
-          <p:cNvPr id="2" name="タイトル 1">
-            <a:extLst>
-              <a:ext uri="{FF2B5EF4-FFF2-40B4-BE49-F238E27FC236}">
-                <a16:creationId xmlns:a16="http://schemas.microsoft.com/office/drawing/2014/main" id="{93010AF0-9B7D-1145-8148-06A633089EBF}"/>
-              </a:ext>
-            </a:extLst>
-          </p:cNvPr>
-          <p:cNvSpPr>
-            <a:spLocks noGrp="1"/>
-          </p:cNvSpPr>
-          <p:nvPr>
-            <p:ph type="title"/>
-          </p:nvPr>
-        </p:nvSpPr>
-        <p:spPr/>
-        <p:txBody>
-          <a:bodyPr/>
-          <a:lstStyle/>
-          <a:p>
-            <a:r>
-              <a:rPr kumimoji="1" lang="en-US" altLang="ja-JP" dirty="0"/>
-              <a:t>Outline</a:t>
-            </a:r>
-            <a:endParaRPr kumimoji="1" lang="ja-JP" altLang="en-US"/>
-          </a:p>
-        </p:txBody>
-      </p:sp>
-      <p:sp>
-        <p:nvSpPr>
-          <p:cNvPr id="3" name="コンテンツ プレースホルダー 2">
-            <a:extLst>
-              <a:ext uri="{FF2B5EF4-FFF2-40B4-BE49-F238E27FC236}">
-                <a16:creationId xmlns:a16="http://schemas.microsoft.com/office/drawing/2014/main" id="{97A5DCCE-A463-7E40-A93C-1FAC6C539F8C}"/>
-              </a:ext>
-            </a:extLst>
-          </p:cNvPr>
-          <p:cNvSpPr>
-            <a:spLocks noGrp="1"/>
-          </p:cNvSpPr>
-          <p:nvPr>
-            <p:ph idx="1"/>
-          </p:nvPr>
-        </p:nvSpPr>
-        <p:spPr/>
-        <p:txBody>
-          <a:bodyPr>
-            <a:normAutofit/>
-          </a:bodyPr>
-          <a:lstStyle/>
-          <a:p>
-            <a:r>
-              <a:rPr kumimoji="1" lang="en-US" altLang="ja-JP" sz="2400" dirty="0"/>
-              <a:t>Background</a:t>
-            </a:r>
-          </a:p>
-          <a:p>
-            <a:r>
-              <a:rPr lang="en-US" altLang="ja-JP" sz="2400" dirty="0"/>
-              <a:t>Problem definition</a:t>
-            </a:r>
-            <a:endParaRPr kumimoji="1" lang="en-US" altLang="ja-JP" sz="2400" dirty="0"/>
-          </a:p>
-          <a:p>
-            <a:r>
-              <a:rPr lang="en-US" altLang="ja-JP" sz="2400" dirty="0"/>
-              <a:t>Modeling </a:t>
-            </a:r>
-          </a:p>
-          <a:p>
-            <a:r>
-              <a:rPr lang="en-US" altLang="ja-JP" sz="2400" dirty="0"/>
-              <a:t>Different modeling</a:t>
-            </a:r>
-          </a:p>
-          <a:p>
-            <a:r>
-              <a:rPr kumimoji="1" lang="en-US" altLang="ja-JP" sz="2400" dirty="0"/>
-              <a:t>future work</a:t>
-            </a:r>
-          </a:p>
-          <a:p>
-            <a:endParaRPr kumimoji="1" lang="en-US" altLang="ja-JP" sz="2400" dirty="0"/>
-          </a:p>
-          <a:p>
-            <a:endParaRPr kumimoji="1" lang="ja-JP" altLang="en-US" sz="2400"/>
-          </a:p>
-        </p:txBody>
-      </p:sp>
-    </p:spTree>
-    <p:extLst>
-      <p:ext uri="{BB962C8B-B14F-4D97-AF65-F5344CB8AC3E}">
-        <p14:creationId xmlns:p14="http://schemas.microsoft.com/office/powerpoint/2010/main" val="3695423022"/>
-      </p:ext>
-    </p:extLst>
-  </p:cSld>
-  <p:clrMapOvr>
-    <a:masterClrMapping/>
-  </p:clrMapOvr>
-</p:sld>
-</file>
-
-<file path=ppt/slides/slide20.xml><?xml version="1.0" encoding="utf-8"?>
+<file path=ppt/slides/slide21.xml><?xml version="1.0" encoding="utf-8"?>
 <p:sld xmlns:a="http://schemas.openxmlformats.org/drawingml/2006/main" xmlns:r="http://schemas.openxmlformats.org/officeDocument/2006/relationships" xmlns:p="http://schemas.openxmlformats.org/presentationml/2006/main">
   <p:cSld>
     <p:spTree>
@@ -13734,127 +14159,6 @@
 </p:sld>
 </file>
 
-<file path=ppt/slides/slide21.xml><?xml version="1.0" encoding="utf-8"?>
-<p:sld xmlns:a="http://schemas.openxmlformats.org/drawingml/2006/main" xmlns:r="http://schemas.openxmlformats.org/officeDocument/2006/relationships" xmlns:p="http://schemas.openxmlformats.org/presentationml/2006/main">
-  <p:cSld>
-    <p:spTree>
-      <p:nvGrpSpPr>
-        <p:cNvPr id="1" name=""/>
-        <p:cNvGrpSpPr/>
-        <p:nvPr/>
-      </p:nvGrpSpPr>
-      <p:grpSpPr>
-        <a:xfrm>
-          <a:off x="0" y="0"/>
-          <a:ext cx="0" cy="0"/>
-          <a:chOff x="0" y="0"/>
-          <a:chExt cx="0" cy="0"/>
-        </a:xfrm>
-      </p:grpSpPr>
-      <p:sp>
-        <p:nvSpPr>
-          <p:cNvPr id="2" name="タイトル 1">
-            <a:extLst>
-              <a:ext uri="{FF2B5EF4-FFF2-40B4-BE49-F238E27FC236}">
-                <a16:creationId xmlns:a16="http://schemas.microsoft.com/office/drawing/2014/main" id="{546CADF5-44DE-ED46-8CE2-50B894135079}"/>
-              </a:ext>
-            </a:extLst>
-          </p:cNvPr>
-          <p:cNvSpPr>
-            <a:spLocks noGrp="1"/>
-          </p:cNvSpPr>
-          <p:nvPr>
-            <p:ph type="title"/>
-          </p:nvPr>
-        </p:nvSpPr>
-        <p:spPr/>
-        <p:txBody>
-          <a:bodyPr/>
-          <a:lstStyle/>
-          <a:p>
-            <a:r>
-              <a:rPr lang="en" altLang="ja-JP"/>
-              <a:t>placing empty space close to the entrance</a:t>
-            </a:r>
-            <a:endParaRPr kumimoji="1" lang="ja-JP" altLang="en-US"/>
-          </a:p>
-        </p:txBody>
-      </p:sp>
-      <p:sp>
-        <p:nvSpPr>
-          <p:cNvPr id="3" name="コンテンツ プレースホルダー 2">
-            <a:extLst>
-              <a:ext uri="{FF2B5EF4-FFF2-40B4-BE49-F238E27FC236}">
-                <a16:creationId xmlns:a16="http://schemas.microsoft.com/office/drawing/2014/main" id="{C80A7A15-85D4-4D44-A234-7AC105792BD1}"/>
-              </a:ext>
-            </a:extLst>
-          </p:cNvPr>
-          <p:cNvSpPr>
-            <a:spLocks noGrp="1"/>
-          </p:cNvSpPr>
-          <p:nvPr>
-            <p:ph idx="1"/>
-          </p:nvPr>
-        </p:nvSpPr>
-        <p:spPr/>
-        <p:txBody>
-          <a:bodyPr/>
-          <a:lstStyle/>
-          <a:p>
-            <a:r>
-              <a:rPr lang="en-US" altLang="ja-JP" sz="2400" dirty="0"/>
-              <a:t>The ship has 12 floors and the entrance is on the 5</a:t>
-            </a:r>
-            <a:r>
-              <a:rPr lang="en-US" altLang="ja-JP" sz="2400" baseline="30000" dirty="0"/>
-              <a:t>th</a:t>
-            </a:r>
-            <a:r>
-              <a:rPr lang="en-US" altLang="ja-JP" sz="2400" dirty="0"/>
-              <a:t> floor.</a:t>
-            </a:r>
-          </a:p>
-          <a:p>
-            <a:r>
-              <a:rPr lang="en-US" altLang="ja-JP" sz="2400" dirty="0"/>
-              <a:t>If there are lots of empty space in the 5</a:t>
-            </a:r>
-            <a:r>
-              <a:rPr lang="en-US" altLang="ja-JP" sz="2400" baseline="30000" dirty="0"/>
-              <a:t>th</a:t>
-            </a:r>
-            <a:r>
-              <a:rPr lang="en-US" altLang="ja-JP" sz="2400" dirty="0"/>
-              <a:t> floor’s holds, we get more profit.</a:t>
-            </a:r>
-          </a:p>
-          <a:p>
-            <a:r>
-              <a:rPr lang="en-US" altLang="ja-JP" sz="2400" dirty="0"/>
-              <a:t>We subtract that profit from the objective function.</a:t>
-            </a:r>
-          </a:p>
-          <a:p>
-            <a:endParaRPr lang="en-US" altLang="ja-JP" sz="2400" dirty="0"/>
-          </a:p>
-          <a:p>
-            <a:endParaRPr kumimoji="1" lang="ja-JP" altLang="en-US"/>
-          </a:p>
-        </p:txBody>
-      </p:sp>
-    </p:spTree>
-    <p:extLst>
-      <p:ext uri="{BB962C8B-B14F-4D97-AF65-F5344CB8AC3E}">
-        <p14:creationId xmlns:p14="http://schemas.microsoft.com/office/powerpoint/2010/main" val="1273188350"/>
-      </p:ext>
-    </p:extLst>
-  </p:cSld>
-  <p:clrMapOvr>
-    <a:masterClrMapping/>
-  </p:clrMapOvr>
-</p:sld>
-</file>
-
 <file path=ppt/slides/slide22.xml><?xml version="1.0" encoding="utf-8"?>
 <p:sld xmlns:a="http://schemas.openxmlformats.org/drawingml/2006/main" xmlns:r="http://schemas.openxmlformats.org/officeDocument/2006/relationships" xmlns:p="http://schemas.openxmlformats.org/presentationml/2006/main">
   <p:cSld>
@@ -13877,6 +14181,127 @@
           <p:cNvPr id="2" name="タイトル 1">
             <a:extLst>
               <a:ext uri="{FF2B5EF4-FFF2-40B4-BE49-F238E27FC236}">
+                <a16:creationId xmlns:a16="http://schemas.microsoft.com/office/drawing/2014/main" id="{546CADF5-44DE-ED46-8CE2-50B894135079}"/>
+              </a:ext>
+            </a:extLst>
+          </p:cNvPr>
+          <p:cNvSpPr>
+            <a:spLocks noGrp="1"/>
+          </p:cNvSpPr>
+          <p:nvPr>
+            <p:ph type="title"/>
+          </p:nvPr>
+        </p:nvSpPr>
+        <p:spPr/>
+        <p:txBody>
+          <a:bodyPr/>
+          <a:lstStyle/>
+          <a:p>
+            <a:r>
+              <a:rPr lang="en" altLang="ja-JP"/>
+              <a:t>placing empty space close to the entrance</a:t>
+            </a:r>
+            <a:endParaRPr kumimoji="1" lang="ja-JP" altLang="en-US"/>
+          </a:p>
+        </p:txBody>
+      </p:sp>
+      <p:sp>
+        <p:nvSpPr>
+          <p:cNvPr id="3" name="コンテンツ プレースホルダー 2">
+            <a:extLst>
+              <a:ext uri="{FF2B5EF4-FFF2-40B4-BE49-F238E27FC236}">
+                <a16:creationId xmlns:a16="http://schemas.microsoft.com/office/drawing/2014/main" id="{C80A7A15-85D4-4D44-A234-7AC105792BD1}"/>
+              </a:ext>
+            </a:extLst>
+          </p:cNvPr>
+          <p:cNvSpPr>
+            <a:spLocks noGrp="1"/>
+          </p:cNvSpPr>
+          <p:nvPr>
+            <p:ph idx="1"/>
+          </p:nvPr>
+        </p:nvSpPr>
+        <p:spPr/>
+        <p:txBody>
+          <a:bodyPr/>
+          <a:lstStyle/>
+          <a:p>
+            <a:r>
+              <a:rPr lang="en-US" altLang="ja-JP" sz="2400" dirty="0"/>
+              <a:t>The ship has 12 floors and the entrance is on the 5</a:t>
+            </a:r>
+            <a:r>
+              <a:rPr lang="en-US" altLang="ja-JP" sz="2400" baseline="30000" dirty="0"/>
+              <a:t>th</a:t>
+            </a:r>
+            <a:r>
+              <a:rPr lang="en-US" altLang="ja-JP" sz="2400" dirty="0"/>
+              <a:t> floor.</a:t>
+            </a:r>
+          </a:p>
+          <a:p>
+            <a:r>
+              <a:rPr lang="en-US" altLang="ja-JP" sz="2400" dirty="0"/>
+              <a:t>If there are lots of empty space in the 5</a:t>
+            </a:r>
+            <a:r>
+              <a:rPr lang="en-US" altLang="ja-JP" sz="2400" baseline="30000" dirty="0"/>
+              <a:t>th</a:t>
+            </a:r>
+            <a:r>
+              <a:rPr lang="en-US" altLang="ja-JP" sz="2400" dirty="0"/>
+              <a:t> floor’s holds, we get more profit.</a:t>
+            </a:r>
+          </a:p>
+          <a:p>
+            <a:r>
+              <a:rPr lang="en-US" altLang="ja-JP" sz="2400" dirty="0"/>
+              <a:t>We subtract that profit from the objective function.</a:t>
+            </a:r>
+          </a:p>
+          <a:p>
+            <a:endParaRPr lang="en-US" altLang="ja-JP" sz="2400" dirty="0"/>
+          </a:p>
+          <a:p>
+            <a:endParaRPr kumimoji="1" lang="ja-JP" altLang="en-US"/>
+          </a:p>
+        </p:txBody>
+      </p:sp>
+    </p:spTree>
+    <p:extLst>
+      <p:ext uri="{BB962C8B-B14F-4D97-AF65-F5344CB8AC3E}">
+        <p14:creationId xmlns:p14="http://schemas.microsoft.com/office/powerpoint/2010/main" val="1273188350"/>
+      </p:ext>
+    </p:extLst>
+  </p:cSld>
+  <p:clrMapOvr>
+    <a:masterClrMapping/>
+  </p:clrMapOvr>
+</p:sld>
+</file>
+
+<file path=ppt/slides/slide23.xml><?xml version="1.0" encoding="utf-8"?>
+<p:sld xmlns:a="http://schemas.openxmlformats.org/drawingml/2006/main" xmlns:r="http://schemas.openxmlformats.org/officeDocument/2006/relationships" xmlns:p="http://schemas.openxmlformats.org/presentationml/2006/main">
+  <p:cSld>
+    <p:spTree>
+      <p:nvGrpSpPr>
+        <p:cNvPr id="1" name=""/>
+        <p:cNvGrpSpPr/>
+        <p:nvPr/>
+      </p:nvGrpSpPr>
+      <p:grpSpPr>
+        <a:xfrm>
+          <a:off x="0" y="0"/>
+          <a:ext cx="0" cy="0"/>
+          <a:chOff x="0" y="0"/>
+          <a:chExt cx="0" cy="0"/>
+        </a:xfrm>
+      </p:grpSpPr>
+      <p:sp>
+        <p:nvSpPr>
+          <p:cNvPr id="2" name="タイトル 1">
+            <a:extLst>
+              <a:ext uri="{FF2B5EF4-FFF2-40B4-BE49-F238E27FC236}">
                 <a16:creationId xmlns:a16="http://schemas.microsoft.com/office/drawing/2014/main" id="{D6E9A7F1-EC3C-894A-8E9E-0981C4CA834A}"/>
               </a:ext>
             </a:extLst>
@@ -13924,6 +14349,21 @@
           </a:bodyPr>
           <a:lstStyle/>
           <a:p>
+            <a:pPr marL="0" indent="0">
+              <a:buNone/>
+            </a:pPr>
+            <a:r>
+              <a:rPr kumimoji="1" lang="en-US" altLang="ja-JP" sz="2400" dirty="0"/>
+              <a:t>There are 3 constraints in making assignment.</a:t>
+            </a:r>
+          </a:p>
+          <a:p>
+            <a:pPr marL="0" indent="0">
+              <a:buNone/>
+            </a:pPr>
+            <a:endParaRPr kumimoji="1" lang="en-US" altLang="ja-JP" sz="2400" dirty="0"/>
+          </a:p>
+          <a:p>
             <a:pPr>
               <a:buFont typeface="+mj-lt"/>
               <a:buAutoNum type="arabicPeriod"/>
@@ -13968,7 +14408,7 @@
 </p:sld>
 </file>
 
-<file path=ppt/slides/slide23.xml><?xml version="1.0" encoding="utf-8"?>
+<file path=ppt/slides/slide24.xml><?xml version="1.0" encoding="utf-8"?>
 <p:sld xmlns:a="http://schemas.openxmlformats.org/drawingml/2006/main" xmlns:r="http://schemas.openxmlformats.org/officeDocument/2006/relationships" xmlns:p="http://schemas.openxmlformats.org/presentationml/2006/main">
   <p:cSld>
     <p:spTree>
@@ -14311,7 +14751,7 @@
 </p:sld>
 </file>
 
-<file path=ppt/slides/slide24.xml><?xml version="1.0" encoding="utf-8"?>
+<file path=ppt/slides/slide25.xml><?xml version="1.0" encoding="utf-8"?>
 <p:sld xmlns:a="http://schemas.openxmlformats.org/drawingml/2006/main" xmlns:r="http://schemas.openxmlformats.org/officeDocument/2006/relationships" xmlns:p="http://schemas.openxmlformats.org/presentationml/2006/main">
   <p:cSld>
     <p:spTree>
@@ -14394,7 +14834,7 @@
           <a:p>
             <a:r>
               <a:rPr lang="en-US" altLang="ja-JP" sz="2400" dirty="0"/>
-              <a:t>we add constraints for balance  in two directions</a:t>
+              <a:t>we add constraints for balance in two directions</a:t>
             </a:r>
           </a:p>
           <a:p>
@@ -14457,7 +14897,7 @@
 </p:sld>
 </file>
 
-<file path=ppt/slides/slide25.xml><?xml version="1.0" encoding="utf-8"?>
+<file path=ppt/slides/slide26.xml><?xml version="1.0" encoding="utf-8"?>
 <p:sld xmlns:a="http://schemas.openxmlformats.org/drawingml/2006/main" xmlns:r="http://schemas.openxmlformats.org/officeDocument/2006/relationships" xmlns:p="http://schemas.openxmlformats.org/presentationml/2006/main">
   <p:cSld>
     <p:spTree>
@@ -14825,7 +15265,7 @@
 </p:sld>
 </file>
 
-<file path=ppt/slides/slide26.xml><?xml version="1.0" encoding="utf-8"?>
+<file path=ppt/slides/slide27.xml><?xml version="1.0" encoding="utf-8"?>
 <p:sld xmlns:a="http://schemas.openxmlformats.org/drawingml/2006/main" xmlns:r="http://schemas.openxmlformats.org/officeDocument/2006/relationships" xmlns:p="http://schemas.openxmlformats.org/presentationml/2006/main">
   <p:cSld>
     <p:spTree>
@@ -14953,12 +15393,8 @@
               <a:p>
                 <a:pPr lvl="1"/>
                 <a:r>
-                  <a:rPr lang="en" altLang="ja-JP" sz="2200"/>
-                  <a:t>negative </a:t>
-                </a:r>
-                <a:r>
                   <a:rPr lang="en" altLang="ja-JP" sz="2200" dirty="0"/>
-                  <a:t>coefficient for the hold below sea level </a:t>
+                  <a:t>negative coefficient for the hold below sea level </a:t>
                 </a:r>
               </a:p>
               <a:p>
@@ -15197,161 +15633,6 @@
 </p:sld>
 </file>
 
-<file path=ppt/slides/slide27.xml><?xml version="1.0" encoding="utf-8"?>
-<p:sld xmlns:a="http://schemas.openxmlformats.org/drawingml/2006/main" xmlns:r="http://schemas.openxmlformats.org/officeDocument/2006/relationships" xmlns:p="http://schemas.openxmlformats.org/presentationml/2006/main">
-  <p:cSld>
-    <p:spTree>
-      <p:nvGrpSpPr>
-        <p:cNvPr id="1" name=""/>
-        <p:cNvGrpSpPr/>
-        <p:nvPr/>
-      </p:nvGrpSpPr>
-      <p:grpSpPr>
-        <a:xfrm>
-          <a:off x="0" y="0"/>
-          <a:ext cx="0" cy="0"/>
-          <a:chOff x="0" y="0"/>
-          <a:chExt cx="0" cy="0"/>
-        </a:xfrm>
-      </p:grpSpPr>
-      <p:sp>
-        <p:nvSpPr>
-          <p:cNvPr id="2" name="タイトル 1">
-            <a:extLst>
-              <a:ext uri="{FF2B5EF4-FFF2-40B4-BE49-F238E27FC236}">
-                <a16:creationId xmlns:a16="http://schemas.microsoft.com/office/drawing/2014/main" id="{27F343C2-0C5B-4C4B-80AC-FA94488BB945}"/>
-              </a:ext>
-            </a:extLst>
-          </p:cNvPr>
-          <p:cNvSpPr>
-            <a:spLocks noGrp="1"/>
-          </p:cNvSpPr>
-          <p:nvPr>
-            <p:ph type="title"/>
-          </p:nvPr>
-        </p:nvSpPr>
-        <p:spPr/>
-        <p:txBody>
-          <a:bodyPr/>
-          <a:lstStyle/>
-          <a:p>
-            <a:r>
-              <a:rPr lang="en-US" altLang="ja-JP" dirty="0"/>
-              <a:t>Computational experiment</a:t>
-            </a:r>
-            <a:endParaRPr kumimoji="1" lang="ja-JP" altLang="en-US"/>
-          </a:p>
-        </p:txBody>
-      </p:sp>
-      <p:sp>
-        <p:nvSpPr>
-          <p:cNvPr id="3" name="コンテンツ プレースホルダー 2">
-            <a:extLst>
-              <a:ext uri="{FF2B5EF4-FFF2-40B4-BE49-F238E27FC236}">
-                <a16:creationId xmlns:a16="http://schemas.microsoft.com/office/drawing/2014/main" id="{11F9DD95-8CF5-9348-886C-FD2EAE61BF0C}"/>
-              </a:ext>
-            </a:extLst>
-          </p:cNvPr>
-          <p:cNvSpPr>
-            <a:spLocks noGrp="1"/>
-          </p:cNvSpPr>
-          <p:nvPr>
-            <p:ph idx="1"/>
-          </p:nvPr>
-        </p:nvSpPr>
-        <p:spPr/>
-        <p:txBody>
-          <a:bodyPr>
-            <a:normAutofit/>
-          </a:bodyPr>
-          <a:lstStyle/>
-          <a:p>
-            <a:r>
-              <a:rPr kumimoji="1" lang="en-US" altLang="ja-JP" sz="2400" dirty="0"/>
-              <a:t>With this model, we confirmed that we can get a good assignment for small bookings.</a:t>
-            </a:r>
-          </a:p>
-          <a:p>
-            <a:r>
-              <a:rPr lang="en" altLang="ja-JP" sz="2400" dirty="0"/>
-              <a:t>The number of orders and the number of loading and unloading ports increases, the calculations may not be sufficiently advanced in a limited time.[1]</a:t>
-            </a:r>
-            <a:endParaRPr kumimoji="1" lang="ja-JP" altLang="en-US" sz="2400"/>
-          </a:p>
-        </p:txBody>
-      </p:sp>
-      <p:sp>
-        <p:nvSpPr>
-          <p:cNvPr id="4" name="正方形/長方形 3">
-            <a:extLst>
-              <a:ext uri="{FF2B5EF4-FFF2-40B4-BE49-F238E27FC236}">
-                <a16:creationId xmlns:a16="http://schemas.microsoft.com/office/drawing/2014/main" id="{9D9AB659-4052-624D-8F74-5899265AF76C}"/>
-              </a:ext>
-            </a:extLst>
-          </p:cNvPr>
-          <p:cNvSpPr/>
-          <p:nvPr/>
-        </p:nvSpPr>
-        <p:spPr>
-          <a:xfrm>
-            <a:off x="2147248" y="5588056"/>
-            <a:ext cx="9357364" cy="646331"/>
-          </a:xfrm>
-          <a:prstGeom prst="rect">
-            <a:avLst/>
-          </a:prstGeom>
-        </p:spPr>
-        <p:txBody>
-          <a:bodyPr wrap="square">
-            <a:spAutoFit/>
-          </a:bodyPr>
-          <a:lstStyle/>
-          <a:p>
-            <a:r>
-              <a:rPr lang="en-US" altLang="ja-JP" dirty="0"/>
-              <a:t>[1]</a:t>
-            </a:r>
-            <a:r>
-              <a:rPr lang="ja-JP" altLang="en-US"/>
-              <a:t>鵜川知哉</a:t>
-            </a:r>
-            <a:r>
-              <a:rPr lang="en-US" altLang="ja-JP" dirty="0"/>
-              <a:t>, </a:t>
-            </a:r>
-            <a:r>
-              <a:rPr lang="ja-JP" altLang="en-US"/>
-              <a:t>自動車運搬船における貨物積載プラン ニングの席割問題に対する数理モデリング</a:t>
-            </a:r>
-            <a:r>
-              <a:rPr lang="en-US" altLang="ja-JP" dirty="0"/>
-              <a:t>, </a:t>
-            </a:r>
-            <a:r>
-              <a:rPr lang="ja-JP" altLang="en-US"/>
-              <a:t>修士 論文，名古屋大学情報学研究科</a:t>
-            </a:r>
-            <a:r>
-              <a:rPr lang="en-US" altLang="ja-JP" dirty="0"/>
-              <a:t>, 2020 </a:t>
-            </a:r>
-            <a:endParaRPr lang="ja-JP" altLang="en-US"/>
-          </a:p>
-        </p:txBody>
-      </p:sp>
-    </p:spTree>
-    <p:extLst>
-      <p:ext uri="{BB962C8B-B14F-4D97-AF65-F5344CB8AC3E}">
-        <p14:creationId xmlns:p14="http://schemas.microsoft.com/office/powerpoint/2010/main" val="2541979275"/>
-      </p:ext>
-    </p:extLst>
-  </p:cSld>
-  <p:clrMapOvr>
-    <a:masterClrMapping/>
-  </p:clrMapOvr>
-</p:sld>
-</file>
-
 <file path=ppt/slides/slide28.xml><?xml version="1.0" encoding="utf-8"?>
 <p:sld xmlns:a="http://schemas.openxmlformats.org/drawingml/2006/main" xmlns:r="http://schemas.openxmlformats.org/officeDocument/2006/relationships" xmlns:p="http://schemas.openxmlformats.org/presentationml/2006/main">
   <p:cSld>
@@ -15374,7 +15655,7 @@
           <p:cNvPr id="2" name="タイトル 1">
             <a:extLst>
               <a:ext uri="{FF2B5EF4-FFF2-40B4-BE49-F238E27FC236}">
-                <a16:creationId xmlns:a16="http://schemas.microsoft.com/office/drawing/2014/main" id="{93010AF0-9B7D-1145-8148-06A633089EBF}"/>
+                <a16:creationId xmlns:a16="http://schemas.microsoft.com/office/drawing/2014/main" id="{27F343C2-0C5B-4C4B-80AC-FA94488BB945}"/>
               </a:ext>
             </a:extLst>
           </p:cNvPr>
@@ -15391,8 +15672,8 @@
           <a:lstStyle/>
           <a:p>
             <a:r>
-              <a:rPr kumimoji="1" lang="en-US" altLang="ja-JP" dirty="0"/>
-              <a:t>Outline</a:t>
+              <a:rPr lang="en-US" altLang="ja-JP" dirty="0"/>
+              <a:t>Computational experiment</a:t>
             </a:r>
             <a:endParaRPr kumimoji="1" lang="ja-JP" altLang="en-US"/>
           </a:p>
@@ -15403,7 +15684,7 @@
           <p:cNvPr id="3" name="コンテンツ プレースホルダー 2">
             <a:extLst>
               <a:ext uri="{FF2B5EF4-FFF2-40B4-BE49-F238E27FC236}">
-                <a16:creationId xmlns:a16="http://schemas.microsoft.com/office/drawing/2014/main" id="{97A5DCCE-A463-7E40-A93C-1FAC6C539F8C}"/>
+                <a16:creationId xmlns:a16="http://schemas.microsoft.com/office/drawing/2014/main" id="{11F9DD95-8CF5-9348-886C-FD2EAE61BF0C}"/>
               </a:ext>
             </a:extLst>
           </p:cNvPr>
@@ -15422,77 +15703,82 @@
           <a:lstStyle/>
           <a:p>
             <a:r>
-              <a:rPr kumimoji="1" lang="en-US" altLang="ja-JP" sz="2400" dirty="0">
-                <a:solidFill>
-                  <a:schemeClr val="bg1">
-                    <a:lumMod val="75000"/>
-                  </a:schemeClr>
-                </a:solidFill>
-              </a:rPr>
-              <a:t>Background</a:t>
-            </a:r>
-          </a:p>
-          <a:p>
-            <a:r>
-              <a:rPr lang="en-US" altLang="ja-JP" sz="2400" dirty="0">
-                <a:solidFill>
-                  <a:schemeClr val="bg1">
-                    <a:lumMod val="75000"/>
-                  </a:schemeClr>
-                </a:solidFill>
-              </a:rPr>
-              <a:t>Problem definition</a:t>
-            </a:r>
-            <a:endParaRPr kumimoji="1" lang="en-US" altLang="ja-JP" sz="2400" dirty="0">
-              <a:solidFill>
-                <a:schemeClr val="bg1">
-                  <a:lumMod val="75000"/>
-                </a:schemeClr>
-              </a:solidFill>
-            </a:endParaRPr>
-          </a:p>
-          <a:p>
-            <a:r>
-              <a:rPr lang="en-US" altLang="ja-JP" sz="2400" dirty="0">
-                <a:solidFill>
-                  <a:schemeClr val="bg1">
-                    <a:lumMod val="75000"/>
-                  </a:schemeClr>
-                </a:solidFill>
-              </a:rPr>
-              <a:t>Modeling </a:t>
-            </a:r>
-          </a:p>
-          <a:p>
-            <a:r>
-              <a:rPr lang="en-US" altLang="ja-JP" sz="2400" dirty="0"/>
-              <a:t>Different modeling</a:t>
-            </a:r>
-          </a:p>
-          <a:p>
-            <a:r>
-              <a:rPr kumimoji="1" lang="en-US" altLang="ja-JP" sz="2400" dirty="0">
-                <a:solidFill>
-                  <a:schemeClr val="bg1">
-                    <a:lumMod val="75000"/>
-                  </a:schemeClr>
-                </a:solidFill>
-              </a:rPr>
-              <a:t>future work</a:t>
-            </a:r>
-          </a:p>
-          <a:p>
-            <a:endParaRPr kumimoji="1" lang="en-US" altLang="ja-JP" sz="2400" dirty="0"/>
-          </a:p>
-          <a:p>
+              <a:rPr kumimoji="1" lang="en-US" altLang="ja-JP" sz="2400" dirty="0"/>
+              <a:t>With this model, we confirmed that we can get a good assignment for small bookings.</a:t>
+            </a:r>
+          </a:p>
+          <a:p>
+            <a:r>
+              <a:rPr lang="en" altLang="ja-JP" sz="2400" dirty="0"/>
+              <a:t>The number of orders and the number of loading and unloading ports increases, the calculations may not be sufficiently advanced in a limited time.[1]</a:t>
+            </a:r>
             <a:endParaRPr kumimoji="1" lang="ja-JP" altLang="en-US" sz="2400"/>
+          </a:p>
+        </p:txBody>
+      </p:sp>
+      <p:sp>
+        <p:nvSpPr>
+          <p:cNvPr id="4" name="正方形/長方形 3">
+            <a:extLst>
+              <a:ext uri="{FF2B5EF4-FFF2-40B4-BE49-F238E27FC236}">
+                <a16:creationId xmlns:a16="http://schemas.microsoft.com/office/drawing/2014/main" id="{9D9AB659-4052-624D-8F74-5899265AF76C}"/>
+              </a:ext>
+            </a:extLst>
+          </p:cNvPr>
+          <p:cNvSpPr/>
+          <p:nvPr/>
+        </p:nvSpPr>
+        <p:spPr>
+          <a:xfrm>
+            <a:off x="2147248" y="5588056"/>
+            <a:ext cx="9357364" cy="646331"/>
+          </a:xfrm>
+          <a:prstGeom prst="rect">
+            <a:avLst/>
+          </a:prstGeom>
+        </p:spPr>
+        <p:txBody>
+          <a:bodyPr wrap="square">
+            <a:spAutoFit/>
+          </a:bodyPr>
+          <a:lstStyle/>
+          <a:p>
+            <a:r>
+              <a:rPr lang="en-US" altLang="ja-JP" dirty="0"/>
+              <a:t>[1]</a:t>
+            </a:r>
+            <a:r>
+              <a:rPr lang="ja-JP" altLang="en-US"/>
+              <a:t>鵜川知哉</a:t>
+            </a:r>
+            <a:r>
+              <a:rPr lang="en-US" altLang="ja-JP" dirty="0"/>
+              <a:t>, </a:t>
+            </a:r>
+            <a:r>
+              <a:rPr lang="ja-JP" altLang="en-US"/>
+              <a:t>自動車運搬船における貨物積載プラン ニングの席割問題に対する数理モデリング</a:t>
+            </a:r>
+            <a:r>
+              <a:rPr lang="en-US" altLang="ja-JP" dirty="0"/>
+              <a:t>, </a:t>
+            </a:r>
+            <a:r>
+              <a:rPr lang="ja-JP" altLang="en-US"/>
+              <a:t>修士 論文，名古屋大学情報学研究科</a:t>
+            </a:r>
+            <a:r>
+              <a:rPr lang="en-US" altLang="ja-JP" dirty="0"/>
+              <a:t>, 2020 </a:t>
+            </a:r>
+            <a:endParaRPr lang="ja-JP" altLang="en-US"/>
           </a:p>
         </p:txBody>
       </p:sp>
     </p:spTree>
     <p:extLst>
       <p:ext uri="{BB962C8B-B14F-4D97-AF65-F5344CB8AC3E}">
-        <p14:creationId xmlns:p14="http://schemas.microsoft.com/office/powerpoint/2010/main" val="1575908513"/>
+        <p14:creationId xmlns:p14="http://schemas.microsoft.com/office/powerpoint/2010/main" val="2541979275"/>
       </p:ext>
     </p:extLst>
   </p:cSld>
@@ -15524,7 +15810,7 @@
           <p:cNvPr id="2" name="タイトル 1">
             <a:extLst>
               <a:ext uri="{FF2B5EF4-FFF2-40B4-BE49-F238E27FC236}">
-                <a16:creationId xmlns:a16="http://schemas.microsoft.com/office/drawing/2014/main" id="{AA682DFF-D324-2B44-B659-FF46E3AA1D70}"/>
+                <a16:creationId xmlns:a16="http://schemas.microsoft.com/office/drawing/2014/main" id="{93010AF0-9B7D-1145-8148-06A633089EBF}"/>
               </a:ext>
             </a:extLst>
           </p:cNvPr>
@@ -15541,12 +15827,8 @@
           <a:lstStyle/>
           <a:p>
             <a:r>
-              <a:rPr lang="en-US" altLang="ja-JP" dirty="0"/>
-              <a:t>Different m</a:t>
-            </a:r>
-            <a:r>
               <a:rPr kumimoji="1" lang="en-US" altLang="ja-JP" dirty="0"/>
-              <a:t>odel</a:t>
+              <a:t>Outline</a:t>
             </a:r>
             <a:endParaRPr kumimoji="1" lang="ja-JP" altLang="en-US"/>
           </a:p>
@@ -15557,7 +15839,7 @@
           <p:cNvPr id="3" name="コンテンツ プレースホルダー 2">
             <a:extLst>
               <a:ext uri="{FF2B5EF4-FFF2-40B4-BE49-F238E27FC236}">
-                <a16:creationId xmlns:a16="http://schemas.microsoft.com/office/drawing/2014/main" id="{A1B81CE6-3BEF-7F46-9003-6161F54DD432}"/>
+                <a16:creationId xmlns:a16="http://schemas.microsoft.com/office/drawing/2014/main" id="{97A5DCCE-A463-7E40-A93C-1FAC6C539F8C}"/>
               </a:ext>
             </a:extLst>
           </p:cNvPr>
@@ -15576,43 +15858,77 @@
           <a:lstStyle/>
           <a:p>
             <a:r>
-              <a:rPr kumimoji="1" lang="en-US" altLang="ja-JP" sz="2400" dirty="0"/>
-              <a:t>We create different model to </a:t>
-            </a:r>
-            <a:r>
-              <a:rPr lang="en" altLang="ja-JP" sz="2400" dirty="0"/>
-              <a:t>solve large bookings.</a:t>
-            </a:r>
-          </a:p>
-          <a:p>
-            <a:r>
-              <a:rPr lang="en" altLang="ja-JP" sz="2400" dirty="0"/>
-              <a:t>We'll call this model “the 2nd model”.</a:t>
-            </a:r>
-          </a:p>
-          <a:p>
-            <a:r>
-              <a:rPr lang="en" altLang="ja-JP" sz="2400" dirty="0"/>
-              <a:t>The basic idea is based on heuristics.</a:t>
-            </a:r>
-          </a:p>
-          <a:p>
-            <a:r>
-              <a:rPr lang="en" altLang="ja-JP" sz="2400" dirty="0"/>
-              <a:t>Using the local search, we improve the</a:t>
-            </a:r>
+              <a:rPr kumimoji="1" lang="en-US" altLang="ja-JP" sz="2400" dirty="0">
+                <a:solidFill>
+                  <a:schemeClr val="bg1">
+                    <a:lumMod val="75000"/>
+                  </a:schemeClr>
+                </a:solidFill>
+              </a:rPr>
+              <a:t>Background</a:t>
+            </a:r>
+          </a:p>
+          <a:p>
+            <a:r>
+              <a:rPr lang="en-US" altLang="ja-JP" sz="2400" dirty="0">
+                <a:solidFill>
+                  <a:schemeClr val="bg1">
+                    <a:lumMod val="75000"/>
+                  </a:schemeClr>
+                </a:solidFill>
+              </a:rPr>
+              <a:t>Problem definition</a:t>
+            </a:r>
+            <a:endParaRPr kumimoji="1" lang="en-US" altLang="ja-JP" sz="2400" dirty="0">
+              <a:solidFill>
+                <a:schemeClr val="bg1">
+                  <a:lumMod val="75000"/>
+                </a:schemeClr>
+              </a:solidFill>
+            </a:endParaRPr>
+          </a:p>
+          <a:p>
+            <a:r>
+              <a:rPr lang="en-US" altLang="ja-JP" sz="2400" dirty="0">
+                <a:solidFill>
+                  <a:schemeClr val="bg1">
+                    <a:lumMod val="75000"/>
+                  </a:schemeClr>
+                </a:solidFill>
+              </a:rPr>
+              <a:t>Modeling </a:t>
+            </a:r>
+          </a:p>
+          <a:p>
             <a:r>
               <a:rPr lang="en-US" altLang="ja-JP" sz="2400" dirty="0"/>
-              <a:t> assignment</a:t>
-            </a:r>
-            <a:endParaRPr lang="en" altLang="ja-JP" sz="2400" dirty="0"/>
+              <a:t>Different modeling</a:t>
+            </a:r>
+          </a:p>
+          <a:p>
+            <a:r>
+              <a:rPr kumimoji="1" lang="en-US" altLang="ja-JP" sz="2400" dirty="0">
+                <a:solidFill>
+                  <a:schemeClr val="bg1">
+                    <a:lumMod val="75000"/>
+                  </a:schemeClr>
+                </a:solidFill>
+              </a:rPr>
+              <a:t>future work</a:t>
+            </a:r>
+          </a:p>
+          <a:p>
+            <a:endParaRPr kumimoji="1" lang="en-US" altLang="ja-JP" sz="2400" dirty="0"/>
+          </a:p>
+          <a:p>
+            <a:endParaRPr kumimoji="1" lang="ja-JP" altLang="en-US" sz="2400"/>
           </a:p>
         </p:txBody>
       </p:sp>
     </p:spTree>
     <p:extLst>
       <p:ext uri="{BB962C8B-B14F-4D97-AF65-F5344CB8AC3E}">
-        <p14:creationId xmlns:p14="http://schemas.microsoft.com/office/powerpoint/2010/main" val="2051790486"/>
+        <p14:creationId xmlns:p14="http://schemas.microsoft.com/office/powerpoint/2010/main" val="1575908513"/>
       </p:ext>
     </p:extLst>
   </p:cSld>
@@ -15794,7 +16110,7 @@
           <p:cNvPr id="2" name="タイトル 1">
             <a:extLst>
               <a:ext uri="{FF2B5EF4-FFF2-40B4-BE49-F238E27FC236}">
-                <a16:creationId xmlns:a16="http://schemas.microsoft.com/office/drawing/2014/main" id="{D4EA45E0-6EC3-4546-962B-3ADDD8781C9D}"/>
+                <a16:creationId xmlns:a16="http://schemas.microsoft.com/office/drawing/2014/main" id="{AA682DFF-D324-2B44-B659-FF46E3AA1D70}"/>
               </a:ext>
             </a:extLst>
           </p:cNvPr>
@@ -15812,7 +16128,11 @@
           <a:p>
             <a:r>
               <a:rPr lang="en-US" altLang="ja-JP" dirty="0"/>
-              <a:t>Detailed Heuristic</a:t>
+              <a:t>Different m</a:t>
+            </a:r>
+            <a:r>
+              <a:rPr kumimoji="1" lang="en-US" altLang="ja-JP" dirty="0"/>
+              <a:t>odel</a:t>
             </a:r>
             <a:endParaRPr kumimoji="1" lang="ja-JP" altLang="en-US"/>
           </a:p>
@@ -15823,7 +16143,7 @@
           <p:cNvPr id="3" name="コンテンツ プレースホルダー 2">
             <a:extLst>
               <a:ext uri="{FF2B5EF4-FFF2-40B4-BE49-F238E27FC236}">
-                <a16:creationId xmlns:a16="http://schemas.microsoft.com/office/drawing/2014/main" id="{C6E27343-2C9B-334E-90CD-315B46EA63CE}"/>
+                <a16:creationId xmlns:a16="http://schemas.microsoft.com/office/drawing/2014/main" id="{A1B81CE6-3BEF-7F46-9003-6161F54DD432}"/>
               </a:ext>
             </a:extLst>
           </p:cNvPr>
@@ -15842,50 +16162,43 @@
           <a:lstStyle/>
           <a:p>
             <a:r>
+              <a:rPr kumimoji="1" lang="en-US" altLang="ja-JP" sz="2400" dirty="0"/>
+              <a:t>We propose different model to </a:t>
+            </a:r>
+            <a:r>
               <a:rPr lang="en" altLang="ja-JP" sz="2400" dirty="0"/>
-              <a:t>In the 1</a:t>
-            </a:r>
-            <a:r>
-              <a:rPr lang="en" altLang="ja-JP" sz="2400" baseline="30000" dirty="0"/>
-              <a:t>st </a:t>
-            </a:r>
+              <a:t>solve large bookings.</a:t>
+            </a:r>
+          </a:p>
+          <a:p>
             <a:r>
               <a:rPr lang="en" altLang="ja-JP" sz="2400" dirty="0"/>
-              <a:t>model, continuous numbers of units were used as variables.</a:t>
+              <a:t>We'll call this model “the 2nd model”.</a:t>
             </a:r>
           </a:p>
           <a:p>
             <a:r>
               <a:rPr lang="en" altLang="ja-JP" sz="2400" dirty="0"/>
-              <a:t>In the 2nd model, instead of assigning each unit individually, we split the orders and assign them.</a:t>
-            </a:r>
-            <a:endParaRPr lang="ja-JP" altLang="en-US" sz="2400"/>
+              <a:t>The basic idea is based on heuristics.</a:t>
+            </a:r>
           </a:p>
           <a:p>
             <a:r>
               <a:rPr lang="en" altLang="ja-JP" sz="2400" dirty="0"/>
-              <a:t>As for holds, we think about grouping some holds together and assigning orders to them. </a:t>
-            </a:r>
-          </a:p>
-          <a:p>
-            <a:pPr lvl="1"/>
-            <a:r>
-              <a:rPr kumimoji="1" lang="en" altLang="ja-JP" sz="2200" dirty="0"/>
-              <a:t>We call them “segment”.</a:t>
-            </a:r>
-          </a:p>
-          <a:p>
-            <a:pPr marL="0" indent="0">
-              <a:buNone/>
-            </a:pPr>
-            <a:endParaRPr kumimoji="1" lang="ja-JP" altLang="en-US" sz="2400"/>
+              <a:t>Using the local search, we improve the</a:t>
+            </a:r>
+            <a:r>
+              <a:rPr lang="en-US" altLang="ja-JP" sz="2400" dirty="0"/>
+              <a:t> assignment</a:t>
+            </a:r>
+            <a:endParaRPr lang="en" altLang="ja-JP" sz="2400" dirty="0"/>
           </a:p>
         </p:txBody>
       </p:sp>
     </p:spTree>
     <p:extLst>
       <p:ext uri="{BB962C8B-B14F-4D97-AF65-F5344CB8AC3E}">
-        <p14:creationId xmlns:p14="http://schemas.microsoft.com/office/powerpoint/2010/main" val="3274161218"/>
+        <p14:creationId xmlns:p14="http://schemas.microsoft.com/office/powerpoint/2010/main" val="2051790486"/>
       </p:ext>
     </p:extLst>
   </p:cSld>
@@ -15917,6 +16230,129 @@
           <p:cNvPr id="2" name="タイトル 1">
             <a:extLst>
               <a:ext uri="{FF2B5EF4-FFF2-40B4-BE49-F238E27FC236}">
+                <a16:creationId xmlns:a16="http://schemas.microsoft.com/office/drawing/2014/main" id="{D4EA45E0-6EC3-4546-962B-3ADDD8781C9D}"/>
+              </a:ext>
+            </a:extLst>
+          </p:cNvPr>
+          <p:cNvSpPr>
+            <a:spLocks noGrp="1"/>
+          </p:cNvSpPr>
+          <p:nvPr>
+            <p:ph type="title"/>
+          </p:nvPr>
+        </p:nvSpPr>
+        <p:spPr/>
+        <p:txBody>
+          <a:bodyPr/>
+          <a:lstStyle/>
+          <a:p>
+            <a:r>
+              <a:rPr lang="en-US" altLang="ja-JP" dirty="0"/>
+              <a:t>Detailed Heuristic</a:t>
+            </a:r>
+            <a:endParaRPr kumimoji="1" lang="ja-JP" altLang="en-US"/>
+          </a:p>
+        </p:txBody>
+      </p:sp>
+      <p:sp>
+        <p:nvSpPr>
+          <p:cNvPr id="3" name="コンテンツ プレースホルダー 2">
+            <a:extLst>
+              <a:ext uri="{FF2B5EF4-FFF2-40B4-BE49-F238E27FC236}">
+                <a16:creationId xmlns:a16="http://schemas.microsoft.com/office/drawing/2014/main" id="{C6E27343-2C9B-334E-90CD-315B46EA63CE}"/>
+              </a:ext>
+            </a:extLst>
+          </p:cNvPr>
+          <p:cNvSpPr>
+            <a:spLocks noGrp="1"/>
+          </p:cNvSpPr>
+          <p:nvPr>
+            <p:ph idx="1"/>
+          </p:nvPr>
+        </p:nvSpPr>
+        <p:spPr/>
+        <p:txBody>
+          <a:bodyPr>
+            <a:normAutofit/>
+          </a:bodyPr>
+          <a:lstStyle/>
+          <a:p>
+            <a:r>
+              <a:rPr lang="en" altLang="ja-JP" sz="2400" dirty="0"/>
+              <a:t>In the 1</a:t>
+            </a:r>
+            <a:r>
+              <a:rPr lang="en" altLang="ja-JP" sz="2400" baseline="30000" dirty="0"/>
+              <a:t>st </a:t>
+            </a:r>
+            <a:r>
+              <a:rPr lang="en" altLang="ja-JP" sz="2400" dirty="0"/>
+              <a:t>model, continuous numbers of units were used as variables.</a:t>
+            </a:r>
+          </a:p>
+          <a:p>
+            <a:r>
+              <a:rPr lang="en" altLang="ja-JP" sz="2400" dirty="0"/>
+              <a:t>In the 2nd model, instead of assigning each unit individually, we split the orders and assign them.</a:t>
+            </a:r>
+            <a:endParaRPr lang="ja-JP" altLang="en-US" sz="2400"/>
+          </a:p>
+          <a:p>
+            <a:r>
+              <a:rPr lang="en" altLang="ja-JP" sz="2400" dirty="0"/>
+              <a:t>As for holds, we think about grouping some holds together and assigning orders to them. </a:t>
+            </a:r>
+          </a:p>
+          <a:p>
+            <a:pPr lvl="1"/>
+            <a:r>
+              <a:rPr kumimoji="1" lang="en" altLang="ja-JP" sz="2200" dirty="0"/>
+              <a:t>We call them “segment”.</a:t>
+            </a:r>
+          </a:p>
+          <a:p>
+            <a:pPr marL="0" indent="0">
+              <a:buNone/>
+            </a:pPr>
+            <a:endParaRPr kumimoji="1" lang="ja-JP" altLang="en-US" sz="2400"/>
+          </a:p>
+        </p:txBody>
+      </p:sp>
+    </p:spTree>
+    <p:extLst>
+      <p:ext uri="{BB962C8B-B14F-4D97-AF65-F5344CB8AC3E}">
+        <p14:creationId xmlns:p14="http://schemas.microsoft.com/office/powerpoint/2010/main" val="3274161218"/>
+      </p:ext>
+    </p:extLst>
+  </p:cSld>
+  <p:clrMapOvr>
+    <a:masterClrMapping/>
+  </p:clrMapOvr>
+</p:sld>
+</file>
+
+<file path=ppt/slides/slide32.xml><?xml version="1.0" encoding="utf-8"?>
+<p:sld xmlns:a="http://schemas.openxmlformats.org/drawingml/2006/main" xmlns:r="http://schemas.openxmlformats.org/officeDocument/2006/relationships" xmlns:p="http://schemas.openxmlformats.org/presentationml/2006/main">
+  <p:cSld>
+    <p:spTree>
+      <p:nvGrpSpPr>
+        <p:cNvPr id="1" name=""/>
+        <p:cNvGrpSpPr/>
+        <p:nvPr/>
+      </p:nvGrpSpPr>
+      <p:grpSpPr>
+        <a:xfrm>
+          <a:off x="0" y="0"/>
+          <a:ext cx="0" cy="0"/>
+          <a:chOff x="0" y="0"/>
+          <a:chExt cx="0" cy="0"/>
+        </a:xfrm>
+      </p:grpSpPr>
+      <p:sp>
+        <p:nvSpPr>
+          <p:cNvPr id="2" name="タイトル 1">
+            <a:extLst>
+              <a:ext uri="{FF2B5EF4-FFF2-40B4-BE49-F238E27FC236}">
                 <a16:creationId xmlns:a16="http://schemas.microsoft.com/office/drawing/2014/main" id="{A0F04F6F-5F7C-4C4A-A9DD-C0722B40C486}"/>
               </a:ext>
             </a:extLst>
@@ -16009,7 +16445,7 @@
 </p:sld>
 </file>
 
-<file path=ppt/slides/slide32.xml><?xml version="1.0" encoding="utf-8"?>
+<file path=ppt/slides/slide33.xml><?xml version="1.0" encoding="utf-8"?>
 <p:sld xmlns:a="http://schemas.openxmlformats.org/drawingml/2006/main" xmlns:r="http://schemas.openxmlformats.org/officeDocument/2006/relationships" xmlns:p="http://schemas.openxmlformats.org/presentationml/2006/main">
   <p:cSld>
     <p:spTree>
@@ -16162,7 +16598,7 @@
 </p:sld>
 </file>
 
-<file path=ppt/slides/slide33.xml><?xml version="1.0" encoding="utf-8"?>
+<file path=ppt/slides/slide34.xml><?xml version="1.0" encoding="utf-8"?>
 <p:sld xmlns:a="http://schemas.openxmlformats.org/drawingml/2006/main" xmlns:r="http://schemas.openxmlformats.org/officeDocument/2006/relationships" xmlns:p="http://schemas.openxmlformats.org/presentationml/2006/main">
   <p:cSld>
     <p:spTree>
@@ -16201,8 +16637,8 @@
           <a:lstStyle/>
           <a:p>
             <a:r>
-              <a:rPr kumimoji="1" lang="en-US" altLang="ja-JP" dirty="0"/>
-              <a:t>Comparison</a:t>
+              <a:rPr lang="en-US" altLang="ja-JP" dirty="0"/>
+              <a:t>Comparison of the two models</a:t>
             </a:r>
             <a:endParaRPr kumimoji="1" lang="ja-JP" altLang="en-US"/>
           </a:p>
@@ -16240,18 +16676,18 @@
               <a:buNone/>
             </a:pPr>
             <a:r>
-              <a:rPr kumimoji="1" lang="en-US" altLang="ja-JP" sz="2400" dirty="0"/>
+              <a:rPr kumimoji="1" lang="en-US" altLang="ja-JP" sz="3200" dirty="0"/>
               <a:t>1</a:t>
             </a:r>
             <a:r>
-              <a:rPr kumimoji="1" lang="en-US" altLang="ja-JP" sz="2400" baseline="30000" dirty="0"/>
+              <a:rPr kumimoji="1" lang="en-US" altLang="ja-JP" sz="3200" baseline="30000" dirty="0"/>
               <a:t>st</a:t>
             </a:r>
             <a:r>
-              <a:rPr kumimoji="1" lang="en-US" altLang="ja-JP" sz="2400" dirty="0"/>
+              <a:rPr kumimoji="1" lang="en-US" altLang="ja-JP" sz="3200" dirty="0"/>
               <a:t> model</a:t>
             </a:r>
-            <a:endParaRPr lang="en-US" altLang="ja-JP" sz="2400" dirty="0"/>
+            <a:endParaRPr lang="en-US" altLang="ja-JP" sz="3200" dirty="0"/>
           </a:p>
           <a:p>
             <a:endParaRPr lang="en-US" altLang="ja-JP" sz="2400" dirty="0"/>
@@ -16322,18 +16758,18 @@
               <a:buNone/>
             </a:pPr>
             <a:r>
-              <a:rPr kumimoji="1" lang="en-US" altLang="ja-JP" sz="2400" dirty="0"/>
+              <a:rPr kumimoji="1" lang="en-US" altLang="ja-JP" sz="3200" dirty="0"/>
               <a:t>2</a:t>
             </a:r>
             <a:r>
-              <a:rPr kumimoji="1" lang="en-US" altLang="ja-JP" sz="2400" baseline="30000" dirty="0"/>
+              <a:rPr kumimoji="1" lang="en-US" altLang="ja-JP" sz="3200" baseline="30000" dirty="0"/>
               <a:t>nd</a:t>
             </a:r>
             <a:r>
-              <a:rPr kumimoji="1" lang="en-US" altLang="ja-JP" sz="2400" dirty="0"/>
+              <a:rPr kumimoji="1" lang="en-US" altLang="ja-JP" sz="3200" dirty="0"/>
               <a:t> model</a:t>
             </a:r>
-            <a:endParaRPr lang="en-US" altLang="ja-JP" sz="2400" dirty="0"/>
+            <a:endParaRPr lang="en-US" altLang="ja-JP" sz="3200" dirty="0"/>
           </a:p>
           <a:p>
             <a:endParaRPr lang="en-US" altLang="ja-JP" sz="2400" dirty="0"/>
@@ -16423,108 +16859,6 @@
 </p:sld>
 </file>
 
-<file path=ppt/slides/slide34.xml><?xml version="1.0" encoding="utf-8"?>
-<p:sld xmlns:a="http://schemas.openxmlformats.org/drawingml/2006/main" xmlns:r="http://schemas.openxmlformats.org/officeDocument/2006/relationships" xmlns:p="http://schemas.openxmlformats.org/presentationml/2006/main">
-  <p:cSld>
-    <p:spTree>
-      <p:nvGrpSpPr>
-        <p:cNvPr id="1" name=""/>
-        <p:cNvGrpSpPr/>
-        <p:nvPr/>
-      </p:nvGrpSpPr>
-      <p:grpSpPr>
-        <a:xfrm>
-          <a:off x="0" y="0"/>
-          <a:ext cx="0" cy="0"/>
-          <a:chOff x="0" y="0"/>
-          <a:chExt cx="0" cy="0"/>
-        </a:xfrm>
-      </p:grpSpPr>
-      <p:sp>
-        <p:nvSpPr>
-          <p:cNvPr id="2" name="タイトル 1">
-            <a:extLst>
-              <a:ext uri="{FF2B5EF4-FFF2-40B4-BE49-F238E27FC236}">
-                <a16:creationId xmlns:a16="http://schemas.microsoft.com/office/drawing/2014/main" id="{FDC6E643-84C1-D84A-A5EC-DEBAA379F4FF}"/>
-              </a:ext>
-            </a:extLst>
-          </p:cNvPr>
-          <p:cNvSpPr>
-            <a:spLocks noGrp="1"/>
-          </p:cNvSpPr>
-          <p:nvPr>
-            <p:ph type="title"/>
-          </p:nvPr>
-        </p:nvSpPr>
-        <p:spPr/>
-        <p:txBody>
-          <a:bodyPr/>
-          <a:lstStyle/>
-          <a:p>
-            <a:r>
-              <a:rPr lang="en" altLang="ja-JP" dirty="0"/>
-              <a:t>Rules for loading</a:t>
-            </a:r>
-            <a:r>
-              <a:rPr lang="en-US" altLang="ja-JP" dirty="0"/>
-              <a:t> vehicles</a:t>
-            </a:r>
-            <a:endParaRPr kumimoji="1" lang="ja-JP" altLang="en-US"/>
-          </a:p>
-        </p:txBody>
-      </p:sp>
-      <p:sp>
-        <p:nvSpPr>
-          <p:cNvPr id="3" name="コンテンツ プレースホルダー 2">
-            <a:extLst>
-              <a:ext uri="{FF2B5EF4-FFF2-40B4-BE49-F238E27FC236}">
-                <a16:creationId xmlns:a16="http://schemas.microsoft.com/office/drawing/2014/main" id="{87DA18FE-55DE-054F-B0FC-BCAE58372308}"/>
-              </a:ext>
-            </a:extLst>
-          </p:cNvPr>
-          <p:cNvSpPr>
-            <a:spLocks noGrp="1"/>
-          </p:cNvSpPr>
-          <p:nvPr>
-            <p:ph idx="1"/>
-          </p:nvPr>
-        </p:nvSpPr>
-        <p:spPr/>
-        <p:txBody>
-          <a:bodyPr>
-            <a:normAutofit/>
-          </a:bodyPr>
-          <a:lstStyle/>
-          <a:p>
-            <a:r>
-              <a:rPr lang="en" altLang="ja-JP" sz="2400" dirty="0"/>
-              <a:t> The vehicles of the orders assigned to each segment are loaded from the back hold.</a:t>
-            </a:r>
-          </a:p>
-          <a:p>
-            <a:r>
-              <a:rPr lang="en" altLang="ja-JP" sz="2400" dirty="0"/>
-              <a:t>We want to load the vehicle while satisfying the constraints.</a:t>
-            </a:r>
-          </a:p>
-          <a:p>
-            <a:endParaRPr kumimoji="1" lang="en" altLang="ja-JP" sz="2400" dirty="0"/>
-          </a:p>
-        </p:txBody>
-      </p:sp>
-    </p:spTree>
-    <p:extLst>
-      <p:ext uri="{BB962C8B-B14F-4D97-AF65-F5344CB8AC3E}">
-        <p14:creationId xmlns:p14="http://schemas.microsoft.com/office/powerpoint/2010/main" val="1840310504"/>
-      </p:ext>
-    </p:extLst>
-  </p:cSld>
-  <p:clrMapOvr>
-    <a:masterClrMapping/>
-  </p:clrMapOvr>
-</p:sld>
-</file>
-
 <file path=ppt/slides/slide35.xml><?xml version="1.0" encoding="utf-8"?>
 <p:sld xmlns:a="http://schemas.openxmlformats.org/drawingml/2006/main" xmlns:r="http://schemas.openxmlformats.org/officeDocument/2006/relationships" xmlns:p="http://schemas.openxmlformats.org/presentationml/2006/main">
   <p:cSld>
@@ -16547,7 +16881,7 @@
           <p:cNvPr id="2" name="タイトル 1">
             <a:extLst>
               <a:ext uri="{FF2B5EF4-FFF2-40B4-BE49-F238E27FC236}">
-                <a16:creationId xmlns:a16="http://schemas.microsoft.com/office/drawing/2014/main" id="{3E79F2C1-44AD-BE44-B7D7-3B192EEA9B06}"/>
+                <a16:creationId xmlns:a16="http://schemas.microsoft.com/office/drawing/2014/main" id="{FDC6E643-84C1-D84A-A5EC-DEBAA379F4FF}"/>
               </a:ext>
             </a:extLst>
           </p:cNvPr>
@@ -16565,7 +16899,11 @@
           <a:p>
             <a:r>
               <a:rPr lang="en" altLang="ja-JP" dirty="0"/>
-              <a:t>Constraints that has to be satisfied when loading</a:t>
+              <a:t>Rules for loading</a:t>
+            </a:r>
+            <a:r>
+              <a:rPr lang="en-US" altLang="ja-JP" dirty="0"/>
+              <a:t> vehicles</a:t>
             </a:r>
             <a:endParaRPr kumimoji="1" lang="ja-JP" altLang="en-US"/>
           </a:p>
@@ -16576,7 +16914,7 @@
           <p:cNvPr id="3" name="コンテンツ プレースホルダー 2">
             <a:extLst>
               <a:ext uri="{FF2B5EF4-FFF2-40B4-BE49-F238E27FC236}">
-                <a16:creationId xmlns:a16="http://schemas.microsoft.com/office/drawing/2014/main" id="{C1BD3BF1-F3B9-434F-9868-7519AF4F1EE7}"/>
+                <a16:creationId xmlns:a16="http://schemas.microsoft.com/office/drawing/2014/main" id="{87DA18FE-55DE-054F-B0FC-BCAE58372308}"/>
               </a:ext>
             </a:extLst>
           </p:cNvPr>
@@ -16587,64 +16925,33 @@
             <p:ph idx="1"/>
           </p:nvPr>
         </p:nvSpPr>
-        <p:spPr>
-          <a:xfrm>
-            <a:off x="2589212" y="2173941"/>
-            <a:ext cx="8915400" cy="3777622"/>
-          </a:xfrm>
-        </p:spPr>
+        <p:spPr/>
         <p:txBody>
           <a:bodyPr>
             <a:normAutofit/>
           </a:bodyPr>
           <a:lstStyle/>
           <a:p>
-            <a:pPr marL="0" indent="0">
-              <a:buNone/>
-            </a:pPr>
-            <a:r>
-              <a:rPr lang="en-US" altLang="ja-JP" sz="2400" dirty="0"/>
-              <a:t>We load vehicles while satisfying the following travel routes constraints.</a:t>
-            </a:r>
-          </a:p>
-          <a:p>
-            <a:pPr marL="0" indent="0">
-              <a:buNone/>
-            </a:pPr>
-            <a:r>
-              <a:rPr lang="en-US" altLang="ja-JP" sz="2400" dirty="0"/>
-              <a:t>We ensure that the filling rate is not exceeded after all vehicles have been loaded at a particular port.</a:t>
-            </a:r>
-          </a:p>
-          <a:p>
-            <a:pPr marL="0" indent="0">
-              <a:buNone/>
-            </a:pPr>
             <a:r>
               <a:rPr lang="en" altLang="ja-JP" sz="2400" dirty="0"/>
-              <a:t>Other constraints or objectives other are calculated in</a:t>
-            </a:r>
-            <a:r>
-              <a:rPr lang="en-US" altLang="ja-JP" sz="2400" dirty="0"/>
-              <a:t> the</a:t>
-            </a:r>
+              <a:t> The vehicles of the orders assigned to each segment are loaded from the back hold.</a:t>
+            </a:r>
+          </a:p>
+          <a:p>
             <a:r>
               <a:rPr lang="en" altLang="ja-JP" sz="2400" dirty="0"/>
-              <a:t> evaluation function.</a:t>
-            </a:r>
-          </a:p>
-          <a:p>
-            <a:pPr marL="57150" indent="0">
-              <a:buNone/>
-            </a:pPr>
-            <a:endParaRPr lang="en" altLang="ja-JP" sz="2400" dirty="0"/>
+              <a:t>We want to load the vehicle while satisfying the constraints.</a:t>
+            </a:r>
+          </a:p>
+          <a:p>
+            <a:endParaRPr kumimoji="1" lang="en" altLang="ja-JP" sz="2400" dirty="0"/>
           </a:p>
         </p:txBody>
       </p:sp>
     </p:spTree>
     <p:extLst>
       <p:ext uri="{BB962C8B-B14F-4D97-AF65-F5344CB8AC3E}">
-        <p14:creationId xmlns:p14="http://schemas.microsoft.com/office/powerpoint/2010/main" val="1018384972"/>
+        <p14:creationId xmlns:p14="http://schemas.microsoft.com/office/powerpoint/2010/main" val="1840310504"/>
       </p:ext>
     </p:extLst>
   </p:cSld>
@@ -16676,6 +16983,126 @@
           <p:cNvPr id="2" name="タイトル 1">
             <a:extLst>
               <a:ext uri="{FF2B5EF4-FFF2-40B4-BE49-F238E27FC236}">
+                <a16:creationId xmlns:a16="http://schemas.microsoft.com/office/drawing/2014/main" id="{3E79F2C1-44AD-BE44-B7D7-3B192EEA9B06}"/>
+              </a:ext>
+            </a:extLst>
+          </p:cNvPr>
+          <p:cNvSpPr>
+            <a:spLocks noGrp="1"/>
+          </p:cNvSpPr>
+          <p:nvPr>
+            <p:ph type="title"/>
+          </p:nvPr>
+        </p:nvSpPr>
+        <p:spPr/>
+        <p:txBody>
+          <a:bodyPr/>
+          <a:lstStyle/>
+          <a:p>
+            <a:r>
+              <a:rPr lang="en" altLang="ja-JP" dirty="0"/>
+              <a:t>Constraints that has to be satisfied when loading</a:t>
+            </a:r>
+            <a:endParaRPr kumimoji="1" lang="ja-JP" altLang="en-US"/>
+          </a:p>
+        </p:txBody>
+      </p:sp>
+      <p:sp>
+        <p:nvSpPr>
+          <p:cNvPr id="3" name="コンテンツ プレースホルダー 2">
+            <a:extLst>
+              <a:ext uri="{FF2B5EF4-FFF2-40B4-BE49-F238E27FC236}">
+                <a16:creationId xmlns:a16="http://schemas.microsoft.com/office/drawing/2014/main" id="{C1BD3BF1-F3B9-434F-9868-7519AF4F1EE7}"/>
+              </a:ext>
+            </a:extLst>
+          </p:cNvPr>
+          <p:cNvSpPr>
+            <a:spLocks noGrp="1"/>
+          </p:cNvSpPr>
+          <p:nvPr>
+            <p:ph idx="1"/>
+          </p:nvPr>
+        </p:nvSpPr>
+        <p:spPr>
+          <a:xfrm>
+            <a:off x="2589212" y="2173941"/>
+            <a:ext cx="8915400" cy="3777622"/>
+          </a:xfrm>
+        </p:spPr>
+        <p:txBody>
+          <a:bodyPr>
+            <a:normAutofit/>
+          </a:bodyPr>
+          <a:lstStyle/>
+          <a:p>
+            <a:r>
+              <a:rPr lang="en-US" altLang="ja-JP" sz="2400" dirty="0"/>
+              <a:t>We load vehicles while satisfying the following travel routes constraints.</a:t>
+            </a:r>
+          </a:p>
+          <a:p>
+            <a:r>
+              <a:rPr lang="en-US" altLang="ja-JP" sz="2400" dirty="0"/>
+              <a:t>We ensure that the filling rate is not exceeded after all vehicles have been loaded at a particular port.</a:t>
+            </a:r>
+          </a:p>
+          <a:p>
+            <a:r>
+              <a:rPr lang="en" altLang="ja-JP" sz="2400" dirty="0"/>
+              <a:t>Other constraints or objectives are calculated in</a:t>
+            </a:r>
+            <a:r>
+              <a:rPr lang="en-US" altLang="ja-JP" sz="2400" dirty="0"/>
+              <a:t> the</a:t>
+            </a:r>
+            <a:r>
+              <a:rPr lang="en" altLang="ja-JP" sz="2400" dirty="0"/>
+              <a:t> evaluation function.</a:t>
+            </a:r>
+          </a:p>
+          <a:p>
+            <a:pPr marL="57150" indent="0">
+              <a:buNone/>
+            </a:pPr>
+            <a:endParaRPr lang="en" altLang="ja-JP" sz="2400" dirty="0"/>
+          </a:p>
+        </p:txBody>
+      </p:sp>
+    </p:spTree>
+    <p:extLst>
+      <p:ext uri="{BB962C8B-B14F-4D97-AF65-F5344CB8AC3E}">
+        <p14:creationId xmlns:p14="http://schemas.microsoft.com/office/powerpoint/2010/main" val="1018384972"/>
+      </p:ext>
+    </p:extLst>
+  </p:cSld>
+  <p:clrMapOvr>
+    <a:masterClrMapping/>
+  </p:clrMapOvr>
+</p:sld>
+</file>
+
+<file path=ppt/slides/slide37.xml><?xml version="1.0" encoding="utf-8"?>
+<p:sld xmlns:a="http://schemas.openxmlformats.org/drawingml/2006/main" xmlns:r="http://schemas.openxmlformats.org/officeDocument/2006/relationships" xmlns:p="http://schemas.openxmlformats.org/presentationml/2006/main">
+  <p:cSld>
+    <p:spTree>
+      <p:nvGrpSpPr>
+        <p:cNvPr id="1" name=""/>
+        <p:cNvGrpSpPr/>
+        <p:nvPr/>
+      </p:nvGrpSpPr>
+      <p:grpSpPr>
+        <a:xfrm>
+          <a:off x="0" y="0"/>
+          <a:ext cx="0" cy="0"/>
+          <a:chOff x="0" y="0"/>
+          <a:chExt cx="0" cy="0"/>
+        </a:xfrm>
+      </p:grpSpPr>
+      <p:sp>
+        <p:nvSpPr>
+          <p:cNvPr id="2" name="タイトル 1">
+            <a:extLst>
+              <a:ext uri="{FF2B5EF4-FFF2-40B4-BE49-F238E27FC236}">
                 <a16:creationId xmlns:a16="http://schemas.microsoft.com/office/drawing/2014/main" id="{2B278DCE-0685-4441-B128-DC9D8C8EB809}"/>
               </a:ext>
             </a:extLst>
@@ -16738,15 +17165,7 @@
           <a:p>
             <a:r>
               <a:rPr lang="en-US" altLang="ja-JP" sz="2400" dirty="0"/>
-              <a:t>In this research, we use shift </a:t>
-            </a:r>
-            <a:r>
-              <a:rPr lang="en-US" altLang="ja-JP" sz="2400" dirty="0" err="1"/>
-              <a:t>neigborhood</a:t>
-            </a:r>
-            <a:r>
-              <a:rPr lang="en-US" altLang="ja-JP" sz="2400" dirty="0"/>
-              <a:t> and swap neighborhood</a:t>
+              <a:t>In this research, we use shift neighborhood and swap neighborhood</a:t>
             </a:r>
           </a:p>
           <a:p>
@@ -16770,7 +17189,7 @@
 </p:sld>
 </file>
 
-<file path=ppt/slides/slide37.xml><?xml version="1.0" encoding="utf-8"?>
+<file path=ppt/slides/slide38.xml><?xml version="1.0" encoding="utf-8"?>
 <p:sld xmlns:a="http://schemas.openxmlformats.org/drawingml/2006/main" xmlns:r="http://schemas.openxmlformats.org/officeDocument/2006/relationships" xmlns:p="http://schemas.openxmlformats.org/presentationml/2006/main">
   <p:cSld>
     <p:spTree>
@@ -17482,132 +17901,6 @@
 </p:sld>
 </file>
 
-<file path=ppt/slides/slide38.xml><?xml version="1.0" encoding="utf-8"?>
-<p:sld xmlns:a="http://schemas.openxmlformats.org/drawingml/2006/main" xmlns:r="http://schemas.openxmlformats.org/officeDocument/2006/relationships" xmlns:p="http://schemas.openxmlformats.org/presentationml/2006/main">
-  <p:cSld>
-    <p:spTree>
-      <p:nvGrpSpPr>
-        <p:cNvPr id="1" name=""/>
-        <p:cNvGrpSpPr/>
-        <p:nvPr/>
-      </p:nvGrpSpPr>
-      <p:grpSpPr>
-        <a:xfrm>
-          <a:off x="0" y="0"/>
-          <a:ext cx="0" cy="0"/>
-          <a:chOff x="0" y="0"/>
-          <a:chExt cx="0" cy="0"/>
-        </a:xfrm>
-      </p:grpSpPr>
-      <p:sp>
-        <p:nvSpPr>
-          <p:cNvPr id="2" name="タイトル 1">
-            <a:extLst>
-              <a:ext uri="{FF2B5EF4-FFF2-40B4-BE49-F238E27FC236}">
-                <a16:creationId xmlns:a16="http://schemas.microsoft.com/office/drawing/2014/main" id="{3D8A63EE-A0A1-4C4E-9821-A455B6473202}"/>
-              </a:ext>
-            </a:extLst>
-          </p:cNvPr>
-          <p:cNvSpPr>
-            <a:spLocks noGrp="1"/>
-          </p:cNvSpPr>
-          <p:nvPr>
-            <p:ph type="title"/>
-          </p:nvPr>
-        </p:nvSpPr>
-        <p:spPr/>
-        <p:txBody>
-          <a:bodyPr/>
-          <a:lstStyle/>
-          <a:p>
-            <a:r>
-              <a:rPr kumimoji="1" lang="en-US" altLang="ja-JP" dirty="0"/>
-              <a:t>Neighborhood</a:t>
-            </a:r>
-            <a:endParaRPr kumimoji="1" lang="ja-JP" altLang="en-US"/>
-          </a:p>
-        </p:txBody>
-      </p:sp>
-      <p:sp>
-        <p:nvSpPr>
-          <p:cNvPr id="3" name="コンテンツ プレースホルダー 2">
-            <a:extLst>
-              <a:ext uri="{FF2B5EF4-FFF2-40B4-BE49-F238E27FC236}">
-                <a16:creationId xmlns:a16="http://schemas.microsoft.com/office/drawing/2014/main" id="{240D5665-5F70-714B-87E9-C1AB005B3571}"/>
-              </a:ext>
-            </a:extLst>
-          </p:cNvPr>
-          <p:cNvSpPr>
-            <a:spLocks noGrp="1"/>
-          </p:cNvSpPr>
-          <p:nvPr>
-            <p:ph idx="1"/>
-          </p:nvPr>
-        </p:nvSpPr>
-        <p:spPr/>
-        <p:txBody>
-          <a:bodyPr>
-            <a:normAutofit/>
-          </a:bodyPr>
-          <a:lstStyle/>
-          <a:p>
-            <a:r>
-              <a:rPr kumimoji="1" lang="en-US" altLang="ja-JP" sz="2400" dirty="0"/>
-              <a:t>Shift neighborhood</a:t>
-            </a:r>
-          </a:p>
-          <a:p>
-            <a:pPr lvl="1"/>
-            <a:r>
-              <a:rPr kumimoji="1" lang="en-US" altLang="ja-JP" sz="2400" dirty="0"/>
-              <a:t>This is obtained by</a:t>
-            </a:r>
-            <a:r>
-              <a:rPr kumimoji="1" lang="ja-JP" altLang="en-US" sz="2400"/>
-              <a:t> </a:t>
-            </a:r>
-            <a:r>
-              <a:rPr kumimoji="1" lang="en-US" altLang="ja-JP" sz="2400" dirty="0"/>
-              <a:t>reassigning one order which was assigned to a segment to another segment</a:t>
-            </a:r>
-          </a:p>
-          <a:p>
-            <a:r>
-              <a:rPr kumimoji="1" lang="en-US" altLang="ja-JP" sz="2400" dirty="0"/>
-              <a:t>Swap </a:t>
-            </a:r>
-            <a:r>
-              <a:rPr lang="en-US" altLang="ja-JP" sz="2400" dirty="0"/>
-              <a:t>neighborhood</a:t>
-            </a:r>
-          </a:p>
-          <a:p>
-            <a:pPr lvl="1"/>
-            <a:r>
-              <a:rPr kumimoji="1" lang="en-US" altLang="ja-JP" sz="2400" dirty="0"/>
-              <a:t>This is obtained by s</a:t>
-            </a:r>
-            <a:r>
-              <a:rPr lang="en-US" altLang="ja-JP" sz="2400" dirty="0"/>
-              <a:t>wapping the allocated segments of two orders.</a:t>
-            </a:r>
-            <a:endParaRPr kumimoji="1" lang="ja-JP" altLang="en-US" sz="2400"/>
-          </a:p>
-        </p:txBody>
-      </p:sp>
-    </p:spTree>
-    <p:extLst>
-      <p:ext uri="{BB962C8B-B14F-4D97-AF65-F5344CB8AC3E}">
-        <p14:creationId xmlns:p14="http://schemas.microsoft.com/office/powerpoint/2010/main" val="719674508"/>
-      </p:ext>
-    </p:extLst>
-  </p:cSld>
-  <p:clrMapOvr>
-    <a:masterClrMapping/>
-  </p:clrMapOvr>
-</p:sld>
-</file>
-
 <file path=ppt/slides/slide39.xml><?xml version="1.0" encoding="utf-8"?>
 <p:sld xmlns:a="http://schemas.openxmlformats.org/drawingml/2006/main" xmlns:r="http://schemas.openxmlformats.org/officeDocument/2006/relationships" xmlns:p="http://schemas.openxmlformats.org/presentationml/2006/main">
   <p:cSld>
@@ -17630,7 +17923,7 @@
           <p:cNvPr id="2" name="タイトル 1">
             <a:extLst>
               <a:ext uri="{FF2B5EF4-FFF2-40B4-BE49-F238E27FC236}">
-                <a16:creationId xmlns:a16="http://schemas.microsoft.com/office/drawing/2014/main" id="{FCE7EB18-D7E1-894E-BC25-80C1A8AA5D09}"/>
+                <a16:creationId xmlns:a16="http://schemas.microsoft.com/office/drawing/2014/main" id="{3D8A63EE-A0A1-4C4E-9821-A455B6473202}"/>
               </a:ext>
             </a:extLst>
           </p:cNvPr>
@@ -17647,8 +17940,8 @@
           <a:lstStyle/>
           <a:p>
             <a:r>
-              <a:rPr lang="en" altLang="ja-JP" dirty="0"/>
-              <a:t>Shift neighborhood</a:t>
+              <a:rPr kumimoji="1" lang="en-US" altLang="ja-JP" dirty="0"/>
+              <a:t>Neighborhood</a:t>
             </a:r>
             <a:endParaRPr kumimoji="1" lang="ja-JP" altLang="en-US"/>
           </a:p>
@@ -17659,7 +17952,7 @@
           <p:cNvPr id="3" name="コンテンツ プレースホルダー 2">
             <a:extLst>
               <a:ext uri="{FF2B5EF4-FFF2-40B4-BE49-F238E27FC236}">
-                <a16:creationId xmlns:a16="http://schemas.microsoft.com/office/drawing/2014/main" id="{DF18F744-42F4-CA45-A447-4C7A6529DF3D}"/>
+                <a16:creationId xmlns:a16="http://schemas.microsoft.com/office/drawing/2014/main" id="{240D5665-5F70-714B-87E9-C1AB005B3571}"/>
               </a:ext>
             </a:extLst>
           </p:cNvPr>
@@ -17670,12 +17963,7 @@
             <p:ph idx="1"/>
           </p:nvPr>
         </p:nvSpPr>
-        <p:spPr>
-          <a:xfrm>
-            <a:off x="2589212" y="2133600"/>
-            <a:ext cx="8356694" cy="3777622"/>
-          </a:xfrm>
-        </p:spPr>
+        <p:spPr/>
         <p:txBody>
           <a:bodyPr>
             <a:normAutofit/>
@@ -17684,20 +17972,44 @@
           <a:p>
             <a:r>
               <a:rPr kumimoji="1" lang="en-US" altLang="ja-JP" sz="2400" dirty="0"/>
-              <a:t>When searching </a:t>
+              <a:t>Shift neighborhood</a:t>
+            </a:r>
+          </a:p>
+          <a:p>
+            <a:pPr lvl="1"/>
+            <a:r>
+              <a:rPr kumimoji="1" lang="en-US" altLang="ja-JP" sz="2400" dirty="0"/>
+              <a:t>This is obtained by</a:t>
+            </a:r>
+            <a:r>
+              <a:rPr kumimoji="1" lang="ja-JP" altLang="en-US" sz="2400"/>
+              <a:t> </a:t>
+            </a:r>
+            <a:r>
+              <a:rPr kumimoji="1" lang="en-US" altLang="ja-JP" sz="2400" dirty="0"/>
+              <a:t>reassigning one order which was assigned to a segment to another segment</a:t>
+            </a:r>
+          </a:p>
+          <a:p>
+            <a:r>
+              <a:rPr kumimoji="1" lang="en-US" altLang="ja-JP" sz="2400" dirty="0"/>
+              <a:t>Swap </a:t>
             </a:r>
             <a:r>
               <a:rPr lang="en-US" altLang="ja-JP" sz="2400" dirty="0"/>
-              <a:t>shift neighborhoods, we calculate the evaluate function for all possible insertion positions and insert in the best position.</a:t>
-            </a:r>
-          </a:p>
-          <a:p>
-            <a:r>
-              <a:rPr lang="en" altLang="ja-JP" sz="2400" dirty="0"/>
-              <a:t>For this problem, there may be a waste of resources.</a:t>
-            </a:r>
-          </a:p>
-          <a:p>
+              <a:t>neighborhood</a:t>
+            </a:r>
+          </a:p>
+          <a:p>
+            <a:pPr lvl="1"/>
+            <a:r>
+              <a:rPr kumimoji="1" lang="en-US" altLang="ja-JP" sz="2400" dirty="0"/>
+              <a:t>This is obtained by s</a:t>
+            </a:r>
+            <a:r>
+              <a:rPr lang="en-US" altLang="ja-JP" sz="2400" dirty="0"/>
+              <a:t>wapping the allocated segments of two orders.</a:t>
+            </a:r>
             <a:endParaRPr kumimoji="1" lang="ja-JP" altLang="en-US" sz="2400"/>
           </a:p>
         </p:txBody>
@@ -17705,7 +18017,7 @@
     </p:spTree>
     <p:extLst>
       <p:ext uri="{BB962C8B-B14F-4D97-AF65-F5344CB8AC3E}">
-        <p14:creationId xmlns:p14="http://schemas.microsoft.com/office/powerpoint/2010/main" val="664206571"/>
+        <p14:creationId xmlns:p14="http://schemas.microsoft.com/office/powerpoint/2010/main" val="719674508"/>
       </p:ext>
     </p:extLst>
   </p:cSld>
@@ -17970,7 +18282,7 @@
           <p:cNvPr id="2" name="タイトル 1">
             <a:extLst>
               <a:ext uri="{FF2B5EF4-FFF2-40B4-BE49-F238E27FC236}">
-                <a16:creationId xmlns:a16="http://schemas.microsoft.com/office/drawing/2014/main" id="{03BB7B5E-C4C4-9B4A-9494-821EF1303692}"/>
+                <a16:creationId xmlns:a16="http://schemas.microsoft.com/office/drawing/2014/main" id="{4413CCEA-EA44-8A42-A8A2-30228E16D39E}"/>
               </a:ext>
             </a:extLst>
           </p:cNvPr>
@@ -17981,19 +18293,14 @@
             <p:ph type="title"/>
           </p:nvPr>
         </p:nvSpPr>
-        <p:spPr>
-          <a:xfrm>
-            <a:off x="2592925" y="624110"/>
-            <a:ext cx="9307722" cy="1043325"/>
-          </a:xfrm>
-        </p:spPr>
+        <p:spPr/>
         <p:txBody>
           <a:bodyPr/>
           <a:lstStyle/>
           <a:p>
             <a:r>
-              <a:rPr lang="en" altLang="ja-JP" dirty="0"/>
-              <a:t>Waste of resources in the neighborhood</a:t>
+              <a:rPr kumimoji="1" lang="en-US" altLang="ja-JP" dirty="0"/>
+              <a:t>Swap neighborhood</a:t>
             </a:r>
             <a:endParaRPr kumimoji="1" lang="ja-JP" altLang="en-US"/>
           </a:p>
@@ -18004,7 +18311,7 @@
           <p:cNvPr id="3" name="コンテンツ プレースホルダー 2">
             <a:extLst>
               <a:ext uri="{FF2B5EF4-FFF2-40B4-BE49-F238E27FC236}">
-                <a16:creationId xmlns:a16="http://schemas.microsoft.com/office/drawing/2014/main" id="{E3BA8F43-1062-1849-820B-F7D6BDDFFED2}"/>
+                <a16:creationId xmlns:a16="http://schemas.microsoft.com/office/drawing/2014/main" id="{7476A083-A72A-3F4A-906A-AE24C1128C4D}"/>
               </a:ext>
             </a:extLst>
           </p:cNvPr>
@@ -18017,29 +18324,26 @@
         </p:nvSpPr>
         <p:spPr>
           <a:xfrm>
-            <a:off x="2589212" y="1815353"/>
-            <a:ext cx="8915400" cy="4095869"/>
+            <a:off x="2589212" y="2133599"/>
+            <a:ext cx="8915400" cy="4159625"/>
           </a:xfrm>
         </p:spPr>
         <p:txBody>
           <a:bodyPr>
-            <a:normAutofit fontScale="92500"/>
+            <a:normAutofit/>
           </a:bodyPr>
           <a:lstStyle/>
           <a:p>
             <a:r>
               <a:rPr lang="en-US" altLang="ja-JP" sz="2400" dirty="0"/>
-              <a:t>When inserting one order into another hold, we make a change in the order sequence of the orders to be inserted. </a:t>
+              <a:t>We swap the two orders assigned to different segments.</a:t>
             </a:r>
           </a:p>
           <a:p>
             <a:pPr marL="0" indent="0">
               <a:buNone/>
             </a:pPr>
-            <a:r>
-              <a:rPr lang="en-US" altLang="ja-JP" sz="2400" dirty="0"/>
-              <a:t>Example: inserting order A</a:t>
-            </a:r>
+            <a:endParaRPr lang="en-US" altLang="ja-JP" sz="2400" dirty="0"/>
           </a:p>
           <a:p>
             <a:pPr marL="0" indent="0">
@@ -18047,15 +18351,29 @@
             </a:pPr>
             <a:r>
               <a:rPr lang="en-US" altLang="ja-JP" sz="2400" dirty="0"/>
-              <a:t> [C,B,D] </a:t>
-            </a:r>
-            <a:r>
-              <a:rPr lang="ja-JP" altLang="en-US" sz="2400"/>
-              <a:t>→</a:t>
-            </a:r>
+              <a:t>ex. a</a:t>
+            </a:r>
+            <a:r>
+              <a:rPr kumimoji="1" lang="en-US" altLang="ja-JP" sz="2400" dirty="0"/>
+              <a:t>rray of orders in each segment are as follows:</a:t>
+            </a:r>
+          </a:p>
+          <a:p>
+            <a:pPr marL="0" indent="0">
+              <a:buNone/>
+            </a:pPr>
             <a:r>
               <a:rPr lang="en-US" altLang="ja-JP" sz="2400" dirty="0"/>
-              <a:t> [</a:t>
+              <a:t>		Segment 1                                segment 2</a:t>
+            </a:r>
+          </a:p>
+          <a:p>
+            <a:pPr marL="0" indent="0">
+              <a:buNone/>
+            </a:pPr>
+            <a:r>
+              <a:rPr lang="en-US" altLang="ja-JP" sz="2400" dirty="0"/>
+              <a:t>		 [A,B,</a:t>
             </a:r>
             <a:r>
               <a:rPr lang="en-US" altLang="ja-JP" sz="2400" dirty="0">
@@ -18063,20 +18381,11 @@
                   <a:srgbClr val="FF0000"/>
                 </a:solidFill>
               </a:rPr>
-              <a:t>A</a:t>
+              <a:t>C</a:t>
             </a:r>
             <a:r>
               <a:rPr lang="en-US" altLang="ja-JP" sz="2400" dirty="0"/>
-              <a:t>, C, B, D]</a:t>
-            </a:r>
-          </a:p>
-          <a:p>
-            <a:pPr marL="0" indent="0">
-              <a:buNone/>
-            </a:pPr>
-            <a:r>
-              <a:rPr lang="en-US" altLang="ja-JP" sz="2400" dirty="0"/>
-              <a:t>		       [C, </a:t>
+              <a:t>,D]	                               [E,</a:t>
             </a:r>
             <a:r>
               <a:rPr lang="en-US" altLang="ja-JP" sz="2400" dirty="0">
@@ -18084,20 +18393,35 @@
                   <a:srgbClr val="FF0000"/>
                 </a:solidFill>
               </a:rPr>
-              <a:t>A</a:t>
+              <a:t>F</a:t>
             </a:r>
             <a:r>
               <a:rPr lang="en-US" altLang="ja-JP" sz="2400" dirty="0"/>
-              <a:t>, B, D]</a:t>
+              <a:t>,G,H]</a:t>
             </a:r>
           </a:p>
           <a:p>
             <a:pPr marL="0" indent="0">
               <a:buNone/>
             </a:pPr>
+            <a:endParaRPr lang="en-US" altLang="ja-JP" sz="2400" dirty="0"/>
+          </a:p>
+          <a:p>
+            <a:pPr marL="0" indent="0">
+              <a:buNone/>
+            </a:pPr>
             <a:r>
               <a:rPr lang="en-US" altLang="ja-JP" sz="2400" dirty="0"/>
-              <a:t>			 [C, B, </a:t>
+              <a:t>		Segment 1                                segment 2</a:t>
+            </a:r>
+          </a:p>
+          <a:p>
+            <a:pPr marL="0" indent="0">
+              <a:buNone/>
+            </a:pPr>
+            <a:r>
+              <a:rPr lang="en-US" altLang="ja-JP" sz="2400" dirty="0"/>
+              <a:t>		 [A,B,</a:t>
             </a:r>
             <a:r>
               <a:rPr lang="en-US" altLang="ja-JP" sz="2400" dirty="0">
@@ -18105,20 +18429,11 @@
                   <a:srgbClr val="FF0000"/>
                 </a:solidFill>
               </a:rPr>
-              <a:t>A</a:t>
+              <a:t>F</a:t>
             </a:r>
             <a:r>
               <a:rPr lang="en-US" altLang="ja-JP" sz="2400" dirty="0"/>
-              <a:t>, D]</a:t>
-            </a:r>
-          </a:p>
-          <a:p>
-            <a:pPr marL="0" indent="0">
-              <a:buNone/>
-            </a:pPr>
-            <a:r>
-              <a:rPr lang="en-US" altLang="ja-JP" sz="2400" dirty="0"/>
-              <a:t>			 [C, B, D, </a:t>
+              <a:t>,D]	                               	    [E,</a:t>
             </a:r>
             <a:r>
               <a:rPr lang="en-US" altLang="ja-JP" sz="2400" dirty="0">
@@ -18126,26 +18441,125 @@
                   <a:srgbClr val="FF0000"/>
                 </a:solidFill>
               </a:rPr>
-              <a:t>A</a:t>
+              <a:t>C</a:t>
             </a:r>
             <a:r>
               <a:rPr lang="en-US" altLang="ja-JP" sz="2400" dirty="0"/>
-              <a:t>] </a:t>
-            </a:r>
-          </a:p>
-          <a:p>
+              <a:t>,</a:t>
+            </a:r>
+            <a:r>
+              <a:rPr lang="en-US" altLang="ja-JP" sz="2400" dirty="0">
+                <a:solidFill>
+                  <a:schemeClr val="tx1"/>
+                </a:solidFill>
+              </a:rPr>
+              <a:t>G</a:t>
+            </a:r>
             <a:r>
               <a:rPr lang="en-US" altLang="ja-JP" sz="2400" dirty="0"/>
-              <a:t>In this case, we try 4 patterns and select the best inserted position. </a:t>
-            </a:r>
+              <a:t>,H]</a:t>
+            </a:r>
+          </a:p>
+          <a:p>
+            <a:pPr marL="0" indent="0">
+              <a:buNone/>
+            </a:pPr>
             <a:endParaRPr kumimoji="1" lang="ja-JP" altLang="en-US" sz="2400"/>
           </a:p>
         </p:txBody>
       </p:sp>
+      <p:cxnSp>
+        <p:nvCxnSpPr>
+          <p:cNvPr id="11" name="直線矢印コネクタ 10">
+            <a:extLst>
+              <a:ext uri="{FF2B5EF4-FFF2-40B4-BE49-F238E27FC236}">
+                <a16:creationId xmlns:a16="http://schemas.microsoft.com/office/drawing/2014/main" id="{F83FA197-70BF-AB43-ACAC-D05BD1640D36}"/>
+              </a:ext>
+            </a:extLst>
+          </p:cNvPr>
+          <p:cNvCxnSpPr>
+            <a:cxnSpLocks/>
+          </p:cNvCxnSpPr>
+          <p:nvPr/>
+        </p:nvCxnSpPr>
+        <p:spPr>
+          <a:xfrm>
+            <a:off x="4518212" y="4477871"/>
+            <a:ext cx="3886200" cy="1196788"/>
+          </a:xfrm>
+          <a:prstGeom prst="straightConnector1">
+            <a:avLst/>
+          </a:prstGeom>
+          <a:ln>
+            <a:solidFill>
+              <a:srgbClr val="0070C0"/>
+            </a:solidFill>
+            <a:tailEnd type="triangle"/>
+          </a:ln>
+        </p:spPr>
+        <p:style>
+          <a:lnRef idx="1">
+            <a:schemeClr val="accent1"/>
+          </a:lnRef>
+          <a:fillRef idx="0">
+            <a:schemeClr val="accent1"/>
+          </a:fillRef>
+          <a:effectRef idx="0">
+            <a:schemeClr val="accent1"/>
+          </a:effectRef>
+          <a:fontRef idx="minor">
+            <a:schemeClr val="tx1"/>
+          </a:fontRef>
+        </p:style>
+      </p:cxnSp>
+      <p:cxnSp>
+        <p:nvCxnSpPr>
+          <p:cNvPr id="13" name="直線矢印コネクタ 12">
+            <a:extLst>
+              <a:ext uri="{FF2B5EF4-FFF2-40B4-BE49-F238E27FC236}">
+                <a16:creationId xmlns:a16="http://schemas.microsoft.com/office/drawing/2014/main" id="{1A73AB8A-229B-904E-8945-22336C43B656}"/>
+              </a:ext>
+            </a:extLst>
+          </p:cNvPr>
+          <p:cNvCxnSpPr>
+            <a:cxnSpLocks/>
+          </p:cNvCxnSpPr>
+          <p:nvPr/>
+        </p:nvCxnSpPr>
+        <p:spPr>
+          <a:xfrm flipH="1">
+            <a:off x="4518212" y="4477871"/>
+            <a:ext cx="3886200" cy="1196788"/>
+          </a:xfrm>
+          <a:prstGeom prst="straightConnector1">
+            <a:avLst/>
+          </a:prstGeom>
+          <a:ln>
+            <a:solidFill>
+              <a:srgbClr val="0070C0"/>
+            </a:solidFill>
+            <a:tailEnd type="triangle"/>
+          </a:ln>
+        </p:spPr>
+        <p:style>
+          <a:lnRef idx="1">
+            <a:schemeClr val="accent1"/>
+          </a:lnRef>
+          <a:fillRef idx="0">
+            <a:schemeClr val="accent1"/>
+          </a:fillRef>
+          <a:effectRef idx="0">
+            <a:schemeClr val="accent1"/>
+          </a:effectRef>
+          <a:fontRef idx="minor">
+            <a:schemeClr val="tx1"/>
+          </a:fontRef>
+        </p:style>
+      </p:cxnSp>
     </p:spTree>
     <p:extLst>
       <p:ext uri="{BB962C8B-B14F-4D97-AF65-F5344CB8AC3E}">
-        <p14:creationId xmlns:p14="http://schemas.microsoft.com/office/powerpoint/2010/main" val="3100555410"/>
+        <p14:creationId xmlns:p14="http://schemas.microsoft.com/office/powerpoint/2010/main" val="2991993060"/>
       </p:ext>
     </p:extLst>
   </p:cSld>
@@ -18177,6 +18591,538 @@
           <p:cNvPr id="2" name="タイトル 1">
             <a:extLst>
               <a:ext uri="{FF2B5EF4-FFF2-40B4-BE49-F238E27FC236}">
+                <a16:creationId xmlns:a16="http://schemas.microsoft.com/office/drawing/2014/main" id="{8B819CDC-0CAC-4B44-85DD-1A80D9FBFA4E}"/>
+              </a:ext>
+            </a:extLst>
+          </p:cNvPr>
+          <p:cNvSpPr>
+            <a:spLocks noGrp="1"/>
+          </p:cNvSpPr>
+          <p:nvPr>
+            <p:ph type="title"/>
+          </p:nvPr>
+        </p:nvSpPr>
+        <p:spPr/>
+        <p:txBody>
+          <a:bodyPr/>
+          <a:lstStyle/>
+          <a:p>
+            <a:r>
+              <a:rPr kumimoji="1" lang="en-US" altLang="ja-JP" dirty="0"/>
+              <a:t>Shift neighborhood</a:t>
+            </a:r>
+            <a:endParaRPr kumimoji="1" lang="ja-JP" altLang="en-US"/>
+          </a:p>
+        </p:txBody>
+      </p:sp>
+      <p:sp>
+        <p:nvSpPr>
+          <p:cNvPr id="3" name="コンテンツ プレースホルダー 2">
+            <a:extLst>
+              <a:ext uri="{FF2B5EF4-FFF2-40B4-BE49-F238E27FC236}">
+                <a16:creationId xmlns:a16="http://schemas.microsoft.com/office/drawing/2014/main" id="{C0B6B583-260D-CE4F-9C0A-970341AB5C32}"/>
+              </a:ext>
+            </a:extLst>
+          </p:cNvPr>
+          <p:cNvSpPr>
+            <a:spLocks noGrp="1"/>
+          </p:cNvSpPr>
+          <p:nvPr>
+            <p:ph idx="1"/>
+          </p:nvPr>
+        </p:nvSpPr>
+        <p:spPr>
+          <a:xfrm>
+            <a:off x="2589212" y="2133599"/>
+            <a:ext cx="8915400" cy="4280647"/>
+          </a:xfrm>
+        </p:spPr>
+        <p:txBody>
+          <a:bodyPr>
+            <a:normAutofit/>
+          </a:bodyPr>
+          <a:lstStyle/>
+          <a:p>
+            <a:r>
+              <a:rPr lang="en" altLang="ja-JP" sz="2400" dirty="0"/>
+              <a:t>We select one order assigned to a segment and reassign it to a different segment.</a:t>
+            </a:r>
+          </a:p>
+          <a:p>
+            <a:pPr marL="0" indent="0">
+              <a:buNone/>
+            </a:pPr>
+            <a:r>
+              <a:rPr lang="en-US" altLang="ja-JP" sz="2400" dirty="0"/>
+              <a:t>ex. array of orders in each segment are as follows:</a:t>
+            </a:r>
+          </a:p>
+          <a:p>
+            <a:pPr marL="0" indent="0">
+              <a:buNone/>
+            </a:pPr>
+            <a:r>
+              <a:rPr lang="en-US" altLang="ja-JP" sz="2400" dirty="0"/>
+              <a:t>		Segment 1                          segment 2</a:t>
+            </a:r>
+          </a:p>
+          <a:p>
+            <a:pPr marL="0" indent="0">
+              <a:buNone/>
+            </a:pPr>
+            <a:r>
+              <a:rPr kumimoji="1" lang="en-US" altLang="ja-JP" sz="2400" dirty="0"/>
+              <a:t>		 [A,B,</a:t>
+            </a:r>
+            <a:r>
+              <a:rPr kumimoji="1" lang="en-US" altLang="ja-JP" sz="2400" dirty="0">
+                <a:solidFill>
+                  <a:srgbClr val="FF0000"/>
+                </a:solidFill>
+              </a:rPr>
+              <a:t>C</a:t>
+            </a:r>
+            <a:r>
+              <a:rPr kumimoji="1" lang="en-US" altLang="ja-JP" sz="2400" dirty="0"/>
+              <a:t>,D]                              [E,F,G,H]</a:t>
+            </a:r>
+          </a:p>
+          <a:p>
+            <a:pPr marL="0" indent="0">
+              <a:buNone/>
+            </a:pPr>
+            <a:endParaRPr lang="en-US" altLang="ja-JP" sz="2400" dirty="0"/>
+          </a:p>
+          <a:p>
+            <a:pPr marL="0" indent="0">
+              <a:buNone/>
+            </a:pPr>
+            <a:r>
+              <a:rPr lang="en-US" altLang="ja-JP" sz="2400" dirty="0"/>
+              <a:t>		Segment 1                          segment 2</a:t>
+            </a:r>
+          </a:p>
+          <a:p>
+            <a:pPr marL="0" indent="0">
+              <a:buNone/>
+            </a:pPr>
+            <a:r>
+              <a:rPr kumimoji="1" lang="en-US" altLang="ja-JP" sz="2400" dirty="0"/>
+              <a:t>		 </a:t>
+            </a:r>
+            <a:r>
+              <a:rPr lang="en-US" altLang="ja-JP" sz="2400" dirty="0"/>
+              <a:t>[A,B,D]                                  [E,F,G,</a:t>
+            </a:r>
+            <a:r>
+              <a:rPr lang="en-US" altLang="ja-JP" sz="2400" dirty="0">
+                <a:solidFill>
+                  <a:srgbClr val="FF0000"/>
+                </a:solidFill>
+              </a:rPr>
+              <a:t>C</a:t>
+            </a:r>
+            <a:r>
+              <a:rPr lang="en-US" altLang="ja-JP" sz="2400" dirty="0"/>
+              <a:t>,H]</a:t>
+            </a:r>
+            <a:endParaRPr kumimoji="1" lang="ja-JP" altLang="en-US" sz="2400"/>
+          </a:p>
+        </p:txBody>
+      </p:sp>
+      <p:cxnSp>
+        <p:nvCxnSpPr>
+          <p:cNvPr id="7" name="直線矢印コネクタ 6">
+            <a:extLst>
+              <a:ext uri="{FF2B5EF4-FFF2-40B4-BE49-F238E27FC236}">
+                <a16:creationId xmlns:a16="http://schemas.microsoft.com/office/drawing/2014/main" id="{965F0742-BB27-6949-8644-DB14BC02D410}"/>
+              </a:ext>
+            </a:extLst>
+          </p:cNvPr>
+          <p:cNvCxnSpPr>
+            <a:cxnSpLocks/>
+          </p:cNvCxnSpPr>
+          <p:nvPr/>
+        </p:nvCxnSpPr>
+        <p:spPr>
+          <a:xfrm>
+            <a:off x="4518212" y="4370294"/>
+            <a:ext cx="3899647" cy="1129553"/>
+          </a:xfrm>
+          <a:prstGeom prst="straightConnector1">
+            <a:avLst/>
+          </a:prstGeom>
+          <a:ln>
+            <a:solidFill>
+              <a:srgbClr val="0070C0"/>
+            </a:solidFill>
+            <a:tailEnd type="triangle"/>
+          </a:ln>
+        </p:spPr>
+        <p:style>
+          <a:lnRef idx="1">
+            <a:schemeClr val="accent1"/>
+          </a:lnRef>
+          <a:fillRef idx="0">
+            <a:schemeClr val="accent1"/>
+          </a:fillRef>
+          <a:effectRef idx="0">
+            <a:schemeClr val="accent1"/>
+          </a:effectRef>
+          <a:fontRef idx="minor">
+            <a:schemeClr val="tx1"/>
+          </a:fontRef>
+        </p:style>
+      </p:cxnSp>
+    </p:spTree>
+    <p:extLst>
+      <p:ext uri="{BB962C8B-B14F-4D97-AF65-F5344CB8AC3E}">
+        <p14:creationId xmlns:p14="http://schemas.microsoft.com/office/powerpoint/2010/main" val="1339033921"/>
+      </p:ext>
+    </p:extLst>
+  </p:cSld>
+  <p:clrMapOvr>
+    <a:masterClrMapping/>
+  </p:clrMapOvr>
+</p:sld>
+</file>
+
+<file path=ppt/slides/slide43.xml><?xml version="1.0" encoding="utf-8"?>
+<p:sld xmlns:a="http://schemas.openxmlformats.org/drawingml/2006/main" xmlns:r="http://schemas.openxmlformats.org/officeDocument/2006/relationships" xmlns:p="http://schemas.openxmlformats.org/presentationml/2006/main">
+  <p:cSld>
+    <p:spTree>
+      <p:nvGrpSpPr>
+        <p:cNvPr id="1" name=""/>
+        <p:cNvGrpSpPr/>
+        <p:nvPr/>
+      </p:nvGrpSpPr>
+      <p:grpSpPr>
+        <a:xfrm>
+          <a:off x="0" y="0"/>
+          <a:ext cx="0" cy="0"/>
+          <a:chOff x="0" y="0"/>
+          <a:chExt cx="0" cy="0"/>
+        </a:xfrm>
+      </p:grpSpPr>
+      <p:sp>
+        <p:nvSpPr>
+          <p:cNvPr id="2" name="タイトル 1">
+            <a:extLst>
+              <a:ext uri="{FF2B5EF4-FFF2-40B4-BE49-F238E27FC236}">
+                <a16:creationId xmlns:a16="http://schemas.microsoft.com/office/drawing/2014/main" id="{FCE7EB18-D7E1-894E-BC25-80C1A8AA5D09}"/>
+              </a:ext>
+            </a:extLst>
+          </p:cNvPr>
+          <p:cNvSpPr>
+            <a:spLocks noGrp="1"/>
+          </p:cNvSpPr>
+          <p:nvPr>
+            <p:ph type="title"/>
+          </p:nvPr>
+        </p:nvSpPr>
+        <p:spPr/>
+        <p:txBody>
+          <a:bodyPr/>
+          <a:lstStyle/>
+          <a:p>
+            <a:r>
+              <a:rPr lang="en" altLang="ja-JP" dirty="0"/>
+              <a:t>Shift neighborhood</a:t>
+            </a:r>
+            <a:endParaRPr kumimoji="1" lang="ja-JP" altLang="en-US"/>
+          </a:p>
+        </p:txBody>
+      </p:sp>
+      <p:sp>
+        <p:nvSpPr>
+          <p:cNvPr id="3" name="コンテンツ プレースホルダー 2">
+            <a:extLst>
+              <a:ext uri="{FF2B5EF4-FFF2-40B4-BE49-F238E27FC236}">
+                <a16:creationId xmlns:a16="http://schemas.microsoft.com/office/drawing/2014/main" id="{DF18F744-42F4-CA45-A447-4C7A6529DF3D}"/>
+              </a:ext>
+            </a:extLst>
+          </p:cNvPr>
+          <p:cNvSpPr>
+            <a:spLocks noGrp="1"/>
+          </p:cNvSpPr>
+          <p:nvPr>
+            <p:ph idx="1"/>
+          </p:nvPr>
+        </p:nvSpPr>
+        <p:spPr>
+          <a:xfrm>
+            <a:off x="2589212" y="2133600"/>
+            <a:ext cx="8356694" cy="3777622"/>
+          </a:xfrm>
+        </p:spPr>
+        <p:txBody>
+          <a:bodyPr>
+            <a:normAutofit/>
+          </a:bodyPr>
+          <a:lstStyle/>
+          <a:p>
+            <a:r>
+              <a:rPr kumimoji="1" lang="en-US" altLang="ja-JP" sz="2400" dirty="0"/>
+              <a:t>When searching </a:t>
+            </a:r>
+            <a:r>
+              <a:rPr lang="en-US" altLang="ja-JP" sz="2400" dirty="0"/>
+              <a:t>shift neighborhoods, we normally calculate the evaluate function for all possible insertion positions and insert in the best position.</a:t>
+            </a:r>
+          </a:p>
+          <a:p>
+            <a:r>
+              <a:rPr lang="en" altLang="ja-JP" sz="2400" dirty="0"/>
+              <a:t>For this problem, there may be a waste of resources.</a:t>
+            </a:r>
+          </a:p>
+          <a:p>
+            <a:endParaRPr kumimoji="1" lang="ja-JP" altLang="en-US" sz="2400"/>
+          </a:p>
+        </p:txBody>
+      </p:sp>
+    </p:spTree>
+    <p:extLst>
+      <p:ext uri="{BB962C8B-B14F-4D97-AF65-F5344CB8AC3E}">
+        <p14:creationId xmlns:p14="http://schemas.microsoft.com/office/powerpoint/2010/main" val="664206571"/>
+      </p:ext>
+    </p:extLst>
+  </p:cSld>
+  <p:clrMapOvr>
+    <a:masterClrMapping/>
+  </p:clrMapOvr>
+</p:sld>
+</file>
+
+<file path=ppt/slides/slide44.xml><?xml version="1.0" encoding="utf-8"?>
+<p:sld xmlns:a="http://schemas.openxmlformats.org/drawingml/2006/main" xmlns:r="http://schemas.openxmlformats.org/officeDocument/2006/relationships" xmlns:p="http://schemas.openxmlformats.org/presentationml/2006/main">
+  <p:cSld>
+    <p:spTree>
+      <p:nvGrpSpPr>
+        <p:cNvPr id="1" name=""/>
+        <p:cNvGrpSpPr/>
+        <p:nvPr/>
+      </p:nvGrpSpPr>
+      <p:grpSpPr>
+        <a:xfrm>
+          <a:off x="0" y="0"/>
+          <a:ext cx="0" cy="0"/>
+          <a:chOff x="0" y="0"/>
+          <a:chExt cx="0" cy="0"/>
+        </a:xfrm>
+      </p:grpSpPr>
+      <p:sp>
+        <p:nvSpPr>
+          <p:cNvPr id="2" name="タイトル 1">
+            <a:extLst>
+              <a:ext uri="{FF2B5EF4-FFF2-40B4-BE49-F238E27FC236}">
+                <a16:creationId xmlns:a16="http://schemas.microsoft.com/office/drawing/2014/main" id="{03BB7B5E-C4C4-9B4A-9494-821EF1303692}"/>
+              </a:ext>
+            </a:extLst>
+          </p:cNvPr>
+          <p:cNvSpPr>
+            <a:spLocks noGrp="1"/>
+          </p:cNvSpPr>
+          <p:nvPr>
+            <p:ph type="title"/>
+          </p:nvPr>
+        </p:nvSpPr>
+        <p:spPr>
+          <a:xfrm>
+            <a:off x="2592925" y="624110"/>
+            <a:ext cx="9307722" cy="1043325"/>
+          </a:xfrm>
+        </p:spPr>
+        <p:txBody>
+          <a:bodyPr/>
+          <a:lstStyle/>
+          <a:p>
+            <a:r>
+              <a:rPr lang="en" altLang="ja-JP" dirty="0"/>
+              <a:t>Waste of resources in the neighborhood</a:t>
+            </a:r>
+            <a:endParaRPr kumimoji="1" lang="ja-JP" altLang="en-US"/>
+          </a:p>
+        </p:txBody>
+      </p:sp>
+      <p:sp>
+        <p:nvSpPr>
+          <p:cNvPr id="3" name="コンテンツ プレースホルダー 2">
+            <a:extLst>
+              <a:ext uri="{FF2B5EF4-FFF2-40B4-BE49-F238E27FC236}">
+                <a16:creationId xmlns:a16="http://schemas.microsoft.com/office/drawing/2014/main" id="{E3BA8F43-1062-1849-820B-F7D6BDDFFED2}"/>
+              </a:ext>
+            </a:extLst>
+          </p:cNvPr>
+          <p:cNvSpPr>
+            <a:spLocks noGrp="1"/>
+          </p:cNvSpPr>
+          <p:nvPr>
+            <p:ph idx="1"/>
+          </p:nvPr>
+        </p:nvSpPr>
+        <p:spPr>
+          <a:xfrm>
+            <a:off x="2589212" y="1815353"/>
+            <a:ext cx="8915400" cy="4095869"/>
+          </a:xfrm>
+        </p:spPr>
+        <p:txBody>
+          <a:bodyPr>
+            <a:normAutofit fontScale="92500"/>
+          </a:bodyPr>
+          <a:lstStyle/>
+          <a:p>
+            <a:r>
+              <a:rPr lang="en-US" altLang="ja-JP" sz="2400" dirty="0"/>
+              <a:t>When inserting one order into another hold, we make a change in the order sequence of the orders to be inserted. </a:t>
+            </a:r>
+          </a:p>
+          <a:p>
+            <a:pPr marL="0" indent="0">
+              <a:buNone/>
+            </a:pPr>
+            <a:r>
+              <a:rPr lang="en-US" altLang="ja-JP" sz="2400" dirty="0"/>
+              <a:t>Example: inserting order A</a:t>
+            </a:r>
+          </a:p>
+          <a:p>
+            <a:pPr marL="0" indent="0">
+              <a:buNone/>
+            </a:pPr>
+            <a:r>
+              <a:rPr lang="en-US" altLang="ja-JP" sz="2400" dirty="0"/>
+              <a:t> [C,B,D] </a:t>
+            </a:r>
+            <a:r>
+              <a:rPr lang="ja-JP" altLang="en-US" sz="2400"/>
+              <a:t>→</a:t>
+            </a:r>
+            <a:r>
+              <a:rPr lang="en-US" altLang="ja-JP" sz="2400" dirty="0"/>
+              <a:t> [</a:t>
+            </a:r>
+            <a:r>
+              <a:rPr lang="en-US" altLang="ja-JP" sz="2400" dirty="0">
+                <a:solidFill>
+                  <a:srgbClr val="FF0000"/>
+                </a:solidFill>
+              </a:rPr>
+              <a:t>A</a:t>
+            </a:r>
+            <a:r>
+              <a:rPr lang="en-US" altLang="ja-JP" sz="2400" dirty="0"/>
+              <a:t>, C, B, D]</a:t>
+            </a:r>
+          </a:p>
+          <a:p>
+            <a:pPr marL="0" indent="0">
+              <a:buNone/>
+            </a:pPr>
+            <a:r>
+              <a:rPr lang="en-US" altLang="ja-JP" sz="2400" dirty="0"/>
+              <a:t>		       [C, </a:t>
+            </a:r>
+            <a:r>
+              <a:rPr lang="en-US" altLang="ja-JP" sz="2400" dirty="0">
+                <a:solidFill>
+                  <a:srgbClr val="FF0000"/>
+                </a:solidFill>
+              </a:rPr>
+              <a:t>A</a:t>
+            </a:r>
+            <a:r>
+              <a:rPr lang="en-US" altLang="ja-JP" sz="2400" dirty="0"/>
+              <a:t>, B, D]</a:t>
+            </a:r>
+          </a:p>
+          <a:p>
+            <a:pPr marL="0" indent="0">
+              <a:buNone/>
+            </a:pPr>
+            <a:r>
+              <a:rPr lang="en-US" altLang="ja-JP" sz="2400" dirty="0"/>
+              <a:t>			 [C, B, </a:t>
+            </a:r>
+            <a:r>
+              <a:rPr lang="en-US" altLang="ja-JP" sz="2400" dirty="0">
+                <a:solidFill>
+                  <a:srgbClr val="FF0000"/>
+                </a:solidFill>
+              </a:rPr>
+              <a:t>A</a:t>
+            </a:r>
+            <a:r>
+              <a:rPr lang="en-US" altLang="ja-JP" sz="2400" dirty="0"/>
+              <a:t>, D]</a:t>
+            </a:r>
+          </a:p>
+          <a:p>
+            <a:pPr marL="0" indent="0">
+              <a:buNone/>
+            </a:pPr>
+            <a:r>
+              <a:rPr lang="en-US" altLang="ja-JP" sz="2400" dirty="0"/>
+              <a:t>			 [C, B, D, </a:t>
+            </a:r>
+            <a:r>
+              <a:rPr lang="en-US" altLang="ja-JP" sz="2400" dirty="0">
+                <a:solidFill>
+                  <a:srgbClr val="FF0000"/>
+                </a:solidFill>
+              </a:rPr>
+              <a:t>A</a:t>
+            </a:r>
+            <a:r>
+              <a:rPr lang="en-US" altLang="ja-JP" sz="2400" dirty="0"/>
+              <a:t>] </a:t>
+            </a:r>
+          </a:p>
+          <a:p>
+            <a:r>
+              <a:rPr lang="en-US" altLang="ja-JP" sz="2400" dirty="0"/>
+              <a:t>In this case, we try 4 patterns and select the best inserted position. </a:t>
+            </a:r>
+            <a:endParaRPr kumimoji="1" lang="ja-JP" altLang="en-US" sz="2400"/>
+          </a:p>
+        </p:txBody>
+      </p:sp>
+    </p:spTree>
+    <p:extLst>
+      <p:ext uri="{BB962C8B-B14F-4D97-AF65-F5344CB8AC3E}">
+        <p14:creationId xmlns:p14="http://schemas.microsoft.com/office/powerpoint/2010/main" val="3100555410"/>
+      </p:ext>
+    </p:extLst>
+  </p:cSld>
+  <p:clrMapOvr>
+    <a:masterClrMapping/>
+  </p:clrMapOvr>
+</p:sld>
+</file>
+
+<file path=ppt/slides/slide45.xml><?xml version="1.0" encoding="utf-8"?>
+<p:sld xmlns:a="http://schemas.openxmlformats.org/drawingml/2006/main" xmlns:r="http://schemas.openxmlformats.org/officeDocument/2006/relationships" xmlns:p="http://schemas.openxmlformats.org/presentationml/2006/main">
+  <p:cSld>
+    <p:spTree>
+      <p:nvGrpSpPr>
+        <p:cNvPr id="1" name=""/>
+        <p:cNvGrpSpPr/>
+        <p:nvPr/>
+      </p:nvGrpSpPr>
+      <p:grpSpPr>
+        <a:xfrm>
+          <a:off x="0" y="0"/>
+          <a:ext cx="0" cy="0"/>
+          <a:chOff x="0" y="0"/>
+          <a:chExt cx="0" cy="0"/>
+        </a:xfrm>
+      </p:grpSpPr>
+      <p:sp>
+        <p:nvSpPr>
+          <p:cNvPr id="2" name="タイトル 1">
+            <a:extLst>
+              <a:ext uri="{FF2B5EF4-FFF2-40B4-BE49-F238E27FC236}">
                 <a16:creationId xmlns:a16="http://schemas.microsoft.com/office/drawing/2014/main" id="{924515AA-7AF0-FA45-BCCF-EC2E999C0FA3}"/>
               </a:ext>
             </a:extLst>
@@ -18206,8 +19152,8 @@
           </a:p>
         </p:txBody>
       </p:sp>
-      <mc:AlternateContent xmlns:mc="http://schemas.openxmlformats.org/markup-compatibility/2006" xmlns:a14="http://schemas.microsoft.com/office/drawing/2010/main">
-        <mc:Choice Requires="a14">
+      <mc:AlternateContent xmlns:mc="http://schemas.openxmlformats.org/markup-compatibility/2006">
+        <mc:Choice xmlns:a14="http://schemas.microsoft.com/office/drawing/2010/main" Requires="a14">
           <p:sp>
             <p:nvSpPr>
               <p:cNvPr id="3" name="コンテンツ プレースホルダー 2">
@@ -18248,7 +19194,7 @@
               <a:p>
                 <a:r>
                   <a:rPr lang="en-US" altLang="ja-JP" sz="2400" dirty="0"/>
-                  <a:t>When this segment has 2 holds(</a:t>
+                  <a:t>Ex. when this segment has 2 holds(</a:t>
                 </a:r>
                 <a14:m>
                   <m:oMath xmlns:m="http://schemas.openxmlformats.org/officeDocument/2006/math">
@@ -18311,7 +19257,7 @@
             </p:txBody>
           </p:sp>
         </mc:Choice>
-        <mc:Fallback xmlns="">
+        <mc:Fallback>
           <p:sp>
             <p:nvSpPr>
               <p:cNvPr id="3" name="コンテンツ プレースホルダー 2">
@@ -19226,7 +20172,7 @@
 </p:sld>
 </file>
 
-<file path=ppt/slides/slide43.xml><?xml version="1.0" encoding="utf-8"?>
+<file path=ppt/slides/slide46.xml><?xml version="1.0" encoding="utf-8"?>
 <p:sld xmlns:a="http://schemas.openxmlformats.org/drawingml/2006/main" xmlns:r="http://schemas.openxmlformats.org/officeDocument/2006/relationships" xmlns:p="http://schemas.openxmlformats.org/presentationml/2006/main">
   <p:cSld>
     <p:spTree>
@@ -19369,7 +20315,7 @@
 </p:sld>
 </file>
 
-<file path=ppt/slides/slide44.xml><?xml version="1.0" encoding="utf-8"?>
+<file path=ppt/slides/slide47.xml><?xml version="1.0" encoding="utf-8"?>
 <p:sld xmlns:a="http://schemas.openxmlformats.org/drawingml/2006/main" xmlns:r="http://schemas.openxmlformats.org/officeDocument/2006/relationships" xmlns:p="http://schemas.openxmlformats.org/presentationml/2006/main">
   <p:cSld>
     <p:spTree>
@@ -19545,8 +20491,8 @@
           </a:p>
         </p:txBody>
       </p:sp>
-      <mc:AlternateContent xmlns:mc="http://schemas.openxmlformats.org/markup-compatibility/2006" xmlns:a14="http://schemas.microsoft.com/office/drawing/2010/main">
-        <mc:Choice Requires="a14">
+      <mc:AlternateContent xmlns:mc="http://schemas.openxmlformats.org/markup-compatibility/2006">
+        <mc:Choice xmlns:a14="http://schemas.microsoft.com/office/drawing/2010/main" Requires="a14">
           <p:graphicFrame>
             <p:nvGraphicFramePr>
               <p:cNvPr id="4" name="表 3">
@@ -19562,7 +20508,7 @@
               <p:nvPr>
                 <p:extLst>
                   <p:ext uri="{D42A27DB-BD31-4B8C-83A1-F6EECF244321}">
-                    <p14:modId xmlns:p14="http://schemas.microsoft.com/office/powerpoint/2010/main" val="930911336"/>
+                    <p14:modId xmlns:p14="http://schemas.microsoft.com/office/powerpoint/2010/main" val="2380709964"/>
                   </p:ext>
                 </p:extLst>
               </p:nvPr>
@@ -19707,9 +20653,21 @@
                           <a:pPr algn="ctr"/>
                           <a:r>
                             <a:rPr lang="en-US" altLang="ja-JP" dirty="0"/>
-                            <a:t>B, C, D, E, F</a:t>
+                            <a:t>B, C, D, E, </a:t>
                           </a:r>
-                          <a:endParaRPr kumimoji="1" lang="ja-JP" altLang="en-US"/>
+                          <a:r>
+                            <a:rPr lang="en-US" altLang="ja-JP" dirty="0">
+                              <a:solidFill>
+                                <a:srgbClr val="FF0000"/>
+                              </a:solidFill>
+                            </a:rPr>
+                            <a:t>F</a:t>
+                          </a:r>
+                          <a:endParaRPr kumimoji="1" lang="ja-JP" altLang="en-US">
+                            <a:solidFill>
+                              <a:srgbClr val="FF0000"/>
+                            </a:solidFill>
+                          </a:endParaRPr>
                         </a:p>
                       </a:txBody>
                       <a:tcPr/>
@@ -19721,8 +20679,16 @@
                         <a:p>
                           <a:pPr algn="ctr"/>
                           <a:r>
+                            <a:rPr lang="en-US" altLang="ja-JP" dirty="0">
+                              <a:solidFill>
+                                <a:srgbClr val="FF0000"/>
+                              </a:solidFill>
+                            </a:rPr>
+                            <a:t>F</a:t>
+                          </a:r>
+                          <a:r>
                             <a:rPr lang="en-US" altLang="ja-JP" dirty="0"/>
-                            <a:t>F, G, H, I, J, A</a:t>
+                            <a:t>, G, H, I, J, A</a:t>
                           </a:r>
                           <a:endParaRPr kumimoji="1" lang="ja-JP" altLang="en-US"/>
                         </a:p>
@@ -19740,7 +20706,7 @@
             </a:graphic>
           </p:graphicFrame>
         </mc:Choice>
-        <mc:Fallback xmlns="">
+        <mc:Fallback>
           <p:graphicFrame>
             <p:nvGraphicFramePr>
               <p:cNvPr id="4" name="表 3">
@@ -19756,7 +20722,7 @@
               <p:nvPr>
                 <p:extLst>
                   <p:ext uri="{D42A27DB-BD31-4B8C-83A1-F6EECF244321}">
-                    <p14:modId xmlns:p14="http://schemas.microsoft.com/office/powerpoint/2010/main" val="930911336"/>
+                    <p14:modId xmlns:p14="http://schemas.microsoft.com/office/powerpoint/2010/main" val="2380709964"/>
                   </p:ext>
                 </p:extLst>
               </p:nvPr>
@@ -19875,9 +20841,21 @@
                           <a:pPr algn="ctr"/>
                           <a:r>
                             <a:rPr lang="en-US" altLang="ja-JP" dirty="0"/>
-                            <a:t>B, C, D, E, F</a:t>
+                            <a:t>B, C, D, E, </a:t>
                           </a:r>
-                          <a:endParaRPr kumimoji="1" lang="ja-JP" altLang="en-US"/>
+                          <a:r>
+                            <a:rPr lang="en-US" altLang="ja-JP" dirty="0">
+                              <a:solidFill>
+                                <a:srgbClr val="FF0000"/>
+                              </a:solidFill>
+                            </a:rPr>
+                            <a:t>F</a:t>
+                          </a:r>
+                          <a:endParaRPr kumimoji="1" lang="ja-JP" altLang="en-US">
+                            <a:solidFill>
+                              <a:srgbClr val="FF0000"/>
+                            </a:solidFill>
+                          </a:endParaRPr>
                         </a:p>
                       </a:txBody>
                       <a:tcPr/>
@@ -19889,8 +20867,16 @@
                         <a:p>
                           <a:pPr algn="ctr"/>
                           <a:r>
+                            <a:rPr lang="en-US" altLang="ja-JP" dirty="0">
+                              <a:solidFill>
+                                <a:srgbClr val="FF0000"/>
+                              </a:solidFill>
+                            </a:rPr>
+                            <a:t>F</a:t>
+                          </a:r>
+                          <a:r>
                             <a:rPr lang="en-US" altLang="ja-JP" dirty="0"/>
-                            <a:t>F, G, H, I, J, A</a:t>
+                            <a:t>, G, H, I, J, A</a:t>
                           </a:r>
                           <a:endParaRPr kumimoji="1" lang="ja-JP" altLang="en-US"/>
                         </a:p>
@@ -19922,7 +20908,7 @@
 </p:sld>
 </file>
 
-<file path=ppt/slides/slide45.xml><?xml version="1.0" encoding="utf-8"?>
+<file path=ppt/slides/slide48.xml><?xml version="1.0" encoding="utf-8"?>
 <p:sld xmlns:a="http://schemas.openxmlformats.org/drawingml/2006/main" xmlns:r="http://schemas.openxmlformats.org/officeDocument/2006/relationships" xmlns:p="http://schemas.openxmlformats.org/presentationml/2006/main">
   <p:cSld>
     <p:spTree>
@@ -19991,14 +20977,14 @@
             <p:ph idx="1"/>
             <p:extLst>
               <p:ext uri="{D42A27DB-BD31-4B8C-83A1-F6EECF244321}">
-                <p14:modId xmlns:p14="http://schemas.microsoft.com/office/powerpoint/2010/main" val="2781455938"/>
+                <p14:modId xmlns:p14="http://schemas.microsoft.com/office/powerpoint/2010/main" val="121453790"/>
               </p:ext>
             </p:extLst>
           </p:nvPr>
         </p:nvGraphicFramePr>
         <p:xfrm>
-          <a:off x="2464868" y="2608729"/>
-          <a:ext cx="7745507" cy="3169147"/>
+          <a:off x="2464866" y="2571208"/>
+          <a:ext cx="8091075" cy="3139440"/>
         </p:xfrm>
         <a:graphic>
           <a:graphicData uri="http://schemas.openxmlformats.org/drawingml/2006/table">
@@ -20007,35 +20993,35 @@
                 <a:tableStyleId>{5C22544A-7EE6-4342-B048-85BDC9FD1C3A}</a:tableStyleId>
               </a:tblPr>
               <a:tblGrid>
-                <a:gridCol w="1095807">
+                <a:gridCol w="1144697">
                   <a:extLst>
                     <a:ext uri="{9D8B030D-6E8A-4147-A177-3AD203B41FA5}">
                       <a16:colId xmlns:a16="http://schemas.microsoft.com/office/drawing/2014/main" val="3767232075"/>
                     </a:ext>
                   </a:extLst>
                 </a:gridCol>
-                <a:gridCol w="1316533">
+                <a:gridCol w="1375270">
                   <a:extLst>
                     <a:ext uri="{9D8B030D-6E8A-4147-A177-3AD203B41FA5}">
                       <a16:colId xmlns:a16="http://schemas.microsoft.com/office/drawing/2014/main" val="3477330652"/>
                     </a:ext>
                   </a:extLst>
                 </a:gridCol>
-                <a:gridCol w="1462711">
+                <a:gridCol w="1527970">
                   <a:extLst>
                     <a:ext uri="{9D8B030D-6E8A-4147-A177-3AD203B41FA5}">
                       <a16:colId xmlns:a16="http://schemas.microsoft.com/office/drawing/2014/main" val="2984689672"/>
                     </a:ext>
                   </a:extLst>
                 </a:gridCol>
-                <a:gridCol w="1920632">
+                <a:gridCol w="2006322">
                   <a:extLst>
                     <a:ext uri="{9D8B030D-6E8A-4147-A177-3AD203B41FA5}">
                       <a16:colId xmlns:a16="http://schemas.microsoft.com/office/drawing/2014/main" val="608630972"/>
                     </a:ext>
                   </a:extLst>
                 </a:gridCol>
-                <a:gridCol w="1949824">
+                <a:gridCol w="2036816">
                   <a:extLst>
                     <a:ext uri="{9D8B030D-6E8A-4147-A177-3AD203B41FA5}">
                       <a16:colId xmlns:a16="http://schemas.microsoft.com/office/drawing/2014/main" val="998590916"/>
@@ -20043,8 +21029,23 @@
                   </a:extLst>
                 </a:gridCol>
               </a:tblGrid>
-              <a:tr h="669787">
-                <a:tc>
+              <a:tr h="542268">
+                <a:tc gridSpan="3">
+                  <a:txBody>
+                    <a:bodyPr/>
+                    <a:lstStyle/>
+                    <a:p>
+                      <a:pPr algn="ctr"/>
+                      <a:r>
+                        <a:rPr kumimoji="1" lang="en-US" altLang="ja-JP" sz="2000" dirty="0"/>
+                        <a:t>instance</a:t>
+                      </a:r>
+                      <a:endParaRPr kumimoji="1" lang="ja-JP" altLang="en-US" sz="2000"/>
+                    </a:p>
+                  </a:txBody>
+                  <a:tcPr/>
+                </a:tc>
+                <a:tc hMerge="1">
                   <a:txBody>
                     <a:bodyPr/>
                     <a:lstStyle/>
@@ -20054,17 +21055,7 @@
                   </a:txBody>
                   <a:tcPr/>
                 </a:tc>
-                <a:tc>
-                  <a:txBody>
-                    <a:bodyPr/>
-                    <a:lstStyle/>
-                    <a:p>
-                      <a:endParaRPr kumimoji="1" lang="ja-JP" altLang="en-US" sz="2000"/>
-                    </a:p>
-                  </a:txBody>
-                  <a:tcPr/>
-                </a:tc>
-                <a:tc>
+                <a:tc hMerge="1">
                   <a:txBody>
                     <a:bodyPr/>
                     <a:lstStyle/>
@@ -20162,7 +21153,7 @@
                   </a:ext>
                 </a:extLst>
               </a:tr>
-              <a:tr h="624119">
+              <a:tr h="774670">
                 <a:tc>
                   <a:txBody>
                     <a:bodyPr/>
@@ -20321,7 +21312,7 @@
                   </a:ext>
                 </a:extLst>
               </a:tr>
-              <a:tr h="378460">
+              <a:tr h="335690">
                 <a:tc>
                   <a:txBody>
                     <a:bodyPr/>
@@ -20403,7 +21394,7 @@
                   </a:ext>
                 </a:extLst>
               </a:tr>
-              <a:tr h="378460">
+              <a:tr h="335690">
                 <a:tc>
                   <a:txBody>
                     <a:bodyPr/>
@@ -20484,7 +21475,7 @@
                   </a:ext>
                 </a:extLst>
               </a:tr>
-              <a:tr h="378460">
+              <a:tr h="335690">
                 <a:tc>
                   <a:txBody>
                     <a:bodyPr/>
@@ -20565,7 +21556,7 @@
                   </a:ext>
                 </a:extLst>
               </a:tr>
-              <a:tr h="378460">
+              <a:tr h="335690">
                 <a:tc>
                   <a:txBody>
                     <a:bodyPr/>
@@ -20665,8 +21656,8 @@
         </p:nvSpPr>
         <p:spPr>
           <a:xfrm>
-            <a:off x="2307563" y="1741402"/>
-            <a:ext cx="8907284" cy="4893647"/>
+            <a:off x="1883978" y="1710505"/>
+            <a:ext cx="8907284" cy="830997"/>
           </a:xfrm>
           <a:prstGeom prst="rect">
             <a:avLst/>
@@ -20684,37 +21675,39 @@
               <a:t>We compare our approach with inserting all the possible position.</a:t>
             </a:r>
           </a:p>
-          <a:p>
-            <a:endParaRPr lang="en" altLang="ja-JP" sz="2400" dirty="0"/>
-          </a:p>
-          <a:p>
-            <a:endParaRPr lang="en" altLang="ja-JP" sz="2400" dirty="0"/>
-          </a:p>
-          <a:p>
-            <a:endParaRPr lang="en" altLang="ja-JP" sz="2400" dirty="0"/>
-          </a:p>
-          <a:p>
-            <a:endParaRPr lang="en" altLang="ja-JP" sz="2400" dirty="0"/>
-          </a:p>
-          <a:p>
-            <a:endParaRPr lang="en" altLang="ja-JP" sz="2400" dirty="0"/>
-          </a:p>
-          <a:p>
-            <a:endParaRPr lang="en" altLang="ja-JP" sz="2400" dirty="0"/>
-          </a:p>
-          <a:p>
-            <a:endParaRPr lang="en" altLang="ja-JP" sz="2400" dirty="0"/>
-          </a:p>
-          <a:p>
-            <a:endParaRPr lang="en" altLang="ja-JP" sz="2400" dirty="0"/>
-          </a:p>
-          <a:p>
-            <a:endParaRPr lang="en" altLang="ja-JP" sz="2400" dirty="0"/>
-          </a:p>
+        </p:txBody>
+      </p:sp>
+      <p:sp>
+        <p:nvSpPr>
+          <p:cNvPr id="5" name="テキスト ボックス 4">
+            <a:extLst>
+              <a:ext uri="{FF2B5EF4-FFF2-40B4-BE49-F238E27FC236}">
+                <a16:creationId xmlns:a16="http://schemas.microsoft.com/office/drawing/2014/main" id="{83E88FFA-DA92-944C-8520-BE5AF76D569F}"/>
+              </a:ext>
+            </a:extLst>
+          </p:cNvPr>
+          <p:cNvSpPr txBox="1"/>
+          <p:nvPr/>
+        </p:nvSpPr>
+        <p:spPr>
+          <a:xfrm>
+            <a:off x="2030507" y="5740354"/>
+            <a:ext cx="8564387" cy="830997"/>
+          </a:xfrm>
+          <a:prstGeom prst="rect">
+            <a:avLst/>
+          </a:prstGeom>
+          <a:noFill/>
+        </p:spPr>
+        <p:txBody>
+          <a:bodyPr wrap="square" rtlCol="0">
+            <a:spAutoFit/>
+          </a:bodyPr>
+          <a:lstStyle/>
           <a:p>
             <a:r>
               <a:rPr lang="en" altLang="ja-JP" sz="2400" dirty="0"/>
-              <a:t>we confirmed that we can reduce the computation time while keeping the quality of solutions</a:t>
+              <a:t>We confirmed that we can reduce the computation time while keeping the quality of solutions</a:t>
             </a:r>
           </a:p>
         </p:txBody>
@@ -20732,7 +21725,7 @@
 </p:sld>
 </file>
 
-<file path=ppt/slides/slide46.xml><?xml version="1.0" encoding="utf-8"?>
+<file path=ppt/slides/slide49.xml><?xml version="1.0" encoding="utf-8"?>
 <p:sld xmlns:a="http://schemas.openxmlformats.org/drawingml/2006/main" xmlns:r="http://schemas.openxmlformats.org/officeDocument/2006/relationships" xmlns:p="http://schemas.openxmlformats.org/presentationml/2006/main">
   <p:cSld>
     <p:spTree>
@@ -20803,13 +21796,16 @@
           <a:p>
             <a:r>
               <a:rPr lang="en" altLang="ja-JP" sz="2400" dirty="0"/>
-              <a:t>The computation time could be reduced, but it would take some time.</a:t>
-            </a:r>
+              <a:t>The computation time could be reduced; however,         it would take some time.</a:t>
+            </a:r>
+          </a:p>
+          <a:p>
+            <a:endParaRPr lang="en" altLang="ja-JP" sz="2400" dirty="0"/>
           </a:p>
           <a:p>
             <a:r>
               <a:rPr lang="en" altLang="ja-JP" sz="2400" dirty="0"/>
-              <a:t>We compared the following two patterns.</a:t>
+              <a:t>We have compared the quality and the computation time for the following two cases:</a:t>
             </a:r>
           </a:p>
           <a:p>
@@ -20847,7 +21843,7 @@
 </p:sld>
 </file>
 
-<file path=ppt/slides/slide47.xml><?xml version="1.0" encoding="utf-8"?>
+<file path=ppt/slides/slide5.xml><?xml version="1.0" encoding="utf-8"?>
 <p:sld xmlns:a="http://schemas.openxmlformats.org/drawingml/2006/main" xmlns:r="http://schemas.openxmlformats.org/officeDocument/2006/relationships" xmlns:p="http://schemas.openxmlformats.org/presentationml/2006/main">
   <p:cSld>
     <p:spTree>
@@ -20869,6 +21865,116 @@
           <p:cNvPr id="2" name="タイトル 1">
             <a:extLst>
               <a:ext uri="{FF2B5EF4-FFF2-40B4-BE49-F238E27FC236}">
+                <a16:creationId xmlns:a16="http://schemas.microsoft.com/office/drawing/2014/main" id="{03DC7BD9-E43D-E442-9A49-33395737C89D}"/>
+              </a:ext>
+            </a:extLst>
+          </p:cNvPr>
+          <p:cNvSpPr>
+            <a:spLocks noGrp="1"/>
+          </p:cNvSpPr>
+          <p:nvPr>
+            <p:ph type="title"/>
+          </p:nvPr>
+        </p:nvSpPr>
+        <p:spPr/>
+        <p:txBody>
+          <a:bodyPr/>
+          <a:lstStyle/>
+          <a:p>
+            <a:r>
+              <a:rPr kumimoji="1" lang="en-US" altLang="ja-JP" dirty="0"/>
+              <a:t>Background</a:t>
+            </a:r>
+            <a:endParaRPr kumimoji="1" lang="ja-JP" altLang="en-US"/>
+          </a:p>
+        </p:txBody>
+      </p:sp>
+      <p:sp>
+        <p:nvSpPr>
+          <p:cNvPr id="3" name="コンテンツ プレースホルダー 2">
+            <a:extLst>
+              <a:ext uri="{FF2B5EF4-FFF2-40B4-BE49-F238E27FC236}">
+                <a16:creationId xmlns:a16="http://schemas.microsoft.com/office/drawing/2014/main" id="{AD3B2DD4-96C6-BB42-93C1-3859304F6137}"/>
+              </a:ext>
+            </a:extLst>
+          </p:cNvPr>
+          <p:cNvSpPr>
+            <a:spLocks noGrp="1"/>
+          </p:cNvSpPr>
+          <p:nvPr>
+            <p:ph idx="1"/>
+          </p:nvPr>
+        </p:nvSpPr>
+        <p:spPr/>
+        <p:txBody>
+          <a:bodyPr>
+            <a:normAutofit/>
+          </a:bodyPr>
+          <a:lstStyle/>
+          <a:p>
+            <a:r>
+              <a:rPr lang="en-US" altLang="ja-JP" sz="2400" dirty="0"/>
+              <a:t>There are a lot of things that has to be considered</a:t>
+            </a:r>
+          </a:p>
+          <a:p>
+            <a:pPr lvl="1"/>
+            <a:r>
+              <a:rPr lang="en-US" altLang="ja-JP" sz="2200" dirty="0"/>
+              <a:t>Planning assignments that makes it easy to load and unload cars is important.</a:t>
+            </a:r>
+          </a:p>
+          <a:p>
+            <a:pPr lvl="1"/>
+            <a:r>
+              <a:rPr lang="en-US" altLang="ja-JP" sz="2200" dirty="0"/>
+              <a:t>Human error should not happen.</a:t>
+            </a:r>
+          </a:p>
+          <a:p>
+            <a:pPr lvl="1"/>
+            <a:r>
+              <a:rPr lang="en-US" altLang="ja-JP" sz="2400" dirty="0"/>
+              <a:t>Unbalanced assignments may result in a sinking.</a:t>
+            </a:r>
+          </a:p>
+        </p:txBody>
+      </p:sp>
+    </p:spTree>
+    <p:extLst>
+      <p:ext uri="{BB962C8B-B14F-4D97-AF65-F5344CB8AC3E}">
+        <p14:creationId xmlns:p14="http://schemas.microsoft.com/office/powerpoint/2010/main" val="3649340498"/>
+      </p:ext>
+    </p:extLst>
+  </p:cSld>
+  <p:clrMapOvr>
+    <a:masterClrMapping/>
+  </p:clrMapOvr>
+</p:sld>
+</file>
+
+<file path=ppt/slides/slide50.xml><?xml version="1.0" encoding="utf-8"?>
+<p:sld xmlns:a="http://schemas.openxmlformats.org/drawingml/2006/main" xmlns:r="http://schemas.openxmlformats.org/officeDocument/2006/relationships" xmlns:p="http://schemas.openxmlformats.org/presentationml/2006/main">
+  <p:cSld>
+    <p:spTree>
+      <p:nvGrpSpPr>
+        <p:cNvPr id="1" name=""/>
+        <p:cNvGrpSpPr/>
+        <p:nvPr/>
+      </p:nvGrpSpPr>
+      <p:grpSpPr>
+        <a:xfrm>
+          <a:off x="0" y="0"/>
+          <a:ext cx="0" cy="0"/>
+          <a:chOff x="0" y="0"/>
+          <a:chExt cx="0" cy="0"/>
+        </a:xfrm>
+      </p:grpSpPr>
+      <p:sp>
+        <p:nvSpPr>
+          <p:cNvPr id="2" name="タイトル 1">
+            <a:extLst>
+              <a:ext uri="{FF2B5EF4-FFF2-40B4-BE49-F238E27FC236}">
                 <a16:creationId xmlns:a16="http://schemas.microsoft.com/office/drawing/2014/main" id="{0F3E9755-7D4C-E140-A34C-76DD3CC7C081}"/>
               </a:ext>
             </a:extLst>
@@ -20916,7 +22022,7 @@
             <p:ph idx="1"/>
             <p:extLst>
               <p:ext uri="{D42A27DB-BD31-4B8C-83A1-F6EECF244321}">
-                <p14:modId xmlns:p14="http://schemas.microsoft.com/office/powerpoint/2010/main" val="1209846902"/>
+                <p14:modId xmlns:p14="http://schemas.microsoft.com/office/powerpoint/2010/main" val="1878006469"/>
               </p:ext>
             </p:extLst>
           </p:nvPr>
@@ -20983,7 +22089,22 @@
                 </a:gridCol>
               </a:tblGrid>
               <a:tr h="1000312">
-                <a:tc>
+                <a:tc gridSpan="3">
+                  <a:txBody>
+                    <a:bodyPr/>
+                    <a:lstStyle/>
+                    <a:p>
+                      <a:pPr algn="ctr"/>
+                      <a:r>
+                        <a:rPr kumimoji="1" lang="en-US" altLang="ja-JP" sz="2000" dirty="0"/>
+                        <a:t>instance</a:t>
+                      </a:r>
+                      <a:endParaRPr kumimoji="1" lang="ja-JP" altLang="en-US" sz="2000"/>
+                    </a:p>
+                  </a:txBody>
+                  <a:tcPr/>
+                </a:tc>
+                <a:tc hMerge="1">
                   <a:txBody>
                     <a:bodyPr/>
                     <a:lstStyle/>
@@ -20993,17 +22114,7 @@
                   </a:txBody>
                   <a:tcPr/>
                 </a:tc>
-                <a:tc>
-                  <a:txBody>
-                    <a:bodyPr/>
-                    <a:lstStyle/>
-                    <a:p>
-                      <a:endParaRPr kumimoji="1" lang="ja-JP" altLang="en-US" sz="2000"/>
-                    </a:p>
-                  </a:txBody>
-                  <a:tcPr/>
-                </a:tc>
-                <a:tc>
+                <a:tc hMerge="1">
                   <a:txBody>
                     <a:bodyPr/>
                     <a:lstStyle/>
@@ -21834,469 +22945,6 @@
 </p:sld>
 </file>
 
-<file path=ppt/slides/slide48.xml><?xml version="1.0" encoding="utf-8"?>
-<p:sld xmlns:a="http://schemas.openxmlformats.org/drawingml/2006/main" xmlns:r="http://schemas.openxmlformats.org/officeDocument/2006/relationships" xmlns:p="http://schemas.openxmlformats.org/presentationml/2006/main">
-  <p:cSld>
-    <p:spTree>
-      <p:nvGrpSpPr>
-        <p:cNvPr id="1" name=""/>
-        <p:cNvGrpSpPr/>
-        <p:nvPr/>
-      </p:nvGrpSpPr>
-      <p:grpSpPr>
-        <a:xfrm>
-          <a:off x="0" y="0"/>
-          <a:ext cx="0" cy="0"/>
-          <a:chOff x="0" y="0"/>
-          <a:chExt cx="0" cy="0"/>
-        </a:xfrm>
-      </p:grpSpPr>
-      <p:sp>
-        <p:nvSpPr>
-          <p:cNvPr id="2" name="タイトル 1">
-            <a:extLst>
-              <a:ext uri="{FF2B5EF4-FFF2-40B4-BE49-F238E27FC236}">
-                <a16:creationId xmlns:a16="http://schemas.microsoft.com/office/drawing/2014/main" id="{67E01A06-7475-E541-961D-071D4242BA42}"/>
-              </a:ext>
-            </a:extLst>
-          </p:cNvPr>
-          <p:cNvSpPr>
-            <a:spLocks noGrp="1"/>
-          </p:cNvSpPr>
-          <p:nvPr>
-            <p:ph type="title"/>
-          </p:nvPr>
-        </p:nvSpPr>
-        <p:spPr/>
-        <p:txBody>
-          <a:bodyPr/>
-          <a:lstStyle/>
-          <a:p>
-            <a:r>
-              <a:rPr lang="en" altLang="ja-JP" dirty="0"/>
-              <a:t>Comparison by insertion method</a:t>
-            </a:r>
-            <a:endParaRPr kumimoji="1" lang="ja-JP" altLang="en-US"/>
-          </a:p>
-        </p:txBody>
-      </p:sp>
-      <p:sp>
-        <p:nvSpPr>
-          <p:cNvPr id="3" name="コンテンツ プレースホルダー 2">
-            <a:extLst>
-              <a:ext uri="{FF2B5EF4-FFF2-40B4-BE49-F238E27FC236}">
-                <a16:creationId xmlns:a16="http://schemas.microsoft.com/office/drawing/2014/main" id="{8FC75E83-6FCB-684F-BB17-BF63CBD11644}"/>
-              </a:ext>
-            </a:extLst>
-          </p:cNvPr>
-          <p:cNvSpPr>
-            <a:spLocks noGrp="1"/>
-          </p:cNvSpPr>
-          <p:nvPr>
-            <p:ph idx="1"/>
-          </p:nvPr>
-        </p:nvSpPr>
-        <p:spPr/>
-        <p:txBody>
-          <a:bodyPr>
-            <a:normAutofit/>
-          </a:bodyPr>
-          <a:lstStyle/>
-          <a:p>
-            <a:r>
-              <a:rPr lang="en" altLang="ja-JP" sz="2400" dirty="0"/>
-              <a:t>Computation time varies greatly.</a:t>
-            </a:r>
-          </a:p>
-          <a:p>
-            <a:r>
-              <a:rPr lang="en" altLang="ja-JP" sz="2400" dirty="0"/>
-              <a:t>The quality of the local optimal solution is not very different between the two approaches.</a:t>
-            </a:r>
-          </a:p>
-          <a:p>
-            <a:r>
-              <a:rPr lang="en" altLang="ja-JP" sz="2400" dirty="0"/>
-              <a:t>When this algorithm is actually used, it will be checked by a person in the end.</a:t>
-            </a:r>
-          </a:p>
-          <a:p>
-            <a:r>
-              <a:rPr lang="en" altLang="ja-JP" sz="2400" dirty="0"/>
-              <a:t>there may be possibilities that obtaining a solution with a certain degree of quality in a short time may be sufficient.</a:t>
-            </a:r>
-          </a:p>
-        </p:txBody>
-      </p:sp>
-    </p:spTree>
-    <p:extLst>
-      <p:ext uri="{BB962C8B-B14F-4D97-AF65-F5344CB8AC3E}">
-        <p14:creationId xmlns:p14="http://schemas.microsoft.com/office/powerpoint/2010/main" val="3116219373"/>
-      </p:ext>
-    </p:extLst>
-  </p:cSld>
-  <p:clrMapOvr>
-    <a:masterClrMapping/>
-  </p:clrMapOvr>
-</p:sld>
-</file>
-
-<file path=ppt/slides/slide49.xml><?xml version="1.0" encoding="utf-8"?>
-<p:sld xmlns:a="http://schemas.openxmlformats.org/drawingml/2006/main" xmlns:r="http://schemas.openxmlformats.org/officeDocument/2006/relationships" xmlns:p="http://schemas.openxmlformats.org/presentationml/2006/main">
-  <p:cSld>
-    <p:spTree>
-      <p:nvGrpSpPr>
-        <p:cNvPr id="1" name=""/>
-        <p:cNvGrpSpPr/>
-        <p:nvPr/>
-      </p:nvGrpSpPr>
-      <p:grpSpPr>
-        <a:xfrm>
-          <a:off x="0" y="0"/>
-          <a:ext cx="0" cy="0"/>
-          <a:chOff x="0" y="0"/>
-          <a:chExt cx="0" cy="0"/>
-        </a:xfrm>
-      </p:grpSpPr>
-      <p:sp>
-        <p:nvSpPr>
-          <p:cNvPr id="2" name="タイトル 1">
-            <a:extLst>
-              <a:ext uri="{FF2B5EF4-FFF2-40B4-BE49-F238E27FC236}">
-                <a16:creationId xmlns:a16="http://schemas.microsoft.com/office/drawing/2014/main" id="{23293CDF-C8B2-0249-B006-9AB1745DECD2}"/>
-              </a:ext>
-            </a:extLst>
-          </p:cNvPr>
-          <p:cNvSpPr>
-            <a:spLocks noGrp="1"/>
-          </p:cNvSpPr>
-          <p:nvPr>
-            <p:ph type="title"/>
-          </p:nvPr>
-        </p:nvSpPr>
-        <p:spPr/>
-        <p:txBody>
-          <a:bodyPr/>
-          <a:lstStyle/>
-          <a:p>
-            <a:r>
-              <a:rPr lang="en-US" altLang="ja-JP" dirty="0"/>
-              <a:t>Approach to create initial assignment</a:t>
-            </a:r>
-            <a:endParaRPr kumimoji="1" lang="ja-JP" altLang="en-US"/>
-          </a:p>
-        </p:txBody>
-      </p:sp>
-      <p:sp>
-        <p:nvSpPr>
-          <p:cNvPr id="3" name="コンテンツ プレースホルダー 2">
-            <a:extLst>
-              <a:ext uri="{FF2B5EF4-FFF2-40B4-BE49-F238E27FC236}">
-                <a16:creationId xmlns:a16="http://schemas.microsoft.com/office/drawing/2014/main" id="{E20F269F-0243-3E42-9DD2-4D0E5F2B1161}"/>
-              </a:ext>
-            </a:extLst>
-          </p:cNvPr>
-          <p:cNvSpPr>
-            <a:spLocks noGrp="1"/>
-          </p:cNvSpPr>
-          <p:nvPr>
-            <p:ph idx="1"/>
-          </p:nvPr>
-        </p:nvSpPr>
-        <p:spPr/>
-        <p:txBody>
-          <a:bodyPr>
-            <a:normAutofit/>
-          </a:bodyPr>
-          <a:lstStyle/>
-          <a:p>
-            <a:r>
-              <a:rPr kumimoji="1" lang="en-US" altLang="ja-JP" sz="2400" dirty="0"/>
-              <a:t>We propose several approach to create initial assignment.</a:t>
-            </a:r>
-          </a:p>
-          <a:p>
-            <a:pPr marL="0" indent="0">
-              <a:buNone/>
-            </a:pPr>
-            <a:endParaRPr kumimoji="1" lang="en-US" altLang="ja-JP" sz="2400" dirty="0"/>
-          </a:p>
-          <a:p>
-            <a:pPr marL="457200" indent="-457200">
-              <a:buFont typeface="+mj-lt"/>
-              <a:buAutoNum type="arabicPeriod"/>
-            </a:pPr>
-            <a:r>
-              <a:rPr kumimoji="1" lang="en-US" altLang="ja-JP" sz="2400" dirty="0"/>
-              <a:t>generating from solution by relaxation of linear programming</a:t>
-            </a:r>
-          </a:p>
-          <a:p>
-            <a:pPr marL="457200" indent="-457200">
-              <a:buFont typeface="+mj-lt"/>
-              <a:buAutoNum type="arabicPeriod"/>
-            </a:pPr>
-            <a:r>
-              <a:rPr kumimoji="1" lang="en-US" altLang="ja-JP" sz="2400" dirty="0"/>
-              <a:t>Generating from solution </a:t>
-            </a:r>
-            <a:r>
-              <a:rPr lang="en-US" altLang="ja-JP" sz="2400" dirty="0"/>
-              <a:t>of a problem formulated in MIP with orders grouped by port</a:t>
-            </a:r>
-            <a:endParaRPr kumimoji="1" lang="en-US" altLang="ja-JP" sz="2400" dirty="0"/>
-          </a:p>
-        </p:txBody>
-      </p:sp>
-    </p:spTree>
-    <p:extLst>
-      <p:ext uri="{BB962C8B-B14F-4D97-AF65-F5344CB8AC3E}">
-        <p14:creationId xmlns:p14="http://schemas.microsoft.com/office/powerpoint/2010/main" val="3354853748"/>
-      </p:ext>
-    </p:extLst>
-  </p:cSld>
-  <p:clrMapOvr>
-    <a:masterClrMapping/>
-  </p:clrMapOvr>
-</p:sld>
-</file>
-
-<file path=ppt/slides/slide5.xml><?xml version="1.0" encoding="utf-8"?>
-<p:sld xmlns:a="http://schemas.openxmlformats.org/drawingml/2006/main" xmlns:r="http://schemas.openxmlformats.org/officeDocument/2006/relationships" xmlns:p="http://schemas.openxmlformats.org/presentationml/2006/main">
-  <p:cSld>
-    <p:spTree>
-      <p:nvGrpSpPr>
-        <p:cNvPr id="1" name=""/>
-        <p:cNvGrpSpPr/>
-        <p:nvPr/>
-      </p:nvGrpSpPr>
-      <p:grpSpPr>
-        <a:xfrm>
-          <a:off x="0" y="0"/>
-          <a:ext cx="0" cy="0"/>
-          <a:chOff x="0" y="0"/>
-          <a:chExt cx="0" cy="0"/>
-        </a:xfrm>
-      </p:grpSpPr>
-      <p:sp>
-        <p:nvSpPr>
-          <p:cNvPr id="2" name="タイトル 1">
-            <a:extLst>
-              <a:ext uri="{FF2B5EF4-FFF2-40B4-BE49-F238E27FC236}">
-                <a16:creationId xmlns:a16="http://schemas.microsoft.com/office/drawing/2014/main" id="{03DC7BD9-E43D-E442-9A49-33395737C89D}"/>
-              </a:ext>
-            </a:extLst>
-          </p:cNvPr>
-          <p:cNvSpPr>
-            <a:spLocks noGrp="1"/>
-          </p:cNvSpPr>
-          <p:nvPr>
-            <p:ph type="title"/>
-          </p:nvPr>
-        </p:nvSpPr>
-        <p:spPr/>
-        <p:txBody>
-          <a:bodyPr/>
-          <a:lstStyle/>
-          <a:p>
-            <a:r>
-              <a:rPr kumimoji="1" lang="en-US" altLang="ja-JP" dirty="0"/>
-              <a:t>Background</a:t>
-            </a:r>
-            <a:endParaRPr kumimoji="1" lang="ja-JP" altLang="en-US"/>
-          </a:p>
-        </p:txBody>
-      </p:sp>
-      <p:sp>
-        <p:nvSpPr>
-          <p:cNvPr id="3" name="コンテンツ プレースホルダー 2">
-            <a:extLst>
-              <a:ext uri="{FF2B5EF4-FFF2-40B4-BE49-F238E27FC236}">
-                <a16:creationId xmlns:a16="http://schemas.microsoft.com/office/drawing/2014/main" id="{AD3B2DD4-96C6-BB42-93C1-3859304F6137}"/>
-              </a:ext>
-            </a:extLst>
-          </p:cNvPr>
-          <p:cNvSpPr>
-            <a:spLocks noGrp="1"/>
-          </p:cNvSpPr>
-          <p:nvPr>
-            <p:ph idx="1"/>
-          </p:nvPr>
-        </p:nvSpPr>
-        <p:spPr/>
-        <p:txBody>
-          <a:bodyPr>
-            <a:normAutofit/>
-          </a:bodyPr>
-          <a:lstStyle/>
-          <a:p>
-            <a:r>
-              <a:rPr lang="en-US" altLang="ja-JP" sz="2400" dirty="0"/>
-              <a:t>There are a lot of things that has to be considered</a:t>
-            </a:r>
-          </a:p>
-          <a:p>
-            <a:pPr lvl="1"/>
-            <a:r>
-              <a:rPr lang="en-US" altLang="ja-JP" sz="2200" dirty="0"/>
-              <a:t>Planning assignments that makes it easy to load and unload cars is important.</a:t>
-            </a:r>
-          </a:p>
-          <a:p>
-            <a:pPr lvl="1"/>
-            <a:r>
-              <a:rPr lang="en-US" altLang="ja-JP" sz="2200" dirty="0"/>
-              <a:t>Human error should not happen.</a:t>
-            </a:r>
-          </a:p>
-          <a:p>
-            <a:pPr lvl="1"/>
-            <a:r>
-              <a:rPr lang="en-US" altLang="ja-JP" sz="2400" dirty="0"/>
-              <a:t>Unbalanced assignments may result in a sinking.</a:t>
-            </a:r>
-          </a:p>
-        </p:txBody>
-      </p:sp>
-    </p:spTree>
-    <p:extLst>
-      <p:ext uri="{BB962C8B-B14F-4D97-AF65-F5344CB8AC3E}">
-        <p14:creationId xmlns:p14="http://schemas.microsoft.com/office/powerpoint/2010/main" val="3649340498"/>
-      </p:ext>
-    </p:extLst>
-  </p:cSld>
-  <p:clrMapOvr>
-    <a:masterClrMapping/>
-  </p:clrMapOvr>
-</p:sld>
-</file>
-
-<file path=ppt/slides/slide50.xml><?xml version="1.0" encoding="utf-8"?>
-<p:sld xmlns:a="http://schemas.openxmlformats.org/drawingml/2006/main" xmlns:r="http://schemas.openxmlformats.org/officeDocument/2006/relationships" xmlns:p="http://schemas.openxmlformats.org/presentationml/2006/main">
-  <p:cSld>
-    <p:spTree>
-      <p:nvGrpSpPr>
-        <p:cNvPr id="1" name=""/>
-        <p:cNvGrpSpPr/>
-        <p:nvPr/>
-      </p:nvGrpSpPr>
-      <p:grpSpPr>
-        <a:xfrm>
-          <a:off x="0" y="0"/>
-          <a:ext cx="0" cy="0"/>
-          <a:chOff x="0" y="0"/>
-          <a:chExt cx="0" cy="0"/>
-        </a:xfrm>
-      </p:grpSpPr>
-      <p:sp>
-        <p:nvSpPr>
-          <p:cNvPr id="2" name="タイトル 1">
-            <a:extLst>
-              <a:ext uri="{FF2B5EF4-FFF2-40B4-BE49-F238E27FC236}">
-                <a16:creationId xmlns:a16="http://schemas.microsoft.com/office/drawing/2014/main" id="{23293CDF-C8B2-0249-B006-9AB1745DECD2}"/>
-              </a:ext>
-            </a:extLst>
-          </p:cNvPr>
-          <p:cNvSpPr>
-            <a:spLocks noGrp="1"/>
-          </p:cNvSpPr>
-          <p:nvPr>
-            <p:ph type="title"/>
-          </p:nvPr>
-        </p:nvSpPr>
-        <p:spPr/>
-        <p:txBody>
-          <a:bodyPr/>
-          <a:lstStyle/>
-          <a:p>
-            <a:r>
-              <a:rPr lang="en-US" altLang="ja-JP" dirty="0"/>
-              <a:t>Approach to create initial assignment</a:t>
-            </a:r>
-            <a:endParaRPr kumimoji="1" lang="ja-JP" altLang="en-US"/>
-          </a:p>
-        </p:txBody>
-      </p:sp>
-      <p:sp>
-        <p:nvSpPr>
-          <p:cNvPr id="3" name="コンテンツ プレースホルダー 2">
-            <a:extLst>
-              <a:ext uri="{FF2B5EF4-FFF2-40B4-BE49-F238E27FC236}">
-                <a16:creationId xmlns:a16="http://schemas.microsoft.com/office/drawing/2014/main" id="{E20F269F-0243-3E42-9DD2-4D0E5F2B1161}"/>
-              </a:ext>
-            </a:extLst>
-          </p:cNvPr>
-          <p:cNvSpPr>
-            <a:spLocks noGrp="1"/>
-          </p:cNvSpPr>
-          <p:nvPr>
-            <p:ph idx="1"/>
-          </p:nvPr>
-        </p:nvSpPr>
-        <p:spPr/>
-        <p:txBody>
-          <a:bodyPr>
-            <a:normAutofit/>
-          </a:bodyPr>
-          <a:lstStyle/>
-          <a:p>
-            <a:pPr marL="457200" indent="-457200">
-              <a:buFont typeface="+mj-lt"/>
-              <a:buAutoNum type="arabicPeriod"/>
-            </a:pPr>
-            <a:r>
-              <a:rPr kumimoji="1" lang="en-US" altLang="ja-JP" sz="2400" dirty="0"/>
-              <a:t>generating from solution by relaxation of linear programming</a:t>
-            </a:r>
-          </a:p>
-          <a:p>
-            <a:pPr marL="457200" indent="-457200">
-              <a:buFont typeface="+mj-lt"/>
-              <a:buAutoNum type="arabicPeriod"/>
-            </a:pPr>
-            <a:r>
-              <a:rPr kumimoji="1" lang="en-US" altLang="ja-JP" sz="2400" dirty="0">
-                <a:solidFill>
-                  <a:schemeClr val="bg1">
-                    <a:lumMod val="85000"/>
-                  </a:schemeClr>
-                </a:solidFill>
-              </a:rPr>
-              <a:t>Generating from solution </a:t>
-            </a:r>
-            <a:r>
-              <a:rPr lang="en-US" altLang="ja-JP" sz="2400" dirty="0">
-                <a:solidFill>
-                  <a:schemeClr val="bg1">
-                    <a:lumMod val="85000"/>
-                  </a:schemeClr>
-                </a:solidFill>
-              </a:rPr>
-              <a:t>of a problem formulated in MIP with orders grouped by port</a:t>
-            </a:r>
-            <a:endParaRPr kumimoji="1" lang="en-US" altLang="ja-JP" sz="2400" dirty="0">
-              <a:solidFill>
-                <a:schemeClr val="bg1">
-                  <a:lumMod val="85000"/>
-                </a:schemeClr>
-              </a:solidFill>
-            </a:endParaRPr>
-          </a:p>
-        </p:txBody>
-      </p:sp>
-    </p:spTree>
-    <p:extLst>
-      <p:ext uri="{BB962C8B-B14F-4D97-AF65-F5344CB8AC3E}">
-        <p14:creationId xmlns:p14="http://schemas.microsoft.com/office/powerpoint/2010/main" val="2379747017"/>
-      </p:ext>
-    </p:extLst>
-  </p:cSld>
-  <p:clrMapOvr>
-    <a:masterClrMapping/>
-  </p:clrMapOvr>
-</p:sld>
-</file>
-
 <file path=ppt/slides/slide51.xml><?xml version="1.0" encoding="utf-8"?>
 <p:sld xmlns:a="http://schemas.openxmlformats.org/drawingml/2006/main" xmlns:r="http://schemas.openxmlformats.org/officeDocument/2006/relationships" xmlns:p="http://schemas.openxmlformats.org/presentationml/2006/main">
   <p:cSld>
@@ -22319,6 +22967,359 @@
           <p:cNvPr id="2" name="タイトル 1">
             <a:extLst>
               <a:ext uri="{FF2B5EF4-FFF2-40B4-BE49-F238E27FC236}">
+                <a16:creationId xmlns:a16="http://schemas.microsoft.com/office/drawing/2014/main" id="{67E01A06-7475-E541-961D-071D4242BA42}"/>
+              </a:ext>
+            </a:extLst>
+          </p:cNvPr>
+          <p:cNvSpPr>
+            <a:spLocks noGrp="1"/>
+          </p:cNvSpPr>
+          <p:nvPr>
+            <p:ph type="title"/>
+          </p:nvPr>
+        </p:nvSpPr>
+        <p:spPr/>
+        <p:txBody>
+          <a:bodyPr/>
+          <a:lstStyle/>
+          <a:p>
+            <a:r>
+              <a:rPr lang="en" altLang="ja-JP" dirty="0"/>
+              <a:t>Comparison by insertion method</a:t>
+            </a:r>
+            <a:endParaRPr kumimoji="1" lang="ja-JP" altLang="en-US"/>
+          </a:p>
+        </p:txBody>
+      </p:sp>
+      <p:sp>
+        <p:nvSpPr>
+          <p:cNvPr id="3" name="コンテンツ プレースホルダー 2">
+            <a:extLst>
+              <a:ext uri="{FF2B5EF4-FFF2-40B4-BE49-F238E27FC236}">
+                <a16:creationId xmlns:a16="http://schemas.microsoft.com/office/drawing/2014/main" id="{8FC75E83-6FCB-684F-BB17-BF63CBD11644}"/>
+              </a:ext>
+            </a:extLst>
+          </p:cNvPr>
+          <p:cNvSpPr>
+            <a:spLocks noGrp="1"/>
+          </p:cNvSpPr>
+          <p:nvPr>
+            <p:ph idx="1"/>
+          </p:nvPr>
+        </p:nvSpPr>
+        <p:spPr/>
+        <p:txBody>
+          <a:bodyPr>
+            <a:normAutofit/>
+          </a:bodyPr>
+          <a:lstStyle/>
+          <a:p>
+            <a:r>
+              <a:rPr lang="en" altLang="ja-JP" sz="2400" dirty="0"/>
+              <a:t>Computation time varies greatly.</a:t>
+            </a:r>
+          </a:p>
+          <a:p>
+            <a:r>
+              <a:rPr lang="en" altLang="ja-JP" sz="2400" dirty="0"/>
+              <a:t>The quality of the local optimal solution is not very different between the two approaches.</a:t>
+            </a:r>
+          </a:p>
+          <a:p>
+            <a:r>
+              <a:rPr lang="en" altLang="ja-JP" sz="2400" dirty="0"/>
+              <a:t>When this algorithm is actually used, it will be checked by a person in the end.</a:t>
+            </a:r>
+          </a:p>
+          <a:p>
+            <a:r>
+              <a:rPr lang="en" altLang="ja-JP" sz="2400" dirty="0"/>
+              <a:t>there may be possibilities that obtaining a solution with a certain degree of quality in a short time may be sufficient.</a:t>
+            </a:r>
+          </a:p>
+        </p:txBody>
+      </p:sp>
+    </p:spTree>
+    <p:extLst>
+      <p:ext uri="{BB962C8B-B14F-4D97-AF65-F5344CB8AC3E}">
+        <p14:creationId xmlns:p14="http://schemas.microsoft.com/office/powerpoint/2010/main" val="3116219373"/>
+      </p:ext>
+    </p:extLst>
+  </p:cSld>
+  <p:clrMapOvr>
+    <a:masterClrMapping/>
+  </p:clrMapOvr>
+</p:sld>
+</file>
+
+<file path=ppt/slides/slide52.xml><?xml version="1.0" encoding="utf-8"?>
+<p:sld xmlns:a="http://schemas.openxmlformats.org/drawingml/2006/main" xmlns:r="http://schemas.openxmlformats.org/officeDocument/2006/relationships" xmlns:p="http://schemas.openxmlformats.org/presentationml/2006/main">
+  <p:cSld>
+    <p:spTree>
+      <p:nvGrpSpPr>
+        <p:cNvPr id="1" name=""/>
+        <p:cNvGrpSpPr/>
+        <p:nvPr/>
+      </p:nvGrpSpPr>
+      <p:grpSpPr>
+        <a:xfrm>
+          <a:off x="0" y="0"/>
+          <a:ext cx="0" cy="0"/>
+          <a:chOff x="0" y="0"/>
+          <a:chExt cx="0" cy="0"/>
+        </a:xfrm>
+      </p:grpSpPr>
+      <p:sp>
+        <p:nvSpPr>
+          <p:cNvPr id="2" name="タイトル 1">
+            <a:extLst>
+              <a:ext uri="{FF2B5EF4-FFF2-40B4-BE49-F238E27FC236}">
+                <a16:creationId xmlns:a16="http://schemas.microsoft.com/office/drawing/2014/main" id="{23293CDF-C8B2-0249-B006-9AB1745DECD2}"/>
+              </a:ext>
+            </a:extLst>
+          </p:cNvPr>
+          <p:cNvSpPr>
+            <a:spLocks noGrp="1"/>
+          </p:cNvSpPr>
+          <p:nvPr>
+            <p:ph type="title"/>
+          </p:nvPr>
+        </p:nvSpPr>
+        <p:spPr/>
+        <p:txBody>
+          <a:bodyPr/>
+          <a:lstStyle/>
+          <a:p>
+            <a:r>
+              <a:rPr lang="en-US" altLang="ja-JP" dirty="0"/>
+              <a:t>Initial solution</a:t>
+            </a:r>
+            <a:endParaRPr kumimoji="1" lang="ja-JP" altLang="en-US"/>
+          </a:p>
+        </p:txBody>
+      </p:sp>
+      <p:sp>
+        <p:nvSpPr>
+          <p:cNvPr id="3" name="コンテンツ プレースホルダー 2">
+            <a:extLst>
+              <a:ext uri="{FF2B5EF4-FFF2-40B4-BE49-F238E27FC236}">
+                <a16:creationId xmlns:a16="http://schemas.microsoft.com/office/drawing/2014/main" id="{E20F269F-0243-3E42-9DD2-4D0E5F2B1161}"/>
+              </a:ext>
+            </a:extLst>
+          </p:cNvPr>
+          <p:cNvSpPr>
+            <a:spLocks noGrp="1"/>
+          </p:cNvSpPr>
+          <p:nvPr>
+            <p:ph idx="1"/>
+          </p:nvPr>
+        </p:nvSpPr>
+        <p:spPr/>
+        <p:txBody>
+          <a:bodyPr>
+            <a:normAutofit/>
+          </a:bodyPr>
+          <a:lstStyle/>
+          <a:p>
+            <a:r>
+              <a:rPr kumimoji="1" lang="en-US" altLang="ja-JP" sz="2400" dirty="0"/>
+              <a:t>We propose several approach to create initial assignment.</a:t>
+            </a:r>
+          </a:p>
+          <a:p>
+            <a:pPr marL="0" indent="0">
+              <a:buNone/>
+            </a:pPr>
+            <a:endParaRPr kumimoji="1" lang="en-US" altLang="ja-JP" sz="2400" dirty="0"/>
+          </a:p>
+          <a:p>
+            <a:pPr marL="457200" indent="-457200">
+              <a:buFont typeface="+mj-lt"/>
+              <a:buAutoNum type="arabicPeriod"/>
+            </a:pPr>
+            <a:r>
+              <a:rPr kumimoji="1" lang="en-US" altLang="ja-JP" sz="2400" dirty="0"/>
+              <a:t>generating from solution by relaxation of linear programming</a:t>
+            </a:r>
+          </a:p>
+          <a:p>
+            <a:pPr marL="457200" indent="-457200">
+              <a:buFont typeface="+mj-lt"/>
+              <a:buAutoNum type="arabicPeriod"/>
+            </a:pPr>
+            <a:r>
+              <a:rPr kumimoji="1" lang="en-US" altLang="ja-JP" sz="2400" dirty="0"/>
+              <a:t>Generating from solution </a:t>
+            </a:r>
+            <a:r>
+              <a:rPr lang="en-US" altLang="ja-JP" sz="2400" dirty="0"/>
+              <a:t>of a problem formulated in MIP with orders grouped by port</a:t>
+            </a:r>
+            <a:endParaRPr kumimoji="1" lang="en-US" altLang="ja-JP" sz="2400" dirty="0"/>
+          </a:p>
+        </p:txBody>
+      </p:sp>
+    </p:spTree>
+    <p:extLst>
+      <p:ext uri="{BB962C8B-B14F-4D97-AF65-F5344CB8AC3E}">
+        <p14:creationId xmlns:p14="http://schemas.microsoft.com/office/powerpoint/2010/main" val="3354853748"/>
+      </p:ext>
+    </p:extLst>
+  </p:cSld>
+  <p:clrMapOvr>
+    <a:masterClrMapping/>
+  </p:clrMapOvr>
+</p:sld>
+</file>
+
+<file path=ppt/slides/slide53.xml><?xml version="1.0" encoding="utf-8"?>
+<p:sld xmlns:a="http://schemas.openxmlformats.org/drawingml/2006/main" xmlns:r="http://schemas.openxmlformats.org/officeDocument/2006/relationships" xmlns:p="http://schemas.openxmlformats.org/presentationml/2006/main">
+  <p:cSld>
+    <p:spTree>
+      <p:nvGrpSpPr>
+        <p:cNvPr id="1" name=""/>
+        <p:cNvGrpSpPr/>
+        <p:nvPr/>
+      </p:nvGrpSpPr>
+      <p:grpSpPr>
+        <a:xfrm>
+          <a:off x="0" y="0"/>
+          <a:ext cx="0" cy="0"/>
+          <a:chOff x="0" y="0"/>
+          <a:chExt cx="0" cy="0"/>
+        </a:xfrm>
+      </p:grpSpPr>
+      <p:sp>
+        <p:nvSpPr>
+          <p:cNvPr id="2" name="タイトル 1">
+            <a:extLst>
+              <a:ext uri="{FF2B5EF4-FFF2-40B4-BE49-F238E27FC236}">
+                <a16:creationId xmlns:a16="http://schemas.microsoft.com/office/drawing/2014/main" id="{23293CDF-C8B2-0249-B006-9AB1745DECD2}"/>
+              </a:ext>
+            </a:extLst>
+          </p:cNvPr>
+          <p:cNvSpPr>
+            <a:spLocks noGrp="1"/>
+          </p:cNvSpPr>
+          <p:nvPr>
+            <p:ph type="title"/>
+          </p:nvPr>
+        </p:nvSpPr>
+        <p:spPr/>
+        <p:txBody>
+          <a:bodyPr/>
+          <a:lstStyle/>
+          <a:p>
+            <a:r>
+              <a:rPr lang="en-US" altLang="ja-JP" dirty="0"/>
+              <a:t>Approach to create initial assignment</a:t>
+            </a:r>
+            <a:endParaRPr kumimoji="1" lang="ja-JP" altLang="en-US"/>
+          </a:p>
+        </p:txBody>
+      </p:sp>
+      <p:sp>
+        <p:nvSpPr>
+          <p:cNvPr id="3" name="コンテンツ プレースホルダー 2">
+            <a:extLst>
+              <a:ext uri="{FF2B5EF4-FFF2-40B4-BE49-F238E27FC236}">
+                <a16:creationId xmlns:a16="http://schemas.microsoft.com/office/drawing/2014/main" id="{E20F269F-0243-3E42-9DD2-4D0E5F2B1161}"/>
+              </a:ext>
+            </a:extLst>
+          </p:cNvPr>
+          <p:cNvSpPr>
+            <a:spLocks noGrp="1"/>
+          </p:cNvSpPr>
+          <p:nvPr>
+            <p:ph idx="1"/>
+          </p:nvPr>
+        </p:nvSpPr>
+        <p:spPr/>
+        <p:txBody>
+          <a:bodyPr>
+            <a:normAutofit/>
+          </a:bodyPr>
+          <a:lstStyle/>
+          <a:p>
+            <a:pPr marL="457200" indent="-457200">
+              <a:buFont typeface="+mj-lt"/>
+              <a:buAutoNum type="arabicPeriod"/>
+            </a:pPr>
+            <a:r>
+              <a:rPr kumimoji="1" lang="en-US" altLang="ja-JP" sz="2400" dirty="0"/>
+              <a:t>generating from solution by relaxation of linear programming</a:t>
+            </a:r>
+          </a:p>
+          <a:p>
+            <a:pPr marL="457200" indent="-457200">
+              <a:buFont typeface="+mj-lt"/>
+              <a:buAutoNum type="arabicPeriod"/>
+            </a:pPr>
+            <a:r>
+              <a:rPr kumimoji="1" lang="en-US" altLang="ja-JP" sz="2400" dirty="0">
+                <a:solidFill>
+                  <a:schemeClr val="bg1">
+                    <a:lumMod val="85000"/>
+                  </a:schemeClr>
+                </a:solidFill>
+              </a:rPr>
+              <a:t>Generating from solution </a:t>
+            </a:r>
+            <a:r>
+              <a:rPr lang="en-US" altLang="ja-JP" sz="2400" dirty="0">
+                <a:solidFill>
+                  <a:schemeClr val="bg1">
+                    <a:lumMod val="85000"/>
+                  </a:schemeClr>
+                </a:solidFill>
+              </a:rPr>
+              <a:t>of a problem formulated in MIP with orders grouped by port</a:t>
+            </a:r>
+            <a:endParaRPr kumimoji="1" lang="en-US" altLang="ja-JP" sz="2400" dirty="0">
+              <a:solidFill>
+                <a:schemeClr val="bg1">
+                  <a:lumMod val="85000"/>
+                </a:schemeClr>
+              </a:solidFill>
+            </a:endParaRPr>
+          </a:p>
+        </p:txBody>
+      </p:sp>
+    </p:spTree>
+    <p:extLst>
+      <p:ext uri="{BB962C8B-B14F-4D97-AF65-F5344CB8AC3E}">
+        <p14:creationId xmlns:p14="http://schemas.microsoft.com/office/powerpoint/2010/main" val="2379747017"/>
+      </p:ext>
+    </p:extLst>
+  </p:cSld>
+  <p:clrMapOvr>
+    <a:masterClrMapping/>
+  </p:clrMapOvr>
+</p:sld>
+</file>
+
+<file path=ppt/slides/slide54.xml><?xml version="1.0" encoding="utf-8"?>
+<p:sld xmlns:a="http://schemas.openxmlformats.org/drawingml/2006/main" xmlns:r="http://schemas.openxmlformats.org/officeDocument/2006/relationships" xmlns:p="http://schemas.openxmlformats.org/presentationml/2006/main">
+  <p:cSld>
+    <p:spTree>
+      <p:nvGrpSpPr>
+        <p:cNvPr id="1" name=""/>
+        <p:cNvGrpSpPr/>
+        <p:nvPr/>
+      </p:nvGrpSpPr>
+      <p:grpSpPr>
+        <a:xfrm>
+          <a:off x="0" y="0"/>
+          <a:ext cx="0" cy="0"/>
+          <a:chOff x="0" y="0"/>
+          <a:chExt cx="0" cy="0"/>
+        </a:xfrm>
+      </p:grpSpPr>
+      <p:sp>
+        <p:nvSpPr>
+          <p:cNvPr id="2" name="タイトル 1">
+            <a:extLst>
+              <a:ext uri="{FF2B5EF4-FFF2-40B4-BE49-F238E27FC236}">
                 <a16:creationId xmlns:a16="http://schemas.microsoft.com/office/drawing/2014/main" id="{A210D3EE-828C-0448-AED8-512904B08C9B}"/>
               </a:ext>
             </a:extLst>
@@ -22343,8 +23344,8 @@
           </a:p>
         </p:txBody>
       </p:sp>
-      <mc:AlternateContent xmlns:mc="http://schemas.openxmlformats.org/markup-compatibility/2006" xmlns:a14="http://schemas.microsoft.com/office/drawing/2010/main">
-        <mc:Choice Requires="a14">
+      <mc:AlternateContent xmlns:mc="http://schemas.openxmlformats.org/markup-compatibility/2006">
+        <mc:Choice xmlns:a14="http://schemas.microsoft.com/office/drawing/2010/main" Requires="a14">
           <p:sp>
             <p:nvSpPr>
               <p:cNvPr id="3" name="コンテンツ プレースホルダー 2">
@@ -22375,7 +23376,7 @@
               <a:p>
                 <a:r>
                   <a:rPr lang="en-US" altLang="ja-JP" sz="2400" dirty="0"/>
-                  <a:t>As a preliminary experiment, we compare the solutions of the two models.</a:t>
+                  <a:t>As a preliminary experiment, we compare the solutions to the MIP problem and the relaxation problem. </a:t>
                 </a:r>
               </a:p>
               <a:p>
@@ -22696,7 +23697,7 @@
             </p:txBody>
           </p:sp>
         </mc:Choice>
-        <mc:Fallback xmlns="">
+        <mc:Fallback>
           <p:sp>
             <p:nvSpPr>
               <p:cNvPr id="3" name="コンテンツ プレースホルダー 2">
@@ -22753,7 +23754,7 @@
 </p:sld>
 </file>
 
-<file path=ppt/slides/slide52.xml><?xml version="1.0" encoding="utf-8"?>
+<file path=ppt/slides/slide55.xml><?xml version="1.0" encoding="utf-8"?>
 <p:sld xmlns:a="http://schemas.openxmlformats.org/drawingml/2006/main" xmlns:r="http://schemas.openxmlformats.org/officeDocument/2006/relationships" xmlns:p="http://schemas.openxmlformats.org/presentationml/2006/main">
   <p:cSld>
     <p:spTree>
@@ -22831,7 +23832,7 @@
             <a:pPr lvl="1"/>
             <a:r>
               <a:rPr lang="en-US" altLang="ja-JP" sz="2200" dirty="0"/>
-              <a:t>The number of orders is 100 and the number of holds is 4. </a:t>
+              <a:t>The number of orders is 3 and the number of holds is 4. </a:t>
             </a:r>
           </a:p>
           <a:p>
@@ -22882,7 +23883,7 @@
 </p:sld>
 </file>
 
-<file path=ppt/slides/slide53.xml><?xml version="1.0" encoding="utf-8"?>
+<file path=ppt/slides/slide56.xml><?xml version="1.0" encoding="utf-8"?>
 <p:sld xmlns:a="http://schemas.openxmlformats.org/drawingml/2006/main" xmlns:r="http://schemas.openxmlformats.org/officeDocument/2006/relationships" xmlns:p="http://schemas.openxmlformats.org/presentationml/2006/main">
   <p:cSld>
     <p:spTree>
@@ -23913,7 +24914,7 @@
 </p:sld>
 </file>
 
-<file path=ppt/slides/slide54.xml><?xml version="1.0" encoding="utf-8"?>
+<file path=ppt/slides/slide57.xml><?xml version="1.0" encoding="utf-8"?>
 <p:sld xmlns:a="http://schemas.openxmlformats.org/drawingml/2006/main" xmlns:r="http://schemas.openxmlformats.org/officeDocument/2006/relationships" xmlns:p="http://schemas.openxmlformats.org/presentationml/2006/main">
   <p:cSld>
     <p:spTree>
@@ -25520,7 +26521,7 @@
 </p:sld>
 </file>
 
-<file path=ppt/slides/slide55.xml><?xml version="1.0" encoding="utf-8"?>
+<file path=ppt/slides/slide58.xml><?xml version="1.0" encoding="utf-8"?>
 <p:sld xmlns:a="http://schemas.openxmlformats.org/drawingml/2006/main" xmlns:r="http://schemas.openxmlformats.org/officeDocument/2006/relationships" xmlns:p="http://schemas.openxmlformats.org/presentationml/2006/main">
   <p:cSld>
     <p:spTree>
@@ -26091,7 +27092,7 @@
 </p:sld>
 </file>
 
-<file path=ppt/slides/slide56.xml><?xml version="1.0" encoding="utf-8"?>
+<file path=ppt/slides/slide59.xml><?xml version="1.0" encoding="utf-8"?>
 <p:sld xmlns:a="http://schemas.openxmlformats.org/drawingml/2006/main" xmlns:r="http://schemas.openxmlformats.org/officeDocument/2006/relationships" xmlns:p="http://schemas.openxmlformats.org/presentationml/2006/main">
   <p:cSld>
     <p:spTree>
@@ -26639,408 +27640,6 @@
 </p:sld>
 </file>
 
-<file path=ppt/slides/slide57.xml><?xml version="1.0" encoding="utf-8"?>
-<p:sld xmlns:a="http://schemas.openxmlformats.org/drawingml/2006/main" xmlns:r="http://schemas.openxmlformats.org/officeDocument/2006/relationships" xmlns:p="http://schemas.openxmlformats.org/presentationml/2006/main">
-  <p:cSld>
-    <p:spTree>
-      <p:nvGrpSpPr>
-        <p:cNvPr id="1" name=""/>
-        <p:cNvGrpSpPr/>
-        <p:nvPr/>
-      </p:nvGrpSpPr>
-      <p:grpSpPr>
-        <a:xfrm>
-          <a:off x="0" y="0"/>
-          <a:ext cx="0" cy="0"/>
-          <a:chOff x="0" y="0"/>
-          <a:chExt cx="0" cy="0"/>
-        </a:xfrm>
-      </p:grpSpPr>
-      <p:sp>
-        <p:nvSpPr>
-          <p:cNvPr id="2" name="タイトル 1">
-            <a:extLst>
-              <a:ext uri="{FF2B5EF4-FFF2-40B4-BE49-F238E27FC236}">
-                <a16:creationId xmlns:a16="http://schemas.microsoft.com/office/drawing/2014/main" id="{23293CDF-C8B2-0249-B006-9AB1745DECD2}"/>
-              </a:ext>
-            </a:extLst>
-          </p:cNvPr>
-          <p:cNvSpPr>
-            <a:spLocks noGrp="1"/>
-          </p:cNvSpPr>
-          <p:nvPr>
-            <p:ph type="title"/>
-          </p:nvPr>
-        </p:nvSpPr>
-        <p:spPr/>
-        <p:txBody>
-          <a:bodyPr/>
-          <a:lstStyle/>
-          <a:p>
-            <a:r>
-              <a:rPr lang="en-US" altLang="ja-JP" dirty="0"/>
-              <a:t>Approach to create initial assignment</a:t>
-            </a:r>
-            <a:endParaRPr kumimoji="1" lang="ja-JP" altLang="en-US"/>
-          </a:p>
-        </p:txBody>
-      </p:sp>
-      <p:sp>
-        <p:nvSpPr>
-          <p:cNvPr id="3" name="コンテンツ プレースホルダー 2">
-            <a:extLst>
-              <a:ext uri="{FF2B5EF4-FFF2-40B4-BE49-F238E27FC236}">
-                <a16:creationId xmlns:a16="http://schemas.microsoft.com/office/drawing/2014/main" id="{E20F269F-0243-3E42-9DD2-4D0E5F2B1161}"/>
-              </a:ext>
-            </a:extLst>
-          </p:cNvPr>
-          <p:cNvSpPr>
-            <a:spLocks noGrp="1"/>
-          </p:cNvSpPr>
-          <p:nvPr>
-            <p:ph idx="1"/>
-          </p:nvPr>
-        </p:nvSpPr>
-        <p:spPr/>
-        <p:txBody>
-          <a:bodyPr>
-            <a:normAutofit/>
-          </a:bodyPr>
-          <a:lstStyle/>
-          <a:p>
-            <a:pPr marL="457200" indent="-457200">
-              <a:buFont typeface="+mj-lt"/>
-              <a:buAutoNum type="arabicPeriod"/>
-            </a:pPr>
-            <a:r>
-              <a:rPr kumimoji="1" lang="en-US" altLang="ja-JP" sz="2400" dirty="0">
-                <a:solidFill>
-                  <a:schemeClr val="bg1">
-                    <a:lumMod val="85000"/>
-                  </a:schemeClr>
-                </a:solidFill>
-              </a:rPr>
-              <a:t>generating from solution by relaxation of linear programming</a:t>
-            </a:r>
-          </a:p>
-          <a:p>
-            <a:pPr marL="457200" indent="-457200">
-              <a:buFont typeface="+mj-lt"/>
-              <a:buAutoNum type="arabicPeriod"/>
-            </a:pPr>
-            <a:r>
-              <a:rPr kumimoji="1" lang="en-US" altLang="ja-JP" sz="2400" dirty="0">
-                <a:solidFill>
-                  <a:schemeClr val="tx1"/>
-                </a:solidFill>
-              </a:rPr>
-              <a:t>Generating from solution </a:t>
-            </a:r>
-            <a:r>
-              <a:rPr lang="en-US" altLang="ja-JP" sz="2400" dirty="0">
-                <a:solidFill>
-                  <a:schemeClr val="tx1"/>
-                </a:solidFill>
-              </a:rPr>
-              <a:t>of a problem formulated in MIP with orders grouped by port</a:t>
-            </a:r>
-            <a:endParaRPr kumimoji="1" lang="en-US" altLang="ja-JP" sz="2400" dirty="0">
-              <a:solidFill>
-                <a:schemeClr val="tx1"/>
-              </a:solidFill>
-            </a:endParaRPr>
-          </a:p>
-        </p:txBody>
-      </p:sp>
-    </p:spTree>
-    <p:extLst>
-      <p:ext uri="{BB962C8B-B14F-4D97-AF65-F5344CB8AC3E}">
-        <p14:creationId xmlns:p14="http://schemas.microsoft.com/office/powerpoint/2010/main" val="1226177036"/>
-      </p:ext>
-    </p:extLst>
-  </p:cSld>
-  <p:clrMapOvr>
-    <a:masterClrMapping/>
-  </p:clrMapOvr>
-</p:sld>
-</file>
-
-<file path=ppt/slides/slide58.xml><?xml version="1.0" encoding="utf-8"?>
-<p:sld xmlns:a="http://schemas.openxmlformats.org/drawingml/2006/main" xmlns:r="http://schemas.openxmlformats.org/officeDocument/2006/relationships" xmlns:p="http://schemas.openxmlformats.org/presentationml/2006/main">
-  <p:cSld>
-    <p:spTree>
-      <p:nvGrpSpPr>
-        <p:cNvPr id="1" name=""/>
-        <p:cNvGrpSpPr/>
-        <p:nvPr/>
-      </p:nvGrpSpPr>
-      <p:grpSpPr>
-        <a:xfrm>
-          <a:off x="0" y="0"/>
-          <a:ext cx="0" cy="0"/>
-          <a:chOff x="0" y="0"/>
-          <a:chExt cx="0" cy="0"/>
-        </a:xfrm>
-      </p:grpSpPr>
-      <p:sp>
-        <p:nvSpPr>
-          <p:cNvPr id="2" name="タイトル 1">
-            <a:extLst>
-              <a:ext uri="{FF2B5EF4-FFF2-40B4-BE49-F238E27FC236}">
-                <a16:creationId xmlns:a16="http://schemas.microsoft.com/office/drawing/2014/main" id="{26B9DA74-0919-8C4D-A488-16B05DD6B4A6}"/>
-              </a:ext>
-            </a:extLst>
-          </p:cNvPr>
-          <p:cNvSpPr>
-            <a:spLocks noGrp="1"/>
-          </p:cNvSpPr>
-          <p:nvPr>
-            <p:ph type="title"/>
-          </p:nvPr>
-        </p:nvSpPr>
-        <p:spPr/>
-        <p:txBody>
-          <a:bodyPr/>
-          <a:lstStyle/>
-          <a:p>
-            <a:r>
-              <a:rPr lang="en-US" altLang="ja-JP" dirty="0">
-                <a:solidFill>
-                  <a:schemeClr val="tx1"/>
-                </a:solidFill>
-              </a:rPr>
-              <a:t>MIP with orders grouped by port</a:t>
-            </a:r>
-            <a:endParaRPr kumimoji="1" lang="ja-JP" altLang="en-US"/>
-          </a:p>
-        </p:txBody>
-      </p:sp>
-      <p:sp>
-        <p:nvSpPr>
-          <p:cNvPr id="3" name="コンテンツ プレースホルダー 2">
-            <a:extLst>
-              <a:ext uri="{FF2B5EF4-FFF2-40B4-BE49-F238E27FC236}">
-                <a16:creationId xmlns:a16="http://schemas.microsoft.com/office/drawing/2014/main" id="{2E5F56EB-07E0-544C-91AB-5B90AF11D266}"/>
-              </a:ext>
-            </a:extLst>
-          </p:cNvPr>
-          <p:cNvSpPr>
-            <a:spLocks noGrp="1"/>
-          </p:cNvSpPr>
-          <p:nvPr>
-            <p:ph idx="1"/>
-          </p:nvPr>
-        </p:nvSpPr>
-        <p:spPr/>
-        <p:txBody>
-          <a:bodyPr>
-            <a:normAutofit/>
-          </a:bodyPr>
-          <a:lstStyle/>
-          <a:p>
-            <a:r>
-              <a:rPr kumimoji="1" lang="en-US" altLang="ja-JP" sz="2400" dirty="0"/>
-              <a:t>I and </a:t>
-            </a:r>
-            <a:r>
-              <a:rPr kumimoji="1" lang="en-US" altLang="ja-JP" sz="2400" dirty="0" err="1"/>
-              <a:t>Mr.Ukawa</a:t>
-            </a:r>
-            <a:r>
-              <a:rPr kumimoji="1" lang="en-US" altLang="ja-JP" sz="2400" dirty="0"/>
-              <a:t> proposed a model </a:t>
-            </a:r>
-            <a:r>
-              <a:rPr lang="en-US" altLang="ja-JP" sz="2400" dirty="0"/>
-              <a:t>that combines orders with the same loading and unloading ports into a single order to create an assignment.</a:t>
-            </a:r>
-          </a:p>
-          <a:p>
-            <a:r>
-              <a:rPr lang="en-US" altLang="ja-JP" sz="2400" dirty="0"/>
-              <a:t>With this model, we can get assignments in a short computation time.</a:t>
-            </a:r>
-          </a:p>
-        </p:txBody>
-      </p:sp>
-      <p:sp>
-        <p:nvSpPr>
-          <p:cNvPr id="5" name="正方形/長方形 4">
-            <a:extLst>
-              <a:ext uri="{FF2B5EF4-FFF2-40B4-BE49-F238E27FC236}">
-                <a16:creationId xmlns:a16="http://schemas.microsoft.com/office/drawing/2014/main" id="{8D49A87A-144D-8947-A74D-2A7083448FA4}"/>
-              </a:ext>
-            </a:extLst>
-          </p:cNvPr>
-          <p:cNvSpPr/>
-          <p:nvPr/>
-        </p:nvSpPr>
-        <p:spPr>
-          <a:xfrm>
-            <a:off x="2147248" y="5588056"/>
-            <a:ext cx="9357364" cy="646331"/>
-          </a:xfrm>
-          <a:prstGeom prst="rect">
-            <a:avLst/>
-          </a:prstGeom>
-        </p:spPr>
-        <p:txBody>
-          <a:bodyPr wrap="square">
-            <a:spAutoFit/>
-          </a:bodyPr>
-          <a:lstStyle/>
-          <a:p>
-            <a:r>
-              <a:rPr lang="en-US" altLang="ja-JP" dirty="0"/>
-              <a:t>[1]</a:t>
-            </a:r>
-            <a:r>
-              <a:rPr lang="ja-JP" altLang="en-US"/>
-              <a:t>鵜川知哉</a:t>
-            </a:r>
-            <a:r>
-              <a:rPr lang="en-US" altLang="ja-JP" dirty="0"/>
-              <a:t>, </a:t>
-            </a:r>
-            <a:r>
-              <a:rPr lang="ja-JP" altLang="en-US"/>
-              <a:t>自動車運搬船における貨物積載プラン ニングの席割問題に対する数理モデリング</a:t>
-            </a:r>
-            <a:r>
-              <a:rPr lang="en-US" altLang="ja-JP" dirty="0"/>
-              <a:t>, </a:t>
-            </a:r>
-            <a:r>
-              <a:rPr lang="ja-JP" altLang="en-US"/>
-              <a:t>修士 論文，名古屋大学情報学研究科</a:t>
-            </a:r>
-            <a:r>
-              <a:rPr lang="en-US" altLang="ja-JP" dirty="0"/>
-              <a:t>, 2020 </a:t>
-            </a:r>
-            <a:endParaRPr lang="ja-JP" altLang="en-US"/>
-          </a:p>
-        </p:txBody>
-      </p:sp>
-    </p:spTree>
-    <p:extLst>
-      <p:ext uri="{BB962C8B-B14F-4D97-AF65-F5344CB8AC3E}">
-        <p14:creationId xmlns:p14="http://schemas.microsoft.com/office/powerpoint/2010/main" val="4107990273"/>
-      </p:ext>
-    </p:extLst>
-  </p:cSld>
-  <p:clrMapOvr>
-    <a:masterClrMapping/>
-  </p:clrMapOvr>
-</p:sld>
-</file>
-
-<file path=ppt/slides/slide59.xml><?xml version="1.0" encoding="utf-8"?>
-<p:sld xmlns:a="http://schemas.openxmlformats.org/drawingml/2006/main" xmlns:r="http://schemas.openxmlformats.org/officeDocument/2006/relationships" xmlns:p="http://schemas.openxmlformats.org/presentationml/2006/main">
-  <p:cSld>
-    <p:spTree>
-      <p:nvGrpSpPr>
-        <p:cNvPr id="1" name=""/>
-        <p:cNvGrpSpPr/>
-        <p:nvPr/>
-      </p:nvGrpSpPr>
-      <p:grpSpPr>
-        <a:xfrm>
-          <a:off x="0" y="0"/>
-          <a:ext cx="0" cy="0"/>
-          <a:chOff x="0" y="0"/>
-          <a:chExt cx="0" cy="0"/>
-        </a:xfrm>
-      </p:grpSpPr>
-      <p:sp>
-        <p:nvSpPr>
-          <p:cNvPr id="2" name="タイトル 1">
-            <a:extLst>
-              <a:ext uri="{FF2B5EF4-FFF2-40B4-BE49-F238E27FC236}">
-                <a16:creationId xmlns:a16="http://schemas.microsoft.com/office/drawing/2014/main" id="{953FAEE8-1FED-DF4C-BE59-B1D74657A78B}"/>
-              </a:ext>
-            </a:extLst>
-          </p:cNvPr>
-          <p:cNvSpPr>
-            <a:spLocks noGrp="1"/>
-          </p:cNvSpPr>
-          <p:nvPr>
-            <p:ph type="title"/>
-          </p:nvPr>
-        </p:nvSpPr>
-        <p:spPr/>
-        <p:txBody>
-          <a:bodyPr/>
-          <a:lstStyle/>
-          <a:p>
-            <a:r>
-              <a:rPr lang="en-US" altLang="ja-JP" dirty="0">
-                <a:solidFill>
-                  <a:schemeClr val="tx1"/>
-                </a:solidFill>
-              </a:rPr>
-              <a:t>MIP with orders grouped by port</a:t>
-            </a:r>
-            <a:endParaRPr kumimoji="1" lang="ja-JP" altLang="en-US"/>
-          </a:p>
-        </p:txBody>
-      </p:sp>
-      <p:sp>
-        <p:nvSpPr>
-          <p:cNvPr id="3" name="コンテンツ プレースホルダー 2">
-            <a:extLst>
-              <a:ext uri="{FF2B5EF4-FFF2-40B4-BE49-F238E27FC236}">
-                <a16:creationId xmlns:a16="http://schemas.microsoft.com/office/drawing/2014/main" id="{65CE6BA2-4138-AE46-A062-C06F8266C316}"/>
-              </a:ext>
-            </a:extLst>
-          </p:cNvPr>
-          <p:cNvSpPr>
-            <a:spLocks noGrp="1"/>
-          </p:cNvSpPr>
-          <p:nvPr>
-            <p:ph idx="1"/>
-          </p:nvPr>
-        </p:nvSpPr>
-        <p:spPr/>
-        <p:txBody>
-          <a:bodyPr>
-            <a:normAutofit/>
-          </a:bodyPr>
-          <a:lstStyle/>
-          <a:p>
-            <a:r>
-              <a:rPr lang="en-US" altLang="ja-JP" sz="2400" dirty="0"/>
-              <a:t>We received a comment that the assignment could not actually be used and needed to be modified.</a:t>
-            </a:r>
-          </a:p>
-          <a:p>
-            <a:r>
-              <a:rPr lang="en-US" altLang="ja-JP" sz="2400" dirty="0"/>
-              <a:t>We use the assignment as an initial solution and then perform local search to modify it.</a:t>
-            </a:r>
-          </a:p>
-          <a:p>
-            <a:r>
-              <a:rPr lang="en-US" altLang="ja-JP" sz="2400" dirty="0"/>
-              <a:t>This could be a good approach.</a:t>
-            </a:r>
-            <a:endParaRPr kumimoji="1" lang="ja-JP" altLang="en-US" sz="2400"/>
-          </a:p>
-        </p:txBody>
-      </p:sp>
-    </p:spTree>
-    <p:extLst>
-      <p:ext uri="{BB962C8B-B14F-4D97-AF65-F5344CB8AC3E}">
-        <p14:creationId xmlns:p14="http://schemas.microsoft.com/office/powerpoint/2010/main" val="811388927"/>
-      </p:ext>
-    </p:extLst>
-  </p:cSld>
-  <p:clrMapOvr>
-    <a:masterClrMapping/>
-  </p:clrMapOvr>
-</p:sld>
-</file>
-
 <file path=ppt/slides/slide6.xml><?xml version="1.0" encoding="utf-8"?>
 <p:sld xmlns:a="http://schemas.openxmlformats.org/drawingml/2006/main" xmlns:r="http://schemas.openxmlformats.org/officeDocument/2006/relationships" xmlns:p="http://schemas.openxmlformats.org/presentationml/2006/main">
   <p:cSld>
@@ -27207,7 +27806,7 @@
           <p:cNvPr id="2" name="タイトル 1">
             <a:extLst>
               <a:ext uri="{FF2B5EF4-FFF2-40B4-BE49-F238E27FC236}">
-                <a16:creationId xmlns:a16="http://schemas.microsoft.com/office/drawing/2014/main" id="{FEEFE181-A7D0-7146-B49E-65AC407C9C2B}"/>
+                <a16:creationId xmlns:a16="http://schemas.microsoft.com/office/drawing/2014/main" id="{23293CDF-C8B2-0249-B006-9AB1745DECD2}"/>
               </a:ext>
             </a:extLst>
           </p:cNvPr>
@@ -27225,7 +27824,7 @@
           <a:p>
             <a:r>
               <a:rPr lang="en-US" altLang="ja-JP" dirty="0"/>
-              <a:t>Computational experiment</a:t>
+              <a:t>Approach to create initial assignment</a:t>
             </a:r>
             <a:endParaRPr kumimoji="1" lang="ja-JP" altLang="en-US"/>
           </a:p>
@@ -27236,7 +27835,7 @@
           <p:cNvPr id="3" name="コンテンツ プレースホルダー 2">
             <a:extLst>
               <a:ext uri="{FF2B5EF4-FFF2-40B4-BE49-F238E27FC236}">
-                <a16:creationId xmlns:a16="http://schemas.microsoft.com/office/drawing/2014/main" id="{F34D1FFA-7F21-1B4A-B2CC-C1C3F36A6C10}"/>
+                <a16:creationId xmlns:a16="http://schemas.microsoft.com/office/drawing/2014/main" id="{E20F269F-0243-3E42-9DD2-4D0E5F2B1161}"/>
               </a:ext>
             </a:extLst>
           </p:cNvPr>
@@ -27254,59 +27853,54 @@
           </a:bodyPr>
           <a:lstStyle/>
           <a:p>
-            <a:r>
-              <a:rPr lang="en-US" altLang="ja-JP" sz="2400" dirty="0"/>
-              <a:t>We compare the computation time and the quality of assignment.</a:t>
-            </a:r>
-          </a:p>
-          <a:p>
-            <a:r>
-              <a:rPr lang="en-US" altLang="ja-JP" sz="2400" dirty="0"/>
-              <a:t>For 1</a:t>
-            </a:r>
-            <a:r>
-              <a:rPr lang="en-US" altLang="ja-JP" sz="2400" baseline="30000" dirty="0"/>
-              <a:t>st</a:t>
-            </a:r>
-            <a:r>
-              <a:rPr lang="en-US" altLang="ja-JP" sz="2400" dirty="0"/>
-              <a:t> model,</a:t>
-            </a:r>
-            <a:r>
-              <a:rPr lang="en" altLang="ja-JP" sz="2400" dirty="0"/>
-              <a:t> we show the values of the solution after         1 hour and after 24 hours</a:t>
-            </a:r>
-          </a:p>
-          <a:p>
-            <a:r>
-              <a:rPr lang="en" altLang="ja-JP" sz="2400" dirty="0"/>
-              <a:t>For 2</a:t>
-            </a:r>
-            <a:r>
-              <a:rPr lang="en" altLang="ja-JP" sz="2400" baseline="30000" dirty="0"/>
-              <a:t>nd</a:t>
-            </a:r>
-            <a:r>
-              <a:rPr lang="en" altLang="ja-JP" sz="2400" dirty="0"/>
-              <a:t> model, we show the value of the solution and the computation time to finish the local search</a:t>
-            </a:r>
-            <a:r>
-              <a:rPr lang="en-US" altLang="ja-JP" sz="2400" dirty="0"/>
-              <a:t>.</a:t>
-            </a:r>
-          </a:p>
-          <a:p>
-            <a:r>
-              <a:rPr lang="en-US" altLang="ja-JP" sz="2400" dirty="0"/>
-              <a:t>We set the coefficient of the constraint to 100.</a:t>
-            </a:r>
+            <a:pPr marL="457200" indent="-457200">
+              <a:buFont typeface="+mj-lt"/>
+              <a:buAutoNum type="arabicPeriod"/>
+            </a:pPr>
+            <a:r>
+              <a:rPr kumimoji="1" lang="en-US" altLang="ja-JP" sz="2400" dirty="0">
+                <a:solidFill>
+                  <a:schemeClr val="bg1">
+                    <a:lumMod val="85000"/>
+                  </a:schemeClr>
+                </a:solidFill>
+              </a:rPr>
+              <a:t>generating from solution by relaxation of linear programming</a:t>
+            </a:r>
+          </a:p>
+          <a:p>
+            <a:pPr marL="457200" indent="-457200">
+              <a:buFont typeface="+mj-lt"/>
+              <a:buAutoNum type="arabicPeriod"/>
+            </a:pPr>
+            <a:r>
+              <a:rPr kumimoji="1" lang="en-US" altLang="ja-JP" sz="2400" dirty="0">
+                <a:solidFill>
+                  <a:schemeClr val="tx1"/>
+                </a:solidFill>
+              </a:rPr>
+              <a:t>Generating from solution </a:t>
+            </a:r>
+            <a:r>
+              <a:rPr lang="en-US" altLang="ja-JP" sz="2400" dirty="0">
+                <a:solidFill>
+                  <a:schemeClr val="tx1"/>
+                </a:solidFill>
+              </a:rPr>
+              <a:t>of a problem formulated in MIP with orders grouped by port</a:t>
+            </a:r>
+            <a:endParaRPr kumimoji="1" lang="en-US" altLang="ja-JP" sz="2400" dirty="0">
+              <a:solidFill>
+                <a:schemeClr val="tx1"/>
+              </a:solidFill>
+            </a:endParaRPr>
           </a:p>
         </p:txBody>
       </p:sp>
     </p:spTree>
     <p:extLst>
       <p:ext uri="{BB962C8B-B14F-4D97-AF65-F5344CB8AC3E}">
-        <p14:creationId xmlns:p14="http://schemas.microsoft.com/office/powerpoint/2010/main" val="4216551076"/>
+        <p14:creationId xmlns:p14="http://schemas.microsoft.com/office/powerpoint/2010/main" val="1226177036"/>
       </p:ext>
     </p:extLst>
   </p:cSld>
@@ -27338,6 +27932,289 @@
           <p:cNvPr id="2" name="タイトル 1">
             <a:extLst>
               <a:ext uri="{FF2B5EF4-FFF2-40B4-BE49-F238E27FC236}">
+                <a16:creationId xmlns:a16="http://schemas.microsoft.com/office/drawing/2014/main" id="{26B9DA74-0919-8C4D-A488-16B05DD6B4A6}"/>
+              </a:ext>
+            </a:extLst>
+          </p:cNvPr>
+          <p:cNvSpPr>
+            <a:spLocks noGrp="1"/>
+          </p:cNvSpPr>
+          <p:nvPr>
+            <p:ph type="title"/>
+          </p:nvPr>
+        </p:nvSpPr>
+        <p:spPr/>
+        <p:txBody>
+          <a:bodyPr/>
+          <a:lstStyle/>
+          <a:p>
+            <a:r>
+              <a:rPr lang="en-US" altLang="ja-JP" dirty="0">
+                <a:solidFill>
+                  <a:schemeClr val="tx1"/>
+                </a:solidFill>
+              </a:rPr>
+              <a:t>MIP with orders grouped by port</a:t>
+            </a:r>
+            <a:endParaRPr kumimoji="1" lang="ja-JP" altLang="en-US"/>
+          </a:p>
+        </p:txBody>
+      </p:sp>
+      <p:sp>
+        <p:nvSpPr>
+          <p:cNvPr id="3" name="コンテンツ プレースホルダー 2">
+            <a:extLst>
+              <a:ext uri="{FF2B5EF4-FFF2-40B4-BE49-F238E27FC236}">
+                <a16:creationId xmlns:a16="http://schemas.microsoft.com/office/drawing/2014/main" id="{2E5F56EB-07E0-544C-91AB-5B90AF11D266}"/>
+              </a:ext>
+            </a:extLst>
+          </p:cNvPr>
+          <p:cNvSpPr>
+            <a:spLocks noGrp="1"/>
+          </p:cNvSpPr>
+          <p:nvPr>
+            <p:ph idx="1"/>
+          </p:nvPr>
+        </p:nvSpPr>
+        <p:spPr/>
+        <p:txBody>
+          <a:bodyPr>
+            <a:normAutofit/>
+          </a:bodyPr>
+          <a:lstStyle/>
+          <a:p>
+            <a:r>
+              <a:rPr kumimoji="1" lang="en-US" altLang="ja-JP" sz="2400" dirty="0"/>
+              <a:t>I and </a:t>
+            </a:r>
+            <a:r>
+              <a:rPr kumimoji="1" lang="en-US" altLang="ja-JP" sz="2400" dirty="0" err="1"/>
+              <a:t>Mr.Ukawa</a:t>
+            </a:r>
+            <a:r>
+              <a:rPr kumimoji="1" lang="en-US" altLang="ja-JP" sz="2400" dirty="0"/>
+              <a:t> proposed a model </a:t>
+            </a:r>
+            <a:r>
+              <a:rPr lang="en-US" altLang="ja-JP" sz="2400" dirty="0"/>
+              <a:t>that combines orders with the same loading and unloading ports into a single order to create an assignment.</a:t>
+            </a:r>
+          </a:p>
+          <a:p>
+            <a:r>
+              <a:rPr lang="en-US" altLang="ja-JP" sz="2400" dirty="0"/>
+              <a:t>With this model, we can get assignments in a short computation time.</a:t>
+            </a:r>
+          </a:p>
+        </p:txBody>
+      </p:sp>
+      <p:sp>
+        <p:nvSpPr>
+          <p:cNvPr id="5" name="正方形/長方形 4">
+            <a:extLst>
+              <a:ext uri="{FF2B5EF4-FFF2-40B4-BE49-F238E27FC236}">
+                <a16:creationId xmlns:a16="http://schemas.microsoft.com/office/drawing/2014/main" id="{8D49A87A-144D-8947-A74D-2A7083448FA4}"/>
+              </a:ext>
+            </a:extLst>
+          </p:cNvPr>
+          <p:cNvSpPr/>
+          <p:nvPr/>
+        </p:nvSpPr>
+        <p:spPr>
+          <a:xfrm>
+            <a:off x="2147248" y="5588056"/>
+            <a:ext cx="9357364" cy="646331"/>
+          </a:xfrm>
+          <a:prstGeom prst="rect">
+            <a:avLst/>
+          </a:prstGeom>
+        </p:spPr>
+        <p:txBody>
+          <a:bodyPr wrap="square">
+            <a:spAutoFit/>
+          </a:bodyPr>
+          <a:lstStyle/>
+          <a:p>
+            <a:r>
+              <a:rPr lang="en-US" altLang="ja-JP" dirty="0"/>
+              <a:t>[1]</a:t>
+            </a:r>
+            <a:r>
+              <a:rPr lang="ja-JP" altLang="en-US"/>
+              <a:t>鵜川知哉</a:t>
+            </a:r>
+            <a:r>
+              <a:rPr lang="en-US" altLang="ja-JP" dirty="0"/>
+              <a:t>, </a:t>
+            </a:r>
+            <a:r>
+              <a:rPr lang="ja-JP" altLang="en-US"/>
+              <a:t>自動車運搬船における貨物積載プラン ニングの席割問題に対する数理モデリング</a:t>
+            </a:r>
+            <a:r>
+              <a:rPr lang="en-US" altLang="ja-JP" dirty="0"/>
+              <a:t>, </a:t>
+            </a:r>
+            <a:r>
+              <a:rPr lang="ja-JP" altLang="en-US"/>
+              <a:t>修士 論文，名古屋大学情報学研究科</a:t>
+            </a:r>
+            <a:r>
+              <a:rPr lang="en-US" altLang="ja-JP" dirty="0"/>
+              <a:t>, 2020 </a:t>
+            </a:r>
+            <a:endParaRPr lang="ja-JP" altLang="en-US"/>
+          </a:p>
+        </p:txBody>
+      </p:sp>
+    </p:spTree>
+    <p:extLst>
+      <p:ext uri="{BB962C8B-B14F-4D97-AF65-F5344CB8AC3E}">
+        <p14:creationId xmlns:p14="http://schemas.microsoft.com/office/powerpoint/2010/main" val="4107990273"/>
+      </p:ext>
+    </p:extLst>
+  </p:cSld>
+  <p:clrMapOvr>
+    <a:masterClrMapping/>
+  </p:clrMapOvr>
+</p:sld>
+</file>
+
+<file path=ppt/slides/slide62.xml><?xml version="1.0" encoding="utf-8"?>
+<p:sld xmlns:a="http://schemas.openxmlformats.org/drawingml/2006/main" xmlns:r="http://schemas.openxmlformats.org/officeDocument/2006/relationships" xmlns:p="http://schemas.openxmlformats.org/presentationml/2006/main">
+  <p:cSld>
+    <p:spTree>
+      <p:nvGrpSpPr>
+        <p:cNvPr id="1" name=""/>
+        <p:cNvGrpSpPr/>
+        <p:nvPr/>
+      </p:nvGrpSpPr>
+      <p:grpSpPr>
+        <a:xfrm>
+          <a:off x="0" y="0"/>
+          <a:ext cx="0" cy="0"/>
+          <a:chOff x="0" y="0"/>
+          <a:chExt cx="0" cy="0"/>
+        </a:xfrm>
+      </p:grpSpPr>
+      <p:sp>
+        <p:nvSpPr>
+          <p:cNvPr id="2" name="タイトル 1">
+            <a:extLst>
+              <a:ext uri="{FF2B5EF4-FFF2-40B4-BE49-F238E27FC236}">
+                <a16:creationId xmlns:a16="http://schemas.microsoft.com/office/drawing/2014/main" id="{953FAEE8-1FED-DF4C-BE59-B1D74657A78B}"/>
+              </a:ext>
+            </a:extLst>
+          </p:cNvPr>
+          <p:cNvSpPr>
+            <a:spLocks noGrp="1"/>
+          </p:cNvSpPr>
+          <p:nvPr>
+            <p:ph type="title"/>
+          </p:nvPr>
+        </p:nvSpPr>
+        <p:spPr/>
+        <p:txBody>
+          <a:bodyPr/>
+          <a:lstStyle/>
+          <a:p>
+            <a:r>
+              <a:rPr lang="en-US" altLang="ja-JP" dirty="0">
+                <a:solidFill>
+                  <a:schemeClr val="tx1"/>
+                </a:solidFill>
+              </a:rPr>
+              <a:t>MIP with orders grouped by port</a:t>
+            </a:r>
+            <a:endParaRPr kumimoji="1" lang="ja-JP" altLang="en-US"/>
+          </a:p>
+        </p:txBody>
+      </p:sp>
+      <p:sp>
+        <p:nvSpPr>
+          <p:cNvPr id="3" name="コンテンツ プレースホルダー 2">
+            <a:extLst>
+              <a:ext uri="{FF2B5EF4-FFF2-40B4-BE49-F238E27FC236}">
+                <a16:creationId xmlns:a16="http://schemas.microsoft.com/office/drawing/2014/main" id="{65CE6BA2-4138-AE46-A062-C06F8266C316}"/>
+              </a:ext>
+            </a:extLst>
+          </p:cNvPr>
+          <p:cNvSpPr>
+            <a:spLocks noGrp="1"/>
+          </p:cNvSpPr>
+          <p:nvPr>
+            <p:ph idx="1"/>
+          </p:nvPr>
+        </p:nvSpPr>
+        <p:spPr>
+          <a:xfrm>
+            <a:off x="2589211" y="2133600"/>
+            <a:ext cx="9029047" cy="3777622"/>
+          </a:xfrm>
+        </p:spPr>
+        <p:txBody>
+          <a:bodyPr>
+            <a:normAutofit/>
+          </a:bodyPr>
+          <a:lstStyle/>
+          <a:p>
+            <a:r>
+              <a:rPr lang="en-US" altLang="ja-JP" sz="2400" dirty="0"/>
+              <a:t>We received a comment that the assignment cannot not actually be used and needed to be modified.</a:t>
+            </a:r>
+          </a:p>
+          <a:p>
+            <a:r>
+              <a:rPr lang="en-US" altLang="ja-JP" sz="2400" dirty="0"/>
+              <a:t>We propose to use the assignment as an initial solution and then perform local search to modify it.</a:t>
+            </a:r>
+          </a:p>
+          <a:p>
+            <a:endParaRPr lang="en-US" altLang="ja-JP" sz="2400" dirty="0"/>
+          </a:p>
+          <a:p>
+            <a:r>
+              <a:rPr lang="en-US" altLang="ja-JP" sz="2400" dirty="0"/>
+              <a:t>I haven’t finished implementing yet </a:t>
+            </a:r>
+          </a:p>
+        </p:txBody>
+      </p:sp>
+    </p:spTree>
+    <p:extLst>
+      <p:ext uri="{BB962C8B-B14F-4D97-AF65-F5344CB8AC3E}">
+        <p14:creationId xmlns:p14="http://schemas.microsoft.com/office/powerpoint/2010/main" val="811388927"/>
+      </p:ext>
+    </p:extLst>
+  </p:cSld>
+  <p:clrMapOvr>
+    <a:masterClrMapping/>
+  </p:clrMapOvr>
+</p:sld>
+</file>
+
+<file path=ppt/slides/slide63.xml><?xml version="1.0" encoding="utf-8"?>
+<p:sld xmlns:a="http://schemas.openxmlformats.org/drawingml/2006/main" xmlns:r="http://schemas.openxmlformats.org/officeDocument/2006/relationships" xmlns:p="http://schemas.openxmlformats.org/presentationml/2006/main">
+  <p:cSld>
+    <p:spTree>
+      <p:nvGrpSpPr>
+        <p:cNvPr id="1" name=""/>
+        <p:cNvGrpSpPr/>
+        <p:nvPr/>
+      </p:nvGrpSpPr>
+      <p:grpSpPr>
+        <a:xfrm>
+          <a:off x="0" y="0"/>
+          <a:ext cx="0" cy="0"/>
+          <a:chOff x="0" y="0"/>
+          <a:chExt cx="0" cy="0"/>
+        </a:xfrm>
+      </p:grpSpPr>
+      <p:sp>
+        <p:nvSpPr>
+          <p:cNvPr id="2" name="タイトル 1">
+            <a:extLst>
+              <a:ext uri="{FF2B5EF4-FFF2-40B4-BE49-F238E27FC236}">
                 <a16:creationId xmlns:a16="http://schemas.microsoft.com/office/drawing/2014/main" id="{0F3E9755-7D4C-E140-A34C-76DD3CC7C081}"/>
               </a:ext>
             </a:extLst>
@@ -27356,7 +28233,7 @@
           <a:p>
             <a:r>
               <a:rPr lang="en-US" altLang="ja-JP" dirty="0"/>
-              <a:t>Computational experiment</a:t>
+              <a:t>Comparison by initial solution</a:t>
             </a:r>
             <a:endParaRPr kumimoji="1" lang="ja-JP" altLang="en-US"/>
           </a:p>
@@ -27376,12 +28253,16 @@
           </p:cNvGraphicFramePr>
           <p:nvPr>
             <p:ph idx="1"/>
-            <p:extLst/>
+            <p:extLst>
+              <p:ext uri="{D42A27DB-BD31-4B8C-83A1-F6EECF244321}">
+                <p14:modId xmlns:p14="http://schemas.microsoft.com/office/powerpoint/2010/main" val="1468100152"/>
+              </p:ext>
+            </p:extLst>
           </p:nvPr>
         </p:nvGraphicFramePr>
         <p:xfrm>
-          <a:off x="1976717" y="1541929"/>
-          <a:ext cx="9527895" cy="4950303"/>
+          <a:off x="2592925" y="1636058"/>
+          <a:ext cx="7887354" cy="3566127"/>
         </p:xfrm>
         <a:graphic>
           <a:graphicData uri="http://schemas.openxmlformats.org/drawingml/2006/table">
@@ -27390,35 +28271,21 @@
                 <a:tableStyleId>{5C22544A-7EE6-4342-B048-85BDC9FD1C3A}</a:tableStyleId>
               </a:tblPr>
               <a:tblGrid>
-                <a:gridCol w="995659">
+                <a:gridCol w="1425389">
                   <a:extLst>
                     <a:ext uri="{9D8B030D-6E8A-4147-A177-3AD203B41FA5}">
                       <a16:colId xmlns:a16="http://schemas.microsoft.com/office/drawing/2014/main" val="3767232075"/>
                     </a:ext>
                   </a:extLst>
                 </a:gridCol>
-                <a:gridCol w="913824">
-                  <a:extLst>
-                    <a:ext uri="{9D8B030D-6E8A-4147-A177-3AD203B41FA5}">
-                      <a16:colId xmlns:a16="http://schemas.microsoft.com/office/drawing/2014/main" val="3477330652"/>
-                    </a:ext>
-                  </a:extLst>
-                </a:gridCol>
-                <a:gridCol w="1156447">
-                  <a:extLst>
-                    <a:ext uri="{9D8B030D-6E8A-4147-A177-3AD203B41FA5}">
-                      <a16:colId xmlns:a16="http://schemas.microsoft.com/office/drawing/2014/main" val="2984689672"/>
-                    </a:ext>
-                  </a:extLst>
-                </a:gridCol>
-                <a:gridCol w="1828800">
+                <a:gridCol w="1347062">
                   <a:extLst>
                     <a:ext uri="{9D8B030D-6E8A-4147-A177-3AD203B41FA5}">
                       <a16:colId xmlns:a16="http://schemas.microsoft.com/office/drawing/2014/main" val="275792739"/>
                     </a:ext>
                   </a:extLst>
                 </a:gridCol>
-                <a:gridCol w="1371600">
+                <a:gridCol w="1853338">
                   <a:extLst>
                     <a:ext uri="{9D8B030D-6E8A-4147-A177-3AD203B41FA5}">
                       <a16:colId xmlns:a16="http://schemas.microsoft.com/office/drawing/2014/main" val="2550383071"/>
@@ -27446,26 +28313,11 @@
                     <a:bodyPr/>
                     <a:lstStyle/>
                     <a:p>
-                      <a:endParaRPr kumimoji="1" lang="ja-JP" altLang="en-US" sz="2000"/>
-                    </a:p>
-                  </a:txBody>
-                  <a:tcPr/>
-                </a:tc>
-                <a:tc>
-                  <a:txBody>
-                    <a:bodyPr/>
-                    <a:lstStyle/>
-                    <a:p>
-                      <a:endParaRPr kumimoji="1" lang="ja-JP" altLang="en-US" sz="2000"/>
-                    </a:p>
-                  </a:txBody>
-                  <a:tcPr/>
-                </a:tc>
-                <a:tc>
-                  <a:txBody>
-                    <a:bodyPr/>
-                    <a:lstStyle/>
-                    <a:p>
+                      <a:pPr algn="ctr"/>
+                      <a:r>
+                        <a:rPr kumimoji="1" lang="en-US" altLang="ja-JP" sz="2000" dirty="0"/>
+                        <a:t>instance</a:t>
+                      </a:r>
                       <a:endParaRPr kumimoji="1" lang="ja-JP" altLang="en-US" sz="2000"/>
                     </a:p>
                   </a:txBody>
@@ -27479,15 +28331,7 @@
                       <a:pPr algn="ctr"/>
                       <a:r>
                         <a:rPr kumimoji="1" lang="en-US" altLang="ja-JP" sz="2000" dirty="0"/>
-                        <a:t>1</a:t>
-                      </a:r>
-                      <a:r>
-                        <a:rPr kumimoji="1" lang="en-US" altLang="ja-JP" sz="2000" baseline="30000" dirty="0"/>
-                        <a:t>st</a:t>
-                      </a:r>
-                      <a:r>
-                        <a:rPr kumimoji="1" lang="en-US" altLang="ja-JP" sz="2000" dirty="0"/>
-                        <a:t> model</a:t>
+                        <a:t>randomly generated</a:t>
                       </a:r>
                       <a:endParaRPr kumimoji="1" lang="ja-JP" altLang="en-US" sz="2000"/>
                     </a:p>
@@ -27512,15 +28356,7 @@
                       <a:pPr algn="ctr"/>
                       <a:r>
                         <a:rPr kumimoji="1" lang="en-US" altLang="ja-JP" sz="2000" dirty="0"/>
-                        <a:t>2</a:t>
-                      </a:r>
-                      <a:r>
-                        <a:rPr kumimoji="1" lang="en-US" altLang="ja-JP" sz="2000" baseline="30000" dirty="0"/>
-                        <a:t>nd</a:t>
-                      </a:r>
-                      <a:r>
-                        <a:rPr kumimoji="1" lang="en-US" altLang="ja-JP" sz="2000" dirty="0"/>
-                        <a:t> model</a:t>
+                        <a:t>Relaxation solution</a:t>
                       </a:r>
                       <a:endParaRPr kumimoji="1" lang="ja-JP" altLang="en-US" sz="2000"/>
                     </a:p>
@@ -27560,20 +28396,43 @@
                   </a:ext>
                 </a:extLst>
               </a:tr>
-              <a:tr h="1533006">
+              <a:tr h="1075764">
                 <a:tc>
                   <a:txBody>
                     <a:bodyPr/>
                     <a:lstStyle/>
                     <a:p>
                       <a:pPr algn="ctr"/>
+                      <a:endParaRPr kumimoji="1" lang="ja-JP" altLang="en-US" sz="2000"/>
+                    </a:p>
+                  </a:txBody>
+                  <a:tcPr/>
+                </a:tc>
+                <a:tc>
+                  <a:txBody>
+                    <a:bodyPr/>
+                    <a:lstStyle/>
+                    <a:p>
+                      <a:pPr marL="0" marR="0" lvl="0" indent="0" algn="ctr" defTabSz="457200" rtl="0" eaLnBrk="1" fontAlgn="auto" latinLnBrk="0" hangingPunct="1">
+                        <a:lnSpc>
+                          <a:spcPct val="100000"/>
+                        </a:lnSpc>
+                        <a:spcBef>
+                          <a:spcPts val="0"/>
+                        </a:spcBef>
+                        <a:spcAft>
+                          <a:spcPts val="0"/>
+                        </a:spcAft>
+                        <a:buClrTx/>
+                        <a:buSzTx/>
+                        <a:buFontTx/>
+                        <a:buNone/>
+                        <a:tabLst/>
+                        <a:defRPr/>
+                      </a:pPr>
                       <a:r>
-                        <a:rPr kumimoji="1" lang="en-US" altLang="ja-JP" sz="2000" dirty="0" err="1"/>
-                        <a:t>Num</a:t>
-                      </a:r>
-                      <a:r>
-                        <a:rPr kumimoji="1" lang="en-US" altLang="ja-JP" sz="2000" dirty="0"/>
-                        <a:t> of orders</a:t>
+                        <a:rPr kumimoji="1" lang="en" altLang="ja-JP" sz="2000" dirty="0"/>
+                        <a:t>Value</a:t>
                       </a:r>
                       <a:endParaRPr kumimoji="1" lang="ja-JP" altLang="en-US" sz="2000"/>
                     </a:p>
@@ -27585,114 +28444,51 @@
                     <a:bodyPr/>
                     <a:lstStyle/>
                     <a:p>
-                      <a:pPr algn="ctr"/>
+                      <a:pPr marL="0" marR="0" lvl="0" indent="0" algn="ctr" defTabSz="457200" rtl="0" eaLnBrk="1" fontAlgn="auto" latinLnBrk="0" hangingPunct="1">
+                        <a:lnSpc>
+                          <a:spcPct val="100000"/>
+                        </a:lnSpc>
+                        <a:spcBef>
+                          <a:spcPts val="0"/>
+                        </a:spcBef>
+                        <a:spcAft>
+                          <a:spcPts val="0"/>
+                        </a:spcAft>
+                        <a:buClrTx/>
+                        <a:buSzTx/>
+                        <a:buFontTx/>
+                        <a:buNone/>
+                        <a:tabLst/>
+                        <a:defRPr/>
+                      </a:pPr>
                       <a:r>
-                        <a:rPr kumimoji="1" lang="en-US" altLang="ja-JP" sz="2000" dirty="0" err="1"/>
-                        <a:t>Num</a:t>
-                      </a:r>
-                      <a:r>
-                        <a:rPr kumimoji="1" lang="en-US" altLang="ja-JP" sz="2000" dirty="0"/>
-                        <a:t> </a:t>
+                        <a:rPr kumimoji="1" lang="en" altLang="ja-JP" sz="1800" dirty="0"/>
+                        <a:t>Computation time</a:t>
                       </a:r>
                     </a:p>
                     <a:p>
-                      <a:pPr algn="ctr"/>
+                      <a:pPr marL="0" marR="0" lvl="0" indent="0" algn="ctr" defTabSz="457200" rtl="0" eaLnBrk="1" fontAlgn="auto" latinLnBrk="0" hangingPunct="1">
+                        <a:lnSpc>
+                          <a:spcPct val="100000"/>
+                        </a:lnSpc>
+                        <a:spcBef>
+                          <a:spcPts val="0"/>
+                        </a:spcBef>
+                        <a:spcAft>
+                          <a:spcPts val="0"/>
+                        </a:spcAft>
+                        <a:buClrTx/>
+                        <a:buSzTx/>
+                        <a:buFontTx/>
+                        <a:buNone/>
+                        <a:tabLst/>
+                        <a:defRPr/>
+                      </a:pPr>
                       <a:r>
-                        <a:rPr kumimoji="1" lang="en-US" altLang="ja-JP" sz="2000" dirty="0"/>
-                        <a:t>of L ports</a:t>
+                        <a:rPr kumimoji="1" lang="en" altLang="ja-JP" sz="1800" dirty="0"/>
+                        <a:t>(seconds)</a:t>
                       </a:r>
-                      <a:endParaRPr kumimoji="1" lang="ja-JP" altLang="en-US" sz="2000"/>
-                    </a:p>
-                  </a:txBody>
-                  <a:tcPr/>
-                </a:tc>
-                <a:tc>
-                  <a:txBody>
-                    <a:bodyPr/>
-                    <a:lstStyle/>
-                    <a:p>
-                      <a:pPr algn="ctr"/>
-                      <a:r>
-                        <a:rPr kumimoji="1" lang="en-US" altLang="ja-JP" sz="2000" dirty="0" err="1"/>
-                        <a:t>Num</a:t>
-                      </a:r>
-                      <a:r>
-                        <a:rPr kumimoji="1" lang="en-US" altLang="ja-JP" sz="2000" dirty="0"/>
-                        <a:t> </a:t>
-                      </a:r>
-                    </a:p>
-                    <a:p>
-                      <a:pPr algn="ctr"/>
-                      <a:r>
-                        <a:rPr kumimoji="1" lang="en-US" altLang="ja-JP" sz="2000" dirty="0"/>
-                        <a:t>of D</a:t>
-                      </a:r>
-                    </a:p>
-                    <a:p>
-                      <a:pPr algn="ctr"/>
-                      <a:r>
-                        <a:rPr kumimoji="1" lang="en-US" altLang="ja-JP" sz="2000" dirty="0"/>
-                        <a:t> ports</a:t>
-                      </a:r>
-                      <a:endParaRPr kumimoji="1" lang="ja-JP" altLang="en-US" sz="2000"/>
-                    </a:p>
-                  </a:txBody>
-                  <a:tcPr/>
-                </a:tc>
-                <a:tc>
-                  <a:txBody>
-                    <a:bodyPr/>
-                    <a:lstStyle/>
-                    <a:p>
-                      <a:pPr algn="ctr"/>
-                      <a:r>
-                        <a:rPr kumimoji="1" lang="en-US" altLang="ja-JP" sz="2000" dirty="0"/>
-                        <a:t>Value after</a:t>
-                      </a:r>
-                    </a:p>
-                    <a:p>
-                      <a:pPr algn="ctr"/>
-                      <a:r>
-                        <a:rPr kumimoji="1" lang="en-US" altLang="ja-JP" sz="2000" dirty="0"/>
-                        <a:t>1h</a:t>
-                      </a:r>
-                    </a:p>
-                    <a:p>
-                      <a:pPr algn="ctr"/>
-                      <a:r>
-                        <a:rPr kumimoji="1" lang="en-US" altLang="ja-JP" sz="2000" dirty="0"/>
-                        <a:t>(3600s)</a:t>
-                      </a:r>
-                      <a:endParaRPr kumimoji="1" lang="ja-JP" altLang="en-US" sz="2000"/>
-                    </a:p>
-                  </a:txBody>
-                  <a:tcPr/>
-                </a:tc>
-                <a:tc>
-                  <a:txBody>
-                    <a:bodyPr/>
-                    <a:lstStyle/>
-                    <a:p>
-                      <a:pPr algn="ctr"/>
-                      <a:r>
-                        <a:rPr kumimoji="1" lang="en-US" altLang="ja-JP" sz="2000" dirty="0"/>
-                        <a:t>Value after </a:t>
-                      </a:r>
-                    </a:p>
-                    <a:p>
-                      <a:pPr algn="ctr"/>
-                      <a:r>
-                        <a:rPr kumimoji="1" lang="en-US" altLang="ja-JP" sz="2000" dirty="0"/>
-                        <a:t>24h</a:t>
-                      </a:r>
-                    </a:p>
-                    <a:p>
-                      <a:pPr algn="ctr"/>
-                      <a:r>
-                        <a:rPr kumimoji="1" lang="en-US" altLang="ja-JP" sz="2000" dirty="0"/>
-                        <a:t>(86400s)</a:t>
-                      </a:r>
-                      <a:endParaRPr kumimoji="1" lang="ja-JP" altLang="en-US" sz="2000"/>
+                      <a:endParaRPr kumimoji="1" lang="ja-JP" altLang="en-US" sz="1800"/>
                     </a:p>
                   </a:txBody>
                   <a:tcPr/>
@@ -27797,37 +28593,7 @@
                       <a:pPr algn="ctr"/>
                       <a:r>
                         <a:rPr kumimoji="1" lang="en-US" altLang="ja-JP" sz="2000" dirty="0"/>
-                        <a:t>109</a:t>
-                      </a:r>
-                      <a:endParaRPr kumimoji="1" lang="ja-JP" altLang="en-US" sz="2000"/>
-                    </a:p>
-                  </a:txBody>
-                  <a:tcPr/>
-                </a:tc>
-                <a:tc>
-                  <a:txBody>
-                    <a:bodyPr/>
-                    <a:lstStyle/>
-                    <a:p>
-                      <a:pPr algn="ctr"/>
-                      <a:r>
-                        <a:rPr kumimoji="1" lang="en-US" altLang="ja-JP" sz="2000" dirty="0"/>
-                        <a:t>2</a:t>
-                      </a:r>
-                      <a:endParaRPr kumimoji="1" lang="ja-JP" altLang="en-US" sz="2000"/>
-                    </a:p>
-                  </a:txBody>
-                  <a:tcPr/>
-                </a:tc>
-                <a:tc>
-                  <a:txBody>
-                    <a:bodyPr/>
-                    <a:lstStyle/>
-                    <a:p>
-                      <a:pPr algn="ctr"/>
-                      <a:r>
-                        <a:rPr kumimoji="1" lang="en-US" altLang="ja-JP" sz="2000" dirty="0"/>
-                        <a:t>3</a:t>
+                        <a:t>109-2-3</a:t>
                       </a:r>
                       <a:endParaRPr kumimoji="1" lang="ja-JP" altLang="en-US" sz="2000"/>
                     </a:p>
@@ -27944,36 +28710,7 @@
                       <a:pPr algn="ctr"/>
                       <a:r>
                         <a:rPr kumimoji="1" lang="en-US" altLang="ja-JP" sz="2000" dirty="0"/>
-                        <a:t>109</a:t>
-                      </a:r>
-                      <a:endParaRPr kumimoji="1" lang="ja-JP" altLang="en-US" sz="2000"/>
-                    </a:p>
-                  </a:txBody>
-                  <a:tcPr/>
-                </a:tc>
-                <a:tc>
-                  <a:txBody>
-                    <a:bodyPr/>
-                    <a:lstStyle/>
-                    <a:p>
-                      <a:pPr algn="ctr"/>
-                      <a:r>
-                        <a:rPr kumimoji="1" lang="en-US" altLang="ja-JP" sz="2000" dirty="0"/>
-                        <a:t>2</a:t>
-                      </a:r>
-                    </a:p>
-                  </a:txBody>
-                  <a:tcPr/>
-                </a:tc>
-                <a:tc>
-                  <a:txBody>
-                    <a:bodyPr/>
-                    <a:lstStyle/>
-                    <a:p>
-                      <a:pPr algn="ctr"/>
-                      <a:r>
-                        <a:rPr kumimoji="1" lang="en-US" altLang="ja-JP" sz="2000" dirty="0"/>
-                        <a:t>5</a:t>
+                        <a:t>109-2-5</a:t>
                       </a:r>
                       <a:endParaRPr kumimoji="1" lang="ja-JP" altLang="en-US" sz="2000"/>
                     </a:p>
@@ -28055,36 +28792,7 @@
                       <a:pPr algn="ctr"/>
                       <a:r>
                         <a:rPr kumimoji="1" lang="en-US" altLang="ja-JP" sz="2000" dirty="0"/>
-                        <a:t>109</a:t>
-                      </a:r>
-                      <a:endParaRPr kumimoji="1" lang="ja-JP" altLang="en-US" sz="2000"/>
-                    </a:p>
-                  </a:txBody>
-                  <a:tcPr/>
-                </a:tc>
-                <a:tc>
-                  <a:txBody>
-                    <a:bodyPr/>
-                    <a:lstStyle/>
-                    <a:p>
-                      <a:pPr algn="ctr"/>
-                      <a:r>
-                        <a:rPr kumimoji="1" lang="en-US" altLang="ja-JP" sz="2000" dirty="0"/>
-                        <a:t>4</a:t>
-                      </a:r>
-                    </a:p>
-                  </a:txBody>
-                  <a:tcPr/>
-                </a:tc>
-                <a:tc>
-                  <a:txBody>
-                    <a:bodyPr/>
-                    <a:lstStyle/>
-                    <a:p>
-                      <a:pPr algn="ctr"/>
-                      <a:r>
-                        <a:rPr kumimoji="1" lang="en-US" altLang="ja-JP" sz="2000" dirty="0"/>
-                        <a:t>3</a:t>
+                        <a:t>109-4-3</a:t>
                       </a:r>
                       <a:endParaRPr kumimoji="1" lang="ja-JP" altLang="en-US" sz="2000"/>
                     </a:p>
@@ -28166,37 +28874,7 @@
                       <a:pPr algn="ctr"/>
                       <a:r>
                         <a:rPr kumimoji="1" lang="en-US" altLang="ja-JP" sz="2000" dirty="0"/>
-                        <a:t>250</a:t>
-                      </a:r>
-                      <a:endParaRPr kumimoji="1" lang="ja-JP" altLang="en-US" sz="2000"/>
-                    </a:p>
-                  </a:txBody>
-                  <a:tcPr/>
-                </a:tc>
-                <a:tc>
-                  <a:txBody>
-                    <a:bodyPr/>
-                    <a:lstStyle/>
-                    <a:p>
-                      <a:pPr algn="ctr"/>
-                      <a:r>
-                        <a:rPr kumimoji="1" lang="en-US" altLang="ja-JP" sz="2000" dirty="0"/>
-                        <a:t>2</a:t>
-                      </a:r>
-                      <a:endParaRPr kumimoji="1" lang="ja-JP" altLang="en-US" sz="2000"/>
-                    </a:p>
-                  </a:txBody>
-                  <a:tcPr/>
-                </a:tc>
-                <a:tc>
-                  <a:txBody>
-                    <a:bodyPr/>
-                    <a:lstStyle/>
-                    <a:p>
-                      <a:pPr algn="ctr"/>
-                      <a:r>
-                        <a:rPr kumimoji="1" lang="en-US" altLang="ja-JP" sz="2000" dirty="0"/>
-                        <a:t>3</a:t>
+                        <a:t>250-2-3</a:t>
                       </a:r>
                       <a:endParaRPr kumimoji="1" lang="ja-JP" altLang="en-US" sz="2000"/>
                     </a:p>
@@ -28269,232 +28947,52 @@
                   </a:ext>
                 </a:extLst>
               </a:tr>
-              <a:tr h="463467">
-                <a:tc>
-                  <a:txBody>
-                    <a:bodyPr/>
-                    <a:lstStyle/>
-                    <a:p>
-                      <a:pPr algn="ctr"/>
-                      <a:r>
-                        <a:rPr kumimoji="1" lang="en-US" altLang="ja-JP" sz="2000" dirty="0"/>
-                        <a:t>200</a:t>
-                      </a:r>
-                      <a:endParaRPr kumimoji="1" lang="ja-JP" altLang="en-US" sz="2000"/>
-                    </a:p>
-                  </a:txBody>
-                  <a:tcPr/>
-                </a:tc>
-                <a:tc>
-                  <a:txBody>
-                    <a:bodyPr/>
-                    <a:lstStyle/>
-                    <a:p>
-                      <a:pPr algn="ctr"/>
-                      <a:r>
-                        <a:rPr kumimoji="1" lang="en-US" altLang="ja-JP" sz="2000" dirty="0"/>
-                        <a:t>2</a:t>
-                      </a:r>
-                    </a:p>
-                  </a:txBody>
-                  <a:tcPr/>
-                </a:tc>
-                <a:tc>
-                  <a:txBody>
-                    <a:bodyPr/>
-                    <a:lstStyle/>
-                    <a:p>
-                      <a:pPr algn="ctr"/>
-                      <a:r>
-                        <a:rPr kumimoji="1" lang="en-US" altLang="ja-JP" sz="2000" dirty="0"/>
-                        <a:t>3</a:t>
-                      </a:r>
-                      <a:endParaRPr kumimoji="1" lang="ja-JP" altLang="en-US" sz="2000"/>
-                    </a:p>
-                  </a:txBody>
-                  <a:tcPr/>
-                </a:tc>
-                <a:tc>
-                  <a:txBody>
-                    <a:bodyPr/>
-                    <a:lstStyle/>
-                    <a:p>
-                      <a:pPr algn="ctr"/>
-                      <a:r>
-                        <a:rPr kumimoji="1" lang="en-US" altLang="ja-JP" sz="2000" dirty="0"/>
-                        <a:t>infeasible</a:t>
-                      </a:r>
-                      <a:endParaRPr kumimoji="1" lang="ja-JP" altLang="en-US" sz="2000"/>
-                    </a:p>
-                  </a:txBody>
-                  <a:tcPr/>
-                </a:tc>
-                <a:tc>
-                  <a:txBody>
-                    <a:bodyPr/>
-                    <a:lstStyle/>
-                    <a:p>
-                      <a:pPr algn="ctr"/>
-                      <a:r>
-                        <a:rPr kumimoji="1" lang="en-US" altLang="ja-JP" sz="2000" dirty="0"/>
-                        <a:t>-840</a:t>
-                      </a:r>
-                      <a:endParaRPr kumimoji="1" lang="ja-JP" altLang="en-US" sz="2000"/>
-                    </a:p>
-                  </a:txBody>
-                  <a:tcPr/>
-                </a:tc>
-                <a:tc>
-                  <a:txBody>
-                    <a:bodyPr/>
-                    <a:lstStyle/>
-                    <a:p>
-                      <a:pPr algn="ctr"/>
-                      <a:r>
-                        <a:rPr kumimoji="1" lang="en-US" altLang="ja-JP" sz="2000" dirty="0"/>
-                        <a:t>infeasible</a:t>
-                      </a:r>
-                      <a:endParaRPr kumimoji="1" lang="ja-JP" altLang="en-US" sz="2000"/>
-                    </a:p>
-                  </a:txBody>
-                  <a:tcPr/>
-                </a:tc>
-                <a:tc>
-                  <a:txBody>
-                    <a:bodyPr/>
-                    <a:lstStyle/>
-                    <a:p>
-                      <a:pPr algn="ctr"/>
-                      <a:r>
-                        <a:rPr kumimoji="1" lang="en-US" altLang="ja-JP" sz="2000" dirty="0"/>
-                        <a:t>6481</a:t>
-                      </a:r>
-                      <a:endParaRPr kumimoji="1" lang="ja-JP" altLang="en-US" sz="2000"/>
-                    </a:p>
-                  </a:txBody>
-                  <a:tcPr/>
-                </a:tc>
-                <a:extLst>
-                  <a:ext uri="{0D108BD9-81ED-4DB2-BD59-A6C34878D82A}">
-                    <a16:rowId xmlns:a16="http://schemas.microsoft.com/office/drawing/2014/main" val="44161025"/>
-                  </a:ext>
-                </a:extLst>
-              </a:tr>
-              <a:tr h="463467">
-                <a:tc>
-                  <a:txBody>
-                    <a:bodyPr/>
-                    <a:lstStyle/>
-                    <a:p>
-                      <a:pPr algn="ctr"/>
-                      <a:r>
-                        <a:rPr kumimoji="1" lang="en-US" altLang="ja-JP" sz="2000" dirty="0"/>
-                        <a:t>350</a:t>
-                      </a:r>
-                      <a:endParaRPr kumimoji="1" lang="ja-JP" altLang="en-US" sz="2000"/>
-                    </a:p>
-                  </a:txBody>
-                  <a:tcPr/>
-                </a:tc>
-                <a:tc>
-                  <a:txBody>
-                    <a:bodyPr/>
-                    <a:lstStyle/>
-                    <a:p>
-                      <a:pPr algn="ctr"/>
-                      <a:r>
-                        <a:rPr kumimoji="1" lang="en-US" altLang="ja-JP" sz="2000" dirty="0"/>
-                        <a:t>2</a:t>
-                      </a:r>
-                      <a:endParaRPr kumimoji="1" lang="ja-JP" altLang="en-US" sz="2000"/>
-                    </a:p>
-                  </a:txBody>
-                  <a:tcPr/>
-                </a:tc>
-                <a:tc>
-                  <a:txBody>
-                    <a:bodyPr/>
-                    <a:lstStyle/>
-                    <a:p>
-                      <a:pPr algn="ctr"/>
-                      <a:r>
-                        <a:rPr kumimoji="1" lang="en-US" altLang="ja-JP" sz="2000" dirty="0"/>
-                        <a:t>3</a:t>
-                      </a:r>
-                      <a:endParaRPr kumimoji="1" lang="ja-JP" altLang="en-US" sz="2000"/>
-                    </a:p>
-                  </a:txBody>
-                  <a:tcPr/>
-                </a:tc>
-                <a:tc>
-                  <a:txBody>
-                    <a:bodyPr/>
-                    <a:lstStyle/>
-                    <a:p>
-                      <a:pPr algn="ctr"/>
-                      <a:r>
-                        <a:rPr kumimoji="1" lang="en-US" altLang="ja-JP" sz="2000"/>
-                        <a:t>infeasible</a:t>
-                      </a:r>
-                      <a:endParaRPr kumimoji="1" lang="ja-JP" altLang="en-US" sz="2000"/>
-                    </a:p>
-                  </a:txBody>
-                  <a:tcPr/>
-                </a:tc>
-                <a:tc>
-                  <a:txBody>
-                    <a:bodyPr/>
-                    <a:lstStyle/>
-                    <a:p>
-                      <a:pPr algn="ctr"/>
-                      <a:r>
-                        <a:rPr kumimoji="1" lang="en-US" altLang="ja-JP" sz="2000" dirty="0"/>
-                        <a:t>3726</a:t>
-                      </a:r>
-                      <a:endParaRPr kumimoji="1" lang="ja-JP" altLang="en-US" sz="2000"/>
-                    </a:p>
-                  </a:txBody>
-                  <a:tcPr/>
-                </a:tc>
-                <a:tc>
-                  <a:txBody>
-                    <a:bodyPr/>
-                    <a:lstStyle/>
-                    <a:p>
-                      <a:pPr algn="ctr"/>
-                      <a:r>
-                        <a:rPr kumimoji="1" lang="en-US" altLang="ja-JP" sz="2000" dirty="0"/>
-                        <a:t>infeasible</a:t>
-                      </a:r>
-                      <a:endParaRPr kumimoji="1" lang="ja-JP" altLang="en-US" sz="2000"/>
-                    </a:p>
-                  </a:txBody>
-                  <a:tcPr/>
-                </a:tc>
-                <a:tc>
-                  <a:txBody>
-                    <a:bodyPr/>
-                    <a:lstStyle/>
-                    <a:p>
-                      <a:pPr algn="ctr"/>
-                      <a:r>
-                        <a:rPr kumimoji="1" lang="en-US" altLang="ja-JP" sz="2000" dirty="0"/>
-                        <a:t>19219</a:t>
-                      </a:r>
-                    </a:p>
-                  </a:txBody>
-                  <a:tcPr/>
-                </a:tc>
-                <a:extLst>
-                  <a:ext uri="{0D108BD9-81ED-4DB2-BD59-A6C34878D82A}">
-                    <a16:rowId xmlns:a16="http://schemas.microsoft.com/office/drawing/2014/main" val="458223093"/>
-                  </a:ext>
-                </a:extLst>
-              </a:tr>
             </a:tbl>
           </a:graphicData>
         </a:graphic>
       </p:graphicFrame>
+      <p:sp>
+        <p:nvSpPr>
+          <p:cNvPr id="3" name="テキスト ボックス 2">
+            <a:extLst>
+              <a:ext uri="{FF2B5EF4-FFF2-40B4-BE49-F238E27FC236}">
+                <a16:creationId xmlns:a16="http://schemas.microsoft.com/office/drawing/2014/main" id="{2D6CFA20-D0C8-B54F-A0A1-5CA5B478D634}"/>
+              </a:ext>
+            </a:extLst>
+          </p:cNvPr>
+          <p:cNvSpPr txBox="1"/>
+          <p:nvPr/>
+        </p:nvSpPr>
+        <p:spPr>
+          <a:xfrm>
+            <a:off x="2487705" y="5728447"/>
+            <a:ext cx="7992573" cy="646331"/>
+          </a:xfrm>
+          <a:prstGeom prst="rect">
+            <a:avLst/>
+          </a:prstGeom>
+          <a:noFill/>
+        </p:spPr>
+        <p:txBody>
+          <a:bodyPr wrap="square" rtlCol="0">
+            <a:spAutoFit/>
+          </a:bodyPr>
+          <a:lstStyle/>
+          <a:p>
+            <a:r>
+              <a:rPr kumimoji="1" lang="en-US" altLang="ja-JP" dirty="0"/>
+              <a:t>Instance name:</a:t>
+            </a:r>
+          </a:p>
+          <a:p>
+            <a:r>
+              <a:rPr kumimoji="1" lang="en-US" altLang="ja-JP" dirty="0"/>
+              <a:t>number of orders- number of loading port- number of unloading port</a:t>
+            </a:r>
+            <a:endParaRPr kumimoji="1" lang="ja-JP" altLang="en-US"/>
+          </a:p>
+        </p:txBody>
+      </p:sp>
     </p:spTree>
     <p:extLst>
       <p:ext uri="{BB962C8B-B14F-4D97-AF65-F5344CB8AC3E}">
@@ -28508,7 +29006,132 @@
 </p:sld>
 </file>
 
-<file path=ppt/slides/slide62.xml><?xml version="1.0" encoding="utf-8"?>
+<file path=ppt/slides/slide64.xml><?xml version="1.0" encoding="utf-8"?>
+<p:sld xmlns:a="http://schemas.openxmlformats.org/drawingml/2006/main" xmlns:r="http://schemas.openxmlformats.org/officeDocument/2006/relationships" xmlns:p="http://schemas.openxmlformats.org/presentationml/2006/main">
+  <p:cSld>
+    <p:spTree>
+      <p:nvGrpSpPr>
+        <p:cNvPr id="1" name=""/>
+        <p:cNvGrpSpPr/>
+        <p:nvPr/>
+      </p:nvGrpSpPr>
+      <p:grpSpPr>
+        <a:xfrm>
+          <a:off x="0" y="0"/>
+          <a:ext cx="0" cy="0"/>
+          <a:chOff x="0" y="0"/>
+          <a:chExt cx="0" cy="0"/>
+        </a:xfrm>
+      </p:grpSpPr>
+      <p:sp>
+        <p:nvSpPr>
+          <p:cNvPr id="2" name="タイトル 1">
+            <a:extLst>
+              <a:ext uri="{FF2B5EF4-FFF2-40B4-BE49-F238E27FC236}">
+                <a16:creationId xmlns:a16="http://schemas.microsoft.com/office/drawing/2014/main" id="{FEEFE181-A7D0-7146-B49E-65AC407C9C2B}"/>
+              </a:ext>
+            </a:extLst>
+          </p:cNvPr>
+          <p:cNvSpPr>
+            <a:spLocks noGrp="1"/>
+          </p:cNvSpPr>
+          <p:nvPr>
+            <p:ph type="title"/>
+          </p:nvPr>
+        </p:nvSpPr>
+        <p:spPr/>
+        <p:txBody>
+          <a:bodyPr/>
+          <a:lstStyle/>
+          <a:p>
+            <a:r>
+              <a:rPr lang="en-US" altLang="ja-JP" dirty="0"/>
+              <a:t>Computational experiment</a:t>
+            </a:r>
+            <a:endParaRPr kumimoji="1" lang="ja-JP" altLang="en-US"/>
+          </a:p>
+        </p:txBody>
+      </p:sp>
+      <p:sp>
+        <p:nvSpPr>
+          <p:cNvPr id="3" name="コンテンツ プレースホルダー 2">
+            <a:extLst>
+              <a:ext uri="{FF2B5EF4-FFF2-40B4-BE49-F238E27FC236}">
+                <a16:creationId xmlns:a16="http://schemas.microsoft.com/office/drawing/2014/main" id="{F34D1FFA-7F21-1B4A-B2CC-C1C3F36A6C10}"/>
+              </a:ext>
+            </a:extLst>
+          </p:cNvPr>
+          <p:cNvSpPr>
+            <a:spLocks noGrp="1"/>
+          </p:cNvSpPr>
+          <p:nvPr>
+            <p:ph idx="1"/>
+          </p:nvPr>
+        </p:nvSpPr>
+        <p:spPr/>
+        <p:txBody>
+          <a:bodyPr>
+            <a:normAutofit/>
+          </a:bodyPr>
+          <a:lstStyle/>
+          <a:p>
+            <a:r>
+              <a:rPr lang="en-US" altLang="ja-JP" sz="2400" dirty="0"/>
+              <a:t>We compare the computation time and the quality of assignment.</a:t>
+            </a:r>
+          </a:p>
+          <a:p>
+            <a:r>
+              <a:rPr lang="en-US" altLang="ja-JP" sz="2400" dirty="0"/>
+              <a:t>For 1</a:t>
+            </a:r>
+            <a:r>
+              <a:rPr lang="en-US" altLang="ja-JP" sz="2400" baseline="30000" dirty="0"/>
+              <a:t>st</a:t>
+            </a:r>
+            <a:r>
+              <a:rPr lang="en-US" altLang="ja-JP" sz="2400" dirty="0"/>
+              <a:t> model,</a:t>
+            </a:r>
+            <a:r>
+              <a:rPr lang="en" altLang="ja-JP" sz="2400" dirty="0"/>
+              <a:t> we show the values of the solution after         1 hour and after 24 hours</a:t>
+            </a:r>
+          </a:p>
+          <a:p>
+            <a:r>
+              <a:rPr lang="en" altLang="ja-JP" sz="2400" dirty="0"/>
+              <a:t>For 2</a:t>
+            </a:r>
+            <a:r>
+              <a:rPr lang="en" altLang="ja-JP" sz="2400" baseline="30000" dirty="0"/>
+              <a:t>nd</a:t>
+            </a:r>
+            <a:r>
+              <a:rPr lang="en" altLang="ja-JP" sz="2400" dirty="0"/>
+              <a:t> model, we show the value of the solution and the computation time to finish the local search</a:t>
+            </a:r>
+            <a:r>
+              <a:rPr lang="en-US" altLang="ja-JP" sz="2400" dirty="0"/>
+              <a:t>. </a:t>
+            </a:r>
+          </a:p>
+        </p:txBody>
+      </p:sp>
+    </p:spTree>
+    <p:extLst>
+      <p:ext uri="{BB962C8B-B14F-4D97-AF65-F5344CB8AC3E}">
+        <p14:creationId xmlns:p14="http://schemas.microsoft.com/office/powerpoint/2010/main" val="4216551076"/>
+      </p:ext>
+    </p:extLst>
+  </p:cSld>
+  <p:clrMapOvr>
+    <a:masterClrMapping/>
+  </p:clrMapOvr>
+</p:sld>
+</file>
+
+<file path=ppt/slides/slide65.xml><?xml version="1.0" encoding="utf-8"?>
 <p:sld xmlns:a="http://schemas.openxmlformats.org/drawingml/2006/main" xmlns:r="http://schemas.openxmlformats.org/officeDocument/2006/relationships" xmlns:p="http://schemas.openxmlformats.org/presentationml/2006/main" show="0">
   <p:cSld>
     <p:spTree>
@@ -29704,7 +30327,7 @@
 </p:sld>
 </file>
 
-<file path=ppt/slides/slide63.xml><?xml version="1.0" encoding="utf-8"?>
+<file path=ppt/slides/slide66.xml><?xml version="1.0" encoding="utf-8"?>
 <p:sld xmlns:a="http://schemas.openxmlformats.org/drawingml/2006/main" xmlns:r="http://schemas.openxmlformats.org/officeDocument/2006/relationships" xmlns:p="http://schemas.openxmlformats.org/presentationml/2006/main">
   <p:cSld>
     <p:spTree>
@@ -29785,12 +30408,6 @@
             </a:r>
           </a:p>
           <a:p>
-            <a:r>
-              <a:rPr lang="en" altLang="ja-JP" sz="2400" dirty="0"/>
-              <a:t>For some instances that actually exist, we couldn’t find feasible solution.</a:t>
-            </a:r>
-          </a:p>
-          <a:p>
             <a:endParaRPr lang="en" altLang="ja-JP" sz="2400" dirty="0"/>
           </a:p>
           <a:p>
@@ -29814,7 +30431,7 @@
 </p:sld>
 </file>
 
-<file path=ppt/slides/slide64.xml><?xml version="1.0" encoding="utf-8"?>
+<file path=ppt/slides/slide67.xml><?xml version="1.0" encoding="utf-8"?>
 <p:sld xmlns:a="http://schemas.openxmlformats.org/drawingml/2006/main" xmlns:r="http://schemas.openxmlformats.org/officeDocument/2006/relationships" xmlns:p="http://schemas.openxmlformats.org/presentationml/2006/main">
   <p:cSld>
     <p:spTree>
@@ -29924,21 +30541,6 @@
             </a:r>
           </a:p>
           <a:p>
-            <a:pPr lvl="1"/>
-            <a:r>
-              <a:rPr lang="en" altLang="ja-JP" sz="2200" dirty="0"/>
-              <a:t>For some instances, we couldn’t find feasible solution even with 2</a:t>
-            </a:r>
-            <a:r>
-              <a:rPr lang="en" altLang="ja-JP" sz="2200" baseline="30000" dirty="0"/>
-              <a:t>nd</a:t>
-            </a:r>
-            <a:r>
-              <a:rPr lang="en" altLang="ja-JP" sz="2200" dirty="0"/>
-              <a:t> model.  </a:t>
-            </a:r>
-          </a:p>
-          <a:p>
             <a:r>
               <a:rPr lang="en" altLang="ja-JP" sz="2600" dirty="0"/>
               <a:t>Future work</a:t>
@@ -29947,12 +30549,12 @@
           <a:p>
             <a:pPr lvl="1"/>
             <a:r>
-              <a:rPr lang="en" altLang="ja-JP" sz="2400" dirty="0"/>
-              <a:t>Proposing a different approach t</a:t>
-            </a:r>
-            <a:r>
               <a:rPr lang="en-US" altLang="ja-JP" sz="2400" dirty="0"/>
-              <a:t>o create better initial solution</a:t>
+              <a:t>Finishing implementing an approach to use MIP solution to create </a:t>
+            </a:r>
+            <a:r>
+              <a:rPr lang="en-US" altLang="ja-JP" sz="2400"/>
+              <a:t>initial solution</a:t>
             </a:r>
             <a:endParaRPr lang="en" altLang="ja-JP" sz="2400" dirty="0"/>
           </a:p>

--- a/竹田_修論発表.pptx
+++ b/竹田_修論発表.pptx
@@ -69,9 +69,10 @@
     <p:sldId id="617" r:id="rId63"/>
     <p:sldId id="609" r:id="rId64"/>
     <p:sldId id="578" r:id="rId65"/>
-    <p:sldId id="582" r:id="rId66"/>
-    <p:sldId id="583" r:id="rId67"/>
-    <p:sldId id="561" r:id="rId68"/>
+    <p:sldId id="621" r:id="rId66"/>
+    <p:sldId id="582" r:id="rId67"/>
+    <p:sldId id="583" r:id="rId68"/>
+    <p:sldId id="561" r:id="rId69"/>
   </p:sldIdLst>
   <p:sldSz cx="12192000" cy="6858000"/>
   <p:notesSz cx="6858000" cy="9144000"/>
@@ -28175,7 +28176,7 @@
           <a:p>
             <a:r>
               <a:rPr lang="en-US" altLang="ja-JP" sz="2400" dirty="0"/>
-              <a:t>I haven’t finished implementing yet </a:t>
+              <a:t>I haven’t finished implementing yet…</a:t>
             </a:r>
           </a:p>
         </p:txBody>
@@ -28255,7 +28256,7 @@
             <p:ph idx="1"/>
             <p:extLst>
               <p:ext uri="{D42A27DB-BD31-4B8C-83A1-F6EECF244321}">
-                <p14:modId xmlns:p14="http://schemas.microsoft.com/office/powerpoint/2010/main" val="1468100152"/>
+                <p14:modId xmlns:p14="http://schemas.microsoft.com/office/powerpoint/2010/main" val="2926937982"/>
               </p:ext>
             </p:extLst>
           </p:nvPr>
@@ -28605,6 +28606,858 @@
                     <a:bodyPr/>
                     <a:lstStyle/>
                     <a:p>
+                      <a:pPr algn="ctr"/>
+                      <a:r>
+                        <a:rPr kumimoji="1" lang="en-US" altLang="ja-JP" sz="2000" dirty="0"/>
+                        <a:t>-2975</a:t>
+                      </a:r>
+                      <a:endParaRPr kumimoji="1" lang="ja-JP" altLang="en-US" sz="2000"/>
+                    </a:p>
+                  </a:txBody>
+                  <a:tcPr/>
+                </a:tc>
+                <a:tc>
+                  <a:txBody>
+                    <a:bodyPr/>
+                    <a:lstStyle/>
+                    <a:p>
+                      <a:pPr algn="ctr"/>
+                      <a:r>
+                        <a:rPr kumimoji="1" lang="en-US" altLang="ja-JP" sz="2000" dirty="0"/>
+                        <a:t>873</a:t>
+                      </a:r>
+                      <a:endParaRPr kumimoji="1" lang="ja-JP" altLang="en-US" sz="2000"/>
+                    </a:p>
+                  </a:txBody>
+                  <a:tcPr/>
+                </a:tc>
+                <a:tc>
+                  <a:txBody>
+                    <a:bodyPr/>
+                    <a:lstStyle/>
+                    <a:p>
+                      <a:pPr algn="ctr"/>
+                      <a:endParaRPr kumimoji="1" lang="ja-JP" altLang="en-US" sz="2000"/>
+                    </a:p>
+                  </a:txBody>
+                  <a:tcPr/>
+                </a:tc>
+                <a:tc>
+                  <a:txBody>
+                    <a:bodyPr/>
+                    <a:lstStyle/>
+                    <a:p>
+                      <a:pPr algn="ctr"/>
+                      <a:endParaRPr kumimoji="1" lang="ja-JP" altLang="en-US" sz="2000"/>
+                    </a:p>
+                  </a:txBody>
+                  <a:tcPr/>
+                </a:tc>
+                <a:extLst>
+                  <a:ext uri="{0D108BD9-81ED-4DB2-BD59-A6C34878D82A}">
+                    <a16:rowId xmlns:a16="http://schemas.microsoft.com/office/drawing/2014/main" val="2690316513"/>
+                  </a:ext>
+                </a:extLst>
+              </a:tr>
+              <a:tr h="463467">
+                <a:tc>
+                  <a:txBody>
+                    <a:bodyPr/>
+                    <a:lstStyle/>
+                    <a:p>
+                      <a:pPr algn="ctr"/>
+                      <a:r>
+                        <a:rPr kumimoji="1" lang="en-US" altLang="ja-JP" sz="2000" dirty="0"/>
+                        <a:t>109-2-5</a:t>
+                      </a:r>
+                      <a:endParaRPr kumimoji="1" lang="ja-JP" altLang="en-US" sz="2000"/>
+                    </a:p>
+                  </a:txBody>
+                  <a:tcPr/>
+                </a:tc>
+                <a:tc>
+                  <a:txBody>
+                    <a:bodyPr/>
+                    <a:lstStyle/>
+                    <a:p>
+                      <a:pPr algn="ctr"/>
+                      <a:r>
+                        <a:rPr kumimoji="1" lang="en-US" altLang="ja-JP" sz="2000" dirty="0"/>
+                        <a:t>-1167</a:t>
+                      </a:r>
+                      <a:endParaRPr kumimoji="1" lang="ja-JP" altLang="en-US" sz="2000"/>
+                    </a:p>
+                  </a:txBody>
+                  <a:tcPr/>
+                </a:tc>
+                <a:tc>
+                  <a:txBody>
+                    <a:bodyPr/>
+                    <a:lstStyle/>
+                    <a:p>
+                      <a:pPr algn="ctr"/>
+                      <a:r>
+                        <a:rPr kumimoji="1" lang="en-US" altLang="ja-JP" sz="2000" dirty="0"/>
+                        <a:t>938</a:t>
+                      </a:r>
+                      <a:endParaRPr kumimoji="1" lang="ja-JP" altLang="en-US" sz="2000"/>
+                    </a:p>
+                  </a:txBody>
+                  <a:tcPr/>
+                </a:tc>
+                <a:tc>
+                  <a:txBody>
+                    <a:bodyPr/>
+                    <a:lstStyle/>
+                    <a:p>
+                      <a:pPr algn="ctr"/>
+                      <a:endParaRPr kumimoji="1" lang="ja-JP" altLang="en-US" sz="2000"/>
+                    </a:p>
+                  </a:txBody>
+                  <a:tcPr/>
+                </a:tc>
+                <a:tc>
+                  <a:txBody>
+                    <a:bodyPr/>
+                    <a:lstStyle/>
+                    <a:p>
+                      <a:pPr algn="ctr"/>
+                      <a:endParaRPr kumimoji="1" lang="ja-JP" altLang="en-US" sz="2000"/>
+                    </a:p>
+                  </a:txBody>
+                  <a:tcPr/>
+                </a:tc>
+                <a:extLst>
+                  <a:ext uri="{0D108BD9-81ED-4DB2-BD59-A6C34878D82A}">
+                    <a16:rowId xmlns:a16="http://schemas.microsoft.com/office/drawing/2014/main" val="323683789"/>
+                  </a:ext>
+                </a:extLst>
+              </a:tr>
+              <a:tr h="463467">
+                <a:tc>
+                  <a:txBody>
+                    <a:bodyPr/>
+                    <a:lstStyle/>
+                    <a:p>
+                      <a:pPr algn="ctr"/>
+                      <a:r>
+                        <a:rPr kumimoji="1" lang="en-US" altLang="ja-JP" sz="2000" dirty="0"/>
+                        <a:t>109-4-3</a:t>
+                      </a:r>
+                      <a:endParaRPr kumimoji="1" lang="ja-JP" altLang="en-US" sz="2000"/>
+                    </a:p>
+                  </a:txBody>
+                  <a:tcPr/>
+                </a:tc>
+                <a:tc>
+                  <a:txBody>
+                    <a:bodyPr/>
+                    <a:lstStyle/>
+                    <a:p>
+                      <a:pPr algn="ctr"/>
+                      <a:r>
+                        <a:rPr kumimoji="1" lang="en-US" altLang="ja-JP" sz="2000" dirty="0"/>
+                        <a:t>-1378</a:t>
+                      </a:r>
+                      <a:endParaRPr kumimoji="1" lang="ja-JP" altLang="en-US" sz="2000"/>
+                    </a:p>
+                  </a:txBody>
+                  <a:tcPr/>
+                </a:tc>
+                <a:tc>
+                  <a:txBody>
+                    <a:bodyPr/>
+                    <a:lstStyle/>
+                    <a:p>
+                      <a:pPr algn="ctr"/>
+                      <a:r>
+                        <a:rPr kumimoji="1" lang="en-US" altLang="ja-JP" sz="2000" dirty="0"/>
+                        <a:t>728</a:t>
+                      </a:r>
+                      <a:endParaRPr kumimoji="1" lang="ja-JP" altLang="en-US" sz="2000"/>
+                    </a:p>
+                  </a:txBody>
+                  <a:tcPr/>
+                </a:tc>
+                <a:tc>
+                  <a:txBody>
+                    <a:bodyPr/>
+                    <a:lstStyle/>
+                    <a:p>
+                      <a:pPr algn="ctr"/>
+                      <a:endParaRPr kumimoji="1" lang="ja-JP" altLang="en-US" sz="2000"/>
+                    </a:p>
+                  </a:txBody>
+                  <a:tcPr/>
+                </a:tc>
+                <a:tc>
+                  <a:txBody>
+                    <a:bodyPr/>
+                    <a:lstStyle/>
+                    <a:p>
+                      <a:pPr algn="ctr"/>
+                      <a:endParaRPr kumimoji="1" lang="ja-JP" altLang="en-US" sz="2000"/>
+                    </a:p>
+                  </a:txBody>
+                  <a:tcPr/>
+                </a:tc>
+                <a:extLst>
+                  <a:ext uri="{0D108BD9-81ED-4DB2-BD59-A6C34878D82A}">
+                    <a16:rowId xmlns:a16="http://schemas.microsoft.com/office/drawing/2014/main" val="1536353699"/>
+                  </a:ext>
+                </a:extLst>
+              </a:tr>
+              <a:tr h="463467">
+                <a:tc>
+                  <a:txBody>
+                    <a:bodyPr/>
+                    <a:lstStyle/>
+                    <a:p>
+                      <a:pPr algn="ctr"/>
+                      <a:r>
+                        <a:rPr kumimoji="1" lang="en-US" altLang="ja-JP" sz="2000" dirty="0"/>
+                        <a:t>250-2-3</a:t>
+                      </a:r>
+                      <a:endParaRPr kumimoji="1" lang="ja-JP" altLang="en-US" sz="2000"/>
+                    </a:p>
+                  </a:txBody>
+                  <a:tcPr/>
+                </a:tc>
+                <a:tc>
+                  <a:txBody>
+                    <a:bodyPr/>
+                    <a:lstStyle/>
+                    <a:p>
+                      <a:pPr algn="ctr"/>
+                      <a:r>
+                        <a:rPr kumimoji="1" lang="en-US" altLang="ja-JP" sz="2000" dirty="0"/>
+                        <a:t>-2235</a:t>
+                      </a:r>
+                      <a:endParaRPr kumimoji="1" lang="ja-JP" altLang="en-US" sz="2000"/>
+                    </a:p>
+                  </a:txBody>
+                  <a:tcPr/>
+                </a:tc>
+                <a:tc>
+                  <a:txBody>
+                    <a:bodyPr/>
+                    <a:lstStyle/>
+                    <a:p>
+                      <a:pPr algn="ctr"/>
+                      <a:r>
+                        <a:rPr kumimoji="1" lang="en-US" altLang="ja-JP" sz="2000" dirty="0"/>
+                        <a:t>3069</a:t>
+                      </a:r>
+                      <a:endParaRPr kumimoji="1" lang="ja-JP" altLang="en-US" sz="2000"/>
+                    </a:p>
+                  </a:txBody>
+                  <a:tcPr/>
+                </a:tc>
+                <a:tc>
+                  <a:txBody>
+                    <a:bodyPr/>
+                    <a:lstStyle/>
+                    <a:p>
+                      <a:pPr algn="ctr"/>
+                      <a:endParaRPr kumimoji="1" lang="ja-JP" altLang="en-US" sz="2000"/>
+                    </a:p>
+                  </a:txBody>
+                  <a:tcPr/>
+                </a:tc>
+                <a:tc>
+                  <a:txBody>
+                    <a:bodyPr/>
+                    <a:lstStyle/>
+                    <a:p>
+                      <a:pPr algn="ctr"/>
+                      <a:endParaRPr kumimoji="1" lang="ja-JP" altLang="en-US" sz="2000"/>
+                    </a:p>
+                  </a:txBody>
+                  <a:tcPr/>
+                </a:tc>
+                <a:extLst>
+                  <a:ext uri="{0D108BD9-81ED-4DB2-BD59-A6C34878D82A}">
+                    <a16:rowId xmlns:a16="http://schemas.microsoft.com/office/drawing/2014/main" val="342577522"/>
+                  </a:ext>
+                </a:extLst>
+              </a:tr>
+            </a:tbl>
+          </a:graphicData>
+        </a:graphic>
+      </p:graphicFrame>
+      <p:sp>
+        <p:nvSpPr>
+          <p:cNvPr id="3" name="テキスト ボックス 2">
+            <a:extLst>
+              <a:ext uri="{FF2B5EF4-FFF2-40B4-BE49-F238E27FC236}">
+                <a16:creationId xmlns:a16="http://schemas.microsoft.com/office/drawing/2014/main" id="{2D6CFA20-D0C8-B54F-A0A1-5CA5B478D634}"/>
+              </a:ext>
+            </a:extLst>
+          </p:cNvPr>
+          <p:cNvSpPr txBox="1"/>
+          <p:nvPr/>
+        </p:nvSpPr>
+        <p:spPr>
+          <a:xfrm>
+            <a:off x="2487705" y="5728447"/>
+            <a:ext cx="7992573" cy="646331"/>
+          </a:xfrm>
+          <a:prstGeom prst="rect">
+            <a:avLst/>
+          </a:prstGeom>
+          <a:noFill/>
+        </p:spPr>
+        <p:txBody>
+          <a:bodyPr wrap="square" rtlCol="0">
+            <a:spAutoFit/>
+          </a:bodyPr>
+          <a:lstStyle/>
+          <a:p>
+            <a:r>
+              <a:rPr kumimoji="1" lang="en-US" altLang="ja-JP" dirty="0"/>
+              <a:t>Instance name:</a:t>
+            </a:r>
+          </a:p>
+          <a:p>
+            <a:r>
+              <a:rPr kumimoji="1" lang="en-US" altLang="ja-JP" dirty="0"/>
+              <a:t>number of orders- number of loading port- number of unloading port</a:t>
+            </a:r>
+            <a:endParaRPr kumimoji="1" lang="ja-JP" altLang="en-US"/>
+          </a:p>
+        </p:txBody>
+      </p:sp>
+    </p:spTree>
+    <p:extLst>
+      <p:ext uri="{BB962C8B-B14F-4D97-AF65-F5344CB8AC3E}">
+        <p14:creationId xmlns:p14="http://schemas.microsoft.com/office/powerpoint/2010/main" val="263636035"/>
+      </p:ext>
+    </p:extLst>
+  </p:cSld>
+  <p:clrMapOvr>
+    <a:masterClrMapping/>
+  </p:clrMapOvr>
+</p:sld>
+</file>
+
+<file path=ppt/slides/slide64.xml><?xml version="1.0" encoding="utf-8"?>
+<p:sld xmlns:a="http://schemas.openxmlformats.org/drawingml/2006/main" xmlns:r="http://schemas.openxmlformats.org/officeDocument/2006/relationships" xmlns:p="http://schemas.openxmlformats.org/presentationml/2006/main">
+  <p:cSld>
+    <p:spTree>
+      <p:nvGrpSpPr>
+        <p:cNvPr id="1" name=""/>
+        <p:cNvGrpSpPr/>
+        <p:nvPr/>
+      </p:nvGrpSpPr>
+      <p:grpSpPr>
+        <a:xfrm>
+          <a:off x="0" y="0"/>
+          <a:ext cx="0" cy="0"/>
+          <a:chOff x="0" y="0"/>
+          <a:chExt cx="0" cy="0"/>
+        </a:xfrm>
+      </p:grpSpPr>
+      <p:sp>
+        <p:nvSpPr>
+          <p:cNvPr id="2" name="タイトル 1">
+            <a:extLst>
+              <a:ext uri="{FF2B5EF4-FFF2-40B4-BE49-F238E27FC236}">
+                <a16:creationId xmlns:a16="http://schemas.microsoft.com/office/drawing/2014/main" id="{FEEFE181-A7D0-7146-B49E-65AC407C9C2B}"/>
+              </a:ext>
+            </a:extLst>
+          </p:cNvPr>
+          <p:cNvSpPr>
+            <a:spLocks noGrp="1"/>
+          </p:cNvSpPr>
+          <p:nvPr>
+            <p:ph type="title"/>
+          </p:nvPr>
+        </p:nvSpPr>
+        <p:spPr/>
+        <p:txBody>
+          <a:bodyPr/>
+          <a:lstStyle/>
+          <a:p>
+            <a:r>
+              <a:rPr lang="en-US" altLang="ja-JP" dirty="0"/>
+              <a:t>Computational experiment</a:t>
+            </a:r>
+            <a:endParaRPr kumimoji="1" lang="ja-JP" altLang="en-US"/>
+          </a:p>
+        </p:txBody>
+      </p:sp>
+      <p:sp>
+        <p:nvSpPr>
+          <p:cNvPr id="3" name="コンテンツ プレースホルダー 2">
+            <a:extLst>
+              <a:ext uri="{FF2B5EF4-FFF2-40B4-BE49-F238E27FC236}">
+                <a16:creationId xmlns:a16="http://schemas.microsoft.com/office/drawing/2014/main" id="{F34D1FFA-7F21-1B4A-B2CC-C1C3F36A6C10}"/>
+              </a:ext>
+            </a:extLst>
+          </p:cNvPr>
+          <p:cNvSpPr>
+            <a:spLocks noGrp="1"/>
+          </p:cNvSpPr>
+          <p:nvPr>
+            <p:ph idx="1"/>
+          </p:nvPr>
+        </p:nvSpPr>
+        <p:spPr/>
+        <p:txBody>
+          <a:bodyPr>
+            <a:normAutofit/>
+          </a:bodyPr>
+          <a:lstStyle/>
+          <a:p>
+            <a:r>
+              <a:rPr lang="en-US" altLang="ja-JP" sz="2400" dirty="0"/>
+              <a:t>We compare the computation time and the quality of assignment.</a:t>
+            </a:r>
+          </a:p>
+          <a:p>
+            <a:r>
+              <a:rPr lang="en-US" altLang="ja-JP" sz="2400" dirty="0"/>
+              <a:t>For 1</a:t>
+            </a:r>
+            <a:r>
+              <a:rPr lang="en-US" altLang="ja-JP" sz="2400" baseline="30000" dirty="0"/>
+              <a:t>st</a:t>
+            </a:r>
+            <a:r>
+              <a:rPr lang="en-US" altLang="ja-JP" sz="2400" dirty="0"/>
+              <a:t> model,</a:t>
+            </a:r>
+            <a:r>
+              <a:rPr lang="en" altLang="ja-JP" sz="2400" dirty="0"/>
+              <a:t> we show the values of the solution after         1 hour and after 24 hours</a:t>
+            </a:r>
+          </a:p>
+          <a:p>
+            <a:r>
+              <a:rPr lang="en" altLang="ja-JP" sz="2400" dirty="0"/>
+              <a:t>For 2</a:t>
+            </a:r>
+            <a:r>
+              <a:rPr lang="en" altLang="ja-JP" sz="2400" baseline="30000" dirty="0"/>
+              <a:t>nd</a:t>
+            </a:r>
+            <a:r>
+              <a:rPr lang="en" altLang="ja-JP" sz="2400" dirty="0"/>
+              <a:t> model, we show the value of the solution and the computation time to finish the local search</a:t>
+            </a:r>
+            <a:r>
+              <a:rPr lang="en-US" altLang="ja-JP" sz="2400" dirty="0"/>
+              <a:t>. </a:t>
+            </a:r>
+          </a:p>
+        </p:txBody>
+      </p:sp>
+    </p:spTree>
+    <p:extLst>
+      <p:ext uri="{BB962C8B-B14F-4D97-AF65-F5344CB8AC3E}">
+        <p14:creationId xmlns:p14="http://schemas.microsoft.com/office/powerpoint/2010/main" val="4216551076"/>
+      </p:ext>
+    </p:extLst>
+  </p:cSld>
+  <p:clrMapOvr>
+    <a:masterClrMapping/>
+  </p:clrMapOvr>
+</p:sld>
+</file>
+
+<file path=ppt/slides/slide65.xml><?xml version="1.0" encoding="utf-8"?>
+<p:sld xmlns:a="http://schemas.openxmlformats.org/drawingml/2006/main" xmlns:r="http://schemas.openxmlformats.org/officeDocument/2006/relationships" xmlns:p="http://schemas.openxmlformats.org/presentationml/2006/main">
+  <p:cSld>
+    <p:spTree>
+      <p:nvGrpSpPr>
+        <p:cNvPr id="1" name=""/>
+        <p:cNvGrpSpPr/>
+        <p:nvPr/>
+      </p:nvGrpSpPr>
+      <p:grpSpPr>
+        <a:xfrm>
+          <a:off x="0" y="0"/>
+          <a:ext cx="0" cy="0"/>
+          <a:chOff x="0" y="0"/>
+          <a:chExt cx="0" cy="0"/>
+        </a:xfrm>
+      </p:grpSpPr>
+      <p:sp>
+        <p:nvSpPr>
+          <p:cNvPr id="2" name="タイトル 1">
+            <a:extLst>
+              <a:ext uri="{FF2B5EF4-FFF2-40B4-BE49-F238E27FC236}">
+                <a16:creationId xmlns:a16="http://schemas.microsoft.com/office/drawing/2014/main" id="{0F3E9755-7D4C-E140-A34C-76DD3CC7C081}"/>
+              </a:ext>
+            </a:extLst>
+          </p:cNvPr>
+          <p:cNvSpPr>
+            <a:spLocks noGrp="1"/>
+          </p:cNvSpPr>
+          <p:nvPr>
+            <p:ph type="title"/>
+          </p:nvPr>
+        </p:nvSpPr>
+        <p:spPr/>
+        <p:txBody>
+          <a:bodyPr/>
+          <a:lstStyle/>
+          <a:p>
+            <a:r>
+              <a:rPr lang="en-US" altLang="ja-JP" dirty="0"/>
+              <a:t>Comparison by initial solution</a:t>
+            </a:r>
+            <a:endParaRPr kumimoji="1" lang="ja-JP" altLang="en-US"/>
+          </a:p>
+        </p:txBody>
+      </p:sp>
+      <p:graphicFrame>
+        <p:nvGraphicFramePr>
+          <p:cNvPr id="4" name="コンテンツ プレースホルダー 3">
+            <a:extLst>
+              <a:ext uri="{FF2B5EF4-FFF2-40B4-BE49-F238E27FC236}">
+                <a16:creationId xmlns:a16="http://schemas.microsoft.com/office/drawing/2014/main" id="{A43B9D2D-517B-CB46-A337-956322EC2B9A}"/>
+              </a:ext>
+            </a:extLst>
+          </p:cNvPr>
+          <p:cNvGraphicFramePr>
+            <a:graphicFrameLocks noGrp="1"/>
+          </p:cNvGraphicFramePr>
+          <p:nvPr>
+            <p:ph idx="1"/>
+            <p:extLst>
+              <p:ext uri="{D42A27DB-BD31-4B8C-83A1-F6EECF244321}">
+                <p14:modId xmlns:p14="http://schemas.microsoft.com/office/powerpoint/2010/main" val="2198973425"/>
+              </p:ext>
+            </p:extLst>
+          </p:nvPr>
+        </p:nvGraphicFramePr>
+        <p:xfrm>
+          <a:off x="2592925" y="1636058"/>
+          <a:ext cx="7887354" cy="3801003"/>
+        </p:xfrm>
+        <a:graphic>
+          <a:graphicData uri="http://schemas.openxmlformats.org/drawingml/2006/table">
+            <a:tbl>
+              <a:tblPr firstRow="1" bandRow="1">
+                <a:tableStyleId>{5C22544A-7EE6-4342-B048-85BDC9FD1C3A}</a:tableStyleId>
+              </a:tblPr>
+              <a:tblGrid>
+                <a:gridCol w="1425389">
+                  <a:extLst>
+                    <a:ext uri="{9D8B030D-6E8A-4147-A177-3AD203B41FA5}">
+                      <a16:colId xmlns:a16="http://schemas.microsoft.com/office/drawing/2014/main" val="3767232075"/>
+                    </a:ext>
+                  </a:extLst>
+                </a:gridCol>
+                <a:gridCol w="1347062">
+                  <a:extLst>
+                    <a:ext uri="{9D8B030D-6E8A-4147-A177-3AD203B41FA5}">
+                      <a16:colId xmlns:a16="http://schemas.microsoft.com/office/drawing/2014/main" val="275792739"/>
+                    </a:ext>
+                  </a:extLst>
+                </a:gridCol>
+                <a:gridCol w="1853338">
+                  <a:extLst>
+                    <a:ext uri="{9D8B030D-6E8A-4147-A177-3AD203B41FA5}">
+                      <a16:colId xmlns:a16="http://schemas.microsoft.com/office/drawing/2014/main" val="2550383071"/>
+                    </a:ext>
+                  </a:extLst>
+                </a:gridCol>
+                <a:gridCol w="1477679">
+                  <a:extLst>
+                    <a:ext uri="{9D8B030D-6E8A-4147-A177-3AD203B41FA5}">
+                      <a16:colId xmlns:a16="http://schemas.microsoft.com/office/drawing/2014/main" val="3694173054"/>
+                    </a:ext>
+                  </a:extLst>
+                </a:gridCol>
+                <a:gridCol w="1783886">
+                  <a:extLst>
+                    <a:ext uri="{9D8B030D-6E8A-4147-A177-3AD203B41FA5}">
+                      <a16:colId xmlns:a16="http://schemas.microsoft.com/office/drawing/2014/main" val="608630972"/>
+                    </a:ext>
+                  </a:extLst>
+                </a:gridCol>
+              </a:tblGrid>
+              <a:tr h="636495">
+                <a:tc>
+                  <a:txBody>
+                    <a:bodyPr/>
+                    <a:lstStyle/>
+                    <a:p>
+                      <a:pPr algn="ctr"/>
+                      <a:r>
+                        <a:rPr kumimoji="1" lang="en-US" altLang="ja-JP" sz="2000" dirty="0"/>
+                        <a:t>instance</a:t>
+                      </a:r>
+                      <a:endParaRPr kumimoji="1" lang="ja-JP" altLang="en-US" sz="2000"/>
+                    </a:p>
+                  </a:txBody>
+                  <a:tcPr/>
+                </a:tc>
+                <a:tc gridSpan="2">
+                  <a:txBody>
+                    <a:bodyPr/>
+                    <a:lstStyle/>
+                    <a:p>
+                      <a:pPr algn="ctr"/>
+                      <a:r>
+                        <a:rPr kumimoji="1" lang="en-US" altLang="ja-JP" sz="2000" dirty="0"/>
+                        <a:t>1</a:t>
+                      </a:r>
+                      <a:r>
+                        <a:rPr kumimoji="1" lang="en-US" altLang="ja-JP" sz="2000" baseline="30000" dirty="0"/>
+                        <a:t>st</a:t>
+                      </a:r>
+                      <a:r>
+                        <a:rPr kumimoji="1" lang="en-US" altLang="ja-JP" sz="2000" dirty="0"/>
+                        <a:t> model</a:t>
+                      </a:r>
+                      <a:endParaRPr kumimoji="1" lang="ja-JP" altLang="en-US" sz="2000"/>
+                    </a:p>
+                  </a:txBody>
+                  <a:tcPr/>
+                </a:tc>
+                <a:tc hMerge="1">
+                  <a:txBody>
+                    <a:bodyPr/>
+                    <a:lstStyle/>
+                    <a:p>
+                      <a:endParaRPr kumimoji="1" lang="ja-JP" altLang="en-US" sz="2000"/>
+                    </a:p>
+                  </a:txBody>
+                  <a:tcPr/>
+                </a:tc>
+                <a:tc gridSpan="2">
+                  <a:txBody>
+                    <a:bodyPr/>
+                    <a:lstStyle/>
+                    <a:p>
+                      <a:pPr algn="ctr"/>
+                      <a:r>
+                        <a:rPr kumimoji="1" lang="en-US" altLang="ja-JP" sz="2000" dirty="0"/>
+                        <a:t>Our best approach</a:t>
+                      </a:r>
+                      <a:endParaRPr kumimoji="1" lang="ja-JP" altLang="en-US" sz="2000"/>
+                    </a:p>
+                  </a:txBody>
+                  <a:tcPr/>
+                </a:tc>
+                <a:tc hMerge="1">
+                  <a:txBody>
+                    <a:bodyPr/>
+                    <a:lstStyle/>
+                    <a:p>
+                      <a:pPr marL="0" marR="0" lvl="0" indent="0" algn="l" defTabSz="457200" rtl="0" eaLnBrk="1" fontAlgn="auto" latinLnBrk="0" hangingPunct="1">
+                        <a:lnSpc>
+                          <a:spcPct val="100000"/>
+                        </a:lnSpc>
+                        <a:spcBef>
+                          <a:spcPts val="0"/>
+                        </a:spcBef>
+                        <a:spcAft>
+                          <a:spcPts val="0"/>
+                        </a:spcAft>
+                        <a:buClrTx/>
+                        <a:buSzTx/>
+                        <a:buFontTx/>
+                        <a:buNone/>
+                        <a:tabLst/>
+                        <a:defRPr/>
+                      </a:pPr>
+                      <a:endParaRPr kumimoji="1" lang="ja-JP" altLang="en-US" sz="1800"/>
+                    </a:p>
+                  </a:txBody>
+                  <a:tcPr/>
+                </a:tc>
+                <a:extLst>
+                  <a:ext uri="{0D108BD9-81ED-4DB2-BD59-A6C34878D82A}">
+                    <a16:rowId xmlns:a16="http://schemas.microsoft.com/office/drawing/2014/main" val="3982216832"/>
+                  </a:ext>
+                </a:extLst>
+              </a:tr>
+              <a:tr h="1075764">
+                <a:tc>
+                  <a:txBody>
+                    <a:bodyPr/>
+                    <a:lstStyle/>
+                    <a:p>
+                      <a:pPr algn="ctr"/>
+                      <a:endParaRPr kumimoji="1" lang="ja-JP" altLang="en-US" sz="2000"/>
+                    </a:p>
+                  </a:txBody>
+                  <a:tcPr/>
+                </a:tc>
+                <a:tc>
+                  <a:txBody>
+                    <a:bodyPr/>
+                    <a:lstStyle/>
+                    <a:p>
+                      <a:pPr algn="ctr"/>
+                      <a:r>
+                        <a:rPr kumimoji="1" lang="en-US" altLang="ja-JP" sz="2000" dirty="0"/>
+                        <a:t>Value after</a:t>
+                      </a:r>
+                    </a:p>
+                    <a:p>
+                      <a:pPr algn="ctr"/>
+                      <a:r>
+                        <a:rPr kumimoji="1" lang="en-US" altLang="ja-JP" sz="2000" dirty="0"/>
+                        <a:t>1h</a:t>
+                      </a:r>
+                    </a:p>
+                    <a:p>
+                      <a:pPr algn="ctr"/>
+                      <a:r>
+                        <a:rPr kumimoji="1" lang="en-US" altLang="ja-JP" sz="2000" dirty="0"/>
+                        <a:t>(3600s)</a:t>
+                      </a:r>
+                      <a:endParaRPr kumimoji="1" lang="ja-JP" altLang="en-US" sz="2000"/>
+                    </a:p>
+                  </a:txBody>
+                  <a:tcPr/>
+                </a:tc>
+                <a:tc>
+                  <a:txBody>
+                    <a:bodyPr/>
+                    <a:lstStyle/>
+                    <a:p>
+                      <a:pPr algn="ctr"/>
+                      <a:r>
+                        <a:rPr kumimoji="1" lang="en-US" altLang="ja-JP" sz="2000" dirty="0"/>
+                        <a:t>Value after </a:t>
+                      </a:r>
+                    </a:p>
+                    <a:p>
+                      <a:pPr algn="ctr"/>
+                      <a:r>
+                        <a:rPr kumimoji="1" lang="en-US" altLang="ja-JP" sz="2000" dirty="0"/>
+                        <a:t>24h</a:t>
+                      </a:r>
+                    </a:p>
+                    <a:p>
+                      <a:pPr algn="ctr"/>
+                      <a:r>
+                        <a:rPr kumimoji="1" lang="en-US" altLang="ja-JP" sz="2000" dirty="0"/>
+                        <a:t>(86400s)</a:t>
+                      </a:r>
+                      <a:endParaRPr kumimoji="1" lang="ja-JP" altLang="en-US" sz="2000"/>
+                    </a:p>
+                  </a:txBody>
+                  <a:tcPr/>
+                </a:tc>
+                <a:tc>
+                  <a:txBody>
+                    <a:bodyPr/>
+                    <a:lstStyle/>
+                    <a:p>
+                      <a:pPr marL="0" marR="0" lvl="0" indent="0" algn="ctr" defTabSz="457200" rtl="0" eaLnBrk="1" fontAlgn="auto" latinLnBrk="0" hangingPunct="1">
+                        <a:lnSpc>
+                          <a:spcPct val="100000"/>
+                        </a:lnSpc>
+                        <a:spcBef>
+                          <a:spcPts val="0"/>
+                        </a:spcBef>
+                        <a:spcAft>
+                          <a:spcPts val="0"/>
+                        </a:spcAft>
+                        <a:buClrTx/>
+                        <a:buSzTx/>
+                        <a:buFontTx/>
+                        <a:buNone/>
+                        <a:tabLst/>
+                        <a:defRPr/>
+                      </a:pPr>
+                      <a:r>
+                        <a:rPr kumimoji="1" lang="en" altLang="ja-JP" sz="2000" dirty="0"/>
+                        <a:t>Value</a:t>
+                      </a:r>
+                      <a:endParaRPr kumimoji="1" lang="ja-JP" altLang="en-US" sz="2000"/>
+                    </a:p>
+                  </a:txBody>
+                  <a:tcPr/>
+                </a:tc>
+                <a:tc>
+                  <a:txBody>
+                    <a:bodyPr/>
+                    <a:lstStyle/>
+                    <a:p>
+                      <a:pPr marL="0" marR="0" lvl="0" indent="0" algn="ctr" defTabSz="457200" rtl="0" eaLnBrk="1" fontAlgn="auto" latinLnBrk="0" hangingPunct="1">
+                        <a:lnSpc>
+                          <a:spcPct val="100000"/>
+                        </a:lnSpc>
+                        <a:spcBef>
+                          <a:spcPts val="0"/>
+                        </a:spcBef>
+                        <a:spcAft>
+                          <a:spcPts val="0"/>
+                        </a:spcAft>
+                        <a:buClrTx/>
+                        <a:buSzTx/>
+                        <a:buFontTx/>
+                        <a:buNone/>
+                        <a:tabLst/>
+                        <a:defRPr/>
+                      </a:pPr>
+                      <a:r>
+                        <a:rPr kumimoji="1" lang="en" altLang="ja-JP" sz="1800" dirty="0"/>
+                        <a:t>Computation time</a:t>
+                      </a:r>
+                    </a:p>
+                    <a:p>
+                      <a:pPr marL="0" marR="0" lvl="0" indent="0" algn="ctr" defTabSz="457200" rtl="0" eaLnBrk="1" fontAlgn="auto" latinLnBrk="0" hangingPunct="1">
+                        <a:lnSpc>
+                          <a:spcPct val="100000"/>
+                        </a:lnSpc>
+                        <a:spcBef>
+                          <a:spcPts val="0"/>
+                        </a:spcBef>
+                        <a:spcAft>
+                          <a:spcPts val="0"/>
+                        </a:spcAft>
+                        <a:buClrTx/>
+                        <a:buSzTx/>
+                        <a:buFontTx/>
+                        <a:buNone/>
+                        <a:tabLst/>
+                        <a:defRPr/>
+                      </a:pPr>
+                      <a:r>
+                        <a:rPr kumimoji="1" lang="en" altLang="ja-JP" sz="1800" dirty="0"/>
+                        <a:t>(seconds)</a:t>
+                      </a:r>
+                      <a:endParaRPr kumimoji="1" lang="ja-JP" altLang="en-US" sz="1800"/>
+                    </a:p>
+                  </a:txBody>
+                  <a:tcPr/>
+                </a:tc>
+                <a:extLst>
+                  <a:ext uri="{0D108BD9-81ED-4DB2-BD59-A6C34878D82A}">
+                    <a16:rowId xmlns:a16="http://schemas.microsoft.com/office/drawing/2014/main" val="3667031896"/>
+                  </a:ext>
+                </a:extLst>
+              </a:tr>
+              <a:tr h="463467">
+                <a:tc>
+                  <a:txBody>
+                    <a:bodyPr/>
+                    <a:lstStyle/>
+                    <a:p>
+                      <a:pPr algn="ctr"/>
+                      <a:r>
+                        <a:rPr kumimoji="1" lang="en-US" altLang="ja-JP" sz="2000" dirty="0"/>
+                        <a:t>109-2-3</a:t>
+                      </a:r>
+                      <a:endParaRPr kumimoji="1" lang="ja-JP" altLang="en-US" sz="2000"/>
+                    </a:p>
+                  </a:txBody>
+                  <a:tcPr/>
+                </a:tc>
+                <a:tc>
+                  <a:txBody>
+                    <a:bodyPr/>
+                    <a:lstStyle/>
+                    <a:p>
                       <a:pPr marL="0" marR="0" lvl="0" indent="0" algn="ctr" defTabSz="457200" rtl="0" eaLnBrk="1" fontAlgn="auto" latinLnBrk="0" hangingPunct="1">
                         <a:lnSpc>
                           <a:spcPct val="100000"/>
@@ -28671,10 +29524,6 @@
                     <a:lstStyle/>
                     <a:p>
                       <a:pPr algn="ctr"/>
-                      <a:r>
-                        <a:rPr kumimoji="1" lang="en-US" altLang="ja-JP" sz="2000" dirty="0"/>
-                        <a:t>-2975</a:t>
-                      </a:r>
                       <a:endParaRPr kumimoji="1" lang="ja-JP" altLang="en-US" sz="2000"/>
                     </a:p>
                   </a:txBody>
@@ -28686,10 +29535,6 @@
                     <a:lstStyle/>
                     <a:p>
                       <a:pPr algn="ctr"/>
-                      <a:r>
-                        <a:rPr kumimoji="1" lang="en-US" altLang="ja-JP" sz="2000" dirty="0"/>
-                        <a:t>873</a:t>
-                      </a:r>
                       <a:endParaRPr kumimoji="1" lang="ja-JP" altLang="en-US" sz="2000"/>
                     </a:p>
                   </a:txBody>
@@ -28753,10 +29598,6 @@
                     <a:lstStyle/>
                     <a:p>
                       <a:pPr algn="ctr"/>
-                      <a:r>
-                        <a:rPr kumimoji="1" lang="en-US" altLang="ja-JP" sz="2000" dirty="0"/>
-                        <a:t>-1167</a:t>
-                      </a:r>
                       <a:endParaRPr kumimoji="1" lang="ja-JP" altLang="en-US" sz="2000"/>
                     </a:p>
                   </a:txBody>
@@ -28768,10 +29609,6 @@
                     <a:lstStyle/>
                     <a:p>
                       <a:pPr algn="ctr"/>
-                      <a:r>
-                        <a:rPr kumimoji="1" lang="en-US" altLang="ja-JP" sz="2000" dirty="0"/>
-                        <a:t>938</a:t>
-                      </a:r>
                       <a:endParaRPr kumimoji="1" lang="ja-JP" altLang="en-US" sz="2000"/>
                     </a:p>
                   </a:txBody>
@@ -28835,10 +29672,6 @@
                     <a:lstStyle/>
                     <a:p>
                       <a:pPr algn="ctr"/>
-                      <a:r>
-                        <a:rPr kumimoji="1" lang="en-US" altLang="ja-JP" sz="2000" dirty="0"/>
-                        <a:t>-1378</a:t>
-                      </a:r>
                       <a:endParaRPr kumimoji="1" lang="ja-JP" altLang="en-US" sz="2000"/>
                     </a:p>
                   </a:txBody>
@@ -28850,10 +29683,6 @@
                     <a:lstStyle/>
                     <a:p>
                       <a:pPr algn="ctr"/>
-                      <a:r>
-                        <a:rPr kumimoji="1" lang="en-US" altLang="ja-JP" sz="2000" dirty="0"/>
-                        <a:t>728</a:t>
-                      </a:r>
                       <a:endParaRPr kumimoji="1" lang="ja-JP" altLang="en-US" sz="2000"/>
                     </a:p>
                   </a:txBody>
@@ -28917,10 +29746,6 @@
                     <a:lstStyle/>
                     <a:p>
                       <a:pPr algn="ctr"/>
-                      <a:r>
-                        <a:rPr kumimoji="1" lang="en-US" altLang="ja-JP" sz="2000" dirty="0"/>
-                        <a:t>-2235</a:t>
-                      </a:r>
                       <a:endParaRPr kumimoji="1" lang="ja-JP" altLang="en-US" sz="2000"/>
                     </a:p>
                   </a:txBody>
@@ -28932,10 +29757,6 @@
                     <a:lstStyle/>
                     <a:p>
                       <a:pPr algn="ctr"/>
-                      <a:r>
-                        <a:rPr kumimoji="1" lang="en-US" altLang="ja-JP" sz="2000" dirty="0"/>
-                        <a:t>3069</a:t>
-                      </a:r>
                       <a:endParaRPr kumimoji="1" lang="ja-JP" altLang="en-US" sz="2000"/>
                     </a:p>
                   </a:txBody>
@@ -28987,7 +29808,7 @@
           <a:p>
             <a:r>
               <a:rPr kumimoji="1" lang="en-US" altLang="ja-JP" dirty="0"/>
-              <a:t>number of orders- number of loading port- number of unloading port</a:t>
+              <a:t>number of orders - number of loading port - number of unloading port</a:t>
             </a:r>
             <a:endParaRPr kumimoji="1" lang="ja-JP" altLang="en-US"/>
           </a:p>
@@ -28996,7 +29817,7 @@
     </p:spTree>
     <p:extLst>
       <p:ext uri="{BB962C8B-B14F-4D97-AF65-F5344CB8AC3E}">
-        <p14:creationId xmlns:p14="http://schemas.microsoft.com/office/powerpoint/2010/main" val="263636035"/>
+        <p14:creationId xmlns:p14="http://schemas.microsoft.com/office/powerpoint/2010/main" val="751328007"/>
       </p:ext>
     </p:extLst>
   </p:cSld>
@@ -29006,132 +29827,7 @@
 </p:sld>
 </file>
 
-<file path=ppt/slides/slide64.xml><?xml version="1.0" encoding="utf-8"?>
-<p:sld xmlns:a="http://schemas.openxmlformats.org/drawingml/2006/main" xmlns:r="http://schemas.openxmlformats.org/officeDocument/2006/relationships" xmlns:p="http://schemas.openxmlformats.org/presentationml/2006/main">
-  <p:cSld>
-    <p:spTree>
-      <p:nvGrpSpPr>
-        <p:cNvPr id="1" name=""/>
-        <p:cNvGrpSpPr/>
-        <p:nvPr/>
-      </p:nvGrpSpPr>
-      <p:grpSpPr>
-        <a:xfrm>
-          <a:off x="0" y="0"/>
-          <a:ext cx="0" cy="0"/>
-          <a:chOff x="0" y="0"/>
-          <a:chExt cx="0" cy="0"/>
-        </a:xfrm>
-      </p:grpSpPr>
-      <p:sp>
-        <p:nvSpPr>
-          <p:cNvPr id="2" name="タイトル 1">
-            <a:extLst>
-              <a:ext uri="{FF2B5EF4-FFF2-40B4-BE49-F238E27FC236}">
-                <a16:creationId xmlns:a16="http://schemas.microsoft.com/office/drawing/2014/main" id="{FEEFE181-A7D0-7146-B49E-65AC407C9C2B}"/>
-              </a:ext>
-            </a:extLst>
-          </p:cNvPr>
-          <p:cNvSpPr>
-            <a:spLocks noGrp="1"/>
-          </p:cNvSpPr>
-          <p:nvPr>
-            <p:ph type="title"/>
-          </p:nvPr>
-        </p:nvSpPr>
-        <p:spPr/>
-        <p:txBody>
-          <a:bodyPr/>
-          <a:lstStyle/>
-          <a:p>
-            <a:r>
-              <a:rPr lang="en-US" altLang="ja-JP" dirty="0"/>
-              <a:t>Computational experiment</a:t>
-            </a:r>
-            <a:endParaRPr kumimoji="1" lang="ja-JP" altLang="en-US"/>
-          </a:p>
-        </p:txBody>
-      </p:sp>
-      <p:sp>
-        <p:nvSpPr>
-          <p:cNvPr id="3" name="コンテンツ プレースホルダー 2">
-            <a:extLst>
-              <a:ext uri="{FF2B5EF4-FFF2-40B4-BE49-F238E27FC236}">
-                <a16:creationId xmlns:a16="http://schemas.microsoft.com/office/drawing/2014/main" id="{F34D1FFA-7F21-1B4A-B2CC-C1C3F36A6C10}"/>
-              </a:ext>
-            </a:extLst>
-          </p:cNvPr>
-          <p:cNvSpPr>
-            <a:spLocks noGrp="1"/>
-          </p:cNvSpPr>
-          <p:nvPr>
-            <p:ph idx="1"/>
-          </p:nvPr>
-        </p:nvSpPr>
-        <p:spPr/>
-        <p:txBody>
-          <a:bodyPr>
-            <a:normAutofit/>
-          </a:bodyPr>
-          <a:lstStyle/>
-          <a:p>
-            <a:r>
-              <a:rPr lang="en-US" altLang="ja-JP" sz="2400" dirty="0"/>
-              <a:t>We compare the computation time and the quality of assignment.</a:t>
-            </a:r>
-          </a:p>
-          <a:p>
-            <a:r>
-              <a:rPr lang="en-US" altLang="ja-JP" sz="2400" dirty="0"/>
-              <a:t>For 1</a:t>
-            </a:r>
-            <a:r>
-              <a:rPr lang="en-US" altLang="ja-JP" sz="2400" baseline="30000" dirty="0"/>
-              <a:t>st</a:t>
-            </a:r>
-            <a:r>
-              <a:rPr lang="en-US" altLang="ja-JP" sz="2400" dirty="0"/>
-              <a:t> model,</a:t>
-            </a:r>
-            <a:r>
-              <a:rPr lang="en" altLang="ja-JP" sz="2400" dirty="0"/>
-              <a:t> we show the values of the solution after         1 hour and after 24 hours</a:t>
-            </a:r>
-          </a:p>
-          <a:p>
-            <a:r>
-              <a:rPr lang="en" altLang="ja-JP" sz="2400" dirty="0"/>
-              <a:t>For 2</a:t>
-            </a:r>
-            <a:r>
-              <a:rPr lang="en" altLang="ja-JP" sz="2400" baseline="30000" dirty="0"/>
-              <a:t>nd</a:t>
-            </a:r>
-            <a:r>
-              <a:rPr lang="en" altLang="ja-JP" sz="2400" dirty="0"/>
-              <a:t> model, we show the value of the solution and the computation time to finish the local search</a:t>
-            </a:r>
-            <a:r>
-              <a:rPr lang="en-US" altLang="ja-JP" sz="2400" dirty="0"/>
-              <a:t>. </a:t>
-            </a:r>
-          </a:p>
-        </p:txBody>
-      </p:sp>
-    </p:spTree>
-    <p:extLst>
-      <p:ext uri="{BB962C8B-B14F-4D97-AF65-F5344CB8AC3E}">
-        <p14:creationId xmlns:p14="http://schemas.microsoft.com/office/powerpoint/2010/main" val="4216551076"/>
-      </p:ext>
-    </p:extLst>
-  </p:cSld>
-  <p:clrMapOvr>
-    <a:masterClrMapping/>
-  </p:clrMapOvr>
-</p:sld>
-</file>
-
-<file path=ppt/slides/slide65.xml><?xml version="1.0" encoding="utf-8"?>
+<file path=ppt/slides/slide66.xml><?xml version="1.0" encoding="utf-8"?>
 <p:sld xmlns:a="http://schemas.openxmlformats.org/drawingml/2006/main" xmlns:r="http://schemas.openxmlformats.org/officeDocument/2006/relationships" xmlns:p="http://schemas.openxmlformats.org/presentationml/2006/main" show="0">
   <p:cSld>
     <p:spTree>
@@ -30327,110 +31023,6 @@
 </p:sld>
 </file>
 
-<file path=ppt/slides/slide66.xml><?xml version="1.0" encoding="utf-8"?>
-<p:sld xmlns:a="http://schemas.openxmlformats.org/drawingml/2006/main" xmlns:r="http://schemas.openxmlformats.org/officeDocument/2006/relationships" xmlns:p="http://schemas.openxmlformats.org/presentationml/2006/main">
-  <p:cSld>
-    <p:spTree>
-      <p:nvGrpSpPr>
-        <p:cNvPr id="1" name=""/>
-        <p:cNvGrpSpPr/>
-        <p:nvPr/>
-      </p:nvGrpSpPr>
-      <p:grpSpPr>
-        <a:xfrm>
-          <a:off x="0" y="0"/>
-          <a:ext cx="0" cy="0"/>
-          <a:chOff x="0" y="0"/>
-          <a:chExt cx="0" cy="0"/>
-        </a:xfrm>
-      </p:grpSpPr>
-      <p:sp>
-        <p:nvSpPr>
-          <p:cNvPr id="2" name="タイトル 1">
-            <a:extLst>
-              <a:ext uri="{FF2B5EF4-FFF2-40B4-BE49-F238E27FC236}">
-                <a16:creationId xmlns:a16="http://schemas.microsoft.com/office/drawing/2014/main" id="{10C85110-0AEB-6C49-9AE3-DAAB21DFABB3}"/>
-              </a:ext>
-            </a:extLst>
-          </p:cNvPr>
-          <p:cNvSpPr>
-            <a:spLocks noGrp="1"/>
-          </p:cNvSpPr>
-          <p:nvPr>
-            <p:ph type="title"/>
-          </p:nvPr>
-        </p:nvSpPr>
-        <p:spPr/>
-        <p:txBody>
-          <a:bodyPr/>
-          <a:lstStyle/>
-          <a:p>
-            <a:r>
-              <a:rPr lang="en-US" altLang="ja-JP" dirty="0"/>
-              <a:t>Computational experiment</a:t>
-            </a:r>
-            <a:endParaRPr kumimoji="1" lang="ja-JP" altLang="en-US"/>
-          </a:p>
-        </p:txBody>
-      </p:sp>
-      <p:sp>
-        <p:nvSpPr>
-          <p:cNvPr id="3" name="コンテンツ プレースホルダー 2">
-            <a:extLst>
-              <a:ext uri="{FF2B5EF4-FFF2-40B4-BE49-F238E27FC236}">
-                <a16:creationId xmlns:a16="http://schemas.microsoft.com/office/drawing/2014/main" id="{48B29443-0E2E-9240-9158-A7C1DB7BC48D}"/>
-              </a:ext>
-            </a:extLst>
-          </p:cNvPr>
-          <p:cNvSpPr>
-            <a:spLocks noGrp="1"/>
-          </p:cNvSpPr>
-          <p:nvPr>
-            <p:ph idx="1"/>
-          </p:nvPr>
-        </p:nvSpPr>
-        <p:spPr/>
-        <p:txBody>
-          <a:bodyPr/>
-          <a:lstStyle/>
-          <a:p>
-            <a:r>
-              <a:rPr lang="en" altLang="ja-JP" sz="2400" dirty="0"/>
-              <a:t>For experimental instances, we got feasible solutions with a certain quality in a relatively</a:t>
-            </a:r>
-            <a:r>
-              <a:rPr lang="en-US" altLang="ja-JP" sz="2400" dirty="0"/>
-              <a:t> </a:t>
-            </a:r>
-            <a:r>
-              <a:rPr lang="en" altLang="ja-JP" sz="2400" dirty="0"/>
-              <a:t>short computation time.</a:t>
-            </a:r>
-          </a:p>
-          <a:p>
-            <a:endParaRPr lang="en" altLang="ja-JP" sz="2400" dirty="0"/>
-          </a:p>
-          <a:p>
-            <a:endParaRPr lang="en" altLang="ja-JP" sz="2400" dirty="0"/>
-          </a:p>
-          <a:p>
-            <a:endParaRPr lang="en" altLang="ja-JP" sz="2400" dirty="0"/>
-          </a:p>
-        </p:txBody>
-      </p:sp>
-    </p:spTree>
-    <p:extLst>
-      <p:ext uri="{BB962C8B-B14F-4D97-AF65-F5344CB8AC3E}">
-        <p14:creationId xmlns:p14="http://schemas.microsoft.com/office/powerpoint/2010/main" val="2216146474"/>
-      </p:ext>
-    </p:extLst>
-  </p:cSld>
-  <p:clrMapOvr>
-    <a:masterClrMapping/>
-  </p:clrMapOvr>
-</p:sld>
-</file>
-
 <file path=ppt/slides/slide67.xml><?xml version="1.0" encoding="utf-8"?>
 <p:sld xmlns:a="http://schemas.openxmlformats.org/drawingml/2006/main" xmlns:r="http://schemas.openxmlformats.org/officeDocument/2006/relationships" xmlns:p="http://schemas.openxmlformats.org/presentationml/2006/main">
   <p:cSld>
@@ -30453,6 +31045,110 @@
           <p:cNvPr id="2" name="タイトル 1">
             <a:extLst>
               <a:ext uri="{FF2B5EF4-FFF2-40B4-BE49-F238E27FC236}">
+                <a16:creationId xmlns:a16="http://schemas.microsoft.com/office/drawing/2014/main" id="{10C85110-0AEB-6C49-9AE3-DAAB21DFABB3}"/>
+              </a:ext>
+            </a:extLst>
+          </p:cNvPr>
+          <p:cNvSpPr>
+            <a:spLocks noGrp="1"/>
+          </p:cNvSpPr>
+          <p:nvPr>
+            <p:ph type="title"/>
+          </p:nvPr>
+        </p:nvSpPr>
+        <p:spPr/>
+        <p:txBody>
+          <a:bodyPr/>
+          <a:lstStyle/>
+          <a:p>
+            <a:r>
+              <a:rPr lang="en-US" altLang="ja-JP" dirty="0"/>
+              <a:t>Computational experiment</a:t>
+            </a:r>
+            <a:endParaRPr kumimoji="1" lang="ja-JP" altLang="en-US"/>
+          </a:p>
+        </p:txBody>
+      </p:sp>
+      <p:sp>
+        <p:nvSpPr>
+          <p:cNvPr id="3" name="コンテンツ プレースホルダー 2">
+            <a:extLst>
+              <a:ext uri="{FF2B5EF4-FFF2-40B4-BE49-F238E27FC236}">
+                <a16:creationId xmlns:a16="http://schemas.microsoft.com/office/drawing/2014/main" id="{48B29443-0E2E-9240-9158-A7C1DB7BC48D}"/>
+              </a:ext>
+            </a:extLst>
+          </p:cNvPr>
+          <p:cNvSpPr>
+            <a:spLocks noGrp="1"/>
+          </p:cNvSpPr>
+          <p:nvPr>
+            <p:ph idx="1"/>
+          </p:nvPr>
+        </p:nvSpPr>
+        <p:spPr/>
+        <p:txBody>
+          <a:bodyPr/>
+          <a:lstStyle/>
+          <a:p>
+            <a:r>
+              <a:rPr lang="en" altLang="ja-JP" sz="2400" dirty="0"/>
+              <a:t>For experimental instances, we got feasible solutions with a certain quality in a relatively</a:t>
+            </a:r>
+            <a:r>
+              <a:rPr lang="en-US" altLang="ja-JP" sz="2400" dirty="0"/>
+              <a:t> </a:t>
+            </a:r>
+            <a:r>
+              <a:rPr lang="en" altLang="ja-JP" sz="2400" dirty="0"/>
+              <a:t>short computation time.</a:t>
+            </a:r>
+          </a:p>
+          <a:p>
+            <a:endParaRPr lang="en" altLang="ja-JP" sz="2400" dirty="0"/>
+          </a:p>
+          <a:p>
+            <a:endParaRPr lang="en" altLang="ja-JP" sz="2400" dirty="0"/>
+          </a:p>
+          <a:p>
+            <a:endParaRPr lang="en" altLang="ja-JP" sz="2400" dirty="0"/>
+          </a:p>
+        </p:txBody>
+      </p:sp>
+    </p:spTree>
+    <p:extLst>
+      <p:ext uri="{BB962C8B-B14F-4D97-AF65-F5344CB8AC3E}">
+        <p14:creationId xmlns:p14="http://schemas.microsoft.com/office/powerpoint/2010/main" val="2216146474"/>
+      </p:ext>
+    </p:extLst>
+  </p:cSld>
+  <p:clrMapOvr>
+    <a:masterClrMapping/>
+  </p:clrMapOvr>
+</p:sld>
+</file>
+
+<file path=ppt/slides/slide68.xml><?xml version="1.0" encoding="utf-8"?>
+<p:sld xmlns:a="http://schemas.openxmlformats.org/drawingml/2006/main" xmlns:r="http://schemas.openxmlformats.org/officeDocument/2006/relationships" xmlns:p="http://schemas.openxmlformats.org/presentationml/2006/main">
+  <p:cSld>
+    <p:spTree>
+      <p:nvGrpSpPr>
+        <p:cNvPr id="1" name=""/>
+        <p:cNvGrpSpPr/>
+        <p:nvPr/>
+      </p:nvGrpSpPr>
+      <p:grpSpPr>
+        <a:xfrm>
+          <a:off x="0" y="0"/>
+          <a:ext cx="0" cy="0"/>
+          <a:chOff x="0" y="0"/>
+          <a:chExt cx="0" cy="0"/>
+        </a:xfrm>
+      </p:grpSpPr>
+      <p:sp>
+        <p:nvSpPr>
+          <p:cNvPr id="2" name="タイトル 1">
+            <a:extLst>
+              <a:ext uri="{FF2B5EF4-FFF2-40B4-BE49-F238E27FC236}">
                 <a16:creationId xmlns:a16="http://schemas.microsoft.com/office/drawing/2014/main" id="{7A74A867-EBEB-2F4D-8265-67DD34FA45C3}"/>
               </a:ext>
             </a:extLst>
@@ -30550,11 +31246,7 @@
             <a:pPr lvl="1"/>
             <a:r>
               <a:rPr lang="en-US" altLang="ja-JP" sz="2400" dirty="0"/>
-              <a:t>Finishing implementing an approach to use MIP solution to create </a:t>
-            </a:r>
-            <a:r>
-              <a:rPr lang="en-US" altLang="ja-JP" sz="2400"/>
-              <a:t>initial solution</a:t>
+              <a:t>Finishing implementing an approach to use MIP solution to create initial solution</a:t>
             </a:r>
             <a:endParaRPr lang="en" altLang="ja-JP" sz="2400" dirty="0"/>
           </a:p>

--- a/竹田_修論発表.pptx
+++ b/竹田_修論発表.pptx
@@ -68,11 +68,12 @@
     <p:sldId id="616" r:id="rId62"/>
     <p:sldId id="617" r:id="rId63"/>
     <p:sldId id="609" r:id="rId64"/>
-    <p:sldId id="578" r:id="rId65"/>
-    <p:sldId id="621" r:id="rId66"/>
-    <p:sldId id="582" r:id="rId67"/>
-    <p:sldId id="583" r:id="rId68"/>
-    <p:sldId id="561" r:id="rId69"/>
+    <p:sldId id="622" r:id="rId65"/>
+    <p:sldId id="578" r:id="rId66"/>
+    <p:sldId id="621" r:id="rId67"/>
+    <p:sldId id="582" r:id="rId68"/>
+    <p:sldId id="583" r:id="rId69"/>
+    <p:sldId id="561" r:id="rId70"/>
   </p:sldIdLst>
   <p:sldSz cx="12192000" cy="6858000"/>
   <p:notesSz cx="6858000" cy="9144000"/>
@@ -367,7 +368,7 @@
           <a:p>
             <a:fld id="{C8659C27-364E-C74E-8EB0-0FFA61AB3438}" type="datetimeFigureOut">
               <a:rPr kumimoji="1" lang="ja-JP" altLang="en-US" smtClean="0"/>
-              <a:t>2021/11/21</a:t>
+              <a:t>2021/11/22</a:t>
             </a:fld>
             <a:endParaRPr kumimoji="1" lang="ja-JP" altLang="en-US"/>
           </a:p>
@@ -742,7 +743,7 @@
           <a:p>
             <a:fld id="{C8659C27-364E-C74E-8EB0-0FFA61AB3438}" type="datetimeFigureOut">
               <a:rPr kumimoji="1" lang="ja-JP" altLang="en-US" smtClean="0"/>
-              <a:t>2021/11/21</a:t>
+              <a:t>2021/11/22</a:t>
             </a:fld>
             <a:endParaRPr kumimoji="1" lang="ja-JP" altLang="en-US"/>
           </a:p>
@@ -1217,7 +1218,7 @@
           <a:p>
             <a:fld id="{C8659C27-364E-C74E-8EB0-0FFA61AB3438}" type="datetimeFigureOut">
               <a:rPr kumimoji="1" lang="ja-JP" altLang="en-US" smtClean="0"/>
-              <a:t>2021/11/21</a:t>
+              <a:t>2021/11/22</a:t>
             </a:fld>
             <a:endParaRPr kumimoji="1" lang="ja-JP" altLang="en-US"/>
           </a:p>
@@ -1590,7 +1591,7 @@
           <a:p>
             <a:fld id="{C8659C27-364E-C74E-8EB0-0FFA61AB3438}" type="datetimeFigureOut">
               <a:rPr kumimoji="1" lang="ja-JP" altLang="en-US" smtClean="0"/>
-              <a:t>2021/11/21</a:t>
+              <a:t>2021/11/22</a:t>
             </a:fld>
             <a:endParaRPr kumimoji="1" lang="ja-JP" altLang="en-US"/>
           </a:p>
@@ -1984,7 +1985,7 @@
           <a:p>
             <a:fld id="{C8659C27-364E-C74E-8EB0-0FFA61AB3438}" type="datetimeFigureOut">
               <a:rPr kumimoji="1" lang="ja-JP" altLang="en-US" smtClean="0"/>
-              <a:t>2021/11/21</a:t>
+              <a:t>2021/11/22</a:t>
             </a:fld>
             <a:endParaRPr kumimoji="1" lang="ja-JP" altLang="en-US"/>
           </a:p>
@@ -2454,7 +2455,7 @@
           <a:p>
             <a:fld id="{C8659C27-364E-C74E-8EB0-0FFA61AB3438}" type="datetimeFigureOut">
               <a:rPr kumimoji="1" lang="ja-JP" altLang="en-US" smtClean="0"/>
-              <a:t>2021/11/21</a:t>
+              <a:t>2021/11/22</a:t>
             </a:fld>
             <a:endParaRPr kumimoji="1" lang="ja-JP" altLang="en-US"/>
           </a:p>
@@ -2719,7 +2720,7 @@
           <a:p>
             <a:fld id="{C8659C27-364E-C74E-8EB0-0FFA61AB3438}" type="datetimeFigureOut">
               <a:rPr kumimoji="1" lang="ja-JP" altLang="en-US" smtClean="0"/>
-              <a:t>2021/11/21</a:t>
+              <a:t>2021/11/22</a:t>
             </a:fld>
             <a:endParaRPr kumimoji="1" lang="ja-JP" altLang="en-US"/>
           </a:p>
@@ -2989,7 +2990,7 @@
           <a:p>
             <a:fld id="{C8659C27-364E-C74E-8EB0-0FFA61AB3438}" type="datetimeFigureOut">
               <a:rPr kumimoji="1" lang="ja-JP" altLang="en-US" smtClean="0"/>
-              <a:t>2021/11/21</a:t>
+              <a:t>2021/11/22</a:t>
             </a:fld>
             <a:endParaRPr kumimoji="1" lang="ja-JP" altLang="en-US"/>
           </a:p>
@@ -3259,7 +3260,7 @@
           <a:p>
             <a:fld id="{C8659C27-364E-C74E-8EB0-0FFA61AB3438}" type="datetimeFigureOut">
               <a:rPr kumimoji="1" lang="ja-JP" altLang="en-US" smtClean="0"/>
-              <a:t>2021/11/21</a:t>
+              <a:t>2021/11/22</a:t>
             </a:fld>
             <a:endParaRPr kumimoji="1" lang="ja-JP" altLang="en-US"/>
           </a:p>
@@ -3625,7 +3626,7 @@
           <a:p>
             <a:fld id="{C8659C27-364E-C74E-8EB0-0FFA61AB3438}" type="datetimeFigureOut">
               <a:rPr kumimoji="1" lang="ja-JP" altLang="en-US" smtClean="0"/>
-              <a:t>2021/11/21</a:t>
+              <a:t>2021/11/22</a:t>
             </a:fld>
             <a:endParaRPr kumimoji="1" lang="ja-JP" altLang="en-US"/>
           </a:p>
@@ -3964,7 +3965,7 @@
           <a:p>
             <a:fld id="{C8659C27-364E-C74E-8EB0-0FFA61AB3438}" type="datetimeFigureOut">
               <a:rPr kumimoji="1" lang="ja-JP" altLang="en-US" smtClean="0"/>
-              <a:t>2021/11/21</a:t>
+              <a:t>2021/11/22</a:t>
             </a:fld>
             <a:endParaRPr kumimoji="1" lang="ja-JP" altLang="en-US"/>
           </a:p>
@@ -4511,7 +4512,7 @@
           <a:p>
             <a:fld id="{C8659C27-364E-C74E-8EB0-0FFA61AB3438}" type="datetimeFigureOut">
               <a:rPr kumimoji="1" lang="ja-JP" altLang="en-US" smtClean="0"/>
-              <a:t>2021/11/21</a:t>
+              <a:t>2021/11/22</a:t>
             </a:fld>
             <a:endParaRPr kumimoji="1" lang="ja-JP" altLang="en-US"/>
           </a:p>
@@ -4716,7 +4717,7 @@
           <a:p>
             <a:fld id="{C8659C27-364E-C74E-8EB0-0FFA61AB3438}" type="datetimeFigureOut">
               <a:rPr kumimoji="1" lang="ja-JP" altLang="en-US" smtClean="0"/>
-              <a:t>2021/11/21</a:t>
+              <a:t>2021/11/22</a:t>
             </a:fld>
             <a:endParaRPr kumimoji="1" lang="ja-JP" altLang="en-US"/>
           </a:p>
@@ -4893,7 +4894,7 @@
           <a:p>
             <a:fld id="{C8659C27-364E-C74E-8EB0-0FFA61AB3438}" type="datetimeFigureOut">
               <a:rPr kumimoji="1" lang="ja-JP" altLang="en-US" smtClean="0"/>
-              <a:t>2021/11/21</a:t>
+              <a:t>2021/11/22</a:t>
             </a:fld>
             <a:endParaRPr kumimoji="1" lang="ja-JP" altLang="en-US"/>
           </a:p>
@@ -5271,7 +5272,7 @@
           <a:p>
             <a:fld id="{C8659C27-364E-C74E-8EB0-0FFA61AB3438}" type="datetimeFigureOut">
               <a:rPr kumimoji="1" lang="ja-JP" altLang="en-US" smtClean="0"/>
-              <a:t>2021/11/21</a:t>
+              <a:t>2021/11/22</a:t>
             </a:fld>
             <a:endParaRPr kumimoji="1" lang="ja-JP" altLang="en-US"/>
           </a:p>
@@ -5653,7 +5654,7 @@
           <a:p>
             <a:fld id="{C8659C27-364E-C74E-8EB0-0FFA61AB3438}" type="datetimeFigureOut">
               <a:rPr kumimoji="1" lang="ja-JP" altLang="en-US" smtClean="0"/>
-              <a:t>2021/11/21</a:t>
+              <a:t>2021/11/22</a:t>
             </a:fld>
             <a:endParaRPr kumimoji="1" lang="ja-JP" altLang="en-US"/>
           </a:p>
@@ -7778,7 +7779,7 @@
           <a:p>
             <a:fld id="{C8659C27-364E-C74E-8EB0-0FFA61AB3438}" type="datetimeFigureOut">
               <a:rPr kumimoji="1" lang="ja-JP" altLang="en-US" smtClean="0"/>
-              <a:t>2021/11/21</a:t>
+              <a:t>2021/11/22</a:t>
             </a:fld>
             <a:endParaRPr kumimoji="1" lang="ja-JP" altLang="en-US"/>
           </a:p>
@@ -15315,8 +15316,8 @@
           </a:p>
         </p:txBody>
       </p:sp>
-      <mc:AlternateContent xmlns:mc="http://schemas.openxmlformats.org/markup-compatibility/2006">
-        <mc:Choice xmlns:a14="http://schemas.microsoft.com/office/drawing/2010/main" Requires="a14">
+      <mc:AlternateContent xmlns:mc="http://schemas.openxmlformats.org/markup-compatibility/2006" xmlns:a14="http://schemas.microsoft.com/office/drawing/2010/main">
+        <mc:Choice Requires="a14">
           <p:sp>
             <p:nvSpPr>
               <p:cNvPr id="3" name="コンテンツ プレースホルダー 2">
@@ -15581,7 +15582,7 @@
             </p:txBody>
           </p:sp>
         </mc:Choice>
-        <mc:Fallback>
+        <mc:Fallback xmlns="">
           <p:sp>
             <p:nvSpPr>
               <p:cNvPr id="3" name="コンテンツ プレースホルダー 2">
@@ -19153,8 +19154,8 @@
           </a:p>
         </p:txBody>
       </p:sp>
-      <mc:AlternateContent xmlns:mc="http://schemas.openxmlformats.org/markup-compatibility/2006">
-        <mc:Choice xmlns:a14="http://schemas.microsoft.com/office/drawing/2010/main" Requires="a14">
+      <mc:AlternateContent xmlns:mc="http://schemas.openxmlformats.org/markup-compatibility/2006" xmlns:a14="http://schemas.microsoft.com/office/drawing/2010/main">
+        <mc:Choice Requires="a14">
           <p:sp>
             <p:nvSpPr>
               <p:cNvPr id="3" name="コンテンツ プレースホルダー 2">
@@ -19258,7 +19259,7 @@
             </p:txBody>
           </p:sp>
         </mc:Choice>
-        <mc:Fallback>
+        <mc:Fallback xmlns="">
           <p:sp>
             <p:nvSpPr>
               <p:cNvPr id="3" name="コンテンツ プレースホルダー 2">
@@ -20492,8 +20493,8 @@
           </a:p>
         </p:txBody>
       </p:sp>
-      <mc:AlternateContent xmlns:mc="http://schemas.openxmlformats.org/markup-compatibility/2006">
-        <mc:Choice xmlns:a14="http://schemas.microsoft.com/office/drawing/2010/main" Requires="a14">
+      <mc:AlternateContent xmlns:mc="http://schemas.openxmlformats.org/markup-compatibility/2006" xmlns:a14="http://schemas.microsoft.com/office/drawing/2010/main">
+        <mc:Choice Requires="a14">
           <p:graphicFrame>
             <p:nvGraphicFramePr>
               <p:cNvPr id="4" name="表 3">
@@ -20707,7 +20708,7 @@
             </a:graphic>
           </p:graphicFrame>
         </mc:Choice>
-        <mc:Fallback>
+        <mc:Fallback xmlns="">
           <p:graphicFrame>
             <p:nvGraphicFramePr>
               <p:cNvPr id="4" name="表 3">
@@ -23345,8 +23346,8 @@
           </a:p>
         </p:txBody>
       </p:sp>
-      <mc:AlternateContent xmlns:mc="http://schemas.openxmlformats.org/markup-compatibility/2006">
-        <mc:Choice xmlns:a14="http://schemas.microsoft.com/office/drawing/2010/main" Requires="a14">
+      <mc:AlternateContent xmlns:mc="http://schemas.openxmlformats.org/markup-compatibility/2006" xmlns:a14="http://schemas.microsoft.com/office/drawing/2010/main">
+        <mc:Choice Requires="a14">
           <p:sp>
             <p:nvSpPr>
               <p:cNvPr id="3" name="コンテンツ プレースホルダー 2">
@@ -23698,7 +23699,7 @@
             </p:txBody>
           </p:sp>
         </mc:Choice>
-        <mc:Fallback>
+        <mc:Fallback xmlns="">
           <p:sp>
             <p:nvSpPr>
               <p:cNvPr id="3" name="コンテンツ プレースホルダー 2">
@@ -28256,7 +28257,7 @@
             <p:ph idx="1"/>
             <p:extLst>
               <p:ext uri="{D42A27DB-BD31-4B8C-83A1-F6EECF244321}">
-                <p14:modId xmlns:p14="http://schemas.microsoft.com/office/powerpoint/2010/main" val="2926937982"/>
+                <p14:modId xmlns:p14="http://schemas.microsoft.com/office/powerpoint/2010/main" val="2687215067"/>
               </p:ext>
             </p:extLst>
           </p:nvPr>
@@ -28637,6 +28638,10 @@
                     <a:lstStyle/>
                     <a:p>
                       <a:pPr algn="ctr"/>
+                      <a:r>
+                        <a:rPr kumimoji="1" lang="en-US" altLang="ja-JP" sz="2000" dirty="0"/>
+                        <a:t>-2179</a:t>
+                      </a:r>
                       <a:endParaRPr kumimoji="1" lang="ja-JP" altLang="en-US" sz="2000"/>
                     </a:p>
                   </a:txBody>
@@ -28648,6 +28653,10 @@
                     <a:lstStyle/>
                     <a:p>
                       <a:pPr algn="ctr"/>
+                      <a:r>
+                        <a:rPr kumimoji="1" lang="en-US" altLang="ja-JP" sz="2000" dirty="0"/>
+                        <a:t>1641</a:t>
+                      </a:r>
                       <a:endParaRPr kumimoji="1" lang="ja-JP" altLang="en-US" sz="2000"/>
                     </a:p>
                   </a:txBody>
@@ -28711,6 +28720,10 @@
                     <a:lstStyle/>
                     <a:p>
                       <a:pPr algn="ctr"/>
+                      <a:r>
+                        <a:rPr kumimoji="1" lang="en-US" altLang="ja-JP" sz="2000" dirty="0"/>
+                        <a:t>-594</a:t>
+                      </a:r>
                       <a:endParaRPr kumimoji="1" lang="ja-JP" altLang="en-US" sz="2000"/>
                     </a:p>
                   </a:txBody>
@@ -28722,6 +28735,10 @@
                     <a:lstStyle/>
                     <a:p>
                       <a:pPr algn="ctr"/>
+                      <a:r>
+                        <a:rPr kumimoji="1" lang="en-US" altLang="ja-JP" sz="2000" dirty="0"/>
+                        <a:t>8057</a:t>
+                      </a:r>
                       <a:endParaRPr kumimoji="1" lang="ja-JP" altLang="en-US" sz="2000"/>
                     </a:p>
                   </a:txBody>
@@ -28785,6 +28802,10 @@
                     <a:lstStyle/>
                     <a:p>
                       <a:pPr algn="ctr"/>
+                      <a:r>
+                        <a:rPr kumimoji="1" lang="en-US" altLang="ja-JP" sz="2000" dirty="0"/>
+                        <a:t>1840</a:t>
+                      </a:r>
                       <a:endParaRPr kumimoji="1" lang="ja-JP" altLang="en-US" sz="2000"/>
                     </a:p>
                   </a:txBody>
@@ -28796,6 +28817,10 @@
                     <a:lstStyle/>
                     <a:p>
                       <a:pPr algn="ctr"/>
+                      <a:r>
+                        <a:rPr kumimoji="1" lang="en-US" altLang="ja-JP" sz="2000" dirty="0"/>
+                        <a:t>8782</a:t>
+                      </a:r>
                       <a:endParaRPr kumimoji="1" lang="ja-JP" altLang="en-US" sz="2000"/>
                     </a:p>
                   </a:txBody>
@@ -28859,6 +28884,10 @@
                     <a:lstStyle/>
                     <a:p>
                       <a:pPr algn="ctr"/>
+                      <a:r>
+                        <a:rPr kumimoji="1" lang="en-US" altLang="ja-JP" sz="2000" dirty="0"/>
+                        <a:t>-2755</a:t>
+                      </a:r>
                       <a:endParaRPr kumimoji="1" lang="ja-JP" altLang="en-US" sz="2000"/>
                     </a:p>
                   </a:txBody>
@@ -28870,6 +28899,10 @@
                     <a:lstStyle/>
                     <a:p>
                       <a:pPr algn="ctr"/>
+                      <a:r>
+                        <a:rPr kumimoji="1" lang="en-US" altLang="ja-JP" sz="2000" dirty="0"/>
+                        <a:t>9726</a:t>
+                      </a:r>
                       <a:endParaRPr kumimoji="1" lang="ja-JP" altLang="en-US" sz="2000"/>
                     </a:p>
                   </a:txBody>
@@ -28962,7 +28995,7 @@
           <p:cNvPr id="2" name="タイトル 1">
             <a:extLst>
               <a:ext uri="{FF2B5EF4-FFF2-40B4-BE49-F238E27FC236}">
-                <a16:creationId xmlns:a16="http://schemas.microsoft.com/office/drawing/2014/main" id="{FEEFE181-A7D0-7146-B49E-65AC407C9C2B}"/>
+                <a16:creationId xmlns:a16="http://schemas.microsoft.com/office/drawing/2014/main" id="{1D9AF7AE-69A2-B04C-A701-C07AD224EA84}"/>
               </a:ext>
             </a:extLst>
           </p:cNvPr>
@@ -28980,7 +29013,7 @@
           <a:p>
             <a:r>
               <a:rPr lang="en-US" altLang="ja-JP" dirty="0"/>
-              <a:t>Computational experiment</a:t>
+              <a:t>Comparison by initial solution</a:t>
             </a:r>
             <a:endParaRPr kumimoji="1" lang="ja-JP" altLang="en-US"/>
           </a:p>
@@ -28991,7 +29024,7 @@
           <p:cNvPr id="3" name="コンテンツ プレースホルダー 2">
             <a:extLst>
               <a:ext uri="{FF2B5EF4-FFF2-40B4-BE49-F238E27FC236}">
-                <a16:creationId xmlns:a16="http://schemas.microsoft.com/office/drawing/2014/main" id="{F34D1FFA-7F21-1B4A-B2CC-C1C3F36A6C10}"/>
+                <a16:creationId xmlns:a16="http://schemas.microsoft.com/office/drawing/2014/main" id="{0F94BFF2-339A-464B-A76F-E70A1548AEDD}"/>
               </a:ext>
             </a:extLst>
           </p:cNvPr>
@@ -29010,52 +29043,25 @@
           <a:lstStyle/>
           <a:p>
             <a:r>
-              <a:rPr lang="en-US" altLang="ja-JP" sz="2400" dirty="0"/>
-              <a:t>We compare the computation time and the quality of assignment.</a:t>
-            </a:r>
-          </a:p>
-          <a:p>
-            <a:r>
-              <a:rPr lang="en-US" altLang="ja-JP" sz="2400" dirty="0"/>
-              <a:t>For 1</a:t>
-            </a:r>
-            <a:r>
-              <a:rPr lang="en-US" altLang="ja-JP" sz="2400" baseline="30000" dirty="0"/>
-              <a:t>st</a:t>
-            </a:r>
-            <a:r>
-              <a:rPr lang="en-US" altLang="ja-JP" sz="2400" dirty="0"/>
-              <a:t> model,</a:t>
-            </a:r>
-            <a:r>
               <a:rPr lang="en" altLang="ja-JP" sz="2400" dirty="0"/>
-              <a:t> we show the values of the solution after         1 hour and after 24 hours</a:t>
+              <a:t>For large instances, it takes a long time to find a solution, even for a relaxation problem.</a:t>
             </a:r>
           </a:p>
           <a:p>
             <a:r>
               <a:rPr lang="en" altLang="ja-JP" sz="2400" dirty="0"/>
-              <a:t>For 2</a:t>
-            </a:r>
-            <a:r>
-              <a:rPr lang="en" altLang="ja-JP" sz="2400" baseline="30000" dirty="0"/>
-              <a:t>nd</a:t>
-            </a:r>
-            <a:r>
-              <a:rPr lang="en" altLang="ja-JP" sz="2400" dirty="0"/>
-              <a:t> model, we show the value of the solution and the computation time to finish the local search</a:t>
-            </a:r>
-            <a:r>
-              <a:rPr lang="en-US" altLang="ja-JP" sz="2400" dirty="0"/>
-              <a:t>. </a:t>
-            </a:r>
+              <a:t>In terms of computation time, a randomly generated solution may be effective.</a:t>
+            </a:r>
+          </a:p>
+          <a:p>
+            <a:endParaRPr kumimoji="1" lang="ja-JP" altLang="en-US" sz="2400"/>
           </a:p>
         </p:txBody>
       </p:sp>
     </p:spTree>
     <p:extLst>
       <p:ext uri="{BB962C8B-B14F-4D97-AF65-F5344CB8AC3E}">
-        <p14:creationId xmlns:p14="http://schemas.microsoft.com/office/powerpoint/2010/main" val="4216551076"/>
+        <p14:creationId xmlns:p14="http://schemas.microsoft.com/office/powerpoint/2010/main" val="1722186755"/>
       </p:ext>
     </p:extLst>
   </p:cSld>
@@ -29087,6 +29093,131 @@
           <p:cNvPr id="2" name="タイトル 1">
             <a:extLst>
               <a:ext uri="{FF2B5EF4-FFF2-40B4-BE49-F238E27FC236}">
+                <a16:creationId xmlns:a16="http://schemas.microsoft.com/office/drawing/2014/main" id="{FEEFE181-A7D0-7146-B49E-65AC407C9C2B}"/>
+              </a:ext>
+            </a:extLst>
+          </p:cNvPr>
+          <p:cNvSpPr>
+            <a:spLocks noGrp="1"/>
+          </p:cNvSpPr>
+          <p:nvPr>
+            <p:ph type="title"/>
+          </p:nvPr>
+        </p:nvSpPr>
+        <p:spPr/>
+        <p:txBody>
+          <a:bodyPr/>
+          <a:lstStyle/>
+          <a:p>
+            <a:r>
+              <a:rPr lang="en-US" altLang="ja-JP" dirty="0"/>
+              <a:t>Computational experiment</a:t>
+            </a:r>
+            <a:endParaRPr kumimoji="1" lang="ja-JP" altLang="en-US"/>
+          </a:p>
+        </p:txBody>
+      </p:sp>
+      <p:sp>
+        <p:nvSpPr>
+          <p:cNvPr id="3" name="コンテンツ プレースホルダー 2">
+            <a:extLst>
+              <a:ext uri="{FF2B5EF4-FFF2-40B4-BE49-F238E27FC236}">
+                <a16:creationId xmlns:a16="http://schemas.microsoft.com/office/drawing/2014/main" id="{F34D1FFA-7F21-1B4A-B2CC-C1C3F36A6C10}"/>
+              </a:ext>
+            </a:extLst>
+          </p:cNvPr>
+          <p:cNvSpPr>
+            <a:spLocks noGrp="1"/>
+          </p:cNvSpPr>
+          <p:nvPr>
+            <p:ph idx="1"/>
+          </p:nvPr>
+        </p:nvSpPr>
+        <p:spPr/>
+        <p:txBody>
+          <a:bodyPr>
+            <a:normAutofit/>
+          </a:bodyPr>
+          <a:lstStyle/>
+          <a:p>
+            <a:r>
+              <a:rPr lang="en-US" altLang="ja-JP" sz="2400" dirty="0"/>
+              <a:t>We compare the computation time and the quality of assignment.</a:t>
+            </a:r>
+          </a:p>
+          <a:p>
+            <a:r>
+              <a:rPr lang="en-US" altLang="ja-JP" sz="2400" dirty="0"/>
+              <a:t>For 1</a:t>
+            </a:r>
+            <a:r>
+              <a:rPr lang="en-US" altLang="ja-JP" sz="2400" baseline="30000" dirty="0"/>
+              <a:t>st</a:t>
+            </a:r>
+            <a:r>
+              <a:rPr lang="en-US" altLang="ja-JP" sz="2400" dirty="0"/>
+              <a:t> model,</a:t>
+            </a:r>
+            <a:r>
+              <a:rPr lang="en" altLang="ja-JP" sz="2400" dirty="0"/>
+              <a:t> we show the values of the solution after         1 hour and after 24 hours</a:t>
+            </a:r>
+          </a:p>
+          <a:p>
+            <a:r>
+              <a:rPr lang="en" altLang="ja-JP" sz="2400" dirty="0"/>
+              <a:t>For 2</a:t>
+            </a:r>
+            <a:r>
+              <a:rPr lang="en" altLang="ja-JP" sz="2400" baseline="30000" dirty="0"/>
+              <a:t>nd</a:t>
+            </a:r>
+            <a:r>
+              <a:rPr lang="en" altLang="ja-JP" sz="2400" dirty="0"/>
+              <a:t> model, we show the value of the solution and the computation time to finish the local search</a:t>
+            </a:r>
+            <a:r>
+              <a:rPr lang="en-US" altLang="ja-JP" sz="2400" dirty="0"/>
+              <a:t>. </a:t>
+            </a:r>
+          </a:p>
+        </p:txBody>
+      </p:sp>
+    </p:spTree>
+    <p:extLst>
+      <p:ext uri="{BB962C8B-B14F-4D97-AF65-F5344CB8AC3E}">
+        <p14:creationId xmlns:p14="http://schemas.microsoft.com/office/powerpoint/2010/main" val="4216551076"/>
+      </p:ext>
+    </p:extLst>
+  </p:cSld>
+  <p:clrMapOvr>
+    <a:masterClrMapping/>
+  </p:clrMapOvr>
+</p:sld>
+</file>
+
+<file path=ppt/slides/slide66.xml><?xml version="1.0" encoding="utf-8"?>
+<p:sld xmlns:a="http://schemas.openxmlformats.org/drawingml/2006/main" xmlns:r="http://schemas.openxmlformats.org/officeDocument/2006/relationships" xmlns:p="http://schemas.openxmlformats.org/presentationml/2006/main">
+  <p:cSld>
+    <p:spTree>
+      <p:nvGrpSpPr>
+        <p:cNvPr id="1" name=""/>
+        <p:cNvGrpSpPr/>
+        <p:nvPr/>
+      </p:nvGrpSpPr>
+      <p:grpSpPr>
+        <a:xfrm>
+          <a:off x="0" y="0"/>
+          <a:ext cx="0" cy="0"/>
+          <a:chOff x="0" y="0"/>
+          <a:chExt cx="0" cy="0"/>
+        </a:xfrm>
+      </p:grpSpPr>
+      <p:sp>
+        <p:nvSpPr>
+          <p:cNvPr id="2" name="タイトル 1">
+            <a:extLst>
+              <a:ext uri="{FF2B5EF4-FFF2-40B4-BE49-F238E27FC236}">
                 <a16:creationId xmlns:a16="http://schemas.microsoft.com/office/drawing/2014/main" id="{0F3E9755-7D4C-E140-A34C-76DD3CC7C081}"/>
               </a:ext>
             </a:extLst>
@@ -29127,7 +29258,7 @@
             <p:ph idx="1"/>
             <p:extLst>
               <p:ext uri="{D42A27DB-BD31-4B8C-83A1-F6EECF244321}">
-                <p14:modId xmlns:p14="http://schemas.microsoft.com/office/powerpoint/2010/main" val="2198973425"/>
+                <p14:modId xmlns:p14="http://schemas.microsoft.com/office/powerpoint/2010/main" val="478434539"/>
               </p:ext>
             </p:extLst>
           </p:nvPr>
@@ -29524,6 +29655,10 @@
                     <a:lstStyle/>
                     <a:p>
                       <a:pPr algn="ctr"/>
+                      <a:r>
+                        <a:rPr kumimoji="1" lang="en-US" altLang="ja-JP" sz="2000" dirty="0"/>
+                        <a:t>-2975</a:t>
+                      </a:r>
                       <a:endParaRPr kumimoji="1" lang="ja-JP" altLang="en-US" sz="2000"/>
                     </a:p>
                   </a:txBody>
@@ -29535,6 +29670,10 @@
                     <a:lstStyle/>
                     <a:p>
                       <a:pPr algn="ctr"/>
+                      <a:r>
+                        <a:rPr kumimoji="1" lang="en-US" altLang="ja-JP" sz="2000" dirty="0"/>
+                        <a:t>873</a:t>
+                      </a:r>
                       <a:endParaRPr kumimoji="1" lang="ja-JP" altLang="en-US" sz="2000"/>
                     </a:p>
                   </a:txBody>
@@ -29598,6 +29737,10 @@
                     <a:lstStyle/>
                     <a:p>
                       <a:pPr algn="ctr"/>
+                      <a:r>
+                        <a:rPr kumimoji="1" lang="en-US" altLang="ja-JP" sz="2000" dirty="0"/>
+                        <a:t>-1167</a:t>
+                      </a:r>
                       <a:endParaRPr kumimoji="1" lang="ja-JP" altLang="en-US" sz="2000"/>
                     </a:p>
                   </a:txBody>
@@ -29609,6 +29752,10 @@
                     <a:lstStyle/>
                     <a:p>
                       <a:pPr algn="ctr"/>
+                      <a:r>
+                        <a:rPr kumimoji="1" lang="en-US" altLang="ja-JP" sz="2000" dirty="0"/>
+                        <a:t>938</a:t>
+                      </a:r>
                       <a:endParaRPr kumimoji="1" lang="ja-JP" altLang="en-US" sz="2000"/>
                     </a:p>
                   </a:txBody>
@@ -29672,6 +29819,10 @@
                     <a:lstStyle/>
                     <a:p>
                       <a:pPr algn="ctr"/>
+                      <a:r>
+                        <a:rPr kumimoji="1" lang="en-US" altLang="ja-JP" sz="2000" dirty="0"/>
+                        <a:t>-1378</a:t>
+                      </a:r>
                       <a:endParaRPr kumimoji="1" lang="ja-JP" altLang="en-US" sz="2000"/>
                     </a:p>
                   </a:txBody>
@@ -29683,6 +29834,10 @@
                     <a:lstStyle/>
                     <a:p>
                       <a:pPr algn="ctr"/>
+                      <a:r>
+                        <a:rPr kumimoji="1" lang="en-US" altLang="ja-JP" sz="2000" dirty="0"/>
+                        <a:t>728</a:t>
+                      </a:r>
                       <a:endParaRPr kumimoji="1" lang="ja-JP" altLang="en-US" sz="2000"/>
                     </a:p>
                   </a:txBody>
@@ -29746,6 +29901,10 @@
                     <a:lstStyle/>
                     <a:p>
                       <a:pPr algn="ctr"/>
+                      <a:r>
+                        <a:rPr kumimoji="1" lang="en-US" altLang="ja-JP" sz="2000" dirty="0"/>
+                        <a:t>-2235</a:t>
+                      </a:r>
                       <a:endParaRPr kumimoji="1" lang="ja-JP" altLang="en-US" sz="2000"/>
                     </a:p>
                   </a:txBody>
@@ -29757,6 +29916,10 @@
                     <a:lstStyle/>
                     <a:p>
                       <a:pPr algn="ctr"/>
+                      <a:r>
+                        <a:rPr kumimoji="1" lang="en-US" altLang="ja-JP" sz="2000" dirty="0"/>
+                        <a:t>3069</a:t>
+                      </a:r>
                       <a:endParaRPr kumimoji="1" lang="ja-JP" altLang="en-US" sz="2000"/>
                     </a:p>
                   </a:txBody>
@@ -29827,7 +29990,7 @@
 </p:sld>
 </file>
 
-<file path=ppt/slides/slide66.xml><?xml version="1.0" encoding="utf-8"?>
+<file path=ppt/slides/slide67.xml><?xml version="1.0" encoding="utf-8"?>
 <p:sld xmlns:a="http://schemas.openxmlformats.org/drawingml/2006/main" xmlns:r="http://schemas.openxmlformats.org/officeDocument/2006/relationships" xmlns:p="http://schemas.openxmlformats.org/presentationml/2006/main" show="0">
   <p:cSld>
     <p:spTree>
@@ -31023,7 +31186,7 @@
 </p:sld>
 </file>
 
-<file path=ppt/slides/slide67.xml><?xml version="1.0" encoding="utf-8"?>
+<file path=ppt/slides/slide68.xml><?xml version="1.0" encoding="utf-8"?>
 <p:sld xmlns:a="http://schemas.openxmlformats.org/drawingml/2006/main" xmlns:r="http://schemas.openxmlformats.org/officeDocument/2006/relationships" xmlns:p="http://schemas.openxmlformats.org/presentationml/2006/main">
   <p:cSld>
     <p:spTree>
@@ -31127,7 +31290,7 @@
 </p:sld>
 </file>
 
-<file path=ppt/slides/slide68.xml><?xml version="1.0" encoding="utf-8"?>
+<file path=ppt/slides/slide69.xml><?xml version="1.0" encoding="utf-8"?>
 <p:sld xmlns:a="http://schemas.openxmlformats.org/drawingml/2006/main" xmlns:r="http://schemas.openxmlformats.org/officeDocument/2006/relationships" xmlns:p="http://schemas.openxmlformats.org/presentationml/2006/main">
   <p:cSld>
     <p:spTree>

--- a/竹田_修論発表.pptx
+++ b/竹田_修論発表.pptx
@@ -368,7 +368,7 @@
           <a:p>
             <a:fld id="{C8659C27-364E-C74E-8EB0-0FFA61AB3438}" type="datetimeFigureOut">
               <a:rPr kumimoji="1" lang="ja-JP" altLang="en-US" smtClean="0"/>
-              <a:t>2021/11/22</a:t>
+              <a:t>2021/11/30</a:t>
             </a:fld>
             <a:endParaRPr kumimoji="1" lang="ja-JP" altLang="en-US"/>
           </a:p>
@@ -743,7 +743,7 @@
           <a:p>
             <a:fld id="{C8659C27-364E-C74E-8EB0-0FFA61AB3438}" type="datetimeFigureOut">
               <a:rPr kumimoji="1" lang="ja-JP" altLang="en-US" smtClean="0"/>
-              <a:t>2021/11/22</a:t>
+              <a:t>2021/11/30</a:t>
             </a:fld>
             <a:endParaRPr kumimoji="1" lang="ja-JP" altLang="en-US"/>
           </a:p>
@@ -1218,7 +1218,7 @@
           <a:p>
             <a:fld id="{C8659C27-364E-C74E-8EB0-0FFA61AB3438}" type="datetimeFigureOut">
               <a:rPr kumimoji="1" lang="ja-JP" altLang="en-US" smtClean="0"/>
-              <a:t>2021/11/22</a:t>
+              <a:t>2021/11/30</a:t>
             </a:fld>
             <a:endParaRPr kumimoji="1" lang="ja-JP" altLang="en-US"/>
           </a:p>
@@ -1591,7 +1591,7 @@
           <a:p>
             <a:fld id="{C8659C27-364E-C74E-8EB0-0FFA61AB3438}" type="datetimeFigureOut">
               <a:rPr kumimoji="1" lang="ja-JP" altLang="en-US" smtClean="0"/>
-              <a:t>2021/11/22</a:t>
+              <a:t>2021/11/30</a:t>
             </a:fld>
             <a:endParaRPr kumimoji="1" lang="ja-JP" altLang="en-US"/>
           </a:p>
@@ -1985,7 +1985,7 @@
           <a:p>
             <a:fld id="{C8659C27-364E-C74E-8EB0-0FFA61AB3438}" type="datetimeFigureOut">
               <a:rPr kumimoji="1" lang="ja-JP" altLang="en-US" smtClean="0"/>
-              <a:t>2021/11/22</a:t>
+              <a:t>2021/11/30</a:t>
             </a:fld>
             <a:endParaRPr kumimoji="1" lang="ja-JP" altLang="en-US"/>
           </a:p>
@@ -2455,7 +2455,7 @@
           <a:p>
             <a:fld id="{C8659C27-364E-C74E-8EB0-0FFA61AB3438}" type="datetimeFigureOut">
               <a:rPr kumimoji="1" lang="ja-JP" altLang="en-US" smtClean="0"/>
-              <a:t>2021/11/22</a:t>
+              <a:t>2021/11/30</a:t>
             </a:fld>
             <a:endParaRPr kumimoji="1" lang="ja-JP" altLang="en-US"/>
           </a:p>
@@ -2720,7 +2720,7 @@
           <a:p>
             <a:fld id="{C8659C27-364E-C74E-8EB0-0FFA61AB3438}" type="datetimeFigureOut">
               <a:rPr kumimoji="1" lang="ja-JP" altLang="en-US" smtClean="0"/>
-              <a:t>2021/11/22</a:t>
+              <a:t>2021/11/30</a:t>
             </a:fld>
             <a:endParaRPr kumimoji="1" lang="ja-JP" altLang="en-US"/>
           </a:p>
@@ -2990,7 +2990,7 @@
           <a:p>
             <a:fld id="{C8659C27-364E-C74E-8EB0-0FFA61AB3438}" type="datetimeFigureOut">
               <a:rPr kumimoji="1" lang="ja-JP" altLang="en-US" smtClean="0"/>
-              <a:t>2021/11/22</a:t>
+              <a:t>2021/11/30</a:t>
             </a:fld>
             <a:endParaRPr kumimoji="1" lang="ja-JP" altLang="en-US"/>
           </a:p>
@@ -3260,7 +3260,7 @@
           <a:p>
             <a:fld id="{C8659C27-364E-C74E-8EB0-0FFA61AB3438}" type="datetimeFigureOut">
               <a:rPr kumimoji="1" lang="ja-JP" altLang="en-US" smtClean="0"/>
-              <a:t>2021/11/22</a:t>
+              <a:t>2021/11/30</a:t>
             </a:fld>
             <a:endParaRPr kumimoji="1" lang="ja-JP" altLang="en-US"/>
           </a:p>
@@ -3626,7 +3626,7 @@
           <a:p>
             <a:fld id="{C8659C27-364E-C74E-8EB0-0FFA61AB3438}" type="datetimeFigureOut">
               <a:rPr kumimoji="1" lang="ja-JP" altLang="en-US" smtClean="0"/>
-              <a:t>2021/11/22</a:t>
+              <a:t>2021/11/30</a:t>
             </a:fld>
             <a:endParaRPr kumimoji="1" lang="ja-JP" altLang="en-US"/>
           </a:p>
@@ -3965,7 +3965,7 @@
           <a:p>
             <a:fld id="{C8659C27-364E-C74E-8EB0-0FFA61AB3438}" type="datetimeFigureOut">
               <a:rPr kumimoji="1" lang="ja-JP" altLang="en-US" smtClean="0"/>
-              <a:t>2021/11/22</a:t>
+              <a:t>2021/11/30</a:t>
             </a:fld>
             <a:endParaRPr kumimoji="1" lang="ja-JP" altLang="en-US"/>
           </a:p>
@@ -4512,7 +4512,7 @@
           <a:p>
             <a:fld id="{C8659C27-364E-C74E-8EB0-0FFA61AB3438}" type="datetimeFigureOut">
               <a:rPr kumimoji="1" lang="ja-JP" altLang="en-US" smtClean="0"/>
-              <a:t>2021/11/22</a:t>
+              <a:t>2021/11/30</a:t>
             </a:fld>
             <a:endParaRPr kumimoji="1" lang="ja-JP" altLang="en-US"/>
           </a:p>
@@ -4717,7 +4717,7 @@
           <a:p>
             <a:fld id="{C8659C27-364E-C74E-8EB0-0FFA61AB3438}" type="datetimeFigureOut">
               <a:rPr kumimoji="1" lang="ja-JP" altLang="en-US" smtClean="0"/>
-              <a:t>2021/11/22</a:t>
+              <a:t>2021/11/30</a:t>
             </a:fld>
             <a:endParaRPr kumimoji="1" lang="ja-JP" altLang="en-US"/>
           </a:p>
@@ -4894,7 +4894,7 @@
           <a:p>
             <a:fld id="{C8659C27-364E-C74E-8EB0-0FFA61AB3438}" type="datetimeFigureOut">
               <a:rPr kumimoji="1" lang="ja-JP" altLang="en-US" smtClean="0"/>
-              <a:t>2021/11/22</a:t>
+              <a:t>2021/11/30</a:t>
             </a:fld>
             <a:endParaRPr kumimoji="1" lang="ja-JP" altLang="en-US"/>
           </a:p>
@@ -5272,7 +5272,7 @@
           <a:p>
             <a:fld id="{C8659C27-364E-C74E-8EB0-0FFA61AB3438}" type="datetimeFigureOut">
               <a:rPr kumimoji="1" lang="ja-JP" altLang="en-US" smtClean="0"/>
-              <a:t>2021/11/22</a:t>
+              <a:t>2021/11/30</a:t>
             </a:fld>
             <a:endParaRPr kumimoji="1" lang="ja-JP" altLang="en-US"/>
           </a:p>
@@ -5654,7 +5654,7 @@
           <a:p>
             <a:fld id="{C8659C27-364E-C74E-8EB0-0FFA61AB3438}" type="datetimeFigureOut">
               <a:rPr kumimoji="1" lang="ja-JP" altLang="en-US" smtClean="0"/>
-              <a:t>2021/11/22</a:t>
+              <a:t>2021/11/30</a:t>
             </a:fld>
             <a:endParaRPr kumimoji="1" lang="ja-JP" altLang="en-US"/>
           </a:p>
@@ -7779,7 +7779,7 @@
           <a:p>
             <a:fld id="{C8659C27-364E-C74E-8EB0-0FFA61AB3438}" type="datetimeFigureOut">
               <a:rPr kumimoji="1" lang="ja-JP" altLang="en-US" smtClean="0"/>
-              <a:t>2021/11/22</a:t>
+              <a:t>2021/11/30</a:t>
             </a:fld>
             <a:endParaRPr kumimoji="1" lang="ja-JP" altLang="en-US"/>
           </a:p>
@@ -18378,9 +18378,9 @@
               <a:t>		 [A,B,</a:t>
             </a:r>
             <a:r>
-              <a:rPr lang="en-US" altLang="ja-JP" sz="2400" dirty="0">
+              <a:rPr lang="en-US" altLang="ja-JP" sz="2400" b="1" dirty="0">
                 <a:solidFill>
-                  <a:srgbClr val="FF0000"/>
+                  <a:srgbClr val="C00000"/>
                 </a:solidFill>
               </a:rPr>
               <a:t>C</a:t>
@@ -18390,9 +18390,9 @@
               <a:t>,D]	                               [E,</a:t>
             </a:r>
             <a:r>
-              <a:rPr lang="en-US" altLang="ja-JP" sz="2400" dirty="0">
+              <a:rPr lang="en-US" altLang="ja-JP" sz="2400" b="1" dirty="0">
                 <a:solidFill>
-                  <a:srgbClr val="FF0000"/>
+                  <a:srgbClr val="C00000"/>
                 </a:solidFill>
               </a:rPr>
               <a:t>F</a:t>
@@ -18426,9 +18426,9 @@
               <a:t>		 [A,B,</a:t>
             </a:r>
             <a:r>
-              <a:rPr lang="en-US" altLang="ja-JP" sz="2400" dirty="0">
+              <a:rPr lang="en-US" altLang="ja-JP" sz="2400" b="1" dirty="0">
                 <a:solidFill>
-                  <a:srgbClr val="FF0000"/>
+                  <a:srgbClr val="C00000"/>
                 </a:solidFill>
               </a:rPr>
               <a:t>F</a:t>
@@ -18438,9 +18438,9 @@
               <a:t>,D]	                               	    [E,</a:t>
             </a:r>
             <a:r>
-              <a:rPr lang="en-US" altLang="ja-JP" sz="2400" dirty="0">
+              <a:rPr lang="en-US" altLang="ja-JP" sz="2400" b="1" dirty="0">
                 <a:solidFill>
-                  <a:srgbClr val="FF0000"/>
+                  <a:srgbClr val="C00000"/>
                 </a:solidFill>
               </a:rPr>
               <a:t>C</a:t>
@@ -18494,7 +18494,10 @@
           </a:prstGeom>
           <a:ln>
             <a:solidFill>
-              <a:srgbClr val="0070C0"/>
+              <a:schemeClr val="accent1">
+                <a:lumMod val="60000"/>
+                <a:lumOff val="40000"/>
+              </a:schemeClr>
             </a:solidFill>
             <a:tailEnd type="triangle"/>
           </a:ln>
@@ -18538,7 +18541,10 @@
           </a:prstGeom>
           <a:ln>
             <a:solidFill>
-              <a:srgbClr val="0070C0"/>
+              <a:schemeClr val="accent1">
+                <a:lumMod val="60000"/>
+                <a:lumOff val="40000"/>
+              </a:schemeClr>
             </a:solidFill>
             <a:tailEnd type="triangle"/>
           </a:ln>
@@ -18635,7 +18641,7 @@
         </p:nvSpPr>
         <p:spPr>
           <a:xfrm>
-            <a:off x="2589212" y="2133599"/>
+            <a:off x="2589212" y="2229970"/>
             <a:ext cx="8915400" cy="4280647"/>
           </a:xfrm>
         </p:spPr>
@@ -18677,9 +18683,9 @@
               <a:t>		 [A,B,</a:t>
             </a:r>
             <a:r>
-              <a:rPr kumimoji="1" lang="en-US" altLang="ja-JP" sz="2400" dirty="0">
+              <a:rPr kumimoji="1" lang="en-US" altLang="ja-JP" sz="2400" b="1" dirty="0">
                 <a:solidFill>
-                  <a:srgbClr val="FF0000"/>
+                  <a:srgbClr val="C00000"/>
                 </a:solidFill>
               </a:rPr>
               <a:t>C</a:t>
@@ -18717,9 +18723,9 @@
               <a:t>[A,B,D]                                  [E,F,G,</a:t>
             </a:r>
             <a:r>
-              <a:rPr lang="en-US" altLang="ja-JP" sz="2400" dirty="0">
+              <a:rPr lang="en-US" altLang="ja-JP" sz="2400" b="1" dirty="0">
                 <a:solidFill>
-                  <a:srgbClr val="FF0000"/>
+                  <a:srgbClr val="C00000"/>
                 </a:solidFill>
               </a:rPr>
               <a:t>C</a:t>
@@ -18756,7 +18762,10 @@
           </a:prstGeom>
           <a:ln>
             <a:solidFill>
-              <a:srgbClr val="0070C0"/>
+              <a:schemeClr val="accent1">
+                <a:lumMod val="60000"/>
+                <a:lumOff val="40000"/>
+              </a:schemeClr>
             </a:solidFill>
             <a:tailEnd type="triangle"/>
           </a:ln>

--- a/竹田_修論発表.pptx
+++ b/竹田_修論発表.pptx
@@ -368,7 +368,7 @@
           <a:p>
             <a:fld id="{C8659C27-364E-C74E-8EB0-0FFA61AB3438}" type="datetimeFigureOut">
               <a:rPr kumimoji="1" lang="ja-JP" altLang="en-US" smtClean="0"/>
-              <a:t>2021/11/30</a:t>
+              <a:t>2021/12/1</a:t>
             </a:fld>
             <a:endParaRPr kumimoji="1" lang="ja-JP" altLang="en-US"/>
           </a:p>
@@ -743,7 +743,7 @@
           <a:p>
             <a:fld id="{C8659C27-364E-C74E-8EB0-0FFA61AB3438}" type="datetimeFigureOut">
               <a:rPr kumimoji="1" lang="ja-JP" altLang="en-US" smtClean="0"/>
-              <a:t>2021/11/30</a:t>
+              <a:t>2021/12/1</a:t>
             </a:fld>
             <a:endParaRPr kumimoji="1" lang="ja-JP" altLang="en-US"/>
           </a:p>
@@ -1218,7 +1218,7 @@
           <a:p>
             <a:fld id="{C8659C27-364E-C74E-8EB0-0FFA61AB3438}" type="datetimeFigureOut">
               <a:rPr kumimoji="1" lang="ja-JP" altLang="en-US" smtClean="0"/>
-              <a:t>2021/11/30</a:t>
+              <a:t>2021/12/1</a:t>
             </a:fld>
             <a:endParaRPr kumimoji="1" lang="ja-JP" altLang="en-US"/>
           </a:p>
@@ -1591,7 +1591,7 @@
           <a:p>
             <a:fld id="{C8659C27-364E-C74E-8EB0-0FFA61AB3438}" type="datetimeFigureOut">
               <a:rPr kumimoji="1" lang="ja-JP" altLang="en-US" smtClean="0"/>
-              <a:t>2021/11/30</a:t>
+              <a:t>2021/12/1</a:t>
             </a:fld>
             <a:endParaRPr kumimoji="1" lang="ja-JP" altLang="en-US"/>
           </a:p>
@@ -1985,7 +1985,7 @@
           <a:p>
             <a:fld id="{C8659C27-364E-C74E-8EB0-0FFA61AB3438}" type="datetimeFigureOut">
               <a:rPr kumimoji="1" lang="ja-JP" altLang="en-US" smtClean="0"/>
-              <a:t>2021/11/30</a:t>
+              <a:t>2021/12/1</a:t>
             </a:fld>
             <a:endParaRPr kumimoji="1" lang="ja-JP" altLang="en-US"/>
           </a:p>
@@ -2455,7 +2455,7 @@
           <a:p>
             <a:fld id="{C8659C27-364E-C74E-8EB0-0FFA61AB3438}" type="datetimeFigureOut">
               <a:rPr kumimoji="1" lang="ja-JP" altLang="en-US" smtClean="0"/>
-              <a:t>2021/11/30</a:t>
+              <a:t>2021/12/1</a:t>
             </a:fld>
             <a:endParaRPr kumimoji="1" lang="ja-JP" altLang="en-US"/>
           </a:p>
@@ -2720,7 +2720,7 @@
           <a:p>
             <a:fld id="{C8659C27-364E-C74E-8EB0-0FFA61AB3438}" type="datetimeFigureOut">
               <a:rPr kumimoji="1" lang="ja-JP" altLang="en-US" smtClean="0"/>
-              <a:t>2021/11/30</a:t>
+              <a:t>2021/12/1</a:t>
             </a:fld>
             <a:endParaRPr kumimoji="1" lang="ja-JP" altLang="en-US"/>
           </a:p>
@@ -2990,7 +2990,7 @@
           <a:p>
             <a:fld id="{C8659C27-364E-C74E-8EB0-0FFA61AB3438}" type="datetimeFigureOut">
               <a:rPr kumimoji="1" lang="ja-JP" altLang="en-US" smtClean="0"/>
-              <a:t>2021/11/30</a:t>
+              <a:t>2021/12/1</a:t>
             </a:fld>
             <a:endParaRPr kumimoji="1" lang="ja-JP" altLang="en-US"/>
           </a:p>
@@ -3260,7 +3260,7 @@
           <a:p>
             <a:fld id="{C8659C27-364E-C74E-8EB0-0FFA61AB3438}" type="datetimeFigureOut">
               <a:rPr kumimoji="1" lang="ja-JP" altLang="en-US" smtClean="0"/>
-              <a:t>2021/11/30</a:t>
+              <a:t>2021/12/1</a:t>
             </a:fld>
             <a:endParaRPr kumimoji="1" lang="ja-JP" altLang="en-US"/>
           </a:p>
@@ -3626,7 +3626,7 @@
           <a:p>
             <a:fld id="{C8659C27-364E-C74E-8EB0-0FFA61AB3438}" type="datetimeFigureOut">
               <a:rPr kumimoji="1" lang="ja-JP" altLang="en-US" smtClean="0"/>
-              <a:t>2021/11/30</a:t>
+              <a:t>2021/12/1</a:t>
             </a:fld>
             <a:endParaRPr kumimoji="1" lang="ja-JP" altLang="en-US"/>
           </a:p>
@@ -3965,7 +3965,7 @@
           <a:p>
             <a:fld id="{C8659C27-364E-C74E-8EB0-0FFA61AB3438}" type="datetimeFigureOut">
               <a:rPr kumimoji="1" lang="ja-JP" altLang="en-US" smtClean="0"/>
-              <a:t>2021/11/30</a:t>
+              <a:t>2021/12/1</a:t>
             </a:fld>
             <a:endParaRPr kumimoji="1" lang="ja-JP" altLang="en-US"/>
           </a:p>
@@ -4512,7 +4512,7 @@
           <a:p>
             <a:fld id="{C8659C27-364E-C74E-8EB0-0FFA61AB3438}" type="datetimeFigureOut">
               <a:rPr kumimoji="1" lang="ja-JP" altLang="en-US" smtClean="0"/>
-              <a:t>2021/11/30</a:t>
+              <a:t>2021/12/1</a:t>
             </a:fld>
             <a:endParaRPr kumimoji="1" lang="ja-JP" altLang="en-US"/>
           </a:p>
@@ -4717,7 +4717,7 @@
           <a:p>
             <a:fld id="{C8659C27-364E-C74E-8EB0-0FFA61AB3438}" type="datetimeFigureOut">
               <a:rPr kumimoji="1" lang="ja-JP" altLang="en-US" smtClean="0"/>
-              <a:t>2021/11/30</a:t>
+              <a:t>2021/12/1</a:t>
             </a:fld>
             <a:endParaRPr kumimoji="1" lang="ja-JP" altLang="en-US"/>
           </a:p>
@@ -4894,7 +4894,7 @@
           <a:p>
             <a:fld id="{C8659C27-364E-C74E-8EB0-0FFA61AB3438}" type="datetimeFigureOut">
               <a:rPr kumimoji="1" lang="ja-JP" altLang="en-US" smtClean="0"/>
-              <a:t>2021/11/30</a:t>
+              <a:t>2021/12/1</a:t>
             </a:fld>
             <a:endParaRPr kumimoji="1" lang="ja-JP" altLang="en-US"/>
           </a:p>
@@ -5272,7 +5272,7 @@
           <a:p>
             <a:fld id="{C8659C27-364E-C74E-8EB0-0FFA61AB3438}" type="datetimeFigureOut">
               <a:rPr kumimoji="1" lang="ja-JP" altLang="en-US" smtClean="0"/>
-              <a:t>2021/11/30</a:t>
+              <a:t>2021/12/1</a:t>
             </a:fld>
             <a:endParaRPr kumimoji="1" lang="ja-JP" altLang="en-US"/>
           </a:p>
@@ -5654,7 +5654,7 @@
           <a:p>
             <a:fld id="{C8659C27-364E-C74E-8EB0-0FFA61AB3438}" type="datetimeFigureOut">
               <a:rPr kumimoji="1" lang="ja-JP" altLang="en-US" smtClean="0"/>
-              <a:t>2021/11/30</a:t>
+              <a:t>2021/12/1</a:t>
             </a:fld>
             <a:endParaRPr kumimoji="1" lang="ja-JP" altLang="en-US"/>
           </a:p>
@@ -7779,7 +7779,7 @@
           <a:p>
             <a:fld id="{C8659C27-364E-C74E-8EB0-0FFA61AB3438}" type="datetimeFigureOut">
               <a:rPr kumimoji="1" lang="ja-JP" altLang="en-US" smtClean="0"/>
-              <a:t>2021/11/30</a:t>
+              <a:t>2021/12/1</a:t>
             </a:fld>
             <a:endParaRPr kumimoji="1" lang="ja-JP" altLang="en-US"/>
           </a:p>
@@ -26603,7 +26603,7 @@
             <p:ph idx="1"/>
             <p:extLst>
               <p:ext uri="{D42A27DB-BD31-4B8C-83A1-F6EECF244321}">
-                <p14:modId xmlns:p14="http://schemas.microsoft.com/office/powerpoint/2010/main" val="799816934"/>
+                <p14:modId xmlns:p14="http://schemas.microsoft.com/office/powerpoint/2010/main" val="3612930008"/>
               </p:ext>
             </p:extLst>
           </p:nvPr>
@@ -26953,8 +26953,8 @@
                     <a:p>
                       <a:pPr algn="ctr"/>
                       <a:r>
-                        <a:rPr kumimoji="1" lang="en-US" altLang="ja-JP" sz="2000" dirty="0"/>
-                        <a:t>64</a:t>
+                        <a:rPr kumimoji="1" lang="en-US" altLang="ja-JP" sz="2000"/>
+                        <a:t>66</a:t>
                       </a:r>
                       <a:endParaRPr kumimoji="1" lang="ja-JP" altLang="en-US" sz="2000" dirty="0"/>
                     </a:p>

--- a/竹田_修論発表.pptx
+++ b/竹田_修論発表.pptx
@@ -15,65 +15,63 @@
     <p:sldId id="260" r:id="rId9"/>
     <p:sldId id="565" r:id="rId10"/>
     <p:sldId id="262" r:id="rId11"/>
-    <p:sldId id="618" r:id="rId12"/>
-    <p:sldId id="614" r:id="rId13"/>
-    <p:sldId id="263" r:id="rId14"/>
-    <p:sldId id="269" r:id="rId15"/>
-    <p:sldId id="270" r:id="rId16"/>
-    <p:sldId id="271" r:id="rId17"/>
-    <p:sldId id="562" r:id="rId18"/>
-    <p:sldId id="272" r:id="rId19"/>
-    <p:sldId id="563" r:id="rId20"/>
-    <p:sldId id="273" r:id="rId21"/>
-    <p:sldId id="274" r:id="rId22"/>
-    <p:sldId id="564" r:id="rId23"/>
-    <p:sldId id="264" r:id="rId24"/>
-    <p:sldId id="265" r:id="rId25"/>
-    <p:sldId id="266" r:id="rId26"/>
-    <p:sldId id="566" r:id="rId27"/>
-    <p:sldId id="568" r:id="rId28"/>
-    <p:sldId id="559" r:id="rId29"/>
-    <p:sldId id="615" r:id="rId30"/>
-    <p:sldId id="569" r:id="rId31"/>
-    <p:sldId id="571" r:id="rId32"/>
-    <p:sldId id="573" r:id="rId33"/>
-    <p:sldId id="574" r:id="rId34"/>
-    <p:sldId id="572" r:id="rId35"/>
-    <p:sldId id="576" r:id="rId36"/>
-    <p:sldId id="577" r:id="rId37"/>
-    <p:sldId id="579" r:id="rId38"/>
-    <p:sldId id="587" r:id="rId39"/>
-    <p:sldId id="580" r:id="rId40"/>
-    <p:sldId id="581" r:id="rId41"/>
-    <p:sldId id="619" r:id="rId42"/>
-    <p:sldId id="620" r:id="rId43"/>
-    <p:sldId id="588" r:id="rId44"/>
-    <p:sldId id="589" r:id="rId45"/>
-    <p:sldId id="591" r:id="rId46"/>
-    <p:sldId id="590" r:id="rId47"/>
-    <p:sldId id="592" r:id="rId48"/>
-    <p:sldId id="594" r:id="rId49"/>
-    <p:sldId id="596" r:id="rId50"/>
-    <p:sldId id="597" r:id="rId51"/>
-    <p:sldId id="598" r:id="rId52"/>
-    <p:sldId id="607" r:id="rId53"/>
-    <p:sldId id="610" r:id="rId54"/>
-    <p:sldId id="601" r:id="rId55"/>
-    <p:sldId id="602" r:id="rId56"/>
-    <p:sldId id="603" r:id="rId57"/>
-    <p:sldId id="604" r:id="rId58"/>
-    <p:sldId id="606" r:id="rId59"/>
-    <p:sldId id="608" r:id="rId60"/>
-    <p:sldId id="611" r:id="rId61"/>
-    <p:sldId id="616" r:id="rId62"/>
-    <p:sldId id="617" r:id="rId63"/>
-    <p:sldId id="609" r:id="rId64"/>
-    <p:sldId id="622" r:id="rId65"/>
-    <p:sldId id="578" r:id="rId66"/>
-    <p:sldId id="621" r:id="rId67"/>
-    <p:sldId id="582" r:id="rId68"/>
-    <p:sldId id="583" r:id="rId69"/>
-    <p:sldId id="561" r:id="rId70"/>
+    <p:sldId id="614" r:id="rId12"/>
+    <p:sldId id="263" r:id="rId13"/>
+    <p:sldId id="269" r:id="rId14"/>
+    <p:sldId id="270" r:id="rId15"/>
+    <p:sldId id="271" r:id="rId16"/>
+    <p:sldId id="562" r:id="rId17"/>
+    <p:sldId id="272" r:id="rId18"/>
+    <p:sldId id="563" r:id="rId19"/>
+    <p:sldId id="273" r:id="rId20"/>
+    <p:sldId id="274" r:id="rId21"/>
+    <p:sldId id="564" r:id="rId22"/>
+    <p:sldId id="264" r:id="rId23"/>
+    <p:sldId id="265" r:id="rId24"/>
+    <p:sldId id="266" r:id="rId25"/>
+    <p:sldId id="566" r:id="rId26"/>
+    <p:sldId id="568" r:id="rId27"/>
+    <p:sldId id="559" r:id="rId28"/>
+    <p:sldId id="615" r:id="rId29"/>
+    <p:sldId id="569" r:id="rId30"/>
+    <p:sldId id="571" r:id="rId31"/>
+    <p:sldId id="573" r:id="rId32"/>
+    <p:sldId id="574" r:id="rId33"/>
+    <p:sldId id="572" r:id="rId34"/>
+    <p:sldId id="576" r:id="rId35"/>
+    <p:sldId id="577" r:id="rId36"/>
+    <p:sldId id="579" r:id="rId37"/>
+    <p:sldId id="587" r:id="rId38"/>
+    <p:sldId id="580" r:id="rId39"/>
+    <p:sldId id="581" r:id="rId40"/>
+    <p:sldId id="619" r:id="rId41"/>
+    <p:sldId id="620" r:id="rId42"/>
+    <p:sldId id="588" r:id="rId43"/>
+    <p:sldId id="589" r:id="rId44"/>
+    <p:sldId id="591" r:id="rId45"/>
+    <p:sldId id="590" r:id="rId46"/>
+    <p:sldId id="592" r:id="rId47"/>
+    <p:sldId id="594" r:id="rId48"/>
+    <p:sldId id="596" r:id="rId49"/>
+    <p:sldId id="597" r:id="rId50"/>
+    <p:sldId id="598" r:id="rId51"/>
+    <p:sldId id="607" r:id="rId52"/>
+    <p:sldId id="610" r:id="rId53"/>
+    <p:sldId id="601" r:id="rId54"/>
+    <p:sldId id="602" r:id="rId55"/>
+    <p:sldId id="603" r:id="rId56"/>
+    <p:sldId id="604" r:id="rId57"/>
+    <p:sldId id="606" r:id="rId58"/>
+    <p:sldId id="608" r:id="rId59"/>
+    <p:sldId id="611" r:id="rId60"/>
+    <p:sldId id="616" r:id="rId61"/>
+    <p:sldId id="617" r:id="rId62"/>
+    <p:sldId id="609" r:id="rId63"/>
+    <p:sldId id="622" r:id="rId64"/>
+    <p:sldId id="578" r:id="rId65"/>
+    <p:sldId id="621" r:id="rId66"/>
+    <p:sldId id="582" r:id="rId67"/>
+    <p:sldId id="561" r:id="rId68"/>
   </p:sldIdLst>
   <p:sldSz cx="12192000" cy="6858000"/>
   <p:notesSz cx="6858000" cy="9144000"/>
@@ -8628,7 +8626,7 @@
           <p:cNvPr id="2" name="タイトル 1">
             <a:extLst>
               <a:ext uri="{FF2B5EF4-FFF2-40B4-BE49-F238E27FC236}">
-                <a16:creationId xmlns:a16="http://schemas.microsoft.com/office/drawing/2014/main" id="{73AA40AB-F8CD-C044-9728-4598503D65C7}"/>
+                <a16:creationId xmlns:a16="http://schemas.microsoft.com/office/drawing/2014/main" id="{93010AF0-9B7D-1145-8148-06A633089EBF}"/>
               </a:ext>
             </a:extLst>
           </p:cNvPr>
@@ -8646,49 +8644,107 @@
           <a:p>
             <a:r>
               <a:rPr kumimoji="1" lang="en-US" altLang="ja-JP" dirty="0"/>
-              <a:t>Exa</a:t>
-            </a:r>
-            <a:r>
-              <a:rPr lang="en-US" altLang="ja-JP" dirty="0"/>
-              <a:t>mple of stowage plan</a:t>
+              <a:t>Outline</a:t>
             </a:r>
             <a:endParaRPr kumimoji="1" lang="ja-JP" altLang="en-US"/>
           </a:p>
         </p:txBody>
       </p:sp>
-      <p:pic>
-        <p:nvPicPr>
-          <p:cNvPr id="5" name="コンテンツ プレースホルダー 4">
+      <p:sp>
+        <p:nvSpPr>
+          <p:cNvPr id="3" name="コンテンツ プレースホルダー 2">
             <a:extLst>
               <a:ext uri="{FF2B5EF4-FFF2-40B4-BE49-F238E27FC236}">
-                <a16:creationId xmlns:a16="http://schemas.microsoft.com/office/drawing/2014/main" id="{450C6197-11E8-3540-A8F1-47CE6B0BD26A}"/>
+                <a16:creationId xmlns:a16="http://schemas.microsoft.com/office/drawing/2014/main" id="{97A5DCCE-A463-7E40-A93C-1FAC6C539F8C}"/>
               </a:ext>
             </a:extLst>
           </p:cNvPr>
-          <p:cNvPicPr>
-            <a:picLocks noGrp="1" noChangeAspect="1"/>
-          </p:cNvPicPr>
+          <p:cNvSpPr>
+            <a:spLocks noGrp="1"/>
+          </p:cNvSpPr>
           <p:nvPr>
             <p:ph idx="1"/>
           </p:nvPr>
-        </p:nvPicPr>
-        <p:blipFill>
-          <a:blip r:embed="rId2"/>
-          <a:stretch>
-            <a:fillRect/>
-          </a:stretch>
-        </p:blipFill>
-        <p:spPr>
-          <a:xfrm>
-            <a:off x="2592925" y="1730188"/>
-            <a:ext cx="7535966" cy="3778250"/>
-          </a:xfrm>
-        </p:spPr>
-      </p:pic>
+        </p:nvSpPr>
+        <p:spPr/>
+        <p:txBody>
+          <a:bodyPr>
+            <a:normAutofit/>
+          </a:bodyPr>
+          <a:lstStyle/>
+          <a:p>
+            <a:r>
+              <a:rPr kumimoji="1" lang="en-US" altLang="ja-JP" sz="2400" dirty="0">
+                <a:solidFill>
+                  <a:schemeClr val="bg1">
+                    <a:lumMod val="75000"/>
+                  </a:schemeClr>
+                </a:solidFill>
+              </a:rPr>
+              <a:t>Background</a:t>
+            </a:r>
+          </a:p>
+          <a:p>
+            <a:r>
+              <a:rPr lang="en-US" altLang="ja-JP" sz="2400" dirty="0">
+                <a:solidFill>
+                  <a:schemeClr val="bg1">
+                    <a:lumMod val="75000"/>
+                  </a:schemeClr>
+                </a:solidFill>
+              </a:rPr>
+              <a:t>Problem definition</a:t>
+            </a:r>
+            <a:endParaRPr kumimoji="1" lang="en-US" altLang="ja-JP" sz="2400" dirty="0">
+              <a:solidFill>
+                <a:schemeClr val="bg1">
+                  <a:lumMod val="75000"/>
+                </a:schemeClr>
+              </a:solidFill>
+            </a:endParaRPr>
+          </a:p>
+          <a:p>
+            <a:r>
+              <a:rPr lang="en-US" altLang="ja-JP" sz="2400" dirty="0"/>
+              <a:t>Modeling </a:t>
+            </a:r>
+          </a:p>
+          <a:p>
+            <a:r>
+              <a:rPr lang="en-US" altLang="ja-JP" sz="2400" dirty="0">
+                <a:solidFill>
+                  <a:schemeClr val="bg1">
+                    <a:lumMod val="75000"/>
+                  </a:schemeClr>
+                </a:solidFill>
+              </a:rPr>
+              <a:t>Different modeling</a:t>
+            </a:r>
+          </a:p>
+          <a:p>
+            <a:r>
+              <a:rPr kumimoji="1" lang="en-US" altLang="ja-JP" sz="2400" dirty="0">
+                <a:solidFill>
+                  <a:schemeClr val="bg1">
+                    <a:lumMod val="75000"/>
+                  </a:schemeClr>
+                </a:solidFill>
+              </a:rPr>
+              <a:t>future work</a:t>
+            </a:r>
+          </a:p>
+          <a:p>
+            <a:endParaRPr kumimoji="1" lang="en-US" altLang="ja-JP" sz="2400" dirty="0"/>
+          </a:p>
+          <a:p>
+            <a:endParaRPr kumimoji="1" lang="ja-JP" altLang="en-US" sz="2400"/>
+          </a:p>
+        </p:txBody>
+      </p:sp>
     </p:spTree>
     <p:extLst>
       <p:ext uri="{BB962C8B-B14F-4D97-AF65-F5344CB8AC3E}">
-        <p14:creationId xmlns:p14="http://schemas.microsoft.com/office/powerpoint/2010/main" val="1718871092"/>
+        <p14:creationId xmlns:p14="http://schemas.microsoft.com/office/powerpoint/2010/main" val="844269254"/>
       </p:ext>
     </p:extLst>
   </p:cSld>
@@ -8720,7 +8776,7 @@
           <p:cNvPr id="2" name="タイトル 1">
             <a:extLst>
               <a:ext uri="{FF2B5EF4-FFF2-40B4-BE49-F238E27FC236}">
-                <a16:creationId xmlns:a16="http://schemas.microsoft.com/office/drawing/2014/main" id="{93010AF0-9B7D-1145-8148-06A633089EBF}"/>
+                <a16:creationId xmlns:a16="http://schemas.microsoft.com/office/drawing/2014/main" id="{89663C5D-CBA2-0E4F-B496-EAA0921F02CB}"/>
               </a:ext>
             </a:extLst>
           </p:cNvPr>
@@ -8737,8 +8793,8 @@
           <a:lstStyle/>
           <a:p>
             <a:r>
-              <a:rPr kumimoji="1" lang="en-US" altLang="ja-JP" dirty="0"/>
-              <a:t>Outline</a:t>
+              <a:rPr lang="en-US" altLang="ja-JP" dirty="0"/>
+              <a:t>Mathematical Modeling</a:t>
             </a:r>
             <a:endParaRPr kumimoji="1" lang="ja-JP" altLang="en-US"/>
           </a:p>
@@ -8749,7 +8805,7 @@
           <p:cNvPr id="3" name="コンテンツ プレースホルダー 2">
             <a:extLst>
               <a:ext uri="{FF2B5EF4-FFF2-40B4-BE49-F238E27FC236}">
-                <a16:creationId xmlns:a16="http://schemas.microsoft.com/office/drawing/2014/main" id="{97A5DCCE-A463-7E40-A93C-1FAC6C539F8C}"/>
+                <a16:creationId xmlns:a16="http://schemas.microsoft.com/office/drawing/2014/main" id="{DDCCA87D-98EC-5F4C-B7CC-2189578463C2}"/>
               </a:ext>
             </a:extLst>
           </p:cNvPr>
@@ -8768,69 +8824,41 @@
           <a:lstStyle/>
           <a:p>
             <a:r>
-              <a:rPr kumimoji="1" lang="en-US" altLang="ja-JP" sz="2400" dirty="0">
-                <a:solidFill>
-                  <a:schemeClr val="bg1">
-                    <a:lumMod val="75000"/>
-                  </a:schemeClr>
-                </a:solidFill>
-              </a:rPr>
-              <a:t>Background</a:t>
-            </a:r>
-          </a:p>
-          <a:p>
-            <a:r>
-              <a:rPr lang="en-US" altLang="ja-JP" sz="2400" dirty="0">
-                <a:solidFill>
-                  <a:schemeClr val="bg1">
-                    <a:lumMod val="75000"/>
-                  </a:schemeClr>
-                </a:solidFill>
-              </a:rPr>
-              <a:t>Problem definition</a:t>
-            </a:r>
-            <a:endParaRPr kumimoji="1" lang="en-US" altLang="ja-JP" sz="2400" dirty="0">
-              <a:solidFill>
-                <a:schemeClr val="bg1">
-                  <a:lumMod val="75000"/>
-                </a:schemeClr>
-              </a:solidFill>
-            </a:endParaRPr>
-          </a:p>
-          <a:p>
+              <a:rPr kumimoji="1" lang="en-US" altLang="ja-JP" sz="2400" dirty="0"/>
+              <a:t>We model this </a:t>
+            </a:r>
             <a:r>
               <a:rPr lang="en-US" altLang="ja-JP" sz="2400" dirty="0"/>
-              <a:t>Modeling </a:t>
-            </a:r>
-          </a:p>
-          <a:p>
-            <a:r>
-              <a:rPr lang="en-US" altLang="ja-JP" sz="2400" dirty="0">
-                <a:solidFill>
-                  <a:schemeClr val="bg1">
-                    <a:lumMod val="75000"/>
-                  </a:schemeClr>
-                </a:solidFill>
-              </a:rPr>
-              <a:t>Different modeling</a:t>
-            </a:r>
-          </a:p>
-          <a:p>
-            <a:r>
-              <a:rPr kumimoji="1" lang="en-US" altLang="ja-JP" sz="2400" dirty="0">
-                <a:solidFill>
-                  <a:schemeClr val="bg1">
-                    <a:lumMod val="75000"/>
-                  </a:schemeClr>
-                </a:solidFill>
-              </a:rPr>
-              <a:t>future work</a:t>
-            </a:r>
-          </a:p>
-          <a:p>
-            <a:endParaRPr kumimoji="1" lang="en-US" altLang="ja-JP" sz="2400" dirty="0"/>
-          </a:p>
-          <a:p>
+              <a:t>assignment based on interviews with planners.</a:t>
+            </a:r>
+          </a:p>
+          <a:p>
+            <a:r>
+              <a:rPr lang="en-US" altLang="ja-JP" sz="2400" dirty="0"/>
+              <a:t>I and </a:t>
+            </a:r>
+            <a:r>
+              <a:rPr lang="en-US" altLang="ja-JP" sz="2400" dirty="0" err="1"/>
+              <a:t>Mr.Ukawa</a:t>
+            </a:r>
+            <a:r>
+              <a:rPr lang="en-US" altLang="ja-JP" sz="2400" dirty="0"/>
+              <a:t> made model for this assignment last year.</a:t>
+            </a:r>
+          </a:p>
+          <a:p>
+            <a:r>
+              <a:rPr kumimoji="1" lang="en-US" altLang="ja-JP" sz="2400" dirty="0"/>
+              <a:t>I will explain </a:t>
+            </a:r>
+            <a:r>
+              <a:rPr lang="en-US" altLang="ja-JP" sz="2400" dirty="0"/>
+              <a:t>objective function and constraints one </a:t>
+            </a:r>
+            <a:r>
+              <a:rPr kumimoji="1" lang="en-US" altLang="ja-JP" sz="2400" dirty="0"/>
+              <a:t>by one.</a:t>
+            </a:r>
             <a:endParaRPr kumimoji="1" lang="ja-JP" altLang="en-US" sz="2400"/>
           </a:p>
         </p:txBody>
@@ -8838,7 +8866,7 @@
     </p:spTree>
     <p:extLst>
       <p:ext uri="{BB962C8B-B14F-4D97-AF65-F5344CB8AC3E}">
-        <p14:creationId xmlns:p14="http://schemas.microsoft.com/office/powerpoint/2010/main" val="844269254"/>
+        <p14:creationId xmlns:p14="http://schemas.microsoft.com/office/powerpoint/2010/main" val="1750544108"/>
       </p:ext>
     </p:extLst>
   </p:cSld>
@@ -8870,128 +8898,6 @@
           <p:cNvPr id="2" name="タイトル 1">
             <a:extLst>
               <a:ext uri="{FF2B5EF4-FFF2-40B4-BE49-F238E27FC236}">
-                <a16:creationId xmlns:a16="http://schemas.microsoft.com/office/drawing/2014/main" id="{89663C5D-CBA2-0E4F-B496-EAA0921F02CB}"/>
-              </a:ext>
-            </a:extLst>
-          </p:cNvPr>
-          <p:cNvSpPr>
-            <a:spLocks noGrp="1"/>
-          </p:cNvSpPr>
-          <p:nvPr>
-            <p:ph type="title"/>
-          </p:nvPr>
-        </p:nvSpPr>
-        <p:spPr/>
-        <p:txBody>
-          <a:bodyPr/>
-          <a:lstStyle/>
-          <a:p>
-            <a:r>
-              <a:rPr lang="en-US" altLang="ja-JP" dirty="0"/>
-              <a:t>Mathematical Modeling</a:t>
-            </a:r>
-            <a:endParaRPr kumimoji="1" lang="ja-JP" altLang="en-US"/>
-          </a:p>
-        </p:txBody>
-      </p:sp>
-      <p:sp>
-        <p:nvSpPr>
-          <p:cNvPr id="3" name="コンテンツ プレースホルダー 2">
-            <a:extLst>
-              <a:ext uri="{FF2B5EF4-FFF2-40B4-BE49-F238E27FC236}">
-                <a16:creationId xmlns:a16="http://schemas.microsoft.com/office/drawing/2014/main" id="{DDCCA87D-98EC-5F4C-B7CC-2189578463C2}"/>
-              </a:ext>
-            </a:extLst>
-          </p:cNvPr>
-          <p:cNvSpPr>
-            <a:spLocks noGrp="1"/>
-          </p:cNvSpPr>
-          <p:nvPr>
-            <p:ph idx="1"/>
-          </p:nvPr>
-        </p:nvSpPr>
-        <p:spPr/>
-        <p:txBody>
-          <a:bodyPr>
-            <a:normAutofit/>
-          </a:bodyPr>
-          <a:lstStyle/>
-          <a:p>
-            <a:r>
-              <a:rPr kumimoji="1" lang="en-US" altLang="ja-JP" sz="2400" dirty="0"/>
-              <a:t>We model this </a:t>
-            </a:r>
-            <a:r>
-              <a:rPr lang="en-US" altLang="ja-JP" sz="2400" dirty="0"/>
-              <a:t>assignment based on interviews with planners.</a:t>
-            </a:r>
-          </a:p>
-          <a:p>
-            <a:r>
-              <a:rPr lang="en-US" altLang="ja-JP" sz="2400" dirty="0"/>
-              <a:t>I and </a:t>
-            </a:r>
-            <a:r>
-              <a:rPr lang="en-US" altLang="ja-JP" sz="2400" dirty="0" err="1"/>
-              <a:t>Mr.Ukawa</a:t>
-            </a:r>
-            <a:r>
-              <a:rPr lang="en-US" altLang="ja-JP" sz="2400" dirty="0"/>
-              <a:t> made model for this assignment last year.</a:t>
-            </a:r>
-          </a:p>
-          <a:p>
-            <a:r>
-              <a:rPr kumimoji="1" lang="en-US" altLang="ja-JP" sz="2400" dirty="0"/>
-              <a:t>I will explain </a:t>
-            </a:r>
-            <a:r>
-              <a:rPr lang="en-US" altLang="ja-JP" sz="2400" dirty="0"/>
-              <a:t>objective function and constraints one </a:t>
-            </a:r>
-            <a:r>
-              <a:rPr kumimoji="1" lang="en-US" altLang="ja-JP" sz="2400" dirty="0"/>
-              <a:t>by one.</a:t>
-            </a:r>
-            <a:endParaRPr kumimoji="1" lang="ja-JP" altLang="en-US" sz="2400"/>
-          </a:p>
-        </p:txBody>
-      </p:sp>
-    </p:spTree>
-    <p:extLst>
-      <p:ext uri="{BB962C8B-B14F-4D97-AF65-F5344CB8AC3E}">
-        <p14:creationId xmlns:p14="http://schemas.microsoft.com/office/powerpoint/2010/main" val="1750544108"/>
-      </p:ext>
-    </p:extLst>
-  </p:cSld>
-  <p:clrMapOvr>
-    <a:masterClrMapping/>
-  </p:clrMapOvr>
-</p:sld>
-</file>
-
-<file path=ppt/slides/slide14.xml><?xml version="1.0" encoding="utf-8"?>
-<p:sld xmlns:a="http://schemas.openxmlformats.org/drawingml/2006/main" xmlns:r="http://schemas.openxmlformats.org/officeDocument/2006/relationships" xmlns:p="http://schemas.openxmlformats.org/presentationml/2006/main">
-  <p:cSld>
-    <p:spTree>
-      <p:nvGrpSpPr>
-        <p:cNvPr id="1" name=""/>
-        <p:cNvGrpSpPr/>
-        <p:nvPr/>
-      </p:nvGrpSpPr>
-      <p:grpSpPr>
-        <a:xfrm>
-          <a:off x="0" y="0"/>
-          <a:ext cx="0" cy="0"/>
-          <a:chOff x="0" y="0"/>
-          <a:chExt cx="0" cy="0"/>
-        </a:xfrm>
-      </p:grpSpPr>
-      <p:sp>
-        <p:nvSpPr>
-          <p:cNvPr id="2" name="タイトル 1">
-            <a:extLst>
-              <a:ext uri="{FF2B5EF4-FFF2-40B4-BE49-F238E27FC236}">
                 <a16:creationId xmlns:a16="http://schemas.microsoft.com/office/drawing/2014/main" id="{FD7804DA-5131-1342-B346-35CAC3C09CE7}"/>
               </a:ext>
             </a:extLst>
@@ -9120,7 +9026,7 @@
 </p:sld>
 </file>
 
-<file path=ppt/slides/slide15.xml><?xml version="1.0" encoding="utf-8"?>
+<file path=ppt/slides/slide14.xml><?xml version="1.0" encoding="utf-8"?>
 <p:sld xmlns:a="http://schemas.openxmlformats.org/drawingml/2006/main" xmlns:r="http://schemas.openxmlformats.org/officeDocument/2006/relationships" xmlns:p="http://schemas.openxmlformats.org/presentationml/2006/main">
   <p:cSld>
     <p:spTree>
@@ -9507,7 +9413,7 @@
 </p:sld>
 </file>
 
-<file path=ppt/slides/slide16.xml><?xml version="1.0" encoding="utf-8"?>
+<file path=ppt/slides/slide15.xml><?xml version="1.0" encoding="utf-8"?>
 <p:sld xmlns:a="http://schemas.openxmlformats.org/drawingml/2006/main" xmlns:r="http://schemas.openxmlformats.org/officeDocument/2006/relationships" xmlns:p="http://schemas.openxmlformats.org/presentationml/2006/main">
   <p:cSld>
     <p:spTree>
@@ -10937,7 +10843,7 @@
 </p:sld>
 </file>
 
-<file path=ppt/slides/slide17.xml><?xml version="1.0" encoding="utf-8"?>
+<file path=ppt/slides/slide16.xml><?xml version="1.0" encoding="utf-8"?>
 <p:sld xmlns:a="http://schemas.openxmlformats.org/drawingml/2006/main" xmlns:r="http://schemas.openxmlformats.org/officeDocument/2006/relationships" xmlns:p="http://schemas.openxmlformats.org/presentationml/2006/main">
   <p:cSld>
     <p:spTree>
@@ -12316,6 +12222,123 @@
 </p:sld>
 </file>
 
+<file path=ppt/slides/slide17.xml><?xml version="1.0" encoding="utf-8"?>
+<p:sld xmlns:a="http://schemas.openxmlformats.org/drawingml/2006/main" xmlns:r="http://schemas.openxmlformats.org/officeDocument/2006/relationships" xmlns:p="http://schemas.openxmlformats.org/presentationml/2006/main">
+  <p:cSld>
+    <p:spTree>
+      <p:nvGrpSpPr>
+        <p:cNvPr id="1" name=""/>
+        <p:cNvGrpSpPr/>
+        <p:nvPr/>
+      </p:nvGrpSpPr>
+      <p:grpSpPr>
+        <a:xfrm>
+          <a:off x="0" y="0"/>
+          <a:ext cx="0" cy="0"/>
+          <a:chOff x="0" y="0"/>
+          <a:chExt cx="0" cy="0"/>
+        </a:xfrm>
+      </p:grpSpPr>
+      <p:sp>
+        <p:nvSpPr>
+          <p:cNvPr id="2" name="タイトル 1">
+            <a:extLst>
+              <a:ext uri="{FF2B5EF4-FFF2-40B4-BE49-F238E27FC236}">
+                <a16:creationId xmlns:a16="http://schemas.microsoft.com/office/drawing/2014/main" id="{AD513AB0-DE80-1249-81CC-02FEBF1A9A4F}"/>
+              </a:ext>
+            </a:extLst>
+          </p:cNvPr>
+          <p:cNvSpPr>
+            <a:spLocks noGrp="1"/>
+          </p:cNvSpPr>
+          <p:nvPr>
+            <p:ph type="title"/>
+          </p:nvPr>
+        </p:nvSpPr>
+        <p:spPr/>
+        <p:txBody>
+          <a:bodyPr/>
+          <a:lstStyle/>
+          <a:p>
+            <a:r>
+              <a:rPr lang="en" altLang="ja-JP" dirty="0"/>
+              <a:t>Securing a path to prevent </a:t>
+            </a:r>
+            <a:br>
+              <a:rPr lang="en" altLang="ja-JP" dirty="0"/>
+            </a:br>
+            <a:r>
+              <a:rPr lang="en" altLang="ja-JP" dirty="0"/>
+              <a:t>loss of work efficiency</a:t>
+            </a:r>
+            <a:endParaRPr kumimoji="1" lang="ja-JP" altLang="en-US"/>
+          </a:p>
+        </p:txBody>
+      </p:sp>
+      <p:sp>
+        <p:nvSpPr>
+          <p:cNvPr id="3" name="コンテンツ プレースホルダー 2">
+            <a:extLst>
+              <a:ext uri="{FF2B5EF4-FFF2-40B4-BE49-F238E27FC236}">
+                <a16:creationId xmlns:a16="http://schemas.microsoft.com/office/drawing/2014/main" id="{98A8D984-F4FD-154B-9B02-E5367600FF28}"/>
+              </a:ext>
+            </a:extLst>
+          </p:cNvPr>
+          <p:cNvSpPr>
+            <a:spLocks noGrp="1"/>
+          </p:cNvSpPr>
+          <p:nvPr>
+            <p:ph idx="1"/>
+          </p:nvPr>
+        </p:nvSpPr>
+        <p:spPr/>
+        <p:txBody>
+          <a:bodyPr>
+            <a:normAutofit/>
+          </a:bodyPr>
+          <a:lstStyle/>
+          <a:p>
+            <a:r>
+              <a:rPr lang="en-US" altLang="ja-JP" sz="2400" dirty="0"/>
+              <a:t>When a hold is full,</a:t>
+            </a:r>
+            <a:r>
+              <a:rPr lang="ja-JP" altLang="en-US" sz="2400"/>
+              <a:t> </a:t>
+            </a:r>
+            <a:r>
+              <a:rPr lang="en" altLang="ja-JP" sz="2400" dirty="0"/>
+              <a:t>it would be harder to pass through that hold.</a:t>
+            </a:r>
+            <a:endParaRPr lang="en-US" altLang="ja-JP" sz="2400" dirty="0"/>
+          </a:p>
+          <a:p>
+            <a:r>
+              <a:rPr lang="en-US" altLang="ja-JP" sz="2400" dirty="0"/>
+              <a:t>The crew need to move cars in that hold once and bring them back again.</a:t>
+            </a:r>
+          </a:p>
+          <a:p>
+            <a:r>
+              <a:rPr lang="en" altLang="ja-JP" sz="2400" dirty="0"/>
+              <a:t>This leads to a loss of work efficiency.</a:t>
+            </a:r>
+          </a:p>
+        </p:txBody>
+      </p:sp>
+    </p:spTree>
+    <p:extLst>
+      <p:ext uri="{BB962C8B-B14F-4D97-AF65-F5344CB8AC3E}">
+        <p14:creationId xmlns:p14="http://schemas.microsoft.com/office/powerpoint/2010/main" val="3091578998"/>
+      </p:ext>
+    </p:extLst>
+  </p:cSld>
+  <p:clrMapOvr>
+    <a:masterClrMapping/>
+  </p:clrMapOvr>
+</p:sld>
+</file>
+
 <file path=ppt/slides/slide18.xml><?xml version="1.0" encoding="utf-8"?>
 <p:sld xmlns:a="http://schemas.openxmlformats.org/drawingml/2006/main" xmlns:r="http://schemas.openxmlformats.org/officeDocument/2006/relationships" xmlns:p="http://schemas.openxmlformats.org/presentationml/2006/main">
   <p:cSld>
@@ -12338,123 +12361,6 @@
           <p:cNvPr id="2" name="タイトル 1">
             <a:extLst>
               <a:ext uri="{FF2B5EF4-FFF2-40B4-BE49-F238E27FC236}">
-                <a16:creationId xmlns:a16="http://schemas.microsoft.com/office/drawing/2014/main" id="{AD513AB0-DE80-1249-81CC-02FEBF1A9A4F}"/>
-              </a:ext>
-            </a:extLst>
-          </p:cNvPr>
-          <p:cNvSpPr>
-            <a:spLocks noGrp="1"/>
-          </p:cNvSpPr>
-          <p:nvPr>
-            <p:ph type="title"/>
-          </p:nvPr>
-        </p:nvSpPr>
-        <p:spPr/>
-        <p:txBody>
-          <a:bodyPr/>
-          <a:lstStyle/>
-          <a:p>
-            <a:r>
-              <a:rPr lang="en" altLang="ja-JP" dirty="0"/>
-              <a:t>Securing a path to prevent </a:t>
-            </a:r>
-            <a:br>
-              <a:rPr lang="en" altLang="ja-JP" dirty="0"/>
-            </a:br>
-            <a:r>
-              <a:rPr lang="en" altLang="ja-JP" dirty="0"/>
-              <a:t>loss of work efficiency</a:t>
-            </a:r>
-            <a:endParaRPr kumimoji="1" lang="ja-JP" altLang="en-US"/>
-          </a:p>
-        </p:txBody>
-      </p:sp>
-      <p:sp>
-        <p:nvSpPr>
-          <p:cNvPr id="3" name="コンテンツ プレースホルダー 2">
-            <a:extLst>
-              <a:ext uri="{FF2B5EF4-FFF2-40B4-BE49-F238E27FC236}">
-                <a16:creationId xmlns:a16="http://schemas.microsoft.com/office/drawing/2014/main" id="{98A8D984-F4FD-154B-9B02-E5367600FF28}"/>
-              </a:ext>
-            </a:extLst>
-          </p:cNvPr>
-          <p:cNvSpPr>
-            <a:spLocks noGrp="1"/>
-          </p:cNvSpPr>
-          <p:nvPr>
-            <p:ph idx="1"/>
-          </p:nvPr>
-        </p:nvSpPr>
-        <p:spPr/>
-        <p:txBody>
-          <a:bodyPr>
-            <a:normAutofit/>
-          </a:bodyPr>
-          <a:lstStyle/>
-          <a:p>
-            <a:r>
-              <a:rPr lang="en-US" altLang="ja-JP" sz="2400" dirty="0"/>
-              <a:t>When a hold is full,</a:t>
-            </a:r>
-            <a:r>
-              <a:rPr lang="ja-JP" altLang="en-US" sz="2400"/>
-              <a:t> </a:t>
-            </a:r>
-            <a:r>
-              <a:rPr lang="en" altLang="ja-JP" sz="2400" dirty="0"/>
-              <a:t>it would be harder to pass through that hold.</a:t>
-            </a:r>
-            <a:endParaRPr lang="en-US" altLang="ja-JP" sz="2400" dirty="0"/>
-          </a:p>
-          <a:p>
-            <a:r>
-              <a:rPr lang="en-US" altLang="ja-JP" sz="2400" dirty="0"/>
-              <a:t>The crew need to move cars in that hold once and bring them back again.</a:t>
-            </a:r>
-          </a:p>
-          <a:p>
-            <a:r>
-              <a:rPr lang="en" altLang="ja-JP" sz="2400" dirty="0"/>
-              <a:t>This leads to a loss of work efficiency.</a:t>
-            </a:r>
-          </a:p>
-        </p:txBody>
-      </p:sp>
-    </p:spTree>
-    <p:extLst>
-      <p:ext uri="{BB962C8B-B14F-4D97-AF65-F5344CB8AC3E}">
-        <p14:creationId xmlns:p14="http://schemas.microsoft.com/office/powerpoint/2010/main" val="3091578998"/>
-      </p:ext>
-    </p:extLst>
-  </p:cSld>
-  <p:clrMapOvr>
-    <a:masterClrMapping/>
-  </p:clrMapOvr>
-</p:sld>
-</file>
-
-<file path=ppt/slides/slide19.xml><?xml version="1.0" encoding="utf-8"?>
-<p:sld xmlns:a="http://schemas.openxmlformats.org/drawingml/2006/main" xmlns:r="http://schemas.openxmlformats.org/officeDocument/2006/relationships" xmlns:p="http://schemas.openxmlformats.org/presentationml/2006/main">
-  <p:cSld>
-    <p:spTree>
-      <p:nvGrpSpPr>
-        <p:cNvPr id="1" name=""/>
-        <p:cNvGrpSpPr/>
-        <p:nvPr/>
-      </p:nvGrpSpPr>
-      <p:grpSpPr>
-        <a:xfrm>
-          <a:off x="0" y="0"/>
-          <a:ext cx="0" cy="0"/>
-          <a:chOff x="0" y="0"/>
-          <a:chExt cx="0" cy="0"/>
-        </a:xfrm>
-      </p:grpSpPr>
-      <p:sp>
-        <p:nvSpPr>
-          <p:cNvPr id="2" name="タイトル 1">
-            <a:extLst>
-              <a:ext uri="{FF2B5EF4-FFF2-40B4-BE49-F238E27FC236}">
                 <a16:creationId xmlns:a16="http://schemas.microsoft.com/office/drawing/2014/main" id="{48ADACD0-9C1F-8A4B-8763-6580C2028ED1}"/>
               </a:ext>
             </a:extLst>
@@ -12504,7 +12410,7 @@
           <a:p>
             <a:r>
               <a:rPr lang="en" altLang="ja-JP" sz="2400" dirty="0"/>
-              <a:t>For each hold 𝑖, we defined a filling rate that does not narrow the aisle of the car.</a:t>
+              <a:t>For each hold 𝑖, we define a filling rate that does not narrow the aisle of the car.</a:t>
             </a:r>
           </a:p>
           <a:p>
@@ -12874,127 +12780,7 @@
 </p:sld>
 </file>
 
-<file path=ppt/slides/slide2.xml><?xml version="1.0" encoding="utf-8"?>
-<p:sld xmlns:a="http://schemas.openxmlformats.org/drawingml/2006/main" xmlns:r="http://schemas.openxmlformats.org/officeDocument/2006/relationships" xmlns:p="http://schemas.openxmlformats.org/presentationml/2006/main">
-  <p:cSld>
-    <p:spTree>
-      <p:nvGrpSpPr>
-        <p:cNvPr id="1" name=""/>
-        <p:cNvGrpSpPr/>
-        <p:nvPr/>
-      </p:nvGrpSpPr>
-      <p:grpSpPr>
-        <a:xfrm>
-          <a:off x="0" y="0"/>
-          <a:ext cx="0" cy="0"/>
-          <a:chOff x="0" y="0"/>
-          <a:chExt cx="0" cy="0"/>
-        </a:xfrm>
-      </p:grpSpPr>
-      <p:sp>
-        <p:nvSpPr>
-          <p:cNvPr id="2" name="タイトル 1">
-            <a:extLst>
-              <a:ext uri="{FF2B5EF4-FFF2-40B4-BE49-F238E27FC236}">
-                <a16:creationId xmlns:a16="http://schemas.microsoft.com/office/drawing/2014/main" id="{93010AF0-9B7D-1145-8148-06A633089EBF}"/>
-              </a:ext>
-            </a:extLst>
-          </p:cNvPr>
-          <p:cNvSpPr>
-            <a:spLocks noGrp="1"/>
-          </p:cNvSpPr>
-          <p:nvPr>
-            <p:ph type="title"/>
-          </p:nvPr>
-        </p:nvSpPr>
-        <p:spPr/>
-        <p:txBody>
-          <a:bodyPr/>
-          <a:lstStyle/>
-          <a:p>
-            <a:r>
-              <a:rPr kumimoji="1" lang="en-US" altLang="ja-JP" dirty="0"/>
-              <a:t>Outline</a:t>
-            </a:r>
-            <a:endParaRPr kumimoji="1" lang="ja-JP" altLang="en-US"/>
-          </a:p>
-        </p:txBody>
-      </p:sp>
-      <p:sp>
-        <p:nvSpPr>
-          <p:cNvPr id="3" name="コンテンツ プレースホルダー 2">
-            <a:extLst>
-              <a:ext uri="{FF2B5EF4-FFF2-40B4-BE49-F238E27FC236}">
-                <a16:creationId xmlns:a16="http://schemas.microsoft.com/office/drawing/2014/main" id="{97A5DCCE-A463-7E40-A93C-1FAC6C539F8C}"/>
-              </a:ext>
-            </a:extLst>
-          </p:cNvPr>
-          <p:cNvSpPr>
-            <a:spLocks noGrp="1"/>
-          </p:cNvSpPr>
-          <p:nvPr>
-            <p:ph idx="1"/>
-          </p:nvPr>
-        </p:nvSpPr>
-        <p:spPr/>
-        <p:txBody>
-          <a:bodyPr>
-            <a:normAutofit/>
-          </a:bodyPr>
-          <a:lstStyle/>
-          <a:p>
-            <a:r>
-              <a:rPr kumimoji="1" lang="en-US" altLang="ja-JP" sz="2400" dirty="0"/>
-              <a:t>Background</a:t>
-            </a:r>
-          </a:p>
-          <a:p>
-            <a:r>
-              <a:rPr lang="en-US" altLang="ja-JP" sz="2400" dirty="0"/>
-              <a:t>Problem definition</a:t>
-            </a:r>
-            <a:endParaRPr kumimoji="1" lang="en-US" altLang="ja-JP" sz="2400" dirty="0"/>
-          </a:p>
-          <a:p>
-            <a:r>
-              <a:rPr lang="en-US" altLang="ja-JP" sz="2400" dirty="0"/>
-              <a:t>Modeling </a:t>
-            </a:r>
-          </a:p>
-          <a:p>
-            <a:r>
-              <a:rPr lang="en-US" altLang="ja-JP" sz="2400" dirty="0"/>
-              <a:t>Different modeling</a:t>
-            </a:r>
-          </a:p>
-          <a:p>
-            <a:r>
-              <a:rPr kumimoji="1" lang="en-US" altLang="ja-JP" sz="2400" dirty="0"/>
-              <a:t>future work</a:t>
-            </a:r>
-          </a:p>
-          <a:p>
-            <a:endParaRPr kumimoji="1" lang="en-US" altLang="ja-JP" sz="2400" dirty="0"/>
-          </a:p>
-          <a:p>
-            <a:endParaRPr kumimoji="1" lang="ja-JP" altLang="en-US" sz="2400"/>
-          </a:p>
-        </p:txBody>
-      </p:sp>
-    </p:spTree>
-    <p:extLst>
-      <p:ext uri="{BB962C8B-B14F-4D97-AF65-F5344CB8AC3E}">
-        <p14:creationId xmlns:p14="http://schemas.microsoft.com/office/powerpoint/2010/main" val="3695423022"/>
-      </p:ext>
-    </p:extLst>
-  </p:cSld>
-  <p:clrMapOvr>
-    <a:masterClrMapping/>
-  </p:clrMapOvr>
-</p:sld>
-</file>
-
-<file path=ppt/slides/slide20.xml><?xml version="1.0" encoding="utf-8"?>
+<file path=ppt/slides/slide19.xml><?xml version="1.0" encoding="utf-8"?>
 <p:sld xmlns:a="http://schemas.openxmlformats.org/drawingml/2006/main" xmlns:r="http://schemas.openxmlformats.org/officeDocument/2006/relationships" xmlns:p="http://schemas.openxmlformats.org/presentationml/2006/main">
   <p:cSld>
     <p:spTree>
@@ -13659,7 +13445,127 @@
 </p:sld>
 </file>
 
-<file path=ppt/slides/slide21.xml><?xml version="1.0" encoding="utf-8"?>
+<file path=ppt/slides/slide2.xml><?xml version="1.0" encoding="utf-8"?>
+<p:sld xmlns:a="http://schemas.openxmlformats.org/drawingml/2006/main" xmlns:r="http://schemas.openxmlformats.org/officeDocument/2006/relationships" xmlns:p="http://schemas.openxmlformats.org/presentationml/2006/main">
+  <p:cSld>
+    <p:spTree>
+      <p:nvGrpSpPr>
+        <p:cNvPr id="1" name=""/>
+        <p:cNvGrpSpPr/>
+        <p:nvPr/>
+      </p:nvGrpSpPr>
+      <p:grpSpPr>
+        <a:xfrm>
+          <a:off x="0" y="0"/>
+          <a:ext cx="0" cy="0"/>
+          <a:chOff x="0" y="0"/>
+          <a:chExt cx="0" cy="0"/>
+        </a:xfrm>
+      </p:grpSpPr>
+      <p:sp>
+        <p:nvSpPr>
+          <p:cNvPr id="2" name="タイトル 1">
+            <a:extLst>
+              <a:ext uri="{FF2B5EF4-FFF2-40B4-BE49-F238E27FC236}">
+                <a16:creationId xmlns:a16="http://schemas.microsoft.com/office/drawing/2014/main" id="{93010AF0-9B7D-1145-8148-06A633089EBF}"/>
+              </a:ext>
+            </a:extLst>
+          </p:cNvPr>
+          <p:cNvSpPr>
+            <a:spLocks noGrp="1"/>
+          </p:cNvSpPr>
+          <p:nvPr>
+            <p:ph type="title"/>
+          </p:nvPr>
+        </p:nvSpPr>
+        <p:spPr/>
+        <p:txBody>
+          <a:bodyPr/>
+          <a:lstStyle/>
+          <a:p>
+            <a:r>
+              <a:rPr kumimoji="1" lang="en-US" altLang="ja-JP" dirty="0"/>
+              <a:t>Outline</a:t>
+            </a:r>
+            <a:endParaRPr kumimoji="1" lang="ja-JP" altLang="en-US"/>
+          </a:p>
+        </p:txBody>
+      </p:sp>
+      <p:sp>
+        <p:nvSpPr>
+          <p:cNvPr id="3" name="コンテンツ プレースホルダー 2">
+            <a:extLst>
+              <a:ext uri="{FF2B5EF4-FFF2-40B4-BE49-F238E27FC236}">
+                <a16:creationId xmlns:a16="http://schemas.microsoft.com/office/drawing/2014/main" id="{97A5DCCE-A463-7E40-A93C-1FAC6C539F8C}"/>
+              </a:ext>
+            </a:extLst>
+          </p:cNvPr>
+          <p:cNvSpPr>
+            <a:spLocks noGrp="1"/>
+          </p:cNvSpPr>
+          <p:nvPr>
+            <p:ph idx="1"/>
+          </p:nvPr>
+        </p:nvSpPr>
+        <p:spPr/>
+        <p:txBody>
+          <a:bodyPr>
+            <a:normAutofit/>
+          </a:bodyPr>
+          <a:lstStyle/>
+          <a:p>
+            <a:r>
+              <a:rPr kumimoji="1" lang="en-US" altLang="ja-JP" sz="2400" dirty="0"/>
+              <a:t>Background</a:t>
+            </a:r>
+          </a:p>
+          <a:p>
+            <a:r>
+              <a:rPr lang="en-US" altLang="ja-JP" sz="2400" dirty="0"/>
+              <a:t>Problem definition</a:t>
+            </a:r>
+            <a:endParaRPr kumimoji="1" lang="en-US" altLang="ja-JP" sz="2400" dirty="0"/>
+          </a:p>
+          <a:p>
+            <a:r>
+              <a:rPr lang="en-US" altLang="ja-JP" sz="2400" dirty="0"/>
+              <a:t>Modeling </a:t>
+            </a:r>
+          </a:p>
+          <a:p>
+            <a:r>
+              <a:rPr lang="en-US" altLang="ja-JP" sz="2400" dirty="0"/>
+              <a:t>Different modeling</a:t>
+            </a:r>
+          </a:p>
+          <a:p>
+            <a:r>
+              <a:rPr kumimoji="1" lang="en-US" altLang="ja-JP" sz="2400" dirty="0"/>
+              <a:t>future work</a:t>
+            </a:r>
+          </a:p>
+          <a:p>
+            <a:endParaRPr kumimoji="1" lang="en-US" altLang="ja-JP" sz="2400" dirty="0"/>
+          </a:p>
+          <a:p>
+            <a:endParaRPr kumimoji="1" lang="ja-JP" altLang="en-US" sz="2400"/>
+          </a:p>
+        </p:txBody>
+      </p:sp>
+    </p:spTree>
+    <p:extLst>
+      <p:ext uri="{BB962C8B-B14F-4D97-AF65-F5344CB8AC3E}">
+        <p14:creationId xmlns:p14="http://schemas.microsoft.com/office/powerpoint/2010/main" val="3695423022"/>
+      </p:ext>
+    </p:extLst>
+  </p:cSld>
+  <p:clrMapOvr>
+    <a:masterClrMapping/>
+  </p:clrMapOvr>
+</p:sld>
+</file>
+
+<file path=ppt/slides/slide20.xml><?xml version="1.0" encoding="utf-8"?>
 <p:sld xmlns:a="http://schemas.openxmlformats.org/drawingml/2006/main" xmlns:r="http://schemas.openxmlformats.org/officeDocument/2006/relationships" xmlns:p="http://schemas.openxmlformats.org/presentationml/2006/main">
   <p:cSld>
     <p:spTree>
@@ -14161,6 +14067,127 @@
 </p:sld>
 </file>
 
+<file path=ppt/slides/slide21.xml><?xml version="1.0" encoding="utf-8"?>
+<p:sld xmlns:a="http://schemas.openxmlformats.org/drawingml/2006/main" xmlns:r="http://schemas.openxmlformats.org/officeDocument/2006/relationships" xmlns:p="http://schemas.openxmlformats.org/presentationml/2006/main">
+  <p:cSld>
+    <p:spTree>
+      <p:nvGrpSpPr>
+        <p:cNvPr id="1" name=""/>
+        <p:cNvGrpSpPr/>
+        <p:nvPr/>
+      </p:nvGrpSpPr>
+      <p:grpSpPr>
+        <a:xfrm>
+          <a:off x="0" y="0"/>
+          <a:ext cx="0" cy="0"/>
+          <a:chOff x="0" y="0"/>
+          <a:chExt cx="0" cy="0"/>
+        </a:xfrm>
+      </p:grpSpPr>
+      <p:sp>
+        <p:nvSpPr>
+          <p:cNvPr id="2" name="タイトル 1">
+            <a:extLst>
+              <a:ext uri="{FF2B5EF4-FFF2-40B4-BE49-F238E27FC236}">
+                <a16:creationId xmlns:a16="http://schemas.microsoft.com/office/drawing/2014/main" id="{546CADF5-44DE-ED46-8CE2-50B894135079}"/>
+              </a:ext>
+            </a:extLst>
+          </p:cNvPr>
+          <p:cNvSpPr>
+            <a:spLocks noGrp="1"/>
+          </p:cNvSpPr>
+          <p:nvPr>
+            <p:ph type="title"/>
+          </p:nvPr>
+        </p:nvSpPr>
+        <p:spPr/>
+        <p:txBody>
+          <a:bodyPr/>
+          <a:lstStyle/>
+          <a:p>
+            <a:r>
+              <a:rPr lang="en" altLang="ja-JP"/>
+              <a:t>placing empty space close to the entrance</a:t>
+            </a:r>
+            <a:endParaRPr kumimoji="1" lang="ja-JP" altLang="en-US"/>
+          </a:p>
+        </p:txBody>
+      </p:sp>
+      <p:sp>
+        <p:nvSpPr>
+          <p:cNvPr id="3" name="コンテンツ プレースホルダー 2">
+            <a:extLst>
+              <a:ext uri="{FF2B5EF4-FFF2-40B4-BE49-F238E27FC236}">
+                <a16:creationId xmlns:a16="http://schemas.microsoft.com/office/drawing/2014/main" id="{C80A7A15-85D4-4D44-A234-7AC105792BD1}"/>
+              </a:ext>
+            </a:extLst>
+          </p:cNvPr>
+          <p:cNvSpPr>
+            <a:spLocks noGrp="1"/>
+          </p:cNvSpPr>
+          <p:nvPr>
+            <p:ph idx="1"/>
+          </p:nvPr>
+        </p:nvSpPr>
+        <p:spPr/>
+        <p:txBody>
+          <a:bodyPr/>
+          <a:lstStyle/>
+          <a:p>
+            <a:r>
+              <a:rPr lang="en-US" altLang="ja-JP" sz="2400" dirty="0"/>
+              <a:t>The ship has 12 floors and the entrance is on the 5</a:t>
+            </a:r>
+            <a:r>
+              <a:rPr lang="en-US" altLang="ja-JP" sz="2400" baseline="30000" dirty="0"/>
+              <a:t>th</a:t>
+            </a:r>
+            <a:r>
+              <a:rPr lang="en-US" altLang="ja-JP" sz="2400" dirty="0"/>
+              <a:t> floor.</a:t>
+            </a:r>
+          </a:p>
+          <a:p>
+            <a:r>
+              <a:rPr lang="en-US" altLang="ja-JP" sz="2400" dirty="0"/>
+              <a:t>If there are lots of empty space in the 5</a:t>
+            </a:r>
+            <a:r>
+              <a:rPr lang="en-US" altLang="ja-JP" sz="2400" baseline="30000" dirty="0"/>
+              <a:t>th</a:t>
+            </a:r>
+            <a:r>
+              <a:rPr lang="en-US" altLang="ja-JP" sz="2400" dirty="0"/>
+              <a:t> floor’s holds, we get more profit.</a:t>
+            </a:r>
+          </a:p>
+          <a:p>
+            <a:r>
+              <a:rPr lang="en-US" altLang="ja-JP" sz="2400" dirty="0"/>
+              <a:t>We subtract that profit from the objective function.</a:t>
+            </a:r>
+          </a:p>
+          <a:p>
+            <a:endParaRPr lang="en-US" altLang="ja-JP" sz="2400" dirty="0"/>
+          </a:p>
+          <a:p>
+            <a:endParaRPr kumimoji="1" lang="ja-JP" altLang="en-US"/>
+          </a:p>
+        </p:txBody>
+      </p:sp>
+    </p:spTree>
+    <p:extLst>
+      <p:ext uri="{BB962C8B-B14F-4D97-AF65-F5344CB8AC3E}">
+        <p14:creationId xmlns:p14="http://schemas.microsoft.com/office/powerpoint/2010/main" val="1273188350"/>
+      </p:ext>
+    </p:extLst>
+  </p:cSld>
+  <p:clrMapOvr>
+    <a:masterClrMapping/>
+  </p:clrMapOvr>
+</p:sld>
+</file>
+
 <file path=ppt/slides/slide22.xml><?xml version="1.0" encoding="utf-8"?>
 <p:sld xmlns:a="http://schemas.openxmlformats.org/drawingml/2006/main" xmlns:r="http://schemas.openxmlformats.org/officeDocument/2006/relationships" xmlns:p="http://schemas.openxmlformats.org/presentationml/2006/main">
   <p:cSld>
@@ -14183,127 +14210,6 @@
           <p:cNvPr id="2" name="タイトル 1">
             <a:extLst>
               <a:ext uri="{FF2B5EF4-FFF2-40B4-BE49-F238E27FC236}">
-                <a16:creationId xmlns:a16="http://schemas.microsoft.com/office/drawing/2014/main" id="{546CADF5-44DE-ED46-8CE2-50B894135079}"/>
-              </a:ext>
-            </a:extLst>
-          </p:cNvPr>
-          <p:cNvSpPr>
-            <a:spLocks noGrp="1"/>
-          </p:cNvSpPr>
-          <p:nvPr>
-            <p:ph type="title"/>
-          </p:nvPr>
-        </p:nvSpPr>
-        <p:spPr/>
-        <p:txBody>
-          <a:bodyPr/>
-          <a:lstStyle/>
-          <a:p>
-            <a:r>
-              <a:rPr lang="en" altLang="ja-JP"/>
-              <a:t>placing empty space close to the entrance</a:t>
-            </a:r>
-            <a:endParaRPr kumimoji="1" lang="ja-JP" altLang="en-US"/>
-          </a:p>
-        </p:txBody>
-      </p:sp>
-      <p:sp>
-        <p:nvSpPr>
-          <p:cNvPr id="3" name="コンテンツ プレースホルダー 2">
-            <a:extLst>
-              <a:ext uri="{FF2B5EF4-FFF2-40B4-BE49-F238E27FC236}">
-                <a16:creationId xmlns:a16="http://schemas.microsoft.com/office/drawing/2014/main" id="{C80A7A15-85D4-4D44-A234-7AC105792BD1}"/>
-              </a:ext>
-            </a:extLst>
-          </p:cNvPr>
-          <p:cNvSpPr>
-            <a:spLocks noGrp="1"/>
-          </p:cNvSpPr>
-          <p:nvPr>
-            <p:ph idx="1"/>
-          </p:nvPr>
-        </p:nvSpPr>
-        <p:spPr/>
-        <p:txBody>
-          <a:bodyPr/>
-          <a:lstStyle/>
-          <a:p>
-            <a:r>
-              <a:rPr lang="en-US" altLang="ja-JP" sz="2400" dirty="0"/>
-              <a:t>The ship has 12 floors and the entrance is on the 5</a:t>
-            </a:r>
-            <a:r>
-              <a:rPr lang="en-US" altLang="ja-JP" sz="2400" baseline="30000" dirty="0"/>
-              <a:t>th</a:t>
-            </a:r>
-            <a:r>
-              <a:rPr lang="en-US" altLang="ja-JP" sz="2400" dirty="0"/>
-              <a:t> floor.</a:t>
-            </a:r>
-          </a:p>
-          <a:p>
-            <a:r>
-              <a:rPr lang="en-US" altLang="ja-JP" sz="2400" dirty="0"/>
-              <a:t>If there are lots of empty space in the 5</a:t>
-            </a:r>
-            <a:r>
-              <a:rPr lang="en-US" altLang="ja-JP" sz="2400" baseline="30000" dirty="0"/>
-              <a:t>th</a:t>
-            </a:r>
-            <a:r>
-              <a:rPr lang="en-US" altLang="ja-JP" sz="2400" dirty="0"/>
-              <a:t> floor’s holds, we get more profit.</a:t>
-            </a:r>
-          </a:p>
-          <a:p>
-            <a:r>
-              <a:rPr lang="en-US" altLang="ja-JP" sz="2400" dirty="0"/>
-              <a:t>We subtract that profit from the objective function.</a:t>
-            </a:r>
-          </a:p>
-          <a:p>
-            <a:endParaRPr lang="en-US" altLang="ja-JP" sz="2400" dirty="0"/>
-          </a:p>
-          <a:p>
-            <a:endParaRPr kumimoji="1" lang="ja-JP" altLang="en-US"/>
-          </a:p>
-        </p:txBody>
-      </p:sp>
-    </p:spTree>
-    <p:extLst>
-      <p:ext uri="{BB962C8B-B14F-4D97-AF65-F5344CB8AC3E}">
-        <p14:creationId xmlns:p14="http://schemas.microsoft.com/office/powerpoint/2010/main" val="1273188350"/>
-      </p:ext>
-    </p:extLst>
-  </p:cSld>
-  <p:clrMapOvr>
-    <a:masterClrMapping/>
-  </p:clrMapOvr>
-</p:sld>
-</file>
-
-<file path=ppt/slides/slide23.xml><?xml version="1.0" encoding="utf-8"?>
-<p:sld xmlns:a="http://schemas.openxmlformats.org/drawingml/2006/main" xmlns:r="http://schemas.openxmlformats.org/officeDocument/2006/relationships" xmlns:p="http://schemas.openxmlformats.org/presentationml/2006/main">
-  <p:cSld>
-    <p:spTree>
-      <p:nvGrpSpPr>
-        <p:cNvPr id="1" name=""/>
-        <p:cNvGrpSpPr/>
-        <p:nvPr/>
-      </p:nvGrpSpPr>
-      <p:grpSpPr>
-        <a:xfrm>
-          <a:off x="0" y="0"/>
-          <a:ext cx="0" cy="0"/>
-          <a:chOff x="0" y="0"/>
-          <a:chExt cx="0" cy="0"/>
-        </a:xfrm>
-      </p:grpSpPr>
-      <p:sp>
-        <p:nvSpPr>
-          <p:cNvPr id="2" name="タイトル 1">
-            <a:extLst>
-              <a:ext uri="{FF2B5EF4-FFF2-40B4-BE49-F238E27FC236}">
                 <a16:creationId xmlns:a16="http://schemas.microsoft.com/office/drawing/2014/main" id="{D6E9A7F1-EC3C-894A-8E9E-0981C4CA834A}"/>
               </a:ext>
             </a:extLst>
@@ -14410,7 +14316,7 @@
 </p:sld>
 </file>
 
-<file path=ppt/slides/slide24.xml><?xml version="1.0" encoding="utf-8"?>
+<file path=ppt/slides/slide23.xml><?xml version="1.0" encoding="utf-8"?>
 <p:sld xmlns:a="http://schemas.openxmlformats.org/drawingml/2006/main" xmlns:r="http://schemas.openxmlformats.org/officeDocument/2006/relationships" xmlns:p="http://schemas.openxmlformats.org/presentationml/2006/main">
   <p:cSld>
     <p:spTree>
@@ -14753,7 +14659,7 @@
 </p:sld>
 </file>
 
-<file path=ppt/slides/slide25.xml><?xml version="1.0" encoding="utf-8"?>
+<file path=ppt/slides/slide24.xml><?xml version="1.0" encoding="utf-8"?>
 <p:sld xmlns:a="http://schemas.openxmlformats.org/drawingml/2006/main" xmlns:r="http://schemas.openxmlformats.org/officeDocument/2006/relationships" xmlns:p="http://schemas.openxmlformats.org/presentationml/2006/main">
   <p:cSld>
     <p:spTree>
@@ -14899,7 +14805,7 @@
 </p:sld>
 </file>
 
-<file path=ppt/slides/slide26.xml><?xml version="1.0" encoding="utf-8"?>
+<file path=ppt/slides/slide25.xml><?xml version="1.0" encoding="utf-8"?>
 <p:sld xmlns:a="http://schemas.openxmlformats.org/drawingml/2006/main" xmlns:r="http://schemas.openxmlformats.org/officeDocument/2006/relationships" xmlns:p="http://schemas.openxmlformats.org/presentationml/2006/main">
   <p:cSld>
     <p:spTree>
@@ -15267,7 +15173,7 @@
 </p:sld>
 </file>
 
-<file path=ppt/slides/slide27.xml><?xml version="1.0" encoding="utf-8"?>
+<file path=ppt/slides/slide26.xml><?xml version="1.0" encoding="utf-8"?>
 <p:sld xmlns:a="http://schemas.openxmlformats.org/drawingml/2006/main" xmlns:r="http://schemas.openxmlformats.org/officeDocument/2006/relationships" xmlns:p="http://schemas.openxmlformats.org/presentationml/2006/main">
   <p:cSld>
     <p:spTree>
@@ -15635,6 +15541,161 @@
 </p:sld>
 </file>
 
+<file path=ppt/slides/slide27.xml><?xml version="1.0" encoding="utf-8"?>
+<p:sld xmlns:a="http://schemas.openxmlformats.org/drawingml/2006/main" xmlns:r="http://schemas.openxmlformats.org/officeDocument/2006/relationships" xmlns:p="http://schemas.openxmlformats.org/presentationml/2006/main">
+  <p:cSld>
+    <p:spTree>
+      <p:nvGrpSpPr>
+        <p:cNvPr id="1" name=""/>
+        <p:cNvGrpSpPr/>
+        <p:nvPr/>
+      </p:nvGrpSpPr>
+      <p:grpSpPr>
+        <a:xfrm>
+          <a:off x="0" y="0"/>
+          <a:ext cx="0" cy="0"/>
+          <a:chOff x="0" y="0"/>
+          <a:chExt cx="0" cy="0"/>
+        </a:xfrm>
+      </p:grpSpPr>
+      <p:sp>
+        <p:nvSpPr>
+          <p:cNvPr id="2" name="タイトル 1">
+            <a:extLst>
+              <a:ext uri="{FF2B5EF4-FFF2-40B4-BE49-F238E27FC236}">
+                <a16:creationId xmlns:a16="http://schemas.microsoft.com/office/drawing/2014/main" id="{27F343C2-0C5B-4C4B-80AC-FA94488BB945}"/>
+              </a:ext>
+            </a:extLst>
+          </p:cNvPr>
+          <p:cNvSpPr>
+            <a:spLocks noGrp="1"/>
+          </p:cNvSpPr>
+          <p:nvPr>
+            <p:ph type="title"/>
+          </p:nvPr>
+        </p:nvSpPr>
+        <p:spPr/>
+        <p:txBody>
+          <a:bodyPr/>
+          <a:lstStyle/>
+          <a:p>
+            <a:r>
+              <a:rPr lang="en-US" altLang="ja-JP" dirty="0"/>
+              <a:t>Computational experiment</a:t>
+            </a:r>
+            <a:endParaRPr kumimoji="1" lang="ja-JP" altLang="en-US"/>
+          </a:p>
+        </p:txBody>
+      </p:sp>
+      <p:sp>
+        <p:nvSpPr>
+          <p:cNvPr id="3" name="コンテンツ プレースホルダー 2">
+            <a:extLst>
+              <a:ext uri="{FF2B5EF4-FFF2-40B4-BE49-F238E27FC236}">
+                <a16:creationId xmlns:a16="http://schemas.microsoft.com/office/drawing/2014/main" id="{11F9DD95-8CF5-9348-886C-FD2EAE61BF0C}"/>
+              </a:ext>
+            </a:extLst>
+          </p:cNvPr>
+          <p:cNvSpPr>
+            <a:spLocks noGrp="1"/>
+          </p:cNvSpPr>
+          <p:nvPr>
+            <p:ph idx="1"/>
+          </p:nvPr>
+        </p:nvSpPr>
+        <p:spPr/>
+        <p:txBody>
+          <a:bodyPr>
+            <a:normAutofit/>
+          </a:bodyPr>
+          <a:lstStyle/>
+          <a:p>
+            <a:r>
+              <a:rPr kumimoji="1" lang="en-US" altLang="ja-JP" sz="2400" dirty="0"/>
+              <a:t>With this model, we confirmed that we can get a good assignment for small bookings.</a:t>
+            </a:r>
+          </a:p>
+          <a:p>
+            <a:r>
+              <a:rPr lang="en" altLang="ja-JP" sz="2400" dirty="0"/>
+              <a:t>The number of orders and the number of loading and unloading ports increases, the calculations may not be sufficiently advanced in a limited time.[1]</a:t>
+            </a:r>
+            <a:endParaRPr kumimoji="1" lang="ja-JP" altLang="en-US" sz="2400"/>
+          </a:p>
+        </p:txBody>
+      </p:sp>
+      <p:sp>
+        <p:nvSpPr>
+          <p:cNvPr id="4" name="正方形/長方形 3">
+            <a:extLst>
+              <a:ext uri="{FF2B5EF4-FFF2-40B4-BE49-F238E27FC236}">
+                <a16:creationId xmlns:a16="http://schemas.microsoft.com/office/drawing/2014/main" id="{9D9AB659-4052-624D-8F74-5899265AF76C}"/>
+              </a:ext>
+            </a:extLst>
+          </p:cNvPr>
+          <p:cNvSpPr/>
+          <p:nvPr/>
+        </p:nvSpPr>
+        <p:spPr>
+          <a:xfrm>
+            <a:off x="2147248" y="5588056"/>
+            <a:ext cx="9357364" cy="646331"/>
+          </a:xfrm>
+          <a:prstGeom prst="rect">
+            <a:avLst/>
+          </a:prstGeom>
+        </p:spPr>
+        <p:txBody>
+          <a:bodyPr wrap="square">
+            <a:spAutoFit/>
+          </a:bodyPr>
+          <a:lstStyle/>
+          <a:p>
+            <a:r>
+              <a:rPr lang="en-US" altLang="ja-JP" dirty="0"/>
+              <a:t>[1]</a:t>
+            </a:r>
+            <a:r>
+              <a:rPr lang="ja-JP" altLang="en-US"/>
+              <a:t>鵜川知哉</a:t>
+            </a:r>
+            <a:r>
+              <a:rPr lang="en-US" altLang="ja-JP" dirty="0"/>
+              <a:t>, </a:t>
+            </a:r>
+            <a:r>
+              <a:rPr lang="ja-JP" altLang="en-US"/>
+              <a:t>自動車運搬船における貨物積載プラン ニングの席割問題に対する数理モデリング</a:t>
+            </a:r>
+            <a:r>
+              <a:rPr lang="en-US" altLang="ja-JP" dirty="0"/>
+              <a:t>, </a:t>
+            </a:r>
+            <a:r>
+              <a:rPr lang="ja-JP" altLang="en-US"/>
+              <a:t>修士 論文，名古屋大学情報学研究科</a:t>
+            </a:r>
+            <a:r>
+              <a:rPr lang="en-US" altLang="ja-JP" dirty="0"/>
+              <a:t>, 2020 </a:t>
+            </a:r>
+            <a:endParaRPr lang="ja-JP" altLang="en-US"/>
+          </a:p>
+        </p:txBody>
+      </p:sp>
+    </p:spTree>
+    <p:extLst>
+      <p:ext uri="{BB962C8B-B14F-4D97-AF65-F5344CB8AC3E}">
+        <p14:creationId xmlns:p14="http://schemas.microsoft.com/office/powerpoint/2010/main" val="2541979275"/>
+      </p:ext>
+    </p:extLst>
+  </p:cSld>
+  <p:clrMapOvr>
+    <a:masterClrMapping/>
+  </p:clrMapOvr>
+</p:sld>
+</file>
+
 <file path=ppt/slides/slide28.xml><?xml version="1.0" encoding="utf-8"?>
 <p:sld xmlns:a="http://schemas.openxmlformats.org/drawingml/2006/main" xmlns:r="http://schemas.openxmlformats.org/officeDocument/2006/relationships" xmlns:p="http://schemas.openxmlformats.org/presentationml/2006/main">
   <p:cSld>
@@ -15657,7 +15718,7 @@
           <p:cNvPr id="2" name="タイトル 1">
             <a:extLst>
               <a:ext uri="{FF2B5EF4-FFF2-40B4-BE49-F238E27FC236}">
-                <a16:creationId xmlns:a16="http://schemas.microsoft.com/office/drawing/2014/main" id="{27F343C2-0C5B-4C4B-80AC-FA94488BB945}"/>
+                <a16:creationId xmlns:a16="http://schemas.microsoft.com/office/drawing/2014/main" id="{93010AF0-9B7D-1145-8148-06A633089EBF}"/>
               </a:ext>
             </a:extLst>
           </p:cNvPr>
@@ -15674,8 +15735,8 @@
           <a:lstStyle/>
           <a:p>
             <a:r>
-              <a:rPr lang="en-US" altLang="ja-JP" dirty="0"/>
-              <a:t>Computational experiment</a:t>
+              <a:rPr kumimoji="1" lang="en-US" altLang="ja-JP" dirty="0"/>
+              <a:t>Outline</a:t>
             </a:r>
             <a:endParaRPr kumimoji="1" lang="ja-JP" altLang="en-US"/>
           </a:p>
@@ -15686,7 +15747,7 @@
           <p:cNvPr id="3" name="コンテンツ プレースホルダー 2">
             <a:extLst>
               <a:ext uri="{FF2B5EF4-FFF2-40B4-BE49-F238E27FC236}">
-                <a16:creationId xmlns:a16="http://schemas.microsoft.com/office/drawing/2014/main" id="{11F9DD95-8CF5-9348-886C-FD2EAE61BF0C}"/>
+                <a16:creationId xmlns:a16="http://schemas.microsoft.com/office/drawing/2014/main" id="{97A5DCCE-A463-7E40-A93C-1FAC6C539F8C}"/>
               </a:ext>
             </a:extLst>
           </p:cNvPr>
@@ -15705,82 +15766,77 @@
           <a:lstStyle/>
           <a:p>
             <a:r>
-              <a:rPr kumimoji="1" lang="en-US" altLang="ja-JP" sz="2400" dirty="0"/>
-              <a:t>With this model, we confirmed that we can get a good assignment for small bookings.</a:t>
-            </a:r>
-          </a:p>
-          <a:p>
-            <a:r>
-              <a:rPr lang="en" altLang="ja-JP" sz="2400" dirty="0"/>
-              <a:t>The number of orders and the number of loading and unloading ports increases, the calculations may not be sufficiently advanced in a limited time.[1]</a:t>
-            </a:r>
+              <a:rPr kumimoji="1" lang="en-US" altLang="ja-JP" sz="2400" dirty="0">
+                <a:solidFill>
+                  <a:schemeClr val="bg1">
+                    <a:lumMod val="75000"/>
+                  </a:schemeClr>
+                </a:solidFill>
+              </a:rPr>
+              <a:t>Background</a:t>
+            </a:r>
+          </a:p>
+          <a:p>
+            <a:r>
+              <a:rPr lang="en-US" altLang="ja-JP" sz="2400" dirty="0">
+                <a:solidFill>
+                  <a:schemeClr val="bg1">
+                    <a:lumMod val="75000"/>
+                  </a:schemeClr>
+                </a:solidFill>
+              </a:rPr>
+              <a:t>Problem definition</a:t>
+            </a:r>
+            <a:endParaRPr kumimoji="1" lang="en-US" altLang="ja-JP" sz="2400" dirty="0">
+              <a:solidFill>
+                <a:schemeClr val="bg1">
+                  <a:lumMod val="75000"/>
+                </a:schemeClr>
+              </a:solidFill>
+            </a:endParaRPr>
+          </a:p>
+          <a:p>
+            <a:r>
+              <a:rPr lang="en-US" altLang="ja-JP" sz="2400" dirty="0">
+                <a:solidFill>
+                  <a:schemeClr val="bg1">
+                    <a:lumMod val="75000"/>
+                  </a:schemeClr>
+                </a:solidFill>
+              </a:rPr>
+              <a:t>Modeling </a:t>
+            </a:r>
+          </a:p>
+          <a:p>
+            <a:r>
+              <a:rPr lang="en-US" altLang="ja-JP" sz="2400" dirty="0"/>
+              <a:t>Different modeling</a:t>
+            </a:r>
+          </a:p>
+          <a:p>
+            <a:r>
+              <a:rPr kumimoji="1" lang="en-US" altLang="ja-JP" sz="2400" dirty="0">
+                <a:solidFill>
+                  <a:schemeClr val="bg1">
+                    <a:lumMod val="75000"/>
+                  </a:schemeClr>
+                </a:solidFill>
+              </a:rPr>
+              <a:t>future work</a:t>
+            </a:r>
+          </a:p>
+          <a:p>
+            <a:endParaRPr kumimoji="1" lang="en-US" altLang="ja-JP" sz="2400" dirty="0"/>
+          </a:p>
+          <a:p>
             <a:endParaRPr kumimoji="1" lang="ja-JP" altLang="en-US" sz="2400"/>
-          </a:p>
-        </p:txBody>
-      </p:sp>
-      <p:sp>
-        <p:nvSpPr>
-          <p:cNvPr id="4" name="正方形/長方形 3">
-            <a:extLst>
-              <a:ext uri="{FF2B5EF4-FFF2-40B4-BE49-F238E27FC236}">
-                <a16:creationId xmlns:a16="http://schemas.microsoft.com/office/drawing/2014/main" id="{9D9AB659-4052-624D-8F74-5899265AF76C}"/>
-              </a:ext>
-            </a:extLst>
-          </p:cNvPr>
-          <p:cNvSpPr/>
-          <p:nvPr/>
-        </p:nvSpPr>
-        <p:spPr>
-          <a:xfrm>
-            <a:off x="2147248" y="5588056"/>
-            <a:ext cx="9357364" cy="646331"/>
-          </a:xfrm>
-          <a:prstGeom prst="rect">
-            <a:avLst/>
-          </a:prstGeom>
-        </p:spPr>
-        <p:txBody>
-          <a:bodyPr wrap="square">
-            <a:spAutoFit/>
-          </a:bodyPr>
-          <a:lstStyle/>
-          <a:p>
-            <a:r>
-              <a:rPr lang="en-US" altLang="ja-JP" dirty="0"/>
-              <a:t>[1]</a:t>
-            </a:r>
-            <a:r>
-              <a:rPr lang="ja-JP" altLang="en-US"/>
-              <a:t>鵜川知哉</a:t>
-            </a:r>
-            <a:r>
-              <a:rPr lang="en-US" altLang="ja-JP" dirty="0"/>
-              <a:t>, </a:t>
-            </a:r>
-            <a:r>
-              <a:rPr lang="ja-JP" altLang="en-US"/>
-              <a:t>自動車運搬船における貨物積載プラン ニングの席割問題に対する数理モデリング</a:t>
-            </a:r>
-            <a:r>
-              <a:rPr lang="en-US" altLang="ja-JP" dirty="0"/>
-              <a:t>, </a:t>
-            </a:r>
-            <a:r>
-              <a:rPr lang="ja-JP" altLang="en-US"/>
-              <a:t>修士 論文，名古屋大学情報学研究科</a:t>
-            </a:r>
-            <a:r>
-              <a:rPr lang="en-US" altLang="ja-JP" dirty="0"/>
-              <a:t>, 2020 </a:t>
-            </a:r>
-            <a:endParaRPr lang="ja-JP" altLang="en-US"/>
           </a:p>
         </p:txBody>
       </p:sp>
     </p:spTree>
     <p:extLst>
       <p:ext uri="{BB962C8B-B14F-4D97-AF65-F5344CB8AC3E}">
-        <p14:creationId xmlns:p14="http://schemas.microsoft.com/office/powerpoint/2010/main" val="2541979275"/>
+        <p14:creationId xmlns:p14="http://schemas.microsoft.com/office/powerpoint/2010/main" val="1575908513"/>
       </p:ext>
     </p:extLst>
   </p:cSld>
@@ -15812,7 +15868,7 @@
           <p:cNvPr id="2" name="タイトル 1">
             <a:extLst>
               <a:ext uri="{FF2B5EF4-FFF2-40B4-BE49-F238E27FC236}">
-                <a16:creationId xmlns:a16="http://schemas.microsoft.com/office/drawing/2014/main" id="{93010AF0-9B7D-1145-8148-06A633089EBF}"/>
+                <a16:creationId xmlns:a16="http://schemas.microsoft.com/office/drawing/2014/main" id="{AA682DFF-D324-2B44-B659-FF46E3AA1D70}"/>
               </a:ext>
             </a:extLst>
           </p:cNvPr>
@@ -15829,8 +15885,12 @@
           <a:lstStyle/>
           <a:p>
             <a:r>
+              <a:rPr lang="en-US" altLang="ja-JP" dirty="0"/>
+              <a:t>Different m</a:t>
+            </a:r>
+            <a:r>
               <a:rPr kumimoji="1" lang="en-US" altLang="ja-JP" dirty="0"/>
-              <a:t>Outline</a:t>
+              <a:t>odel</a:t>
             </a:r>
             <a:endParaRPr kumimoji="1" lang="ja-JP" altLang="en-US"/>
           </a:p>
@@ -15841,7 +15901,7 @@
           <p:cNvPr id="3" name="コンテンツ プレースホルダー 2">
             <a:extLst>
               <a:ext uri="{FF2B5EF4-FFF2-40B4-BE49-F238E27FC236}">
-                <a16:creationId xmlns:a16="http://schemas.microsoft.com/office/drawing/2014/main" id="{97A5DCCE-A463-7E40-A93C-1FAC6C539F8C}"/>
+                <a16:creationId xmlns:a16="http://schemas.microsoft.com/office/drawing/2014/main" id="{A1B81CE6-3BEF-7F46-9003-6161F54DD432}"/>
               </a:ext>
             </a:extLst>
           </p:cNvPr>
@@ -15860,77 +15920,43 @@
           <a:lstStyle/>
           <a:p>
             <a:r>
-              <a:rPr kumimoji="1" lang="en-US" altLang="ja-JP" sz="2400" dirty="0">
-                <a:solidFill>
-                  <a:schemeClr val="bg1">
-                    <a:lumMod val="75000"/>
-                  </a:schemeClr>
-                </a:solidFill>
-              </a:rPr>
-              <a:t>Background</a:t>
-            </a:r>
-          </a:p>
-          <a:p>
-            <a:r>
-              <a:rPr lang="en-US" altLang="ja-JP" sz="2400" dirty="0">
-                <a:solidFill>
-                  <a:schemeClr val="bg1">
-                    <a:lumMod val="75000"/>
-                  </a:schemeClr>
-                </a:solidFill>
-              </a:rPr>
-              <a:t>Problem definition</a:t>
-            </a:r>
-            <a:endParaRPr kumimoji="1" lang="en-US" altLang="ja-JP" sz="2400" dirty="0">
-              <a:solidFill>
-                <a:schemeClr val="bg1">
-                  <a:lumMod val="75000"/>
-                </a:schemeClr>
-              </a:solidFill>
-            </a:endParaRPr>
-          </a:p>
-          <a:p>
-            <a:r>
-              <a:rPr lang="en-US" altLang="ja-JP" sz="2400" dirty="0">
-                <a:solidFill>
-                  <a:schemeClr val="bg1">
-                    <a:lumMod val="75000"/>
-                  </a:schemeClr>
-                </a:solidFill>
-              </a:rPr>
-              <a:t>Modeling </a:t>
-            </a:r>
-          </a:p>
-          <a:p>
+              <a:rPr kumimoji="1" lang="en-US" altLang="ja-JP" sz="2400" dirty="0"/>
+              <a:t>We propose different model to </a:t>
+            </a:r>
+            <a:r>
+              <a:rPr lang="en" altLang="ja-JP" sz="2400" dirty="0"/>
+              <a:t>solve large bookings.</a:t>
+            </a:r>
+          </a:p>
+          <a:p>
+            <a:r>
+              <a:rPr lang="en" altLang="ja-JP" sz="2400" dirty="0"/>
+              <a:t>We'll call this model “the 2nd model”.</a:t>
+            </a:r>
+          </a:p>
+          <a:p>
+            <a:r>
+              <a:rPr lang="en" altLang="ja-JP" sz="2400" dirty="0"/>
+              <a:t>The basic idea is based on heuristics.</a:t>
+            </a:r>
+          </a:p>
+          <a:p>
+            <a:r>
+              <a:rPr lang="en" altLang="ja-JP" sz="2400" dirty="0"/>
+              <a:t>Using the local search, we improve the</a:t>
+            </a:r>
             <a:r>
               <a:rPr lang="en-US" altLang="ja-JP" sz="2400" dirty="0"/>
-              <a:t>Different modeling</a:t>
-            </a:r>
-          </a:p>
-          <a:p>
-            <a:r>
-              <a:rPr kumimoji="1" lang="en-US" altLang="ja-JP" sz="2400" dirty="0">
-                <a:solidFill>
-                  <a:schemeClr val="bg1">
-                    <a:lumMod val="75000"/>
-                  </a:schemeClr>
-                </a:solidFill>
-              </a:rPr>
-              <a:t>future work</a:t>
-            </a:r>
-          </a:p>
-          <a:p>
-            <a:endParaRPr kumimoji="1" lang="en-US" altLang="ja-JP" sz="2400" dirty="0"/>
-          </a:p>
-          <a:p>
-            <a:endParaRPr kumimoji="1" lang="ja-JP" altLang="en-US" sz="2400"/>
+              <a:t> assignment</a:t>
+            </a:r>
+            <a:endParaRPr lang="en" altLang="ja-JP" sz="2400" dirty="0"/>
           </a:p>
         </p:txBody>
       </p:sp>
     </p:spTree>
     <p:extLst>
       <p:ext uri="{BB962C8B-B14F-4D97-AF65-F5344CB8AC3E}">
-        <p14:creationId xmlns:p14="http://schemas.microsoft.com/office/powerpoint/2010/main" val="1575908513"/>
+        <p14:creationId xmlns:p14="http://schemas.microsoft.com/office/powerpoint/2010/main" val="2051790486"/>
       </p:ext>
     </p:extLst>
   </p:cSld>
@@ -16112,7 +16138,7 @@
           <p:cNvPr id="2" name="タイトル 1">
             <a:extLst>
               <a:ext uri="{FF2B5EF4-FFF2-40B4-BE49-F238E27FC236}">
-                <a16:creationId xmlns:a16="http://schemas.microsoft.com/office/drawing/2014/main" id="{AA682DFF-D324-2B44-B659-FF46E3AA1D70}"/>
+                <a16:creationId xmlns:a16="http://schemas.microsoft.com/office/drawing/2014/main" id="{D4EA45E0-6EC3-4546-962B-3ADDD8781C9D}"/>
               </a:ext>
             </a:extLst>
           </p:cNvPr>
@@ -16130,11 +16156,7 @@
           <a:p>
             <a:r>
               <a:rPr lang="en-US" altLang="ja-JP" dirty="0"/>
-              <a:t>Different m</a:t>
-            </a:r>
-            <a:r>
-              <a:rPr kumimoji="1" lang="en-US" altLang="ja-JP" dirty="0"/>
-              <a:t>odel</a:t>
+              <a:t>Detailed Heuristic</a:t>
             </a:r>
             <a:endParaRPr kumimoji="1" lang="ja-JP" altLang="en-US"/>
           </a:p>
@@ -16145,7 +16167,7 @@
           <p:cNvPr id="3" name="コンテンツ プレースホルダー 2">
             <a:extLst>
               <a:ext uri="{FF2B5EF4-FFF2-40B4-BE49-F238E27FC236}">
-                <a16:creationId xmlns:a16="http://schemas.microsoft.com/office/drawing/2014/main" id="{A1B81CE6-3BEF-7F46-9003-6161F54DD432}"/>
+                <a16:creationId xmlns:a16="http://schemas.microsoft.com/office/drawing/2014/main" id="{C6E27343-2C9B-334E-90CD-315B46EA63CE}"/>
               </a:ext>
             </a:extLst>
           </p:cNvPr>
@@ -16164,43 +16186,50 @@
           <a:lstStyle/>
           <a:p>
             <a:r>
-              <a:rPr kumimoji="1" lang="en-US" altLang="ja-JP" sz="2400" dirty="0"/>
-              <a:t>We propose different model to </a:t>
-            </a:r>
-            <a:r>
               <a:rPr lang="en" altLang="ja-JP" sz="2400" dirty="0"/>
-              <a:t>solve large bookings.</a:t>
-            </a:r>
-          </a:p>
-          <a:p>
+              <a:t>In the 1</a:t>
+            </a:r>
+            <a:r>
+              <a:rPr lang="en" altLang="ja-JP" sz="2400" baseline="30000" dirty="0"/>
+              <a:t>st </a:t>
+            </a:r>
             <a:r>
               <a:rPr lang="en" altLang="ja-JP" sz="2400" dirty="0"/>
-              <a:t>We'll call this model “the 2nd model”.</a:t>
+              <a:t>model, continuous numbers of units were used as variables.</a:t>
             </a:r>
           </a:p>
           <a:p>
             <a:r>
               <a:rPr lang="en" altLang="ja-JP" sz="2400" dirty="0"/>
-              <a:t>The basic idea is based on heuristics.</a:t>
-            </a:r>
+              <a:t>In the 2nd model, instead of assigning each unit individually, we split the orders and assign them.</a:t>
+            </a:r>
+            <a:endParaRPr lang="ja-JP" altLang="en-US" sz="2400"/>
           </a:p>
           <a:p>
             <a:r>
               <a:rPr lang="en" altLang="ja-JP" sz="2400" dirty="0"/>
-              <a:t>Using the local search, we improve the</a:t>
-            </a:r>
-            <a:r>
-              <a:rPr lang="en-US" altLang="ja-JP" sz="2400" dirty="0"/>
-              <a:t> assignment</a:t>
-            </a:r>
-            <a:endParaRPr lang="en" altLang="ja-JP" sz="2400" dirty="0"/>
+              <a:t>As for holds, we think about grouping some holds together and assigning orders to them. </a:t>
+            </a:r>
+          </a:p>
+          <a:p>
+            <a:pPr lvl="1"/>
+            <a:r>
+              <a:rPr kumimoji="1" lang="en" altLang="ja-JP" sz="2200" dirty="0"/>
+              <a:t>We call them “segment”.</a:t>
+            </a:r>
+          </a:p>
+          <a:p>
+            <a:pPr marL="0" indent="0">
+              <a:buNone/>
+            </a:pPr>
+            <a:endParaRPr kumimoji="1" lang="ja-JP" altLang="en-US" sz="2400"/>
           </a:p>
         </p:txBody>
       </p:sp>
     </p:spTree>
     <p:extLst>
       <p:ext uri="{BB962C8B-B14F-4D97-AF65-F5344CB8AC3E}">
-        <p14:creationId xmlns:p14="http://schemas.microsoft.com/office/powerpoint/2010/main" val="2051790486"/>
+        <p14:creationId xmlns:p14="http://schemas.microsoft.com/office/powerpoint/2010/main" val="3274161218"/>
       </p:ext>
     </p:extLst>
   </p:cSld>
@@ -16232,129 +16261,6 @@
           <p:cNvPr id="2" name="タイトル 1">
             <a:extLst>
               <a:ext uri="{FF2B5EF4-FFF2-40B4-BE49-F238E27FC236}">
-                <a16:creationId xmlns:a16="http://schemas.microsoft.com/office/drawing/2014/main" id="{D4EA45E0-6EC3-4546-962B-3ADDD8781C9D}"/>
-              </a:ext>
-            </a:extLst>
-          </p:cNvPr>
-          <p:cNvSpPr>
-            <a:spLocks noGrp="1"/>
-          </p:cNvSpPr>
-          <p:nvPr>
-            <p:ph type="title"/>
-          </p:nvPr>
-        </p:nvSpPr>
-        <p:spPr/>
-        <p:txBody>
-          <a:bodyPr/>
-          <a:lstStyle/>
-          <a:p>
-            <a:r>
-              <a:rPr lang="en-US" altLang="ja-JP" dirty="0"/>
-              <a:t>Detailed Heuristic</a:t>
-            </a:r>
-            <a:endParaRPr kumimoji="1" lang="ja-JP" altLang="en-US"/>
-          </a:p>
-        </p:txBody>
-      </p:sp>
-      <p:sp>
-        <p:nvSpPr>
-          <p:cNvPr id="3" name="コンテンツ プレースホルダー 2">
-            <a:extLst>
-              <a:ext uri="{FF2B5EF4-FFF2-40B4-BE49-F238E27FC236}">
-                <a16:creationId xmlns:a16="http://schemas.microsoft.com/office/drawing/2014/main" id="{C6E27343-2C9B-334E-90CD-315B46EA63CE}"/>
-              </a:ext>
-            </a:extLst>
-          </p:cNvPr>
-          <p:cNvSpPr>
-            <a:spLocks noGrp="1"/>
-          </p:cNvSpPr>
-          <p:nvPr>
-            <p:ph idx="1"/>
-          </p:nvPr>
-        </p:nvSpPr>
-        <p:spPr/>
-        <p:txBody>
-          <a:bodyPr>
-            <a:normAutofit/>
-          </a:bodyPr>
-          <a:lstStyle/>
-          <a:p>
-            <a:r>
-              <a:rPr lang="en" altLang="ja-JP" sz="2400" dirty="0"/>
-              <a:t>In the 1</a:t>
-            </a:r>
-            <a:r>
-              <a:rPr lang="en" altLang="ja-JP" sz="2400" baseline="30000" dirty="0"/>
-              <a:t>st </a:t>
-            </a:r>
-            <a:r>
-              <a:rPr lang="en" altLang="ja-JP" sz="2400" dirty="0"/>
-              <a:t>model, continuous numbers of units were used as variables.</a:t>
-            </a:r>
-          </a:p>
-          <a:p>
-            <a:r>
-              <a:rPr lang="en" altLang="ja-JP" sz="2400" dirty="0"/>
-              <a:t>In the 2nd model, instead of assigning each unit individually, we split the orders and assign them.</a:t>
-            </a:r>
-            <a:endParaRPr lang="ja-JP" altLang="en-US" sz="2400"/>
-          </a:p>
-          <a:p>
-            <a:r>
-              <a:rPr lang="en" altLang="ja-JP" sz="2400" dirty="0"/>
-              <a:t>As for holds, we think about grouping some holds together and assigning orders to them. </a:t>
-            </a:r>
-          </a:p>
-          <a:p>
-            <a:pPr lvl="1"/>
-            <a:r>
-              <a:rPr kumimoji="1" lang="en" altLang="ja-JP" sz="2200" dirty="0"/>
-              <a:t>We call them “segment”.</a:t>
-            </a:r>
-          </a:p>
-          <a:p>
-            <a:pPr marL="0" indent="0">
-              <a:buNone/>
-            </a:pPr>
-            <a:endParaRPr kumimoji="1" lang="ja-JP" altLang="en-US" sz="2400"/>
-          </a:p>
-        </p:txBody>
-      </p:sp>
-    </p:spTree>
-    <p:extLst>
-      <p:ext uri="{BB962C8B-B14F-4D97-AF65-F5344CB8AC3E}">
-        <p14:creationId xmlns:p14="http://schemas.microsoft.com/office/powerpoint/2010/main" val="3274161218"/>
-      </p:ext>
-    </p:extLst>
-  </p:cSld>
-  <p:clrMapOvr>
-    <a:masterClrMapping/>
-  </p:clrMapOvr>
-</p:sld>
-</file>
-
-<file path=ppt/slides/slide32.xml><?xml version="1.0" encoding="utf-8"?>
-<p:sld xmlns:a="http://schemas.openxmlformats.org/drawingml/2006/main" xmlns:r="http://schemas.openxmlformats.org/officeDocument/2006/relationships" xmlns:p="http://schemas.openxmlformats.org/presentationml/2006/main">
-  <p:cSld>
-    <p:spTree>
-      <p:nvGrpSpPr>
-        <p:cNvPr id="1" name=""/>
-        <p:cNvGrpSpPr/>
-        <p:nvPr/>
-      </p:nvGrpSpPr>
-      <p:grpSpPr>
-        <a:xfrm>
-          <a:off x="0" y="0"/>
-          <a:ext cx="0" cy="0"/>
-          <a:chOff x="0" y="0"/>
-          <a:chExt cx="0" cy="0"/>
-        </a:xfrm>
-      </p:grpSpPr>
-      <p:sp>
-        <p:nvSpPr>
-          <p:cNvPr id="2" name="タイトル 1">
-            <a:extLst>
-              <a:ext uri="{FF2B5EF4-FFF2-40B4-BE49-F238E27FC236}">
                 <a16:creationId xmlns:a16="http://schemas.microsoft.com/office/drawing/2014/main" id="{A0F04F6F-5F7C-4C4A-A9DD-C0722B40C486}"/>
               </a:ext>
             </a:extLst>
@@ -16447,7 +16353,7 @@
 </p:sld>
 </file>
 
-<file path=ppt/slides/slide33.xml><?xml version="1.0" encoding="utf-8"?>
+<file path=ppt/slides/slide32.xml><?xml version="1.0" encoding="utf-8"?>
 <p:sld xmlns:a="http://schemas.openxmlformats.org/drawingml/2006/main" xmlns:r="http://schemas.openxmlformats.org/officeDocument/2006/relationships" xmlns:p="http://schemas.openxmlformats.org/presentationml/2006/main">
   <p:cSld>
     <p:spTree>
@@ -16600,7 +16506,7 @@
 </p:sld>
 </file>
 
-<file path=ppt/slides/slide34.xml><?xml version="1.0" encoding="utf-8"?>
+<file path=ppt/slides/slide33.xml><?xml version="1.0" encoding="utf-8"?>
 <p:sld xmlns:a="http://schemas.openxmlformats.org/drawingml/2006/main" xmlns:r="http://schemas.openxmlformats.org/officeDocument/2006/relationships" xmlns:p="http://schemas.openxmlformats.org/presentationml/2006/main">
   <p:cSld>
     <p:spTree>
@@ -16861,6 +16767,108 @@
 </p:sld>
 </file>
 
+<file path=ppt/slides/slide34.xml><?xml version="1.0" encoding="utf-8"?>
+<p:sld xmlns:a="http://schemas.openxmlformats.org/drawingml/2006/main" xmlns:r="http://schemas.openxmlformats.org/officeDocument/2006/relationships" xmlns:p="http://schemas.openxmlformats.org/presentationml/2006/main">
+  <p:cSld>
+    <p:spTree>
+      <p:nvGrpSpPr>
+        <p:cNvPr id="1" name=""/>
+        <p:cNvGrpSpPr/>
+        <p:nvPr/>
+      </p:nvGrpSpPr>
+      <p:grpSpPr>
+        <a:xfrm>
+          <a:off x="0" y="0"/>
+          <a:ext cx="0" cy="0"/>
+          <a:chOff x="0" y="0"/>
+          <a:chExt cx="0" cy="0"/>
+        </a:xfrm>
+      </p:grpSpPr>
+      <p:sp>
+        <p:nvSpPr>
+          <p:cNvPr id="2" name="タイトル 1">
+            <a:extLst>
+              <a:ext uri="{FF2B5EF4-FFF2-40B4-BE49-F238E27FC236}">
+                <a16:creationId xmlns:a16="http://schemas.microsoft.com/office/drawing/2014/main" id="{FDC6E643-84C1-D84A-A5EC-DEBAA379F4FF}"/>
+              </a:ext>
+            </a:extLst>
+          </p:cNvPr>
+          <p:cNvSpPr>
+            <a:spLocks noGrp="1"/>
+          </p:cNvSpPr>
+          <p:nvPr>
+            <p:ph type="title"/>
+          </p:nvPr>
+        </p:nvSpPr>
+        <p:spPr/>
+        <p:txBody>
+          <a:bodyPr/>
+          <a:lstStyle/>
+          <a:p>
+            <a:r>
+              <a:rPr lang="en" altLang="ja-JP" dirty="0"/>
+              <a:t>Rules for loading</a:t>
+            </a:r>
+            <a:r>
+              <a:rPr lang="en-US" altLang="ja-JP" dirty="0"/>
+              <a:t> vehicles</a:t>
+            </a:r>
+            <a:endParaRPr kumimoji="1" lang="ja-JP" altLang="en-US"/>
+          </a:p>
+        </p:txBody>
+      </p:sp>
+      <p:sp>
+        <p:nvSpPr>
+          <p:cNvPr id="3" name="コンテンツ プレースホルダー 2">
+            <a:extLst>
+              <a:ext uri="{FF2B5EF4-FFF2-40B4-BE49-F238E27FC236}">
+                <a16:creationId xmlns:a16="http://schemas.microsoft.com/office/drawing/2014/main" id="{87DA18FE-55DE-054F-B0FC-BCAE58372308}"/>
+              </a:ext>
+            </a:extLst>
+          </p:cNvPr>
+          <p:cNvSpPr>
+            <a:spLocks noGrp="1"/>
+          </p:cNvSpPr>
+          <p:nvPr>
+            <p:ph idx="1"/>
+          </p:nvPr>
+        </p:nvSpPr>
+        <p:spPr/>
+        <p:txBody>
+          <a:bodyPr>
+            <a:normAutofit/>
+          </a:bodyPr>
+          <a:lstStyle/>
+          <a:p>
+            <a:r>
+              <a:rPr lang="en" altLang="ja-JP" sz="2400" dirty="0"/>
+              <a:t> The vehicles of the orders assigned to each segment are loaded from the back hold.</a:t>
+            </a:r>
+          </a:p>
+          <a:p>
+            <a:r>
+              <a:rPr lang="en" altLang="ja-JP" sz="2400" dirty="0"/>
+              <a:t>We want to load the vehicle while satisfying the constraints.</a:t>
+            </a:r>
+          </a:p>
+          <a:p>
+            <a:endParaRPr kumimoji="1" lang="en" altLang="ja-JP" sz="2400" dirty="0"/>
+          </a:p>
+        </p:txBody>
+      </p:sp>
+    </p:spTree>
+    <p:extLst>
+      <p:ext uri="{BB962C8B-B14F-4D97-AF65-F5344CB8AC3E}">
+        <p14:creationId xmlns:p14="http://schemas.microsoft.com/office/powerpoint/2010/main" val="1840310504"/>
+      </p:ext>
+    </p:extLst>
+  </p:cSld>
+  <p:clrMapOvr>
+    <a:masterClrMapping/>
+  </p:clrMapOvr>
+</p:sld>
+</file>
+
 <file path=ppt/slides/slide35.xml><?xml version="1.0" encoding="utf-8"?>
 <p:sld xmlns:a="http://schemas.openxmlformats.org/drawingml/2006/main" xmlns:r="http://schemas.openxmlformats.org/officeDocument/2006/relationships" xmlns:p="http://schemas.openxmlformats.org/presentationml/2006/main">
   <p:cSld>
@@ -16883,7 +16891,7 @@
           <p:cNvPr id="2" name="タイトル 1">
             <a:extLst>
               <a:ext uri="{FF2B5EF4-FFF2-40B4-BE49-F238E27FC236}">
-                <a16:creationId xmlns:a16="http://schemas.microsoft.com/office/drawing/2014/main" id="{FDC6E643-84C1-D84A-A5EC-DEBAA379F4FF}"/>
+                <a16:creationId xmlns:a16="http://schemas.microsoft.com/office/drawing/2014/main" id="{3E79F2C1-44AD-BE44-B7D7-3B192EEA9B06}"/>
               </a:ext>
             </a:extLst>
           </p:cNvPr>
@@ -16901,11 +16909,7 @@
           <a:p>
             <a:r>
               <a:rPr lang="en" altLang="ja-JP" dirty="0"/>
-              <a:t>Rules for loading</a:t>
-            </a:r>
-            <a:r>
-              <a:rPr lang="en-US" altLang="ja-JP" dirty="0"/>
-              <a:t> vehicles</a:t>
+              <a:t>Constraints that has to be satisfied when loading</a:t>
             </a:r>
             <a:endParaRPr kumimoji="1" lang="ja-JP" altLang="en-US"/>
           </a:p>
@@ -16916,7 +16920,7 @@
           <p:cNvPr id="3" name="コンテンツ プレースホルダー 2">
             <a:extLst>
               <a:ext uri="{FF2B5EF4-FFF2-40B4-BE49-F238E27FC236}">
-                <a16:creationId xmlns:a16="http://schemas.microsoft.com/office/drawing/2014/main" id="{87DA18FE-55DE-054F-B0FC-BCAE58372308}"/>
+                <a16:creationId xmlns:a16="http://schemas.microsoft.com/office/drawing/2014/main" id="{C1BD3BF1-F3B9-434F-9868-7519AF4F1EE7}"/>
               </a:ext>
             </a:extLst>
           </p:cNvPr>
@@ -16927,7 +16931,12 @@
             <p:ph idx="1"/>
           </p:nvPr>
         </p:nvSpPr>
-        <p:spPr/>
+        <p:spPr>
+          <a:xfrm>
+            <a:off x="2589212" y="2173941"/>
+            <a:ext cx="8915400" cy="3777622"/>
+          </a:xfrm>
+        </p:spPr>
         <p:txBody>
           <a:bodyPr>
             <a:normAutofit/>
@@ -16935,25 +16944,42 @@
           <a:lstStyle/>
           <a:p>
             <a:r>
+              <a:rPr lang="en-US" altLang="ja-JP" sz="2400" dirty="0"/>
+              <a:t>We load vehicles while satisfying the following travel routes constraints.</a:t>
+            </a:r>
+          </a:p>
+          <a:p>
+            <a:r>
+              <a:rPr lang="en-US" altLang="ja-JP" sz="2400" dirty="0"/>
+              <a:t>We ensure that the filling rate is not exceeded after all vehicles have been loaded at a particular port.</a:t>
+            </a:r>
+          </a:p>
+          <a:p>
+            <a:r>
               <a:rPr lang="en" altLang="ja-JP" sz="2400" dirty="0"/>
-              <a:t> The vehicles of the orders assigned to each segment are loaded from the back hold.</a:t>
-            </a:r>
-          </a:p>
-          <a:p>
+              <a:t>Other constraints or objectives are calculated in</a:t>
+            </a:r>
+            <a:r>
+              <a:rPr lang="en-US" altLang="ja-JP" sz="2400" dirty="0"/>
+              <a:t> the</a:t>
+            </a:r>
             <a:r>
               <a:rPr lang="en" altLang="ja-JP" sz="2400" dirty="0"/>
-              <a:t>We want to load the vehicle while satisfying the constraints.</a:t>
-            </a:r>
-          </a:p>
-          <a:p>
-            <a:endParaRPr kumimoji="1" lang="en" altLang="ja-JP" sz="2400" dirty="0"/>
+              <a:t> evaluation function.</a:t>
+            </a:r>
+          </a:p>
+          <a:p>
+            <a:pPr marL="57150" indent="0">
+              <a:buNone/>
+            </a:pPr>
+            <a:endParaRPr lang="en" altLang="ja-JP" sz="2400" dirty="0"/>
           </a:p>
         </p:txBody>
       </p:sp>
     </p:spTree>
     <p:extLst>
       <p:ext uri="{BB962C8B-B14F-4D97-AF65-F5344CB8AC3E}">
-        <p14:creationId xmlns:p14="http://schemas.microsoft.com/office/powerpoint/2010/main" val="1840310504"/>
+        <p14:creationId xmlns:p14="http://schemas.microsoft.com/office/powerpoint/2010/main" val="1018384972"/>
       </p:ext>
     </p:extLst>
   </p:cSld>
@@ -16985,126 +17011,6 @@
           <p:cNvPr id="2" name="タイトル 1">
             <a:extLst>
               <a:ext uri="{FF2B5EF4-FFF2-40B4-BE49-F238E27FC236}">
-                <a16:creationId xmlns:a16="http://schemas.microsoft.com/office/drawing/2014/main" id="{3E79F2C1-44AD-BE44-B7D7-3B192EEA9B06}"/>
-              </a:ext>
-            </a:extLst>
-          </p:cNvPr>
-          <p:cNvSpPr>
-            <a:spLocks noGrp="1"/>
-          </p:cNvSpPr>
-          <p:nvPr>
-            <p:ph type="title"/>
-          </p:nvPr>
-        </p:nvSpPr>
-        <p:spPr/>
-        <p:txBody>
-          <a:bodyPr/>
-          <a:lstStyle/>
-          <a:p>
-            <a:r>
-              <a:rPr lang="en" altLang="ja-JP" dirty="0"/>
-              <a:t>Constraints that has to be satisfied when loading</a:t>
-            </a:r>
-            <a:endParaRPr kumimoji="1" lang="ja-JP" altLang="en-US"/>
-          </a:p>
-        </p:txBody>
-      </p:sp>
-      <p:sp>
-        <p:nvSpPr>
-          <p:cNvPr id="3" name="コンテンツ プレースホルダー 2">
-            <a:extLst>
-              <a:ext uri="{FF2B5EF4-FFF2-40B4-BE49-F238E27FC236}">
-                <a16:creationId xmlns:a16="http://schemas.microsoft.com/office/drawing/2014/main" id="{C1BD3BF1-F3B9-434F-9868-7519AF4F1EE7}"/>
-              </a:ext>
-            </a:extLst>
-          </p:cNvPr>
-          <p:cNvSpPr>
-            <a:spLocks noGrp="1"/>
-          </p:cNvSpPr>
-          <p:nvPr>
-            <p:ph idx="1"/>
-          </p:nvPr>
-        </p:nvSpPr>
-        <p:spPr>
-          <a:xfrm>
-            <a:off x="2589212" y="2173941"/>
-            <a:ext cx="8915400" cy="3777622"/>
-          </a:xfrm>
-        </p:spPr>
-        <p:txBody>
-          <a:bodyPr>
-            <a:normAutofit/>
-          </a:bodyPr>
-          <a:lstStyle/>
-          <a:p>
-            <a:r>
-              <a:rPr lang="en-US" altLang="ja-JP" sz="2400" dirty="0"/>
-              <a:t>We load vehicles while satisfying the following travel routes constraints.</a:t>
-            </a:r>
-          </a:p>
-          <a:p>
-            <a:r>
-              <a:rPr lang="en-US" altLang="ja-JP" sz="2400" dirty="0"/>
-              <a:t>We ensure that the filling rate is not exceeded after all vehicles have been loaded at a particular port.</a:t>
-            </a:r>
-          </a:p>
-          <a:p>
-            <a:r>
-              <a:rPr lang="en" altLang="ja-JP" sz="2400" dirty="0"/>
-              <a:t>Other constraints or objectives are calculated in</a:t>
-            </a:r>
-            <a:r>
-              <a:rPr lang="en-US" altLang="ja-JP" sz="2400" dirty="0"/>
-              <a:t> the</a:t>
-            </a:r>
-            <a:r>
-              <a:rPr lang="en" altLang="ja-JP" sz="2400" dirty="0"/>
-              <a:t> evaluation function.</a:t>
-            </a:r>
-          </a:p>
-          <a:p>
-            <a:pPr marL="57150" indent="0">
-              <a:buNone/>
-            </a:pPr>
-            <a:endParaRPr lang="en" altLang="ja-JP" sz="2400" dirty="0"/>
-          </a:p>
-        </p:txBody>
-      </p:sp>
-    </p:spTree>
-    <p:extLst>
-      <p:ext uri="{BB962C8B-B14F-4D97-AF65-F5344CB8AC3E}">
-        <p14:creationId xmlns:p14="http://schemas.microsoft.com/office/powerpoint/2010/main" val="1018384972"/>
-      </p:ext>
-    </p:extLst>
-  </p:cSld>
-  <p:clrMapOvr>
-    <a:masterClrMapping/>
-  </p:clrMapOvr>
-</p:sld>
-</file>
-
-<file path=ppt/slides/slide37.xml><?xml version="1.0" encoding="utf-8"?>
-<p:sld xmlns:a="http://schemas.openxmlformats.org/drawingml/2006/main" xmlns:r="http://schemas.openxmlformats.org/officeDocument/2006/relationships" xmlns:p="http://schemas.openxmlformats.org/presentationml/2006/main">
-  <p:cSld>
-    <p:spTree>
-      <p:nvGrpSpPr>
-        <p:cNvPr id="1" name=""/>
-        <p:cNvGrpSpPr/>
-        <p:nvPr/>
-      </p:nvGrpSpPr>
-      <p:grpSpPr>
-        <a:xfrm>
-          <a:off x="0" y="0"/>
-          <a:ext cx="0" cy="0"/>
-          <a:chOff x="0" y="0"/>
-          <a:chExt cx="0" cy="0"/>
-        </a:xfrm>
-      </p:grpSpPr>
-      <p:sp>
-        <p:nvSpPr>
-          <p:cNvPr id="2" name="タイトル 1">
-            <a:extLst>
-              <a:ext uri="{FF2B5EF4-FFF2-40B4-BE49-F238E27FC236}">
                 <a16:creationId xmlns:a16="http://schemas.microsoft.com/office/drawing/2014/main" id="{2B278DCE-0685-4441-B128-DC9D8C8EB809}"/>
               </a:ext>
             </a:extLst>
@@ -17191,7 +17097,7 @@
 </p:sld>
 </file>
 
-<file path=ppt/slides/slide38.xml><?xml version="1.0" encoding="utf-8"?>
+<file path=ppt/slides/slide37.xml><?xml version="1.0" encoding="utf-8"?>
 <p:sld xmlns:a="http://schemas.openxmlformats.org/drawingml/2006/main" xmlns:r="http://schemas.openxmlformats.org/officeDocument/2006/relationships" xmlns:p="http://schemas.openxmlformats.org/presentationml/2006/main">
   <p:cSld>
     <p:spTree>
@@ -17903,6 +17809,132 @@
 </p:sld>
 </file>
 
+<file path=ppt/slides/slide38.xml><?xml version="1.0" encoding="utf-8"?>
+<p:sld xmlns:a="http://schemas.openxmlformats.org/drawingml/2006/main" xmlns:r="http://schemas.openxmlformats.org/officeDocument/2006/relationships" xmlns:p="http://schemas.openxmlformats.org/presentationml/2006/main">
+  <p:cSld>
+    <p:spTree>
+      <p:nvGrpSpPr>
+        <p:cNvPr id="1" name=""/>
+        <p:cNvGrpSpPr/>
+        <p:nvPr/>
+      </p:nvGrpSpPr>
+      <p:grpSpPr>
+        <a:xfrm>
+          <a:off x="0" y="0"/>
+          <a:ext cx="0" cy="0"/>
+          <a:chOff x="0" y="0"/>
+          <a:chExt cx="0" cy="0"/>
+        </a:xfrm>
+      </p:grpSpPr>
+      <p:sp>
+        <p:nvSpPr>
+          <p:cNvPr id="2" name="タイトル 1">
+            <a:extLst>
+              <a:ext uri="{FF2B5EF4-FFF2-40B4-BE49-F238E27FC236}">
+                <a16:creationId xmlns:a16="http://schemas.microsoft.com/office/drawing/2014/main" id="{3D8A63EE-A0A1-4C4E-9821-A455B6473202}"/>
+              </a:ext>
+            </a:extLst>
+          </p:cNvPr>
+          <p:cNvSpPr>
+            <a:spLocks noGrp="1"/>
+          </p:cNvSpPr>
+          <p:nvPr>
+            <p:ph type="title"/>
+          </p:nvPr>
+        </p:nvSpPr>
+        <p:spPr/>
+        <p:txBody>
+          <a:bodyPr/>
+          <a:lstStyle/>
+          <a:p>
+            <a:r>
+              <a:rPr kumimoji="1" lang="en-US" altLang="ja-JP" dirty="0"/>
+              <a:t>Neighborhood</a:t>
+            </a:r>
+            <a:endParaRPr kumimoji="1" lang="ja-JP" altLang="en-US"/>
+          </a:p>
+        </p:txBody>
+      </p:sp>
+      <p:sp>
+        <p:nvSpPr>
+          <p:cNvPr id="3" name="コンテンツ プレースホルダー 2">
+            <a:extLst>
+              <a:ext uri="{FF2B5EF4-FFF2-40B4-BE49-F238E27FC236}">
+                <a16:creationId xmlns:a16="http://schemas.microsoft.com/office/drawing/2014/main" id="{240D5665-5F70-714B-87E9-C1AB005B3571}"/>
+              </a:ext>
+            </a:extLst>
+          </p:cNvPr>
+          <p:cNvSpPr>
+            <a:spLocks noGrp="1"/>
+          </p:cNvSpPr>
+          <p:nvPr>
+            <p:ph idx="1"/>
+          </p:nvPr>
+        </p:nvSpPr>
+        <p:spPr/>
+        <p:txBody>
+          <a:bodyPr>
+            <a:normAutofit/>
+          </a:bodyPr>
+          <a:lstStyle/>
+          <a:p>
+            <a:r>
+              <a:rPr kumimoji="1" lang="en-US" altLang="ja-JP" sz="2400" dirty="0"/>
+              <a:t>Shift neighborhood</a:t>
+            </a:r>
+          </a:p>
+          <a:p>
+            <a:pPr lvl="1"/>
+            <a:r>
+              <a:rPr kumimoji="1" lang="en-US" altLang="ja-JP" sz="2400" dirty="0"/>
+              <a:t>This is obtained by</a:t>
+            </a:r>
+            <a:r>
+              <a:rPr kumimoji="1" lang="ja-JP" altLang="en-US" sz="2400"/>
+              <a:t> </a:t>
+            </a:r>
+            <a:r>
+              <a:rPr kumimoji="1" lang="en-US" altLang="ja-JP" sz="2400" dirty="0"/>
+              <a:t>reassigning one order which was assigned to a segment to another segment</a:t>
+            </a:r>
+          </a:p>
+          <a:p>
+            <a:r>
+              <a:rPr kumimoji="1" lang="en-US" altLang="ja-JP" sz="2400" dirty="0"/>
+              <a:t>Swap </a:t>
+            </a:r>
+            <a:r>
+              <a:rPr lang="en-US" altLang="ja-JP" sz="2400" dirty="0"/>
+              <a:t>neighborhood</a:t>
+            </a:r>
+          </a:p>
+          <a:p>
+            <a:pPr lvl="1"/>
+            <a:r>
+              <a:rPr kumimoji="1" lang="en-US" altLang="ja-JP" sz="2400" dirty="0"/>
+              <a:t>This is obtained by s</a:t>
+            </a:r>
+            <a:r>
+              <a:rPr lang="en-US" altLang="ja-JP" sz="2400" dirty="0"/>
+              <a:t>wapping the allocated segments of two orders.</a:t>
+            </a:r>
+            <a:endParaRPr kumimoji="1" lang="ja-JP" altLang="en-US" sz="2400"/>
+          </a:p>
+        </p:txBody>
+      </p:sp>
+    </p:spTree>
+    <p:extLst>
+      <p:ext uri="{BB962C8B-B14F-4D97-AF65-F5344CB8AC3E}">
+        <p14:creationId xmlns:p14="http://schemas.microsoft.com/office/powerpoint/2010/main" val="719674508"/>
+      </p:ext>
+    </p:extLst>
+  </p:cSld>
+  <p:clrMapOvr>
+    <a:masterClrMapping/>
+  </p:clrMapOvr>
+</p:sld>
+</file>
+
 <file path=ppt/slides/slide39.xml><?xml version="1.0" encoding="utf-8"?>
 <p:sld xmlns:a="http://schemas.openxmlformats.org/drawingml/2006/main" xmlns:r="http://schemas.openxmlformats.org/officeDocument/2006/relationships" xmlns:p="http://schemas.openxmlformats.org/presentationml/2006/main">
   <p:cSld>
@@ -17925,7 +17957,7 @@
           <p:cNvPr id="2" name="タイトル 1">
             <a:extLst>
               <a:ext uri="{FF2B5EF4-FFF2-40B4-BE49-F238E27FC236}">
-                <a16:creationId xmlns:a16="http://schemas.microsoft.com/office/drawing/2014/main" id="{3D8A63EE-A0A1-4C4E-9821-A455B6473202}"/>
+                <a16:creationId xmlns:a16="http://schemas.microsoft.com/office/drawing/2014/main" id="{0BE0AB04-8F34-BD4F-8DDD-608D0F3AC3BC}"/>
               </a:ext>
             </a:extLst>
           </p:cNvPr>
@@ -17943,7 +17975,7 @@
           <a:p>
             <a:r>
               <a:rPr kumimoji="1" lang="en-US" altLang="ja-JP" dirty="0"/>
-              <a:t>Neighborhood</a:t>
+              <a:t>Flow of local search</a:t>
             </a:r>
             <a:endParaRPr kumimoji="1" lang="ja-JP" altLang="en-US"/>
           </a:p>
@@ -17954,7 +17986,7 @@
           <p:cNvPr id="3" name="コンテンツ プレースホルダー 2">
             <a:extLst>
               <a:ext uri="{FF2B5EF4-FFF2-40B4-BE49-F238E27FC236}">
-                <a16:creationId xmlns:a16="http://schemas.microsoft.com/office/drawing/2014/main" id="{240D5665-5F70-714B-87E9-C1AB005B3571}"/>
+                <a16:creationId xmlns:a16="http://schemas.microsoft.com/office/drawing/2014/main" id="{EF816E5E-667D-8843-89E2-F9D0E26CD703}"/>
               </a:ext>
             </a:extLst>
           </p:cNvPr>
@@ -17965,61 +17997,58 @@
             <p:ph idx="1"/>
           </p:nvPr>
         </p:nvSpPr>
-        <p:spPr/>
+        <p:spPr>
+          <a:xfrm>
+            <a:off x="2589211" y="2133600"/>
+            <a:ext cx="7522977" cy="3777622"/>
+          </a:xfrm>
+        </p:spPr>
         <p:txBody>
           <a:bodyPr>
             <a:normAutofit/>
           </a:bodyPr>
           <a:lstStyle/>
           <a:p>
-            <a:r>
-              <a:rPr kumimoji="1" lang="en-US" altLang="ja-JP" sz="2400" dirty="0"/>
-              <a:t>Shift neighborhood</a:t>
-            </a:r>
-          </a:p>
-          <a:p>
-            <a:pPr lvl="1"/>
-            <a:r>
-              <a:rPr kumimoji="1" lang="en-US" altLang="ja-JP" sz="2400" dirty="0"/>
-              <a:t>This is obtained by</a:t>
-            </a:r>
-            <a:r>
-              <a:rPr kumimoji="1" lang="ja-JP" altLang="en-US" sz="2400"/>
-              <a:t> </a:t>
-            </a:r>
-            <a:r>
-              <a:rPr kumimoji="1" lang="en-US" altLang="ja-JP" sz="2400" dirty="0"/>
-              <a:t>reassigning one order which was assigned to a segment to another segment</a:t>
-            </a:r>
-          </a:p>
-          <a:p>
-            <a:r>
-              <a:rPr kumimoji="1" lang="en-US" altLang="ja-JP" sz="2400" dirty="0"/>
-              <a:t>Swap </a:t>
+            <a:pPr>
+              <a:buFont typeface="+mj-lt"/>
+              <a:buAutoNum type="arabicPeriod"/>
+            </a:pPr>
+            <a:r>
+              <a:rPr lang="en" altLang="ja-JP" sz="2400" dirty="0"/>
+              <a:t>searching the shift neighborhood until no better solution is found.</a:t>
+            </a:r>
+          </a:p>
+          <a:p>
+            <a:pPr>
+              <a:buFont typeface="+mj-lt"/>
+              <a:buAutoNum type="arabicPeriod"/>
+            </a:pPr>
+            <a:r>
+              <a:rPr lang="en" altLang="ja-JP" sz="2400" dirty="0"/>
+              <a:t>searching the swap neighborhood until no better solution is found.</a:t>
+            </a:r>
+          </a:p>
+          <a:p>
+            <a:pPr>
+              <a:buFont typeface="+mj-lt"/>
+              <a:buAutoNum type="arabicPeriod"/>
+            </a:pPr>
+            <a:r>
+              <a:rPr lang="en" altLang="ja-JP" sz="2400" dirty="0"/>
+              <a:t>If better solution is found in step 1 or step 2,</a:t>
             </a:r>
             <a:r>
               <a:rPr lang="en-US" altLang="ja-JP" sz="2400" dirty="0"/>
-              <a:t>neighborhood</a:t>
-            </a:r>
-          </a:p>
-          <a:p>
-            <a:pPr lvl="1"/>
-            <a:r>
-              <a:rPr kumimoji="1" lang="en-US" altLang="ja-JP" sz="2400" dirty="0"/>
-              <a:t>This is obtained by s</a:t>
-            </a:r>
-            <a:r>
-              <a:rPr lang="en-US" altLang="ja-JP" sz="2400" dirty="0"/>
-              <a:t>wapping the allocated segments of two orders.</a:t>
-            </a:r>
-            <a:endParaRPr kumimoji="1" lang="ja-JP" altLang="en-US" sz="2400"/>
+              <a:t> return to step 1.</a:t>
+            </a:r>
+            <a:endParaRPr lang="en" altLang="ja-JP" sz="2400" dirty="0"/>
           </a:p>
         </p:txBody>
       </p:sp>
     </p:spTree>
     <p:extLst>
       <p:ext uri="{BB962C8B-B14F-4D97-AF65-F5344CB8AC3E}">
-        <p14:creationId xmlns:p14="http://schemas.microsoft.com/office/powerpoint/2010/main" val="719674508"/>
+        <p14:creationId xmlns:p14="http://schemas.microsoft.com/office/powerpoint/2010/main" val="1443573793"/>
       </p:ext>
     </p:extLst>
   </p:cSld>
@@ -18140,129 +18169,6 @@
 </file>
 
 <file path=ppt/slides/slide40.xml><?xml version="1.0" encoding="utf-8"?>
-<p:sld xmlns:a="http://schemas.openxmlformats.org/drawingml/2006/main" xmlns:r="http://schemas.openxmlformats.org/officeDocument/2006/relationships" xmlns:p="http://schemas.openxmlformats.org/presentationml/2006/main">
-  <p:cSld>
-    <p:spTree>
-      <p:nvGrpSpPr>
-        <p:cNvPr id="1" name=""/>
-        <p:cNvGrpSpPr/>
-        <p:nvPr/>
-      </p:nvGrpSpPr>
-      <p:grpSpPr>
-        <a:xfrm>
-          <a:off x="0" y="0"/>
-          <a:ext cx="0" cy="0"/>
-          <a:chOff x="0" y="0"/>
-          <a:chExt cx="0" cy="0"/>
-        </a:xfrm>
-      </p:grpSpPr>
-      <p:sp>
-        <p:nvSpPr>
-          <p:cNvPr id="2" name="タイトル 1">
-            <a:extLst>
-              <a:ext uri="{FF2B5EF4-FFF2-40B4-BE49-F238E27FC236}">
-                <a16:creationId xmlns:a16="http://schemas.microsoft.com/office/drawing/2014/main" id="{0BE0AB04-8F34-BD4F-8DDD-608D0F3AC3BC}"/>
-              </a:ext>
-            </a:extLst>
-          </p:cNvPr>
-          <p:cNvSpPr>
-            <a:spLocks noGrp="1"/>
-          </p:cNvSpPr>
-          <p:nvPr>
-            <p:ph type="title"/>
-          </p:nvPr>
-        </p:nvSpPr>
-        <p:spPr/>
-        <p:txBody>
-          <a:bodyPr/>
-          <a:lstStyle/>
-          <a:p>
-            <a:r>
-              <a:rPr kumimoji="1" lang="en-US" altLang="ja-JP" dirty="0"/>
-              <a:t>Flow of local search</a:t>
-            </a:r>
-            <a:endParaRPr kumimoji="1" lang="ja-JP" altLang="en-US"/>
-          </a:p>
-        </p:txBody>
-      </p:sp>
-      <p:sp>
-        <p:nvSpPr>
-          <p:cNvPr id="3" name="コンテンツ プレースホルダー 2">
-            <a:extLst>
-              <a:ext uri="{FF2B5EF4-FFF2-40B4-BE49-F238E27FC236}">
-                <a16:creationId xmlns:a16="http://schemas.microsoft.com/office/drawing/2014/main" id="{EF816E5E-667D-8843-89E2-F9D0E26CD703}"/>
-              </a:ext>
-            </a:extLst>
-          </p:cNvPr>
-          <p:cNvSpPr>
-            <a:spLocks noGrp="1"/>
-          </p:cNvSpPr>
-          <p:nvPr>
-            <p:ph idx="1"/>
-          </p:nvPr>
-        </p:nvSpPr>
-        <p:spPr>
-          <a:xfrm>
-            <a:off x="2589211" y="2133600"/>
-            <a:ext cx="7522977" cy="3777622"/>
-          </a:xfrm>
-        </p:spPr>
-        <p:txBody>
-          <a:bodyPr>
-            <a:normAutofit/>
-          </a:bodyPr>
-          <a:lstStyle/>
-          <a:p>
-            <a:pPr>
-              <a:buFont typeface="+mj-lt"/>
-              <a:buAutoNum type="arabicPeriod"/>
-            </a:pPr>
-            <a:r>
-              <a:rPr lang="en" altLang="ja-JP" sz="2400" dirty="0"/>
-              <a:t>searching the shift neighborhood until no better solution is found.</a:t>
-            </a:r>
-          </a:p>
-          <a:p>
-            <a:pPr>
-              <a:buFont typeface="+mj-lt"/>
-              <a:buAutoNum type="arabicPeriod"/>
-            </a:pPr>
-            <a:r>
-              <a:rPr lang="en" altLang="ja-JP" sz="2400" dirty="0"/>
-              <a:t>searching the swap neighborhood until no better solution is found.</a:t>
-            </a:r>
-          </a:p>
-          <a:p>
-            <a:pPr>
-              <a:buFont typeface="+mj-lt"/>
-              <a:buAutoNum type="arabicPeriod"/>
-            </a:pPr>
-            <a:r>
-              <a:rPr lang="en" altLang="ja-JP" sz="2400" dirty="0"/>
-              <a:t>If better solution is found in step 1 or step 2,</a:t>
-            </a:r>
-            <a:r>
-              <a:rPr lang="en-US" altLang="ja-JP" sz="2400" dirty="0"/>
-              <a:t> return to step 1.</a:t>
-            </a:r>
-            <a:endParaRPr lang="en" altLang="ja-JP" sz="2400" dirty="0"/>
-          </a:p>
-        </p:txBody>
-      </p:sp>
-    </p:spTree>
-    <p:extLst>
-      <p:ext uri="{BB962C8B-B14F-4D97-AF65-F5344CB8AC3E}">
-        <p14:creationId xmlns:p14="http://schemas.microsoft.com/office/powerpoint/2010/main" val="1443573793"/>
-      </p:ext>
-    </p:extLst>
-  </p:cSld>
-  <p:clrMapOvr>
-    <a:masterClrMapping/>
-  </p:clrMapOvr>
-</p:sld>
-</file>
-
-<file path=ppt/slides/slide41.xml><?xml version="1.0" encoding="utf-8"?>
 <p:sld xmlns:a="http://schemas.openxmlformats.org/drawingml/2006/main" xmlns:r="http://schemas.openxmlformats.org/officeDocument/2006/relationships" xmlns:p="http://schemas.openxmlformats.org/presentationml/2006/main">
   <p:cSld>
     <p:spTree>
@@ -18577,7 +18483,7 @@
 </p:sld>
 </file>
 
-<file path=ppt/slides/slide42.xml><?xml version="1.0" encoding="utf-8"?>
+<file path=ppt/slides/slide41.xml><?xml version="1.0" encoding="utf-8"?>
 <p:sld xmlns:a="http://schemas.openxmlformats.org/drawingml/2006/main" xmlns:r="http://schemas.openxmlformats.org/officeDocument/2006/relationships" xmlns:p="http://schemas.openxmlformats.org/presentationml/2006/main">
   <p:cSld>
     <p:spTree>
@@ -18641,8 +18547,8 @@
         </p:nvSpPr>
         <p:spPr>
           <a:xfrm>
-            <a:off x="2589212" y="2229970"/>
-            <a:ext cx="8915400" cy="4280647"/>
+            <a:off x="2589212" y="1905000"/>
+            <a:ext cx="8915400" cy="4605617"/>
           </a:xfrm>
         </p:spPr>
         <p:txBody>
@@ -18660,10 +18566,7 @@
             <a:pPr marL="0" indent="0">
               <a:buNone/>
             </a:pPr>
-            <a:r>
-              <a:rPr lang="en-US" altLang="ja-JP" sz="2400" dirty="0"/>
-              <a:t>ex. array of orders in each segment are as follows:</a:t>
-            </a:r>
+            <a:endParaRPr lang="en-US" altLang="ja-JP" sz="2400" dirty="0"/>
           </a:p>
           <a:p>
             <a:pPr marL="0" indent="0">
@@ -18671,7 +18574,16 @@
             </a:pPr>
             <a:r>
               <a:rPr lang="en-US" altLang="ja-JP" sz="2400" dirty="0"/>
-              <a:t>		Segment 1                          segment 2</a:t>
+              <a:t>ex. array of orders in each segment are as follows:</a:t>
+            </a:r>
+          </a:p>
+          <a:p>
+            <a:pPr marL="0" indent="0">
+              <a:buNone/>
+            </a:pPr>
+            <a:r>
+              <a:rPr lang="en-US" altLang="ja-JP" sz="2400" dirty="0"/>
+              <a:t>		Segment 1                          Segment 2</a:t>
             </a:r>
           </a:p>
           <a:p>
@@ -18707,7 +18619,7 @@
             </a:pPr>
             <a:r>
               <a:rPr lang="en-US" altLang="ja-JP" sz="2400" dirty="0"/>
-              <a:t>		Segment 1                          segment 2</a:t>
+              <a:t>		Segment 1                          Segment 2</a:t>
             </a:r>
           </a:p>
           <a:p>
@@ -18754,7 +18666,7 @@
         </p:nvCxnSpPr>
         <p:spPr>
           <a:xfrm>
-            <a:off x="4518212" y="4370294"/>
+            <a:off x="4585447" y="4652682"/>
             <a:ext cx="3899647" cy="1129553"/>
           </a:xfrm>
           <a:prstGeom prst="straightConnector1">
@@ -18798,6 +18710,113 @@
 </p:sld>
 </file>
 
+<file path=ppt/slides/slide42.xml><?xml version="1.0" encoding="utf-8"?>
+<p:sld xmlns:a="http://schemas.openxmlformats.org/drawingml/2006/main" xmlns:r="http://schemas.openxmlformats.org/officeDocument/2006/relationships" xmlns:p="http://schemas.openxmlformats.org/presentationml/2006/main">
+  <p:cSld>
+    <p:spTree>
+      <p:nvGrpSpPr>
+        <p:cNvPr id="1" name=""/>
+        <p:cNvGrpSpPr/>
+        <p:nvPr/>
+      </p:nvGrpSpPr>
+      <p:grpSpPr>
+        <a:xfrm>
+          <a:off x="0" y="0"/>
+          <a:ext cx="0" cy="0"/>
+          <a:chOff x="0" y="0"/>
+          <a:chExt cx="0" cy="0"/>
+        </a:xfrm>
+      </p:grpSpPr>
+      <p:sp>
+        <p:nvSpPr>
+          <p:cNvPr id="2" name="タイトル 1">
+            <a:extLst>
+              <a:ext uri="{FF2B5EF4-FFF2-40B4-BE49-F238E27FC236}">
+                <a16:creationId xmlns:a16="http://schemas.microsoft.com/office/drawing/2014/main" id="{FCE7EB18-D7E1-894E-BC25-80C1A8AA5D09}"/>
+              </a:ext>
+            </a:extLst>
+          </p:cNvPr>
+          <p:cNvSpPr>
+            <a:spLocks noGrp="1"/>
+          </p:cNvSpPr>
+          <p:nvPr>
+            <p:ph type="title"/>
+          </p:nvPr>
+        </p:nvSpPr>
+        <p:spPr/>
+        <p:txBody>
+          <a:bodyPr/>
+          <a:lstStyle/>
+          <a:p>
+            <a:r>
+              <a:rPr lang="en" altLang="ja-JP" dirty="0"/>
+              <a:t>Shift neighborhood</a:t>
+            </a:r>
+            <a:endParaRPr kumimoji="1" lang="ja-JP" altLang="en-US"/>
+          </a:p>
+        </p:txBody>
+      </p:sp>
+      <p:sp>
+        <p:nvSpPr>
+          <p:cNvPr id="3" name="コンテンツ プレースホルダー 2">
+            <a:extLst>
+              <a:ext uri="{FF2B5EF4-FFF2-40B4-BE49-F238E27FC236}">
+                <a16:creationId xmlns:a16="http://schemas.microsoft.com/office/drawing/2014/main" id="{DF18F744-42F4-CA45-A447-4C7A6529DF3D}"/>
+              </a:ext>
+            </a:extLst>
+          </p:cNvPr>
+          <p:cNvSpPr>
+            <a:spLocks noGrp="1"/>
+          </p:cNvSpPr>
+          <p:nvPr>
+            <p:ph idx="1"/>
+          </p:nvPr>
+        </p:nvSpPr>
+        <p:spPr>
+          <a:xfrm>
+            <a:off x="2589212" y="2133600"/>
+            <a:ext cx="8356694" cy="3777622"/>
+          </a:xfrm>
+        </p:spPr>
+        <p:txBody>
+          <a:bodyPr>
+            <a:normAutofit/>
+          </a:bodyPr>
+          <a:lstStyle/>
+          <a:p>
+            <a:r>
+              <a:rPr kumimoji="1" lang="en-US" altLang="ja-JP" sz="2400" dirty="0"/>
+              <a:t>When searching </a:t>
+            </a:r>
+            <a:r>
+              <a:rPr lang="en-US" altLang="ja-JP" sz="2400" dirty="0"/>
+              <a:t>shift neighborhoods, we normally calculate the evaluate function for all possible insertion positions and insert in the best position.</a:t>
+            </a:r>
+          </a:p>
+          <a:p>
+            <a:r>
+              <a:rPr lang="en" altLang="ja-JP" sz="2400" dirty="0"/>
+              <a:t>For this problem, there may be a waste of resources.</a:t>
+            </a:r>
+          </a:p>
+          <a:p>
+            <a:endParaRPr kumimoji="1" lang="ja-JP" altLang="en-US" sz="2400"/>
+          </a:p>
+        </p:txBody>
+      </p:sp>
+    </p:spTree>
+    <p:extLst>
+      <p:ext uri="{BB962C8B-B14F-4D97-AF65-F5344CB8AC3E}">
+        <p14:creationId xmlns:p14="http://schemas.microsoft.com/office/powerpoint/2010/main" val="664206571"/>
+      </p:ext>
+    </p:extLst>
+  </p:cSld>
+  <p:clrMapOvr>
+    <a:masterClrMapping/>
+  </p:clrMapOvr>
+</p:sld>
+</file>
+
 <file path=ppt/slides/slide43.xml><?xml version="1.0" encoding="utf-8"?>
 <p:sld xmlns:a="http://schemas.openxmlformats.org/drawingml/2006/main" xmlns:r="http://schemas.openxmlformats.org/officeDocument/2006/relationships" xmlns:p="http://schemas.openxmlformats.org/presentationml/2006/main">
   <p:cSld>
@@ -18820,113 +18839,6 @@
           <p:cNvPr id="2" name="タイトル 1">
             <a:extLst>
               <a:ext uri="{FF2B5EF4-FFF2-40B4-BE49-F238E27FC236}">
-                <a16:creationId xmlns:a16="http://schemas.microsoft.com/office/drawing/2014/main" id="{FCE7EB18-D7E1-894E-BC25-80C1A8AA5D09}"/>
-              </a:ext>
-            </a:extLst>
-          </p:cNvPr>
-          <p:cNvSpPr>
-            <a:spLocks noGrp="1"/>
-          </p:cNvSpPr>
-          <p:nvPr>
-            <p:ph type="title"/>
-          </p:nvPr>
-        </p:nvSpPr>
-        <p:spPr/>
-        <p:txBody>
-          <a:bodyPr/>
-          <a:lstStyle/>
-          <a:p>
-            <a:r>
-              <a:rPr lang="en" altLang="ja-JP" dirty="0"/>
-              <a:t>Shift neighborhood</a:t>
-            </a:r>
-            <a:endParaRPr kumimoji="1" lang="ja-JP" altLang="en-US"/>
-          </a:p>
-        </p:txBody>
-      </p:sp>
-      <p:sp>
-        <p:nvSpPr>
-          <p:cNvPr id="3" name="コンテンツ プレースホルダー 2">
-            <a:extLst>
-              <a:ext uri="{FF2B5EF4-FFF2-40B4-BE49-F238E27FC236}">
-                <a16:creationId xmlns:a16="http://schemas.microsoft.com/office/drawing/2014/main" id="{DF18F744-42F4-CA45-A447-4C7A6529DF3D}"/>
-              </a:ext>
-            </a:extLst>
-          </p:cNvPr>
-          <p:cNvSpPr>
-            <a:spLocks noGrp="1"/>
-          </p:cNvSpPr>
-          <p:nvPr>
-            <p:ph idx="1"/>
-          </p:nvPr>
-        </p:nvSpPr>
-        <p:spPr>
-          <a:xfrm>
-            <a:off x="2589212" y="2133600"/>
-            <a:ext cx="8356694" cy="3777622"/>
-          </a:xfrm>
-        </p:spPr>
-        <p:txBody>
-          <a:bodyPr>
-            <a:normAutofit/>
-          </a:bodyPr>
-          <a:lstStyle/>
-          <a:p>
-            <a:r>
-              <a:rPr kumimoji="1" lang="en-US" altLang="ja-JP" sz="2400" dirty="0"/>
-              <a:t>When searching </a:t>
-            </a:r>
-            <a:r>
-              <a:rPr lang="en-US" altLang="ja-JP" sz="2400" dirty="0"/>
-              <a:t>shift neighborhoods, we normally calculate the evaluate function for all possible insertion positions and insert in the best position.</a:t>
-            </a:r>
-          </a:p>
-          <a:p>
-            <a:r>
-              <a:rPr lang="en" altLang="ja-JP" sz="2400" dirty="0"/>
-              <a:t>For this problem, there may be a waste of resources.</a:t>
-            </a:r>
-          </a:p>
-          <a:p>
-            <a:endParaRPr kumimoji="1" lang="ja-JP" altLang="en-US" sz="2400"/>
-          </a:p>
-        </p:txBody>
-      </p:sp>
-    </p:spTree>
-    <p:extLst>
-      <p:ext uri="{BB962C8B-B14F-4D97-AF65-F5344CB8AC3E}">
-        <p14:creationId xmlns:p14="http://schemas.microsoft.com/office/powerpoint/2010/main" val="664206571"/>
-      </p:ext>
-    </p:extLst>
-  </p:cSld>
-  <p:clrMapOvr>
-    <a:masterClrMapping/>
-  </p:clrMapOvr>
-</p:sld>
-</file>
-
-<file path=ppt/slides/slide44.xml><?xml version="1.0" encoding="utf-8"?>
-<p:sld xmlns:a="http://schemas.openxmlformats.org/drawingml/2006/main" xmlns:r="http://schemas.openxmlformats.org/officeDocument/2006/relationships" xmlns:p="http://schemas.openxmlformats.org/presentationml/2006/main">
-  <p:cSld>
-    <p:spTree>
-      <p:nvGrpSpPr>
-        <p:cNvPr id="1" name=""/>
-        <p:cNvGrpSpPr/>
-        <p:nvPr/>
-      </p:nvGrpSpPr>
-      <p:grpSpPr>
-        <a:xfrm>
-          <a:off x="0" y="0"/>
-          <a:ext cx="0" cy="0"/>
-          <a:chOff x="0" y="0"/>
-          <a:chExt cx="0" cy="0"/>
-        </a:xfrm>
-      </p:grpSpPr>
-      <p:sp>
-        <p:nvSpPr>
-          <p:cNvPr id="2" name="タイトル 1">
-            <a:extLst>
-              <a:ext uri="{FF2B5EF4-FFF2-40B4-BE49-F238E27FC236}">
                 <a16:creationId xmlns:a16="http://schemas.microsoft.com/office/drawing/2014/main" id="{03BB7B5E-C4C4-9B4A-9494-821EF1303692}"/>
               </a:ext>
             </a:extLst>
@@ -19112,7 +19024,7 @@
 </p:sld>
 </file>
 
-<file path=ppt/slides/slide45.xml><?xml version="1.0" encoding="utf-8"?>
+<file path=ppt/slides/slide44.xml><?xml version="1.0" encoding="utf-8"?>
 <p:sld xmlns:a="http://schemas.openxmlformats.org/drawingml/2006/main" xmlns:r="http://schemas.openxmlformats.org/officeDocument/2006/relationships" xmlns:p="http://schemas.openxmlformats.org/presentationml/2006/main">
   <p:cSld>
     <p:spTree>
@@ -20183,6 +20095,149 @@
 </p:sld>
 </file>
 
+<file path=ppt/slides/slide45.xml><?xml version="1.0" encoding="utf-8"?>
+<p:sld xmlns:a="http://schemas.openxmlformats.org/drawingml/2006/main" xmlns:r="http://schemas.openxmlformats.org/officeDocument/2006/relationships" xmlns:p="http://schemas.openxmlformats.org/presentationml/2006/main">
+  <p:cSld>
+    <p:spTree>
+      <p:nvGrpSpPr>
+        <p:cNvPr id="1" name=""/>
+        <p:cNvGrpSpPr/>
+        <p:nvPr/>
+      </p:nvGrpSpPr>
+      <p:grpSpPr>
+        <a:xfrm>
+          <a:off x="0" y="0"/>
+          <a:ext cx="0" cy="0"/>
+          <a:chOff x="0" y="0"/>
+          <a:chExt cx="0" cy="0"/>
+        </a:xfrm>
+      </p:grpSpPr>
+      <p:sp>
+        <p:nvSpPr>
+          <p:cNvPr id="2" name="タイトル 1">
+            <a:extLst>
+              <a:ext uri="{FF2B5EF4-FFF2-40B4-BE49-F238E27FC236}">
+                <a16:creationId xmlns:a16="http://schemas.microsoft.com/office/drawing/2014/main" id="{D8DA1CC8-598D-1D4B-B251-97298E30ECA4}"/>
+              </a:ext>
+            </a:extLst>
+          </p:cNvPr>
+          <p:cNvSpPr>
+            <a:spLocks noGrp="1"/>
+          </p:cNvSpPr>
+          <p:nvPr>
+            <p:ph type="title"/>
+          </p:nvPr>
+        </p:nvSpPr>
+        <p:spPr>
+          <a:xfrm>
+            <a:off x="1869141" y="624110"/>
+            <a:ext cx="9977718" cy="881961"/>
+          </a:xfrm>
+        </p:spPr>
+        <p:txBody>
+          <a:bodyPr>
+            <a:noAutofit/>
+          </a:bodyPr>
+          <a:lstStyle/>
+          <a:p>
+            <a:r>
+              <a:rPr kumimoji="1" lang="en-US" altLang="ja-JP" sz="3200" dirty="0"/>
+              <a:t>Our </a:t>
+            </a:r>
+            <a:r>
+              <a:rPr lang="en-US" altLang="ja-JP" sz="3200" dirty="0"/>
+              <a:t>approach to reduce the number of insertions</a:t>
+            </a:r>
+            <a:endParaRPr kumimoji="1" lang="ja-JP" altLang="en-US" sz="3200"/>
+          </a:p>
+        </p:txBody>
+      </p:sp>
+      <p:sp>
+        <p:nvSpPr>
+          <p:cNvPr id="3" name="コンテンツ プレースホルダー 2">
+            <a:extLst>
+              <a:ext uri="{FF2B5EF4-FFF2-40B4-BE49-F238E27FC236}">
+                <a16:creationId xmlns:a16="http://schemas.microsoft.com/office/drawing/2014/main" id="{6E2556ED-BEB0-CC4D-B241-52450431776F}"/>
+              </a:ext>
+            </a:extLst>
+          </p:cNvPr>
+          <p:cNvSpPr>
+            <a:spLocks noGrp="1"/>
+          </p:cNvSpPr>
+          <p:nvPr>
+            <p:ph idx="1"/>
+          </p:nvPr>
+        </p:nvSpPr>
+        <p:spPr/>
+        <p:txBody>
+          <a:bodyPr>
+            <a:normAutofit/>
+          </a:bodyPr>
+          <a:lstStyle/>
+          <a:p>
+            <a:pPr marL="0" indent="0">
+              <a:buNone/>
+            </a:pPr>
+            <a:r>
+              <a:rPr lang="en-US" altLang="ja-JP" sz="2400" dirty="0"/>
+              <a:t>We propose an approach to reduce the number of insertions. </a:t>
+            </a:r>
+          </a:p>
+          <a:p>
+            <a:pPr marL="457200" indent="-457200">
+              <a:buFont typeface="+mj-lt"/>
+              <a:buAutoNum type="arabicPeriod"/>
+            </a:pPr>
+            <a:r>
+              <a:rPr lang="en" altLang="ja-JP" sz="2400" dirty="0"/>
+              <a:t>We insert it at the end of the order sequence.</a:t>
+            </a:r>
+          </a:p>
+          <a:p>
+            <a:pPr marL="457200" indent="-457200">
+              <a:buFont typeface="+mj-lt"/>
+              <a:buAutoNum type="arabicPeriod"/>
+            </a:pPr>
+            <a:r>
+              <a:rPr lang="en" altLang="ja-JP" sz="2400" dirty="0"/>
+              <a:t>we memorize orders that are split in two. </a:t>
+            </a:r>
+          </a:p>
+          <a:p>
+            <a:pPr marL="457200" indent="-457200">
+              <a:buFont typeface="+mj-lt"/>
+              <a:buAutoNum type="arabicPeriod"/>
+            </a:pPr>
+            <a:r>
+              <a:rPr lang="en" altLang="ja-JP" sz="2400" dirty="0"/>
+              <a:t>We insert only in adjacent parts of split orders.</a:t>
+            </a:r>
+          </a:p>
+          <a:p>
+            <a:pPr marL="457200" indent="-457200">
+              <a:buFont typeface="+mj-lt"/>
+              <a:buAutoNum type="arabicPeriod"/>
+            </a:pPr>
+            <a:r>
+              <a:rPr lang="en" altLang="ja-JP" sz="2400" dirty="0"/>
+              <a:t>We select the best insertion position</a:t>
+            </a:r>
+          </a:p>
+        </p:txBody>
+      </p:sp>
+    </p:spTree>
+    <p:extLst>
+      <p:ext uri="{BB962C8B-B14F-4D97-AF65-F5344CB8AC3E}">
+        <p14:creationId xmlns:p14="http://schemas.microsoft.com/office/powerpoint/2010/main" val="3468385452"/>
+      </p:ext>
+    </p:extLst>
+  </p:cSld>
+  <p:clrMapOvr>
+    <a:masterClrMapping/>
+  </p:clrMapOvr>
+</p:sld>
+</file>
+
 <file path=ppt/slides/slide46.xml><?xml version="1.0" encoding="utf-8"?>
 <p:sld xmlns:a="http://schemas.openxmlformats.org/drawingml/2006/main" xmlns:r="http://schemas.openxmlformats.org/officeDocument/2006/relationships" xmlns:p="http://schemas.openxmlformats.org/presentationml/2006/main">
   <p:cSld>
@@ -20205,149 +20260,6 @@
           <p:cNvPr id="2" name="タイトル 1">
             <a:extLst>
               <a:ext uri="{FF2B5EF4-FFF2-40B4-BE49-F238E27FC236}">
-                <a16:creationId xmlns:a16="http://schemas.microsoft.com/office/drawing/2014/main" id="{D8DA1CC8-598D-1D4B-B251-97298E30ECA4}"/>
-              </a:ext>
-            </a:extLst>
-          </p:cNvPr>
-          <p:cNvSpPr>
-            <a:spLocks noGrp="1"/>
-          </p:cNvSpPr>
-          <p:nvPr>
-            <p:ph type="title"/>
-          </p:nvPr>
-        </p:nvSpPr>
-        <p:spPr>
-          <a:xfrm>
-            <a:off x="1869141" y="624110"/>
-            <a:ext cx="9977718" cy="881961"/>
-          </a:xfrm>
-        </p:spPr>
-        <p:txBody>
-          <a:bodyPr>
-            <a:noAutofit/>
-          </a:bodyPr>
-          <a:lstStyle/>
-          <a:p>
-            <a:r>
-              <a:rPr kumimoji="1" lang="en-US" altLang="ja-JP" sz="3200" dirty="0"/>
-              <a:t>Our </a:t>
-            </a:r>
-            <a:r>
-              <a:rPr lang="en-US" altLang="ja-JP" sz="3200" dirty="0"/>
-              <a:t>approach to reduce the number of insertions</a:t>
-            </a:r>
-            <a:endParaRPr kumimoji="1" lang="ja-JP" altLang="en-US" sz="3200"/>
-          </a:p>
-        </p:txBody>
-      </p:sp>
-      <p:sp>
-        <p:nvSpPr>
-          <p:cNvPr id="3" name="コンテンツ プレースホルダー 2">
-            <a:extLst>
-              <a:ext uri="{FF2B5EF4-FFF2-40B4-BE49-F238E27FC236}">
-                <a16:creationId xmlns:a16="http://schemas.microsoft.com/office/drawing/2014/main" id="{6E2556ED-BEB0-CC4D-B241-52450431776F}"/>
-              </a:ext>
-            </a:extLst>
-          </p:cNvPr>
-          <p:cNvSpPr>
-            <a:spLocks noGrp="1"/>
-          </p:cNvSpPr>
-          <p:nvPr>
-            <p:ph idx="1"/>
-          </p:nvPr>
-        </p:nvSpPr>
-        <p:spPr/>
-        <p:txBody>
-          <a:bodyPr>
-            <a:normAutofit/>
-          </a:bodyPr>
-          <a:lstStyle/>
-          <a:p>
-            <a:pPr marL="0" indent="0">
-              <a:buNone/>
-            </a:pPr>
-            <a:r>
-              <a:rPr lang="en-US" altLang="ja-JP" sz="2400" dirty="0"/>
-              <a:t>We propose an approach to reduce the number of insertions. </a:t>
-            </a:r>
-          </a:p>
-          <a:p>
-            <a:pPr marL="457200" indent="-457200">
-              <a:buFont typeface="+mj-lt"/>
-              <a:buAutoNum type="arabicPeriod"/>
-            </a:pPr>
-            <a:r>
-              <a:rPr lang="en" altLang="ja-JP" sz="2400" dirty="0"/>
-              <a:t>We insert it at the end of the order sequence.</a:t>
-            </a:r>
-          </a:p>
-          <a:p>
-            <a:pPr marL="457200" indent="-457200">
-              <a:buFont typeface="+mj-lt"/>
-              <a:buAutoNum type="arabicPeriod"/>
-            </a:pPr>
-            <a:r>
-              <a:rPr lang="en" altLang="ja-JP" sz="2400" dirty="0"/>
-              <a:t>we memorize orders that are split in two. </a:t>
-            </a:r>
-          </a:p>
-          <a:p>
-            <a:pPr marL="457200" indent="-457200">
-              <a:buFont typeface="+mj-lt"/>
-              <a:buAutoNum type="arabicPeriod"/>
-            </a:pPr>
-            <a:r>
-              <a:rPr lang="en" altLang="ja-JP" sz="2400" dirty="0"/>
-              <a:t>We insert only in adjacent parts of split orders.</a:t>
-            </a:r>
-          </a:p>
-          <a:p>
-            <a:pPr marL="457200" indent="-457200">
-              <a:buFont typeface="+mj-lt"/>
-              <a:buAutoNum type="arabicPeriod"/>
-            </a:pPr>
-            <a:r>
-              <a:rPr lang="en" altLang="ja-JP" sz="2400" dirty="0"/>
-              <a:t>We select the best insertion position</a:t>
-            </a:r>
-          </a:p>
-        </p:txBody>
-      </p:sp>
-    </p:spTree>
-    <p:extLst>
-      <p:ext uri="{BB962C8B-B14F-4D97-AF65-F5344CB8AC3E}">
-        <p14:creationId xmlns:p14="http://schemas.microsoft.com/office/powerpoint/2010/main" val="3468385452"/>
-      </p:ext>
-    </p:extLst>
-  </p:cSld>
-  <p:clrMapOvr>
-    <a:masterClrMapping/>
-  </p:clrMapOvr>
-</p:sld>
-</file>
-
-<file path=ppt/slides/slide47.xml><?xml version="1.0" encoding="utf-8"?>
-<p:sld xmlns:a="http://schemas.openxmlformats.org/drawingml/2006/main" xmlns:r="http://schemas.openxmlformats.org/officeDocument/2006/relationships" xmlns:p="http://schemas.openxmlformats.org/presentationml/2006/main">
-  <p:cSld>
-    <p:spTree>
-      <p:nvGrpSpPr>
-        <p:cNvPr id="1" name=""/>
-        <p:cNvGrpSpPr/>
-        <p:nvPr/>
-      </p:nvGrpSpPr>
-      <p:grpSpPr>
-        <a:xfrm>
-          <a:off x="0" y="0"/>
-          <a:ext cx="0" cy="0"/>
-          <a:chOff x="0" y="0"/>
-          <a:chExt cx="0" cy="0"/>
-        </a:xfrm>
-      </p:grpSpPr>
-      <p:sp>
-        <p:nvSpPr>
-          <p:cNvPr id="2" name="タイトル 1">
-            <a:extLst>
-              <a:ext uri="{FF2B5EF4-FFF2-40B4-BE49-F238E27FC236}">
                 <a16:creationId xmlns:a16="http://schemas.microsoft.com/office/drawing/2014/main" id="{DBF5AFDD-4A7E-3C46-B150-A8EC04053F2F}"/>
               </a:ext>
             </a:extLst>
@@ -20487,7 +20399,7 @@
             </a:pPr>
             <a:r>
               <a:rPr lang="en" altLang="ja-JP" sz="2000" dirty="0"/>
-              <a:t>In this case, we insert only before or after order F and select the best insertion position.</a:t>
+              <a:t>In this case, we insert only before and after order F,  and select the best insertion position.</a:t>
             </a:r>
           </a:p>
           <a:p>
@@ -20919,7 +20831,7 @@
 </p:sld>
 </file>
 
-<file path=ppt/slides/slide48.xml><?xml version="1.0" encoding="utf-8"?>
+<file path=ppt/slides/slide47.xml><?xml version="1.0" encoding="utf-8"?>
 <p:sld xmlns:a="http://schemas.openxmlformats.org/drawingml/2006/main" xmlns:r="http://schemas.openxmlformats.org/officeDocument/2006/relationships" xmlns:p="http://schemas.openxmlformats.org/presentationml/2006/main">
   <p:cSld>
     <p:spTree>
@@ -20988,13 +20900,13 @@
             <p:ph idx="1"/>
             <p:extLst>
               <p:ext uri="{D42A27DB-BD31-4B8C-83A1-F6EECF244321}">
-                <p14:modId xmlns:p14="http://schemas.microsoft.com/office/powerpoint/2010/main" val="121453790"/>
+                <p14:modId xmlns:p14="http://schemas.microsoft.com/office/powerpoint/2010/main" val="3078555088"/>
               </p:ext>
             </p:extLst>
           </p:nvPr>
         </p:nvGraphicFramePr>
         <p:xfrm>
-          <a:off x="2464866" y="2571208"/>
+          <a:off x="2030507" y="2571208"/>
           <a:ext cx="8091075" cy="3139440"/>
         </p:xfrm>
         <a:graphic>
@@ -21736,7 +21648,7 @@
 </p:sld>
 </file>
 
-<file path=ppt/slides/slide49.xml><?xml version="1.0" encoding="utf-8"?>
+<file path=ppt/slides/slide48.xml><?xml version="1.0" encoding="utf-8"?>
 <p:sld xmlns:a="http://schemas.openxmlformats.org/drawingml/2006/main" xmlns:r="http://schemas.openxmlformats.org/officeDocument/2006/relationships" xmlns:p="http://schemas.openxmlformats.org/presentationml/2006/main">
   <p:cSld>
     <p:spTree>
@@ -21854,117 +21766,7 @@
 </p:sld>
 </file>
 
-<file path=ppt/slides/slide5.xml><?xml version="1.0" encoding="utf-8"?>
-<p:sld xmlns:a="http://schemas.openxmlformats.org/drawingml/2006/main" xmlns:r="http://schemas.openxmlformats.org/officeDocument/2006/relationships" xmlns:p="http://schemas.openxmlformats.org/presentationml/2006/main">
-  <p:cSld>
-    <p:spTree>
-      <p:nvGrpSpPr>
-        <p:cNvPr id="1" name=""/>
-        <p:cNvGrpSpPr/>
-        <p:nvPr/>
-      </p:nvGrpSpPr>
-      <p:grpSpPr>
-        <a:xfrm>
-          <a:off x="0" y="0"/>
-          <a:ext cx="0" cy="0"/>
-          <a:chOff x="0" y="0"/>
-          <a:chExt cx="0" cy="0"/>
-        </a:xfrm>
-      </p:grpSpPr>
-      <p:sp>
-        <p:nvSpPr>
-          <p:cNvPr id="2" name="タイトル 1">
-            <a:extLst>
-              <a:ext uri="{FF2B5EF4-FFF2-40B4-BE49-F238E27FC236}">
-                <a16:creationId xmlns:a16="http://schemas.microsoft.com/office/drawing/2014/main" id="{03DC7BD9-E43D-E442-9A49-33395737C89D}"/>
-              </a:ext>
-            </a:extLst>
-          </p:cNvPr>
-          <p:cNvSpPr>
-            <a:spLocks noGrp="1"/>
-          </p:cNvSpPr>
-          <p:nvPr>
-            <p:ph type="title"/>
-          </p:nvPr>
-        </p:nvSpPr>
-        <p:spPr/>
-        <p:txBody>
-          <a:bodyPr/>
-          <a:lstStyle/>
-          <a:p>
-            <a:r>
-              <a:rPr kumimoji="1" lang="en-US" altLang="ja-JP" dirty="0"/>
-              <a:t>Background</a:t>
-            </a:r>
-            <a:endParaRPr kumimoji="1" lang="ja-JP" altLang="en-US"/>
-          </a:p>
-        </p:txBody>
-      </p:sp>
-      <p:sp>
-        <p:nvSpPr>
-          <p:cNvPr id="3" name="コンテンツ プレースホルダー 2">
-            <a:extLst>
-              <a:ext uri="{FF2B5EF4-FFF2-40B4-BE49-F238E27FC236}">
-                <a16:creationId xmlns:a16="http://schemas.microsoft.com/office/drawing/2014/main" id="{AD3B2DD4-96C6-BB42-93C1-3859304F6137}"/>
-              </a:ext>
-            </a:extLst>
-          </p:cNvPr>
-          <p:cNvSpPr>
-            <a:spLocks noGrp="1"/>
-          </p:cNvSpPr>
-          <p:nvPr>
-            <p:ph idx="1"/>
-          </p:nvPr>
-        </p:nvSpPr>
-        <p:spPr/>
-        <p:txBody>
-          <a:bodyPr>
-            <a:normAutofit/>
-          </a:bodyPr>
-          <a:lstStyle/>
-          <a:p>
-            <a:r>
-              <a:rPr lang="en-US" altLang="ja-JP" sz="2400" dirty="0"/>
-              <a:t>There are a lot of things that has to be considered</a:t>
-            </a:r>
-          </a:p>
-          <a:p>
-            <a:pPr lvl="1"/>
-            <a:r>
-              <a:rPr lang="en-US" altLang="ja-JP" sz="2200" dirty="0"/>
-              <a:t>Planning assignments that makes it easy to load and unload cars is important.</a:t>
-            </a:r>
-          </a:p>
-          <a:p>
-            <a:pPr lvl="1"/>
-            <a:r>
-              <a:rPr lang="en-US" altLang="ja-JP" sz="2200" dirty="0"/>
-              <a:t>Human error should not happen.</a:t>
-            </a:r>
-          </a:p>
-          <a:p>
-            <a:pPr lvl="1"/>
-            <a:r>
-              <a:rPr lang="en-US" altLang="ja-JP" sz="2400" dirty="0"/>
-              <a:t>Unbalanced assignments may result in a sinking.</a:t>
-            </a:r>
-          </a:p>
-        </p:txBody>
-      </p:sp>
-    </p:spTree>
-    <p:extLst>
-      <p:ext uri="{BB962C8B-B14F-4D97-AF65-F5344CB8AC3E}">
-        <p14:creationId xmlns:p14="http://schemas.microsoft.com/office/powerpoint/2010/main" val="3649340498"/>
-      </p:ext>
-    </p:extLst>
-  </p:cSld>
-  <p:clrMapOvr>
-    <a:masterClrMapping/>
-  </p:clrMapOvr>
-</p:sld>
-</file>
-
-<file path=ppt/slides/slide50.xml><?xml version="1.0" encoding="utf-8"?>
+<file path=ppt/slides/slide49.xml><?xml version="1.0" encoding="utf-8"?>
 <p:sld xmlns:a="http://schemas.openxmlformats.org/drawingml/2006/main" xmlns:r="http://schemas.openxmlformats.org/officeDocument/2006/relationships" xmlns:p="http://schemas.openxmlformats.org/presentationml/2006/main">
   <p:cSld>
     <p:spTree>
@@ -22956,6 +22758,223 @@
 </p:sld>
 </file>
 
+<file path=ppt/slides/slide5.xml><?xml version="1.0" encoding="utf-8"?>
+<p:sld xmlns:a="http://schemas.openxmlformats.org/drawingml/2006/main" xmlns:r="http://schemas.openxmlformats.org/officeDocument/2006/relationships" xmlns:p="http://schemas.openxmlformats.org/presentationml/2006/main">
+  <p:cSld>
+    <p:spTree>
+      <p:nvGrpSpPr>
+        <p:cNvPr id="1" name=""/>
+        <p:cNvGrpSpPr/>
+        <p:nvPr/>
+      </p:nvGrpSpPr>
+      <p:grpSpPr>
+        <a:xfrm>
+          <a:off x="0" y="0"/>
+          <a:ext cx="0" cy="0"/>
+          <a:chOff x="0" y="0"/>
+          <a:chExt cx="0" cy="0"/>
+        </a:xfrm>
+      </p:grpSpPr>
+      <p:sp>
+        <p:nvSpPr>
+          <p:cNvPr id="2" name="タイトル 1">
+            <a:extLst>
+              <a:ext uri="{FF2B5EF4-FFF2-40B4-BE49-F238E27FC236}">
+                <a16:creationId xmlns:a16="http://schemas.microsoft.com/office/drawing/2014/main" id="{03DC7BD9-E43D-E442-9A49-33395737C89D}"/>
+              </a:ext>
+            </a:extLst>
+          </p:cNvPr>
+          <p:cNvSpPr>
+            <a:spLocks noGrp="1"/>
+          </p:cNvSpPr>
+          <p:nvPr>
+            <p:ph type="title"/>
+          </p:nvPr>
+        </p:nvSpPr>
+        <p:spPr/>
+        <p:txBody>
+          <a:bodyPr/>
+          <a:lstStyle/>
+          <a:p>
+            <a:r>
+              <a:rPr kumimoji="1" lang="en-US" altLang="ja-JP" dirty="0"/>
+              <a:t>Background</a:t>
+            </a:r>
+            <a:endParaRPr kumimoji="1" lang="ja-JP" altLang="en-US"/>
+          </a:p>
+        </p:txBody>
+      </p:sp>
+      <p:sp>
+        <p:nvSpPr>
+          <p:cNvPr id="3" name="コンテンツ プレースホルダー 2">
+            <a:extLst>
+              <a:ext uri="{FF2B5EF4-FFF2-40B4-BE49-F238E27FC236}">
+                <a16:creationId xmlns:a16="http://schemas.microsoft.com/office/drawing/2014/main" id="{AD3B2DD4-96C6-BB42-93C1-3859304F6137}"/>
+              </a:ext>
+            </a:extLst>
+          </p:cNvPr>
+          <p:cNvSpPr>
+            <a:spLocks noGrp="1"/>
+          </p:cNvSpPr>
+          <p:nvPr>
+            <p:ph idx="1"/>
+          </p:nvPr>
+        </p:nvSpPr>
+        <p:spPr/>
+        <p:txBody>
+          <a:bodyPr>
+            <a:normAutofit/>
+          </a:bodyPr>
+          <a:lstStyle/>
+          <a:p>
+            <a:r>
+              <a:rPr lang="en-US" altLang="ja-JP" sz="2400" dirty="0"/>
+              <a:t>There are a lot of things that has to be considered</a:t>
+            </a:r>
+          </a:p>
+          <a:p>
+            <a:pPr lvl="1"/>
+            <a:r>
+              <a:rPr lang="en-US" altLang="ja-JP" sz="2200" dirty="0"/>
+              <a:t>Planning assignments that makes it easy to load and unload cars is important.</a:t>
+            </a:r>
+          </a:p>
+          <a:p>
+            <a:pPr lvl="1"/>
+            <a:r>
+              <a:rPr lang="en-US" altLang="ja-JP" sz="2200" dirty="0"/>
+              <a:t>Human error should not happen.</a:t>
+            </a:r>
+          </a:p>
+          <a:p>
+            <a:pPr lvl="1"/>
+            <a:r>
+              <a:rPr lang="en-US" altLang="ja-JP" sz="2400" dirty="0"/>
+              <a:t>Unbalanced assignments may result in a sinking.</a:t>
+            </a:r>
+          </a:p>
+        </p:txBody>
+      </p:sp>
+    </p:spTree>
+    <p:extLst>
+      <p:ext uri="{BB962C8B-B14F-4D97-AF65-F5344CB8AC3E}">
+        <p14:creationId xmlns:p14="http://schemas.microsoft.com/office/powerpoint/2010/main" val="3649340498"/>
+      </p:ext>
+    </p:extLst>
+  </p:cSld>
+  <p:clrMapOvr>
+    <a:masterClrMapping/>
+  </p:clrMapOvr>
+</p:sld>
+</file>
+
+<file path=ppt/slides/slide50.xml><?xml version="1.0" encoding="utf-8"?>
+<p:sld xmlns:a="http://schemas.openxmlformats.org/drawingml/2006/main" xmlns:r="http://schemas.openxmlformats.org/officeDocument/2006/relationships" xmlns:p="http://schemas.openxmlformats.org/presentationml/2006/main">
+  <p:cSld>
+    <p:spTree>
+      <p:nvGrpSpPr>
+        <p:cNvPr id="1" name=""/>
+        <p:cNvGrpSpPr/>
+        <p:nvPr/>
+      </p:nvGrpSpPr>
+      <p:grpSpPr>
+        <a:xfrm>
+          <a:off x="0" y="0"/>
+          <a:ext cx="0" cy="0"/>
+          <a:chOff x="0" y="0"/>
+          <a:chExt cx="0" cy="0"/>
+        </a:xfrm>
+      </p:grpSpPr>
+      <p:sp>
+        <p:nvSpPr>
+          <p:cNvPr id="2" name="タイトル 1">
+            <a:extLst>
+              <a:ext uri="{FF2B5EF4-FFF2-40B4-BE49-F238E27FC236}">
+                <a16:creationId xmlns:a16="http://schemas.microsoft.com/office/drawing/2014/main" id="{67E01A06-7475-E541-961D-071D4242BA42}"/>
+              </a:ext>
+            </a:extLst>
+          </p:cNvPr>
+          <p:cNvSpPr>
+            <a:spLocks noGrp="1"/>
+          </p:cNvSpPr>
+          <p:nvPr>
+            <p:ph type="title"/>
+          </p:nvPr>
+        </p:nvSpPr>
+        <p:spPr/>
+        <p:txBody>
+          <a:bodyPr/>
+          <a:lstStyle/>
+          <a:p>
+            <a:r>
+              <a:rPr lang="en" altLang="ja-JP" dirty="0"/>
+              <a:t>Comparison by insertion method</a:t>
+            </a:r>
+            <a:endParaRPr kumimoji="1" lang="ja-JP" altLang="en-US"/>
+          </a:p>
+        </p:txBody>
+      </p:sp>
+      <p:sp>
+        <p:nvSpPr>
+          <p:cNvPr id="3" name="コンテンツ プレースホルダー 2">
+            <a:extLst>
+              <a:ext uri="{FF2B5EF4-FFF2-40B4-BE49-F238E27FC236}">
+                <a16:creationId xmlns:a16="http://schemas.microsoft.com/office/drawing/2014/main" id="{8FC75E83-6FCB-684F-BB17-BF63CBD11644}"/>
+              </a:ext>
+            </a:extLst>
+          </p:cNvPr>
+          <p:cNvSpPr>
+            <a:spLocks noGrp="1"/>
+          </p:cNvSpPr>
+          <p:nvPr>
+            <p:ph idx="1"/>
+          </p:nvPr>
+        </p:nvSpPr>
+        <p:spPr/>
+        <p:txBody>
+          <a:bodyPr>
+            <a:normAutofit/>
+          </a:bodyPr>
+          <a:lstStyle/>
+          <a:p>
+            <a:r>
+              <a:rPr lang="en" altLang="ja-JP" sz="2400" dirty="0"/>
+              <a:t>Computation time varies greatly.</a:t>
+            </a:r>
+          </a:p>
+          <a:p>
+            <a:r>
+              <a:rPr lang="en" altLang="ja-JP" sz="2400" dirty="0"/>
+              <a:t>The quality of the local optimal solution is not very different between the two approaches.</a:t>
+            </a:r>
+          </a:p>
+          <a:p>
+            <a:r>
+              <a:rPr lang="en" altLang="ja-JP" sz="2400" dirty="0"/>
+              <a:t>When this algorithm is actually used, it will be checked by a person in the end.</a:t>
+            </a:r>
+          </a:p>
+          <a:p>
+            <a:r>
+              <a:rPr lang="en" altLang="ja-JP" sz="2400" dirty="0"/>
+              <a:t>there may be possibilities that obtaining a solution with a certain degree of quality in a short time may be sufficient.</a:t>
+            </a:r>
+          </a:p>
+        </p:txBody>
+      </p:sp>
+    </p:spTree>
+    <p:extLst>
+      <p:ext uri="{BB962C8B-B14F-4D97-AF65-F5344CB8AC3E}">
+        <p14:creationId xmlns:p14="http://schemas.microsoft.com/office/powerpoint/2010/main" val="3116219373"/>
+      </p:ext>
+    </p:extLst>
+  </p:cSld>
+  <p:clrMapOvr>
+    <a:masterClrMapping/>
+  </p:clrMapOvr>
+</p:sld>
+</file>
+
 <file path=ppt/slides/slide51.xml><?xml version="1.0" encoding="utf-8"?>
 <p:sld xmlns:a="http://schemas.openxmlformats.org/drawingml/2006/main" xmlns:r="http://schemas.openxmlformats.org/officeDocument/2006/relationships" xmlns:p="http://schemas.openxmlformats.org/presentationml/2006/main">
   <p:cSld>
@@ -22978,7 +22997,7 @@
           <p:cNvPr id="2" name="タイトル 1">
             <a:extLst>
               <a:ext uri="{FF2B5EF4-FFF2-40B4-BE49-F238E27FC236}">
-                <a16:creationId xmlns:a16="http://schemas.microsoft.com/office/drawing/2014/main" id="{67E01A06-7475-E541-961D-071D4242BA42}"/>
+                <a16:creationId xmlns:a16="http://schemas.microsoft.com/office/drawing/2014/main" id="{23293CDF-C8B2-0249-B006-9AB1745DECD2}"/>
               </a:ext>
             </a:extLst>
           </p:cNvPr>
@@ -22995,8 +23014,8 @@
           <a:lstStyle/>
           <a:p>
             <a:r>
-              <a:rPr lang="en" altLang="ja-JP" dirty="0"/>
-              <a:t>Comparison by insertion method</a:t>
+              <a:rPr lang="en-US" altLang="ja-JP" dirty="0"/>
+              <a:t>Initial solution</a:t>
             </a:r>
             <a:endParaRPr kumimoji="1" lang="ja-JP" altLang="en-US"/>
           </a:p>
@@ -23007,7 +23026,7 @@
           <p:cNvPr id="3" name="コンテンツ プレースホルダー 2">
             <a:extLst>
               <a:ext uri="{FF2B5EF4-FFF2-40B4-BE49-F238E27FC236}">
-                <a16:creationId xmlns:a16="http://schemas.microsoft.com/office/drawing/2014/main" id="{8FC75E83-6FCB-684F-BB17-BF63CBD11644}"/>
+                <a16:creationId xmlns:a16="http://schemas.microsoft.com/office/drawing/2014/main" id="{E20F269F-0243-3E42-9DD2-4D0E5F2B1161}"/>
               </a:ext>
             </a:extLst>
           </p:cNvPr>
@@ -23026,34 +23045,47 @@
           <a:lstStyle/>
           <a:p>
             <a:r>
-              <a:rPr lang="en" altLang="ja-JP" sz="2400" dirty="0"/>
-              <a:t>Computation time varies greatly.</a:t>
-            </a:r>
-          </a:p>
-          <a:p>
-            <a:r>
-              <a:rPr lang="en" altLang="ja-JP" sz="2400" dirty="0"/>
-              <a:t>The quality of the local optimal solution is not very different between the two approaches.</a:t>
-            </a:r>
-          </a:p>
-          <a:p>
-            <a:r>
-              <a:rPr lang="en" altLang="ja-JP" sz="2400" dirty="0"/>
-              <a:t>When this algorithm is actually used, it will be checked by a person in the end.</a:t>
-            </a:r>
-          </a:p>
-          <a:p>
-            <a:r>
-              <a:rPr lang="en" altLang="ja-JP" sz="2400" dirty="0"/>
-              <a:t>there may be possibilities that obtaining a solution with a certain degree of quality in a short time may be sufficient.</a:t>
-            </a:r>
+              <a:rPr kumimoji="1" lang="en-US" altLang="ja-JP" sz="2400" dirty="0"/>
+              <a:t>We propose several approach to create initial assignment.</a:t>
+            </a:r>
+          </a:p>
+          <a:p>
+            <a:pPr marL="0" indent="0">
+              <a:buNone/>
+            </a:pPr>
+            <a:endParaRPr kumimoji="1" lang="en-US" altLang="ja-JP" sz="2400" dirty="0"/>
+          </a:p>
+          <a:p>
+            <a:pPr marL="457200" indent="-457200">
+              <a:buFont typeface="+mj-lt"/>
+              <a:buAutoNum type="arabicPeriod"/>
+            </a:pPr>
+            <a:r>
+              <a:rPr kumimoji="1" lang="en-US" altLang="ja-JP" sz="2400" dirty="0"/>
+              <a:t>generating from solution by relaxation of linear programming</a:t>
+            </a:r>
+          </a:p>
+          <a:p>
+            <a:pPr marL="457200" indent="-457200">
+              <a:buFont typeface="+mj-lt"/>
+              <a:buAutoNum type="arabicPeriod"/>
+            </a:pPr>
+            <a:r>
+              <a:rPr kumimoji="1" lang="en-US" altLang="ja-JP" sz="2400" dirty="0"/>
+              <a:t>Generating from solution </a:t>
+            </a:r>
+            <a:r>
+              <a:rPr lang="en-US" altLang="ja-JP" sz="2400" dirty="0"/>
+              <a:t>of a problem formulated in MIP with orders grouped by port</a:t>
+            </a:r>
+            <a:endParaRPr kumimoji="1" lang="en-US" altLang="ja-JP" sz="2400" dirty="0"/>
           </a:p>
         </p:txBody>
       </p:sp>
     </p:spTree>
     <p:extLst>
       <p:ext uri="{BB962C8B-B14F-4D97-AF65-F5344CB8AC3E}">
-        <p14:creationId xmlns:p14="http://schemas.microsoft.com/office/powerpoint/2010/main" val="3116219373"/>
+        <p14:creationId xmlns:p14="http://schemas.microsoft.com/office/powerpoint/2010/main" val="3354853748"/>
       </p:ext>
     </p:extLst>
   </p:cSld>
@@ -23103,7 +23135,7 @@
           <a:p>
             <a:r>
               <a:rPr lang="en-US" altLang="ja-JP" dirty="0"/>
-              <a:t>Initial solution</a:t>
+              <a:t>Approach to create initial assignment</a:t>
             </a:r>
             <a:endParaRPr kumimoji="1" lang="ja-JP" altLang="en-US"/>
           </a:p>
@@ -23132,126 +23164,6 @@
           </a:bodyPr>
           <a:lstStyle/>
           <a:p>
-            <a:r>
-              <a:rPr kumimoji="1" lang="en-US" altLang="ja-JP" sz="2400" dirty="0"/>
-              <a:t>We propose several approach to create initial assignment.</a:t>
-            </a:r>
-          </a:p>
-          <a:p>
-            <a:pPr marL="0" indent="0">
-              <a:buNone/>
-            </a:pPr>
-            <a:endParaRPr kumimoji="1" lang="en-US" altLang="ja-JP" sz="2400" dirty="0"/>
-          </a:p>
-          <a:p>
-            <a:pPr marL="457200" indent="-457200">
-              <a:buFont typeface="+mj-lt"/>
-              <a:buAutoNum type="arabicPeriod"/>
-            </a:pPr>
-            <a:r>
-              <a:rPr kumimoji="1" lang="en-US" altLang="ja-JP" sz="2400" dirty="0"/>
-              <a:t>generating from solution by relaxation of linear programming</a:t>
-            </a:r>
-          </a:p>
-          <a:p>
-            <a:pPr marL="457200" indent="-457200">
-              <a:buFont typeface="+mj-lt"/>
-              <a:buAutoNum type="arabicPeriod"/>
-            </a:pPr>
-            <a:r>
-              <a:rPr kumimoji="1" lang="en-US" altLang="ja-JP" sz="2400" dirty="0"/>
-              <a:t>Generating from solution </a:t>
-            </a:r>
-            <a:r>
-              <a:rPr lang="en-US" altLang="ja-JP" sz="2400" dirty="0"/>
-              <a:t>of a problem formulated in MIP with orders grouped by port</a:t>
-            </a:r>
-            <a:endParaRPr kumimoji="1" lang="en-US" altLang="ja-JP" sz="2400" dirty="0"/>
-          </a:p>
-        </p:txBody>
-      </p:sp>
-    </p:spTree>
-    <p:extLst>
-      <p:ext uri="{BB962C8B-B14F-4D97-AF65-F5344CB8AC3E}">
-        <p14:creationId xmlns:p14="http://schemas.microsoft.com/office/powerpoint/2010/main" val="3354853748"/>
-      </p:ext>
-    </p:extLst>
-  </p:cSld>
-  <p:clrMapOvr>
-    <a:masterClrMapping/>
-  </p:clrMapOvr>
-</p:sld>
-</file>
-
-<file path=ppt/slides/slide53.xml><?xml version="1.0" encoding="utf-8"?>
-<p:sld xmlns:a="http://schemas.openxmlformats.org/drawingml/2006/main" xmlns:r="http://schemas.openxmlformats.org/officeDocument/2006/relationships" xmlns:p="http://schemas.openxmlformats.org/presentationml/2006/main">
-  <p:cSld>
-    <p:spTree>
-      <p:nvGrpSpPr>
-        <p:cNvPr id="1" name=""/>
-        <p:cNvGrpSpPr/>
-        <p:nvPr/>
-      </p:nvGrpSpPr>
-      <p:grpSpPr>
-        <a:xfrm>
-          <a:off x="0" y="0"/>
-          <a:ext cx="0" cy="0"/>
-          <a:chOff x="0" y="0"/>
-          <a:chExt cx="0" cy="0"/>
-        </a:xfrm>
-      </p:grpSpPr>
-      <p:sp>
-        <p:nvSpPr>
-          <p:cNvPr id="2" name="タイトル 1">
-            <a:extLst>
-              <a:ext uri="{FF2B5EF4-FFF2-40B4-BE49-F238E27FC236}">
-                <a16:creationId xmlns:a16="http://schemas.microsoft.com/office/drawing/2014/main" id="{23293CDF-C8B2-0249-B006-9AB1745DECD2}"/>
-              </a:ext>
-            </a:extLst>
-          </p:cNvPr>
-          <p:cNvSpPr>
-            <a:spLocks noGrp="1"/>
-          </p:cNvSpPr>
-          <p:nvPr>
-            <p:ph type="title"/>
-          </p:nvPr>
-        </p:nvSpPr>
-        <p:spPr/>
-        <p:txBody>
-          <a:bodyPr/>
-          <a:lstStyle/>
-          <a:p>
-            <a:r>
-              <a:rPr lang="en-US" altLang="ja-JP" dirty="0"/>
-              <a:t>Approach to create initial assignment</a:t>
-            </a:r>
-            <a:endParaRPr kumimoji="1" lang="ja-JP" altLang="en-US"/>
-          </a:p>
-        </p:txBody>
-      </p:sp>
-      <p:sp>
-        <p:nvSpPr>
-          <p:cNvPr id="3" name="コンテンツ プレースホルダー 2">
-            <a:extLst>
-              <a:ext uri="{FF2B5EF4-FFF2-40B4-BE49-F238E27FC236}">
-                <a16:creationId xmlns:a16="http://schemas.microsoft.com/office/drawing/2014/main" id="{E20F269F-0243-3E42-9DD2-4D0E5F2B1161}"/>
-              </a:ext>
-            </a:extLst>
-          </p:cNvPr>
-          <p:cNvSpPr>
-            <a:spLocks noGrp="1"/>
-          </p:cNvSpPr>
-          <p:nvPr>
-            <p:ph idx="1"/>
-          </p:nvPr>
-        </p:nvSpPr>
-        <p:spPr/>
-        <p:txBody>
-          <a:bodyPr>
-            <a:normAutofit/>
-          </a:bodyPr>
-          <a:lstStyle/>
-          <a:p>
             <a:pPr marL="457200" indent="-457200">
               <a:buFont typeface="+mj-lt"/>
               <a:buAutoNum type="arabicPeriod"/>
@@ -23309,7 +23221,7 @@
 </p:sld>
 </file>
 
-<file path=ppt/slides/slide54.xml><?xml version="1.0" encoding="utf-8"?>
+<file path=ppt/slides/slide53.xml><?xml version="1.0" encoding="utf-8"?>
 <p:sld xmlns:a="http://schemas.openxmlformats.org/drawingml/2006/main" xmlns:r="http://schemas.openxmlformats.org/officeDocument/2006/relationships" xmlns:p="http://schemas.openxmlformats.org/presentationml/2006/main">
   <p:cSld>
     <p:spTree>
@@ -23765,7 +23677,7 @@
 </p:sld>
 </file>
 
-<file path=ppt/slides/slide55.xml><?xml version="1.0" encoding="utf-8"?>
+<file path=ppt/slides/slide54.xml><?xml version="1.0" encoding="utf-8"?>
 <p:sld xmlns:a="http://schemas.openxmlformats.org/drawingml/2006/main" xmlns:r="http://schemas.openxmlformats.org/officeDocument/2006/relationships" xmlns:p="http://schemas.openxmlformats.org/presentationml/2006/main">
   <p:cSld>
     <p:spTree>
@@ -23894,7 +23806,7 @@
 </p:sld>
 </file>
 
-<file path=ppt/slides/slide56.xml><?xml version="1.0" encoding="utf-8"?>
+<file path=ppt/slides/slide55.xml><?xml version="1.0" encoding="utf-8"?>
 <p:sld xmlns:a="http://schemas.openxmlformats.org/drawingml/2006/main" xmlns:r="http://schemas.openxmlformats.org/officeDocument/2006/relationships" xmlns:p="http://schemas.openxmlformats.org/presentationml/2006/main">
   <p:cSld>
     <p:spTree>
@@ -24925,7 +24837,7 @@
 </p:sld>
 </file>
 
-<file path=ppt/slides/slide57.xml><?xml version="1.0" encoding="utf-8"?>
+<file path=ppt/slides/slide56.xml><?xml version="1.0" encoding="utf-8"?>
 <p:sld xmlns:a="http://schemas.openxmlformats.org/drawingml/2006/main" xmlns:r="http://schemas.openxmlformats.org/officeDocument/2006/relationships" xmlns:p="http://schemas.openxmlformats.org/presentationml/2006/main">
   <p:cSld>
     <p:spTree>
@@ -26532,7 +26444,7 @@
 </p:sld>
 </file>
 
-<file path=ppt/slides/slide58.xml><?xml version="1.0" encoding="utf-8"?>
+<file path=ppt/slides/slide57.xml><?xml version="1.0" encoding="utf-8"?>
 <p:sld xmlns:a="http://schemas.openxmlformats.org/drawingml/2006/main" xmlns:r="http://schemas.openxmlformats.org/officeDocument/2006/relationships" xmlns:p="http://schemas.openxmlformats.org/presentationml/2006/main">
   <p:cSld>
     <p:spTree>
@@ -27103,7 +27015,7 @@
 </p:sld>
 </file>
 
-<file path=ppt/slides/slide59.xml><?xml version="1.0" encoding="utf-8"?>
+<file path=ppt/slides/slide58.xml><?xml version="1.0" encoding="utf-8"?>
 <p:sld xmlns:a="http://schemas.openxmlformats.org/drawingml/2006/main" xmlns:r="http://schemas.openxmlformats.org/officeDocument/2006/relationships" xmlns:p="http://schemas.openxmlformats.org/presentationml/2006/main">
   <p:cSld>
     <p:spTree>
@@ -27409,13 +27321,13 @@
           <p:nvPr>
             <p:extLst>
               <p:ext uri="{D42A27DB-BD31-4B8C-83A1-F6EECF244321}">
-                <p14:modId xmlns:p14="http://schemas.microsoft.com/office/powerpoint/2010/main" val="1823760930"/>
+                <p14:modId xmlns:p14="http://schemas.microsoft.com/office/powerpoint/2010/main" val="4271476209"/>
               </p:ext>
             </p:extLst>
           </p:nvPr>
         </p:nvGraphicFramePr>
         <p:xfrm>
-          <a:off x="7827493" y="3966884"/>
+          <a:off x="7827493" y="3939988"/>
           <a:ext cx="3825036" cy="2243643"/>
         </p:xfrm>
         <a:graphic>
@@ -27642,6 +27554,132 @@
     <p:extLst>
       <p:ext uri="{BB962C8B-B14F-4D97-AF65-F5344CB8AC3E}">
         <p14:creationId xmlns:p14="http://schemas.microsoft.com/office/powerpoint/2010/main" val="1312002581"/>
+      </p:ext>
+    </p:extLst>
+  </p:cSld>
+  <p:clrMapOvr>
+    <a:masterClrMapping/>
+  </p:clrMapOvr>
+</p:sld>
+</file>
+
+<file path=ppt/slides/slide59.xml><?xml version="1.0" encoding="utf-8"?>
+<p:sld xmlns:a="http://schemas.openxmlformats.org/drawingml/2006/main" xmlns:r="http://schemas.openxmlformats.org/officeDocument/2006/relationships" xmlns:p="http://schemas.openxmlformats.org/presentationml/2006/main">
+  <p:cSld>
+    <p:spTree>
+      <p:nvGrpSpPr>
+        <p:cNvPr id="1" name=""/>
+        <p:cNvGrpSpPr/>
+        <p:nvPr/>
+      </p:nvGrpSpPr>
+      <p:grpSpPr>
+        <a:xfrm>
+          <a:off x="0" y="0"/>
+          <a:ext cx="0" cy="0"/>
+          <a:chOff x="0" y="0"/>
+          <a:chExt cx="0" cy="0"/>
+        </a:xfrm>
+      </p:grpSpPr>
+      <p:sp>
+        <p:nvSpPr>
+          <p:cNvPr id="2" name="タイトル 1">
+            <a:extLst>
+              <a:ext uri="{FF2B5EF4-FFF2-40B4-BE49-F238E27FC236}">
+                <a16:creationId xmlns:a16="http://schemas.microsoft.com/office/drawing/2014/main" id="{23293CDF-C8B2-0249-B006-9AB1745DECD2}"/>
+              </a:ext>
+            </a:extLst>
+          </p:cNvPr>
+          <p:cNvSpPr>
+            <a:spLocks noGrp="1"/>
+          </p:cNvSpPr>
+          <p:nvPr>
+            <p:ph type="title"/>
+          </p:nvPr>
+        </p:nvSpPr>
+        <p:spPr/>
+        <p:txBody>
+          <a:bodyPr/>
+          <a:lstStyle/>
+          <a:p>
+            <a:r>
+              <a:rPr lang="en-US" altLang="ja-JP" dirty="0"/>
+              <a:t>Approach to create initial assignment</a:t>
+            </a:r>
+            <a:endParaRPr kumimoji="1" lang="ja-JP" altLang="en-US"/>
+          </a:p>
+        </p:txBody>
+      </p:sp>
+      <p:sp>
+        <p:nvSpPr>
+          <p:cNvPr id="3" name="コンテンツ プレースホルダー 2">
+            <a:extLst>
+              <a:ext uri="{FF2B5EF4-FFF2-40B4-BE49-F238E27FC236}">
+                <a16:creationId xmlns:a16="http://schemas.microsoft.com/office/drawing/2014/main" id="{E20F269F-0243-3E42-9DD2-4D0E5F2B1161}"/>
+              </a:ext>
+            </a:extLst>
+          </p:cNvPr>
+          <p:cNvSpPr>
+            <a:spLocks noGrp="1"/>
+          </p:cNvSpPr>
+          <p:nvPr>
+            <p:ph idx="1"/>
+          </p:nvPr>
+        </p:nvSpPr>
+        <p:spPr/>
+        <p:txBody>
+          <a:bodyPr>
+            <a:normAutofit/>
+          </a:bodyPr>
+          <a:lstStyle/>
+          <a:p>
+            <a:pPr marL="457200" indent="-457200">
+              <a:buFont typeface="+mj-lt"/>
+              <a:buAutoNum type="arabicPeriod"/>
+            </a:pPr>
+            <a:r>
+              <a:rPr kumimoji="1" lang="en-US" altLang="ja-JP" sz="2400" dirty="0">
+                <a:solidFill>
+                  <a:schemeClr val="bg1">
+                    <a:lumMod val="85000"/>
+                  </a:schemeClr>
+                </a:solidFill>
+              </a:rPr>
+              <a:t>generating from solution by relaxation of linear programming</a:t>
+            </a:r>
+          </a:p>
+          <a:p>
+            <a:pPr marL="457200" indent="-457200">
+              <a:buFont typeface="+mj-lt"/>
+              <a:buAutoNum type="arabicPeriod"/>
+            </a:pPr>
+            <a:r>
+              <a:rPr kumimoji="1" lang="en-US" altLang="ja-JP" sz="2400" dirty="0">
+                <a:solidFill>
+                  <a:schemeClr val="tx1"/>
+                </a:solidFill>
+              </a:rPr>
+              <a:t>Generating from solution </a:t>
+            </a:r>
+            <a:r>
+              <a:rPr lang="en-US" altLang="ja-JP" sz="2400" dirty="0">
+                <a:solidFill>
+                  <a:schemeClr val="tx1"/>
+                </a:solidFill>
+              </a:rPr>
+              <a:t>of a problem formulated in MIP with orders grouped by port</a:t>
+            </a:r>
+            <a:endParaRPr kumimoji="1" lang="en-US" altLang="ja-JP" sz="2400" dirty="0">
+              <a:solidFill>
+                <a:schemeClr val="tx1"/>
+              </a:solidFill>
+            </a:endParaRPr>
+          </a:p>
+        </p:txBody>
+      </p:sp>
+    </p:spTree>
+    <p:extLst>
+      <p:ext uri="{BB962C8B-B14F-4D97-AF65-F5344CB8AC3E}">
+        <p14:creationId xmlns:p14="http://schemas.microsoft.com/office/powerpoint/2010/main" val="1226177036"/>
       </p:ext>
     </p:extLst>
   </p:cSld>
@@ -27817,7 +27855,7 @@
           <p:cNvPr id="2" name="タイトル 1">
             <a:extLst>
               <a:ext uri="{FF2B5EF4-FFF2-40B4-BE49-F238E27FC236}">
-                <a16:creationId xmlns:a16="http://schemas.microsoft.com/office/drawing/2014/main" id="{23293CDF-C8B2-0249-B006-9AB1745DECD2}"/>
+                <a16:creationId xmlns:a16="http://schemas.microsoft.com/office/drawing/2014/main" id="{26B9DA74-0919-8C4D-A488-16B05DD6B4A6}"/>
               </a:ext>
             </a:extLst>
           </p:cNvPr>
@@ -27834,8 +27872,12 @@
           <a:lstStyle/>
           <a:p>
             <a:r>
-              <a:rPr lang="en-US" altLang="ja-JP" dirty="0"/>
-              <a:t>Approach to create initial assignment</a:t>
+              <a:rPr lang="en-US" altLang="ja-JP" dirty="0">
+                <a:solidFill>
+                  <a:schemeClr val="tx1"/>
+                </a:solidFill>
+              </a:rPr>
+              <a:t>MIP with orders grouped by port</a:t>
             </a:r>
             <a:endParaRPr kumimoji="1" lang="ja-JP" altLang="en-US"/>
           </a:p>
@@ -27846,7 +27888,7 @@
           <p:cNvPr id="3" name="コンテンツ プレースホルダー 2">
             <a:extLst>
               <a:ext uri="{FF2B5EF4-FFF2-40B4-BE49-F238E27FC236}">
-                <a16:creationId xmlns:a16="http://schemas.microsoft.com/office/drawing/2014/main" id="{E20F269F-0243-3E42-9DD2-4D0E5F2B1161}"/>
+                <a16:creationId xmlns:a16="http://schemas.microsoft.com/office/drawing/2014/main" id="{2E5F56EB-07E0-544C-91AB-5B90AF11D266}"/>
               </a:ext>
             </a:extLst>
           </p:cNvPr>
@@ -27864,54 +27906,94 @@
           </a:bodyPr>
           <a:lstStyle/>
           <a:p>
-            <a:pPr marL="457200" indent="-457200">
-              <a:buFont typeface="+mj-lt"/>
-              <a:buAutoNum type="arabicPeriod"/>
-            </a:pPr>
-            <a:r>
-              <a:rPr kumimoji="1" lang="en-US" altLang="ja-JP" sz="2400" dirty="0">
-                <a:solidFill>
-                  <a:schemeClr val="bg1">
-                    <a:lumMod val="85000"/>
-                  </a:schemeClr>
-                </a:solidFill>
-              </a:rPr>
-              <a:t>generating from solution by relaxation of linear programming</a:t>
-            </a:r>
-          </a:p>
-          <a:p>
-            <a:pPr marL="457200" indent="-457200">
-              <a:buFont typeface="+mj-lt"/>
-              <a:buAutoNum type="arabicPeriod"/>
-            </a:pPr>
-            <a:r>
-              <a:rPr kumimoji="1" lang="en-US" altLang="ja-JP" sz="2400" dirty="0">
-                <a:solidFill>
-                  <a:schemeClr val="tx1"/>
-                </a:solidFill>
-              </a:rPr>
-              <a:t>Generating from solution </a:t>
-            </a:r>
-            <a:r>
-              <a:rPr lang="en-US" altLang="ja-JP" sz="2400" dirty="0">
-                <a:solidFill>
-                  <a:schemeClr val="tx1"/>
-                </a:solidFill>
-              </a:rPr>
-              <a:t>of a problem formulated in MIP with orders grouped by port</a:t>
-            </a:r>
-            <a:endParaRPr kumimoji="1" lang="en-US" altLang="ja-JP" sz="2400" dirty="0">
-              <a:solidFill>
-                <a:schemeClr val="tx1"/>
-              </a:solidFill>
-            </a:endParaRPr>
+            <a:r>
+              <a:rPr kumimoji="1" lang="en-US" altLang="ja-JP" sz="2400" dirty="0"/>
+              <a:t>I and </a:t>
+            </a:r>
+            <a:r>
+              <a:rPr kumimoji="1" lang="en-US" altLang="ja-JP" sz="2400" dirty="0" err="1"/>
+              <a:t>Mr.Ukawa</a:t>
+            </a:r>
+            <a:r>
+              <a:rPr kumimoji="1" lang="en-US" altLang="ja-JP" sz="2400" dirty="0"/>
+              <a:t> proposed a model </a:t>
+            </a:r>
+            <a:r>
+              <a:rPr lang="en-US" altLang="ja-JP" sz="2400" dirty="0"/>
+              <a:t>that combines orders with the same loading and unloading ports into a single order to create an assignment.</a:t>
+            </a:r>
+          </a:p>
+          <a:p>
+            <a:r>
+              <a:rPr lang="en-US" altLang="ja-JP" sz="2400" dirty="0"/>
+              <a:t>With this model, we can get assignments in a short computation time.</a:t>
+            </a:r>
+          </a:p>
+        </p:txBody>
+      </p:sp>
+      <p:sp>
+        <p:nvSpPr>
+          <p:cNvPr id="5" name="正方形/長方形 4">
+            <a:extLst>
+              <a:ext uri="{FF2B5EF4-FFF2-40B4-BE49-F238E27FC236}">
+                <a16:creationId xmlns:a16="http://schemas.microsoft.com/office/drawing/2014/main" id="{8D49A87A-144D-8947-A74D-2A7083448FA4}"/>
+              </a:ext>
+            </a:extLst>
+          </p:cNvPr>
+          <p:cNvSpPr/>
+          <p:nvPr/>
+        </p:nvSpPr>
+        <p:spPr>
+          <a:xfrm>
+            <a:off x="2147248" y="5588056"/>
+            <a:ext cx="9357364" cy="646331"/>
+          </a:xfrm>
+          <a:prstGeom prst="rect">
+            <a:avLst/>
+          </a:prstGeom>
+        </p:spPr>
+        <p:txBody>
+          <a:bodyPr wrap="square">
+            <a:spAutoFit/>
+          </a:bodyPr>
+          <a:lstStyle/>
+          <a:p>
+            <a:r>
+              <a:rPr lang="en-US" altLang="ja-JP" dirty="0"/>
+              <a:t>[1]</a:t>
+            </a:r>
+            <a:r>
+              <a:rPr lang="ja-JP" altLang="en-US"/>
+              <a:t>鵜川知哉</a:t>
+            </a:r>
+            <a:r>
+              <a:rPr lang="en-US" altLang="ja-JP" dirty="0"/>
+              <a:t>, </a:t>
+            </a:r>
+            <a:r>
+              <a:rPr lang="ja-JP" altLang="en-US"/>
+              <a:t>自動車運搬船における貨物積載プラン ニングの席割問題に対する数理モデリング</a:t>
+            </a:r>
+            <a:r>
+              <a:rPr lang="en-US" altLang="ja-JP" dirty="0"/>
+              <a:t>, </a:t>
+            </a:r>
+            <a:r>
+              <a:rPr lang="ja-JP" altLang="en-US"/>
+              <a:t>修士 論文，名古屋大学情報学研究科</a:t>
+            </a:r>
+            <a:r>
+              <a:rPr lang="en-US" altLang="ja-JP" dirty="0"/>
+              <a:t>, 2020 </a:t>
+            </a:r>
+            <a:endParaRPr lang="ja-JP" altLang="en-US"/>
           </a:p>
         </p:txBody>
       </p:sp>
     </p:spTree>
     <p:extLst>
       <p:ext uri="{BB962C8B-B14F-4D97-AF65-F5344CB8AC3E}">
-        <p14:creationId xmlns:p14="http://schemas.microsoft.com/office/powerpoint/2010/main" val="1226177036"/>
+        <p14:creationId xmlns:p14="http://schemas.microsoft.com/office/powerpoint/2010/main" val="4107990273"/>
       </p:ext>
     </p:extLst>
   </p:cSld>
@@ -27943,176 +28025,6 @@
           <p:cNvPr id="2" name="タイトル 1">
             <a:extLst>
               <a:ext uri="{FF2B5EF4-FFF2-40B4-BE49-F238E27FC236}">
-                <a16:creationId xmlns:a16="http://schemas.microsoft.com/office/drawing/2014/main" id="{26B9DA74-0919-8C4D-A488-16B05DD6B4A6}"/>
-              </a:ext>
-            </a:extLst>
-          </p:cNvPr>
-          <p:cNvSpPr>
-            <a:spLocks noGrp="1"/>
-          </p:cNvSpPr>
-          <p:nvPr>
-            <p:ph type="title"/>
-          </p:nvPr>
-        </p:nvSpPr>
-        <p:spPr/>
-        <p:txBody>
-          <a:bodyPr/>
-          <a:lstStyle/>
-          <a:p>
-            <a:r>
-              <a:rPr lang="en-US" altLang="ja-JP" dirty="0">
-                <a:solidFill>
-                  <a:schemeClr val="tx1"/>
-                </a:solidFill>
-              </a:rPr>
-              <a:t>MIP with orders grouped by port</a:t>
-            </a:r>
-            <a:endParaRPr kumimoji="1" lang="ja-JP" altLang="en-US"/>
-          </a:p>
-        </p:txBody>
-      </p:sp>
-      <p:sp>
-        <p:nvSpPr>
-          <p:cNvPr id="3" name="コンテンツ プレースホルダー 2">
-            <a:extLst>
-              <a:ext uri="{FF2B5EF4-FFF2-40B4-BE49-F238E27FC236}">
-                <a16:creationId xmlns:a16="http://schemas.microsoft.com/office/drawing/2014/main" id="{2E5F56EB-07E0-544C-91AB-5B90AF11D266}"/>
-              </a:ext>
-            </a:extLst>
-          </p:cNvPr>
-          <p:cNvSpPr>
-            <a:spLocks noGrp="1"/>
-          </p:cNvSpPr>
-          <p:nvPr>
-            <p:ph idx="1"/>
-          </p:nvPr>
-        </p:nvSpPr>
-        <p:spPr/>
-        <p:txBody>
-          <a:bodyPr>
-            <a:normAutofit/>
-          </a:bodyPr>
-          <a:lstStyle/>
-          <a:p>
-            <a:r>
-              <a:rPr kumimoji="1" lang="en-US" altLang="ja-JP" sz="2400" dirty="0"/>
-              <a:t>I and </a:t>
-            </a:r>
-            <a:r>
-              <a:rPr kumimoji="1" lang="en-US" altLang="ja-JP" sz="2400" dirty="0" err="1"/>
-              <a:t>Mr.Ukawa</a:t>
-            </a:r>
-            <a:r>
-              <a:rPr kumimoji="1" lang="en-US" altLang="ja-JP" sz="2400" dirty="0"/>
-              <a:t> proposed a model </a:t>
-            </a:r>
-            <a:r>
-              <a:rPr lang="en-US" altLang="ja-JP" sz="2400" dirty="0"/>
-              <a:t>that combines orders with the same loading and unloading ports into a single order to create an assignment.</a:t>
-            </a:r>
-          </a:p>
-          <a:p>
-            <a:r>
-              <a:rPr lang="en-US" altLang="ja-JP" sz="2400" dirty="0"/>
-              <a:t>With this model, we can get assignments in a short computation time.</a:t>
-            </a:r>
-          </a:p>
-        </p:txBody>
-      </p:sp>
-      <p:sp>
-        <p:nvSpPr>
-          <p:cNvPr id="5" name="正方形/長方形 4">
-            <a:extLst>
-              <a:ext uri="{FF2B5EF4-FFF2-40B4-BE49-F238E27FC236}">
-                <a16:creationId xmlns:a16="http://schemas.microsoft.com/office/drawing/2014/main" id="{8D49A87A-144D-8947-A74D-2A7083448FA4}"/>
-              </a:ext>
-            </a:extLst>
-          </p:cNvPr>
-          <p:cNvSpPr/>
-          <p:nvPr/>
-        </p:nvSpPr>
-        <p:spPr>
-          <a:xfrm>
-            <a:off x="2147248" y="5588056"/>
-            <a:ext cx="9357364" cy="646331"/>
-          </a:xfrm>
-          <a:prstGeom prst="rect">
-            <a:avLst/>
-          </a:prstGeom>
-        </p:spPr>
-        <p:txBody>
-          <a:bodyPr wrap="square">
-            <a:spAutoFit/>
-          </a:bodyPr>
-          <a:lstStyle/>
-          <a:p>
-            <a:r>
-              <a:rPr lang="en-US" altLang="ja-JP" dirty="0"/>
-              <a:t>[1]</a:t>
-            </a:r>
-            <a:r>
-              <a:rPr lang="ja-JP" altLang="en-US"/>
-              <a:t>鵜川知哉</a:t>
-            </a:r>
-            <a:r>
-              <a:rPr lang="en-US" altLang="ja-JP" dirty="0"/>
-              <a:t>, </a:t>
-            </a:r>
-            <a:r>
-              <a:rPr lang="ja-JP" altLang="en-US"/>
-              <a:t>自動車運搬船における貨物積載プラン ニングの席割問題に対する数理モデリング</a:t>
-            </a:r>
-            <a:r>
-              <a:rPr lang="en-US" altLang="ja-JP" dirty="0"/>
-              <a:t>, </a:t>
-            </a:r>
-            <a:r>
-              <a:rPr lang="ja-JP" altLang="en-US"/>
-              <a:t>修士 論文，名古屋大学情報学研究科</a:t>
-            </a:r>
-            <a:r>
-              <a:rPr lang="en-US" altLang="ja-JP" dirty="0"/>
-              <a:t>, 2020 </a:t>
-            </a:r>
-            <a:endParaRPr lang="ja-JP" altLang="en-US"/>
-          </a:p>
-        </p:txBody>
-      </p:sp>
-    </p:spTree>
-    <p:extLst>
-      <p:ext uri="{BB962C8B-B14F-4D97-AF65-F5344CB8AC3E}">
-        <p14:creationId xmlns:p14="http://schemas.microsoft.com/office/powerpoint/2010/main" val="4107990273"/>
-      </p:ext>
-    </p:extLst>
-  </p:cSld>
-  <p:clrMapOvr>
-    <a:masterClrMapping/>
-  </p:clrMapOvr>
-</p:sld>
-</file>
-
-<file path=ppt/slides/slide62.xml><?xml version="1.0" encoding="utf-8"?>
-<p:sld xmlns:a="http://schemas.openxmlformats.org/drawingml/2006/main" xmlns:r="http://schemas.openxmlformats.org/officeDocument/2006/relationships" xmlns:p="http://schemas.openxmlformats.org/presentationml/2006/main">
-  <p:cSld>
-    <p:spTree>
-      <p:nvGrpSpPr>
-        <p:cNvPr id="1" name=""/>
-        <p:cNvGrpSpPr/>
-        <p:nvPr/>
-      </p:nvGrpSpPr>
-      <p:grpSpPr>
-        <a:xfrm>
-          <a:off x="0" y="0"/>
-          <a:ext cx="0" cy="0"/>
-          <a:chOff x="0" y="0"/>
-          <a:chExt cx="0" cy="0"/>
-        </a:xfrm>
-      </p:grpSpPr>
-      <p:sp>
-        <p:nvSpPr>
-          <p:cNvPr id="2" name="タイトル 1">
-            <a:extLst>
-              <a:ext uri="{FF2B5EF4-FFF2-40B4-BE49-F238E27FC236}">
                 <a16:creationId xmlns:a16="http://schemas.microsoft.com/office/drawing/2014/main" id="{953FAEE8-1FED-DF4C-BE59-B1D74657A78B}"/>
               </a:ext>
             </a:extLst>
@@ -28204,7 +28116,7 @@
 </p:sld>
 </file>
 
-<file path=ppt/slides/slide63.xml><?xml version="1.0" encoding="utf-8"?>
+<file path=ppt/slides/slide62.xml><?xml version="1.0" encoding="utf-8"?>
 <p:sld xmlns:a="http://schemas.openxmlformats.org/drawingml/2006/main" xmlns:r="http://schemas.openxmlformats.org/officeDocument/2006/relationships" xmlns:p="http://schemas.openxmlformats.org/presentationml/2006/main">
   <p:cSld>
     <p:spTree>
@@ -28982,6 +28894,104 @@
 </p:sld>
 </file>
 
+<file path=ppt/slides/slide63.xml><?xml version="1.0" encoding="utf-8"?>
+<p:sld xmlns:a="http://schemas.openxmlformats.org/drawingml/2006/main" xmlns:r="http://schemas.openxmlformats.org/officeDocument/2006/relationships" xmlns:p="http://schemas.openxmlformats.org/presentationml/2006/main">
+  <p:cSld>
+    <p:spTree>
+      <p:nvGrpSpPr>
+        <p:cNvPr id="1" name=""/>
+        <p:cNvGrpSpPr/>
+        <p:nvPr/>
+      </p:nvGrpSpPr>
+      <p:grpSpPr>
+        <a:xfrm>
+          <a:off x="0" y="0"/>
+          <a:ext cx="0" cy="0"/>
+          <a:chOff x="0" y="0"/>
+          <a:chExt cx="0" cy="0"/>
+        </a:xfrm>
+      </p:grpSpPr>
+      <p:sp>
+        <p:nvSpPr>
+          <p:cNvPr id="2" name="タイトル 1">
+            <a:extLst>
+              <a:ext uri="{FF2B5EF4-FFF2-40B4-BE49-F238E27FC236}">
+                <a16:creationId xmlns:a16="http://schemas.microsoft.com/office/drawing/2014/main" id="{1D9AF7AE-69A2-B04C-A701-C07AD224EA84}"/>
+              </a:ext>
+            </a:extLst>
+          </p:cNvPr>
+          <p:cNvSpPr>
+            <a:spLocks noGrp="1"/>
+          </p:cNvSpPr>
+          <p:nvPr>
+            <p:ph type="title"/>
+          </p:nvPr>
+        </p:nvSpPr>
+        <p:spPr/>
+        <p:txBody>
+          <a:bodyPr/>
+          <a:lstStyle/>
+          <a:p>
+            <a:r>
+              <a:rPr lang="en-US" altLang="ja-JP" dirty="0"/>
+              <a:t>Comparison by initial solution</a:t>
+            </a:r>
+            <a:endParaRPr kumimoji="1" lang="ja-JP" altLang="en-US"/>
+          </a:p>
+        </p:txBody>
+      </p:sp>
+      <p:sp>
+        <p:nvSpPr>
+          <p:cNvPr id="3" name="コンテンツ プレースホルダー 2">
+            <a:extLst>
+              <a:ext uri="{FF2B5EF4-FFF2-40B4-BE49-F238E27FC236}">
+                <a16:creationId xmlns:a16="http://schemas.microsoft.com/office/drawing/2014/main" id="{0F94BFF2-339A-464B-A76F-E70A1548AEDD}"/>
+              </a:ext>
+            </a:extLst>
+          </p:cNvPr>
+          <p:cNvSpPr>
+            <a:spLocks noGrp="1"/>
+          </p:cNvSpPr>
+          <p:nvPr>
+            <p:ph idx="1"/>
+          </p:nvPr>
+        </p:nvSpPr>
+        <p:spPr/>
+        <p:txBody>
+          <a:bodyPr>
+            <a:normAutofit/>
+          </a:bodyPr>
+          <a:lstStyle/>
+          <a:p>
+            <a:r>
+              <a:rPr lang="en" altLang="ja-JP" sz="2400" dirty="0"/>
+              <a:t>For large instances, it takes a long time to find a solution, even for a relaxation problem.</a:t>
+            </a:r>
+          </a:p>
+          <a:p>
+            <a:r>
+              <a:rPr lang="en" altLang="ja-JP" sz="2400" dirty="0"/>
+              <a:t>In terms of computation time, a randomly generated solution may be effective.</a:t>
+            </a:r>
+          </a:p>
+          <a:p>
+            <a:endParaRPr kumimoji="1" lang="ja-JP" altLang="en-US" sz="2400"/>
+          </a:p>
+        </p:txBody>
+      </p:sp>
+    </p:spTree>
+    <p:extLst>
+      <p:ext uri="{BB962C8B-B14F-4D97-AF65-F5344CB8AC3E}">
+        <p14:creationId xmlns:p14="http://schemas.microsoft.com/office/powerpoint/2010/main" val="1722186755"/>
+      </p:ext>
+    </p:extLst>
+  </p:cSld>
+  <p:clrMapOvr>
+    <a:masterClrMapping/>
+  </p:clrMapOvr>
+</p:sld>
+</file>
+
 <file path=ppt/slides/slide64.xml><?xml version="1.0" encoding="utf-8"?>
 <p:sld xmlns:a="http://schemas.openxmlformats.org/drawingml/2006/main" xmlns:r="http://schemas.openxmlformats.org/officeDocument/2006/relationships" xmlns:p="http://schemas.openxmlformats.org/presentationml/2006/main">
   <p:cSld>
@@ -29004,7 +29014,7 @@
           <p:cNvPr id="2" name="タイトル 1">
             <a:extLst>
               <a:ext uri="{FF2B5EF4-FFF2-40B4-BE49-F238E27FC236}">
-                <a16:creationId xmlns:a16="http://schemas.microsoft.com/office/drawing/2014/main" id="{1D9AF7AE-69A2-B04C-A701-C07AD224EA84}"/>
+                <a16:creationId xmlns:a16="http://schemas.microsoft.com/office/drawing/2014/main" id="{FEEFE181-A7D0-7146-B49E-65AC407C9C2B}"/>
               </a:ext>
             </a:extLst>
           </p:cNvPr>
@@ -29022,7 +29032,7 @@
           <a:p>
             <a:r>
               <a:rPr lang="en-US" altLang="ja-JP" dirty="0"/>
-              <a:t>Comparison by initial solution</a:t>
+              <a:t>Computational experiment</a:t>
             </a:r>
             <a:endParaRPr kumimoji="1" lang="ja-JP" altLang="en-US"/>
           </a:p>
@@ -29033,7 +29043,7 @@
           <p:cNvPr id="3" name="コンテンツ プレースホルダー 2">
             <a:extLst>
               <a:ext uri="{FF2B5EF4-FFF2-40B4-BE49-F238E27FC236}">
-                <a16:creationId xmlns:a16="http://schemas.microsoft.com/office/drawing/2014/main" id="{0F94BFF2-339A-464B-A76F-E70A1548AEDD}"/>
+                <a16:creationId xmlns:a16="http://schemas.microsoft.com/office/drawing/2014/main" id="{F34D1FFA-7F21-1B4A-B2CC-C1C3F36A6C10}"/>
               </a:ext>
             </a:extLst>
           </p:cNvPr>
@@ -29052,25 +29062,52 @@
           <a:lstStyle/>
           <a:p>
             <a:r>
+              <a:rPr lang="en-US" altLang="ja-JP" sz="2400" dirty="0"/>
+              <a:t>We compare the computation time and the quality of assignment.</a:t>
+            </a:r>
+          </a:p>
+          <a:p>
+            <a:r>
+              <a:rPr lang="en-US" altLang="ja-JP" sz="2400" dirty="0"/>
+              <a:t>For 1</a:t>
+            </a:r>
+            <a:r>
+              <a:rPr lang="en-US" altLang="ja-JP" sz="2400" baseline="30000" dirty="0"/>
+              <a:t>st</a:t>
+            </a:r>
+            <a:r>
+              <a:rPr lang="en-US" altLang="ja-JP" sz="2400" dirty="0"/>
+              <a:t> model,</a:t>
+            </a:r>
+            <a:r>
               <a:rPr lang="en" altLang="ja-JP" sz="2400" dirty="0"/>
-              <a:t>For large instances, it takes a long time to find a solution, even for a relaxation problem.</a:t>
+              <a:t> we show the values of the solution after         1 hour and after 24 hours</a:t>
             </a:r>
           </a:p>
           <a:p>
             <a:r>
               <a:rPr lang="en" altLang="ja-JP" sz="2400" dirty="0"/>
-              <a:t>In terms of computation time, a randomly generated solution may be effective.</a:t>
-            </a:r>
-          </a:p>
-          <a:p>
-            <a:endParaRPr kumimoji="1" lang="ja-JP" altLang="en-US" sz="2400"/>
+              <a:t>For 2</a:t>
+            </a:r>
+            <a:r>
+              <a:rPr lang="en" altLang="ja-JP" sz="2400" baseline="30000" dirty="0"/>
+              <a:t>nd</a:t>
+            </a:r>
+            <a:r>
+              <a:rPr lang="en" altLang="ja-JP" sz="2400" dirty="0"/>
+              <a:t> model, we show the value of the solution and the computation time to finish the local search</a:t>
+            </a:r>
+            <a:r>
+              <a:rPr lang="en-US" altLang="ja-JP" sz="2400" dirty="0"/>
+              <a:t>. </a:t>
+            </a:r>
           </a:p>
         </p:txBody>
       </p:sp>
     </p:spTree>
     <p:extLst>
       <p:ext uri="{BB962C8B-B14F-4D97-AF65-F5344CB8AC3E}">
-        <p14:creationId xmlns:p14="http://schemas.microsoft.com/office/powerpoint/2010/main" val="1722186755"/>
+        <p14:creationId xmlns:p14="http://schemas.microsoft.com/office/powerpoint/2010/main" val="4216551076"/>
       </p:ext>
     </p:extLst>
   </p:cSld>
@@ -29102,131 +29139,6 @@
           <p:cNvPr id="2" name="タイトル 1">
             <a:extLst>
               <a:ext uri="{FF2B5EF4-FFF2-40B4-BE49-F238E27FC236}">
-                <a16:creationId xmlns:a16="http://schemas.microsoft.com/office/drawing/2014/main" id="{FEEFE181-A7D0-7146-B49E-65AC407C9C2B}"/>
-              </a:ext>
-            </a:extLst>
-          </p:cNvPr>
-          <p:cNvSpPr>
-            <a:spLocks noGrp="1"/>
-          </p:cNvSpPr>
-          <p:nvPr>
-            <p:ph type="title"/>
-          </p:nvPr>
-        </p:nvSpPr>
-        <p:spPr/>
-        <p:txBody>
-          <a:bodyPr/>
-          <a:lstStyle/>
-          <a:p>
-            <a:r>
-              <a:rPr lang="en-US" altLang="ja-JP" dirty="0"/>
-              <a:t>Computational experiment</a:t>
-            </a:r>
-            <a:endParaRPr kumimoji="1" lang="ja-JP" altLang="en-US"/>
-          </a:p>
-        </p:txBody>
-      </p:sp>
-      <p:sp>
-        <p:nvSpPr>
-          <p:cNvPr id="3" name="コンテンツ プレースホルダー 2">
-            <a:extLst>
-              <a:ext uri="{FF2B5EF4-FFF2-40B4-BE49-F238E27FC236}">
-                <a16:creationId xmlns:a16="http://schemas.microsoft.com/office/drawing/2014/main" id="{F34D1FFA-7F21-1B4A-B2CC-C1C3F36A6C10}"/>
-              </a:ext>
-            </a:extLst>
-          </p:cNvPr>
-          <p:cNvSpPr>
-            <a:spLocks noGrp="1"/>
-          </p:cNvSpPr>
-          <p:nvPr>
-            <p:ph idx="1"/>
-          </p:nvPr>
-        </p:nvSpPr>
-        <p:spPr/>
-        <p:txBody>
-          <a:bodyPr>
-            <a:normAutofit/>
-          </a:bodyPr>
-          <a:lstStyle/>
-          <a:p>
-            <a:r>
-              <a:rPr lang="en-US" altLang="ja-JP" sz="2400" dirty="0"/>
-              <a:t>We compare the computation time and the quality of assignment.</a:t>
-            </a:r>
-          </a:p>
-          <a:p>
-            <a:r>
-              <a:rPr lang="en-US" altLang="ja-JP" sz="2400" dirty="0"/>
-              <a:t>For 1</a:t>
-            </a:r>
-            <a:r>
-              <a:rPr lang="en-US" altLang="ja-JP" sz="2400" baseline="30000" dirty="0"/>
-              <a:t>st</a:t>
-            </a:r>
-            <a:r>
-              <a:rPr lang="en-US" altLang="ja-JP" sz="2400" dirty="0"/>
-              <a:t> model,</a:t>
-            </a:r>
-            <a:r>
-              <a:rPr lang="en" altLang="ja-JP" sz="2400" dirty="0"/>
-              <a:t> we show the values of the solution after         1 hour and after 24 hours</a:t>
-            </a:r>
-          </a:p>
-          <a:p>
-            <a:r>
-              <a:rPr lang="en" altLang="ja-JP" sz="2400" dirty="0"/>
-              <a:t>For 2</a:t>
-            </a:r>
-            <a:r>
-              <a:rPr lang="en" altLang="ja-JP" sz="2400" baseline="30000" dirty="0"/>
-              <a:t>nd</a:t>
-            </a:r>
-            <a:r>
-              <a:rPr lang="en" altLang="ja-JP" sz="2400" dirty="0"/>
-              <a:t> model, we show the value of the solution and the computation time to finish the local search</a:t>
-            </a:r>
-            <a:r>
-              <a:rPr lang="en-US" altLang="ja-JP" sz="2400" dirty="0"/>
-              <a:t>. </a:t>
-            </a:r>
-          </a:p>
-        </p:txBody>
-      </p:sp>
-    </p:spTree>
-    <p:extLst>
-      <p:ext uri="{BB962C8B-B14F-4D97-AF65-F5344CB8AC3E}">
-        <p14:creationId xmlns:p14="http://schemas.microsoft.com/office/powerpoint/2010/main" val="4216551076"/>
-      </p:ext>
-    </p:extLst>
-  </p:cSld>
-  <p:clrMapOvr>
-    <a:masterClrMapping/>
-  </p:clrMapOvr>
-</p:sld>
-</file>
-
-<file path=ppt/slides/slide66.xml><?xml version="1.0" encoding="utf-8"?>
-<p:sld xmlns:a="http://schemas.openxmlformats.org/drawingml/2006/main" xmlns:r="http://schemas.openxmlformats.org/officeDocument/2006/relationships" xmlns:p="http://schemas.openxmlformats.org/presentationml/2006/main">
-  <p:cSld>
-    <p:spTree>
-      <p:nvGrpSpPr>
-        <p:cNvPr id="1" name=""/>
-        <p:cNvGrpSpPr/>
-        <p:nvPr/>
-      </p:nvGrpSpPr>
-      <p:grpSpPr>
-        <a:xfrm>
-          <a:off x="0" y="0"/>
-          <a:ext cx="0" cy="0"/>
-          <a:chOff x="0" y="0"/>
-          <a:chExt cx="0" cy="0"/>
-        </a:xfrm>
-      </p:grpSpPr>
-      <p:sp>
-        <p:nvSpPr>
-          <p:cNvPr id="2" name="タイトル 1">
-            <a:extLst>
-              <a:ext uri="{FF2B5EF4-FFF2-40B4-BE49-F238E27FC236}">
                 <a16:creationId xmlns:a16="http://schemas.microsoft.com/office/drawing/2014/main" id="{0F3E9755-7D4C-E140-A34C-76DD3CC7C081}"/>
               </a:ext>
             </a:extLst>
@@ -29245,7 +29157,7 @@
           <a:p>
             <a:r>
               <a:rPr lang="en-US" altLang="ja-JP" dirty="0"/>
-              <a:t>Comparison by initial solution</a:t>
+              <a:t>Comparison of two models</a:t>
             </a:r>
             <a:endParaRPr kumimoji="1" lang="ja-JP" altLang="en-US"/>
           </a:p>
@@ -29267,14 +29179,14 @@
             <p:ph idx="1"/>
             <p:extLst>
               <p:ext uri="{D42A27DB-BD31-4B8C-83A1-F6EECF244321}">
-                <p14:modId xmlns:p14="http://schemas.microsoft.com/office/powerpoint/2010/main" val="478434539"/>
+                <p14:modId xmlns:p14="http://schemas.microsoft.com/office/powerpoint/2010/main" val="111855986"/>
               </p:ext>
             </p:extLst>
           </p:nvPr>
         </p:nvGraphicFramePr>
         <p:xfrm>
-          <a:off x="2592925" y="1636058"/>
-          <a:ext cx="7887354" cy="3801003"/>
+          <a:off x="2097741" y="1636059"/>
+          <a:ext cx="8014447" cy="3258197"/>
         </p:xfrm>
         <a:graphic>
           <a:graphicData uri="http://schemas.openxmlformats.org/drawingml/2006/table">
@@ -29283,35 +29195,35 @@
                 <a:tableStyleId>{5C22544A-7EE6-4342-B048-85BDC9FD1C3A}</a:tableStyleId>
               </a:tblPr>
               <a:tblGrid>
-                <a:gridCol w="1425389">
+                <a:gridCol w="1448357">
                   <a:extLst>
                     <a:ext uri="{9D8B030D-6E8A-4147-A177-3AD203B41FA5}">
                       <a16:colId xmlns:a16="http://schemas.microsoft.com/office/drawing/2014/main" val="3767232075"/>
                     </a:ext>
                   </a:extLst>
                 </a:gridCol>
-                <a:gridCol w="1347062">
+                <a:gridCol w="1368768">
                   <a:extLst>
                     <a:ext uri="{9D8B030D-6E8A-4147-A177-3AD203B41FA5}">
                       <a16:colId xmlns:a16="http://schemas.microsoft.com/office/drawing/2014/main" val="275792739"/>
                     </a:ext>
                   </a:extLst>
                 </a:gridCol>
-                <a:gridCol w="1853338">
+                <a:gridCol w="1883202">
                   <a:extLst>
                     <a:ext uri="{9D8B030D-6E8A-4147-A177-3AD203B41FA5}">
                       <a16:colId xmlns:a16="http://schemas.microsoft.com/office/drawing/2014/main" val="2550383071"/>
                     </a:ext>
                   </a:extLst>
                 </a:gridCol>
-                <a:gridCol w="1477679">
+                <a:gridCol w="1501489">
                   <a:extLst>
                     <a:ext uri="{9D8B030D-6E8A-4147-A177-3AD203B41FA5}">
                       <a16:colId xmlns:a16="http://schemas.microsoft.com/office/drawing/2014/main" val="3694173054"/>
                     </a:ext>
                   </a:extLst>
                 </a:gridCol>
-                <a:gridCol w="1783886">
+                <a:gridCol w="1812631">
                   <a:extLst>
                     <a:ext uri="{9D8B030D-6E8A-4147-A177-3AD203B41FA5}">
                       <a16:colId xmlns:a16="http://schemas.microsoft.com/office/drawing/2014/main" val="608630972"/>
@@ -29319,7 +29231,7 @@
                   </a:extLst>
                 </a:gridCol>
               </a:tblGrid>
-              <a:tr h="636495">
+              <a:tr h="563090">
                 <a:tc>
                   <a:txBody>
                     <a:bodyPr/>
@@ -29416,7 +29328,7 @@
                   </a:ext>
                 </a:extLst>
               </a:tr>
-              <a:tr h="1075764">
+              <a:tr h="1055039">
                 <a:tc>
                   <a:txBody>
                     <a:bodyPr/>
@@ -29443,14 +29355,7 @@
                       <a:pPr algn="ctr"/>
                       <a:r>
                         <a:rPr kumimoji="1" lang="en-US" altLang="ja-JP" sz="2000" dirty="0"/>
-                        <a:t>1h</a:t>
-                      </a:r>
-                    </a:p>
-                    <a:p>
-                      <a:pPr algn="ctr"/>
-                      <a:r>
-                        <a:rPr kumimoji="1" lang="en-US" altLang="ja-JP" sz="2000" dirty="0"/>
-                        <a:t>(3600s)</a:t>
+                        <a:t>3600s</a:t>
                       </a:r>
                       <a:endParaRPr kumimoji="1" lang="ja-JP" altLang="en-US" sz="2000"/>
                     </a:p>
@@ -29465,21 +29370,21 @@
                       <a:pPr algn="ctr"/>
                       <a:r>
                         <a:rPr kumimoji="1" lang="en-US" altLang="ja-JP" sz="2000" dirty="0"/>
-                        <a:t>Value after </a:t>
+                        <a:t>Value </a:t>
                       </a:r>
                     </a:p>
                     <a:p>
                       <a:pPr algn="ctr"/>
                       <a:r>
                         <a:rPr kumimoji="1" lang="en-US" altLang="ja-JP" sz="2000" dirty="0"/>
-                        <a:t>24h</a:t>
+                        <a:t>after </a:t>
                       </a:r>
                     </a:p>
                     <a:p>
                       <a:pPr algn="ctr"/>
                       <a:r>
                         <a:rPr kumimoji="1" lang="en-US" altLang="ja-JP" sz="2000" dirty="0"/>
-                        <a:t>(86400s)</a:t>
+                        <a:t>86400s</a:t>
                       </a:r>
                       <a:endParaRPr kumimoji="1" lang="ja-JP" altLang="en-US" sz="2000"/>
                     </a:p>
@@ -29577,7 +29482,7 @@
                   </a:ext>
                 </a:extLst>
               </a:tr>
-              <a:tr h="463467">
+              <a:tr h="410017">
                 <a:tc>
                   <a:txBody>
                     <a:bodyPr/>
@@ -29694,7 +29599,7 @@
                   </a:ext>
                 </a:extLst>
               </a:tr>
-              <a:tr h="463467">
+              <a:tr h="410017">
                 <a:tc>
                   <a:txBody>
                     <a:bodyPr/>
@@ -29776,7 +29681,7 @@
                   </a:ext>
                 </a:extLst>
               </a:tr>
-              <a:tr h="463467">
+              <a:tr h="410017">
                 <a:tc>
                   <a:txBody>
                     <a:bodyPr/>
@@ -29858,7 +29763,7 @@
                   </a:ext>
                 </a:extLst>
               </a:tr>
-              <a:tr h="463467">
+              <a:tr h="410017">
                 <a:tc>
                   <a:txBody>
                     <a:bodyPr/>
@@ -29958,8 +29863,8 @@
         </p:nvSpPr>
         <p:spPr>
           <a:xfrm>
-            <a:off x="2487705" y="5728447"/>
-            <a:ext cx="7992573" cy="646331"/>
+            <a:off x="2097741" y="5075208"/>
+            <a:ext cx="8807824" cy="1661993"/>
           </a:xfrm>
           <a:prstGeom prst="rect">
             <a:avLst/>
@@ -29973,16 +29878,33 @@
           <a:lstStyle/>
           <a:p>
             <a:r>
-              <a:rPr kumimoji="1" lang="en-US" altLang="ja-JP" dirty="0"/>
+              <a:rPr lang="en" altLang="ja-JP" sz="2400" dirty="0"/>
+              <a:t>we get feasible solutions with a certain quality in a relatively</a:t>
+            </a:r>
+            <a:r>
+              <a:rPr lang="en-US" altLang="ja-JP" sz="2400" dirty="0"/>
+              <a:t> </a:t>
+            </a:r>
+            <a:r>
+              <a:rPr lang="en" altLang="ja-JP" sz="2400" dirty="0"/>
+              <a:t>short computation time.</a:t>
+            </a:r>
+          </a:p>
+          <a:p>
+            <a:endParaRPr kumimoji="1" lang="en-US" altLang="ja-JP" dirty="0"/>
+          </a:p>
+          <a:p>
+            <a:r>
+              <a:rPr kumimoji="1" lang="en-US" altLang="ja-JP" sz="1600" dirty="0"/>
               <a:t>Instance name:</a:t>
             </a:r>
           </a:p>
           <a:p>
             <a:r>
-              <a:rPr kumimoji="1" lang="en-US" altLang="ja-JP" dirty="0"/>
+              <a:rPr kumimoji="1" lang="en-US" altLang="ja-JP" sz="1600" dirty="0"/>
               <a:t>number of orders - number of loading port - number of unloading port</a:t>
             </a:r>
-            <a:endParaRPr kumimoji="1" lang="ja-JP" altLang="en-US"/>
+            <a:endParaRPr kumimoji="1" lang="ja-JP" altLang="en-US" sz="1600"/>
           </a:p>
         </p:txBody>
       </p:sp>
@@ -29999,7 +29921,7 @@
 </p:sld>
 </file>
 
-<file path=ppt/slides/slide67.xml><?xml version="1.0" encoding="utf-8"?>
+<file path=ppt/slides/slide66.xml><?xml version="1.0" encoding="utf-8"?>
 <p:sld xmlns:a="http://schemas.openxmlformats.org/drawingml/2006/main" xmlns:r="http://schemas.openxmlformats.org/officeDocument/2006/relationships" xmlns:p="http://schemas.openxmlformats.org/presentationml/2006/main" show="0">
   <p:cSld>
     <p:spTree>
@@ -31195,111 +31117,7 @@
 </p:sld>
 </file>
 
-<file path=ppt/slides/slide68.xml><?xml version="1.0" encoding="utf-8"?>
-<p:sld xmlns:a="http://schemas.openxmlformats.org/drawingml/2006/main" xmlns:r="http://schemas.openxmlformats.org/officeDocument/2006/relationships" xmlns:p="http://schemas.openxmlformats.org/presentationml/2006/main">
-  <p:cSld>
-    <p:spTree>
-      <p:nvGrpSpPr>
-        <p:cNvPr id="1" name=""/>
-        <p:cNvGrpSpPr/>
-        <p:nvPr/>
-      </p:nvGrpSpPr>
-      <p:grpSpPr>
-        <a:xfrm>
-          <a:off x="0" y="0"/>
-          <a:ext cx="0" cy="0"/>
-          <a:chOff x="0" y="0"/>
-          <a:chExt cx="0" cy="0"/>
-        </a:xfrm>
-      </p:grpSpPr>
-      <p:sp>
-        <p:nvSpPr>
-          <p:cNvPr id="2" name="タイトル 1">
-            <a:extLst>
-              <a:ext uri="{FF2B5EF4-FFF2-40B4-BE49-F238E27FC236}">
-                <a16:creationId xmlns:a16="http://schemas.microsoft.com/office/drawing/2014/main" id="{10C85110-0AEB-6C49-9AE3-DAAB21DFABB3}"/>
-              </a:ext>
-            </a:extLst>
-          </p:cNvPr>
-          <p:cNvSpPr>
-            <a:spLocks noGrp="1"/>
-          </p:cNvSpPr>
-          <p:nvPr>
-            <p:ph type="title"/>
-          </p:nvPr>
-        </p:nvSpPr>
-        <p:spPr/>
-        <p:txBody>
-          <a:bodyPr/>
-          <a:lstStyle/>
-          <a:p>
-            <a:r>
-              <a:rPr lang="en-US" altLang="ja-JP" dirty="0"/>
-              <a:t>Computational experiment</a:t>
-            </a:r>
-            <a:endParaRPr kumimoji="1" lang="ja-JP" altLang="en-US"/>
-          </a:p>
-        </p:txBody>
-      </p:sp>
-      <p:sp>
-        <p:nvSpPr>
-          <p:cNvPr id="3" name="コンテンツ プレースホルダー 2">
-            <a:extLst>
-              <a:ext uri="{FF2B5EF4-FFF2-40B4-BE49-F238E27FC236}">
-                <a16:creationId xmlns:a16="http://schemas.microsoft.com/office/drawing/2014/main" id="{48B29443-0E2E-9240-9158-A7C1DB7BC48D}"/>
-              </a:ext>
-            </a:extLst>
-          </p:cNvPr>
-          <p:cNvSpPr>
-            <a:spLocks noGrp="1"/>
-          </p:cNvSpPr>
-          <p:nvPr>
-            <p:ph idx="1"/>
-          </p:nvPr>
-        </p:nvSpPr>
-        <p:spPr/>
-        <p:txBody>
-          <a:bodyPr/>
-          <a:lstStyle/>
-          <a:p>
-            <a:r>
-              <a:rPr lang="en" altLang="ja-JP" sz="2400" dirty="0"/>
-              <a:t>For experimental instances, we got feasible solutions with a certain quality in a relatively</a:t>
-            </a:r>
-            <a:r>
-              <a:rPr lang="en-US" altLang="ja-JP" sz="2400" dirty="0"/>
-              <a:t> </a:t>
-            </a:r>
-            <a:r>
-              <a:rPr lang="en" altLang="ja-JP" sz="2400" dirty="0"/>
-              <a:t>short computation time.</a:t>
-            </a:r>
-          </a:p>
-          <a:p>
-            <a:endParaRPr lang="en" altLang="ja-JP" sz="2400" dirty="0"/>
-          </a:p>
-          <a:p>
-            <a:endParaRPr lang="en" altLang="ja-JP" sz="2400" dirty="0"/>
-          </a:p>
-          <a:p>
-            <a:endParaRPr lang="en" altLang="ja-JP" sz="2400" dirty="0"/>
-          </a:p>
-        </p:txBody>
-      </p:sp>
-    </p:spTree>
-    <p:extLst>
-      <p:ext uri="{BB962C8B-B14F-4D97-AF65-F5344CB8AC3E}">
-        <p14:creationId xmlns:p14="http://schemas.microsoft.com/office/powerpoint/2010/main" val="2216146474"/>
-      </p:ext>
-    </p:extLst>
-  </p:cSld>
-  <p:clrMapOvr>
-    <a:masterClrMapping/>
-  </p:clrMapOvr>
-</p:sld>
-</file>
-
-<file path=ppt/slides/slide69.xml><?xml version="1.0" encoding="utf-8"?>
+<file path=ppt/slides/slide67.xml><?xml version="1.0" encoding="utf-8"?>
 <p:sld xmlns:a="http://schemas.openxmlformats.org/drawingml/2006/main" xmlns:r="http://schemas.openxmlformats.org/officeDocument/2006/relationships" xmlns:p="http://schemas.openxmlformats.org/presentationml/2006/main">
   <p:cSld>
     <p:spTree>

--- a/竹田_修論発表.pptx
+++ b/竹田_修論発表.pptx
@@ -70,8 +70,7 @@
     <p:sldId id="622" r:id="rId64"/>
     <p:sldId id="578" r:id="rId65"/>
     <p:sldId id="621" r:id="rId66"/>
-    <p:sldId id="582" r:id="rId67"/>
-    <p:sldId id="561" r:id="rId68"/>
+    <p:sldId id="561" r:id="rId67"/>
   </p:sldIdLst>
   <p:sldSz cx="12192000" cy="6858000"/>
   <p:notesSz cx="6858000" cy="9144000"/>
@@ -8324,15 +8323,22 @@
         </p:spPr>
         <p:txBody>
           <a:bodyPr>
-            <a:normAutofit fontScale="90000"/>
+            <a:normAutofit/>
           </a:bodyPr>
           <a:lstStyle/>
           <a:p>
             <a:r>
-              <a:rPr kumimoji="1" lang="en-US" altLang="ja-JP" dirty="0"/>
-              <a:t>A mathematical modeling for the stowage planning problem </a:t>
-            </a:r>
-            <a:endParaRPr kumimoji="1" lang="ja-JP" altLang="en-US"/>
+              <a:rPr kumimoji="1" lang="en-US" altLang="ja-JP" sz="3600" dirty="0"/>
+              <a:t>A local search algorithm </a:t>
+            </a:r>
+            <a:br>
+              <a:rPr kumimoji="1" lang="en-US" altLang="ja-JP" sz="3600" dirty="0"/>
+            </a:br>
+            <a:r>
+              <a:rPr kumimoji="1" lang="en-US" altLang="ja-JP" sz="3600" dirty="0"/>
+              <a:t>for the stowage planning problem </a:t>
+            </a:r>
+            <a:endParaRPr kumimoji="1" lang="ja-JP" altLang="en-US" sz="3600"/>
           </a:p>
         </p:txBody>
       </p:sp>
@@ -29922,1202 +29928,6 @@
 </file>
 
 <file path=ppt/slides/slide66.xml><?xml version="1.0" encoding="utf-8"?>
-<p:sld xmlns:a="http://schemas.openxmlformats.org/drawingml/2006/main" xmlns:r="http://schemas.openxmlformats.org/officeDocument/2006/relationships" xmlns:p="http://schemas.openxmlformats.org/presentationml/2006/main" show="0">
-  <p:cSld>
-    <p:spTree>
-      <p:nvGrpSpPr>
-        <p:cNvPr id="1" name=""/>
-        <p:cNvGrpSpPr/>
-        <p:nvPr/>
-      </p:nvGrpSpPr>
-      <p:grpSpPr>
-        <a:xfrm>
-          <a:off x="0" y="0"/>
-          <a:ext cx="0" cy="0"/>
-          <a:chOff x="0" y="0"/>
-          <a:chExt cx="0" cy="0"/>
-        </a:xfrm>
-      </p:grpSpPr>
-      <p:sp>
-        <p:nvSpPr>
-          <p:cNvPr id="2" name="タイトル 1">
-            <a:extLst>
-              <a:ext uri="{FF2B5EF4-FFF2-40B4-BE49-F238E27FC236}">
-                <a16:creationId xmlns:a16="http://schemas.microsoft.com/office/drawing/2014/main" id="{0F3E9755-7D4C-E140-A34C-76DD3CC7C081}"/>
-              </a:ext>
-            </a:extLst>
-          </p:cNvPr>
-          <p:cNvSpPr>
-            <a:spLocks noGrp="1"/>
-          </p:cNvSpPr>
-          <p:nvPr>
-            <p:ph type="title"/>
-          </p:nvPr>
-        </p:nvSpPr>
-        <p:spPr/>
-        <p:txBody>
-          <a:bodyPr/>
-          <a:lstStyle/>
-          <a:p>
-            <a:r>
-              <a:rPr lang="en-US" altLang="ja-JP" dirty="0"/>
-              <a:t>Computational experiment</a:t>
-            </a:r>
-            <a:endParaRPr kumimoji="1" lang="ja-JP" altLang="en-US"/>
-          </a:p>
-        </p:txBody>
-      </p:sp>
-      <p:graphicFrame>
-        <p:nvGraphicFramePr>
-          <p:cNvPr id="4" name="コンテンツ プレースホルダー 3">
-            <a:extLst>
-              <a:ext uri="{FF2B5EF4-FFF2-40B4-BE49-F238E27FC236}">
-                <a16:creationId xmlns:a16="http://schemas.microsoft.com/office/drawing/2014/main" id="{A43B9D2D-517B-CB46-A337-956322EC2B9A}"/>
-              </a:ext>
-            </a:extLst>
-          </p:cNvPr>
-          <p:cNvGraphicFramePr>
-            <a:graphicFrameLocks noGrp="1"/>
-          </p:cNvGraphicFramePr>
-          <p:nvPr>
-            <p:ph idx="1"/>
-            <p:extLst>
-              <p:ext uri="{D42A27DB-BD31-4B8C-83A1-F6EECF244321}">
-                <p14:modId xmlns:p14="http://schemas.microsoft.com/office/powerpoint/2010/main" val="2350003856"/>
-              </p:ext>
-            </p:extLst>
-          </p:nvPr>
-        </p:nvGraphicFramePr>
-        <p:xfrm>
-          <a:off x="1976717" y="1541929"/>
-          <a:ext cx="9527895" cy="4950303"/>
-        </p:xfrm>
-        <a:graphic>
-          <a:graphicData uri="http://schemas.openxmlformats.org/drawingml/2006/table">
-            <a:tbl>
-              <a:tblPr firstRow="1" bandRow="1">
-                <a:tableStyleId>{5C22544A-7EE6-4342-B048-85BDC9FD1C3A}</a:tableStyleId>
-              </a:tblPr>
-              <a:tblGrid>
-                <a:gridCol w="995659">
-                  <a:extLst>
-                    <a:ext uri="{9D8B030D-6E8A-4147-A177-3AD203B41FA5}">
-                      <a16:colId xmlns:a16="http://schemas.microsoft.com/office/drawing/2014/main" val="3767232075"/>
-                    </a:ext>
-                  </a:extLst>
-                </a:gridCol>
-                <a:gridCol w="913824">
-                  <a:extLst>
-                    <a:ext uri="{9D8B030D-6E8A-4147-A177-3AD203B41FA5}">
-                      <a16:colId xmlns:a16="http://schemas.microsoft.com/office/drawing/2014/main" val="3477330652"/>
-                    </a:ext>
-                  </a:extLst>
-                </a:gridCol>
-                <a:gridCol w="1156447">
-                  <a:extLst>
-                    <a:ext uri="{9D8B030D-6E8A-4147-A177-3AD203B41FA5}">
-                      <a16:colId xmlns:a16="http://schemas.microsoft.com/office/drawing/2014/main" val="2984689672"/>
-                    </a:ext>
-                  </a:extLst>
-                </a:gridCol>
-                <a:gridCol w="1828800">
-                  <a:extLst>
-                    <a:ext uri="{9D8B030D-6E8A-4147-A177-3AD203B41FA5}">
-                      <a16:colId xmlns:a16="http://schemas.microsoft.com/office/drawing/2014/main" val="275792739"/>
-                    </a:ext>
-                  </a:extLst>
-                </a:gridCol>
-                <a:gridCol w="1371600">
-                  <a:extLst>
-                    <a:ext uri="{9D8B030D-6E8A-4147-A177-3AD203B41FA5}">
-                      <a16:colId xmlns:a16="http://schemas.microsoft.com/office/drawing/2014/main" val="2550383071"/>
-                    </a:ext>
-                  </a:extLst>
-                </a:gridCol>
-                <a:gridCol w="1477679">
-                  <a:extLst>
-                    <a:ext uri="{9D8B030D-6E8A-4147-A177-3AD203B41FA5}">
-                      <a16:colId xmlns:a16="http://schemas.microsoft.com/office/drawing/2014/main" val="3694173054"/>
-                    </a:ext>
-                  </a:extLst>
-                </a:gridCol>
-                <a:gridCol w="1783886">
-                  <a:extLst>
-                    <a:ext uri="{9D8B030D-6E8A-4147-A177-3AD203B41FA5}">
-                      <a16:colId xmlns:a16="http://schemas.microsoft.com/office/drawing/2014/main" val="608630972"/>
-                    </a:ext>
-                  </a:extLst>
-                </a:gridCol>
-              </a:tblGrid>
-              <a:tr h="636495">
-                <a:tc>
-                  <a:txBody>
-                    <a:bodyPr/>
-                    <a:lstStyle/>
-                    <a:p>
-                      <a:endParaRPr kumimoji="1" lang="ja-JP" altLang="en-US" sz="2000"/>
-                    </a:p>
-                  </a:txBody>
-                  <a:tcPr/>
-                </a:tc>
-                <a:tc>
-                  <a:txBody>
-                    <a:bodyPr/>
-                    <a:lstStyle/>
-                    <a:p>
-                      <a:endParaRPr kumimoji="1" lang="ja-JP" altLang="en-US" sz="2000"/>
-                    </a:p>
-                  </a:txBody>
-                  <a:tcPr/>
-                </a:tc>
-                <a:tc>
-                  <a:txBody>
-                    <a:bodyPr/>
-                    <a:lstStyle/>
-                    <a:p>
-                      <a:endParaRPr kumimoji="1" lang="ja-JP" altLang="en-US" sz="2000"/>
-                    </a:p>
-                  </a:txBody>
-                  <a:tcPr/>
-                </a:tc>
-                <a:tc gridSpan="2">
-                  <a:txBody>
-                    <a:bodyPr/>
-                    <a:lstStyle/>
-                    <a:p>
-                      <a:pPr algn="ctr"/>
-                      <a:r>
-                        <a:rPr kumimoji="1" lang="en-US" altLang="ja-JP" sz="2000" dirty="0"/>
-                        <a:t>1</a:t>
-                      </a:r>
-                      <a:r>
-                        <a:rPr kumimoji="1" lang="en-US" altLang="ja-JP" sz="2000" baseline="30000" dirty="0"/>
-                        <a:t>st</a:t>
-                      </a:r>
-                      <a:r>
-                        <a:rPr kumimoji="1" lang="en-US" altLang="ja-JP" sz="2000" dirty="0"/>
-                        <a:t> model</a:t>
-                      </a:r>
-                      <a:endParaRPr kumimoji="1" lang="ja-JP" altLang="en-US" sz="2000"/>
-                    </a:p>
-                  </a:txBody>
-                  <a:tcPr/>
-                </a:tc>
-                <a:tc hMerge="1">
-                  <a:txBody>
-                    <a:bodyPr/>
-                    <a:lstStyle/>
-                    <a:p>
-                      <a:endParaRPr kumimoji="1" lang="ja-JP" altLang="en-US" sz="2000"/>
-                    </a:p>
-                  </a:txBody>
-                  <a:tcPr/>
-                </a:tc>
-                <a:tc gridSpan="2">
-                  <a:txBody>
-                    <a:bodyPr/>
-                    <a:lstStyle/>
-                    <a:p>
-                      <a:pPr algn="ctr"/>
-                      <a:r>
-                        <a:rPr kumimoji="1" lang="en-US" altLang="ja-JP" sz="2000" dirty="0"/>
-                        <a:t>2</a:t>
-                      </a:r>
-                      <a:r>
-                        <a:rPr kumimoji="1" lang="en-US" altLang="ja-JP" sz="2000" baseline="30000" dirty="0"/>
-                        <a:t>nd</a:t>
-                      </a:r>
-                      <a:r>
-                        <a:rPr kumimoji="1" lang="en-US" altLang="ja-JP" sz="2000" dirty="0"/>
-                        <a:t> model</a:t>
-                      </a:r>
-                      <a:endParaRPr kumimoji="1" lang="ja-JP" altLang="en-US" sz="2000"/>
-                    </a:p>
-                  </a:txBody>
-                  <a:tcPr/>
-                </a:tc>
-                <a:tc hMerge="1">
-                  <a:txBody>
-                    <a:bodyPr/>
-                    <a:lstStyle/>
-                    <a:p>
-                      <a:pPr marL="0" marR="0" lvl="0" indent="0" algn="l" defTabSz="457200" rtl="0" eaLnBrk="1" fontAlgn="auto" latinLnBrk="0" hangingPunct="1">
-                        <a:lnSpc>
-                          <a:spcPct val="100000"/>
-                        </a:lnSpc>
-                        <a:spcBef>
-                          <a:spcPts val="0"/>
-                        </a:spcBef>
-                        <a:spcAft>
-                          <a:spcPts val="0"/>
-                        </a:spcAft>
-                        <a:buClrTx/>
-                        <a:buSzTx/>
-                        <a:buFontTx/>
-                        <a:buNone/>
-                        <a:tabLst/>
-                        <a:defRPr/>
-                      </a:pPr>
-                      <a:endParaRPr kumimoji="1" lang="ja-JP" altLang="en-US" sz="1800"/>
-                    </a:p>
-                  </a:txBody>
-                  <a:tcPr/>
-                </a:tc>
-                <a:extLst>
-                  <a:ext uri="{0D108BD9-81ED-4DB2-BD59-A6C34878D82A}">
-                    <a16:rowId xmlns:a16="http://schemas.microsoft.com/office/drawing/2014/main" val="3982216832"/>
-                  </a:ext>
-                </a:extLst>
-              </a:tr>
-              <a:tr h="1533006">
-                <a:tc>
-                  <a:txBody>
-                    <a:bodyPr/>
-                    <a:lstStyle/>
-                    <a:p>
-                      <a:pPr algn="ctr"/>
-                      <a:r>
-                        <a:rPr kumimoji="1" lang="en-US" altLang="ja-JP" sz="2000" dirty="0" err="1"/>
-                        <a:t>Num</a:t>
-                      </a:r>
-                      <a:r>
-                        <a:rPr kumimoji="1" lang="en-US" altLang="ja-JP" sz="2000" dirty="0"/>
-                        <a:t> of orders</a:t>
-                      </a:r>
-                      <a:endParaRPr kumimoji="1" lang="ja-JP" altLang="en-US" sz="2000"/>
-                    </a:p>
-                  </a:txBody>
-                  <a:tcPr/>
-                </a:tc>
-                <a:tc>
-                  <a:txBody>
-                    <a:bodyPr/>
-                    <a:lstStyle/>
-                    <a:p>
-                      <a:pPr algn="ctr"/>
-                      <a:r>
-                        <a:rPr kumimoji="1" lang="en-US" altLang="ja-JP" sz="2000" dirty="0" err="1"/>
-                        <a:t>Num</a:t>
-                      </a:r>
-                      <a:r>
-                        <a:rPr kumimoji="1" lang="en-US" altLang="ja-JP" sz="2000" dirty="0"/>
-                        <a:t> </a:t>
-                      </a:r>
-                    </a:p>
-                    <a:p>
-                      <a:pPr algn="ctr"/>
-                      <a:r>
-                        <a:rPr kumimoji="1" lang="en-US" altLang="ja-JP" sz="2000" dirty="0"/>
-                        <a:t>of L ports</a:t>
-                      </a:r>
-                      <a:endParaRPr kumimoji="1" lang="ja-JP" altLang="en-US" sz="2000"/>
-                    </a:p>
-                  </a:txBody>
-                  <a:tcPr/>
-                </a:tc>
-                <a:tc>
-                  <a:txBody>
-                    <a:bodyPr/>
-                    <a:lstStyle/>
-                    <a:p>
-                      <a:pPr algn="ctr"/>
-                      <a:r>
-                        <a:rPr kumimoji="1" lang="en-US" altLang="ja-JP" sz="2000" dirty="0" err="1"/>
-                        <a:t>Num</a:t>
-                      </a:r>
-                      <a:r>
-                        <a:rPr kumimoji="1" lang="en-US" altLang="ja-JP" sz="2000" dirty="0"/>
-                        <a:t> </a:t>
-                      </a:r>
-                    </a:p>
-                    <a:p>
-                      <a:pPr algn="ctr"/>
-                      <a:r>
-                        <a:rPr kumimoji="1" lang="en-US" altLang="ja-JP" sz="2000" dirty="0"/>
-                        <a:t>of D</a:t>
-                      </a:r>
-                    </a:p>
-                    <a:p>
-                      <a:pPr algn="ctr"/>
-                      <a:r>
-                        <a:rPr kumimoji="1" lang="en-US" altLang="ja-JP" sz="2000" dirty="0"/>
-                        <a:t> ports</a:t>
-                      </a:r>
-                      <a:endParaRPr kumimoji="1" lang="ja-JP" altLang="en-US" sz="2000"/>
-                    </a:p>
-                  </a:txBody>
-                  <a:tcPr/>
-                </a:tc>
-                <a:tc>
-                  <a:txBody>
-                    <a:bodyPr/>
-                    <a:lstStyle/>
-                    <a:p>
-                      <a:pPr algn="ctr"/>
-                      <a:r>
-                        <a:rPr kumimoji="1" lang="en-US" altLang="ja-JP" sz="2000" dirty="0"/>
-                        <a:t>Value after</a:t>
-                      </a:r>
-                    </a:p>
-                    <a:p>
-                      <a:pPr algn="ctr"/>
-                      <a:r>
-                        <a:rPr kumimoji="1" lang="en-US" altLang="ja-JP" sz="2000" dirty="0"/>
-                        <a:t>1h</a:t>
-                      </a:r>
-                    </a:p>
-                    <a:p>
-                      <a:pPr algn="ctr"/>
-                      <a:r>
-                        <a:rPr kumimoji="1" lang="en-US" altLang="ja-JP" sz="2000" dirty="0"/>
-                        <a:t>(3600s)</a:t>
-                      </a:r>
-                      <a:endParaRPr kumimoji="1" lang="ja-JP" altLang="en-US" sz="2000"/>
-                    </a:p>
-                  </a:txBody>
-                  <a:tcPr/>
-                </a:tc>
-                <a:tc>
-                  <a:txBody>
-                    <a:bodyPr/>
-                    <a:lstStyle/>
-                    <a:p>
-                      <a:pPr algn="ctr"/>
-                      <a:r>
-                        <a:rPr kumimoji="1" lang="en-US" altLang="ja-JP" sz="2000" dirty="0"/>
-                        <a:t>Value after </a:t>
-                      </a:r>
-                    </a:p>
-                    <a:p>
-                      <a:pPr algn="ctr"/>
-                      <a:r>
-                        <a:rPr kumimoji="1" lang="en-US" altLang="ja-JP" sz="2000" dirty="0"/>
-                        <a:t>24h</a:t>
-                      </a:r>
-                    </a:p>
-                    <a:p>
-                      <a:pPr algn="ctr"/>
-                      <a:r>
-                        <a:rPr kumimoji="1" lang="en-US" altLang="ja-JP" sz="2000" dirty="0"/>
-                        <a:t>(86400s)</a:t>
-                      </a:r>
-                      <a:endParaRPr kumimoji="1" lang="ja-JP" altLang="en-US" sz="2000"/>
-                    </a:p>
-                  </a:txBody>
-                  <a:tcPr/>
-                </a:tc>
-                <a:tc>
-                  <a:txBody>
-                    <a:bodyPr/>
-                    <a:lstStyle/>
-                    <a:p>
-                      <a:pPr marL="0" marR="0" lvl="0" indent="0" algn="ctr" defTabSz="457200" rtl="0" eaLnBrk="1" fontAlgn="auto" latinLnBrk="0" hangingPunct="1">
-                        <a:lnSpc>
-                          <a:spcPct val="100000"/>
-                        </a:lnSpc>
-                        <a:spcBef>
-                          <a:spcPts val="0"/>
-                        </a:spcBef>
-                        <a:spcAft>
-                          <a:spcPts val="0"/>
-                        </a:spcAft>
-                        <a:buClrTx/>
-                        <a:buSzTx/>
-                        <a:buFontTx/>
-                        <a:buNone/>
-                        <a:tabLst/>
-                        <a:defRPr/>
-                      </a:pPr>
-                      <a:r>
-                        <a:rPr kumimoji="1" lang="en" altLang="ja-JP" sz="2000" dirty="0"/>
-                        <a:t>Value</a:t>
-                      </a:r>
-                      <a:endParaRPr kumimoji="1" lang="ja-JP" altLang="en-US" sz="2000"/>
-                    </a:p>
-                  </a:txBody>
-                  <a:tcPr/>
-                </a:tc>
-                <a:tc>
-                  <a:txBody>
-                    <a:bodyPr/>
-                    <a:lstStyle/>
-                    <a:p>
-                      <a:pPr marL="0" marR="0" lvl="0" indent="0" algn="ctr" defTabSz="457200" rtl="0" eaLnBrk="1" fontAlgn="auto" latinLnBrk="0" hangingPunct="1">
-                        <a:lnSpc>
-                          <a:spcPct val="100000"/>
-                        </a:lnSpc>
-                        <a:spcBef>
-                          <a:spcPts val="0"/>
-                        </a:spcBef>
-                        <a:spcAft>
-                          <a:spcPts val="0"/>
-                        </a:spcAft>
-                        <a:buClrTx/>
-                        <a:buSzTx/>
-                        <a:buFontTx/>
-                        <a:buNone/>
-                        <a:tabLst/>
-                        <a:defRPr/>
-                      </a:pPr>
-                      <a:r>
-                        <a:rPr kumimoji="1" lang="en" altLang="ja-JP" sz="1800" dirty="0"/>
-                        <a:t>Computation time</a:t>
-                      </a:r>
-                    </a:p>
-                    <a:p>
-                      <a:pPr marL="0" marR="0" lvl="0" indent="0" algn="ctr" defTabSz="457200" rtl="0" eaLnBrk="1" fontAlgn="auto" latinLnBrk="0" hangingPunct="1">
-                        <a:lnSpc>
-                          <a:spcPct val="100000"/>
-                        </a:lnSpc>
-                        <a:spcBef>
-                          <a:spcPts val="0"/>
-                        </a:spcBef>
-                        <a:spcAft>
-                          <a:spcPts val="0"/>
-                        </a:spcAft>
-                        <a:buClrTx/>
-                        <a:buSzTx/>
-                        <a:buFontTx/>
-                        <a:buNone/>
-                        <a:tabLst/>
-                        <a:defRPr/>
-                      </a:pPr>
-                      <a:r>
-                        <a:rPr kumimoji="1" lang="en" altLang="ja-JP" sz="1800" dirty="0"/>
-                        <a:t>(seconds)</a:t>
-                      </a:r>
-                      <a:endParaRPr kumimoji="1" lang="ja-JP" altLang="en-US" sz="1800"/>
-                    </a:p>
-                  </a:txBody>
-                  <a:tcPr/>
-                </a:tc>
-                <a:extLst>
-                  <a:ext uri="{0D108BD9-81ED-4DB2-BD59-A6C34878D82A}">
-                    <a16:rowId xmlns:a16="http://schemas.microsoft.com/office/drawing/2014/main" val="3667031896"/>
-                  </a:ext>
-                </a:extLst>
-              </a:tr>
-              <a:tr h="463467">
-                <a:tc>
-                  <a:txBody>
-                    <a:bodyPr/>
-                    <a:lstStyle/>
-                    <a:p>
-                      <a:pPr algn="ctr"/>
-                      <a:r>
-                        <a:rPr kumimoji="1" lang="en-US" altLang="ja-JP" sz="2000" dirty="0"/>
-                        <a:t>109</a:t>
-                      </a:r>
-                      <a:endParaRPr kumimoji="1" lang="ja-JP" altLang="en-US" sz="2000"/>
-                    </a:p>
-                  </a:txBody>
-                  <a:tcPr/>
-                </a:tc>
-                <a:tc>
-                  <a:txBody>
-                    <a:bodyPr/>
-                    <a:lstStyle/>
-                    <a:p>
-                      <a:pPr algn="ctr"/>
-                      <a:r>
-                        <a:rPr kumimoji="1" lang="en-US" altLang="ja-JP" sz="2000" dirty="0"/>
-                        <a:t>2</a:t>
-                      </a:r>
-                      <a:endParaRPr kumimoji="1" lang="ja-JP" altLang="en-US" sz="2000"/>
-                    </a:p>
-                  </a:txBody>
-                  <a:tcPr/>
-                </a:tc>
-                <a:tc>
-                  <a:txBody>
-                    <a:bodyPr/>
-                    <a:lstStyle/>
-                    <a:p>
-                      <a:pPr algn="ctr"/>
-                      <a:r>
-                        <a:rPr kumimoji="1" lang="en-US" altLang="ja-JP" sz="2000" dirty="0"/>
-                        <a:t>3</a:t>
-                      </a:r>
-                      <a:endParaRPr kumimoji="1" lang="ja-JP" altLang="en-US" sz="2000"/>
-                    </a:p>
-                  </a:txBody>
-                  <a:tcPr/>
-                </a:tc>
-                <a:tc>
-                  <a:txBody>
-                    <a:bodyPr/>
-                    <a:lstStyle/>
-                    <a:p>
-                      <a:pPr marL="0" marR="0" lvl="0" indent="0" algn="ctr" defTabSz="457200" rtl="0" eaLnBrk="1" fontAlgn="auto" latinLnBrk="0" hangingPunct="1">
-                        <a:lnSpc>
-                          <a:spcPct val="100000"/>
-                        </a:lnSpc>
-                        <a:spcBef>
-                          <a:spcPts val="0"/>
-                        </a:spcBef>
-                        <a:spcAft>
-                          <a:spcPts val="0"/>
-                        </a:spcAft>
-                        <a:buClrTx/>
-                        <a:buSzTx/>
-                        <a:buFontTx/>
-                        <a:buNone/>
-                        <a:tabLst/>
-                        <a:defRPr/>
-                      </a:pPr>
-                      <a:r>
-                        <a:rPr kumimoji="1" lang="ja-JP" altLang="en-US" sz="1800" kern="1200">
-                          <a:solidFill>
-                            <a:schemeClr val="dk1"/>
-                          </a:solidFill>
-                          <a:effectLst/>
-                          <a:latin typeface="+mn-lt"/>
-                          <a:ea typeface="+mn-ea"/>
-                          <a:cs typeface="+mn-cs"/>
-                        </a:rPr>
-                        <a:t> </a:t>
-                      </a:r>
-                      <a:r>
-                        <a:rPr kumimoji="1" lang="en-US" altLang="ja-JP" sz="1800" kern="1200" dirty="0">
-                          <a:solidFill>
-                            <a:schemeClr val="dk1"/>
-                          </a:solidFill>
-                          <a:effectLst/>
-                          <a:latin typeface="+mn-lt"/>
-                          <a:ea typeface="+mn-ea"/>
-                          <a:cs typeface="+mn-cs"/>
-                        </a:rPr>
-                        <a:t>-508</a:t>
-                      </a:r>
-                    </a:p>
-                  </a:txBody>
-                  <a:tcPr/>
-                </a:tc>
-                <a:tc>
-                  <a:txBody>
-                    <a:bodyPr/>
-                    <a:lstStyle/>
-                    <a:p>
-                      <a:pPr algn="ctr"/>
-                      <a:r>
-                        <a:rPr kumimoji="1" lang="en-US" altLang="ja-JP" sz="2000" dirty="0"/>
-                        <a:t>-3478</a:t>
-                      </a:r>
-                      <a:endParaRPr kumimoji="1" lang="ja-JP" altLang="en-US" sz="2000"/>
-                    </a:p>
-                  </a:txBody>
-                  <a:tcPr/>
-                </a:tc>
-                <a:tc>
-                  <a:txBody>
-                    <a:bodyPr/>
-                    <a:lstStyle/>
-                    <a:p>
-                      <a:pPr algn="ctr"/>
-                      <a:r>
-                        <a:rPr kumimoji="1" lang="en-US" altLang="ja-JP" sz="2000" dirty="0"/>
-                        <a:t>-2975</a:t>
-                      </a:r>
-                      <a:endParaRPr kumimoji="1" lang="ja-JP" altLang="en-US" sz="2000"/>
-                    </a:p>
-                  </a:txBody>
-                  <a:tcPr/>
-                </a:tc>
-                <a:tc>
-                  <a:txBody>
-                    <a:bodyPr/>
-                    <a:lstStyle/>
-                    <a:p>
-                      <a:pPr algn="ctr"/>
-                      <a:r>
-                        <a:rPr kumimoji="1" lang="en-US" altLang="ja-JP" sz="2000" dirty="0"/>
-                        <a:t>873</a:t>
-                      </a:r>
-                      <a:endParaRPr kumimoji="1" lang="ja-JP" altLang="en-US" sz="2000"/>
-                    </a:p>
-                  </a:txBody>
-                  <a:tcPr/>
-                </a:tc>
-                <a:extLst>
-                  <a:ext uri="{0D108BD9-81ED-4DB2-BD59-A6C34878D82A}">
-                    <a16:rowId xmlns:a16="http://schemas.microsoft.com/office/drawing/2014/main" val="2690316513"/>
-                  </a:ext>
-                </a:extLst>
-              </a:tr>
-              <a:tr h="463467">
-                <a:tc>
-                  <a:txBody>
-                    <a:bodyPr/>
-                    <a:lstStyle/>
-                    <a:p>
-                      <a:pPr algn="ctr"/>
-                      <a:r>
-                        <a:rPr kumimoji="1" lang="en-US" altLang="ja-JP" sz="2000" dirty="0"/>
-                        <a:t>109</a:t>
-                      </a:r>
-                      <a:endParaRPr kumimoji="1" lang="ja-JP" altLang="en-US" sz="2000"/>
-                    </a:p>
-                  </a:txBody>
-                  <a:tcPr/>
-                </a:tc>
-                <a:tc>
-                  <a:txBody>
-                    <a:bodyPr/>
-                    <a:lstStyle/>
-                    <a:p>
-                      <a:pPr algn="ctr"/>
-                      <a:r>
-                        <a:rPr kumimoji="1" lang="en-US" altLang="ja-JP" sz="2000" dirty="0"/>
-                        <a:t>2</a:t>
-                      </a:r>
-                    </a:p>
-                  </a:txBody>
-                  <a:tcPr/>
-                </a:tc>
-                <a:tc>
-                  <a:txBody>
-                    <a:bodyPr/>
-                    <a:lstStyle/>
-                    <a:p>
-                      <a:pPr algn="ctr"/>
-                      <a:r>
-                        <a:rPr kumimoji="1" lang="en-US" altLang="ja-JP" sz="2000" dirty="0"/>
-                        <a:t>5</a:t>
-                      </a:r>
-                      <a:endParaRPr kumimoji="1" lang="ja-JP" altLang="en-US" sz="2000"/>
-                    </a:p>
-                  </a:txBody>
-                  <a:tcPr/>
-                </a:tc>
-                <a:tc>
-                  <a:txBody>
-                    <a:bodyPr/>
-                    <a:lstStyle/>
-                    <a:p>
-                      <a:pPr algn="ctr"/>
-                      <a:r>
-                        <a:rPr kumimoji="1" lang="en-US" altLang="ja-JP" sz="2000" dirty="0"/>
-                        <a:t>-2612</a:t>
-                      </a:r>
-                      <a:endParaRPr kumimoji="1" lang="ja-JP" altLang="en-US" sz="2000"/>
-                    </a:p>
-                  </a:txBody>
-                  <a:tcPr/>
-                </a:tc>
-                <a:tc>
-                  <a:txBody>
-                    <a:bodyPr/>
-                    <a:lstStyle/>
-                    <a:p>
-                      <a:pPr algn="ctr"/>
-                      <a:r>
-                        <a:rPr kumimoji="1" lang="en-US" altLang="ja-JP" sz="2000" dirty="0"/>
-                        <a:t>-3354</a:t>
-                      </a:r>
-                      <a:endParaRPr kumimoji="1" lang="ja-JP" altLang="en-US" sz="2000"/>
-                    </a:p>
-                  </a:txBody>
-                  <a:tcPr/>
-                </a:tc>
-                <a:tc>
-                  <a:txBody>
-                    <a:bodyPr/>
-                    <a:lstStyle/>
-                    <a:p>
-                      <a:pPr algn="ctr"/>
-                      <a:r>
-                        <a:rPr kumimoji="1" lang="en-US" altLang="ja-JP" sz="2000" dirty="0"/>
-                        <a:t>-1167</a:t>
-                      </a:r>
-                      <a:endParaRPr kumimoji="1" lang="ja-JP" altLang="en-US" sz="2000"/>
-                    </a:p>
-                  </a:txBody>
-                  <a:tcPr/>
-                </a:tc>
-                <a:tc>
-                  <a:txBody>
-                    <a:bodyPr/>
-                    <a:lstStyle/>
-                    <a:p>
-                      <a:pPr algn="ctr"/>
-                      <a:r>
-                        <a:rPr kumimoji="1" lang="en-US" altLang="ja-JP" sz="2000" dirty="0"/>
-                        <a:t>938</a:t>
-                      </a:r>
-                      <a:endParaRPr kumimoji="1" lang="ja-JP" altLang="en-US" sz="2000"/>
-                    </a:p>
-                  </a:txBody>
-                  <a:tcPr/>
-                </a:tc>
-                <a:extLst>
-                  <a:ext uri="{0D108BD9-81ED-4DB2-BD59-A6C34878D82A}">
-                    <a16:rowId xmlns:a16="http://schemas.microsoft.com/office/drawing/2014/main" val="323683789"/>
-                  </a:ext>
-                </a:extLst>
-              </a:tr>
-              <a:tr h="463467">
-                <a:tc>
-                  <a:txBody>
-                    <a:bodyPr/>
-                    <a:lstStyle/>
-                    <a:p>
-                      <a:pPr algn="ctr"/>
-                      <a:r>
-                        <a:rPr kumimoji="1" lang="en-US" altLang="ja-JP" sz="2000" dirty="0"/>
-                        <a:t>109</a:t>
-                      </a:r>
-                      <a:endParaRPr kumimoji="1" lang="ja-JP" altLang="en-US" sz="2000"/>
-                    </a:p>
-                  </a:txBody>
-                  <a:tcPr/>
-                </a:tc>
-                <a:tc>
-                  <a:txBody>
-                    <a:bodyPr/>
-                    <a:lstStyle/>
-                    <a:p>
-                      <a:pPr algn="ctr"/>
-                      <a:r>
-                        <a:rPr kumimoji="1" lang="en-US" altLang="ja-JP" sz="2000" dirty="0"/>
-                        <a:t>4</a:t>
-                      </a:r>
-                    </a:p>
-                  </a:txBody>
-                  <a:tcPr/>
-                </a:tc>
-                <a:tc>
-                  <a:txBody>
-                    <a:bodyPr/>
-                    <a:lstStyle/>
-                    <a:p>
-                      <a:pPr algn="ctr"/>
-                      <a:r>
-                        <a:rPr kumimoji="1" lang="en-US" altLang="ja-JP" sz="2000" dirty="0"/>
-                        <a:t>3</a:t>
-                      </a:r>
-                      <a:endParaRPr kumimoji="1" lang="ja-JP" altLang="en-US" sz="2000"/>
-                    </a:p>
-                  </a:txBody>
-                  <a:tcPr/>
-                </a:tc>
-                <a:tc>
-                  <a:txBody>
-                    <a:bodyPr/>
-                    <a:lstStyle/>
-                    <a:p>
-                      <a:pPr algn="ctr"/>
-                      <a:r>
-                        <a:rPr kumimoji="1" lang="en-US" altLang="ja-JP" sz="2000" dirty="0"/>
-                        <a:t>1240</a:t>
-                      </a:r>
-                      <a:endParaRPr kumimoji="1" lang="ja-JP" altLang="en-US" sz="2000"/>
-                    </a:p>
-                  </a:txBody>
-                  <a:tcPr/>
-                </a:tc>
-                <a:tc>
-                  <a:txBody>
-                    <a:bodyPr/>
-                    <a:lstStyle/>
-                    <a:p>
-                      <a:pPr algn="ctr"/>
-                      <a:r>
-                        <a:rPr kumimoji="1" lang="en-US" altLang="ja-JP" sz="2000" dirty="0"/>
-                        <a:t>-3455</a:t>
-                      </a:r>
-                      <a:endParaRPr kumimoji="1" lang="ja-JP" altLang="en-US" sz="2000"/>
-                    </a:p>
-                  </a:txBody>
-                  <a:tcPr/>
-                </a:tc>
-                <a:tc>
-                  <a:txBody>
-                    <a:bodyPr/>
-                    <a:lstStyle/>
-                    <a:p>
-                      <a:pPr algn="ctr"/>
-                      <a:r>
-                        <a:rPr kumimoji="1" lang="en-US" altLang="ja-JP" sz="2000" dirty="0"/>
-                        <a:t>-1378</a:t>
-                      </a:r>
-                      <a:endParaRPr kumimoji="1" lang="ja-JP" altLang="en-US" sz="2000"/>
-                    </a:p>
-                  </a:txBody>
-                  <a:tcPr/>
-                </a:tc>
-                <a:tc>
-                  <a:txBody>
-                    <a:bodyPr/>
-                    <a:lstStyle/>
-                    <a:p>
-                      <a:pPr algn="ctr"/>
-                      <a:r>
-                        <a:rPr kumimoji="1" lang="en-US" altLang="ja-JP" sz="2000" dirty="0"/>
-                        <a:t>728</a:t>
-                      </a:r>
-                      <a:endParaRPr kumimoji="1" lang="ja-JP" altLang="en-US" sz="2000"/>
-                    </a:p>
-                  </a:txBody>
-                  <a:tcPr/>
-                </a:tc>
-                <a:extLst>
-                  <a:ext uri="{0D108BD9-81ED-4DB2-BD59-A6C34878D82A}">
-                    <a16:rowId xmlns:a16="http://schemas.microsoft.com/office/drawing/2014/main" val="1536353699"/>
-                  </a:ext>
-                </a:extLst>
-              </a:tr>
-              <a:tr h="463467">
-                <a:tc>
-                  <a:txBody>
-                    <a:bodyPr/>
-                    <a:lstStyle/>
-                    <a:p>
-                      <a:pPr algn="ctr"/>
-                      <a:r>
-                        <a:rPr kumimoji="1" lang="en-US" altLang="ja-JP" sz="2000" dirty="0"/>
-                        <a:t>250</a:t>
-                      </a:r>
-                      <a:endParaRPr kumimoji="1" lang="ja-JP" altLang="en-US" sz="2000"/>
-                    </a:p>
-                  </a:txBody>
-                  <a:tcPr/>
-                </a:tc>
-                <a:tc>
-                  <a:txBody>
-                    <a:bodyPr/>
-                    <a:lstStyle/>
-                    <a:p>
-                      <a:pPr algn="ctr"/>
-                      <a:r>
-                        <a:rPr kumimoji="1" lang="en-US" altLang="ja-JP" sz="2000" dirty="0"/>
-                        <a:t>2</a:t>
-                      </a:r>
-                      <a:endParaRPr kumimoji="1" lang="ja-JP" altLang="en-US" sz="2000"/>
-                    </a:p>
-                  </a:txBody>
-                  <a:tcPr/>
-                </a:tc>
-                <a:tc>
-                  <a:txBody>
-                    <a:bodyPr/>
-                    <a:lstStyle/>
-                    <a:p>
-                      <a:pPr algn="ctr"/>
-                      <a:r>
-                        <a:rPr kumimoji="1" lang="en-US" altLang="ja-JP" sz="2000" dirty="0"/>
-                        <a:t>3</a:t>
-                      </a:r>
-                      <a:endParaRPr kumimoji="1" lang="ja-JP" altLang="en-US" sz="2000"/>
-                    </a:p>
-                  </a:txBody>
-                  <a:tcPr/>
-                </a:tc>
-                <a:tc>
-                  <a:txBody>
-                    <a:bodyPr/>
-                    <a:lstStyle/>
-                    <a:p>
-                      <a:pPr algn="ctr"/>
-                      <a:r>
-                        <a:rPr kumimoji="1" lang="en-US" altLang="ja-JP" sz="2000" dirty="0"/>
-                        <a:t>infeasible</a:t>
-                      </a:r>
-                      <a:endParaRPr kumimoji="1" lang="ja-JP" altLang="en-US" sz="2000"/>
-                    </a:p>
-                  </a:txBody>
-                  <a:tcPr/>
-                </a:tc>
-                <a:tc>
-                  <a:txBody>
-                    <a:bodyPr/>
-                    <a:lstStyle/>
-                    <a:p>
-                      <a:pPr algn="ctr"/>
-                      <a:r>
-                        <a:rPr kumimoji="1" lang="en-US" altLang="ja-JP" sz="2000" dirty="0"/>
-                        <a:t>-2064</a:t>
-                      </a:r>
-                      <a:endParaRPr kumimoji="1" lang="ja-JP" altLang="en-US" sz="2000"/>
-                    </a:p>
-                  </a:txBody>
-                  <a:tcPr/>
-                </a:tc>
-                <a:tc>
-                  <a:txBody>
-                    <a:bodyPr/>
-                    <a:lstStyle/>
-                    <a:p>
-                      <a:pPr algn="ctr"/>
-                      <a:r>
-                        <a:rPr kumimoji="1" lang="en-US" altLang="ja-JP" sz="2000" dirty="0"/>
-                        <a:t>-2235</a:t>
-                      </a:r>
-                      <a:endParaRPr kumimoji="1" lang="ja-JP" altLang="en-US" sz="2000"/>
-                    </a:p>
-                  </a:txBody>
-                  <a:tcPr/>
-                </a:tc>
-                <a:tc>
-                  <a:txBody>
-                    <a:bodyPr/>
-                    <a:lstStyle/>
-                    <a:p>
-                      <a:pPr algn="ctr"/>
-                      <a:r>
-                        <a:rPr kumimoji="1" lang="en-US" altLang="ja-JP" sz="2000" dirty="0"/>
-                        <a:t>3069</a:t>
-                      </a:r>
-                      <a:endParaRPr kumimoji="1" lang="ja-JP" altLang="en-US" sz="2000"/>
-                    </a:p>
-                  </a:txBody>
-                  <a:tcPr/>
-                </a:tc>
-                <a:extLst>
-                  <a:ext uri="{0D108BD9-81ED-4DB2-BD59-A6C34878D82A}">
-                    <a16:rowId xmlns:a16="http://schemas.microsoft.com/office/drawing/2014/main" val="342577522"/>
-                  </a:ext>
-                </a:extLst>
-              </a:tr>
-              <a:tr h="463467">
-                <a:tc>
-                  <a:txBody>
-                    <a:bodyPr/>
-                    <a:lstStyle/>
-                    <a:p>
-                      <a:pPr algn="ctr"/>
-                      <a:r>
-                        <a:rPr kumimoji="1" lang="en-US" altLang="ja-JP" sz="2000" dirty="0"/>
-                        <a:t>200</a:t>
-                      </a:r>
-                      <a:endParaRPr kumimoji="1" lang="ja-JP" altLang="en-US" sz="2000"/>
-                    </a:p>
-                  </a:txBody>
-                  <a:tcPr/>
-                </a:tc>
-                <a:tc>
-                  <a:txBody>
-                    <a:bodyPr/>
-                    <a:lstStyle/>
-                    <a:p>
-                      <a:pPr algn="ctr"/>
-                      <a:r>
-                        <a:rPr kumimoji="1" lang="en-US" altLang="ja-JP" sz="2000" dirty="0"/>
-                        <a:t>2</a:t>
-                      </a:r>
-                    </a:p>
-                  </a:txBody>
-                  <a:tcPr/>
-                </a:tc>
-                <a:tc>
-                  <a:txBody>
-                    <a:bodyPr/>
-                    <a:lstStyle/>
-                    <a:p>
-                      <a:pPr algn="ctr"/>
-                      <a:r>
-                        <a:rPr kumimoji="1" lang="en-US" altLang="ja-JP" sz="2000" dirty="0"/>
-                        <a:t>3</a:t>
-                      </a:r>
-                      <a:endParaRPr kumimoji="1" lang="ja-JP" altLang="en-US" sz="2000"/>
-                    </a:p>
-                  </a:txBody>
-                  <a:tcPr/>
-                </a:tc>
-                <a:tc>
-                  <a:txBody>
-                    <a:bodyPr/>
-                    <a:lstStyle/>
-                    <a:p>
-                      <a:pPr algn="ctr"/>
-                      <a:r>
-                        <a:rPr kumimoji="1" lang="en-US" altLang="ja-JP" sz="2000" dirty="0"/>
-                        <a:t>infeasible</a:t>
-                      </a:r>
-                      <a:endParaRPr kumimoji="1" lang="ja-JP" altLang="en-US" sz="2000"/>
-                    </a:p>
-                  </a:txBody>
-                  <a:tcPr/>
-                </a:tc>
-                <a:tc>
-                  <a:txBody>
-                    <a:bodyPr/>
-                    <a:lstStyle/>
-                    <a:p>
-                      <a:pPr algn="ctr"/>
-                      <a:r>
-                        <a:rPr kumimoji="1" lang="en-US" altLang="ja-JP" sz="2000" dirty="0"/>
-                        <a:t>-840</a:t>
-                      </a:r>
-                      <a:endParaRPr kumimoji="1" lang="ja-JP" altLang="en-US" sz="2000"/>
-                    </a:p>
-                  </a:txBody>
-                  <a:tcPr/>
-                </a:tc>
-                <a:tc>
-                  <a:txBody>
-                    <a:bodyPr/>
-                    <a:lstStyle/>
-                    <a:p>
-                      <a:pPr algn="ctr"/>
-                      <a:r>
-                        <a:rPr kumimoji="1" lang="en-US" altLang="ja-JP" sz="2000" dirty="0"/>
-                        <a:t>infeasible</a:t>
-                      </a:r>
-                      <a:endParaRPr kumimoji="1" lang="ja-JP" altLang="en-US" sz="2000"/>
-                    </a:p>
-                  </a:txBody>
-                  <a:tcPr/>
-                </a:tc>
-                <a:tc>
-                  <a:txBody>
-                    <a:bodyPr/>
-                    <a:lstStyle/>
-                    <a:p>
-                      <a:pPr algn="ctr"/>
-                      <a:r>
-                        <a:rPr kumimoji="1" lang="en-US" altLang="ja-JP" sz="2000" dirty="0"/>
-                        <a:t>6481</a:t>
-                      </a:r>
-                      <a:endParaRPr kumimoji="1" lang="ja-JP" altLang="en-US" sz="2000"/>
-                    </a:p>
-                  </a:txBody>
-                  <a:tcPr/>
-                </a:tc>
-                <a:extLst>
-                  <a:ext uri="{0D108BD9-81ED-4DB2-BD59-A6C34878D82A}">
-                    <a16:rowId xmlns:a16="http://schemas.microsoft.com/office/drawing/2014/main" val="44161025"/>
-                  </a:ext>
-                </a:extLst>
-              </a:tr>
-              <a:tr h="463467">
-                <a:tc>
-                  <a:txBody>
-                    <a:bodyPr/>
-                    <a:lstStyle/>
-                    <a:p>
-                      <a:pPr algn="ctr"/>
-                      <a:r>
-                        <a:rPr kumimoji="1" lang="en-US" altLang="ja-JP" sz="2000" dirty="0"/>
-                        <a:t>350</a:t>
-                      </a:r>
-                      <a:endParaRPr kumimoji="1" lang="ja-JP" altLang="en-US" sz="2000"/>
-                    </a:p>
-                  </a:txBody>
-                  <a:tcPr/>
-                </a:tc>
-                <a:tc>
-                  <a:txBody>
-                    <a:bodyPr/>
-                    <a:lstStyle/>
-                    <a:p>
-                      <a:pPr algn="ctr"/>
-                      <a:r>
-                        <a:rPr kumimoji="1" lang="en-US" altLang="ja-JP" sz="2000" dirty="0"/>
-                        <a:t>2</a:t>
-                      </a:r>
-                      <a:endParaRPr kumimoji="1" lang="ja-JP" altLang="en-US" sz="2000"/>
-                    </a:p>
-                  </a:txBody>
-                  <a:tcPr/>
-                </a:tc>
-                <a:tc>
-                  <a:txBody>
-                    <a:bodyPr/>
-                    <a:lstStyle/>
-                    <a:p>
-                      <a:pPr algn="ctr"/>
-                      <a:r>
-                        <a:rPr kumimoji="1" lang="en-US" altLang="ja-JP" sz="2000" dirty="0"/>
-                        <a:t>3</a:t>
-                      </a:r>
-                      <a:endParaRPr kumimoji="1" lang="ja-JP" altLang="en-US" sz="2000"/>
-                    </a:p>
-                  </a:txBody>
-                  <a:tcPr/>
-                </a:tc>
-                <a:tc>
-                  <a:txBody>
-                    <a:bodyPr/>
-                    <a:lstStyle/>
-                    <a:p>
-                      <a:pPr algn="ctr"/>
-                      <a:r>
-                        <a:rPr kumimoji="1" lang="en-US" altLang="ja-JP" sz="2000"/>
-                        <a:t>infeasible</a:t>
-                      </a:r>
-                      <a:endParaRPr kumimoji="1" lang="ja-JP" altLang="en-US" sz="2000"/>
-                    </a:p>
-                  </a:txBody>
-                  <a:tcPr/>
-                </a:tc>
-                <a:tc>
-                  <a:txBody>
-                    <a:bodyPr/>
-                    <a:lstStyle/>
-                    <a:p>
-                      <a:pPr algn="ctr"/>
-                      <a:r>
-                        <a:rPr kumimoji="1" lang="en-US" altLang="ja-JP" sz="2000" dirty="0"/>
-                        <a:t>3726</a:t>
-                      </a:r>
-                      <a:endParaRPr kumimoji="1" lang="ja-JP" altLang="en-US" sz="2000"/>
-                    </a:p>
-                  </a:txBody>
-                  <a:tcPr/>
-                </a:tc>
-                <a:tc>
-                  <a:txBody>
-                    <a:bodyPr/>
-                    <a:lstStyle/>
-                    <a:p>
-                      <a:pPr algn="ctr"/>
-                      <a:r>
-                        <a:rPr kumimoji="1" lang="en-US" altLang="ja-JP" sz="2000" dirty="0"/>
-                        <a:t>infeasible</a:t>
-                      </a:r>
-                      <a:endParaRPr kumimoji="1" lang="ja-JP" altLang="en-US" sz="2000"/>
-                    </a:p>
-                  </a:txBody>
-                  <a:tcPr/>
-                </a:tc>
-                <a:tc>
-                  <a:txBody>
-                    <a:bodyPr/>
-                    <a:lstStyle/>
-                    <a:p>
-                      <a:pPr algn="ctr"/>
-                      <a:r>
-                        <a:rPr kumimoji="1" lang="en-US" altLang="ja-JP" sz="2000" dirty="0"/>
-                        <a:t>19219</a:t>
-                      </a:r>
-                    </a:p>
-                  </a:txBody>
-                  <a:tcPr/>
-                </a:tc>
-                <a:extLst>
-                  <a:ext uri="{0D108BD9-81ED-4DB2-BD59-A6C34878D82A}">
-                    <a16:rowId xmlns:a16="http://schemas.microsoft.com/office/drawing/2014/main" val="458223093"/>
-                  </a:ext>
-                </a:extLst>
-              </a:tr>
-            </a:tbl>
-          </a:graphicData>
-        </a:graphic>
-      </p:graphicFrame>
-    </p:spTree>
-    <p:extLst>
-      <p:ext uri="{BB962C8B-B14F-4D97-AF65-F5344CB8AC3E}">
-        <p14:creationId xmlns:p14="http://schemas.microsoft.com/office/powerpoint/2010/main" val="4118587773"/>
-      </p:ext>
-    </p:extLst>
-  </p:cSld>
-  <p:clrMapOvr>
-    <a:masterClrMapping/>
-  </p:clrMapOvr>
-</p:sld>
-</file>
-
-<file path=ppt/slides/slide67.xml><?xml version="1.0" encoding="utf-8"?>
 <p:sld xmlns:a="http://schemas.openxmlformats.org/drawingml/2006/main" xmlns:r="http://schemas.openxmlformats.org/officeDocument/2006/relationships" xmlns:p="http://schemas.openxmlformats.org/presentationml/2006/main">
   <p:cSld>
     <p:spTree>

--- a/竹田_修論発表.pptx
+++ b/竹田_修論発表.pptx
@@ -15624,7 +15624,7 @@
           <a:p>
             <a:r>
               <a:rPr lang="en" altLang="ja-JP" sz="2400" dirty="0"/>
-              <a:t>The number of orders and the number of loading and unloading ports increases, the calculations may not be sufficiently advanced in a limited time.[1]</a:t>
+              <a:t>The number of orders and the number of loading and unloading ports increases, the calculations may not be sufficiently advanced in a limited time[1].</a:t>
             </a:r>
             <a:endParaRPr kumimoji="1" lang="ja-JP" altLang="en-US" sz="2400"/>
           </a:p>
@@ -19230,8 +19230,8 @@
           </p:sp>
         </mc:Fallback>
       </mc:AlternateContent>
-      <mc:AlternateContent xmlns:mc="http://schemas.openxmlformats.org/markup-compatibility/2006" xmlns:a14="http://schemas.microsoft.com/office/drawing/2010/main">
-        <mc:Choice Requires="a14">
+      <mc:AlternateContent xmlns:mc="http://schemas.openxmlformats.org/markup-compatibility/2006">
+        <mc:Choice xmlns:a14="http://schemas.microsoft.com/office/drawing/2010/main" Requires="a14">
           <p:graphicFrame>
             <p:nvGraphicFramePr>
               <p:cNvPr id="4" name="表 3">
@@ -19247,13 +19247,13 @@
               <p:nvPr>
                 <p:extLst>
                   <p:ext uri="{D42A27DB-BD31-4B8C-83A1-F6EECF244321}">
-                    <p14:modId xmlns:p14="http://schemas.microsoft.com/office/powerpoint/2010/main" val="1148168198"/>
+                    <p14:modId xmlns:p14="http://schemas.microsoft.com/office/powerpoint/2010/main" val="3772496370"/>
                   </p:ext>
                 </p:extLst>
               </p:nvPr>
             </p:nvGraphicFramePr>
             <p:xfrm>
-              <a:off x="2771493" y="3224103"/>
+              <a:off x="2771494" y="3519938"/>
               <a:ext cx="8550836" cy="2302638"/>
             </p:xfrm>
             <a:graphic>
@@ -19682,7 +19682,7 @@
             </a:graphic>
           </p:graphicFrame>
         </mc:Choice>
-        <mc:Fallback xmlns="">
+        <mc:Fallback>
           <p:graphicFrame>
             <p:nvGraphicFramePr>
               <p:cNvPr id="4" name="表 3">
@@ -19698,13 +19698,13 @@
               <p:nvPr>
                 <p:extLst>
                   <p:ext uri="{D42A27DB-BD31-4B8C-83A1-F6EECF244321}">
-                    <p14:modId xmlns:p14="http://schemas.microsoft.com/office/powerpoint/2010/main" val="1148168198"/>
+                    <p14:modId xmlns:p14="http://schemas.microsoft.com/office/powerpoint/2010/main" val="3772496370"/>
                   </p:ext>
                 </p:extLst>
               </p:nvPr>
             </p:nvGraphicFramePr>
             <p:xfrm>
-              <a:off x="2771493" y="3224103"/>
+              <a:off x="2771494" y="3519938"/>
               <a:ext cx="8550836" cy="2302638"/>
             </p:xfrm>
             <a:graphic>
@@ -19786,7 +19786,7 @@
                         <a:blipFill>
                           <a:blip r:embed="rId3"/>
                           <a:stretch>
-                            <a:fillRect l="-200000" t="-4444" r="-100000" b="-313333"/>
+                            <a:fillRect l="-200000" t="-4545" r="-100000" b="-320455"/>
                           </a:stretch>
                         </a:blipFill>
                       </a:tcPr>
@@ -19803,7 +19803,7 @@
                         <a:blipFill>
                           <a:blip r:embed="rId3"/>
                           <a:stretch>
-                            <a:fillRect l="-301786" t="-4444" r="-595" b="-313333"/>
+                            <a:fillRect l="-301786" t="-4545" r="-595" b="-320455"/>
                           </a:stretch>
                         </a:blipFill>
                       </a:tcPr>
@@ -27937,65 +27937,6 @@
           </a:p>
         </p:txBody>
       </p:sp>
-      <p:sp>
-        <p:nvSpPr>
-          <p:cNvPr id="5" name="正方形/長方形 4">
-            <a:extLst>
-              <a:ext uri="{FF2B5EF4-FFF2-40B4-BE49-F238E27FC236}">
-                <a16:creationId xmlns:a16="http://schemas.microsoft.com/office/drawing/2014/main" id="{8D49A87A-144D-8947-A74D-2A7083448FA4}"/>
-              </a:ext>
-            </a:extLst>
-          </p:cNvPr>
-          <p:cNvSpPr/>
-          <p:nvPr/>
-        </p:nvSpPr>
-        <p:spPr>
-          <a:xfrm>
-            <a:off x="2147248" y="5588056"/>
-            <a:ext cx="9357364" cy="646331"/>
-          </a:xfrm>
-          <a:prstGeom prst="rect">
-            <a:avLst/>
-          </a:prstGeom>
-        </p:spPr>
-        <p:txBody>
-          <a:bodyPr wrap="square">
-            <a:spAutoFit/>
-          </a:bodyPr>
-          <a:lstStyle/>
-          <a:p>
-            <a:r>
-              <a:rPr lang="en-US" altLang="ja-JP" dirty="0"/>
-              <a:t>[1]</a:t>
-            </a:r>
-            <a:r>
-              <a:rPr lang="ja-JP" altLang="en-US"/>
-              <a:t>鵜川知哉</a:t>
-            </a:r>
-            <a:r>
-              <a:rPr lang="en-US" altLang="ja-JP" dirty="0"/>
-              <a:t>, </a:t>
-            </a:r>
-            <a:r>
-              <a:rPr lang="ja-JP" altLang="en-US"/>
-              <a:t>自動車運搬船における貨物積載プラン ニングの席割問題に対する数理モデリング</a:t>
-            </a:r>
-            <a:r>
-              <a:rPr lang="en-US" altLang="ja-JP" dirty="0"/>
-              <a:t>, </a:t>
-            </a:r>
-            <a:r>
-              <a:rPr lang="ja-JP" altLang="en-US"/>
-              <a:t>修士 論文，名古屋大学情報学研究科</a:t>
-            </a:r>
-            <a:r>
-              <a:rPr lang="en-US" altLang="ja-JP" dirty="0"/>
-              <a:t>, 2020 </a:t>
-            </a:r>
-            <a:endParaRPr lang="ja-JP" altLang="en-US"/>
-          </a:p>
-        </p:txBody>
-      </p:sp>
     </p:spTree>
     <p:extLst>
       <p:ext uri="{BB962C8B-B14F-4D97-AF65-F5344CB8AC3E}">
@@ -29069,7 +29010,7 @@
           <a:p>
             <a:r>
               <a:rPr lang="en-US" altLang="ja-JP" sz="2400" dirty="0"/>
-              <a:t>We compare the computation time and the quality of assignment.</a:t>
+              <a:t>We compare the computation time and the quality of assignment with two models.</a:t>
             </a:r>
           </a:p>
           <a:p>
@@ -30025,6 +29966,29 @@
             <a:pPr lvl="1"/>
             <a:r>
               <a:rPr lang="en" altLang="ja-JP" sz="2200" dirty="0"/>
+              <a:t>we propose an approach to reduce computation time in local search.</a:t>
+            </a:r>
+          </a:p>
+          <a:p>
+            <a:pPr lvl="1"/>
+            <a:r>
+              <a:rPr lang="en" altLang="ja-JP" sz="2200"/>
+              <a:t>We </a:t>
+            </a:r>
+            <a:r>
+              <a:rPr lang="en" altLang="ja-JP" sz="2200" dirty="0"/>
+              <a:t>propose 3 approach to generate </a:t>
+            </a:r>
+            <a:r>
+              <a:rPr lang="en" altLang="ja-JP" sz="2200"/>
+              <a:t>initial solution.</a:t>
+            </a:r>
+            <a:endParaRPr lang="en" altLang="ja-JP" sz="2200" dirty="0"/>
+          </a:p>
+          <a:p>
+            <a:pPr lvl="1"/>
+            <a:r>
+              <a:rPr lang="en" altLang="ja-JP" sz="2200" dirty="0"/>
               <a:t>In a relatively</a:t>
             </a:r>
             <a:r>

--- a/竹田_修論発表.pptx
+++ b/竹田_修論発表.pptx
@@ -19247,13 +19247,13 @@
               <p:nvPr>
                 <p:extLst>
                   <p:ext uri="{D42A27DB-BD31-4B8C-83A1-F6EECF244321}">
-                    <p14:modId xmlns:p14="http://schemas.microsoft.com/office/powerpoint/2010/main" val="3772496370"/>
+                    <p14:modId xmlns:p14="http://schemas.microsoft.com/office/powerpoint/2010/main" val="3724425225"/>
                   </p:ext>
                 </p:extLst>
               </p:nvPr>
             </p:nvGraphicFramePr>
             <p:xfrm>
-              <a:off x="2771494" y="3519938"/>
+              <a:off x="2771494" y="3169669"/>
               <a:ext cx="8550836" cy="2302638"/>
             </p:xfrm>
             <a:graphic>
@@ -19698,13 +19698,13 @@
               <p:nvPr>
                 <p:extLst>
                   <p:ext uri="{D42A27DB-BD31-4B8C-83A1-F6EECF244321}">
-                    <p14:modId xmlns:p14="http://schemas.microsoft.com/office/powerpoint/2010/main" val="3772496370"/>
+                    <p14:modId xmlns:p14="http://schemas.microsoft.com/office/powerpoint/2010/main" val="3724425225"/>
                   </p:ext>
                 </p:extLst>
               </p:nvPr>
             </p:nvGraphicFramePr>
             <p:xfrm>
-              <a:off x="2771494" y="3519938"/>
+              <a:off x="2771494" y="3169669"/>
               <a:ext cx="8550836" cy="2302638"/>
             </p:xfrm>
             <a:graphic>

--- a/竹田_修論発表.pptx
+++ b/竹田_修論発表.pptx
@@ -365,7 +365,7 @@
           <a:p>
             <a:fld id="{C8659C27-364E-C74E-8EB0-0FFA61AB3438}" type="datetimeFigureOut">
               <a:rPr kumimoji="1" lang="ja-JP" altLang="en-US" smtClean="0"/>
-              <a:t>2021/12/1</a:t>
+              <a:t>2021/12/14</a:t>
             </a:fld>
             <a:endParaRPr kumimoji="1" lang="ja-JP" altLang="en-US"/>
           </a:p>
@@ -740,7 +740,7 @@
           <a:p>
             <a:fld id="{C8659C27-364E-C74E-8EB0-0FFA61AB3438}" type="datetimeFigureOut">
               <a:rPr kumimoji="1" lang="ja-JP" altLang="en-US" smtClean="0"/>
-              <a:t>2021/12/1</a:t>
+              <a:t>2021/12/14</a:t>
             </a:fld>
             <a:endParaRPr kumimoji="1" lang="ja-JP" altLang="en-US"/>
           </a:p>
@@ -1215,7 +1215,7 @@
           <a:p>
             <a:fld id="{C8659C27-364E-C74E-8EB0-0FFA61AB3438}" type="datetimeFigureOut">
               <a:rPr kumimoji="1" lang="ja-JP" altLang="en-US" smtClean="0"/>
-              <a:t>2021/12/1</a:t>
+              <a:t>2021/12/14</a:t>
             </a:fld>
             <a:endParaRPr kumimoji="1" lang="ja-JP" altLang="en-US"/>
           </a:p>
@@ -1588,7 +1588,7 @@
           <a:p>
             <a:fld id="{C8659C27-364E-C74E-8EB0-0FFA61AB3438}" type="datetimeFigureOut">
               <a:rPr kumimoji="1" lang="ja-JP" altLang="en-US" smtClean="0"/>
-              <a:t>2021/12/1</a:t>
+              <a:t>2021/12/14</a:t>
             </a:fld>
             <a:endParaRPr kumimoji="1" lang="ja-JP" altLang="en-US"/>
           </a:p>
@@ -1982,7 +1982,7 @@
           <a:p>
             <a:fld id="{C8659C27-364E-C74E-8EB0-0FFA61AB3438}" type="datetimeFigureOut">
               <a:rPr kumimoji="1" lang="ja-JP" altLang="en-US" smtClean="0"/>
-              <a:t>2021/12/1</a:t>
+              <a:t>2021/12/14</a:t>
             </a:fld>
             <a:endParaRPr kumimoji="1" lang="ja-JP" altLang="en-US"/>
           </a:p>
@@ -2452,7 +2452,7 @@
           <a:p>
             <a:fld id="{C8659C27-364E-C74E-8EB0-0FFA61AB3438}" type="datetimeFigureOut">
               <a:rPr kumimoji="1" lang="ja-JP" altLang="en-US" smtClean="0"/>
-              <a:t>2021/12/1</a:t>
+              <a:t>2021/12/14</a:t>
             </a:fld>
             <a:endParaRPr kumimoji="1" lang="ja-JP" altLang="en-US"/>
           </a:p>
@@ -2717,7 +2717,7 @@
           <a:p>
             <a:fld id="{C8659C27-364E-C74E-8EB0-0FFA61AB3438}" type="datetimeFigureOut">
               <a:rPr kumimoji="1" lang="ja-JP" altLang="en-US" smtClean="0"/>
-              <a:t>2021/12/1</a:t>
+              <a:t>2021/12/14</a:t>
             </a:fld>
             <a:endParaRPr kumimoji="1" lang="ja-JP" altLang="en-US"/>
           </a:p>
@@ -2987,7 +2987,7 @@
           <a:p>
             <a:fld id="{C8659C27-364E-C74E-8EB0-0FFA61AB3438}" type="datetimeFigureOut">
               <a:rPr kumimoji="1" lang="ja-JP" altLang="en-US" smtClean="0"/>
-              <a:t>2021/12/1</a:t>
+              <a:t>2021/12/14</a:t>
             </a:fld>
             <a:endParaRPr kumimoji="1" lang="ja-JP" altLang="en-US"/>
           </a:p>
@@ -3257,7 +3257,7 @@
           <a:p>
             <a:fld id="{C8659C27-364E-C74E-8EB0-0FFA61AB3438}" type="datetimeFigureOut">
               <a:rPr kumimoji="1" lang="ja-JP" altLang="en-US" smtClean="0"/>
-              <a:t>2021/12/1</a:t>
+              <a:t>2021/12/14</a:t>
             </a:fld>
             <a:endParaRPr kumimoji="1" lang="ja-JP" altLang="en-US"/>
           </a:p>
@@ -3623,7 +3623,7 @@
           <a:p>
             <a:fld id="{C8659C27-364E-C74E-8EB0-0FFA61AB3438}" type="datetimeFigureOut">
               <a:rPr kumimoji="1" lang="ja-JP" altLang="en-US" smtClean="0"/>
-              <a:t>2021/12/1</a:t>
+              <a:t>2021/12/14</a:t>
             </a:fld>
             <a:endParaRPr kumimoji="1" lang="ja-JP" altLang="en-US"/>
           </a:p>
@@ -3962,7 +3962,7 @@
           <a:p>
             <a:fld id="{C8659C27-364E-C74E-8EB0-0FFA61AB3438}" type="datetimeFigureOut">
               <a:rPr kumimoji="1" lang="ja-JP" altLang="en-US" smtClean="0"/>
-              <a:t>2021/12/1</a:t>
+              <a:t>2021/12/14</a:t>
             </a:fld>
             <a:endParaRPr kumimoji="1" lang="ja-JP" altLang="en-US"/>
           </a:p>
@@ -4509,7 +4509,7 @@
           <a:p>
             <a:fld id="{C8659C27-364E-C74E-8EB0-0FFA61AB3438}" type="datetimeFigureOut">
               <a:rPr kumimoji="1" lang="ja-JP" altLang="en-US" smtClean="0"/>
-              <a:t>2021/12/1</a:t>
+              <a:t>2021/12/14</a:t>
             </a:fld>
             <a:endParaRPr kumimoji="1" lang="ja-JP" altLang="en-US"/>
           </a:p>
@@ -4714,7 +4714,7 @@
           <a:p>
             <a:fld id="{C8659C27-364E-C74E-8EB0-0FFA61AB3438}" type="datetimeFigureOut">
               <a:rPr kumimoji="1" lang="ja-JP" altLang="en-US" smtClean="0"/>
-              <a:t>2021/12/1</a:t>
+              <a:t>2021/12/14</a:t>
             </a:fld>
             <a:endParaRPr kumimoji="1" lang="ja-JP" altLang="en-US"/>
           </a:p>
@@ -4891,7 +4891,7 @@
           <a:p>
             <a:fld id="{C8659C27-364E-C74E-8EB0-0FFA61AB3438}" type="datetimeFigureOut">
               <a:rPr kumimoji="1" lang="ja-JP" altLang="en-US" smtClean="0"/>
-              <a:t>2021/12/1</a:t>
+              <a:t>2021/12/14</a:t>
             </a:fld>
             <a:endParaRPr kumimoji="1" lang="ja-JP" altLang="en-US"/>
           </a:p>
@@ -5269,7 +5269,7 @@
           <a:p>
             <a:fld id="{C8659C27-364E-C74E-8EB0-0FFA61AB3438}" type="datetimeFigureOut">
               <a:rPr kumimoji="1" lang="ja-JP" altLang="en-US" smtClean="0"/>
-              <a:t>2021/12/1</a:t>
+              <a:t>2021/12/14</a:t>
             </a:fld>
             <a:endParaRPr kumimoji="1" lang="ja-JP" altLang="en-US"/>
           </a:p>
@@ -5651,7 +5651,7 @@
           <a:p>
             <a:fld id="{C8659C27-364E-C74E-8EB0-0FFA61AB3438}" type="datetimeFigureOut">
               <a:rPr kumimoji="1" lang="ja-JP" altLang="en-US" smtClean="0"/>
-              <a:t>2021/12/1</a:t>
+              <a:t>2021/12/14</a:t>
             </a:fld>
             <a:endParaRPr kumimoji="1" lang="ja-JP" altLang="en-US"/>
           </a:p>
@@ -7776,7 +7776,7 @@
           <a:p>
             <a:fld id="{C8659C27-364E-C74E-8EB0-0FFA61AB3438}" type="datetimeFigureOut">
               <a:rPr kumimoji="1" lang="ja-JP" altLang="en-US" smtClean="0"/>
-              <a:t>2021/12/1</a:t>
+              <a:t>2021/12/14</a:t>
             </a:fld>
             <a:endParaRPr kumimoji="1" lang="ja-JP" altLang="en-US"/>
           </a:p>
@@ -16703,6 +16703,9 @@
             </a:r>
           </a:p>
           <a:p>
+            <a:pPr marL="0" indent="0">
+              <a:buNone/>
+            </a:pPr>
             <a:endParaRPr lang="en-US" altLang="ja-JP" sz="2400" dirty="0"/>
           </a:p>
           <a:p>
@@ -19230,8 +19233,8 @@
           </p:sp>
         </mc:Fallback>
       </mc:AlternateContent>
-      <mc:AlternateContent xmlns:mc="http://schemas.openxmlformats.org/markup-compatibility/2006">
-        <mc:Choice xmlns:a14="http://schemas.microsoft.com/office/drawing/2010/main" Requires="a14">
+      <mc:AlternateContent xmlns:mc="http://schemas.openxmlformats.org/markup-compatibility/2006" xmlns:a14="http://schemas.microsoft.com/office/drawing/2010/main">
+        <mc:Choice Requires="a14">
           <p:graphicFrame>
             <p:nvGraphicFramePr>
               <p:cNvPr id="4" name="表 3">
@@ -19682,7 +19685,7 @@
             </a:graphic>
           </p:graphicFrame>
         </mc:Choice>
-        <mc:Fallback>
+        <mc:Fallback xmlns="">
           <p:graphicFrame>
             <p:nvGraphicFramePr>
               <p:cNvPr id="4" name="表 3">
@@ -28125,14 +28128,14 @@
             <p:ph idx="1"/>
             <p:extLst>
               <p:ext uri="{D42A27DB-BD31-4B8C-83A1-F6EECF244321}">
-                <p14:modId xmlns:p14="http://schemas.microsoft.com/office/powerpoint/2010/main" val="2687215067"/>
+                <p14:modId xmlns:p14="http://schemas.microsoft.com/office/powerpoint/2010/main" val="3477481644"/>
               </p:ext>
             </p:extLst>
           </p:nvPr>
         </p:nvGraphicFramePr>
         <p:xfrm>
-          <a:off x="2592925" y="1636058"/>
-          <a:ext cx="7887354" cy="3566127"/>
+          <a:off x="2312895" y="1636058"/>
+          <a:ext cx="9359153" cy="3743628"/>
         </p:xfrm>
         <a:graphic>
           <a:graphicData uri="http://schemas.openxmlformats.org/drawingml/2006/table">
@@ -28141,38 +28144,52 @@
                 <a:tableStyleId>{5C22544A-7EE6-4342-B048-85BDC9FD1C3A}</a:tableStyleId>
               </a:tblPr>
               <a:tblGrid>
-                <a:gridCol w="1425389">
+                <a:gridCol w="1343080">
                   <a:extLst>
                     <a:ext uri="{9D8B030D-6E8A-4147-A177-3AD203B41FA5}">
                       <a16:colId xmlns:a16="http://schemas.microsoft.com/office/drawing/2014/main" val="3767232075"/>
                     </a:ext>
                   </a:extLst>
                 </a:gridCol>
-                <a:gridCol w="1347062">
+                <a:gridCol w="916025">
                   <a:extLst>
                     <a:ext uri="{9D8B030D-6E8A-4147-A177-3AD203B41FA5}">
                       <a16:colId xmlns:a16="http://schemas.microsoft.com/office/drawing/2014/main" val="275792739"/>
                     </a:ext>
                   </a:extLst>
                 </a:gridCol>
-                <a:gridCol w="1853338">
+                <a:gridCol w="1755999">
                   <a:extLst>
                     <a:ext uri="{9D8B030D-6E8A-4147-A177-3AD203B41FA5}">
                       <a16:colId xmlns:a16="http://schemas.microsoft.com/office/drawing/2014/main" val="2550383071"/>
                     </a:ext>
                   </a:extLst>
                 </a:gridCol>
-                <a:gridCol w="1477679">
+                <a:gridCol w="1017914">
                   <a:extLst>
                     <a:ext uri="{9D8B030D-6E8A-4147-A177-3AD203B41FA5}">
                       <a16:colId xmlns:a16="http://schemas.microsoft.com/office/drawing/2014/main" val="3694173054"/>
                     </a:ext>
                   </a:extLst>
                 </a:gridCol>
-                <a:gridCol w="1783886">
+                <a:gridCol w="1703958">
                   <a:extLst>
                     <a:ext uri="{9D8B030D-6E8A-4147-A177-3AD203B41FA5}">
                       <a16:colId xmlns:a16="http://schemas.microsoft.com/office/drawing/2014/main" val="608630972"/>
+                    </a:ext>
+                  </a:extLst>
+                </a:gridCol>
+                <a:gridCol w="927847">
+                  <a:extLst>
+                    <a:ext uri="{9D8B030D-6E8A-4147-A177-3AD203B41FA5}">
+                      <a16:colId xmlns:a16="http://schemas.microsoft.com/office/drawing/2014/main" val="1525022688"/>
+                    </a:ext>
+                  </a:extLst>
+                </a:gridCol>
+                <a:gridCol w="1694330">
+                  <a:extLst>
+                    <a:ext uri="{9D8B030D-6E8A-4147-A177-3AD203B41FA5}">
+                      <a16:colId xmlns:a16="http://schemas.microsoft.com/office/drawing/2014/main" val="1193853957"/>
                     </a:ext>
                   </a:extLst>
                 </a:gridCol>
@@ -28256,6 +28273,28 @@
                         <a:defRPr/>
                       </a:pPr>
                       <a:endParaRPr kumimoji="1" lang="ja-JP" altLang="en-US" sz="1800"/>
+                    </a:p>
+                  </a:txBody>
+                  <a:tcPr/>
+                </a:tc>
+                <a:tc gridSpan="2">
+                  <a:txBody>
+                    <a:bodyPr/>
+                    <a:lstStyle/>
+                    <a:p>
+                      <a:pPr algn="ctr"/>
+                      <a:endParaRPr kumimoji="1" lang="ja-JP" altLang="en-US" sz="2000"/>
+                    </a:p>
+                  </a:txBody>
+                  <a:tcPr/>
+                </a:tc>
+                <a:tc hMerge="1">
+                  <a:txBody>
+                    <a:bodyPr/>
+                    <a:lstStyle/>
+                    <a:p>
+                      <a:pPr algn="ctr"/>
+                      <a:endParaRPr kumimoji="1" lang="ja-JP" altLang="en-US" sz="2000"/>
                     </a:p>
                   </a:txBody>
                   <a:tcPr/>
@@ -28448,6 +28487,131 @@
                   </a:txBody>
                   <a:tcPr/>
                 </a:tc>
+                <a:tc>
+                  <a:txBody>
+                    <a:bodyPr/>
+                    <a:lstStyle/>
+                    <a:p>
+                      <a:pPr marL="0" marR="0" lvl="0" indent="0" algn="ctr" defTabSz="457200" rtl="0" eaLnBrk="1" fontAlgn="auto" latinLnBrk="0" hangingPunct="1">
+                        <a:lnSpc>
+                          <a:spcPct val="100000"/>
+                        </a:lnSpc>
+                        <a:spcBef>
+                          <a:spcPts val="0"/>
+                        </a:spcBef>
+                        <a:spcAft>
+                          <a:spcPts val="0"/>
+                        </a:spcAft>
+                        <a:buClrTx/>
+                        <a:buSzTx/>
+                        <a:buFontTx/>
+                        <a:buNone/>
+                        <a:tabLst/>
+                        <a:defRPr/>
+                      </a:pPr>
+                      <a:r>
+                        <a:rPr kumimoji="1" lang="en" altLang="ja-JP" sz="1800" dirty="0"/>
+                        <a:t>Value</a:t>
+                      </a:r>
+                      <a:endParaRPr kumimoji="1" lang="ja-JP" altLang="en-US" sz="1800"/>
+                    </a:p>
+                    <a:p>
+                      <a:pPr marL="0" marR="0" lvl="0" indent="0" algn="ctr" defTabSz="457200" rtl="0" eaLnBrk="1" fontAlgn="auto" latinLnBrk="0" hangingPunct="1">
+                        <a:lnSpc>
+                          <a:spcPct val="100000"/>
+                        </a:lnSpc>
+                        <a:spcBef>
+                          <a:spcPts val="0"/>
+                        </a:spcBef>
+                        <a:spcAft>
+                          <a:spcPts val="0"/>
+                        </a:spcAft>
+                        <a:buClrTx/>
+                        <a:buSzTx/>
+                        <a:buFontTx/>
+                        <a:buNone/>
+                        <a:tabLst/>
+                        <a:defRPr/>
+                      </a:pPr>
+                      <a:endParaRPr kumimoji="1" lang="ja-JP" altLang="en-US" sz="1800"/>
+                    </a:p>
+                  </a:txBody>
+                  <a:tcPr/>
+                </a:tc>
+                <a:tc>
+                  <a:txBody>
+                    <a:bodyPr/>
+                    <a:lstStyle/>
+                    <a:p>
+                      <a:pPr marL="0" marR="0" lvl="0" indent="0" algn="ctr" defTabSz="457200" rtl="0" eaLnBrk="1" fontAlgn="auto" latinLnBrk="0" hangingPunct="1">
+                        <a:lnSpc>
+                          <a:spcPct val="100000"/>
+                        </a:lnSpc>
+                        <a:spcBef>
+                          <a:spcPts val="0"/>
+                        </a:spcBef>
+                        <a:spcAft>
+                          <a:spcPts val="0"/>
+                        </a:spcAft>
+                        <a:buClrTx/>
+                        <a:buSzTx/>
+                        <a:buFontTx/>
+                        <a:buNone/>
+                        <a:tabLst/>
+                        <a:defRPr/>
+                      </a:pPr>
+                      <a:r>
+                        <a:rPr kumimoji="1" lang="en" altLang="ja-JP" sz="1800" dirty="0"/>
+                        <a:t>Computation time</a:t>
+                      </a:r>
+                    </a:p>
+                    <a:p>
+                      <a:pPr marL="0" marR="0" lvl="0" indent="0" algn="ctr" defTabSz="457200" rtl="0" eaLnBrk="1" fontAlgn="auto" latinLnBrk="0" hangingPunct="1">
+                        <a:lnSpc>
+                          <a:spcPct val="100000"/>
+                        </a:lnSpc>
+                        <a:spcBef>
+                          <a:spcPts val="0"/>
+                        </a:spcBef>
+                        <a:spcAft>
+                          <a:spcPts val="0"/>
+                        </a:spcAft>
+                        <a:buClrTx/>
+                        <a:buSzTx/>
+                        <a:buFontTx/>
+                        <a:buNone/>
+                        <a:tabLst/>
+                        <a:defRPr/>
+                      </a:pPr>
+                      <a:r>
+                        <a:rPr kumimoji="1" lang="en" altLang="ja-JP" sz="1800" dirty="0"/>
+                        <a:t>(seconds)</a:t>
+                      </a:r>
+                      <a:endParaRPr kumimoji="1" lang="ja-JP" altLang="en-US" sz="1800"/>
+                    </a:p>
+                    <a:p>
+                      <a:pPr marL="0" marR="0" lvl="0" indent="0" algn="ctr" defTabSz="457200" rtl="0" eaLnBrk="1" fontAlgn="auto" latinLnBrk="0" hangingPunct="1">
+                        <a:lnSpc>
+                          <a:spcPct val="100000"/>
+                        </a:lnSpc>
+                        <a:spcBef>
+                          <a:spcPts val="0"/>
+                        </a:spcBef>
+                        <a:spcAft>
+                          <a:spcPts val="0"/>
+                        </a:spcAft>
+                        <a:buClrTx/>
+                        <a:buSzTx/>
+                        <a:buFontTx/>
+                        <a:buNone/>
+                        <a:tabLst/>
+                        <a:defRPr/>
+                      </a:pPr>
+                      <a:endParaRPr kumimoji="1" lang="ja-JP" altLang="en-US" sz="1800"/>
+                    </a:p>
+                  </a:txBody>
+                  <a:tcPr/>
+                </a:tc>
                 <a:extLst>
                   <a:ext uri="{0D108BD9-81ED-4DB2-BD59-A6C34878D82A}">
                     <a16:rowId xmlns:a16="http://schemas.microsoft.com/office/drawing/2014/main" val="3667031896"/>
@@ -28524,6 +28688,36 @@
                       <a:r>
                         <a:rPr kumimoji="1" lang="en-US" altLang="ja-JP" sz="2000" dirty="0"/>
                         <a:t>1641</a:t>
+                      </a:r>
+                      <a:endParaRPr kumimoji="1" lang="ja-JP" altLang="en-US" sz="2000"/>
+                    </a:p>
+                  </a:txBody>
+                  <a:tcPr/>
+                </a:tc>
+                <a:tc>
+                  <a:txBody>
+                    <a:bodyPr/>
+                    <a:lstStyle/>
+                    <a:p>
+                      <a:pPr algn="ctr"/>
+                      <a:r>
+                        <a:rPr kumimoji="1" lang="en-US" altLang="ja-JP" sz="2000" dirty="0"/>
+                        <a:t>-2896</a:t>
+                      </a:r>
+                      <a:endParaRPr kumimoji="1" lang="ja-JP" altLang="en-US" sz="2000"/>
+                    </a:p>
+                  </a:txBody>
+                  <a:tcPr/>
+                </a:tc>
+                <a:tc>
+                  <a:txBody>
+                    <a:bodyPr/>
+                    <a:lstStyle/>
+                    <a:p>
+                      <a:pPr algn="ctr"/>
+                      <a:r>
+                        <a:rPr kumimoji="1" lang="en-US" altLang="ja-JP" sz="2000" dirty="0"/>
+                        <a:t>776</a:t>
                       </a:r>
                       <a:endParaRPr kumimoji="1" lang="ja-JP" altLang="en-US" sz="2000"/>
                     </a:p>
@@ -28612,6 +28806,36 @@
                   </a:txBody>
                   <a:tcPr/>
                 </a:tc>
+                <a:tc>
+                  <a:txBody>
+                    <a:bodyPr/>
+                    <a:lstStyle/>
+                    <a:p>
+                      <a:pPr algn="ctr"/>
+                      <a:r>
+                        <a:rPr kumimoji="1" lang="en-US" altLang="ja-JP" sz="2000" dirty="0"/>
+                        <a:t>-3247</a:t>
+                      </a:r>
+                      <a:endParaRPr kumimoji="1" lang="ja-JP" altLang="en-US" sz="2000"/>
+                    </a:p>
+                  </a:txBody>
+                  <a:tcPr/>
+                </a:tc>
+                <a:tc>
+                  <a:txBody>
+                    <a:bodyPr/>
+                    <a:lstStyle/>
+                    <a:p>
+                      <a:pPr algn="ctr"/>
+                      <a:r>
+                        <a:rPr kumimoji="1" lang="en-US" altLang="ja-JP" sz="2000" dirty="0"/>
+                        <a:t>2650</a:t>
+                      </a:r>
+                      <a:endParaRPr kumimoji="1" lang="ja-JP" altLang="en-US" sz="2000"/>
+                    </a:p>
+                  </a:txBody>
+                  <a:tcPr/>
+                </a:tc>
                 <a:extLst>
                   <a:ext uri="{0D108BD9-81ED-4DB2-BD59-A6C34878D82A}">
                     <a16:rowId xmlns:a16="http://schemas.microsoft.com/office/drawing/2014/main" val="323683789"/>
@@ -28688,6 +28912,36 @@
                       <a:r>
                         <a:rPr kumimoji="1" lang="en-US" altLang="ja-JP" sz="2000" dirty="0"/>
                         <a:t>8782</a:t>
+                      </a:r>
+                      <a:endParaRPr kumimoji="1" lang="ja-JP" altLang="en-US" sz="2000"/>
+                    </a:p>
+                  </a:txBody>
+                  <a:tcPr/>
+                </a:tc>
+                <a:tc>
+                  <a:txBody>
+                    <a:bodyPr/>
+                    <a:lstStyle/>
+                    <a:p>
+                      <a:pPr algn="ctr"/>
+                      <a:r>
+                        <a:rPr kumimoji="1" lang="en-US" altLang="ja-JP" sz="2000" dirty="0"/>
+                        <a:t>-1873</a:t>
+                      </a:r>
+                      <a:endParaRPr kumimoji="1" lang="ja-JP" altLang="en-US" sz="2000"/>
+                    </a:p>
+                  </a:txBody>
+                  <a:tcPr/>
+                </a:tc>
+                <a:tc>
+                  <a:txBody>
+                    <a:bodyPr/>
+                    <a:lstStyle/>
+                    <a:p>
+                      <a:pPr algn="ctr"/>
+                      <a:r>
+                        <a:rPr kumimoji="1" lang="en-US" altLang="ja-JP" sz="2000" dirty="0"/>
+                        <a:t>3009</a:t>
                       </a:r>
                       <a:endParaRPr kumimoji="1" lang="ja-JP" altLang="en-US" sz="2000"/>
                     </a:p>
@@ -28776,6 +29030,36 @@
                   </a:txBody>
                   <a:tcPr/>
                 </a:tc>
+                <a:tc>
+                  <a:txBody>
+                    <a:bodyPr/>
+                    <a:lstStyle/>
+                    <a:p>
+                      <a:pPr algn="ctr"/>
+                      <a:r>
+                        <a:rPr kumimoji="1" lang="en-US" altLang="ja-JP" sz="2000" dirty="0"/>
+                        <a:t>-3476</a:t>
+                      </a:r>
+                      <a:endParaRPr kumimoji="1" lang="ja-JP" altLang="en-US" sz="2000"/>
+                    </a:p>
+                  </a:txBody>
+                  <a:tcPr/>
+                </a:tc>
+                <a:tc>
+                  <a:txBody>
+                    <a:bodyPr/>
+                    <a:lstStyle/>
+                    <a:p>
+                      <a:pPr algn="ctr"/>
+                      <a:r>
+                        <a:rPr kumimoji="1" lang="en-US" altLang="ja-JP" sz="2000" dirty="0"/>
+                        <a:t>1605</a:t>
+                      </a:r>
+                      <a:endParaRPr kumimoji="1" lang="ja-JP" altLang="en-US" sz="2000"/>
+                    </a:p>
+                  </a:txBody>
+                  <a:tcPr/>
+                </a:tc>
                 <a:extLst>
                   <a:ext uri="{0D108BD9-81ED-4DB2-BD59-A6C34878D82A}">
                     <a16:rowId xmlns:a16="http://schemas.microsoft.com/office/drawing/2014/main" val="342577522"/>
@@ -29126,7 +29410,7 @@
             <p:ph idx="1"/>
             <p:extLst>
               <p:ext uri="{D42A27DB-BD31-4B8C-83A1-F6EECF244321}">
-                <p14:modId xmlns:p14="http://schemas.microsoft.com/office/powerpoint/2010/main" val="111855986"/>
+                <p14:modId xmlns:p14="http://schemas.microsoft.com/office/powerpoint/2010/main" val="812932360"/>
               </p:ext>
             </p:extLst>
           </p:nvPr>
@@ -29518,7 +29802,7 @@
                       <a:pPr algn="ctr"/>
                       <a:r>
                         <a:rPr kumimoji="1" lang="en-US" altLang="ja-JP" sz="2000" dirty="0"/>
-                        <a:t>-2975</a:t>
+                        <a:t>-2896</a:t>
                       </a:r>
                       <a:endParaRPr kumimoji="1" lang="ja-JP" altLang="en-US" sz="2000"/>
                     </a:p>
@@ -29533,7 +29817,7 @@
                       <a:pPr algn="ctr"/>
                       <a:r>
                         <a:rPr kumimoji="1" lang="en-US" altLang="ja-JP" sz="2000" dirty="0"/>
-                        <a:t>873</a:t>
+                        <a:t>776</a:t>
                       </a:r>
                       <a:endParaRPr kumimoji="1" lang="ja-JP" altLang="en-US" sz="2000"/>
                     </a:p>
@@ -29600,7 +29884,7 @@
                       <a:pPr algn="ctr"/>
                       <a:r>
                         <a:rPr kumimoji="1" lang="en-US" altLang="ja-JP" sz="2000" dirty="0"/>
-                        <a:t>-1167</a:t>
+                        <a:t>-3247</a:t>
                       </a:r>
                       <a:endParaRPr kumimoji="1" lang="ja-JP" altLang="en-US" sz="2000"/>
                     </a:p>
@@ -29615,7 +29899,7 @@
                       <a:pPr algn="ctr"/>
                       <a:r>
                         <a:rPr kumimoji="1" lang="en-US" altLang="ja-JP" sz="2000" dirty="0"/>
-                        <a:t>938</a:t>
+                        <a:t>2650</a:t>
                       </a:r>
                       <a:endParaRPr kumimoji="1" lang="ja-JP" altLang="en-US" sz="2000"/>
                     </a:p>
@@ -29682,7 +29966,7 @@
                       <a:pPr algn="ctr"/>
                       <a:r>
                         <a:rPr kumimoji="1" lang="en-US" altLang="ja-JP" sz="2000" dirty="0"/>
-                        <a:t>-1378</a:t>
+                        <a:t>-1873</a:t>
                       </a:r>
                       <a:endParaRPr kumimoji="1" lang="ja-JP" altLang="en-US" sz="2000"/>
                     </a:p>
@@ -29697,7 +29981,7 @@
                       <a:pPr algn="ctr"/>
                       <a:r>
                         <a:rPr kumimoji="1" lang="en-US" altLang="ja-JP" sz="2000" dirty="0"/>
-                        <a:t>728</a:t>
+                        <a:t>3009</a:t>
                       </a:r>
                       <a:endParaRPr kumimoji="1" lang="ja-JP" altLang="en-US" sz="2000"/>
                     </a:p>
@@ -29764,7 +30048,7 @@
                       <a:pPr algn="ctr"/>
                       <a:r>
                         <a:rPr kumimoji="1" lang="en-US" altLang="ja-JP" sz="2000" dirty="0"/>
-                        <a:t>-2235</a:t>
+                        <a:t>-3476</a:t>
                       </a:r>
                       <a:endParaRPr kumimoji="1" lang="ja-JP" altLang="en-US" sz="2000"/>
                     </a:p>
@@ -29779,7 +30063,7 @@
                       <a:pPr algn="ctr"/>
                       <a:r>
                         <a:rPr kumimoji="1" lang="en-US" altLang="ja-JP" sz="2000" dirty="0"/>
-                        <a:t>3069</a:t>
+                        <a:t>1605</a:t>
                       </a:r>
                       <a:endParaRPr kumimoji="1" lang="ja-JP" altLang="en-US" sz="2000"/>
                     </a:p>

--- a/竹田_修論発表.pptx
+++ b/竹田_修論発表.pptx
@@ -8830,26 +8830,19 @@
           <a:lstStyle/>
           <a:p>
             <a:r>
+              <a:rPr lang="en-US" altLang="ja-JP" sz="2400" dirty="0"/>
+              <a:t>We conducted multiple interviews with the planners who actually decide the stowage planning.</a:t>
+            </a:r>
+            <a:endParaRPr kumimoji="1" lang="en-US" altLang="ja-JP" sz="2400" dirty="0"/>
+          </a:p>
+          <a:p>
+            <a:r>
               <a:rPr kumimoji="1" lang="en-US" altLang="ja-JP" sz="2400" dirty="0"/>
               <a:t>We model this </a:t>
             </a:r>
             <a:r>
               <a:rPr lang="en-US" altLang="ja-JP" sz="2400" dirty="0"/>
-              <a:t>assignment based on interviews with planners.</a:t>
-            </a:r>
-          </a:p>
-          <a:p>
-            <a:r>
-              <a:rPr lang="en-US" altLang="ja-JP" sz="2400" dirty="0"/>
-              <a:t>I and </a:t>
-            </a:r>
-            <a:r>
-              <a:rPr lang="en-US" altLang="ja-JP" sz="2400" dirty="0" err="1"/>
-              <a:t>Mr.Ukawa</a:t>
-            </a:r>
-            <a:r>
-              <a:rPr lang="en-US" altLang="ja-JP" sz="2400" dirty="0"/>
-              <a:t> made model for this assignment last year.</a:t>
+              <a:t>assignment based on interviews.</a:t>
             </a:r>
           </a:p>
           <a:p>
@@ -8956,7 +8949,7 @@
             </a:pPr>
             <a:r>
               <a:rPr lang="en" altLang="ja-JP" sz="2400" dirty="0"/>
-              <a:t>the objective function would be the weighted sum of the following five.</a:t>
+              <a:t>The objective function is the weighted sum of the following five.</a:t>
             </a:r>
           </a:p>
           <a:p>
@@ -30360,7 +30353,7 @@
           <a:p>
             <a:r>
               <a:rPr lang="en-US" altLang="ja-JP" sz="2400" dirty="0"/>
-              <a:t>We consider the ships which has 12 decks(floors).</a:t>
+              <a:t>We consider a ship that has 12 decks (floors).</a:t>
             </a:r>
           </a:p>
           <a:p>
